--- a/기획/방랑엽사전/퀘스트 시스템 기획서.pptx
+++ b/기획/방랑엽사전/퀘스트 시스템 기획서.pptx
@@ -2,16 +2,17 @@
 <file path=ppt/presentation.xml><?xml version="1.0" encoding="utf-8"?>
 <p:presentation xmlns:a="http://schemas.openxmlformats.org/drawingml/2006/main" xmlns:r="http://schemas.openxmlformats.org/officeDocument/2006/relationships" xmlns:p="http://schemas.openxmlformats.org/presentationml/2006/main" saveSubsetFonts="1">
   <p:sldMasterIdLst>
-    <p:sldMasterId id="2147483648" r:id="rId1"/>
+    <p:sldMasterId id="2147483684" r:id="rId1"/>
   </p:sldMasterIdLst>
   <p:notesMasterIdLst>
-    <p:notesMasterId r:id="rId6"/>
+    <p:notesMasterId r:id="rId7"/>
   </p:notesMasterIdLst>
   <p:sldIdLst>
     <p:sldId id="258" r:id="rId2"/>
     <p:sldId id="266" r:id="rId3"/>
     <p:sldId id="265" r:id="rId4"/>
-    <p:sldId id="267" r:id="rId5"/>
+    <p:sldId id="268" r:id="rId5"/>
+    <p:sldId id="267" r:id="rId6"/>
   </p:sldIdLst>
   <p:sldSz cx="12192000" cy="6858000"/>
   <p:notesSz cx="6858000" cy="9144000"/>
@@ -113,7 +114,7 @@
   <p:extLst>
     <p:ext uri="{EFAFB233-063F-42B5-8137-9DF3F51BA10A}">
       <p15:sldGuideLst xmlns:p15="http://schemas.microsoft.com/office/powerpoint/2012/main">
-        <p15:guide id="1" orient="horz" pos="2160" userDrawn="1">
+        <p15:guide id="1" orient="horz" pos="2159" userDrawn="1">
           <p15:clr>
             <a:srgbClr val="A4A3A4"/>
           </p15:clr>
@@ -123,27 +124,27 @@
             <a:srgbClr val="A4A3A4"/>
           </p15:clr>
         </p15:guide>
-        <p15:guide id="3" orient="horz" pos="731" userDrawn="1">
+        <p15:guide id="3" orient="horz" pos="730" userDrawn="1">
           <p15:clr>
             <a:srgbClr val="A4A3A4"/>
           </p15:clr>
         </p15:guide>
-        <p15:guide id="4" pos="438" userDrawn="1">
+        <p15:guide id="4" pos="437" userDrawn="1">
           <p15:clr>
             <a:srgbClr val="A4A3A4"/>
           </p15:clr>
         </p15:guide>
-        <p15:guide id="5" pos="7242" userDrawn="1">
+        <p15:guide id="5" pos="7241" userDrawn="1">
           <p15:clr>
             <a:srgbClr val="A4A3A4"/>
           </p15:clr>
         </p15:guide>
-        <p15:guide id="6" pos="892" userDrawn="1">
+        <p15:guide id="6" pos="891" userDrawn="1">
           <p15:clr>
             <a:srgbClr val="A4A3A4"/>
           </p15:clr>
         </p15:guide>
-        <p15:guide id="7" pos="6788" userDrawn="1">
+        <p15:guide id="7" pos="6765" userDrawn="1">
           <p15:clr>
             <a:srgbClr val="A4A3A4"/>
           </p15:clr>
@@ -152,18 +153,6 @@
     </p:ext>
   </p:extLst>
 </p:presentation>
-</file>
-
-<file path=ppt/commentAuthors.xml><?xml version="1.0" encoding="utf-8"?>
-<p:cmAuthorLst xmlns:a="http://schemas.openxmlformats.org/drawingml/2006/main" xmlns:r="http://schemas.openxmlformats.org/officeDocument/2006/relationships" xmlns:p="http://schemas.openxmlformats.org/presentationml/2006/main">
-  <p:cmAuthor id="1" name="User" initials="U" lastIdx="1" clrIdx="0">
-    <p:extLst>
-      <p:ext uri="{19B8F6BF-5375-455C-9EA6-DF929625EA0E}">
-        <p15:presenceInfo xmlns:p15="http://schemas.microsoft.com/office/powerpoint/2012/main" userId="User" providerId="None"/>
-      </p:ext>
-    </p:extLst>
-  </p:cmAuthor>
-</p:cmAuthorLst>
 </file>
 
 <file path=ppt/notesMasters/notesMaster1.xml><?xml version="1.0" encoding="utf-8"?>
@@ -248,7 +237,7 @@
           <a:p>
             <a:fld id="{C8649E71-8129-4905-BAC0-51D65A0C1379}" type="datetimeFigureOut">
               <a:rPr lang="ko-KR" altLang="en-US" smtClean="0"/>
-              <a:t>2024-01-10</a:t>
+              <a:t>2024-01-11</a:t>
             </a:fld>
             <a:endParaRPr lang="ko-KR" altLang="en-US"/>
           </a:p>
@@ -746,7 +735,7 @@
           <a:p>
             <a:fld id="{523D6941-6B33-4834-BC65-A333846D27E6}" type="datetimeFigureOut">
               <a:rPr lang="ko-KR" altLang="en-US" smtClean="0"/>
-              <a:t>2024-01-10</a:t>
+              <a:t>2024-01-11</a:t>
             </a:fld>
             <a:endParaRPr lang="ko-KR" altLang="en-US"/>
           </a:p>
@@ -944,7 +933,7 @@
           <a:p>
             <a:fld id="{523D6941-6B33-4834-BC65-A333846D27E6}" type="datetimeFigureOut">
               <a:rPr lang="ko-KR" altLang="en-US" smtClean="0"/>
-              <a:t>2024-01-10</a:t>
+              <a:t>2024-01-11</a:t>
             </a:fld>
             <a:endParaRPr lang="ko-KR" altLang="en-US"/>
           </a:p>
@@ -1152,7 +1141,7 @@
           <a:p>
             <a:fld id="{523D6941-6B33-4834-BC65-A333846D27E6}" type="datetimeFigureOut">
               <a:rPr lang="ko-KR" altLang="en-US" smtClean="0"/>
-              <a:t>2024-01-10</a:t>
+              <a:t>2024-01-11</a:t>
             </a:fld>
             <a:endParaRPr lang="ko-KR" altLang="en-US"/>
           </a:p>
@@ -1258,7 +1247,12 @@
             <p:ph type="title"/>
           </p:nvPr>
         </p:nvSpPr>
-        <p:spPr/>
+        <p:spPr>
+          <a:xfrm>
+            <a:off x="838200" y="365125"/>
+            <a:ext cx="10516235" cy="1326515"/>
+          </a:xfrm>
+        </p:spPr>
         <p:txBody>
           <a:bodyPr/>
           <a:lstStyle/>
@@ -1286,7 +1280,12 @@
             <p:ph idx="1"/>
           </p:nvPr>
         </p:nvSpPr>
-        <p:spPr/>
+        <p:spPr>
+          <a:xfrm>
+            <a:off x="838200" y="1825625"/>
+            <a:ext cx="10516235" cy="4352290"/>
+          </a:xfrm>
+        </p:spPr>
         <p:txBody>
           <a:bodyPr/>
           <a:lstStyle/>
@@ -1343,14 +1342,19 @@
             <p:ph type="dt" sz="half" idx="10"/>
           </p:nvPr>
         </p:nvSpPr>
-        <p:spPr/>
+        <p:spPr>
+          <a:xfrm>
+            <a:off x="838200" y="6356350"/>
+            <a:ext cx="2743835" cy="365760"/>
+          </a:xfrm>
+        </p:spPr>
         <p:txBody>
           <a:bodyPr/>
           <a:lstStyle/>
           <a:p>
             <a:fld id="{523D6941-6B33-4834-BC65-A333846D27E6}" type="datetimeFigureOut">
               <a:rPr lang="ko-KR" altLang="en-US" smtClean="0"/>
-              <a:t>2024-01-10</a:t>
+              <a:t>2024-01-11</a:t>
             </a:fld>
             <a:endParaRPr lang="ko-KR" altLang="en-US"/>
           </a:p>
@@ -1372,7 +1376,12 @@
             <p:ph type="ftr" sz="quarter" idx="11"/>
           </p:nvPr>
         </p:nvSpPr>
-        <p:spPr/>
+        <p:spPr>
+          <a:xfrm>
+            <a:off x="4038600" y="6356350"/>
+            <a:ext cx="4115435" cy="365760"/>
+          </a:xfrm>
+        </p:spPr>
         <p:txBody>
           <a:bodyPr/>
           <a:lstStyle/>
@@ -1397,7 +1406,12 @@
             <p:ph type="sldNum" sz="quarter" idx="12"/>
           </p:nvPr>
         </p:nvSpPr>
-        <p:spPr/>
+        <p:spPr>
+          <a:xfrm>
+            <a:off x="8610600" y="6356350"/>
+            <a:ext cx="2743835" cy="365760"/>
+          </a:xfrm>
+        </p:spPr>
         <p:txBody>
           <a:bodyPr/>
           <a:lstStyle/>
@@ -1625,7 +1639,7 @@
           <a:p>
             <a:fld id="{523D6941-6B33-4834-BC65-A333846D27E6}" type="datetimeFigureOut">
               <a:rPr lang="ko-KR" altLang="en-US" smtClean="0"/>
-              <a:t>2024-01-10</a:t>
+              <a:t>2024-01-11</a:t>
             </a:fld>
             <a:endParaRPr lang="ko-KR" altLang="en-US"/>
           </a:p>
@@ -1890,7 +1904,7 @@
           <a:p>
             <a:fld id="{523D6941-6B33-4834-BC65-A333846D27E6}" type="datetimeFigureOut">
               <a:rPr lang="ko-KR" altLang="en-US" smtClean="0"/>
-              <a:t>2024-01-10</a:t>
+              <a:t>2024-01-11</a:t>
             </a:fld>
             <a:endParaRPr lang="ko-KR" altLang="en-US"/>
           </a:p>
@@ -2302,7 +2316,7 @@
           <a:p>
             <a:fld id="{523D6941-6B33-4834-BC65-A333846D27E6}" type="datetimeFigureOut">
               <a:rPr lang="ko-KR" altLang="en-US" smtClean="0"/>
-              <a:t>2024-01-10</a:t>
+              <a:t>2024-01-11</a:t>
             </a:fld>
             <a:endParaRPr lang="ko-KR" altLang="en-US"/>
           </a:p>
@@ -2443,7 +2457,7 @@
           <a:p>
             <a:fld id="{523D6941-6B33-4834-BC65-A333846D27E6}" type="datetimeFigureOut">
               <a:rPr lang="ko-KR" altLang="en-US" smtClean="0"/>
-              <a:t>2024-01-10</a:t>
+              <a:t>2024-01-11</a:t>
             </a:fld>
             <a:endParaRPr lang="ko-KR" altLang="en-US"/>
           </a:p>
@@ -2556,7 +2570,7 @@
           <a:p>
             <a:fld id="{523D6941-6B33-4834-BC65-A333846D27E6}" type="datetimeFigureOut">
               <a:rPr lang="ko-KR" altLang="en-US" smtClean="0"/>
-              <a:t>2024-01-10</a:t>
+              <a:t>2024-01-11</a:t>
             </a:fld>
             <a:endParaRPr lang="ko-KR" altLang="en-US"/>
           </a:p>
@@ -2867,7 +2881,7 @@
           <a:p>
             <a:fld id="{523D6941-6B33-4834-BC65-A333846D27E6}" type="datetimeFigureOut">
               <a:rPr lang="ko-KR" altLang="en-US" smtClean="0"/>
-              <a:t>2024-01-10</a:t>
+              <a:t>2024-01-11</a:t>
             </a:fld>
             <a:endParaRPr lang="ko-KR" altLang="en-US"/>
           </a:p>
@@ -3155,7 +3169,7 @@
           <a:p>
             <a:fld id="{523D6941-6B33-4834-BC65-A333846D27E6}" type="datetimeFigureOut">
               <a:rPr lang="ko-KR" altLang="en-US" smtClean="0"/>
-              <a:t>2024-01-10</a:t>
+              <a:t>2024-01-11</a:t>
             </a:fld>
             <a:endParaRPr lang="ko-KR" altLang="en-US"/>
           </a:p>
@@ -3269,7 +3283,7 @@
         <p:spPr>
           <a:xfrm>
             <a:off x="838200" y="365125"/>
-            <a:ext cx="10515600" cy="1325563"/>
+            <a:ext cx="10515600" cy="1325880"/>
           </a:xfrm>
           <a:prstGeom prst="rect">
             <a:avLst/>
@@ -3307,7 +3321,7 @@
         <p:spPr>
           <a:xfrm>
             <a:off x="838200" y="1825625"/>
-            <a:ext cx="10515600" cy="4351338"/>
+            <a:ext cx="10515600" cy="4351655"/>
           </a:xfrm>
           <a:prstGeom prst="rect">
             <a:avLst/>
@@ -3396,7 +3410,7 @@
           <a:p>
             <a:fld id="{523D6941-6B33-4834-BC65-A333846D27E6}" type="datetimeFigureOut">
               <a:rPr lang="ko-KR" altLang="en-US" smtClean="0"/>
-              <a:t>2024-01-10</a:t>
+              <a:t>2024-01-11</a:t>
             </a:fld>
             <a:endParaRPr lang="ko-KR" altLang="en-US"/>
           </a:p>
@@ -3501,17 +3515,17 @@
   </p:cSld>
   <p:clrMap bg1="lt1" tx1="dk1" bg2="lt2" tx2="dk2" accent1="accent1" accent2="accent2" accent3="accent3" accent4="accent4" accent5="accent5" accent6="accent6" hlink="hlink" folHlink="folHlink"/>
   <p:sldLayoutIdLst>
-    <p:sldLayoutId id="2147483649" r:id="rId1"/>
-    <p:sldLayoutId id="2147483650" r:id="rId2"/>
-    <p:sldLayoutId id="2147483651" r:id="rId3"/>
-    <p:sldLayoutId id="2147483652" r:id="rId4"/>
-    <p:sldLayoutId id="2147483653" r:id="rId5"/>
-    <p:sldLayoutId id="2147483654" r:id="rId6"/>
-    <p:sldLayoutId id="2147483655" r:id="rId7"/>
-    <p:sldLayoutId id="2147483656" r:id="rId8"/>
-    <p:sldLayoutId id="2147483657" r:id="rId9"/>
-    <p:sldLayoutId id="2147483658" r:id="rId10"/>
-    <p:sldLayoutId id="2147483659" r:id="rId11"/>
+    <p:sldLayoutId id="2147483673" r:id="rId1"/>
+    <p:sldLayoutId id="2147483674" r:id="rId2"/>
+    <p:sldLayoutId id="2147483675" r:id="rId3"/>
+    <p:sldLayoutId id="2147483676" r:id="rId4"/>
+    <p:sldLayoutId id="2147483677" r:id="rId5"/>
+    <p:sldLayoutId id="2147483678" r:id="rId6"/>
+    <p:sldLayoutId id="2147483679" r:id="rId7"/>
+    <p:sldLayoutId id="2147483680" r:id="rId8"/>
+    <p:sldLayoutId id="2147483681" r:id="rId9"/>
+    <p:sldLayoutId id="2147483682" r:id="rId10"/>
+    <p:sldLayoutId id="2147483683" r:id="rId11"/>
   </p:sldLayoutIdLst>
   <p:txStyles>
     <p:titleStyle>
@@ -4521,8 +4535,8 @@
         </p:nvSpPr>
         <p:spPr>
           <a:xfrm>
-            <a:off x="695325" y="291904"/>
-            <a:ext cx="10801350" cy="861646"/>
+            <a:off x="695325" y="292100"/>
+            <a:ext cx="10801350" cy="861695"/>
           </a:xfrm>
           <a:prstGeom prst="rect">
             <a:avLst/>
@@ -4591,28 +4605,15 @@
       </p:grpSpPr>
       <p:graphicFrame>
         <p:nvGraphicFramePr>
-          <p:cNvPr id="6" name="내용 개체 틀 5">
-            <a:extLst>
-              <a:ext uri="{FF2B5EF4-FFF2-40B4-BE49-F238E27FC236}">
-                <a16:creationId xmlns:a16="http://schemas.microsoft.com/office/drawing/2014/main" id="{9A1AAAF8-6CFC-415C-B3C1-0B31C113F8CF}"/>
-              </a:ext>
-            </a:extLst>
-          </p:cNvPr>
+          <p:cNvPr id="6" name="내용 개체 틀 5"/>
           <p:cNvGraphicFramePr>
             <a:graphicFrameLocks noGrp="1"/>
           </p:cNvGraphicFramePr>
-          <p:nvPr>
-            <p:ph idx="1"/>
-            <p:extLst>
-              <p:ext uri="{D42A27DB-BD31-4B8C-83A1-F6EECF244321}">
-                <p14:modId xmlns:p14="http://schemas.microsoft.com/office/powerpoint/2010/main" val="614170874"/>
-              </p:ext>
-            </p:extLst>
-          </p:nvPr>
+          <p:nvPr/>
         </p:nvGraphicFramePr>
         <p:xfrm>
-          <a:off x="1416050" y="2477512"/>
-          <a:ext cx="9359900" cy="1902976"/>
+          <a:off x="1416050" y="2477770"/>
+          <a:ext cx="9351645" cy="2433955"/>
         </p:xfrm>
         <a:graphic>
           <a:graphicData uri="http://schemas.openxmlformats.org/drawingml/2006/table">
@@ -4621,23 +4622,26 @@
                 <a:tableStyleId>{5C22544A-7EE6-4342-B048-85BDC9FD1C3A}</a:tableStyleId>
               </a:tblPr>
               <a:tblGrid>
-                <a:gridCol w="9359900">
+                <a:gridCol w="9351645">
                   <a:extLst>
                     <a:ext uri="{9D8B030D-6E8A-4147-A177-3AD203B41FA5}">
-                      <a16:colId xmlns:a16="http://schemas.microsoft.com/office/drawing/2014/main" val="2167911011"/>
+                      <a16:colId xmlns:a16="http://schemas.microsoft.com/office/drawing/2014/main" val="20000"/>
                     </a:ext>
                   </a:extLst>
                 </a:gridCol>
               </a:tblGrid>
-              <a:tr h="384812">
+              <a:tr h="492125">
                 <a:tc>
                   <a:txBody>
                     <a:bodyPr/>
                     <a:lstStyle/>
                     <a:p>
-                      <a:pPr latinLnBrk="1"/>
+                      <a:pPr marL="0" lvl="1" indent="0" latinLnBrk="1">
+                        <a:buFontTx/>
+                        <a:buNone/>
+                      </a:pPr>
                       <a:r>
-                        <a:rPr lang="ko-KR" altLang="en-US" dirty="0">
+                        <a:rPr lang="ko-KR" altLang="en-US" b="1" kern="1200">
                           <a:solidFill>
                             <a:schemeClr val="tx1"/>
                           </a:solidFill>
@@ -4645,14 +4649,14 @@
                         <a:t>퀘스트 란</a:t>
                       </a:r>
                       <a:r>
-                        <a:rPr lang="en-US" altLang="ko-KR" dirty="0">
+                        <a:rPr lang="en-US" altLang="ko-KR" b="1" kern="1200">
                           <a:solidFill>
                             <a:schemeClr val="tx1"/>
                           </a:solidFill>
                         </a:rPr>
                         <a:t>?</a:t>
                       </a:r>
-                      <a:endParaRPr lang="ko-KR" altLang="en-US" dirty="0">
+                      <a:endParaRPr lang="ko-KR" altLang="en-US" b="1" kern="1200">
                         <a:solidFill>
                           <a:schemeClr val="tx1"/>
                         </a:solidFill>
@@ -4660,60 +4664,78 @@
                     </a:p>
                   </a:txBody>
                   <a:tcPr>
-                    <a:lnL w="12700" cmpd="sng">
+                    <a:lnL w="0" cap="flat" cmpd="sng" algn="ctr">
                       <a:noFill/>
+                      <a:prstDash/>
+                      <a:round/>
+                      <a:headEnd type="none" w="med" len="med"/>
+                      <a:tailEnd type="none" w="med" len="med"/>
                     </a:lnL>
-                    <a:lnR w="12700" cmpd="sng">
+                    <a:lnR w="0" cap="flat" cmpd="sng" algn="ctr">
                       <a:noFill/>
+                      <a:prstDash/>
+                      <a:round/>
+                      <a:headEnd type="none" w="med" len="med"/>
+                      <a:tailEnd type="none" w="med" len="med"/>
                     </a:lnR>
-                    <a:lnT w="12700" cmpd="sng">
+                    <a:lnT w="0" cap="flat" cmpd="sng" algn="ctr">
                       <a:noFill/>
+                      <a:prstDash/>
+                      <a:round/>
+                      <a:headEnd type="none" w="med" len="med"/>
+                      <a:tailEnd type="none" w="med" len="med"/>
                     </a:lnT>
-                    <a:lnB w="38100" cmpd="sng">
+                    <a:lnB w="0" cap="flat" cmpd="sng" algn="ctr">
                       <a:noFill/>
+                      <a:prstDash/>
+                      <a:round/>
+                      <a:headEnd type="none" w="med" len="med"/>
+                      <a:tailEnd type="none" w="med" len="med"/>
                     </a:lnB>
-                    <a:lnTlToBr w="12700" cmpd="sng">
+                    <a:lnTlToBr w="0" cap="flat" cmpd="sng" algn="ctr">
                       <a:noFill/>
-                      <a:prstDash val="solid"/>
+                      <a:prstDash/>
+                      <a:round/>
+                      <a:headEnd type="none" w="med" len="med"/>
+                      <a:tailEnd type="none" w="med" len="med"/>
                     </a:lnTlToBr>
-                    <a:lnBlToTr w="12700" cmpd="sng">
+                    <a:lnBlToTr w="0" cap="flat" cmpd="sng" algn="ctr">
                       <a:noFill/>
-                      <a:prstDash val="solid"/>
+                      <a:prstDash/>
+                      <a:round/>
+                      <a:headEnd type="none" w="med" len="med"/>
+                      <a:tailEnd type="none" w="med" len="med"/>
                     </a:lnBlToTr>
                     <a:noFill/>
                   </a:tcPr>
                 </a:tc>
                 <a:extLst>
                   <a:ext uri="{0D108BD9-81ED-4DB2-BD59-A6C34878D82A}">
-                    <a16:rowId xmlns:a16="http://schemas.microsoft.com/office/drawing/2014/main" val="2878811495"/>
+                    <a16:rowId xmlns:a16="http://schemas.microsoft.com/office/drawing/2014/main" val="10000"/>
                   </a:ext>
                 </a:extLst>
               </a:tr>
-              <a:tr h="1518164">
+              <a:tr h="1941830">
                 <a:tc>
                   <a:txBody>
                     <a:bodyPr/>
                     <a:lstStyle/>
                     <a:p>
-                      <a:pPr marL="0" marR="0" lvl="0" indent="0" algn="l" defTabSz="914400" rtl="0" eaLnBrk="1" fontAlgn="auto" latinLnBrk="1" hangingPunct="1">
+                      <a:pPr marL="0" lvl="1" indent="0" algn="l" defTabSz="914400" rtl="0" eaLnBrk="1" fontAlgn="auto" latinLnBrk="1" hangingPunct="1">
                         <a:lnSpc>
                           <a:spcPct val="100000"/>
                         </a:lnSpc>
                         <a:spcBef>
-                          <a:spcPts val="0"/>
+                          <a:spcPct val="0"/>
                         </a:spcBef>
                         <a:spcAft>
-                          <a:spcPts val="0"/>
+                          <a:spcPct val="0"/>
                         </a:spcAft>
-                        <a:buClrTx/>
-                        <a:buSzTx/>
                         <a:buFontTx/>
                         <a:buNone/>
-                        <a:tabLst/>
-                        <a:defRPr/>
                       </a:pPr>
                       <a:r>
-                        <a:rPr lang="ko-KR" altLang="en-US" sz="1800" dirty="0">
+                        <a:rPr lang="ko-KR" altLang="en-US" sz="1800" kern="1200">
                           <a:solidFill>
                             <a:schemeClr val="tx1"/>
                           </a:solidFill>
@@ -4724,7 +4746,7 @@
                         <a:t>게임 내에서 </a:t>
                       </a:r>
                       <a:r>
-                        <a:rPr lang="en-US" altLang="ko-KR" sz="1800" dirty="0">
+                        <a:rPr lang="ko-KR" altLang="ko-KR" sz="1800" kern="1200">
                           <a:solidFill>
                             <a:schemeClr val="tx1"/>
                           </a:solidFill>
@@ -4732,72 +4754,9 @@
                           <a:ea typeface="맑은 고딕" charset="0"/>
                           <a:cs typeface="Times New Roman" charset="0"/>
                         </a:rPr>
-                        <a:t>PC</a:t>
+                        <a:t>플레이어가 수행할 수 있는 임무로 퀘스트 별로 정해진 다양한 목표를 완수하는 것으로 퀘스트를 완료하고 보상을 획득할 수도 있다.</a:t>
                       </a:r>
-                      <a:r>
-                        <a:rPr lang="ko-KR" altLang="en-US" sz="1800" dirty="0">
-                          <a:solidFill>
-                            <a:schemeClr val="tx1"/>
-                          </a:solidFill>
-                          <a:latin typeface="맑은 고딕" charset="0"/>
-                          <a:ea typeface="맑은 고딕" charset="0"/>
-                          <a:cs typeface="Times New Roman" charset="0"/>
-                        </a:rPr>
-                        <a:t>에게 주어지는 스토리적 가이드라인 또는 성장을</a:t>
-                      </a:r>
-                      <a:r>
-                        <a:rPr lang="en-US" altLang="ko-KR" sz="1800" dirty="0">
-                          <a:solidFill>
-                            <a:schemeClr val="tx1"/>
-                          </a:solidFill>
-                          <a:latin typeface="맑은 고딕" charset="0"/>
-                          <a:ea typeface="맑은 고딕" charset="0"/>
-                          <a:cs typeface="Times New Roman" charset="0"/>
-                        </a:rPr>
-                        <a:t> </a:t>
-                      </a:r>
-                      <a:r>
-                        <a:rPr lang="ko-KR" altLang="en-US" sz="1800" dirty="0">
-                          <a:solidFill>
-                            <a:schemeClr val="tx1"/>
-                          </a:solidFill>
-                          <a:latin typeface="맑은 고딕" charset="0"/>
-                          <a:ea typeface="맑은 고딕" charset="0"/>
-                          <a:cs typeface="Times New Roman" charset="0"/>
-                        </a:rPr>
-                        <a:t>위한 수단</a:t>
-                      </a:r>
-                      <a:r>
-                        <a:rPr lang="en-US" altLang="ko-KR" sz="1800" dirty="0">
-                          <a:solidFill>
-                            <a:schemeClr val="tx1"/>
-                          </a:solidFill>
-                          <a:latin typeface="맑은 고딕" charset="0"/>
-                          <a:ea typeface="맑은 고딕" charset="0"/>
-                          <a:cs typeface="Times New Roman" charset="0"/>
-                        </a:rPr>
-                        <a:t>.</a:t>
-                      </a:r>
-                    </a:p>
-                    <a:p>
-                      <a:pPr marL="0" marR="0" lvl="0" indent="0" algn="l" defTabSz="914400" rtl="0" eaLnBrk="1" fontAlgn="auto" latinLnBrk="1" hangingPunct="1">
-                        <a:lnSpc>
-                          <a:spcPct val="100000"/>
-                        </a:lnSpc>
-                        <a:spcBef>
-                          <a:spcPts val="0"/>
-                        </a:spcBef>
-                        <a:spcAft>
-                          <a:spcPts val="0"/>
-                        </a:spcAft>
-                        <a:buClrTx/>
-                        <a:buSzTx/>
-                        <a:buFontTx/>
-                        <a:buNone/>
-                        <a:tabLst/>
-                        <a:defRPr/>
-                      </a:pPr>
-                      <a:endParaRPr lang="en-US" altLang="ko-KR" sz="1800" dirty="0">
+                      <a:endParaRPr lang="ko-KR" altLang="en-US" sz="1800" kern="1200">
                         <a:solidFill>
                           <a:schemeClr val="tx1"/>
                         </a:solidFill>
@@ -4807,25 +4766,44 @@
                       </a:endParaRPr>
                     </a:p>
                     <a:p>
-                      <a:pPr marL="0" marR="0" lvl="0" indent="0" algn="l" defTabSz="914400" rtl="0" eaLnBrk="1" fontAlgn="auto" latinLnBrk="1" hangingPunct="1">
+                      <a:pPr marL="0" lvl="1" indent="0" algn="l" defTabSz="914400" rtl="0" eaLnBrk="1" fontAlgn="auto" latinLnBrk="1" hangingPunct="1">
                         <a:lnSpc>
                           <a:spcPct val="100000"/>
                         </a:lnSpc>
                         <a:spcBef>
-                          <a:spcPts val="0"/>
+                          <a:spcPct val="0"/>
                         </a:spcBef>
                         <a:spcAft>
-                          <a:spcPts val="0"/>
+                          <a:spcPct val="0"/>
                         </a:spcAft>
-                        <a:buClrTx/>
-                        <a:buSzTx/>
                         <a:buFontTx/>
                         <a:buNone/>
-                        <a:tabLst/>
-                        <a:defRPr/>
+                      </a:pPr>
+                      <a:endParaRPr lang="ko-KR" altLang="en-US" sz="1800" kern="1200">
+                        <a:solidFill>
+                          <a:schemeClr val="tx1"/>
+                        </a:solidFill>
+                        <a:latin typeface="맑은 고딕" charset="0"/>
+                        <a:ea typeface="맑은 고딕" charset="0"/>
+                        <a:cs typeface="Times New Roman" charset="0"/>
+                      </a:endParaRPr>
+                    </a:p>
+                    <a:p>
+                      <a:pPr marL="0" lvl="1" indent="0" algn="l" defTabSz="914400" rtl="0" eaLnBrk="1" fontAlgn="auto" latinLnBrk="1" hangingPunct="1">
+                        <a:lnSpc>
+                          <a:spcPct val="100000"/>
+                        </a:lnSpc>
+                        <a:spcBef>
+                          <a:spcPct val="0"/>
+                        </a:spcBef>
+                        <a:spcAft>
+                          <a:spcPct val="0"/>
+                        </a:spcAft>
+                        <a:buFontTx/>
+                        <a:buNone/>
                       </a:pPr>
                       <a:r>
-                        <a:rPr lang="en-US" altLang="ko-KR" sz="1800" dirty="0">
+                        <a:rPr lang="ko-KR" altLang="ko-KR" sz="1800" kern="1200">
                           <a:solidFill>
                             <a:schemeClr val="tx1"/>
                           </a:solidFill>
@@ -4833,37 +4811,135 @@
                           <a:ea typeface="맑은 고딕" charset="0"/>
                           <a:cs typeface="Times New Roman" charset="0"/>
                         </a:rPr>
-                        <a:t>PC</a:t>
+                        <a:t>플레이어에게 게임의 세계관을 설명하여 게임에 대한 흥미를 높이고 몰입감을 높인다. </a:t>
                       </a:r>
+                      <a:endParaRPr lang="ko-KR" altLang="en-US" sz="1800" kern="1200">
+                        <a:solidFill>
+                          <a:schemeClr val="tx1"/>
+                        </a:solidFill>
+                        <a:latin typeface="맑은 고딕" charset="0"/>
+                        <a:ea typeface="맑은 고딕" charset="0"/>
+                        <a:cs typeface="Times New Roman" charset="0"/>
+                      </a:endParaRPr>
+                    </a:p>
+                    <a:p>
+                      <a:pPr marL="0" lvl="1" indent="0" algn="l" defTabSz="914400" rtl="0" eaLnBrk="1" fontAlgn="auto" latinLnBrk="1" hangingPunct="1">
+                        <a:lnSpc>
+                          <a:spcPct val="100000"/>
+                        </a:lnSpc>
+                        <a:spcBef>
+                          <a:spcPct val="0"/>
+                        </a:spcBef>
+                        <a:spcAft>
+                          <a:spcPct val="0"/>
+                        </a:spcAft>
+                        <a:buFontTx/>
+                        <a:buNone/>
+                      </a:pPr>
+                      <a:r>
+                        <a:rPr lang="ko-KR" altLang="ko-KR" sz="1800" kern="1200">
+                          <a:solidFill>
+                            <a:schemeClr val="tx1"/>
+                          </a:solidFill>
+                          <a:latin typeface="맑은 고딕" charset="0"/>
+                          <a:ea typeface="맑은 고딕" charset="0"/>
+                          <a:cs typeface="Times New Roman" charset="0"/>
+                        </a:rPr>
+                        <a:t>플레이어가 원활하게 게임을 진행할 수 있게 하는 가이드라인의 역할을 한다.</a:t>
+                      </a:r>
+                      <a:endParaRPr lang="ko-KR" altLang="en-US" sz="1800" kern="1200">
+                        <a:solidFill>
+                          <a:schemeClr val="tx1"/>
+                        </a:solidFill>
+                        <a:latin typeface="맑은 고딕" charset="0"/>
+                        <a:ea typeface="맑은 고딕" charset="0"/>
+                        <a:cs typeface="Times New Roman" charset="0"/>
+                      </a:endParaRPr>
+                    </a:p>
+                    <a:p>
+                      <a:pPr marL="0" lvl="1" indent="0" algn="l" defTabSz="914400" rtl="0" eaLnBrk="1" fontAlgn="auto" latinLnBrk="1" hangingPunct="1">
+                        <a:lnSpc>
+                          <a:spcPct val="100000"/>
+                        </a:lnSpc>
+                        <a:spcBef>
+                          <a:spcPct val="0"/>
+                        </a:spcBef>
+                        <a:spcAft>
+                          <a:spcPct val="0"/>
+                        </a:spcAft>
+                        <a:buFontTx/>
+                        <a:buNone/>
+                      </a:pPr>
+                      <a:r>
+                        <a:rPr lang="ko-KR" altLang="ko-KR" sz="1800" kern="1200">
+                          <a:solidFill>
+                            <a:schemeClr val="tx1"/>
+                          </a:solidFill>
+                          <a:latin typeface="맑은 고딕" charset="0"/>
+                          <a:ea typeface="맑은 고딕" charset="0"/>
+                          <a:cs typeface="Times New Roman" charset="0"/>
+                        </a:rPr>
+                        <a:t>퀘스트를 완료했을때 보상으로 플레이어의 성장에 도움을 준다.</a:t>
+                      </a:r>
+                      <a:endParaRPr lang="ko-KR" altLang="en-US" sz="1800" kern="1200">
+                        <a:solidFill>
+                          <a:schemeClr val="tx1"/>
+                        </a:solidFill>
+                        <a:latin typeface="맑은 고딕" charset="0"/>
+                        <a:ea typeface="맑은 고딕" charset="0"/>
+                        <a:cs typeface="Times New Roman" charset="0"/>
+                      </a:endParaRPr>
                     </a:p>
                   </a:txBody>
                   <a:tcPr>
-                    <a:lnL w="12700" cmpd="sng">
+                    <a:lnL w="0" cap="flat" cmpd="sng" algn="ctr">
                       <a:noFill/>
+                      <a:prstDash/>
+                      <a:round/>
+                      <a:headEnd type="none" w="med" len="med"/>
+                      <a:tailEnd type="none" w="med" len="med"/>
                     </a:lnL>
-                    <a:lnR w="12700" cmpd="sng">
+                    <a:lnR w="0" cap="flat" cmpd="sng" algn="ctr">
                       <a:noFill/>
+                      <a:prstDash/>
+                      <a:round/>
+                      <a:headEnd type="none" w="med" len="med"/>
+                      <a:tailEnd type="none" w="med" len="med"/>
                     </a:lnR>
-                    <a:lnT w="38100" cmpd="sng">
+                    <a:lnT w="0" cap="flat" cmpd="sng" algn="ctr">
                       <a:noFill/>
+                      <a:prstDash/>
+                      <a:round/>
+                      <a:headEnd type="none" w="med" len="med"/>
+                      <a:tailEnd type="none" w="med" len="med"/>
                     </a:lnT>
-                    <a:lnB w="12700" cmpd="sng">
+                    <a:lnB w="0" cap="flat" cmpd="sng" algn="ctr">
                       <a:noFill/>
+                      <a:prstDash/>
+                      <a:round/>
+                      <a:headEnd type="none" w="med" len="med"/>
+                      <a:tailEnd type="none" w="med" len="med"/>
                     </a:lnB>
-                    <a:lnTlToBr w="12700" cmpd="sng">
+                    <a:lnTlToBr w="0" cap="flat" cmpd="sng" algn="ctr">
                       <a:noFill/>
-                      <a:prstDash val="solid"/>
+                      <a:prstDash/>
+                      <a:round/>
+                      <a:headEnd type="none" w="med" len="med"/>
+                      <a:tailEnd type="none" w="med" len="med"/>
                     </a:lnTlToBr>
-                    <a:lnBlToTr w="12700" cmpd="sng">
+                    <a:lnBlToTr w="0" cap="flat" cmpd="sng" algn="ctr">
                       <a:noFill/>
-                      <a:prstDash val="solid"/>
+                      <a:prstDash/>
+                      <a:round/>
+                      <a:headEnd type="none" w="med" len="med"/>
+                      <a:tailEnd type="none" w="med" len="med"/>
                     </a:lnBlToTr>
                     <a:noFill/>
                   </a:tcPr>
                 </a:tc>
                 <a:extLst>
                   <a:ext uri="{0D108BD9-81ED-4DB2-BD59-A6C34878D82A}">
-                    <a16:rowId xmlns:a16="http://schemas.microsoft.com/office/drawing/2014/main" val="1962462232"/>
+                    <a16:rowId xmlns:a16="http://schemas.microsoft.com/office/drawing/2014/main" val="10001"/>
                   </a:ext>
                 </a:extLst>
               </a:tr>
@@ -4887,8 +4963,8 @@
         </p:nvSpPr>
         <p:spPr>
           <a:xfrm>
-            <a:off x="695325" y="291904"/>
-            <a:ext cx="10801350" cy="861646"/>
+            <a:off x="695325" y="292100"/>
+            <a:ext cx="10801350" cy="861695"/>
           </a:xfrm>
           <a:prstGeom prst="rect">
             <a:avLst/>
@@ -4939,6 +5015,1761 @@
 </file>
 
 <file path=ppt/slides/slide4.xml><?xml version="1.0" encoding="utf-8"?>
+<p:sld xmlns:a="http://schemas.openxmlformats.org/drawingml/2006/main" xmlns:r="http://schemas.openxmlformats.org/officeDocument/2006/relationships" xmlns:p="http://schemas.openxmlformats.org/presentationml/2006/main">
+  <p:cSld>
+    <p:spTree>
+      <p:nvGrpSpPr>
+        <p:cNvPr id="1" name=""/>
+        <p:cNvGrpSpPr/>
+        <p:nvPr/>
+      </p:nvGrpSpPr>
+      <p:grpSpPr>
+        <a:xfrm>
+          <a:off x="0" y="0"/>
+          <a:ext cx="0" cy="0"/>
+          <a:chOff x="0" y="0"/>
+          <a:chExt cx="0" cy="0"/>
+        </a:xfrm>
+      </p:grpSpPr>
+      <p:sp>
+        <p:nvSpPr>
+          <p:cNvPr id="7" name="Rect 0"/>
+          <p:cNvSpPr txBox="1">
+            <a:spLocks/>
+          </p:cNvSpPr>
+          <p:nvPr/>
+        </p:nvSpPr>
+        <p:spPr>
+          <a:xfrm>
+            <a:off x="695325" y="292100"/>
+            <a:ext cx="10801985" cy="862330"/>
+          </a:xfrm>
+          <a:prstGeom prst="rect">
+            <a:avLst/>
+          </a:prstGeom>
+        </p:spPr>
+        <p:txBody>
+          <a:bodyPr vert="horz" wrap="square" lIns="91440" tIns="45720" rIns="91440" bIns="45720" numCol="1" anchor="ctr">
+            <a:normAutofit/>
+          </a:bodyPr>
+          <a:lstStyle>
+            <a:lvl1pPr marL="0" indent="0" algn="l" defTabSz="914400" rtl="0" eaLnBrk="1" latinLnBrk="1" hangingPunct="1">
+              <a:lnSpc>
+                <a:spcPct val="90000"/>
+              </a:lnSpc>
+              <a:spcBef>
+                <a:spcPct val="0"/>
+              </a:spcBef>
+              <a:buFontTx/>
+              <a:buNone/>
+              <a:defRPr lang="en-GB" altLang="en-US" sz="4400">
+                <a:solidFill>
+                  <a:schemeClr val="tx1"/>
+                </a:solidFill>
+                <a:latin typeface="+mj-lt"/>
+                <a:ea typeface="+mj-ea"/>
+                <a:cs typeface="+mj-cs"/>
+              </a:defRPr>
+            </a:lvl1pPr>
+          </a:lstStyle>
+          <a:p>
+            <a:pPr marL="0" indent="0" latinLnBrk="0">
+              <a:buFontTx/>
+              <a:buNone/>
+            </a:pPr>
+            <a:r>
+              <a:rPr lang="ko-KR" altLang="en-US"/>
+              <a:t>분류 기준</a:t>
+            </a:r>
+          </a:p>
+        </p:txBody>
+      </p:sp>
+      <p:graphicFrame>
+        <p:nvGraphicFramePr>
+          <p:cNvPr id="2" name="표 2">
+            <a:extLst>
+              <a:ext uri="{FF2B5EF4-FFF2-40B4-BE49-F238E27FC236}">
+                <a16:creationId xmlns:a16="http://schemas.microsoft.com/office/drawing/2014/main" id="{1A37AD7E-ABF8-3CED-AAC3-28B2CB648DF7}"/>
+              </a:ext>
+            </a:extLst>
+          </p:cNvPr>
+          <p:cNvGraphicFramePr>
+            <a:graphicFrameLocks noGrp="1"/>
+          </p:cNvGraphicFramePr>
+          <p:nvPr>
+            <p:extLst>
+              <p:ext uri="{D42A27DB-BD31-4B8C-83A1-F6EECF244321}">
+                <p14:modId xmlns:p14="http://schemas.microsoft.com/office/powerpoint/2010/main" val="1652848516"/>
+              </p:ext>
+            </p:extLst>
+          </p:nvPr>
+        </p:nvGraphicFramePr>
+        <p:xfrm>
+          <a:off x="2148998" y="1965960"/>
+          <a:ext cx="7894003" cy="2926080"/>
+        </p:xfrm>
+        <a:graphic>
+          <a:graphicData uri="http://schemas.openxmlformats.org/drawingml/2006/table">
+            <a:tbl>
+              <a:tblPr firstRow="1" bandRow="1">
+                <a:tableStyleId>{5C22544A-7EE6-4342-B048-85BDC9FD1C3A}</a:tableStyleId>
+              </a:tblPr>
+              <a:tblGrid>
+                <a:gridCol w="670560">
+                  <a:extLst>
+                    <a:ext uri="{9D8B030D-6E8A-4147-A177-3AD203B41FA5}">
+                      <a16:colId xmlns:a16="http://schemas.microsoft.com/office/drawing/2014/main" val="20000"/>
+                    </a:ext>
+                  </a:extLst>
+                </a:gridCol>
+                <a:gridCol w="7223443">
+                  <a:extLst>
+                    <a:ext uri="{9D8B030D-6E8A-4147-A177-3AD203B41FA5}">
+                      <a16:colId xmlns:a16="http://schemas.microsoft.com/office/drawing/2014/main" val="20001"/>
+                    </a:ext>
+                  </a:extLst>
+                </a:gridCol>
+              </a:tblGrid>
+              <a:tr h="0">
+                <a:tc>
+                  <a:txBody>
+                    <a:bodyPr/>
+                    <a:lstStyle/>
+                    <a:p>
+                      <a:pPr marL="0" indent="0" algn="ctr" latinLnBrk="1">
+                        <a:buFontTx/>
+                        <a:buNone/>
+                      </a:pPr>
+                      <a:r>
+                        <a:rPr sz="1800" b="0" kern="1200">
+                          <a:solidFill>
+                            <a:schemeClr val="tx1"/>
+                          </a:solidFill>
+                          <a:latin typeface="맑은 고딕" charset="0"/>
+                          <a:ea typeface="맑은 고딕" charset="0"/>
+                        </a:rPr>
+                        <a:t>분류</a:t>
+                      </a:r>
+                      <a:endParaRPr lang="ko-KR" altLang="en-US" sz="1800" b="0" kern="1200">
+                        <a:solidFill>
+                          <a:schemeClr val="tx1"/>
+                        </a:solidFill>
+                        <a:latin typeface="맑은 고딕" charset="0"/>
+                        <a:ea typeface="맑은 고딕" charset="0"/>
+                      </a:endParaRPr>
+                    </a:p>
+                  </a:txBody>
+                  <a:tcPr anchor="ctr">
+                    <a:lnL w="12700" cap="flat" cmpd="sng" algn="ctr">
+                      <a:solidFill>
+                        <a:srgbClr val="000000">
+                          <a:alpha val="100000"/>
+                        </a:srgbClr>
+                      </a:solidFill>
+                      <a:prstDash val="solid"/>
+                      <a:round/>
+                      <a:headEnd type="none" w="med" len="med"/>
+                      <a:tailEnd type="none" w="med" len="med"/>
+                    </a:lnL>
+                    <a:lnR w="12700" cap="flat" cmpd="sng" algn="ctr">
+                      <a:solidFill>
+                        <a:srgbClr val="000000">
+                          <a:alpha val="100000"/>
+                        </a:srgbClr>
+                      </a:solidFill>
+                      <a:prstDash val="solid"/>
+                      <a:round/>
+                      <a:headEnd type="none" w="med" len="med"/>
+                      <a:tailEnd type="none" w="med" len="med"/>
+                    </a:lnR>
+                    <a:lnT w="12700" cap="flat" cmpd="sng" algn="ctr">
+                      <a:solidFill>
+                        <a:srgbClr val="000000">
+                          <a:alpha val="100000"/>
+                        </a:srgbClr>
+                      </a:solidFill>
+                      <a:prstDash val="solid"/>
+                      <a:round/>
+                      <a:headEnd type="none" w="med" len="med"/>
+                      <a:tailEnd type="none" w="med" len="med"/>
+                    </a:lnT>
+                    <a:lnB w="12700" cap="flat" cmpd="sng" algn="ctr">
+                      <a:solidFill>
+                        <a:srgbClr val="000000">
+                          <a:alpha val="100000"/>
+                        </a:srgbClr>
+                      </a:solidFill>
+                      <a:prstDash val="solid"/>
+                      <a:round/>
+                      <a:headEnd type="none" w="med" len="med"/>
+                      <a:tailEnd type="none" w="med" len="med"/>
+                    </a:lnB>
+                    <a:lnTlToBr w="0" cap="flat" cmpd="sng" algn="ctr">
+                      <a:noFill/>
+                      <a:prstDash/>
+                      <a:round/>
+                      <a:headEnd type="none" w="med" len="med"/>
+                      <a:tailEnd type="none" w="med" len="med"/>
+                    </a:lnTlToBr>
+                    <a:lnBlToTr w="0" cap="flat" cmpd="sng" algn="ctr">
+                      <a:noFill/>
+                      <a:prstDash/>
+                      <a:round/>
+                      <a:headEnd type="none" w="med" len="med"/>
+                      <a:tailEnd type="none" w="med" len="med"/>
+                    </a:lnBlToTr>
+                    <a:noFill/>
+                  </a:tcPr>
+                </a:tc>
+                <a:tc>
+                  <a:txBody>
+                    <a:bodyPr/>
+                    <a:lstStyle/>
+                    <a:p>
+                      <a:pPr marL="0" indent="0" algn="ctr" latinLnBrk="1">
+                        <a:buFontTx/>
+                        <a:buNone/>
+                      </a:pPr>
+                      <a:r>
+                        <a:rPr sz="1800" b="0" kern="1200" dirty="0" err="1">
+                          <a:solidFill>
+                            <a:schemeClr val="tx1"/>
+                          </a:solidFill>
+                          <a:latin typeface="맑은 고딕" charset="0"/>
+                          <a:ea typeface="맑은 고딕" charset="0"/>
+                        </a:rPr>
+                        <a:t>내용</a:t>
+                      </a:r>
+                      <a:endParaRPr lang="ko-KR" altLang="en-US" sz="1800" b="0" kern="1200" dirty="0">
+                        <a:solidFill>
+                          <a:schemeClr val="tx1"/>
+                        </a:solidFill>
+                        <a:latin typeface="맑은 고딕" charset="0"/>
+                        <a:ea typeface="맑은 고딕" charset="0"/>
+                      </a:endParaRPr>
+                    </a:p>
+                  </a:txBody>
+                  <a:tcPr anchor="ctr">
+                    <a:lnL w="12700" cap="flat" cmpd="sng" algn="ctr">
+                      <a:solidFill>
+                        <a:srgbClr val="000000">
+                          <a:alpha val="100000"/>
+                        </a:srgbClr>
+                      </a:solidFill>
+                      <a:prstDash val="solid"/>
+                      <a:round/>
+                      <a:headEnd type="none" w="med" len="med"/>
+                      <a:tailEnd type="none" w="med" len="med"/>
+                    </a:lnL>
+                    <a:lnR w="12700" cap="flat" cmpd="sng" algn="ctr">
+                      <a:solidFill>
+                        <a:srgbClr val="000000">
+                          <a:alpha val="100000"/>
+                        </a:srgbClr>
+                      </a:solidFill>
+                      <a:prstDash val="solid"/>
+                      <a:round/>
+                      <a:headEnd type="none" w="med" len="med"/>
+                      <a:tailEnd type="none" w="med" len="med"/>
+                    </a:lnR>
+                    <a:lnT w="12700" cap="flat" cmpd="sng" algn="ctr">
+                      <a:solidFill>
+                        <a:srgbClr val="000000">
+                          <a:alpha val="100000"/>
+                        </a:srgbClr>
+                      </a:solidFill>
+                      <a:prstDash val="solid"/>
+                      <a:round/>
+                      <a:headEnd type="none" w="med" len="med"/>
+                      <a:tailEnd type="none" w="med" len="med"/>
+                    </a:lnT>
+                    <a:lnB w="12700" cap="flat" cmpd="sng" algn="ctr">
+                      <a:solidFill>
+                        <a:srgbClr val="000000">
+                          <a:alpha val="100000"/>
+                        </a:srgbClr>
+                      </a:solidFill>
+                      <a:prstDash val="solid"/>
+                      <a:round/>
+                      <a:headEnd type="none" w="med" len="med"/>
+                      <a:tailEnd type="none" w="med" len="med"/>
+                    </a:lnB>
+                    <a:lnTlToBr w="0" cap="flat" cmpd="sng" algn="ctr">
+                      <a:noFill/>
+                      <a:prstDash/>
+                      <a:round/>
+                      <a:headEnd type="none" w="med" len="med"/>
+                      <a:tailEnd type="none" w="med" len="med"/>
+                    </a:lnTlToBr>
+                    <a:lnBlToTr w="0" cap="flat" cmpd="sng" algn="ctr">
+                      <a:noFill/>
+                      <a:prstDash/>
+                      <a:round/>
+                      <a:headEnd type="none" w="med" len="med"/>
+                      <a:tailEnd type="none" w="med" len="med"/>
+                    </a:lnBlToTr>
+                    <a:noFill/>
+                  </a:tcPr>
+                </a:tc>
+                <a:extLst>
+                  <a:ext uri="{0D108BD9-81ED-4DB2-BD59-A6C34878D82A}">
+                    <a16:rowId xmlns:a16="http://schemas.microsoft.com/office/drawing/2014/main" val="10000"/>
+                  </a:ext>
+                </a:extLst>
+              </a:tr>
+              <a:tr h="0">
+                <a:tc>
+                  <a:txBody>
+                    <a:bodyPr/>
+                    <a:lstStyle/>
+                    <a:p>
+                      <a:pPr marL="0" indent="0" algn="ctr" latinLnBrk="1">
+                        <a:buFontTx/>
+                        <a:buNone/>
+                      </a:pPr>
+                      <a:r>
+                        <a:rPr sz="1800" b="0" kern="1200">
+                          <a:solidFill>
+                            <a:schemeClr val="tx1"/>
+                          </a:solidFill>
+                          <a:latin typeface="맑은 고딕" charset="0"/>
+                          <a:ea typeface="맑은 고딕" charset="0"/>
+                        </a:rPr>
+                        <a:t>토벌</a:t>
+                      </a:r>
+                      <a:endParaRPr lang="ko-KR" altLang="en-US" sz="1800" b="0" kern="1200">
+                        <a:solidFill>
+                          <a:schemeClr val="tx1"/>
+                        </a:solidFill>
+                        <a:latin typeface="맑은 고딕" charset="0"/>
+                        <a:ea typeface="맑은 고딕" charset="0"/>
+                      </a:endParaRPr>
+                    </a:p>
+                  </a:txBody>
+                  <a:tcPr anchor="ctr">
+                    <a:lnL w="12700" cap="flat" cmpd="sng" algn="ctr">
+                      <a:solidFill>
+                        <a:srgbClr val="000000">
+                          <a:alpha val="100000"/>
+                        </a:srgbClr>
+                      </a:solidFill>
+                      <a:prstDash val="solid"/>
+                      <a:round/>
+                      <a:headEnd type="none" w="med" len="med"/>
+                      <a:tailEnd type="none" w="med" len="med"/>
+                    </a:lnL>
+                    <a:lnR w="12700" cap="flat" cmpd="sng" algn="ctr">
+                      <a:solidFill>
+                        <a:srgbClr val="000000">
+                          <a:alpha val="100000"/>
+                        </a:srgbClr>
+                      </a:solidFill>
+                      <a:prstDash val="solid"/>
+                      <a:round/>
+                      <a:headEnd type="none" w="med" len="med"/>
+                      <a:tailEnd type="none" w="med" len="med"/>
+                    </a:lnR>
+                    <a:lnT w="12700" cap="flat" cmpd="sng" algn="ctr">
+                      <a:solidFill>
+                        <a:srgbClr val="000000">
+                          <a:alpha val="100000"/>
+                        </a:srgbClr>
+                      </a:solidFill>
+                      <a:prstDash val="solid"/>
+                      <a:round/>
+                      <a:headEnd type="none" w="med" len="med"/>
+                      <a:tailEnd type="none" w="med" len="med"/>
+                    </a:lnT>
+                    <a:lnB w="12700" cap="flat" cmpd="sng" algn="ctr">
+                      <a:solidFill>
+                        <a:srgbClr val="000000">
+                          <a:alpha val="100000"/>
+                        </a:srgbClr>
+                      </a:solidFill>
+                      <a:prstDash val="solid"/>
+                      <a:round/>
+                      <a:headEnd type="none" w="med" len="med"/>
+                      <a:tailEnd type="none" w="med" len="med"/>
+                    </a:lnB>
+                    <a:lnTlToBr w="0" cap="flat" cmpd="sng" algn="ctr">
+                      <a:noFill/>
+                      <a:prstDash/>
+                      <a:round/>
+                      <a:headEnd type="none" w="med" len="med"/>
+                      <a:tailEnd type="none" w="med" len="med"/>
+                    </a:lnTlToBr>
+                    <a:lnBlToTr w="0" cap="flat" cmpd="sng" algn="ctr">
+                      <a:noFill/>
+                      <a:prstDash/>
+                      <a:round/>
+                      <a:headEnd type="none" w="med" len="med"/>
+                      <a:tailEnd type="none" w="med" len="med"/>
+                    </a:lnBlToTr>
+                    <a:noFill/>
+                  </a:tcPr>
+                </a:tc>
+                <a:tc>
+                  <a:txBody>
+                    <a:bodyPr/>
+                    <a:lstStyle/>
+                    <a:p>
+                      <a:pPr marL="0" indent="0" latinLnBrk="1">
+                        <a:buFontTx/>
+                        <a:buNone/>
+                      </a:pPr>
+                      <a:r>
+                        <a:rPr lang="ko-KR" altLang="en-US" sz="1800" b="0" kern="1200" dirty="0">
+                          <a:solidFill>
+                            <a:schemeClr val="tx1"/>
+                          </a:solidFill>
+                          <a:latin typeface="맑은 고딕" charset="0"/>
+                          <a:ea typeface="맑은 고딕" charset="0"/>
+                        </a:rPr>
+                        <a:t>지정된 </a:t>
+                      </a:r>
+                      <a:r>
+                        <a:rPr lang="en-US" altLang="ko-KR" sz="1800" b="0" kern="1200" dirty="0">
+                          <a:solidFill>
+                            <a:schemeClr val="tx1"/>
+                          </a:solidFill>
+                          <a:latin typeface="맑은 고딕" charset="0"/>
+                          <a:ea typeface="맑은 고딕" charset="0"/>
+                        </a:rPr>
+                        <a:t>NPC</a:t>
+                      </a:r>
+                      <a:r>
+                        <a:rPr lang="ko-KR" altLang="en-US" sz="1800" b="0" kern="1200" dirty="0">
+                          <a:solidFill>
+                            <a:schemeClr val="tx1"/>
+                          </a:solidFill>
+                          <a:latin typeface="맑은 고딕" charset="0"/>
+                          <a:ea typeface="맑은 고딕" charset="0"/>
+                        </a:rPr>
+                        <a:t>를 정해진 숫자 이상 처치하는 것</a:t>
+                      </a:r>
+                    </a:p>
+                  </a:txBody>
+                  <a:tcPr anchor="ctr">
+                    <a:lnL w="12700" cap="flat" cmpd="sng" algn="ctr">
+                      <a:solidFill>
+                        <a:srgbClr val="000000">
+                          <a:alpha val="100000"/>
+                        </a:srgbClr>
+                      </a:solidFill>
+                      <a:prstDash val="solid"/>
+                      <a:round/>
+                      <a:headEnd type="none" w="med" len="med"/>
+                      <a:tailEnd type="none" w="med" len="med"/>
+                    </a:lnL>
+                    <a:lnR w="12700" cap="flat" cmpd="sng" algn="ctr">
+                      <a:solidFill>
+                        <a:srgbClr val="000000">
+                          <a:alpha val="100000"/>
+                        </a:srgbClr>
+                      </a:solidFill>
+                      <a:prstDash val="solid"/>
+                      <a:round/>
+                      <a:headEnd type="none" w="med" len="med"/>
+                      <a:tailEnd type="none" w="med" len="med"/>
+                    </a:lnR>
+                    <a:lnT w="12700" cap="flat" cmpd="sng" algn="ctr">
+                      <a:solidFill>
+                        <a:srgbClr val="000000">
+                          <a:alpha val="100000"/>
+                        </a:srgbClr>
+                      </a:solidFill>
+                      <a:prstDash val="solid"/>
+                      <a:round/>
+                      <a:headEnd type="none" w="med" len="med"/>
+                      <a:tailEnd type="none" w="med" len="med"/>
+                    </a:lnT>
+                    <a:lnB w="12700" cap="flat" cmpd="sng" algn="ctr">
+                      <a:solidFill>
+                        <a:srgbClr val="000000">
+                          <a:alpha val="100000"/>
+                        </a:srgbClr>
+                      </a:solidFill>
+                      <a:prstDash val="solid"/>
+                      <a:round/>
+                      <a:headEnd type="none" w="med" len="med"/>
+                      <a:tailEnd type="none" w="med" len="med"/>
+                    </a:lnB>
+                    <a:lnTlToBr w="0" cap="flat" cmpd="sng" algn="ctr">
+                      <a:noFill/>
+                      <a:prstDash/>
+                      <a:round/>
+                      <a:headEnd type="none" w="med" len="med"/>
+                      <a:tailEnd type="none" w="med" len="med"/>
+                    </a:lnTlToBr>
+                    <a:lnBlToTr w="0" cap="flat" cmpd="sng" algn="ctr">
+                      <a:noFill/>
+                      <a:prstDash/>
+                      <a:round/>
+                      <a:headEnd type="none" w="med" len="med"/>
+                      <a:tailEnd type="none" w="med" len="med"/>
+                    </a:lnBlToTr>
+                    <a:noFill/>
+                  </a:tcPr>
+                </a:tc>
+                <a:extLst>
+                  <a:ext uri="{0D108BD9-81ED-4DB2-BD59-A6C34878D82A}">
+                    <a16:rowId xmlns:a16="http://schemas.microsoft.com/office/drawing/2014/main" val="10001"/>
+                  </a:ext>
+                </a:extLst>
+              </a:tr>
+              <a:tr h="0">
+                <a:tc>
+                  <a:txBody>
+                    <a:bodyPr/>
+                    <a:lstStyle/>
+                    <a:p>
+                      <a:pPr marL="0" indent="0" algn="ctr" latinLnBrk="1">
+                        <a:buFontTx/>
+                        <a:buNone/>
+                      </a:pPr>
+                      <a:r>
+                        <a:rPr sz="1800" b="0" kern="1200">
+                          <a:solidFill>
+                            <a:schemeClr val="tx1"/>
+                          </a:solidFill>
+                          <a:latin typeface="맑은 고딕" charset="0"/>
+                          <a:ea typeface="맑은 고딕" charset="0"/>
+                        </a:rPr>
+                        <a:t>수집</a:t>
+                      </a:r>
+                      <a:endParaRPr lang="ko-KR" altLang="en-US" sz="1800" b="0" kern="1200">
+                        <a:solidFill>
+                          <a:schemeClr val="tx1"/>
+                        </a:solidFill>
+                        <a:latin typeface="맑은 고딕" charset="0"/>
+                        <a:ea typeface="맑은 고딕" charset="0"/>
+                      </a:endParaRPr>
+                    </a:p>
+                  </a:txBody>
+                  <a:tcPr anchor="ctr">
+                    <a:lnL w="12700" cap="flat" cmpd="sng" algn="ctr">
+                      <a:solidFill>
+                        <a:srgbClr val="000000">
+                          <a:alpha val="100000"/>
+                        </a:srgbClr>
+                      </a:solidFill>
+                      <a:prstDash val="solid"/>
+                      <a:round/>
+                      <a:headEnd type="none" w="med" len="med"/>
+                      <a:tailEnd type="none" w="med" len="med"/>
+                    </a:lnL>
+                    <a:lnR w="12700" cap="flat" cmpd="sng" algn="ctr">
+                      <a:solidFill>
+                        <a:srgbClr val="000000">
+                          <a:alpha val="100000"/>
+                        </a:srgbClr>
+                      </a:solidFill>
+                      <a:prstDash val="solid"/>
+                      <a:round/>
+                      <a:headEnd type="none" w="med" len="med"/>
+                      <a:tailEnd type="none" w="med" len="med"/>
+                    </a:lnR>
+                    <a:lnT w="12700" cap="flat" cmpd="sng" algn="ctr">
+                      <a:solidFill>
+                        <a:srgbClr val="000000">
+                          <a:alpha val="100000"/>
+                        </a:srgbClr>
+                      </a:solidFill>
+                      <a:prstDash val="solid"/>
+                      <a:round/>
+                      <a:headEnd type="none" w="med" len="med"/>
+                      <a:tailEnd type="none" w="med" len="med"/>
+                    </a:lnT>
+                    <a:lnB w="12700" cap="flat" cmpd="sng" algn="ctr">
+                      <a:solidFill>
+                        <a:srgbClr val="000000">
+                          <a:alpha val="100000"/>
+                        </a:srgbClr>
+                      </a:solidFill>
+                      <a:prstDash val="solid"/>
+                      <a:round/>
+                      <a:headEnd type="none" w="med" len="med"/>
+                      <a:tailEnd type="none" w="med" len="med"/>
+                    </a:lnB>
+                    <a:lnTlToBr w="0" cap="flat" cmpd="sng" algn="ctr">
+                      <a:noFill/>
+                      <a:prstDash/>
+                      <a:round/>
+                      <a:headEnd type="none" w="med" len="med"/>
+                      <a:tailEnd type="none" w="med" len="med"/>
+                    </a:lnTlToBr>
+                    <a:lnBlToTr w="0" cap="flat" cmpd="sng" algn="ctr">
+                      <a:noFill/>
+                      <a:prstDash/>
+                      <a:round/>
+                      <a:headEnd type="none" w="med" len="med"/>
+                      <a:tailEnd type="none" w="med" len="med"/>
+                    </a:lnBlToTr>
+                    <a:noFill/>
+                  </a:tcPr>
+                </a:tc>
+                <a:tc>
+                  <a:txBody>
+                    <a:bodyPr/>
+                    <a:lstStyle/>
+                    <a:p>
+                      <a:pPr marL="0" indent="0" latinLnBrk="1">
+                        <a:buFontTx/>
+                        <a:buNone/>
+                      </a:pPr>
+                      <a:r>
+                        <a:rPr lang="ko-KR" altLang="en-US" sz="1800" b="0" kern="1200" dirty="0">
+                          <a:solidFill>
+                            <a:schemeClr val="tx1"/>
+                          </a:solidFill>
+                          <a:latin typeface="맑은 고딕" charset="0"/>
+                          <a:ea typeface="맑은 고딕" charset="0"/>
+                        </a:rPr>
+                        <a:t>지정된 아이템을 정해진 숫자 이상 획득하는 것</a:t>
+                      </a:r>
+                    </a:p>
+                  </a:txBody>
+                  <a:tcPr anchor="ctr">
+                    <a:lnL w="12700" cap="flat" cmpd="sng" algn="ctr">
+                      <a:solidFill>
+                        <a:srgbClr val="000000">
+                          <a:alpha val="100000"/>
+                        </a:srgbClr>
+                      </a:solidFill>
+                      <a:prstDash val="solid"/>
+                      <a:round/>
+                      <a:headEnd type="none" w="med" len="med"/>
+                      <a:tailEnd type="none" w="med" len="med"/>
+                    </a:lnL>
+                    <a:lnR w="12700" cap="flat" cmpd="sng" algn="ctr">
+                      <a:solidFill>
+                        <a:srgbClr val="000000">
+                          <a:alpha val="100000"/>
+                        </a:srgbClr>
+                      </a:solidFill>
+                      <a:prstDash val="solid"/>
+                      <a:round/>
+                      <a:headEnd type="none" w="med" len="med"/>
+                      <a:tailEnd type="none" w="med" len="med"/>
+                    </a:lnR>
+                    <a:lnT w="12700" cap="flat" cmpd="sng" algn="ctr">
+                      <a:solidFill>
+                        <a:srgbClr val="000000">
+                          <a:alpha val="100000"/>
+                        </a:srgbClr>
+                      </a:solidFill>
+                      <a:prstDash val="solid"/>
+                      <a:round/>
+                      <a:headEnd type="none" w="med" len="med"/>
+                      <a:tailEnd type="none" w="med" len="med"/>
+                    </a:lnT>
+                    <a:lnB w="12700" cap="flat" cmpd="sng" algn="ctr">
+                      <a:solidFill>
+                        <a:srgbClr val="000000">
+                          <a:alpha val="100000"/>
+                        </a:srgbClr>
+                      </a:solidFill>
+                      <a:prstDash val="solid"/>
+                      <a:round/>
+                      <a:headEnd type="none" w="med" len="med"/>
+                      <a:tailEnd type="none" w="med" len="med"/>
+                    </a:lnB>
+                    <a:lnTlToBr w="0" cap="flat" cmpd="sng" algn="ctr">
+                      <a:noFill/>
+                      <a:prstDash/>
+                      <a:round/>
+                      <a:headEnd type="none" w="med" len="med"/>
+                      <a:tailEnd type="none" w="med" len="med"/>
+                    </a:lnTlToBr>
+                    <a:lnBlToTr w="0" cap="flat" cmpd="sng" algn="ctr">
+                      <a:noFill/>
+                      <a:prstDash/>
+                      <a:round/>
+                      <a:headEnd type="none" w="med" len="med"/>
+                      <a:tailEnd type="none" w="med" len="med"/>
+                    </a:lnBlToTr>
+                    <a:noFill/>
+                  </a:tcPr>
+                </a:tc>
+                <a:extLst>
+                  <a:ext uri="{0D108BD9-81ED-4DB2-BD59-A6C34878D82A}">
+                    <a16:rowId xmlns:a16="http://schemas.microsoft.com/office/drawing/2014/main" val="10002"/>
+                  </a:ext>
+                </a:extLst>
+              </a:tr>
+              <a:tr h="0">
+                <a:tc>
+                  <a:txBody>
+                    <a:bodyPr/>
+                    <a:lstStyle/>
+                    <a:p>
+                      <a:pPr marL="0" indent="0" algn="ctr" latinLnBrk="1">
+                        <a:buFontTx/>
+                        <a:buNone/>
+                      </a:pPr>
+                      <a:r>
+                        <a:rPr sz="1800" b="0" kern="1200">
+                          <a:solidFill>
+                            <a:schemeClr val="tx1"/>
+                          </a:solidFill>
+                          <a:latin typeface="맑은 고딕" charset="0"/>
+                          <a:ea typeface="맑은 고딕" charset="0"/>
+                        </a:rPr>
+                        <a:t>탐사</a:t>
+                      </a:r>
+                      <a:endParaRPr lang="ko-KR" altLang="en-US" sz="1800" b="0" kern="1200">
+                        <a:solidFill>
+                          <a:schemeClr val="tx1"/>
+                        </a:solidFill>
+                        <a:latin typeface="맑은 고딕" charset="0"/>
+                        <a:ea typeface="맑은 고딕" charset="0"/>
+                      </a:endParaRPr>
+                    </a:p>
+                  </a:txBody>
+                  <a:tcPr anchor="ctr">
+                    <a:lnL w="12700" cap="flat" cmpd="sng" algn="ctr">
+                      <a:solidFill>
+                        <a:srgbClr val="000000">
+                          <a:alpha val="100000"/>
+                        </a:srgbClr>
+                      </a:solidFill>
+                      <a:prstDash val="solid"/>
+                      <a:round/>
+                      <a:headEnd type="none" w="med" len="med"/>
+                      <a:tailEnd type="none" w="med" len="med"/>
+                    </a:lnL>
+                    <a:lnR w="12700" cap="flat" cmpd="sng" algn="ctr">
+                      <a:solidFill>
+                        <a:srgbClr val="000000">
+                          <a:alpha val="100000"/>
+                        </a:srgbClr>
+                      </a:solidFill>
+                      <a:prstDash val="solid"/>
+                      <a:round/>
+                      <a:headEnd type="none" w="med" len="med"/>
+                      <a:tailEnd type="none" w="med" len="med"/>
+                    </a:lnR>
+                    <a:lnT w="12700" cap="flat" cmpd="sng" algn="ctr">
+                      <a:solidFill>
+                        <a:srgbClr val="000000">
+                          <a:alpha val="100000"/>
+                        </a:srgbClr>
+                      </a:solidFill>
+                      <a:prstDash val="solid"/>
+                      <a:round/>
+                      <a:headEnd type="none" w="med" len="med"/>
+                      <a:tailEnd type="none" w="med" len="med"/>
+                    </a:lnT>
+                    <a:lnB w="12700" cap="flat" cmpd="sng" algn="ctr">
+                      <a:solidFill>
+                        <a:srgbClr val="000000">
+                          <a:alpha val="100000"/>
+                        </a:srgbClr>
+                      </a:solidFill>
+                      <a:prstDash val="solid"/>
+                      <a:round/>
+                      <a:headEnd type="none" w="med" len="med"/>
+                      <a:tailEnd type="none" w="med" len="med"/>
+                    </a:lnB>
+                    <a:lnTlToBr w="0" cap="flat" cmpd="sng" algn="ctr">
+                      <a:noFill/>
+                      <a:prstDash/>
+                      <a:round/>
+                      <a:headEnd type="none" w="med" len="med"/>
+                      <a:tailEnd type="none" w="med" len="med"/>
+                    </a:lnTlToBr>
+                    <a:lnBlToTr w="0" cap="flat" cmpd="sng" algn="ctr">
+                      <a:noFill/>
+                      <a:prstDash/>
+                      <a:round/>
+                      <a:headEnd type="none" w="med" len="med"/>
+                      <a:tailEnd type="none" w="med" len="med"/>
+                    </a:lnBlToTr>
+                    <a:noFill/>
+                  </a:tcPr>
+                </a:tc>
+                <a:tc>
+                  <a:txBody>
+                    <a:bodyPr/>
+                    <a:lstStyle/>
+                    <a:p>
+                      <a:pPr marL="0" indent="0" latinLnBrk="1">
+                        <a:buFontTx/>
+                        <a:buNone/>
+                      </a:pPr>
+                      <a:r>
+                        <a:rPr lang="ko-KR" altLang="en-US" sz="1800" b="0" kern="1200" dirty="0">
+                          <a:solidFill>
+                            <a:schemeClr val="tx1"/>
+                          </a:solidFill>
+                          <a:latin typeface="맑은 고딕" charset="0"/>
+                          <a:ea typeface="맑은 고딕" charset="0"/>
+                        </a:rPr>
+                        <a:t>지정된 장소에 </a:t>
+                      </a:r>
+                      <a:r>
+                        <a:rPr lang="en-US" altLang="ko-KR" sz="1800" b="0" kern="1200" dirty="0">
+                          <a:solidFill>
+                            <a:schemeClr val="tx1"/>
+                          </a:solidFill>
+                          <a:latin typeface="맑은 고딕" charset="0"/>
+                          <a:ea typeface="맑은 고딕" charset="0"/>
+                        </a:rPr>
+                        <a:t>PC</a:t>
+                      </a:r>
+                      <a:r>
+                        <a:rPr lang="ko-KR" altLang="en-US" sz="1800" b="0" kern="1200" dirty="0">
+                          <a:solidFill>
+                            <a:schemeClr val="tx1"/>
+                          </a:solidFill>
+                          <a:latin typeface="맑은 고딕" charset="0"/>
+                          <a:ea typeface="맑은 고딕" charset="0"/>
+                        </a:rPr>
+                        <a:t>가 위치하는 것</a:t>
+                      </a:r>
+                    </a:p>
+                  </a:txBody>
+                  <a:tcPr anchor="ctr">
+                    <a:lnL w="12700" cap="flat" cmpd="sng" algn="ctr">
+                      <a:solidFill>
+                        <a:srgbClr val="000000">
+                          <a:alpha val="100000"/>
+                        </a:srgbClr>
+                      </a:solidFill>
+                      <a:prstDash val="solid"/>
+                      <a:round/>
+                      <a:headEnd type="none" w="med" len="med"/>
+                      <a:tailEnd type="none" w="med" len="med"/>
+                    </a:lnL>
+                    <a:lnR w="12700" cap="flat" cmpd="sng" algn="ctr">
+                      <a:solidFill>
+                        <a:srgbClr val="000000">
+                          <a:alpha val="100000"/>
+                        </a:srgbClr>
+                      </a:solidFill>
+                      <a:prstDash val="solid"/>
+                      <a:round/>
+                      <a:headEnd type="none" w="med" len="med"/>
+                      <a:tailEnd type="none" w="med" len="med"/>
+                    </a:lnR>
+                    <a:lnT w="12700" cap="flat" cmpd="sng" algn="ctr">
+                      <a:solidFill>
+                        <a:srgbClr val="000000">
+                          <a:alpha val="100000"/>
+                        </a:srgbClr>
+                      </a:solidFill>
+                      <a:prstDash val="solid"/>
+                      <a:round/>
+                      <a:headEnd type="none" w="med" len="med"/>
+                      <a:tailEnd type="none" w="med" len="med"/>
+                    </a:lnT>
+                    <a:lnB w="12700" cap="flat" cmpd="sng" algn="ctr">
+                      <a:solidFill>
+                        <a:srgbClr val="000000">
+                          <a:alpha val="100000"/>
+                        </a:srgbClr>
+                      </a:solidFill>
+                      <a:prstDash val="solid"/>
+                      <a:round/>
+                      <a:headEnd type="none" w="med" len="med"/>
+                      <a:tailEnd type="none" w="med" len="med"/>
+                    </a:lnB>
+                    <a:lnTlToBr w="0" cap="flat" cmpd="sng" algn="ctr">
+                      <a:noFill/>
+                      <a:prstDash/>
+                      <a:round/>
+                      <a:headEnd type="none" w="med" len="med"/>
+                      <a:tailEnd type="none" w="med" len="med"/>
+                    </a:lnTlToBr>
+                    <a:lnBlToTr w="0" cap="flat" cmpd="sng" algn="ctr">
+                      <a:noFill/>
+                      <a:prstDash/>
+                      <a:round/>
+                      <a:headEnd type="none" w="med" len="med"/>
+                      <a:tailEnd type="none" w="med" len="med"/>
+                    </a:lnBlToTr>
+                    <a:noFill/>
+                  </a:tcPr>
+                </a:tc>
+                <a:extLst>
+                  <a:ext uri="{0D108BD9-81ED-4DB2-BD59-A6C34878D82A}">
+                    <a16:rowId xmlns:a16="http://schemas.microsoft.com/office/drawing/2014/main" val="10003"/>
+                  </a:ext>
+                </a:extLst>
+              </a:tr>
+              <a:tr h="0">
+                <a:tc>
+                  <a:txBody>
+                    <a:bodyPr/>
+                    <a:lstStyle/>
+                    <a:p>
+                      <a:pPr marL="0" indent="0" algn="ctr" latinLnBrk="1">
+                        <a:buFontTx/>
+                        <a:buNone/>
+                      </a:pPr>
+                      <a:r>
+                        <a:rPr sz="1800" b="0" kern="1200">
+                          <a:solidFill>
+                            <a:schemeClr val="tx1"/>
+                          </a:solidFill>
+                          <a:latin typeface="맑은 고딕" charset="0"/>
+                          <a:ea typeface="맑은 고딕" charset="0"/>
+                        </a:rPr>
+                        <a:t>호위</a:t>
+                      </a:r>
+                      <a:endParaRPr lang="ko-KR" altLang="en-US" sz="1800" b="0" kern="1200">
+                        <a:solidFill>
+                          <a:schemeClr val="tx1"/>
+                        </a:solidFill>
+                        <a:latin typeface="맑은 고딕" charset="0"/>
+                        <a:ea typeface="맑은 고딕" charset="0"/>
+                      </a:endParaRPr>
+                    </a:p>
+                  </a:txBody>
+                  <a:tcPr anchor="ctr">
+                    <a:lnL w="12700" cap="flat" cmpd="sng" algn="ctr">
+                      <a:solidFill>
+                        <a:srgbClr val="000000">
+                          <a:alpha val="100000"/>
+                        </a:srgbClr>
+                      </a:solidFill>
+                      <a:prstDash val="solid"/>
+                      <a:round/>
+                      <a:headEnd type="none" w="med" len="med"/>
+                      <a:tailEnd type="none" w="med" len="med"/>
+                    </a:lnL>
+                    <a:lnR w="12700" cap="flat" cmpd="sng" algn="ctr">
+                      <a:solidFill>
+                        <a:srgbClr val="000000">
+                          <a:alpha val="100000"/>
+                        </a:srgbClr>
+                      </a:solidFill>
+                      <a:prstDash val="solid"/>
+                      <a:round/>
+                      <a:headEnd type="none" w="med" len="med"/>
+                      <a:tailEnd type="none" w="med" len="med"/>
+                    </a:lnR>
+                    <a:lnT w="12700" cap="flat" cmpd="sng" algn="ctr">
+                      <a:solidFill>
+                        <a:srgbClr val="000000">
+                          <a:alpha val="100000"/>
+                        </a:srgbClr>
+                      </a:solidFill>
+                      <a:prstDash val="solid"/>
+                      <a:round/>
+                      <a:headEnd type="none" w="med" len="med"/>
+                      <a:tailEnd type="none" w="med" len="med"/>
+                    </a:lnT>
+                    <a:lnB w="12700" cap="flat" cmpd="sng" algn="ctr">
+                      <a:solidFill>
+                        <a:srgbClr val="000000">
+                          <a:alpha val="100000"/>
+                        </a:srgbClr>
+                      </a:solidFill>
+                      <a:prstDash val="solid"/>
+                      <a:round/>
+                      <a:headEnd type="none" w="med" len="med"/>
+                      <a:tailEnd type="none" w="med" len="med"/>
+                    </a:lnB>
+                    <a:lnTlToBr w="0" cap="flat" cmpd="sng" algn="ctr">
+                      <a:noFill/>
+                      <a:prstDash/>
+                      <a:round/>
+                      <a:headEnd type="none" w="med" len="med"/>
+                      <a:tailEnd type="none" w="med" len="med"/>
+                    </a:lnTlToBr>
+                    <a:lnBlToTr w="0" cap="flat" cmpd="sng" algn="ctr">
+                      <a:noFill/>
+                      <a:prstDash/>
+                      <a:round/>
+                      <a:headEnd type="none" w="med" len="med"/>
+                      <a:tailEnd type="none" w="med" len="med"/>
+                    </a:lnBlToTr>
+                    <a:noFill/>
+                  </a:tcPr>
+                </a:tc>
+                <a:tc>
+                  <a:txBody>
+                    <a:bodyPr/>
+                    <a:lstStyle/>
+                    <a:p>
+                      <a:pPr marL="0" indent="0" latinLnBrk="1">
+                        <a:buFontTx/>
+                        <a:buNone/>
+                      </a:pPr>
+                      <a:r>
+                        <a:rPr lang="ko-KR" altLang="en-US" sz="1800" b="0" kern="1200" dirty="0">
+                          <a:solidFill>
+                            <a:schemeClr val="tx1"/>
+                          </a:solidFill>
+                          <a:latin typeface="맑은 고딕" charset="0"/>
+                          <a:ea typeface="맑은 고딕" charset="0"/>
+                        </a:rPr>
+                        <a:t>지정된 </a:t>
+                      </a:r>
+                      <a:r>
+                        <a:rPr lang="en-US" altLang="ko-KR" sz="1800" b="0" kern="1200" dirty="0">
+                          <a:solidFill>
+                            <a:schemeClr val="tx1"/>
+                          </a:solidFill>
+                          <a:latin typeface="맑은 고딕" charset="0"/>
+                          <a:ea typeface="맑은 고딕" charset="0"/>
+                        </a:rPr>
+                        <a:t>NPC</a:t>
+                      </a:r>
+                      <a:r>
+                        <a:rPr lang="ko-KR" altLang="en-US" sz="1800" b="0" kern="1200" dirty="0">
+                          <a:solidFill>
+                            <a:schemeClr val="tx1"/>
+                          </a:solidFill>
+                          <a:latin typeface="맑은 고딕" charset="0"/>
+                          <a:ea typeface="맑은 고딕" charset="0"/>
+                        </a:rPr>
+                        <a:t>의 </a:t>
+                      </a:r>
+                      <a:r>
+                        <a:rPr lang="en-US" altLang="ko-KR" sz="1800" b="0" kern="1200" dirty="0">
+                          <a:solidFill>
+                            <a:schemeClr val="tx1"/>
+                          </a:solidFill>
+                          <a:latin typeface="맑은 고딕" charset="0"/>
+                          <a:ea typeface="맑은 고딕" charset="0"/>
+                        </a:rPr>
+                        <a:t>HP</a:t>
+                      </a:r>
+                      <a:r>
+                        <a:rPr lang="ko-KR" altLang="en-US" sz="1800" b="0" kern="1200" dirty="0">
+                          <a:solidFill>
+                            <a:schemeClr val="tx1"/>
+                          </a:solidFill>
+                          <a:latin typeface="맑은 고딕" charset="0"/>
+                          <a:ea typeface="맑은 고딕" charset="0"/>
+                        </a:rPr>
+                        <a:t>를 정해진 시간 동안 일정량 이상으로 유지하는 것</a:t>
+                      </a:r>
+                    </a:p>
+                  </a:txBody>
+                  <a:tcPr anchor="ctr">
+                    <a:lnL w="12700" cap="flat" cmpd="sng" algn="ctr">
+                      <a:solidFill>
+                        <a:srgbClr val="000000">
+                          <a:alpha val="100000"/>
+                        </a:srgbClr>
+                      </a:solidFill>
+                      <a:prstDash val="solid"/>
+                      <a:round/>
+                      <a:headEnd type="none" w="med" len="med"/>
+                      <a:tailEnd type="none" w="med" len="med"/>
+                    </a:lnL>
+                    <a:lnR w="12700" cap="flat" cmpd="sng" algn="ctr">
+                      <a:solidFill>
+                        <a:srgbClr val="000000">
+                          <a:alpha val="100000"/>
+                        </a:srgbClr>
+                      </a:solidFill>
+                      <a:prstDash val="solid"/>
+                      <a:round/>
+                      <a:headEnd type="none" w="med" len="med"/>
+                      <a:tailEnd type="none" w="med" len="med"/>
+                    </a:lnR>
+                    <a:lnT w="12700" cap="flat" cmpd="sng" algn="ctr">
+                      <a:solidFill>
+                        <a:srgbClr val="000000">
+                          <a:alpha val="100000"/>
+                        </a:srgbClr>
+                      </a:solidFill>
+                      <a:prstDash val="solid"/>
+                      <a:round/>
+                      <a:headEnd type="none" w="med" len="med"/>
+                      <a:tailEnd type="none" w="med" len="med"/>
+                    </a:lnT>
+                    <a:lnB w="12700" cap="flat" cmpd="sng" algn="ctr">
+                      <a:solidFill>
+                        <a:srgbClr val="000000">
+                          <a:alpha val="100000"/>
+                        </a:srgbClr>
+                      </a:solidFill>
+                      <a:prstDash val="solid"/>
+                      <a:round/>
+                      <a:headEnd type="none" w="med" len="med"/>
+                      <a:tailEnd type="none" w="med" len="med"/>
+                    </a:lnB>
+                    <a:lnTlToBr w="0" cap="flat" cmpd="sng" algn="ctr">
+                      <a:noFill/>
+                      <a:prstDash/>
+                      <a:round/>
+                      <a:headEnd type="none" w="med" len="med"/>
+                      <a:tailEnd type="none" w="med" len="med"/>
+                    </a:lnTlToBr>
+                    <a:lnBlToTr w="0" cap="flat" cmpd="sng" algn="ctr">
+                      <a:noFill/>
+                      <a:prstDash/>
+                      <a:round/>
+                      <a:headEnd type="none" w="med" len="med"/>
+                      <a:tailEnd type="none" w="med" len="med"/>
+                    </a:lnBlToTr>
+                    <a:noFill/>
+                  </a:tcPr>
+                </a:tc>
+                <a:extLst>
+                  <a:ext uri="{0D108BD9-81ED-4DB2-BD59-A6C34878D82A}">
+                    <a16:rowId xmlns:a16="http://schemas.microsoft.com/office/drawing/2014/main" val="10004"/>
+                  </a:ext>
+                </a:extLst>
+              </a:tr>
+              <a:tr h="0">
+                <a:tc>
+                  <a:txBody>
+                    <a:bodyPr/>
+                    <a:lstStyle/>
+                    <a:p>
+                      <a:pPr marL="0" indent="0" algn="ctr" latinLnBrk="1">
+                        <a:buFontTx/>
+                        <a:buNone/>
+                      </a:pPr>
+                      <a:r>
+                        <a:rPr sz="1800" b="0" kern="1200">
+                          <a:solidFill>
+                            <a:schemeClr val="tx1"/>
+                          </a:solidFill>
+                          <a:latin typeface="맑은 고딕" charset="0"/>
+                          <a:ea typeface="맑은 고딕" charset="0"/>
+                        </a:rPr>
+                        <a:t>배달</a:t>
+                      </a:r>
+                      <a:endParaRPr lang="ko-KR" altLang="en-US" sz="1800" b="0" kern="1200">
+                        <a:solidFill>
+                          <a:schemeClr val="tx1"/>
+                        </a:solidFill>
+                        <a:latin typeface="맑은 고딕" charset="0"/>
+                        <a:ea typeface="맑은 고딕" charset="0"/>
+                      </a:endParaRPr>
+                    </a:p>
+                  </a:txBody>
+                  <a:tcPr anchor="ctr">
+                    <a:lnL w="12700" cap="flat" cmpd="sng" algn="ctr">
+                      <a:solidFill>
+                        <a:srgbClr val="000000">
+                          <a:alpha val="100000"/>
+                        </a:srgbClr>
+                      </a:solidFill>
+                      <a:prstDash val="solid"/>
+                      <a:round/>
+                      <a:headEnd type="none" w="med" len="med"/>
+                      <a:tailEnd type="none" w="med" len="med"/>
+                    </a:lnL>
+                    <a:lnR w="12700" cap="flat" cmpd="sng" algn="ctr">
+                      <a:solidFill>
+                        <a:srgbClr val="000000">
+                          <a:alpha val="100000"/>
+                        </a:srgbClr>
+                      </a:solidFill>
+                      <a:prstDash val="solid"/>
+                      <a:round/>
+                      <a:headEnd type="none" w="med" len="med"/>
+                      <a:tailEnd type="none" w="med" len="med"/>
+                    </a:lnR>
+                    <a:lnT w="12700" cap="flat" cmpd="sng" algn="ctr">
+                      <a:solidFill>
+                        <a:srgbClr val="000000">
+                          <a:alpha val="100000"/>
+                        </a:srgbClr>
+                      </a:solidFill>
+                      <a:prstDash val="solid"/>
+                      <a:round/>
+                      <a:headEnd type="none" w="med" len="med"/>
+                      <a:tailEnd type="none" w="med" len="med"/>
+                    </a:lnT>
+                    <a:lnB w="12700" cap="flat" cmpd="sng" algn="ctr">
+                      <a:solidFill>
+                        <a:srgbClr val="000000">
+                          <a:alpha val="100000"/>
+                        </a:srgbClr>
+                      </a:solidFill>
+                      <a:prstDash val="solid"/>
+                      <a:round/>
+                      <a:headEnd type="none" w="med" len="med"/>
+                      <a:tailEnd type="none" w="med" len="med"/>
+                    </a:lnB>
+                    <a:lnTlToBr w="0" cap="flat" cmpd="sng" algn="ctr">
+                      <a:noFill/>
+                      <a:prstDash/>
+                      <a:round/>
+                      <a:headEnd type="none" w="med" len="med"/>
+                      <a:tailEnd type="none" w="med" len="med"/>
+                    </a:lnTlToBr>
+                    <a:lnBlToTr w="0" cap="flat" cmpd="sng" algn="ctr">
+                      <a:noFill/>
+                      <a:prstDash/>
+                      <a:round/>
+                      <a:headEnd type="none" w="med" len="med"/>
+                      <a:tailEnd type="none" w="med" len="med"/>
+                    </a:lnBlToTr>
+                    <a:noFill/>
+                  </a:tcPr>
+                </a:tc>
+                <a:tc>
+                  <a:txBody>
+                    <a:bodyPr/>
+                    <a:lstStyle/>
+                    <a:p>
+                      <a:pPr marL="0" indent="0" latinLnBrk="1">
+                        <a:buFontTx/>
+                        <a:buNone/>
+                      </a:pPr>
+                      <a:r>
+                        <a:rPr lang="ko-KR" altLang="en-US" sz="1800" b="0" kern="1200" dirty="0">
+                          <a:solidFill>
+                            <a:schemeClr val="tx1"/>
+                          </a:solidFill>
+                          <a:latin typeface="맑은 고딕" charset="0"/>
+                          <a:ea typeface="맑은 고딕" charset="0"/>
+                        </a:rPr>
+                        <a:t>지정된 아이템을 정해진 </a:t>
+                      </a:r>
+                      <a:r>
+                        <a:rPr lang="en-US" altLang="ko-KR" sz="1800" b="0" kern="1200" dirty="0">
+                          <a:solidFill>
+                            <a:schemeClr val="tx1"/>
+                          </a:solidFill>
+                          <a:latin typeface="맑은 고딕" charset="0"/>
+                          <a:ea typeface="맑은 고딕" charset="0"/>
+                        </a:rPr>
+                        <a:t>NPC</a:t>
+                      </a:r>
+                      <a:r>
+                        <a:rPr lang="ko-KR" altLang="en-US" sz="1800" b="0" kern="1200" dirty="0">
+                          <a:solidFill>
+                            <a:schemeClr val="tx1"/>
+                          </a:solidFill>
+                          <a:latin typeface="맑은 고딕" charset="0"/>
+                          <a:ea typeface="맑은 고딕" charset="0"/>
+                        </a:rPr>
+                        <a:t>에게 전달 하는 것</a:t>
+                      </a:r>
+                    </a:p>
+                  </a:txBody>
+                  <a:tcPr anchor="ctr">
+                    <a:lnL w="12700" cap="flat" cmpd="sng" algn="ctr">
+                      <a:solidFill>
+                        <a:srgbClr val="000000">
+                          <a:alpha val="100000"/>
+                        </a:srgbClr>
+                      </a:solidFill>
+                      <a:prstDash val="solid"/>
+                      <a:round/>
+                      <a:headEnd type="none" w="med" len="med"/>
+                      <a:tailEnd type="none" w="med" len="med"/>
+                    </a:lnL>
+                    <a:lnR w="12700" cap="flat" cmpd="sng" algn="ctr">
+                      <a:solidFill>
+                        <a:srgbClr val="000000">
+                          <a:alpha val="100000"/>
+                        </a:srgbClr>
+                      </a:solidFill>
+                      <a:prstDash val="solid"/>
+                      <a:round/>
+                      <a:headEnd type="none" w="med" len="med"/>
+                      <a:tailEnd type="none" w="med" len="med"/>
+                    </a:lnR>
+                    <a:lnT w="12700" cap="flat" cmpd="sng" algn="ctr">
+                      <a:solidFill>
+                        <a:srgbClr val="000000">
+                          <a:alpha val="100000"/>
+                        </a:srgbClr>
+                      </a:solidFill>
+                      <a:prstDash val="solid"/>
+                      <a:round/>
+                      <a:headEnd type="none" w="med" len="med"/>
+                      <a:tailEnd type="none" w="med" len="med"/>
+                    </a:lnT>
+                    <a:lnB w="12700" cap="flat" cmpd="sng" algn="ctr">
+                      <a:solidFill>
+                        <a:srgbClr val="000000">
+                          <a:alpha val="100000"/>
+                        </a:srgbClr>
+                      </a:solidFill>
+                      <a:prstDash val="solid"/>
+                      <a:round/>
+                      <a:headEnd type="none" w="med" len="med"/>
+                      <a:tailEnd type="none" w="med" len="med"/>
+                    </a:lnB>
+                    <a:lnTlToBr w="0" cap="flat" cmpd="sng" algn="ctr">
+                      <a:noFill/>
+                      <a:prstDash/>
+                      <a:round/>
+                      <a:headEnd type="none" w="med" len="med"/>
+                      <a:tailEnd type="none" w="med" len="med"/>
+                    </a:lnTlToBr>
+                    <a:lnBlToTr w="0" cap="flat" cmpd="sng" algn="ctr">
+                      <a:noFill/>
+                      <a:prstDash/>
+                      <a:round/>
+                      <a:headEnd type="none" w="med" len="med"/>
+                      <a:tailEnd type="none" w="med" len="med"/>
+                    </a:lnBlToTr>
+                    <a:noFill/>
+                  </a:tcPr>
+                </a:tc>
+                <a:extLst>
+                  <a:ext uri="{0D108BD9-81ED-4DB2-BD59-A6C34878D82A}">
+                    <a16:rowId xmlns:a16="http://schemas.microsoft.com/office/drawing/2014/main" val="10005"/>
+                  </a:ext>
+                </a:extLst>
+              </a:tr>
+              <a:tr h="0">
+                <a:tc>
+                  <a:txBody>
+                    <a:bodyPr/>
+                    <a:lstStyle/>
+                    <a:p>
+                      <a:pPr marL="0" indent="0" algn="ctr" latinLnBrk="1">
+                        <a:buFontTx/>
+                        <a:buNone/>
+                      </a:pPr>
+                      <a:r>
+                        <a:rPr sz="1800" b="0" kern="1200">
+                          <a:solidFill>
+                            <a:schemeClr val="tx1"/>
+                          </a:solidFill>
+                          <a:latin typeface="맑은 고딕" charset="0"/>
+                          <a:ea typeface="맑은 고딕" charset="0"/>
+                        </a:rPr>
+                        <a:t>대화</a:t>
+                      </a:r>
+                      <a:endParaRPr lang="ko-KR" altLang="en-US" sz="1800" b="0" kern="1200">
+                        <a:solidFill>
+                          <a:schemeClr val="tx1"/>
+                        </a:solidFill>
+                        <a:latin typeface="맑은 고딕" charset="0"/>
+                        <a:ea typeface="맑은 고딕" charset="0"/>
+                      </a:endParaRPr>
+                    </a:p>
+                  </a:txBody>
+                  <a:tcPr anchor="ctr">
+                    <a:lnL w="12700" cap="flat" cmpd="sng" algn="ctr">
+                      <a:solidFill>
+                        <a:srgbClr val="000000">
+                          <a:alpha val="100000"/>
+                        </a:srgbClr>
+                      </a:solidFill>
+                      <a:prstDash val="solid"/>
+                      <a:round/>
+                      <a:headEnd type="none" w="med" len="med"/>
+                      <a:tailEnd type="none" w="med" len="med"/>
+                    </a:lnL>
+                    <a:lnR w="12700" cap="flat" cmpd="sng" algn="ctr">
+                      <a:solidFill>
+                        <a:srgbClr val="000000">
+                          <a:alpha val="100000"/>
+                        </a:srgbClr>
+                      </a:solidFill>
+                      <a:prstDash val="solid"/>
+                      <a:round/>
+                      <a:headEnd type="none" w="med" len="med"/>
+                      <a:tailEnd type="none" w="med" len="med"/>
+                    </a:lnR>
+                    <a:lnT w="12700" cap="flat" cmpd="sng" algn="ctr">
+                      <a:solidFill>
+                        <a:srgbClr val="000000">
+                          <a:alpha val="100000"/>
+                        </a:srgbClr>
+                      </a:solidFill>
+                      <a:prstDash val="solid"/>
+                      <a:round/>
+                      <a:headEnd type="none" w="med" len="med"/>
+                      <a:tailEnd type="none" w="med" len="med"/>
+                    </a:lnT>
+                    <a:lnB w="12700" cap="flat" cmpd="sng" algn="ctr">
+                      <a:solidFill>
+                        <a:srgbClr val="000000">
+                          <a:alpha val="100000"/>
+                        </a:srgbClr>
+                      </a:solidFill>
+                      <a:prstDash val="solid"/>
+                      <a:round/>
+                      <a:headEnd type="none" w="med" len="med"/>
+                      <a:tailEnd type="none" w="med" len="med"/>
+                    </a:lnB>
+                    <a:lnTlToBr w="0" cap="flat" cmpd="sng" algn="ctr">
+                      <a:noFill/>
+                      <a:prstDash/>
+                      <a:round/>
+                      <a:headEnd type="none" w="med" len="med"/>
+                      <a:tailEnd type="none" w="med" len="med"/>
+                    </a:lnTlToBr>
+                    <a:lnBlToTr w="0" cap="flat" cmpd="sng" algn="ctr">
+                      <a:noFill/>
+                      <a:prstDash/>
+                      <a:round/>
+                      <a:headEnd type="none" w="med" len="med"/>
+                      <a:tailEnd type="none" w="med" len="med"/>
+                    </a:lnBlToTr>
+                    <a:noFill/>
+                  </a:tcPr>
+                </a:tc>
+                <a:tc>
+                  <a:txBody>
+                    <a:bodyPr/>
+                    <a:lstStyle/>
+                    <a:p>
+                      <a:pPr marL="0" indent="0" latinLnBrk="1">
+                        <a:buFontTx/>
+                        <a:buNone/>
+                      </a:pPr>
+                      <a:r>
+                        <a:rPr lang="ko-KR" altLang="en-US" sz="1800" b="0" kern="1200" dirty="0">
+                          <a:solidFill>
+                            <a:schemeClr val="tx1"/>
+                          </a:solidFill>
+                          <a:latin typeface="맑은 고딕" charset="0"/>
+                          <a:ea typeface="맑은 고딕" charset="0"/>
+                        </a:rPr>
+                        <a:t>지정된 </a:t>
+                      </a:r>
+                      <a:r>
+                        <a:rPr lang="en-US" altLang="ko-KR" sz="1800" b="0" kern="1200" dirty="0">
+                          <a:solidFill>
+                            <a:schemeClr val="tx1"/>
+                          </a:solidFill>
+                          <a:latin typeface="맑은 고딕" charset="0"/>
+                          <a:ea typeface="맑은 고딕" charset="0"/>
+                        </a:rPr>
+                        <a:t>NPC</a:t>
+                      </a:r>
+                      <a:r>
+                        <a:rPr lang="ko-KR" altLang="en-US" sz="1800" b="0" kern="1200" dirty="0">
+                          <a:solidFill>
+                            <a:schemeClr val="tx1"/>
+                          </a:solidFill>
+                          <a:latin typeface="맑은 고딕" charset="0"/>
+                          <a:ea typeface="맑은 고딕" charset="0"/>
+                        </a:rPr>
+                        <a:t>에게 대화상호작용 하는 것</a:t>
+                      </a:r>
+                    </a:p>
+                  </a:txBody>
+                  <a:tcPr anchor="ctr">
+                    <a:lnL w="12700" cap="flat" cmpd="sng" algn="ctr">
+                      <a:solidFill>
+                        <a:srgbClr val="000000">
+                          <a:alpha val="100000"/>
+                        </a:srgbClr>
+                      </a:solidFill>
+                      <a:prstDash val="solid"/>
+                      <a:round/>
+                      <a:headEnd type="none" w="med" len="med"/>
+                      <a:tailEnd type="none" w="med" len="med"/>
+                    </a:lnL>
+                    <a:lnR w="12700" cap="flat" cmpd="sng" algn="ctr">
+                      <a:solidFill>
+                        <a:srgbClr val="000000">
+                          <a:alpha val="100000"/>
+                        </a:srgbClr>
+                      </a:solidFill>
+                      <a:prstDash val="solid"/>
+                      <a:round/>
+                      <a:headEnd type="none" w="med" len="med"/>
+                      <a:tailEnd type="none" w="med" len="med"/>
+                    </a:lnR>
+                    <a:lnT w="12700" cap="flat" cmpd="sng" algn="ctr">
+                      <a:solidFill>
+                        <a:srgbClr val="000000">
+                          <a:alpha val="100000"/>
+                        </a:srgbClr>
+                      </a:solidFill>
+                      <a:prstDash val="solid"/>
+                      <a:round/>
+                      <a:headEnd type="none" w="med" len="med"/>
+                      <a:tailEnd type="none" w="med" len="med"/>
+                    </a:lnT>
+                    <a:lnB w="12700" cap="flat" cmpd="sng" algn="ctr">
+                      <a:solidFill>
+                        <a:srgbClr val="000000">
+                          <a:alpha val="100000"/>
+                        </a:srgbClr>
+                      </a:solidFill>
+                      <a:prstDash val="solid"/>
+                      <a:round/>
+                      <a:headEnd type="none" w="med" len="med"/>
+                      <a:tailEnd type="none" w="med" len="med"/>
+                    </a:lnB>
+                    <a:lnTlToBr w="0" cap="flat" cmpd="sng" algn="ctr">
+                      <a:noFill/>
+                      <a:prstDash/>
+                      <a:round/>
+                      <a:headEnd type="none" w="med" len="med"/>
+                      <a:tailEnd type="none" w="med" len="med"/>
+                    </a:lnTlToBr>
+                    <a:lnBlToTr w="0" cap="flat" cmpd="sng" algn="ctr">
+                      <a:noFill/>
+                      <a:prstDash/>
+                      <a:round/>
+                      <a:headEnd type="none" w="med" len="med"/>
+                      <a:tailEnd type="none" w="med" len="med"/>
+                    </a:lnBlToTr>
+                    <a:noFill/>
+                  </a:tcPr>
+                </a:tc>
+                <a:extLst>
+                  <a:ext uri="{0D108BD9-81ED-4DB2-BD59-A6C34878D82A}">
+                    <a16:rowId xmlns:a16="http://schemas.microsoft.com/office/drawing/2014/main" val="10006"/>
+                  </a:ext>
+                </a:extLst>
+              </a:tr>
+              <a:tr h="0">
+                <a:tc>
+                  <a:txBody>
+                    <a:bodyPr/>
+                    <a:lstStyle/>
+                    <a:p>
+                      <a:pPr marL="0" indent="0" algn="ctr" latinLnBrk="1">
+                        <a:buFontTx/>
+                        <a:buNone/>
+                      </a:pPr>
+                      <a:r>
+                        <a:rPr sz="1800" b="0" kern="1200" dirty="0" err="1">
+                          <a:solidFill>
+                            <a:schemeClr val="tx1"/>
+                          </a:solidFill>
+                          <a:latin typeface="맑은 고딕" charset="0"/>
+                          <a:ea typeface="맑은 고딕" charset="0"/>
+                        </a:rPr>
+                        <a:t>생존</a:t>
+                      </a:r>
+                      <a:endParaRPr lang="ko-KR" altLang="en-US" sz="1800" b="0" kern="1200" dirty="0">
+                        <a:solidFill>
+                          <a:schemeClr val="tx1"/>
+                        </a:solidFill>
+                        <a:latin typeface="맑은 고딕" charset="0"/>
+                        <a:ea typeface="맑은 고딕" charset="0"/>
+                      </a:endParaRPr>
+                    </a:p>
+                  </a:txBody>
+                  <a:tcPr anchor="ctr">
+                    <a:lnL w="12700" cap="flat" cmpd="sng" algn="ctr">
+                      <a:solidFill>
+                        <a:srgbClr val="000000">
+                          <a:alpha val="100000"/>
+                        </a:srgbClr>
+                      </a:solidFill>
+                      <a:prstDash val="solid"/>
+                      <a:round/>
+                      <a:headEnd type="none" w="med" len="med"/>
+                      <a:tailEnd type="none" w="med" len="med"/>
+                    </a:lnL>
+                    <a:lnR w="12700" cap="flat" cmpd="sng" algn="ctr">
+                      <a:solidFill>
+                        <a:srgbClr val="000000">
+                          <a:alpha val="100000"/>
+                        </a:srgbClr>
+                      </a:solidFill>
+                      <a:prstDash val="solid"/>
+                      <a:round/>
+                      <a:headEnd type="none" w="med" len="med"/>
+                      <a:tailEnd type="none" w="med" len="med"/>
+                    </a:lnR>
+                    <a:lnT w="12700" cap="flat" cmpd="sng" algn="ctr">
+                      <a:solidFill>
+                        <a:srgbClr val="000000">
+                          <a:alpha val="100000"/>
+                        </a:srgbClr>
+                      </a:solidFill>
+                      <a:prstDash val="solid"/>
+                      <a:round/>
+                      <a:headEnd type="none" w="med" len="med"/>
+                      <a:tailEnd type="none" w="med" len="med"/>
+                    </a:lnT>
+                    <a:lnB w="12700" cap="flat" cmpd="sng" algn="ctr">
+                      <a:solidFill>
+                        <a:srgbClr val="000000">
+                          <a:alpha val="100000"/>
+                        </a:srgbClr>
+                      </a:solidFill>
+                      <a:prstDash val="solid"/>
+                      <a:round/>
+                      <a:headEnd type="none" w="med" len="med"/>
+                      <a:tailEnd type="none" w="med" len="med"/>
+                    </a:lnB>
+                    <a:lnTlToBr w="0" cap="flat" cmpd="sng" algn="ctr">
+                      <a:noFill/>
+                      <a:prstDash/>
+                      <a:round/>
+                      <a:headEnd type="none" w="med" len="med"/>
+                      <a:tailEnd type="none" w="med" len="med"/>
+                    </a:lnTlToBr>
+                    <a:lnBlToTr w="0" cap="flat" cmpd="sng" algn="ctr">
+                      <a:noFill/>
+                      <a:prstDash/>
+                      <a:round/>
+                      <a:headEnd type="none" w="med" len="med"/>
+                      <a:tailEnd type="none" w="med" len="med"/>
+                    </a:lnBlToTr>
+                    <a:noFill/>
+                  </a:tcPr>
+                </a:tc>
+                <a:tc>
+                  <a:txBody>
+                    <a:bodyPr/>
+                    <a:lstStyle/>
+                    <a:p>
+                      <a:pPr marL="0" indent="0" latinLnBrk="1">
+                        <a:buFontTx/>
+                        <a:buNone/>
+                      </a:pPr>
+                      <a:r>
+                        <a:rPr lang="ko-KR" altLang="en-US" sz="1800" b="0" kern="1200" dirty="0">
+                          <a:solidFill>
+                            <a:schemeClr val="tx1"/>
+                          </a:solidFill>
+                          <a:latin typeface="맑은 고딕" charset="0"/>
+                          <a:ea typeface="맑은 고딕" charset="0"/>
+                        </a:rPr>
+                        <a:t>정해진 시간 동안 </a:t>
+                      </a:r>
+                      <a:r>
+                        <a:rPr lang="en-US" altLang="ko-KR" sz="1800" b="0" kern="1200" dirty="0">
+                          <a:solidFill>
+                            <a:schemeClr val="tx1"/>
+                          </a:solidFill>
+                          <a:latin typeface="맑은 고딕" charset="0"/>
+                          <a:ea typeface="맑은 고딕" charset="0"/>
+                        </a:rPr>
+                        <a:t>PC</a:t>
+                      </a:r>
+                      <a:r>
+                        <a:rPr lang="ko-KR" altLang="en-US" sz="1800" b="0" kern="1200" dirty="0">
+                          <a:solidFill>
+                            <a:schemeClr val="tx1"/>
+                          </a:solidFill>
+                          <a:latin typeface="맑은 고딕" charset="0"/>
+                          <a:ea typeface="맑은 고딕" charset="0"/>
+                        </a:rPr>
+                        <a:t>의 </a:t>
+                      </a:r>
+                      <a:r>
+                        <a:rPr lang="en-US" altLang="ko-KR" sz="1800" b="0" kern="1200" dirty="0">
+                          <a:solidFill>
+                            <a:schemeClr val="tx1"/>
+                          </a:solidFill>
+                          <a:latin typeface="맑은 고딕" charset="0"/>
+                          <a:ea typeface="맑은 고딕" charset="0"/>
+                        </a:rPr>
+                        <a:t>HP</a:t>
+                      </a:r>
+                      <a:r>
+                        <a:rPr lang="ko-KR" altLang="en-US" sz="1800" b="0" kern="1200" dirty="0">
+                          <a:solidFill>
+                            <a:schemeClr val="tx1"/>
+                          </a:solidFill>
+                          <a:latin typeface="맑은 고딕" charset="0"/>
+                          <a:ea typeface="맑은 고딕" charset="0"/>
+                        </a:rPr>
+                        <a:t>가 </a:t>
+                      </a:r>
+                      <a:r>
+                        <a:rPr lang="en-US" altLang="ko-KR" sz="1800" b="0" kern="1200" dirty="0">
+                          <a:solidFill>
+                            <a:schemeClr val="tx1"/>
+                          </a:solidFill>
+                          <a:latin typeface="맑은 고딕" charset="0"/>
+                          <a:ea typeface="맑은 고딕" charset="0"/>
+                        </a:rPr>
+                        <a:t>0</a:t>
+                      </a:r>
+                      <a:r>
+                        <a:rPr lang="ko-KR" altLang="en-US" sz="1800" b="0" kern="1200" dirty="0">
+                          <a:solidFill>
+                            <a:schemeClr val="tx1"/>
+                          </a:solidFill>
+                          <a:latin typeface="맑은 고딕" charset="0"/>
+                          <a:ea typeface="맑은 고딕" charset="0"/>
+                        </a:rPr>
+                        <a:t>이하로 내려가지 않게 하는 것</a:t>
+                      </a:r>
+                    </a:p>
+                  </a:txBody>
+                  <a:tcPr anchor="ctr">
+                    <a:lnL w="12700" cap="flat" cmpd="sng" algn="ctr">
+                      <a:solidFill>
+                        <a:srgbClr val="000000">
+                          <a:alpha val="100000"/>
+                        </a:srgbClr>
+                      </a:solidFill>
+                      <a:prstDash val="solid"/>
+                      <a:round/>
+                      <a:headEnd type="none" w="med" len="med"/>
+                      <a:tailEnd type="none" w="med" len="med"/>
+                    </a:lnL>
+                    <a:lnR w="12700" cap="flat" cmpd="sng" algn="ctr">
+                      <a:solidFill>
+                        <a:srgbClr val="000000">
+                          <a:alpha val="100000"/>
+                        </a:srgbClr>
+                      </a:solidFill>
+                      <a:prstDash val="solid"/>
+                      <a:round/>
+                      <a:headEnd type="none" w="med" len="med"/>
+                      <a:tailEnd type="none" w="med" len="med"/>
+                    </a:lnR>
+                    <a:lnT w="12700" cap="flat" cmpd="sng" algn="ctr">
+                      <a:solidFill>
+                        <a:srgbClr val="000000">
+                          <a:alpha val="100000"/>
+                        </a:srgbClr>
+                      </a:solidFill>
+                      <a:prstDash val="solid"/>
+                      <a:round/>
+                      <a:headEnd type="none" w="med" len="med"/>
+                      <a:tailEnd type="none" w="med" len="med"/>
+                    </a:lnT>
+                    <a:lnB w="12700" cap="flat" cmpd="sng" algn="ctr">
+                      <a:solidFill>
+                        <a:srgbClr val="000000">
+                          <a:alpha val="100000"/>
+                        </a:srgbClr>
+                      </a:solidFill>
+                      <a:prstDash val="solid"/>
+                      <a:round/>
+                      <a:headEnd type="none" w="med" len="med"/>
+                      <a:tailEnd type="none" w="med" len="med"/>
+                    </a:lnB>
+                    <a:lnTlToBr w="0" cap="flat" cmpd="sng" algn="ctr">
+                      <a:noFill/>
+                      <a:prstDash/>
+                      <a:round/>
+                      <a:headEnd type="none" w="med" len="med"/>
+                      <a:tailEnd type="none" w="med" len="med"/>
+                    </a:lnTlToBr>
+                    <a:lnBlToTr w="0" cap="flat" cmpd="sng" algn="ctr">
+                      <a:noFill/>
+                      <a:prstDash/>
+                      <a:round/>
+                      <a:headEnd type="none" w="med" len="med"/>
+                      <a:tailEnd type="none" w="med" len="med"/>
+                    </a:lnBlToTr>
+                    <a:noFill/>
+                  </a:tcPr>
+                </a:tc>
+                <a:extLst>
+                  <a:ext uri="{0D108BD9-81ED-4DB2-BD59-A6C34878D82A}">
+                    <a16:rowId xmlns:a16="http://schemas.microsoft.com/office/drawing/2014/main" val="10007"/>
+                  </a:ext>
+                </a:extLst>
+              </a:tr>
+            </a:tbl>
+          </a:graphicData>
+        </a:graphic>
+      </p:graphicFrame>
+    </p:spTree>
+  </p:cSld>
+  <p:clrMapOvr>
+    <a:masterClrMapping/>
+  </p:clrMapOvr>
+</p:sld>
+</file>
+
+<file path=ppt/slides/slide5.xml><?xml version="1.0" encoding="utf-8"?>
 <p:sld xmlns:a="http://schemas.openxmlformats.org/drawingml/2006/main" xmlns:r="http://schemas.openxmlformats.org/officeDocument/2006/relationships" xmlns:p="http://schemas.openxmlformats.org/presentationml/2006/main">
   <p:cSld>
     <p:spTree>
@@ -5517,8 +7348,8 @@
         </p:nvSpPr>
         <p:spPr>
           <a:xfrm>
-            <a:off x="695325" y="291904"/>
-            <a:ext cx="10801350" cy="861646"/>
+            <a:off x="695325" y="292100"/>
+            <a:ext cx="10801350" cy="861695"/>
           </a:xfrm>
           <a:prstGeom prst="rect">
             <a:avLst/>

--- a/기획/방랑엽사전/퀘스트 시스템 기획서.pptx
+++ b/기획/방랑엽사전/퀘스트 시스템 기획서.pptx
@@ -5,14 +5,16 @@
     <p:sldMasterId id="2147483684" r:id="rId1"/>
   </p:sldMasterIdLst>
   <p:notesMasterIdLst>
-    <p:notesMasterId r:id="rId7"/>
+    <p:notesMasterId r:id="rId9"/>
   </p:notesMasterIdLst>
   <p:sldIdLst>
     <p:sldId id="258" r:id="rId2"/>
     <p:sldId id="266" r:id="rId3"/>
     <p:sldId id="265" r:id="rId4"/>
     <p:sldId id="268" r:id="rId5"/>
-    <p:sldId id="267" r:id="rId6"/>
+    <p:sldId id="271" r:id="rId6"/>
+    <p:sldId id="269" r:id="rId7"/>
+    <p:sldId id="267" r:id="rId8"/>
   </p:sldIdLst>
   <p:sldSz cx="12192000" cy="6858000"/>
   <p:notesSz cx="6858000" cy="9144000"/>
@@ -144,7 +146,7 @@
             <a:srgbClr val="A4A3A4"/>
           </p15:clr>
         </p15:guide>
-        <p15:guide id="7" pos="6765" userDrawn="1">
+        <p15:guide id="7" pos="6788" userDrawn="1">
           <p15:clr>
             <a:srgbClr val="A4A3A4"/>
           </p15:clr>
@@ -4609,10 +4611,16 @@
           <p:cNvGraphicFramePr>
             <a:graphicFrameLocks noGrp="1"/>
           </p:cNvGraphicFramePr>
-          <p:nvPr/>
+          <p:nvPr>
+            <p:extLst>
+              <p:ext uri="{D42A27DB-BD31-4B8C-83A1-F6EECF244321}">
+                <p14:modId xmlns:p14="http://schemas.microsoft.com/office/powerpoint/2010/main" val="1898712389"/>
+              </p:ext>
+            </p:extLst>
+          </p:nvPr>
         </p:nvGraphicFramePr>
         <p:xfrm>
-          <a:off x="1416050" y="2477770"/>
+          <a:off x="1414463" y="2212022"/>
           <a:ext cx="9351645" cy="2433955"/>
         </p:xfrm>
         <a:graphic>
@@ -4641,7 +4649,7 @@
                         <a:buNone/>
                       </a:pPr>
                       <a:r>
-                        <a:rPr lang="ko-KR" altLang="en-US" b="1" kern="1200">
+                        <a:rPr lang="ko-KR" altLang="en-US" b="1" kern="1200" dirty="0">
                           <a:solidFill>
                             <a:schemeClr val="tx1"/>
                           </a:solidFill>
@@ -4649,14 +4657,14 @@
                         <a:t>퀘스트 란</a:t>
                       </a:r>
                       <a:r>
-                        <a:rPr lang="en-US" altLang="ko-KR" b="1" kern="1200">
+                        <a:rPr lang="en-US" altLang="ko-KR" b="1" kern="1200" dirty="0">
                           <a:solidFill>
                             <a:schemeClr val="tx1"/>
                           </a:solidFill>
                         </a:rPr>
                         <a:t>?</a:t>
                       </a:r>
-                      <a:endParaRPr lang="ko-KR" altLang="en-US" b="1" kern="1200">
+                      <a:endParaRPr lang="ko-KR" altLang="en-US" b="1" kern="1200" dirty="0">
                         <a:solidFill>
                           <a:schemeClr val="tx1"/>
                         </a:solidFill>
@@ -4735,7 +4743,7 @@
                         <a:buNone/>
                       </a:pPr>
                       <a:r>
-                        <a:rPr lang="ko-KR" altLang="en-US" sz="1800" kern="1200">
+                        <a:rPr lang="ko-KR" altLang="ko-KR" sz="1800" kern="1200" dirty="0">
                           <a:solidFill>
                             <a:schemeClr val="tx1"/>
                           </a:solidFill>
@@ -4743,10 +4751,10 @@
                           <a:ea typeface="맑은 고딕" charset="0"/>
                           <a:cs typeface="Times New Roman" charset="0"/>
                         </a:rPr>
-                        <a:t>게임 내에서 </a:t>
-                      </a:r>
-                      <a:r>
-                        <a:rPr lang="ko-KR" altLang="ko-KR" sz="1800" kern="1200">
+                        <a:t>플레이어가 수행할 수 있는 다양한 </a:t>
+                      </a:r>
+                      <a:r>
+                        <a:rPr lang="ko-KR" altLang="en-US" sz="1800" kern="1200" dirty="0">
                           <a:solidFill>
                             <a:schemeClr val="tx1"/>
                           </a:solidFill>
@@ -4754,9 +4762,9 @@
                           <a:ea typeface="맑은 고딕" charset="0"/>
                           <a:cs typeface="Times New Roman" charset="0"/>
                         </a:rPr>
-                        <a:t>플레이어가 수행할 수 있는 임무로 퀘스트 별로 정해진 다양한 목표를 완수하는 것으로 퀘스트를 완료하고 보상을 획득할 수도 있다.</a:t>
-                      </a:r>
-                      <a:endParaRPr lang="ko-KR" altLang="en-US" sz="1800" kern="1200">
+                        <a:t>목표가 있는 임무</a:t>
+                      </a:r>
+                      <a:endParaRPr lang="en-US" altLang="ko-KR" sz="1800" kern="1200" dirty="0">
                         <a:solidFill>
                           <a:schemeClr val="tx1"/>
                         </a:solidFill>
@@ -4779,7 +4787,7 @@
                         <a:buFontTx/>
                         <a:buNone/>
                       </a:pPr>
-                      <a:endParaRPr lang="ko-KR" altLang="en-US" sz="1800" kern="1200">
+                      <a:endParaRPr lang="ko-KR" altLang="en-US" sz="1800" kern="1200" dirty="0">
                         <a:solidFill>
                           <a:schemeClr val="tx1"/>
                         </a:solidFill>
@@ -4803,7 +4811,7 @@
                         <a:buNone/>
                       </a:pPr>
                       <a:r>
-                        <a:rPr lang="ko-KR" altLang="ko-KR" sz="1800" kern="1200">
+                        <a:rPr lang="ko-KR" altLang="ko-KR" sz="1800" kern="1200" dirty="0">
                           <a:solidFill>
                             <a:schemeClr val="tx1"/>
                           </a:solidFill>
@@ -4811,33 +4819,10 @@
                           <a:ea typeface="맑은 고딕" charset="0"/>
                           <a:cs typeface="Times New Roman" charset="0"/>
                         </a:rPr>
-                        <a:t>플레이어에게 게임의 세계관을 설명하여 게임에 대한 흥미를 높이고 몰입감을 높인다. </a:t>
-                      </a:r>
-                      <a:endParaRPr lang="ko-KR" altLang="en-US" sz="1800" kern="1200">
-                        <a:solidFill>
-                          <a:schemeClr val="tx1"/>
-                        </a:solidFill>
-                        <a:latin typeface="맑은 고딕" charset="0"/>
-                        <a:ea typeface="맑은 고딕" charset="0"/>
-                        <a:cs typeface="Times New Roman" charset="0"/>
-                      </a:endParaRPr>
-                    </a:p>
-                    <a:p>
-                      <a:pPr marL="0" lvl="1" indent="0" algn="l" defTabSz="914400" rtl="0" eaLnBrk="1" fontAlgn="auto" latinLnBrk="1" hangingPunct="1">
-                        <a:lnSpc>
-                          <a:spcPct val="100000"/>
-                        </a:lnSpc>
-                        <a:spcBef>
-                          <a:spcPct val="0"/>
-                        </a:spcBef>
-                        <a:spcAft>
-                          <a:spcPct val="0"/>
-                        </a:spcAft>
-                        <a:buFontTx/>
-                        <a:buNone/>
-                      </a:pPr>
-                      <a:r>
-                        <a:rPr lang="ko-KR" altLang="ko-KR" sz="1800" kern="1200">
+                        <a:t>플레이어에게 게임의 세계관을 설명하여 게임에 대한 흥미를 높이고 몰입감을 높</a:t>
+                      </a:r>
+                      <a:r>
+                        <a:rPr lang="ko-KR" altLang="en-US" sz="1800" kern="1200" dirty="0">
                           <a:solidFill>
                             <a:schemeClr val="tx1"/>
                           </a:solidFill>
@@ -4845,33 +4830,10 @@
                           <a:ea typeface="맑은 고딕" charset="0"/>
                           <a:cs typeface="Times New Roman" charset="0"/>
                         </a:rPr>
-                        <a:t>플레이어가 원활하게 게임을 진행할 수 있게 하는 가이드라인의 역할을 한다.</a:t>
-                      </a:r>
-                      <a:endParaRPr lang="ko-KR" altLang="en-US" sz="1800" kern="1200">
-                        <a:solidFill>
-                          <a:schemeClr val="tx1"/>
-                        </a:solidFill>
-                        <a:latin typeface="맑은 고딕" charset="0"/>
-                        <a:ea typeface="맑은 고딕" charset="0"/>
-                        <a:cs typeface="Times New Roman" charset="0"/>
-                      </a:endParaRPr>
-                    </a:p>
-                    <a:p>
-                      <a:pPr marL="0" lvl="1" indent="0" algn="l" defTabSz="914400" rtl="0" eaLnBrk="1" fontAlgn="auto" latinLnBrk="1" hangingPunct="1">
-                        <a:lnSpc>
-                          <a:spcPct val="100000"/>
-                        </a:lnSpc>
-                        <a:spcBef>
-                          <a:spcPct val="0"/>
-                        </a:spcBef>
-                        <a:spcAft>
-                          <a:spcPct val="0"/>
-                        </a:spcAft>
-                        <a:buFontTx/>
-                        <a:buNone/>
-                      </a:pPr>
-                      <a:r>
-                        <a:rPr lang="ko-KR" altLang="ko-KR" sz="1800" kern="1200">
+                        <a:t>이고 </a:t>
+                      </a:r>
+                      <a:r>
+                        <a:rPr lang="ko-KR" altLang="ko-KR" sz="1800" kern="1200" dirty="0">
                           <a:solidFill>
                             <a:schemeClr val="tx1"/>
                           </a:solidFill>
@@ -4879,9 +4841,130 @@
                           <a:ea typeface="맑은 고딕" charset="0"/>
                           <a:cs typeface="Times New Roman" charset="0"/>
                         </a:rPr>
-                        <a:t>퀘스트를 완료했을때 보상으로 플레이어의 성장에 도움을 준다.</a:t>
-                      </a:r>
-                      <a:endParaRPr lang="ko-KR" altLang="en-US" sz="1800" kern="1200">
+                        <a:t>게임을 원활하게</a:t>
+                      </a:r>
+                      <a:r>
+                        <a:rPr lang="en-US" altLang="ko-KR" sz="1800" kern="1200" dirty="0">
+                          <a:solidFill>
+                            <a:schemeClr val="tx1"/>
+                          </a:solidFill>
+                          <a:latin typeface="맑은 고딕" charset="0"/>
+                          <a:ea typeface="맑은 고딕" charset="0"/>
+                          <a:cs typeface="Times New Roman" charset="0"/>
+                        </a:rPr>
+                        <a:t> </a:t>
+                      </a:r>
+                      <a:r>
+                        <a:rPr lang="ko-KR" altLang="ko-KR" sz="1800" kern="1200" dirty="0">
+                          <a:solidFill>
+                            <a:schemeClr val="tx1"/>
+                          </a:solidFill>
+                          <a:latin typeface="맑은 고딕" charset="0"/>
+                          <a:ea typeface="맑은 고딕" charset="0"/>
+                          <a:cs typeface="Times New Roman" charset="0"/>
+                        </a:rPr>
+                        <a:t>진행할 수 있게 하는</a:t>
+                      </a:r>
+                      <a:r>
+                        <a:rPr lang="en-US" altLang="ko-KR" sz="1800" kern="1200" dirty="0">
+                          <a:solidFill>
+                            <a:schemeClr val="tx1"/>
+                          </a:solidFill>
+                          <a:latin typeface="맑은 고딕" charset="0"/>
+                          <a:ea typeface="맑은 고딕" charset="0"/>
+                          <a:cs typeface="Times New Roman" charset="0"/>
+                        </a:rPr>
+                        <a:t> </a:t>
+                      </a:r>
+                      <a:r>
+                        <a:rPr lang="ko-KR" altLang="ko-KR" sz="1800" kern="1200" dirty="0">
+                          <a:solidFill>
+                            <a:schemeClr val="tx1"/>
+                          </a:solidFill>
+                          <a:latin typeface="맑은 고딕" charset="0"/>
+                          <a:ea typeface="맑은 고딕" charset="0"/>
+                          <a:cs typeface="Times New Roman" charset="0"/>
+                        </a:rPr>
+                        <a:t>역할을 한다.</a:t>
+                      </a:r>
+                      <a:r>
+                        <a:rPr lang="ko-KR" altLang="en-US" sz="1800" kern="1200" dirty="0">
+                          <a:solidFill>
+                            <a:schemeClr val="tx1"/>
+                          </a:solidFill>
+                          <a:latin typeface="맑은 고딕" charset="0"/>
+                          <a:ea typeface="맑은 고딕" charset="0"/>
+                          <a:cs typeface="Times New Roman" charset="0"/>
+                        </a:rPr>
+                        <a:t> 또한 </a:t>
+                      </a:r>
+                      <a:r>
+                        <a:rPr lang="ko-KR" altLang="ko-KR" sz="1800" kern="1200" dirty="0">
+                          <a:solidFill>
+                            <a:schemeClr val="tx1"/>
+                          </a:solidFill>
+                          <a:latin typeface="맑은 고딕" charset="0"/>
+                          <a:ea typeface="맑은 고딕" charset="0"/>
+                          <a:cs typeface="Times New Roman" charset="0"/>
+                        </a:rPr>
+                        <a:t>퀘스트 완료</a:t>
+                      </a:r>
+                      <a:r>
+                        <a:rPr lang="en-US" altLang="ko-KR" sz="1800" kern="1200" dirty="0">
+                          <a:solidFill>
+                            <a:schemeClr val="tx1"/>
+                          </a:solidFill>
+                          <a:latin typeface="맑은 고딕" charset="0"/>
+                          <a:ea typeface="맑은 고딕" charset="0"/>
+                          <a:cs typeface="Times New Roman" charset="0"/>
+                        </a:rPr>
+                        <a:t> </a:t>
+                      </a:r>
+                      <a:r>
+                        <a:rPr lang="ko-KR" altLang="ko-KR" sz="1800" kern="1200" dirty="0">
+                          <a:solidFill>
+                            <a:schemeClr val="tx1"/>
+                          </a:solidFill>
+                          <a:latin typeface="맑은 고딕" charset="0"/>
+                          <a:ea typeface="맑은 고딕" charset="0"/>
+                          <a:cs typeface="Times New Roman" charset="0"/>
+                        </a:rPr>
+                        <a:t>보상으로 플레이어의 성장에</a:t>
+                      </a:r>
+                      <a:r>
+                        <a:rPr lang="en-US" altLang="ko-KR" sz="1800" kern="1200" dirty="0">
+                          <a:solidFill>
+                            <a:schemeClr val="tx1"/>
+                          </a:solidFill>
+                          <a:latin typeface="맑은 고딕" charset="0"/>
+                          <a:ea typeface="맑은 고딕" charset="0"/>
+                          <a:cs typeface="Times New Roman" charset="0"/>
+                        </a:rPr>
+                        <a:t> </a:t>
+                      </a:r>
+                      <a:r>
+                        <a:rPr lang="ko-KR" altLang="en-US" sz="1800" kern="1200" dirty="0">
+                          <a:solidFill>
+                            <a:schemeClr val="tx1"/>
+                          </a:solidFill>
+                          <a:latin typeface="맑은 고딕" charset="0"/>
+                          <a:ea typeface="맑은 고딕" charset="0"/>
+                          <a:cs typeface="Times New Roman" charset="0"/>
+                        </a:rPr>
+                        <a:t>영향을 주는 다양한 요소를 제공해 게임이 단조롭지 않게 한다</a:t>
+                      </a:r>
+                      <a:r>
+                        <a:rPr lang="en-US" altLang="ko-KR" sz="1800" kern="1200" dirty="0">
+                          <a:solidFill>
+                            <a:schemeClr val="tx1"/>
+                          </a:solidFill>
+                          <a:latin typeface="맑은 고딕" charset="0"/>
+                          <a:ea typeface="맑은 고딕" charset="0"/>
+                          <a:cs typeface="Times New Roman" charset="0"/>
+                        </a:rPr>
+                        <a:t>.</a:t>
+                      </a:r>
+                      <a:endParaRPr lang="ko-KR" altLang="en-US" sz="1800" kern="1200" dirty="0">
                         <a:solidFill>
                           <a:schemeClr val="tx1"/>
                         </a:solidFill>
@@ -5099,14 +5182,14 @@
           <p:nvPr>
             <p:extLst>
               <p:ext uri="{D42A27DB-BD31-4B8C-83A1-F6EECF244321}">
-                <p14:modId xmlns:p14="http://schemas.microsoft.com/office/powerpoint/2010/main" val="1652848516"/>
+                <p14:modId xmlns:p14="http://schemas.microsoft.com/office/powerpoint/2010/main" val="3618656234"/>
               </p:ext>
             </p:extLst>
           </p:nvPr>
         </p:nvGraphicFramePr>
         <p:xfrm>
-          <a:off x="2148998" y="1965960"/>
-          <a:ext cx="7894003" cy="2926080"/>
+          <a:off x="2123757" y="3115828"/>
+          <a:ext cx="7944486" cy="2926080"/>
         </p:xfrm>
         <a:graphic>
           <a:graphicData uri="http://schemas.openxmlformats.org/drawingml/2006/table">
@@ -5115,7 +5198,7 @@
                 <a:tableStyleId>{5C22544A-7EE6-4342-B048-85BDC9FD1C3A}</a:tableStyleId>
               </a:tblPr>
               <a:tblGrid>
-                <a:gridCol w="670560">
+                <a:gridCol w="721043">
                   <a:extLst>
                     <a:ext uri="{9D8B030D-6E8A-4147-A177-3AD203B41FA5}">
                       <a16:colId xmlns:a16="http://schemas.microsoft.com/office/drawing/2014/main" val="20000"/>
@@ -5231,14 +5314,34 @@
                         <a:buNone/>
                       </a:pPr>
                       <a:r>
-                        <a:rPr sz="1800" b="0" kern="1200" dirty="0" err="1">
+                        <a:rPr sz="1800" b="0" kern="1200" dirty="0">
                           <a:solidFill>
                             <a:schemeClr val="tx1"/>
                           </a:solidFill>
                           <a:latin typeface="맑은 고딕" charset="0"/>
                           <a:ea typeface="맑은 고딕" charset="0"/>
                         </a:rPr>
-                        <a:t>내용</a:t>
+                        <a:t>내</a:t>
+                      </a:r>
+                      <a:r>
+                        <a:rPr lang="en-US" sz="1800" b="0" kern="1200" dirty="0">
+                          <a:solidFill>
+                            <a:schemeClr val="tx1"/>
+                          </a:solidFill>
+                          <a:latin typeface="맑은 고딕" charset="0"/>
+                          <a:ea typeface="맑은 고딕" charset="0"/>
+                        </a:rPr>
+                        <a:t> </a:t>
+                      </a:r>
+                      <a:r>
+                        <a:rPr sz="1800" b="0" kern="1200" dirty="0">
+                          <a:solidFill>
+                            <a:schemeClr val="tx1"/>
+                          </a:solidFill>
+                          <a:latin typeface="맑은 고딕" charset="0"/>
+                          <a:ea typeface="맑은 고딕" charset="0"/>
+                        </a:rPr>
+                        <a:t>용</a:t>
                       </a:r>
                       <a:endParaRPr lang="ko-KR" altLang="en-US" sz="1800" b="0" kern="1200" dirty="0">
                         <a:solidFill>
@@ -5425,27 +5528,7 @@
                           <a:latin typeface="맑은 고딕" charset="0"/>
                           <a:ea typeface="맑은 고딕" charset="0"/>
                         </a:rPr>
-                        <a:t>지정된 </a:t>
-                      </a:r>
-                      <a:r>
-                        <a:rPr lang="en-US" altLang="ko-KR" sz="1800" b="0" kern="1200" dirty="0">
-                          <a:solidFill>
-                            <a:schemeClr val="tx1"/>
-                          </a:solidFill>
-                          <a:latin typeface="맑은 고딕" charset="0"/>
-                          <a:ea typeface="맑은 고딕" charset="0"/>
-                        </a:rPr>
-                        <a:t>NPC</a:t>
-                      </a:r>
-                      <a:r>
-                        <a:rPr lang="ko-KR" altLang="en-US" sz="1800" b="0" kern="1200" dirty="0">
-                          <a:solidFill>
-                            <a:schemeClr val="tx1"/>
-                          </a:solidFill>
-                          <a:latin typeface="맑은 고딕" charset="0"/>
-                          <a:ea typeface="맑은 고딕" charset="0"/>
-                        </a:rPr>
-                        <a:t>를 정해진 숫자 이상 처치하는 것</a:t>
+                        <a:t>지정된 몬스터를 정해진 숫자 이상 처치하는 것</a:t>
                       </a:r>
                     </a:p>
                   </a:txBody>
@@ -6761,6 +6844,397 @@
           </a:graphicData>
         </a:graphic>
       </p:graphicFrame>
+      <p:graphicFrame>
+        <p:nvGraphicFramePr>
+          <p:cNvPr id="4" name="표 4">
+            <a:extLst>
+              <a:ext uri="{FF2B5EF4-FFF2-40B4-BE49-F238E27FC236}">
+                <a16:creationId xmlns:a16="http://schemas.microsoft.com/office/drawing/2014/main" id="{F4A58379-E970-4C1E-8602-809E26099B6B}"/>
+              </a:ext>
+            </a:extLst>
+          </p:cNvPr>
+          <p:cNvGraphicFramePr>
+            <a:graphicFrameLocks noGrp="1"/>
+          </p:cNvGraphicFramePr>
+          <p:nvPr>
+            <p:extLst>
+              <p:ext uri="{D42A27DB-BD31-4B8C-83A1-F6EECF244321}">
+                <p14:modId xmlns:p14="http://schemas.microsoft.com/office/powerpoint/2010/main" val="3943424257"/>
+              </p:ext>
+            </p:extLst>
+          </p:nvPr>
+        </p:nvGraphicFramePr>
+        <p:xfrm>
+          <a:off x="2123757" y="1258829"/>
+          <a:ext cx="7944486" cy="1752600"/>
+        </p:xfrm>
+        <a:graphic>
+          <a:graphicData uri="http://schemas.openxmlformats.org/drawingml/2006/table">
+            <a:tbl>
+              <a:tblPr firstRow="1" bandRow="1">
+                <a:tableStyleId>{5C22544A-7EE6-4342-B048-85BDC9FD1C3A}</a:tableStyleId>
+              </a:tblPr>
+              <a:tblGrid>
+                <a:gridCol w="7944486">
+                  <a:extLst>
+                    <a:ext uri="{9D8B030D-6E8A-4147-A177-3AD203B41FA5}">
+                      <a16:colId xmlns:a16="http://schemas.microsoft.com/office/drawing/2014/main" val="1155779287"/>
+                    </a:ext>
+                  </a:extLst>
+                </a:gridCol>
+              </a:tblGrid>
+              <a:tr h="370840">
+                <a:tc>
+                  <a:txBody>
+                    <a:bodyPr/>
+                    <a:lstStyle/>
+                    <a:p>
+                      <a:pPr latinLnBrk="1"/>
+                      <a:r>
+                        <a:rPr lang="ko-KR" altLang="en-US" b="0" dirty="0">
+                          <a:solidFill>
+                            <a:schemeClr val="tx1"/>
+                          </a:solidFill>
+                        </a:rPr>
+                        <a:t>단일 퀘스트</a:t>
+                      </a:r>
+                    </a:p>
+                  </a:txBody>
+                  <a:tcPr>
+                    <a:lnL w="12700" cap="flat" cmpd="sng" algn="ctr">
+                      <a:solidFill>
+                        <a:schemeClr val="tx1"/>
+                      </a:solidFill>
+                      <a:prstDash val="solid"/>
+                      <a:round/>
+                      <a:headEnd type="none" w="med" len="med"/>
+                      <a:tailEnd type="none" w="med" len="med"/>
+                    </a:lnL>
+                    <a:lnR w="12700" cap="flat" cmpd="sng" algn="ctr">
+                      <a:solidFill>
+                        <a:schemeClr val="tx1"/>
+                      </a:solidFill>
+                      <a:prstDash val="solid"/>
+                      <a:round/>
+                      <a:headEnd type="none" w="med" len="med"/>
+                      <a:tailEnd type="none" w="med" len="med"/>
+                    </a:lnR>
+                    <a:lnT w="12700" cap="flat" cmpd="sng" algn="ctr">
+                      <a:solidFill>
+                        <a:schemeClr val="tx1"/>
+                      </a:solidFill>
+                      <a:prstDash val="solid"/>
+                      <a:round/>
+                      <a:headEnd type="none" w="med" len="med"/>
+                      <a:tailEnd type="none" w="med" len="med"/>
+                    </a:lnT>
+                    <a:lnB w="12700" cap="flat" cmpd="sng" algn="ctr">
+                      <a:noFill/>
+                      <a:prstDash val="solid"/>
+                      <a:round/>
+                      <a:headEnd type="none" w="med" len="med"/>
+                      <a:tailEnd type="none" w="med" len="med"/>
+                    </a:lnB>
+                    <a:lnTlToBr w="12700" cmpd="sng">
+                      <a:noFill/>
+                      <a:prstDash val="solid"/>
+                    </a:lnTlToBr>
+                    <a:lnBlToTr w="12700" cmpd="sng">
+                      <a:noFill/>
+                      <a:prstDash val="solid"/>
+                    </a:lnBlToTr>
+                    <a:solidFill>
+                      <a:schemeClr val="bg1">
+                        <a:lumMod val="95000"/>
+                      </a:schemeClr>
+                    </a:solidFill>
+                  </a:tcPr>
+                </a:tc>
+                <a:extLst>
+                  <a:ext uri="{0D108BD9-81ED-4DB2-BD59-A6C34878D82A}">
+                    <a16:rowId xmlns:a16="http://schemas.microsoft.com/office/drawing/2014/main" val="2962134208"/>
+                  </a:ext>
+                </a:extLst>
+              </a:tr>
+              <a:tr h="370840">
+                <a:tc>
+                  <a:txBody>
+                    <a:bodyPr/>
+                    <a:lstStyle/>
+                    <a:p>
+                      <a:pPr marL="0" marR="0" lvl="0" indent="0" algn="l" defTabSz="914400" rtl="0" eaLnBrk="1" fontAlgn="auto" latinLnBrk="1" hangingPunct="1">
+                        <a:lnSpc>
+                          <a:spcPct val="100000"/>
+                        </a:lnSpc>
+                        <a:spcBef>
+                          <a:spcPts val="0"/>
+                        </a:spcBef>
+                        <a:spcAft>
+                          <a:spcPts val="0"/>
+                        </a:spcAft>
+                        <a:buClrTx/>
+                        <a:buSzTx/>
+                        <a:buFontTx/>
+                        <a:buNone/>
+                        <a:tabLst/>
+                        <a:defRPr/>
+                      </a:pPr>
+                      <a:r>
+                        <a:rPr lang="ko-KR" altLang="en-US" b="0" dirty="0">
+                          <a:solidFill>
+                            <a:schemeClr val="tx1"/>
+                          </a:solidFill>
+                        </a:rPr>
+                        <a:t>다른 퀘스트와 연관 되지 않는 독립적인 퀘스트</a:t>
+                      </a:r>
+                    </a:p>
+                  </a:txBody>
+                  <a:tcPr>
+                    <a:lnL w="12700" cap="flat" cmpd="sng" algn="ctr">
+                      <a:solidFill>
+                        <a:schemeClr val="tx1"/>
+                      </a:solidFill>
+                      <a:prstDash val="solid"/>
+                      <a:round/>
+                      <a:headEnd type="none" w="med" len="med"/>
+                      <a:tailEnd type="none" w="med" len="med"/>
+                    </a:lnL>
+                    <a:lnR w="12700" cap="flat" cmpd="sng" algn="ctr">
+                      <a:solidFill>
+                        <a:schemeClr val="tx1"/>
+                      </a:solidFill>
+                      <a:prstDash val="solid"/>
+                      <a:round/>
+                      <a:headEnd type="none" w="med" len="med"/>
+                      <a:tailEnd type="none" w="med" len="med"/>
+                    </a:lnR>
+                    <a:lnT w="12700" cap="flat" cmpd="sng" algn="ctr">
+                      <a:noFill/>
+                      <a:prstDash val="solid"/>
+                      <a:round/>
+                      <a:headEnd type="none" w="med" len="med"/>
+                      <a:tailEnd type="none" w="med" len="med"/>
+                    </a:lnT>
+                    <a:lnB w="12700" cap="flat" cmpd="sng" algn="ctr">
+                      <a:solidFill>
+                        <a:schemeClr val="tx1"/>
+                      </a:solidFill>
+                      <a:prstDash val="solid"/>
+                      <a:round/>
+                      <a:headEnd type="none" w="med" len="med"/>
+                      <a:tailEnd type="none" w="med" len="med"/>
+                    </a:lnB>
+                    <a:lnTlToBr w="12700" cmpd="sng">
+                      <a:noFill/>
+                      <a:prstDash val="solid"/>
+                    </a:lnTlToBr>
+                    <a:lnBlToTr w="12700" cmpd="sng">
+                      <a:noFill/>
+                      <a:prstDash val="solid"/>
+                    </a:lnBlToTr>
+                    <a:noFill/>
+                  </a:tcPr>
+                </a:tc>
+                <a:extLst>
+                  <a:ext uri="{0D108BD9-81ED-4DB2-BD59-A6C34878D82A}">
+                    <a16:rowId xmlns:a16="http://schemas.microsoft.com/office/drawing/2014/main" val="89289251"/>
+                  </a:ext>
+                </a:extLst>
+              </a:tr>
+              <a:tr h="370840">
+                <a:tc>
+                  <a:txBody>
+                    <a:bodyPr/>
+                    <a:lstStyle/>
+                    <a:p>
+                      <a:pPr latinLnBrk="1"/>
+                      <a:r>
+                        <a:rPr lang="ko-KR" altLang="en-US" b="0" dirty="0">
+                          <a:solidFill>
+                            <a:schemeClr val="tx1"/>
+                          </a:solidFill>
+                        </a:rPr>
+                        <a:t>연계 퀘스트</a:t>
+                      </a:r>
+                    </a:p>
+                  </a:txBody>
+                  <a:tcPr>
+                    <a:lnL w="12700" cap="flat" cmpd="sng" algn="ctr">
+                      <a:solidFill>
+                        <a:schemeClr val="tx1"/>
+                      </a:solidFill>
+                      <a:prstDash val="solid"/>
+                      <a:round/>
+                      <a:headEnd type="none" w="med" len="med"/>
+                      <a:tailEnd type="none" w="med" len="med"/>
+                    </a:lnL>
+                    <a:lnR w="12700" cap="flat" cmpd="sng" algn="ctr">
+                      <a:solidFill>
+                        <a:schemeClr val="tx1"/>
+                      </a:solidFill>
+                      <a:prstDash val="solid"/>
+                      <a:round/>
+                      <a:headEnd type="none" w="med" len="med"/>
+                      <a:tailEnd type="none" w="med" len="med"/>
+                    </a:lnR>
+                    <a:lnT w="12700" cap="flat" cmpd="sng" algn="ctr">
+                      <a:solidFill>
+                        <a:schemeClr val="tx1"/>
+                      </a:solidFill>
+                      <a:prstDash val="solid"/>
+                      <a:round/>
+                      <a:headEnd type="none" w="med" len="med"/>
+                      <a:tailEnd type="none" w="med" len="med"/>
+                    </a:lnT>
+                    <a:lnB w="12700" cap="flat" cmpd="sng" algn="ctr">
+                      <a:noFill/>
+                      <a:prstDash val="solid"/>
+                      <a:round/>
+                      <a:headEnd type="none" w="med" len="med"/>
+                      <a:tailEnd type="none" w="med" len="med"/>
+                    </a:lnB>
+                    <a:lnTlToBr w="12700" cmpd="sng">
+                      <a:noFill/>
+                      <a:prstDash val="solid"/>
+                    </a:lnTlToBr>
+                    <a:lnBlToTr w="12700" cmpd="sng">
+                      <a:noFill/>
+                      <a:prstDash val="solid"/>
+                    </a:lnBlToTr>
+                    <a:solidFill>
+                      <a:schemeClr val="bg1">
+                        <a:lumMod val="95000"/>
+                      </a:schemeClr>
+                    </a:solidFill>
+                  </a:tcPr>
+                </a:tc>
+                <a:extLst>
+                  <a:ext uri="{0D108BD9-81ED-4DB2-BD59-A6C34878D82A}">
+                    <a16:rowId xmlns:a16="http://schemas.microsoft.com/office/drawing/2014/main" val="710541702"/>
+                  </a:ext>
+                </a:extLst>
+              </a:tr>
+              <a:tr h="370840">
+                <a:tc>
+                  <a:txBody>
+                    <a:bodyPr/>
+                    <a:lstStyle/>
+                    <a:p>
+                      <a:pPr marL="0" marR="0" lvl="0" indent="0" algn="l" defTabSz="914400" rtl="0" eaLnBrk="1" fontAlgn="auto" latinLnBrk="1" hangingPunct="1">
+                        <a:lnSpc>
+                          <a:spcPct val="100000"/>
+                        </a:lnSpc>
+                        <a:spcBef>
+                          <a:spcPts val="0"/>
+                        </a:spcBef>
+                        <a:spcAft>
+                          <a:spcPts val="0"/>
+                        </a:spcAft>
+                        <a:buClrTx/>
+                        <a:buSzTx/>
+                        <a:buFontTx/>
+                        <a:buNone/>
+                        <a:tabLst/>
+                        <a:defRPr/>
+                      </a:pPr>
+                      <a:r>
+                        <a:rPr lang="ko-KR" altLang="en-US" b="0" dirty="0">
+                          <a:solidFill>
+                            <a:schemeClr val="tx1"/>
+                          </a:solidFill>
+                        </a:rPr>
+                        <a:t>선행 퀘스트와 선행 퀘스트를 완료하는 것으로 발생하는 후속 퀘스트가</a:t>
+                      </a:r>
+                      <a:endParaRPr lang="en-US" altLang="ko-KR" b="0" dirty="0">
+                        <a:solidFill>
+                          <a:schemeClr val="tx1"/>
+                        </a:solidFill>
+                      </a:endParaRPr>
+                    </a:p>
+                    <a:p>
+                      <a:pPr marL="0" marR="0" lvl="0" indent="0" algn="l" defTabSz="914400" rtl="0" eaLnBrk="1" fontAlgn="auto" latinLnBrk="1" hangingPunct="1">
+                        <a:lnSpc>
+                          <a:spcPct val="100000"/>
+                        </a:lnSpc>
+                        <a:spcBef>
+                          <a:spcPts val="0"/>
+                        </a:spcBef>
+                        <a:spcAft>
+                          <a:spcPts val="0"/>
+                        </a:spcAft>
+                        <a:buClrTx/>
+                        <a:buSzTx/>
+                        <a:buFontTx/>
+                        <a:buNone/>
+                        <a:tabLst/>
+                        <a:defRPr/>
+                      </a:pPr>
+                      <a:r>
+                        <a:rPr lang="ko-KR" altLang="en-US" b="0" dirty="0">
+                          <a:solidFill>
+                            <a:schemeClr val="tx1"/>
+                          </a:solidFill>
+                        </a:rPr>
+                        <a:t>연결되어 있는 퀘스트</a:t>
+                      </a:r>
+                    </a:p>
+                  </a:txBody>
+                  <a:tcPr>
+                    <a:lnL w="12700" cap="flat" cmpd="sng" algn="ctr">
+                      <a:solidFill>
+                        <a:schemeClr val="tx1"/>
+                      </a:solidFill>
+                      <a:prstDash val="solid"/>
+                      <a:round/>
+                      <a:headEnd type="none" w="med" len="med"/>
+                      <a:tailEnd type="none" w="med" len="med"/>
+                    </a:lnL>
+                    <a:lnR w="12700" cap="flat" cmpd="sng" algn="ctr">
+                      <a:solidFill>
+                        <a:schemeClr val="tx1"/>
+                      </a:solidFill>
+                      <a:prstDash val="solid"/>
+                      <a:round/>
+                      <a:headEnd type="none" w="med" len="med"/>
+                      <a:tailEnd type="none" w="med" len="med"/>
+                    </a:lnR>
+                    <a:lnT w="12700" cap="flat" cmpd="sng" algn="ctr">
+                      <a:noFill/>
+                      <a:prstDash val="solid"/>
+                      <a:round/>
+                      <a:headEnd type="none" w="med" len="med"/>
+                      <a:tailEnd type="none" w="med" len="med"/>
+                    </a:lnT>
+                    <a:lnB w="12700" cap="flat" cmpd="sng" algn="ctr">
+                      <a:solidFill>
+                        <a:schemeClr val="tx1"/>
+                      </a:solidFill>
+                      <a:prstDash val="solid"/>
+                      <a:round/>
+                      <a:headEnd type="none" w="med" len="med"/>
+                      <a:tailEnd type="none" w="med" len="med"/>
+                    </a:lnB>
+                    <a:lnTlToBr w="12700" cmpd="sng">
+                      <a:noFill/>
+                      <a:prstDash val="solid"/>
+                    </a:lnTlToBr>
+                    <a:lnBlToTr w="12700" cmpd="sng">
+                      <a:noFill/>
+                      <a:prstDash val="solid"/>
+                    </a:lnBlToTr>
+                    <a:noFill/>
+                  </a:tcPr>
+                </a:tc>
+                <a:extLst>
+                  <a:ext uri="{0D108BD9-81ED-4DB2-BD59-A6C34878D82A}">
+                    <a16:rowId xmlns:a16="http://schemas.microsoft.com/office/drawing/2014/main" val="786365002"/>
+                  </a:ext>
+                </a:extLst>
+              </a:tr>
+            </a:tbl>
+          </a:graphicData>
+        </a:graphic>
+      </p:graphicFrame>
     </p:spTree>
   </p:cSld>
   <p:clrMapOvr>
@@ -6770,6 +7244,2385 @@
 </file>
 
 <file path=ppt/slides/slide5.xml><?xml version="1.0" encoding="utf-8"?>
+<p:sld xmlns:a="http://schemas.openxmlformats.org/drawingml/2006/main" xmlns:r="http://schemas.openxmlformats.org/officeDocument/2006/relationships" xmlns:p="http://schemas.openxmlformats.org/presentationml/2006/main">
+  <p:cSld>
+    <p:spTree>
+      <p:nvGrpSpPr>
+        <p:cNvPr id="1" name=""/>
+        <p:cNvGrpSpPr/>
+        <p:nvPr/>
+      </p:nvGrpSpPr>
+      <p:grpSpPr>
+        <a:xfrm>
+          <a:off x="0" y="0"/>
+          <a:ext cx="0" cy="0"/>
+          <a:chOff x="0" y="0"/>
+          <a:chExt cx="0" cy="0"/>
+        </a:xfrm>
+      </p:grpSpPr>
+      <p:sp>
+        <p:nvSpPr>
+          <p:cNvPr id="7" name="Rect 0"/>
+          <p:cNvSpPr txBox="1">
+            <a:spLocks/>
+          </p:cNvSpPr>
+          <p:nvPr/>
+        </p:nvSpPr>
+        <p:spPr>
+          <a:xfrm>
+            <a:off x="695325" y="292100"/>
+            <a:ext cx="10801985" cy="862330"/>
+          </a:xfrm>
+          <a:prstGeom prst="rect">
+            <a:avLst/>
+          </a:prstGeom>
+        </p:spPr>
+        <p:txBody>
+          <a:bodyPr vert="horz" wrap="square" lIns="91440" tIns="45720" rIns="91440" bIns="45720" numCol="1" anchor="ctr">
+            <a:normAutofit/>
+          </a:bodyPr>
+          <a:lstStyle>
+            <a:lvl1pPr marL="0" indent="0" algn="l" defTabSz="914400" rtl="0" eaLnBrk="1" latinLnBrk="1" hangingPunct="1">
+              <a:lnSpc>
+                <a:spcPct val="90000"/>
+              </a:lnSpc>
+              <a:spcBef>
+                <a:spcPct val="0"/>
+              </a:spcBef>
+              <a:buFontTx/>
+              <a:buNone/>
+              <a:defRPr lang="en-GB" altLang="en-US" sz="4400">
+                <a:solidFill>
+                  <a:schemeClr val="tx1"/>
+                </a:solidFill>
+                <a:latin typeface="+mj-lt"/>
+                <a:ea typeface="+mj-ea"/>
+                <a:cs typeface="+mj-cs"/>
+              </a:defRPr>
+            </a:lvl1pPr>
+          </a:lstStyle>
+          <a:p>
+            <a:pPr marL="0" indent="0" latinLnBrk="0">
+              <a:buFontTx/>
+              <a:buNone/>
+            </a:pPr>
+            <a:r>
+              <a:rPr lang="ko-KR" altLang="en-US" dirty="0"/>
+              <a:t>퀘스트 진행 과정</a:t>
+            </a:r>
+          </a:p>
+        </p:txBody>
+      </p:sp>
+      <p:graphicFrame>
+        <p:nvGraphicFramePr>
+          <p:cNvPr id="9" name="표 5">
+            <a:extLst>
+              <a:ext uri="{FF2B5EF4-FFF2-40B4-BE49-F238E27FC236}">
+                <a16:creationId xmlns:a16="http://schemas.microsoft.com/office/drawing/2014/main" id="{8D7BC823-DA70-4B6B-BD30-8C84F20E2A97}"/>
+              </a:ext>
+            </a:extLst>
+          </p:cNvPr>
+          <p:cNvGraphicFramePr>
+            <a:graphicFrameLocks noGrp="1"/>
+          </p:cNvGraphicFramePr>
+          <p:nvPr>
+            <p:extLst>
+              <p:ext uri="{D42A27DB-BD31-4B8C-83A1-F6EECF244321}">
+                <p14:modId xmlns:p14="http://schemas.microsoft.com/office/powerpoint/2010/main" val="2519408036"/>
+              </p:ext>
+            </p:extLst>
+          </p:nvPr>
+        </p:nvGraphicFramePr>
+        <p:xfrm>
+          <a:off x="696912" y="2416521"/>
+          <a:ext cx="6580823" cy="736600"/>
+        </p:xfrm>
+        <a:graphic>
+          <a:graphicData uri="http://schemas.openxmlformats.org/drawingml/2006/table">
+            <a:tbl>
+              <a:tblPr firstRow="1" bandRow="1">
+                <a:tableStyleId>{5C22544A-7EE6-4342-B048-85BDC9FD1C3A}</a:tableStyleId>
+              </a:tblPr>
+              <a:tblGrid>
+                <a:gridCol w="721043">
+                  <a:extLst>
+                    <a:ext uri="{9D8B030D-6E8A-4147-A177-3AD203B41FA5}">
+                      <a16:colId xmlns:a16="http://schemas.microsoft.com/office/drawing/2014/main" val="1726475077"/>
+                    </a:ext>
+                  </a:extLst>
+                </a:gridCol>
+                <a:gridCol w="5859780">
+                  <a:extLst>
+                    <a:ext uri="{9D8B030D-6E8A-4147-A177-3AD203B41FA5}">
+                      <a16:colId xmlns:a16="http://schemas.microsoft.com/office/drawing/2014/main" val="1417546390"/>
+                    </a:ext>
+                  </a:extLst>
+                </a:gridCol>
+              </a:tblGrid>
+              <a:tr h="0">
+                <a:tc>
+                  <a:txBody>
+                    <a:bodyPr/>
+                    <a:lstStyle/>
+                    <a:p>
+                      <a:pPr latinLnBrk="1"/>
+                      <a:r>
+                        <a:rPr lang="ko-KR" altLang="en-US" b="0" dirty="0">
+                          <a:solidFill>
+                            <a:schemeClr val="tx1"/>
+                          </a:solidFill>
+                        </a:rPr>
+                        <a:t>과정</a:t>
+                      </a:r>
+                    </a:p>
+                  </a:txBody>
+                  <a:tcPr>
+                    <a:lnL w="12700" cap="flat" cmpd="sng" algn="ctr">
+                      <a:solidFill>
+                        <a:schemeClr val="tx1"/>
+                      </a:solidFill>
+                      <a:prstDash val="solid"/>
+                      <a:round/>
+                      <a:headEnd type="none" w="med" len="med"/>
+                      <a:tailEnd type="none" w="med" len="med"/>
+                    </a:lnL>
+                    <a:lnR w="12700" cap="flat" cmpd="sng" algn="ctr">
+                      <a:solidFill>
+                        <a:schemeClr val="tx1"/>
+                      </a:solidFill>
+                      <a:prstDash val="solid"/>
+                      <a:round/>
+                      <a:headEnd type="none" w="med" len="med"/>
+                      <a:tailEnd type="none" w="med" len="med"/>
+                    </a:lnR>
+                    <a:lnT w="12700" cap="flat" cmpd="sng" algn="ctr">
+                      <a:solidFill>
+                        <a:schemeClr val="tx1"/>
+                      </a:solidFill>
+                      <a:prstDash val="solid"/>
+                      <a:round/>
+                      <a:headEnd type="none" w="med" len="med"/>
+                      <a:tailEnd type="none" w="med" len="med"/>
+                    </a:lnT>
+                    <a:lnB w="12700" cap="flat" cmpd="sng" algn="ctr">
+                      <a:solidFill>
+                        <a:schemeClr val="tx1"/>
+                      </a:solidFill>
+                      <a:prstDash val="solid"/>
+                      <a:round/>
+                      <a:headEnd type="none" w="med" len="med"/>
+                      <a:tailEnd type="none" w="med" len="med"/>
+                    </a:lnB>
+                    <a:lnTlToBr w="12700" cmpd="sng">
+                      <a:noFill/>
+                      <a:prstDash val="solid"/>
+                    </a:lnTlToBr>
+                    <a:lnBlToTr w="12700" cmpd="sng">
+                      <a:noFill/>
+                      <a:prstDash val="solid"/>
+                    </a:lnBlToTr>
+                    <a:noFill/>
+                  </a:tcPr>
+                </a:tc>
+                <a:tc>
+                  <a:txBody>
+                    <a:bodyPr/>
+                    <a:lstStyle/>
+                    <a:p>
+                      <a:pPr latinLnBrk="1"/>
+                      <a:r>
+                        <a:rPr lang="ko-KR" altLang="en-US" b="0" dirty="0">
+                          <a:solidFill>
+                            <a:schemeClr val="tx1"/>
+                          </a:solidFill>
+                        </a:rPr>
+                        <a:t>알림</a:t>
+                      </a:r>
+                    </a:p>
+                  </a:txBody>
+                  <a:tcPr>
+                    <a:lnL w="12700" cap="flat" cmpd="sng" algn="ctr">
+                      <a:solidFill>
+                        <a:schemeClr val="tx1"/>
+                      </a:solidFill>
+                      <a:prstDash val="solid"/>
+                      <a:round/>
+                      <a:headEnd type="none" w="med" len="med"/>
+                      <a:tailEnd type="none" w="med" len="med"/>
+                    </a:lnL>
+                    <a:lnR w="12700" cap="flat" cmpd="sng" algn="ctr">
+                      <a:solidFill>
+                        <a:schemeClr val="tx1"/>
+                      </a:solidFill>
+                      <a:prstDash val="solid"/>
+                      <a:round/>
+                      <a:headEnd type="none" w="med" len="med"/>
+                      <a:tailEnd type="none" w="med" len="med"/>
+                    </a:lnR>
+                    <a:lnT w="12700" cap="flat" cmpd="sng" algn="ctr">
+                      <a:solidFill>
+                        <a:schemeClr val="tx1"/>
+                      </a:solidFill>
+                      <a:prstDash val="solid"/>
+                      <a:round/>
+                      <a:headEnd type="none" w="med" len="med"/>
+                      <a:tailEnd type="none" w="med" len="med"/>
+                    </a:lnT>
+                    <a:lnB w="12700" cap="flat" cmpd="sng" algn="ctr">
+                      <a:solidFill>
+                        <a:schemeClr val="tx1"/>
+                      </a:solidFill>
+                      <a:prstDash val="solid"/>
+                      <a:round/>
+                      <a:headEnd type="none" w="med" len="med"/>
+                      <a:tailEnd type="none" w="med" len="med"/>
+                    </a:lnB>
+                    <a:lnTlToBr w="12700" cmpd="sng">
+                      <a:noFill/>
+                      <a:prstDash val="solid"/>
+                    </a:lnTlToBr>
+                    <a:lnBlToTr w="12700" cmpd="sng">
+                      <a:noFill/>
+                      <a:prstDash val="solid"/>
+                    </a:lnBlToTr>
+                    <a:noFill/>
+                  </a:tcPr>
+                </a:tc>
+                <a:extLst>
+                  <a:ext uri="{0D108BD9-81ED-4DB2-BD59-A6C34878D82A}">
+                    <a16:rowId xmlns:a16="http://schemas.microsoft.com/office/drawing/2014/main" val="3100173995"/>
+                  </a:ext>
+                </a:extLst>
+              </a:tr>
+              <a:tr h="370840">
+                <a:tc>
+                  <a:txBody>
+                    <a:bodyPr/>
+                    <a:lstStyle/>
+                    <a:p>
+                      <a:pPr latinLnBrk="1"/>
+                      <a:r>
+                        <a:rPr lang="ko-KR" altLang="en-US" b="0" dirty="0">
+                          <a:solidFill>
+                            <a:schemeClr val="tx1"/>
+                          </a:solidFill>
+                        </a:rPr>
+                        <a:t>설명</a:t>
+                      </a:r>
+                    </a:p>
+                  </a:txBody>
+                  <a:tcPr>
+                    <a:lnL w="12700" cap="flat" cmpd="sng" algn="ctr">
+                      <a:solidFill>
+                        <a:schemeClr val="tx1"/>
+                      </a:solidFill>
+                      <a:prstDash val="solid"/>
+                      <a:round/>
+                      <a:headEnd type="none" w="med" len="med"/>
+                      <a:tailEnd type="none" w="med" len="med"/>
+                    </a:lnL>
+                    <a:lnR w="12700" cap="flat" cmpd="sng" algn="ctr">
+                      <a:solidFill>
+                        <a:schemeClr val="tx1"/>
+                      </a:solidFill>
+                      <a:prstDash val="solid"/>
+                      <a:round/>
+                      <a:headEnd type="none" w="med" len="med"/>
+                      <a:tailEnd type="none" w="med" len="med"/>
+                    </a:lnR>
+                    <a:lnT w="12700" cap="flat" cmpd="sng" algn="ctr">
+                      <a:solidFill>
+                        <a:schemeClr val="tx1"/>
+                      </a:solidFill>
+                      <a:prstDash val="solid"/>
+                      <a:round/>
+                      <a:headEnd type="none" w="med" len="med"/>
+                      <a:tailEnd type="none" w="med" len="med"/>
+                    </a:lnT>
+                    <a:lnB w="12700" cap="flat" cmpd="sng" algn="ctr">
+                      <a:solidFill>
+                        <a:schemeClr val="tx1"/>
+                      </a:solidFill>
+                      <a:prstDash val="solid"/>
+                      <a:round/>
+                      <a:headEnd type="none" w="med" len="med"/>
+                      <a:tailEnd type="none" w="med" len="med"/>
+                    </a:lnB>
+                    <a:lnTlToBr w="12700" cmpd="sng">
+                      <a:noFill/>
+                      <a:prstDash val="solid"/>
+                    </a:lnTlToBr>
+                    <a:lnBlToTr w="12700" cmpd="sng">
+                      <a:noFill/>
+                      <a:prstDash val="solid"/>
+                    </a:lnBlToTr>
+                    <a:noFill/>
+                  </a:tcPr>
+                </a:tc>
+                <a:tc>
+                  <a:txBody>
+                    <a:bodyPr/>
+                    <a:lstStyle/>
+                    <a:p>
+                      <a:pPr latinLnBrk="1"/>
+                      <a:r>
+                        <a:rPr lang="ko-KR" altLang="en-US" b="0" dirty="0">
+                          <a:solidFill>
+                            <a:schemeClr val="tx1"/>
+                          </a:solidFill>
+                        </a:rPr>
+                        <a:t>현재 수락할 수 있는 퀘스트가 시각적으로 보이는 단계</a:t>
+                      </a:r>
+                    </a:p>
+                  </a:txBody>
+                  <a:tcPr>
+                    <a:lnL w="12700" cap="flat" cmpd="sng" algn="ctr">
+                      <a:solidFill>
+                        <a:schemeClr val="tx1"/>
+                      </a:solidFill>
+                      <a:prstDash val="solid"/>
+                      <a:round/>
+                      <a:headEnd type="none" w="med" len="med"/>
+                      <a:tailEnd type="none" w="med" len="med"/>
+                    </a:lnL>
+                    <a:lnR w="12700" cap="flat" cmpd="sng" algn="ctr">
+                      <a:solidFill>
+                        <a:schemeClr val="tx1"/>
+                      </a:solidFill>
+                      <a:prstDash val="solid"/>
+                      <a:round/>
+                      <a:headEnd type="none" w="med" len="med"/>
+                      <a:tailEnd type="none" w="med" len="med"/>
+                    </a:lnR>
+                    <a:lnT w="12700" cap="flat" cmpd="sng" algn="ctr">
+                      <a:solidFill>
+                        <a:schemeClr val="tx1"/>
+                      </a:solidFill>
+                      <a:prstDash val="solid"/>
+                      <a:round/>
+                      <a:headEnd type="none" w="med" len="med"/>
+                      <a:tailEnd type="none" w="med" len="med"/>
+                    </a:lnT>
+                    <a:lnB w="12700" cap="flat" cmpd="sng" algn="ctr">
+                      <a:solidFill>
+                        <a:schemeClr val="tx1"/>
+                      </a:solidFill>
+                      <a:prstDash val="solid"/>
+                      <a:round/>
+                      <a:headEnd type="none" w="med" len="med"/>
+                      <a:tailEnd type="none" w="med" len="med"/>
+                    </a:lnB>
+                    <a:lnTlToBr w="12700" cmpd="sng">
+                      <a:noFill/>
+                      <a:prstDash val="solid"/>
+                    </a:lnTlToBr>
+                    <a:lnBlToTr w="12700" cmpd="sng">
+                      <a:noFill/>
+                      <a:prstDash val="solid"/>
+                    </a:lnBlToTr>
+                    <a:noFill/>
+                  </a:tcPr>
+                </a:tc>
+                <a:extLst>
+                  <a:ext uri="{0D108BD9-81ED-4DB2-BD59-A6C34878D82A}">
+                    <a16:rowId xmlns:a16="http://schemas.microsoft.com/office/drawing/2014/main" val="2095231337"/>
+                  </a:ext>
+                </a:extLst>
+              </a:tr>
+            </a:tbl>
+          </a:graphicData>
+        </a:graphic>
+      </p:graphicFrame>
+      <p:graphicFrame>
+        <p:nvGraphicFramePr>
+          <p:cNvPr id="10" name="표 5">
+            <a:extLst>
+              <a:ext uri="{FF2B5EF4-FFF2-40B4-BE49-F238E27FC236}">
+                <a16:creationId xmlns:a16="http://schemas.microsoft.com/office/drawing/2014/main" id="{A68CAFD6-20F9-4340-89BB-ECBCE601A79E}"/>
+              </a:ext>
+            </a:extLst>
+          </p:cNvPr>
+          <p:cNvGraphicFramePr>
+            <a:graphicFrameLocks noGrp="1"/>
+          </p:cNvGraphicFramePr>
+          <p:nvPr>
+            <p:extLst>
+              <p:ext uri="{D42A27DB-BD31-4B8C-83A1-F6EECF244321}">
+                <p14:modId xmlns:p14="http://schemas.microsoft.com/office/powerpoint/2010/main" val="2642366306"/>
+              </p:ext>
+            </p:extLst>
+          </p:nvPr>
+        </p:nvGraphicFramePr>
+        <p:xfrm>
+          <a:off x="696912" y="3213397"/>
+          <a:ext cx="4785043" cy="736600"/>
+        </p:xfrm>
+        <a:graphic>
+          <a:graphicData uri="http://schemas.openxmlformats.org/drawingml/2006/table">
+            <a:tbl>
+              <a:tblPr firstRow="1" bandRow="1">
+                <a:tableStyleId>{5C22544A-7EE6-4342-B048-85BDC9FD1C3A}</a:tableStyleId>
+              </a:tblPr>
+              <a:tblGrid>
+                <a:gridCol w="721043">
+                  <a:extLst>
+                    <a:ext uri="{9D8B030D-6E8A-4147-A177-3AD203B41FA5}">
+                      <a16:colId xmlns:a16="http://schemas.microsoft.com/office/drawing/2014/main" val="1726475077"/>
+                    </a:ext>
+                  </a:extLst>
+                </a:gridCol>
+                <a:gridCol w="4064000">
+                  <a:extLst>
+                    <a:ext uri="{9D8B030D-6E8A-4147-A177-3AD203B41FA5}">
+                      <a16:colId xmlns:a16="http://schemas.microsoft.com/office/drawing/2014/main" val="1417546390"/>
+                    </a:ext>
+                  </a:extLst>
+                </a:gridCol>
+              </a:tblGrid>
+              <a:tr h="241171">
+                <a:tc>
+                  <a:txBody>
+                    <a:bodyPr/>
+                    <a:lstStyle/>
+                    <a:p>
+                      <a:pPr latinLnBrk="1"/>
+                      <a:r>
+                        <a:rPr lang="ko-KR" altLang="en-US" b="0" dirty="0">
+                          <a:solidFill>
+                            <a:schemeClr val="tx1"/>
+                          </a:solidFill>
+                        </a:rPr>
+                        <a:t>과정</a:t>
+                      </a:r>
+                    </a:p>
+                  </a:txBody>
+                  <a:tcPr>
+                    <a:lnL w="12700" cap="flat" cmpd="sng" algn="ctr">
+                      <a:solidFill>
+                        <a:schemeClr val="tx1"/>
+                      </a:solidFill>
+                      <a:prstDash val="solid"/>
+                      <a:round/>
+                      <a:headEnd type="none" w="med" len="med"/>
+                      <a:tailEnd type="none" w="med" len="med"/>
+                    </a:lnL>
+                    <a:lnR w="12700" cap="flat" cmpd="sng" algn="ctr">
+                      <a:solidFill>
+                        <a:schemeClr val="tx1"/>
+                      </a:solidFill>
+                      <a:prstDash val="solid"/>
+                      <a:round/>
+                      <a:headEnd type="none" w="med" len="med"/>
+                      <a:tailEnd type="none" w="med" len="med"/>
+                    </a:lnR>
+                    <a:lnT w="12700" cap="flat" cmpd="sng" algn="ctr">
+                      <a:solidFill>
+                        <a:schemeClr val="tx1"/>
+                      </a:solidFill>
+                      <a:prstDash val="solid"/>
+                      <a:round/>
+                      <a:headEnd type="none" w="med" len="med"/>
+                      <a:tailEnd type="none" w="med" len="med"/>
+                    </a:lnT>
+                    <a:lnB w="12700" cap="flat" cmpd="sng" algn="ctr">
+                      <a:solidFill>
+                        <a:schemeClr val="tx1"/>
+                      </a:solidFill>
+                      <a:prstDash val="solid"/>
+                      <a:round/>
+                      <a:headEnd type="none" w="med" len="med"/>
+                      <a:tailEnd type="none" w="med" len="med"/>
+                    </a:lnB>
+                    <a:lnTlToBr w="12700" cmpd="sng">
+                      <a:noFill/>
+                      <a:prstDash val="solid"/>
+                    </a:lnTlToBr>
+                    <a:lnBlToTr w="12700" cmpd="sng">
+                      <a:noFill/>
+                      <a:prstDash val="solid"/>
+                    </a:lnBlToTr>
+                    <a:noFill/>
+                  </a:tcPr>
+                </a:tc>
+                <a:tc>
+                  <a:txBody>
+                    <a:bodyPr/>
+                    <a:lstStyle/>
+                    <a:p>
+                      <a:pPr latinLnBrk="1"/>
+                      <a:r>
+                        <a:rPr lang="ko-KR" altLang="en-US" b="0" dirty="0">
+                          <a:solidFill>
+                            <a:schemeClr val="tx1"/>
+                          </a:solidFill>
+                        </a:rPr>
+                        <a:t>수락</a:t>
+                      </a:r>
+                    </a:p>
+                  </a:txBody>
+                  <a:tcPr>
+                    <a:lnL w="12700" cap="flat" cmpd="sng" algn="ctr">
+                      <a:solidFill>
+                        <a:schemeClr val="tx1"/>
+                      </a:solidFill>
+                      <a:prstDash val="solid"/>
+                      <a:round/>
+                      <a:headEnd type="none" w="med" len="med"/>
+                      <a:tailEnd type="none" w="med" len="med"/>
+                    </a:lnL>
+                    <a:lnR w="12700" cap="flat" cmpd="sng" algn="ctr">
+                      <a:solidFill>
+                        <a:schemeClr val="tx1"/>
+                      </a:solidFill>
+                      <a:prstDash val="solid"/>
+                      <a:round/>
+                      <a:headEnd type="none" w="med" len="med"/>
+                      <a:tailEnd type="none" w="med" len="med"/>
+                    </a:lnR>
+                    <a:lnT w="12700" cap="flat" cmpd="sng" algn="ctr">
+                      <a:solidFill>
+                        <a:schemeClr val="tx1"/>
+                      </a:solidFill>
+                      <a:prstDash val="solid"/>
+                      <a:round/>
+                      <a:headEnd type="none" w="med" len="med"/>
+                      <a:tailEnd type="none" w="med" len="med"/>
+                    </a:lnT>
+                    <a:lnB w="12700" cap="flat" cmpd="sng" algn="ctr">
+                      <a:solidFill>
+                        <a:schemeClr val="tx1"/>
+                      </a:solidFill>
+                      <a:prstDash val="solid"/>
+                      <a:round/>
+                      <a:headEnd type="none" w="med" len="med"/>
+                      <a:tailEnd type="none" w="med" len="med"/>
+                    </a:lnB>
+                    <a:lnTlToBr w="12700" cmpd="sng">
+                      <a:noFill/>
+                      <a:prstDash val="solid"/>
+                    </a:lnTlToBr>
+                    <a:lnBlToTr w="12700" cmpd="sng">
+                      <a:noFill/>
+                      <a:prstDash val="solid"/>
+                    </a:lnBlToTr>
+                    <a:noFill/>
+                  </a:tcPr>
+                </a:tc>
+                <a:extLst>
+                  <a:ext uri="{0D108BD9-81ED-4DB2-BD59-A6C34878D82A}">
+                    <a16:rowId xmlns:a16="http://schemas.microsoft.com/office/drawing/2014/main" val="3100173995"/>
+                  </a:ext>
+                </a:extLst>
+              </a:tr>
+              <a:tr h="370840">
+                <a:tc>
+                  <a:txBody>
+                    <a:bodyPr/>
+                    <a:lstStyle/>
+                    <a:p>
+                      <a:pPr latinLnBrk="1"/>
+                      <a:r>
+                        <a:rPr lang="ko-KR" altLang="en-US" b="0" dirty="0">
+                          <a:solidFill>
+                            <a:schemeClr val="tx1"/>
+                          </a:solidFill>
+                        </a:rPr>
+                        <a:t>설명</a:t>
+                      </a:r>
+                    </a:p>
+                  </a:txBody>
+                  <a:tcPr>
+                    <a:lnL w="12700" cap="flat" cmpd="sng" algn="ctr">
+                      <a:solidFill>
+                        <a:schemeClr val="tx1"/>
+                      </a:solidFill>
+                      <a:prstDash val="solid"/>
+                      <a:round/>
+                      <a:headEnd type="none" w="med" len="med"/>
+                      <a:tailEnd type="none" w="med" len="med"/>
+                    </a:lnL>
+                    <a:lnR w="12700" cap="flat" cmpd="sng" algn="ctr">
+                      <a:solidFill>
+                        <a:schemeClr val="tx1"/>
+                      </a:solidFill>
+                      <a:prstDash val="solid"/>
+                      <a:round/>
+                      <a:headEnd type="none" w="med" len="med"/>
+                      <a:tailEnd type="none" w="med" len="med"/>
+                    </a:lnR>
+                    <a:lnT w="12700" cap="flat" cmpd="sng" algn="ctr">
+                      <a:solidFill>
+                        <a:schemeClr val="tx1"/>
+                      </a:solidFill>
+                      <a:prstDash val="solid"/>
+                      <a:round/>
+                      <a:headEnd type="none" w="med" len="med"/>
+                      <a:tailEnd type="none" w="med" len="med"/>
+                    </a:lnT>
+                    <a:lnB w="12700" cap="flat" cmpd="sng" algn="ctr">
+                      <a:solidFill>
+                        <a:schemeClr val="tx1"/>
+                      </a:solidFill>
+                      <a:prstDash val="solid"/>
+                      <a:round/>
+                      <a:headEnd type="none" w="med" len="med"/>
+                      <a:tailEnd type="none" w="med" len="med"/>
+                    </a:lnB>
+                    <a:lnTlToBr w="12700" cmpd="sng">
+                      <a:noFill/>
+                      <a:prstDash val="solid"/>
+                    </a:lnTlToBr>
+                    <a:lnBlToTr w="12700" cmpd="sng">
+                      <a:noFill/>
+                      <a:prstDash val="solid"/>
+                    </a:lnBlToTr>
+                    <a:noFill/>
+                  </a:tcPr>
+                </a:tc>
+                <a:tc>
+                  <a:txBody>
+                    <a:bodyPr/>
+                    <a:lstStyle/>
+                    <a:p>
+                      <a:pPr latinLnBrk="1"/>
+                      <a:r>
+                        <a:rPr lang="ko-KR" altLang="en-US" b="0" dirty="0">
+                          <a:solidFill>
+                            <a:schemeClr val="tx1"/>
+                          </a:solidFill>
+                        </a:rPr>
+                        <a:t>퀘스트를 수락하는 단계</a:t>
+                      </a:r>
+                    </a:p>
+                  </a:txBody>
+                  <a:tcPr>
+                    <a:lnL w="12700" cap="flat" cmpd="sng" algn="ctr">
+                      <a:solidFill>
+                        <a:schemeClr val="tx1"/>
+                      </a:solidFill>
+                      <a:prstDash val="solid"/>
+                      <a:round/>
+                      <a:headEnd type="none" w="med" len="med"/>
+                      <a:tailEnd type="none" w="med" len="med"/>
+                    </a:lnL>
+                    <a:lnR w="12700" cap="flat" cmpd="sng" algn="ctr">
+                      <a:solidFill>
+                        <a:schemeClr val="tx1"/>
+                      </a:solidFill>
+                      <a:prstDash val="solid"/>
+                      <a:round/>
+                      <a:headEnd type="none" w="med" len="med"/>
+                      <a:tailEnd type="none" w="med" len="med"/>
+                    </a:lnR>
+                    <a:lnT w="12700" cap="flat" cmpd="sng" algn="ctr">
+                      <a:solidFill>
+                        <a:schemeClr val="tx1"/>
+                      </a:solidFill>
+                      <a:prstDash val="solid"/>
+                      <a:round/>
+                      <a:headEnd type="none" w="med" len="med"/>
+                      <a:tailEnd type="none" w="med" len="med"/>
+                    </a:lnT>
+                    <a:lnB w="12700" cap="flat" cmpd="sng" algn="ctr">
+                      <a:solidFill>
+                        <a:schemeClr val="tx1"/>
+                      </a:solidFill>
+                      <a:prstDash val="solid"/>
+                      <a:round/>
+                      <a:headEnd type="none" w="med" len="med"/>
+                      <a:tailEnd type="none" w="med" len="med"/>
+                    </a:lnB>
+                    <a:lnTlToBr w="12700" cmpd="sng">
+                      <a:noFill/>
+                      <a:prstDash val="solid"/>
+                    </a:lnTlToBr>
+                    <a:lnBlToTr w="12700" cmpd="sng">
+                      <a:noFill/>
+                      <a:prstDash val="solid"/>
+                    </a:lnBlToTr>
+                    <a:noFill/>
+                  </a:tcPr>
+                </a:tc>
+                <a:extLst>
+                  <a:ext uri="{0D108BD9-81ED-4DB2-BD59-A6C34878D82A}">
+                    <a16:rowId xmlns:a16="http://schemas.microsoft.com/office/drawing/2014/main" val="2095231337"/>
+                  </a:ext>
+                </a:extLst>
+              </a:tr>
+            </a:tbl>
+          </a:graphicData>
+        </a:graphic>
+      </p:graphicFrame>
+      <p:graphicFrame>
+        <p:nvGraphicFramePr>
+          <p:cNvPr id="11" name="표 5">
+            <a:extLst>
+              <a:ext uri="{FF2B5EF4-FFF2-40B4-BE49-F238E27FC236}">
+                <a16:creationId xmlns:a16="http://schemas.microsoft.com/office/drawing/2014/main" id="{D8C3F522-852C-469D-8F3E-6418F9EE2A0E}"/>
+              </a:ext>
+            </a:extLst>
+          </p:cNvPr>
+          <p:cNvGraphicFramePr>
+            <a:graphicFrameLocks noGrp="1"/>
+          </p:cNvGraphicFramePr>
+          <p:nvPr>
+            <p:extLst>
+              <p:ext uri="{D42A27DB-BD31-4B8C-83A1-F6EECF244321}">
+                <p14:modId xmlns:p14="http://schemas.microsoft.com/office/powerpoint/2010/main" val="77870154"/>
+              </p:ext>
+            </p:extLst>
+          </p:nvPr>
+        </p:nvGraphicFramePr>
+        <p:xfrm>
+          <a:off x="695325" y="4070549"/>
+          <a:ext cx="4785043" cy="736600"/>
+        </p:xfrm>
+        <a:graphic>
+          <a:graphicData uri="http://schemas.openxmlformats.org/drawingml/2006/table">
+            <a:tbl>
+              <a:tblPr firstRow="1" bandRow="1">
+                <a:tableStyleId>{5C22544A-7EE6-4342-B048-85BDC9FD1C3A}</a:tableStyleId>
+              </a:tblPr>
+              <a:tblGrid>
+                <a:gridCol w="721043">
+                  <a:extLst>
+                    <a:ext uri="{9D8B030D-6E8A-4147-A177-3AD203B41FA5}">
+                      <a16:colId xmlns:a16="http://schemas.microsoft.com/office/drawing/2014/main" val="1726475077"/>
+                    </a:ext>
+                  </a:extLst>
+                </a:gridCol>
+                <a:gridCol w="4064000">
+                  <a:extLst>
+                    <a:ext uri="{9D8B030D-6E8A-4147-A177-3AD203B41FA5}">
+                      <a16:colId xmlns:a16="http://schemas.microsoft.com/office/drawing/2014/main" val="1417546390"/>
+                    </a:ext>
+                  </a:extLst>
+                </a:gridCol>
+              </a:tblGrid>
+              <a:tr h="211276">
+                <a:tc>
+                  <a:txBody>
+                    <a:bodyPr/>
+                    <a:lstStyle/>
+                    <a:p>
+                      <a:pPr latinLnBrk="1"/>
+                      <a:r>
+                        <a:rPr lang="ko-KR" altLang="en-US" b="0" dirty="0">
+                          <a:solidFill>
+                            <a:schemeClr val="tx1"/>
+                          </a:solidFill>
+                        </a:rPr>
+                        <a:t>과정</a:t>
+                      </a:r>
+                    </a:p>
+                  </a:txBody>
+                  <a:tcPr>
+                    <a:lnL w="12700" cap="flat" cmpd="sng" algn="ctr">
+                      <a:solidFill>
+                        <a:schemeClr val="tx1"/>
+                      </a:solidFill>
+                      <a:prstDash val="solid"/>
+                      <a:round/>
+                      <a:headEnd type="none" w="med" len="med"/>
+                      <a:tailEnd type="none" w="med" len="med"/>
+                    </a:lnL>
+                    <a:lnR w="12700" cap="flat" cmpd="sng" algn="ctr">
+                      <a:solidFill>
+                        <a:schemeClr val="tx1"/>
+                      </a:solidFill>
+                      <a:prstDash val="solid"/>
+                      <a:round/>
+                      <a:headEnd type="none" w="med" len="med"/>
+                      <a:tailEnd type="none" w="med" len="med"/>
+                    </a:lnR>
+                    <a:lnT w="12700" cap="flat" cmpd="sng" algn="ctr">
+                      <a:solidFill>
+                        <a:schemeClr val="tx1"/>
+                      </a:solidFill>
+                      <a:prstDash val="solid"/>
+                      <a:round/>
+                      <a:headEnd type="none" w="med" len="med"/>
+                      <a:tailEnd type="none" w="med" len="med"/>
+                    </a:lnT>
+                    <a:lnB w="12700" cap="flat" cmpd="sng" algn="ctr">
+                      <a:solidFill>
+                        <a:schemeClr val="tx1"/>
+                      </a:solidFill>
+                      <a:prstDash val="solid"/>
+                      <a:round/>
+                      <a:headEnd type="none" w="med" len="med"/>
+                      <a:tailEnd type="none" w="med" len="med"/>
+                    </a:lnB>
+                    <a:lnTlToBr w="12700" cmpd="sng">
+                      <a:noFill/>
+                      <a:prstDash val="solid"/>
+                    </a:lnTlToBr>
+                    <a:lnBlToTr w="12700" cmpd="sng">
+                      <a:noFill/>
+                      <a:prstDash val="solid"/>
+                    </a:lnBlToTr>
+                    <a:noFill/>
+                  </a:tcPr>
+                </a:tc>
+                <a:tc>
+                  <a:txBody>
+                    <a:bodyPr/>
+                    <a:lstStyle/>
+                    <a:p>
+                      <a:pPr latinLnBrk="1"/>
+                      <a:r>
+                        <a:rPr lang="ko-KR" altLang="en-US" b="0" dirty="0">
+                          <a:solidFill>
+                            <a:schemeClr val="tx1"/>
+                          </a:solidFill>
+                        </a:rPr>
+                        <a:t>진행</a:t>
+                      </a:r>
+                    </a:p>
+                  </a:txBody>
+                  <a:tcPr>
+                    <a:lnL w="12700" cap="flat" cmpd="sng" algn="ctr">
+                      <a:solidFill>
+                        <a:schemeClr val="tx1"/>
+                      </a:solidFill>
+                      <a:prstDash val="solid"/>
+                      <a:round/>
+                      <a:headEnd type="none" w="med" len="med"/>
+                      <a:tailEnd type="none" w="med" len="med"/>
+                    </a:lnL>
+                    <a:lnR w="12700" cap="flat" cmpd="sng" algn="ctr">
+                      <a:solidFill>
+                        <a:schemeClr val="tx1"/>
+                      </a:solidFill>
+                      <a:prstDash val="solid"/>
+                      <a:round/>
+                      <a:headEnd type="none" w="med" len="med"/>
+                      <a:tailEnd type="none" w="med" len="med"/>
+                    </a:lnR>
+                    <a:lnT w="12700" cap="flat" cmpd="sng" algn="ctr">
+                      <a:solidFill>
+                        <a:schemeClr val="tx1"/>
+                      </a:solidFill>
+                      <a:prstDash val="solid"/>
+                      <a:round/>
+                      <a:headEnd type="none" w="med" len="med"/>
+                      <a:tailEnd type="none" w="med" len="med"/>
+                    </a:lnT>
+                    <a:lnB w="12700" cap="flat" cmpd="sng" algn="ctr">
+                      <a:solidFill>
+                        <a:schemeClr val="tx1"/>
+                      </a:solidFill>
+                      <a:prstDash val="solid"/>
+                      <a:round/>
+                      <a:headEnd type="none" w="med" len="med"/>
+                      <a:tailEnd type="none" w="med" len="med"/>
+                    </a:lnB>
+                    <a:lnTlToBr w="12700" cmpd="sng">
+                      <a:noFill/>
+                      <a:prstDash val="solid"/>
+                    </a:lnTlToBr>
+                    <a:lnBlToTr w="12700" cmpd="sng">
+                      <a:noFill/>
+                      <a:prstDash val="solid"/>
+                    </a:lnBlToTr>
+                    <a:noFill/>
+                  </a:tcPr>
+                </a:tc>
+                <a:extLst>
+                  <a:ext uri="{0D108BD9-81ED-4DB2-BD59-A6C34878D82A}">
+                    <a16:rowId xmlns:a16="http://schemas.microsoft.com/office/drawing/2014/main" val="3100173995"/>
+                  </a:ext>
+                </a:extLst>
+              </a:tr>
+              <a:tr h="370840">
+                <a:tc>
+                  <a:txBody>
+                    <a:bodyPr/>
+                    <a:lstStyle/>
+                    <a:p>
+                      <a:pPr latinLnBrk="1"/>
+                      <a:r>
+                        <a:rPr lang="ko-KR" altLang="en-US" b="0" dirty="0">
+                          <a:solidFill>
+                            <a:schemeClr val="tx1"/>
+                          </a:solidFill>
+                        </a:rPr>
+                        <a:t>설명</a:t>
+                      </a:r>
+                    </a:p>
+                  </a:txBody>
+                  <a:tcPr>
+                    <a:lnL w="12700" cap="flat" cmpd="sng" algn="ctr">
+                      <a:solidFill>
+                        <a:schemeClr val="tx1"/>
+                      </a:solidFill>
+                      <a:prstDash val="solid"/>
+                      <a:round/>
+                      <a:headEnd type="none" w="med" len="med"/>
+                      <a:tailEnd type="none" w="med" len="med"/>
+                    </a:lnL>
+                    <a:lnR w="12700" cap="flat" cmpd="sng" algn="ctr">
+                      <a:solidFill>
+                        <a:schemeClr val="tx1"/>
+                      </a:solidFill>
+                      <a:prstDash val="solid"/>
+                      <a:round/>
+                      <a:headEnd type="none" w="med" len="med"/>
+                      <a:tailEnd type="none" w="med" len="med"/>
+                    </a:lnR>
+                    <a:lnT w="12700" cap="flat" cmpd="sng" algn="ctr">
+                      <a:solidFill>
+                        <a:schemeClr val="tx1"/>
+                      </a:solidFill>
+                      <a:prstDash val="solid"/>
+                      <a:round/>
+                      <a:headEnd type="none" w="med" len="med"/>
+                      <a:tailEnd type="none" w="med" len="med"/>
+                    </a:lnT>
+                    <a:lnB w="12700" cap="flat" cmpd="sng" algn="ctr">
+                      <a:solidFill>
+                        <a:schemeClr val="tx1"/>
+                      </a:solidFill>
+                      <a:prstDash val="solid"/>
+                      <a:round/>
+                      <a:headEnd type="none" w="med" len="med"/>
+                      <a:tailEnd type="none" w="med" len="med"/>
+                    </a:lnB>
+                    <a:lnTlToBr w="12700" cmpd="sng">
+                      <a:noFill/>
+                      <a:prstDash val="solid"/>
+                    </a:lnTlToBr>
+                    <a:lnBlToTr w="12700" cmpd="sng">
+                      <a:noFill/>
+                      <a:prstDash val="solid"/>
+                    </a:lnBlToTr>
+                    <a:noFill/>
+                  </a:tcPr>
+                </a:tc>
+                <a:tc>
+                  <a:txBody>
+                    <a:bodyPr/>
+                    <a:lstStyle/>
+                    <a:p>
+                      <a:pPr latinLnBrk="1"/>
+                      <a:r>
+                        <a:rPr lang="ko-KR" altLang="en-US" b="0" dirty="0">
+                          <a:solidFill>
+                            <a:schemeClr val="tx1"/>
+                          </a:solidFill>
+                        </a:rPr>
+                        <a:t>퀘스트 완료 조건을 진행하는 단계</a:t>
+                      </a:r>
+                    </a:p>
+                  </a:txBody>
+                  <a:tcPr>
+                    <a:lnL w="12700" cap="flat" cmpd="sng" algn="ctr">
+                      <a:solidFill>
+                        <a:schemeClr val="tx1"/>
+                      </a:solidFill>
+                      <a:prstDash val="solid"/>
+                      <a:round/>
+                      <a:headEnd type="none" w="med" len="med"/>
+                      <a:tailEnd type="none" w="med" len="med"/>
+                    </a:lnL>
+                    <a:lnR w="12700" cap="flat" cmpd="sng" algn="ctr">
+                      <a:solidFill>
+                        <a:schemeClr val="tx1"/>
+                      </a:solidFill>
+                      <a:prstDash val="solid"/>
+                      <a:round/>
+                      <a:headEnd type="none" w="med" len="med"/>
+                      <a:tailEnd type="none" w="med" len="med"/>
+                    </a:lnR>
+                    <a:lnT w="12700" cap="flat" cmpd="sng" algn="ctr">
+                      <a:solidFill>
+                        <a:schemeClr val="tx1"/>
+                      </a:solidFill>
+                      <a:prstDash val="solid"/>
+                      <a:round/>
+                      <a:headEnd type="none" w="med" len="med"/>
+                      <a:tailEnd type="none" w="med" len="med"/>
+                    </a:lnT>
+                    <a:lnB w="12700" cap="flat" cmpd="sng" algn="ctr">
+                      <a:solidFill>
+                        <a:schemeClr val="tx1"/>
+                      </a:solidFill>
+                      <a:prstDash val="solid"/>
+                      <a:round/>
+                      <a:headEnd type="none" w="med" len="med"/>
+                      <a:tailEnd type="none" w="med" len="med"/>
+                    </a:lnB>
+                    <a:lnTlToBr w="12700" cmpd="sng">
+                      <a:noFill/>
+                      <a:prstDash val="solid"/>
+                    </a:lnTlToBr>
+                    <a:lnBlToTr w="12700" cmpd="sng">
+                      <a:noFill/>
+                      <a:prstDash val="solid"/>
+                    </a:lnBlToTr>
+                    <a:noFill/>
+                  </a:tcPr>
+                </a:tc>
+                <a:extLst>
+                  <a:ext uri="{0D108BD9-81ED-4DB2-BD59-A6C34878D82A}">
+                    <a16:rowId xmlns:a16="http://schemas.microsoft.com/office/drawing/2014/main" val="2095231337"/>
+                  </a:ext>
+                </a:extLst>
+              </a:tr>
+            </a:tbl>
+          </a:graphicData>
+        </a:graphic>
+      </p:graphicFrame>
+      <p:graphicFrame>
+        <p:nvGraphicFramePr>
+          <p:cNvPr id="12" name="표 5">
+            <a:extLst>
+              <a:ext uri="{FF2B5EF4-FFF2-40B4-BE49-F238E27FC236}">
+                <a16:creationId xmlns:a16="http://schemas.microsoft.com/office/drawing/2014/main" id="{1673DE8F-2CFE-4034-80EC-39999DFAB728}"/>
+              </a:ext>
+            </a:extLst>
+          </p:cNvPr>
+          <p:cNvGraphicFramePr>
+            <a:graphicFrameLocks noGrp="1"/>
+          </p:cNvGraphicFramePr>
+          <p:nvPr>
+            <p:extLst>
+              <p:ext uri="{D42A27DB-BD31-4B8C-83A1-F6EECF244321}">
+                <p14:modId xmlns:p14="http://schemas.microsoft.com/office/powerpoint/2010/main" val="663259913"/>
+              </p:ext>
+            </p:extLst>
+          </p:nvPr>
+        </p:nvGraphicFramePr>
+        <p:xfrm>
+          <a:off x="695325" y="4927701"/>
+          <a:ext cx="6499861" cy="736600"/>
+        </p:xfrm>
+        <a:graphic>
+          <a:graphicData uri="http://schemas.openxmlformats.org/drawingml/2006/table">
+            <a:tbl>
+              <a:tblPr firstRow="1" bandRow="1">
+                <a:tableStyleId>{5C22544A-7EE6-4342-B048-85BDC9FD1C3A}</a:tableStyleId>
+              </a:tblPr>
+              <a:tblGrid>
+                <a:gridCol w="721043">
+                  <a:extLst>
+                    <a:ext uri="{9D8B030D-6E8A-4147-A177-3AD203B41FA5}">
+                      <a16:colId xmlns:a16="http://schemas.microsoft.com/office/drawing/2014/main" val="1726475077"/>
+                    </a:ext>
+                  </a:extLst>
+                </a:gridCol>
+                <a:gridCol w="5778818">
+                  <a:extLst>
+                    <a:ext uri="{9D8B030D-6E8A-4147-A177-3AD203B41FA5}">
+                      <a16:colId xmlns:a16="http://schemas.microsoft.com/office/drawing/2014/main" val="1417546390"/>
+                    </a:ext>
+                  </a:extLst>
+                </a:gridCol>
+              </a:tblGrid>
+              <a:tr h="211276">
+                <a:tc>
+                  <a:txBody>
+                    <a:bodyPr/>
+                    <a:lstStyle/>
+                    <a:p>
+                      <a:pPr latinLnBrk="1"/>
+                      <a:r>
+                        <a:rPr lang="ko-KR" altLang="en-US" b="0" dirty="0">
+                          <a:solidFill>
+                            <a:schemeClr val="tx1"/>
+                          </a:solidFill>
+                        </a:rPr>
+                        <a:t>과정</a:t>
+                      </a:r>
+                    </a:p>
+                  </a:txBody>
+                  <a:tcPr>
+                    <a:lnL w="12700" cap="flat" cmpd="sng" algn="ctr">
+                      <a:solidFill>
+                        <a:schemeClr val="tx1"/>
+                      </a:solidFill>
+                      <a:prstDash val="solid"/>
+                      <a:round/>
+                      <a:headEnd type="none" w="med" len="med"/>
+                      <a:tailEnd type="none" w="med" len="med"/>
+                    </a:lnL>
+                    <a:lnR w="12700" cap="flat" cmpd="sng" algn="ctr">
+                      <a:solidFill>
+                        <a:schemeClr val="tx1"/>
+                      </a:solidFill>
+                      <a:prstDash val="solid"/>
+                      <a:round/>
+                      <a:headEnd type="none" w="med" len="med"/>
+                      <a:tailEnd type="none" w="med" len="med"/>
+                    </a:lnR>
+                    <a:lnT w="12700" cap="flat" cmpd="sng" algn="ctr">
+                      <a:solidFill>
+                        <a:schemeClr val="tx1"/>
+                      </a:solidFill>
+                      <a:prstDash val="solid"/>
+                      <a:round/>
+                      <a:headEnd type="none" w="med" len="med"/>
+                      <a:tailEnd type="none" w="med" len="med"/>
+                    </a:lnT>
+                    <a:lnB w="12700" cap="flat" cmpd="sng" algn="ctr">
+                      <a:solidFill>
+                        <a:schemeClr val="tx1"/>
+                      </a:solidFill>
+                      <a:prstDash val="solid"/>
+                      <a:round/>
+                      <a:headEnd type="none" w="med" len="med"/>
+                      <a:tailEnd type="none" w="med" len="med"/>
+                    </a:lnB>
+                    <a:lnTlToBr w="12700" cmpd="sng">
+                      <a:noFill/>
+                      <a:prstDash val="solid"/>
+                    </a:lnTlToBr>
+                    <a:lnBlToTr w="12700" cmpd="sng">
+                      <a:noFill/>
+                      <a:prstDash val="solid"/>
+                    </a:lnBlToTr>
+                    <a:noFill/>
+                  </a:tcPr>
+                </a:tc>
+                <a:tc>
+                  <a:txBody>
+                    <a:bodyPr/>
+                    <a:lstStyle/>
+                    <a:p>
+                      <a:pPr latinLnBrk="1"/>
+                      <a:r>
+                        <a:rPr lang="ko-KR" altLang="en-US" b="0" dirty="0">
+                          <a:solidFill>
+                            <a:schemeClr val="tx1"/>
+                          </a:solidFill>
+                        </a:rPr>
+                        <a:t>완료</a:t>
+                      </a:r>
+                    </a:p>
+                  </a:txBody>
+                  <a:tcPr>
+                    <a:lnL w="12700" cap="flat" cmpd="sng" algn="ctr">
+                      <a:solidFill>
+                        <a:schemeClr val="tx1"/>
+                      </a:solidFill>
+                      <a:prstDash val="solid"/>
+                      <a:round/>
+                      <a:headEnd type="none" w="med" len="med"/>
+                      <a:tailEnd type="none" w="med" len="med"/>
+                    </a:lnL>
+                    <a:lnR w="12700" cap="flat" cmpd="sng" algn="ctr">
+                      <a:solidFill>
+                        <a:schemeClr val="tx1"/>
+                      </a:solidFill>
+                      <a:prstDash val="solid"/>
+                      <a:round/>
+                      <a:headEnd type="none" w="med" len="med"/>
+                      <a:tailEnd type="none" w="med" len="med"/>
+                    </a:lnR>
+                    <a:lnT w="12700" cap="flat" cmpd="sng" algn="ctr">
+                      <a:solidFill>
+                        <a:schemeClr val="tx1"/>
+                      </a:solidFill>
+                      <a:prstDash val="solid"/>
+                      <a:round/>
+                      <a:headEnd type="none" w="med" len="med"/>
+                      <a:tailEnd type="none" w="med" len="med"/>
+                    </a:lnT>
+                    <a:lnB w="12700" cap="flat" cmpd="sng" algn="ctr">
+                      <a:solidFill>
+                        <a:schemeClr val="tx1"/>
+                      </a:solidFill>
+                      <a:prstDash val="solid"/>
+                      <a:round/>
+                      <a:headEnd type="none" w="med" len="med"/>
+                      <a:tailEnd type="none" w="med" len="med"/>
+                    </a:lnB>
+                    <a:lnTlToBr w="12700" cmpd="sng">
+                      <a:noFill/>
+                      <a:prstDash val="solid"/>
+                    </a:lnTlToBr>
+                    <a:lnBlToTr w="12700" cmpd="sng">
+                      <a:noFill/>
+                      <a:prstDash val="solid"/>
+                    </a:lnBlToTr>
+                    <a:noFill/>
+                  </a:tcPr>
+                </a:tc>
+                <a:extLst>
+                  <a:ext uri="{0D108BD9-81ED-4DB2-BD59-A6C34878D82A}">
+                    <a16:rowId xmlns:a16="http://schemas.microsoft.com/office/drawing/2014/main" val="3100173995"/>
+                  </a:ext>
+                </a:extLst>
+              </a:tr>
+              <a:tr h="370840">
+                <a:tc>
+                  <a:txBody>
+                    <a:bodyPr/>
+                    <a:lstStyle/>
+                    <a:p>
+                      <a:pPr latinLnBrk="1"/>
+                      <a:r>
+                        <a:rPr lang="ko-KR" altLang="en-US" b="0" dirty="0">
+                          <a:solidFill>
+                            <a:schemeClr val="tx1"/>
+                          </a:solidFill>
+                        </a:rPr>
+                        <a:t>설명</a:t>
+                      </a:r>
+                    </a:p>
+                  </a:txBody>
+                  <a:tcPr>
+                    <a:lnL w="12700" cap="flat" cmpd="sng" algn="ctr">
+                      <a:solidFill>
+                        <a:schemeClr val="tx1"/>
+                      </a:solidFill>
+                      <a:prstDash val="solid"/>
+                      <a:round/>
+                      <a:headEnd type="none" w="med" len="med"/>
+                      <a:tailEnd type="none" w="med" len="med"/>
+                    </a:lnL>
+                    <a:lnR w="12700" cap="flat" cmpd="sng" algn="ctr">
+                      <a:solidFill>
+                        <a:schemeClr val="tx1"/>
+                      </a:solidFill>
+                      <a:prstDash val="solid"/>
+                      <a:round/>
+                      <a:headEnd type="none" w="med" len="med"/>
+                      <a:tailEnd type="none" w="med" len="med"/>
+                    </a:lnR>
+                    <a:lnT w="12700" cap="flat" cmpd="sng" algn="ctr">
+                      <a:solidFill>
+                        <a:schemeClr val="tx1"/>
+                      </a:solidFill>
+                      <a:prstDash val="solid"/>
+                      <a:round/>
+                      <a:headEnd type="none" w="med" len="med"/>
+                      <a:tailEnd type="none" w="med" len="med"/>
+                    </a:lnT>
+                    <a:lnB w="12700" cap="flat" cmpd="sng" algn="ctr">
+                      <a:solidFill>
+                        <a:schemeClr val="tx1"/>
+                      </a:solidFill>
+                      <a:prstDash val="solid"/>
+                      <a:round/>
+                      <a:headEnd type="none" w="med" len="med"/>
+                      <a:tailEnd type="none" w="med" len="med"/>
+                    </a:lnB>
+                    <a:lnTlToBr w="12700" cmpd="sng">
+                      <a:noFill/>
+                      <a:prstDash val="solid"/>
+                    </a:lnTlToBr>
+                    <a:lnBlToTr w="12700" cmpd="sng">
+                      <a:noFill/>
+                      <a:prstDash val="solid"/>
+                    </a:lnBlToTr>
+                    <a:noFill/>
+                  </a:tcPr>
+                </a:tc>
+                <a:tc>
+                  <a:txBody>
+                    <a:bodyPr/>
+                    <a:lstStyle/>
+                    <a:p>
+                      <a:pPr latinLnBrk="1"/>
+                      <a:r>
+                        <a:rPr lang="ko-KR" altLang="en-US" b="0" dirty="0">
+                          <a:solidFill>
+                            <a:schemeClr val="tx1"/>
+                          </a:solidFill>
+                        </a:rPr>
+                        <a:t>퀘스트 완료 조건을 만족하여 퀘스트를 완료하는 단계</a:t>
+                      </a:r>
+                    </a:p>
+                  </a:txBody>
+                  <a:tcPr>
+                    <a:lnL w="12700" cap="flat" cmpd="sng" algn="ctr">
+                      <a:solidFill>
+                        <a:schemeClr val="tx1"/>
+                      </a:solidFill>
+                      <a:prstDash val="solid"/>
+                      <a:round/>
+                      <a:headEnd type="none" w="med" len="med"/>
+                      <a:tailEnd type="none" w="med" len="med"/>
+                    </a:lnL>
+                    <a:lnR w="12700" cap="flat" cmpd="sng" algn="ctr">
+                      <a:solidFill>
+                        <a:schemeClr val="tx1"/>
+                      </a:solidFill>
+                      <a:prstDash val="solid"/>
+                      <a:round/>
+                      <a:headEnd type="none" w="med" len="med"/>
+                      <a:tailEnd type="none" w="med" len="med"/>
+                    </a:lnR>
+                    <a:lnT w="12700" cap="flat" cmpd="sng" algn="ctr">
+                      <a:solidFill>
+                        <a:schemeClr val="tx1"/>
+                      </a:solidFill>
+                      <a:prstDash val="solid"/>
+                      <a:round/>
+                      <a:headEnd type="none" w="med" len="med"/>
+                      <a:tailEnd type="none" w="med" len="med"/>
+                    </a:lnT>
+                    <a:lnB w="12700" cap="flat" cmpd="sng" algn="ctr">
+                      <a:solidFill>
+                        <a:schemeClr val="tx1"/>
+                      </a:solidFill>
+                      <a:prstDash val="solid"/>
+                      <a:round/>
+                      <a:headEnd type="none" w="med" len="med"/>
+                      <a:tailEnd type="none" w="med" len="med"/>
+                    </a:lnB>
+                    <a:lnTlToBr w="12700" cmpd="sng">
+                      <a:noFill/>
+                      <a:prstDash val="solid"/>
+                    </a:lnTlToBr>
+                    <a:lnBlToTr w="12700" cmpd="sng">
+                      <a:noFill/>
+                      <a:prstDash val="solid"/>
+                    </a:lnBlToTr>
+                    <a:noFill/>
+                  </a:tcPr>
+                </a:tc>
+                <a:extLst>
+                  <a:ext uri="{0D108BD9-81ED-4DB2-BD59-A6C34878D82A}">
+                    <a16:rowId xmlns:a16="http://schemas.microsoft.com/office/drawing/2014/main" val="2095231337"/>
+                  </a:ext>
+                </a:extLst>
+              </a:tr>
+            </a:tbl>
+          </a:graphicData>
+        </a:graphic>
+      </p:graphicFrame>
+      <p:graphicFrame>
+        <p:nvGraphicFramePr>
+          <p:cNvPr id="8" name="표 5">
+            <a:extLst>
+              <a:ext uri="{FF2B5EF4-FFF2-40B4-BE49-F238E27FC236}">
+                <a16:creationId xmlns:a16="http://schemas.microsoft.com/office/drawing/2014/main" id="{14B1A258-134D-4615-95BF-16CECD52006F}"/>
+              </a:ext>
+            </a:extLst>
+          </p:cNvPr>
+          <p:cNvGraphicFramePr>
+            <a:graphicFrameLocks noGrp="1"/>
+          </p:cNvGraphicFramePr>
+          <p:nvPr>
+            <p:extLst>
+              <p:ext uri="{D42A27DB-BD31-4B8C-83A1-F6EECF244321}">
+                <p14:modId xmlns:p14="http://schemas.microsoft.com/office/powerpoint/2010/main" val="783571951"/>
+              </p:ext>
+            </p:extLst>
+          </p:nvPr>
+        </p:nvGraphicFramePr>
+        <p:xfrm>
+          <a:off x="696912" y="1577346"/>
+          <a:ext cx="6690361" cy="736600"/>
+        </p:xfrm>
+        <a:graphic>
+          <a:graphicData uri="http://schemas.openxmlformats.org/drawingml/2006/table">
+            <a:tbl>
+              <a:tblPr firstRow="1" bandRow="1">
+                <a:tableStyleId>{5C22544A-7EE6-4342-B048-85BDC9FD1C3A}</a:tableStyleId>
+              </a:tblPr>
+              <a:tblGrid>
+                <a:gridCol w="721043">
+                  <a:extLst>
+                    <a:ext uri="{9D8B030D-6E8A-4147-A177-3AD203B41FA5}">
+                      <a16:colId xmlns:a16="http://schemas.microsoft.com/office/drawing/2014/main" val="1726475077"/>
+                    </a:ext>
+                  </a:extLst>
+                </a:gridCol>
+                <a:gridCol w="5969318">
+                  <a:extLst>
+                    <a:ext uri="{9D8B030D-6E8A-4147-A177-3AD203B41FA5}">
+                      <a16:colId xmlns:a16="http://schemas.microsoft.com/office/drawing/2014/main" val="1417546390"/>
+                    </a:ext>
+                  </a:extLst>
+                </a:gridCol>
+              </a:tblGrid>
+              <a:tr h="211276">
+                <a:tc>
+                  <a:txBody>
+                    <a:bodyPr/>
+                    <a:lstStyle/>
+                    <a:p>
+                      <a:pPr latinLnBrk="1"/>
+                      <a:r>
+                        <a:rPr lang="ko-KR" altLang="en-US" b="0" dirty="0">
+                          <a:solidFill>
+                            <a:schemeClr val="tx1"/>
+                          </a:solidFill>
+                        </a:rPr>
+                        <a:t>과정</a:t>
+                      </a:r>
+                    </a:p>
+                  </a:txBody>
+                  <a:tcPr>
+                    <a:lnL w="12700" cap="flat" cmpd="sng" algn="ctr">
+                      <a:solidFill>
+                        <a:schemeClr val="tx1"/>
+                      </a:solidFill>
+                      <a:prstDash val="solid"/>
+                      <a:round/>
+                      <a:headEnd type="none" w="med" len="med"/>
+                      <a:tailEnd type="none" w="med" len="med"/>
+                    </a:lnL>
+                    <a:lnR w="12700" cap="flat" cmpd="sng" algn="ctr">
+                      <a:solidFill>
+                        <a:schemeClr val="tx1"/>
+                      </a:solidFill>
+                      <a:prstDash val="solid"/>
+                      <a:round/>
+                      <a:headEnd type="none" w="med" len="med"/>
+                      <a:tailEnd type="none" w="med" len="med"/>
+                    </a:lnR>
+                    <a:lnT w="12700" cap="flat" cmpd="sng" algn="ctr">
+                      <a:solidFill>
+                        <a:schemeClr val="tx1"/>
+                      </a:solidFill>
+                      <a:prstDash val="solid"/>
+                      <a:round/>
+                      <a:headEnd type="none" w="med" len="med"/>
+                      <a:tailEnd type="none" w="med" len="med"/>
+                    </a:lnT>
+                    <a:lnB w="12700" cap="flat" cmpd="sng" algn="ctr">
+                      <a:solidFill>
+                        <a:schemeClr val="tx1"/>
+                      </a:solidFill>
+                      <a:prstDash val="solid"/>
+                      <a:round/>
+                      <a:headEnd type="none" w="med" len="med"/>
+                      <a:tailEnd type="none" w="med" len="med"/>
+                    </a:lnB>
+                    <a:lnTlToBr w="12700" cmpd="sng">
+                      <a:noFill/>
+                      <a:prstDash val="solid"/>
+                    </a:lnTlToBr>
+                    <a:lnBlToTr w="12700" cmpd="sng">
+                      <a:noFill/>
+                      <a:prstDash val="solid"/>
+                    </a:lnBlToTr>
+                    <a:noFill/>
+                  </a:tcPr>
+                </a:tc>
+                <a:tc>
+                  <a:txBody>
+                    <a:bodyPr/>
+                    <a:lstStyle/>
+                    <a:p>
+                      <a:pPr latinLnBrk="1"/>
+                      <a:r>
+                        <a:rPr lang="ko-KR" altLang="en-US" b="0" dirty="0">
+                          <a:solidFill>
+                            <a:schemeClr val="tx1"/>
+                          </a:solidFill>
+                        </a:rPr>
+                        <a:t>발생</a:t>
+                      </a:r>
+                    </a:p>
+                  </a:txBody>
+                  <a:tcPr>
+                    <a:lnL w="12700" cap="flat" cmpd="sng" algn="ctr">
+                      <a:solidFill>
+                        <a:schemeClr val="tx1"/>
+                      </a:solidFill>
+                      <a:prstDash val="solid"/>
+                      <a:round/>
+                      <a:headEnd type="none" w="med" len="med"/>
+                      <a:tailEnd type="none" w="med" len="med"/>
+                    </a:lnL>
+                    <a:lnR w="12700" cap="flat" cmpd="sng" algn="ctr">
+                      <a:solidFill>
+                        <a:schemeClr val="tx1"/>
+                      </a:solidFill>
+                      <a:prstDash val="solid"/>
+                      <a:round/>
+                      <a:headEnd type="none" w="med" len="med"/>
+                      <a:tailEnd type="none" w="med" len="med"/>
+                    </a:lnR>
+                    <a:lnT w="12700" cap="flat" cmpd="sng" algn="ctr">
+                      <a:solidFill>
+                        <a:schemeClr val="tx1"/>
+                      </a:solidFill>
+                      <a:prstDash val="solid"/>
+                      <a:round/>
+                      <a:headEnd type="none" w="med" len="med"/>
+                      <a:tailEnd type="none" w="med" len="med"/>
+                    </a:lnT>
+                    <a:lnB w="12700" cap="flat" cmpd="sng" algn="ctr">
+                      <a:solidFill>
+                        <a:schemeClr val="tx1"/>
+                      </a:solidFill>
+                      <a:prstDash val="solid"/>
+                      <a:round/>
+                      <a:headEnd type="none" w="med" len="med"/>
+                      <a:tailEnd type="none" w="med" len="med"/>
+                    </a:lnB>
+                    <a:lnTlToBr w="12700" cmpd="sng">
+                      <a:noFill/>
+                      <a:prstDash val="solid"/>
+                    </a:lnTlToBr>
+                    <a:lnBlToTr w="12700" cmpd="sng">
+                      <a:noFill/>
+                      <a:prstDash val="solid"/>
+                    </a:lnBlToTr>
+                    <a:noFill/>
+                  </a:tcPr>
+                </a:tc>
+                <a:extLst>
+                  <a:ext uri="{0D108BD9-81ED-4DB2-BD59-A6C34878D82A}">
+                    <a16:rowId xmlns:a16="http://schemas.microsoft.com/office/drawing/2014/main" val="3100173995"/>
+                  </a:ext>
+                </a:extLst>
+              </a:tr>
+              <a:tr h="370840">
+                <a:tc>
+                  <a:txBody>
+                    <a:bodyPr/>
+                    <a:lstStyle/>
+                    <a:p>
+                      <a:pPr latinLnBrk="1"/>
+                      <a:r>
+                        <a:rPr lang="ko-KR" altLang="en-US" b="0" dirty="0">
+                          <a:solidFill>
+                            <a:schemeClr val="tx1"/>
+                          </a:solidFill>
+                        </a:rPr>
+                        <a:t>설명</a:t>
+                      </a:r>
+                    </a:p>
+                  </a:txBody>
+                  <a:tcPr>
+                    <a:lnL w="12700" cap="flat" cmpd="sng" algn="ctr">
+                      <a:solidFill>
+                        <a:schemeClr val="tx1"/>
+                      </a:solidFill>
+                      <a:prstDash val="solid"/>
+                      <a:round/>
+                      <a:headEnd type="none" w="med" len="med"/>
+                      <a:tailEnd type="none" w="med" len="med"/>
+                    </a:lnL>
+                    <a:lnR w="12700" cap="flat" cmpd="sng" algn="ctr">
+                      <a:solidFill>
+                        <a:schemeClr val="tx1"/>
+                      </a:solidFill>
+                      <a:prstDash val="solid"/>
+                      <a:round/>
+                      <a:headEnd type="none" w="med" len="med"/>
+                      <a:tailEnd type="none" w="med" len="med"/>
+                    </a:lnR>
+                    <a:lnT w="12700" cap="flat" cmpd="sng" algn="ctr">
+                      <a:solidFill>
+                        <a:schemeClr val="tx1"/>
+                      </a:solidFill>
+                      <a:prstDash val="solid"/>
+                      <a:round/>
+                      <a:headEnd type="none" w="med" len="med"/>
+                      <a:tailEnd type="none" w="med" len="med"/>
+                    </a:lnT>
+                    <a:lnB w="12700" cap="flat" cmpd="sng" algn="ctr">
+                      <a:solidFill>
+                        <a:schemeClr val="tx1"/>
+                      </a:solidFill>
+                      <a:prstDash val="solid"/>
+                      <a:round/>
+                      <a:headEnd type="none" w="med" len="med"/>
+                      <a:tailEnd type="none" w="med" len="med"/>
+                    </a:lnB>
+                    <a:lnTlToBr w="12700" cmpd="sng">
+                      <a:noFill/>
+                      <a:prstDash val="solid"/>
+                    </a:lnTlToBr>
+                    <a:lnBlToTr w="12700" cmpd="sng">
+                      <a:noFill/>
+                      <a:prstDash val="solid"/>
+                    </a:lnBlToTr>
+                    <a:noFill/>
+                  </a:tcPr>
+                </a:tc>
+                <a:tc>
+                  <a:txBody>
+                    <a:bodyPr/>
+                    <a:lstStyle/>
+                    <a:p>
+                      <a:pPr latinLnBrk="1"/>
+                      <a:r>
+                        <a:rPr lang="ko-KR" altLang="en-US" b="0" dirty="0">
+                          <a:solidFill>
+                            <a:schemeClr val="tx1"/>
+                          </a:solidFill>
+                        </a:rPr>
+                        <a:t>퀘스트가 발생하는 단계</a:t>
+                      </a:r>
+                    </a:p>
+                  </a:txBody>
+                  <a:tcPr>
+                    <a:lnL w="12700" cap="flat" cmpd="sng" algn="ctr">
+                      <a:solidFill>
+                        <a:schemeClr val="tx1"/>
+                      </a:solidFill>
+                      <a:prstDash val="solid"/>
+                      <a:round/>
+                      <a:headEnd type="none" w="med" len="med"/>
+                      <a:tailEnd type="none" w="med" len="med"/>
+                    </a:lnL>
+                    <a:lnR w="12700" cap="flat" cmpd="sng" algn="ctr">
+                      <a:solidFill>
+                        <a:schemeClr val="tx1"/>
+                      </a:solidFill>
+                      <a:prstDash val="solid"/>
+                      <a:round/>
+                      <a:headEnd type="none" w="med" len="med"/>
+                      <a:tailEnd type="none" w="med" len="med"/>
+                    </a:lnR>
+                    <a:lnT w="12700" cap="flat" cmpd="sng" algn="ctr">
+                      <a:solidFill>
+                        <a:schemeClr val="tx1"/>
+                      </a:solidFill>
+                      <a:prstDash val="solid"/>
+                      <a:round/>
+                      <a:headEnd type="none" w="med" len="med"/>
+                      <a:tailEnd type="none" w="med" len="med"/>
+                    </a:lnT>
+                    <a:lnB w="12700" cap="flat" cmpd="sng" algn="ctr">
+                      <a:solidFill>
+                        <a:schemeClr val="tx1"/>
+                      </a:solidFill>
+                      <a:prstDash val="solid"/>
+                      <a:round/>
+                      <a:headEnd type="none" w="med" len="med"/>
+                      <a:tailEnd type="none" w="med" len="med"/>
+                    </a:lnB>
+                    <a:lnTlToBr w="12700" cmpd="sng">
+                      <a:noFill/>
+                      <a:prstDash val="solid"/>
+                    </a:lnTlToBr>
+                    <a:lnBlToTr w="12700" cmpd="sng">
+                      <a:noFill/>
+                      <a:prstDash val="solid"/>
+                    </a:lnBlToTr>
+                    <a:noFill/>
+                  </a:tcPr>
+                </a:tc>
+                <a:extLst>
+                  <a:ext uri="{0D108BD9-81ED-4DB2-BD59-A6C34878D82A}">
+                    <a16:rowId xmlns:a16="http://schemas.microsoft.com/office/drawing/2014/main" val="2095231337"/>
+                  </a:ext>
+                </a:extLst>
+              </a:tr>
+            </a:tbl>
+          </a:graphicData>
+        </a:graphic>
+      </p:graphicFrame>
+      <p:graphicFrame>
+        <p:nvGraphicFramePr>
+          <p:cNvPr id="2" name="표 2">
+            <a:extLst>
+              <a:ext uri="{FF2B5EF4-FFF2-40B4-BE49-F238E27FC236}">
+                <a16:creationId xmlns:a16="http://schemas.microsoft.com/office/drawing/2014/main" id="{8C0A4544-C72D-45A1-A904-F9B6C0EB1906}"/>
+              </a:ext>
+            </a:extLst>
+          </p:cNvPr>
+          <p:cNvGraphicFramePr>
+            <a:graphicFrameLocks noGrp="1"/>
+          </p:cNvGraphicFramePr>
+          <p:nvPr>
+            <p:extLst>
+              <p:ext uri="{D42A27DB-BD31-4B8C-83A1-F6EECF244321}">
+                <p14:modId xmlns:p14="http://schemas.microsoft.com/office/powerpoint/2010/main" val="1698347732"/>
+              </p:ext>
+            </p:extLst>
+          </p:nvPr>
+        </p:nvGraphicFramePr>
+        <p:xfrm>
+          <a:off x="6472115" y="3098088"/>
+          <a:ext cx="5221654" cy="1854200"/>
+        </p:xfrm>
+        <a:graphic>
+          <a:graphicData uri="http://schemas.openxmlformats.org/drawingml/2006/table">
+            <a:tbl>
+              <a:tblPr firstRow="1" bandRow="1">
+                <a:tableStyleId>{5C22544A-7EE6-4342-B048-85BDC9FD1C3A}</a:tableStyleId>
+              </a:tblPr>
+              <a:tblGrid>
+                <a:gridCol w="908769">
+                  <a:extLst>
+                    <a:ext uri="{9D8B030D-6E8A-4147-A177-3AD203B41FA5}">
+                      <a16:colId xmlns:a16="http://schemas.microsoft.com/office/drawing/2014/main" val="379944936"/>
+                    </a:ext>
+                  </a:extLst>
+                </a:gridCol>
+                <a:gridCol w="4312885">
+                  <a:extLst>
+                    <a:ext uri="{9D8B030D-6E8A-4147-A177-3AD203B41FA5}">
+                      <a16:colId xmlns:a16="http://schemas.microsoft.com/office/drawing/2014/main" val="1559220905"/>
+                    </a:ext>
+                  </a:extLst>
+                </a:gridCol>
+              </a:tblGrid>
+              <a:tr h="370840">
+                <a:tc>
+                  <a:txBody>
+                    <a:bodyPr/>
+                    <a:lstStyle/>
+                    <a:p>
+                      <a:pPr latinLnBrk="1"/>
+                      <a:r>
+                        <a:rPr lang="ko-KR" altLang="en-US" b="0" dirty="0">
+                          <a:solidFill>
+                            <a:schemeClr val="tx1"/>
+                          </a:solidFill>
+                        </a:rPr>
+                        <a:t>발생</a:t>
+                      </a:r>
+                    </a:p>
+                  </a:txBody>
+                  <a:tcPr>
+                    <a:lnL w="12700" cap="flat" cmpd="sng" algn="ctr">
+                      <a:solidFill>
+                        <a:schemeClr val="tx1"/>
+                      </a:solidFill>
+                      <a:prstDash val="solid"/>
+                      <a:round/>
+                      <a:headEnd type="none" w="med" len="med"/>
+                      <a:tailEnd type="none" w="med" len="med"/>
+                    </a:lnL>
+                    <a:lnR w="12700" cap="flat" cmpd="sng" algn="ctr">
+                      <a:solidFill>
+                        <a:schemeClr val="tx1"/>
+                      </a:solidFill>
+                      <a:prstDash val="solid"/>
+                      <a:round/>
+                      <a:headEnd type="none" w="med" len="med"/>
+                      <a:tailEnd type="none" w="med" len="med"/>
+                    </a:lnR>
+                    <a:lnT w="12700" cap="flat" cmpd="sng" algn="ctr">
+                      <a:solidFill>
+                        <a:schemeClr val="tx1"/>
+                      </a:solidFill>
+                      <a:prstDash val="solid"/>
+                      <a:round/>
+                      <a:headEnd type="none" w="med" len="med"/>
+                      <a:tailEnd type="none" w="med" len="med"/>
+                    </a:lnT>
+                    <a:lnB w="12700" cap="flat" cmpd="sng" algn="ctr">
+                      <a:solidFill>
+                        <a:schemeClr val="tx1"/>
+                      </a:solidFill>
+                      <a:prstDash val="solid"/>
+                      <a:round/>
+                      <a:headEnd type="none" w="med" len="med"/>
+                      <a:tailEnd type="none" w="med" len="med"/>
+                    </a:lnB>
+                    <a:noFill/>
+                  </a:tcPr>
+                </a:tc>
+                <a:tc>
+                  <a:txBody>
+                    <a:bodyPr/>
+                    <a:lstStyle/>
+                    <a:p>
+                      <a:pPr latinLnBrk="1"/>
+                      <a:endParaRPr lang="ko-KR" altLang="en-US" b="0" dirty="0">
+                        <a:solidFill>
+                          <a:schemeClr val="tx1"/>
+                        </a:solidFill>
+                      </a:endParaRPr>
+                    </a:p>
+                  </a:txBody>
+                  <a:tcPr>
+                    <a:lnL w="12700" cap="flat" cmpd="sng" algn="ctr">
+                      <a:solidFill>
+                        <a:schemeClr val="tx1"/>
+                      </a:solidFill>
+                      <a:prstDash val="solid"/>
+                      <a:round/>
+                      <a:headEnd type="none" w="med" len="med"/>
+                      <a:tailEnd type="none" w="med" len="med"/>
+                    </a:lnL>
+                    <a:lnR w="12700" cap="flat" cmpd="sng" algn="ctr">
+                      <a:solidFill>
+                        <a:schemeClr val="tx1"/>
+                      </a:solidFill>
+                      <a:prstDash val="solid"/>
+                      <a:round/>
+                      <a:headEnd type="none" w="med" len="med"/>
+                      <a:tailEnd type="none" w="med" len="med"/>
+                    </a:lnR>
+                    <a:lnT w="12700" cap="flat" cmpd="sng" algn="ctr">
+                      <a:solidFill>
+                        <a:schemeClr val="tx1"/>
+                      </a:solidFill>
+                      <a:prstDash val="solid"/>
+                      <a:round/>
+                      <a:headEnd type="none" w="med" len="med"/>
+                      <a:tailEnd type="none" w="med" len="med"/>
+                    </a:lnT>
+                    <a:lnB w="12700" cap="flat" cmpd="sng" algn="ctr">
+                      <a:solidFill>
+                        <a:schemeClr val="tx1"/>
+                      </a:solidFill>
+                      <a:prstDash val="solid"/>
+                      <a:round/>
+                      <a:headEnd type="none" w="med" len="med"/>
+                      <a:tailEnd type="none" w="med" len="med"/>
+                    </a:lnB>
+                    <a:noFill/>
+                  </a:tcPr>
+                </a:tc>
+                <a:extLst>
+                  <a:ext uri="{0D108BD9-81ED-4DB2-BD59-A6C34878D82A}">
+                    <a16:rowId xmlns:a16="http://schemas.microsoft.com/office/drawing/2014/main" val="744240791"/>
+                  </a:ext>
+                </a:extLst>
+              </a:tr>
+              <a:tr h="370840">
+                <a:tc>
+                  <a:txBody>
+                    <a:bodyPr/>
+                    <a:lstStyle/>
+                    <a:p>
+                      <a:pPr latinLnBrk="1"/>
+                      <a:r>
+                        <a:rPr lang="ko-KR" altLang="en-US" b="0" dirty="0">
+                          <a:solidFill>
+                            <a:schemeClr val="tx1"/>
+                          </a:solidFill>
+                        </a:rPr>
+                        <a:t>알림</a:t>
+                      </a:r>
+                    </a:p>
+                  </a:txBody>
+                  <a:tcPr>
+                    <a:lnL w="12700" cap="flat" cmpd="sng" algn="ctr">
+                      <a:solidFill>
+                        <a:schemeClr val="tx1"/>
+                      </a:solidFill>
+                      <a:prstDash val="solid"/>
+                      <a:round/>
+                      <a:headEnd type="none" w="med" len="med"/>
+                      <a:tailEnd type="none" w="med" len="med"/>
+                    </a:lnL>
+                    <a:lnR w="12700" cap="flat" cmpd="sng" algn="ctr">
+                      <a:solidFill>
+                        <a:schemeClr val="tx1"/>
+                      </a:solidFill>
+                      <a:prstDash val="solid"/>
+                      <a:round/>
+                      <a:headEnd type="none" w="med" len="med"/>
+                      <a:tailEnd type="none" w="med" len="med"/>
+                    </a:lnR>
+                    <a:lnT w="12700" cap="flat" cmpd="sng" algn="ctr">
+                      <a:solidFill>
+                        <a:schemeClr val="tx1"/>
+                      </a:solidFill>
+                      <a:prstDash val="solid"/>
+                      <a:round/>
+                      <a:headEnd type="none" w="med" len="med"/>
+                      <a:tailEnd type="none" w="med" len="med"/>
+                    </a:lnT>
+                    <a:lnB w="12700" cap="flat" cmpd="sng" algn="ctr">
+                      <a:solidFill>
+                        <a:schemeClr val="tx1"/>
+                      </a:solidFill>
+                      <a:prstDash val="solid"/>
+                      <a:round/>
+                      <a:headEnd type="none" w="med" len="med"/>
+                      <a:tailEnd type="none" w="med" len="med"/>
+                    </a:lnB>
+                    <a:noFill/>
+                  </a:tcPr>
+                </a:tc>
+                <a:tc>
+                  <a:txBody>
+                    <a:bodyPr/>
+                    <a:lstStyle/>
+                    <a:p>
+                      <a:pPr latinLnBrk="1"/>
+                      <a:endParaRPr lang="ko-KR" altLang="en-US" b="0" dirty="0">
+                        <a:solidFill>
+                          <a:schemeClr val="tx1"/>
+                        </a:solidFill>
+                      </a:endParaRPr>
+                    </a:p>
+                  </a:txBody>
+                  <a:tcPr>
+                    <a:lnL w="12700" cap="flat" cmpd="sng" algn="ctr">
+                      <a:solidFill>
+                        <a:schemeClr val="tx1"/>
+                      </a:solidFill>
+                      <a:prstDash val="solid"/>
+                      <a:round/>
+                      <a:headEnd type="none" w="med" len="med"/>
+                      <a:tailEnd type="none" w="med" len="med"/>
+                    </a:lnL>
+                    <a:lnR w="12700" cap="flat" cmpd="sng" algn="ctr">
+                      <a:solidFill>
+                        <a:schemeClr val="tx1"/>
+                      </a:solidFill>
+                      <a:prstDash val="solid"/>
+                      <a:round/>
+                      <a:headEnd type="none" w="med" len="med"/>
+                      <a:tailEnd type="none" w="med" len="med"/>
+                    </a:lnR>
+                    <a:lnT w="12700" cap="flat" cmpd="sng" algn="ctr">
+                      <a:solidFill>
+                        <a:schemeClr val="tx1"/>
+                      </a:solidFill>
+                      <a:prstDash val="solid"/>
+                      <a:round/>
+                      <a:headEnd type="none" w="med" len="med"/>
+                      <a:tailEnd type="none" w="med" len="med"/>
+                    </a:lnT>
+                    <a:lnB w="12700" cap="flat" cmpd="sng" algn="ctr">
+                      <a:solidFill>
+                        <a:schemeClr val="tx1"/>
+                      </a:solidFill>
+                      <a:prstDash val="solid"/>
+                      <a:round/>
+                      <a:headEnd type="none" w="med" len="med"/>
+                      <a:tailEnd type="none" w="med" len="med"/>
+                    </a:lnB>
+                    <a:noFill/>
+                  </a:tcPr>
+                </a:tc>
+                <a:extLst>
+                  <a:ext uri="{0D108BD9-81ED-4DB2-BD59-A6C34878D82A}">
+                    <a16:rowId xmlns:a16="http://schemas.microsoft.com/office/drawing/2014/main" val="616643955"/>
+                  </a:ext>
+                </a:extLst>
+              </a:tr>
+              <a:tr h="370840">
+                <a:tc>
+                  <a:txBody>
+                    <a:bodyPr/>
+                    <a:lstStyle/>
+                    <a:p>
+                      <a:pPr latinLnBrk="1"/>
+                      <a:r>
+                        <a:rPr lang="ko-KR" altLang="en-US" b="0" dirty="0">
+                          <a:solidFill>
+                            <a:schemeClr val="tx1"/>
+                          </a:solidFill>
+                        </a:rPr>
+                        <a:t>수락</a:t>
+                      </a:r>
+                    </a:p>
+                  </a:txBody>
+                  <a:tcPr>
+                    <a:lnL w="12700" cap="flat" cmpd="sng" algn="ctr">
+                      <a:solidFill>
+                        <a:schemeClr val="tx1"/>
+                      </a:solidFill>
+                      <a:prstDash val="solid"/>
+                      <a:round/>
+                      <a:headEnd type="none" w="med" len="med"/>
+                      <a:tailEnd type="none" w="med" len="med"/>
+                    </a:lnL>
+                    <a:lnR w="12700" cap="flat" cmpd="sng" algn="ctr">
+                      <a:solidFill>
+                        <a:schemeClr val="tx1"/>
+                      </a:solidFill>
+                      <a:prstDash val="solid"/>
+                      <a:round/>
+                      <a:headEnd type="none" w="med" len="med"/>
+                      <a:tailEnd type="none" w="med" len="med"/>
+                    </a:lnR>
+                    <a:lnT w="12700" cap="flat" cmpd="sng" algn="ctr">
+                      <a:solidFill>
+                        <a:schemeClr val="tx1"/>
+                      </a:solidFill>
+                      <a:prstDash val="solid"/>
+                      <a:round/>
+                      <a:headEnd type="none" w="med" len="med"/>
+                      <a:tailEnd type="none" w="med" len="med"/>
+                    </a:lnT>
+                    <a:lnB w="12700" cap="flat" cmpd="sng" algn="ctr">
+                      <a:solidFill>
+                        <a:schemeClr val="tx1"/>
+                      </a:solidFill>
+                      <a:prstDash val="solid"/>
+                      <a:round/>
+                      <a:headEnd type="none" w="med" len="med"/>
+                      <a:tailEnd type="none" w="med" len="med"/>
+                    </a:lnB>
+                    <a:noFill/>
+                  </a:tcPr>
+                </a:tc>
+                <a:tc>
+                  <a:txBody>
+                    <a:bodyPr/>
+                    <a:lstStyle/>
+                    <a:p>
+                      <a:pPr latinLnBrk="1"/>
+                      <a:endParaRPr lang="ko-KR" altLang="en-US" b="0" dirty="0">
+                        <a:solidFill>
+                          <a:schemeClr val="tx1"/>
+                        </a:solidFill>
+                      </a:endParaRPr>
+                    </a:p>
+                  </a:txBody>
+                  <a:tcPr>
+                    <a:lnL w="12700" cap="flat" cmpd="sng" algn="ctr">
+                      <a:solidFill>
+                        <a:schemeClr val="tx1"/>
+                      </a:solidFill>
+                      <a:prstDash val="solid"/>
+                      <a:round/>
+                      <a:headEnd type="none" w="med" len="med"/>
+                      <a:tailEnd type="none" w="med" len="med"/>
+                    </a:lnL>
+                    <a:lnR w="12700" cap="flat" cmpd="sng" algn="ctr">
+                      <a:solidFill>
+                        <a:schemeClr val="tx1"/>
+                      </a:solidFill>
+                      <a:prstDash val="solid"/>
+                      <a:round/>
+                      <a:headEnd type="none" w="med" len="med"/>
+                      <a:tailEnd type="none" w="med" len="med"/>
+                    </a:lnR>
+                    <a:lnT w="12700" cap="flat" cmpd="sng" algn="ctr">
+                      <a:solidFill>
+                        <a:schemeClr val="tx1"/>
+                      </a:solidFill>
+                      <a:prstDash val="solid"/>
+                      <a:round/>
+                      <a:headEnd type="none" w="med" len="med"/>
+                      <a:tailEnd type="none" w="med" len="med"/>
+                    </a:lnT>
+                    <a:lnB w="12700" cap="flat" cmpd="sng" algn="ctr">
+                      <a:solidFill>
+                        <a:schemeClr val="tx1"/>
+                      </a:solidFill>
+                      <a:prstDash val="solid"/>
+                      <a:round/>
+                      <a:headEnd type="none" w="med" len="med"/>
+                      <a:tailEnd type="none" w="med" len="med"/>
+                    </a:lnB>
+                    <a:noFill/>
+                  </a:tcPr>
+                </a:tc>
+                <a:extLst>
+                  <a:ext uri="{0D108BD9-81ED-4DB2-BD59-A6C34878D82A}">
+                    <a16:rowId xmlns:a16="http://schemas.microsoft.com/office/drawing/2014/main" val="1368276278"/>
+                  </a:ext>
+                </a:extLst>
+              </a:tr>
+              <a:tr h="370840">
+                <a:tc>
+                  <a:txBody>
+                    <a:bodyPr/>
+                    <a:lstStyle/>
+                    <a:p>
+                      <a:pPr latinLnBrk="1"/>
+                      <a:r>
+                        <a:rPr lang="ko-KR" altLang="en-US" b="0" dirty="0">
+                          <a:solidFill>
+                            <a:schemeClr val="tx1"/>
+                          </a:solidFill>
+                        </a:rPr>
+                        <a:t>진행</a:t>
+                      </a:r>
+                    </a:p>
+                  </a:txBody>
+                  <a:tcPr>
+                    <a:lnL w="12700" cap="flat" cmpd="sng" algn="ctr">
+                      <a:solidFill>
+                        <a:schemeClr val="tx1"/>
+                      </a:solidFill>
+                      <a:prstDash val="solid"/>
+                      <a:round/>
+                      <a:headEnd type="none" w="med" len="med"/>
+                      <a:tailEnd type="none" w="med" len="med"/>
+                    </a:lnL>
+                    <a:lnR w="12700" cap="flat" cmpd="sng" algn="ctr">
+                      <a:solidFill>
+                        <a:schemeClr val="tx1"/>
+                      </a:solidFill>
+                      <a:prstDash val="solid"/>
+                      <a:round/>
+                      <a:headEnd type="none" w="med" len="med"/>
+                      <a:tailEnd type="none" w="med" len="med"/>
+                    </a:lnR>
+                    <a:lnT w="12700" cap="flat" cmpd="sng" algn="ctr">
+                      <a:solidFill>
+                        <a:schemeClr val="tx1"/>
+                      </a:solidFill>
+                      <a:prstDash val="solid"/>
+                      <a:round/>
+                      <a:headEnd type="none" w="med" len="med"/>
+                      <a:tailEnd type="none" w="med" len="med"/>
+                    </a:lnT>
+                    <a:lnB w="12700" cap="flat" cmpd="sng" algn="ctr">
+                      <a:solidFill>
+                        <a:schemeClr val="tx1"/>
+                      </a:solidFill>
+                      <a:prstDash val="solid"/>
+                      <a:round/>
+                      <a:headEnd type="none" w="med" len="med"/>
+                      <a:tailEnd type="none" w="med" len="med"/>
+                    </a:lnB>
+                    <a:noFill/>
+                  </a:tcPr>
+                </a:tc>
+                <a:tc>
+                  <a:txBody>
+                    <a:bodyPr/>
+                    <a:lstStyle/>
+                    <a:p>
+                      <a:pPr latinLnBrk="1"/>
+                      <a:endParaRPr lang="ko-KR" altLang="en-US" b="0" dirty="0">
+                        <a:solidFill>
+                          <a:schemeClr val="tx1"/>
+                        </a:solidFill>
+                      </a:endParaRPr>
+                    </a:p>
+                  </a:txBody>
+                  <a:tcPr>
+                    <a:lnL w="12700" cap="flat" cmpd="sng" algn="ctr">
+                      <a:solidFill>
+                        <a:schemeClr val="tx1"/>
+                      </a:solidFill>
+                      <a:prstDash val="solid"/>
+                      <a:round/>
+                      <a:headEnd type="none" w="med" len="med"/>
+                      <a:tailEnd type="none" w="med" len="med"/>
+                    </a:lnL>
+                    <a:lnR w="12700" cap="flat" cmpd="sng" algn="ctr">
+                      <a:solidFill>
+                        <a:schemeClr val="tx1"/>
+                      </a:solidFill>
+                      <a:prstDash val="solid"/>
+                      <a:round/>
+                      <a:headEnd type="none" w="med" len="med"/>
+                      <a:tailEnd type="none" w="med" len="med"/>
+                    </a:lnR>
+                    <a:lnT w="12700" cap="flat" cmpd="sng" algn="ctr">
+                      <a:solidFill>
+                        <a:schemeClr val="tx1"/>
+                      </a:solidFill>
+                      <a:prstDash val="solid"/>
+                      <a:round/>
+                      <a:headEnd type="none" w="med" len="med"/>
+                      <a:tailEnd type="none" w="med" len="med"/>
+                    </a:lnT>
+                    <a:lnB w="12700" cap="flat" cmpd="sng" algn="ctr">
+                      <a:solidFill>
+                        <a:schemeClr val="tx1"/>
+                      </a:solidFill>
+                      <a:prstDash val="solid"/>
+                      <a:round/>
+                      <a:headEnd type="none" w="med" len="med"/>
+                      <a:tailEnd type="none" w="med" len="med"/>
+                    </a:lnB>
+                    <a:noFill/>
+                  </a:tcPr>
+                </a:tc>
+                <a:extLst>
+                  <a:ext uri="{0D108BD9-81ED-4DB2-BD59-A6C34878D82A}">
+                    <a16:rowId xmlns:a16="http://schemas.microsoft.com/office/drawing/2014/main" val="3428820987"/>
+                  </a:ext>
+                </a:extLst>
+              </a:tr>
+              <a:tr h="370840">
+                <a:tc>
+                  <a:txBody>
+                    <a:bodyPr/>
+                    <a:lstStyle/>
+                    <a:p>
+                      <a:pPr latinLnBrk="1"/>
+                      <a:r>
+                        <a:rPr lang="ko-KR" altLang="en-US" b="0" dirty="0">
+                          <a:solidFill>
+                            <a:schemeClr val="tx1"/>
+                          </a:solidFill>
+                        </a:rPr>
+                        <a:t>완료</a:t>
+                      </a:r>
+                    </a:p>
+                  </a:txBody>
+                  <a:tcPr>
+                    <a:lnL w="12700" cap="flat" cmpd="sng" algn="ctr">
+                      <a:solidFill>
+                        <a:schemeClr val="tx1"/>
+                      </a:solidFill>
+                      <a:prstDash val="solid"/>
+                      <a:round/>
+                      <a:headEnd type="none" w="med" len="med"/>
+                      <a:tailEnd type="none" w="med" len="med"/>
+                    </a:lnL>
+                    <a:lnR w="12700" cap="flat" cmpd="sng" algn="ctr">
+                      <a:solidFill>
+                        <a:schemeClr val="tx1"/>
+                      </a:solidFill>
+                      <a:prstDash val="solid"/>
+                      <a:round/>
+                      <a:headEnd type="none" w="med" len="med"/>
+                      <a:tailEnd type="none" w="med" len="med"/>
+                    </a:lnR>
+                    <a:lnT w="12700" cap="flat" cmpd="sng" algn="ctr">
+                      <a:solidFill>
+                        <a:schemeClr val="tx1"/>
+                      </a:solidFill>
+                      <a:prstDash val="solid"/>
+                      <a:round/>
+                      <a:headEnd type="none" w="med" len="med"/>
+                      <a:tailEnd type="none" w="med" len="med"/>
+                    </a:lnT>
+                    <a:lnB w="12700" cap="flat" cmpd="sng" algn="ctr">
+                      <a:solidFill>
+                        <a:schemeClr val="tx1"/>
+                      </a:solidFill>
+                      <a:prstDash val="solid"/>
+                      <a:round/>
+                      <a:headEnd type="none" w="med" len="med"/>
+                      <a:tailEnd type="none" w="med" len="med"/>
+                    </a:lnB>
+                    <a:noFill/>
+                  </a:tcPr>
+                </a:tc>
+                <a:tc>
+                  <a:txBody>
+                    <a:bodyPr/>
+                    <a:lstStyle/>
+                    <a:p>
+                      <a:pPr latinLnBrk="1"/>
+                      <a:endParaRPr lang="ko-KR" altLang="en-US" b="0" dirty="0">
+                        <a:solidFill>
+                          <a:schemeClr val="tx1"/>
+                        </a:solidFill>
+                      </a:endParaRPr>
+                    </a:p>
+                  </a:txBody>
+                  <a:tcPr>
+                    <a:lnL w="12700" cap="flat" cmpd="sng" algn="ctr">
+                      <a:solidFill>
+                        <a:schemeClr val="tx1"/>
+                      </a:solidFill>
+                      <a:prstDash val="solid"/>
+                      <a:round/>
+                      <a:headEnd type="none" w="med" len="med"/>
+                      <a:tailEnd type="none" w="med" len="med"/>
+                    </a:lnL>
+                    <a:lnR w="12700" cap="flat" cmpd="sng" algn="ctr">
+                      <a:solidFill>
+                        <a:schemeClr val="tx1"/>
+                      </a:solidFill>
+                      <a:prstDash val="solid"/>
+                      <a:round/>
+                      <a:headEnd type="none" w="med" len="med"/>
+                      <a:tailEnd type="none" w="med" len="med"/>
+                    </a:lnR>
+                    <a:lnT w="12700" cap="flat" cmpd="sng" algn="ctr">
+                      <a:solidFill>
+                        <a:schemeClr val="tx1"/>
+                      </a:solidFill>
+                      <a:prstDash val="solid"/>
+                      <a:round/>
+                      <a:headEnd type="none" w="med" len="med"/>
+                      <a:tailEnd type="none" w="med" len="med"/>
+                    </a:lnT>
+                    <a:lnB w="12700" cap="flat" cmpd="sng" algn="ctr">
+                      <a:solidFill>
+                        <a:schemeClr val="tx1"/>
+                      </a:solidFill>
+                      <a:prstDash val="solid"/>
+                      <a:round/>
+                      <a:headEnd type="none" w="med" len="med"/>
+                      <a:tailEnd type="none" w="med" len="med"/>
+                    </a:lnB>
+                    <a:noFill/>
+                  </a:tcPr>
+                </a:tc>
+                <a:extLst>
+                  <a:ext uri="{0D108BD9-81ED-4DB2-BD59-A6C34878D82A}">
+                    <a16:rowId xmlns:a16="http://schemas.microsoft.com/office/drawing/2014/main" val="777245989"/>
+                  </a:ext>
+                </a:extLst>
+              </a:tr>
+            </a:tbl>
+          </a:graphicData>
+        </a:graphic>
+      </p:graphicFrame>
+    </p:spTree>
+    <p:extLst>
+      <p:ext uri="{BB962C8B-B14F-4D97-AF65-F5344CB8AC3E}">
+        <p14:creationId xmlns:p14="http://schemas.microsoft.com/office/powerpoint/2010/main" val="1757149466"/>
+      </p:ext>
+    </p:extLst>
+  </p:cSld>
+  <p:clrMapOvr>
+    <a:masterClrMapping/>
+  </p:clrMapOvr>
+</p:sld>
+</file>
+
+<file path=ppt/slides/slide6.xml><?xml version="1.0" encoding="utf-8"?>
+<p:sld xmlns:a="http://schemas.openxmlformats.org/drawingml/2006/main" xmlns:r="http://schemas.openxmlformats.org/officeDocument/2006/relationships" xmlns:p="http://schemas.openxmlformats.org/presentationml/2006/main">
+  <p:cSld>
+    <p:spTree>
+      <p:nvGrpSpPr>
+        <p:cNvPr id="1" name=""/>
+        <p:cNvGrpSpPr/>
+        <p:nvPr/>
+      </p:nvGrpSpPr>
+      <p:grpSpPr>
+        <a:xfrm>
+          <a:off x="0" y="0"/>
+          <a:ext cx="0" cy="0"/>
+          <a:chOff x="0" y="0"/>
+          <a:chExt cx="0" cy="0"/>
+        </a:xfrm>
+      </p:grpSpPr>
+      <p:pic>
+        <p:nvPicPr>
+          <p:cNvPr id="4" name="그림 3">
+            <a:extLst>
+              <a:ext uri="{FF2B5EF4-FFF2-40B4-BE49-F238E27FC236}">
+                <a16:creationId xmlns:a16="http://schemas.microsoft.com/office/drawing/2014/main" id="{E1FB60E2-E889-4AEE-937F-8A1F1195287A}"/>
+              </a:ext>
+            </a:extLst>
+          </p:cNvPr>
+          <p:cNvPicPr>
+            <a:picLocks noChangeAspect="1"/>
+          </p:cNvPicPr>
+          <p:nvPr/>
+        </p:nvPicPr>
+        <p:blipFill>
+          <a:blip r:embed="rId2">
+            <a:extLst>
+              <a:ext uri="{28A0092B-C50C-407E-A947-70E740481C1C}">
+                <a14:useLocalDpi xmlns:a14="http://schemas.microsoft.com/office/drawing/2010/main" val="0"/>
+              </a:ext>
+            </a:extLst>
+          </a:blip>
+          <a:stretch>
+            <a:fillRect/>
+          </a:stretch>
+        </p:blipFill>
+        <p:spPr>
+          <a:xfrm>
+            <a:off x="5530724" y="1154430"/>
+            <a:ext cx="1821654" cy="4545623"/>
+          </a:xfrm>
+          <a:prstGeom prst="rect">
+            <a:avLst/>
+          </a:prstGeom>
+        </p:spPr>
+      </p:pic>
+    </p:spTree>
+    <p:extLst>
+      <p:ext uri="{BB962C8B-B14F-4D97-AF65-F5344CB8AC3E}">
+        <p14:creationId xmlns:p14="http://schemas.microsoft.com/office/powerpoint/2010/main" val="1203411937"/>
+      </p:ext>
+    </p:extLst>
+  </p:cSld>
+  <p:clrMapOvr>
+    <a:masterClrMapping/>
+  </p:clrMapOvr>
+</p:sld>
+</file>
+
+<file path=ppt/slides/slide7.xml><?xml version="1.0" encoding="utf-8"?>
 <p:sld xmlns:a="http://schemas.openxmlformats.org/drawingml/2006/main" xmlns:r="http://schemas.openxmlformats.org/officeDocument/2006/relationships" xmlns:p="http://schemas.openxmlformats.org/presentationml/2006/main">
   <p:cSld>
     <p:spTree>

--- a/기획/방랑엽사전/퀘스트 시스템 기획서.pptx
+++ b/기획/방랑엽사전/퀘스트 시스템 기획서.pptx
@@ -5,7 +5,7 @@
     <p:sldMasterId id="2147483684" r:id="rId1"/>
   </p:sldMasterIdLst>
   <p:notesMasterIdLst>
-    <p:notesMasterId r:id="rId9"/>
+    <p:notesMasterId r:id="rId10"/>
   </p:notesMasterIdLst>
   <p:sldIdLst>
     <p:sldId id="258" r:id="rId2"/>
@@ -13,8 +13,9 @@
     <p:sldId id="265" r:id="rId4"/>
     <p:sldId id="268" r:id="rId5"/>
     <p:sldId id="271" r:id="rId6"/>
-    <p:sldId id="269" r:id="rId7"/>
-    <p:sldId id="267" r:id="rId8"/>
+    <p:sldId id="272" r:id="rId7"/>
+    <p:sldId id="269" r:id="rId8"/>
+    <p:sldId id="267" r:id="rId9"/>
   </p:sldIdLst>
   <p:sldSz cx="12192000" cy="6858000"/>
   <p:notesSz cx="6858000" cy="9144000"/>
@@ -116,7 +117,7 @@
   <p:extLst>
     <p:ext uri="{EFAFB233-063F-42B5-8137-9DF3F51BA10A}">
       <p15:sldGuideLst xmlns:p15="http://schemas.microsoft.com/office/powerpoint/2012/main">
-        <p15:guide id="1" orient="horz" pos="2159" userDrawn="1">
+        <p15:guide id="1" orient="horz" pos="2183" userDrawn="1">
           <p15:clr>
             <a:srgbClr val="A4A3A4"/>
           </p15:clr>
@@ -239,7 +240,7 @@
           <a:p>
             <a:fld id="{C8649E71-8129-4905-BAC0-51D65A0C1379}" type="datetimeFigureOut">
               <a:rPr lang="ko-KR" altLang="en-US" smtClean="0"/>
-              <a:t>2024-01-11</a:t>
+              <a:t>2024-01-12</a:t>
             </a:fld>
             <a:endParaRPr lang="ko-KR" altLang="en-US"/>
           </a:p>
@@ -737,7 +738,7 @@
           <a:p>
             <a:fld id="{523D6941-6B33-4834-BC65-A333846D27E6}" type="datetimeFigureOut">
               <a:rPr lang="ko-KR" altLang="en-US" smtClean="0"/>
-              <a:t>2024-01-11</a:t>
+              <a:t>2024-01-12</a:t>
             </a:fld>
             <a:endParaRPr lang="ko-KR" altLang="en-US"/>
           </a:p>
@@ -935,7 +936,7 @@
           <a:p>
             <a:fld id="{523D6941-6B33-4834-BC65-A333846D27E6}" type="datetimeFigureOut">
               <a:rPr lang="ko-KR" altLang="en-US" smtClean="0"/>
-              <a:t>2024-01-11</a:t>
+              <a:t>2024-01-12</a:t>
             </a:fld>
             <a:endParaRPr lang="ko-KR" altLang="en-US"/>
           </a:p>
@@ -1143,7 +1144,7 @@
           <a:p>
             <a:fld id="{523D6941-6B33-4834-BC65-A333846D27E6}" type="datetimeFigureOut">
               <a:rPr lang="ko-KR" altLang="en-US" smtClean="0"/>
-              <a:t>2024-01-11</a:t>
+              <a:t>2024-01-12</a:t>
             </a:fld>
             <a:endParaRPr lang="ko-KR" altLang="en-US"/>
           </a:p>
@@ -1356,7 +1357,7 @@
           <a:p>
             <a:fld id="{523D6941-6B33-4834-BC65-A333846D27E6}" type="datetimeFigureOut">
               <a:rPr lang="ko-KR" altLang="en-US" smtClean="0"/>
-              <a:t>2024-01-11</a:t>
+              <a:t>2024-01-12</a:t>
             </a:fld>
             <a:endParaRPr lang="ko-KR" altLang="en-US"/>
           </a:p>
@@ -1641,7 +1642,7 @@
           <a:p>
             <a:fld id="{523D6941-6B33-4834-BC65-A333846D27E6}" type="datetimeFigureOut">
               <a:rPr lang="ko-KR" altLang="en-US" smtClean="0"/>
-              <a:t>2024-01-11</a:t>
+              <a:t>2024-01-12</a:t>
             </a:fld>
             <a:endParaRPr lang="ko-KR" altLang="en-US"/>
           </a:p>
@@ -1906,7 +1907,7 @@
           <a:p>
             <a:fld id="{523D6941-6B33-4834-BC65-A333846D27E6}" type="datetimeFigureOut">
               <a:rPr lang="ko-KR" altLang="en-US" smtClean="0"/>
-              <a:t>2024-01-11</a:t>
+              <a:t>2024-01-12</a:t>
             </a:fld>
             <a:endParaRPr lang="ko-KR" altLang="en-US"/>
           </a:p>
@@ -2318,7 +2319,7 @@
           <a:p>
             <a:fld id="{523D6941-6B33-4834-BC65-A333846D27E6}" type="datetimeFigureOut">
               <a:rPr lang="ko-KR" altLang="en-US" smtClean="0"/>
-              <a:t>2024-01-11</a:t>
+              <a:t>2024-01-12</a:t>
             </a:fld>
             <a:endParaRPr lang="ko-KR" altLang="en-US"/>
           </a:p>
@@ -2459,7 +2460,7 @@
           <a:p>
             <a:fld id="{523D6941-6B33-4834-BC65-A333846D27E6}" type="datetimeFigureOut">
               <a:rPr lang="ko-KR" altLang="en-US" smtClean="0"/>
-              <a:t>2024-01-11</a:t>
+              <a:t>2024-01-12</a:t>
             </a:fld>
             <a:endParaRPr lang="ko-KR" altLang="en-US"/>
           </a:p>
@@ -2572,7 +2573,7 @@
           <a:p>
             <a:fld id="{523D6941-6B33-4834-BC65-A333846D27E6}" type="datetimeFigureOut">
               <a:rPr lang="ko-KR" altLang="en-US" smtClean="0"/>
-              <a:t>2024-01-11</a:t>
+              <a:t>2024-01-12</a:t>
             </a:fld>
             <a:endParaRPr lang="ko-KR" altLang="en-US"/>
           </a:p>
@@ -2883,7 +2884,7 @@
           <a:p>
             <a:fld id="{523D6941-6B33-4834-BC65-A333846D27E6}" type="datetimeFigureOut">
               <a:rPr lang="ko-KR" altLang="en-US" smtClean="0"/>
-              <a:t>2024-01-11</a:t>
+              <a:t>2024-01-12</a:t>
             </a:fld>
             <a:endParaRPr lang="ko-KR" altLang="en-US"/>
           </a:p>
@@ -3171,7 +3172,7 @@
           <a:p>
             <a:fld id="{523D6941-6B33-4834-BC65-A333846D27E6}" type="datetimeFigureOut">
               <a:rPr lang="ko-KR" altLang="en-US" smtClean="0"/>
-              <a:t>2024-01-11</a:t>
+              <a:t>2024-01-12</a:t>
             </a:fld>
             <a:endParaRPr lang="ko-KR" altLang="en-US"/>
           </a:p>
@@ -3412,7 +3413,7 @@
           <a:p>
             <a:fld id="{523D6941-6B33-4834-BC65-A333846D27E6}" type="datetimeFigureOut">
               <a:rPr lang="ko-KR" altLang="en-US" smtClean="0"/>
-              <a:t>2024-01-11</a:t>
+              <a:t>2024-01-12</a:t>
             </a:fld>
             <a:endParaRPr lang="ko-KR" altLang="en-US"/>
           </a:p>
@@ -5182,7 +5183,7 @@
           <p:nvPr>
             <p:extLst>
               <p:ext uri="{D42A27DB-BD31-4B8C-83A1-F6EECF244321}">
-                <p14:modId xmlns:p14="http://schemas.microsoft.com/office/powerpoint/2010/main" val="3618656234"/>
+                <p14:modId xmlns:p14="http://schemas.microsoft.com/office/powerpoint/2010/main" val="2815749414"/>
               </p:ext>
             </p:extLst>
           </p:nvPr>
@@ -5224,7 +5225,7 @@
                         <a:buNone/>
                       </a:pPr>
                       <a:r>
-                        <a:rPr sz="1800" b="0" kern="1200">
+                        <a:rPr sz="1800" b="0" kern="1200" dirty="0" err="1">
                           <a:solidFill>
                             <a:schemeClr val="tx1"/>
                           </a:solidFill>
@@ -5233,7 +5234,7 @@
                         </a:rPr>
                         <a:t>분류</a:t>
                       </a:r>
-                      <a:endParaRPr lang="ko-KR" altLang="en-US" sz="1800" b="0" kern="1200">
+                      <a:endParaRPr lang="ko-KR" altLang="en-US" sz="1800" b="0" kern="1200" dirty="0">
                         <a:solidFill>
                           <a:schemeClr val="tx1"/>
                         </a:solidFill>
@@ -5355,6 +5356,15 @@
                   <a:tcPr anchor="ctr">
                     <a:lnL w="12700" cap="flat" cmpd="sng" algn="ctr">
                       <a:solidFill>
+                        <a:srgbClr val="000000"/>
+                      </a:solidFill>
+                      <a:prstDash val="solid"/>
+                      <a:round/>
+                      <a:headEnd type="none" w="med" len="med"/>
+                      <a:tailEnd type="none" w="med" len="med"/>
+                    </a:lnL>
+                    <a:lnR w="12700" cap="flat" cmpd="sng" algn="ctr">
+                      <a:solidFill>
                         <a:srgbClr val="000000">
                           <a:alpha val="100000"/>
                         </a:srgbClr>
@@ -5363,8 +5373,8 @@
                       <a:round/>
                       <a:headEnd type="none" w="med" len="med"/>
                       <a:tailEnd type="none" w="med" len="med"/>
-                    </a:lnL>
-                    <a:lnR w="12700" cap="flat" cmpd="sng" algn="ctr">
+                    </a:lnR>
+                    <a:lnT w="12700" cap="flat" cmpd="sng" algn="ctr">
                       <a:solidFill>
                         <a:srgbClr val="000000">
                           <a:alpha val="100000"/>
@@ -5374,23 +5384,10 @@
                       <a:round/>
                       <a:headEnd type="none" w="med" len="med"/>
                       <a:tailEnd type="none" w="med" len="med"/>
-                    </a:lnR>
-                    <a:lnT w="12700" cap="flat" cmpd="sng" algn="ctr">
-                      <a:solidFill>
-                        <a:srgbClr val="000000">
-                          <a:alpha val="100000"/>
-                        </a:srgbClr>
-                      </a:solidFill>
-                      <a:prstDash val="solid"/>
-                      <a:round/>
-                      <a:headEnd type="none" w="med" len="med"/>
-                      <a:tailEnd type="none" w="med" len="med"/>
                     </a:lnT>
                     <a:lnB w="12700" cap="flat" cmpd="sng" algn="ctr">
                       <a:solidFill>
-                        <a:srgbClr val="000000">
-                          <a:alpha val="100000"/>
-                        </a:srgbClr>
+                        <a:srgbClr val="000000"/>
                       </a:solidFill>
                       <a:prstDash val="solid"/>
                       <a:round/>
@@ -5431,7 +5428,7 @@
                         <a:buNone/>
                       </a:pPr>
                       <a:r>
-                        <a:rPr sz="1800" b="0" kern="1200">
+                        <a:rPr sz="1800" b="0" kern="1200" dirty="0" err="1">
                           <a:solidFill>
                             <a:schemeClr val="tx1"/>
                           </a:solidFill>
@@ -5440,7 +5437,7 @@
                         </a:rPr>
                         <a:t>토벌</a:t>
                       </a:r>
-                      <a:endParaRPr lang="ko-KR" altLang="en-US" sz="1800" b="0" kern="1200">
+                      <a:endParaRPr lang="ko-KR" altLang="en-US" sz="1800" b="0" kern="1200" dirty="0">
                         <a:solidFill>
                           <a:schemeClr val="tx1"/>
                         </a:solidFill>
@@ -5535,6 +5532,15 @@
                   <a:tcPr anchor="ctr">
                     <a:lnL w="12700" cap="flat" cmpd="sng" algn="ctr">
                       <a:solidFill>
+                        <a:srgbClr val="000000"/>
+                      </a:solidFill>
+                      <a:prstDash val="solid"/>
+                      <a:round/>
+                      <a:headEnd type="none" w="med" len="med"/>
+                      <a:tailEnd type="none" w="med" len="med"/>
+                    </a:lnL>
+                    <a:lnR w="12700" cap="flat" cmpd="sng" algn="ctr">
+                      <a:solidFill>
                         <a:srgbClr val="000000">
                           <a:alpha val="100000"/>
                         </a:srgbClr>
@@ -5543,23 +5549,10 @@
                       <a:round/>
                       <a:headEnd type="none" w="med" len="med"/>
                       <a:tailEnd type="none" w="med" len="med"/>
-                    </a:lnL>
-                    <a:lnR w="12700" cap="flat" cmpd="sng" algn="ctr">
-                      <a:solidFill>
-                        <a:srgbClr val="000000">
-                          <a:alpha val="100000"/>
-                        </a:srgbClr>
-                      </a:solidFill>
-                      <a:prstDash val="solid"/>
-                      <a:round/>
-                      <a:headEnd type="none" w="med" len="med"/>
-                      <a:tailEnd type="none" w="med" len="med"/>
                     </a:lnR>
                     <a:lnT w="12700" cap="flat" cmpd="sng" algn="ctr">
                       <a:solidFill>
-                        <a:srgbClr val="000000">
-                          <a:alpha val="100000"/>
-                        </a:srgbClr>
+                        <a:srgbClr val="000000"/>
                       </a:solidFill>
                       <a:prstDash val="solid"/>
                       <a:round/>
@@ -5568,9 +5561,7 @@
                     </a:lnT>
                     <a:lnB w="12700" cap="flat" cmpd="sng" algn="ctr">
                       <a:solidFill>
-                        <a:srgbClr val="000000">
-                          <a:alpha val="100000"/>
-                        </a:srgbClr>
+                        <a:srgbClr val="000000"/>
                       </a:solidFill>
                       <a:prstDash val="solid"/>
                       <a:round/>
@@ -5611,7 +5602,7 @@
                         <a:buNone/>
                       </a:pPr>
                       <a:r>
-                        <a:rPr sz="1800" b="0" kern="1200">
+                        <a:rPr sz="1800" b="0" kern="1200" dirty="0" err="1">
                           <a:solidFill>
                             <a:schemeClr val="tx1"/>
                           </a:solidFill>
@@ -5620,7 +5611,7 @@
                         </a:rPr>
                         <a:t>수집</a:t>
                       </a:r>
-                      <a:endParaRPr lang="ko-KR" altLang="en-US" sz="1800" b="0" kern="1200">
+                      <a:endParaRPr lang="ko-KR" altLang="en-US" sz="1800" b="0" kern="1200" dirty="0">
                         <a:solidFill>
                           <a:schemeClr val="tx1"/>
                         </a:solidFill>
@@ -5715,6 +5706,15 @@
                   <a:tcPr anchor="ctr">
                     <a:lnL w="12700" cap="flat" cmpd="sng" algn="ctr">
                       <a:solidFill>
+                        <a:srgbClr val="000000"/>
+                      </a:solidFill>
+                      <a:prstDash val="solid"/>
+                      <a:round/>
+                      <a:headEnd type="none" w="med" len="med"/>
+                      <a:tailEnd type="none" w="med" len="med"/>
+                    </a:lnL>
+                    <a:lnR w="12700" cap="flat" cmpd="sng" algn="ctr">
+                      <a:solidFill>
                         <a:srgbClr val="000000">
                           <a:alpha val="100000"/>
                         </a:srgbClr>
@@ -5723,23 +5723,10 @@
                       <a:round/>
                       <a:headEnd type="none" w="med" len="med"/>
                       <a:tailEnd type="none" w="med" len="med"/>
-                    </a:lnL>
-                    <a:lnR w="12700" cap="flat" cmpd="sng" algn="ctr">
-                      <a:solidFill>
-                        <a:srgbClr val="000000">
-                          <a:alpha val="100000"/>
-                        </a:srgbClr>
-                      </a:solidFill>
-                      <a:prstDash val="solid"/>
-                      <a:round/>
-                      <a:headEnd type="none" w="med" len="med"/>
-                      <a:tailEnd type="none" w="med" len="med"/>
                     </a:lnR>
                     <a:lnT w="12700" cap="flat" cmpd="sng" algn="ctr">
                       <a:solidFill>
-                        <a:srgbClr val="000000">
-                          <a:alpha val="100000"/>
-                        </a:srgbClr>
+                        <a:srgbClr val="000000"/>
                       </a:solidFill>
                       <a:prstDash val="solid"/>
                       <a:round/>
@@ -5748,9 +5735,7 @@
                     </a:lnT>
                     <a:lnB w="12700" cap="flat" cmpd="sng" algn="ctr">
                       <a:solidFill>
-                        <a:srgbClr val="000000">
-                          <a:alpha val="100000"/>
-                        </a:srgbClr>
+                        <a:srgbClr val="000000"/>
                       </a:solidFill>
                       <a:prstDash val="solid"/>
                       <a:round/>
@@ -5791,7 +5776,7 @@
                         <a:buNone/>
                       </a:pPr>
                       <a:r>
-                        <a:rPr sz="1800" b="0" kern="1200">
+                        <a:rPr sz="1800" b="0" kern="1200" dirty="0" err="1">
                           <a:solidFill>
                             <a:schemeClr val="tx1"/>
                           </a:solidFill>
@@ -5800,7 +5785,7 @@
                         </a:rPr>
                         <a:t>탐사</a:t>
                       </a:r>
-                      <a:endParaRPr lang="ko-KR" altLang="en-US" sz="1800" b="0" kern="1200">
+                      <a:endParaRPr lang="ko-KR" altLang="en-US" sz="1800" b="0" kern="1200" dirty="0">
                         <a:solidFill>
                           <a:schemeClr val="tx1"/>
                         </a:solidFill>
@@ -5915,6 +5900,15 @@
                   <a:tcPr anchor="ctr">
                     <a:lnL w="12700" cap="flat" cmpd="sng" algn="ctr">
                       <a:solidFill>
+                        <a:srgbClr val="000000"/>
+                      </a:solidFill>
+                      <a:prstDash val="solid"/>
+                      <a:round/>
+                      <a:headEnd type="none" w="med" len="med"/>
+                      <a:tailEnd type="none" w="med" len="med"/>
+                    </a:lnL>
+                    <a:lnR w="12700" cap="flat" cmpd="sng" algn="ctr">
+                      <a:solidFill>
                         <a:srgbClr val="000000">
                           <a:alpha val="100000"/>
                         </a:srgbClr>
@@ -5923,23 +5917,10 @@
                       <a:round/>
                       <a:headEnd type="none" w="med" len="med"/>
                       <a:tailEnd type="none" w="med" len="med"/>
-                    </a:lnL>
-                    <a:lnR w="12700" cap="flat" cmpd="sng" algn="ctr">
-                      <a:solidFill>
-                        <a:srgbClr val="000000">
-                          <a:alpha val="100000"/>
-                        </a:srgbClr>
-                      </a:solidFill>
-                      <a:prstDash val="solid"/>
-                      <a:round/>
-                      <a:headEnd type="none" w="med" len="med"/>
-                      <a:tailEnd type="none" w="med" len="med"/>
                     </a:lnR>
                     <a:lnT w="12700" cap="flat" cmpd="sng" algn="ctr">
                       <a:solidFill>
-                        <a:srgbClr val="000000">
-                          <a:alpha val="100000"/>
-                        </a:srgbClr>
+                        <a:srgbClr val="000000"/>
                       </a:solidFill>
                       <a:prstDash val="solid"/>
                       <a:round/>
@@ -5948,9 +5929,7 @@
                     </a:lnT>
                     <a:lnB w="12700" cap="flat" cmpd="sng" algn="ctr">
                       <a:solidFill>
-                        <a:srgbClr val="000000">
-                          <a:alpha val="100000"/>
-                        </a:srgbClr>
+                        <a:srgbClr val="000000"/>
                       </a:solidFill>
                       <a:prstDash val="solid"/>
                       <a:round/>
@@ -5991,7 +5970,7 @@
                         <a:buNone/>
                       </a:pPr>
                       <a:r>
-                        <a:rPr sz="1800" b="0" kern="1200">
+                        <a:rPr sz="1800" b="0" kern="1200" dirty="0" err="1">
                           <a:solidFill>
                             <a:schemeClr val="tx1"/>
                           </a:solidFill>
@@ -6000,7 +5979,7 @@
                         </a:rPr>
                         <a:t>호위</a:t>
                       </a:r>
-                      <a:endParaRPr lang="ko-KR" altLang="en-US" sz="1800" b="0" kern="1200">
+                      <a:endParaRPr lang="ko-KR" altLang="en-US" sz="1800" b="0" kern="1200" dirty="0">
                         <a:solidFill>
                           <a:schemeClr val="tx1"/>
                         </a:solidFill>
@@ -6135,6 +6114,15 @@
                   <a:tcPr anchor="ctr">
                     <a:lnL w="12700" cap="flat" cmpd="sng" algn="ctr">
                       <a:solidFill>
+                        <a:srgbClr val="000000"/>
+                      </a:solidFill>
+                      <a:prstDash val="solid"/>
+                      <a:round/>
+                      <a:headEnd type="none" w="med" len="med"/>
+                      <a:tailEnd type="none" w="med" len="med"/>
+                    </a:lnL>
+                    <a:lnR w="12700" cap="flat" cmpd="sng" algn="ctr">
+                      <a:solidFill>
                         <a:srgbClr val="000000">
                           <a:alpha val="100000"/>
                         </a:srgbClr>
@@ -6143,23 +6131,10 @@
                       <a:round/>
                       <a:headEnd type="none" w="med" len="med"/>
                       <a:tailEnd type="none" w="med" len="med"/>
-                    </a:lnL>
-                    <a:lnR w="12700" cap="flat" cmpd="sng" algn="ctr">
-                      <a:solidFill>
-                        <a:srgbClr val="000000">
-                          <a:alpha val="100000"/>
-                        </a:srgbClr>
-                      </a:solidFill>
-                      <a:prstDash val="solid"/>
-                      <a:round/>
-                      <a:headEnd type="none" w="med" len="med"/>
-                      <a:tailEnd type="none" w="med" len="med"/>
                     </a:lnR>
                     <a:lnT w="12700" cap="flat" cmpd="sng" algn="ctr">
                       <a:solidFill>
-                        <a:srgbClr val="000000">
-                          <a:alpha val="100000"/>
-                        </a:srgbClr>
+                        <a:srgbClr val="000000"/>
                       </a:solidFill>
                       <a:prstDash val="solid"/>
                       <a:round/>
@@ -6168,9 +6143,7 @@
                     </a:lnT>
                     <a:lnB w="12700" cap="flat" cmpd="sng" algn="ctr">
                       <a:solidFill>
-                        <a:srgbClr val="000000">
-                          <a:alpha val="100000"/>
-                        </a:srgbClr>
+                        <a:srgbClr val="000000"/>
                       </a:solidFill>
                       <a:prstDash val="solid"/>
                       <a:round/>
@@ -6211,7 +6184,7 @@
                         <a:buNone/>
                       </a:pPr>
                       <a:r>
-                        <a:rPr sz="1800" b="0" kern="1200">
+                        <a:rPr sz="1800" b="0" kern="1200" dirty="0" err="1">
                           <a:solidFill>
                             <a:schemeClr val="tx1"/>
                           </a:solidFill>
@@ -6220,7 +6193,7 @@
                         </a:rPr>
                         <a:t>배달</a:t>
                       </a:r>
-                      <a:endParaRPr lang="ko-KR" altLang="en-US" sz="1800" b="0" kern="1200">
+                      <a:endParaRPr lang="ko-KR" altLang="en-US" sz="1800" b="0" kern="1200" dirty="0">
                         <a:solidFill>
                           <a:schemeClr val="tx1"/>
                         </a:solidFill>
@@ -6335,6 +6308,15 @@
                   <a:tcPr anchor="ctr">
                     <a:lnL w="12700" cap="flat" cmpd="sng" algn="ctr">
                       <a:solidFill>
+                        <a:srgbClr val="000000"/>
+                      </a:solidFill>
+                      <a:prstDash val="solid"/>
+                      <a:round/>
+                      <a:headEnd type="none" w="med" len="med"/>
+                      <a:tailEnd type="none" w="med" len="med"/>
+                    </a:lnL>
+                    <a:lnR w="12700" cap="flat" cmpd="sng" algn="ctr">
+                      <a:solidFill>
                         <a:srgbClr val="000000">
                           <a:alpha val="100000"/>
                         </a:srgbClr>
@@ -6343,23 +6325,10 @@
                       <a:round/>
                       <a:headEnd type="none" w="med" len="med"/>
                       <a:tailEnd type="none" w="med" len="med"/>
-                    </a:lnL>
-                    <a:lnR w="12700" cap="flat" cmpd="sng" algn="ctr">
-                      <a:solidFill>
-                        <a:srgbClr val="000000">
-                          <a:alpha val="100000"/>
-                        </a:srgbClr>
-                      </a:solidFill>
-                      <a:prstDash val="solid"/>
-                      <a:round/>
-                      <a:headEnd type="none" w="med" len="med"/>
-                      <a:tailEnd type="none" w="med" len="med"/>
                     </a:lnR>
                     <a:lnT w="12700" cap="flat" cmpd="sng" algn="ctr">
                       <a:solidFill>
-                        <a:srgbClr val="000000">
-                          <a:alpha val="100000"/>
-                        </a:srgbClr>
+                        <a:srgbClr val="000000"/>
                       </a:solidFill>
                       <a:prstDash val="solid"/>
                       <a:round/>
@@ -6368,9 +6337,7 @@
                     </a:lnT>
                     <a:lnB w="12700" cap="flat" cmpd="sng" algn="ctr">
                       <a:solidFill>
-                        <a:srgbClr val="000000">
-                          <a:alpha val="100000"/>
-                        </a:srgbClr>
+                        <a:srgbClr val="000000"/>
                       </a:solidFill>
                       <a:prstDash val="solid"/>
                       <a:round/>
@@ -6411,7 +6378,7 @@
                         <a:buNone/>
                       </a:pPr>
                       <a:r>
-                        <a:rPr sz="1800" b="0" kern="1200">
+                        <a:rPr sz="1800" b="0" kern="1200" dirty="0" err="1">
                           <a:solidFill>
                             <a:schemeClr val="tx1"/>
                           </a:solidFill>
@@ -6420,7 +6387,7 @@
                         </a:rPr>
                         <a:t>대화</a:t>
                       </a:r>
-                      <a:endParaRPr lang="ko-KR" altLang="en-US" sz="1800" b="0" kern="1200">
+                      <a:endParaRPr lang="ko-KR" altLang="en-US" sz="1800" b="0" kern="1200" dirty="0">
                         <a:solidFill>
                           <a:schemeClr val="tx1"/>
                         </a:solidFill>
@@ -6535,6 +6502,15 @@
                   <a:tcPr anchor="ctr">
                     <a:lnL w="12700" cap="flat" cmpd="sng" algn="ctr">
                       <a:solidFill>
+                        <a:srgbClr val="000000"/>
+                      </a:solidFill>
+                      <a:prstDash val="solid"/>
+                      <a:round/>
+                      <a:headEnd type="none" w="med" len="med"/>
+                      <a:tailEnd type="none" w="med" len="med"/>
+                    </a:lnL>
+                    <a:lnR w="12700" cap="flat" cmpd="sng" algn="ctr">
+                      <a:solidFill>
                         <a:srgbClr val="000000">
                           <a:alpha val="100000"/>
                         </a:srgbClr>
@@ -6543,23 +6519,10 @@
                       <a:round/>
                       <a:headEnd type="none" w="med" len="med"/>
                       <a:tailEnd type="none" w="med" len="med"/>
-                    </a:lnL>
-                    <a:lnR w="12700" cap="flat" cmpd="sng" algn="ctr">
-                      <a:solidFill>
-                        <a:srgbClr val="000000">
-                          <a:alpha val="100000"/>
-                        </a:srgbClr>
-                      </a:solidFill>
-                      <a:prstDash val="solid"/>
-                      <a:round/>
-                      <a:headEnd type="none" w="med" len="med"/>
-                      <a:tailEnd type="none" w="med" len="med"/>
                     </a:lnR>
                     <a:lnT w="12700" cap="flat" cmpd="sng" algn="ctr">
                       <a:solidFill>
-                        <a:srgbClr val="000000">
-                          <a:alpha val="100000"/>
-                        </a:srgbClr>
+                        <a:srgbClr val="000000"/>
                       </a:solidFill>
                       <a:prstDash val="solid"/>
                       <a:round/>
@@ -6568,9 +6531,7 @@
                     </a:lnT>
                     <a:lnB w="12700" cap="flat" cmpd="sng" algn="ctr">
                       <a:solidFill>
-                        <a:srgbClr val="000000">
-                          <a:alpha val="100000"/>
-                        </a:srgbClr>
+                        <a:srgbClr val="000000"/>
                       </a:solidFill>
                       <a:prstDash val="solid"/>
                       <a:round/>
@@ -6775,6 +6736,15 @@
                   <a:tcPr anchor="ctr">
                     <a:lnL w="12700" cap="flat" cmpd="sng" algn="ctr">
                       <a:solidFill>
+                        <a:srgbClr val="000000"/>
+                      </a:solidFill>
+                      <a:prstDash val="solid"/>
+                      <a:round/>
+                      <a:headEnd type="none" w="med" len="med"/>
+                      <a:tailEnd type="none" w="med" len="med"/>
+                    </a:lnL>
+                    <a:lnR w="12700" cap="flat" cmpd="sng" algn="ctr">
+                      <a:solidFill>
                         <a:srgbClr val="000000">
                           <a:alpha val="100000"/>
                         </a:srgbClr>
@@ -6783,23 +6753,10 @@
                       <a:round/>
                       <a:headEnd type="none" w="med" len="med"/>
                       <a:tailEnd type="none" w="med" len="med"/>
-                    </a:lnL>
-                    <a:lnR w="12700" cap="flat" cmpd="sng" algn="ctr">
-                      <a:solidFill>
-                        <a:srgbClr val="000000">
-                          <a:alpha val="100000"/>
-                        </a:srgbClr>
-                      </a:solidFill>
-                      <a:prstDash val="solid"/>
-                      <a:round/>
-                      <a:headEnd type="none" w="med" len="med"/>
-                      <a:tailEnd type="none" w="med" len="med"/>
                     </a:lnR>
                     <a:lnT w="12700" cap="flat" cmpd="sng" algn="ctr">
                       <a:solidFill>
-                        <a:srgbClr val="000000">
-                          <a:alpha val="100000"/>
-                        </a:srgbClr>
+                        <a:srgbClr val="000000"/>
                       </a:solidFill>
                       <a:prstDash val="solid"/>
                       <a:round/>
@@ -7313,12 +7270,1058 @@
           </a:p>
         </p:txBody>
       </p:sp>
+      <p:grpSp>
+        <p:nvGrpSpPr>
+          <p:cNvPr id="20" name="그룹 19">
+            <a:extLst>
+              <a:ext uri="{FF2B5EF4-FFF2-40B4-BE49-F238E27FC236}">
+                <a16:creationId xmlns:a16="http://schemas.microsoft.com/office/drawing/2014/main" id="{C4A9E251-576D-F0C3-C7DF-A421E50ED6B7}"/>
+              </a:ext>
+            </a:extLst>
+          </p:cNvPr>
+          <p:cNvGrpSpPr/>
+          <p:nvPr/>
+        </p:nvGrpSpPr>
+        <p:grpSpPr>
+          <a:xfrm>
+            <a:off x="1414463" y="1158875"/>
+            <a:ext cx="2160001" cy="1997285"/>
+            <a:chOff x="1579005" y="1958057"/>
+            <a:chExt cx="2160001" cy="1997285"/>
+          </a:xfrm>
+        </p:grpSpPr>
+        <p:sp>
+          <p:nvSpPr>
+            <p:cNvPr id="4" name="사각형: 둥근 대각선 방향 모서리 3">
+              <a:extLst>
+                <a:ext uri="{FF2B5EF4-FFF2-40B4-BE49-F238E27FC236}">
+                  <a16:creationId xmlns:a16="http://schemas.microsoft.com/office/drawing/2014/main" id="{4271BBA1-B37D-B3DE-CAD8-A2166341C440}"/>
+                </a:ext>
+              </a:extLst>
+            </p:cNvPr>
+            <p:cNvSpPr/>
+            <p:nvPr/>
+          </p:nvSpPr>
+          <p:spPr>
+            <a:xfrm>
+              <a:off x="1579006" y="1958057"/>
+              <a:ext cx="2160000" cy="900000"/>
+            </a:xfrm>
+            <a:prstGeom prst="round2DiagRect">
+              <a:avLst>
+                <a:gd name="adj1" fmla="val 0"/>
+                <a:gd name="adj2" fmla="val 50000"/>
+              </a:avLst>
+            </a:prstGeom>
+            <a:solidFill>
+              <a:schemeClr val="bg1">
+                <a:lumMod val="95000"/>
+              </a:schemeClr>
+            </a:solidFill>
+            <a:ln>
+              <a:noFill/>
+            </a:ln>
+          </p:spPr>
+          <p:style>
+            <a:lnRef idx="2">
+              <a:schemeClr val="accent1">
+                <a:shade val="15000"/>
+              </a:schemeClr>
+            </a:lnRef>
+            <a:fillRef idx="1">
+              <a:schemeClr val="accent1"/>
+            </a:fillRef>
+            <a:effectRef idx="0">
+              <a:schemeClr val="accent1"/>
+            </a:effectRef>
+            <a:fontRef idx="minor">
+              <a:schemeClr val="lt1"/>
+            </a:fontRef>
+          </p:style>
+          <p:txBody>
+            <a:bodyPr rtlCol="0" anchor="ctr"/>
+            <a:lstStyle/>
+            <a:p>
+              <a:pPr algn="ctr"/>
+              <a:r>
+                <a:rPr lang="ko-KR" altLang="en-US" dirty="0">
+                  <a:solidFill>
+                    <a:schemeClr val="tx1"/>
+                  </a:solidFill>
+                </a:rPr>
+                <a:t>발생</a:t>
+              </a:r>
+            </a:p>
+          </p:txBody>
+        </p:sp>
+        <p:sp>
+          <p:nvSpPr>
+            <p:cNvPr id="19" name="직사각형 18">
+              <a:extLst>
+                <a:ext uri="{FF2B5EF4-FFF2-40B4-BE49-F238E27FC236}">
+                  <a16:creationId xmlns:a16="http://schemas.microsoft.com/office/drawing/2014/main" id="{622BE230-5135-3BA5-84C7-4335187C0221}"/>
+                </a:ext>
+              </a:extLst>
+            </p:cNvPr>
+            <p:cNvSpPr/>
+            <p:nvPr/>
+          </p:nvSpPr>
+          <p:spPr>
+            <a:xfrm>
+              <a:off x="1579005" y="2862502"/>
+              <a:ext cx="2160000" cy="1092840"/>
+            </a:xfrm>
+            <a:prstGeom prst="rect">
+              <a:avLst/>
+            </a:prstGeom>
+            <a:noFill/>
+            <a:ln>
+              <a:noFill/>
+            </a:ln>
+          </p:spPr>
+          <p:style>
+            <a:lnRef idx="2">
+              <a:schemeClr val="accent1">
+                <a:shade val="15000"/>
+              </a:schemeClr>
+            </a:lnRef>
+            <a:fillRef idx="1">
+              <a:schemeClr val="accent1"/>
+            </a:fillRef>
+            <a:effectRef idx="0">
+              <a:schemeClr val="accent1"/>
+            </a:effectRef>
+            <a:fontRef idx="minor">
+              <a:schemeClr val="lt1"/>
+            </a:fontRef>
+          </p:style>
+          <p:txBody>
+            <a:bodyPr rtlCol="0" anchor="t"/>
+            <a:lstStyle/>
+            <a:p>
+              <a:pPr latinLnBrk="1"/>
+              <a:r>
+                <a:rPr lang="ko-KR" altLang="en-US" b="0" dirty="0">
+                  <a:solidFill>
+                    <a:schemeClr val="tx1"/>
+                  </a:solidFill>
+                </a:rPr>
+                <a:t>발생 조건 달성 시</a:t>
+              </a:r>
+              <a:endParaRPr lang="en-US" altLang="ko-KR" b="0" dirty="0">
+                <a:solidFill>
+                  <a:schemeClr val="tx1"/>
+                </a:solidFill>
+              </a:endParaRPr>
+            </a:p>
+            <a:p>
+              <a:pPr latinLnBrk="1"/>
+              <a:r>
+                <a:rPr lang="ko-KR" altLang="en-US" b="0" dirty="0">
+                  <a:solidFill>
+                    <a:schemeClr val="tx1"/>
+                  </a:solidFill>
+                </a:rPr>
+                <a:t>퀘스트 발생</a:t>
+              </a:r>
+            </a:p>
+          </p:txBody>
+        </p:sp>
+      </p:grpSp>
+      <p:grpSp>
+        <p:nvGrpSpPr>
+          <p:cNvPr id="33" name="그룹 32">
+            <a:extLst>
+              <a:ext uri="{FF2B5EF4-FFF2-40B4-BE49-F238E27FC236}">
+                <a16:creationId xmlns:a16="http://schemas.microsoft.com/office/drawing/2014/main" id="{DB4322E5-5BBC-3C0D-1887-B5828F3AF794}"/>
+              </a:ext>
+            </a:extLst>
+          </p:cNvPr>
+          <p:cNvGrpSpPr/>
+          <p:nvPr/>
+        </p:nvGrpSpPr>
+        <p:grpSpPr>
+          <a:xfrm>
+            <a:off x="5015997" y="1158875"/>
+            <a:ext cx="2160001" cy="1997285"/>
+            <a:chOff x="1579005" y="1958057"/>
+            <a:chExt cx="2160001" cy="1997285"/>
+          </a:xfrm>
+        </p:grpSpPr>
+        <p:sp>
+          <p:nvSpPr>
+            <p:cNvPr id="34" name="사각형: 둥근 대각선 방향 모서리 33">
+              <a:extLst>
+                <a:ext uri="{FF2B5EF4-FFF2-40B4-BE49-F238E27FC236}">
+                  <a16:creationId xmlns:a16="http://schemas.microsoft.com/office/drawing/2014/main" id="{ECAE434A-9BF7-2A68-C8C3-4FEFDDFE859B}"/>
+                </a:ext>
+              </a:extLst>
+            </p:cNvPr>
+            <p:cNvSpPr/>
+            <p:nvPr/>
+          </p:nvSpPr>
+          <p:spPr>
+            <a:xfrm>
+              <a:off x="1579006" y="1958057"/>
+              <a:ext cx="2160000" cy="900000"/>
+            </a:xfrm>
+            <a:prstGeom prst="round2DiagRect">
+              <a:avLst>
+                <a:gd name="adj1" fmla="val 0"/>
+                <a:gd name="adj2" fmla="val 50000"/>
+              </a:avLst>
+            </a:prstGeom>
+            <a:solidFill>
+              <a:schemeClr val="bg1">
+                <a:lumMod val="95000"/>
+              </a:schemeClr>
+            </a:solidFill>
+            <a:ln>
+              <a:noFill/>
+            </a:ln>
+          </p:spPr>
+          <p:style>
+            <a:lnRef idx="2">
+              <a:schemeClr val="accent1">
+                <a:shade val="15000"/>
+              </a:schemeClr>
+            </a:lnRef>
+            <a:fillRef idx="1">
+              <a:schemeClr val="accent1"/>
+            </a:fillRef>
+            <a:effectRef idx="0">
+              <a:schemeClr val="accent1"/>
+            </a:effectRef>
+            <a:fontRef idx="minor">
+              <a:schemeClr val="lt1"/>
+            </a:fontRef>
+          </p:style>
+          <p:txBody>
+            <a:bodyPr rtlCol="0" anchor="ctr"/>
+            <a:lstStyle/>
+            <a:p>
+              <a:pPr algn="ctr"/>
+              <a:r>
+                <a:rPr lang="ko-KR" altLang="en-US" dirty="0">
+                  <a:solidFill>
+                    <a:schemeClr val="tx1"/>
+                  </a:solidFill>
+                </a:rPr>
+                <a:t>알림</a:t>
+              </a:r>
+            </a:p>
+          </p:txBody>
+        </p:sp>
+        <p:sp>
+          <p:nvSpPr>
+            <p:cNvPr id="35" name="직사각형 34">
+              <a:extLst>
+                <a:ext uri="{FF2B5EF4-FFF2-40B4-BE49-F238E27FC236}">
+                  <a16:creationId xmlns:a16="http://schemas.microsoft.com/office/drawing/2014/main" id="{F8CBCE67-A4F5-6136-901C-688036B1C7B6}"/>
+                </a:ext>
+              </a:extLst>
+            </p:cNvPr>
+            <p:cNvSpPr/>
+            <p:nvPr/>
+          </p:nvSpPr>
+          <p:spPr>
+            <a:xfrm>
+              <a:off x="1579005" y="2862502"/>
+              <a:ext cx="2160000" cy="1092840"/>
+            </a:xfrm>
+            <a:prstGeom prst="rect">
+              <a:avLst/>
+            </a:prstGeom>
+            <a:noFill/>
+            <a:ln>
+              <a:noFill/>
+            </a:ln>
+          </p:spPr>
+          <p:style>
+            <a:lnRef idx="2">
+              <a:schemeClr val="accent1">
+                <a:shade val="15000"/>
+              </a:schemeClr>
+            </a:lnRef>
+            <a:fillRef idx="1">
+              <a:schemeClr val="accent1"/>
+            </a:fillRef>
+            <a:effectRef idx="0">
+              <a:schemeClr val="accent1"/>
+            </a:effectRef>
+            <a:fontRef idx="minor">
+              <a:schemeClr val="lt1"/>
+            </a:fontRef>
+          </p:style>
+          <p:txBody>
+            <a:bodyPr rtlCol="0" anchor="t"/>
+            <a:lstStyle/>
+            <a:p>
+              <a:pPr latinLnBrk="1"/>
+              <a:r>
+                <a:rPr lang="ko-KR" altLang="en-US" b="0" dirty="0">
+                  <a:solidFill>
+                    <a:schemeClr val="tx1"/>
+                  </a:solidFill>
+                </a:rPr>
+                <a:t>퀘스트 수락 가능 </a:t>
+              </a:r>
+              <a:endParaRPr lang="en-US" altLang="ko-KR" b="0" dirty="0">
+                <a:solidFill>
+                  <a:schemeClr val="tx1"/>
+                </a:solidFill>
+              </a:endParaRPr>
+            </a:p>
+            <a:p>
+              <a:pPr latinLnBrk="1"/>
+              <a:r>
+                <a:rPr lang="en-US" altLang="ko-KR" b="0" dirty="0">
+                  <a:solidFill>
+                    <a:schemeClr val="tx1"/>
+                  </a:solidFill>
+                </a:rPr>
+                <a:t>NPC, </a:t>
+              </a:r>
+              <a:r>
+                <a:rPr lang="ko-KR" altLang="en-US" b="0" dirty="0">
+                  <a:solidFill>
+                    <a:schemeClr val="tx1"/>
+                  </a:solidFill>
+                </a:rPr>
+                <a:t>오브젝트에 </a:t>
+              </a:r>
+              <a:endParaRPr lang="en-US" altLang="ko-KR" b="0" dirty="0">
+                <a:solidFill>
+                  <a:schemeClr val="tx1"/>
+                </a:solidFill>
+              </a:endParaRPr>
+            </a:p>
+            <a:p>
+              <a:pPr latinLnBrk="1"/>
+              <a:r>
+                <a:rPr lang="ko-KR" altLang="en-US" b="0" dirty="0">
+                  <a:solidFill>
+                    <a:schemeClr val="tx1"/>
+                  </a:solidFill>
+                </a:rPr>
+                <a:t>팝업 표시</a:t>
+              </a:r>
+            </a:p>
+          </p:txBody>
+        </p:sp>
+      </p:grpSp>
+      <p:sp>
+        <p:nvSpPr>
+          <p:cNvPr id="46" name="순서도: 병합 45">
+            <a:extLst>
+              <a:ext uri="{FF2B5EF4-FFF2-40B4-BE49-F238E27FC236}">
+                <a16:creationId xmlns:a16="http://schemas.microsoft.com/office/drawing/2014/main" id="{F4FAB9C4-B388-2608-CEEF-6707A42BA8A6}"/>
+              </a:ext>
+            </a:extLst>
+          </p:cNvPr>
+          <p:cNvSpPr/>
+          <p:nvPr/>
+        </p:nvSpPr>
+        <p:spPr>
+          <a:xfrm rot="16200000">
+            <a:off x="3949727" y="1266364"/>
+            <a:ext cx="687753" cy="685021"/>
+          </a:xfrm>
+          <a:prstGeom prst="flowChartMerge">
+            <a:avLst/>
+          </a:prstGeom>
+          <a:solidFill>
+            <a:schemeClr val="bg1">
+              <a:lumMod val="65000"/>
+            </a:schemeClr>
+          </a:solidFill>
+          <a:ln>
+            <a:noFill/>
+          </a:ln>
+        </p:spPr>
+        <p:style>
+          <a:lnRef idx="2">
+            <a:schemeClr val="accent1">
+              <a:shade val="15000"/>
+            </a:schemeClr>
+          </a:lnRef>
+          <a:fillRef idx="1">
+            <a:schemeClr val="accent1"/>
+          </a:fillRef>
+          <a:effectRef idx="0">
+            <a:schemeClr val="accent1"/>
+          </a:effectRef>
+          <a:fontRef idx="minor">
+            <a:schemeClr val="lt1"/>
+          </a:fontRef>
+        </p:style>
+        <p:txBody>
+          <a:bodyPr rtlCol="0" anchor="ctr"/>
+          <a:lstStyle/>
+          <a:p>
+            <a:pPr algn="ctr"/>
+            <a:endParaRPr lang="ko-KR" altLang="en-US" dirty="0"/>
+          </a:p>
+        </p:txBody>
+      </p:sp>
+      <p:grpSp>
+        <p:nvGrpSpPr>
+          <p:cNvPr id="37" name="그룹 36">
+            <a:extLst>
+              <a:ext uri="{FF2B5EF4-FFF2-40B4-BE49-F238E27FC236}">
+                <a16:creationId xmlns:a16="http://schemas.microsoft.com/office/drawing/2014/main" id="{69A602CF-4949-E0C5-3671-4D5736C52E04}"/>
+              </a:ext>
+            </a:extLst>
+          </p:cNvPr>
+          <p:cNvGrpSpPr/>
+          <p:nvPr/>
+        </p:nvGrpSpPr>
+        <p:grpSpPr>
+          <a:xfrm>
+            <a:off x="8619985" y="1158875"/>
+            <a:ext cx="2160001" cy="1997285"/>
+            <a:chOff x="1579005" y="1958057"/>
+            <a:chExt cx="2160001" cy="1997285"/>
+          </a:xfrm>
+        </p:grpSpPr>
+        <p:sp>
+          <p:nvSpPr>
+            <p:cNvPr id="38" name="사각형: 둥근 대각선 방향 모서리 37">
+              <a:extLst>
+                <a:ext uri="{FF2B5EF4-FFF2-40B4-BE49-F238E27FC236}">
+                  <a16:creationId xmlns:a16="http://schemas.microsoft.com/office/drawing/2014/main" id="{23A11173-5A1E-8D43-C45F-D0C0490F7A15}"/>
+                </a:ext>
+              </a:extLst>
+            </p:cNvPr>
+            <p:cNvSpPr/>
+            <p:nvPr/>
+          </p:nvSpPr>
+          <p:spPr>
+            <a:xfrm>
+              <a:off x="1579006" y="1958057"/>
+              <a:ext cx="2160000" cy="900000"/>
+            </a:xfrm>
+            <a:prstGeom prst="round2DiagRect">
+              <a:avLst>
+                <a:gd name="adj1" fmla="val 0"/>
+                <a:gd name="adj2" fmla="val 50000"/>
+              </a:avLst>
+            </a:prstGeom>
+            <a:solidFill>
+              <a:schemeClr val="bg1">
+                <a:lumMod val="95000"/>
+              </a:schemeClr>
+            </a:solidFill>
+            <a:ln>
+              <a:noFill/>
+            </a:ln>
+          </p:spPr>
+          <p:style>
+            <a:lnRef idx="2">
+              <a:schemeClr val="accent1">
+                <a:shade val="15000"/>
+              </a:schemeClr>
+            </a:lnRef>
+            <a:fillRef idx="1">
+              <a:schemeClr val="accent1"/>
+            </a:fillRef>
+            <a:effectRef idx="0">
+              <a:schemeClr val="accent1"/>
+            </a:effectRef>
+            <a:fontRef idx="minor">
+              <a:schemeClr val="lt1"/>
+            </a:fontRef>
+          </p:style>
+          <p:txBody>
+            <a:bodyPr rtlCol="0" anchor="ctr"/>
+            <a:lstStyle/>
+            <a:p>
+              <a:pPr algn="ctr"/>
+              <a:r>
+                <a:rPr lang="ko-KR" altLang="en-US" dirty="0">
+                  <a:solidFill>
+                    <a:schemeClr val="tx1"/>
+                  </a:solidFill>
+                </a:rPr>
+                <a:t>수락</a:t>
+              </a:r>
+            </a:p>
+          </p:txBody>
+        </p:sp>
+        <p:sp>
+          <p:nvSpPr>
+            <p:cNvPr id="39" name="직사각형 38">
+              <a:extLst>
+                <a:ext uri="{FF2B5EF4-FFF2-40B4-BE49-F238E27FC236}">
+                  <a16:creationId xmlns:a16="http://schemas.microsoft.com/office/drawing/2014/main" id="{5F8C2606-64E7-5B60-99D9-98455A2F2A6D}"/>
+                </a:ext>
+              </a:extLst>
+            </p:cNvPr>
+            <p:cNvSpPr/>
+            <p:nvPr/>
+          </p:nvSpPr>
+          <p:spPr>
+            <a:xfrm>
+              <a:off x="1579005" y="2862502"/>
+              <a:ext cx="2160000" cy="1092840"/>
+            </a:xfrm>
+            <a:prstGeom prst="rect">
+              <a:avLst/>
+            </a:prstGeom>
+            <a:noFill/>
+            <a:ln>
+              <a:noFill/>
+            </a:ln>
+          </p:spPr>
+          <p:style>
+            <a:lnRef idx="2">
+              <a:schemeClr val="accent1">
+                <a:shade val="15000"/>
+              </a:schemeClr>
+            </a:lnRef>
+            <a:fillRef idx="1">
+              <a:schemeClr val="accent1"/>
+            </a:fillRef>
+            <a:effectRef idx="0">
+              <a:schemeClr val="accent1"/>
+            </a:effectRef>
+            <a:fontRef idx="minor">
+              <a:schemeClr val="lt1"/>
+            </a:fontRef>
+          </p:style>
+          <p:txBody>
+            <a:bodyPr rtlCol="0" anchor="t"/>
+            <a:lstStyle/>
+            <a:p>
+              <a:pPr latinLnBrk="1"/>
+              <a:r>
+                <a:rPr lang="ko-KR" altLang="en-US" b="0" dirty="0">
+                  <a:solidFill>
+                    <a:schemeClr val="tx1"/>
+                  </a:solidFill>
+                </a:rPr>
+                <a:t>상호작용으로 </a:t>
+              </a:r>
+              <a:endParaRPr lang="en-US" altLang="ko-KR" b="0" dirty="0">
+                <a:solidFill>
+                  <a:schemeClr val="tx1"/>
+                </a:solidFill>
+              </a:endParaRPr>
+            </a:p>
+            <a:p>
+              <a:pPr latinLnBrk="1"/>
+              <a:r>
+                <a:rPr lang="ko-KR" altLang="en-US" b="0" dirty="0">
+                  <a:solidFill>
+                    <a:schemeClr val="tx1"/>
+                  </a:solidFill>
+                </a:rPr>
+                <a:t>퀘스트 수락</a:t>
+              </a:r>
+            </a:p>
+          </p:txBody>
+        </p:sp>
+      </p:grpSp>
+      <p:grpSp>
+        <p:nvGrpSpPr>
+          <p:cNvPr id="40" name="그룹 39">
+            <a:extLst>
+              <a:ext uri="{FF2B5EF4-FFF2-40B4-BE49-F238E27FC236}">
+                <a16:creationId xmlns:a16="http://schemas.microsoft.com/office/drawing/2014/main" id="{07265F97-6CBC-0D4D-B389-91AF39799256}"/>
+              </a:ext>
+            </a:extLst>
+          </p:cNvPr>
+          <p:cNvGrpSpPr/>
+          <p:nvPr/>
+        </p:nvGrpSpPr>
+        <p:grpSpPr>
+          <a:xfrm>
+            <a:off x="8619986" y="3701840"/>
+            <a:ext cx="2160001" cy="1997285"/>
+            <a:chOff x="1579005" y="1958057"/>
+            <a:chExt cx="2160001" cy="1997285"/>
+          </a:xfrm>
+        </p:grpSpPr>
+        <p:sp>
+          <p:nvSpPr>
+            <p:cNvPr id="41" name="사각형: 둥근 대각선 방향 모서리 40">
+              <a:extLst>
+                <a:ext uri="{FF2B5EF4-FFF2-40B4-BE49-F238E27FC236}">
+                  <a16:creationId xmlns:a16="http://schemas.microsoft.com/office/drawing/2014/main" id="{048B6BF8-BF2E-7167-5D64-230FB8701460}"/>
+                </a:ext>
+              </a:extLst>
+            </p:cNvPr>
+            <p:cNvSpPr/>
+            <p:nvPr/>
+          </p:nvSpPr>
+          <p:spPr>
+            <a:xfrm>
+              <a:off x="1579006" y="1958057"/>
+              <a:ext cx="2160000" cy="900000"/>
+            </a:xfrm>
+            <a:prstGeom prst="round2DiagRect">
+              <a:avLst>
+                <a:gd name="adj1" fmla="val 0"/>
+                <a:gd name="adj2" fmla="val 50000"/>
+              </a:avLst>
+            </a:prstGeom>
+            <a:solidFill>
+              <a:schemeClr val="bg1">
+                <a:lumMod val="95000"/>
+              </a:schemeClr>
+            </a:solidFill>
+            <a:ln>
+              <a:noFill/>
+            </a:ln>
+          </p:spPr>
+          <p:style>
+            <a:lnRef idx="2">
+              <a:schemeClr val="accent1">
+                <a:shade val="15000"/>
+              </a:schemeClr>
+            </a:lnRef>
+            <a:fillRef idx="1">
+              <a:schemeClr val="accent1"/>
+            </a:fillRef>
+            <a:effectRef idx="0">
+              <a:schemeClr val="accent1"/>
+            </a:effectRef>
+            <a:fontRef idx="minor">
+              <a:schemeClr val="lt1"/>
+            </a:fontRef>
+          </p:style>
+          <p:txBody>
+            <a:bodyPr rtlCol="0" anchor="ctr"/>
+            <a:lstStyle/>
+            <a:p>
+              <a:pPr algn="ctr"/>
+              <a:r>
+                <a:rPr lang="ko-KR" altLang="en-US" dirty="0">
+                  <a:solidFill>
+                    <a:schemeClr val="tx1"/>
+                  </a:solidFill>
+                </a:rPr>
+                <a:t>진행</a:t>
+              </a:r>
+            </a:p>
+          </p:txBody>
+        </p:sp>
+        <p:sp>
+          <p:nvSpPr>
+            <p:cNvPr id="42" name="직사각형 41">
+              <a:extLst>
+                <a:ext uri="{FF2B5EF4-FFF2-40B4-BE49-F238E27FC236}">
+                  <a16:creationId xmlns:a16="http://schemas.microsoft.com/office/drawing/2014/main" id="{9F680755-E25D-0CB0-99A0-0F3D350C61C4}"/>
+                </a:ext>
+              </a:extLst>
+            </p:cNvPr>
+            <p:cNvSpPr/>
+            <p:nvPr/>
+          </p:nvSpPr>
+          <p:spPr>
+            <a:xfrm>
+              <a:off x="1579005" y="2862502"/>
+              <a:ext cx="2160000" cy="1092840"/>
+            </a:xfrm>
+            <a:prstGeom prst="rect">
+              <a:avLst/>
+            </a:prstGeom>
+            <a:noFill/>
+            <a:ln>
+              <a:noFill/>
+            </a:ln>
+          </p:spPr>
+          <p:style>
+            <a:lnRef idx="2">
+              <a:schemeClr val="accent1">
+                <a:shade val="15000"/>
+              </a:schemeClr>
+            </a:lnRef>
+            <a:fillRef idx="1">
+              <a:schemeClr val="accent1"/>
+            </a:fillRef>
+            <a:effectRef idx="0">
+              <a:schemeClr val="accent1"/>
+            </a:effectRef>
+            <a:fontRef idx="minor">
+              <a:schemeClr val="lt1"/>
+            </a:fontRef>
+          </p:style>
+          <p:txBody>
+            <a:bodyPr rtlCol="0" anchor="t"/>
+            <a:lstStyle/>
+            <a:p>
+              <a:pPr latinLnBrk="1"/>
+              <a:r>
+                <a:rPr lang="ko-KR" altLang="en-US" b="0" dirty="0">
+                  <a:solidFill>
+                    <a:schemeClr val="tx1"/>
+                  </a:solidFill>
+                </a:rPr>
+                <a:t>수락한 퀘스트 </a:t>
+              </a:r>
+              <a:endParaRPr lang="en-US" altLang="ko-KR" b="0" dirty="0">
+                <a:solidFill>
+                  <a:schemeClr val="tx1"/>
+                </a:solidFill>
+              </a:endParaRPr>
+            </a:p>
+            <a:p>
+              <a:pPr latinLnBrk="1"/>
+              <a:r>
+                <a:rPr lang="ko-KR" altLang="en-US" b="0" dirty="0">
+                  <a:solidFill>
+                    <a:schemeClr val="tx1"/>
+                  </a:solidFill>
+                </a:rPr>
+                <a:t>진행도 및 퀘스트 </a:t>
+              </a:r>
+              <a:endParaRPr lang="en-US" altLang="ko-KR" b="0" dirty="0">
+                <a:solidFill>
+                  <a:schemeClr val="tx1"/>
+                </a:solidFill>
+              </a:endParaRPr>
+            </a:p>
+            <a:p>
+              <a:pPr latinLnBrk="1"/>
+              <a:r>
+                <a:rPr lang="ko-KR" altLang="en-US" b="0" dirty="0">
+                  <a:solidFill>
+                    <a:schemeClr val="tx1"/>
+                  </a:solidFill>
+                </a:rPr>
+                <a:t>내용 표시</a:t>
+              </a:r>
+            </a:p>
+          </p:txBody>
+        </p:sp>
+      </p:grpSp>
+      <p:grpSp>
+        <p:nvGrpSpPr>
+          <p:cNvPr id="43" name="그룹 42">
+            <a:extLst>
+              <a:ext uri="{FF2B5EF4-FFF2-40B4-BE49-F238E27FC236}">
+                <a16:creationId xmlns:a16="http://schemas.microsoft.com/office/drawing/2014/main" id="{AD4FFB2A-95C1-876F-58B7-37AB8BF63BB0}"/>
+              </a:ext>
+            </a:extLst>
+          </p:cNvPr>
+          <p:cNvGrpSpPr/>
+          <p:nvPr/>
+        </p:nvGrpSpPr>
+        <p:grpSpPr>
+          <a:xfrm>
+            <a:off x="5015999" y="3706286"/>
+            <a:ext cx="2160001" cy="1997285"/>
+            <a:chOff x="1579005" y="1958057"/>
+            <a:chExt cx="2160001" cy="1997285"/>
+          </a:xfrm>
+        </p:grpSpPr>
+        <p:sp>
+          <p:nvSpPr>
+            <p:cNvPr id="44" name="사각형: 둥근 대각선 방향 모서리 43">
+              <a:extLst>
+                <a:ext uri="{FF2B5EF4-FFF2-40B4-BE49-F238E27FC236}">
+                  <a16:creationId xmlns:a16="http://schemas.microsoft.com/office/drawing/2014/main" id="{50DAAF0A-22FB-1CD4-71FC-92453BB8C612}"/>
+                </a:ext>
+              </a:extLst>
+            </p:cNvPr>
+            <p:cNvSpPr/>
+            <p:nvPr/>
+          </p:nvSpPr>
+          <p:spPr>
+            <a:xfrm>
+              <a:off x="1579006" y="1958057"/>
+              <a:ext cx="2160000" cy="900000"/>
+            </a:xfrm>
+            <a:prstGeom prst="round2DiagRect">
+              <a:avLst>
+                <a:gd name="adj1" fmla="val 0"/>
+                <a:gd name="adj2" fmla="val 50000"/>
+              </a:avLst>
+            </a:prstGeom>
+            <a:solidFill>
+              <a:schemeClr val="bg1">
+                <a:lumMod val="95000"/>
+              </a:schemeClr>
+            </a:solidFill>
+            <a:ln>
+              <a:noFill/>
+            </a:ln>
+          </p:spPr>
+          <p:style>
+            <a:lnRef idx="2">
+              <a:schemeClr val="accent1">
+                <a:shade val="15000"/>
+              </a:schemeClr>
+            </a:lnRef>
+            <a:fillRef idx="1">
+              <a:schemeClr val="accent1"/>
+            </a:fillRef>
+            <a:effectRef idx="0">
+              <a:schemeClr val="accent1"/>
+            </a:effectRef>
+            <a:fontRef idx="minor">
+              <a:schemeClr val="lt1"/>
+            </a:fontRef>
+          </p:style>
+          <p:txBody>
+            <a:bodyPr rtlCol="0" anchor="ctr"/>
+            <a:lstStyle/>
+            <a:p>
+              <a:pPr algn="ctr"/>
+              <a:r>
+                <a:rPr lang="ko-KR" altLang="en-US" dirty="0">
+                  <a:solidFill>
+                    <a:schemeClr val="tx1"/>
+                  </a:solidFill>
+                </a:rPr>
+                <a:t>완료</a:t>
+              </a:r>
+            </a:p>
+          </p:txBody>
+        </p:sp>
+        <p:sp>
+          <p:nvSpPr>
+            <p:cNvPr id="45" name="직사각형 44">
+              <a:extLst>
+                <a:ext uri="{FF2B5EF4-FFF2-40B4-BE49-F238E27FC236}">
+                  <a16:creationId xmlns:a16="http://schemas.microsoft.com/office/drawing/2014/main" id="{DA820ADC-C517-625D-22A0-9D6A7E8AE4C2}"/>
+                </a:ext>
+              </a:extLst>
+            </p:cNvPr>
+            <p:cNvSpPr/>
+            <p:nvPr/>
+          </p:nvSpPr>
+          <p:spPr>
+            <a:xfrm>
+              <a:off x="1579005" y="2862502"/>
+              <a:ext cx="2160000" cy="1092840"/>
+            </a:xfrm>
+            <a:prstGeom prst="rect">
+              <a:avLst/>
+            </a:prstGeom>
+            <a:noFill/>
+            <a:ln>
+              <a:noFill/>
+            </a:ln>
+          </p:spPr>
+          <p:style>
+            <a:lnRef idx="2">
+              <a:schemeClr val="accent1">
+                <a:shade val="15000"/>
+              </a:schemeClr>
+            </a:lnRef>
+            <a:fillRef idx="1">
+              <a:schemeClr val="accent1"/>
+            </a:fillRef>
+            <a:effectRef idx="0">
+              <a:schemeClr val="accent1"/>
+            </a:effectRef>
+            <a:fontRef idx="minor">
+              <a:schemeClr val="lt1"/>
+            </a:fontRef>
+          </p:style>
+          <p:txBody>
+            <a:bodyPr rtlCol="0" anchor="t"/>
+            <a:lstStyle/>
+            <a:p>
+              <a:pPr latinLnBrk="1"/>
+              <a:r>
+                <a:rPr lang="ko-KR" altLang="en-US" b="0" dirty="0">
+                  <a:solidFill>
+                    <a:schemeClr val="tx1"/>
+                  </a:solidFill>
+                </a:rPr>
+                <a:t>목표를 달성한 </a:t>
+              </a:r>
+              <a:endParaRPr lang="en-US" altLang="ko-KR" b="0" dirty="0">
+                <a:solidFill>
+                  <a:schemeClr val="tx1"/>
+                </a:solidFill>
+              </a:endParaRPr>
+            </a:p>
+            <a:p>
+              <a:pPr latinLnBrk="1"/>
+              <a:r>
+                <a:rPr lang="ko-KR" altLang="en-US" b="0" dirty="0">
+                  <a:solidFill>
+                    <a:schemeClr val="tx1"/>
+                  </a:solidFill>
+                </a:rPr>
+                <a:t>퀘스트를 완료</a:t>
+              </a:r>
+            </a:p>
+          </p:txBody>
+        </p:sp>
+      </p:grpSp>
+      <p:sp>
+        <p:nvSpPr>
+          <p:cNvPr id="47" name="순서도: 병합 46">
+            <a:extLst>
+              <a:ext uri="{FF2B5EF4-FFF2-40B4-BE49-F238E27FC236}">
+                <a16:creationId xmlns:a16="http://schemas.microsoft.com/office/drawing/2014/main" id="{D8BC0540-428B-3F2A-58C3-4AD93016FB80}"/>
+              </a:ext>
+            </a:extLst>
+          </p:cNvPr>
+          <p:cNvSpPr/>
+          <p:nvPr/>
+        </p:nvSpPr>
+        <p:spPr>
+          <a:xfrm rot="16200000">
+            <a:off x="7554115" y="1266364"/>
+            <a:ext cx="687753" cy="685021"/>
+          </a:xfrm>
+          <a:prstGeom prst="flowChartMerge">
+            <a:avLst/>
+          </a:prstGeom>
+          <a:solidFill>
+            <a:schemeClr val="bg1">
+              <a:lumMod val="65000"/>
+            </a:schemeClr>
+          </a:solidFill>
+          <a:ln>
+            <a:noFill/>
+          </a:ln>
+        </p:spPr>
+        <p:style>
+          <a:lnRef idx="2">
+            <a:schemeClr val="accent1">
+              <a:shade val="15000"/>
+            </a:schemeClr>
+          </a:lnRef>
+          <a:fillRef idx="1">
+            <a:schemeClr val="accent1"/>
+          </a:fillRef>
+          <a:effectRef idx="0">
+            <a:schemeClr val="accent1"/>
+          </a:effectRef>
+          <a:fontRef idx="minor">
+            <a:schemeClr val="lt1"/>
+          </a:fontRef>
+        </p:style>
+        <p:txBody>
+          <a:bodyPr rtlCol="0" anchor="ctr"/>
+          <a:lstStyle/>
+          <a:p>
+            <a:pPr algn="ctr"/>
+            <a:endParaRPr lang="ko-KR" altLang="en-US"/>
+          </a:p>
+        </p:txBody>
+      </p:sp>
+      <p:sp>
+        <p:nvSpPr>
+          <p:cNvPr id="48" name="순서도: 병합 47">
+            <a:extLst>
+              <a:ext uri="{FF2B5EF4-FFF2-40B4-BE49-F238E27FC236}">
+                <a16:creationId xmlns:a16="http://schemas.microsoft.com/office/drawing/2014/main" id="{5A7AE88C-1919-A6CE-631E-78935C985AF8}"/>
+              </a:ext>
+            </a:extLst>
+          </p:cNvPr>
+          <p:cNvSpPr/>
+          <p:nvPr/>
+        </p:nvSpPr>
+        <p:spPr>
+          <a:xfrm>
+            <a:off x="9352072" y="2861298"/>
+            <a:ext cx="687753" cy="685021"/>
+          </a:xfrm>
+          <a:prstGeom prst="flowChartMerge">
+            <a:avLst/>
+          </a:prstGeom>
+          <a:solidFill>
+            <a:schemeClr val="bg1">
+              <a:lumMod val="65000"/>
+            </a:schemeClr>
+          </a:solidFill>
+          <a:ln>
+            <a:noFill/>
+          </a:ln>
+        </p:spPr>
+        <p:style>
+          <a:lnRef idx="2">
+            <a:schemeClr val="accent1">
+              <a:shade val="15000"/>
+            </a:schemeClr>
+          </a:lnRef>
+          <a:fillRef idx="1">
+            <a:schemeClr val="accent1"/>
+          </a:fillRef>
+          <a:effectRef idx="0">
+            <a:schemeClr val="accent1"/>
+          </a:effectRef>
+          <a:fontRef idx="minor">
+            <a:schemeClr val="lt1"/>
+          </a:fontRef>
+        </p:style>
+        <p:txBody>
+          <a:bodyPr rtlCol="0" anchor="ctr"/>
+          <a:lstStyle/>
+          <a:p>
+            <a:pPr algn="ctr"/>
+            <a:endParaRPr lang="ko-KR" altLang="en-US"/>
+          </a:p>
+        </p:txBody>
+      </p:sp>
+      <p:sp>
+        <p:nvSpPr>
+          <p:cNvPr id="52" name="순서도: 병합 51">
+            <a:extLst>
+              <a:ext uri="{FF2B5EF4-FFF2-40B4-BE49-F238E27FC236}">
+                <a16:creationId xmlns:a16="http://schemas.microsoft.com/office/drawing/2014/main" id="{D085EDDF-748F-8218-508E-21F4FC805B52}"/>
+              </a:ext>
+            </a:extLst>
+          </p:cNvPr>
+          <p:cNvSpPr/>
+          <p:nvPr/>
+        </p:nvSpPr>
+        <p:spPr>
+          <a:xfrm rot="5400000">
+            <a:off x="7554114" y="3809329"/>
+            <a:ext cx="687753" cy="685021"/>
+          </a:xfrm>
+          <a:prstGeom prst="flowChartMerge">
+            <a:avLst/>
+          </a:prstGeom>
+          <a:solidFill>
+            <a:schemeClr val="bg1">
+              <a:lumMod val="65000"/>
+            </a:schemeClr>
+          </a:solidFill>
+          <a:ln>
+            <a:noFill/>
+          </a:ln>
+        </p:spPr>
+        <p:style>
+          <a:lnRef idx="2">
+            <a:schemeClr val="accent1">
+              <a:shade val="15000"/>
+            </a:schemeClr>
+          </a:lnRef>
+          <a:fillRef idx="1">
+            <a:schemeClr val="accent1"/>
+          </a:fillRef>
+          <a:effectRef idx="0">
+            <a:schemeClr val="accent1"/>
+          </a:effectRef>
+          <a:fontRef idx="minor">
+            <a:schemeClr val="lt1"/>
+          </a:fontRef>
+        </p:style>
+        <p:txBody>
+          <a:bodyPr rtlCol="0" anchor="ctr"/>
+          <a:lstStyle/>
+          <a:p>
+            <a:pPr algn="ctr"/>
+            <a:endParaRPr lang="ko-KR" altLang="en-US"/>
+          </a:p>
+        </p:txBody>
+      </p:sp>
       <p:graphicFrame>
         <p:nvGraphicFramePr>
-          <p:cNvPr id="9" name="표 5">
+          <p:cNvPr id="53" name="표 52">
             <a:extLst>
               <a:ext uri="{FF2B5EF4-FFF2-40B4-BE49-F238E27FC236}">
-                <a16:creationId xmlns:a16="http://schemas.microsoft.com/office/drawing/2014/main" id="{8D7BC823-DA70-4B6B-BD30-8C84F20E2A97}"/>
+                <a16:creationId xmlns:a16="http://schemas.microsoft.com/office/drawing/2014/main" id="{7C73C16E-CB53-ED1B-8510-55A2982A0E58}"/>
               </a:ext>
             </a:extLst>
           </p:cNvPr>
@@ -7328,14 +8331,14 @@
           <p:nvPr>
             <p:extLst>
               <p:ext uri="{D42A27DB-BD31-4B8C-83A1-F6EECF244321}">
-                <p14:modId xmlns:p14="http://schemas.microsoft.com/office/powerpoint/2010/main" val="2519408036"/>
+                <p14:modId xmlns:p14="http://schemas.microsoft.com/office/powerpoint/2010/main" val="3219080328"/>
               </p:ext>
             </p:extLst>
           </p:nvPr>
         </p:nvGraphicFramePr>
         <p:xfrm>
-          <a:off x="696912" y="2416521"/>
-          <a:ext cx="6580823" cy="736600"/>
+          <a:off x="1414464" y="3741336"/>
+          <a:ext cx="3487474" cy="1508760"/>
         </p:xfrm>
         <a:graphic>
           <a:graphicData uri="http://schemas.openxmlformats.org/drawingml/2006/table">
@@ -7344,17 +8347,10 @@
                 <a:tableStyleId>{5C22544A-7EE6-4342-B048-85BDC9FD1C3A}</a:tableStyleId>
               </a:tblPr>
               <a:tblGrid>
-                <a:gridCol w="721043">
+                <a:gridCol w="3487474">
                   <a:extLst>
                     <a:ext uri="{9D8B030D-6E8A-4147-A177-3AD203B41FA5}">
-                      <a16:colId xmlns:a16="http://schemas.microsoft.com/office/drawing/2014/main" val="1726475077"/>
-                    </a:ext>
-                  </a:extLst>
-                </a:gridCol>
-                <a:gridCol w="5859780">
-                  <a:extLst>
-                    <a:ext uri="{9D8B030D-6E8A-4147-A177-3AD203B41FA5}">
-                      <a16:colId xmlns:a16="http://schemas.microsoft.com/office/drawing/2014/main" val="1417546390"/>
+                      <a16:colId xmlns:a16="http://schemas.microsoft.com/office/drawing/2014/main" val="1738685493"/>
                     </a:ext>
                   </a:extLst>
                 </a:gridCol>
@@ -7367,43 +8363,16 @@
                     <a:p>
                       <a:pPr latinLnBrk="1"/>
                       <a:r>
-                        <a:rPr lang="ko-KR" altLang="en-US" b="0" dirty="0">
-                          <a:solidFill>
-                            <a:schemeClr val="tx1"/>
-                          </a:solidFill>
-                        </a:rPr>
-                        <a:t>과정</a:t>
+                        <a:rPr lang="ko-KR" altLang="en-US" sz="1400" b="0" dirty="0">
+                          <a:solidFill>
+                            <a:schemeClr val="tx1"/>
+                          </a:solidFill>
+                        </a:rPr>
+                        <a:t>공통 규칙</a:t>
                       </a:r>
                     </a:p>
                   </a:txBody>
                   <a:tcPr>
-                    <a:lnL w="12700" cap="flat" cmpd="sng" algn="ctr">
-                      <a:solidFill>
-                        <a:schemeClr val="tx1"/>
-                      </a:solidFill>
-                      <a:prstDash val="solid"/>
-                      <a:round/>
-                      <a:headEnd type="none" w="med" len="med"/>
-                      <a:tailEnd type="none" w="med" len="med"/>
-                    </a:lnL>
-                    <a:lnR w="12700" cap="flat" cmpd="sng" algn="ctr">
-                      <a:solidFill>
-                        <a:schemeClr val="tx1"/>
-                      </a:solidFill>
-                      <a:prstDash val="solid"/>
-                      <a:round/>
-                      <a:headEnd type="none" w="med" len="med"/>
-                      <a:tailEnd type="none" w="med" len="med"/>
-                    </a:lnR>
-                    <a:lnT w="12700" cap="flat" cmpd="sng" algn="ctr">
-                      <a:solidFill>
-                        <a:schemeClr val="tx1"/>
-                      </a:solidFill>
-                      <a:prstDash val="solid"/>
-                      <a:round/>
-                      <a:headEnd type="none" w="med" len="med"/>
-                      <a:tailEnd type="none" w="med" len="med"/>
-                    </a:lnT>
                     <a:lnB w="12700" cap="flat" cmpd="sng" algn="ctr">
                       <a:solidFill>
                         <a:schemeClr val="tx1"/>
@@ -7413,17 +8382,20 @@
                       <a:headEnd type="none" w="med" len="med"/>
                       <a:tailEnd type="none" w="med" len="med"/>
                     </a:lnB>
-                    <a:lnTlToBr w="12700" cmpd="sng">
-                      <a:noFill/>
-                      <a:prstDash val="solid"/>
-                    </a:lnTlToBr>
-                    <a:lnBlToTr w="12700" cmpd="sng">
-                      <a:noFill/>
-                      <a:prstDash val="solid"/>
-                    </a:lnBlToTr>
-                    <a:noFill/>
+                    <a:solidFill>
+                      <a:schemeClr val="bg1">
+                        <a:lumMod val="95000"/>
+                      </a:schemeClr>
+                    </a:solidFill>
                   </a:tcPr>
                 </a:tc>
+                <a:extLst>
+                  <a:ext uri="{0D108BD9-81ED-4DB2-BD59-A6C34878D82A}">
+                    <a16:rowId xmlns:a16="http://schemas.microsoft.com/office/drawing/2014/main" val="1684828780"/>
+                  </a:ext>
+                </a:extLst>
+              </a:tr>
+              <a:tr h="0">
                 <a:tc>
                   <a:txBody>
                     <a:bodyPr/>
@@ -7431,1598 +8403,30 @@
                     <a:p>
                       <a:pPr latinLnBrk="1"/>
                       <a:r>
-                        <a:rPr lang="ko-KR" altLang="en-US" b="0" dirty="0">
-                          <a:solidFill>
-                            <a:schemeClr val="tx1"/>
-                          </a:solidFill>
-                        </a:rPr>
-                        <a:t>알림</a:t>
-                      </a:r>
-                    </a:p>
-                  </a:txBody>
-                  <a:tcPr>
-                    <a:lnL w="12700" cap="flat" cmpd="sng" algn="ctr">
-                      <a:solidFill>
-                        <a:schemeClr val="tx1"/>
-                      </a:solidFill>
-                      <a:prstDash val="solid"/>
-                      <a:round/>
-                      <a:headEnd type="none" w="med" len="med"/>
-                      <a:tailEnd type="none" w="med" len="med"/>
-                    </a:lnL>
-                    <a:lnR w="12700" cap="flat" cmpd="sng" algn="ctr">
-                      <a:solidFill>
-                        <a:schemeClr val="tx1"/>
-                      </a:solidFill>
-                      <a:prstDash val="solid"/>
-                      <a:round/>
-                      <a:headEnd type="none" w="med" len="med"/>
-                      <a:tailEnd type="none" w="med" len="med"/>
-                    </a:lnR>
-                    <a:lnT w="12700" cap="flat" cmpd="sng" algn="ctr">
-                      <a:solidFill>
-                        <a:schemeClr val="tx1"/>
-                      </a:solidFill>
-                      <a:prstDash val="solid"/>
-                      <a:round/>
-                      <a:headEnd type="none" w="med" len="med"/>
-                      <a:tailEnd type="none" w="med" len="med"/>
-                    </a:lnT>
-                    <a:lnB w="12700" cap="flat" cmpd="sng" algn="ctr">
-                      <a:solidFill>
-                        <a:schemeClr val="tx1"/>
-                      </a:solidFill>
-                      <a:prstDash val="solid"/>
-                      <a:round/>
-                      <a:headEnd type="none" w="med" len="med"/>
-                      <a:tailEnd type="none" w="med" len="med"/>
-                    </a:lnB>
-                    <a:lnTlToBr w="12700" cmpd="sng">
-                      <a:noFill/>
-                      <a:prstDash val="solid"/>
-                    </a:lnTlToBr>
-                    <a:lnBlToTr w="12700" cmpd="sng">
-                      <a:noFill/>
-                      <a:prstDash val="solid"/>
-                    </a:lnBlToTr>
-                    <a:noFill/>
-                  </a:tcPr>
-                </a:tc>
-                <a:extLst>
-                  <a:ext uri="{0D108BD9-81ED-4DB2-BD59-A6C34878D82A}">
-                    <a16:rowId xmlns:a16="http://schemas.microsoft.com/office/drawing/2014/main" val="3100173995"/>
-                  </a:ext>
-                </a:extLst>
-              </a:tr>
-              <a:tr h="370840">
-                <a:tc>
-                  <a:txBody>
-                    <a:bodyPr/>
-                    <a:lstStyle/>
-                    <a:p>
-                      <a:pPr latinLnBrk="1"/>
-                      <a:r>
-                        <a:rPr lang="ko-KR" altLang="en-US" b="0" dirty="0">
-                          <a:solidFill>
-                            <a:schemeClr val="tx1"/>
-                          </a:solidFill>
-                        </a:rPr>
-                        <a:t>설명</a:t>
-                      </a:r>
-                    </a:p>
-                  </a:txBody>
-                  <a:tcPr>
-                    <a:lnL w="12700" cap="flat" cmpd="sng" algn="ctr">
-                      <a:solidFill>
-                        <a:schemeClr val="tx1"/>
-                      </a:solidFill>
-                      <a:prstDash val="solid"/>
-                      <a:round/>
-                      <a:headEnd type="none" w="med" len="med"/>
-                      <a:tailEnd type="none" w="med" len="med"/>
-                    </a:lnL>
-                    <a:lnR w="12700" cap="flat" cmpd="sng" algn="ctr">
-                      <a:solidFill>
-                        <a:schemeClr val="tx1"/>
-                      </a:solidFill>
-                      <a:prstDash val="solid"/>
-                      <a:round/>
-                      <a:headEnd type="none" w="med" len="med"/>
-                      <a:tailEnd type="none" w="med" len="med"/>
-                    </a:lnR>
-                    <a:lnT w="12700" cap="flat" cmpd="sng" algn="ctr">
-                      <a:solidFill>
-                        <a:schemeClr val="tx1"/>
-                      </a:solidFill>
-                      <a:prstDash val="solid"/>
-                      <a:round/>
-                      <a:headEnd type="none" w="med" len="med"/>
-                      <a:tailEnd type="none" w="med" len="med"/>
-                    </a:lnT>
-                    <a:lnB w="12700" cap="flat" cmpd="sng" algn="ctr">
-                      <a:solidFill>
-                        <a:schemeClr val="tx1"/>
-                      </a:solidFill>
-                      <a:prstDash val="solid"/>
-                      <a:round/>
-                      <a:headEnd type="none" w="med" len="med"/>
-                      <a:tailEnd type="none" w="med" len="med"/>
-                    </a:lnB>
-                    <a:lnTlToBr w="12700" cmpd="sng">
-                      <a:noFill/>
-                      <a:prstDash val="solid"/>
-                    </a:lnTlToBr>
-                    <a:lnBlToTr w="12700" cmpd="sng">
-                      <a:noFill/>
-                      <a:prstDash val="solid"/>
-                    </a:lnBlToTr>
-                    <a:noFill/>
-                  </a:tcPr>
-                </a:tc>
-                <a:tc>
-                  <a:txBody>
-                    <a:bodyPr/>
-                    <a:lstStyle/>
-                    <a:p>
-                      <a:pPr latinLnBrk="1"/>
-                      <a:r>
-                        <a:rPr lang="ko-KR" altLang="en-US" b="0" dirty="0">
-                          <a:solidFill>
-                            <a:schemeClr val="tx1"/>
-                          </a:solidFill>
-                        </a:rPr>
-                        <a:t>현재 수락할 수 있는 퀘스트가 시각적으로 보이는 단계</a:t>
-                      </a:r>
-                    </a:p>
-                  </a:txBody>
-                  <a:tcPr>
-                    <a:lnL w="12700" cap="flat" cmpd="sng" algn="ctr">
-                      <a:solidFill>
-                        <a:schemeClr val="tx1"/>
-                      </a:solidFill>
-                      <a:prstDash val="solid"/>
-                      <a:round/>
-                      <a:headEnd type="none" w="med" len="med"/>
-                      <a:tailEnd type="none" w="med" len="med"/>
-                    </a:lnL>
-                    <a:lnR w="12700" cap="flat" cmpd="sng" algn="ctr">
-                      <a:solidFill>
-                        <a:schemeClr val="tx1"/>
-                      </a:solidFill>
-                      <a:prstDash val="solid"/>
-                      <a:round/>
-                      <a:headEnd type="none" w="med" len="med"/>
-                      <a:tailEnd type="none" w="med" len="med"/>
-                    </a:lnR>
-                    <a:lnT w="12700" cap="flat" cmpd="sng" algn="ctr">
-                      <a:solidFill>
-                        <a:schemeClr val="tx1"/>
-                      </a:solidFill>
-                      <a:prstDash val="solid"/>
-                      <a:round/>
-                      <a:headEnd type="none" w="med" len="med"/>
-                      <a:tailEnd type="none" w="med" len="med"/>
-                    </a:lnT>
-                    <a:lnB w="12700" cap="flat" cmpd="sng" algn="ctr">
-                      <a:solidFill>
-                        <a:schemeClr val="tx1"/>
-                      </a:solidFill>
-                      <a:prstDash val="solid"/>
-                      <a:round/>
-                      <a:headEnd type="none" w="med" len="med"/>
-                      <a:tailEnd type="none" w="med" len="med"/>
-                    </a:lnB>
-                    <a:lnTlToBr w="12700" cmpd="sng">
-                      <a:noFill/>
-                      <a:prstDash val="solid"/>
-                    </a:lnTlToBr>
-                    <a:lnBlToTr w="12700" cmpd="sng">
-                      <a:noFill/>
-                      <a:prstDash val="solid"/>
-                    </a:lnBlToTr>
-                    <a:noFill/>
-                  </a:tcPr>
-                </a:tc>
-                <a:extLst>
-                  <a:ext uri="{0D108BD9-81ED-4DB2-BD59-A6C34878D82A}">
-                    <a16:rowId xmlns:a16="http://schemas.microsoft.com/office/drawing/2014/main" val="2095231337"/>
-                  </a:ext>
-                </a:extLst>
-              </a:tr>
-            </a:tbl>
-          </a:graphicData>
-        </a:graphic>
-      </p:graphicFrame>
-      <p:graphicFrame>
-        <p:nvGraphicFramePr>
-          <p:cNvPr id="10" name="표 5">
-            <a:extLst>
-              <a:ext uri="{FF2B5EF4-FFF2-40B4-BE49-F238E27FC236}">
-                <a16:creationId xmlns:a16="http://schemas.microsoft.com/office/drawing/2014/main" id="{A68CAFD6-20F9-4340-89BB-ECBCE601A79E}"/>
-              </a:ext>
-            </a:extLst>
-          </p:cNvPr>
-          <p:cNvGraphicFramePr>
-            <a:graphicFrameLocks noGrp="1"/>
-          </p:cNvGraphicFramePr>
-          <p:nvPr>
-            <p:extLst>
-              <p:ext uri="{D42A27DB-BD31-4B8C-83A1-F6EECF244321}">
-                <p14:modId xmlns:p14="http://schemas.microsoft.com/office/powerpoint/2010/main" val="2642366306"/>
-              </p:ext>
-            </p:extLst>
-          </p:nvPr>
-        </p:nvGraphicFramePr>
-        <p:xfrm>
-          <a:off x="696912" y="3213397"/>
-          <a:ext cx="4785043" cy="736600"/>
-        </p:xfrm>
-        <a:graphic>
-          <a:graphicData uri="http://schemas.openxmlformats.org/drawingml/2006/table">
-            <a:tbl>
-              <a:tblPr firstRow="1" bandRow="1">
-                <a:tableStyleId>{5C22544A-7EE6-4342-B048-85BDC9FD1C3A}</a:tableStyleId>
-              </a:tblPr>
-              <a:tblGrid>
-                <a:gridCol w="721043">
-                  <a:extLst>
-                    <a:ext uri="{9D8B030D-6E8A-4147-A177-3AD203B41FA5}">
-                      <a16:colId xmlns:a16="http://schemas.microsoft.com/office/drawing/2014/main" val="1726475077"/>
-                    </a:ext>
-                  </a:extLst>
-                </a:gridCol>
-                <a:gridCol w="4064000">
-                  <a:extLst>
-                    <a:ext uri="{9D8B030D-6E8A-4147-A177-3AD203B41FA5}">
-                      <a16:colId xmlns:a16="http://schemas.microsoft.com/office/drawing/2014/main" val="1417546390"/>
-                    </a:ext>
-                  </a:extLst>
-                </a:gridCol>
-              </a:tblGrid>
-              <a:tr h="241171">
-                <a:tc>
-                  <a:txBody>
-                    <a:bodyPr/>
-                    <a:lstStyle/>
-                    <a:p>
-                      <a:pPr latinLnBrk="1"/>
-                      <a:r>
-                        <a:rPr lang="ko-KR" altLang="en-US" b="0" dirty="0">
-                          <a:solidFill>
-                            <a:schemeClr val="tx1"/>
-                          </a:solidFill>
-                        </a:rPr>
-                        <a:t>과정</a:t>
-                      </a:r>
-                    </a:p>
-                  </a:txBody>
-                  <a:tcPr>
-                    <a:lnL w="12700" cap="flat" cmpd="sng" algn="ctr">
-                      <a:solidFill>
-                        <a:schemeClr val="tx1"/>
-                      </a:solidFill>
-                      <a:prstDash val="solid"/>
-                      <a:round/>
-                      <a:headEnd type="none" w="med" len="med"/>
-                      <a:tailEnd type="none" w="med" len="med"/>
-                    </a:lnL>
-                    <a:lnR w="12700" cap="flat" cmpd="sng" algn="ctr">
-                      <a:solidFill>
-                        <a:schemeClr val="tx1"/>
-                      </a:solidFill>
-                      <a:prstDash val="solid"/>
-                      <a:round/>
-                      <a:headEnd type="none" w="med" len="med"/>
-                      <a:tailEnd type="none" w="med" len="med"/>
-                    </a:lnR>
-                    <a:lnT w="12700" cap="flat" cmpd="sng" algn="ctr">
-                      <a:solidFill>
-                        <a:schemeClr val="tx1"/>
-                      </a:solidFill>
-                      <a:prstDash val="solid"/>
-                      <a:round/>
-                      <a:headEnd type="none" w="med" len="med"/>
-                      <a:tailEnd type="none" w="med" len="med"/>
-                    </a:lnT>
-                    <a:lnB w="12700" cap="flat" cmpd="sng" algn="ctr">
-                      <a:solidFill>
-                        <a:schemeClr val="tx1"/>
-                      </a:solidFill>
-                      <a:prstDash val="solid"/>
-                      <a:round/>
-                      <a:headEnd type="none" w="med" len="med"/>
-                      <a:tailEnd type="none" w="med" len="med"/>
-                    </a:lnB>
-                    <a:lnTlToBr w="12700" cmpd="sng">
-                      <a:noFill/>
-                      <a:prstDash val="solid"/>
-                    </a:lnTlToBr>
-                    <a:lnBlToTr w="12700" cmpd="sng">
-                      <a:noFill/>
-                      <a:prstDash val="solid"/>
-                    </a:lnBlToTr>
-                    <a:noFill/>
-                  </a:tcPr>
-                </a:tc>
-                <a:tc>
-                  <a:txBody>
-                    <a:bodyPr/>
-                    <a:lstStyle/>
-                    <a:p>
-                      <a:pPr latinLnBrk="1"/>
-                      <a:r>
-                        <a:rPr lang="ko-KR" altLang="en-US" b="0" dirty="0">
-                          <a:solidFill>
-                            <a:schemeClr val="tx1"/>
-                          </a:solidFill>
-                        </a:rPr>
-                        <a:t>수락</a:t>
-                      </a:r>
-                    </a:p>
-                  </a:txBody>
-                  <a:tcPr>
-                    <a:lnL w="12700" cap="flat" cmpd="sng" algn="ctr">
-                      <a:solidFill>
-                        <a:schemeClr val="tx1"/>
-                      </a:solidFill>
-                      <a:prstDash val="solid"/>
-                      <a:round/>
-                      <a:headEnd type="none" w="med" len="med"/>
-                      <a:tailEnd type="none" w="med" len="med"/>
-                    </a:lnL>
-                    <a:lnR w="12700" cap="flat" cmpd="sng" algn="ctr">
-                      <a:solidFill>
-                        <a:schemeClr val="tx1"/>
-                      </a:solidFill>
-                      <a:prstDash val="solid"/>
-                      <a:round/>
-                      <a:headEnd type="none" w="med" len="med"/>
-                      <a:tailEnd type="none" w="med" len="med"/>
-                    </a:lnR>
-                    <a:lnT w="12700" cap="flat" cmpd="sng" algn="ctr">
-                      <a:solidFill>
-                        <a:schemeClr val="tx1"/>
-                      </a:solidFill>
-                      <a:prstDash val="solid"/>
-                      <a:round/>
-                      <a:headEnd type="none" w="med" len="med"/>
-                      <a:tailEnd type="none" w="med" len="med"/>
-                    </a:lnT>
-                    <a:lnB w="12700" cap="flat" cmpd="sng" algn="ctr">
-                      <a:solidFill>
-                        <a:schemeClr val="tx1"/>
-                      </a:solidFill>
-                      <a:prstDash val="solid"/>
-                      <a:round/>
-                      <a:headEnd type="none" w="med" len="med"/>
-                      <a:tailEnd type="none" w="med" len="med"/>
-                    </a:lnB>
-                    <a:lnTlToBr w="12700" cmpd="sng">
-                      <a:noFill/>
-                      <a:prstDash val="solid"/>
-                    </a:lnTlToBr>
-                    <a:lnBlToTr w="12700" cmpd="sng">
-                      <a:noFill/>
-                      <a:prstDash val="solid"/>
-                    </a:lnBlToTr>
-                    <a:noFill/>
-                  </a:tcPr>
-                </a:tc>
-                <a:extLst>
-                  <a:ext uri="{0D108BD9-81ED-4DB2-BD59-A6C34878D82A}">
-                    <a16:rowId xmlns:a16="http://schemas.microsoft.com/office/drawing/2014/main" val="3100173995"/>
-                  </a:ext>
-                </a:extLst>
-              </a:tr>
-              <a:tr h="370840">
-                <a:tc>
-                  <a:txBody>
-                    <a:bodyPr/>
-                    <a:lstStyle/>
-                    <a:p>
-                      <a:pPr latinLnBrk="1"/>
-                      <a:r>
-                        <a:rPr lang="ko-KR" altLang="en-US" b="0" dirty="0">
-                          <a:solidFill>
-                            <a:schemeClr val="tx1"/>
-                          </a:solidFill>
-                        </a:rPr>
-                        <a:t>설명</a:t>
-                      </a:r>
-                    </a:p>
-                  </a:txBody>
-                  <a:tcPr>
-                    <a:lnL w="12700" cap="flat" cmpd="sng" algn="ctr">
-                      <a:solidFill>
-                        <a:schemeClr val="tx1"/>
-                      </a:solidFill>
-                      <a:prstDash val="solid"/>
-                      <a:round/>
-                      <a:headEnd type="none" w="med" len="med"/>
-                      <a:tailEnd type="none" w="med" len="med"/>
-                    </a:lnL>
-                    <a:lnR w="12700" cap="flat" cmpd="sng" algn="ctr">
-                      <a:solidFill>
-                        <a:schemeClr val="tx1"/>
-                      </a:solidFill>
-                      <a:prstDash val="solid"/>
-                      <a:round/>
-                      <a:headEnd type="none" w="med" len="med"/>
-                      <a:tailEnd type="none" w="med" len="med"/>
-                    </a:lnR>
-                    <a:lnT w="12700" cap="flat" cmpd="sng" algn="ctr">
-                      <a:solidFill>
-                        <a:schemeClr val="tx1"/>
-                      </a:solidFill>
-                      <a:prstDash val="solid"/>
-                      <a:round/>
-                      <a:headEnd type="none" w="med" len="med"/>
-                      <a:tailEnd type="none" w="med" len="med"/>
-                    </a:lnT>
-                    <a:lnB w="12700" cap="flat" cmpd="sng" algn="ctr">
-                      <a:solidFill>
-                        <a:schemeClr val="tx1"/>
-                      </a:solidFill>
-                      <a:prstDash val="solid"/>
-                      <a:round/>
-                      <a:headEnd type="none" w="med" len="med"/>
-                      <a:tailEnd type="none" w="med" len="med"/>
-                    </a:lnB>
-                    <a:lnTlToBr w="12700" cmpd="sng">
-                      <a:noFill/>
-                      <a:prstDash val="solid"/>
-                    </a:lnTlToBr>
-                    <a:lnBlToTr w="12700" cmpd="sng">
-                      <a:noFill/>
-                      <a:prstDash val="solid"/>
-                    </a:lnBlToTr>
-                    <a:noFill/>
-                  </a:tcPr>
-                </a:tc>
-                <a:tc>
-                  <a:txBody>
-                    <a:bodyPr/>
-                    <a:lstStyle/>
-                    <a:p>
-                      <a:pPr latinLnBrk="1"/>
-                      <a:r>
-                        <a:rPr lang="ko-KR" altLang="en-US" b="0" dirty="0">
-                          <a:solidFill>
-                            <a:schemeClr val="tx1"/>
-                          </a:solidFill>
-                        </a:rPr>
-                        <a:t>퀘스트를 수락하는 단계</a:t>
-                      </a:r>
-                    </a:p>
-                  </a:txBody>
-                  <a:tcPr>
-                    <a:lnL w="12700" cap="flat" cmpd="sng" algn="ctr">
-                      <a:solidFill>
-                        <a:schemeClr val="tx1"/>
-                      </a:solidFill>
-                      <a:prstDash val="solid"/>
-                      <a:round/>
-                      <a:headEnd type="none" w="med" len="med"/>
-                      <a:tailEnd type="none" w="med" len="med"/>
-                    </a:lnL>
-                    <a:lnR w="12700" cap="flat" cmpd="sng" algn="ctr">
-                      <a:solidFill>
-                        <a:schemeClr val="tx1"/>
-                      </a:solidFill>
-                      <a:prstDash val="solid"/>
-                      <a:round/>
-                      <a:headEnd type="none" w="med" len="med"/>
-                      <a:tailEnd type="none" w="med" len="med"/>
-                    </a:lnR>
-                    <a:lnT w="12700" cap="flat" cmpd="sng" algn="ctr">
-                      <a:solidFill>
-                        <a:schemeClr val="tx1"/>
-                      </a:solidFill>
-                      <a:prstDash val="solid"/>
-                      <a:round/>
-                      <a:headEnd type="none" w="med" len="med"/>
-                      <a:tailEnd type="none" w="med" len="med"/>
-                    </a:lnT>
-                    <a:lnB w="12700" cap="flat" cmpd="sng" algn="ctr">
-                      <a:solidFill>
-                        <a:schemeClr val="tx1"/>
-                      </a:solidFill>
-                      <a:prstDash val="solid"/>
-                      <a:round/>
-                      <a:headEnd type="none" w="med" len="med"/>
-                      <a:tailEnd type="none" w="med" len="med"/>
-                    </a:lnB>
-                    <a:lnTlToBr w="12700" cmpd="sng">
-                      <a:noFill/>
-                      <a:prstDash val="solid"/>
-                    </a:lnTlToBr>
-                    <a:lnBlToTr w="12700" cmpd="sng">
-                      <a:noFill/>
-                      <a:prstDash val="solid"/>
-                    </a:lnBlToTr>
-                    <a:noFill/>
-                  </a:tcPr>
-                </a:tc>
-                <a:extLst>
-                  <a:ext uri="{0D108BD9-81ED-4DB2-BD59-A6C34878D82A}">
-                    <a16:rowId xmlns:a16="http://schemas.microsoft.com/office/drawing/2014/main" val="2095231337"/>
-                  </a:ext>
-                </a:extLst>
-              </a:tr>
-            </a:tbl>
-          </a:graphicData>
-        </a:graphic>
-      </p:graphicFrame>
-      <p:graphicFrame>
-        <p:nvGraphicFramePr>
-          <p:cNvPr id="11" name="표 5">
-            <a:extLst>
-              <a:ext uri="{FF2B5EF4-FFF2-40B4-BE49-F238E27FC236}">
-                <a16:creationId xmlns:a16="http://schemas.microsoft.com/office/drawing/2014/main" id="{D8C3F522-852C-469D-8F3E-6418F9EE2A0E}"/>
-              </a:ext>
-            </a:extLst>
-          </p:cNvPr>
-          <p:cNvGraphicFramePr>
-            <a:graphicFrameLocks noGrp="1"/>
-          </p:cNvGraphicFramePr>
-          <p:nvPr>
-            <p:extLst>
-              <p:ext uri="{D42A27DB-BD31-4B8C-83A1-F6EECF244321}">
-                <p14:modId xmlns:p14="http://schemas.microsoft.com/office/powerpoint/2010/main" val="77870154"/>
-              </p:ext>
-            </p:extLst>
-          </p:nvPr>
-        </p:nvGraphicFramePr>
-        <p:xfrm>
-          <a:off x="695325" y="4070549"/>
-          <a:ext cx="4785043" cy="736600"/>
-        </p:xfrm>
-        <a:graphic>
-          <a:graphicData uri="http://schemas.openxmlformats.org/drawingml/2006/table">
-            <a:tbl>
-              <a:tblPr firstRow="1" bandRow="1">
-                <a:tableStyleId>{5C22544A-7EE6-4342-B048-85BDC9FD1C3A}</a:tableStyleId>
-              </a:tblPr>
-              <a:tblGrid>
-                <a:gridCol w="721043">
-                  <a:extLst>
-                    <a:ext uri="{9D8B030D-6E8A-4147-A177-3AD203B41FA5}">
-                      <a16:colId xmlns:a16="http://schemas.microsoft.com/office/drawing/2014/main" val="1726475077"/>
-                    </a:ext>
-                  </a:extLst>
-                </a:gridCol>
-                <a:gridCol w="4064000">
-                  <a:extLst>
-                    <a:ext uri="{9D8B030D-6E8A-4147-A177-3AD203B41FA5}">
-                      <a16:colId xmlns:a16="http://schemas.microsoft.com/office/drawing/2014/main" val="1417546390"/>
-                    </a:ext>
-                  </a:extLst>
-                </a:gridCol>
-              </a:tblGrid>
-              <a:tr h="211276">
-                <a:tc>
-                  <a:txBody>
-                    <a:bodyPr/>
-                    <a:lstStyle/>
-                    <a:p>
-                      <a:pPr latinLnBrk="1"/>
-                      <a:r>
-                        <a:rPr lang="ko-KR" altLang="en-US" b="0" dirty="0">
-                          <a:solidFill>
-                            <a:schemeClr val="tx1"/>
-                          </a:solidFill>
-                        </a:rPr>
-                        <a:t>과정</a:t>
-                      </a:r>
-                    </a:p>
-                  </a:txBody>
-                  <a:tcPr>
-                    <a:lnL w="12700" cap="flat" cmpd="sng" algn="ctr">
-                      <a:solidFill>
-                        <a:schemeClr val="tx1"/>
-                      </a:solidFill>
-                      <a:prstDash val="solid"/>
-                      <a:round/>
-                      <a:headEnd type="none" w="med" len="med"/>
-                      <a:tailEnd type="none" w="med" len="med"/>
-                    </a:lnL>
-                    <a:lnR w="12700" cap="flat" cmpd="sng" algn="ctr">
-                      <a:solidFill>
-                        <a:schemeClr val="tx1"/>
-                      </a:solidFill>
-                      <a:prstDash val="solid"/>
-                      <a:round/>
-                      <a:headEnd type="none" w="med" len="med"/>
-                      <a:tailEnd type="none" w="med" len="med"/>
-                    </a:lnR>
-                    <a:lnT w="12700" cap="flat" cmpd="sng" algn="ctr">
-                      <a:solidFill>
-                        <a:schemeClr val="tx1"/>
-                      </a:solidFill>
-                      <a:prstDash val="solid"/>
-                      <a:round/>
-                      <a:headEnd type="none" w="med" len="med"/>
-                      <a:tailEnd type="none" w="med" len="med"/>
-                    </a:lnT>
-                    <a:lnB w="12700" cap="flat" cmpd="sng" algn="ctr">
-                      <a:solidFill>
-                        <a:schemeClr val="tx1"/>
-                      </a:solidFill>
-                      <a:prstDash val="solid"/>
-                      <a:round/>
-                      <a:headEnd type="none" w="med" len="med"/>
-                      <a:tailEnd type="none" w="med" len="med"/>
-                    </a:lnB>
-                    <a:lnTlToBr w="12700" cmpd="sng">
-                      <a:noFill/>
-                      <a:prstDash val="solid"/>
-                    </a:lnTlToBr>
-                    <a:lnBlToTr w="12700" cmpd="sng">
-                      <a:noFill/>
-                      <a:prstDash val="solid"/>
-                    </a:lnBlToTr>
-                    <a:noFill/>
-                  </a:tcPr>
-                </a:tc>
-                <a:tc>
-                  <a:txBody>
-                    <a:bodyPr/>
-                    <a:lstStyle/>
-                    <a:p>
-                      <a:pPr latinLnBrk="1"/>
-                      <a:r>
-                        <a:rPr lang="ko-KR" altLang="en-US" b="0" dirty="0">
-                          <a:solidFill>
-                            <a:schemeClr val="tx1"/>
-                          </a:solidFill>
-                        </a:rPr>
-                        <a:t>진행</a:t>
-                      </a:r>
-                    </a:p>
-                  </a:txBody>
-                  <a:tcPr>
-                    <a:lnL w="12700" cap="flat" cmpd="sng" algn="ctr">
-                      <a:solidFill>
-                        <a:schemeClr val="tx1"/>
-                      </a:solidFill>
-                      <a:prstDash val="solid"/>
-                      <a:round/>
-                      <a:headEnd type="none" w="med" len="med"/>
-                      <a:tailEnd type="none" w="med" len="med"/>
-                    </a:lnL>
-                    <a:lnR w="12700" cap="flat" cmpd="sng" algn="ctr">
-                      <a:solidFill>
-                        <a:schemeClr val="tx1"/>
-                      </a:solidFill>
-                      <a:prstDash val="solid"/>
-                      <a:round/>
-                      <a:headEnd type="none" w="med" len="med"/>
-                      <a:tailEnd type="none" w="med" len="med"/>
-                    </a:lnR>
-                    <a:lnT w="12700" cap="flat" cmpd="sng" algn="ctr">
-                      <a:solidFill>
-                        <a:schemeClr val="tx1"/>
-                      </a:solidFill>
-                      <a:prstDash val="solid"/>
-                      <a:round/>
-                      <a:headEnd type="none" w="med" len="med"/>
-                      <a:tailEnd type="none" w="med" len="med"/>
-                    </a:lnT>
-                    <a:lnB w="12700" cap="flat" cmpd="sng" algn="ctr">
-                      <a:solidFill>
-                        <a:schemeClr val="tx1"/>
-                      </a:solidFill>
-                      <a:prstDash val="solid"/>
-                      <a:round/>
-                      <a:headEnd type="none" w="med" len="med"/>
-                      <a:tailEnd type="none" w="med" len="med"/>
-                    </a:lnB>
-                    <a:lnTlToBr w="12700" cmpd="sng">
-                      <a:noFill/>
-                      <a:prstDash val="solid"/>
-                    </a:lnTlToBr>
-                    <a:lnBlToTr w="12700" cmpd="sng">
-                      <a:noFill/>
-                      <a:prstDash val="solid"/>
-                    </a:lnBlToTr>
-                    <a:noFill/>
-                  </a:tcPr>
-                </a:tc>
-                <a:extLst>
-                  <a:ext uri="{0D108BD9-81ED-4DB2-BD59-A6C34878D82A}">
-                    <a16:rowId xmlns:a16="http://schemas.microsoft.com/office/drawing/2014/main" val="3100173995"/>
-                  </a:ext>
-                </a:extLst>
-              </a:tr>
-              <a:tr h="370840">
-                <a:tc>
-                  <a:txBody>
-                    <a:bodyPr/>
-                    <a:lstStyle/>
-                    <a:p>
-                      <a:pPr latinLnBrk="1"/>
-                      <a:r>
-                        <a:rPr lang="ko-KR" altLang="en-US" b="0" dirty="0">
-                          <a:solidFill>
-                            <a:schemeClr val="tx1"/>
-                          </a:solidFill>
-                        </a:rPr>
-                        <a:t>설명</a:t>
-                      </a:r>
-                    </a:p>
-                  </a:txBody>
-                  <a:tcPr>
-                    <a:lnL w="12700" cap="flat" cmpd="sng" algn="ctr">
-                      <a:solidFill>
-                        <a:schemeClr val="tx1"/>
-                      </a:solidFill>
-                      <a:prstDash val="solid"/>
-                      <a:round/>
-                      <a:headEnd type="none" w="med" len="med"/>
-                      <a:tailEnd type="none" w="med" len="med"/>
-                    </a:lnL>
-                    <a:lnR w="12700" cap="flat" cmpd="sng" algn="ctr">
-                      <a:solidFill>
-                        <a:schemeClr val="tx1"/>
-                      </a:solidFill>
-                      <a:prstDash val="solid"/>
-                      <a:round/>
-                      <a:headEnd type="none" w="med" len="med"/>
-                      <a:tailEnd type="none" w="med" len="med"/>
-                    </a:lnR>
-                    <a:lnT w="12700" cap="flat" cmpd="sng" algn="ctr">
-                      <a:solidFill>
-                        <a:schemeClr val="tx1"/>
-                      </a:solidFill>
-                      <a:prstDash val="solid"/>
-                      <a:round/>
-                      <a:headEnd type="none" w="med" len="med"/>
-                      <a:tailEnd type="none" w="med" len="med"/>
-                    </a:lnT>
-                    <a:lnB w="12700" cap="flat" cmpd="sng" algn="ctr">
-                      <a:solidFill>
-                        <a:schemeClr val="tx1"/>
-                      </a:solidFill>
-                      <a:prstDash val="solid"/>
-                      <a:round/>
-                      <a:headEnd type="none" w="med" len="med"/>
-                      <a:tailEnd type="none" w="med" len="med"/>
-                    </a:lnB>
-                    <a:lnTlToBr w="12700" cmpd="sng">
-                      <a:noFill/>
-                      <a:prstDash val="solid"/>
-                    </a:lnTlToBr>
-                    <a:lnBlToTr w="12700" cmpd="sng">
-                      <a:noFill/>
-                      <a:prstDash val="solid"/>
-                    </a:lnBlToTr>
-                    <a:noFill/>
-                  </a:tcPr>
-                </a:tc>
-                <a:tc>
-                  <a:txBody>
-                    <a:bodyPr/>
-                    <a:lstStyle/>
-                    <a:p>
-                      <a:pPr latinLnBrk="1"/>
-                      <a:r>
-                        <a:rPr lang="ko-KR" altLang="en-US" b="0" dirty="0">
-                          <a:solidFill>
-                            <a:schemeClr val="tx1"/>
-                          </a:solidFill>
-                        </a:rPr>
-                        <a:t>퀘스트 완료 조건을 진행하는 단계</a:t>
-                      </a:r>
-                    </a:p>
-                  </a:txBody>
-                  <a:tcPr>
-                    <a:lnL w="12700" cap="flat" cmpd="sng" algn="ctr">
-                      <a:solidFill>
-                        <a:schemeClr val="tx1"/>
-                      </a:solidFill>
-                      <a:prstDash val="solid"/>
-                      <a:round/>
-                      <a:headEnd type="none" w="med" len="med"/>
-                      <a:tailEnd type="none" w="med" len="med"/>
-                    </a:lnL>
-                    <a:lnR w="12700" cap="flat" cmpd="sng" algn="ctr">
-                      <a:solidFill>
-                        <a:schemeClr val="tx1"/>
-                      </a:solidFill>
-                      <a:prstDash val="solid"/>
-                      <a:round/>
-                      <a:headEnd type="none" w="med" len="med"/>
-                      <a:tailEnd type="none" w="med" len="med"/>
-                    </a:lnR>
-                    <a:lnT w="12700" cap="flat" cmpd="sng" algn="ctr">
-                      <a:solidFill>
-                        <a:schemeClr val="tx1"/>
-                      </a:solidFill>
-                      <a:prstDash val="solid"/>
-                      <a:round/>
-                      <a:headEnd type="none" w="med" len="med"/>
-                      <a:tailEnd type="none" w="med" len="med"/>
-                    </a:lnT>
-                    <a:lnB w="12700" cap="flat" cmpd="sng" algn="ctr">
-                      <a:solidFill>
-                        <a:schemeClr val="tx1"/>
-                      </a:solidFill>
-                      <a:prstDash val="solid"/>
-                      <a:round/>
-                      <a:headEnd type="none" w="med" len="med"/>
-                      <a:tailEnd type="none" w="med" len="med"/>
-                    </a:lnB>
-                    <a:lnTlToBr w="12700" cmpd="sng">
-                      <a:noFill/>
-                      <a:prstDash val="solid"/>
-                    </a:lnTlToBr>
-                    <a:lnBlToTr w="12700" cmpd="sng">
-                      <a:noFill/>
-                      <a:prstDash val="solid"/>
-                    </a:lnBlToTr>
-                    <a:noFill/>
-                  </a:tcPr>
-                </a:tc>
-                <a:extLst>
-                  <a:ext uri="{0D108BD9-81ED-4DB2-BD59-A6C34878D82A}">
-                    <a16:rowId xmlns:a16="http://schemas.microsoft.com/office/drawing/2014/main" val="2095231337"/>
-                  </a:ext>
-                </a:extLst>
-              </a:tr>
-            </a:tbl>
-          </a:graphicData>
-        </a:graphic>
-      </p:graphicFrame>
-      <p:graphicFrame>
-        <p:nvGraphicFramePr>
-          <p:cNvPr id="12" name="표 5">
-            <a:extLst>
-              <a:ext uri="{FF2B5EF4-FFF2-40B4-BE49-F238E27FC236}">
-                <a16:creationId xmlns:a16="http://schemas.microsoft.com/office/drawing/2014/main" id="{1673DE8F-2CFE-4034-80EC-39999DFAB728}"/>
-              </a:ext>
-            </a:extLst>
-          </p:cNvPr>
-          <p:cNvGraphicFramePr>
-            <a:graphicFrameLocks noGrp="1"/>
-          </p:cNvGraphicFramePr>
-          <p:nvPr>
-            <p:extLst>
-              <p:ext uri="{D42A27DB-BD31-4B8C-83A1-F6EECF244321}">
-                <p14:modId xmlns:p14="http://schemas.microsoft.com/office/powerpoint/2010/main" val="663259913"/>
-              </p:ext>
-            </p:extLst>
-          </p:nvPr>
-        </p:nvGraphicFramePr>
-        <p:xfrm>
-          <a:off x="695325" y="4927701"/>
-          <a:ext cx="6499861" cy="736600"/>
-        </p:xfrm>
-        <a:graphic>
-          <a:graphicData uri="http://schemas.openxmlformats.org/drawingml/2006/table">
-            <a:tbl>
-              <a:tblPr firstRow="1" bandRow="1">
-                <a:tableStyleId>{5C22544A-7EE6-4342-B048-85BDC9FD1C3A}</a:tableStyleId>
-              </a:tblPr>
-              <a:tblGrid>
-                <a:gridCol w="721043">
-                  <a:extLst>
-                    <a:ext uri="{9D8B030D-6E8A-4147-A177-3AD203B41FA5}">
-                      <a16:colId xmlns:a16="http://schemas.microsoft.com/office/drawing/2014/main" val="1726475077"/>
-                    </a:ext>
-                  </a:extLst>
-                </a:gridCol>
-                <a:gridCol w="5778818">
-                  <a:extLst>
-                    <a:ext uri="{9D8B030D-6E8A-4147-A177-3AD203B41FA5}">
-                      <a16:colId xmlns:a16="http://schemas.microsoft.com/office/drawing/2014/main" val="1417546390"/>
-                    </a:ext>
-                  </a:extLst>
-                </a:gridCol>
-              </a:tblGrid>
-              <a:tr h="211276">
-                <a:tc>
-                  <a:txBody>
-                    <a:bodyPr/>
-                    <a:lstStyle/>
-                    <a:p>
-                      <a:pPr latinLnBrk="1"/>
-                      <a:r>
-                        <a:rPr lang="ko-KR" altLang="en-US" b="0" dirty="0">
-                          <a:solidFill>
-                            <a:schemeClr val="tx1"/>
-                          </a:solidFill>
-                        </a:rPr>
-                        <a:t>과정</a:t>
-                      </a:r>
-                    </a:p>
-                  </a:txBody>
-                  <a:tcPr>
-                    <a:lnL w="12700" cap="flat" cmpd="sng" algn="ctr">
-                      <a:solidFill>
-                        <a:schemeClr val="tx1"/>
-                      </a:solidFill>
-                      <a:prstDash val="solid"/>
-                      <a:round/>
-                      <a:headEnd type="none" w="med" len="med"/>
-                      <a:tailEnd type="none" w="med" len="med"/>
-                    </a:lnL>
-                    <a:lnR w="12700" cap="flat" cmpd="sng" algn="ctr">
-                      <a:solidFill>
-                        <a:schemeClr val="tx1"/>
-                      </a:solidFill>
-                      <a:prstDash val="solid"/>
-                      <a:round/>
-                      <a:headEnd type="none" w="med" len="med"/>
-                      <a:tailEnd type="none" w="med" len="med"/>
-                    </a:lnR>
-                    <a:lnT w="12700" cap="flat" cmpd="sng" algn="ctr">
-                      <a:solidFill>
-                        <a:schemeClr val="tx1"/>
-                      </a:solidFill>
-                      <a:prstDash val="solid"/>
-                      <a:round/>
-                      <a:headEnd type="none" w="med" len="med"/>
-                      <a:tailEnd type="none" w="med" len="med"/>
-                    </a:lnT>
-                    <a:lnB w="12700" cap="flat" cmpd="sng" algn="ctr">
-                      <a:solidFill>
-                        <a:schemeClr val="tx1"/>
-                      </a:solidFill>
-                      <a:prstDash val="solid"/>
-                      <a:round/>
-                      <a:headEnd type="none" w="med" len="med"/>
-                      <a:tailEnd type="none" w="med" len="med"/>
-                    </a:lnB>
-                    <a:lnTlToBr w="12700" cmpd="sng">
-                      <a:noFill/>
-                      <a:prstDash val="solid"/>
-                    </a:lnTlToBr>
-                    <a:lnBlToTr w="12700" cmpd="sng">
-                      <a:noFill/>
-                      <a:prstDash val="solid"/>
-                    </a:lnBlToTr>
-                    <a:noFill/>
-                  </a:tcPr>
-                </a:tc>
-                <a:tc>
-                  <a:txBody>
-                    <a:bodyPr/>
-                    <a:lstStyle/>
-                    <a:p>
-                      <a:pPr latinLnBrk="1"/>
-                      <a:r>
-                        <a:rPr lang="ko-KR" altLang="en-US" b="0" dirty="0">
-                          <a:solidFill>
-                            <a:schemeClr val="tx1"/>
-                          </a:solidFill>
-                        </a:rPr>
-                        <a:t>완료</a:t>
-                      </a:r>
-                    </a:p>
-                  </a:txBody>
-                  <a:tcPr>
-                    <a:lnL w="12700" cap="flat" cmpd="sng" algn="ctr">
-                      <a:solidFill>
-                        <a:schemeClr val="tx1"/>
-                      </a:solidFill>
-                      <a:prstDash val="solid"/>
-                      <a:round/>
-                      <a:headEnd type="none" w="med" len="med"/>
-                      <a:tailEnd type="none" w="med" len="med"/>
-                    </a:lnL>
-                    <a:lnR w="12700" cap="flat" cmpd="sng" algn="ctr">
-                      <a:solidFill>
-                        <a:schemeClr val="tx1"/>
-                      </a:solidFill>
-                      <a:prstDash val="solid"/>
-                      <a:round/>
-                      <a:headEnd type="none" w="med" len="med"/>
-                      <a:tailEnd type="none" w="med" len="med"/>
-                    </a:lnR>
-                    <a:lnT w="12700" cap="flat" cmpd="sng" algn="ctr">
-                      <a:solidFill>
-                        <a:schemeClr val="tx1"/>
-                      </a:solidFill>
-                      <a:prstDash val="solid"/>
-                      <a:round/>
-                      <a:headEnd type="none" w="med" len="med"/>
-                      <a:tailEnd type="none" w="med" len="med"/>
-                    </a:lnT>
-                    <a:lnB w="12700" cap="flat" cmpd="sng" algn="ctr">
-                      <a:solidFill>
-                        <a:schemeClr val="tx1"/>
-                      </a:solidFill>
-                      <a:prstDash val="solid"/>
-                      <a:round/>
-                      <a:headEnd type="none" w="med" len="med"/>
-                      <a:tailEnd type="none" w="med" len="med"/>
-                    </a:lnB>
-                    <a:lnTlToBr w="12700" cmpd="sng">
-                      <a:noFill/>
-                      <a:prstDash val="solid"/>
-                    </a:lnTlToBr>
-                    <a:lnBlToTr w="12700" cmpd="sng">
-                      <a:noFill/>
-                      <a:prstDash val="solid"/>
-                    </a:lnBlToTr>
-                    <a:noFill/>
-                  </a:tcPr>
-                </a:tc>
-                <a:extLst>
-                  <a:ext uri="{0D108BD9-81ED-4DB2-BD59-A6C34878D82A}">
-                    <a16:rowId xmlns:a16="http://schemas.microsoft.com/office/drawing/2014/main" val="3100173995"/>
-                  </a:ext>
-                </a:extLst>
-              </a:tr>
-              <a:tr h="370840">
-                <a:tc>
-                  <a:txBody>
-                    <a:bodyPr/>
-                    <a:lstStyle/>
-                    <a:p>
-                      <a:pPr latinLnBrk="1"/>
-                      <a:r>
-                        <a:rPr lang="ko-KR" altLang="en-US" b="0" dirty="0">
-                          <a:solidFill>
-                            <a:schemeClr val="tx1"/>
-                          </a:solidFill>
-                        </a:rPr>
-                        <a:t>설명</a:t>
-                      </a:r>
-                    </a:p>
-                  </a:txBody>
-                  <a:tcPr>
-                    <a:lnL w="12700" cap="flat" cmpd="sng" algn="ctr">
-                      <a:solidFill>
-                        <a:schemeClr val="tx1"/>
-                      </a:solidFill>
-                      <a:prstDash val="solid"/>
-                      <a:round/>
-                      <a:headEnd type="none" w="med" len="med"/>
-                      <a:tailEnd type="none" w="med" len="med"/>
-                    </a:lnL>
-                    <a:lnR w="12700" cap="flat" cmpd="sng" algn="ctr">
-                      <a:solidFill>
-                        <a:schemeClr val="tx1"/>
-                      </a:solidFill>
-                      <a:prstDash val="solid"/>
-                      <a:round/>
-                      <a:headEnd type="none" w="med" len="med"/>
-                      <a:tailEnd type="none" w="med" len="med"/>
-                    </a:lnR>
-                    <a:lnT w="12700" cap="flat" cmpd="sng" algn="ctr">
-                      <a:solidFill>
-                        <a:schemeClr val="tx1"/>
-                      </a:solidFill>
-                      <a:prstDash val="solid"/>
-                      <a:round/>
-                      <a:headEnd type="none" w="med" len="med"/>
-                      <a:tailEnd type="none" w="med" len="med"/>
-                    </a:lnT>
-                    <a:lnB w="12700" cap="flat" cmpd="sng" algn="ctr">
-                      <a:solidFill>
-                        <a:schemeClr val="tx1"/>
-                      </a:solidFill>
-                      <a:prstDash val="solid"/>
-                      <a:round/>
-                      <a:headEnd type="none" w="med" len="med"/>
-                      <a:tailEnd type="none" w="med" len="med"/>
-                    </a:lnB>
-                    <a:lnTlToBr w="12700" cmpd="sng">
-                      <a:noFill/>
-                      <a:prstDash val="solid"/>
-                    </a:lnTlToBr>
-                    <a:lnBlToTr w="12700" cmpd="sng">
-                      <a:noFill/>
-                      <a:prstDash val="solid"/>
-                    </a:lnBlToTr>
-                    <a:noFill/>
-                  </a:tcPr>
-                </a:tc>
-                <a:tc>
-                  <a:txBody>
-                    <a:bodyPr/>
-                    <a:lstStyle/>
-                    <a:p>
-                      <a:pPr latinLnBrk="1"/>
-                      <a:r>
-                        <a:rPr lang="ko-KR" altLang="en-US" b="0" dirty="0">
-                          <a:solidFill>
-                            <a:schemeClr val="tx1"/>
-                          </a:solidFill>
-                        </a:rPr>
-                        <a:t>퀘스트 완료 조건을 만족하여 퀘스트를 완료하는 단계</a:t>
-                      </a:r>
-                    </a:p>
-                  </a:txBody>
-                  <a:tcPr>
-                    <a:lnL w="12700" cap="flat" cmpd="sng" algn="ctr">
-                      <a:solidFill>
-                        <a:schemeClr val="tx1"/>
-                      </a:solidFill>
-                      <a:prstDash val="solid"/>
-                      <a:round/>
-                      <a:headEnd type="none" w="med" len="med"/>
-                      <a:tailEnd type="none" w="med" len="med"/>
-                    </a:lnL>
-                    <a:lnR w="12700" cap="flat" cmpd="sng" algn="ctr">
-                      <a:solidFill>
-                        <a:schemeClr val="tx1"/>
-                      </a:solidFill>
-                      <a:prstDash val="solid"/>
-                      <a:round/>
-                      <a:headEnd type="none" w="med" len="med"/>
-                      <a:tailEnd type="none" w="med" len="med"/>
-                    </a:lnR>
-                    <a:lnT w="12700" cap="flat" cmpd="sng" algn="ctr">
-                      <a:solidFill>
-                        <a:schemeClr val="tx1"/>
-                      </a:solidFill>
-                      <a:prstDash val="solid"/>
-                      <a:round/>
-                      <a:headEnd type="none" w="med" len="med"/>
-                      <a:tailEnd type="none" w="med" len="med"/>
-                    </a:lnT>
-                    <a:lnB w="12700" cap="flat" cmpd="sng" algn="ctr">
-                      <a:solidFill>
-                        <a:schemeClr val="tx1"/>
-                      </a:solidFill>
-                      <a:prstDash val="solid"/>
-                      <a:round/>
-                      <a:headEnd type="none" w="med" len="med"/>
-                      <a:tailEnd type="none" w="med" len="med"/>
-                    </a:lnB>
-                    <a:lnTlToBr w="12700" cmpd="sng">
-                      <a:noFill/>
-                      <a:prstDash val="solid"/>
-                    </a:lnTlToBr>
-                    <a:lnBlToTr w="12700" cmpd="sng">
-                      <a:noFill/>
-                      <a:prstDash val="solid"/>
-                    </a:lnBlToTr>
-                    <a:noFill/>
-                  </a:tcPr>
-                </a:tc>
-                <a:extLst>
-                  <a:ext uri="{0D108BD9-81ED-4DB2-BD59-A6C34878D82A}">
-                    <a16:rowId xmlns:a16="http://schemas.microsoft.com/office/drawing/2014/main" val="2095231337"/>
-                  </a:ext>
-                </a:extLst>
-              </a:tr>
-            </a:tbl>
-          </a:graphicData>
-        </a:graphic>
-      </p:graphicFrame>
-      <p:graphicFrame>
-        <p:nvGraphicFramePr>
-          <p:cNvPr id="8" name="표 5">
-            <a:extLst>
-              <a:ext uri="{FF2B5EF4-FFF2-40B4-BE49-F238E27FC236}">
-                <a16:creationId xmlns:a16="http://schemas.microsoft.com/office/drawing/2014/main" id="{14B1A258-134D-4615-95BF-16CECD52006F}"/>
-              </a:ext>
-            </a:extLst>
-          </p:cNvPr>
-          <p:cNvGraphicFramePr>
-            <a:graphicFrameLocks noGrp="1"/>
-          </p:cNvGraphicFramePr>
-          <p:nvPr>
-            <p:extLst>
-              <p:ext uri="{D42A27DB-BD31-4B8C-83A1-F6EECF244321}">
-                <p14:modId xmlns:p14="http://schemas.microsoft.com/office/powerpoint/2010/main" val="783571951"/>
-              </p:ext>
-            </p:extLst>
-          </p:nvPr>
-        </p:nvGraphicFramePr>
-        <p:xfrm>
-          <a:off x="696912" y="1577346"/>
-          <a:ext cx="6690361" cy="736600"/>
-        </p:xfrm>
-        <a:graphic>
-          <a:graphicData uri="http://schemas.openxmlformats.org/drawingml/2006/table">
-            <a:tbl>
-              <a:tblPr firstRow="1" bandRow="1">
-                <a:tableStyleId>{5C22544A-7EE6-4342-B048-85BDC9FD1C3A}</a:tableStyleId>
-              </a:tblPr>
-              <a:tblGrid>
-                <a:gridCol w="721043">
-                  <a:extLst>
-                    <a:ext uri="{9D8B030D-6E8A-4147-A177-3AD203B41FA5}">
-                      <a16:colId xmlns:a16="http://schemas.microsoft.com/office/drawing/2014/main" val="1726475077"/>
-                    </a:ext>
-                  </a:extLst>
-                </a:gridCol>
-                <a:gridCol w="5969318">
-                  <a:extLst>
-                    <a:ext uri="{9D8B030D-6E8A-4147-A177-3AD203B41FA5}">
-                      <a16:colId xmlns:a16="http://schemas.microsoft.com/office/drawing/2014/main" val="1417546390"/>
-                    </a:ext>
-                  </a:extLst>
-                </a:gridCol>
-              </a:tblGrid>
-              <a:tr h="211276">
-                <a:tc>
-                  <a:txBody>
-                    <a:bodyPr/>
-                    <a:lstStyle/>
-                    <a:p>
-                      <a:pPr latinLnBrk="1"/>
-                      <a:r>
-                        <a:rPr lang="ko-KR" altLang="en-US" b="0" dirty="0">
-                          <a:solidFill>
-                            <a:schemeClr val="tx1"/>
-                          </a:solidFill>
-                        </a:rPr>
-                        <a:t>과정</a:t>
-                      </a:r>
-                    </a:p>
-                  </a:txBody>
-                  <a:tcPr>
-                    <a:lnL w="12700" cap="flat" cmpd="sng" algn="ctr">
-                      <a:solidFill>
-                        <a:schemeClr val="tx1"/>
-                      </a:solidFill>
-                      <a:prstDash val="solid"/>
-                      <a:round/>
-                      <a:headEnd type="none" w="med" len="med"/>
-                      <a:tailEnd type="none" w="med" len="med"/>
-                    </a:lnL>
-                    <a:lnR w="12700" cap="flat" cmpd="sng" algn="ctr">
-                      <a:solidFill>
-                        <a:schemeClr val="tx1"/>
-                      </a:solidFill>
-                      <a:prstDash val="solid"/>
-                      <a:round/>
-                      <a:headEnd type="none" w="med" len="med"/>
-                      <a:tailEnd type="none" w="med" len="med"/>
-                    </a:lnR>
-                    <a:lnT w="12700" cap="flat" cmpd="sng" algn="ctr">
-                      <a:solidFill>
-                        <a:schemeClr val="tx1"/>
-                      </a:solidFill>
-                      <a:prstDash val="solid"/>
-                      <a:round/>
-                      <a:headEnd type="none" w="med" len="med"/>
-                      <a:tailEnd type="none" w="med" len="med"/>
-                    </a:lnT>
-                    <a:lnB w="12700" cap="flat" cmpd="sng" algn="ctr">
-                      <a:solidFill>
-                        <a:schemeClr val="tx1"/>
-                      </a:solidFill>
-                      <a:prstDash val="solid"/>
-                      <a:round/>
-                      <a:headEnd type="none" w="med" len="med"/>
-                      <a:tailEnd type="none" w="med" len="med"/>
-                    </a:lnB>
-                    <a:lnTlToBr w="12700" cmpd="sng">
-                      <a:noFill/>
-                      <a:prstDash val="solid"/>
-                    </a:lnTlToBr>
-                    <a:lnBlToTr w="12700" cmpd="sng">
-                      <a:noFill/>
-                      <a:prstDash val="solid"/>
-                    </a:lnBlToTr>
-                    <a:noFill/>
-                  </a:tcPr>
-                </a:tc>
-                <a:tc>
-                  <a:txBody>
-                    <a:bodyPr/>
-                    <a:lstStyle/>
-                    <a:p>
-                      <a:pPr latinLnBrk="1"/>
-                      <a:r>
-                        <a:rPr lang="ko-KR" altLang="en-US" b="0" dirty="0">
-                          <a:solidFill>
-                            <a:schemeClr val="tx1"/>
-                          </a:solidFill>
-                        </a:rPr>
-                        <a:t>발생</a:t>
-                      </a:r>
-                    </a:p>
-                  </a:txBody>
-                  <a:tcPr>
-                    <a:lnL w="12700" cap="flat" cmpd="sng" algn="ctr">
-                      <a:solidFill>
-                        <a:schemeClr val="tx1"/>
-                      </a:solidFill>
-                      <a:prstDash val="solid"/>
-                      <a:round/>
-                      <a:headEnd type="none" w="med" len="med"/>
-                      <a:tailEnd type="none" w="med" len="med"/>
-                    </a:lnL>
-                    <a:lnR w="12700" cap="flat" cmpd="sng" algn="ctr">
-                      <a:solidFill>
-                        <a:schemeClr val="tx1"/>
-                      </a:solidFill>
-                      <a:prstDash val="solid"/>
-                      <a:round/>
-                      <a:headEnd type="none" w="med" len="med"/>
-                      <a:tailEnd type="none" w="med" len="med"/>
-                    </a:lnR>
-                    <a:lnT w="12700" cap="flat" cmpd="sng" algn="ctr">
-                      <a:solidFill>
-                        <a:schemeClr val="tx1"/>
-                      </a:solidFill>
-                      <a:prstDash val="solid"/>
-                      <a:round/>
-                      <a:headEnd type="none" w="med" len="med"/>
-                      <a:tailEnd type="none" w="med" len="med"/>
-                    </a:lnT>
-                    <a:lnB w="12700" cap="flat" cmpd="sng" algn="ctr">
-                      <a:solidFill>
-                        <a:schemeClr val="tx1"/>
-                      </a:solidFill>
-                      <a:prstDash val="solid"/>
-                      <a:round/>
-                      <a:headEnd type="none" w="med" len="med"/>
-                      <a:tailEnd type="none" w="med" len="med"/>
-                    </a:lnB>
-                    <a:lnTlToBr w="12700" cmpd="sng">
-                      <a:noFill/>
-                      <a:prstDash val="solid"/>
-                    </a:lnTlToBr>
-                    <a:lnBlToTr w="12700" cmpd="sng">
-                      <a:noFill/>
-                      <a:prstDash val="solid"/>
-                    </a:lnBlToTr>
-                    <a:noFill/>
-                  </a:tcPr>
-                </a:tc>
-                <a:extLst>
-                  <a:ext uri="{0D108BD9-81ED-4DB2-BD59-A6C34878D82A}">
-                    <a16:rowId xmlns:a16="http://schemas.microsoft.com/office/drawing/2014/main" val="3100173995"/>
-                  </a:ext>
-                </a:extLst>
-              </a:tr>
-              <a:tr h="370840">
-                <a:tc>
-                  <a:txBody>
-                    <a:bodyPr/>
-                    <a:lstStyle/>
-                    <a:p>
-                      <a:pPr latinLnBrk="1"/>
-                      <a:r>
-                        <a:rPr lang="ko-KR" altLang="en-US" b="0" dirty="0">
-                          <a:solidFill>
-                            <a:schemeClr val="tx1"/>
-                          </a:solidFill>
-                        </a:rPr>
-                        <a:t>설명</a:t>
-                      </a:r>
-                    </a:p>
-                  </a:txBody>
-                  <a:tcPr>
-                    <a:lnL w="12700" cap="flat" cmpd="sng" algn="ctr">
-                      <a:solidFill>
-                        <a:schemeClr val="tx1"/>
-                      </a:solidFill>
-                      <a:prstDash val="solid"/>
-                      <a:round/>
-                      <a:headEnd type="none" w="med" len="med"/>
-                      <a:tailEnd type="none" w="med" len="med"/>
-                    </a:lnL>
-                    <a:lnR w="12700" cap="flat" cmpd="sng" algn="ctr">
-                      <a:solidFill>
-                        <a:schemeClr val="tx1"/>
-                      </a:solidFill>
-                      <a:prstDash val="solid"/>
-                      <a:round/>
-                      <a:headEnd type="none" w="med" len="med"/>
-                      <a:tailEnd type="none" w="med" len="med"/>
-                    </a:lnR>
-                    <a:lnT w="12700" cap="flat" cmpd="sng" algn="ctr">
-                      <a:solidFill>
-                        <a:schemeClr val="tx1"/>
-                      </a:solidFill>
-                      <a:prstDash val="solid"/>
-                      <a:round/>
-                      <a:headEnd type="none" w="med" len="med"/>
-                      <a:tailEnd type="none" w="med" len="med"/>
-                    </a:lnT>
-                    <a:lnB w="12700" cap="flat" cmpd="sng" algn="ctr">
-                      <a:solidFill>
-                        <a:schemeClr val="tx1"/>
-                      </a:solidFill>
-                      <a:prstDash val="solid"/>
-                      <a:round/>
-                      <a:headEnd type="none" w="med" len="med"/>
-                      <a:tailEnd type="none" w="med" len="med"/>
-                    </a:lnB>
-                    <a:lnTlToBr w="12700" cmpd="sng">
-                      <a:noFill/>
-                      <a:prstDash val="solid"/>
-                    </a:lnTlToBr>
-                    <a:lnBlToTr w="12700" cmpd="sng">
-                      <a:noFill/>
-                      <a:prstDash val="solid"/>
-                    </a:lnBlToTr>
-                    <a:noFill/>
-                  </a:tcPr>
-                </a:tc>
-                <a:tc>
-                  <a:txBody>
-                    <a:bodyPr/>
-                    <a:lstStyle/>
-                    <a:p>
-                      <a:pPr latinLnBrk="1"/>
-                      <a:r>
-                        <a:rPr lang="ko-KR" altLang="en-US" b="0" dirty="0">
-                          <a:solidFill>
-                            <a:schemeClr val="tx1"/>
-                          </a:solidFill>
-                        </a:rPr>
-                        <a:t>퀘스트가 발생하는 단계</a:t>
-                      </a:r>
-                    </a:p>
-                  </a:txBody>
-                  <a:tcPr>
-                    <a:lnL w="12700" cap="flat" cmpd="sng" algn="ctr">
-                      <a:solidFill>
-                        <a:schemeClr val="tx1"/>
-                      </a:solidFill>
-                      <a:prstDash val="solid"/>
-                      <a:round/>
-                      <a:headEnd type="none" w="med" len="med"/>
-                      <a:tailEnd type="none" w="med" len="med"/>
-                    </a:lnL>
-                    <a:lnR w="12700" cap="flat" cmpd="sng" algn="ctr">
-                      <a:solidFill>
-                        <a:schemeClr val="tx1"/>
-                      </a:solidFill>
-                      <a:prstDash val="solid"/>
-                      <a:round/>
-                      <a:headEnd type="none" w="med" len="med"/>
-                      <a:tailEnd type="none" w="med" len="med"/>
-                    </a:lnR>
-                    <a:lnT w="12700" cap="flat" cmpd="sng" algn="ctr">
-                      <a:solidFill>
-                        <a:schemeClr val="tx1"/>
-                      </a:solidFill>
-                      <a:prstDash val="solid"/>
-                      <a:round/>
-                      <a:headEnd type="none" w="med" len="med"/>
-                      <a:tailEnd type="none" w="med" len="med"/>
-                    </a:lnT>
-                    <a:lnB w="12700" cap="flat" cmpd="sng" algn="ctr">
-                      <a:solidFill>
-                        <a:schemeClr val="tx1"/>
-                      </a:solidFill>
-                      <a:prstDash val="solid"/>
-                      <a:round/>
-                      <a:headEnd type="none" w="med" len="med"/>
-                      <a:tailEnd type="none" w="med" len="med"/>
-                    </a:lnB>
-                    <a:lnTlToBr w="12700" cmpd="sng">
-                      <a:noFill/>
-                      <a:prstDash val="solid"/>
-                    </a:lnTlToBr>
-                    <a:lnBlToTr w="12700" cmpd="sng">
-                      <a:noFill/>
-                      <a:prstDash val="solid"/>
-                    </a:lnBlToTr>
-                    <a:noFill/>
-                  </a:tcPr>
-                </a:tc>
-                <a:extLst>
-                  <a:ext uri="{0D108BD9-81ED-4DB2-BD59-A6C34878D82A}">
-                    <a16:rowId xmlns:a16="http://schemas.microsoft.com/office/drawing/2014/main" val="2095231337"/>
-                  </a:ext>
-                </a:extLst>
-              </a:tr>
-            </a:tbl>
-          </a:graphicData>
-        </a:graphic>
-      </p:graphicFrame>
-      <p:graphicFrame>
-        <p:nvGraphicFramePr>
-          <p:cNvPr id="2" name="표 2">
-            <a:extLst>
-              <a:ext uri="{FF2B5EF4-FFF2-40B4-BE49-F238E27FC236}">
-                <a16:creationId xmlns:a16="http://schemas.microsoft.com/office/drawing/2014/main" id="{8C0A4544-C72D-45A1-A904-F9B6C0EB1906}"/>
-              </a:ext>
-            </a:extLst>
-          </p:cNvPr>
-          <p:cNvGraphicFramePr>
-            <a:graphicFrameLocks noGrp="1"/>
-          </p:cNvGraphicFramePr>
-          <p:nvPr>
-            <p:extLst>
-              <p:ext uri="{D42A27DB-BD31-4B8C-83A1-F6EECF244321}">
-                <p14:modId xmlns:p14="http://schemas.microsoft.com/office/powerpoint/2010/main" val="1698347732"/>
-              </p:ext>
-            </p:extLst>
-          </p:nvPr>
-        </p:nvGraphicFramePr>
-        <p:xfrm>
-          <a:off x="6472115" y="3098088"/>
-          <a:ext cx="5221654" cy="1854200"/>
-        </p:xfrm>
-        <a:graphic>
-          <a:graphicData uri="http://schemas.openxmlformats.org/drawingml/2006/table">
-            <a:tbl>
-              <a:tblPr firstRow="1" bandRow="1">
-                <a:tableStyleId>{5C22544A-7EE6-4342-B048-85BDC9FD1C3A}</a:tableStyleId>
-              </a:tblPr>
-              <a:tblGrid>
-                <a:gridCol w="908769">
-                  <a:extLst>
-                    <a:ext uri="{9D8B030D-6E8A-4147-A177-3AD203B41FA5}">
-                      <a16:colId xmlns:a16="http://schemas.microsoft.com/office/drawing/2014/main" val="379944936"/>
-                    </a:ext>
-                  </a:extLst>
-                </a:gridCol>
-                <a:gridCol w="4312885">
-                  <a:extLst>
-                    <a:ext uri="{9D8B030D-6E8A-4147-A177-3AD203B41FA5}">
-                      <a16:colId xmlns:a16="http://schemas.microsoft.com/office/drawing/2014/main" val="1559220905"/>
-                    </a:ext>
-                  </a:extLst>
-                </a:gridCol>
-              </a:tblGrid>
-              <a:tr h="370840">
-                <a:tc>
-                  <a:txBody>
-                    <a:bodyPr/>
-                    <a:lstStyle/>
-                    <a:p>
-                      <a:pPr latinLnBrk="1"/>
-                      <a:r>
-                        <a:rPr lang="ko-KR" altLang="en-US" b="0" dirty="0">
-                          <a:solidFill>
-                            <a:schemeClr val="tx1"/>
-                          </a:solidFill>
-                        </a:rPr>
-                        <a:t>발생</a:t>
-                      </a:r>
-                    </a:p>
-                  </a:txBody>
-                  <a:tcPr>
-                    <a:lnL w="12700" cap="flat" cmpd="sng" algn="ctr">
-                      <a:solidFill>
-                        <a:schemeClr val="tx1"/>
-                      </a:solidFill>
-                      <a:prstDash val="solid"/>
-                      <a:round/>
-                      <a:headEnd type="none" w="med" len="med"/>
-                      <a:tailEnd type="none" w="med" len="med"/>
-                    </a:lnL>
-                    <a:lnR w="12700" cap="flat" cmpd="sng" algn="ctr">
-                      <a:solidFill>
-                        <a:schemeClr val="tx1"/>
-                      </a:solidFill>
-                      <a:prstDash val="solid"/>
-                      <a:round/>
-                      <a:headEnd type="none" w="med" len="med"/>
-                      <a:tailEnd type="none" w="med" len="med"/>
-                    </a:lnR>
-                    <a:lnT w="12700" cap="flat" cmpd="sng" algn="ctr">
-                      <a:solidFill>
-                        <a:schemeClr val="tx1"/>
-                      </a:solidFill>
-                      <a:prstDash val="solid"/>
-                      <a:round/>
-                      <a:headEnd type="none" w="med" len="med"/>
-                      <a:tailEnd type="none" w="med" len="med"/>
-                    </a:lnT>
-                    <a:lnB w="12700" cap="flat" cmpd="sng" algn="ctr">
-                      <a:solidFill>
-                        <a:schemeClr val="tx1"/>
-                      </a:solidFill>
-                      <a:prstDash val="solid"/>
-                      <a:round/>
-                      <a:headEnd type="none" w="med" len="med"/>
-                      <a:tailEnd type="none" w="med" len="med"/>
-                    </a:lnB>
-                    <a:noFill/>
-                  </a:tcPr>
-                </a:tc>
-                <a:tc>
-                  <a:txBody>
-                    <a:bodyPr/>
-                    <a:lstStyle/>
-                    <a:p>
-                      <a:pPr latinLnBrk="1"/>
-                      <a:endParaRPr lang="ko-KR" altLang="en-US" b="0" dirty="0">
+                        <a:rPr lang="ko-KR" altLang="en-US" sz="1100" b="0" dirty="0">
+                          <a:solidFill>
+                            <a:schemeClr val="tx1"/>
+                          </a:solidFill>
+                        </a:rPr>
+                        <a:t>스토리 퀘스트는 최대 </a:t>
+                      </a:r>
+                      <a:r>
+                        <a:rPr lang="en-US" altLang="ko-KR" sz="1100" b="0" dirty="0">
+                          <a:solidFill>
+                            <a:schemeClr val="tx1"/>
+                          </a:solidFill>
+                        </a:rPr>
+                        <a:t>8</a:t>
+                      </a:r>
+                      <a:r>
+                        <a:rPr lang="ko-KR" altLang="en-US" sz="1100" b="0" dirty="0">
+                          <a:solidFill>
+                            <a:schemeClr val="tx1"/>
+                          </a:solidFill>
+                        </a:rPr>
+                        <a:t>개 까지 동시에 수행 가능</a:t>
+                      </a:r>
+                      <a:endParaRPr lang="en-US" altLang="ko-KR" sz="1100" b="0" dirty="0">
                         <a:solidFill>
                           <a:schemeClr val="tx1"/>
                         </a:solidFill>
@@ -9031,18 +8435,14 @@
                   </a:txBody>
                   <a:tcPr>
                     <a:lnL w="12700" cap="flat" cmpd="sng" algn="ctr">
-                      <a:solidFill>
-                        <a:schemeClr val="tx1"/>
-                      </a:solidFill>
+                      <a:noFill/>
                       <a:prstDash val="solid"/>
                       <a:round/>
                       <a:headEnd type="none" w="med" len="med"/>
                       <a:tailEnd type="none" w="med" len="med"/>
                     </a:lnL>
                     <a:lnR w="12700" cap="flat" cmpd="sng" algn="ctr">
-                      <a:solidFill>
-                        <a:schemeClr val="tx1"/>
-                      </a:solidFill>
+                      <a:noFill/>
                       <a:prstDash val="solid"/>
                       <a:round/>
                       <a:headEnd type="none" w="med" len="med"/>
@@ -9066,16 +8466,24 @@
                       <a:headEnd type="none" w="med" len="med"/>
                       <a:tailEnd type="none" w="med" len="med"/>
                     </a:lnB>
+                    <a:lnTlToBr w="12700" cmpd="sng">
+                      <a:noFill/>
+                      <a:prstDash val="solid"/>
+                    </a:lnTlToBr>
+                    <a:lnBlToTr w="12700" cmpd="sng">
+                      <a:noFill/>
+                      <a:prstDash val="solid"/>
+                    </a:lnBlToTr>
                     <a:noFill/>
                   </a:tcPr>
                 </a:tc>
                 <a:extLst>
                   <a:ext uri="{0D108BD9-81ED-4DB2-BD59-A6C34878D82A}">
-                    <a16:rowId xmlns:a16="http://schemas.microsoft.com/office/drawing/2014/main" val="744240791"/>
+                    <a16:rowId xmlns:a16="http://schemas.microsoft.com/office/drawing/2014/main" val="1107687919"/>
                   </a:ext>
                 </a:extLst>
               </a:tr>
-              <a:tr h="370840">
+              <a:tr h="0">
                 <a:tc>
                   <a:txBody>
                     <a:bodyPr/>
@@ -9083,62 +8491,30 @@
                     <a:p>
                       <a:pPr latinLnBrk="1"/>
                       <a:r>
-                        <a:rPr lang="ko-KR" altLang="en-US" b="0" dirty="0">
-                          <a:solidFill>
-                            <a:schemeClr val="tx1"/>
-                          </a:solidFill>
-                        </a:rPr>
-                        <a:t>알림</a:t>
-                      </a:r>
-                    </a:p>
-                  </a:txBody>
-                  <a:tcPr>
-                    <a:lnL w="12700" cap="flat" cmpd="sng" algn="ctr">
-                      <a:solidFill>
-                        <a:schemeClr val="tx1"/>
-                      </a:solidFill>
-                      <a:prstDash val="solid"/>
-                      <a:round/>
-                      <a:headEnd type="none" w="med" len="med"/>
-                      <a:tailEnd type="none" w="med" len="med"/>
-                    </a:lnL>
-                    <a:lnR w="12700" cap="flat" cmpd="sng" algn="ctr">
-                      <a:solidFill>
-                        <a:schemeClr val="tx1"/>
-                      </a:solidFill>
-                      <a:prstDash val="solid"/>
-                      <a:round/>
-                      <a:headEnd type="none" w="med" len="med"/>
-                      <a:tailEnd type="none" w="med" len="med"/>
-                    </a:lnR>
-                    <a:lnT w="12700" cap="flat" cmpd="sng" algn="ctr">
-                      <a:solidFill>
-                        <a:schemeClr val="tx1"/>
-                      </a:solidFill>
-                      <a:prstDash val="solid"/>
-                      <a:round/>
-                      <a:headEnd type="none" w="med" len="med"/>
-                      <a:tailEnd type="none" w="med" len="med"/>
-                    </a:lnT>
-                    <a:lnB w="12700" cap="flat" cmpd="sng" algn="ctr">
-                      <a:solidFill>
-                        <a:schemeClr val="tx1"/>
-                      </a:solidFill>
-                      <a:prstDash val="solid"/>
-                      <a:round/>
-                      <a:headEnd type="none" w="med" len="med"/>
-                      <a:tailEnd type="none" w="med" len="med"/>
-                    </a:lnB>
-                    <a:noFill/>
-                  </a:tcPr>
-                </a:tc>
-                <a:tc>
-                  <a:txBody>
-                    <a:bodyPr/>
-                    <a:lstStyle/>
-                    <a:p>
-                      <a:pPr latinLnBrk="1"/>
-                      <a:endParaRPr lang="ko-KR" altLang="en-US" b="0" dirty="0">
+                        <a:rPr lang="ko-KR" altLang="en-US" sz="1100" b="0" dirty="0">
+                          <a:solidFill>
+                            <a:schemeClr val="tx1"/>
+                          </a:solidFill>
+                        </a:rPr>
+                        <a:t>일반 퀘스트는 최대 </a:t>
+                      </a:r>
+                      <a:r>
+                        <a:rPr lang="en-US" altLang="ko-KR" sz="1100" b="0" dirty="0">
+                          <a:solidFill>
+                            <a:schemeClr val="tx1"/>
+                          </a:solidFill>
+                        </a:rPr>
+                        <a:t>20</a:t>
+                      </a:r>
+                      <a:r>
+                        <a:rPr lang="ko-KR" altLang="en-US" sz="1100" b="0" dirty="0">
+                          <a:solidFill>
+                            <a:schemeClr val="tx1"/>
+                          </a:solidFill>
+                        </a:rPr>
+                        <a:t>개 까지 동시 수행 가능</a:t>
+                      </a:r>
+                      <a:endParaRPr lang="en-US" altLang="ko-KR" sz="1100" b="0" dirty="0">
                         <a:solidFill>
                           <a:schemeClr val="tx1"/>
                         </a:solidFill>
@@ -9147,18 +8523,14 @@
                   </a:txBody>
                   <a:tcPr>
                     <a:lnL w="12700" cap="flat" cmpd="sng" algn="ctr">
-                      <a:solidFill>
-                        <a:schemeClr val="tx1"/>
-                      </a:solidFill>
+                      <a:noFill/>
                       <a:prstDash val="solid"/>
                       <a:round/>
                       <a:headEnd type="none" w="med" len="med"/>
                       <a:tailEnd type="none" w="med" len="med"/>
                     </a:lnL>
                     <a:lnR w="12700" cap="flat" cmpd="sng" algn="ctr">
-                      <a:solidFill>
-                        <a:schemeClr val="tx1"/>
-                      </a:solidFill>
+                      <a:noFill/>
                       <a:prstDash val="solid"/>
                       <a:round/>
                       <a:headEnd type="none" w="med" len="med"/>
@@ -9182,79 +8554,71 @@
                       <a:headEnd type="none" w="med" len="med"/>
                       <a:tailEnd type="none" w="med" len="med"/>
                     </a:lnB>
+                    <a:lnTlToBr w="12700" cmpd="sng">
+                      <a:noFill/>
+                      <a:prstDash val="solid"/>
+                    </a:lnTlToBr>
+                    <a:lnBlToTr w="12700" cmpd="sng">
+                      <a:noFill/>
+                      <a:prstDash val="solid"/>
+                    </a:lnBlToTr>
                     <a:noFill/>
                   </a:tcPr>
                 </a:tc>
                 <a:extLst>
                   <a:ext uri="{0D108BD9-81ED-4DB2-BD59-A6C34878D82A}">
-                    <a16:rowId xmlns:a16="http://schemas.microsoft.com/office/drawing/2014/main" val="616643955"/>
+                    <a16:rowId xmlns:a16="http://schemas.microsoft.com/office/drawing/2014/main" val="2172450142"/>
                   </a:ext>
                 </a:extLst>
               </a:tr>
-              <a:tr h="370840">
+              <a:tr h="0">
                 <a:tc>
                   <a:txBody>
                     <a:bodyPr/>
                     <a:lstStyle/>
                     <a:p>
-                      <a:pPr latinLnBrk="1"/>
-                      <a:r>
-                        <a:rPr lang="ko-KR" altLang="en-US" b="0" dirty="0">
-                          <a:solidFill>
-                            <a:schemeClr val="tx1"/>
-                          </a:solidFill>
-                        </a:rPr>
-                        <a:t>수락</a:t>
-                      </a:r>
-                    </a:p>
-                  </a:txBody>
-                  <a:tcPr>
-                    <a:lnL w="12700" cap="flat" cmpd="sng" algn="ctr">
-                      <a:solidFill>
-                        <a:schemeClr val="tx1"/>
-                      </a:solidFill>
-                      <a:prstDash val="solid"/>
-                      <a:round/>
-                      <a:headEnd type="none" w="med" len="med"/>
-                      <a:tailEnd type="none" w="med" len="med"/>
-                    </a:lnL>
-                    <a:lnR w="12700" cap="flat" cmpd="sng" algn="ctr">
-                      <a:solidFill>
-                        <a:schemeClr val="tx1"/>
-                      </a:solidFill>
-                      <a:prstDash val="solid"/>
-                      <a:round/>
-                      <a:headEnd type="none" w="med" len="med"/>
-                      <a:tailEnd type="none" w="med" len="med"/>
-                    </a:lnR>
-                    <a:lnT w="12700" cap="flat" cmpd="sng" algn="ctr">
-                      <a:solidFill>
-                        <a:schemeClr val="tx1"/>
-                      </a:solidFill>
-                      <a:prstDash val="solid"/>
-                      <a:round/>
-                      <a:headEnd type="none" w="med" len="med"/>
-                      <a:tailEnd type="none" w="med" len="med"/>
-                    </a:lnT>
-                    <a:lnB w="12700" cap="flat" cmpd="sng" algn="ctr">
-                      <a:solidFill>
-                        <a:schemeClr val="tx1"/>
-                      </a:solidFill>
-                      <a:prstDash val="solid"/>
-                      <a:round/>
-                      <a:headEnd type="none" w="med" len="med"/>
-                      <a:tailEnd type="none" w="med" len="med"/>
-                    </a:lnB>
-                    <a:noFill/>
-                  </a:tcPr>
-                </a:tc>
-                <a:tc>
-                  <a:txBody>
-                    <a:bodyPr/>
-                    <a:lstStyle/>
-                    <a:p>
-                      <a:pPr latinLnBrk="1"/>
-                      <a:endParaRPr lang="ko-KR" altLang="en-US" b="0" dirty="0">
+                      <a:pPr marL="0" marR="0" lvl="0" indent="0" algn="l" defTabSz="914400" rtl="0" eaLnBrk="1" fontAlgn="auto" latinLnBrk="1" hangingPunct="1">
+                        <a:lnSpc>
+                          <a:spcPct val="100000"/>
+                        </a:lnSpc>
+                        <a:spcBef>
+                          <a:spcPts val="0"/>
+                        </a:spcBef>
+                        <a:spcAft>
+                          <a:spcPts val="0"/>
+                        </a:spcAft>
+                        <a:buClrTx/>
+                        <a:buSzTx/>
+                        <a:buFontTx/>
+                        <a:buNone/>
+                        <a:tabLst/>
+                        <a:defRPr/>
+                      </a:pPr>
+                      <a:r>
+                        <a:rPr lang="ko-KR" altLang="en-US" sz="1100" b="0" dirty="0">
+                          <a:solidFill>
+                            <a:schemeClr val="tx1"/>
+                          </a:solidFill>
+                        </a:rPr>
+                        <a:t>연계 퀘스트는 </a:t>
+                      </a:r>
+                      <a:r>
+                        <a:rPr lang="en-US" altLang="ko-KR" sz="1100" b="0" dirty="0">
+                          <a:solidFill>
+                            <a:schemeClr val="tx1"/>
+                          </a:solidFill>
+                        </a:rPr>
+                        <a:t>1</a:t>
+                      </a:r>
+                      <a:r>
+                        <a:rPr lang="ko-KR" altLang="en-US" sz="1100" b="0" dirty="0">
+                          <a:solidFill>
+                            <a:schemeClr val="tx1"/>
+                          </a:solidFill>
+                        </a:rPr>
+                        <a:t>개의 퀘스트로 취급</a:t>
+                      </a:r>
+                      <a:endParaRPr lang="en-US" altLang="ko-KR" sz="1100" b="0" dirty="0">
                         <a:solidFill>
                           <a:schemeClr val="tx1"/>
                         </a:solidFill>
@@ -9263,18 +8627,14 @@
                   </a:txBody>
                   <a:tcPr>
                     <a:lnL w="12700" cap="flat" cmpd="sng" algn="ctr">
-                      <a:solidFill>
-                        <a:schemeClr val="tx1"/>
-                      </a:solidFill>
+                      <a:noFill/>
                       <a:prstDash val="solid"/>
                       <a:round/>
                       <a:headEnd type="none" w="med" len="med"/>
                       <a:tailEnd type="none" w="med" len="med"/>
                     </a:lnL>
                     <a:lnR w="12700" cap="flat" cmpd="sng" algn="ctr">
-                      <a:solidFill>
-                        <a:schemeClr val="tx1"/>
-                      </a:solidFill>
+                      <a:noFill/>
                       <a:prstDash val="solid"/>
                       <a:round/>
                       <a:headEnd type="none" w="med" len="med"/>
@@ -9298,16 +8658,24 @@
                       <a:headEnd type="none" w="med" len="med"/>
                       <a:tailEnd type="none" w="med" len="med"/>
                     </a:lnB>
+                    <a:lnTlToBr w="12700" cmpd="sng">
+                      <a:noFill/>
+                      <a:prstDash val="solid"/>
+                    </a:lnTlToBr>
+                    <a:lnBlToTr w="12700" cmpd="sng">
+                      <a:noFill/>
+                      <a:prstDash val="solid"/>
+                    </a:lnBlToTr>
                     <a:noFill/>
                   </a:tcPr>
                 </a:tc>
                 <a:extLst>
                   <a:ext uri="{0D108BD9-81ED-4DB2-BD59-A6C34878D82A}">
-                    <a16:rowId xmlns:a16="http://schemas.microsoft.com/office/drawing/2014/main" val="1368276278"/>
+                    <a16:rowId xmlns:a16="http://schemas.microsoft.com/office/drawing/2014/main" val="3628257813"/>
                   </a:ext>
                 </a:extLst>
               </a:tr>
-              <a:tr h="370840">
+              <a:tr h="0">
                 <a:tc>
                   <a:txBody>
                     <a:bodyPr/>
@@ -9315,62 +8683,14 @@
                     <a:p>
                       <a:pPr latinLnBrk="1"/>
                       <a:r>
-                        <a:rPr lang="ko-KR" altLang="en-US" b="0" dirty="0">
-                          <a:solidFill>
-                            <a:schemeClr val="tx1"/>
-                          </a:solidFill>
-                        </a:rPr>
-                        <a:t>진행</a:t>
-                      </a:r>
-                    </a:p>
-                  </a:txBody>
-                  <a:tcPr>
-                    <a:lnL w="12700" cap="flat" cmpd="sng" algn="ctr">
-                      <a:solidFill>
-                        <a:schemeClr val="tx1"/>
-                      </a:solidFill>
-                      <a:prstDash val="solid"/>
-                      <a:round/>
-                      <a:headEnd type="none" w="med" len="med"/>
-                      <a:tailEnd type="none" w="med" len="med"/>
-                    </a:lnL>
-                    <a:lnR w="12700" cap="flat" cmpd="sng" algn="ctr">
-                      <a:solidFill>
-                        <a:schemeClr val="tx1"/>
-                      </a:solidFill>
-                      <a:prstDash val="solid"/>
-                      <a:round/>
-                      <a:headEnd type="none" w="med" len="med"/>
-                      <a:tailEnd type="none" w="med" len="med"/>
-                    </a:lnR>
-                    <a:lnT w="12700" cap="flat" cmpd="sng" algn="ctr">
-                      <a:solidFill>
-                        <a:schemeClr val="tx1"/>
-                      </a:solidFill>
-                      <a:prstDash val="solid"/>
-                      <a:round/>
-                      <a:headEnd type="none" w="med" len="med"/>
-                      <a:tailEnd type="none" w="med" len="med"/>
-                    </a:lnT>
-                    <a:lnB w="12700" cap="flat" cmpd="sng" algn="ctr">
-                      <a:solidFill>
-                        <a:schemeClr val="tx1"/>
-                      </a:solidFill>
-                      <a:prstDash val="solid"/>
-                      <a:round/>
-                      <a:headEnd type="none" w="med" len="med"/>
-                      <a:tailEnd type="none" w="med" len="med"/>
-                    </a:lnB>
-                    <a:noFill/>
-                  </a:tcPr>
-                </a:tc>
-                <a:tc>
-                  <a:txBody>
-                    <a:bodyPr/>
-                    <a:lstStyle/>
-                    <a:p>
-                      <a:pPr latinLnBrk="1"/>
-                      <a:endParaRPr lang="ko-KR" altLang="en-US" b="0" dirty="0">
+                        <a:rPr lang="ko-KR" altLang="en-US" sz="1100" b="0" dirty="0">
+                          <a:solidFill>
+                            <a:schemeClr val="tx1"/>
+                          </a:solidFill>
+                        </a:rPr>
+                        <a:t>최대 퀘스트 수행 숫자에 도달 시 퀘스트 추가 수행 불가 및 보류</a:t>
+                      </a:r>
+                      <a:endParaRPr lang="en-US" altLang="ko-KR" sz="1100" b="0" dirty="0">
                         <a:solidFill>
                           <a:schemeClr val="tx1"/>
                         </a:solidFill>
@@ -9379,18 +8699,14 @@
                   </a:txBody>
                   <a:tcPr>
                     <a:lnL w="12700" cap="flat" cmpd="sng" algn="ctr">
-                      <a:solidFill>
-                        <a:schemeClr val="tx1"/>
-                      </a:solidFill>
+                      <a:noFill/>
                       <a:prstDash val="solid"/>
                       <a:round/>
                       <a:headEnd type="none" w="med" len="med"/>
                       <a:tailEnd type="none" w="med" len="med"/>
                     </a:lnL>
                     <a:lnR w="12700" cap="flat" cmpd="sng" algn="ctr">
-                      <a:solidFill>
-                        <a:schemeClr val="tx1"/>
-                      </a:solidFill>
+                      <a:noFill/>
                       <a:prstDash val="solid"/>
                       <a:round/>
                       <a:headEnd type="none" w="med" len="med"/>
@@ -9414,128 +8730,20 @@
                       <a:headEnd type="none" w="med" len="med"/>
                       <a:tailEnd type="none" w="med" len="med"/>
                     </a:lnB>
+                    <a:lnTlToBr w="12700" cmpd="sng">
+                      <a:noFill/>
+                      <a:prstDash val="solid"/>
+                    </a:lnTlToBr>
+                    <a:lnBlToTr w="12700" cmpd="sng">
+                      <a:noFill/>
+                      <a:prstDash val="solid"/>
+                    </a:lnBlToTr>
                     <a:noFill/>
                   </a:tcPr>
                 </a:tc>
                 <a:extLst>
                   <a:ext uri="{0D108BD9-81ED-4DB2-BD59-A6C34878D82A}">
-                    <a16:rowId xmlns:a16="http://schemas.microsoft.com/office/drawing/2014/main" val="3428820987"/>
-                  </a:ext>
-                </a:extLst>
-              </a:tr>
-              <a:tr h="370840">
-                <a:tc>
-                  <a:txBody>
-                    <a:bodyPr/>
-                    <a:lstStyle/>
-                    <a:p>
-                      <a:pPr latinLnBrk="1"/>
-                      <a:r>
-                        <a:rPr lang="ko-KR" altLang="en-US" b="0" dirty="0">
-                          <a:solidFill>
-                            <a:schemeClr val="tx1"/>
-                          </a:solidFill>
-                        </a:rPr>
-                        <a:t>완료</a:t>
-                      </a:r>
-                    </a:p>
-                  </a:txBody>
-                  <a:tcPr>
-                    <a:lnL w="12700" cap="flat" cmpd="sng" algn="ctr">
-                      <a:solidFill>
-                        <a:schemeClr val="tx1"/>
-                      </a:solidFill>
-                      <a:prstDash val="solid"/>
-                      <a:round/>
-                      <a:headEnd type="none" w="med" len="med"/>
-                      <a:tailEnd type="none" w="med" len="med"/>
-                    </a:lnL>
-                    <a:lnR w="12700" cap="flat" cmpd="sng" algn="ctr">
-                      <a:solidFill>
-                        <a:schemeClr val="tx1"/>
-                      </a:solidFill>
-                      <a:prstDash val="solid"/>
-                      <a:round/>
-                      <a:headEnd type="none" w="med" len="med"/>
-                      <a:tailEnd type="none" w="med" len="med"/>
-                    </a:lnR>
-                    <a:lnT w="12700" cap="flat" cmpd="sng" algn="ctr">
-                      <a:solidFill>
-                        <a:schemeClr val="tx1"/>
-                      </a:solidFill>
-                      <a:prstDash val="solid"/>
-                      <a:round/>
-                      <a:headEnd type="none" w="med" len="med"/>
-                      <a:tailEnd type="none" w="med" len="med"/>
-                    </a:lnT>
-                    <a:lnB w="12700" cap="flat" cmpd="sng" algn="ctr">
-                      <a:solidFill>
-                        <a:schemeClr val="tx1"/>
-                      </a:solidFill>
-                      <a:prstDash val="solid"/>
-                      <a:round/>
-                      <a:headEnd type="none" w="med" len="med"/>
-                      <a:tailEnd type="none" w="med" len="med"/>
-                    </a:lnB>
-                    <a:noFill/>
-                  </a:tcPr>
-                </a:tc>
-                <a:tc>
-                  <a:txBody>
-                    <a:bodyPr/>
-                    <a:lstStyle/>
-                    <a:p>
-                      <a:pPr latinLnBrk="1"/>
-                      <a:endParaRPr lang="ko-KR" altLang="en-US" b="0" dirty="0">
-                        <a:solidFill>
-                          <a:schemeClr val="tx1"/>
-                        </a:solidFill>
-                      </a:endParaRPr>
-                    </a:p>
-                  </a:txBody>
-                  <a:tcPr>
-                    <a:lnL w="12700" cap="flat" cmpd="sng" algn="ctr">
-                      <a:solidFill>
-                        <a:schemeClr val="tx1"/>
-                      </a:solidFill>
-                      <a:prstDash val="solid"/>
-                      <a:round/>
-                      <a:headEnd type="none" w="med" len="med"/>
-                      <a:tailEnd type="none" w="med" len="med"/>
-                    </a:lnL>
-                    <a:lnR w="12700" cap="flat" cmpd="sng" algn="ctr">
-                      <a:solidFill>
-                        <a:schemeClr val="tx1"/>
-                      </a:solidFill>
-                      <a:prstDash val="solid"/>
-                      <a:round/>
-                      <a:headEnd type="none" w="med" len="med"/>
-                      <a:tailEnd type="none" w="med" len="med"/>
-                    </a:lnR>
-                    <a:lnT w="12700" cap="flat" cmpd="sng" algn="ctr">
-                      <a:solidFill>
-                        <a:schemeClr val="tx1"/>
-                      </a:solidFill>
-                      <a:prstDash val="solid"/>
-                      <a:round/>
-                      <a:headEnd type="none" w="med" len="med"/>
-                      <a:tailEnd type="none" w="med" len="med"/>
-                    </a:lnT>
-                    <a:lnB w="12700" cap="flat" cmpd="sng" algn="ctr">
-                      <a:solidFill>
-                        <a:schemeClr val="tx1"/>
-                      </a:solidFill>
-                      <a:prstDash val="solid"/>
-                      <a:round/>
-                      <a:headEnd type="none" w="med" len="med"/>
-                      <a:tailEnd type="none" w="med" len="med"/>
-                    </a:lnB>
-                    <a:noFill/>
-                  </a:tcPr>
-                </a:tc>
-                <a:extLst>
-                  <a:ext uri="{0D108BD9-81ED-4DB2-BD59-A6C34878D82A}">
-                    <a16:rowId xmlns:a16="http://schemas.microsoft.com/office/drawing/2014/main" val="777245989"/>
+                    <a16:rowId xmlns:a16="http://schemas.microsoft.com/office/drawing/2014/main" val="1368599016"/>
                   </a:ext>
                 </a:extLst>
               </a:tr>
@@ -9557,6 +8765,1552 @@
 </file>
 
 <file path=ppt/slides/slide6.xml><?xml version="1.0" encoding="utf-8"?>
+<p:sld xmlns:a="http://schemas.openxmlformats.org/drawingml/2006/main" xmlns:r="http://schemas.openxmlformats.org/officeDocument/2006/relationships" xmlns:p="http://schemas.openxmlformats.org/presentationml/2006/main">
+  <p:cSld>
+    <p:spTree>
+      <p:nvGrpSpPr>
+        <p:cNvPr id="1" name=""/>
+        <p:cNvGrpSpPr/>
+        <p:nvPr/>
+      </p:nvGrpSpPr>
+      <p:grpSpPr>
+        <a:xfrm>
+          <a:off x="0" y="0"/>
+          <a:ext cx="0" cy="0"/>
+          <a:chOff x="0" y="0"/>
+          <a:chExt cx="0" cy="0"/>
+        </a:xfrm>
+      </p:grpSpPr>
+      <p:graphicFrame>
+        <p:nvGraphicFramePr>
+          <p:cNvPr id="16" name="표 2">
+            <a:extLst>
+              <a:ext uri="{FF2B5EF4-FFF2-40B4-BE49-F238E27FC236}">
+                <a16:creationId xmlns:a16="http://schemas.microsoft.com/office/drawing/2014/main" id="{8C0A4544-C72D-45A1-A904-F9B6C0EB1906}"/>
+              </a:ext>
+            </a:extLst>
+          </p:cNvPr>
+          <p:cNvGraphicFramePr>
+            <a:graphicFrameLocks noGrp="1"/>
+          </p:cNvGraphicFramePr>
+          <p:nvPr>
+            <p:extLst>
+              <p:ext uri="{D42A27DB-BD31-4B8C-83A1-F6EECF244321}">
+                <p14:modId xmlns:p14="http://schemas.microsoft.com/office/powerpoint/2010/main" val="2034480451"/>
+              </p:ext>
+            </p:extLst>
+          </p:nvPr>
+        </p:nvGraphicFramePr>
+        <p:xfrm>
+          <a:off x="1805939" y="1148826"/>
+          <a:ext cx="8970011" cy="3383280"/>
+        </p:xfrm>
+        <a:graphic>
+          <a:graphicData uri="http://schemas.openxmlformats.org/drawingml/2006/table">
+            <a:tbl>
+              <a:tblPr firstRow="1" bandRow="1">
+                <a:tableStyleId>{5C22544A-7EE6-4342-B048-85BDC9FD1C3A}</a:tableStyleId>
+              </a:tblPr>
+              <a:tblGrid>
+                <a:gridCol w="721043">
+                  <a:extLst>
+                    <a:ext uri="{9D8B030D-6E8A-4147-A177-3AD203B41FA5}">
+                      <a16:colId xmlns:a16="http://schemas.microsoft.com/office/drawing/2014/main" val="379944936"/>
+                    </a:ext>
+                  </a:extLst>
+                </a:gridCol>
+                <a:gridCol w="940853">
+                  <a:extLst>
+                    <a:ext uri="{9D8B030D-6E8A-4147-A177-3AD203B41FA5}">
+                      <a16:colId xmlns:a16="http://schemas.microsoft.com/office/drawing/2014/main" val="1559220905"/>
+                    </a:ext>
+                  </a:extLst>
+                </a:gridCol>
+                <a:gridCol w="7308115">
+                  <a:extLst>
+                    <a:ext uri="{9D8B030D-6E8A-4147-A177-3AD203B41FA5}">
+                      <a16:colId xmlns:a16="http://schemas.microsoft.com/office/drawing/2014/main" val="4075275578"/>
+                    </a:ext>
+                  </a:extLst>
+                </a:gridCol>
+              </a:tblGrid>
+              <a:tr h="0">
+                <a:tc>
+                  <a:txBody>
+                    <a:bodyPr/>
+                    <a:lstStyle/>
+                    <a:p>
+                      <a:pPr algn="ctr" latinLnBrk="1"/>
+                      <a:r>
+                        <a:rPr lang="ko-KR" altLang="en-US" b="0" dirty="0">
+                          <a:solidFill>
+                            <a:schemeClr val="tx1"/>
+                          </a:solidFill>
+                        </a:rPr>
+                        <a:t>발생</a:t>
+                      </a:r>
+                    </a:p>
+                  </a:txBody>
+                  <a:tcPr anchor="ctr">
+                    <a:lnL w="12700" cap="flat" cmpd="sng" algn="ctr">
+                      <a:solidFill>
+                        <a:schemeClr val="tx1"/>
+                      </a:solidFill>
+                      <a:prstDash val="solid"/>
+                      <a:round/>
+                      <a:headEnd type="none" w="med" len="med"/>
+                      <a:tailEnd type="none" w="med" len="med"/>
+                    </a:lnL>
+                    <a:lnR w="12700" cap="flat" cmpd="sng" algn="ctr">
+                      <a:solidFill>
+                        <a:schemeClr val="tx1"/>
+                      </a:solidFill>
+                      <a:prstDash val="solid"/>
+                      <a:round/>
+                      <a:headEnd type="none" w="med" len="med"/>
+                      <a:tailEnd type="none" w="med" len="med"/>
+                    </a:lnR>
+                    <a:lnT w="12700" cap="flat" cmpd="sng" algn="ctr">
+                      <a:solidFill>
+                        <a:schemeClr val="tx1"/>
+                      </a:solidFill>
+                      <a:prstDash val="solid"/>
+                      <a:round/>
+                      <a:headEnd type="none" w="med" len="med"/>
+                      <a:tailEnd type="none" w="med" len="med"/>
+                    </a:lnT>
+                    <a:lnB w="12700" cap="flat" cmpd="sng" algn="ctr">
+                      <a:solidFill>
+                        <a:schemeClr val="tx1"/>
+                      </a:solidFill>
+                      <a:prstDash val="solid"/>
+                      <a:round/>
+                      <a:headEnd type="none" w="med" len="med"/>
+                      <a:tailEnd type="none" w="med" len="med"/>
+                    </a:lnB>
+                    <a:noFill/>
+                  </a:tcPr>
+                </a:tc>
+                <a:tc gridSpan="2">
+                  <a:txBody>
+                    <a:bodyPr/>
+                    <a:lstStyle/>
+                    <a:p>
+                      <a:pPr latinLnBrk="1"/>
+                      <a:r>
+                        <a:rPr lang="ko-KR" altLang="en-US" b="0" dirty="0">
+                          <a:solidFill>
+                            <a:schemeClr val="tx1"/>
+                          </a:solidFill>
+                        </a:rPr>
+                        <a:t>퀘스트 당 발생 조건은 최대 </a:t>
+                      </a:r>
+                      <a:r>
+                        <a:rPr lang="en-US" altLang="ko-KR" b="0" dirty="0">
+                          <a:solidFill>
+                            <a:schemeClr val="tx1"/>
+                          </a:solidFill>
+                        </a:rPr>
+                        <a:t>3</a:t>
+                      </a:r>
+                      <a:r>
+                        <a:rPr lang="ko-KR" altLang="en-US" b="0" dirty="0">
+                          <a:solidFill>
+                            <a:schemeClr val="tx1"/>
+                          </a:solidFill>
+                        </a:rPr>
+                        <a:t>개 까지</a:t>
+                      </a:r>
+                      <a:endParaRPr lang="en-US" altLang="ko-KR" b="0" dirty="0">
+                        <a:solidFill>
+                          <a:schemeClr val="tx1"/>
+                        </a:solidFill>
+                      </a:endParaRPr>
+                    </a:p>
+                    <a:p>
+                      <a:pPr latinLnBrk="1"/>
+                      <a:r>
+                        <a:rPr lang="ko-KR" altLang="en-US" b="0" dirty="0">
+                          <a:solidFill>
+                            <a:schemeClr val="tx1"/>
+                          </a:solidFill>
+                        </a:rPr>
+                        <a:t>시간</a:t>
+                      </a:r>
+                      <a:r>
+                        <a:rPr lang="en-US" altLang="ko-KR" b="0" dirty="0">
+                          <a:solidFill>
+                            <a:schemeClr val="tx1"/>
+                          </a:solidFill>
+                        </a:rPr>
+                        <a:t>, </a:t>
+                      </a:r>
+                      <a:r>
+                        <a:rPr lang="ko-KR" altLang="en-US" b="0" dirty="0">
+                          <a:solidFill>
+                            <a:schemeClr val="tx1"/>
+                          </a:solidFill>
+                        </a:rPr>
+                        <a:t>상호 작용</a:t>
+                      </a:r>
+                      <a:r>
+                        <a:rPr lang="en-US" altLang="ko-KR" b="0" dirty="0">
+                          <a:solidFill>
+                            <a:schemeClr val="tx1"/>
+                          </a:solidFill>
+                        </a:rPr>
+                        <a:t>, </a:t>
+                      </a:r>
+                      <a:r>
+                        <a:rPr lang="ko-KR" altLang="en-US" b="0" dirty="0">
+                          <a:solidFill>
+                            <a:schemeClr val="tx1"/>
+                          </a:solidFill>
+                        </a:rPr>
+                        <a:t>위치</a:t>
+                      </a:r>
+                      <a:r>
+                        <a:rPr lang="en-US" altLang="ko-KR" b="0" dirty="0">
+                          <a:solidFill>
+                            <a:schemeClr val="tx1"/>
+                          </a:solidFill>
+                        </a:rPr>
+                        <a:t>, </a:t>
+                      </a:r>
+                      <a:r>
+                        <a:rPr lang="ko-KR" altLang="en-US" b="0" dirty="0">
+                          <a:solidFill>
+                            <a:schemeClr val="tx1"/>
+                          </a:solidFill>
+                        </a:rPr>
+                        <a:t>토벌</a:t>
+                      </a:r>
+                      <a:r>
+                        <a:rPr lang="en-US" altLang="ko-KR" b="0" dirty="0">
+                          <a:solidFill>
+                            <a:schemeClr val="tx1"/>
+                          </a:solidFill>
+                        </a:rPr>
+                        <a:t>, </a:t>
+                      </a:r>
+                      <a:r>
+                        <a:rPr lang="ko-KR" altLang="en-US" b="0" dirty="0">
+                          <a:solidFill>
+                            <a:schemeClr val="tx1"/>
+                          </a:solidFill>
+                        </a:rPr>
+                        <a:t>아이템</a:t>
+                      </a:r>
+                      <a:r>
+                        <a:rPr lang="en-US" altLang="ko-KR" b="0" dirty="0">
+                          <a:solidFill>
+                            <a:schemeClr val="tx1"/>
+                          </a:solidFill>
+                        </a:rPr>
+                        <a:t> </a:t>
+                      </a:r>
+                      <a:r>
+                        <a:rPr lang="ko-KR" altLang="en-US" b="0" dirty="0">
+                          <a:solidFill>
+                            <a:schemeClr val="tx1"/>
+                          </a:solidFill>
+                        </a:rPr>
+                        <a:t>등이 있다</a:t>
+                      </a:r>
+                      <a:r>
+                        <a:rPr lang="en-US" altLang="ko-KR" b="0" dirty="0">
+                          <a:solidFill>
+                            <a:schemeClr val="tx1"/>
+                          </a:solidFill>
+                        </a:rPr>
+                        <a:t>.</a:t>
+                      </a:r>
+                      <a:r>
+                        <a:rPr lang="ko-KR" altLang="en-US" b="0" dirty="0">
+                          <a:solidFill>
+                            <a:schemeClr val="tx1"/>
+                          </a:solidFill>
+                        </a:rPr>
+                        <a:t> </a:t>
+                      </a:r>
+                    </a:p>
+                  </a:txBody>
+                  <a:tcPr anchor="ctr">
+                    <a:lnL w="12700" cap="flat" cmpd="sng" algn="ctr">
+                      <a:solidFill>
+                        <a:schemeClr val="tx1"/>
+                      </a:solidFill>
+                      <a:prstDash val="solid"/>
+                      <a:round/>
+                      <a:headEnd type="none" w="med" len="med"/>
+                      <a:tailEnd type="none" w="med" len="med"/>
+                    </a:lnL>
+                    <a:lnR w="12700" cap="flat" cmpd="sng" algn="ctr">
+                      <a:solidFill>
+                        <a:schemeClr val="tx1"/>
+                      </a:solidFill>
+                      <a:prstDash val="solid"/>
+                      <a:round/>
+                      <a:headEnd type="none" w="med" len="med"/>
+                      <a:tailEnd type="none" w="med" len="med"/>
+                    </a:lnR>
+                    <a:lnT w="12700" cap="flat" cmpd="sng" algn="ctr">
+                      <a:solidFill>
+                        <a:schemeClr val="tx1"/>
+                      </a:solidFill>
+                      <a:prstDash val="solid"/>
+                      <a:round/>
+                      <a:headEnd type="none" w="med" len="med"/>
+                      <a:tailEnd type="none" w="med" len="med"/>
+                    </a:lnT>
+                    <a:lnB w="12700" cap="flat" cmpd="sng" algn="ctr">
+                      <a:solidFill>
+                        <a:schemeClr val="tx1"/>
+                      </a:solidFill>
+                      <a:prstDash val="solid"/>
+                      <a:round/>
+                      <a:headEnd type="none" w="med" len="med"/>
+                      <a:tailEnd type="none" w="med" len="med"/>
+                    </a:lnB>
+                    <a:noFill/>
+                  </a:tcPr>
+                </a:tc>
+                <a:tc hMerge="1">
+                  <a:txBody>
+                    <a:bodyPr/>
+                    <a:lstStyle/>
+                    <a:p>
+                      <a:pPr latinLnBrk="1"/>
+                      <a:endParaRPr lang="ko-KR" altLang="en-US"/>
+                    </a:p>
+                  </a:txBody>
+                  <a:tcPr/>
+                </a:tc>
+                <a:extLst>
+                  <a:ext uri="{0D108BD9-81ED-4DB2-BD59-A6C34878D82A}">
+                    <a16:rowId xmlns:a16="http://schemas.microsoft.com/office/drawing/2014/main" val="744240791"/>
+                  </a:ext>
+                </a:extLst>
+              </a:tr>
+              <a:tr h="0">
+                <a:tc>
+                  <a:txBody>
+                    <a:bodyPr/>
+                    <a:lstStyle/>
+                    <a:p>
+                      <a:pPr algn="ctr" latinLnBrk="1"/>
+                      <a:r>
+                        <a:rPr lang="ko-KR" altLang="en-US" b="0" dirty="0">
+                          <a:solidFill>
+                            <a:schemeClr val="tx1"/>
+                          </a:solidFill>
+                        </a:rPr>
+                        <a:t>알림</a:t>
+                      </a:r>
+                    </a:p>
+                  </a:txBody>
+                  <a:tcPr anchor="ctr">
+                    <a:lnL w="12700" cap="flat" cmpd="sng" algn="ctr">
+                      <a:solidFill>
+                        <a:schemeClr val="tx1"/>
+                      </a:solidFill>
+                      <a:prstDash val="solid"/>
+                      <a:round/>
+                      <a:headEnd type="none" w="med" len="med"/>
+                      <a:tailEnd type="none" w="med" len="med"/>
+                    </a:lnL>
+                    <a:lnR w="12700" cap="flat" cmpd="sng" algn="ctr">
+                      <a:solidFill>
+                        <a:schemeClr val="tx1"/>
+                      </a:solidFill>
+                      <a:prstDash val="solid"/>
+                      <a:round/>
+                      <a:headEnd type="none" w="med" len="med"/>
+                      <a:tailEnd type="none" w="med" len="med"/>
+                    </a:lnR>
+                    <a:lnT w="12700" cap="flat" cmpd="sng" algn="ctr">
+                      <a:solidFill>
+                        <a:schemeClr val="tx1"/>
+                      </a:solidFill>
+                      <a:prstDash val="solid"/>
+                      <a:round/>
+                      <a:headEnd type="none" w="med" len="med"/>
+                      <a:tailEnd type="none" w="med" len="med"/>
+                    </a:lnT>
+                    <a:lnB w="12700" cap="flat" cmpd="sng" algn="ctr">
+                      <a:solidFill>
+                        <a:schemeClr val="tx1"/>
+                      </a:solidFill>
+                      <a:prstDash val="solid"/>
+                      <a:round/>
+                      <a:headEnd type="none" w="med" len="med"/>
+                      <a:tailEnd type="none" w="med" len="med"/>
+                    </a:lnB>
+                    <a:noFill/>
+                  </a:tcPr>
+                </a:tc>
+                <a:tc gridSpan="2">
+                  <a:txBody>
+                    <a:bodyPr/>
+                    <a:lstStyle/>
+                    <a:p>
+                      <a:pPr latinLnBrk="1"/>
+                      <a:r>
+                        <a:rPr lang="ko-KR" altLang="en-US" b="0" dirty="0">
+                          <a:solidFill>
+                            <a:schemeClr val="tx1"/>
+                          </a:solidFill>
+                        </a:rPr>
+                        <a:t>퀘스트 발생시 해당 퀘스트를 </a:t>
+                      </a:r>
+                      <a:r>
+                        <a:rPr lang="en-US" altLang="ko-KR" b="0" dirty="0">
+                          <a:solidFill>
+                            <a:schemeClr val="tx1"/>
+                          </a:solidFill>
+                        </a:rPr>
+                        <a:t>PC</a:t>
+                      </a:r>
+                      <a:r>
+                        <a:rPr lang="ko-KR" altLang="en-US" b="0" dirty="0">
+                          <a:solidFill>
+                            <a:schemeClr val="tx1"/>
+                          </a:solidFill>
+                        </a:rPr>
+                        <a:t>에게 부여 하는 </a:t>
+                      </a:r>
+                      <a:r>
+                        <a:rPr lang="en-US" altLang="ko-KR" b="0" dirty="0">
+                          <a:solidFill>
+                            <a:schemeClr val="tx1"/>
+                          </a:solidFill>
+                        </a:rPr>
+                        <a:t>NPC,</a:t>
+                      </a:r>
+                      <a:r>
+                        <a:rPr lang="ko-KR" altLang="en-US" b="0" dirty="0">
+                          <a:solidFill>
+                            <a:schemeClr val="tx1"/>
+                          </a:solidFill>
+                        </a:rPr>
+                        <a:t> 오브젝트에 팝업이 발생</a:t>
+                      </a:r>
+                    </a:p>
+                  </a:txBody>
+                  <a:tcPr anchor="ctr">
+                    <a:lnL w="12700" cap="flat" cmpd="sng" algn="ctr">
+                      <a:solidFill>
+                        <a:schemeClr val="tx1"/>
+                      </a:solidFill>
+                      <a:prstDash val="solid"/>
+                      <a:round/>
+                      <a:headEnd type="none" w="med" len="med"/>
+                      <a:tailEnd type="none" w="med" len="med"/>
+                    </a:lnL>
+                    <a:lnR w="12700" cap="flat" cmpd="sng" algn="ctr">
+                      <a:solidFill>
+                        <a:schemeClr val="tx1"/>
+                      </a:solidFill>
+                      <a:prstDash val="solid"/>
+                      <a:round/>
+                      <a:headEnd type="none" w="med" len="med"/>
+                      <a:tailEnd type="none" w="med" len="med"/>
+                    </a:lnR>
+                    <a:lnT w="12700" cap="flat" cmpd="sng" algn="ctr">
+                      <a:solidFill>
+                        <a:schemeClr val="tx1"/>
+                      </a:solidFill>
+                      <a:prstDash val="solid"/>
+                      <a:round/>
+                      <a:headEnd type="none" w="med" len="med"/>
+                      <a:tailEnd type="none" w="med" len="med"/>
+                    </a:lnT>
+                    <a:lnB w="12700" cap="flat" cmpd="sng" algn="ctr">
+                      <a:solidFill>
+                        <a:schemeClr val="tx1"/>
+                      </a:solidFill>
+                      <a:prstDash val="solid"/>
+                      <a:round/>
+                      <a:headEnd type="none" w="med" len="med"/>
+                      <a:tailEnd type="none" w="med" len="med"/>
+                    </a:lnB>
+                    <a:noFill/>
+                  </a:tcPr>
+                </a:tc>
+                <a:tc hMerge="1">
+                  <a:txBody>
+                    <a:bodyPr/>
+                    <a:lstStyle/>
+                    <a:p>
+                      <a:pPr latinLnBrk="1"/>
+                      <a:endParaRPr lang="ko-KR" altLang="en-US"/>
+                    </a:p>
+                  </a:txBody>
+                  <a:tcPr/>
+                </a:tc>
+                <a:extLst>
+                  <a:ext uri="{0D108BD9-81ED-4DB2-BD59-A6C34878D82A}">
+                    <a16:rowId xmlns:a16="http://schemas.microsoft.com/office/drawing/2014/main" val="616643955"/>
+                  </a:ext>
+                </a:extLst>
+              </a:tr>
+              <a:tr h="0">
+                <a:tc rowSpan="2">
+                  <a:txBody>
+                    <a:bodyPr/>
+                    <a:lstStyle/>
+                    <a:p>
+                      <a:pPr algn="ctr" latinLnBrk="1"/>
+                      <a:r>
+                        <a:rPr lang="ko-KR" altLang="en-US" b="0" dirty="0">
+                          <a:solidFill>
+                            <a:schemeClr val="tx1"/>
+                          </a:solidFill>
+                        </a:rPr>
+                        <a:t>수락</a:t>
+                      </a:r>
+                    </a:p>
+                  </a:txBody>
+                  <a:tcPr anchor="ctr">
+                    <a:lnL w="12700" cap="flat" cmpd="sng" algn="ctr">
+                      <a:solidFill>
+                        <a:schemeClr val="tx1"/>
+                      </a:solidFill>
+                      <a:prstDash val="solid"/>
+                      <a:round/>
+                      <a:headEnd type="none" w="med" len="med"/>
+                      <a:tailEnd type="none" w="med" len="med"/>
+                    </a:lnL>
+                    <a:lnR w="12700" cap="flat" cmpd="sng" algn="ctr">
+                      <a:solidFill>
+                        <a:schemeClr val="tx1"/>
+                      </a:solidFill>
+                      <a:prstDash val="solid"/>
+                      <a:round/>
+                      <a:headEnd type="none" w="med" len="med"/>
+                      <a:tailEnd type="none" w="med" len="med"/>
+                    </a:lnR>
+                    <a:lnT w="12700" cap="flat" cmpd="sng" algn="ctr">
+                      <a:solidFill>
+                        <a:schemeClr val="tx1"/>
+                      </a:solidFill>
+                      <a:prstDash val="solid"/>
+                      <a:round/>
+                      <a:headEnd type="none" w="med" len="med"/>
+                      <a:tailEnd type="none" w="med" len="med"/>
+                    </a:lnT>
+                    <a:lnB w="12700" cap="flat" cmpd="sng" algn="ctr">
+                      <a:solidFill>
+                        <a:schemeClr val="tx1"/>
+                      </a:solidFill>
+                      <a:prstDash val="solid"/>
+                      <a:round/>
+                      <a:headEnd type="none" w="med" len="med"/>
+                      <a:tailEnd type="none" w="med" len="med"/>
+                    </a:lnB>
+                    <a:noFill/>
+                  </a:tcPr>
+                </a:tc>
+                <a:tc>
+                  <a:txBody>
+                    <a:bodyPr/>
+                    <a:lstStyle/>
+                    <a:p>
+                      <a:pPr latinLnBrk="1"/>
+                      <a:r>
+                        <a:rPr lang="ko-KR" altLang="en-US" b="0" dirty="0">
+                          <a:solidFill>
+                            <a:schemeClr val="tx1"/>
+                          </a:solidFill>
+                        </a:rPr>
+                        <a:t>자동</a:t>
+                      </a:r>
+                      <a:endParaRPr lang="en-US" altLang="ko-KR" b="0" dirty="0">
+                        <a:solidFill>
+                          <a:schemeClr val="tx1"/>
+                        </a:solidFill>
+                      </a:endParaRPr>
+                    </a:p>
+                  </a:txBody>
+                  <a:tcPr anchor="ctr">
+                    <a:lnL w="12700" cap="flat" cmpd="sng" algn="ctr">
+                      <a:solidFill>
+                        <a:schemeClr val="tx1"/>
+                      </a:solidFill>
+                      <a:prstDash val="solid"/>
+                      <a:round/>
+                      <a:headEnd type="none" w="med" len="med"/>
+                      <a:tailEnd type="none" w="med" len="med"/>
+                    </a:lnL>
+                    <a:lnR w="12700" cap="flat" cmpd="sng" algn="ctr">
+                      <a:solidFill>
+                        <a:schemeClr val="tx1"/>
+                      </a:solidFill>
+                      <a:prstDash val="solid"/>
+                      <a:round/>
+                      <a:headEnd type="none" w="med" len="med"/>
+                      <a:tailEnd type="none" w="med" len="med"/>
+                    </a:lnR>
+                    <a:lnT w="12700" cap="flat" cmpd="sng" algn="ctr">
+                      <a:solidFill>
+                        <a:schemeClr val="tx1"/>
+                      </a:solidFill>
+                      <a:prstDash val="solid"/>
+                      <a:round/>
+                      <a:headEnd type="none" w="med" len="med"/>
+                      <a:tailEnd type="none" w="med" len="med"/>
+                    </a:lnT>
+                    <a:lnB w="12700" cap="flat" cmpd="sng" algn="ctr">
+                      <a:solidFill>
+                        <a:schemeClr val="tx1"/>
+                      </a:solidFill>
+                      <a:prstDash val="solid"/>
+                      <a:round/>
+                      <a:headEnd type="none" w="med" len="med"/>
+                      <a:tailEnd type="none" w="med" len="med"/>
+                    </a:lnB>
+                    <a:noFill/>
+                  </a:tcPr>
+                </a:tc>
+                <a:tc>
+                  <a:txBody>
+                    <a:bodyPr/>
+                    <a:lstStyle/>
+                    <a:p>
+                      <a:pPr latinLnBrk="1"/>
+                      <a:r>
+                        <a:rPr lang="ko-KR" altLang="en-US" b="0" dirty="0">
+                          <a:solidFill>
+                            <a:schemeClr val="tx1"/>
+                          </a:solidFill>
+                        </a:rPr>
+                        <a:t>퀘스트 발생 시 자동으로 </a:t>
+                      </a:r>
+                      <a:r>
+                        <a:rPr lang="en-US" altLang="ko-KR" b="0" dirty="0">
+                          <a:solidFill>
+                            <a:schemeClr val="tx1"/>
+                          </a:solidFill>
+                        </a:rPr>
+                        <a:t>PC</a:t>
+                      </a:r>
+                      <a:r>
+                        <a:rPr lang="ko-KR" altLang="en-US" b="0" dirty="0">
+                          <a:solidFill>
+                            <a:schemeClr val="tx1"/>
+                          </a:solidFill>
+                        </a:rPr>
+                        <a:t>에게 부여됨</a:t>
+                      </a:r>
+                      <a:endParaRPr lang="en-US" altLang="ko-KR" b="0" dirty="0">
+                        <a:solidFill>
+                          <a:schemeClr val="tx1"/>
+                        </a:solidFill>
+                      </a:endParaRPr>
+                    </a:p>
+                  </a:txBody>
+                  <a:tcPr anchor="ctr">
+                    <a:lnL w="12700" cap="flat" cmpd="sng" algn="ctr">
+                      <a:solidFill>
+                        <a:schemeClr val="tx1"/>
+                      </a:solidFill>
+                      <a:prstDash val="solid"/>
+                      <a:round/>
+                      <a:headEnd type="none" w="med" len="med"/>
+                      <a:tailEnd type="none" w="med" len="med"/>
+                    </a:lnL>
+                    <a:lnR w="12700" cap="flat" cmpd="sng" algn="ctr">
+                      <a:solidFill>
+                        <a:schemeClr val="tx1"/>
+                      </a:solidFill>
+                      <a:prstDash val="solid"/>
+                      <a:round/>
+                      <a:headEnd type="none" w="med" len="med"/>
+                      <a:tailEnd type="none" w="med" len="med"/>
+                    </a:lnR>
+                    <a:lnT w="12700" cap="flat" cmpd="sng" algn="ctr">
+                      <a:solidFill>
+                        <a:schemeClr val="tx1"/>
+                      </a:solidFill>
+                      <a:prstDash val="solid"/>
+                      <a:round/>
+                      <a:headEnd type="none" w="med" len="med"/>
+                      <a:tailEnd type="none" w="med" len="med"/>
+                    </a:lnT>
+                    <a:lnB w="12700" cap="flat" cmpd="sng" algn="ctr">
+                      <a:solidFill>
+                        <a:schemeClr val="tx1"/>
+                      </a:solidFill>
+                      <a:prstDash val="solid"/>
+                      <a:round/>
+                      <a:headEnd type="none" w="med" len="med"/>
+                      <a:tailEnd type="none" w="med" len="med"/>
+                    </a:lnB>
+                    <a:noFill/>
+                  </a:tcPr>
+                </a:tc>
+                <a:extLst>
+                  <a:ext uri="{0D108BD9-81ED-4DB2-BD59-A6C34878D82A}">
+                    <a16:rowId xmlns:a16="http://schemas.microsoft.com/office/drawing/2014/main" val="1368276278"/>
+                  </a:ext>
+                </a:extLst>
+              </a:tr>
+              <a:tr h="0">
+                <a:tc vMerge="1">
+                  <a:txBody>
+                    <a:bodyPr/>
+                    <a:lstStyle/>
+                    <a:p>
+                      <a:pPr latinLnBrk="1"/>
+                      <a:endParaRPr lang="ko-KR" altLang="en-US"/>
+                    </a:p>
+                  </a:txBody>
+                  <a:tcPr/>
+                </a:tc>
+                <a:tc>
+                  <a:txBody>
+                    <a:bodyPr/>
+                    <a:lstStyle/>
+                    <a:p>
+                      <a:pPr marL="0" marR="0" lvl="0" indent="0" algn="l" defTabSz="914400" rtl="0" eaLnBrk="1" fontAlgn="auto" latinLnBrk="1" hangingPunct="1">
+                        <a:lnSpc>
+                          <a:spcPct val="100000"/>
+                        </a:lnSpc>
+                        <a:spcBef>
+                          <a:spcPts val="0"/>
+                        </a:spcBef>
+                        <a:spcAft>
+                          <a:spcPts val="0"/>
+                        </a:spcAft>
+                        <a:buClrTx/>
+                        <a:buSzTx/>
+                        <a:buFontTx/>
+                        <a:buNone/>
+                        <a:tabLst/>
+                        <a:defRPr/>
+                      </a:pPr>
+                      <a:r>
+                        <a:rPr lang="ko-KR" altLang="en-US" b="0" dirty="0">
+                          <a:solidFill>
+                            <a:schemeClr val="tx1"/>
+                          </a:solidFill>
+                        </a:rPr>
+                        <a:t>수동</a:t>
+                      </a:r>
+                      <a:endParaRPr lang="en-US" altLang="ko-KR" b="0" dirty="0">
+                        <a:solidFill>
+                          <a:schemeClr val="tx1"/>
+                        </a:solidFill>
+                      </a:endParaRPr>
+                    </a:p>
+                  </a:txBody>
+                  <a:tcPr anchor="ctr">
+                    <a:lnL w="12700" cap="flat" cmpd="sng" algn="ctr">
+                      <a:solidFill>
+                        <a:schemeClr val="tx1"/>
+                      </a:solidFill>
+                      <a:prstDash val="solid"/>
+                      <a:round/>
+                      <a:headEnd type="none" w="med" len="med"/>
+                      <a:tailEnd type="none" w="med" len="med"/>
+                    </a:lnL>
+                    <a:lnR w="12700" cap="flat" cmpd="sng" algn="ctr">
+                      <a:solidFill>
+                        <a:schemeClr val="tx1"/>
+                      </a:solidFill>
+                      <a:prstDash val="solid"/>
+                      <a:round/>
+                      <a:headEnd type="none" w="med" len="med"/>
+                      <a:tailEnd type="none" w="med" len="med"/>
+                    </a:lnR>
+                    <a:lnT w="12700" cap="flat" cmpd="sng" algn="ctr">
+                      <a:solidFill>
+                        <a:schemeClr val="tx1"/>
+                      </a:solidFill>
+                      <a:prstDash val="solid"/>
+                      <a:round/>
+                      <a:headEnd type="none" w="med" len="med"/>
+                      <a:tailEnd type="none" w="med" len="med"/>
+                    </a:lnT>
+                    <a:lnB w="12700" cap="flat" cmpd="sng" algn="ctr">
+                      <a:solidFill>
+                        <a:schemeClr val="tx1"/>
+                      </a:solidFill>
+                      <a:prstDash val="solid"/>
+                      <a:round/>
+                      <a:headEnd type="none" w="med" len="med"/>
+                      <a:tailEnd type="none" w="med" len="med"/>
+                    </a:lnB>
+                    <a:noFill/>
+                  </a:tcPr>
+                </a:tc>
+                <a:tc>
+                  <a:txBody>
+                    <a:bodyPr/>
+                    <a:lstStyle/>
+                    <a:p>
+                      <a:pPr marL="0" marR="0" lvl="0" indent="0" algn="l" defTabSz="914400" rtl="0" eaLnBrk="1" fontAlgn="auto" latinLnBrk="1" hangingPunct="1">
+                        <a:lnSpc>
+                          <a:spcPct val="100000"/>
+                        </a:lnSpc>
+                        <a:spcBef>
+                          <a:spcPts val="0"/>
+                        </a:spcBef>
+                        <a:spcAft>
+                          <a:spcPts val="0"/>
+                        </a:spcAft>
+                        <a:buClrTx/>
+                        <a:buSzTx/>
+                        <a:buFontTx/>
+                        <a:buNone/>
+                        <a:tabLst/>
+                        <a:defRPr/>
+                      </a:pPr>
+                      <a:r>
+                        <a:rPr lang="ko-KR" altLang="en-US" b="0" dirty="0">
+                          <a:solidFill>
+                            <a:schemeClr val="tx1"/>
+                          </a:solidFill>
+                        </a:rPr>
+                        <a:t>퀘스트 발생 시 </a:t>
+                      </a:r>
+                      <a:r>
+                        <a:rPr lang="en-US" altLang="ko-KR" b="0" dirty="0">
+                          <a:solidFill>
+                            <a:schemeClr val="tx1"/>
+                          </a:solidFill>
+                        </a:rPr>
+                        <a:t>PC</a:t>
+                      </a:r>
+                      <a:r>
+                        <a:rPr lang="ko-KR" altLang="en-US" b="0" dirty="0">
+                          <a:solidFill>
+                            <a:schemeClr val="tx1"/>
+                          </a:solidFill>
+                        </a:rPr>
+                        <a:t>가 직접 해당 </a:t>
+                      </a:r>
+                      <a:r>
+                        <a:rPr lang="en-US" altLang="ko-KR" b="0" dirty="0">
+                          <a:solidFill>
+                            <a:schemeClr val="tx1"/>
+                          </a:solidFill>
+                        </a:rPr>
+                        <a:t>NPC, </a:t>
+                      </a:r>
+                      <a:r>
+                        <a:rPr lang="ko-KR" altLang="en-US" b="0" dirty="0">
+                          <a:solidFill>
+                            <a:schemeClr val="tx1"/>
+                          </a:solidFill>
+                        </a:rPr>
+                        <a:t>오브젝트와 상호작용하여 퀘스트를 수락</a:t>
+                      </a:r>
+                      <a:endParaRPr lang="en-US" altLang="ko-KR" b="0" dirty="0">
+                        <a:solidFill>
+                          <a:schemeClr val="tx1"/>
+                        </a:solidFill>
+                      </a:endParaRPr>
+                    </a:p>
+                  </a:txBody>
+                  <a:tcPr anchor="ctr">
+                    <a:lnL w="12700" cap="flat" cmpd="sng" algn="ctr">
+                      <a:solidFill>
+                        <a:schemeClr val="tx1"/>
+                      </a:solidFill>
+                      <a:prstDash val="solid"/>
+                      <a:round/>
+                      <a:headEnd type="none" w="med" len="med"/>
+                      <a:tailEnd type="none" w="med" len="med"/>
+                    </a:lnL>
+                    <a:lnR w="12700" cap="flat" cmpd="sng" algn="ctr">
+                      <a:solidFill>
+                        <a:schemeClr val="tx1"/>
+                      </a:solidFill>
+                      <a:prstDash val="solid"/>
+                      <a:round/>
+                      <a:headEnd type="none" w="med" len="med"/>
+                      <a:tailEnd type="none" w="med" len="med"/>
+                    </a:lnR>
+                    <a:lnT w="12700" cap="flat" cmpd="sng" algn="ctr">
+                      <a:solidFill>
+                        <a:schemeClr val="tx1"/>
+                      </a:solidFill>
+                      <a:prstDash val="solid"/>
+                      <a:round/>
+                      <a:headEnd type="none" w="med" len="med"/>
+                      <a:tailEnd type="none" w="med" len="med"/>
+                    </a:lnT>
+                    <a:lnB w="12700" cap="flat" cmpd="sng" algn="ctr">
+                      <a:solidFill>
+                        <a:schemeClr val="tx1"/>
+                      </a:solidFill>
+                      <a:prstDash val="solid"/>
+                      <a:round/>
+                      <a:headEnd type="none" w="med" len="med"/>
+                      <a:tailEnd type="none" w="med" len="med"/>
+                    </a:lnB>
+                    <a:noFill/>
+                  </a:tcPr>
+                </a:tc>
+                <a:extLst>
+                  <a:ext uri="{0D108BD9-81ED-4DB2-BD59-A6C34878D82A}">
+                    <a16:rowId xmlns:a16="http://schemas.microsoft.com/office/drawing/2014/main" val="1449663003"/>
+                  </a:ext>
+                </a:extLst>
+              </a:tr>
+              <a:tr h="0">
+                <a:tc>
+                  <a:txBody>
+                    <a:bodyPr/>
+                    <a:lstStyle/>
+                    <a:p>
+                      <a:pPr algn="ctr" latinLnBrk="1"/>
+                      <a:r>
+                        <a:rPr lang="ko-KR" altLang="en-US" b="0" dirty="0">
+                          <a:solidFill>
+                            <a:schemeClr val="tx1"/>
+                          </a:solidFill>
+                        </a:rPr>
+                        <a:t>진행</a:t>
+                      </a:r>
+                    </a:p>
+                  </a:txBody>
+                  <a:tcPr anchor="ctr">
+                    <a:lnL w="12700" cap="flat" cmpd="sng" algn="ctr">
+                      <a:solidFill>
+                        <a:schemeClr val="tx1"/>
+                      </a:solidFill>
+                      <a:prstDash val="solid"/>
+                      <a:round/>
+                      <a:headEnd type="none" w="med" len="med"/>
+                      <a:tailEnd type="none" w="med" len="med"/>
+                    </a:lnL>
+                    <a:lnR w="12700" cap="flat" cmpd="sng" algn="ctr">
+                      <a:solidFill>
+                        <a:schemeClr val="tx1"/>
+                      </a:solidFill>
+                      <a:prstDash val="solid"/>
+                      <a:round/>
+                      <a:headEnd type="none" w="med" len="med"/>
+                      <a:tailEnd type="none" w="med" len="med"/>
+                    </a:lnR>
+                    <a:lnT w="12700" cap="flat" cmpd="sng" algn="ctr">
+                      <a:solidFill>
+                        <a:schemeClr val="tx1"/>
+                      </a:solidFill>
+                      <a:prstDash val="solid"/>
+                      <a:round/>
+                      <a:headEnd type="none" w="med" len="med"/>
+                      <a:tailEnd type="none" w="med" len="med"/>
+                    </a:lnT>
+                    <a:lnB w="12700" cap="flat" cmpd="sng" algn="ctr">
+                      <a:solidFill>
+                        <a:schemeClr val="tx1"/>
+                      </a:solidFill>
+                      <a:prstDash val="solid"/>
+                      <a:round/>
+                      <a:headEnd type="none" w="med" len="med"/>
+                      <a:tailEnd type="none" w="med" len="med"/>
+                    </a:lnB>
+                    <a:noFill/>
+                  </a:tcPr>
+                </a:tc>
+                <a:tc gridSpan="2">
+                  <a:txBody>
+                    <a:bodyPr/>
+                    <a:lstStyle/>
+                    <a:p>
+                      <a:pPr latinLnBrk="1"/>
+                      <a:r>
+                        <a:rPr lang="ko-KR" altLang="en-US" b="0" dirty="0">
+                          <a:solidFill>
+                            <a:schemeClr val="tx1"/>
+                          </a:solidFill>
+                        </a:rPr>
+                        <a:t>완료 목표는 퀘스트 당 최대 </a:t>
+                      </a:r>
+                      <a:r>
+                        <a:rPr lang="en-US" altLang="ko-KR" b="0" dirty="0">
+                          <a:solidFill>
+                            <a:schemeClr val="tx1"/>
+                          </a:solidFill>
+                        </a:rPr>
+                        <a:t>3</a:t>
+                      </a:r>
+                      <a:r>
+                        <a:rPr lang="ko-KR" altLang="en-US" b="0" dirty="0">
+                          <a:solidFill>
+                            <a:schemeClr val="tx1"/>
+                          </a:solidFill>
+                        </a:rPr>
+                        <a:t>개 까지 있음</a:t>
+                      </a:r>
+                      <a:endParaRPr lang="en-US" altLang="ko-KR" b="0" dirty="0">
+                        <a:solidFill>
+                          <a:schemeClr val="tx1"/>
+                        </a:solidFill>
+                      </a:endParaRPr>
+                    </a:p>
+                    <a:p>
+                      <a:pPr latinLnBrk="1"/>
+                      <a:r>
+                        <a:rPr lang="ko-KR" altLang="en-US" b="0" dirty="0">
+                          <a:solidFill>
+                            <a:schemeClr val="tx1"/>
+                          </a:solidFill>
+                        </a:rPr>
+                        <a:t>퀘스트 목표는 토벌</a:t>
+                      </a:r>
+                      <a:r>
+                        <a:rPr lang="en-US" altLang="ko-KR" b="0" dirty="0">
+                          <a:solidFill>
+                            <a:schemeClr val="tx1"/>
+                          </a:solidFill>
+                        </a:rPr>
+                        <a:t>, </a:t>
+                      </a:r>
+                      <a:r>
+                        <a:rPr lang="ko-KR" altLang="en-US" b="0" dirty="0">
+                          <a:solidFill>
+                            <a:schemeClr val="tx1"/>
+                          </a:solidFill>
+                        </a:rPr>
+                        <a:t>수집</a:t>
+                      </a:r>
+                      <a:r>
+                        <a:rPr lang="en-US" altLang="ko-KR" b="0" dirty="0">
+                          <a:solidFill>
+                            <a:schemeClr val="tx1"/>
+                          </a:solidFill>
+                        </a:rPr>
+                        <a:t>, </a:t>
+                      </a:r>
+                      <a:r>
+                        <a:rPr lang="ko-KR" altLang="en-US" b="0" dirty="0">
+                          <a:solidFill>
+                            <a:schemeClr val="tx1"/>
+                          </a:solidFill>
+                        </a:rPr>
+                        <a:t>탐사</a:t>
+                      </a:r>
+                      <a:r>
+                        <a:rPr lang="en-US" altLang="ko-KR" b="0" dirty="0">
+                          <a:solidFill>
+                            <a:schemeClr val="tx1"/>
+                          </a:solidFill>
+                        </a:rPr>
+                        <a:t>, </a:t>
+                      </a:r>
+                      <a:r>
+                        <a:rPr lang="ko-KR" altLang="en-US" b="0" dirty="0">
+                          <a:solidFill>
+                            <a:schemeClr val="tx1"/>
+                          </a:solidFill>
+                        </a:rPr>
+                        <a:t>호위</a:t>
+                      </a:r>
+                      <a:r>
+                        <a:rPr lang="en-US" altLang="ko-KR" b="0" dirty="0">
+                          <a:solidFill>
+                            <a:schemeClr val="tx1"/>
+                          </a:solidFill>
+                        </a:rPr>
+                        <a:t>, </a:t>
+                      </a:r>
+                      <a:r>
+                        <a:rPr lang="ko-KR" altLang="en-US" b="0" dirty="0">
+                          <a:solidFill>
+                            <a:schemeClr val="tx1"/>
+                          </a:solidFill>
+                        </a:rPr>
+                        <a:t>배달</a:t>
+                      </a:r>
+                      <a:r>
+                        <a:rPr lang="en-US" altLang="ko-KR" b="0" dirty="0">
+                          <a:solidFill>
+                            <a:schemeClr val="tx1"/>
+                          </a:solidFill>
+                        </a:rPr>
+                        <a:t>, </a:t>
+                      </a:r>
+                      <a:r>
+                        <a:rPr lang="ko-KR" altLang="en-US" b="0" dirty="0">
+                          <a:solidFill>
+                            <a:schemeClr val="tx1"/>
+                          </a:solidFill>
+                        </a:rPr>
+                        <a:t>대화</a:t>
+                      </a:r>
+                      <a:r>
+                        <a:rPr lang="en-US" altLang="ko-KR" b="0" dirty="0">
+                          <a:solidFill>
+                            <a:schemeClr val="tx1"/>
+                          </a:solidFill>
+                        </a:rPr>
+                        <a:t>, </a:t>
+                      </a:r>
+                      <a:r>
+                        <a:rPr lang="ko-KR" altLang="en-US" b="0" dirty="0">
+                          <a:solidFill>
+                            <a:schemeClr val="tx1"/>
+                          </a:solidFill>
+                        </a:rPr>
+                        <a:t>생존이 있다</a:t>
+                      </a:r>
+                      <a:r>
+                        <a:rPr lang="en-US" altLang="ko-KR" b="0" dirty="0">
+                          <a:solidFill>
+                            <a:schemeClr val="tx1"/>
+                          </a:solidFill>
+                        </a:rPr>
+                        <a:t>.</a:t>
+                      </a:r>
+                      <a:endParaRPr lang="ko-KR" altLang="en-US" b="0" dirty="0">
+                        <a:solidFill>
+                          <a:schemeClr val="tx1"/>
+                        </a:solidFill>
+                      </a:endParaRPr>
+                    </a:p>
+                  </a:txBody>
+                  <a:tcPr anchor="ctr">
+                    <a:lnL w="12700" cap="flat" cmpd="sng" algn="ctr">
+                      <a:solidFill>
+                        <a:schemeClr val="tx1"/>
+                      </a:solidFill>
+                      <a:prstDash val="solid"/>
+                      <a:round/>
+                      <a:headEnd type="none" w="med" len="med"/>
+                      <a:tailEnd type="none" w="med" len="med"/>
+                    </a:lnL>
+                    <a:lnR w="12700" cap="flat" cmpd="sng" algn="ctr">
+                      <a:solidFill>
+                        <a:schemeClr val="tx1"/>
+                      </a:solidFill>
+                      <a:prstDash val="solid"/>
+                      <a:round/>
+                      <a:headEnd type="none" w="med" len="med"/>
+                      <a:tailEnd type="none" w="med" len="med"/>
+                    </a:lnR>
+                    <a:lnT w="12700" cap="flat" cmpd="sng" algn="ctr">
+                      <a:solidFill>
+                        <a:schemeClr val="tx1"/>
+                      </a:solidFill>
+                      <a:prstDash val="solid"/>
+                      <a:round/>
+                      <a:headEnd type="none" w="med" len="med"/>
+                      <a:tailEnd type="none" w="med" len="med"/>
+                    </a:lnT>
+                    <a:lnB w="12700" cap="flat" cmpd="sng" algn="ctr">
+                      <a:solidFill>
+                        <a:schemeClr val="tx1"/>
+                      </a:solidFill>
+                      <a:prstDash val="solid"/>
+                      <a:round/>
+                      <a:headEnd type="none" w="med" len="med"/>
+                      <a:tailEnd type="none" w="med" len="med"/>
+                    </a:lnB>
+                    <a:noFill/>
+                  </a:tcPr>
+                </a:tc>
+                <a:tc hMerge="1">
+                  <a:txBody>
+                    <a:bodyPr/>
+                    <a:lstStyle/>
+                    <a:p>
+                      <a:pPr latinLnBrk="1"/>
+                      <a:endParaRPr lang="ko-KR" altLang="en-US"/>
+                    </a:p>
+                  </a:txBody>
+                  <a:tcPr/>
+                </a:tc>
+                <a:extLst>
+                  <a:ext uri="{0D108BD9-81ED-4DB2-BD59-A6C34878D82A}">
+                    <a16:rowId xmlns:a16="http://schemas.microsoft.com/office/drawing/2014/main" val="3428820987"/>
+                  </a:ext>
+                </a:extLst>
+              </a:tr>
+              <a:tr h="0">
+                <a:tc rowSpan="2">
+                  <a:txBody>
+                    <a:bodyPr/>
+                    <a:lstStyle/>
+                    <a:p>
+                      <a:pPr algn="ctr" latinLnBrk="1"/>
+                      <a:r>
+                        <a:rPr lang="ko-KR" altLang="en-US" b="0" dirty="0">
+                          <a:solidFill>
+                            <a:schemeClr val="tx1"/>
+                          </a:solidFill>
+                        </a:rPr>
+                        <a:t>완료</a:t>
+                      </a:r>
+                    </a:p>
+                  </a:txBody>
+                  <a:tcPr anchor="ctr">
+                    <a:lnL w="12700" cap="flat" cmpd="sng" algn="ctr">
+                      <a:solidFill>
+                        <a:schemeClr val="tx1"/>
+                      </a:solidFill>
+                      <a:prstDash val="solid"/>
+                      <a:round/>
+                      <a:headEnd type="none" w="med" len="med"/>
+                      <a:tailEnd type="none" w="med" len="med"/>
+                    </a:lnL>
+                    <a:lnR w="12700" cap="flat" cmpd="sng" algn="ctr">
+                      <a:solidFill>
+                        <a:schemeClr val="tx1"/>
+                      </a:solidFill>
+                      <a:prstDash val="solid"/>
+                      <a:round/>
+                      <a:headEnd type="none" w="med" len="med"/>
+                      <a:tailEnd type="none" w="med" len="med"/>
+                    </a:lnR>
+                    <a:lnT w="12700" cap="flat" cmpd="sng" algn="ctr">
+                      <a:solidFill>
+                        <a:schemeClr val="tx1"/>
+                      </a:solidFill>
+                      <a:prstDash val="solid"/>
+                      <a:round/>
+                      <a:headEnd type="none" w="med" len="med"/>
+                      <a:tailEnd type="none" w="med" len="med"/>
+                    </a:lnT>
+                    <a:lnB w="12700" cap="flat" cmpd="sng" algn="ctr">
+                      <a:solidFill>
+                        <a:schemeClr val="tx1"/>
+                      </a:solidFill>
+                      <a:prstDash val="solid"/>
+                      <a:round/>
+                      <a:headEnd type="none" w="med" len="med"/>
+                      <a:tailEnd type="none" w="med" len="med"/>
+                    </a:lnB>
+                    <a:noFill/>
+                  </a:tcPr>
+                </a:tc>
+                <a:tc>
+                  <a:txBody>
+                    <a:bodyPr/>
+                    <a:lstStyle/>
+                    <a:p>
+                      <a:pPr latinLnBrk="1"/>
+                      <a:r>
+                        <a:rPr lang="ko-KR" altLang="en-US" b="0" dirty="0">
+                          <a:solidFill>
+                            <a:schemeClr val="tx1"/>
+                          </a:solidFill>
+                        </a:rPr>
+                        <a:t>자동</a:t>
+                      </a:r>
+                      <a:endParaRPr lang="en-US" altLang="ko-KR" b="0" dirty="0">
+                        <a:solidFill>
+                          <a:schemeClr val="tx1"/>
+                        </a:solidFill>
+                      </a:endParaRPr>
+                    </a:p>
+                  </a:txBody>
+                  <a:tcPr anchor="ctr">
+                    <a:lnL w="12700" cap="flat" cmpd="sng" algn="ctr">
+                      <a:solidFill>
+                        <a:schemeClr val="tx1"/>
+                      </a:solidFill>
+                      <a:prstDash val="solid"/>
+                      <a:round/>
+                      <a:headEnd type="none" w="med" len="med"/>
+                      <a:tailEnd type="none" w="med" len="med"/>
+                    </a:lnL>
+                    <a:lnR w="12700" cap="flat" cmpd="sng" algn="ctr">
+                      <a:solidFill>
+                        <a:schemeClr val="tx1"/>
+                      </a:solidFill>
+                      <a:prstDash val="solid"/>
+                      <a:round/>
+                      <a:headEnd type="none" w="med" len="med"/>
+                      <a:tailEnd type="none" w="med" len="med"/>
+                    </a:lnR>
+                    <a:lnT w="12700" cap="flat" cmpd="sng" algn="ctr">
+                      <a:solidFill>
+                        <a:schemeClr val="tx1"/>
+                      </a:solidFill>
+                      <a:prstDash val="solid"/>
+                      <a:round/>
+                      <a:headEnd type="none" w="med" len="med"/>
+                      <a:tailEnd type="none" w="med" len="med"/>
+                    </a:lnT>
+                    <a:lnB w="12700" cap="flat" cmpd="sng" algn="ctr">
+                      <a:solidFill>
+                        <a:schemeClr val="tx1"/>
+                      </a:solidFill>
+                      <a:prstDash val="solid"/>
+                      <a:round/>
+                      <a:headEnd type="none" w="med" len="med"/>
+                      <a:tailEnd type="none" w="med" len="med"/>
+                    </a:lnB>
+                    <a:noFill/>
+                  </a:tcPr>
+                </a:tc>
+                <a:tc>
+                  <a:txBody>
+                    <a:bodyPr/>
+                    <a:lstStyle/>
+                    <a:p>
+                      <a:pPr latinLnBrk="1"/>
+                      <a:r>
+                        <a:rPr lang="ko-KR" altLang="en-US" b="0" dirty="0">
+                          <a:solidFill>
+                            <a:schemeClr val="tx1"/>
+                          </a:solidFill>
+                        </a:rPr>
+                        <a:t>퀘스트 목표 달성 시 자동 완료 </a:t>
+                      </a:r>
+                      <a:endParaRPr lang="en-US" altLang="ko-KR" b="0" dirty="0">
+                        <a:solidFill>
+                          <a:schemeClr val="tx1"/>
+                        </a:solidFill>
+                      </a:endParaRPr>
+                    </a:p>
+                  </a:txBody>
+                  <a:tcPr anchor="ctr">
+                    <a:lnL w="12700" cap="flat" cmpd="sng" algn="ctr">
+                      <a:solidFill>
+                        <a:schemeClr val="tx1"/>
+                      </a:solidFill>
+                      <a:prstDash val="solid"/>
+                      <a:round/>
+                      <a:headEnd type="none" w="med" len="med"/>
+                      <a:tailEnd type="none" w="med" len="med"/>
+                    </a:lnL>
+                    <a:lnR w="12700" cap="flat" cmpd="sng" algn="ctr">
+                      <a:solidFill>
+                        <a:schemeClr val="tx1"/>
+                      </a:solidFill>
+                      <a:prstDash val="solid"/>
+                      <a:round/>
+                      <a:headEnd type="none" w="med" len="med"/>
+                      <a:tailEnd type="none" w="med" len="med"/>
+                    </a:lnR>
+                    <a:lnT w="12700" cap="flat" cmpd="sng" algn="ctr">
+                      <a:solidFill>
+                        <a:schemeClr val="tx1"/>
+                      </a:solidFill>
+                      <a:prstDash val="solid"/>
+                      <a:round/>
+                      <a:headEnd type="none" w="med" len="med"/>
+                      <a:tailEnd type="none" w="med" len="med"/>
+                    </a:lnT>
+                    <a:lnB w="12700" cap="flat" cmpd="sng" algn="ctr">
+                      <a:solidFill>
+                        <a:schemeClr val="tx1"/>
+                      </a:solidFill>
+                      <a:prstDash val="solid"/>
+                      <a:round/>
+                      <a:headEnd type="none" w="med" len="med"/>
+                      <a:tailEnd type="none" w="med" len="med"/>
+                    </a:lnB>
+                    <a:noFill/>
+                  </a:tcPr>
+                </a:tc>
+                <a:extLst>
+                  <a:ext uri="{0D108BD9-81ED-4DB2-BD59-A6C34878D82A}">
+                    <a16:rowId xmlns:a16="http://schemas.microsoft.com/office/drawing/2014/main" val="777245989"/>
+                  </a:ext>
+                </a:extLst>
+              </a:tr>
+              <a:tr h="0">
+                <a:tc vMerge="1">
+                  <a:txBody>
+                    <a:bodyPr/>
+                    <a:lstStyle/>
+                    <a:p>
+                      <a:pPr latinLnBrk="1"/>
+                      <a:endParaRPr lang="ko-KR" altLang="en-US"/>
+                    </a:p>
+                  </a:txBody>
+                  <a:tcPr/>
+                </a:tc>
+                <a:tc>
+                  <a:txBody>
+                    <a:bodyPr/>
+                    <a:lstStyle/>
+                    <a:p>
+                      <a:pPr marL="0" marR="0" lvl="0" indent="0" algn="l" defTabSz="914400" rtl="0" eaLnBrk="1" fontAlgn="auto" latinLnBrk="1" hangingPunct="1">
+                        <a:lnSpc>
+                          <a:spcPct val="100000"/>
+                        </a:lnSpc>
+                        <a:spcBef>
+                          <a:spcPts val="0"/>
+                        </a:spcBef>
+                        <a:spcAft>
+                          <a:spcPts val="0"/>
+                        </a:spcAft>
+                        <a:buClrTx/>
+                        <a:buSzTx/>
+                        <a:buFontTx/>
+                        <a:buNone/>
+                        <a:tabLst/>
+                        <a:defRPr/>
+                      </a:pPr>
+                      <a:r>
+                        <a:rPr lang="ko-KR" altLang="en-US" b="0" dirty="0">
+                          <a:solidFill>
+                            <a:schemeClr val="tx1"/>
+                          </a:solidFill>
+                        </a:rPr>
+                        <a:t>수동</a:t>
+                      </a:r>
+                    </a:p>
+                  </a:txBody>
+                  <a:tcPr anchor="ctr">
+                    <a:lnL w="12700" cap="flat" cmpd="sng" algn="ctr">
+                      <a:solidFill>
+                        <a:schemeClr val="tx1"/>
+                      </a:solidFill>
+                      <a:prstDash val="solid"/>
+                      <a:round/>
+                      <a:headEnd type="none" w="med" len="med"/>
+                      <a:tailEnd type="none" w="med" len="med"/>
+                    </a:lnL>
+                    <a:lnR w="12700" cap="flat" cmpd="sng" algn="ctr">
+                      <a:solidFill>
+                        <a:schemeClr val="tx1"/>
+                      </a:solidFill>
+                      <a:prstDash val="solid"/>
+                      <a:round/>
+                      <a:headEnd type="none" w="med" len="med"/>
+                      <a:tailEnd type="none" w="med" len="med"/>
+                    </a:lnR>
+                    <a:lnT w="12700" cap="flat" cmpd="sng" algn="ctr">
+                      <a:solidFill>
+                        <a:schemeClr val="tx1"/>
+                      </a:solidFill>
+                      <a:prstDash val="solid"/>
+                      <a:round/>
+                      <a:headEnd type="none" w="med" len="med"/>
+                      <a:tailEnd type="none" w="med" len="med"/>
+                    </a:lnT>
+                    <a:lnB w="12700" cap="flat" cmpd="sng" algn="ctr">
+                      <a:solidFill>
+                        <a:schemeClr val="tx1"/>
+                      </a:solidFill>
+                      <a:prstDash val="solid"/>
+                      <a:round/>
+                      <a:headEnd type="none" w="med" len="med"/>
+                      <a:tailEnd type="none" w="med" len="med"/>
+                    </a:lnB>
+                    <a:noFill/>
+                  </a:tcPr>
+                </a:tc>
+                <a:tc>
+                  <a:txBody>
+                    <a:bodyPr/>
+                    <a:lstStyle/>
+                    <a:p>
+                      <a:pPr marL="0" marR="0" lvl="0" indent="0" algn="l" defTabSz="914400" rtl="0" eaLnBrk="1" fontAlgn="auto" latinLnBrk="1" hangingPunct="1">
+                        <a:lnSpc>
+                          <a:spcPct val="100000"/>
+                        </a:lnSpc>
+                        <a:spcBef>
+                          <a:spcPts val="0"/>
+                        </a:spcBef>
+                        <a:spcAft>
+                          <a:spcPts val="0"/>
+                        </a:spcAft>
+                        <a:buClrTx/>
+                        <a:buSzTx/>
+                        <a:buFontTx/>
+                        <a:buNone/>
+                        <a:tabLst/>
+                        <a:defRPr/>
+                      </a:pPr>
+                      <a:r>
+                        <a:rPr lang="ko-KR" altLang="en-US" b="0" dirty="0">
+                          <a:solidFill>
+                            <a:schemeClr val="tx1"/>
+                          </a:solidFill>
+                        </a:rPr>
+                        <a:t>퀘스트 목표 달성 후 </a:t>
+                      </a:r>
+                      <a:r>
+                        <a:rPr lang="en-US" altLang="ko-KR" b="0" dirty="0">
+                          <a:solidFill>
+                            <a:schemeClr val="tx1"/>
+                          </a:solidFill>
+                        </a:rPr>
+                        <a:t>NPC, </a:t>
+                      </a:r>
+                      <a:r>
+                        <a:rPr lang="ko-KR" altLang="en-US" b="0" dirty="0">
+                          <a:solidFill>
+                            <a:schemeClr val="tx1"/>
+                          </a:solidFill>
+                        </a:rPr>
+                        <a:t>오브젝트와 상호작용하여 완료</a:t>
+                      </a:r>
+                    </a:p>
+                  </a:txBody>
+                  <a:tcPr anchor="ctr">
+                    <a:lnL w="12700" cap="flat" cmpd="sng" algn="ctr">
+                      <a:solidFill>
+                        <a:schemeClr val="tx1"/>
+                      </a:solidFill>
+                      <a:prstDash val="solid"/>
+                      <a:round/>
+                      <a:headEnd type="none" w="med" len="med"/>
+                      <a:tailEnd type="none" w="med" len="med"/>
+                    </a:lnL>
+                    <a:lnR w="12700" cap="flat" cmpd="sng" algn="ctr">
+                      <a:solidFill>
+                        <a:schemeClr val="tx1"/>
+                      </a:solidFill>
+                      <a:prstDash val="solid"/>
+                      <a:round/>
+                      <a:headEnd type="none" w="med" len="med"/>
+                      <a:tailEnd type="none" w="med" len="med"/>
+                    </a:lnR>
+                    <a:lnT w="12700" cap="flat" cmpd="sng" algn="ctr">
+                      <a:solidFill>
+                        <a:schemeClr val="tx1"/>
+                      </a:solidFill>
+                      <a:prstDash val="solid"/>
+                      <a:round/>
+                      <a:headEnd type="none" w="med" len="med"/>
+                      <a:tailEnd type="none" w="med" len="med"/>
+                    </a:lnT>
+                    <a:lnB w="12700" cap="flat" cmpd="sng" algn="ctr">
+                      <a:solidFill>
+                        <a:schemeClr val="tx1"/>
+                      </a:solidFill>
+                      <a:prstDash val="solid"/>
+                      <a:round/>
+                      <a:headEnd type="none" w="med" len="med"/>
+                      <a:tailEnd type="none" w="med" len="med"/>
+                    </a:lnB>
+                    <a:noFill/>
+                  </a:tcPr>
+                </a:tc>
+                <a:extLst>
+                  <a:ext uri="{0D108BD9-81ED-4DB2-BD59-A6C34878D82A}">
+                    <a16:rowId xmlns:a16="http://schemas.microsoft.com/office/drawing/2014/main" val="1794465151"/>
+                  </a:ext>
+                </a:extLst>
+              </a:tr>
+            </a:tbl>
+          </a:graphicData>
+        </a:graphic>
+      </p:graphicFrame>
+    </p:spTree>
+    <p:extLst>
+      <p:ext uri="{BB962C8B-B14F-4D97-AF65-F5344CB8AC3E}">
+        <p14:creationId xmlns:p14="http://schemas.microsoft.com/office/powerpoint/2010/main" val="2611688586"/>
+      </p:ext>
+    </p:extLst>
+  </p:cSld>
+  <p:clrMapOvr>
+    <a:masterClrMapping/>
+  </p:clrMapOvr>
+</p:sld>
+</file>
+
+<file path=ppt/slides/slide7.xml><?xml version="1.0" encoding="utf-8"?>
 <p:sld xmlns:a="http://schemas.openxmlformats.org/drawingml/2006/main" xmlns:r="http://schemas.openxmlformats.org/officeDocument/2006/relationships" xmlns:p="http://schemas.openxmlformats.org/presentationml/2006/main">
   <p:cSld>
     <p:spTree>
@@ -9622,7 +10376,7 @@
 </p:sld>
 </file>
 
-<file path=ppt/slides/slide7.xml><?xml version="1.0" encoding="utf-8"?>
+<file path=ppt/slides/slide8.xml><?xml version="1.0" encoding="utf-8"?>
 <p:sld xmlns:a="http://schemas.openxmlformats.org/drawingml/2006/main" xmlns:r="http://schemas.openxmlformats.org/officeDocument/2006/relationships" xmlns:p="http://schemas.openxmlformats.org/presentationml/2006/main">
   <p:cSld>
     <p:spTree>

--- a/기획/방랑엽사전/퀘스트 시스템 기획서.pptx
+++ b/기획/방랑엽사전/퀘스트 시스템 기획서.pptx
@@ -5,7 +5,7 @@
     <p:sldMasterId id="2147483684" r:id="rId1"/>
   </p:sldMasterIdLst>
   <p:notesMasterIdLst>
-    <p:notesMasterId r:id="rId10"/>
+    <p:notesMasterId r:id="rId13"/>
   </p:notesMasterIdLst>
   <p:sldIdLst>
     <p:sldId id="258" r:id="rId2"/>
@@ -13,9 +13,12 @@
     <p:sldId id="265" r:id="rId4"/>
     <p:sldId id="268" r:id="rId5"/>
     <p:sldId id="271" r:id="rId6"/>
-    <p:sldId id="272" r:id="rId7"/>
-    <p:sldId id="269" r:id="rId8"/>
-    <p:sldId id="267" r:id="rId9"/>
+    <p:sldId id="273" r:id="rId7"/>
+    <p:sldId id="277" r:id="rId8"/>
+    <p:sldId id="274" r:id="rId9"/>
+    <p:sldId id="275" r:id="rId10"/>
+    <p:sldId id="269" r:id="rId11"/>
+    <p:sldId id="267" r:id="rId12"/>
   </p:sldIdLst>
   <p:sldSz cx="12192000" cy="6858000"/>
   <p:notesSz cx="6858000" cy="9144000"/>
@@ -117,7 +120,7 @@
   <p:extLst>
     <p:ext uri="{EFAFB233-063F-42B5-8137-9DF3F51BA10A}">
       <p15:sldGuideLst xmlns:p15="http://schemas.microsoft.com/office/powerpoint/2012/main">
-        <p15:guide id="1" orient="horz" pos="2183" userDrawn="1">
+        <p15:guide id="1" orient="horz" pos="2160" userDrawn="1">
           <p15:clr>
             <a:srgbClr val="A4A3A4"/>
           </p15:clr>
@@ -3915,6 +3918,703 @@
 </p:sld>
 </file>
 
+<file path=ppt/slides/slide10.xml><?xml version="1.0" encoding="utf-8"?>
+<p:sld xmlns:a="http://schemas.openxmlformats.org/drawingml/2006/main" xmlns:r="http://schemas.openxmlformats.org/officeDocument/2006/relationships" xmlns:p="http://schemas.openxmlformats.org/presentationml/2006/main">
+  <p:cSld>
+    <p:spTree>
+      <p:nvGrpSpPr>
+        <p:cNvPr id="1" name=""/>
+        <p:cNvGrpSpPr/>
+        <p:nvPr/>
+      </p:nvGrpSpPr>
+      <p:grpSpPr>
+        <a:xfrm>
+          <a:off x="0" y="0"/>
+          <a:ext cx="0" cy="0"/>
+          <a:chOff x="0" y="0"/>
+          <a:chExt cx="0" cy="0"/>
+        </a:xfrm>
+      </p:grpSpPr>
+      <p:pic>
+        <p:nvPicPr>
+          <p:cNvPr id="4" name="그림 3">
+            <a:extLst>
+              <a:ext uri="{FF2B5EF4-FFF2-40B4-BE49-F238E27FC236}">
+                <a16:creationId xmlns:a16="http://schemas.microsoft.com/office/drawing/2014/main" id="{E1FB60E2-E889-4AEE-937F-8A1F1195287A}"/>
+              </a:ext>
+            </a:extLst>
+          </p:cNvPr>
+          <p:cNvPicPr>
+            <a:picLocks noChangeAspect="1"/>
+          </p:cNvPicPr>
+          <p:nvPr/>
+        </p:nvPicPr>
+        <p:blipFill>
+          <a:blip r:embed="rId2">
+            <a:extLst>
+              <a:ext uri="{28A0092B-C50C-407E-A947-70E740481C1C}">
+                <a14:useLocalDpi xmlns:a14="http://schemas.microsoft.com/office/drawing/2010/main" val="0"/>
+              </a:ext>
+            </a:extLst>
+          </a:blip>
+          <a:stretch>
+            <a:fillRect/>
+          </a:stretch>
+        </p:blipFill>
+        <p:spPr>
+          <a:xfrm>
+            <a:off x="5530724" y="1154430"/>
+            <a:ext cx="1821654" cy="4545623"/>
+          </a:xfrm>
+          <a:prstGeom prst="rect">
+            <a:avLst/>
+          </a:prstGeom>
+        </p:spPr>
+      </p:pic>
+    </p:spTree>
+    <p:extLst>
+      <p:ext uri="{BB962C8B-B14F-4D97-AF65-F5344CB8AC3E}">
+        <p14:creationId xmlns:p14="http://schemas.microsoft.com/office/powerpoint/2010/main" val="1203411937"/>
+      </p:ext>
+    </p:extLst>
+  </p:cSld>
+  <p:clrMapOvr>
+    <a:masterClrMapping/>
+  </p:clrMapOvr>
+</p:sld>
+</file>
+
+<file path=ppt/slides/slide11.xml><?xml version="1.0" encoding="utf-8"?>
+<p:sld xmlns:a="http://schemas.openxmlformats.org/drawingml/2006/main" xmlns:r="http://schemas.openxmlformats.org/officeDocument/2006/relationships" xmlns:p="http://schemas.openxmlformats.org/presentationml/2006/main">
+  <p:cSld>
+    <p:spTree>
+      <p:nvGrpSpPr>
+        <p:cNvPr id="1" name=""/>
+        <p:cNvGrpSpPr/>
+        <p:nvPr/>
+      </p:nvGrpSpPr>
+      <p:grpSpPr>
+        <a:xfrm>
+          <a:off x="0" y="0"/>
+          <a:ext cx="0" cy="0"/>
+          <a:chOff x="0" y="0"/>
+          <a:chExt cx="0" cy="0"/>
+        </a:xfrm>
+      </p:grpSpPr>
+      <p:graphicFrame>
+        <p:nvGraphicFramePr>
+          <p:cNvPr id="6" name="내용 개체 틀 5">
+            <a:extLst>
+              <a:ext uri="{FF2B5EF4-FFF2-40B4-BE49-F238E27FC236}">
+                <a16:creationId xmlns:a16="http://schemas.microsoft.com/office/drawing/2014/main" id="{9A1AAAF8-6CFC-415C-B3C1-0B31C113F8CF}"/>
+              </a:ext>
+            </a:extLst>
+          </p:cNvPr>
+          <p:cNvGraphicFramePr>
+            <a:graphicFrameLocks noGrp="1"/>
+          </p:cNvGraphicFramePr>
+          <p:nvPr>
+            <p:ph idx="1"/>
+            <p:extLst>
+              <p:ext uri="{D42A27DB-BD31-4B8C-83A1-F6EECF244321}">
+                <p14:modId xmlns:p14="http://schemas.microsoft.com/office/powerpoint/2010/main" val="3634917624"/>
+              </p:ext>
+            </p:extLst>
+          </p:nvPr>
+        </p:nvGraphicFramePr>
+        <p:xfrm>
+          <a:off x="1416050" y="2477512"/>
+          <a:ext cx="9359900" cy="1902976"/>
+        </p:xfrm>
+        <a:graphic>
+          <a:graphicData uri="http://schemas.openxmlformats.org/drawingml/2006/table">
+            <a:tbl>
+              <a:tblPr firstRow="1" bandRow="1">
+                <a:tableStyleId>{5C22544A-7EE6-4342-B048-85BDC9FD1C3A}</a:tableStyleId>
+              </a:tblPr>
+              <a:tblGrid>
+                <a:gridCol w="9359900">
+                  <a:extLst>
+                    <a:ext uri="{9D8B030D-6E8A-4147-A177-3AD203B41FA5}">
+                      <a16:colId xmlns:a16="http://schemas.microsoft.com/office/drawing/2014/main" val="2167911011"/>
+                    </a:ext>
+                  </a:extLst>
+                </a:gridCol>
+              </a:tblGrid>
+              <a:tr h="384812">
+                <a:tc>
+                  <a:txBody>
+                    <a:bodyPr/>
+                    <a:lstStyle/>
+                    <a:p>
+                      <a:pPr latinLnBrk="1"/>
+                      <a:r>
+                        <a:rPr lang="en-US" altLang="ko-KR" dirty="0">
+                          <a:solidFill>
+                            <a:schemeClr val="tx1"/>
+                          </a:solidFill>
+                        </a:rPr>
+                        <a:t>-</a:t>
+                      </a:r>
+                      <a:endParaRPr lang="ko-KR" altLang="en-US" dirty="0">
+                        <a:solidFill>
+                          <a:schemeClr val="tx1"/>
+                        </a:solidFill>
+                      </a:endParaRPr>
+                    </a:p>
+                  </a:txBody>
+                  <a:tcPr>
+                    <a:lnL w="12700" cmpd="sng">
+                      <a:noFill/>
+                    </a:lnL>
+                    <a:lnR w="12700" cmpd="sng">
+                      <a:noFill/>
+                    </a:lnR>
+                    <a:lnT w="12700" cmpd="sng">
+                      <a:noFill/>
+                    </a:lnT>
+                    <a:lnB w="38100" cmpd="sng">
+                      <a:noFill/>
+                    </a:lnB>
+                    <a:lnTlToBr w="12700" cmpd="sng">
+                      <a:noFill/>
+                      <a:prstDash val="solid"/>
+                    </a:lnTlToBr>
+                    <a:lnBlToTr w="12700" cmpd="sng">
+                      <a:noFill/>
+                      <a:prstDash val="solid"/>
+                    </a:lnBlToTr>
+                    <a:noFill/>
+                  </a:tcPr>
+                </a:tc>
+                <a:extLst>
+                  <a:ext uri="{0D108BD9-81ED-4DB2-BD59-A6C34878D82A}">
+                    <a16:rowId xmlns:a16="http://schemas.microsoft.com/office/drawing/2014/main" val="2878811495"/>
+                  </a:ext>
+                </a:extLst>
+              </a:tr>
+              <a:tr h="1518164">
+                <a:tc>
+                  <a:txBody>
+                    <a:bodyPr/>
+                    <a:lstStyle/>
+                    <a:p>
+                      <a:pPr marL="0" marR="0" lvl="0" indent="0" algn="l" defTabSz="914400" rtl="0" eaLnBrk="1" fontAlgn="auto" latinLnBrk="1" hangingPunct="1">
+                        <a:lnSpc>
+                          <a:spcPct val="100000"/>
+                        </a:lnSpc>
+                        <a:spcBef>
+                          <a:spcPts val="0"/>
+                        </a:spcBef>
+                        <a:spcAft>
+                          <a:spcPts val="0"/>
+                        </a:spcAft>
+                        <a:buClrTx/>
+                        <a:buSzTx/>
+                        <a:buFontTx/>
+                        <a:buNone/>
+                        <a:tabLst/>
+                        <a:defRPr/>
+                      </a:pPr>
+                      <a:r>
+                        <a:rPr lang="ko-KR" altLang="en-US" sz="1800" dirty="0">
+                          <a:solidFill>
+                            <a:schemeClr val="tx1"/>
+                          </a:solidFill>
+                          <a:latin typeface="맑은 고딕" charset="0"/>
+                          <a:ea typeface="맑은 고딕" charset="0"/>
+                          <a:cs typeface="Times New Roman" charset="0"/>
+                        </a:rPr>
+                        <a:t>시스템 기획</a:t>
+                      </a:r>
+                      <a:endParaRPr lang="en-US" altLang="ko-KR" sz="1800" dirty="0">
+                        <a:solidFill>
+                          <a:schemeClr val="tx1"/>
+                        </a:solidFill>
+                        <a:latin typeface="맑은 고딕" charset="0"/>
+                        <a:ea typeface="맑은 고딕" charset="0"/>
+                        <a:cs typeface="Times New Roman" charset="0"/>
+                      </a:endParaRPr>
+                    </a:p>
+                    <a:p>
+                      <a:pPr marL="0" marR="0" lvl="0" indent="0" algn="l" defTabSz="914400" rtl="0" eaLnBrk="1" fontAlgn="auto" latinLnBrk="1" hangingPunct="1">
+                        <a:lnSpc>
+                          <a:spcPct val="100000"/>
+                        </a:lnSpc>
+                        <a:spcBef>
+                          <a:spcPts val="0"/>
+                        </a:spcBef>
+                        <a:spcAft>
+                          <a:spcPts val="0"/>
+                        </a:spcAft>
+                        <a:buClrTx/>
+                        <a:buSzTx/>
+                        <a:buFontTx/>
+                        <a:buNone/>
+                        <a:tabLst/>
+                        <a:defRPr/>
+                      </a:pPr>
+                      <a:r>
+                        <a:rPr lang="ko-KR" altLang="en-US" sz="1800" dirty="0">
+                          <a:solidFill>
+                            <a:schemeClr val="tx1"/>
+                          </a:solidFill>
+                          <a:latin typeface="맑은 고딕" charset="0"/>
+                          <a:ea typeface="맑은 고딕" charset="0"/>
+                          <a:cs typeface="Times New Roman" charset="0"/>
+                        </a:rPr>
+                        <a:t>알고리즘</a:t>
+                      </a:r>
+                      <a:r>
+                        <a:rPr lang="en-US" altLang="ko-KR" sz="1800" dirty="0">
+                          <a:solidFill>
+                            <a:schemeClr val="tx1"/>
+                          </a:solidFill>
+                          <a:latin typeface="맑은 고딕" charset="0"/>
+                          <a:ea typeface="맑은 고딕" charset="0"/>
+                          <a:cs typeface="Times New Roman" charset="0"/>
+                        </a:rPr>
+                        <a:t>(</a:t>
+                      </a:r>
+                      <a:r>
+                        <a:rPr lang="ko-KR" altLang="en-US" sz="1800" dirty="0">
+                          <a:solidFill>
+                            <a:schemeClr val="tx1"/>
+                          </a:solidFill>
+                          <a:latin typeface="맑은 고딕" charset="0"/>
+                          <a:ea typeface="맑은 고딕" charset="0"/>
+                          <a:cs typeface="Times New Roman" charset="0"/>
+                        </a:rPr>
+                        <a:t>흐름</a:t>
+                      </a:r>
+                      <a:r>
+                        <a:rPr lang="en-US" altLang="ko-KR" sz="1800" dirty="0">
+                          <a:solidFill>
+                            <a:schemeClr val="tx1"/>
+                          </a:solidFill>
+                          <a:latin typeface="맑은 고딕" charset="0"/>
+                          <a:ea typeface="맑은 고딕" charset="0"/>
+                          <a:cs typeface="Times New Roman" charset="0"/>
+                        </a:rPr>
+                        <a:t>, </a:t>
+                      </a:r>
+                      <a:r>
+                        <a:rPr lang="ko-KR" altLang="en-US" sz="1800" dirty="0">
+                          <a:solidFill>
+                            <a:schemeClr val="tx1"/>
+                          </a:solidFill>
+                          <a:latin typeface="맑은 고딕" charset="0"/>
+                          <a:ea typeface="맑은 고딕" charset="0"/>
+                          <a:cs typeface="Times New Roman" charset="0"/>
+                        </a:rPr>
+                        <a:t>과정</a:t>
+                      </a:r>
+                      <a:r>
+                        <a:rPr lang="en-US" altLang="ko-KR" sz="1800" dirty="0">
+                          <a:solidFill>
+                            <a:schemeClr val="tx1"/>
+                          </a:solidFill>
+                          <a:latin typeface="맑은 고딕" charset="0"/>
+                          <a:ea typeface="맑은 고딕" charset="0"/>
+                          <a:cs typeface="Times New Roman" charset="0"/>
+                        </a:rPr>
+                        <a:t>, </a:t>
+                      </a:r>
+                      <a:r>
+                        <a:rPr lang="ko-KR" altLang="en-US" sz="1800" dirty="0">
+                          <a:solidFill>
+                            <a:schemeClr val="tx1"/>
+                          </a:solidFill>
+                          <a:latin typeface="맑은 고딕" charset="0"/>
+                          <a:ea typeface="맑은 고딕" charset="0"/>
+                          <a:cs typeface="Times New Roman" charset="0"/>
+                        </a:rPr>
+                        <a:t>절차</a:t>
+                      </a:r>
+                      <a:r>
+                        <a:rPr lang="en-US" altLang="ko-KR" sz="1800" dirty="0">
+                          <a:solidFill>
+                            <a:schemeClr val="tx1"/>
+                          </a:solidFill>
+                          <a:latin typeface="맑은 고딕" charset="0"/>
+                          <a:ea typeface="맑은 고딕" charset="0"/>
+                          <a:cs typeface="Times New Roman" charset="0"/>
+                        </a:rPr>
+                        <a:t>), </a:t>
+                      </a:r>
+                      <a:r>
+                        <a:rPr lang="ko-KR" altLang="en-US" sz="1800" dirty="0">
+                          <a:solidFill>
+                            <a:schemeClr val="tx1"/>
+                          </a:solidFill>
+                          <a:latin typeface="맑은 고딕" charset="0"/>
+                          <a:ea typeface="맑은 고딕" charset="0"/>
+                          <a:cs typeface="Times New Roman" charset="0"/>
+                        </a:rPr>
+                        <a:t>우선 순위</a:t>
+                      </a:r>
+                      <a:r>
+                        <a:rPr lang="en-US" altLang="ko-KR" sz="1800" dirty="0">
+                          <a:solidFill>
+                            <a:schemeClr val="tx1"/>
+                          </a:solidFill>
+                          <a:latin typeface="맑은 고딕" charset="0"/>
+                          <a:ea typeface="맑은 고딕" charset="0"/>
+                          <a:cs typeface="Times New Roman" charset="0"/>
+                        </a:rPr>
+                        <a:t>(</a:t>
+                      </a:r>
+                      <a:r>
+                        <a:rPr lang="ko-KR" altLang="en-US" sz="1800" dirty="0">
+                          <a:solidFill>
+                            <a:schemeClr val="tx1"/>
+                          </a:solidFill>
+                          <a:latin typeface="맑은 고딕" charset="0"/>
+                          <a:ea typeface="맑은 고딕" charset="0"/>
+                          <a:cs typeface="Times New Roman" charset="0"/>
+                        </a:rPr>
+                        <a:t>동시 없음</a:t>
+                      </a:r>
+                      <a:r>
+                        <a:rPr lang="en-US" altLang="ko-KR" sz="1800" dirty="0">
+                          <a:solidFill>
+                            <a:schemeClr val="tx1"/>
+                          </a:solidFill>
+                          <a:latin typeface="맑은 고딕" charset="0"/>
+                          <a:ea typeface="맑은 고딕" charset="0"/>
+                          <a:cs typeface="Times New Roman" charset="0"/>
+                        </a:rPr>
+                        <a:t>), </a:t>
+                      </a:r>
+                    </a:p>
+                    <a:p>
+                      <a:pPr marL="0" marR="0" lvl="0" indent="0" algn="l" defTabSz="914400" rtl="0" eaLnBrk="1" fontAlgn="auto" latinLnBrk="1" hangingPunct="1">
+                        <a:lnSpc>
+                          <a:spcPct val="100000"/>
+                        </a:lnSpc>
+                        <a:spcBef>
+                          <a:spcPts val="0"/>
+                        </a:spcBef>
+                        <a:spcAft>
+                          <a:spcPts val="0"/>
+                        </a:spcAft>
+                        <a:buClrTx/>
+                        <a:buSzTx/>
+                        <a:buFontTx/>
+                        <a:buNone/>
+                        <a:tabLst/>
+                        <a:defRPr/>
+                      </a:pPr>
+                      <a:r>
+                        <a:rPr lang="ko-KR" altLang="en-US" sz="1800" dirty="0">
+                          <a:solidFill>
+                            <a:schemeClr val="tx1"/>
+                          </a:solidFill>
+                          <a:latin typeface="맑은 고딕" charset="0"/>
+                          <a:ea typeface="맑은 고딕" charset="0"/>
+                          <a:cs typeface="Times New Roman" charset="0"/>
+                        </a:rPr>
+                        <a:t>조건 불만족</a:t>
+                      </a:r>
+                      <a:r>
+                        <a:rPr lang="en-US" altLang="ko-KR" sz="1800" dirty="0">
+                          <a:solidFill>
+                            <a:schemeClr val="tx1"/>
+                          </a:solidFill>
+                          <a:latin typeface="맑은 고딕" charset="0"/>
+                          <a:ea typeface="맑은 고딕" charset="0"/>
+                          <a:cs typeface="Times New Roman" charset="0"/>
+                        </a:rPr>
+                        <a:t>(</a:t>
+                      </a:r>
+                      <a:r>
+                        <a:rPr lang="ko-KR" altLang="en-US" sz="1800" dirty="0">
+                          <a:solidFill>
+                            <a:schemeClr val="tx1"/>
+                          </a:solidFill>
+                          <a:latin typeface="맑은 고딕" charset="0"/>
+                          <a:ea typeface="맑은 고딕" charset="0"/>
+                          <a:cs typeface="Times New Roman" charset="0"/>
+                        </a:rPr>
+                        <a:t>종료</a:t>
+                      </a:r>
+                      <a:r>
+                        <a:rPr lang="en-US" altLang="ko-KR" sz="1800" dirty="0">
+                          <a:solidFill>
+                            <a:schemeClr val="tx1"/>
+                          </a:solidFill>
+                          <a:latin typeface="맑은 고딕" charset="0"/>
+                          <a:ea typeface="맑은 고딕" charset="0"/>
+                          <a:cs typeface="Times New Roman" charset="0"/>
+                        </a:rPr>
+                        <a:t>), </a:t>
+                      </a:r>
+                      <a:r>
+                        <a:rPr lang="ko-KR" altLang="en-US" sz="1800" dirty="0">
+                          <a:solidFill>
+                            <a:schemeClr val="tx1"/>
+                          </a:solidFill>
+                          <a:latin typeface="맑은 고딕" charset="0"/>
+                          <a:ea typeface="맑은 고딕" charset="0"/>
+                          <a:cs typeface="Times New Roman" charset="0"/>
+                        </a:rPr>
+                        <a:t>시작 지점</a:t>
+                      </a:r>
+                      <a:r>
+                        <a:rPr lang="en-US" altLang="ko-KR" sz="1800" dirty="0">
+                          <a:solidFill>
+                            <a:schemeClr val="tx1"/>
+                          </a:solidFill>
+                          <a:latin typeface="맑은 고딕" charset="0"/>
+                          <a:ea typeface="맑은 고딕" charset="0"/>
+                          <a:cs typeface="Times New Roman" charset="0"/>
+                        </a:rPr>
+                        <a:t>(</a:t>
+                      </a:r>
+                      <a:r>
+                        <a:rPr lang="ko-KR" altLang="en-US" sz="1800" dirty="0">
+                          <a:solidFill>
+                            <a:schemeClr val="tx1"/>
+                          </a:solidFill>
+                          <a:latin typeface="맑은 고딕" charset="0"/>
+                          <a:ea typeface="맑은 고딕" charset="0"/>
+                          <a:cs typeface="Times New Roman" charset="0"/>
+                        </a:rPr>
+                        <a:t>이벤트 발생</a:t>
+                      </a:r>
+                      <a:r>
+                        <a:rPr lang="en-US" altLang="ko-KR" sz="1800" dirty="0">
+                          <a:solidFill>
+                            <a:schemeClr val="tx1"/>
+                          </a:solidFill>
+                          <a:latin typeface="맑은 고딕" charset="0"/>
+                          <a:ea typeface="맑은 고딕" charset="0"/>
+                          <a:cs typeface="Times New Roman" charset="0"/>
+                        </a:rPr>
+                        <a:t>), </a:t>
+                      </a:r>
+                      <a:r>
+                        <a:rPr lang="ko-KR" altLang="en-US" sz="1800" dirty="0">
+                          <a:solidFill>
+                            <a:schemeClr val="tx1"/>
+                          </a:solidFill>
+                          <a:latin typeface="맑은 고딕" charset="0"/>
+                          <a:ea typeface="맑은 고딕" charset="0"/>
+                          <a:cs typeface="Times New Roman" charset="0"/>
+                        </a:rPr>
+                        <a:t>종료 지점</a:t>
+                      </a:r>
+                      <a:r>
+                        <a:rPr lang="en-US" altLang="ko-KR" sz="1800" dirty="0">
+                          <a:solidFill>
+                            <a:schemeClr val="tx1"/>
+                          </a:solidFill>
+                          <a:latin typeface="맑은 고딕" charset="0"/>
+                          <a:ea typeface="맑은 고딕" charset="0"/>
+                          <a:cs typeface="Times New Roman" charset="0"/>
+                        </a:rPr>
+                        <a:t>,</a:t>
+                      </a:r>
+                    </a:p>
+                    <a:p>
+                      <a:pPr marL="0" marR="0" lvl="0" indent="0" algn="l" defTabSz="914400" rtl="0" eaLnBrk="1" fontAlgn="auto" latinLnBrk="1" hangingPunct="1">
+                        <a:lnSpc>
+                          <a:spcPct val="100000"/>
+                        </a:lnSpc>
+                        <a:spcBef>
+                          <a:spcPts val="0"/>
+                        </a:spcBef>
+                        <a:spcAft>
+                          <a:spcPts val="0"/>
+                        </a:spcAft>
+                        <a:buClrTx/>
+                        <a:buSzTx/>
+                        <a:buFontTx/>
+                        <a:buNone/>
+                        <a:tabLst/>
+                        <a:defRPr/>
+                      </a:pPr>
+                      <a:r>
+                        <a:rPr lang="ko-KR" altLang="en-US" sz="1800" dirty="0">
+                          <a:solidFill>
+                            <a:schemeClr val="tx1"/>
+                          </a:solidFill>
+                          <a:latin typeface="맑은 고딕" charset="0"/>
+                          <a:ea typeface="맑은 고딕" charset="0"/>
+                          <a:cs typeface="Times New Roman" charset="0"/>
+                        </a:rPr>
+                        <a:t>정상 처리</a:t>
+                      </a:r>
+                      <a:r>
+                        <a:rPr lang="en-US" altLang="ko-KR" sz="1800" dirty="0">
+                          <a:solidFill>
+                            <a:schemeClr val="tx1"/>
+                          </a:solidFill>
+                          <a:latin typeface="맑은 고딕" charset="0"/>
+                          <a:ea typeface="맑은 고딕" charset="0"/>
+                          <a:cs typeface="Times New Roman" charset="0"/>
+                        </a:rPr>
+                        <a:t>, </a:t>
+                      </a:r>
+                      <a:r>
+                        <a:rPr lang="ko-KR" altLang="en-US" sz="1800" dirty="0">
+                          <a:solidFill>
+                            <a:schemeClr val="tx1"/>
+                          </a:solidFill>
+                          <a:latin typeface="맑은 고딕" charset="0"/>
+                          <a:ea typeface="맑은 고딕" charset="0"/>
+                          <a:cs typeface="Times New Roman" charset="0"/>
+                        </a:rPr>
+                        <a:t>비정상 처리</a:t>
+                      </a:r>
+                      <a:r>
+                        <a:rPr lang="en-US" altLang="ko-KR" sz="1800" dirty="0">
+                          <a:solidFill>
+                            <a:schemeClr val="tx1"/>
+                          </a:solidFill>
+                          <a:latin typeface="맑은 고딕" charset="0"/>
+                          <a:ea typeface="맑은 고딕" charset="0"/>
+                          <a:cs typeface="Times New Roman" charset="0"/>
+                        </a:rPr>
+                        <a:t>(</a:t>
+                      </a:r>
+                      <a:r>
+                        <a:rPr lang="ko-KR" altLang="en-US" sz="1800" dirty="0">
+                          <a:solidFill>
+                            <a:schemeClr val="tx1"/>
+                          </a:solidFill>
+                          <a:latin typeface="맑은 고딕" charset="0"/>
+                          <a:ea typeface="맑은 고딕" charset="0"/>
+                          <a:cs typeface="Times New Roman" charset="0"/>
+                        </a:rPr>
+                        <a:t>예외 사항</a:t>
+                      </a:r>
+                      <a:r>
+                        <a:rPr lang="en-US" altLang="ko-KR" sz="1800" dirty="0">
+                          <a:solidFill>
+                            <a:schemeClr val="tx1"/>
+                          </a:solidFill>
+                          <a:latin typeface="맑은 고딕" charset="0"/>
+                          <a:ea typeface="맑은 고딕" charset="0"/>
+                          <a:cs typeface="Times New Roman" charset="0"/>
+                        </a:rPr>
+                        <a:t>),</a:t>
+                      </a:r>
+                      <a:r>
+                        <a:rPr lang="ko-KR" altLang="en-US" sz="1800" dirty="0">
+                          <a:solidFill>
+                            <a:schemeClr val="tx1"/>
+                          </a:solidFill>
+                          <a:latin typeface="맑은 고딕" charset="0"/>
+                          <a:ea typeface="맑은 고딕" charset="0"/>
+                          <a:cs typeface="Times New Roman" charset="0"/>
+                        </a:rPr>
+                        <a:t> 발생 가능한 최대한 많은 경우의 수</a:t>
+                      </a:r>
+                    </a:p>
+                  </a:txBody>
+                  <a:tcPr>
+                    <a:lnL w="12700" cmpd="sng">
+                      <a:noFill/>
+                    </a:lnL>
+                    <a:lnR w="12700" cmpd="sng">
+                      <a:noFill/>
+                    </a:lnR>
+                    <a:lnT w="38100" cmpd="sng">
+                      <a:noFill/>
+                    </a:lnT>
+                    <a:lnB w="12700" cmpd="sng">
+                      <a:noFill/>
+                    </a:lnB>
+                    <a:lnTlToBr w="12700" cmpd="sng">
+                      <a:noFill/>
+                      <a:prstDash val="solid"/>
+                    </a:lnTlToBr>
+                    <a:lnBlToTr w="12700" cmpd="sng">
+                      <a:noFill/>
+                      <a:prstDash val="solid"/>
+                    </a:lnBlToTr>
+                    <a:noFill/>
+                  </a:tcPr>
+                </a:tc>
+                <a:extLst>
+                  <a:ext uri="{0D108BD9-81ED-4DB2-BD59-A6C34878D82A}">
+                    <a16:rowId xmlns:a16="http://schemas.microsoft.com/office/drawing/2014/main" val="1962462232"/>
+                  </a:ext>
+                </a:extLst>
+              </a:tr>
+            </a:tbl>
+          </a:graphicData>
+        </a:graphic>
+      </p:graphicFrame>
+      <p:sp>
+        <p:nvSpPr>
+          <p:cNvPr id="7" name="제목 1">
+            <a:extLst>
+              <a:ext uri="{FF2B5EF4-FFF2-40B4-BE49-F238E27FC236}">
+                <a16:creationId xmlns:a16="http://schemas.microsoft.com/office/drawing/2014/main" id="{77FA9A8E-E94C-4F99-8997-7C96A1AAEAC7}"/>
+              </a:ext>
+            </a:extLst>
+          </p:cNvPr>
+          <p:cNvSpPr txBox="1">
+            <a:spLocks/>
+          </p:cNvSpPr>
+          <p:nvPr/>
+        </p:nvSpPr>
+        <p:spPr>
+          <a:xfrm>
+            <a:off x="695325" y="292100"/>
+            <a:ext cx="10801350" cy="861695"/>
+          </a:xfrm>
+          <a:prstGeom prst="rect">
+            <a:avLst/>
+          </a:prstGeom>
+        </p:spPr>
+        <p:txBody>
+          <a:bodyPr vert="horz" lIns="91440" tIns="45720" rIns="91440" bIns="45720" rtlCol="0" anchor="ctr">
+            <a:normAutofit/>
+          </a:bodyPr>
+          <a:lstStyle>
+            <a:lvl1pPr algn="l" defTabSz="914400" rtl="0" eaLnBrk="1" latinLnBrk="1" hangingPunct="1">
+              <a:lnSpc>
+                <a:spcPct val="90000"/>
+              </a:lnSpc>
+              <a:spcBef>
+                <a:spcPct val="0"/>
+              </a:spcBef>
+              <a:buNone/>
+              <a:defRPr sz="4400" kern="1200">
+                <a:solidFill>
+                  <a:schemeClr val="tx1"/>
+                </a:solidFill>
+                <a:latin typeface="+mj-lt"/>
+                <a:ea typeface="+mj-ea"/>
+                <a:cs typeface="+mj-cs"/>
+              </a:defRPr>
+            </a:lvl1pPr>
+          </a:lstStyle>
+          <a:p>
+            <a:r>
+              <a:rPr lang="en-US" altLang="ko-KR" dirty="0"/>
+              <a:t>-</a:t>
+            </a:r>
+            <a:endParaRPr lang="ko-KR" altLang="en-US" dirty="0"/>
+          </a:p>
+        </p:txBody>
+      </p:sp>
+    </p:spTree>
+    <p:extLst>
+      <p:ext uri="{BB962C8B-B14F-4D97-AF65-F5344CB8AC3E}">
+        <p14:creationId xmlns:p14="http://schemas.microsoft.com/office/powerpoint/2010/main" val="2786341182"/>
+      </p:ext>
+    </p:extLst>
+  </p:cSld>
+  <p:clrMapOvr>
+    <a:masterClrMapping/>
+  </p:clrMapOvr>
+</p:sld>
+</file>
+
 <file path=ppt/slides/slide2.xml><?xml version="1.0" encoding="utf-8"?>
 <p:sld xmlns:a="http://schemas.openxmlformats.org/drawingml/2006/main" xmlns:r="http://schemas.openxmlformats.org/officeDocument/2006/relationships" xmlns:p="http://schemas.openxmlformats.org/presentationml/2006/main">
   <p:cSld>
@@ -5162,7 +5862,7 @@
               <a:buNone/>
             </a:pPr>
             <a:r>
-              <a:rPr lang="ko-KR" altLang="en-US"/>
+              <a:rPr lang="ko-KR" altLang="en-US" dirty="0"/>
               <a:t>분류 기준</a:t>
             </a:r>
           </a:p>
@@ -5183,7 +5883,7 @@
           <p:nvPr>
             <p:extLst>
               <p:ext uri="{D42A27DB-BD31-4B8C-83A1-F6EECF244321}">
-                <p14:modId xmlns:p14="http://schemas.microsoft.com/office/powerpoint/2010/main" val="2815749414"/>
+                <p14:modId xmlns:p14="http://schemas.microsoft.com/office/powerpoint/2010/main" val="2454695535"/>
               </p:ext>
             </p:extLst>
           </p:nvPr>
@@ -5245,11 +5945,7 @@
                   </a:txBody>
                   <a:tcPr anchor="ctr">
                     <a:lnL w="12700" cap="flat" cmpd="sng" algn="ctr">
-                      <a:solidFill>
-                        <a:srgbClr val="000000">
-                          <a:alpha val="100000"/>
-                        </a:srgbClr>
-                      </a:solidFill>
+                      <a:noFill/>
                       <a:prstDash val="solid"/>
                       <a:round/>
                       <a:headEnd type="none" w="med" len="med"/>
@@ -5257,9 +5953,7 @@
                     </a:lnL>
                     <a:lnR w="12700" cap="flat" cmpd="sng" algn="ctr">
                       <a:solidFill>
-                        <a:srgbClr val="000000">
-                          <a:alpha val="100000"/>
-                        </a:srgbClr>
+                        <a:schemeClr val="tx1"/>
                       </a:solidFill>
                       <a:prstDash val="solid"/>
                       <a:round/>
@@ -5267,11 +5961,7 @@
                       <a:tailEnd type="none" w="med" len="med"/>
                     </a:lnR>
                     <a:lnT w="12700" cap="flat" cmpd="sng" algn="ctr">
-                      <a:solidFill>
-                        <a:srgbClr val="000000">
-                          <a:alpha val="100000"/>
-                        </a:srgbClr>
-                      </a:solidFill>
+                      <a:noFill/>
                       <a:prstDash val="solid"/>
                       <a:round/>
                       <a:headEnd type="none" w="med" len="med"/>
@@ -5279,9 +5969,7 @@
                     </a:lnT>
                     <a:lnB w="12700" cap="flat" cmpd="sng" algn="ctr">
                       <a:solidFill>
-                        <a:srgbClr val="000000">
-                          <a:alpha val="100000"/>
-                        </a:srgbClr>
+                        <a:schemeClr val="tx1"/>
                       </a:solidFill>
                       <a:prstDash val="solid"/>
                       <a:round/>
@@ -5302,7 +5990,11 @@
                       <a:headEnd type="none" w="med" len="med"/>
                       <a:tailEnd type="none" w="med" len="med"/>
                     </a:lnBlToTr>
-                    <a:noFill/>
+                    <a:solidFill>
+                      <a:schemeClr val="bg1">
+                        <a:lumMod val="95000"/>
+                      </a:schemeClr>
+                    </a:solidFill>
                   </a:tcPr>
                 </a:tc>
                 <a:tc>
@@ -5356,7 +6048,7 @@
                   <a:tcPr anchor="ctr">
                     <a:lnL w="12700" cap="flat" cmpd="sng" algn="ctr">
                       <a:solidFill>
-                        <a:srgbClr val="000000"/>
+                        <a:schemeClr val="tx1"/>
                       </a:solidFill>
                       <a:prstDash val="solid"/>
                       <a:round/>
@@ -5364,22 +6056,14 @@
                       <a:tailEnd type="none" w="med" len="med"/>
                     </a:lnL>
                     <a:lnR w="12700" cap="flat" cmpd="sng" algn="ctr">
-                      <a:solidFill>
-                        <a:srgbClr val="000000">
-                          <a:alpha val="100000"/>
-                        </a:srgbClr>
-                      </a:solidFill>
+                      <a:noFill/>
                       <a:prstDash val="solid"/>
                       <a:round/>
                       <a:headEnd type="none" w="med" len="med"/>
                       <a:tailEnd type="none" w="med" len="med"/>
                     </a:lnR>
                     <a:lnT w="12700" cap="flat" cmpd="sng" algn="ctr">
-                      <a:solidFill>
-                        <a:srgbClr val="000000">
-                          <a:alpha val="100000"/>
-                        </a:srgbClr>
-                      </a:solidFill>
+                      <a:noFill/>
                       <a:prstDash val="solid"/>
                       <a:round/>
                       <a:headEnd type="none" w="med" len="med"/>
@@ -5387,7 +6071,7 @@
                     </a:lnT>
                     <a:lnB w="12700" cap="flat" cmpd="sng" algn="ctr">
                       <a:solidFill>
-                        <a:srgbClr val="000000"/>
+                        <a:schemeClr val="tx1"/>
                       </a:solidFill>
                       <a:prstDash val="solid"/>
                       <a:round/>
@@ -5408,7 +6092,11 @@
                       <a:headEnd type="none" w="med" len="med"/>
                       <a:tailEnd type="none" w="med" len="med"/>
                     </a:lnBlToTr>
-                    <a:noFill/>
+                    <a:solidFill>
+                      <a:schemeClr val="bg1">
+                        <a:lumMod val="95000"/>
+                      </a:schemeClr>
+                    </a:solidFill>
                   </a:tcPr>
                 </a:tc>
                 <a:extLst>
@@ -5448,11 +6136,7 @@
                   </a:txBody>
                   <a:tcPr anchor="ctr">
                     <a:lnL w="12700" cap="flat" cmpd="sng" algn="ctr">
-                      <a:solidFill>
-                        <a:srgbClr val="000000">
-                          <a:alpha val="100000"/>
-                        </a:srgbClr>
-                      </a:solidFill>
+                      <a:noFill/>
                       <a:prstDash val="solid"/>
                       <a:round/>
                       <a:headEnd type="none" w="med" len="med"/>
@@ -5460,9 +6144,7 @@
                     </a:lnL>
                     <a:lnR w="12700" cap="flat" cmpd="sng" algn="ctr">
                       <a:solidFill>
-                        <a:srgbClr val="000000">
-                          <a:alpha val="100000"/>
-                        </a:srgbClr>
+                        <a:schemeClr val="tx1"/>
                       </a:solidFill>
                       <a:prstDash val="solid"/>
                       <a:round/>
@@ -5471,9 +6153,7 @@
                     </a:lnR>
                     <a:lnT w="12700" cap="flat" cmpd="sng" algn="ctr">
                       <a:solidFill>
-                        <a:srgbClr val="000000">
-                          <a:alpha val="100000"/>
-                        </a:srgbClr>
+                        <a:schemeClr val="tx1"/>
                       </a:solidFill>
                       <a:prstDash val="solid"/>
                       <a:round/>
@@ -5482,9 +6162,7 @@
                     </a:lnT>
                     <a:lnB w="12700" cap="flat" cmpd="sng" algn="ctr">
                       <a:solidFill>
-                        <a:srgbClr val="000000">
-                          <a:alpha val="100000"/>
-                        </a:srgbClr>
+                        <a:schemeClr val="tx1"/>
                       </a:solidFill>
                       <a:prstDash val="solid"/>
                       <a:round/>
@@ -5532,7 +6210,7 @@
                   <a:tcPr anchor="ctr">
                     <a:lnL w="12700" cap="flat" cmpd="sng" algn="ctr">
                       <a:solidFill>
-                        <a:srgbClr val="000000"/>
+                        <a:schemeClr val="tx1"/>
                       </a:solidFill>
                       <a:prstDash val="solid"/>
                       <a:round/>
@@ -5540,11 +6218,7 @@
                       <a:tailEnd type="none" w="med" len="med"/>
                     </a:lnL>
                     <a:lnR w="12700" cap="flat" cmpd="sng" algn="ctr">
-                      <a:solidFill>
-                        <a:srgbClr val="000000">
-                          <a:alpha val="100000"/>
-                        </a:srgbClr>
-                      </a:solidFill>
+                      <a:noFill/>
                       <a:prstDash val="solid"/>
                       <a:round/>
                       <a:headEnd type="none" w="med" len="med"/>
@@ -5552,7 +6226,7 @@
                     </a:lnR>
                     <a:lnT w="12700" cap="flat" cmpd="sng" algn="ctr">
                       <a:solidFill>
-                        <a:srgbClr val="000000"/>
+                        <a:schemeClr val="tx1"/>
                       </a:solidFill>
                       <a:prstDash val="solid"/>
                       <a:round/>
@@ -5561,7 +6235,7 @@
                     </a:lnT>
                     <a:lnB w="12700" cap="flat" cmpd="sng" algn="ctr">
                       <a:solidFill>
-                        <a:srgbClr val="000000"/>
+                        <a:schemeClr val="tx1"/>
                       </a:solidFill>
                       <a:prstDash val="solid"/>
                       <a:round/>
@@ -5622,11 +6296,7 @@
                   </a:txBody>
                   <a:tcPr anchor="ctr">
                     <a:lnL w="12700" cap="flat" cmpd="sng" algn="ctr">
-                      <a:solidFill>
-                        <a:srgbClr val="000000">
-                          <a:alpha val="100000"/>
-                        </a:srgbClr>
-                      </a:solidFill>
+                      <a:noFill/>
                       <a:prstDash val="solid"/>
                       <a:round/>
                       <a:headEnd type="none" w="med" len="med"/>
@@ -5634,9 +6304,7 @@
                     </a:lnL>
                     <a:lnR w="12700" cap="flat" cmpd="sng" algn="ctr">
                       <a:solidFill>
-                        <a:srgbClr val="000000">
-                          <a:alpha val="100000"/>
-                        </a:srgbClr>
+                        <a:schemeClr val="tx1"/>
                       </a:solidFill>
                       <a:prstDash val="solid"/>
                       <a:round/>
@@ -5645,9 +6313,7 @@
                     </a:lnR>
                     <a:lnT w="12700" cap="flat" cmpd="sng" algn="ctr">
                       <a:solidFill>
-                        <a:srgbClr val="000000">
-                          <a:alpha val="100000"/>
-                        </a:srgbClr>
+                        <a:schemeClr val="tx1"/>
                       </a:solidFill>
                       <a:prstDash val="solid"/>
                       <a:round/>
@@ -5656,9 +6322,7 @@
                     </a:lnT>
                     <a:lnB w="12700" cap="flat" cmpd="sng" algn="ctr">
                       <a:solidFill>
-                        <a:srgbClr val="000000">
-                          <a:alpha val="100000"/>
-                        </a:srgbClr>
+                        <a:schemeClr val="tx1"/>
                       </a:solidFill>
                       <a:prstDash val="solid"/>
                       <a:round/>
@@ -5706,7 +6370,7 @@
                   <a:tcPr anchor="ctr">
                     <a:lnL w="12700" cap="flat" cmpd="sng" algn="ctr">
                       <a:solidFill>
-                        <a:srgbClr val="000000"/>
+                        <a:schemeClr val="tx1"/>
                       </a:solidFill>
                       <a:prstDash val="solid"/>
                       <a:round/>
@@ -5714,11 +6378,7 @@
                       <a:tailEnd type="none" w="med" len="med"/>
                     </a:lnL>
                     <a:lnR w="12700" cap="flat" cmpd="sng" algn="ctr">
-                      <a:solidFill>
-                        <a:srgbClr val="000000">
-                          <a:alpha val="100000"/>
-                        </a:srgbClr>
-                      </a:solidFill>
+                      <a:noFill/>
                       <a:prstDash val="solid"/>
                       <a:round/>
                       <a:headEnd type="none" w="med" len="med"/>
@@ -5726,7 +6386,7 @@
                     </a:lnR>
                     <a:lnT w="12700" cap="flat" cmpd="sng" algn="ctr">
                       <a:solidFill>
-                        <a:srgbClr val="000000"/>
+                        <a:schemeClr val="tx1"/>
                       </a:solidFill>
                       <a:prstDash val="solid"/>
                       <a:round/>
@@ -5735,7 +6395,7 @@
                     </a:lnT>
                     <a:lnB w="12700" cap="flat" cmpd="sng" algn="ctr">
                       <a:solidFill>
-                        <a:srgbClr val="000000"/>
+                        <a:schemeClr val="tx1"/>
                       </a:solidFill>
                       <a:prstDash val="solid"/>
                       <a:round/>
@@ -5796,11 +6456,7 @@
                   </a:txBody>
                   <a:tcPr anchor="ctr">
                     <a:lnL w="12700" cap="flat" cmpd="sng" algn="ctr">
-                      <a:solidFill>
-                        <a:srgbClr val="000000">
-                          <a:alpha val="100000"/>
-                        </a:srgbClr>
-                      </a:solidFill>
+                      <a:noFill/>
                       <a:prstDash val="solid"/>
                       <a:round/>
                       <a:headEnd type="none" w="med" len="med"/>
@@ -5808,9 +6464,7 @@
                     </a:lnL>
                     <a:lnR w="12700" cap="flat" cmpd="sng" algn="ctr">
                       <a:solidFill>
-                        <a:srgbClr val="000000">
-                          <a:alpha val="100000"/>
-                        </a:srgbClr>
+                        <a:schemeClr val="tx1"/>
                       </a:solidFill>
                       <a:prstDash val="solid"/>
                       <a:round/>
@@ -5819,9 +6473,7 @@
                     </a:lnR>
                     <a:lnT w="12700" cap="flat" cmpd="sng" algn="ctr">
                       <a:solidFill>
-                        <a:srgbClr val="000000">
-                          <a:alpha val="100000"/>
-                        </a:srgbClr>
+                        <a:schemeClr val="tx1"/>
                       </a:solidFill>
                       <a:prstDash val="solid"/>
                       <a:round/>
@@ -5830,9 +6482,7 @@
                     </a:lnT>
                     <a:lnB w="12700" cap="flat" cmpd="sng" algn="ctr">
                       <a:solidFill>
-                        <a:srgbClr val="000000">
-                          <a:alpha val="100000"/>
-                        </a:srgbClr>
+                        <a:schemeClr val="tx1"/>
                       </a:solidFill>
                       <a:prstDash val="solid"/>
                       <a:round/>
@@ -5900,7 +6550,7 @@
                   <a:tcPr anchor="ctr">
                     <a:lnL w="12700" cap="flat" cmpd="sng" algn="ctr">
                       <a:solidFill>
-                        <a:srgbClr val="000000"/>
+                        <a:schemeClr val="tx1"/>
                       </a:solidFill>
                       <a:prstDash val="solid"/>
                       <a:round/>
@@ -5908,11 +6558,7 @@
                       <a:tailEnd type="none" w="med" len="med"/>
                     </a:lnL>
                     <a:lnR w="12700" cap="flat" cmpd="sng" algn="ctr">
-                      <a:solidFill>
-                        <a:srgbClr val="000000">
-                          <a:alpha val="100000"/>
-                        </a:srgbClr>
-                      </a:solidFill>
+                      <a:noFill/>
                       <a:prstDash val="solid"/>
                       <a:round/>
                       <a:headEnd type="none" w="med" len="med"/>
@@ -5920,7 +6566,7 @@
                     </a:lnR>
                     <a:lnT w="12700" cap="flat" cmpd="sng" algn="ctr">
                       <a:solidFill>
-                        <a:srgbClr val="000000"/>
+                        <a:schemeClr val="tx1"/>
                       </a:solidFill>
                       <a:prstDash val="solid"/>
                       <a:round/>
@@ -5929,7 +6575,7 @@
                     </a:lnT>
                     <a:lnB w="12700" cap="flat" cmpd="sng" algn="ctr">
                       <a:solidFill>
-                        <a:srgbClr val="000000"/>
+                        <a:schemeClr val="tx1"/>
                       </a:solidFill>
                       <a:prstDash val="solid"/>
                       <a:round/>
@@ -5990,11 +6636,7 @@
                   </a:txBody>
                   <a:tcPr anchor="ctr">
                     <a:lnL w="12700" cap="flat" cmpd="sng" algn="ctr">
-                      <a:solidFill>
-                        <a:srgbClr val="000000">
-                          <a:alpha val="100000"/>
-                        </a:srgbClr>
-                      </a:solidFill>
+                      <a:noFill/>
                       <a:prstDash val="solid"/>
                       <a:round/>
                       <a:headEnd type="none" w="med" len="med"/>
@@ -6002,9 +6644,7 @@
                     </a:lnL>
                     <a:lnR w="12700" cap="flat" cmpd="sng" algn="ctr">
                       <a:solidFill>
-                        <a:srgbClr val="000000">
-                          <a:alpha val="100000"/>
-                        </a:srgbClr>
+                        <a:schemeClr val="tx1"/>
                       </a:solidFill>
                       <a:prstDash val="solid"/>
                       <a:round/>
@@ -6013,9 +6653,7 @@
                     </a:lnR>
                     <a:lnT w="12700" cap="flat" cmpd="sng" algn="ctr">
                       <a:solidFill>
-                        <a:srgbClr val="000000">
-                          <a:alpha val="100000"/>
-                        </a:srgbClr>
+                        <a:schemeClr val="tx1"/>
                       </a:solidFill>
                       <a:prstDash val="solid"/>
                       <a:round/>
@@ -6024,9 +6662,7 @@
                     </a:lnT>
                     <a:lnB w="12700" cap="flat" cmpd="sng" algn="ctr">
                       <a:solidFill>
-                        <a:srgbClr val="000000">
-                          <a:alpha val="100000"/>
-                        </a:srgbClr>
+                        <a:schemeClr val="tx1"/>
                       </a:solidFill>
                       <a:prstDash val="solid"/>
                       <a:round/>
@@ -6114,7 +6750,7 @@
                   <a:tcPr anchor="ctr">
                     <a:lnL w="12700" cap="flat" cmpd="sng" algn="ctr">
                       <a:solidFill>
-                        <a:srgbClr val="000000"/>
+                        <a:schemeClr val="tx1"/>
                       </a:solidFill>
                       <a:prstDash val="solid"/>
                       <a:round/>
@@ -6122,11 +6758,7 @@
                       <a:tailEnd type="none" w="med" len="med"/>
                     </a:lnL>
                     <a:lnR w="12700" cap="flat" cmpd="sng" algn="ctr">
-                      <a:solidFill>
-                        <a:srgbClr val="000000">
-                          <a:alpha val="100000"/>
-                        </a:srgbClr>
-                      </a:solidFill>
+                      <a:noFill/>
                       <a:prstDash val="solid"/>
                       <a:round/>
                       <a:headEnd type="none" w="med" len="med"/>
@@ -6134,7 +6766,7 @@
                     </a:lnR>
                     <a:lnT w="12700" cap="flat" cmpd="sng" algn="ctr">
                       <a:solidFill>
-                        <a:srgbClr val="000000"/>
+                        <a:schemeClr val="tx1"/>
                       </a:solidFill>
                       <a:prstDash val="solid"/>
                       <a:round/>
@@ -6143,7 +6775,7 @@
                     </a:lnT>
                     <a:lnB w="12700" cap="flat" cmpd="sng" algn="ctr">
                       <a:solidFill>
-                        <a:srgbClr val="000000"/>
+                        <a:schemeClr val="tx1"/>
                       </a:solidFill>
                       <a:prstDash val="solid"/>
                       <a:round/>
@@ -6204,11 +6836,7 @@
                   </a:txBody>
                   <a:tcPr anchor="ctr">
                     <a:lnL w="12700" cap="flat" cmpd="sng" algn="ctr">
-                      <a:solidFill>
-                        <a:srgbClr val="000000">
-                          <a:alpha val="100000"/>
-                        </a:srgbClr>
-                      </a:solidFill>
+                      <a:noFill/>
                       <a:prstDash val="solid"/>
                       <a:round/>
                       <a:headEnd type="none" w="med" len="med"/>
@@ -6216,9 +6844,7 @@
                     </a:lnL>
                     <a:lnR w="12700" cap="flat" cmpd="sng" algn="ctr">
                       <a:solidFill>
-                        <a:srgbClr val="000000">
-                          <a:alpha val="100000"/>
-                        </a:srgbClr>
+                        <a:schemeClr val="tx1"/>
                       </a:solidFill>
                       <a:prstDash val="solid"/>
                       <a:round/>
@@ -6227,9 +6853,7 @@
                     </a:lnR>
                     <a:lnT w="12700" cap="flat" cmpd="sng" algn="ctr">
                       <a:solidFill>
-                        <a:srgbClr val="000000">
-                          <a:alpha val="100000"/>
-                        </a:srgbClr>
+                        <a:schemeClr val="tx1"/>
                       </a:solidFill>
                       <a:prstDash val="solid"/>
                       <a:round/>
@@ -6238,9 +6862,7 @@
                     </a:lnT>
                     <a:lnB w="12700" cap="flat" cmpd="sng" algn="ctr">
                       <a:solidFill>
-                        <a:srgbClr val="000000">
-                          <a:alpha val="100000"/>
-                        </a:srgbClr>
+                        <a:schemeClr val="tx1"/>
                       </a:solidFill>
                       <a:prstDash val="solid"/>
                       <a:round/>
@@ -6308,7 +6930,7 @@
                   <a:tcPr anchor="ctr">
                     <a:lnL w="12700" cap="flat" cmpd="sng" algn="ctr">
                       <a:solidFill>
-                        <a:srgbClr val="000000"/>
+                        <a:schemeClr val="tx1"/>
                       </a:solidFill>
                       <a:prstDash val="solid"/>
                       <a:round/>
@@ -6316,11 +6938,7 @@
                       <a:tailEnd type="none" w="med" len="med"/>
                     </a:lnL>
                     <a:lnR w="12700" cap="flat" cmpd="sng" algn="ctr">
-                      <a:solidFill>
-                        <a:srgbClr val="000000">
-                          <a:alpha val="100000"/>
-                        </a:srgbClr>
-                      </a:solidFill>
+                      <a:noFill/>
                       <a:prstDash val="solid"/>
                       <a:round/>
                       <a:headEnd type="none" w="med" len="med"/>
@@ -6328,7 +6946,7 @@
                     </a:lnR>
                     <a:lnT w="12700" cap="flat" cmpd="sng" algn="ctr">
                       <a:solidFill>
-                        <a:srgbClr val="000000"/>
+                        <a:schemeClr val="tx1"/>
                       </a:solidFill>
                       <a:prstDash val="solid"/>
                       <a:round/>
@@ -6337,7 +6955,7 @@
                     </a:lnT>
                     <a:lnB w="12700" cap="flat" cmpd="sng" algn="ctr">
                       <a:solidFill>
-                        <a:srgbClr val="000000"/>
+                        <a:schemeClr val="tx1"/>
                       </a:solidFill>
                       <a:prstDash val="solid"/>
                       <a:round/>
@@ -6398,11 +7016,7 @@
                   </a:txBody>
                   <a:tcPr anchor="ctr">
                     <a:lnL w="12700" cap="flat" cmpd="sng" algn="ctr">
-                      <a:solidFill>
-                        <a:srgbClr val="000000">
-                          <a:alpha val="100000"/>
-                        </a:srgbClr>
-                      </a:solidFill>
+                      <a:noFill/>
                       <a:prstDash val="solid"/>
                       <a:round/>
                       <a:headEnd type="none" w="med" len="med"/>
@@ -6410,9 +7024,7 @@
                     </a:lnL>
                     <a:lnR w="12700" cap="flat" cmpd="sng" algn="ctr">
                       <a:solidFill>
-                        <a:srgbClr val="000000">
-                          <a:alpha val="100000"/>
-                        </a:srgbClr>
+                        <a:schemeClr val="tx1"/>
                       </a:solidFill>
                       <a:prstDash val="solid"/>
                       <a:round/>
@@ -6421,9 +7033,7 @@
                     </a:lnR>
                     <a:lnT w="12700" cap="flat" cmpd="sng" algn="ctr">
                       <a:solidFill>
-                        <a:srgbClr val="000000">
-                          <a:alpha val="100000"/>
-                        </a:srgbClr>
+                        <a:schemeClr val="tx1"/>
                       </a:solidFill>
                       <a:prstDash val="solid"/>
                       <a:round/>
@@ -6432,9 +7042,7 @@
                     </a:lnT>
                     <a:lnB w="12700" cap="flat" cmpd="sng" algn="ctr">
                       <a:solidFill>
-                        <a:srgbClr val="000000">
-                          <a:alpha val="100000"/>
-                        </a:srgbClr>
+                        <a:schemeClr val="tx1"/>
                       </a:solidFill>
                       <a:prstDash val="solid"/>
                       <a:round/>
@@ -6502,7 +7110,7 @@
                   <a:tcPr anchor="ctr">
                     <a:lnL w="12700" cap="flat" cmpd="sng" algn="ctr">
                       <a:solidFill>
-                        <a:srgbClr val="000000"/>
+                        <a:schemeClr val="tx1"/>
                       </a:solidFill>
                       <a:prstDash val="solid"/>
                       <a:round/>
@@ -6510,11 +7118,7 @@
                       <a:tailEnd type="none" w="med" len="med"/>
                     </a:lnL>
                     <a:lnR w="12700" cap="flat" cmpd="sng" algn="ctr">
-                      <a:solidFill>
-                        <a:srgbClr val="000000">
-                          <a:alpha val="100000"/>
-                        </a:srgbClr>
-                      </a:solidFill>
+                      <a:noFill/>
                       <a:prstDash val="solid"/>
                       <a:round/>
                       <a:headEnd type="none" w="med" len="med"/>
@@ -6522,7 +7126,7 @@
                     </a:lnR>
                     <a:lnT w="12700" cap="flat" cmpd="sng" algn="ctr">
                       <a:solidFill>
-                        <a:srgbClr val="000000"/>
+                        <a:schemeClr val="tx1"/>
                       </a:solidFill>
                       <a:prstDash val="solid"/>
                       <a:round/>
@@ -6531,7 +7135,7 @@
                     </a:lnT>
                     <a:lnB w="12700" cap="flat" cmpd="sng" algn="ctr">
                       <a:solidFill>
-                        <a:srgbClr val="000000"/>
+                        <a:schemeClr val="tx1"/>
                       </a:solidFill>
                       <a:prstDash val="solid"/>
                       <a:round/>
@@ -6592,11 +7196,7 @@
                   </a:txBody>
                   <a:tcPr anchor="ctr">
                     <a:lnL w="12700" cap="flat" cmpd="sng" algn="ctr">
-                      <a:solidFill>
-                        <a:srgbClr val="000000">
-                          <a:alpha val="100000"/>
-                        </a:srgbClr>
-                      </a:solidFill>
+                      <a:noFill/>
                       <a:prstDash val="solid"/>
                       <a:round/>
                       <a:headEnd type="none" w="med" len="med"/>
@@ -6604,9 +7204,7 @@
                     </a:lnL>
                     <a:lnR w="12700" cap="flat" cmpd="sng" algn="ctr">
                       <a:solidFill>
-                        <a:srgbClr val="000000">
-                          <a:alpha val="100000"/>
-                        </a:srgbClr>
+                        <a:schemeClr val="tx1"/>
                       </a:solidFill>
                       <a:prstDash val="solid"/>
                       <a:round/>
@@ -6615,9 +7213,7 @@
                     </a:lnR>
                     <a:lnT w="12700" cap="flat" cmpd="sng" algn="ctr">
                       <a:solidFill>
-                        <a:srgbClr val="000000">
-                          <a:alpha val="100000"/>
-                        </a:srgbClr>
+                        <a:schemeClr val="tx1"/>
                       </a:solidFill>
                       <a:prstDash val="solid"/>
                       <a:round/>
@@ -6625,11 +7221,7 @@
                       <a:tailEnd type="none" w="med" len="med"/>
                     </a:lnT>
                     <a:lnB w="12700" cap="flat" cmpd="sng" algn="ctr">
-                      <a:solidFill>
-                        <a:srgbClr val="000000">
-                          <a:alpha val="100000"/>
-                        </a:srgbClr>
-                      </a:solidFill>
+                      <a:noFill/>
                       <a:prstDash val="solid"/>
                       <a:round/>
                       <a:headEnd type="none" w="med" len="med"/>
@@ -6736,7 +7328,7 @@
                   <a:tcPr anchor="ctr">
                     <a:lnL w="12700" cap="flat" cmpd="sng" algn="ctr">
                       <a:solidFill>
-                        <a:srgbClr val="000000"/>
+                        <a:schemeClr val="tx1"/>
                       </a:solidFill>
                       <a:prstDash val="solid"/>
                       <a:round/>
@@ -6744,11 +7336,7 @@
                       <a:tailEnd type="none" w="med" len="med"/>
                     </a:lnL>
                     <a:lnR w="12700" cap="flat" cmpd="sng" algn="ctr">
-                      <a:solidFill>
-                        <a:srgbClr val="000000">
-                          <a:alpha val="100000"/>
-                        </a:srgbClr>
-                      </a:solidFill>
+                      <a:noFill/>
                       <a:prstDash val="solid"/>
                       <a:round/>
                       <a:headEnd type="none" w="med" len="med"/>
@@ -6756,7 +7344,7 @@
                     </a:lnR>
                     <a:lnT w="12700" cap="flat" cmpd="sng" algn="ctr">
                       <a:solidFill>
-                        <a:srgbClr val="000000"/>
+                        <a:schemeClr val="tx1"/>
                       </a:solidFill>
                       <a:prstDash val="solid"/>
                       <a:round/>
@@ -6764,11 +7352,7 @@
                       <a:tailEnd type="none" w="med" len="med"/>
                     </a:lnT>
                     <a:lnB w="12700" cap="flat" cmpd="sng" algn="ctr">
-                      <a:solidFill>
-                        <a:srgbClr val="000000">
-                          <a:alpha val="100000"/>
-                        </a:srgbClr>
-                      </a:solidFill>
+                      <a:noFill/>
                       <a:prstDash val="solid"/>
                       <a:round/>
                       <a:headEnd type="none" w="med" len="med"/>
@@ -6816,7 +7400,7 @@
           <p:nvPr>
             <p:extLst>
               <p:ext uri="{D42A27DB-BD31-4B8C-83A1-F6EECF244321}">
-                <p14:modId xmlns:p14="http://schemas.microsoft.com/office/powerpoint/2010/main" val="3943424257"/>
+                <p14:modId xmlns:p14="http://schemas.microsoft.com/office/powerpoint/2010/main" val="1863336806"/>
               </p:ext>
             </p:extLst>
           </p:nvPr>
@@ -6859,34 +7443,30 @@
                   </a:txBody>
                   <a:tcPr>
                     <a:lnL w="12700" cap="flat" cmpd="sng" algn="ctr">
-                      <a:solidFill>
-                        <a:schemeClr val="tx1"/>
-                      </a:solidFill>
+                      <a:noFill/>
                       <a:prstDash val="solid"/>
                       <a:round/>
                       <a:headEnd type="none" w="med" len="med"/>
                       <a:tailEnd type="none" w="med" len="med"/>
                     </a:lnL>
                     <a:lnR w="12700" cap="flat" cmpd="sng" algn="ctr">
-                      <a:solidFill>
-                        <a:schemeClr val="tx1"/>
-                      </a:solidFill>
+                      <a:noFill/>
                       <a:prstDash val="solid"/>
                       <a:round/>
                       <a:headEnd type="none" w="med" len="med"/>
                       <a:tailEnd type="none" w="med" len="med"/>
                     </a:lnR>
                     <a:lnT w="12700" cap="flat" cmpd="sng" algn="ctr">
-                      <a:solidFill>
-                        <a:schemeClr val="tx1"/>
-                      </a:solidFill>
+                      <a:noFill/>
                       <a:prstDash val="solid"/>
                       <a:round/>
                       <a:headEnd type="none" w="med" len="med"/>
                       <a:tailEnd type="none" w="med" len="med"/>
                     </a:lnT>
                     <a:lnB w="12700" cap="flat" cmpd="sng" algn="ctr">
-                      <a:noFill/>
+                      <a:solidFill>
+                        <a:schemeClr val="tx1"/>
+                      </a:solidFill>
                       <a:prstDash val="solid"/>
                       <a:round/>
                       <a:headEnd type="none" w="med" len="med"/>
@@ -6948,34 +7528,30 @@
                   </a:txBody>
                   <a:tcPr>
                     <a:lnL w="12700" cap="flat" cmpd="sng" algn="ctr">
-                      <a:solidFill>
-                        <a:schemeClr val="tx1"/>
-                      </a:solidFill>
+                      <a:noFill/>
                       <a:prstDash val="solid"/>
                       <a:round/>
                       <a:headEnd type="none" w="med" len="med"/>
                       <a:tailEnd type="none" w="med" len="med"/>
                     </a:lnL>
                     <a:lnR w="12700" cap="flat" cmpd="sng" algn="ctr">
-                      <a:solidFill>
-                        <a:schemeClr val="tx1"/>
-                      </a:solidFill>
+                      <a:noFill/>
                       <a:prstDash val="solid"/>
                       <a:round/>
                       <a:headEnd type="none" w="med" len="med"/>
                       <a:tailEnd type="none" w="med" len="med"/>
                     </a:lnR>
                     <a:lnT w="12700" cap="flat" cmpd="sng" algn="ctr">
-                      <a:noFill/>
+                      <a:solidFill>
+                        <a:schemeClr val="tx1"/>
+                      </a:solidFill>
                       <a:prstDash val="solid"/>
                       <a:round/>
                       <a:headEnd type="none" w="med" len="med"/>
                       <a:tailEnd type="none" w="med" len="med"/>
                     </a:lnT>
                     <a:lnB w="12700" cap="flat" cmpd="sng" algn="ctr">
-                      <a:solidFill>
-                        <a:schemeClr val="tx1"/>
-                      </a:solidFill>
+                      <a:noFill/>
                       <a:prstDash val="solid"/>
                       <a:round/>
                       <a:headEnd type="none" w="med" len="med"/>
@@ -7017,34 +7593,30 @@
                   </a:txBody>
                   <a:tcPr>
                     <a:lnL w="12700" cap="flat" cmpd="sng" algn="ctr">
-                      <a:solidFill>
-                        <a:schemeClr val="tx1"/>
-                      </a:solidFill>
+                      <a:noFill/>
                       <a:prstDash val="solid"/>
                       <a:round/>
                       <a:headEnd type="none" w="med" len="med"/>
                       <a:tailEnd type="none" w="med" len="med"/>
                     </a:lnL>
                     <a:lnR w="12700" cap="flat" cmpd="sng" algn="ctr">
-                      <a:solidFill>
-                        <a:schemeClr val="tx1"/>
-                      </a:solidFill>
+                      <a:noFill/>
                       <a:prstDash val="solid"/>
                       <a:round/>
                       <a:headEnd type="none" w="med" len="med"/>
                       <a:tailEnd type="none" w="med" len="med"/>
                     </a:lnR>
                     <a:lnT w="12700" cap="flat" cmpd="sng" algn="ctr">
-                      <a:solidFill>
-                        <a:schemeClr val="tx1"/>
-                      </a:solidFill>
+                      <a:noFill/>
                       <a:prstDash val="solid"/>
                       <a:round/>
                       <a:headEnd type="none" w="med" len="med"/>
                       <a:tailEnd type="none" w="med" len="med"/>
                     </a:lnT>
                     <a:lnB w="12700" cap="flat" cmpd="sng" algn="ctr">
-                      <a:noFill/>
+                      <a:solidFill>
+                        <a:schemeClr val="tx1"/>
+                      </a:solidFill>
                       <a:prstDash val="solid"/>
                       <a:round/>
                       <a:headEnd type="none" w="med" len="med"/>
@@ -7138,34 +7710,30 @@
                   </a:txBody>
                   <a:tcPr>
                     <a:lnL w="12700" cap="flat" cmpd="sng" algn="ctr">
-                      <a:solidFill>
-                        <a:schemeClr val="tx1"/>
-                      </a:solidFill>
+                      <a:noFill/>
                       <a:prstDash val="solid"/>
                       <a:round/>
                       <a:headEnd type="none" w="med" len="med"/>
                       <a:tailEnd type="none" w="med" len="med"/>
                     </a:lnL>
                     <a:lnR w="12700" cap="flat" cmpd="sng" algn="ctr">
-                      <a:solidFill>
-                        <a:schemeClr val="tx1"/>
-                      </a:solidFill>
+                      <a:noFill/>
                       <a:prstDash val="solid"/>
                       <a:round/>
                       <a:headEnd type="none" w="med" len="med"/>
                       <a:tailEnd type="none" w="med" len="med"/>
                     </a:lnR>
                     <a:lnT w="12700" cap="flat" cmpd="sng" algn="ctr">
-                      <a:noFill/>
+                      <a:solidFill>
+                        <a:schemeClr val="tx1"/>
+                      </a:solidFill>
                       <a:prstDash val="solid"/>
                       <a:round/>
                       <a:headEnd type="none" w="med" len="med"/>
                       <a:tailEnd type="none" w="med" len="med"/>
                     </a:lnT>
                     <a:lnB w="12700" cap="flat" cmpd="sng" algn="ctr">
-                      <a:solidFill>
-                        <a:schemeClr val="tx1"/>
-                      </a:solidFill>
+                      <a:noFill/>
                       <a:prstDash val="solid"/>
                       <a:round/>
                       <a:headEnd type="none" w="med" len="med"/>
@@ -7272,10 +7840,10 @@
       </p:sp>
       <p:grpSp>
         <p:nvGrpSpPr>
-          <p:cNvPr id="20" name="그룹 19">
+          <p:cNvPr id="2" name="그룹 1">
             <a:extLst>
               <a:ext uri="{FF2B5EF4-FFF2-40B4-BE49-F238E27FC236}">
-                <a16:creationId xmlns:a16="http://schemas.microsoft.com/office/drawing/2014/main" id="{C4A9E251-576D-F0C3-C7DF-A421E50ED6B7}"/>
+                <a16:creationId xmlns:a16="http://schemas.microsoft.com/office/drawing/2014/main" id="{785265A6-E586-4F98-A052-42A3C9E70B3A}"/>
               </a:ext>
             </a:extLst>
           </p:cNvPr>
@@ -7284,18 +7852,690 @@
         </p:nvGrpSpPr>
         <p:grpSpPr>
           <a:xfrm>
-            <a:off x="1414463" y="1158875"/>
-            <a:ext cx="2160001" cy="1997285"/>
-            <a:chOff x="1579005" y="1958057"/>
-            <a:chExt cx="2160001" cy="1997285"/>
+            <a:off x="1439367" y="2680806"/>
+            <a:ext cx="9336583" cy="1496388"/>
+            <a:chOff x="695325" y="2680806"/>
+            <a:chExt cx="9336583" cy="1496388"/>
           </a:xfrm>
         </p:grpSpPr>
+        <p:grpSp>
+          <p:nvGrpSpPr>
+            <p:cNvPr id="33" name="그룹 32">
+              <a:extLst>
+                <a:ext uri="{FF2B5EF4-FFF2-40B4-BE49-F238E27FC236}">
+                  <a16:creationId xmlns:a16="http://schemas.microsoft.com/office/drawing/2014/main" id="{DB4322E5-5BBC-3C0D-1887-B5828F3AF794}"/>
+                </a:ext>
+              </a:extLst>
+            </p:cNvPr>
+            <p:cNvGrpSpPr/>
+            <p:nvPr/>
+          </p:nvGrpSpPr>
+          <p:grpSpPr>
+            <a:xfrm>
+              <a:off x="695325" y="2680806"/>
+              <a:ext cx="1618297" cy="1496388"/>
+              <a:chOff x="1579005" y="1958057"/>
+              <a:chExt cx="2160001" cy="1997285"/>
+            </a:xfrm>
+          </p:grpSpPr>
+          <p:sp>
+            <p:nvSpPr>
+              <p:cNvPr id="34" name="사각형: 둥근 대각선 방향 모서리 33">
+                <a:extLst>
+                  <a:ext uri="{FF2B5EF4-FFF2-40B4-BE49-F238E27FC236}">
+                    <a16:creationId xmlns:a16="http://schemas.microsoft.com/office/drawing/2014/main" id="{ECAE434A-9BF7-2A68-C8C3-4FEFDDFE859B}"/>
+                  </a:ext>
+                </a:extLst>
+              </p:cNvPr>
+              <p:cNvSpPr/>
+              <p:nvPr/>
+            </p:nvSpPr>
+            <p:spPr>
+              <a:xfrm>
+                <a:off x="1579006" y="1958057"/>
+                <a:ext cx="2160000" cy="900000"/>
+              </a:xfrm>
+              <a:prstGeom prst="round2DiagRect">
+                <a:avLst>
+                  <a:gd name="adj1" fmla="val 0"/>
+                  <a:gd name="adj2" fmla="val 50000"/>
+                </a:avLst>
+              </a:prstGeom>
+              <a:solidFill>
+                <a:schemeClr val="bg1">
+                  <a:lumMod val="95000"/>
+                </a:schemeClr>
+              </a:solidFill>
+              <a:ln>
+                <a:noFill/>
+              </a:ln>
+            </p:spPr>
+            <p:style>
+              <a:lnRef idx="2">
+                <a:schemeClr val="accent1">
+                  <a:shade val="15000"/>
+                </a:schemeClr>
+              </a:lnRef>
+              <a:fillRef idx="1">
+                <a:schemeClr val="accent1"/>
+              </a:fillRef>
+              <a:effectRef idx="0">
+                <a:schemeClr val="accent1"/>
+              </a:effectRef>
+              <a:fontRef idx="minor">
+                <a:schemeClr val="lt1"/>
+              </a:fontRef>
+            </p:style>
+            <p:txBody>
+              <a:bodyPr rtlCol="0" anchor="ctr"/>
+              <a:lstStyle/>
+              <a:p>
+                <a:pPr algn="ctr"/>
+                <a:r>
+                  <a:rPr lang="ko-KR" altLang="en-US" sz="1400" dirty="0">
+                    <a:solidFill>
+                      <a:schemeClr val="tx1"/>
+                    </a:solidFill>
+                  </a:rPr>
+                  <a:t>알림</a:t>
+                </a:r>
+              </a:p>
+            </p:txBody>
+          </p:sp>
+          <p:sp>
+            <p:nvSpPr>
+              <p:cNvPr id="35" name="직사각형 34">
+                <a:extLst>
+                  <a:ext uri="{FF2B5EF4-FFF2-40B4-BE49-F238E27FC236}">
+                    <a16:creationId xmlns:a16="http://schemas.microsoft.com/office/drawing/2014/main" id="{F8CBCE67-A4F5-6136-901C-688036B1C7B6}"/>
+                  </a:ext>
+                </a:extLst>
+              </p:cNvPr>
+              <p:cNvSpPr/>
+              <p:nvPr/>
+            </p:nvSpPr>
+            <p:spPr>
+              <a:xfrm>
+                <a:off x="1579005" y="2862502"/>
+                <a:ext cx="2160000" cy="1092840"/>
+              </a:xfrm>
+              <a:prstGeom prst="rect">
+                <a:avLst/>
+              </a:prstGeom>
+              <a:noFill/>
+              <a:ln>
+                <a:noFill/>
+              </a:ln>
+            </p:spPr>
+            <p:style>
+              <a:lnRef idx="2">
+                <a:schemeClr val="accent1">
+                  <a:shade val="15000"/>
+                </a:schemeClr>
+              </a:lnRef>
+              <a:fillRef idx="1">
+                <a:schemeClr val="accent1"/>
+              </a:fillRef>
+              <a:effectRef idx="0">
+                <a:schemeClr val="accent1"/>
+              </a:effectRef>
+              <a:fontRef idx="minor">
+                <a:schemeClr val="lt1"/>
+              </a:fontRef>
+            </p:style>
+            <p:txBody>
+              <a:bodyPr rtlCol="0" anchor="t"/>
+              <a:lstStyle/>
+              <a:p>
+                <a:pPr latinLnBrk="1"/>
+                <a:r>
+                  <a:rPr lang="ko-KR" altLang="en-US" sz="1400" b="0" dirty="0">
+                    <a:solidFill>
+                      <a:schemeClr val="tx1"/>
+                    </a:solidFill>
+                  </a:rPr>
+                  <a:t>퀘스트 수락 가능 </a:t>
+                </a:r>
+                <a:endParaRPr lang="en-US" altLang="ko-KR" sz="1400" b="0" dirty="0">
+                  <a:solidFill>
+                    <a:schemeClr val="tx1"/>
+                  </a:solidFill>
+                </a:endParaRPr>
+              </a:p>
+              <a:p>
+                <a:pPr latinLnBrk="1"/>
+                <a:r>
+                  <a:rPr lang="en-US" altLang="ko-KR" sz="1400" b="0" dirty="0">
+                    <a:solidFill>
+                      <a:schemeClr val="tx1"/>
+                    </a:solidFill>
+                  </a:rPr>
+                  <a:t>NPC, </a:t>
+                </a:r>
+                <a:r>
+                  <a:rPr lang="ko-KR" altLang="en-US" sz="1400" b="0" dirty="0">
+                    <a:solidFill>
+                      <a:schemeClr val="tx1"/>
+                    </a:solidFill>
+                  </a:rPr>
+                  <a:t>오브젝트에 </a:t>
+                </a:r>
+                <a:endParaRPr lang="en-US" altLang="ko-KR" sz="1400" b="0" dirty="0">
+                  <a:solidFill>
+                    <a:schemeClr val="tx1"/>
+                  </a:solidFill>
+                </a:endParaRPr>
+              </a:p>
+              <a:p>
+                <a:pPr latinLnBrk="1"/>
+                <a:r>
+                  <a:rPr lang="ko-KR" altLang="en-US" sz="1400" b="0" dirty="0">
+                    <a:solidFill>
+                      <a:schemeClr val="tx1"/>
+                    </a:solidFill>
+                  </a:rPr>
+                  <a:t>팝업 표시</a:t>
+                </a:r>
+              </a:p>
+            </p:txBody>
+          </p:sp>
+        </p:grpSp>
+        <p:grpSp>
+          <p:nvGrpSpPr>
+            <p:cNvPr id="37" name="그룹 36">
+              <a:extLst>
+                <a:ext uri="{FF2B5EF4-FFF2-40B4-BE49-F238E27FC236}">
+                  <a16:creationId xmlns:a16="http://schemas.microsoft.com/office/drawing/2014/main" id="{69A602CF-4949-E0C5-3671-4D5736C52E04}"/>
+                </a:ext>
+              </a:extLst>
+            </p:cNvPr>
+            <p:cNvGrpSpPr/>
+            <p:nvPr/>
+          </p:nvGrpSpPr>
+          <p:grpSpPr>
+            <a:xfrm>
+              <a:off x="3268089" y="2680806"/>
+              <a:ext cx="1618297" cy="1496388"/>
+              <a:chOff x="1579005" y="1958057"/>
+              <a:chExt cx="2160001" cy="1997285"/>
+            </a:xfrm>
+          </p:grpSpPr>
+          <p:sp>
+            <p:nvSpPr>
+              <p:cNvPr id="38" name="사각형: 둥근 대각선 방향 모서리 37">
+                <a:extLst>
+                  <a:ext uri="{FF2B5EF4-FFF2-40B4-BE49-F238E27FC236}">
+                    <a16:creationId xmlns:a16="http://schemas.microsoft.com/office/drawing/2014/main" id="{23A11173-5A1E-8D43-C45F-D0C0490F7A15}"/>
+                  </a:ext>
+                </a:extLst>
+              </p:cNvPr>
+              <p:cNvSpPr/>
+              <p:nvPr/>
+            </p:nvSpPr>
+            <p:spPr>
+              <a:xfrm>
+                <a:off x="1579006" y="1958057"/>
+                <a:ext cx="2160000" cy="900000"/>
+              </a:xfrm>
+              <a:prstGeom prst="round2DiagRect">
+                <a:avLst>
+                  <a:gd name="adj1" fmla="val 0"/>
+                  <a:gd name="adj2" fmla="val 50000"/>
+                </a:avLst>
+              </a:prstGeom>
+              <a:solidFill>
+                <a:schemeClr val="bg1">
+                  <a:lumMod val="95000"/>
+                </a:schemeClr>
+              </a:solidFill>
+              <a:ln>
+                <a:noFill/>
+              </a:ln>
+            </p:spPr>
+            <p:style>
+              <a:lnRef idx="2">
+                <a:schemeClr val="accent1">
+                  <a:shade val="15000"/>
+                </a:schemeClr>
+              </a:lnRef>
+              <a:fillRef idx="1">
+                <a:schemeClr val="accent1"/>
+              </a:fillRef>
+              <a:effectRef idx="0">
+                <a:schemeClr val="accent1"/>
+              </a:effectRef>
+              <a:fontRef idx="minor">
+                <a:schemeClr val="lt1"/>
+              </a:fontRef>
+            </p:style>
+            <p:txBody>
+              <a:bodyPr rtlCol="0" anchor="ctr"/>
+              <a:lstStyle/>
+              <a:p>
+                <a:pPr algn="ctr"/>
+                <a:r>
+                  <a:rPr lang="ko-KR" altLang="en-US" sz="1400" dirty="0">
+                    <a:solidFill>
+                      <a:schemeClr val="tx1"/>
+                    </a:solidFill>
+                  </a:rPr>
+                  <a:t>수락</a:t>
+                </a:r>
+              </a:p>
+            </p:txBody>
+          </p:sp>
+          <p:sp>
+            <p:nvSpPr>
+              <p:cNvPr id="39" name="직사각형 38">
+                <a:extLst>
+                  <a:ext uri="{FF2B5EF4-FFF2-40B4-BE49-F238E27FC236}">
+                    <a16:creationId xmlns:a16="http://schemas.microsoft.com/office/drawing/2014/main" id="{5F8C2606-64E7-5B60-99D9-98455A2F2A6D}"/>
+                  </a:ext>
+                </a:extLst>
+              </p:cNvPr>
+              <p:cNvSpPr/>
+              <p:nvPr/>
+            </p:nvSpPr>
+            <p:spPr>
+              <a:xfrm>
+                <a:off x="1579005" y="2862502"/>
+                <a:ext cx="2160000" cy="1092840"/>
+              </a:xfrm>
+              <a:prstGeom prst="rect">
+                <a:avLst/>
+              </a:prstGeom>
+              <a:noFill/>
+              <a:ln>
+                <a:noFill/>
+              </a:ln>
+            </p:spPr>
+            <p:style>
+              <a:lnRef idx="2">
+                <a:schemeClr val="accent1">
+                  <a:shade val="15000"/>
+                </a:schemeClr>
+              </a:lnRef>
+              <a:fillRef idx="1">
+                <a:schemeClr val="accent1"/>
+              </a:fillRef>
+              <a:effectRef idx="0">
+                <a:schemeClr val="accent1"/>
+              </a:effectRef>
+              <a:fontRef idx="minor">
+                <a:schemeClr val="lt1"/>
+              </a:fontRef>
+            </p:style>
+            <p:txBody>
+              <a:bodyPr rtlCol="0" anchor="t"/>
+              <a:lstStyle/>
+              <a:p>
+                <a:pPr latinLnBrk="1"/>
+                <a:r>
+                  <a:rPr lang="ko-KR" altLang="en-US" sz="1400" b="0" dirty="0">
+                    <a:solidFill>
+                      <a:schemeClr val="tx1"/>
+                    </a:solidFill>
+                  </a:rPr>
+                  <a:t>상호작용으로 </a:t>
+                </a:r>
+                <a:endParaRPr lang="en-US" altLang="ko-KR" sz="1400" b="0" dirty="0">
+                  <a:solidFill>
+                    <a:schemeClr val="tx1"/>
+                  </a:solidFill>
+                </a:endParaRPr>
+              </a:p>
+              <a:p>
+                <a:pPr latinLnBrk="1"/>
+                <a:r>
+                  <a:rPr lang="ko-KR" altLang="en-US" sz="1400" b="0" dirty="0">
+                    <a:solidFill>
+                      <a:schemeClr val="tx1"/>
+                    </a:solidFill>
+                  </a:rPr>
+                  <a:t>퀘스트 수락</a:t>
+                </a:r>
+              </a:p>
+            </p:txBody>
+          </p:sp>
+        </p:grpSp>
+        <p:grpSp>
+          <p:nvGrpSpPr>
+            <p:cNvPr id="40" name="그룹 39">
+              <a:extLst>
+                <a:ext uri="{FF2B5EF4-FFF2-40B4-BE49-F238E27FC236}">
+                  <a16:creationId xmlns:a16="http://schemas.microsoft.com/office/drawing/2014/main" id="{07265F97-6CBC-0D4D-B389-91AF39799256}"/>
+                </a:ext>
+              </a:extLst>
+            </p:cNvPr>
+            <p:cNvGrpSpPr/>
+            <p:nvPr/>
+          </p:nvGrpSpPr>
+          <p:grpSpPr>
+            <a:xfrm>
+              <a:off x="5840851" y="2680806"/>
+              <a:ext cx="1618297" cy="1496388"/>
+              <a:chOff x="1579005" y="1958057"/>
+              <a:chExt cx="2160001" cy="1997285"/>
+            </a:xfrm>
+          </p:grpSpPr>
+          <p:sp>
+            <p:nvSpPr>
+              <p:cNvPr id="41" name="사각형: 둥근 대각선 방향 모서리 40">
+                <a:extLst>
+                  <a:ext uri="{FF2B5EF4-FFF2-40B4-BE49-F238E27FC236}">
+                    <a16:creationId xmlns:a16="http://schemas.microsoft.com/office/drawing/2014/main" id="{048B6BF8-BF2E-7167-5D64-230FB8701460}"/>
+                  </a:ext>
+                </a:extLst>
+              </p:cNvPr>
+              <p:cNvSpPr/>
+              <p:nvPr/>
+            </p:nvSpPr>
+            <p:spPr>
+              <a:xfrm>
+                <a:off x="1579006" y="1958057"/>
+                <a:ext cx="2160000" cy="900000"/>
+              </a:xfrm>
+              <a:prstGeom prst="round2DiagRect">
+                <a:avLst>
+                  <a:gd name="adj1" fmla="val 0"/>
+                  <a:gd name="adj2" fmla="val 50000"/>
+                </a:avLst>
+              </a:prstGeom>
+              <a:solidFill>
+                <a:schemeClr val="bg1">
+                  <a:lumMod val="95000"/>
+                </a:schemeClr>
+              </a:solidFill>
+              <a:ln>
+                <a:noFill/>
+              </a:ln>
+            </p:spPr>
+            <p:style>
+              <a:lnRef idx="2">
+                <a:schemeClr val="accent1">
+                  <a:shade val="15000"/>
+                </a:schemeClr>
+              </a:lnRef>
+              <a:fillRef idx="1">
+                <a:schemeClr val="accent1"/>
+              </a:fillRef>
+              <a:effectRef idx="0">
+                <a:schemeClr val="accent1"/>
+              </a:effectRef>
+              <a:fontRef idx="minor">
+                <a:schemeClr val="lt1"/>
+              </a:fontRef>
+            </p:style>
+            <p:txBody>
+              <a:bodyPr rtlCol="0" anchor="ctr"/>
+              <a:lstStyle/>
+              <a:p>
+                <a:pPr algn="ctr"/>
+                <a:r>
+                  <a:rPr lang="ko-KR" altLang="en-US" sz="1400" dirty="0">
+                    <a:solidFill>
+                      <a:schemeClr val="tx1"/>
+                    </a:solidFill>
+                  </a:rPr>
+                  <a:t>진행</a:t>
+                </a:r>
+              </a:p>
+            </p:txBody>
+          </p:sp>
+          <p:sp>
+            <p:nvSpPr>
+              <p:cNvPr id="42" name="직사각형 41">
+                <a:extLst>
+                  <a:ext uri="{FF2B5EF4-FFF2-40B4-BE49-F238E27FC236}">
+                    <a16:creationId xmlns:a16="http://schemas.microsoft.com/office/drawing/2014/main" id="{9F680755-E25D-0CB0-99A0-0F3D350C61C4}"/>
+                  </a:ext>
+                </a:extLst>
+              </p:cNvPr>
+              <p:cNvSpPr/>
+              <p:nvPr/>
+            </p:nvSpPr>
+            <p:spPr>
+              <a:xfrm>
+                <a:off x="1579005" y="2862502"/>
+                <a:ext cx="2160000" cy="1092840"/>
+              </a:xfrm>
+              <a:prstGeom prst="rect">
+                <a:avLst/>
+              </a:prstGeom>
+              <a:noFill/>
+              <a:ln>
+                <a:noFill/>
+              </a:ln>
+            </p:spPr>
+            <p:style>
+              <a:lnRef idx="2">
+                <a:schemeClr val="accent1">
+                  <a:shade val="15000"/>
+                </a:schemeClr>
+              </a:lnRef>
+              <a:fillRef idx="1">
+                <a:schemeClr val="accent1"/>
+              </a:fillRef>
+              <a:effectRef idx="0">
+                <a:schemeClr val="accent1"/>
+              </a:effectRef>
+              <a:fontRef idx="minor">
+                <a:schemeClr val="lt1"/>
+              </a:fontRef>
+            </p:style>
+            <p:txBody>
+              <a:bodyPr rtlCol="0" anchor="t"/>
+              <a:lstStyle/>
+              <a:p>
+                <a:pPr latinLnBrk="1"/>
+                <a:r>
+                  <a:rPr lang="ko-KR" altLang="en-US" sz="1400" b="0" dirty="0">
+                    <a:solidFill>
+                      <a:schemeClr val="tx1"/>
+                    </a:solidFill>
+                  </a:rPr>
+                  <a:t>수락한 퀘스트 </a:t>
+                </a:r>
+                <a:endParaRPr lang="en-US" altLang="ko-KR" sz="1400" b="0" dirty="0">
+                  <a:solidFill>
+                    <a:schemeClr val="tx1"/>
+                  </a:solidFill>
+                </a:endParaRPr>
+              </a:p>
+              <a:p>
+                <a:pPr latinLnBrk="1"/>
+                <a:r>
+                  <a:rPr lang="ko-KR" altLang="en-US" sz="1400" b="0" dirty="0">
+                    <a:solidFill>
+                      <a:schemeClr val="tx1"/>
+                    </a:solidFill>
+                  </a:rPr>
+                  <a:t>진행도 및 퀘스트 </a:t>
+                </a:r>
+                <a:endParaRPr lang="en-US" altLang="ko-KR" sz="1400" b="0" dirty="0">
+                  <a:solidFill>
+                    <a:schemeClr val="tx1"/>
+                  </a:solidFill>
+                </a:endParaRPr>
+              </a:p>
+              <a:p>
+                <a:pPr latinLnBrk="1"/>
+                <a:r>
+                  <a:rPr lang="ko-KR" altLang="en-US" sz="1400" b="0" dirty="0">
+                    <a:solidFill>
+                      <a:schemeClr val="tx1"/>
+                    </a:solidFill>
+                  </a:rPr>
+                  <a:t>내용 표시</a:t>
+                </a:r>
+              </a:p>
+            </p:txBody>
+          </p:sp>
+        </p:grpSp>
+        <p:grpSp>
+          <p:nvGrpSpPr>
+            <p:cNvPr id="43" name="그룹 42">
+              <a:extLst>
+                <a:ext uri="{FF2B5EF4-FFF2-40B4-BE49-F238E27FC236}">
+                  <a16:creationId xmlns:a16="http://schemas.microsoft.com/office/drawing/2014/main" id="{AD4FFB2A-95C1-876F-58B7-37AB8BF63BB0}"/>
+                </a:ext>
+              </a:extLst>
+            </p:cNvPr>
+            <p:cNvGrpSpPr/>
+            <p:nvPr/>
+          </p:nvGrpSpPr>
+          <p:grpSpPr>
+            <a:xfrm>
+              <a:off x="8413611" y="2680806"/>
+              <a:ext cx="1618297" cy="1496388"/>
+              <a:chOff x="1579005" y="1958057"/>
+              <a:chExt cx="2160001" cy="1997285"/>
+            </a:xfrm>
+          </p:grpSpPr>
+          <p:sp>
+            <p:nvSpPr>
+              <p:cNvPr id="44" name="사각형: 둥근 대각선 방향 모서리 43">
+                <a:extLst>
+                  <a:ext uri="{FF2B5EF4-FFF2-40B4-BE49-F238E27FC236}">
+                    <a16:creationId xmlns:a16="http://schemas.microsoft.com/office/drawing/2014/main" id="{50DAAF0A-22FB-1CD4-71FC-92453BB8C612}"/>
+                  </a:ext>
+                </a:extLst>
+              </p:cNvPr>
+              <p:cNvSpPr/>
+              <p:nvPr/>
+            </p:nvSpPr>
+            <p:spPr>
+              <a:xfrm>
+                <a:off x="1579006" y="1958057"/>
+                <a:ext cx="2160000" cy="900000"/>
+              </a:xfrm>
+              <a:prstGeom prst="round2DiagRect">
+                <a:avLst>
+                  <a:gd name="adj1" fmla="val 0"/>
+                  <a:gd name="adj2" fmla="val 50000"/>
+                </a:avLst>
+              </a:prstGeom>
+              <a:solidFill>
+                <a:schemeClr val="bg1">
+                  <a:lumMod val="95000"/>
+                </a:schemeClr>
+              </a:solidFill>
+              <a:ln>
+                <a:noFill/>
+              </a:ln>
+            </p:spPr>
+            <p:style>
+              <a:lnRef idx="2">
+                <a:schemeClr val="accent1">
+                  <a:shade val="15000"/>
+                </a:schemeClr>
+              </a:lnRef>
+              <a:fillRef idx="1">
+                <a:schemeClr val="accent1"/>
+              </a:fillRef>
+              <a:effectRef idx="0">
+                <a:schemeClr val="accent1"/>
+              </a:effectRef>
+              <a:fontRef idx="minor">
+                <a:schemeClr val="lt1"/>
+              </a:fontRef>
+            </p:style>
+            <p:txBody>
+              <a:bodyPr rtlCol="0" anchor="ctr"/>
+              <a:lstStyle/>
+              <a:p>
+                <a:pPr algn="ctr"/>
+                <a:r>
+                  <a:rPr lang="ko-KR" altLang="en-US" sz="1400" dirty="0">
+                    <a:solidFill>
+                      <a:schemeClr val="tx1"/>
+                    </a:solidFill>
+                  </a:rPr>
+                  <a:t>완료</a:t>
+                </a:r>
+              </a:p>
+            </p:txBody>
+          </p:sp>
+          <p:sp>
+            <p:nvSpPr>
+              <p:cNvPr id="45" name="직사각형 44">
+                <a:extLst>
+                  <a:ext uri="{FF2B5EF4-FFF2-40B4-BE49-F238E27FC236}">
+                    <a16:creationId xmlns:a16="http://schemas.microsoft.com/office/drawing/2014/main" id="{DA820ADC-C517-625D-22A0-9D6A7E8AE4C2}"/>
+                  </a:ext>
+                </a:extLst>
+              </p:cNvPr>
+              <p:cNvSpPr/>
+              <p:nvPr/>
+            </p:nvSpPr>
+            <p:spPr>
+              <a:xfrm>
+                <a:off x="1579005" y="2862502"/>
+                <a:ext cx="2160000" cy="1092840"/>
+              </a:xfrm>
+              <a:prstGeom prst="rect">
+                <a:avLst/>
+              </a:prstGeom>
+              <a:noFill/>
+              <a:ln>
+                <a:noFill/>
+              </a:ln>
+            </p:spPr>
+            <p:style>
+              <a:lnRef idx="2">
+                <a:schemeClr val="accent1">
+                  <a:shade val="15000"/>
+                </a:schemeClr>
+              </a:lnRef>
+              <a:fillRef idx="1">
+                <a:schemeClr val="accent1"/>
+              </a:fillRef>
+              <a:effectRef idx="0">
+                <a:schemeClr val="accent1"/>
+              </a:effectRef>
+              <a:fontRef idx="minor">
+                <a:schemeClr val="lt1"/>
+              </a:fontRef>
+            </p:style>
+            <p:txBody>
+              <a:bodyPr rtlCol="0" anchor="t"/>
+              <a:lstStyle/>
+              <a:p>
+                <a:pPr latinLnBrk="1"/>
+                <a:r>
+                  <a:rPr lang="ko-KR" altLang="en-US" sz="1400" b="0" dirty="0">
+                    <a:solidFill>
+                      <a:schemeClr val="tx1"/>
+                    </a:solidFill>
+                  </a:rPr>
+                  <a:t>목표를 달성한 </a:t>
+                </a:r>
+                <a:endParaRPr lang="en-US" altLang="ko-KR" sz="1400" b="0" dirty="0">
+                  <a:solidFill>
+                    <a:schemeClr val="tx1"/>
+                  </a:solidFill>
+                </a:endParaRPr>
+              </a:p>
+              <a:p>
+                <a:pPr latinLnBrk="1"/>
+                <a:r>
+                  <a:rPr lang="ko-KR" altLang="en-US" sz="1400" b="0" dirty="0">
+                    <a:solidFill>
+                      <a:schemeClr val="tx1"/>
+                    </a:solidFill>
+                  </a:rPr>
+                  <a:t>퀘스트를 완료</a:t>
+                </a:r>
+              </a:p>
+            </p:txBody>
+          </p:sp>
+        </p:grpSp>
         <p:sp>
           <p:nvSpPr>
-            <p:cNvPr id="4" name="사각형: 둥근 대각선 방향 모서리 3">
+            <p:cNvPr id="47" name="순서도: 병합 46">
               <a:extLst>
                 <a:ext uri="{FF2B5EF4-FFF2-40B4-BE49-F238E27FC236}">
-                  <a16:creationId xmlns:a16="http://schemas.microsoft.com/office/drawing/2014/main" id="{4271BBA1-B37D-B3DE-CAD8-A2166341C440}"/>
+                  <a16:creationId xmlns:a16="http://schemas.microsoft.com/office/drawing/2014/main" id="{D8BC0540-428B-3F2A-58C3-4AD93016FB80}"/>
                 </a:ext>
               </a:extLst>
             </p:cNvPr>
@@ -7303,19 +8543,16 @@
             <p:nvPr/>
           </p:nvSpPr>
           <p:spPr>
-            <a:xfrm>
-              <a:off x="1579006" y="1958057"/>
-              <a:ext cx="2160000" cy="900000"/>
+            <a:xfrm rot="16200000">
+              <a:off x="2446979" y="3012585"/>
+              <a:ext cx="687753" cy="685021"/>
             </a:xfrm>
-            <a:prstGeom prst="round2DiagRect">
-              <a:avLst>
-                <a:gd name="adj1" fmla="val 0"/>
-                <a:gd name="adj2" fmla="val 50000"/>
-              </a:avLst>
+            <a:prstGeom prst="flowChartMerge">
+              <a:avLst/>
             </a:prstGeom>
             <a:solidFill>
               <a:schemeClr val="bg1">
-                <a:lumMod val="95000"/>
+                <a:lumMod val="65000"/>
               </a:schemeClr>
             </a:solidFill>
             <a:ln>
@@ -7343,23 +8580,16 @@
             <a:lstStyle/>
             <a:p>
               <a:pPr algn="ctr"/>
-              <a:r>
-                <a:rPr lang="ko-KR" altLang="en-US" dirty="0">
-                  <a:solidFill>
-                    <a:schemeClr val="tx1"/>
-                  </a:solidFill>
-                </a:rPr>
-                <a:t>발생</a:t>
-              </a:r>
+              <a:endParaRPr lang="ko-KR" altLang="en-US"/>
             </a:p>
           </p:txBody>
         </p:sp>
         <p:sp>
           <p:nvSpPr>
-            <p:cNvPr id="19" name="직사각형 18">
+            <p:cNvPr id="24" name="순서도: 병합 23">
               <a:extLst>
                 <a:ext uri="{FF2B5EF4-FFF2-40B4-BE49-F238E27FC236}">
-                  <a16:creationId xmlns:a16="http://schemas.microsoft.com/office/drawing/2014/main" id="{622BE230-5135-3BA5-84C7-4335187C0221}"/>
+                  <a16:creationId xmlns:a16="http://schemas.microsoft.com/office/drawing/2014/main" id="{01412E24-F012-4DB7-88F8-20DF69EE93C4}"/>
                 </a:ext>
               </a:extLst>
             </p:cNvPr>
@@ -7367,113 +8597,16 @@
             <p:nvPr/>
           </p:nvSpPr>
           <p:spPr>
-            <a:xfrm>
-              <a:off x="1579005" y="2862502"/>
-              <a:ext cx="2160000" cy="1092840"/>
+            <a:xfrm rot="16200000">
+              <a:off x="5019742" y="3012584"/>
+              <a:ext cx="687753" cy="685021"/>
             </a:xfrm>
-            <a:prstGeom prst="rect">
+            <a:prstGeom prst="flowChartMerge">
               <a:avLst/>
-            </a:prstGeom>
-            <a:noFill/>
-            <a:ln>
-              <a:noFill/>
-            </a:ln>
-          </p:spPr>
-          <p:style>
-            <a:lnRef idx="2">
-              <a:schemeClr val="accent1">
-                <a:shade val="15000"/>
-              </a:schemeClr>
-            </a:lnRef>
-            <a:fillRef idx="1">
-              <a:schemeClr val="accent1"/>
-            </a:fillRef>
-            <a:effectRef idx="0">
-              <a:schemeClr val="accent1"/>
-            </a:effectRef>
-            <a:fontRef idx="minor">
-              <a:schemeClr val="lt1"/>
-            </a:fontRef>
-          </p:style>
-          <p:txBody>
-            <a:bodyPr rtlCol="0" anchor="t"/>
-            <a:lstStyle/>
-            <a:p>
-              <a:pPr latinLnBrk="1"/>
-              <a:r>
-                <a:rPr lang="ko-KR" altLang="en-US" b="0" dirty="0">
-                  <a:solidFill>
-                    <a:schemeClr val="tx1"/>
-                  </a:solidFill>
-                </a:rPr>
-                <a:t>발생 조건 달성 시</a:t>
-              </a:r>
-              <a:endParaRPr lang="en-US" altLang="ko-KR" b="0" dirty="0">
-                <a:solidFill>
-                  <a:schemeClr val="tx1"/>
-                </a:solidFill>
-              </a:endParaRPr>
-            </a:p>
-            <a:p>
-              <a:pPr latinLnBrk="1"/>
-              <a:r>
-                <a:rPr lang="ko-KR" altLang="en-US" b="0" dirty="0">
-                  <a:solidFill>
-                    <a:schemeClr val="tx1"/>
-                  </a:solidFill>
-                </a:rPr>
-                <a:t>퀘스트 발생</a:t>
-              </a:r>
-            </a:p>
-          </p:txBody>
-        </p:sp>
-      </p:grpSp>
-      <p:grpSp>
-        <p:nvGrpSpPr>
-          <p:cNvPr id="33" name="그룹 32">
-            <a:extLst>
-              <a:ext uri="{FF2B5EF4-FFF2-40B4-BE49-F238E27FC236}">
-                <a16:creationId xmlns:a16="http://schemas.microsoft.com/office/drawing/2014/main" id="{DB4322E5-5BBC-3C0D-1887-B5828F3AF794}"/>
-              </a:ext>
-            </a:extLst>
-          </p:cNvPr>
-          <p:cNvGrpSpPr/>
-          <p:nvPr/>
-        </p:nvGrpSpPr>
-        <p:grpSpPr>
-          <a:xfrm>
-            <a:off x="5015997" y="1158875"/>
-            <a:ext cx="2160001" cy="1997285"/>
-            <a:chOff x="1579005" y="1958057"/>
-            <a:chExt cx="2160001" cy="1997285"/>
-          </a:xfrm>
-        </p:grpSpPr>
-        <p:sp>
-          <p:nvSpPr>
-            <p:cNvPr id="34" name="사각형: 둥근 대각선 방향 모서리 33">
-              <a:extLst>
-                <a:ext uri="{FF2B5EF4-FFF2-40B4-BE49-F238E27FC236}">
-                  <a16:creationId xmlns:a16="http://schemas.microsoft.com/office/drawing/2014/main" id="{ECAE434A-9BF7-2A68-C8C3-4FEFDDFE859B}"/>
-                </a:ext>
-              </a:extLst>
-            </p:cNvPr>
-            <p:cNvSpPr/>
-            <p:nvPr/>
-          </p:nvSpPr>
-          <p:spPr>
-            <a:xfrm>
-              <a:off x="1579006" y="1958057"/>
-              <a:ext cx="2160000" cy="900000"/>
-            </a:xfrm>
-            <a:prstGeom prst="round2DiagRect">
-              <a:avLst>
-                <a:gd name="adj1" fmla="val 0"/>
-                <a:gd name="adj2" fmla="val 50000"/>
-              </a:avLst>
             </a:prstGeom>
             <a:solidFill>
               <a:schemeClr val="bg1">
-                <a:lumMod val="95000"/>
+                <a:lumMod val="65000"/>
               </a:schemeClr>
             </a:solidFill>
             <a:ln>
@@ -7501,23 +8634,16 @@
             <a:lstStyle/>
             <a:p>
               <a:pPr algn="ctr"/>
-              <a:r>
-                <a:rPr lang="ko-KR" altLang="en-US" dirty="0">
-                  <a:solidFill>
-                    <a:schemeClr val="tx1"/>
-                  </a:solidFill>
-                </a:rPr>
-                <a:t>알림</a:t>
-              </a:r>
+              <a:endParaRPr lang="ko-KR" altLang="en-US"/>
             </a:p>
           </p:txBody>
         </p:sp>
         <p:sp>
           <p:nvSpPr>
-            <p:cNvPr id="35" name="직사각형 34">
+            <p:cNvPr id="25" name="순서도: 병합 24">
               <a:extLst>
                 <a:ext uri="{FF2B5EF4-FFF2-40B4-BE49-F238E27FC236}">
-                  <a16:creationId xmlns:a16="http://schemas.microsoft.com/office/drawing/2014/main" id="{F8CBCE67-A4F5-6136-901C-688036B1C7B6}"/>
+                  <a16:creationId xmlns:a16="http://schemas.microsoft.com/office/drawing/2014/main" id="{D6F7C89F-8506-4054-BF83-26EEBC01C600}"/>
                 </a:ext>
               </a:extLst>
             </p:cNvPr>
@@ -7525,191 +8651,16 @@
             <p:nvPr/>
           </p:nvSpPr>
           <p:spPr>
-            <a:xfrm>
-              <a:off x="1579005" y="2862502"/>
-              <a:ext cx="2160000" cy="1092840"/>
+            <a:xfrm rot="16200000">
+              <a:off x="7592503" y="3012584"/>
+              <a:ext cx="687753" cy="685021"/>
             </a:xfrm>
-            <a:prstGeom prst="rect">
+            <a:prstGeom prst="flowChartMerge">
               <a:avLst/>
-            </a:prstGeom>
-            <a:noFill/>
-            <a:ln>
-              <a:noFill/>
-            </a:ln>
-          </p:spPr>
-          <p:style>
-            <a:lnRef idx="2">
-              <a:schemeClr val="accent1">
-                <a:shade val="15000"/>
-              </a:schemeClr>
-            </a:lnRef>
-            <a:fillRef idx="1">
-              <a:schemeClr val="accent1"/>
-            </a:fillRef>
-            <a:effectRef idx="0">
-              <a:schemeClr val="accent1"/>
-            </a:effectRef>
-            <a:fontRef idx="minor">
-              <a:schemeClr val="lt1"/>
-            </a:fontRef>
-          </p:style>
-          <p:txBody>
-            <a:bodyPr rtlCol="0" anchor="t"/>
-            <a:lstStyle/>
-            <a:p>
-              <a:pPr latinLnBrk="1"/>
-              <a:r>
-                <a:rPr lang="ko-KR" altLang="en-US" b="0" dirty="0">
-                  <a:solidFill>
-                    <a:schemeClr val="tx1"/>
-                  </a:solidFill>
-                </a:rPr>
-                <a:t>퀘스트 수락 가능 </a:t>
-              </a:r>
-              <a:endParaRPr lang="en-US" altLang="ko-KR" b="0" dirty="0">
-                <a:solidFill>
-                  <a:schemeClr val="tx1"/>
-                </a:solidFill>
-              </a:endParaRPr>
-            </a:p>
-            <a:p>
-              <a:pPr latinLnBrk="1"/>
-              <a:r>
-                <a:rPr lang="en-US" altLang="ko-KR" b="0" dirty="0">
-                  <a:solidFill>
-                    <a:schemeClr val="tx1"/>
-                  </a:solidFill>
-                </a:rPr>
-                <a:t>NPC, </a:t>
-              </a:r>
-              <a:r>
-                <a:rPr lang="ko-KR" altLang="en-US" b="0" dirty="0">
-                  <a:solidFill>
-                    <a:schemeClr val="tx1"/>
-                  </a:solidFill>
-                </a:rPr>
-                <a:t>오브젝트에 </a:t>
-              </a:r>
-              <a:endParaRPr lang="en-US" altLang="ko-KR" b="0" dirty="0">
-                <a:solidFill>
-                  <a:schemeClr val="tx1"/>
-                </a:solidFill>
-              </a:endParaRPr>
-            </a:p>
-            <a:p>
-              <a:pPr latinLnBrk="1"/>
-              <a:r>
-                <a:rPr lang="ko-KR" altLang="en-US" b="0" dirty="0">
-                  <a:solidFill>
-                    <a:schemeClr val="tx1"/>
-                  </a:solidFill>
-                </a:rPr>
-                <a:t>팝업 표시</a:t>
-              </a:r>
-            </a:p>
-          </p:txBody>
-        </p:sp>
-      </p:grpSp>
-      <p:sp>
-        <p:nvSpPr>
-          <p:cNvPr id="46" name="순서도: 병합 45">
-            <a:extLst>
-              <a:ext uri="{FF2B5EF4-FFF2-40B4-BE49-F238E27FC236}">
-                <a16:creationId xmlns:a16="http://schemas.microsoft.com/office/drawing/2014/main" id="{F4FAB9C4-B388-2608-CEEF-6707A42BA8A6}"/>
-              </a:ext>
-            </a:extLst>
-          </p:cNvPr>
-          <p:cNvSpPr/>
-          <p:nvPr/>
-        </p:nvSpPr>
-        <p:spPr>
-          <a:xfrm rot="16200000">
-            <a:off x="3949727" y="1266364"/>
-            <a:ext cx="687753" cy="685021"/>
-          </a:xfrm>
-          <a:prstGeom prst="flowChartMerge">
-            <a:avLst/>
-          </a:prstGeom>
-          <a:solidFill>
-            <a:schemeClr val="bg1">
-              <a:lumMod val="65000"/>
-            </a:schemeClr>
-          </a:solidFill>
-          <a:ln>
-            <a:noFill/>
-          </a:ln>
-        </p:spPr>
-        <p:style>
-          <a:lnRef idx="2">
-            <a:schemeClr val="accent1">
-              <a:shade val="15000"/>
-            </a:schemeClr>
-          </a:lnRef>
-          <a:fillRef idx="1">
-            <a:schemeClr val="accent1"/>
-          </a:fillRef>
-          <a:effectRef idx="0">
-            <a:schemeClr val="accent1"/>
-          </a:effectRef>
-          <a:fontRef idx="minor">
-            <a:schemeClr val="lt1"/>
-          </a:fontRef>
-        </p:style>
-        <p:txBody>
-          <a:bodyPr rtlCol="0" anchor="ctr"/>
-          <a:lstStyle/>
-          <a:p>
-            <a:pPr algn="ctr"/>
-            <a:endParaRPr lang="ko-KR" altLang="en-US" dirty="0"/>
-          </a:p>
-        </p:txBody>
-      </p:sp>
-      <p:grpSp>
-        <p:nvGrpSpPr>
-          <p:cNvPr id="37" name="그룹 36">
-            <a:extLst>
-              <a:ext uri="{FF2B5EF4-FFF2-40B4-BE49-F238E27FC236}">
-                <a16:creationId xmlns:a16="http://schemas.microsoft.com/office/drawing/2014/main" id="{69A602CF-4949-E0C5-3671-4D5736C52E04}"/>
-              </a:ext>
-            </a:extLst>
-          </p:cNvPr>
-          <p:cNvGrpSpPr/>
-          <p:nvPr/>
-        </p:nvGrpSpPr>
-        <p:grpSpPr>
-          <a:xfrm>
-            <a:off x="8619985" y="1158875"/>
-            <a:ext cx="2160001" cy="1997285"/>
-            <a:chOff x="1579005" y="1958057"/>
-            <a:chExt cx="2160001" cy="1997285"/>
-          </a:xfrm>
-        </p:grpSpPr>
-        <p:sp>
-          <p:nvSpPr>
-            <p:cNvPr id="38" name="사각형: 둥근 대각선 방향 모서리 37">
-              <a:extLst>
-                <a:ext uri="{FF2B5EF4-FFF2-40B4-BE49-F238E27FC236}">
-                  <a16:creationId xmlns:a16="http://schemas.microsoft.com/office/drawing/2014/main" id="{23A11173-5A1E-8D43-C45F-D0C0490F7A15}"/>
-                </a:ext>
-              </a:extLst>
-            </p:cNvPr>
-            <p:cNvSpPr/>
-            <p:nvPr/>
-          </p:nvSpPr>
-          <p:spPr>
-            <a:xfrm>
-              <a:off x="1579006" y="1958057"/>
-              <a:ext cx="2160000" cy="900000"/>
-            </a:xfrm>
-            <a:prstGeom prst="round2DiagRect">
-              <a:avLst>
-                <a:gd name="adj1" fmla="val 0"/>
-                <a:gd name="adj2" fmla="val 50000"/>
-              </a:avLst>
             </a:prstGeom>
             <a:solidFill>
               <a:schemeClr val="bg1">
-                <a:lumMod val="95000"/>
+                <a:lumMod val="65000"/>
               </a:schemeClr>
             </a:solidFill>
             <a:ln>
@@ -7737,591 +8688,106 @@
             <a:lstStyle/>
             <a:p>
               <a:pPr algn="ctr"/>
-              <a:r>
-                <a:rPr lang="ko-KR" altLang="en-US" dirty="0">
-                  <a:solidFill>
-                    <a:schemeClr val="tx1"/>
-                  </a:solidFill>
-                </a:rPr>
-                <a:t>수락</a:t>
-              </a:r>
-            </a:p>
-          </p:txBody>
-        </p:sp>
-        <p:sp>
-          <p:nvSpPr>
-            <p:cNvPr id="39" name="직사각형 38">
-              <a:extLst>
-                <a:ext uri="{FF2B5EF4-FFF2-40B4-BE49-F238E27FC236}">
-                  <a16:creationId xmlns:a16="http://schemas.microsoft.com/office/drawing/2014/main" id="{5F8C2606-64E7-5B60-99D9-98455A2F2A6D}"/>
-                </a:ext>
-              </a:extLst>
-            </p:cNvPr>
-            <p:cNvSpPr/>
-            <p:nvPr/>
-          </p:nvSpPr>
-          <p:spPr>
-            <a:xfrm>
-              <a:off x="1579005" y="2862502"/>
-              <a:ext cx="2160000" cy="1092840"/>
-            </a:xfrm>
-            <a:prstGeom prst="rect">
-              <a:avLst/>
-            </a:prstGeom>
-            <a:noFill/>
-            <a:ln>
-              <a:noFill/>
-            </a:ln>
-          </p:spPr>
-          <p:style>
-            <a:lnRef idx="2">
-              <a:schemeClr val="accent1">
-                <a:shade val="15000"/>
-              </a:schemeClr>
-            </a:lnRef>
-            <a:fillRef idx="1">
-              <a:schemeClr val="accent1"/>
-            </a:fillRef>
-            <a:effectRef idx="0">
-              <a:schemeClr val="accent1"/>
-            </a:effectRef>
-            <a:fontRef idx="minor">
-              <a:schemeClr val="lt1"/>
-            </a:fontRef>
-          </p:style>
-          <p:txBody>
-            <a:bodyPr rtlCol="0" anchor="t"/>
-            <a:lstStyle/>
-            <a:p>
-              <a:pPr latinLnBrk="1"/>
-              <a:r>
-                <a:rPr lang="ko-KR" altLang="en-US" b="0" dirty="0">
-                  <a:solidFill>
-                    <a:schemeClr val="tx1"/>
-                  </a:solidFill>
-                </a:rPr>
-                <a:t>상호작용으로 </a:t>
-              </a:r>
-              <a:endParaRPr lang="en-US" altLang="ko-KR" b="0" dirty="0">
-                <a:solidFill>
-                  <a:schemeClr val="tx1"/>
-                </a:solidFill>
-              </a:endParaRPr>
-            </a:p>
-            <a:p>
-              <a:pPr latinLnBrk="1"/>
-              <a:r>
-                <a:rPr lang="ko-KR" altLang="en-US" b="0" dirty="0">
-                  <a:solidFill>
-                    <a:schemeClr val="tx1"/>
-                  </a:solidFill>
-                </a:rPr>
-                <a:t>퀘스트 수락</a:t>
-              </a:r>
+              <a:endParaRPr lang="ko-KR" altLang="en-US"/>
             </a:p>
           </p:txBody>
         </p:sp>
       </p:grpSp>
-      <p:grpSp>
-        <p:nvGrpSpPr>
-          <p:cNvPr id="40" name="그룹 39">
+    </p:spTree>
+    <p:extLst>
+      <p:ext uri="{BB962C8B-B14F-4D97-AF65-F5344CB8AC3E}">
+        <p14:creationId xmlns:p14="http://schemas.microsoft.com/office/powerpoint/2010/main" val="1757149466"/>
+      </p:ext>
+    </p:extLst>
+  </p:cSld>
+  <p:clrMapOvr>
+    <a:masterClrMapping/>
+  </p:clrMapOvr>
+</p:sld>
+</file>
+
+<file path=ppt/slides/slide6.xml><?xml version="1.0" encoding="utf-8"?>
+<p:sld xmlns:a="http://schemas.openxmlformats.org/drawingml/2006/main" xmlns:r="http://schemas.openxmlformats.org/officeDocument/2006/relationships" xmlns:p="http://schemas.openxmlformats.org/presentationml/2006/main">
+  <p:cSld>
+    <p:spTree>
+      <p:nvGrpSpPr>
+        <p:cNvPr id="1" name=""/>
+        <p:cNvGrpSpPr/>
+        <p:nvPr/>
+      </p:nvGrpSpPr>
+      <p:grpSpPr>
+        <a:xfrm>
+          <a:off x="0" y="0"/>
+          <a:ext cx="0" cy="0"/>
+          <a:chOff x="0" y="0"/>
+          <a:chExt cx="0" cy="0"/>
+        </a:xfrm>
+      </p:grpSpPr>
+      <p:sp>
+        <p:nvSpPr>
+          <p:cNvPr id="4" name="Rect 0">
             <a:extLst>
               <a:ext uri="{FF2B5EF4-FFF2-40B4-BE49-F238E27FC236}">
-                <a16:creationId xmlns:a16="http://schemas.microsoft.com/office/drawing/2014/main" id="{07265F97-6CBC-0D4D-B389-91AF39799256}"/>
+                <a16:creationId xmlns:a16="http://schemas.microsoft.com/office/drawing/2014/main" id="{4FB2C7C0-FA87-4F5A-AD47-920B9B07A2F3}"/>
               </a:ext>
             </a:extLst>
           </p:cNvPr>
-          <p:cNvGrpSpPr/>
-          <p:nvPr/>
-        </p:nvGrpSpPr>
-        <p:grpSpPr>
-          <a:xfrm>
-            <a:off x="8619986" y="3701840"/>
-            <a:ext cx="2160001" cy="1997285"/>
-            <a:chOff x="1579005" y="1958057"/>
-            <a:chExt cx="2160001" cy="1997285"/>
-          </a:xfrm>
-        </p:grpSpPr>
-        <p:sp>
-          <p:nvSpPr>
-            <p:cNvPr id="41" name="사각형: 둥근 대각선 방향 모서리 40">
-              <a:extLst>
-                <a:ext uri="{FF2B5EF4-FFF2-40B4-BE49-F238E27FC236}">
-                  <a16:creationId xmlns:a16="http://schemas.microsoft.com/office/drawing/2014/main" id="{048B6BF8-BF2E-7167-5D64-230FB8701460}"/>
-                </a:ext>
-              </a:extLst>
-            </p:cNvPr>
-            <p:cNvSpPr/>
-            <p:nvPr/>
-          </p:nvSpPr>
-          <p:spPr>
-            <a:xfrm>
-              <a:off x="1579006" y="1958057"/>
-              <a:ext cx="2160000" cy="900000"/>
-            </a:xfrm>
-            <a:prstGeom prst="round2DiagRect">
-              <a:avLst>
-                <a:gd name="adj1" fmla="val 0"/>
-                <a:gd name="adj2" fmla="val 50000"/>
-              </a:avLst>
-            </a:prstGeom>
-            <a:solidFill>
-              <a:schemeClr val="bg1">
-                <a:lumMod val="95000"/>
-              </a:schemeClr>
-            </a:solidFill>
-            <a:ln>
-              <a:noFill/>
-            </a:ln>
-          </p:spPr>
-          <p:style>
-            <a:lnRef idx="2">
-              <a:schemeClr val="accent1">
-                <a:shade val="15000"/>
-              </a:schemeClr>
-            </a:lnRef>
-            <a:fillRef idx="1">
-              <a:schemeClr val="accent1"/>
-            </a:fillRef>
-            <a:effectRef idx="0">
-              <a:schemeClr val="accent1"/>
-            </a:effectRef>
-            <a:fontRef idx="minor">
-              <a:schemeClr val="lt1"/>
-            </a:fontRef>
-          </p:style>
-          <p:txBody>
-            <a:bodyPr rtlCol="0" anchor="ctr"/>
-            <a:lstStyle/>
-            <a:p>
-              <a:pPr algn="ctr"/>
-              <a:r>
-                <a:rPr lang="ko-KR" altLang="en-US" dirty="0">
-                  <a:solidFill>
-                    <a:schemeClr val="tx1"/>
-                  </a:solidFill>
-                </a:rPr>
-                <a:t>진행</a:t>
-              </a:r>
-            </a:p>
-          </p:txBody>
-        </p:sp>
-        <p:sp>
-          <p:nvSpPr>
-            <p:cNvPr id="42" name="직사각형 41">
-              <a:extLst>
-                <a:ext uri="{FF2B5EF4-FFF2-40B4-BE49-F238E27FC236}">
-                  <a16:creationId xmlns:a16="http://schemas.microsoft.com/office/drawing/2014/main" id="{9F680755-E25D-0CB0-99A0-0F3D350C61C4}"/>
-                </a:ext>
-              </a:extLst>
-            </p:cNvPr>
-            <p:cNvSpPr/>
-            <p:nvPr/>
-          </p:nvSpPr>
-          <p:spPr>
-            <a:xfrm>
-              <a:off x="1579005" y="2862502"/>
-              <a:ext cx="2160000" cy="1092840"/>
-            </a:xfrm>
-            <a:prstGeom prst="rect">
-              <a:avLst/>
-            </a:prstGeom>
-            <a:noFill/>
-            <a:ln>
-              <a:noFill/>
-            </a:ln>
-          </p:spPr>
-          <p:style>
-            <a:lnRef idx="2">
-              <a:schemeClr val="accent1">
-                <a:shade val="15000"/>
-              </a:schemeClr>
-            </a:lnRef>
-            <a:fillRef idx="1">
-              <a:schemeClr val="accent1"/>
-            </a:fillRef>
-            <a:effectRef idx="0">
-              <a:schemeClr val="accent1"/>
-            </a:effectRef>
-            <a:fontRef idx="minor">
-              <a:schemeClr val="lt1"/>
-            </a:fontRef>
-          </p:style>
-          <p:txBody>
-            <a:bodyPr rtlCol="0" anchor="t"/>
-            <a:lstStyle/>
-            <a:p>
-              <a:pPr latinLnBrk="1"/>
-              <a:r>
-                <a:rPr lang="ko-KR" altLang="en-US" b="0" dirty="0">
-                  <a:solidFill>
-                    <a:schemeClr val="tx1"/>
-                  </a:solidFill>
-                </a:rPr>
-                <a:t>수락한 퀘스트 </a:t>
-              </a:r>
-              <a:endParaRPr lang="en-US" altLang="ko-KR" b="0" dirty="0">
-                <a:solidFill>
-                  <a:schemeClr val="tx1"/>
-                </a:solidFill>
-              </a:endParaRPr>
-            </a:p>
-            <a:p>
-              <a:pPr latinLnBrk="1"/>
-              <a:r>
-                <a:rPr lang="ko-KR" altLang="en-US" b="0" dirty="0">
-                  <a:solidFill>
-                    <a:schemeClr val="tx1"/>
-                  </a:solidFill>
-                </a:rPr>
-                <a:t>진행도 및 퀘스트 </a:t>
-              </a:r>
-              <a:endParaRPr lang="en-US" altLang="ko-KR" b="0" dirty="0">
-                <a:solidFill>
-                  <a:schemeClr val="tx1"/>
-                </a:solidFill>
-              </a:endParaRPr>
-            </a:p>
-            <a:p>
-              <a:pPr latinLnBrk="1"/>
-              <a:r>
-                <a:rPr lang="ko-KR" altLang="en-US" b="0" dirty="0">
-                  <a:solidFill>
-                    <a:schemeClr val="tx1"/>
-                  </a:solidFill>
-                </a:rPr>
-                <a:t>내용 표시</a:t>
-              </a:r>
-            </a:p>
-          </p:txBody>
-        </p:sp>
-      </p:grpSp>
-      <p:grpSp>
-        <p:nvGrpSpPr>
-          <p:cNvPr id="43" name="그룹 42">
-            <a:extLst>
-              <a:ext uri="{FF2B5EF4-FFF2-40B4-BE49-F238E27FC236}">
-                <a16:creationId xmlns:a16="http://schemas.microsoft.com/office/drawing/2014/main" id="{AD4FFB2A-95C1-876F-58B7-37AB8BF63BB0}"/>
-              </a:ext>
-            </a:extLst>
-          </p:cNvPr>
-          <p:cNvGrpSpPr/>
-          <p:nvPr/>
-        </p:nvGrpSpPr>
-        <p:grpSpPr>
-          <a:xfrm>
-            <a:off x="5015999" y="3706286"/>
-            <a:ext cx="2160001" cy="1997285"/>
-            <a:chOff x="1579005" y="1958057"/>
-            <a:chExt cx="2160001" cy="1997285"/>
-          </a:xfrm>
-        </p:grpSpPr>
-        <p:sp>
-          <p:nvSpPr>
-            <p:cNvPr id="44" name="사각형: 둥근 대각선 방향 모서리 43">
-              <a:extLst>
-                <a:ext uri="{FF2B5EF4-FFF2-40B4-BE49-F238E27FC236}">
-                  <a16:creationId xmlns:a16="http://schemas.microsoft.com/office/drawing/2014/main" id="{50DAAF0A-22FB-1CD4-71FC-92453BB8C612}"/>
-                </a:ext>
-              </a:extLst>
-            </p:cNvPr>
-            <p:cNvSpPr/>
-            <p:nvPr/>
-          </p:nvSpPr>
-          <p:spPr>
-            <a:xfrm>
-              <a:off x="1579006" y="1958057"/>
-              <a:ext cx="2160000" cy="900000"/>
-            </a:xfrm>
-            <a:prstGeom prst="round2DiagRect">
-              <a:avLst>
-                <a:gd name="adj1" fmla="val 0"/>
-                <a:gd name="adj2" fmla="val 50000"/>
-              </a:avLst>
-            </a:prstGeom>
-            <a:solidFill>
-              <a:schemeClr val="bg1">
-                <a:lumMod val="95000"/>
-              </a:schemeClr>
-            </a:solidFill>
-            <a:ln>
-              <a:noFill/>
-            </a:ln>
-          </p:spPr>
-          <p:style>
-            <a:lnRef idx="2">
-              <a:schemeClr val="accent1">
-                <a:shade val="15000"/>
-              </a:schemeClr>
-            </a:lnRef>
-            <a:fillRef idx="1">
-              <a:schemeClr val="accent1"/>
-            </a:fillRef>
-            <a:effectRef idx="0">
-              <a:schemeClr val="accent1"/>
-            </a:effectRef>
-            <a:fontRef idx="minor">
-              <a:schemeClr val="lt1"/>
-            </a:fontRef>
-          </p:style>
-          <p:txBody>
-            <a:bodyPr rtlCol="0" anchor="ctr"/>
-            <a:lstStyle/>
-            <a:p>
-              <a:pPr algn="ctr"/>
-              <a:r>
-                <a:rPr lang="ko-KR" altLang="en-US" dirty="0">
-                  <a:solidFill>
-                    <a:schemeClr val="tx1"/>
-                  </a:solidFill>
-                </a:rPr>
-                <a:t>완료</a:t>
-              </a:r>
-            </a:p>
-          </p:txBody>
-        </p:sp>
-        <p:sp>
-          <p:nvSpPr>
-            <p:cNvPr id="45" name="직사각형 44">
-              <a:extLst>
-                <a:ext uri="{FF2B5EF4-FFF2-40B4-BE49-F238E27FC236}">
-                  <a16:creationId xmlns:a16="http://schemas.microsoft.com/office/drawing/2014/main" id="{DA820ADC-C517-625D-22A0-9D6A7E8AE4C2}"/>
-                </a:ext>
-              </a:extLst>
-            </p:cNvPr>
-            <p:cNvSpPr/>
-            <p:nvPr/>
-          </p:nvSpPr>
-          <p:spPr>
-            <a:xfrm>
-              <a:off x="1579005" y="2862502"/>
-              <a:ext cx="2160000" cy="1092840"/>
-            </a:xfrm>
-            <a:prstGeom prst="rect">
-              <a:avLst/>
-            </a:prstGeom>
-            <a:noFill/>
-            <a:ln>
-              <a:noFill/>
-            </a:ln>
-          </p:spPr>
-          <p:style>
-            <a:lnRef idx="2">
-              <a:schemeClr val="accent1">
-                <a:shade val="15000"/>
-              </a:schemeClr>
-            </a:lnRef>
-            <a:fillRef idx="1">
-              <a:schemeClr val="accent1"/>
-            </a:fillRef>
-            <a:effectRef idx="0">
-              <a:schemeClr val="accent1"/>
-            </a:effectRef>
-            <a:fontRef idx="minor">
-              <a:schemeClr val="lt1"/>
-            </a:fontRef>
-          </p:style>
-          <p:txBody>
-            <a:bodyPr rtlCol="0" anchor="t"/>
-            <a:lstStyle/>
-            <a:p>
-              <a:pPr latinLnBrk="1"/>
-              <a:r>
-                <a:rPr lang="ko-KR" altLang="en-US" b="0" dirty="0">
-                  <a:solidFill>
-                    <a:schemeClr val="tx1"/>
-                  </a:solidFill>
-                </a:rPr>
-                <a:t>목표를 달성한 </a:t>
-              </a:r>
-              <a:endParaRPr lang="en-US" altLang="ko-KR" b="0" dirty="0">
-                <a:solidFill>
-                  <a:schemeClr val="tx1"/>
-                </a:solidFill>
-              </a:endParaRPr>
-            </a:p>
-            <a:p>
-              <a:pPr latinLnBrk="1"/>
-              <a:r>
-                <a:rPr lang="ko-KR" altLang="en-US" b="0" dirty="0">
-                  <a:solidFill>
-                    <a:schemeClr val="tx1"/>
-                  </a:solidFill>
-                </a:rPr>
-                <a:t>퀘스트를 완료</a:t>
-              </a:r>
-            </a:p>
-          </p:txBody>
-        </p:sp>
-      </p:grpSp>
-      <p:sp>
-        <p:nvSpPr>
-          <p:cNvPr id="47" name="순서도: 병합 46">
-            <a:extLst>
-              <a:ext uri="{FF2B5EF4-FFF2-40B4-BE49-F238E27FC236}">
-                <a16:creationId xmlns:a16="http://schemas.microsoft.com/office/drawing/2014/main" id="{D8BC0540-428B-3F2A-58C3-4AD93016FB80}"/>
-              </a:ext>
-            </a:extLst>
-          </p:cNvPr>
-          <p:cNvSpPr/>
-          <p:nvPr/>
-        </p:nvSpPr>
-        <p:spPr>
-          <a:xfrm rot="16200000">
-            <a:off x="7554115" y="1266364"/>
-            <a:ext cx="687753" cy="685021"/>
-          </a:xfrm>
-          <a:prstGeom prst="flowChartMerge">
-            <a:avLst/>
-          </a:prstGeom>
-          <a:solidFill>
-            <a:schemeClr val="bg1">
-              <a:lumMod val="65000"/>
-            </a:schemeClr>
-          </a:solidFill>
-          <a:ln>
-            <a:noFill/>
-          </a:ln>
-        </p:spPr>
-        <p:style>
-          <a:lnRef idx="2">
-            <a:schemeClr val="accent1">
-              <a:shade val="15000"/>
-            </a:schemeClr>
-          </a:lnRef>
-          <a:fillRef idx="1">
-            <a:schemeClr val="accent1"/>
-          </a:fillRef>
-          <a:effectRef idx="0">
-            <a:schemeClr val="accent1"/>
-          </a:effectRef>
-          <a:fontRef idx="minor">
-            <a:schemeClr val="lt1"/>
-          </a:fontRef>
-        </p:style>
-        <p:txBody>
-          <a:bodyPr rtlCol="0" anchor="ctr"/>
-          <a:lstStyle/>
-          <a:p>
-            <a:pPr algn="ctr"/>
-            <a:endParaRPr lang="ko-KR" altLang="en-US"/>
-          </a:p>
-        </p:txBody>
-      </p:sp>
-      <p:sp>
-        <p:nvSpPr>
-          <p:cNvPr id="48" name="순서도: 병합 47">
-            <a:extLst>
-              <a:ext uri="{FF2B5EF4-FFF2-40B4-BE49-F238E27FC236}">
-                <a16:creationId xmlns:a16="http://schemas.microsoft.com/office/drawing/2014/main" id="{5A7AE88C-1919-A6CE-631E-78935C985AF8}"/>
-              </a:ext>
-            </a:extLst>
-          </p:cNvPr>
-          <p:cNvSpPr/>
+          <p:cNvSpPr txBox="1">
+            <a:spLocks/>
+          </p:cNvSpPr>
           <p:nvPr/>
         </p:nvSpPr>
         <p:spPr>
           <a:xfrm>
-            <a:off x="9352072" y="2861298"/>
-            <a:ext cx="687753" cy="685021"/>
+            <a:off x="695325" y="292100"/>
+            <a:ext cx="10801985" cy="862330"/>
           </a:xfrm>
-          <a:prstGeom prst="flowChartMerge">
+          <a:prstGeom prst="rect">
             <a:avLst/>
           </a:prstGeom>
-          <a:solidFill>
-            <a:schemeClr val="bg1">
-              <a:lumMod val="65000"/>
-            </a:schemeClr>
-          </a:solidFill>
-          <a:ln>
-            <a:noFill/>
-          </a:ln>
         </p:spPr>
-        <p:style>
-          <a:lnRef idx="2">
-            <a:schemeClr val="accent1">
-              <a:shade val="15000"/>
-            </a:schemeClr>
-          </a:lnRef>
-          <a:fillRef idx="1">
-            <a:schemeClr val="accent1"/>
-          </a:fillRef>
-          <a:effectRef idx="0">
-            <a:schemeClr val="accent1"/>
-          </a:effectRef>
-          <a:fontRef idx="minor">
-            <a:schemeClr val="lt1"/>
-          </a:fontRef>
-        </p:style>
         <p:txBody>
-          <a:bodyPr rtlCol="0" anchor="ctr"/>
-          <a:lstStyle/>
+          <a:bodyPr vert="horz" wrap="square" lIns="91440" tIns="45720" rIns="91440" bIns="45720" numCol="1" anchor="ctr">
+            <a:normAutofit/>
+          </a:bodyPr>
+          <a:lstStyle>
+            <a:lvl1pPr marL="0" indent="0" algn="l" defTabSz="914400" rtl="0" eaLnBrk="1" latinLnBrk="1" hangingPunct="1">
+              <a:lnSpc>
+                <a:spcPct val="90000"/>
+              </a:lnSpc>
+              <a:spcBef>
+                <a:spcPct val="0"/>
+              </a:spcBef>
+              <a:buFontTx/>
+              <a:buNone/>
+              <a:defRPr lang="en-GB" altLang="en-US" sz="4400">
+                <a:solidFill>
+                  <a:schemeClr val="tx1"/>
+                </a:solidFill>
+                <a:latin typeface="+mj-lt"/>
+                <a:ea typeface="+mj-ea"/>
+                <a:cs typeface="+mj-cs"/>
+              </a:defRPr>
+            </a:lvl1pPr>
+          </a:lstStyle>
           <a:p>
-            <a:pPr algn="ctr"/>
-            <a:endParaRPr lang="ko-KR" altLang="en-US"/>
-          </a:p>
-        </p:txBody>
-      </p:sp>
-      <p:sp>
-        <p:nvSpPr>
-          <p:cNvPr id="52" name="순서도: 병합 51">
-            <a:extLst>
-              <a:ext uri="{FF2B5EF4-FFF2-40B4-BE49-F238E27FC236}">
-                <a16:creationId xmlns:a16="http://schemas.microsoft.com/office/drawing/2014/main" id="{D085EDDF-748F-8218-508E-21F4FC805B52}"/>
-              </a:ext>
-            </a:extLst>
-          </p:cNvPr>
-          <p:cNvSpPr/>
-          <p:nvPr/>
-        </p:nvSpPr>
-        <p:spPr>
-          <a:xfrm rot="5400000">
-            <a:off x="7554114" y="3809329"/>
-            <a:ext cx="687753" cy="685021"/>
-          </a:xfrm>
-          <a:prstGeom prst="flowChartMerge">
-            <a:avLst/>
-          </a:prstGeom>
-          <a:solidFill>
-            <a:schemeClr val="bg1">
-              <a:lumMod val="65000"/>
-            </a:schemeClr>
-          </a:solidFill>
-          <a:ln>
-            <a:noFill/>
-          </a:ln>
-        </p:spPr>
-        <p:style>
-          <a:lnRef idx="2">
-            <a:schemeClr val="accent1">
-              <a:shade val="15000"/>
-            </a:schemeClr>
-          </a:lnRef>
-          <a:fillRef idx="1">
-            <a:schemeClr val="accent1"/>
-          </a:fillRef>
-          <a:effectRef idx="0">
-            <a:schemeClr val="accent1"/>
-          </a:effectRef>
-          <a:fontRef idx="minor">
-            <a:schemeClr val="lt1"/>
-          </a:fontRef>
-        </p:style>
-        <p:txBody>
-          <a:bodyPr rtlCol="0" anchor="ctr"/>
-          <a:lstStyle/>
-          <a:p>
-            <a:pPr algn="ctr"/>
-            <a:endParaRPr lang="ko-KR" altLang="en-US"/>
+            <a:pPr marL="0" indent="0" latinLnBrk="0">
+              <a:buFontTx/>
+              <a:buNone/>
+            </a:pPr>
+            <a:r>
+              <a:rPr lang="ko-KR" altLang="en-US" dirty="0"/>
+              <a:t>공통 규칙</a:t>
+            </a:r>
           </a:p>
         </p:txBody>
       </p:sp>
       <p:graphicFrame>
         <p:nvGraphicFramePr>
-          <p:cNvPr id="53" name="표 52">
+          <p:cNvPr id="6" name="표 5">
             <a:extLst>
               <a:ext uri="{FF2B5EF4-FFF2-40B4-BE49-F238E27FC236}">
-                <a16:creationId xmlns:a16="http://schemas.microsoft.com/office/drawing/2014/main" id="{7C73C16E-CB53-ED1B-8510-55A2982A0E58}"/>
+                <a16:creationId xmlns:a16="http://schemas.microsoft.com/office/drawing/2014/main" id="{ABA5688E-7463-4AD2-A6F7-3B25B45FBD63}"/>
               </a:ext>
             </a:extLst>
           </p:cNvPr>
@@ -8331,14 +8797,14 @@
           <p:nvPr>
             <p:extLst>
               <p:ext uri="{D42A27DB-BD31-4B8C-83A1-F6EECF244321}">
-                <p14:modId xmlns:p14="http://schemas.microsoft.com/office/powerpoint/2010/main" val="3219080328"/>
+                <p14:modId xmlns:p14="http://schemas.microsoft.com/office/powerpoint/2010/main" val="4284272116"/>
               </p:ext>
             </p:extLst>
           </p:nvPr>
         </p:nvGraphicFramePr>
         <p:xfrm>
-          <a:off x="1414464" y="3741336"/>
-          <a:ext cx="3487474" cy="1508760"/>
+          <a:off x="1414463" y="2514600"/>
+          <a:ext cx="9361487" cy="1828800"/>
         </p:xfrm>
         <a:graphic>
           <a:graphicData uri="http://schemas.openxmlformats.org/drawingml/2006/table">
@@ -8347,7 +8813,7 @@
                 <a:tableStyleId>{5C22544A-7EE6-4342-B048-85BDC9FD1C3A}</a:tableStyleId>
               </a:tblPr>
               <a:tblGrid>
-                <a:gridCol w="3487474">
+                <a:gridCol w="9361487">
                   <a:extLst>
                     <a:ext uri="{9D8B030D-6E8A-4147-A177-3AD203B41FA5}">
                       <a16:colId xmlns:a16="http://schemas.microsoft.com/office/drawing/2014/main" val="1738685493"/>
@@ -8363,7 +8829,7 @@
                     <a:p>
                       <a:pPr latinLnBrk="1"/>
                       <a:r>
-                        <a:rPr lang="ko-KR" altLang="en-US" sz="1400" b="0" dirty="0">
+                        <a:rPr lang="ko-KR" altLang="en-US" sz="1800" b="0" dirty="0">
                           <a:solidFill>
                             <a:schemeClr val="tx1"/>
                           </a:solidFill>
@@ -8403,7 +8869,7 @@
                     <a:p>
                       <a:pPr latinLnBrk="1"/>
                       <a:r>
-                        <a:rPr lang="ko-KR" altLang="en-US" sz="1100" b="0" dirty="0">
+                        <a:rPr lang="ko-KR" altLang="en-US" sz="1800" b="0" dirty="0">
                           <a:solidFill>
                             <a:schemeClr val="tx1"/>
                           </a:solidFill>
@@ -8411,7 +8877,7 @@
                         <a:t>스토리 퀘스트는 최대 </a:t>
                       </a:r>
                       <a:r>
-                        <a:rPr lang="en-US" altLang="ko-KR" sz="1100" b="0" dirty="0">
+                        <a:rPr lang="en-US" altLang="ko-KR" sz="1800" b="0" dirty="0">
                           <a:solidFill>
                             <a:schemeClr val="tx1"/>
                           </a:solidFill>
@@ -8419,14 +8885,14 @@
                         <a:t>8</a:t>
                       </a:r>
                       <a:r>
-                        <a:rPr lang="ko-KR" altLang="en-US" sz="1100" b="0" dirty="0">
+                        <a:rPr lang="ko-KR" altLang="en-US" sz="1800" b="0" dirty="0">
                           <a:solidFill>
                             <a:schemeClr val="tx1"/>
                           </a:solidFill>
                         </a:rPr>
                         <a:t>개 까지 동시에 수행 가능</a:t>
                       </a:r>
-                      <a:endParaRPr lang="en-US" altLang="ko-KR" sz="1100" b="0" dirty="0">
+                      <a:endParaRPr lang="en-US" altLang="ko-KR" sz="1800" b="0" dirty="0">
                         <a:solidFill>
                           <a:schemeClr val="tx1"/>
                         </a:solidFill>
@@ -8491,7 +8957,7 @@
                     <a:p>
                       <a:pPr latinLnBrk="1"/>
                       <a:r>
-                        <a:rPr lang="ko-KR" altLang="en-US" sz="1100" b="0" dirty="0">
+                        <a:rPr lang="ko-KR" altLang="en-US" sz="1800" b="0" dirty="0">
                           <a:solidFill>
                             <a:schemeClr val="tx1"/>
                           </a:solidFill>
@@ -8499,7 +8965,7 @@
                         <a:t>일반 퀘스트는 최대 </a:t>
                       </a:r>
                       <a:r>
-                        <a:rPr lang="en-US" altLang="ko-KR" sz="1100" b="0" dirty="0">
+                        <a:rPr lang="en-US" altLang="ko-KR" sz="1800" b="0" dirty="0">
                           <a:solidFill>
                             <a:schemeClr val="tx1"/>
                           </a:solidFill>
@@ -8507,14 +8973,14 @@
                         <a:t>20</a:t>
                       </a:r>
                       <a:r>
-                        <a:rPr lang="ko-KR" altLang="en-US" sz="1100" b="0" dirty="0">
+                        <a:rPr lang="ko-KR" altLang="en-US" sz="1800" b="0" dirty="0">
                           <a:solidFill>
                             <a:schemeClr val="tx1"/>
                           </a:solidFill>
                         </a:rPr>
                         <a:t>개 까지 동시 수행 가능</a:t>
                       </a:r>
-                      <a:endParaRPr lang="en-US" altLang="ko-KR" sz="1100" b="0" dirty="0">
+                      <a:endParaRPr lang="en-US" altLang="ko-KR" sz="1800" b="0" dirty="0">
                         <a:solidFill>
                           <a:schemeClr val="tx1"/>
                         </a:solidFill>
@@ -8595,7 +9061,7 @@
                         <a:defRPr/>
                       </a:pPr>
                       <a:r>
-                        <a:rPr lang="ko-KR" altLang="en-US" sz="1100" b="0" dirty="0">
+                        <a:rPr lang="ko-KR" altLang="en-US" sz="1800" b="0" dirty="0">
                           <a:solidFill>
                             <a:schemeClr val="tx1"/>
                           </a:solidFill>
@@ -8603,7 +9069,7 @@
                         <a:t>연계 퀘스트는 </a:t>
                       </a:r>
                       <a:r>
-                        <a:rPr lang="en-US" altLang="ko-KR" sz="1100" b="0" dirty="0">
+                        <a:rPr lang="en-US" altLang="ko-KR" sz="1800" b="0" dirty="0">
                           <a:solidFill>
                             <a:schemeClr val="tx1"/>
                           </a:solidFill>
@@ -8611,14 +9077,14 @@
                         <a:t>1</a:t>
                       </a:r>
                       <a:r>
-                        <a:rPr lang="ko-KR" altLang="en-US" sz="1100" b="0" dirty="0">
+                        <a:rPr lang="ko-KR" altLang="en-US" sz="1800" b="0" dirty="0">
                           <a:solidFill>
                             <a:schemeClr val="tx1"/>
                           </a:solidFill>
                         </a:rPr>
                         <a:t>개의 퀘스트로 취급</a:t>
                       </a:r>
-                      <a:endParaRPr lang="en-US" altLang="ko-KR" sz="1100" b="0" dirty="0">
+                      <a:endParaRPr lang="en-US" altLang="ko-KR" sz="1800" b="0" dirty="0">
                         <a:solidFill>
                           <a:schemeClr val="tx1"/>
                         </a:solidFill>
@@ -8683,18 +9149,21 @@
                     <a:p>
                       <a:pPr latinLnBrk="1"/>
                       <a:r>
-                        <a:rPr lang="ko-KR" altLang="en-US" sz="1100" b="0" dirty="0">
-                          <a:solidFill>
-                            <a:schemeClr val="tx1"/>
-                          </a:solidFill>
-                        </a:rPr>
-                        <a:t>최대 퀘스트 수행 숫자에 도달 시 퀘스트 추가 수행 불가 및 보류</a:t>
-                      </a:r>
-                      <a:endParaRPr lang="en-US" altLang="ko-KR" sz="1100" b="0" dirty="0">
-                        <a:solidFill>
-                          <a:schemeClr val="tx1"/>
-                        </a:solidFill>
-                      </a:endParaRPr>
+                        <a:rPr lang="ko-KR" altLang="en-US" sz="1800" b="0" dirty="0">
+                          <a:solidFill>
+                            <a:schemeClr val="tx1"/>
+                          </a:solidFill>
+                        </a:rPr>
+                        <a:t>최대 퀘스트 수행 숫자에 도달 시 퀘스트 추가 수행 불가 및 보류한다</a:t>
+                      </a:r>
+                      <a:r>
+                        <a:rPr lang="en-US" altLang="ko-KR" sz="1800" b="0" dirty="0">
+                          <a:solidFill>
+                            <a:schemeClr val="tx1"/>
+                          </a:solidFill>
+                        </a:rPr>
+                        <a:t>.</a:t>
+                      </a:r>
                     </a:p>
                   </a:txBody>
                   <a:tcPr>
@@ -8722,9 +9191,7 @@
                       <a:tailEnd type="none" w="med" len="med"/>
                     </a:lnT>
                     <a:lnB w="12700" cap="flat" cmpd="sng" algn="ctr">
-                      <a:solidFill>
-                        <a:schemeClr val="tx1"/>
-                      </a:solidFill>
+                      <a:noFill/>
                       <a:prstDash val="solid"/>
                       <a:round/>
                       <a:headEnd type="none" w="med" len="med"/>
@@ -8754,1553 +9221,7 @@
     </p:spTree>
     <p:extLst>
       <p:ext uri="{BB962C8B-B14F-4D97-AF65-F5344CB8AC3E}">
-        <p14:creationId xmlns:p14="http://schemas.microsoft.com/office/powerpoint/2010/main" val="1757149466"/>
-      </p:ext>
-    </p:extLst>
-  </p:cSld>
-  <p:clrMapOvr>
-    <a:masterClrMapping/>
-  </p:clrMapOvr>
-</p:sld>
-</file>
-
-<file path=ppt/slides/slide6.xml><?xml version="1.0" encoding="utf-8"?>
-<p:sld xmlns:a="http://schemas.openxmlformats.org/drawingml/2006/main" xmlns:r="http://schemas.openxmlformats.org/officeDocument/2006/relationships" xmlns:p="http://schemas.openxmlformats.org/presentationml/2006/main">
-  <p:cSld>
-    <p:spTree>
-      <p:nvGrpSpPr>
-        <p:cNvPr id="1" name=""/>
-        <p:cNvGrpSpPr/>
-        <p:nvPr/>
-      </p:nvGrpSpPr>
-      <p:grpSpPr>
-        <a:xfrm>
-          <a:off x="0" y="0"/>
-          <a:ext cx="0" cy="0"/>
-          <a:chOff x="0" y="0"/>
-          <a:chExt cx="0" cy="0"/>
-        </a:xfrm>
-      </p:grpSpPr>
-      <p:graphicFrame>
-        <p:nvGraphicFramePr>
-          <p:cNvPr id="16" name="표 2">
-            <a:extLst>
-              <a:ext uri="{FF2B5EF4-FFF2-40B4-BE49-F238E27FC236}">
-                <a16:creationId xmlns:a16="http://schemas.microsoft.com/office/drawing/2014/main" id="{8C0A4544-C72D-45A1-A904-F9B6C0EB1906}"/>
-              </a:ext>
-            </a:extLst>
-          </p:cNvPr>
-          <p:cNvGraphicFramePr>
-            <a:graphicFrameLocks noGrp="1"/>
-          </p:cNvGraphicFramePr>
-          <p:nvPr>
-            <p:extLst>
-              <p:ext uri="{D42A27DB-BD31-4B8C-83A1-F6EECF244321}">
-                <p14:modId xmlns:p14="http://schemas.microsoft.com/office/powerpoint/2010/main" val="2034480451"/>
-              </p:ext>
-            </p:extLst>
-          </p:nvPr>
-        </p:nvGraphicFramePr>
-        <p:xfrm>
-          <a:off x="1805939" y="1148826"/>
-          <a:ext cx="8970011" cy="3383280"/>
-        </p:xfrm>
-        <a:graphic>
-          <a:graphicData uri="http://schemas.openxmlformats.org/drawingml/2006/table">
-            <a:tbl>
-              <a:tblPr firstRow="1" bandRow="1">
-                <a:tableStyleId>{5C22544A-7EE6-4342-B048-85BDC9FD1C3A}</a:tableStyleId>
-              </a:tblPr>
-              <a:tblGrid>
-                <a:gridCol w="721043">
-                  <a:extLst>
-                    <a:ext uri="{9D8B030D-6E8A-4147-A177-3AD203B41FA5}">
-                      <a16:colId xmlns:a16="http://schemas.microsoft.com/office/drawing/2014/main" val="379944936"/>
-                    </a:ext>
-                  </a:extLst>
-                </a:gridCol>
-                <a:gridCol w="940853">
-                  <a:extLst>
-                    <a:ext uri="{9D8B030D-6E8A-4147-A177-3AD203B41FA5}">
-                      <a16:colId xmlns:a16="http://schemas.microsoft.com/office/drawing/2014/main" val="1559220905"/>
-                    </a:ext>
-                  </a:extLst>
-                </a:gridCol>
-                <a:gridCol w="7308115">
-                  <a:extLst>
-                    <a:ext uri="{9D8B030D-6E8A-4147-A177-3AD203B41FA5}">
-                      <a16:colId xmlns:a16="http://schemas.microsoft.com/office/drawing/2014/main" val="4075275578"/>
-                    </a:ext>
-                  </a:extLst>
-                </a:gridCol>
-              </a:tblGrid>
-              <a:tr h="0">
-                <a:tc>
-                  <a:txBody>
-                    <a:bodyPr/>
-                    <a:lstStyle/>
-                    <a:p>
-                      <a:pPr algn="ctr" latinLnBrk="1"/>
-                      <a:r>
-                        <a:rPr lang="ko-KR" altLang="en-US" b="0" dirty="0">
-                          <a:solidFill>
-                            <a:schemeClr val="tx1"/>
-                          </a:solidFill>
-                        </a:rPr>
-                        <a:t>발생</a:t>
-                      </a:r>
-                    </a:p>
-                  </a:txBody>
-                  <a:tcPr anchor="ctr">
-                    <a:lnL w="12700" cap="flat" cmpd="sng" algn="ctr">
-                      <a:solidFill>
-                        <a:schemeClr val="tx1"/>
-                      </a:solidFill>
-                      <a:prstDash val="solid"/>
-                      <a:round/>
-                      <a:headEnd type="none" w="med" len="med"/>
-                      <a:tailEnd type="none" w="med" len="med"/>
-                    </a:lnL>
-                    <a:lnR w="12700" cap="flat" cmpd="sng" algn="ctr">
-                      <a:solidFill>
-                        <a:schemeClr val="tx1"/>
-                      </a:solidFill>
-                      <a:prstDash val="solid"/>
-                      <a:round/>
-                      <a:headEnd type="none" w="med" len="med"/>
-                      <a:tailEnd type="none" w="med" len="med"/>
-                    </a:lnR>
-                    <a:lnT w="12700" cap="flat" cmpd="sng" algn="ctr">
-                      <a:solidFill>
-                        <a:schemeClr val="tx1"/>
-                      </a:solidFill>
-                      <a:prstDash val="solid"/>
-                      <a:round/>
-                      <a:headEnd type="none" w="med" len="med"/>
-                      <a:tailEnd type="none" w="med" len="med"/>
-                    </a:lnT>
-                    <a:lnB w="12700" cap="flat" cmpd="sng" algn="ctr">
-                      <a:solidFill>
-                        <a:schemeClr val="tx1"/>
-                      </a:solidFill>
-                      <a:prstDash val="solid"/>
-                      <a:round/>
-                      <a:headEnd type="none" w="med" len="med"/>
-                      <a:tailEnd type="none" w="med" len="med"/>
-                    </a:lnB>
-                    <a:noFill/>
-                  </a:tcPr>
-                </a:tc>
-                <a:tc gridSpan="2">
-                  <a:txBody>
-                    <a:bodyPr/>
-                    <a:lstStyle/>
-                    <a:p>
-                      <a:pPr latinLnBrk="1"/>
-                      <a:r>
-                        <a:rPr lang="ko-KR" altLang="en-US" b="0" dirty="0">
-                          <a:solidFill>
-                            <a:schemeClr val="tx1"/>
-                          </a:solidFill>
-                        </a:rPr>
-                        <a:t>퀘스트 당 발생 조건은 최대 </a:t>
-                      </a:r>
-                      <a:r>
-                        <a:rPr lang="en-US" altLang="ko-KR" b="0" dirty="0">
-                          <a:solidFill>
-                            <a:schemeClr val="tx1"/>
-                          </a:solidFill>
-                        </a:rPr>
-                        <a:t>3</a:t>
-                      </a:r>
-                      <a:r>
-                        <a:rPr lang="ko-KR" altLang="en-US" b="0" dirty="0">
-                          <a:solidFill>
-                            <a:schemeClr val="tx1"/>
-                          </a:solidFill>
-                        </a:rPr>
-                        <a:t>개 까지</a:t>
-                      </a:r>
-                      <a:endParaRPr lang="en-US" altLang="ko-KR" b="0" dirty="0">
-                        <a:solidFill>
-                          <a:schemeClr val="tx1"/>
-                        </a:solidFill>
-                      </a:endParaRPr>
-                    </a:p>
-                    <a:p>
-                      <a:pPr latinLnBrk="1"/>
-                      <a:r>
-                        <a:rPr lang="ko-KR" altLang="en-US" b="0" dirty="0">
-                          <a:solidFill>
-                            <a:schemeClr val="tx1"/>
-                          </a:solidFill>
-                        </a:rPr>
-                        <a:t>시간</a:t>
-                      </a:r>
-                      <a:r>
-                        <a:rPr lang="en-US" altLang="ko-KR" b="0" dirty="0">
-                          <a:solidFill>
-                            <a:schemeClr val="tx1"/>
-                          </a:solidFill>
-                        </a:rPr>
-                        <a:t>, </a:t>
-                      </a:r>
-                      <a:r>
-                        <a:rPr lang="ko-KR" altLang="en-US" b="0" dirty="0">
-                          <a:solidFill>
-                            <a:schemeClr val="tx1"/>
-                          </a:solidFill>
-                        </a:rPr>
-                        <a:t>상호 작용</a:t>
-                      </a:r>
-                      <a:r>
-                        <a:rPr lang="en-US" altLang="ko-KR" b="0" dirty="0">
-                          <a:solidFill>
-                            <a:schemeClr val="tx1"/>
-                          </a:solidFill>
-                        </a:rPr>
-                        <a:t>, </a:t>
-                      </a:r>
-                      <a:r>
-                        <a:rPr lang="ko-KR" altLang="en-US" b="0" dirty="0">
-                          <a:solidFill>
-                            <a:schemeClr val="tx1"/>
-                          </a:solidFill>
-                        </a:rPr>
-                        <a:t>위치</a:t>
-                      </a:r>
-                      <a:r>
-                        <a:rPr lang="en-US" altLang="ko-KR" b="0" dirty="0">
-                          <a:solidFill>
-                            <a:schemeClr val="tx1"/>
-                          </a:solidFill>
-                        </a:rPr>
-                        <a:t>, </a:t>
-                      </a:r>
-                      <a:r>
-                        <a:rPr lang="ko-KR" altLang="en-US" b="0" dirty="0">
-                          <a:solidFill>
-                            <a:schemeClr val="tx1"/>
-                          </a:solidFill>
-                        </a:rPr>
-                        <a:t>토벌</a:t>
-                      </a:r>
-                      <a:r>
-                        <a:rPr lang="en-US" altLang="ko-KR" b="0" dirty="0">
-                          <a:solidFill>
-                            <a:schemeClr val="tx1"/>
-                          </a:solidFill>
-                        </a:rPr>
-                        <a:t>, </a:t>
-                      </a:r>
-                      <a:r>
-                        <a:rPr lang="ko-KR" altLang="en-US" b="0" dirty="0">
-                          <a:solidFill>
-                            <a:schemeClr val="tx1"/>
-                          </a:solidFill>
-                        </a:rPr>
-                        <a:t>아이템</a:t>
-                      </a:r>
-                      <a:r>
-                        <a:rPr lang="en-US" altLang="ko-KR" b="0" dirty="0">
-                          <a:solidFill>
-                            <a:schemeClr val="tx1"/>
-                          </a:solidFill>
-                        </a:rPr>
-                        <a:t> </a:t>
-                      </a:r>
-                      <a:r>
-                        <a:rPr lang="ko-KR" altLang="en-US" b="0" dirty="0">
-                          <a:solidFill>
-                            <a:schemeClr val="tx1"/>
-                          </a:solidFill>
-                        </a:rPr>
-                        <a:t>등이 있다</a:t>
-                      </a:r>
-                      <a:r>
-                        <a:rPr lang="en-US" altLang="ko-KR" b="0" dirty="0">
-                          <a:solidFill>
-                            <a:schemeClr val="tx1"/>
-                          </a:solidFill>
-                        </a:rPr>
-                        <a:t>.</a:t>
-                      </a:r>
-                      <a:r>
-                        <a:rPr lang="ko-KR" altLang="en-US" b="0" dirty="0">
-                          <a:solidFill>
-                            <a:schemeClr val="tx1"/>
-                          </a:solidFill>
-                        </a:rPr>
-                        <a:t> </a:t>
-                      </a:r>
-                    </a:p>
-                  </a:txBody>
-                  <a:tcPr anchor="ctr">
-                    <a:lnL w="12700" cap="flat" cmpd="sng" algn="ctr">
-                      <a:solidFill>
-                        <a:schemeClr val="tx1"/>
-                      </a:solidFill>
-                      <a:prstDash val="solid"/>
-                      <a:round/>
-                      <a:headEnd type="none" w="med" len="med"/>
-                      <a:tailEnd type="none" w="med" len="med"/>
-                    </a:lnL>
-                    <a:lnR w="12700" cap="flat" cmpd="sng" algn="ctr">
-                      <a:solidFill>
-                        <a:schemeClr val="tx1"/>
-                      </a:solidFill>
-                      <a:prstDash val="solid"/>
-                      <a:round/>
-                      <a:headEnd type="none" w="med" len="med"/>
-                      <a:tailEnd type="none" w="med" len="med"/>
-                    </a:lnR>
-                    <a:lnT w="12700" cap="flat" cmpd="sng" algn="ctr">
-                      <a:solidFill>
-                        <a:schemeClr val="tx1"/>
-                      </a:solidFill>
-                      <a:prstDash val="solid"/>
-                      <a:round/>
-                      <a:headEnd type="none" w="med" len="med"/>
-                      <a:tailEnd type="none" w="med" len="med"/>
-                    </a:lnT>
-                    <a:lnB w="12700" cap="flat" cmpd="sng" algn="ctr">
-                      <a:solidFill>
-                        <a:schemeClr val="tx1"/>
-                      </a:solidFill>
-                      <a:prstDash val="solid"/>
-                      <a:round/>
-                      <a:headEnd type="none" w="med" len="med"/>
-                      <a:tailEnd type="none" w="med" len="med"/>
-                    </a:lnB>
-                    <a:noFill/>
-                  </a:tcPr>
-                </a:tc>
-                <a:tc hMerge="1">
-                  <a:txBody>
-                    <a:bodyPr/>
-                    <a:lstStyle/>
-                    <a:p>
-                      <a:pPr latinLnBrk="1"/>
-                      <a:endParaRPr lang="ko-KR" altLang="en-US"/>
-                    </a:p>
-                  </a:txBody>
-                  <a:tcPr/>
-                </a:tc>
-                <a:extLst>
-                  <a:ext uri="{0D108BD9-81ED-4DB2-BD59-A6C34878D82A}">
-                    <a16:rowId xmlns:a16="http://schemas.microsoft.com/office/drawing/2014/main" val="744240791"/>
-                  </a:ext>
-                </a:extLst>
-              </a:tr>
-              <a:tr h="0">
-                <a:tc>
-                  <a:txBody>
-                    <a:bodyPr/>
-                    <a:lstStyle/>
-                    <a:p>
-                      <a:pPr algn="ctr" latinLnBrk="1"/>
-                      <a:r>
-                        <a:rPr lang="ko-KR" altLang="en-US" b="0" dirty="0">
-                          <a:solidFill>
-                            <a:schemeClr val="tx1"/>
-                          </a:solidFill>
-                        </a:rPr>
-                        <a:t>알림</a:t>
-                      </a:r>
-                    </a:p>
-                  </a:txBody>
-                  <a:tcPr anchor="ctr">
-                    <a:lnL w="12700" cap="flat" cmpd="sng" algn="ctr">
-                      <a:solidFill>
-                        <a:schemeClr val="tx1"/>
-                      </a:solidFill>
-                      <a:prstDash val="solid"/>
-                      <a:round/>
-                      <a:headEnd type="none" w="med" len="med"/>
-                      <a:tailEnd type="none" w="med" len="med"/>
-                    </a:lnL>
-                    <a:lnR w="12700" cap="flat" cmpd="sng" algn="ctr">
-                      <a:solidFill>
-                        <a:schemeClr val="tx1"/>
-                      </a:solidFill>
-                      <a:prstDash val="solid"/>
-                      <a:round/>
-                      <a:headEnd type="none" w="med" len="med"/>
-                      <a:tailEnd type="none" w="med" len="med"/>
-                    </a:lnR>
-                    <a:lnT w="12700" cap="flat" cmpd="sng" algn="ctr">
-                      <a:solidFill>
-                        <a:schemeClr val="tx1"/>
-                      </a:solidFill>
-                      <a:prstDash val="solid"/>
-                      <a:round/>
-                      <a:headEnd type="none" w="med" len="med"/>
-                      <a:tailEnd type="none" w="med" len="med"/>
-                    </a:lnT>
-                    <a:lnB w="12700" cap="flat" cmpd="sng" algn="ctr">
-                      <a:solidFill>
-                        <a:schemeClr val="tx1"/>
-                      </a:solidFill>
-                      <a:prstDash val="solid"/>
-                      <a:round/>
-                      <a:headEnd type="none" w="med" len="med"/>
-                      <a:tailEnd type="none" w="med" len="med"/>
-                    </a:lnB>
-                    <a:noFill/>
-                  </a:tcPr>
-                </a:tc>
-                <a:tc gridSpan="2">
-                  <a:txBody>
-                    <a:bodyPr/>
-                    <a:lstStyle/>
-                    <a:p>
-                      <a:pPr latinLnBrk="1"/>
-                      <a:r>
-                        <a:rPr lang="ko-KR" altLang="en-US" b="0" dirty="0">
-                          <a:solidFill>
-                            <a:schemeClr val="tx1"/>
-                          </a:solidFill>
-                        </a:rPr>
-                        <a:t>퀘스트 발생시 해당 퀘스트를 </a:t>
-                      </a:r>
-                      <a:r>
-                        <a:rPr lang="en-US" altLang="ko-KR" b="0" dirty="0">
-                          <a:solidFill>
-                            <a:schemeClr val="tx1"/>
-                          </a:solidFill>
-                        </a:rPr>
-                        <a:t>PC</a:t>
-                      </a:r>
-                      <a:r>
-                        <a:rPr lang="ko-KR" altLang="en-US" b="0" dirty="0">
-                          <a:solidFill>
-                            <a:schemeClr val="tx1"/>
-                          </a:solidFill>
-                        </a:rPr>
-                        <a:t>에게 부여 하는 </a:t>
-                      </a:r>
-                      <a:r>
-                        <a:rPr lang="en-US" altLang="ko-KR" b="0" dirty="0">
-                          <a:solidFill>
-                            <a:schemeClr val="tx1"/>
-                          </a:solidFill>
-                        </a:rPr>
-                        <a:t>NPC,</a:t>
-                      </a:r>
-                      <a:r>
-                        <a:rPr lang="ko-KR" altLang="en-US" b="0" dirty="0">
-                          <a:solidFill>
-                            <a:schemeClr val="tx1"/>
-                          </a:solidFill>
-                        </a:rPr>
-                        <a:t> 오브젝트에 팝업이 발생</a:t>
-                      </a:r>
-                    </a:p>
-                  </a:txBody>
-                  <a:tcPr anchor="ctr">
-                    <a:lnL w="12700" cap="flat" cmpd="sng" algn="ctr">
-                      <a:solidFill>
-                        <a:schemeClr val="tx1"/>
-                      </a:solidFill>
-                      <a:prstDash val="solid"/>
-                      <a:round/>
-                      <a:headEnd type="none" w="med" len="med"/>
-                      <a:tailEnd type="none" w="med" len="med"/>
-                    </a:lnL>
-                    <a:lnR w="12700" cap="flat" cmpd="sng" algn="ctr">
-                      <a:solidFill>
-                        <a:schemeClr val="tx1"/>
-                      </a:solidFill>
-                      <a:prstDash val="solid"/>
-                      <a:round/>
-                      <a:headEnd type="none" w="med" len="med"/>
-                      <a:tailEnd type="none" w="med" len="med"/>
-                    </a:lnR>
-                    <a:lnT w="12700" cap="flat" cmpd="sng" algn="ctr">
-                      <a:solidFill>
-                        <a:schemeClr val="tx1"/>
-                      </a:solidFill>
-                      <a:prstDash val="solid"/>
-                      <a:round/>
-                      <a:headEnd type="none" w="med" len="med"/>
-                      <a:tailEnd type="none" w="med" len="med"/>
-                    </a:lnT>
-                    <a:lnB w="12700" cap="flat" cmpd="sng" algn="ctr">
-                      <a:solidFill>
-                        <a:schemeClr val="tx1"/>
-                      </a:solidFill>
-                      <a:prstDash val="solid"/>
-                      <a:round/>
-                      <a:headEnd type="none" w="med" len="med"/>
-                      <a:tailEnd type="none" w="med" len="med"/>
-                    </a:lnB>
-                    <a:noFill/>
-                  </a:tcPr>
-                </a:tc>
-                <a:tc hMerge="1">
-                  <a:txBody>
-                    <a:bodyPr/>
-                    <a:lstStyle/>
-                    <a:p>
-                      <a:pPr latinLnBrk="1"/>
-                      <a:endParaRPr lang="ko-KR" altLang="en-US"/>
-                    </a:p>
-                  </a:txBody>
-                  <a:tcPr/>
-                </a:tc>
-                <a:extLst>
-                  <a:ext uri="{0D108BD9-81ED-4DB2-BD59-A6C34878D82A}">
-                    <a16:rowId xmlns:a16="http://schemas.microsoft.com/office/drawing/2014/main" val="616643955"/>
-                  </a:ext>
-                </a:extLst>
-              </a:tr>
-              <a:tr h="0">
-                <a:tc rowSpan="2">
-                  <a:txBody>
-                    <a:bodyPr/>
-                    <a:lstStyle/>
-                    <a:p>
-                      <a:pPr algn="ctr" latinLnBrk="1"/>
-                      <a:r>
-                        <a:rPr lang="ko-KR" altLang="en-US" b="0" dirty="0">
-                          <a:solidFill>
-                            <a:schemeClr val="tx1"/>
-                          </a:solidFill>
-                        </a:rPr>
-                        <a:t>수락</a:t>
-                      </a:r>
-                    </a:p>
-                  </a:txBody>
-                  <a:tcPr anchor="ctr">
-                    <a:lnL w="12700" cap="flat" cmpd="sng" algn="ctr">
-                      <a:solidFill>
-                        <a:schemeClr val="tx1"/>
-                      </a:solidFill>
-                      <a:prstDash val="solid"/>
-                      <a:round/>
-                      <a:headEnd type="none" w="med" len="med"/>
-                      <a:tailEnd type="none" w="med" len="med"/>
-                    </a:lnL>
-                    <a:lnR w="12700" cap="flat" cmpd="sng" algn="ctr">
-                      <a:solidFill>
-                        <a:schemeClr val="tx1"/>
-                      </a:solidFill>
-                      <a:prstDash val="solid"/>
-                      <a:round/>
-                      <a:headEnd type="none" w="med" len="med"/>
-                      <a:tailEnd type="none" w="med" len="med"/>
-                    </a:lnR>
-                    <a:lnT w="12700" cap="flat" cmpd="sng" algn="ctr">
-                      <a:solidFill>
-                        <a:schemeClr val="tx1"/>
-                      </a:solidFill>
-                      <a:prstDash val="solid"/>
-                      <a:round/>
-                      <a:headEnd type="none" w="med" len="med"/>
-                      <a:tailEnd type="none" w="med" len="med"/>
-                    </a:lnT>
-                    <a:lnB w="12700" cap="flat" cmpd="sng" algn="ctr">
-                      <a:solidFill>
-                        <a:schemeClr val="tx1"/>
-                      </a:solidFill>
-                      <a:prstDash val="solid"/>
-                      <a:round/>
-                      <a:headEnd type="none" w="med" len="med"/>
-                      <a:tailEnd type="none" w="med" len="med"/>
-                    </a:lnB>
-                    <a:noFill/>
-                  </a:tcPr>
-                </a:tc>
-                <a:tc>
-                  <a:txBody>
-                    <a:bodyPr/>
-                    <a:lstStyle/>
-                    <a:p>
-                      <a:pPr latinLnBrk="1"/>
-                      <a:r>
-                        <a:rPr lang="ko-KR" altLang="en-US" b="0" dirty="0">
-                          <a:solidFill>
-                            <a:schemeClr val="tx1"/>
-                          </a:solidFill>
-                        </a:rPr>
-                        <a:t>자동</a:t>
-                      </a:r>
-                      <a:endParaRPr lang="en-US" altLang="ko-KR" b="0" dirty="0">
-                        <a:solidFill>
-                          <a:schemeClr val="tx1"/>
-                        </a:solidFill>
-                      </a:endParaRPr>
-                    </a:p>
-                  </a:txBody>
-                  <a:tcPr anchor="ctr">
-                    <a:lnL w="12700" cap="flat" cmpd="sng" algn="ctr">
-                      <a:solidFill>
-                        <a:schemeClr val="tx1"/>
-                      </a:solidFill>
-                      <a:prstDash val="solid"/>
-                      <a:round/>
-                      <a:headEnd type="none" w="med" len="med"/>
-                      <a:tailEnd type="none" w="med" len="med"/>
-                    </a:lnL>
-                    <a:lnR w="12700" cap="flat" cmpd="sng" algn="ctr">
-                      <a:solidFill>
-                        <a:schemeClr val="tx1"/>
-                      </a:solidFill>
-                      <a:prstDash val="solid"/>
-                      <a:round/>
-                      <a:headEnd type="none" w="med" len="med"/>
-                      <a:tailEnd type="none" w="med" len="med"/>
-                    </a:lnR>
-                    <a:lnT w="12700" cap="flat" cmpd="sng" algn="ctr">
-                      <a:solidFill>
-                        <a:schemeClr val="tx1"/>
-                      </a:solidFill>
-                      <a:prstDash val="solid"/>
-                      <a:round/>
-                      <a:headEnd type="none" w="med" len="med"/>
-                      <a:tailEnd type="none" w="med" len="med"/>
-                    </a:lnT>
-                    <a:lnB w="12700" cap="flat" cmpd="sng" algn="ctr">
-                      <a:solidFill>
-                        <a:schemeClr val="tx1"/>
-                      </a:solidFill>
-                      <a:prstDash val="solid"/>
-                      <a:round/>
-                      <a:headEnd type="none" w="med" len="med"/>
-                      <a:tailEnd type="none" w="med" len="med"/>
-                    </a:lnB>
-                    <a:noFill/>
-                  </a:tcPr>
-                </a:tc>
-                <a:tc>
-                  <a:txBody>
-                    <a:bodyPr/>
-                    <a:lstStyle/>
-                    <a:p>
-                      <a:pPr latinLnBrk="1"/>
-                      <a:r>
-                        <a:rPr lang="ko-KR" altLang="en-US" b="0" dirty="0">
-                          <a:solidFill>
-                            <a:schemeClr val="tx1"/>
-                          </a:solidFill>
-                        </a:rPr>
-                        <a:t>퀘스트 발생 시 자동으로 </a:t>
-                      </a:r>
-                      <a:r>
-                        <a:rPr lang="en-US" altLang="ko-KR" b="0" dirty="0">
-                          <a:solidFill>
-                            <a:schemeClr val="tx1"/>
-                          </a:solidFill>
-                        </a:rPr>
-                        <a:t>PC</a:t>
-                      </a:r>
-                      <a:r>
-                        <a:rPr lang="ko-KR" altLang="en-US" b="0" dirty="0">
-                          <a:solidFill>
-                            <a:schemeClr val="tx1"/>
-                          </a:solidFill>
-                        </a:rPr>
-                        <a:t>에게 부여됨</a:t>
-                      </a:r>
-                      <a:endParaRPr lang="en-US" altLang="ko-KR" b="0" dirty="0">
-                        <a:solidFill>
-                          <a:schemeClr val="tx1"/>
-                        </a:solidFill>
-                      </a:endParaRPr>
-                    </a:p>
-                  </a:txBody>
-                  <a:tcPr anchor="ctr">
-                    <a:lnL w="12700" cap="flat" cmpd="sng" algn="ctr">
-                      <a:solidFill>
-                        <a:schemeClr val="tx1"/>
-                      </a:solidFill>
-                      <a:prstDash val="solid"/>
-                      <a:round/>
-                      <a:headEnd type="none" w="med" len="med"/>
-                      <a:tailEnd type="none" w="med" len="med"/>
-                    </a:lnL>
-                    <a:lnR w="12700" cap="flat" cmpd="sng" algn="ctr">
-                      <a:solidFill>
-                        <a:schemeClr val="tx1"/>
-                      </a:solidFill>
-                      <a:prstDash val="solid"/>
-                      <a:round/>
-                      <a:headEnd type="none" w="med" len="med"/>
-                      <a:tailEnd type="none" w="med" len="med"/>
-                    </a:lnR>
-                    <a:lnT w="12700" cap="flat" cmpd="sng" algn="ctr">
-                      <a:solidFill>
-                        <a:schemeClr val="tx1"/>
-                      </a:solidFill>
-                      <a:prstDash val="solid"/>
-                      <a:round/>
-                      <a:headEnd type="none" w="med" len="med"/>
-                      <a:tailEnd type="none" w="med" len="med"/>
-                    </a:lnT>
-                    <a:lnB w="12700" cap="flat" cmpd="sng" algn="ctr">
-                      <a:solidFill>
-                        <a:schemeClr val="tx1"/>
-                      </a:solidFill>
-                      <a:prstDash val="solid"/>
-                      <a:round/>
-                      <a:headEnd type="none" w="med" len="med"/>
-                      <a:tailEnd type="none" w="med" len="med"/>
-                    </a:lnB>
-                    <a:noFill/>
-                  </a:tcPr>
-                </a:tc>
-                <a:extLst>
-                  <a:ext uri="{0D108BD9-81ED-4DB2-BD59-A6C34878D82A}">
-                    <a16:rowId xmlns:a16="http://schemas.microsoft.com/office/drawing/2014/main" val="1368276278"/>
-                  </a:ext>
-                </a:extLst>
-              </a:tr>
-              <a:tr h="0">
-                <a:tc vMerge="1">
-                  <a:txBody>
-                    <a:bodyPr/>
-                    <a:lstStyle/>
-                    <a:p>
-                      <a:pPr latinLnBrk="1"/>
-                      <a:endParaRPr lang="ko-KR" altLang="en-US"/>
-                    </a:p>
-                  </a:txBody>
-                  <a:tcPr/>
-                </a:tc>
-                <a:tc>
-                  <a:txBody>
-                    <a:bodyPr/>
-                    <a:lstStyle/>
-                    <a:p>
-                      <a:pPr marL="0" marR="0" lvl="0" indent="0" algn="l" defTabSz="914400" rtl="0" eaLnBrk="1" fontAlgn="auto" latinLnBrk="1" hangingPunct="1">
-                        <a:lnSpc>
-                          <a:spcPct val="100000"/>
-                        </a:lnSpc>
-                        <a:spcBef>
-                          <a:spcPts val="0"/>
-                        </a:spcBef>
-                        <a:spcAft>
-                          <a:spcPts val="0"/>
-                        </a:spcAft>
-                        <a:buClrTx/>
-                        <a:buSzTx/>
-                        <a:buFontTx/>
-                        <a:buNone/>
-                        <a:tabLst/>
-                        <a:defRPr/>
-                      </a:pPr>
-                      <a:r>
-                        <a:rPr lang="ko-KR" altLang="en-US" b="0" dirty="0">
-                          <a:solidFill>
-                            <a:schemeClr val="tx1"/>
-                          </a:solidFill>
-                        </a:rPr>
-                        <a:t>수동</a:t>
-                      </a:r>
-                      <a:endParaRPr lang="en-US" altLang="ko-KR" b="0" dirty="0">
-                        <a:solidFill>
-                          <a:schemeClr val="tx1"/>
-                        </a:solidFill>
-                      </a:endParaRPr>
-                    </a:p>
-                  </a:txBody>
-                  <a:tcPr anchor="ctr">
-                    <a:lnL w="12700" cap="flat" cmpd="sng" algn="ctr">
-                      <a:solidFill>
-                        <a:schemeClr val="tx1"/>
-                      </a:solidFill>
-                      <a:prstDash val="solid"/>
-                      <a:round/>
-                      <a:headEnd type="none" w="med" len="med"/>
-                      <a:tailEnd type="none" w="med" len="med"/>
-                    </a:lnL>
-                    <a:lnR w="12700" cap="flat" cmpd="sng" algn="ctr">
-                      <a:solidFill>
-                        <a:schemeClr val="tx1"/>
-                      </a:solidFill>
-                      <a:prstDash val="solid"/>
-                      <a:round/>
-                      <a:headEnd type="none" w="med" len="med"/>
-                      <a:tailEnd type="none" w="med" len="med"/>
-                    </a:lnR>
-                    <a:lnT w="12700" cap="flat" cmpd="sng" algn="ctr">
-                      <a:solidFill>
-                        <a:schemeClr val="tx1"/>
-                      </a:solidFill>
-                      <a:prstDash val="solid"/>
-                      <a:round/>
-                      <a:headEnd type="none" w="med" len="med"/>
-                      <a:tailEnd type="none" w="med" len="med"/>
-                    </a:lnT>
-                    <a:lnB w="12700" cap="flat" cmpd="sng" algn="ctr">
-                      <a:solidFill>
-                        <a:schemeClr val="tx1"/>
-                      </a:solidFill>
-                      <a:prstDash val="solid"/>
-                      <a:round/>
-                      <a:headEnd type="none" w="med" len="med"/>
-                      <a:tailEnd type="none" w="med" len="med"/>
-                    </a:lnB>
-                    <a:noFill/>
-                  </a:tcPr>
-                </a:tc>
-                <a:tc>
-                  <a:txBody>
-                    <a:bodyPr/>
-                    <a:lstStyle/>
-                    <a:p>
-                      <a:pPr marL="0" marR="0" lvl="0" indent="0" algn="l" defTabSz="914400" rtl="0" eaLnBrk="1" fontAlgn="auto" latinLnBrk="1" hangingPunct="1">
-                        <a:lnSpc>
-                          <a:spcPct val="100000"/>
-                        </a:lnSpc>
-                        <a:spcBef>
-                          <a:spcPts val="0"/>
-                        </a:spcBef>
-                        <a:spcAft>
-                          <a:spcPts val="0"/>
-                        </a:spcAft>
-                        <a:buClrTx/>
-                        <a:buSzTx/>
-                        <a:buFontTx/>
-                        <a:buNone/>
-                        <a:tabLst/>
-                        <a:defRPr/>
-                      </a:pPr>
-                      <a:r>
-                        <a:rPr lang="ko-KR" altLang="en-US" b="0" dirty="0">
-                          <a:solidFill>
-                            <a:schemeClr val="tx1"/>
-                          </a:solidFill>
-                        </a:rPr>
-                        <a:t>퀘스트 발생 시 </a:t>
-                      </a:r>
-                      <a:r>
-                        <a:rPr lang="en-US" altLang="ko-KR" b="0" dirty="0">
-                          <a:solidFill>
-                            <a:schemeClr val="tx1"/>
-                          </a:solidFill>
-                        </a:rPr>
-                        <a:t>PC</a:t>
-                      </a:r>
-                      <a:r>
-                        <a:rPr lang="ko-KR" altLang="en-US" b="0" dirty="0">
-                          <a:solidFill>
-                            <a:schemeClr val="tx1"/>
-                          </a:solidFill>
-                        </a:rPr>
-                        <a:t>가 직접 해당 </a:t>
-                      </a:r>
-                      <a:r>
-                        <a:rPr lang="en-US" altLang="ko-KR" b="0" dirty="0">
-                          <a:solidFill>
-                            <a:schemeClr val="tx1"/>
-                          </a:solidFill>
-                        </a:rPr>
-                        <a:t>NPC, </a:t>
-                      </a:r>
-                      <a:r>
-                        <a:rPr lang="ko-KR" altLang="en-US" b="0" dirty="0">
-                          <a:solidFill>
-                            <a:schemeClr val="tx1"/>
-                          </a:solidFill>
-                        </a:rPr>
-                        <a:t>오브젝트와 상호작용하여 퀘스트를 수락</a:t>
-                      </a:r>
-                      <a:endParaRPr lang="en-US" altLang="ko-KR" b="0" dirty="0">
-                        <a:solidFill>
-                          <a:schemeClr val="tx1"/>
-                        </a:solidFill>
-                      </a:endParaRPr>
-                    </a:p>
-                  </a:txBody>
-                  <a:tcPr anchor="ctr">
-                    <a:lnL w="12700" cap="flat" cmpd="sng" algn="ctr">
-                      <a:solidFill>
-                        <a:schemeClr val="tx1"/>
-                      </a:solidFill>
-                      <a:prstDash val="solid"/>
-                      <a:round/>
-                      <a:headEnd type="none" w="med" len="med"/>
-                      <a:tailEnd type="none" w="med" len="med"/>
-                    </a:lnL>
-                    <a:lnR w="12700" cap="flat" cmpd="sng" algn="ctr">
-                      <a:solidFill>
-                        <a:schemeClr val="tx1"/>
-                      </a:solidFill>
-                      <a:prstDash val="solid"/>
-                      <a:round/>
-                      <a:headEnd type="none" w="med" len="med"/>
-                      <a:tailEnd type="none" w="med" len="med"/>
-                    </a:lnR>
-                    <a:lnT w="12700" cap="flat" cmpd="sng" algn="ctr">
-                      <a:solidFill>
-                        <a:schemeClr val="tx1"/>
-                      </a:solidFill>
-                      <a:prstDash val="solid"/>
-                      <a:round/>
-                      <a:headEnd type="none" w="med" len="med"/>
-                      <a:tailEnd type="none" w="med" len="med"/>
-                    </a:lnT>
-                    <a:lnB w="12700" cap="flat" cmpd="sng" algn="ctr">
-                      <a:solidFill>
-                        <a:schemeClr val="tx1"/>
-                      </a:solidFill>
-                      <a:prstDash val="solid"/>
-                      <a:round/>
-                      <a:headEnd type="none" w="med" len="med"/>
-                      <a:tailEnd type="none" w="med" len="med"/>
-                    </a:lnB>
-                    <a:noFill/>
-                  </a:tcPr>
-                </a:tc>
-                <a:extLst>
-                  <a:ext uri="{0D108BD9-81ED-4DB2-BD59-A6C34878D82A}">
-                    <a16:rowId xmlns:a16="http://schemas.microsoft.com/office/drawing/2014/main" val="1449663003"/>
-                  </a:ext>
-                </a:extLst>
-              </a:tr>
-              <a:tr h="0">
-                <a:tc>
-                  <a:txBody>
-                    <a:bodyPr/>
-                    <a:lstStyle/>
-                    <a:p>
-                      <a:pPr algn="ctr" latinLnBrk="1"/>
-                      <a:r>
-                        <a:rPr lang="ko-KR" altLang="en-US" b="0" dirty="0">
-                          <a:solidFill>
-                            <a:schemeClr val="tx1"/>
-                          </a:solidFill>
-                        </a:rPr>
-                        <a:t>진행</a:t>
-                      </a:r>
-                    </a:p>
-                  </a:txBody>
-                  <a:tcPr anchor="ctr">
-                    <a:lnL w="12700" cap="flat" cmpd="sng" algn="ctr">
-                      <a:solidFill>
-                        <a:schemeClr val="tx1"/>
-                      </a:solidFill>
-                      <a:prstDash val="solid"/>
-                      <a:round/>
-                      <a:headEnd type="none" w="med" len="med"/>
-                      <a:tailEnd type="none" w="med" len="med"/>
-                    </a:lnL>
-                    <a:lnR w="12700" cap="flat" cmpd="sng" algn="ctr">
-                      <a:solidFill>
-                        <a:schemeClr val="tx1"/>
-                      </a:solidFill>
-                      <a:prstDash val="solid"/>
-                      <a:round/>
-                      <a:headEnd type="none" w="med" len="med"/>
-                      <a:tailEnd type="none" w="med" len="med"/>
-                    </a:lnR>
-                    <a:lnT w="12700" cap="flat" cmpd="sng" algn="ctr">
-                      <a:solidFill>
-                        <a:schemeClr val="tx1"/>
-                      </a:solidFill>
-                      <a:prstDash val="solid"/>
-                      <a:round/>
-                      <a:headEnd type="none" w="med" len="med"/>
-                      <a:tailEnd type="none" w="med" len="med"/>
-                    </a:lnT>
-                    <a:lnB w="12700" cap="flat" cmpd="sng" algn="ctr">
-                      <a:solidFill>
-                        <a:schemeClr val="tx1"/>
-                      </a:solidFill>
-                      <a:prstDash val="solid"/>
-                      <a:round/>
-                      <a:headEnd type="none" w="med" len="med"/>
-                      <a:tailEnd type="none" w="med" len="med"/>
-                    </a:lnB>
-                    <a:noFill/>
-                  </a:tcPr>
-                </a:tc>
-                <a:tc gridSpan="2">
-                  <a:txBody>
-                    <a:bodyPr/>
-                    <a:lstStyle/>
-                    <a:p>
-                      <a:pPr latinLnBrk="1"/>
-                      <a:r>
-                        <a:rPr lang="ko-KR" altLang="en-US" b="0" dirty="0">
-                          <a:solidFill>
-                            <a:schemeClr val="tx1"/>
-                          </a:solidFill>
-                        </a:rPr>
-                        <a:t>완료 목표는 퀘스트 당 최대 </a:t>
-                      </a:r>
-                      <a:r>
-                        <a:rPr lang="en-US" altLang="ko-KR" b="0" dirty="0">
-                          <a:solidFill>
-                            <a:schemeClr val="tx1"/>
-                          </a:solidFill>
-                        </a:rPr>
-                        <a:t>3</a:t>
-                      </a:r>
-                      <a:r>
-                        <a:rPr lang="ko-KR" altLang="en-US" b="0" dirty="0">
-                          <a:solidFill>
-                            <a:schemeClr val="tx1"/>
-                          </a:solidFill>
-                        </a:rPr>
-                        <a:t>개 까지 있음</a:t>
-                      </a:r>
-                      <a:endParaRPr lang="en-US" altLang="ko-KR" b="0" dirty="0">
-                        <a:solidFill>
-                          <a:schemeClr val="tx1"/>
-                        </a:solidFill>
-                      </a:endParaRPr>
-                    </a:p>
-                    <a:p>
-                      <a:pPr latinLnBrk="1"/>
-                      <a:r>
-                        <a:rPr lang="ko-KR" altLang="en-US" b="0" dirty="0">
-                          <a:solidFill>
-                            <a:schemeClr val="tx1"/>
-                          </a:solidFill>
-                        </a:rPr>
-                        <a:t>퀘스트 목표는 토벌</a:t>
-                      </a:r>
-                      <a:r>
-                        <a:rPr lang="en-US" altLang="ko-KR" b="0" dirty="0">
-                          <a:solidFill>
-                            <a:schemeClr val="tx1"/>
-                          </a:solidFill>
-                        </a:rPr>
-                        <a:t>, </a:t>
-                      </a:r>
-                      <a:r>
-                        <a:rPr lang="ko-KR" altLang="en-US" b="0" dirty="0">
-                          <a:solidFill>
-                            <a:schemeClr val="tx1"/>
-                          </a:solidFill>
-                        </a:rPr>
-                        <a:t>수집</a:t>
-                      </a:r>
-                      <a:r>
-                        <a:rPr lang="en-US" altLang="ko-KR" b="0" dirty="0">
-                          <a:solidFill>
-                            <a:schemeClr val="tx1"/>
-                          </a:solidFill>
-                        </a:rPr>
-                        <a:t>, </a:t>
-                      </a:r>
-                      <a:r>
-                        <a:rPr lang="ko-KR" altLang="en-US" b="0" dirty="0">
-                          <a:solidFill>
-                            <a:schemeClr val="tx1"/>
-                          </a:solidFill>
-                        </a:rPr>
-                        <a:t>탐사</a:t>
-                      </a:r>
-                      <a:r>
-                        <a:rPr lang="en-US" altLang="ko-KR" b="0" dirty="0">
-                          <a:solidFill>
-                            <a:schemeClr val="tx1"/>
-                          </a:solidFill>
-                        </a:rPr>
-                        <a:t>, </a:t>
-                      </a:r>
-                      <a:r>
-                        <a:rPr lang="ko-KR" altLang="en-US" b="0" dirty="0">
-                          <a:solidFill>
-                            <a:schemeClr val="tx1"/>
-                          </a:solidFill>
-                        </a:rPr>
-                        <a:t>호위</a:t>
-                      </a:r>
-                      <a:r>
-                        <a:rPr lang="en-US" altLang="ko-KR" b="0" dirty="0">
-                          <a:solidFill>
-                            <a:schemeClr val="tx1"/>
-                          </a:solidFill>
-                        </a:rPr>
-                        <a:t>, </a:t>
-                      </a:r>
-                      <a:r>
-                        <a:rPr lang="ko-KR" altLang="en-US" b="0" dirty="0">
-                          <a:solidFill>
-                            <a:schemeClr val="tx1"/>
-                          </a:solidFill>
-                        </a:rPr>
-                        <a:t>배달</a:t>
-                      </a:r>
-                      <a:r>
-                        <a:rPr lang="en-US" altLang="ko-KR" b="0" dirty="0">
-                          <a:solidFill>
-                            <a:schemeClr val="tx1"/>
-                          </a:solidFill>
-                        </a:rPr>
-                        <a:t>, </a:t>
-                      </a:r>
-                      <a:r>
-                        <a:rPr lang="ko-KR" altLang="en-US" b="0" dirty="0">
-                          <a:solidFill>
-                            <a:schemeClr val="tx1"/>
-                          </a:solidFill>
-                        </a:rPr>
-                        <a:t>대화</a:t>
-                      </a:r>
-                      <a:r>
-                        <a:rPr lang="en-US" altLang="ko-KR" b="0" dirty="0">
-                          <a:solidFill>
-                            <a:schemeClr val="tx1"/>
-                          </a:solidFill>
-                        </a:rPr>
-                        <a:t>, </a:t>
-                      </a:r>
-                      <a:r>
-                        <a:rPr lang="ko-KR" altLang="en-US" b="0" dirty="0">
-                          <a:solidFill>
-                            <a:schemeClr val="tx1"/>
-                          </a:solidFill>
-                        </a:rPr>
-                        <a:t>생존이 있다</a:t>
-                      </a:r>
-                      <a:r>
-                        <a:rPr lang="en-US" altLang="ko-KR" b="0" dirty="0">
-                          <a:solidFill>
-                            <a:schemeClr val="tx1"/>
-                          </a:solidFill>
-                        </a:rPr>
-                        <a:t>.</a:t>
-                      </a:r>
-                      <a:endParaRPr lang="ko-KR" altLang="en-US" b="0" dirty="0">
-                        <a:solidFill>
-                          <a:schemeClr val="tx1"/>
-                        </a:solidFill>
-                      </a:endParaRPr>
-                    </a:p>
-                  </a:txBody>
-                  <a:tcPr anchor="ctr">
-                    <a:lnL w="12700" cap="flat" cmpd="sng" algn="ctr">
-                      <a:solidFill>
-                        <a:schemeClr val="tx1"/>
-                      </a:solidFill>
-                      <a:prstDash val="solid"/>
-                      <a:round/>
-                      <a:headEnd type="none" w="med" len="med"/>
-                      <a:tailEnd type="none" w="med" len="med"/>
-                    </a:lnL>
-                    <a:lnR w="12700" cap="flat" cmpd="sng" algn="ctr">
-                      <a:solidFill>
-                        <a:schemeClr val="tx1"/>
-                      </a:solidFill>
-                      <a:prstDash val="solid"/>
-                      <a:round/>
-                      <a:headEnd type="none" w="med" len="med"/>
-                      <a:tailEnd type="none" w="med" len="med"/>
-                    </a:lnR>
-                    <a:lnT w="12700" cap="flat" cmpd="sng" algn="ctr">
-                      <a:solidFill>
-                        <a:schemeClr val="tx1"/>
-                      </a:solidFill>
-                      <a:prstDash val="solid"/>
-                      <a:round/>
-                      <a:headEnd type="none" w="med" len="med"/>
-                      <a:tailEnd type="none" w="med" len="med"/>
-                    </a:lnT>
-                    <a:lnB w="12700" cap="flat" cmpd="sng" algn="ctr">
-                      <a:solidFill>
-                        <a:schemeClr val="tx1"/>
-                      </a:solidFill>
-                      <a:prstDash val="solid"/>
-                      <a:round/>
-                      <a:headEnd type="none" w="med" len="med"/>
-                      <a:tailEnd type="none" w="med" len="med"/>
-                    </a:lnB>
-                    <a:noFill/>
-                  </a:tcPr>
-                </a:tc>
-                <a:tc hMerge="1">
-                  <a:txBody>
-                    <a:bodyPr/>
-                    <a:lstStyle/>
-                    <a:p>
-                      <a:pPr latinLnBrk="1"/>
-                      <a:endParaRPr lang="ko-KR" altLang="en-US"/>
-                    </a:p>
-                  </a:txBody>
-                  <a:tcPr/>
-                </a:tc>
-                <a:extLst>
-                  <a:ext uri="{0D108BD9-81ED-4DB2-BD59-A6C34878D82A}">
-                    <a16:rowId xmlns:a16="http://schemas.microsoft.com/office/drawing/2014/main" val="3428820987"/>
-                  </a:ext>
-                </a:extLst>
-              </a:tr>
-              <a:tr h="0">
-                <a:tc rowSpan="2">
-                  <a:txBody>
-                    <a:bodyPr/>
-                    <a:lstStyle/>
-                    <a:p>
-                      <a:pPr algn="ctr" latinLnBrk="1"/>
-                      <a:r>
-                        <a:rPr lang="ko-KR" altLang="en-US" b="0" dirty="0">
-                          <a:solidFill>
-                            <a:schemeClr val="tx1"/>
-                          </a:solidFill>
-                        </a:rPr>
-                        <a:t>완료</a:t>
-                      </a:r>
-                    </a:p>
-                  </a:txBody>
-                  <a:tcPr anchor="ctr">
-                    <a:lnL w="12700" cap="flat" cmpd="sng" algn="ctr">
-                      <a:solidFill>
-                        <a:schemeClr val="tx1"/>
-                      </a:solidFill>
-                      <a:prstDash val="solid"/>
-                      <a:round/>
-                      <a:headEnd type="none" w="med" len="med"/>
-                      <a:tailEnd type="none" w="med" len="med"/>
-                    </a:lnL>
-                    <a:lnR w="12700" cap="flat" cmpd="sng" algn="ctr">
-                      <a:solidFill>
-                        <a:schemeClr val="tx1"/>
-                      </a:solidFill>
-                      <a:prstDash val="solid"/>
-                      <a:round/>
-                      <a:headEnd type="none" w="med" len="med"/>
-                      <a:tailEnd type="none" w="med" len="med"/>
-                    </a:lnR>
-                    <a:lnT w="12700" cap="flat" cmpd="sng" algn="ctr">
-                      <a:solidFill>
-                        <a:schemeClr val="tx1"/>
-                      </a:solidFill>
-                      <a:prstDash val="solid"/>
-                      <a:round/>
-                      <a:headEnd type="none" w="med" len="med"/>
-                      <a:tailEnd type="none" w="med" len="med"/>
-                    </a:lnT>
-                    <a:lnB w="12700" cap="flat" cmpd="sng" algn="ctr">
-                      <a:solidFill>
-                        <a:schemeClr val="tx1"/>
-                      </a:solidFill>
-                      <a:prstDash val="solid"/>
-                      <a:round/>
-                      <a:headEnd type="none" w="med" len="med"/>
-                      <a:tailEnd type="none" w="med" len="med"/>
-                    </a:lnB>
-                    <a:noFill/>
-                  </a:tcPr>
-                </a:tc>
-                <a:tc>
-                  <a:txBody>
-                    <a:bodyPr/>
-                    <a:lstStyle/>
-                    <a:p>
-                      <a:pPr latinLnBrk="1"/>
-                      <a:r>
-                        <a:rPr lang="ko-KR" altLang="en-US" b="0" dirty="0">
-                          <a:solidFill>
-                            <a:schemeClr val="tx1"/>
-                          </a:solidFill>
-                        </a:rPr>
-                        <a:t>자동</a:t>
-                      </a:r>
-                      <a:endParaRPr lang="en-US" altLang="ko-KR" b="0" dirty="0">
-                        <a:solidFill>
-                          <a:schemeClr val="tx1"/>
-                        </a:solidFill>
-                      </a:endParaRPr>
-                    </a:p>
-                  </a:txBody>
-                  <a:tcPr anchor="ctr">
-                    <a:lnL w="12700" cap="flat" cmpd="sng" algn="ctr">
-                      <a:solidFill>
-                        <a:schemeClr val="tx1"/>
-                      </a:solidFill>
-                      <a:prstDash val="solid"/>
-                      <a:round/>
-                      <a:headEnd type="none" w="med" len="med"/>
-                      <a:tailEnd type="none" w="med" len="med"/>
-                    </a:lnL>
-                    <a:lnR w="12700" cap="flat" cmpd="sng" algn="ctr">
-                      <a:solidFill>
-                        <a:schemeClr val="tx1"/>
-                      </a:solidFill>
-                      <a:prstDash val="solid"/>
-                      <a:round/>
-                      <a:headEnd type="none" w="med" len="med"/>
-                      <a:tailEnd type="none" w="med" len="med"/>
-                    </a:lnR>
-                    <a:lnT w="12700" cap="flat" cmpd="sng" algn="ctr">
-                      <a:solidFill>
-                        <a:schemeClr val="tx1"/>
-                      </a:solidFill>
-                      <a:prstDash val="solid"/>
-                      <a:round/>
-                      <a:headEnd type="none" w="med" len="med"/>
-                      <a:tailEnd type="none" w="med" len="med"/>
-                    </a:lnT>
-                    <a:lnB w="12700" cap="flat" cmpd="sng" algn="ctr">
-                      <a:solidFill>
-                        <a:schemeClr val="tx1"/>
-                      </a:solidFill>
-                      <a:prstDash val="solid"/>
-                      <a:round/>
-                      <a:headEnd type="none" w="med" len="med"/>
-                      <a:tailEnd type="none" w="med" len="med"/>
-                    </a:lnB>
-                    <a:noFill/>
-                  </a:tcPr>
-                </a:tc>
-                <a:tc>
-                  <a:txBody>
-                    <a:bodyPr/>
-                    <a:lstStyle/>
-                    <a:p>
-                      <a:pPr latinLnBrk="1"/>
-                      <a:r>
-                        <a:rPr lang="ko-KR" altLang="en-US" b="0" dirty="0">
-                          <a:solidFill>
-                            <a:schemeClr val="tx1"/>
-                          </a:solidFill>
-                        </a:rPr>
-                        <a:t>퀘스트 목표 달성 시 자동 완료 </a:t>
-                      </a:r>
-                      <a:endParaRPr lang="en-US" altLang="ko-KR" b="0" dirty="0">
-                        <a:solidFill>
-                          <a:schemeClr val="tx1"/>
-                        </a:solidFill>
-                      </a:endParaRPr>
-                    </a:p>
-                  </a:txBody>
-                  <a:tcPr anchor="ctr">
-                    <a:lnL w="12700" cap="flat" cmpd="sng" algn="ctr">
-                      <a:solidFill>
-                        <a:schemeClr val="tx1"/>
-                      </a:solidFill>
-                      <a:prstDash val="solid"/>
-                      <a:round/>
-                      <a:headEnd type="none" w="med" len="med"/>
-                      <a:tailEnd type="none" w="med" len="med"/>
-                    </a:lnL>
-                    <a:lnR w="12700" cap="flat" cmpd="sng" algn="ctr">
-                      <a:solidFill>
-                        <a:schemeClr val="tx1"/>
-                      </a:solidFill>
-                      <a:prstDash val="solid"/>
-                      <a:round/>
-                      <a:headEnd type="none" w="med" len="med"/>
-                      <a:tailEnd type="none" w="med" len="med"/>
-                    </a:lnR>
-                    <a:lnT w="12700" cap="flat" cmpd="sng" algn="ctr">
-                      <a:solidFill>
-                        <a:schemeClr val="tx1"/>
-                      </a:solidFill>
-                      <a:prstDash val="solid"/>
-                      <a:round/>
-                      <a:headEnd type="none" w="med" len="med"/>
-                      <a:tailEnd type="none" w="med" len="med"/>
-                    </a:lnT>
-                    <a:lnB w="12700" cap="flat" cmpd="sng" algn="ctr">
-                      <a:solidFill>
-                        <a:schemeClr val="tx1"/>
-                      </a:solidFill>
-                      <a:prstDash val="solid"/>
-                      <a:round/>
-                      <a:headEnd type="none" w="med" len="med"/>
-                      <a:tailEnd type="none" w="med" len="med"/>
-                    </a:lnB>
-                    <a:noFill/>
-                  </a:tcPr>
-                </a:tc>
-                <a:extLst>
-                  <a:ext uri="{0D108BD9-81ED-4DB2-BD59-A6C34878D82A}">
-                    <a16:rowId xmlns:a16="http://schemas.microsoft.com/office/drawing/2014/main" val="777245989"/>
-                  </a:ext>
-                </a:extLst>
-              </a:tr>
-              <a:tr h="0">
-                <a:tc vMerge="1">
-                  <a:txBody>
-                    <a:bodyPr/>
-                    <a:lstStyle/>
-                    <a:p>
-                      <a:pPr latinLnBrk="1"/>
-                      <a:endParaRPr lang="ko-KR" altLang="en-US"/>
-                    </a:p>
-                  </a:txBody>
-                  <a:tcPr/>
-                </a:tc>
-                <a:tc>
-                  <a:txBody>
-                    <a:bodyPr/>
-                    <a:lstStyle/>
-                    <a:p>
-                      <a:pPr marL="0" marR="0" lvl="0" indent="0" algn="l" defTabSz="914400" rtl="0" eaLnBrk="1" fontAlgn="auto" latinLnBrk="1" hangingPunct="1">
-                        <a:lnSpc>
-                          <a:spcPct val="100000"/>
-                        </a:lnSpc>
-                        <a:spcBef>
-                          <a:spcPts val="0"/>
-                        </a:spcBef>
-                        <a:spcAft>
-                          <a:spcPts val="0"/>
-                        </a:spcAft>
-                        <a:buClrTx/>
-                        <a:buSzTx/>
-                        <a:buFontTx/>
-                        <a:buNone/>
-                        <a:tabLst/>
-                        <a:defRPr/>
-                      </a:pPr>
-                      <a:r>
-                        <a:rPr lang="ko-KR" altLang="en-US" b="0" dirty="0">
-                          <a:solidFill>
-                            <a:schemeClr val="tx1"/>
-                          </a:solidFill>
-                        </a:rPr>
-                        <a:t>수동</a:t>
-                      </a:r>
-                    </a:p>
-                  </a:txBody>
-                  <a:tcPr anchor="ctr">
-                    <a:lnL w="12700" cap="flat" cmpd="sng" algn="ctr">
-                      <a:solidFill>
-                        <a:schemeClr val="tx1"/>
-                      </a:solidFill>
-                      <a:prstDash val="solid"/>
-                      <a:round/>
-                      <a:headEnd type="none" w="med" len="med"/>
-                      <a:tailEnd type="none" w="med" len="med"/>
-                    </a:lnL>
-                    <a:lnR w="12700" cap="flat" cmpd="sng" algn="ctr">
-                      <a:solidFill>
-                        <a:schemeClr val="tx1"/>
-                      </a:solidFill>
-                      <a:prstDash val="solid"/>
-                      <a:round/>
-                      <a:headEnd type="none" w="med" len="med"/>
-                      <a:tailEnd type="none" w="med" len="med"/>
-                    </a:lnR>
-                    <a:lnT w="12700" cap="flat" cmpd="sng" algn="ctr">
-                      <a:solidFill>
-                        <a:schemeClr val="tx1"/>
-                      </a:solidFill>
-                      <a:prstDash val="solid"/>
-                      <a:round/>
-                      <a:headEnd type="none" w="med" len="med"/>
-                      <a:tailEnd type="none" w="med" len="med"/>
-                    </a:lnT>
-                    <a:lnB w="12700" cap="flat" cmpd="sng" algn="ctr">
-                      <a:solidFill>
-                        <a:schemeClr val="tx1"/>
-                      </a:solidFill>
-                      <a:prstDash val="solid"/>
-                      <a:round/>
-                      <a:headEnd type="none" w="med" len="med"/>
-                      <a:tailEnd type="none" w="med" len="med"/>
-                    </a:lnB>
-                    <a:noFill/>
-                  </a:tcPr>
-                </a:tc>
-                <a:tc>
-                  <a:txBody>
-                    <a:bodyPr/>
-                    <a:lstStyle/>
-                    <a:p>
-                      <a:pPr marL="0" marR="0" lvl="0" indent="0" algn="l" defTabSz="914400" rtl="0" eaLnBrk="1" fontAlgn="auto" latinLnBrk="1" hangingPunct="1">
-                        <a:lnSpc>
-                          <a:spcPct val="100000"/>
-                        </a:lnSpc>
-                        <a:spcBef>
-                          <a:spcPts val="0"/>
-                        </a:spcBef>
-                        <a:spcAft>
-                          <a:spcPts val="0"/>
-                        </a:spcAft>
-                        <a:buClrTx/>
-                        <a:buSzTx/>
-                        <a:buFontTx/>
-                        <a:buNone/>
-                        <a:tabLst/>
-                        <a:defRPr/>
-                      </a:pPr>
-                      <a:r>
-                        <a:rPr lang="ko-KR" altLang="en-US" b="0" dirty="0">
-                          <a:solidFill>
-                            <a:schemeClr val="tx1"/>
-                          </a:solidFill>
-                        </a:rPr>
-                        <a:t>퀘스트 목표 달성 후 </a:t>
-                      </a:r>
-                      <a:r>
-                        <a:rPr lang="en-US" altLang="ko-KR" b="0" dirty="0">
-                          <a:solidFill>
-                            <a:schemeClr val="tx1"/>
-                          </a:solidFill>
-                        </a:rPr>
-                        <a:t>NPC, </a:t>
-                      </a:r>
-                      <a:r>
-                        <a:rPr lang="ko-KR" altLang="en-US" b="0" dirty="0">
-                          <a:solidFill>
-                            <a:schemeClr val="tx1"/>
-                          </a:solidFill>
-                        </a:rPr>
-                        <a:t>오브젝트와 상호작용하여 완료</a:t>
-                      </a:r>
-                    </a:p>
-                  </a:txBody>
-                  <a:tcPr anchor="ctr">
-                    <a:lnL w="12700" cap="flat" cmpd="sng" algn="ctr">
-                      <a:solidFill>
-                        <a:schemeClr val="tx1"/>
-                      </a:solidFill>
-                      <a:prstDash val="solid"/>
-                      <a:round/>
-                      <a:headEnd type="none" w="med" len="med"/>
-                      <a:tailEnd type="none" w="med" len="med"/>
-                    </a:lnL>
-                    <a:lnR w="12700" cap="flat" cmpd="sng" algn="ctr">
-                      <a:solidFill>
-                        <a:schemeClr val="tx1"/>
-                      </a:solidFill>
-                      <a:prstDash val="solid"/>
-                      <a:round/>
-                      <a:headEnd type="none" w="med" len="med"/>
-                      <a:tailEnd type="none" w="med" len="med"/>
-                    </a:lnR>
-                    <a:lnT w="12700" cap="flat" cmpd="sng" algn="ctr">
-                      <a:solidFill>
-                        <a:schemeClr val="tx1"/>
-                      </a:solidFill>
-                      <a:prstDash val="solid"/>
-                      <a:round/>
-                      <a:headEnd type="none" w="med" len="med"/>
-                      <a:tailEnd type="none" w="med" len="med"/>
-                    </a:lnT>
-                    <a:lnB w="12700" cap="flat" cmpd="sng" algn="ctr">
-                      <a:solidFill>
-                        <a:schemeClr val="tx1"/>
-                      </a:solidFill>
-                      <a:prstDash val="solid"/>
-                      <a:round/>
-                      <a:headEnd type="none" w="med" len="med"/>
-                      <a:tailEnd type="none" w="med" len="med"/>
-                    </a:lnB>
-                    <a:noFill/>
-                  </a:tcPr>
-                </a:tc>
-                <a:extLst>
-                  <a:ext uri="{0D108BD9-81ED-4DB2-BD59-A6C34878D82A}">
-                    <a16:rowId xmlns:a16="http://schemas.microsoft.com/office/drawing/2014/main" val="1794465151"/>
-                  </a:ext>
-                </a:extLst>
-              </a:tr>
-            </a:tbl>
-          </a:graphicData>
-        </a:graphic>
-      </p:graphicFrame>
-    </p:spTree>
-    <p:extLst>
-      <p:ext uri="{BB962C8B-B14F-4D97-AF65-F5344CB8AC3E}">
-        <p14:creationId xmlns:p14="http://schemas.microsoft.com/office/powerpoint/2010/main" val="2611688586"/>
+        <p14:creationId xmlns:p14="http://schemas.microsoft.com/office/powerpoint/2010/main" val="1230611179"/>
       </p:ext>
     </p:extLst>
   </p:cSld>
@@ -10327,12 +9248,1999 @@
           <a:chExt cx="0" cy="0"/>
         </a:xfrm>
       </p:grpSpPr>
+      <p:graphicFrame>
+        <p:nvGraphicFramePr>
+          <p:cNvPr id="5" name="표 2">
+            <a:extLst>
+              <a:ext uri="{FF2B5EF4-FFF2-40B4-BE49-F238E27FC236}">
+                <a16:creationId xmlns:a16="http://schemas.microsoft.com/office/drawing/2014/main" id="{5637865C-88BD-4EA2-BDBD-0BDBB496803E}"/>
+              </a:ext>
+            </a:extLst>
+          </p:cNvPr>
+          <p:cNvGraphicFramePr>
+            <a:graphicFrameLocks noGrp="1"/>
+          </p:cNvGraphicFramePr>
+          <p:nvPr>
+            <p:extLst>
+              <p:ext uri="{D42A27DB-BD31-4B8C-83A1-F6EECF244321}">
+                <p14:modId xmlns:p14="http://schemas.microsoft.com/office/powerpoint/2010/main" val="1836149390"/>
+              </p:ext>
+            </p:extLst>
+          </p:nvPr>
+        </p:nvGraphicFramePr>
+        <p:xfrm>
+          <a:off x="4289742" y="1389380"/>
+          <a:ext cx="7207568" cy="4079240"/>
+        </p:xfrm>
+        <a:graphic>
+          <a:graphicData uri="http://schemas.openxmlformats.org/drawingml/2006/table">
+            <a:tbl>
+              <a:tblPr firstRow="1" bandRow="1">
+                <a:tableStyleId>{5C22544A-7EE6-4342-B048-85BDC9FD1C3A}</a:tableStyleId>
+              </a:tblPr>
+              <a:tblGrid>
+                <a:gridCol w="1233435">
+                  <a:extLst>
+                    <a:ext uri="{9D8B030D-6E8A-4147-A177-3AD203B41FA5}">
+                      <a16:colId xmlns:a16="http://schemas.microsoft.com/office/drawing/2014/main" val="2985730691"/>
+                    </a:ext>
+                  </a:extLst>
+                </a:gridCol>
+                <a:gridCol w="891047">
+                  <a:extLst>
+                    <a:ext uri="{9D8B030D-6E8A-4147-A177-3AD203B41FA5}">
+                      <a16:colId xmlns:a16="http://schemas.microsoft.com/office/drawing/2014/main" val="3934005646"/>
+                    </a:ext>
+                  </a:extLst>
+                </a:gridCol>
+                <a:gridCol w="5083086">
+                  <a:extLst>
+                    <a:ext uri="{9D8B030D-6E8A-4147-A177-3AD203B41FA5}">
+                      <a16:colId xmlns:a16="http://schemas.microsoft.com/office/drawing/2014/main" val="3556919162"/>
+                    </a:ext>
+                  </a:extLst>
+                </a:gridCol>
+              </a:tblGrid>
+              <a:tr h="370840">
+                <a:tc gridSpan="3">
+                  <a:txBody>
+                    <a:bodyPr/>
+                    <a:lstStyle/>
+                    <a:p>
+                      <a:pPr latinLnBrk="1"/>
+                      <a:r>
+                        <a:rPr lang="ko-KR" altLang="en-US" b="0" dirty="0">
+                          <a:solidFill>
+                            <a:schemeClr val="tx1"/>
+                          </a:solidFill>
+                        </a:rPr>
+                        <a:t>알림</a:t>
+                      </a:r>
+                    </a:p>
+                  </a:txBody>
+                  <a:tcPr>
+                    <a:lnL w="12700" cap="flat" cmpd="sng" algn="ctr">
+                      <a:noFill/>
+                      <a:prstDash val="solid"/>
+                      <a:round/>
+                      <a:headEnd type="none" w="med" len="med"/>
+                      <a:tailEnd type="none" w="med" len="med"/>
+                    </a:lnL>
+                    <a:lnR w="12700" cap="flat" cmpd="sng" algn="ctr">
+                      <a:noFill/>
+                      <a:prstDash val="solid"/>
+                      <a:round/>
+                      <a:headEnd type="none" w="med" len="med"/>
+                      <a:tailEnd type="none" w="med" len="med"/>
+                    </a:lnR>
+                    <a:lnT w="12700" cap="flat" cmpd="sng" algn="ctr">
+                      <a:noFill/>
+                      <a:prstDash val="solid"/>
+                      <a:round/>
+                      <a:headEnd type="none" w="med" len="med"/>
+                      <a:tailEnd type="none" w="med" len="med"/>
+                    </a:lnT>
+                    <a:lnB w="12700" cap="flat" cmpd="sng" algn="ctr">
+                      <a:solidFill>
+                        <a:schemeClr val="tx1"/>
+                      </a:solidFill>
+                      <a:prstDash val="solid"/>
+                      <a:round/>
+                      <a:headEnd type="none" w="med" len="med"/>
+                      <a:tailEnd type="none" w="med" len="med"/>
+                    </a:lnB>
+                    <a:lnTlToBr w="12700" cmpd="sng">
+                      <a:noFill/>
+                      <a:prstDash val="solid"/>
+                    </a:lnTlToBr>
+                    <a:lnBlToTr w="12700" cmpd="sng">
+                      <a:noFill/>
+                      <a:prstDash val="solid"/>
+                    </a:lnBlToTr>
+                    <a:solidFill>
+                      <a:schemeClr val="bg1">
+                        <a:lumMod val="95000"/>
+                      </a:schemeClr>
+                    </a:solidFill>
+                  </a:tcPr>
+                </a:tc>
+                <a:tc hMerge="1">
+                  <a:txBody>
+                    <a:bodyPr/>
+                    <a:lstStyle/>
+                    <a:p>
+                      <a:pPr latinLnBrk="1"/>
+                      <a:endParaRPr lang="ko-KR" altLang="en-US"/>
+                    </a:p>
+                  </a:txBody>
+                  <a:tcPr/>
+                </a:tc>
+                <a:tc hMerge="1">
+                  <a:txBody>
+                    <a:bodyPr/>
+                    <a:lstStyle/>
+                    <a:p>
+                      <a:pPr latinLnBrk="1"/>
+                      <a:endParaRPr lang="ko-KR" altLang="en-US"/>
+                    </a:p>
+                  </a:txBody>
+                  <a:tcPr/>
+                </a:tc>
+                <a:extLst>
+                  <a:ext uri="{0D108BD9-81ED-4DB2-BD59-A6C34878D82A}">
+                    <a16:rowId xmlns:a16="http://schemas.microsoft.com/office/drawing/2014/main" val="4232510737"/>
+                  </a:ext>
+                </a:extLst>
+              </a:tr>
+              <a:tr h="370840">
+                <a:tc gridSpan="3">
+                  <a:txBody>
+                    <a:bodyPr/>
+                    <a:lstStyle/>
+                    <a:p>
+                      <a:pPr marL="0" marR="0" lvl="0" indent="0" algn="l" defTabSz="914400" rtl="0" eaLnBrk="1" fontAlgn="auto" latinLnBrk="1" hangingPunct="1">
+                        <a:lnSpc>
+                          <a:spcPct val="100000"/>
+                        </a:lnSpc>
+                        <a:spcBef>
+                          <a:spcPts val="0"/>
+                        </a:spcBef>
+                        <a:spcAft>
+                          <a:spcPts val="0"/>
+                        </a:spcAft>
+                        <a:buClrTx/>
+                        <a:buSzTx/>
+                        <a:buFontTx/>
+                        <a:buNone/>
+                        <a:tabLst/>
+                        <a:defRPr/>
+                      </a:pPr>
+                      <a:r>
+                        <a:rPr lang="ko-KR" altLang="en-US" b="0">
+                          <a:solidFill>
+                            <a:schemeClr val="tx1"/>
+                          </a:solidFill>
+                        </a:rPr>
+                        <a:t>퀘스트 발생 조건은 레벨</a:t>
+                      </a:r>
+                      <a:r>
+                        <a:rPr lang="en-US" altLang="ko-KR" b="0">
+                          <a:solidFill>
+                            <a:schemeClr val="tx1"/>
+                          </a:solidFill>
+                        </a:rPr>
+                        <a:t>, </a:t>
+                      </a:r>
+                      <a:r>
+                        <a:rPr lang="ko-KR" altLang="en-US" b="0">
+                          <a:solidFill>
+                            <a:schemeClr val="tx1"/>
+                          </a:solidFill>
+                        </a:rPr>
+                        <a:t>시간</a:t>
+                      </a:r>
+                      <a:r>
+                        <a:rPr lang="en-US" altLang="ko-KR" b="0">
+                          <a:solidFill>
+                            <a:schemeClr val="tx1"/>
+                          </a:solidFill>
+                        </a:rPr>
+                        <a:t>, </a:t>
+                      </a:r>
+                      <a:r>
+                        <a:rPr lang="ko-KR" altLang="en-US" b="0">
+                          <a:solidFill>
+                            <a:schemeClr val="tx1"/>
+                          </a:solidFill>
+                        </a:rPr>
+                        <a:t>상호 작용 등이 있다</a:t>
+                      </a:r>
+                      <a:r>
+                        <a:rPr lang="en-US" altLang="ko-KR" b="0">
+                          <a:solidFill>
+                            <a:schemeClr val="tx1"/>
+                          </a:solidFill>
+                        </a:rPr>
+                        <a:t>.</a:t>
+                      </a:r>
+                      <a:endParaRPr lang="ko-KR" altLang="en-US" b="0">
+                        <a:solidFill>
+                          <a:schemeClr val="tx1"/>
+                        </a:solidFill>
+                      </a:endParaRPr>
+                    </a:p>
+                  </a:txBody>
+                  <a:tcPr>
+                    <a:lnL w="12700" cap="flat" cmpd="sng" algn="ctr">
+                      <a:noFill/>
+                      <a:prstDash val="solid"/>
+                      <a:round/>
+                      <a:headEnd type="none" w="med" len="med"/>
+                      <a:tailEnd type="none" w="med" len="med"/>
+                    </a:lnL>
+                    <a:lnR w="12700" cap="flat" cmpd="sng" algn="ctr">
+                      <a:noFill/>
+                      <a:prstDash val="solid"/>
+                      <a:round/>
+                      <a:headEnd type="none" w="med" len="med"/>
+                      <a:tailEnd type="none" w="med" len="med"/>
+                    </a:lnR>
+                    <a:lnT w="12700" cap="flat" cmpd="sng" algn="ctr">
+                      <a:solidFill>
+                        <a:schemeClr val="tx1"/>
+                      </a:solidFill>
+                      <a:prstDash val="solid"/>
+                      <a:round/>
+                      <a:headEnd type="none" w="med" len="med"/>
+                      <a:tailEnd type="none" w="med" len="med"/>
+                    </a:lnT>
+                    <a:lnB w="12700" cap="flat" cmpd="sng" algn="ctr">
+                      <a:solidFill>
+                        <a:schemeClr val="tx1"/>
+                      </a:solidFill>
+                      <a:prstDash val="solid"/>
+                      <a:round/>
+                      <a:headEnd type="none" w="med" len="med"/>
+                      <a:tailEnd type="none" w="med" len="med"/>
+                    </a:lnB>
+                    <a:lnTlToBr w="12700" cmpd="sng">
+                      <a:noFill/>
+                      <a:prstDash val="solid"/>
+                    </a:lnTlToBr>
+                    <a:lnBlToTr w="12700" cmpd="sng">
+                      <a:noFill/>
+                      <a:prstDash val="solid"/>
+                    </a:lnBlToTr>
+                    <a:noFill/>
+                  </a:tcPr>
+                </a:tc>
+                <a:tc hMerge="1">
+                  <a:txBody>
+                    <a:bodyPr/>
+                    <a:lstStyle/>
+                    <a:p>
+                      <a:pPr latinLnBrk="1"/>
+                      <a:endParaRPr lang="ko-KR" altLang="en-US"/>
+                    </a:p>
+                  </a:txBody>
+                  <a:tcPr/>
+                </a:tc>
+                <a:tc hMerge="1">
+                  <a:txBody>
+                    <a:bodyPr/>
+                    <a:lstStyle/>
+                    <a:p>
+                      <a:pPr latinLnBrk="1"/>
+                      <a:endParaRPr lang="ko-KR" altLang="en-US"/>
+                    </a:p>
+                  </a:txBody>
+                  <a:tcPr/>
+                </a:tc>
+                <a:extLst>
+                  <a:ext uri="{0D108BD9-81ED-4DB2-BD59-A6C34878D82A}">
+                    <a16:rowId xmlns:a16="http://schemas.microsoft.com/office/drawing/2014/main" val="3017768873"/>
+                  </a:ext>
+                </a:extLst>
+              </a:tr>
+              <a:tr h="370840">
+                <a:tc gridSpan="3">
+                  <a:txBody>
+                    <a:bodyPr/>
+                    <a:lstStyle/>
+                    <a:p>
+                      <a:pPr marL="0" marR="0" lvl="0" indent="0" algn="l" defTabSz="914400" rtl="0" eaLnBrk="1" fontAlgn="auto" latinLnBrk="1" hangingPunct="1">
+                        <a:lnSpc>
+                          <a:spcPct val="100000"/>
+                        </a:lnSpc>
+                        <a:spcBef>
+                          <a:spcPts val="0"/>
+                        </a:spcBef>
+                        <a:spcAft>
+                          <a:spcPts val="0"/>
+                        </a:spcAft>
+                        <a:buClrTx/>
+                        <a:buSzTx/>
+                        <a:buFontTx/>
+                        <a:buNone/>
+                        <a:tabLst/>
+                        <a:defRPr/>
+                      </a:pPr>
+                      <a:r>
+                        <a:rPr lang="ko-KR" altLang="en-US" b="0" dirty="0">
+                          <a:solidFill>
+                            <a:schemeClr val="tx1"/>
+                          </a:solidFill>
+                        </a:rPr>
+                        <a:t>하나의 퀘스트 당 발생 조건은 최대 </a:t>
+                      </a:r>
+                      <a:r>
+                        <a:rPr lang="en-US" altLang="ko-KR" b="0" dirty="0">
+                          <a:solidFill>
+                            <a:schemeClr val="tx1"/>
+                          </a:solidFill>
+                        </a:rPr>
+                        <a:t>3</a:t>
+                      </a:r>
+                      <a:r>
+                        <a:rPr lang="ko-KR" altLang="en-US" b="0" dirty="0">
+                          <a:solidFill>
+                            <a:schemeClr val="tx1"/>
+                          </a:solidFill>
+                        </a:rPr>
+                        <a:t>개 까지 있다</a:t>
+                      </a:r>
+                      <a:r>
+                        <a:rPr lang="en-US" altLang="ko-KR" b="0" dirty="0">
+                          <a:solidFill>
+                            <a:schemeClr val="tx1"/>
+                          </a:solidFill>
+                        </a:rPr>
+                        <a:t>.</a:t>
+                      </a:r>
+                      <a:endParaRPr lang="ko-KR" altLang="en-US" b="0" dirty="0">
+                        <a:solidFill>
+                          <a:schemeClr val="tx1"/>
+                        </a:solidFill>
+                      </a:endParaRPr>
+                    </a:p>
+                  </a:txBody>
+                  <a:tcPr>
+                    <a:lnL w="12700" cap="flat" cmpd="sng" algn="ctr">
+                      <a:noFill/>
+                      <a:prstDash val="solid"/>
+                      <a:round/>
+                      <a:headEnd type="none" w="med" len="med"/>
+                      <a:tailEnd type="none" w="med" len="med"/>
+                    </a:lnL>
+                    <a:lnR w="12700" cap="flat" cmpd="sng" algn="ctr">
+                      <a:noFill/>
+                      <a:prstDash val="solid"/>
+                      <a:round/>
+                      <a:headEnd type="none" w="med" len="med"/>
+                      <a:tailEnd type="none" w="med" len="med"/>
+                    </a:lnR>
+                    <a:lnT w="12700" cap="flat" cmpd="sng" algn="ctr">
+                      <a:solidFill>
+                        <a:schemeClr val="tx1"/>
+                      </a:solidFill>
+                      <a:prstDash val="solid"/>
+                      <a:round/>
+                      <a:headEnd type="none" w="med" len="med"/>
+                      <a:tailEnd type="none" w="med" len="med"/>
+                    </a:lnT>
+                    <a:lnB w="12700" cap="flat" cmpd="sng" algn="ctr">
+                      <a:solidFill>
+                        <a:schemeClr val="tx1"/>
+                      </a:solidFill>
+                      <a:prstDash val="solid"/>
+                      <a:round/>
+                      <a:headEnd type="none" w="med" len="med"/>
+                      <a:tailEnd type="none" w="med" len="med"/>
+                    </a:lnB>
+                    <a:lnTlToBr w="12700" cmpd="sng">
+                      <a:noFill/>
+                      <a:prstDash val="solid"/>
+                    </a:lnTlToBr>
+                    <a:lnBlToTr w="12700" cmpd="sng">
+                      <a:noFill/>
+                      <a:prstDash val="solid"/>
+                    </a:lnBlToTr>
+                    <a:noFill/>
+                  </a:tcPr>
+                </a:tc>
+                <a:tc hMerge="1">
+                  <a:txBody>
+                    <a:bodyPr/>
+                    <a:lstStyle/>
+                    <a:p>
+                      <a:pPr latinLnBrk="1"/>
+                      <a:endParaRPr lang="ko-KR" altLang="en-US"/>
+                    </a:p>
+                  </a:txBody>
+                  <a:tcPr/>
+                </a:tc>
+                <a:tc hMerge="1">
+                  <a:txBody>
+                    <a:bodyPr/>
+                    <a:lstStyle/>
+                    <a:p>
+                      <a:pPr latinLnBrk="1"/>
+                      <a:endParaRPr lang="ko-KR" altLang="en-US" dirty="0"/>
+                    </a:p>
+                  </a:txBody>
+                  <a:tcPr/>
+                </a:tc>
+                <a:extLst>
+                  <a:ext uri="{0D108BD9-81ED-4DB2-BD59-A6C34878D82A}">
+                    <a16:rowId xmlns:a16="http://schemas.microsoft.com/office/drawing/2014/main" val="1020599121"/>
+                  </a:ext>
+                </a:extLst>
+              </a:tr>
+              <a:tr h="370840">
+                <a:tc gridSpan="3">
+                  <a:txBody>
+                    <a:bodyPr/>
+                    <a:lstStyle/>
+                    <a:p>
+                      <a:pPr latinLnBrk="1"/>
+                      <a:r>
+                        <a:rPr lang="ko-KR" altLang="en-US" b="0" dirty="0">
+                          <a:solidFill>
+                            <a:schemeClr val="tx1"/>
+                          </a:solidFill>
+                        </a:rPr>
+                        <a:t>퀘스트 발생시 해당 퀘스트 부여 </a:t>
+                      </a:r>
+                      <a:r>
+                        <a:rPr lang="en-US" altLang="ko-KR" b="0" dirty="0">
+                          <a:solidFill>
+                            <a:schemeClr val="tx1"/>
+                          </a:solidFill>
+                        </a:rPr>
+                        <a:t>NPC, </a:t>
+                      </a:r>
+                      <a:r>
+                        <a:rPr lang="ko-KR" altLang="en-US" b="0" dirty="0">
+                          <a:solidFill>
+                            <a:schemeClr val="tx1"/>
+                          </a:solidFill>
+                        </a:rPr>
+                        <a:t>오브젝트에 퀘스트 팝업 발생</a:t>
+                      </a:r>
+                    </a:p>
+                  </a:txBody>
+                  <a:tcPr>
+                    <a:lnL w="12700" cap="flat" cmpd="sng" algn="ctr">
+                      <a:noFill/>
+                      <a:prstDash val="solid"/>
+                      <a:round/>
+                      <a:headEnd type="none" w="med" len="med"/>
+                      <a:tailEnd type="none" w="med" len="med"/>
+                    </a:lnL>
+                    <a:lnR w="12700" cap="flat" cmpd="sng" algn="ctr">
+                      <a:noFill/>
+                      <a:prstDash val="solid"/>
+                      <a:round/>
+                      <a:headEnd type="none" w="med" len="med"/>
+                      <a:tailEnd type="none" w="med" len="med"/>
+                    </a:lnR>
+                    <a:lnT w="12700" cap="flat" cmpd="sng" algn="ctr">
+                      <a:solidFill>
+                        <a:schemeClr val="tx1"/>
+                      </a:solidFill>
+                      <a:prstDash val="solid"/>
+                      <a:round/>
+                      <a:headEnd type="none" w="med" len="med"/>
+                      <a:tailEnd type="none" w="med" len="med"/>
+                    </a:lnT>
+                    <a:lnB w="12700" cap="flat" cmpd="sng" algn="ctr">
+                      <a:solidFill>
+                        <a:schemeClr val="tx1"/>
+                      </a:solidFill>
+                      <a:prstDash val="solid"/>
+                      <a:round/>
+                      <a:headEnd type="none" w="med" len="med"/>
+                      <a:tailEnd type="none" w="med" len="med"/>
+                    </a:lnB>
+                    <a:lnTlToBr w="12700" cmpd="sng">
+                      <a:noFill/>
+                      <a:prstDash val="solid"/>
+                    </a:lnTlToBr>
+                    <a:lnBlToTr w="12700" cmpd="sng">
+                      <a:noFill/>
+                      <a:prstDash val="solid"/>
+                    </a:lnBlToTr>
+                    <a:noFill/>
+                  </a:tcPr>
+                </a:tc>
+                <a:tc hMerge="1">
+                  <a:txBody>
+                    <a:bodyPr/>
+                    <a:lstStyle/>
+                    <a:p>
+                      <a:pPr latinLnBrk="1"/>
+                      <a:endParaRPr lang="ko-KR" altLang="en-US"/>
+                    </a:p>
+                  </a:txBody>
+                  <a:tcPr/>
+                </a:tc>
+                <a:tc hMerge="1">
+                  <a:txBody>
+                    <a:bodyPr/>
+                    <a:lstStyle/>
+                    <a:p>
+                      <a:pPr latinLnBrk="1"/>
+                      <a:endParaRPr lang="ko-KR" altLang="en-US"/>
+                    </a:p>
+                  </a:txBody>
+                  <a:tcPr/>
+                </a:tc>
+                <a:extLst>
+                  <a:ext uri="{0D108BD9-81ED-4DB2-BD59-A6C34878D82A}">
+                    <a16:rowId xmlns:a16="http://schemas.microsoft.com/office/drawing/2014/main" val="3988176277"/>
+                  </a:ext>
+                </a:extLst>
+              </a:tr>
+              <a:tr h="370840">
+                <a:tc gridSpan="3">
+                  <a:txBody>
+                    <a:bodyPr/>
+                    <a:lstStyle/>
+                    <a:p>
+                      <a:pPr latinLnBrk="1"/>
+                      <a:r>
+                        <a:rPr lang="ko-KR" altLang="en-US" b="0" dirty="0">
+                          <a:solidFill>
+                            <a:schemeClr val="tx1"/>
+                          </a:solidFill>
+                        </a:rPr>
+                        <a:t>퀘스트 팝업은 우선도에 따라 </a:t>
+                      </a:r>
+                      <a:r>
+                        <a:rPr lang="en-US" altLang="ko-KR" b="0" dirty="0">
+                          <a:solidFill>
+                            <a:schemeClr val="tx1"/>
+                          </a:solidFill>
+                        </a:rPr>
+                        <a:t>NPC, </a:t>
+                      </a:r>
+                      <a:r>
+                        <a:rPr lang="ko-KR" altLang="en-US" b="0" dirty="0">
+                          <a:solidFill>
+                            <a:schemeClr val="tx1"/>
+                          </a:solidFill>
+                        </a:rPr>
+                        <a:t>오브젝트에 최대 </a:t>
+                      </a:r>
+                      <a:r>
+                        <a:rPr lang="en-US" altLang="ko-KR" b="0" dirty="0">
+                          <a:solidFill>
+                            <a:schemeClr val="tx1"/>
+                          </a:solidFill>
+                        </a:rPr>
+                        <a:t>1</a:t>
+                      </a:r>
+                      <a:r>
+                        <a:rPr lang="ko-KR" altLang="en-US" b="0" dirty="0">
+                          <a:solidFill>
+                            <a:schemeClr val="tx1"/>
+                          </a:solidFill>
+                        </a:rPr>
+                        <a:t>개까지 발생</a:t>
+                      </a:r>
+                    </a:p>
+                  </a:txBody>
+                  <a:tcPr>
+                    <a:lnL w="12700" cap="flat" cmpd="sng" algn="ctr">
+                      <a:noFill/>
+                      <a:prstDash val="solid"/>
+                      <a:round/>
+                      <a:headEnd type="none" w="med" len="med"/>
+                      <a:tailEnd type="none" w="med" len="med"/>
+                    </a:lnL>
+                    <a:lnR w="12700" cap="flat" cmpd="sng" algn="ctr">
+                      <a:noFill/>
+                      <a:prstDash val="solid"/>
+                      <a:round/>
+                      <a:headEnd type="none" w="med" len="med"/>
+                      <a:tailEnd type="none" w="med" len="med"/>
+                    </a:lnR>
+                    <a:lnT w="12700" cap="flat" cmpd="sng" algn="ctr">
+                      <a:solidFill>
+                        <a:schemeClr val="tx1"/>
+                      </a:solidFill>
+                      <a:prstDash val="solid"/>
+                      <a:round/>
+                      <a:headEnd type="none" w="med" len="med"/>
+                      <a:tailEnd type="none" w="med" len="med"/>
+                    </a:lnT>
+                    <a:lnB w="12700" cap="flat" cmpd="sng" algn="ctr">
+                      <a:solidFill>
+                        <a:schemeClr val="tx1"/>
+                      </a:solidFill>
+                      <a:prstDash val="solid"/>
+                      <a:round/>
+                      <a:headEnd type="none" w="med" len="med"/>
+                      <a:tailEnd type="none" w="med" len="med"/>
+                    </a:lnB>
+                    <a:lnTlToBr w="12700" cmpd="sng">
+                      <a:noFill/>
+                      <a:prstDash val="solid"/>
+                    </a:lnTlToBr>
+                    <a:lnBlToTr w="12700" cmpd="sng">
+                      <a:noFill/>
+                      <a:prstDash val="solid"/>
+                    </a:lnBlToTr>
+                    <a:noFill/>
+                  </a:tcPr>
+                </a:tc>
+                <a:tc hMerge="1">
+                  <a:txBody>
+                    <a:bodyPr/>
+                    <a:lstStyle/>
+                    <a:p>
+                      <a:pPr latinLnBrk="1"/>
+                      <a:endParaRPr lang="ko-KR" altLang="en-US"/>
+                    </a:p>
+                  </a:txBody>
+                  <a:tcPr/>
+                </a:tc>
+                <a:tc hMerge="1">
+                  <a:txBody>
+                    <a:bodyPr/>
+                    <a:lstStyle/>
+                    <a:p>
+                      <a:pPr latinLnBrk="1"/>
+                      <a:endParaRPr lang="ko-KR" altLang="en-US"/>
+                    </a:p>
+                  </a:txBody>
+                  <a:tcPr/>
+                </a:tc>
+                <a:extLst>
+                  <a:ext uri="{0D108BD9-81ED-4DB2-BD59-A6C34878D82A}">
+                    <a16:rowId xmlns:a16="http://schemas.microsoft.com/office/drawing/2014/main" val="1349552332"/>
+                  </a:ext>
+                </a:extLst>
+              </a:tr>
+              <a:tr h="370840">
+                <a:tc>
+                  <a:txBody>
+                    <a:bodyPr/>
+                    <a:lstStyle/>
+                    <a:p>
+                      <a:pPr algn="ctr" latinLnBrk="1"/>
+                      <a:r>
+                        <a:rPr lang="ko-KR" altLang="en-US" b="0" dirty="0">
+                          <a:solidFill>
+                            <a:schemeClr val="tx1"/>
+                          </a:solidFill>
+                        </a:rPr>
+                        <a:t>우선도</a:t>
+                      </a:r>
+                    </a:p>
+                  </a:txBody>
+                  <a:tcPr>
+                    <a:lnL w="12700" cap="flat" cmpd="sng" algn="ctr">
+                      <a:noFill/>
+                      <a:prstDash val="solid"/>
+                      <a:round/>
+                      <a:headEnd type="none" w="med" len="med"/>
+                      <a:tailEnd type="none" w="med" len="med"/>
+                    </a:lnL>
+                    <a:lnR w="12700" cap="flat" cmpd="sng" algn="ctr">
+                      <a:solidFill>
+                        <a:schemeClr val="tx1"/>
+                      </a:solidFill>
+                      <a:prstDash val="solid"/>
+                      <a:round/>
+                      <a:headEnd type="none" w="med" len="med"/>
+                      <a:tailEnd type="none" w="med" len="med"/>
+                    </a:lnR>
+                    <a:lnT w="12700" cap="flat" cmpd="sng" algn="ctr">
+                      <a:solidFill>
+                        <a:schemeClr val="tx1"/>
+                      </a:solidFill>
+                      <a:prstDash val="solid"/>
+                      <a:round/>
+                      <a:headEnd type="none" w="med" len="med"/>
+                      <a:tailEnd type="none" w="med" len="med"/>
+                    </a:lnT>
+                    <a:lnB w="12700" cap="flat" cmpd="sng" algn="ctr">
+                      <a:solidFill>
+                        <a:schemeClr val="tx1"/>
+                      </a:solidFill>
+                      <a:prstDash val="solid"/>
+                      <a:round/>
+                      <a:headEnd type="none" w="med" len="med"/>
+                      <a:tailEnd type="none" w="med" len="med"/>
+                    </a:lnB>
+                    <a:lnTlToBr w="12700" cmpd="sng">
+                      <a:noFill/>
+                      <a:prstDash val="solid"/>
+                    </a:lnTlToBr>
+                    <a:lnBlToTr w="12700" cmpd="sng">
+                      <a:noFill/>
+                      <a:prstDash val="solid"/>
+                    </a:lnBlToTr>
+                    <a:solidFill>
+                      <a:schemeClr val="bg1">
+                        <a:lumMod val="95000"/>
+                      </a:schemeClr>
+                    </a:solidFill>
+                  </a:tcPr>
+                </a:tc>
+                <a:tc>
+                  <a:txBody>
+                    <a:bodyPr/>
+                    <a:lstStyle/>
+                    <a:p>
+                      <a:pPr algn="ctr" latinLnBrk="1"/>
+                      <a:r>
+                        <a:rPr lang="ko-KR" altLang="en-US" b="0" dirty="0">
+                          <a:solidFill>
+                            <a:schemeClr val="tx1"/>
+                          </a:solidFill>
+                        </a:rPr>
+                        <a:t>팝업</a:t>
+                      </a:r>
+                    </a:p>
+                  </a:txBody>
+                  <a:tcPr>
+                    <a:lnL w="12700" cap="flat" cmpd="sng" algn="ctr">
+                      <a:solidFill>
+                        <a:schemeClr val="tx1"/>
+                      </a:solidFill>
+                      <a:prstDash val="solid"/>
+                      <a:round/>
+                      <a:headEnd type="none" w="med" len="med"/>
+                      <a:tailEnd type="none" w="med" len="med"/>
+                    </a:lnL>
+                    <a:lnR w="12700" cap="flat" cmpd="sng" algn="ctr">
+                      <a:solidFill>
+                        <a:schemeClr val="tx1"/>
+                      </a:solidFill>
+                      <a:prstDash val="solid"/>
+                      <a:round/>
+                      <a:headEnd type="none" w="med" len="med"/>
+                      <a:tailEnd type="none" w="med" len="med"/>
+                    </a:lnR>
+                    <a:lnT w="12700" cap="flat" cmpd="sng" algn="ctr">
+                      <a:solidFill>
+                        <a:schemeClr val="tx1"/>
+                      </a:solidFill>
+                      <a:prstDash val="solid"/>
+                      <a:round/>
+                      <a:headEnd type="none" w="med" len="med"/>
+                      <a:tailEnd type="none" w="med" len="med"/>
+                    </a:lnT>
+                    <a:lnB w="12700" cap="flat" cmpd="sng" algn="ctr">
+                      <a:solidFill>
+                        <a:schemeClr val="tx1"/>
+                      </a:solidFill>
+                      <a:prstDash val="solid"/>
+                      <a:round/>
+                      <a:headEnd type="none" w="med" len="med"/>
+                      <a:tailEnd type="none" w="med" len="med"/>
+                    </a:lnB>
+                    <a:lnTlToBr w="12700" cmpd="sng">
+                      <a:noFill/>
+                      <a:prstDash val="solid"/>
+                    </a:lnTlToBr>
+                    <a:lnBlToTr w="12700" cmpd="sng">
+                      <a:noFill/>
+                      <a:prstDash val="solid"/>
+                    </a:lnBlToTr>
+                    <a:solidFill>
+                      <a:schemeClr val="bg1">
+                        <a:lumMod val="95000"/>
+                      </a:schemeClr>
+                    </a:solidFill>
+                  </a:tcPr>
+                </a:tc>
+                <a:tc>
+                  <a:txBody>
+                    <a:bodyPr/>
+                    <a:lstStyle/>
+                    <a:p>
+                      <a:pPr algn="ctr" latinLnBrk="1"/>
+                      <a:r>
+                        <a:rPr lang="ko-KR" altLang="en-US" b="0" dirty="0">
+                          <a:solidFill>
+                            <a:schemeClr val="tx1"/>
+                          </a:solidFill>
+                        </a:rPr>
+                        <a:t>내용</a:t>
+                      </a:r>
+                    </a:p>
+                  </a:txBody>
+                  <a:tcPr>
+                    <a:lnL w="12700" cap="flat" cmpd="sng" algn="ctr">
+                      <a:solidFill>
+                        <a:schemeClr val="tx1"/>
+                      </a:solidFill>
+                      <a:prstDash val="solid"/>
+                      <a:round/>
+                      <a:headEnd type="none" w="med" len="med"/>
+                      <a:tailEnd type="none" w="med" len="med"/>
+                    </a:lnL>
+                    <a:lnR w="12700" cap="flat" cmpd="sng" algn="ctr">
+                      <a:noFill/>
+                      <a:prstDash val="solid"/>
+                      <a:round/>
+                      <a:headEnd type="none" w="med" len="med"/>
+                      <a:tailEnd type="none" w="med" len="med"/>
+                    </a:lnR>
+                    <a:lnT w="12700" cap="flat" cmpd="sng" algn="ctr">
+                      <a:solidFill>
+                        <a:schemeClr val="tx1"/>
+                      </a:solidFill>
+                      <a:prstDash val="solid"/>
+                      <a:round/>
+                      <a:headEnd type="none" w="med" len="med"/>
+                      <a:tailEnd type="none" w="med" len="med"/>
+                    </a:lnT>
+                    <a:lnB w="12700" cap="flat" cmpd="sng" algn="ctr">
+                      <a:solidFill>
+                        <a:schemeClr val="tx1"/>
+                      </a:solidFill>
+                      <a:prstDash val="solid"/>
+                      <a:round/>
+                      <a:headEnd type="none" w="med" len="med"/>
+                      <a:tailEnd type="none" w="med" len="med"/>
+                    </a:lnB>
+                    <a:lnTlToBr w="12700" cmpd="sng">
+                      <a:noFill/>
+                      <a:prstDash val="solid"/>
+                    </a:lnTlToBr>
+                    <a:lnBlToTr w="12700" cmpd="sng">
+                      <a:noFill/>
+                      <a:prstDash val="solid"/>
+                    </a:lnBlToTr>
+                    <a:solidFill>
+                      <a:schemeClr val="bg1">
+                        <a:lumMod val="95000"/>
+                      </a:schemeClr>
+                    </a:solidFill>
+                  </a:tcPr>
+                </a:tc>
+                <a:extLst>
+                  <a:ext uri="{0D108BD9-81ED-4DB2-BD59-A6C34878D82A}">
+                    <a16:rowId xmlns:a16="http://schemas.microsoft.com/office/drawing/2014/main" val="3039921934"/>
+                  </a:ext>
+                </a:extLst>
+              </a:tr>
+              <a:tr h="370840">
+                <a:tc>
+                  <a:txBody>
+                    <a:bodyPr/>
+                    <a:lstStyle/>
+                    <a:p>
+                      <a:pPr algn="ctr" latinLnBrk="1"/>
+                      <a:r>
+                        <a:rPr lang="en-US" altLang="ko-KR" b="0" dirty="0">
+                          <a:solidFill>
+                            <a:schemeClr val="tx1"/>
+                          </a:solidFill>
+                        </a:rPr>
+                        <a:t>0</a:t>
+                      </a:r>
+                      <a:endParaRPr lang="ko-KR" altLang="en-US" b="0" dirty="0">
+                        <a:solidFill>
+                          <a:schemeClr val="tx1"/>
+                        </a:solidFill>
+                      </a:endParaRPr>
+                    </a:p>
+                  </a:txBody>
+                  <a:tcPr>
+                    <a:lnL w="12700" cap="flat" cmpd="sng" algn="ctr">
+                      <a:noFill/>
+                      <a:prstDash val="solid"/>
+                      <a:round/>
+                      <a:headEnd type="none" w="med" len="med"/>
+                      <a:tailEnd type="none" w="med" len="med"/>
+                    </a:lnL>
+                    <a:lnR w="12700" cap="flat" cmpd="sng" algn="ctr">
+                      <a:solidFill>
+                        <a:schemeClr val="tx1"/>
+                      </a:solidFill>
+                      <a:prstDash val="solid"/>
+                      <a:round/>
+                      <a:headEnd type="none" w="med" len="med"/>
+                      <a:tailEnd type="none" w="med" len="med"/>
+                    </a:lnR>
+                    <a:lnT w="12700" cap="flat" cmpd="sng" algn="ctr">
+                      <a:solidFill>
+                        <a:schemeClr val="tx1"/>
+                      </a:solidFill>
+                      <a:prstDash val="solid"/>
+                      <a:round/>
+                      <a:headEnd type="none" w="med" len="med"/>
+                      <a:tailEnd type="none" w="med" len="med"/>
+                    </a:lnT>
+                    <a:lnB w="12700" cap="flat" cmpd="sng" algn="ctr">
+                      <a:solidFill>
+                        <a:schemeClr val="tx1"/>
+                      </a:solidFill>
+                      <a:prstDash val="solid"/>
+                      <a:round/>
+                      <a:headEnd type="none" w="med" len="med"/>
+                      <a:tailEnd type="none" w="med" len="med"/>
+                    </a:lnB>
+                    <a:lnTlToBr w="12700" cmpd="sng">
+                      <a:noFill/>
+                      <a:prstDash val="solid"/>
+                    </a:lnTlToBr>
+                    <a:lnBlToTr w="12700" cmpd="sng">
+                      <a:noFill/>
+                      <a:prstDash val="solid"/>
+                    </a:lnBlToTr>
+                    <a:noFill/>
+                  </a:tcPr>
+                </a:tc>
+                <a:tc>
+                  <a:txBody>
+                    <a:bodyPr/>
+                    <a:lstStyle/>
+                    <a:p>
+                      <a:pPr algn="ctr" latinLnBrk="1"/>
+                      <a:r>
+                        <a:rPr lang="en-US" altLang="ko-KR" b="0" dirty="0">
+                          <a:solidFill>
+                            <a:schemeClr val="accent4">
+                              <a:lumMod val="50000"/>
+                            </a:schemeClr>
+                          </a:solidFill>
+                        </a:rPr>
+                        <a:t>?</a:t>
+                      </a:r>
+                      <a:endParaRPr lang="ko-KR" altLang="en-US" b="0" dirty="0">
+                        <a:solidFill>
+                          <a:schemeClr val="accent4">
+                            <a:lumMod val="50000"/>
+                          </a:schemeClr>
+                        </a:solidFill>
+                      </a:endParaRPr>
+                    </a:p>
+                  </a:txBody>
+                  <a:tcPr>
+                    <a:lnL w="12700" cap="flat" cmpd="sng" algn="ctr">
+                      <a:solidFill>
+                        <a:schemeClr val="tx1"/>
+                      </a:solidFill>
+                      <a:prstDash val="solid"/>
+                      <a:round/>
+                      <a:headEnd type="none" w="med" len="med"/>
+                      <a:tailEnd type="none" w="med" len="med"/>
+                    </a:lnL>
+                    <a:lnR w="12700" cap="flat" cmpd="sng" algn="ctr">
+                      <a:solidFill>
+                        <a:schemeClr val="tx1"/>
+                      </a:solidFill>
+                      <a:prstDash val="solid"/>
+                      <a:round/>
+                      <a:headEnd type="none" w="med" len="med"/>
+                      <a:tailEnd type="none" w="med" len="med"/>
+                    </a:lnR>
+                    <a:lnT w="12700" cap="flat" cmpd="sng" algn="ctr">
+                      <a:solidFill>
+                        <a:schemeClr val="tx1"/>
+                      </a:solidFill>
+                      <a:prstDash val="solid"/>
+                      <a:round/>
+                      <a:headEnd type="none" w="med" len="med"/>
+                      <a:tailEnd type="none" w="med" len="med"/>
+                    </a:lnT>
+                    <a:lnB w="12700" cap="flat" cmpd="sng" algn="ctr">
+                      <a:solidFill>
+                        <a:schemeClr val="tx1"/>
+                      </a:solidFill>
+                      <a:prstDash val="solid"/>
+                      <a:round/>
+                      <a:headEnd type="none" w="med" len="med"/>
+                      <a:tailEnd type="none" w="med" len="med"/>
+                    </a:lnB>
+                    <a:lnTlToBr w="12700" cmpd="sng">
+                      <a:noFill/>
+                      <a:prstDash val="solid"/>
+                    </a:lnTlToBr>
+                    <a:lnBlToTr w="12700" cmpd="sng">
+                      <a:noFill/>
+                      <a:prstDash val="solid"/>
+                    </a:lnBlToTr>
+                    <a:noFill/>
+                  </a:tcPr>
+                </a:tc>
+                <a:tc>
+                  <a:txBody>
+                    <a:bodyPr/>
+                    <a:lstStyle/>
+                    <a:p>
+                      <a:pPr latinLnBrk="1"/>
+                      <a:r>
+                        <a:rPr lang="ko-KR" altLang="en-US" b="0" dirty="0">
+                          <a:solidFill>
+                            <a:schemeClr val="tx1"/>
+                          </a:solidFill>
+                        </a:rPr>
+                        <a:t>완료 가능 퀘스트</a:t>
+                      </a:r>
+                    </a:p>
+                  </a:txBody>
+                  <a:tcPr>
+                    <a:lnL w="12700" cap="flat" cmpd="sng" algn="ctr">
+                      <a:solidFill>
+                        <a:schemeClr val="tx1"/>
+                      </a:solidFill>
+                      <a:prstDash val="solid"/>
+                      <a:round/>
+                      <a:headEnd type="none" w="med" len="med"/>
+                      <a:tailEnd type="none" w="med" len="med"/>
+                    </a:lnL>
+                    <a:lnR w="12700" cap="flat" cmpd="sng" algn="ctr">
+                      <a:noFill/>
+                      <a:prstDash val="solid"/>
+                      <a:round/>
+                      <a:headEnd type="none" w="med" len="med"/>
+                      <a:tailEnd type="none" w="med" len="med"/>
+                    </a:lnR>
+                    <a:lnT w="12700" cap="flat" cmpd="sng" algn="ctr">
+                      <a:solidFill>
+                        <a:schemeClr val="tx1"/>
+                      </a:solidFill>
+                      <a:prstDash val="solid"/>
+                      <a:round/>
+                      <a:headEnd type="none" w="med" len="med"/>
+                      <a:tailEnd type="none" w="med" len="med"/>
+                    </a:lnT>
+                    <a:lnB w="12700" cap="flat" cmpd="sng" algn="ctr">
+                      <a:solidFill>
+                        <a:schemeClr val="tx1"/>
+                      </a:solidFill>
+                      <a:prstDash val="solid"/>
+                      <a:round/>
+                      <a:headEnd type="none" w="med" len="med"/>
+                      <a:tailEnd type="none" w="med" len="med"/>
+                    </a:lnB>
+                    <a:lnTlToBr w="12700" cmpd="sng">
+                      <a:noFill/>
+                      <a:prstDash val="solid"/>
+                    </a:lnTlToBr>
+                    <a:lnBlToTr w="12700" cmpd="sng">
+                      <a:noFill/>
+                      <a:prstDash val="solid"/>
+                    </a:lnBlToTr>
+                    <a:noFill/>
+                  </a:tcPr>
+                </a:tc>
+                <a:extLst>
+                  <a:ext uri="{0D108BD9-81ED-4DB2-BD59-A6C34878D82A}">
+                    <a16:rowId xmlns:a16="http://schemas.microsoft.com/office/drawing/2014/main" val="2873708504"/>
+                  </a:ext>
+                </a:extLst>
+              </a:tr>
+              <a:tr h="370840">
+                <a:tc>
+                  <a:txBody>
+                    <a:bodyPr/>
+                    <a:lstStyle/>
+                    <a:p>
+                      <a:pPr algn="ctr" latinLnBrk="1"/>
+                      <a:r>
+                        <a:rPr lang="en-US" altLang="ko-KR" b="0" dirty="0">
+                          <a:solidFill>
+                            <a:schemeClr val="tx1"/>
+                          </a:solidFill>
+                        </a:rPr>
+                        <a:t>1</a:t>
+                      </a:r>
+                      <a:endParaRPr lang="ko-KR" altLang="en-US" b="0" dirty="0">
+                        <a:solidFill>
+                          <a:schemeClr val="tx1"/>
+                        </a:solidFill>
+                      </a:endParaRPr>
+                    </a:p>
+                  </a:txBody>
+                  <a:tcPr>
+                    <a:lnL w="12700" cap="flat" cmpd="sng" algn="ctr">
+                      <a:noFill/>
+                      <a:prstDash val="solid"/>
+                      <a:round/>
+                      <a:headEnd type="none" w="med" len="med"/>
+                      <a:tailEnd type="none" w="med" len="med"/>
+                    </a:lnL>
+                    <a:lnR w="12700" cap="flat" cmpd="sng" algn="ctr">
+                      <a:solidFill>
+                        <a:schemeClr val="tx1"/>
+                      </a:solidFill>
+                      <a:prstDash val="solid"/>
+                      <a:round/>
+                      <a:headEnd type="none" w="med" len="med"/>
+                      <a:tailEnd type="none" w="med" len="med"/>
+                    </a:lnR>
+                    <a:lnT w="12700" cap="flat" cmpd="sng" algn="ctr">
+                      <a:solidFill>
+                        <a:schemeClr val="tx1"/>
+                      </a:solidFill>
+                      <a:prstDash val="solid"/>
+                      <a:round/>
+                      <a:headEnd type="none" w="med" len="med"/>
+                      <a:tailEnd type="none" w="med" len="med"/>
+                    </a:lnT>
+                    <a:lnB w="12700" cap="flat" cmpd="sng" algn="ctr">
+                      <a:solidFill>
+                        <a:schemeClr val="tx1"/>
+                      </a:solidFill>
+                      <a:prstDash val="solid"/>
+                      <a:round/>
+                      <a:headEnd type="none" w="med" len="med"/>
+                      <a:tailEnd type="none" w="med" len="med"/>
+                    </a:lnB>
+                    <a:lnTlToBr w="12700" cmpd="sng">
+                      <a:noFill/>
+                      <a:prstDash val="solid"/>
+                    </a:lnTlToBr>
+                    <a:lnBlToTr w="12700" cmpd="sng">
+                      <a:noFill/>
+                      <a:prstDash val="solid"/>
+                    </a:lnBlToTr>
+                    <a:noFill/>
+                  </a:tcPr>
+                </a:tc>
+                <a:tc>
+                  <a:txBody>
+                    <a:bodyPr/>
+                    <a:lstStyle/>
+                    <a:p>
+                      <a:pPr algn="ctr" latinLnBrk="1"/>
+                      <a:r>
+                        <a:rPr lang="en-US" altLang="ko-KR" b="0" dirty="0">
+                          <a:solidFill>
+                            <a:schemeClr val="accent4">
+                              <a:lumMod val="75000"/>
+                            </a:schemeClr>
+                          </a:solidFill>
+                        </a:rPr>
+                        <a:t>!</a:t>
+                      </a:r>
+                      <a:endParaRPr lang="ko-KR" altLang="en-US" b="0" dirty="0">
+                        <a:solidFill>
+                          <a:schemeClr val="accent4">
+                            <a:lumMod val="75000"/>
+                          </a:schemeClr>
+                        </a:solidFill>
+                      </a:endParaRPr>
+                    </a:p>
+                  </a:txBody>
+                  <a:tcPr>
+                    <a:lnL w="12700" cap="flat" cmpd="sng" algn="ctr">
+                      <a:solidFill>
+                        <a:schemeClr val="tx1"/>
+                      </a:solidFill>
+                      <a:prstDash val="solid"/>
+                      <a:round/>
+                      <a:headEnd type="none" w="med" len="med"/>
+                      <a:tailEnd type="none" w="med" len="med"/>
+                    </a:lnL>
+                    <a:lnR w="12700" cap="flat" cmpd="sng" algn="ctr">
+                      <a:solidFill>
+                        <a:schemeClr val="tx1"/>
+                      </a:solidFill>
+                      <a:prstDash val="solid"/>
+                      <a:round/>
+                      <a:headEnd type="none" w="med" len="med"/>
+                      <a:tailEnd type="none" w="med" len="med"/>
+                    </a:lnR>
+                    <a:lnT w="12700" cap="flat" cmpd="sng" algn="ctr">
+                      <a:solidFill>
+                        <a:schemeClr val="tx1"/>
+                      </a:solidFill>
+                      <a:prstDash val="solid"/>
+                      <a:round/>
+                      <a:headEnd type="none" w="med" len="med"/>
+                      <a:tailEnd type="none" w="med" len="med"/>
+                    </a:lnT>
+                    <a:lnB w="12700" cap="flat" cmpd="sng" algn="ctr">
+                      <a:solidFill>
+                        <a:schemeClr val="tx1"/>
+                      </a:solidFill>
+                      <a:prstDash val="solid"/>
+                      <a:round/>
+                      <a:headEnd type="none" w="med" len="med"/>
+                      <a:tailEnd type="none" w="med" len="med"/>
+                    </a:lnB>
+                    <a:lnTlToBr w="12700" cmpd="sng">
+                      <a:noFill/>
+                      <a:prstDash val="solid"/>
+                    </a:lnTlToBr>
+                    <a:lnBlToTr w="12700" cmpd="sng">
+                      <a:noFill/>
+                      <a:prstDash val="solid"/>
+                    </a:lnBlToTr>
+                    <a:noFill/>
+                  </a:tcPr>
+                </a:tc>
+                <a:tc>
+                  <a:txBody>
+                    <a:bodyPr/>
+                    <a:lstStyle/>
+                    <a:p>
+                      <a:pPr latinLnBrk="1"/>
+                      <a:r>
+                        <a:rPr lang="ko-KR" altLang="en-US" b="0" dirty="0">
+                          <a:solidFill>
+                            <a:schemeClr val="tx1"/>
+                          </a:solidFill>
+                        </a:rPr>
+                        <a:t>적정 레벨</a:t>
+                      </a:r>
+                      <a:r>
+                        <a:rPr lang="en-US" altLang="ko-KR" b="0" dirty="0">
+                          <a:solidFill>
+                            <a:schemeClr val="tx1"/>
+                          </a:solidFill>
+                        </a:rPr>
+                        <a:t>(±5)</a:t>
+                      </a:r>
+                      <a:r>
+                        <a:rPr lang="ko-KR" altLang="en-US" b="0" dirty="0">
+                          <a:solidFill>
+                            <a:schemeClr val="tx1"/>
+                          </a:solidFill>
+                        </a:rPr>
+                        <a:t> 수락 가능 퀘스트</a:t>
+                      </a:r>
+                    </a:p>
+                  </a:txBody>
+                  <a:tcPr>
+                    <a:lnL w="12700" cap="flat" cmpd="sng" algn="ctr">
+                      <a:solidFill>
+                        <a:schemeClr val="tx1"/>
+                      </a:solidFill>
+                      <a:prstDash val="solid"/>
+                      <a:round/>
+                      <a:headEnd type="none" w="med" len="med"/>
+                      <a:tailEnd type="none" w="med" len="med"/>
+                    </a:lnL>
+                    <a:lnR w="12700" cap="flat" cmpd="sng" algn="ctr">
+                      <a:noFill/>
+                      <a:prstDash val="solid"/>
+                      <a:round/>
+                      <a:headEnd type="none" w="med" len="med"/>
+                      <a:tailEnd type="none" w="med" len="med"/>
+                    </a:lnR>
+                    <a:lnT w="12700" cap="flat" cmpd="sng" algn="ctr">
+                      <a:solidFill>
+                        <a:schemeClr val="tx1"/>
+                      </a:solidFill>
+                      <a:prstDash val="solid"/>
+                      <a:round/>
+                      <a:headEnd type="none" w="med" len="med"/>
+                      <a:tailEnd type="none" w="med" len="med"/>
+                    </a:lnT>
+                    <a:lnB w="12700" cap="flat" cmpd="sng" algn="ctr">
+                      <a:solidFill>
+                        <a:schemeClr val="tx1"/>
+                      </a:solidFill>
+                      <a:prstDash val="solid"/>
+                      <a:round/>
+                      <a:headEnd type="none" w="med" len="med"/>
+                      <a:tailEnd type="none" w="med" len="med"/>
+                    </a:lnB>
+                    <a:lnTlToBr w="12700" cmpd="sng">
+                      <a:noFill/>
+                      <a:prstDash val="solid"/>
+                    </a:lnTlToBr>
+                    <a:lnBlToTr w="12700" cmpd="sng">
+                      <a:noFill/>
+                      <a:prstDash val="solid"/>
+                    </a:lnBlToTr>
+                    <a:noFill/>
+                  </a:tcPr>
+                </a:tc>
+                <a:extLst>
+                  <a:ext uri="{0D108BD9-81ED-4DB2-BD59-A6C34878D82A}">
+                    <a16:rowId xmlns:a16="http://schemas.microsoft.com/office/drawing/2014/main" val="3002187198"/>
+                  </a:ext>
+                </a:extLst>
+              </a:tr>
+              <a:tr h="370840">
+                <a:tc>
+                  <a:txBody>
+                    <a:bodyPr/>
+                    <a:lstStyle/>
+                    <a:p>
+                      <a:pPr algn="ctr" latinLnBrk="1"/>
+                      <a:r>
+                        <a:rPr lang="en-US" altLang="ko-KR" b="0" dirty="0">
+                          <a:solidFill>
+                            <a:schemeClr val="tx1"/>
+                          </a:solidFill>
+                        </a:rPr>
+                        <a:t>2</a:t>
+                      </a:r>
+                      <a:endParaRPr lang="ko-KR" altLang="en-US" b="0" dirty="0">
+                        <a:solidFill>
+                          <a:schemeClr val="tx1"/>
+                        </a:solidFill>
+                      </a:endParaRPr>
+                    </a:p>
+                  </a:txBody>
+                  <a:tcPr>
+                    <a:lnL w="12700" cap="flat" cmpd="sng" algn="ctr">
+                      <a:noFill/>
+                      <a:prstDash val="solid"/>
+                      <a:round/>
+                      <a:headEnd type="none" w="med" len="med"/>
+                      <a:tailEnd type="none" w="med" len="med"/>
+                    </a:lnL>
+                    <a:lnR w="12700" cap="flat" cmpd="sng" algn="ctr">
+                      <a:solidFill>
+                        <a:schemeClr val="tx1"/>
+                      </a:solidFill>
+                      <a:prstDash val="solid"/>
+                      <a:round/>
+                      <a:headEnd type="none" w="med" len="med"/>
+                      <a:tailEnd type="none" w="med" len="med"/>
+                    </a:lnR>
+                    <a:lnT w="12700" cap="flat" cmpd="sng" algn="ctr">
+                      <a:solidFill>
+                        <a:schemeClr val="tx1"/>
+                      </a:solidFill>
+                      <a:prstDash val="solid"/>
+                      <a:round/>
+                      <a:headEnd type="none" w="med" len="med"/>
+                      <a:tailEnd type="none" w="med" len="med"/>
+                    </a:lnT>
+                    <a:lnB w="12700" cap="flat" cmpd="sng" algn="ctr">
+                      <a:solidFill>
+                        <a:schemeClr val="tx1"/>
+                      </a:solidFill>
+                      <a:prstDash val="solid"/>
+                      <a:round/>
+                      <a:headEnd type="none" w="med" len="med"/>
+                      <a:tailEnd type="none" w="med" len="med"/>
+                    </a:lnB>
+                    <a:lnTlToBr w="12700" cmpd="sng">
+                      <a:noFill/>
+                      <a:prstDash val="solid"/>
+                    </a:lnTlToBr>
+                    <a:lnBlToTr w="12700" cmpd="sng">
+                      <a:noFill/>
+                      <a:prstDash val="solid"/>
+                    </a:lnBlToTr>
+                    <a:noFill/>
+                  </a:tcPr>
+                </a:tc>
+                <a:tc>
+                  <a:txBody>
+                    <a:bodyPr/>
+                    <a:lstStyle/>
+                    <a:p>
+                      <a:pPr algn="ctr" latinLnBrk="1"/>
+                      <a:r>
+                        <a:rPr lang="en-US" altLang="ko-KR" b="0" dirty="0">
+                          <a:solidFill>
+                            <a:schemeClr val="accent4">
+                              <a:lumMod val="75000"/>
+                            </a:schemeClr>
+                          </a:solidFill>
+                        </a:rPr>
+                        <a:t>…</a:t>
+                      </a:r>
+                      <a:endParaRPr lang="ko-KR" altLang="en-US" b="0" dirty="0">
+                        <a:solidFill>
+                          <a:schemeClr val="accent4">
+                            <a:lumMod val="75000"/>
+                          </a:schemeClr>
+                        </a:solidFill>
+                      </a:endParaRPr>
+                    </a:p>
+                  </a:txBody>
+                  <a:tcPr>
+                    <a:lnL w="12700" cap="flat" cmpd="sng" algn="ctr">
+                      <a:solidFill>
+                        <a:schemeClr val="tx1"/>
+                      </a:solidFill>
+                      <a:prstDash val="solid"/>
+                      <a:round/>
+                      <a:headEnd type="none" w="med" len="med"/>
+                      <a:tailEnd type="none" w="med" len="med"/>
+                    </a:lnL>
+                    <a:lnR w="12700" cap="flat" cmpd="sng" algn="ctr">
+                      <a:solidFill>
+                        <a:schemeClr val="tx1"/>
+                      </a:solidFill>
+                      <a:prstDash val="solid"/>
+                      <a:round/>
+                      <a:headEnd type="none" w="med" len="med"/>
+                      <a:tailEnd type="none" w="med" len="med"/>
+                    </a:lnR>
+                    <a:lnT w="12700" cap="flat" cmpd="sng" algn="ctr">
+                      <a:solidFill>
+                        <a:schemeClr val="tx1"/>
+                      </a:solidFill>
+                      <a:prstDash val="solid"/>
+                      <a:round/>
+                      <a:headEnd type="none" w="med" len="med"/>
+                      <a:tailEnd type="none" w="med" len="med"/>
+                    </a:lnT>
+                    <a:lnB w="12700" cap="flat" cmpd="sng" algn="ctr">
+                      <a:solidFill>
+                        <a:schemeClr val="tx1"/>
+                      </a:solidFill>
+                      <a:prstDash val="solid"/>
+                      <a:round/>
+                      <a:headEnd type="none" w="med" len="med"/>
+                      <a:tailEnd type="none" w="med" len="med"/>
+                    </a:lnB>
+                    <a:lnTlToBr w="12700" cmpd="sng">
+                      <a:noFill/>
+                      <a:prstDash val="solid"/>
+                    </a:lnTlToBr>
+                    <a:lnBlToTr w="12700" cmpd="sng">
+                      <a:noFill/>
+                      <a:prstDash val="solid"/>
+                    </a:lnBlToTr>
+                    <a:noFill/>
+                  </a:tcPr>
+                </a:tc>
+                <a:tc>
+                  <a:txBody>
+                    <a:bodyPr/>
+                    <a:lstStyle/>
+                    <a:p>
+                      <a:pPr latinLnBrk="1"/>
+                      <a:r>
+                        <a:rPr lang="ko-KR" altLang="en-US" b="0" dirty="0">
+                          <a:solidFill>
+                            <a:schemeClr val="tx1"/>
+                          </a:solidFill>
+                        </a:rPr>
+                        <a:t>적정 레벨</a:t>
+                      </a:r>
+                      <a:r>
+                        <a:rPr lang="en-US" altLang="ko-KR" b="0" dirty="0">
+                          <a:solidFill>
+                            <a:schemeClr val="tx1"/>
+                          </a:solidFill>
+                        </a:rPr>
+                        <a:t>(±5)</a:t>
+                      </a:r>
+                      <a:r>
+                        <a:rPr lang="ko-KR" altLang="en-US" b="0" dirty="0">
+                          <a:solidFill>
+                            <a:schemeClr val="tx1"/>
+                          </a:solidFill>
+                        </a:rPr>
+                        <a:t>  진행 퀘스트</a:t>
+                      </a:r>
+                    </a:p>
+                  </a:txBody>
+                  <a:tcPr>
+                    <a:lnL w="12700" cap="flat" cmpd="sng" algn="ctr">
+                      <a:solidFill>
+                        <a:schemeClr val="tx1"/>
+                      </a:solidFill>
+                      <a:prstDash val="solid"/>
+                      <a:round/>
+                      <a:headEnd type="none" w="med" len="med"/>
+                      <a:tailEnd type="none" w="med" len="med"/>
+                    </a:lnL>
+                    <a:lnR w="12700" cap="flat" cmpd="sng" algn="ctr">
+                      <a:noFill/>
+                      <a:prstDash val="solid"/>
+                      <a:round/>
+                      <a:headEnd type="none" w="med" len="med"/>
+                      <a:tailEnd type="none" w="med" len="med"/>
+                    </a:lnR>
+                    <a:lnT w="12700" cap="flat" cmpd="sng" algn="ctr">
+                      <a:solidFill>
+                        <a:schemeClr val="tx1"/>
+                      </a:solidFill>
+                      <a:prstDash val="solid"/>
+                      <a:round/>
+                      <a:headEnd type="none" w="med" len="med"/>
+                      <a:tailEnd type="none" w="med" len="med"/>
+                    </a:lnT>
+                    <a:lnB w="12700" cap="flat" cmpd="sng" algn="ctr">
+                      <a:solidFill>
+                        <a:schemeClr val="tx1"/>
+                      </a:solidFill>
+                      <a:prstDash val="solid"/>
+                      <a:round/>
+                      <a:headEnd type="none" w="med" len="med"/>
+                      <a:tailEnd type="none" w="med" len="med"/>
+                    </a:lnB>
+                    <a:lnTlToBr w="12700" cmpd="sng">
+                      <a:noFill/>
+                      <a:prstDash val="solid"/>
+                    </a:lnTlToBr>
+                    <a:lnBlToTr w="12700" cmpd="sng">
+                      <a:noFill/>
+                      <a:prstDash val="solid"/>
+                    </a:lnBlToTr>
+                    <a:noFill/>
+                  </a:tcPr>
+                </a:tc>
+                <a:extLst>
+                  <a:ext uri="{0D108BD9-81ED-4DB2-BD59-A6C34878D82A}">
+                    <a16:rowId xmlns:a16="http://schemas.microsoft.com/office/drawing/2014/main" val="2757204996"/>
+                  </a:ext>
+                </a:extLst>
+              </a:tr>
+              <a:tr h="370840">
+                <a:tc>
+                  <a:txBody>
+                    <a:bodyPr/>
+                    <a:lstStyle/>
+                    <a:p>
+                      <a:pPr algn="ctr" latinLnBrk="1"/>
+                      <a:r>
+                        <a:rPr lang="en-US" altLang="ko-KR" b="0" dirty="0">
+                          <a:solidFill>
+                            <a:schemeClr val="tx1"/>
+                          </a:solidFill>
+                        </a:rPr>
+                        <a:t>3</a:t>
+                      </a:r>
+                      <a:endParaRPr lang="ko-KR" altLang="en-US" b="0" dirty="0">
+                        <a:solidFill>
+                          <a:schemeClr val="tx1"/>
+                        </a:solidFill>
+                      </a:endParaRPr>
+                    </a:p>
+                  </a:txBody>
+                  <a:tcPr>
+                    <a:lnL w="12700" cap="flat" cmpd="sng" algn="ctr">
+                      <a:noFill/>
+                      <a:prstDash val="solid"/>
+                      <a:round/>
+                      <a:headEnd type="none" w="med" len="med"/>
+                      <a:tailEnd type="none" w="med" len="med"/>
+                    </a:lnL>
+                    <a:lnR w="12700" cap="flat" cmpd="sng" algn="ctr">
+                      <a:solidFill>
+                        <a:schemeClr val="tx1"/>
+                      </a:solidFill>
+                      <a:prstDash val="solid"/>
+                      <a:round/>
+                      <a:headEnd type="none" w="med" len="med"/>
+                      <a:tailEnd type="none" w="med" len="med"/>
+                    </a:lnR>
+                    <a:lnT w="12700" cap="flat" cmpd="sng" algn="ctr">
+                      <a:solidFill>
+                        <a:schemeClr val="tx1"/>
+                      </a:solidFill>
+                      <a:prstDash val="solid"/>
+                      <a:round/>
+                      <a:headEnd type="none" w="med" len="med"/>
+                      <a:tailEnd type="none" w="med" len="med"/>
+                    </a:lnT>
+                    <a:lnB w="12700" cap="flat" cmpd="sng" algn="ctr">
+                      <a:solidFill>
+                        <a:schemeClr val="tx1"/>
+                      </a:solidFill>
+                      <a:prstDash val="solid"/>
+                      <a:round/>
+                      <a:headEnd type="none" w="med" len="med"/>
+                      <a:tailEnd type="none" w="med" len="med"/>
+                    </a:lnB>
+                    <a:lnTlToBr w="12700" cmpd="sng">
+                      <a:noFill/>
+                      <a:prstDash val="solid"/>
+                    </a:lnTlToBr>
+                    <a:lnBlToTr w="12700" cmpd="sng">
+                      <a:noFill/>
+                      <a:prstDash val="solid"/>
+                    </a:lnBlToTr>
+                    <a:noFill/>
+                  </a:tcPr>
+                </a:tc>
+                <a:tc>
+                  <a:txBody>
+                    <a:bodyPr/>
+                    <a:lstStyle/>
+                    <a:p>
+                      <a:pPr algn="ctr" latinLnBrk="1"/>
+                      <a:r>
+                        <a:rPr lang="en-US" altLang="ko-KR" b="0" dirty="0">
+                          <a:solidFill>
+                            <a:schemeClr val="tx1"/>
+                          </a:solidFill>
+                        </a:rPr>
+                        <a:t>!</a:t>
+                      </a:r>
+                      <a:endParaRPr lang="ko-KR" altLang="en-US" b="0" dirty="0">
+                        <a:solidFill>
+                          <a:schemeClr val="tx1"/>
+                        </a:solidFill>
+                      </a:endParaRPr>
+                    </a:p>
+                  </a:txBody>
+                  <a:tcPr>
+                    <a:lnL w="12700" cap="flat" cmpd="sng" algn="ctr">
+                      <a:solidFill>
+                        <a:schemeClr val="tx1"/>
+                      </a:solidFill>
+                      <a:prstDash val="solid"/>
+                      <a:round/>
+                      <a:headEnd type="none" w="med" len="med"/>
+                      <a:tailEnd type="none" w="med" len="med"/>
+                    </a:lnL>
+                    <a:lnR w="12700" cap="flat" cmpd="sng" algn="ctr">
+                      <a:solidFill>
+                        <a:schemeClr val="tx1"/>
+                      </a:solidFill>
+                      <a:prstDash val="solid"/>
+                      <a:round/>
+                      <a:headEnd type="none" w="med" len="med"/>
+                      <a:tailEnd type="none" w="med" len="med"/>
+                    </a:lnR>
+                    <a:lnT w="12700" cap="flat" cmpd="sng" algn="ctr">
+                      <a:solidFill>
+                        <a:schemeClr val="tx1"/>
+                      </a:solidFill>
+                      <a:prstDash val="solid"/>
+                      <a:round/>
+                      <a:headEnd type="none" w="med" len="med"/>
+                      <a:tailEnd type="none" w="med" len="med"/>
+                    </a:lnT>
+                    <a:lnB w="12700" cap="flat" cmpd="sng" algn="ctr">
+                      <a:solidFill>
+                        <a:schemeClr val="tx1"/>
+                      </a:solidFill>
+                      <a:prstDash val="solid"/>
+                      <a:round/>
+                      <a:headEnd type="none" w="med" len="med"/>
+                      <a:tailEnd type="none" w="med" len="med"/>
+                    </a:lnB>
+                    <a:lnTlToBr w="12700" cmpd="sng">
+                      <a:noFill/>
+                      <a:prstDash val="solid"/>
+                    </a:lnTlToBr>
+                    <a:lnBlToTr w="12700" cmpd="sng">
+                      <a:noFill/>
+                      <a:prstDash val="solid"/>
+                    </a:lnBlToTr>
+                    <a:noFill/>
+                  </a:tcPr>
+                </a:tc>
+                <a:tc>
+                  <a:txBody>
+                    <a:bodyPr/>
+                    <a:lstStyle/>
+                    <a:p>
+                      <a:pPr latinLnBrk="1"/>
+                      <a:r>
+                        <a:rPr lang="ko-KR" altLang="en-US" b="0" dirty="0">
+                          <a:solidFill>
+                            <a:schemeClr val="tx1"/>
+                          </a:solidFill>
+                        </a:rPr>
+                        <a:t>수락 가능 퀘스트</a:t>
+                      </a:r>
+                    </a:p>
+                  </a:txBody>
+                  <a:tcPr>
+                    <a:lnL w="12700" cap="flat" cmpd="sng" algn="ctr">
+                      <a:solidFill>
+                        <a:schemeClr val="tx1"/>
+                      </a:solidFill>
+                      <a:prstDash val="solid"/>
+                      <a:round/>
+                      <a:headEnd type="none" w="med" len="med"/>
+                      <a:tailEnd type="none" w="med" len="med"/>
+                    </a:lnL>
+                    <a:lnR w="12700" cap="flat" cmpd="sng" algn="ctr">
+                      <a:noFill/>
+                      <a:prstDash val="solid"/>
+                      <a:round/>
+                      <a:headEnd type="none" w="med" len="med"/>
+                      <a:tailEnd type="none" w="med" len="med"/>
+                    </a:lnR>
+                    <a:lnT w="12700" cap="flat" cmpd="sng" algn="ctr">
+                      <a:solidFill>
+                        <a:schemeClr val="tx1"/>
+                      </a:solidFill>
+                      <a:prstDash val="solid"/>
+                      <a:round/>
+                      <a:headEnd type="none" w="med" len="med"/>
+                      <a:tailEnd type="none" w="med" len="med"/>
+                    </a:lnT>
+                    <a:lnB w="12700" cap="flat" cmpd="sng" algn="ctr">
+                      <a:solidFill>
+                        <a:schemeClr val="tx1"/>
+                      </a:solidFill>
+                      <a:prstDash val="solid"/>
+                      <a:round/>
+                      <a:headEnd type="none" w="med" len="med"/>
+                      <a:tailEnd type="none" w="med" len="med"/>
+                    </a:lnB>
+                    <a:lnTlToBr w="12700" cmpd="sng">
+                      <a:noFill/>
+                      <a:prstDash val="solid"/>
+                    </a:lnTlToBr>
+                    <a:lnBlToTr w="12700" cmpd="sng">
+                      <a:noFill/>
+                      <a:prstDash val="solid"/>
+                    </a:lnBlToTr>
+                    <a:noFill/>
+                  </a:tcPr>
+                </a:tc>
+                <a:extLst>
+                  <a:ext uri="{0D108BD9-81ED-4DB2-BD59-A6C34878D82A}">
+                    <a16:rowId xmlns:a16="http://schemas.microsoft.com/office/drawing/2014/main" val="3683670894"/>
+                  </a:ext>
+                </a:extLst>
+              </a:tr>
+              <a:tr h="370840">
+                <a:tc>
+                  <a:txBody>
+                    <a:bodyPr/>
+                    <a:lstStyle/>
+                    <a:p>
+                      <a:pPr algn="ctr" latinLnBrk="1"/>
+                      <a:r>
+                        <a:rPr lang="en-US" altLang="ko-KR" b="0" dirty="0">
+                          <a:solidFill>
+                            <a:schemeClr val="tx1"/>
+                          </a:solidFill>
+                        </a:rPr>
+                        <a:t>4</a:t>
+                      </a:r>
+                      <a:endParaRPr lang="ko-KR" altLang="en-US" b="0" dirty="0">
+                        <a:solidFill>
+                          <a:schemeClr val="tx1"/>
+                        </a:solidFill>
+                      </a:endParaRPr>
+                    </a:p>
+                  </a:txBody>
+                  <a:tcPr>
+                    <a:lnL w="12700" cap="flat" cmpd="sng" algn="ctr">
+                      <a:noFill/>
+                      <a:prstDash val="solid"/>
+                      <a:round/>
+                      <a:headEnd type="none" w="med" len="med"/>
+                      <a:tailEnd type="none" w="med" len="med"/>
+                    </a:lnL>
+                    <a:lnR w="12700" cap="flat" cmpd="sng" algn="ctr">
+                      <a:solidFill>
+                        <a:schemeClr val="tx1"/>
+                      </a:solidFill>
+                      <a:prstDash val="solid"/>
+                      <a:round/>
+                      <a:headEnd type="none" w="med" len="med"/>
+                      <a:tailEnd type="none" w="med" len="med"/>
+                    </a:lnR>
+                    <a:lnT w="12700" cap="flat" cmpd="sng" algn="ctr">
+                      <a:solidFill>
+                        <a:schemeClr val="tx1"/>
+                      </a:solidFill>
+                      <a:prstDash val="solid"/>
+                      <a:round/>
+                      <a:headEnd type="none" w="med" len="med"/>
+                      <a:tailEnd type="none" w="med" len="med"/>
+                    </a:lnT>
+                    <a:lnB w="12700" cap="flat" cmpd="sng" algn="ctr">
+                      <a:noFill/>
+                      <a:prstDash val="solid"/>
+                      <a:round/>
+                      <a:headEnd type="none" w="med" len="med"/>
+                      <a:tailEnd type="none" w="med" len="med"/>
+                    </a:lnB>
+                    <a:lnTlToBr w="12700" cmpd="sng">
+                      <a:noFill/>
+                      <a:prstDash val="solid"/>
+                    </a:lnTlToBr>
+                    <a:lnBlToTr w="12700" cmpd="sng">
+                      <a:noFill/>
+                      <a:prstDash val="solid"/>
+                    </a:lnBlToTr>
+                    <a:noFill/>
+                  </a:tcPr>
+                </a:tc>
+                <a:tc>
+                  <a:txBody>
+                    <a:bodyPr/>
+                    <a:lstStyle/>
+                    <a:p>
+                      <a:pPr algn="ctr" latinLnBrk="1"/>
+                      <a:r>
+                        <a:rPr lang="en-US" altLang="ko-KR" b="0" dirty="0">
+                          <a:solidFill>
+                            <a:schemeClr val="tx1"/>
+                          </a:solidFill>
+                        </a:rPr>
+                        <a:t>…</a:t>
+                      </a:r>
+                      <a:endParaRPr lang="ko-KR" altLang="en-US" b="0" dirty="0">
+                        <a:solidFill>
+                          <a:schemeClr val="tx1"/>
+                        </a:solidFill>
+                      </a:endParaRPr>
+                    </a:p>
+                  </a:txBody>
+                  <a:tcPr>
+                    <a:lnL w="12700" cap="flat" cmpd="sng" algn="ctr">
+                      <a:solidFill>
+                        <a:schemeClr val="tx1"/>
+                      </a:solidFill>
+                      <a:prstDash val="solid"/>
+                      <a:round/>
+                      <a:headEnd type="none" w="med" len="med"/>
+                      <a:tailEnd type="none" w="med" len="med"/>
+                    </a:lnL>
+                    <a:lnR w="12700" cap="flat" cmpd="sng" algn="ctr">
+                      <a:solidFill>
+                        <a:schemeClr val="tx1"/>
+                      </a:solidFill>
+                      <a:prstDash val="solid"/>
+                      <a:round/>
+                      <a:headEnd type="none" w="med" len="med"/>
+                      <a:tailEnd type="none" w="med" len="med"/>
+                    </a:lnR>
+                    <a:lnT w="12700" cap="flat" cmpd="sng" algn="ctr">
+                      <a:solidFill>
+                        <a:schemeClr val="tx1"/>
+                      </a:solidFill>
+                      <a:prstDash val="solid"/>
+                      <a:round/>
+                      <a:headEnd type="none" w="med" len="med"/>
+                      <a:tailEnd type="none" w="med" len="med"/>
+                    </a:lnT>
+                    <a:lnB w="12700" cap="flat" cmpd="sng" algn="ctr">
+                      <a:noFill/>
+                      <a:prstDash val="solid"/>
+                      <a:round/>
+                      <a:headEnd type="none" w="med" len="med"/>
+                      <a:tailEnd type="none" w="med" len="med"/>
+                    </a:lnB>
+                    <a:lnTlToBr w="12700" cmpd="sng">
+                      <a:noFill/>
+                      <a:prstDash val="solid"/>
+                    </a:lnTlToBr>
+                    <a:lnBlToTr w="12700" cmpd="sng">
+                      <a:noFill/>
+                      <a:prstDash val="solid"/>
+                    </a:lnBlToTr>
+                    <a:noFill/>
+                  </a:tcPr>
+                </a:tc>
+                <a:tc>
+                  <a:txBody>
+                    <a:bodyPr/>
+                    <a:lstStyle/>
+                    <a:p>
+                      <a:pPr latinLnBrk="1"/>
+                      <a:r>
+                        <a:rPr lang="ko-KR" altLang="en-US" b="0" dirty="0">
+                          <a:solidFill>
+                            <a:schemeClr val="tx1"/>
+                          </a:solidFill>
+                        </a:rPr>
+                        <a:t>진행 퀘스트</a:t>
+                      </a:r>
+                    </a:p>
+                  </a:txBody>
+                  <a:tcPr>
+                    <a:lnL w="12700" cap="flat" cmpd="sng" algn="ctr">
+                      <a:solidFill>
+                        <a:schemeClr val="tx1"/>
+                      </a:solidFill>
+                      <a:prstDash val="solid"/>
+                      <a:round/>
+                      <a:headEnd type="none" w="med" len="med"/>
+                      <a:tailEnd type="none" w="med" len="med"/>
+                    </a:lnL>
+                    <a:lnR w="12700" cap="flat" cmpd="sng" algn="ctr">
+                      <a:noFill/>
+                      <a:prstDash val="solid"/>
+                      <a:round/>
+                      <a:headEnd type="none" w="med" len="med"/>
+                      <a:tailEnd type="none" w="med" len="med"/>
+                    </a:lnR>
+                    <a:lnT w="12700" cap="flat" cmpd="sng" algn="ctr">
+                      <a:solidFill>
+                        <a:schemeClr val="tx1"/>
+                      </a:solidFill>
+                      <a:prstDash val="solid"/>
+                      <a:round/>
+                      <a:headEnd type="none" w="med" len="med"/>
+                      <a:tailEnd type="none" w="med" len="med"/>
+                    </a:lnT>
+                    <a:lnB w="12700" cap="flat" cmpd="sng" algn="ctr">
+                      <a:noFill/>
+                      <a:prstDash val="solid"/>
+                      <a:round/>
+                      <a:headEnd type="none" w="med" len="med"/>
+                      <a:tailEnd type="none" w="med" len="med"/>
+                    </a:lnB>
+                    <a:lnTlToBr w="12700" cmpd="sng">
+                      <a:noFill/>
+                      <a:prstDash val="solid"/>
+                    </a:lnTlToBr>
+                    <a:lnBlToTr w="12700" cmpd="sng">
+                      <a:noFill/>
+                      <a:prstDash val="solid"/>
+                    </a:lnBlToTr>
+                    <a:noFill/>
+                  </a:tcPr>
+                </a:tc>
+                <a:extLst>
+                  <a:ext uri="{0D108BD9-81ED-4DB2-BD59-A6C34878D82A}">
+                    <a16:rowId xmlns:a16="http://schemas.microsoft.com/office/drawing/2014/main" val="4193129402"/>
+                  </a:ext>
+                </a:extLst>
+              </a:tr>
+            </a:tbl>
+          </a:graphicData>
+        </a:graphic>
+      </p:graphicFrame>
+      <p:sp>
+        <p:nvSpPr>
+          <p:cNvPr id="4" name="Rect 0">
+            <a:extLst>
+              <a:ext uri="{FF2B5EF4-FFF2-40B4-BE49-F238E27FC236}">
+                <a16:creationId xmlns:a16="http://schemas.microsoft.com/office/drawing/2014/main" id="{4FB2C7C0-FA87-4F5A-AD47-920B9B07A2F3}"/>
+              </a:ext>
+            </a:extLst>
+          </p:cNvPr>
+          <p:cNvSpPr txBox="1">
+            <a:spLocks/>
+          </p:cNvSpPr>
+          <p:nvPr/>
+        </p:nvSpPr>
+        <p:spPr>
+          <a:xfrm>
+            <a:off x="695325" y="292100"/>
+            <a:ext cx="10801985" cy="862330"/>
+          </a:xfrm>
+          <a:prstGeom prst="rect">
+            <a:avLst/>
+          </a:prstGeom>
+        </p:spPr>
+        <p:txBody>
+          <a:bodyPr vert="horz" wrap="square" lIns="91440" tIns="45720" rIns="91440" bIns="45720" numCol="1" anchor="ctr">
+            <a:normAutofit/>
+          </a:bodyPr>
+          <a:lstStyle>
+            <a:lvl1pPr marL="0" indent="0" algn="l" defTabSz="914400" rtl="0" eaLnBrk="1" latinLnBrk="1" hangingPunct="1">
+              <a:lnSpc>
+                <a:spcPct val="90000"/>
+              </a:lnSpc>
+              <a:spcBef>
+                <a:spcPct val="0"/>
+              </a:spcBef>
+              <a:buFontTx/>
+              <a:buNone/>
+              <a:defRPr lang="en-GB" altLang="en-US" sz="4400">
+                <a:solidFill>
+                  <a:schemeClr val="tx1"/>
+                </a:solidFill>
+                <a:latin typeface="+mj-lt"/>
+                <a:ea typeface="+mj-ea"/>
+                <a:cs typeface="+mj-cs"/>
+              </a:defRPr>
+            </a:lvl1pPr>
+          </a:lstStyle>
+          <a:p>
+            <a:pPr marL="0" indent="0" latinLnBrk="0">
+              <a:buFontTx/>
+              <a:buNone/>
+            </a:pPr>
+            <a:r>
+              <a:rPr lang="ko-KR" altLang="en-US" dirty="0"/>
+              <a:t>알림 규칙</a:t>
+            </a:r>
+          </a:p>
+        </p:txBody>
+      </p:sp>
       <p:pic>
         <p:nvPicPr>
-          <p:cNvPr id="4" name="그림 3">
+          <p:cNvPr id="3" name="그림 2">
             <a:extLst>
               <a:ext uri="{FF2B5EF4-FFF2-40B4-BE49-F238E27FC236}">
-                <a16:creationId xmlns:a16="http://schemas.microsoft.com/office/drawing/2014/main" id="{E1FB60E2-E889-4AEE-937F-8A1F1195287A}"/>
+                <a16:creationId xmlns:a16="http://schemas.microsoft.com/office/drawing/2014/main" id="{E7A3274A-3188-4862-AB60-288A93586422}"/>
               </a:ext>
             </a:extLst>
           </p:cNvPr>
@@ -10342,7 +11250,7 @@
           <p:nvPr/>
         </p:nvPicPr>
         <p:blipFill>
-          <a:blip r:embed="rId2">
+          <a:blip r:embed="rId2" cstate="print">
             <a:extLst>
               <a:ext uri="{28A0092B-C50C-407E-A947-70E740481C1C}">
                 <a14:useLocalDpi xmlns:a14="http://schemas.microsoft.com/office/drawing/2010/main" val="0"/>
@@ -10355,8 +11263,8 @@
         </p:blipFill>
         <p:spPr>
           <a:xfrm>
-            <a:off x="5530724" y="1154430"/>
-            <a:ext cx="1821654" cy="4545623"/>
+            <a:off x="921369" y="1259937"/>
+            <a:ext cx="2261446" cy="5121179"/>
           </a:xfrm>
           <a:prstGeom prst="rect">
             <a:avLst/>
@@ -10366,7 +11274,7 @@
     </p:spTree>
     <p:extLst>
       <p:ext uri="{BB962C8B-B14F-4D97-AF65-F5344CB8AC3E}">
-        <p14:creationId xmlns:p14="http://schemas.microsoft.com/office/powerpoint/2010/main" val="1203411937"/>
+        <p14:creationId xmlns:p14="http://schemas.microsoft.com/office/powerpoint/2010/main" val="890369960"/>
       </p:ext>
     </p:extLst>
   </p:cSld>
@@ -10395,10 +11303,10 @@
       </p:grpSpPr>
       <p:graphicFrame>
         <p:nvGraphicFramePr>
-          <p:cNvPr id="6" name="내용 개체 틀 5">
+          <p:cNvPr id="3" name="표 2">
             <a:extLst>
               <a:ext uri="{FF2B5EF4-FFF2-40B4-BE49-F238E27FC236}">
-                <a16:creationId xmlns:a16="http://schemas.microsoft.com/office/drawing/2014/main" id="{9A1AAAF8-6CFC-415C-B3C1-0B31C113F8CF}"/>
+                <a16:creationId xmlns:a16="http://schemas.microsoft.com/office/drawing/2014/main" id="{6B149E06-D727-413E-A30E-61DF8DDA8ABE}"/>
               </a:ext>
             </a:extLst>
           </p:cNvPr>
@@ -10406,17 +11314,16 @@
             <a:graphicFrameLocks noGrp="1"/>
           </p:cNvGraphicFramePr>
           <p:nvPr>
-            <p:ph idx="1"/>
             <p:extLst>
               <p:ext uri="{D42A27DB-BD31-4B8C-83A1-F6EECF244321}">
-                <p14:modId xmlns:p14="http://schemas.microsoft.com/office/powerpoint/2010/main" val="3634917624"/>
+                <p14:modId xmlns:p14="http://schemas.microsoft.com/office/powerpoint/2010/main" val="2277775759"/>
               </p:ext>
             </p:extLst>
           </p:nvPr>
         </p:nvGraphicFramePr>
         <p:xfrm>
-          <a:off x="1416050" y="2477512"/>
-          <a:ext cx="9359900" cy="1902976"/>
+          <a:off x="1610994" y="1280258"/>
+          <a:ext cx="8970011" cy="1112520"/>
         </p:xfrm>
         <a:graphic>
           <a:graphicData uri="http://schemas.openxmlformats.org/drawingml/2006/table">
@@ -10425,15 +11332,102 @@
                 <a:tableStyleId>{5C22544A-7EE6-4342-B048-85BDC9FD1C3A}</a:tableStyleId>
               </a:tblPr>
               <a:tblGrid>
-                <a:gridCol w="9359900">
+                <a:gridCol w="721043">
                   <a:extLst>
                     <a:ext uri="{9D8B030D-6E8A-4147-A177-3AD203B41FA5}">
-                      <a16:colId xmlns:a16="http://schemas.microsoft.com/office/drawing/2014/main" val="2167911011"/>
+                      <a16:colId xmlns:a16="http://schemas.microsoft.com/office/drawing/2014/main" val="2985730691"/>
+                    </a:ext>
+                  </a:extLst>
+                </a:gridCol>
+                <a:gridCol w="8248968">
+                  <a:extLst>
+                    <a:ext uri="{9D8B030D-6E8A-4147-A177-3AD203B41FA5}">
+                      <a16:colId xmlns:a16="http://schemas.microsoft.com/office/drawing/2014/main" val="4067130978"/>
                     </a:ext>
                   </a:extLst>
                 </a:gridCol>
               </a:tblGrid>
-              <a:tr h="384812">
+              <a:tr h="370840">
+                <a:tc gridSpan="2">
+                  <a:txBody>
+                    <a:bodyPr/>
+                    <a:lstStyle/>
+                    <a:p>
+                      <a:pPr latinLnBrk="1"/>
+                      <a:r>
+                        <a:rPr lang="ko-KR" altLang="en-US" b="0" dirty="0">
+                          <a:solidFill>
+                            <a:schemeClr val="tx1"/>
+                          </a:solidFill>
+                        </a:rPr>
+                        <a:t>수락</a:t>
+                      </a:r>
+                    </a:p>
+                  </a:txBody>
+                  <a:tcPr>
+                    <a:lnL w="12700" cap="flat" cmpd="sng" algn="ctr">
+                      <a:noFill/>
+                      <a:prstDash val="solid"/>
+                      <a:round/>
+                      <a:headEnd type="none" w="med" len="med"/>
+                      <a:tailEnd type="none" w="med" len="med"/>
+                    </a:lnL>
+                    <a:lnR w="12700" cap="flat" cmpd="sng" algn="ctr">
+                      <a:noFill/>
+                      <a:prstDash val="solid"/>
+                      <a:round/>
+                      <a:headEnd type="none" w="med" len="med"/>
+                      <a:tailEnd type="none" w="med" len="med"/>
+                    </a:lnR>
+                    <a:lnT w="12700" cap="flat" cmpd="sng" algn="ctr">
+                      <a:noFill/>
+                      <a:prstDash val="solid"/>
+                      <a:round/>
+                      <a:headEnd type="none" w="med" len="med"/>
+                      <a:tailEnd type="none" w="med" len="med"/>
+                    </a:lnT>
+                    <a:lnB w="12700" cap="flat" cmpd="sng" algn="ctr">
+                      <a:solidFill>
+                        <a:schemeClr val="tx1"/>
+                      </a:solidFill>
+                      <a:prstDash val="solid"/>
+                      <a:round/>
+                      <a:headEnd type="none" w="med" len="med"/>
+                      <a:tailEnd type="none" w="med" len="med"/>
+                    </a:lnB>
+                    <a:lnTlToBr w="12700" cmpd="sng">
+                      <a:noFill/>
+                      <a:prstDash val="solid"/>
+                    </a:lnTlToBr>
+                    <a:lnBlToTr w="12700" cmpd="sng">
+                      <a:noFill/>
+                      <a:prstDash val="solid"/>
+                    </a:lnBlToTr>
+                    <a:solidFill>
+                      <a:schemeClr val="bg1">
+                        <a:lumMod val="95000"/>
+                      </a:schemeClr>
+                    </a:solidFill>
+                  </a:tcPr>
+                </a:tc>
+                <a:tc hMerge="1">
+                  <a:txBody>
+                    <a:bodyPr/>
+                    <a:lstStyle/>
+                    <a:p>
+                      <a:pPr latinLnBrk="1"/>
+                      <a:endParaRPr lang="ko-KR" altLang="en-US"/>
+                    </a:p>
+                  </a:txBody>
+                  <a:tcPr/>
+                </a:tc>
+                <a:extLst>
+                  <a:ext uri="{0D108BD9-81ED-4DB2-BD59-A6C34878D82A}">
+                    <a16:rowId xmlns:a16="http://schemas.microsoft.com/office/drawing/2014/main" val="4232510737"/>
+                  </a:ext>
+                </a:extLst>
+              </a:tr>
+              <a:tr h="370840">
                 <a:tc>
                   <a:txBody>
                     <a:bodyPr/>
@@ -10441,32 +11435,132 @@
                     <a:p>
                       <a:pPr latinLnBrk="1"/>
                       <a:r>
-                        <a:rPr lang="en-US" altLang="ko-KR" dirty="0">
-                          <a:solidFill>
-                            <a:schemeClr val="tx1"/>
-                          </a:solidFill>
-                        </a:rPr>
-                        <a:t>-</a:t>
-                      </a:r>
-                      <a:endParaRPr lang="ko-KR" altLang="en-US" dirty="0">
+                        <a:rPr lang="ko-KR" altLang="en-US" b="0" dirty="0">
+                          <a:solidFill>
+                            <a:schemeClr val="tx1"/>
+                          </a:solidFill>
+                        </a:rPr>
+                        <a:t>자동</a:t>
+                      </a:r>
+                    </a:p>
+                  </a:txBody>
+                  <a:tcPr>
+                    <a:lnL w="12700" cap="flat" cmpd="sng" algn="ctr">
+                      <a:noFill/>
+                      <a:prstDash val="solid"/>
+                      <a:round/>
+                      <a:headEnd type="none" w="med" len="med"/>
+                      <a:tailEnd type="none" w="med" len="med"/>
+                    </a:lnL>
+                    <a:lnR w="12700" cap="flat" cmpd="sng" algn="ctr">
+                      <a:solidFill>
+                        <a:schemeClr val="tx1"/>
+                      </a:solidFill>
+                      <a:prstDash val="solid"/>
+                      <a:round/>
+                      <a:headEnd type="none" w="med" len="med"/>
+                      <a:tailEnd type="none" w="med" len="med"/>
+                    </a:lnR>
+                    <a:lnT w="12700" cap="flat" cmpd="sng" algn="ctr">
+                      <a:solidFill>
+                        <a:schemeClr val="tx1"/>
+                      </a:solidFill>
+                      <a:prstDash val="solid"/>
+                      <a:round/>
+                      <a:headEnd type="none" w="med" len="med"/>
+                      <a:tailEnd type="none" w="med" len="med"/>
+                    </a:lnT>
+                    <a:lnB w="12700" cap="flat" cmpd="sng" algn="ctr">
+                      <a:solidFill>
+                        <a:schemeClr val="tx1"/>
+                      </a:solidFill>
+                      <a:prstDash val="solid"/>
+                      <a:round/>
+                      <a:headEnd type="none" w="med" len="med"/>
+                      <a:tailEnd type="none" w="med" len="med"/>
+                    </a:lnB>
+                    <a:lnTlToBr w="12700" cmpd="sng">
+                      <a:noFill/>
+                      <a:prstDash val="solid"/>
+                    </a:lnTlToBr>
+                    <a:lnBlToTr w="12700" cmpd="sng">
+                      <a:noFill/>
+                      <a:prstDash val="solid"/>
+                    </a:lnBlToTr>
+                    <a:noFill/>
+                  </a:tcPr>
+                </a:tc>
+                <a:tc>
+                  <a:txBody>
+                    <a:bodyPr/>
+                    <a:lstStyle/>
+                    <a:p>
+                      <a:pPr latinLnBrk="1"/>
+                      <a:r>
+                        <a:rPr lang="ko-KR" altLang="en-US" sz="1800" b="0" dirty="0">
+                          <a:solidFill>
+                            <a:schemeClr val="tx1"/>
+                          </a:solidFill>
+                        </a:rPr>
+                        <a:t>퀘스트 발생 시 자동으로 </a:t>
+                      </a:r>
+                      <a:r>
+                        <a:rPr lang="en-US" altLang="ko-KR" sz="1800" b="0" dirty="0">
+                          <a:solidFill>
+                            <a:schemeClr val="tx1"/>
+                          </a:solidFill>
+                        </a:rPr>
+                        <a:t>PC</a:t>
+                      </a:r>
+                      <a:r>
+                        <a:rPr lang="ko-KR" altLang="en-US" sz="1800" b="0" dirty="0">
+                          <a:solidFill>
+                            <a:schemeClr val="tx1"/>
+                          </a:solidFill>
+                        </a:rPr>
+                        <a:t>에게 부여됨</a:t>
+                      </a:r>
+                      <a:endParaRPr lang="en-US" altLang="ko-KR" sz="1800" b="0" dirty="0">
                         <a:solidFill>
                           <a:schemeClr val="tx1"/>
                         </a:solidFill>
                       </a:endParaRPr>
                     </a:p>
                   </a:txBody>
-                  <a:tcPr>
-                    <a:lnL w="12700" cmpd="sng">
-                      <a:noFill/>
+                  <a:tcPr anchor="ctr">
+                    <a:lnL w="12700" cap="flat" cmpd="sng" algn="ctr">
+                      <a:solidFill>
+                        <a:schemeClr val="tx1"/>
+                      </a:solidFill>
+                      <a:prstDash val="solid"/>
+                      <a:round/>
+                      <a:headEnd type="none" w="med" len="med"/>
+                      <a:tailEnd type="none" w="med" len="med"/>
                     </a:lnL>
-                    <a:lnR w="12700" cmpd="sng">
-                      <a:noFill/>
+                    <a:lnR w="12700" cap="flat" cmpd="sng" algn="ctr">
+                      <a:noFill/>
+                      <a:prstDash val="solid"/>
+                      <a:round/>
+                      <a:headEnd type="none" w="med" len="med"/>
+                      <a:tailEnd type="none" w="med" len="med"/>
                     </a:lnR>
-                    <a:lnT w="12700" cmpd="sng">
-                      <a:noFill/>
+                    <a:lnT w="12700" cap="flat" cmpd="sng" algn="ctr">
+                      <a:solidFill>
+                        <a:schemeClr val="tx1"/>
+                      </a:solidFill>
+                      <a:prstDash val="solid"/>
+                      <a:round/>
+                      <a:headEnd type="none" w="med" len="med"/>
+                      <a:tailEnd type="none" w="med" len="med"/>
                     </a:lnT>
-                    <a:lnB w="38100" cmpd="sng">
-                      <a:noFill/>
+                    <a:lnB w="12700" cap="flat" cmpd="sng" algn="ctr">
+                      <a:solidFill>
+                        <a:schemeClr val="tx1"/>
+                      </a:solidFill>
+                      <a:prstDash val="solid"/>
+                      <a:round/>
+                      <a:headEnd type="none" w="med" len="med"/>
+                      <a:tailEnd type="none" w="med" len="med"/>
                     </a:lnB>
                     <a:lnTlToBr w="12700" cmpd="sng">
                       <a:noFill/>
@@ -10481,11 +11575,71 @@
                 </a:tc>
                 <a:extLst>
                   <a:ext uri="{0D108BD9-81ED-4DB2-BD59-A6C34878D82A}">
-                    <a16:rowId xmlns:a16="http://schemas.microsoft.com/office/drawing/2014/main" val="2878811495"/>
+                    <a16:rowId xmlns:a16="http://schemas.microsoft.com/office/drawing/2014/main" val="3988176277"/>
                   </a:ext>
                 </a:extLst>
               </a:tr>
-              <a:tr h="1518164">
+              <a:tr h="370840">
+                <a:tc>
+                  <a:txBody>
+                    <a:bodyPr/>
+                    <a:lstStyle/>
+                    <a:p>
+                      <a:pPr latinLnBrk="1"/>
+                      <a:r>
+                        <a:rPr lang="ko-KR" altLang="en-US" b="0" dirty="0">
+                          <a:solidFill>
+                            <a:schemeClr val="tx1"/>
+                          </a:solidFill>
+                        </a:rPr>
+                        <a:t>수동</a:t>
+                      </a:r>
+                    </a:p>
+                  </a:txBody>
+                  <a:tcPr>
+                    <a:lnL w="12700" cap="flat" cmpd="sng" algn="ctr">
+                      <a:noFill/>
+                      <a:prstDash val="solid"/>
+                      <a:round/>
+                      <a:headEnd type="none" w="med" len="med"/>
+                      <a:tailEnd type="none" w="med" len="med"/>
+                    </a:lnL>
+                    <a:lnR w="12700" cap="flat" cmpd="sng" algn="ctr">
+                      <a:solidFill>
+                        <a:schemeClr val="tx1"/>
+                      </a:solidFill>
+                      <a:prstDash val="solid"/>
+                      <a:round/>
+                      <a:headEnd type="none" w="med" len="med"/>
+                      <a:tailEnd type="none" w="med" len="med"/>
+                    </a:lnR>
+                    <a:lnT w="12700" cap="flat" cmpd="sng" algn="ctr">
+                      <a:solidFill>
+                        <a:schemeClr val="tx1"/>
+                      </a:solidFill>
+                      <a:prstDash val="solid"/>
+                      <a:round/>
+                      <a:headEnd type="none" w="med" len="med"/>
+                      <a:tailEnd type="none" w="med" len="med"/>
+                    </a:lnT>
+                    <a:lnB w="12700" cap="flat" cmpd="sng" algn="ctr">
+                      <a:noFill/>
+                      <a:prstDash val="solid"/>
+                      <a:round/>
+                      <a:headEnd type="none" w="med" len="med"/>
+                      <a:tailEnd type="none" w="med" len="med"/>
+                    </a:lnB>
+                    <a:lnTlToBr w="12700" cmpd="sng">
+                      <a:noFill/>
+                      <a:prstDash val="solid"/>
+                    </a:lnTlToBr>
+                    <a:lnBlToTr w="12700" cmpd="sng">
+                      <a:noFill/>
+                      <a:prstDash val="solid"/>
+                    </a:lnBlToTr>
+                    <a:noFill/>
+                  </a:tcPr>
+                </a:tc>
                 <a:tc>
                   <a:txBody>
                     <a:bodyPr/>
@@ -10509,25 +11663,1221 @@
                         <a:defRPr/>
                       </a:pPr>
                       <a:r>
-                        <a:rPr lang="ko-KR" altLang="en-US" sz="1800" dirty="0">
-                          <a:solidFill>
-                            <a:schemeClr val="tx1"/>
-                          </a:solidFill>
-                          <a:latin typeface="맑은 고딕" charset="0"/>
-                          <a:ea typeface="맑은 고딕" charset="0"/>
-                          <a:cs typeface="Times New Roman" charset="0"/>
-                        </a:rPr>
-                        <a:t>시스템 기획</a:t>
-                      </a:r>
-                      <a:endParaRPr lang="en-US" altLang="ko-KR" sz="1800" dirty="0">
+                        <a:rPr lang="ko-KR" altLang="en-US" sz="1800" b="0" dirty="0">
+                          <a:solidFill>
+                            <a:schemeClr val="tx1"/>
+                          </a:solidFill>
+                        </a:rPr>
+                        <a:t>퀘스트 발생 시 </a:t>
+                      </a:r>
+                      <a:r>
+                        <a:rPr lang="en-US" altLang="ko-KR" sz="1800" b="0" dirty="0">
+                          <a:solidFill>
+                            <a:schemeClr val="tx1"/>
+                          </a:solidFill>
+                        </a:rPr>
+                        <a:t>PC</a:t>
+                      </a:r>
+                      <a:r>
+                        <a:rPr lang="ko-KR" altLang="en-US" sz="1800" b="0" dirty="0">
+                          <a:solidFill>
+                            <a:schemeClr val="tx1"/>
+                          </a:solidFill>
+                        </a:rPr>
+                        <a:t>가 직접 해당 </a:t>
+                      </a:r>
+                      <a:r>
+                        <a:rPr lang="en-US" altLang="ko-KR" sz="1800" b="0" dirty="0">
+                          <a:solidFill>
+                            <a:schemeClr val="tx1"/>
+                          </a:solidFill>
+                        </a:rPr>
+                        <a:t>NPC, </a:t>
+                      </a:r>
+                      <a:r>
+                        <a:rPr lang="ko-KR" altLang="en-US" sz="1800" b="0" dirty="0">
+                          <a:solidFill>
+                            <a:schemeClr val="tx1"/>
+                          </a:solidFill>
+                        </a:rPr>
+                        <a:t>오브젝트와 상호작용하여 퀘스트를 수락</a:t>
+                      </a:r>
+                      <a:endParaRPr lang="en-US" altLang="ko-KR" sz="1800" b="0" dirty="0">
                         <a:solidFill>
                           <a:schemeClr val="tx1"/>
                         </a:solidFill>
-                        <a:latin typeface="맑은 고딕" charset="0"/>
-                        <a:ea typeface="맑은 고딕" charset="0"/>
-                        <a:cs typeface="Times New Roman" charset="0"/>
                       </a:endParaRPr>
                     </a:p>
+                  </a:txBody>
+                  <a:tcPr anchor="ctr">
+                    <a:lnL w="12700" cap="flat" cmpd="sng" algn="ctr">
+                      <a:solidFill>
+                        <a:schemeClr val="tx1"/>
+                      </a:solidFill>
+                      <a:prstDash val="solid"/>
+                      <a:round/>
+                      <a:headEnd type="none" w="med" len="med"/>
+                      <a:tailEnd type="none" w="med" len="med"/>
+                    </a:lnL>
+                    <a:lnR w="12700" cap="flat" cmpd="sng" algn="ctr">
+                      <a:noFill/>
+                      <a:prstDash val="solid"/>
+                      <a:round/>
+                      <a:headEnd type="none" w="med" len="med"/>
+                      <a:tailEnd type="none" w="med" len="med"/>
+                    </a:lnR>
+                    <a:lnT w="12700" cap="flat" cmpd="sng" algn="ctr">
+                      <a:solidFill>
+                        <a:schemeClr val="tx1"/>
+                      </a:solidFill>
+                      <a:prstDash val="solid"/>
+                      <a:round/>
+                      <a:headEnd type="none" w="med" len="med"/>
+                      <a:tailEnd type="none" w="med" len="med"/>
+                    </a:lnT>
+                    <a:lnB w="12700" cap="flat" cmpd="sng" algn="ctr">
+                      <a:noFill/>
+                      <a:prstDash val="solid"/>
+                      <a:round/>
+                      <a:headEnd type="none" w="med" len="med"/>
+                      <a:tailEnd type="none" w="med" len="med"/>
+                    </a:lnB>
+                    <a:lnTlToBr w="12700" cmpd="sng">
+                      <a:noFill/>
+                      <a:prstDash val="solid"/>
+                    </a:lnTlToBr>
+                    <a:lnBlToTr w="12700" cmpd="sng">
+                      <a:noFill/>
+                      <a:prstDash val="solid"/>
+                    </a:lnBlToTr>
+                    <a:noFill/>
+                  </a:tcPr>
+                </a:tc>
+                <a:extLst>
+                  <a:ext uri="{0D108BD9-81ED-4DB2-BD59-A6C34878D82A}">
+                    <a16:rowId xmlns:a16="http://schemas.microsoft.com/office/drawing/2014/main" val="2317482956"/>
+                  </a:ext>
+                </a:extLst>
+              </a:tr>
+            </a:tbl>
+          </a:graphicData>
+        </a:graphic>
+      </p:graphicFrame>
+      <p:graphicFrame>
+        <p:nvGraphicFramePr>
+          <p:cNvPr id="4" name="표 3">
+            <a:extLst>
+              <a:ext uri="{FF2B5EF4-FFF2-40B4-BE49-F238E27FC236}">
+                <a16:creationId xmlns:a16="http://schemas.microsoft.com/office/drawing/2014/main" id="{0461EF50-ACB9-42F3-8CCE-F37B99208C8C}"/>
+              </a:ext>
+            </a:extLst>
+          </p:cNvPr>
+          <p:cNvGraphicFramePr>
+            <a:graphicFrameLocks noGrp="1"/>
+          </p:cNvGraphicFramePr>
+          <p:nvPr>
+            <p:extLst>
+              <p:ext uri="{D42A27DB-BD31-4B8C-83A1-F6EECF244321}">
+                <p14:modId xmlns:p14="http://schemas.microsoft.com/office/powerpoint/2010/main" val="1994458223"/>
+              </p:ext>
+            </p:extLst>
+          </p:nvPr>
+        </p:nvGraphicFramePr>
+        <p:xfrm>
+          <a:off x="1610994" y="2875336"/>
+          <a:ext cx="8970011" cy="2560320"/>
+        </p:xfrm>
+        <a:graphic>
+          <a:graphicData uri="http://schemas.openxmlformats.org/drawingml/2006/table">
+            <a:tbl>
+              <a:tblPr firstRow="1" bandRow="1">
+                <a:tableStyleId>{5C22544A-7EE6-4342-B048-85BDC9FD1C3A}</a:tableStyleId>
+              </a:tblPr>
+              <a:tblGrid>
+                <a:gridCol w="8970011">
+                  <a:extLst>
+                    <a:ext uri="{9D8B030D-6E8A-4147-A177-3AD203B41FA5}">
+                      <a16:colId xmlns:a16="http://schemas.microsoft.com/office/drawing/2014/main" val="2985730691"/>
+                    </a:ext>
+                  </a:extLst>
+                </a:gridCol>
+              </a:tblGrid>
+              <a:tr h="0">
+                <a:tc>
+                  <a:txBody>
+                    <a:bodyPr/>
+                    <a:lstStyle/>
+                    <a:p>
+                      <a:pPr latinLnBrk="1"/>
+                      <a:r>
+                        <a:rPr lang="ko-KR" altLang="en-US" b="0" dirty="0">
+                          <a:solidFill>
+                            <a:schemeClr val="tx1"/>
+                          </a:solidFill>
+                        </a:rPr>
+                        <a:t>진행</a:t>
+                      </a:r>
+                    </a:p>
+                  </a:txBody>
+                  <a:tcPr>
+                    <a:lnL w="12700" cap="flat" cmpd="sng" algn="ctr">
+                      <a:noFill/>
+                      <a:prstDash val="solid"/>
+                      <a:round/>
+                      <a:headEnd type="none" w="med" len="med"/>
+                      <a:tailEnd type="none" w="med" len="med"/>
+                    </a:lnL>
+                    <a:lnR w="12700" cap="flat" cmpd="sng" algn="ctr">
+                      <a:noFill/>
+                      <a:prstDash val="solid"/>
+                      <a:round/>
+                      <a:headEnd type="none" w="med" len="med"/>
+                      <a:tailEnd type="none" w="med" len="med"/>
+                    </a:lnR>
+                    <a:lnT w="12700" cap="flat" cmpd="sng" algn="ctr">
+                      <a:noFill/>
+                      <a:prstDash val="solid"/>
+                      <a:round/>
+                      <a:headEnd type="none" w="med" len="med"/>
+                      <a:tailEnd type="none" w="med" len="med"/>
+                    </a:lnT>
+                    <a:lnB w="12700" cap="flat" cmpd="sng" algn="ctr">
+                      <a:solidFill>
+                        <a:schemeClr val="tx1"/>
+                      </a:solidFill>
+                      <a:prstDash val="solid"/>
+                      <a:round/>
+                      <a:headEnd type="none" w="med" len="med"/>
+                      <a:tailEnd type="none" w="med" len="med"/>
+                    </a:lnB>
+                    <a:lnTlToBr w="12700" cmpd="sng">
+                      <a:noFill/>
+                      <a:prstDash val="solid"/>
+                    </a:lnTlToBr>
+                    <a:lnBlToTr w="12700" cmpd="sng">
+                      <a:noFill/>
+                      <a:prstDash val="solid"/>
+                    </a:lnBlToTr>
+                    <a:solidFill>
+                      <a:schemeClr val="bg1">
+                        <a:lumMod val="95000"/>
+                      </a:schemeClr>
+                    </a:solidFill>
+                  </a:tcPr>
+                </a:tc>
+                <a:extLst>
+                  <a:ext uri="{0D108BD9-81ED-4DB2-BD59-A6C34878D82A}">
+                    <a16:rowId xmlns:a16="http://schemas.microsoft.com/office/drawing/2014/main" val="4232510737"/>
+                  </a:ext>
+                </a:extLst>
+              </a:tr>
+              <a:tr h="0">
+                <a:tc>
+                  <a:txBody>
+                    <a:bodyPr/>
+                    <a:lstStyle/>
+                    <a:p>
+                      <a:pPr latinLnBrk="1"/>
+                      <a:r>
+                        <a:rPr lang="ko-KR" altLang="en-US" sz="1800" b="0" dirty="0">
+                          <a:solidFill>
+                            <a:schemeClr val="tx1"/>
+                          </a:solidFill>
+                        </a:rPr>
+                        <a:t>퀘스트의 내용 표기</a:t>
+                      </a:r>
+                      <a:endParaRPr lang="en-US" altLang="ko-KR" sz="1800" b="0" dirty="0">
+                        <a:solidFill>
+                          <a:schemeClr val="tx1"/>
+                        </a:solidFill>
+                      </a:endParaRPr>
+                    </a:p>
+                  </a:txBody>
+                  <a:tcPr>
+                    <a:lnL w="12700" cap="flat" cmpd="sng" algn="ctr">
+                      <a:noFill/>
+                      <a:prstDash val="solid"/>
+                      <a:round/>
+                      <a:headEnd type="none" w="med" len="med"/>
+                      <a:tailEnd type="none" w="med" len="med"/>
+                    </a:lnL>
+                    <a:lnR w="12700" cap="flat" cmpd="sng" algn="ctr">
+                      <a:noFill/>
+                      <a:prstDash val="solid"/>
+                      <a:round/>
+                      <a:headEnd type="none" w="med" len="med"/>
+                      <a:tailEnd type="none" w="med" len="med"/>
+                    </a:lnR>
+                    <a:lnT w="12700" cap="flat" cmpd="sng" algn="ctr">
+                      <a:solidFill>
+                        <a:schemeClr val="tx1"/>
+                      </a:solidFill>
+                      <a:prstDash val="solid"/>
+                      <a:round/>
+                      <a:headEnd type="none" w="med" len="med"/>
+                      <a:tailEnd type="none" w="med" len="med"/>
+                    </a:lnT>
+                    <a:lnB w="12700" cap="flat" cmpd="sng" algn="ctr">
+                      <a:solidFill>
+                        <a:schemeClr val="tx1"/>
+                      </a:solidFill>
+                      <a:prstDash val="solid"/>
+                      <a:round/>
+                      <a:headEnd type="none" w="med" len="med"/>
+                      <a:tailEnd type="none" w="med" len="med"/>
+                    </a:lnB>
+                    <a:lnTlToBr w="12700" cmpd="sng">
+                      <a:noFill/>
+                      <a:prstDash val="solid"/>
+                    </a:lnTlToBr>
+                    <a:lnBlToTr w="12700" cmpd="sng">
+                      <a:noFill/>
+                      <a:prstDash val="solid"/>
+                    </a:lnBlToTr>
+                    <a:noFill/>
+                  </a:tcPr>
+                </a:tc>
+                <a:extLst>
+                  <a:ext uri="{0D108BD9-81ED-4DB2-BD59-A6C34878D82A}">
+                    <a16:rowId xmlns:a16="http://schemas.microsoft.com/office/drawing/2014/main" val="3988176277"/>
+                  </a:ext>
+                </a:extLst>
+              </a:tr>
+              <a:tr h="0">
+                <a:tc>
+                  <a:txBody>
+                    <a:bodyPr/>
+                    <a:lstStyle/>
+                    <a:p>
+                      <a:pPr latinLnBrk="1"/>
+                      <a:r>
+                        <a:rPr lang="ko-KR" altLang="en-US" sz="1800" b="0" dirty="0">
+                          <a:solidFill>
+                            <a:schemeClr val="tx1"/>
+                          </a:solidFill>
+                        </a:rPr>
+                        <a:t>퀘스트의 진행도 표기</a:t>
+                      </a:r>
+                      <a:endParaRPr lang="en-US" altLang="ko-KR" sz="1800" b="0" dirty="0">
+                        <a:solidFill>
+                          <a:schemeClr val="tx1"/>
+                        </a:solidFill>
+                      </a:endParaRPr>
+                    </a:p>
+                  </a:txBody>
+                  <a:tcPr>
+                    <a:lnL w="12700" cap="flat" cmpd="sng" algn="ctr">
+                      <a:noFill/>
+                      <a:prstDash val="solid"/>
+                      <a:round/>
+                      <a:headEnd type="none" w="med" len="med"/>
+                      <a:tailEnd type="none" w="med" len="med"/>
+                    </a:lnL>
+                    <a:lnR w="12700" cap="flat" cmpd="sng" algn="ctr">
+                      <a:noFill/>
+                      <a:prstDash val="solid"/>
+                      <a:round/>
+                      <a:headEnd type="none" w="med" len="med"/>
+                      <a:tailEnd type="none" w="med" len="med"/>
+                    </a:lnR>
+                    <a:lnT w="12700" cap="flat" cmpd="sng" algn="ctr">
+                      <a:solidFill>
+                        <a:schemeClr val="tx1"/>
+                      </a:solidFill>
+                      <a:prstDash val="solid"/>
+                      <a:round/>
+                      <a:headEnd type="none" w="med" len="med"/>
+                      <a:tailEnd type="none" w="med" len="med"/>
+                    </a:lnT>
+                    <a:lnB w="12700" cap="flat" cmpd="sng" algn="ctr">
+                      <a:solidFill>
+                        <a:schemeClr val="tx1"/>
+                      </a:solidFill>
+                      <a:prstDash val="solid"/>
+                      <a:round/>
+                      <a:headEnd type="none" w="med" len="med"/>
+                      <a:tailEnd type="none" w="med" len="med"/>
+                    </a:lnB>
+                    <a:lnTlToBr w="12700" cmpd="sng">
+                      <a:noFill/>
+                      <a:prstDash val="solid"/>
+                    </a:lnTlToBr>
+                    <a:lnBlToTr w="12700" cmpd="sng">
+                      <a:noFill/>
+                      <a:prstDash val="solid"/>
+                    </a:lnBlToTr>
+                    <a:noFill/>
+                  </a:tcPr>
+                </a:tc>
+                <a:extLst>
+                  <a:ext uri="{0D108BD9-81ED-4DB2-BD59-A6C34878D82A}">
+                    <a16:rowId xmlns:a16="http://schemas.microsoft.com/office/drawing/2014/main" val="3334016779"/>
+                  </a:ext>
+                </a:extLst>
+              </a:tr>
+              <a:tr h="0">
+                <a:tc>
+                  <a:txBody>
+                    <a:bodyPr/>
+                    <a:lstStyle/>
+                    <a:p>
+                      <a:pPr latinLnBrk="1"/>
+                      <a:r>
+                        <a:rPr lang="ko-KR" altLang="en-US" sz="1800" b="0" dirty="0">
+                          <a:solidFill>
+                            <a:schemeClr val="tx1"/>
+                          </a:solidFill>
+                        </a:rPr>
+                        <a:t>퀘스트의 분류 표기</a:t>
+                      </a:r>
+                      <a:endParaRPr lang="en-US" altLang="ko-KR" sz="1800" b="0" dirty="0">
+                        <a:solidFill>
+                          <a:schemeClr val="tx1"/>
+                        </a:solidFill>
+                      </a:endParaRPr>
+                    </a:p>
+                  </a:txBody>
+                  <a:tcPr>
+                    <a:lnL w="12700" cap="flat" cmpd="sng" algn="ctr">
+                      <a:noFill/>
+                      <a:prstDash val="solid"/>
+                      <a:round/>
+                      <a:headEnd type="none" w="med" len="med"/>
+                      <a:tailEnd type="none" w="med" len="med"/>
+                    </a:lnL>
+                    <a:lnR w="12700" cap="flat" cmpd="sng" algn="ctr">
+                      <a:noFill/>
+                      <a:prstDash val="solid"/>
+                      <a:round/>
+                      <a:headEnd type="none" w="med" len="med"/>
+                      <a:tailEnd type="none" w="med" len="med"/>
+                    </a:lnR>
+                    <a:lnT w="12700" cap="flat" cmpd="sng" algn="ctr">
+                      <a:solidFill>
+                        <a:schemeClr val="tx1"/>
+                      </a:solidFill>
+                      <a:prstDash val="solid"/>
+                      <a:round/>
+                      <a:headEnd type="none" w="med" len="med"/>
+                      <a:tailEnd type="none" w="med" len="med"/>
+                    </a:lnT>
+                    <a:lnB w="12700" cap="flat" cmpd="sng" algn="ctr">
+                      <a:solidFill>
+                        <a:schemeClr val="tx1"/>
+                      </a:solidFill>
+                      <a:prstDash val="solid"/>
+                      <a:round/>
+                      <a:headEnd type="none" w="med" len="med"/>
+                      <a:tailEnd type="none" w="med" len="med"/>
+                    </a:lnB>
+                    <a:lnTlToBr w="12700" cmpd="sng">
+                      <a:noFill/>
+                      <a:prstDash val="solid"/>
+                    </a:lnTlToBr>
+                    <a:lnBlToTr w="12700" cmpd="sng">
+                      <a:noFill/>
+                      <a:prstDash val="solid"/>
+                    </a:lnBlToTr>
+                    <a:noFill/>
+                  </a:tcPr>
+                </a:tc>
+                <a:extLst>
+                  <a:ext uri="{0D108BD9-81ED-4DB2-BD59-A6C34878D82A}">
+                    <a16:rowId xmlns:a16="http://schemas.microsoft.com/office/drawing/2014/main" val="3713198565"/>
+                  </a:ext>
+                </a:extLst>
+              </a:tr>
+              <a:tr h="0">
+                <a:tc>
+                  <a:txBody>
+                    <a:bodyPr/>
+                    <a:lstStyle/>
+                    <a:p>
+                      <a:pPr latinLnBrk="1"/>
+                      <a:r>
+                        <a:rPr lang="ko-KR" altLang="en-US" sz="1800" b="0" dirty="0">
+                          <a:solidFill>
+                            <a:schemeClr val="tx1"/>
+                          </a:solidFill>
+                        </a:rPr>
+                        <a:t>퀘스트의 분류</a:t>
+                      </a:r>
+                      <a:r>
+                        <a:rPr lang="en-US" altLang="ko-KR" sz="1800" b="0" dirty="0">
+                          <a:solidFill>
+                            <a:schemeClr val="tx1"/>
+                          </a:solidFill>
+                        </a:rPr>
+                        <a:t>(</a:t>
+                      </a:r>
+                      <a:r>
+                        <a:rPr lang="ko-KR" altLang="en-US" sz="1800" b="0" dirty="0">
+                          <a:solidFill>
+                            <a:schemeClr val="tx1"/>
+                          </a:solidFill>
+                        </a:rPr>
+                        <a:t>퀘스트 완료 목표</a:t>
+                      </a:r>
+                      <a:r>
+                        <a:rPr lang="en-US" altLang="ko-KR" sz="1800" b="0" dirty="0">
+                          <a:solidFill>
+                            <a:schemeClr val="tx1"/>
+                          </a:solidFill>
+                        </a:rPr>
+                        <a:t>)</a:t>
+                      </a:r>
+                      <a:r>
+                        <a:rPr lang="ko-KR" altLang="en-US" sz="1800" b="0" dirty="0">
+                          <a:solidFill>
+                            <a:schemeClr val="tx1"/>
+                          </a:solidFill>
+                        </a:rPr>
+                        <a:t>는 토벌</a:t>
+                      </a:r>
+                      <a:r>
+                        <a:rPr lang="en-US" altLang="ko-KR" sz="1800" b="0" dirty="0">
+                          <a:solidFill>
+                            <a:schemeClr val="tx1"/>
+                          </a:solidFill>
+                        </a:rPr>
+                        <a:t>, </a:t>
+                      </a:r>
+                      <a:r>
+                        <a:rPr lang="ko-KR" altLang="en-US" sz="1800" b="0" dirty="0">
+                          <a:solidFill>
+                            <a:schemeClr val="tx1"/>
+                          </a:solidFill>
+                        </a:rPr>
+                        <a:t>수집</a:t>
+                      </a:r>
+                      <a:r>
+                        <a:rPr lang="en-US" altLang="ko-KR" sz="1800" b="0" dirty="0">
+                          <a:solidFill>
+                            <a:schemeClr val="tx1"/>
+                          </a:solidFill>
+                        </a:rPr>
+                        <a:t>, </a:t>
+                      </a:r>
+                      <a:r>
+                        <a:rPr lang="ko-KR" altLang="en-US" sz="1800" b="0" dirty="0">
+                          <a:solidFill>
+                            <a:schemeClr val="tx1"/>
+                          </a:solidFill>
+                        </a:rPr>
+                        <a:t>탐사</a:t>
+                      </a:r>
+                      <a:r>
+                        <a:rPr lang="en-US" altLang="ko-KR" sz="1800" b="0" dirty="0">
+                          <a:solidFill>
+                            <a:schemeClr val="tx1"/>
+                          </a:solidFill>
+                        </a:rPr>
+                        <a:t>, </a:t>
+                      </a:r>
+                      <a:r>
+                        <a:rPr lang="ko-KR" altLang="en-US" sz="1800" b="0" dirty="0">
+                          <a:solidFill>
+                            <a:schemeClr val="tx1"/>
+                          </a:solidFill>
+                        </a:rPr>
+                        <a:t>호위</a:t>
+                      </a:r>
+                      <a:r>
+                        <a:rPr lang="en-US" altLang="ko-KR" sz="1800" b="0" dirty="0">
+                          <a:solidFill>
+                            <a:schemeClr val="tx1"/>
+                          </a:solidFill>
+                        </a:rPr>
+                        <a:t>, </a:t>
+                      </a:r>
+                      <a:r>
+                        <a:rPr lang="ko-KR" altLang="en-US" sz="1800" b="0" dirty="0">
+                          <a:solidFill>
+                            <a:schemeClr val="tx1"/>
+                          </a:solidFill>
+                        </a:rPr>
+                        <a:t>배당</a:t>
+                      </a:r>
+                      <a:r>
+                        <a:rPr lang="en-US" altLang="ko-KR" sz="1800" b="0" dirty="0">
+                          <a:solidFill>
+                            <a:schemeClr val="tx1"/>
+                          </a:solidFill>
+                        </a:rPr>
+                        <a:t>, </a:t>
+                      </a:r>
+                      <a:r>
+                        <a:rPr lang="ko-KR" altLang="en-US" sz="1800" b="0" dirty="0">
+                          <a:solidFill>
+                            <a:schemeClr val="tx1"/>
+                          </a:solidFill>
+                        </a:rPr>
+                        <a:t>대화 </a:t>
+                      </a:r>
+                      <a:r>
+                        <a:rPr lang="en-US" altLang="ko-KR" sz="1800" b="0" dirty="0">
+                          <a:solidFill>
+                            <a:schemeClr val="tx1"/>
+                          </a:solidFill>
+                        </a:rPr>
+                        <a:t>, </a:t>
+                      </a:r>
+                      <a:r>
+                        <a:rPr lang="ko-KR" altLang="en-US" sz="1800" b="0" dirty="0">
+                          <a:solidFill>
+                            <a:schemeClr val="tx1"/>
+                          </a:solidFill>
+                        </a:rPr>
+                        <a:t>생존이 있다</a:t>
+                      </a:r>
+                      <a:r>
+                        <a:rPr lang="en-US" altLang="ko-KR" sz="1800" b="0" dirty="0">
+                          <a:solidFill>
+                            <a:schemeClr val="tx1"/>
+                          </a:solidFill>
+                        </a:rPr>
+                        <a:t>.</a:t>
+                      </a:r>
+                    </a:p>
+                  </a:txBody>
+                  <a:tcPr>
+                    <a:lnL w="12700" cap="flat" cmpd="sng" algn="ctr">
+                      <a:noFill/>
+                      <a:prstDash val="solid"/>
+                      <a:round/>
+                      <a:headEnd type="none" w="med" len="med"/>
+                      <a:tailEnd type="none" w="med" len="med"/>
+                    </a:lnL>
+                    <a:lnR w="12700" cap="flat" cmpd="sng" algn="ctr">
+                      <a:noFill/>
+                      <a:prstDash val="solid"/>
+                      <a:round/>
+                      <a:headEnd type="none" w="med" len="med"/>
+                      <a:tailEnd type="none" w="med" len="med"/>
+                    </a:lnR>
+                    <a:lnT w="12700" cap="flat" cmpd="sng" algn="ctr">
+                      <a:solidFill>
+                        <a:schemeClr val="tx1"/>
+                      </a:solidFill>
+                      <a:prstDash val="solid"/>
+                      <a:round/>
+                      <a:headEnd type="none" w="med" len="med"/>
+                      <a:tailEnd type="none" w="med" len="med"/>
+                    </a:lnT>
+                    <a:lnB w="12700" cap="flat" cmpd="sng" algn="ctr">
+                      <a:solidFill>
+                        <a:schemeClr val="tx1"/>
+                      </a:solidFill>
+                      <a:prstDash val="solid"/>
+                      <a:round/>
+                      <a:headEnd type="none" w="med" len="med"/>
+                      <a:tailEnd type="none" w="med" len="med"/>
+                    </a:lnB>
+                    <a:lnTlToBr w="12700" cmpd="sng">
+                      <a:noFill/>
+                      <a:prstDash val="solid"/>
+                    </a:lnTlToBr>
+                    <a:lnBlToTr w="12700" cmpd="sng">
+                      <a:noFill/>
+                      <a:prstDash val="solid"/>
+                    </a:lnBlToTr>
+                    <a:noFill/>
+                  </a:tcPr>
+                </a:tc>
+                <a:extLst>
+                  <a:ext uri="{0D108BD9-81ED-4DB2-BD59-A6C34878D82A}">
+                    <a16:rowId xmlns:a16="http://schemas.microsoft.com/office/drawing/2014/main" val="2756131080"/>
+                  </a:ext>
+                </a:extLst>
+              </a:tr>
+              <a:tr h="0">
+                <a:tc>
+                  <a:txBody>
+                    <a:bodyPr/>
+                    <a:lstStyle/>
+                    <a:p>
+                      <a:pPr latinLnBrk="1"/>
+                      <a:r>
+                        <a:rPr lang="ko-KR" altLang="en-US" sz="1800" b="0" dirty="0">
+                          <a:solidFill>
+                            <a:schemeClr val="tx1"/>
+                          </a:solidFill>
+                        </a:rPr>
+                        <a:t>퀘스트 완료 목표는 최대 </a:t>
+                      </a:r>
+                      <a:r>
+                        <a:rPr lang="en-US" altLang="ko-KR" sz="1800" b="0" dirty="0">
+                          <a:solidFill>
+                            <a:schemeClr val="tx1"/>
+                          </a:solidFill>
+                        </a:rPr>
+                        <a:t>3</a:t>
+                      </a:r>
+                      <a:r>
+                        <a:rPr lang="ko-KR" altLang="en-US" sz="1800" b="0" dirty="0">
+                          <a:solidFill>
+                            <a:schemeClr val="tx1"/>
+                          </a:solidFill>
+                        </a:rPr>
+                        <a:t>종류 까지 있음</a:t>
+                      </a:r>
+                      <a:endParaRPr lang="en-US" altLang="ko-KR" sz="1800" b="0" dirty="0">
+                        <a:solidFill>
+                          <a:schemeClr val="tx1"/>
+                        </a:solidFill>
+                      </a:endParaRPr>
+                    </a:p>
+                  </a:txBody>
+                  <a:tcPr>
+                    <a:lnL w="12700" cap="flat" cmpd="sng" algn="ctr">
+                      <a:noFill/>
+                      <a:prstDash val="solid"/>
+                      <a:round/>
+                      <a:headEnd type="none" w="med" len="med"/>
+                      <a:tailEnd type="none" w="med" len="med"/>
+                    </a:lnL>
+                    <a:lnR w="12700" cap="flat" cmpd="sng" algn="ctr">
+                      <a:noFill/>
+                      <a:prstDash val="solid"/>
+                      <a:round/>
+                      <a:headEnd type="none" w="med" len="med"/>
+                      <a:tailEnd type="none" w="med" len="med"/>
+                    </a:lnR>
+                    <a:lnT w="12700" cap="flat" cmpd="sng" algn="ctr">
+                      <a:solidFill>
+                        <a:schemeClr val="tx1"/>
+                      </a:solidFill>
+                      <a:prstDash val="solid"/>
+                      <a:round/>
+                      <a:headEnd type="none" w="med" len="med"/>
+                      <a:tailEnd type="none" w="med" len="med"/>
+                    </a:lnT>
+                    <a:lnB w="12700" cap="flat" cmpd="sng" algn="ctr">
+                      <a:solidFill>
+                        <a:schemeClr val="tx1"/>
+                      </a:solidFill>
+                      <a:prstDash val="solid"/>
+                      <a:round/>
+                      <a:headEnd type="none" w="med" len="med"/>
+                      <a:tailEnd type="none" w="med" len="med"/>
+                    </a:lnB>
+                    <a:lnTlToBr w="12700" cmpd="sng">
+                      <a:noFill/>
+                      <a:prstDash val="solid"/>
+                    </a:lnTlToBr>
+                    <a:lnBlToTr w="12700" cmpd="sng">
+                      <a:noFill/>
+                      <a:prstDash val="solid"/>
+                    </a:lnBlToTr>
+                    <a:noFill/>
+                  </a:tcPr>
+                </a:tc>
+                <a:extLst>
+                  <a:ext uri="{0D108BD9-81ED-4DB2-BD59-A6C34878D82A}">
+                    <a16:rowId xmlns:a16="http://schemas.microsoft.com/office/drawing/2014/main" val="2964432708"/>
+                  </a:ext>
+                </a:extLst>
+              </a:tr>
+              <a:tr h="0">
+                <a:tc>
+                  <a:txBody>
+                    <a:bodyPr/>
+                    <a:lstStyle/>
+                    <a:p>
+                      <a:pPr latinLnBrk="1"/>
+                      <a:r>
+                        <a:rPr lang="ko-KR" altLang="en-US" sz="1800" b="0" dirty="0">
+                          <a:solidFill>
+                            <a:schemeClr val="tx1"/>
+                          </a:solidFill>
+                        </a:rPr>
+                        <a:t>일부 퀘스트를 제외한 퀘스트는 진행 도중 포기 가능</a:t>
+                      </a:r>
+                      <a:endParaRPr lang="en-US" altLang="ko-KR" sz="1800" b="0" dirty="0">
+                        <a:solidFill>
+                          <a:schemeClr val="tx1"/>
+                        </a:solidFill>
+                      </a:endParaRPr>
+                    </a:p>
+                  </a:txBody>
+                  <a:tcPr>
+                    <a:lnL w="12700" cap="flat" cmpd="sng" algn="ctr">
+                      <a:noFill/>
+                      <a:prstDash val="solid"/>
+                      <a:round/>
+                      <a:headEnd type="none" w="med" len="med"/>
+                      <a:tailEnd type="none" w="med" len="med"/>
+                    </a:lnL>
+                    <a:lnR w="12700" cap="flat" cmpd="sng" algn="ctr">
+                      <a:noFill/>
+                      <a:prstDash val="solid"/>
+                      <a:round/>
+                      <a:headEnd type="none" w="med" len="med"/>
+                      <a:tailEnd type="none" w="med" len="med"/>
+                    </a:lnR>
+                    <a:lnT w="12700" cap="flat" cmpd="sng" algn="ctr">
+                      <a:solidFill>
+                        <a:schemeClr val="tx1"/>
+                      </a:solidFill>
+                      <a:prstDash val="solid"/>
+                      <a:round/>
+                      <a:headEnd type="none" w="med" len="med"/>
+                      <a:tailEnd type="none" w="med" len="med"/>
+                    </a:lnT>
+                    <a:lnB w="12700" cap="flat" cmpd="sng" algn="ctr">
+                      <a:noFill/>
+                      <a:prstDash val="solid"/>
+                      <a:round/>
+                      <a:headEnd type="none" w="med" len="med"/>
+                      <a:tailEnd type="none" w="med" len="med"/>
+                    </a:lnB>
+                    <a:lnTlToBr w="12700" cmpd="sng">
+                      <a:noFill/>
+                      <a:prstDash val="solid"/>
+                    </a:lnTlToBr>
+                    <a:lnBlToTr w="12700" cmpd="sng">
+                      <a:noFill/>
+                      <a:prstDash val="solid"/>
+                    </a:lnBlToTr>
+                    <a:noFill/>
+                  </a:tcPr>
+                </a:tc>
+                <a:extLst>
+                  <a:ext uri="{0D108BD9-81ED-4DB2-BD59-A6C34878D82A}">
+                    <a16:rowId xmlns:a16="http://schemas.microsoft.com/office/drawing/2014/main" val="2428071767"/>
+                  </a:ext>
+                </a:extLst>
+              </a:tr>
+            </a:tbl>
+          </a:graphicData>
+        </a:graphic>
+      </p:graphicFrame>
+      <p:sp>
+        <p:nvSpPr>
+          <p:cNvPr id="6" name="Rect 0">
+            <a:extLst>
+              <a:ext uri="{FF2B5EF4-FFF2-40B4-BE49-F238E27FC236}">
+                <a16:creationId xmlns:a16="http://schemas.microsoft.com/office/drawing/2014/main" id="{40A86AA1-F032-4F2C-89F3-F012AE77D260}"/>
+              </a:ext>
+            </a:extLst>
+          </p:cNvPr>
+          <p:cNvSpPr txBox="1">
+            <a:spLocks/>
+          </p:cNvSpPr>
+          <p:nvPr/>
+        </p:nvSpPr>
+        <p:spPr>
+          <a:xfrm>
+            <a:off x="695325" y="292100"/>
+            <a:ext cx="10801985" cy="862330"/>
+          </a:xfrm>
+          <a:prstGeom prst="rect">
+            <a:avLst/>
+          </a:prstGeom>
+        </p:spPr>
+        <p:txBody>
+          <a:bodyPr vert="horz" wrap="square" lIns="91440" tIns="45720" rIns="91440" bIns="45720" numCol="1" anchor="ctr">
+            <a:normAutofit/>
+          </a:bodyPr>
+          <a:lstStyle>
+            <a:lvl1pPr marL="0" indent="0" algn="l" defTabSz="914400" rtl="0" eaLnBrk="1" latinLnBrk="1" hangingPunct="1">
+              <a:lnSpc>
+                <a:spcPct val="90000"/>
+              </a:lnSpc>
+              <a:spcBef>
+                <a:spcPct val="0"/>
+              </a:spcBef>
+              <a:buFontTx/>
+              <a:buNone/>
+              <a:defRPr lang="en-GB" altLang="en-US" sz="4400">
+                <a:solidFill>
+                  <a:schemeClr val="tx1"/>
+                </a:solidFill>
+                <a:latin typeface="+mj-lt"/>
+                <a:ea typeface="+mj-ea"/>
+                <a:cs typeface="+mj-cs"/>
+              </a:defRPr>
+            </a:lvl1pPr>
+          </a:lstStyle>
+          <a:p>
+            <a:pPr marL="0" indent="0" latinLnBrk="0">
+              <a:buFontTx/>
+              <a:buNone/>
+            </a:pPr>
+            <a:r>
+              <a:rPr lang="ko-KR" altLang="en-US" dirty="0"/>
+              <a:t>수락 </a:t>
+            </a:r>
+            <a:r>
+              <a:rPr lang="en-US" altLang="ko-KR" dirty="0"/>
+              <a:t>&amp; </a:t>
+            </a:r>
+            <a:r>
+              <a:rPr lang="ko-KR" altLang="en-US" dirty="0"/>
+              <a:t>진행 세부 규칙</a:t>
+            </a:r>
+          </a:p>
+        </p:txBody>
+      </p:sp>
+    </p:spTree>
+    <p:extLst>
+      <p:ext uri="{BB962C8B-B14F-4D97-AF65-F5344CB8AC3E}">
+        <p14:creationId xmlns:p14="http://schemas.microsoft.com/office/powerpoint/2010/main" val="2522529148"/>
+      </p:ext>
+    </p:extLst>
+  </p:cSld>
+  <p:clrMapOvr>
+    <a:masterClrMapping/>
+  </p:clrMapOvr>
+</p:sld>
+</file>
+
+<file path=ppt/slides/slide9.xml><?xml version="1.0" encoding="utf-8"?>
+<p:sld xmlns:a="http://schemas.openxmlformats.org/drawingml/2006/main" xmlns:r="http://schemas.openxmlformats.org/officeDocument/2006/relationships" xmlns:p="http://schemas.openxmlformats.org/presentationml/2006/main">
+  <p:cSld>
+    <p:spTree>
+      <p:nvGrpSpPr>
+        <p:cNvPr id="1" name=""/>
+        <p:cNvGrpSpPr/>
+        <p:nvPr/>
+      </p:nvGrpSpPr>
+      <p:grpSpPr>
+        <a:xfrm>
+          <a:off x="0" y="0"/>
+          <a:ext cx="0" cy="0"/>
+          <a:chOff x="0" y="0"/>
+          <a:chExt cx="0" cy="0"/>
+        </a:xfrm>
+      </p:grpSpPr>
+      <p:graphicFrame>
+        <p:nvGraphicFramePr>
+          <p:cNvPr id="3" name="표 2">
+            <a:extLst>
+              <a:ext uri="{FF2B5EF4-FFF2-40B4-BE49-F238E27FC236}">
+                <a16:creationId xmlns:a16="http://schemas.microsoft.com/office/drawing/2014/main" id="{7858959D-94A3-438E-B5B6-A05808F4536A}"/>
+              </a:ext>
+            </a:extLst>
+          </p:cNvPr>
+          <p:cNvGraphicFramePr>
+            <a:graphicFrameLocks noGrp="1"/>
+          </p:cNvGraphicFramePr>
+          <p:nvPr>
+            <p:extLst>
+              <p:ext uri="{D42A27DB-BD31-4B8C-83A1-F6EECF244321}">
+                <p14:modId xmlns:p14="http://schemas.microsoft.com/office/powerpoint/2010/main" val="3048616930"/>
+              </p:ext>
+            </p:extLst>
+          </p:nvPr>
+        </p:nvGraphicFramePr>
+        <p:xfrm>
+          <a:off x="1610994" y="1502200"/>
+          <a:ext cx="8970011" cy="2225040"/>
+        </p:xfrm>
+        <a:graphic>
+          <a:graphicData uri="http://schemas.openxmlformats.org/drawingml/2006/table">
+            <a:tbl>
+              <a:tblPr firstRow="1" bandRow="1">
+                <a:tableStyleId>{5C22544A-7EE6-4342-B048-85BDC9FD1C3A}</a:tableStyleId>
+              </a:tblPr>
+              <a:tblGrid>
+                <a:gridCol w="721043">
+                  <a:extLst>
+                    <a:ext uri="{9D8B030D-6E8A-4147-A177-3AD203B41FA5}">
+                      <a16:colId xmlns:a16="http://schemas.microsoft.com/office/drawing/2014/main" val="2985730691"/>
+                    </a:ext>
+                  </a:extLst>
+                </a:gridCol>
+                <a:gridCol w="8248968">
+                  <a:extLst>
+                    <a:ext uri="{9D8B030D-6E8A-4147-A177-3AD203B41FA5}">
+                      <a16:colId xmlns:a16="http://schemas.microsoft.com/office/drawing/2014/main" val="4067130978"/>
+                    </a:ext>
+                  </a:extLst>
+                </a:gridCol>
+              </a:tblGrid>
+              <a:tr h="370840">
+                <a:tc gridSpan="2">
+                  <a:txBody>
+                    <a:bodyPr/>
+                    <a:lstStyle/>
+                    <a:p>
+                      <a:pPr latinLnBrk="1"/>
+                      <a:r>
+                        <a:rPr lang="ko-KR" altLang="en-US" b="0" dirty="0">
+                          <a:solidFill>
+                            <a:schemeClr val="tx1"/>
+                          </a:solidFill>
+                        </a:rPr>
+                        <a:t>완료</a:t>
+                      </a:r>
+                    </a:p>
+                  </a:txBody>
+                  <a:tcPr>
+                    <a:lnL w="12700" cap="flat" cmpd="sng" algn="ctr">
+                      <a:noFill/>
+                      <a:prstDash val="solid"/>
+                      <a:round/>
+                      <a:headEnd type="none" w="med" len="med"/>
+                      <a:tailEnd type="none" w="med" len="med"/>
+                    </a:lnL>
+                    <a:lnR w="12700" cap="flat" cmpd="sng" algn="ctr">
+                      <a:noFill/>
+                      <a:prstDash val="solid"/>
+                      <a:round/>
+                      <a:headEnd type="none" w="med" len="med"/>
+                      <a:tailEnd type="none" w="med" len="med"/>
+                    </a:lnR>
+                    <a:lnT w="12700" cap="flat" cmpd="sng" algn="ctr">
+                      <a:noFill/>
+                      <a:prstDash val="solid"/>
+                      <a:round/>
+                      <a:headEnd type="none" w="med" len="med"/>
+                      <a:tailEnd type="none" w="med" len="med"/>
+                    </a:lnT>
+                    <a:lnB w="12700" cap="flat" cmpd="sng" algn="ctr">
+                      <a:solidFill>
+                        <a:schemeClr val="tx1"/>
+                      </a:solidFill>
+                      <a:prstDash val="solid"/>
+                      <a:round/>
+                      <a:headEnd type="none" w="med" len="med"/>
+                      <a:tailEnd type="none" w="med" len="med"/>
+                    </a:lnB>
+                    <a:lnTlToBr w="12700" cmpd="sng">
+                      <a:noFill/>
+                      <a:prstDash val="solid"/>
+                    </a:lnTlToBr>
+                    <a:lnBlToTr w="12700" cmpd="sng">
+                      <a:noFill/>
+                      <a:prstDash val="solid"/>
+                    </a:lnBlToTr>
+                    <a:solidFill>
+                      <a:schemeClr val="bg1">
+                        <a:lumMod val="95000"/>
+                      </a:schemeClr>
+                    </a:solidFill>
+                  </a:tcPr>
+                </a:tc>
+                <a:tc hMerge="1">
+                  <a:txBody>
+                    <a:bodyPr/>
+                    <a:lstStyle/>
+                    <a:p>
+                      <a:pPr latinLnBrk="1"/>
+                      <a:endParaRPr lang="ko-KR" altLang="en-US"/>
+                    </a:p>
+                  </a:txBody>
+                  <a:tcPr/>
+                </a:tc>
+                <a:extLst>
+                  <a:ext uri="{0D108BD9-81ED-4DB2-BD59-A6C34878D82A}">
+                    <a16:rowId xmlns:a16="http://schemas.microsoft.com/office/drawing/2014/main" val="4232510737"/>
+                  </a:ext>
+                </a:extLst>
+              </a:tr>
+              <a:tr h="370840">
+                <a:tc>
+                  <a:txBody>
+                    <a:bodyPr/>
+                    <a:lstStyle/>
+                    <a:p>
+                      <a:pPr latinLnBrk="1"/>
+                      <a:r>
+                        <a:rPr lang="ko-KR" altLang="en-US" b="0" dirty="0">
+                          <a:solidFill>
+                            <a:schemeClr val="tx1"/>
+                          </a:solidFill>
+                        </a:rPr>
+                        <a:t>자동</a:t>
+                      </a:r>
+                    </a:p>
+                  </a:txBody>
+                  <a:tcPr>
+                    <a:lnL w="12700" cap="flat" cmpd="sng" algn="ctr">
+                      <a:noFill/>
+                      <a:prstDash val="solid"/>
+                      <a:round/>
+                      <a:headEnd type="none" w="med" len="med"/>
+                      <a:tailEnd type="none" w="med" len="med"/>
+                    </a:lnL>
+                    <a:lnR w="12700" cap="flat" cmpd="sng" algn="ctr">
+                      <a:solidFill>
+                        <a:schemeClr val="tx1"/>
+                      </a:solidFill>
+                      <a:prstDash val="solid"/>
+                      <a:round/>
+                      <a:headEnd type="none" w="med" len="med"/>
+                      <a:tailEnd type="none" w="med" len="med"/>
+                    </a:lnR>
+                    <a:lnT w="12700" cap="flat" cmpd="sng" algn="ctr">
+                      <a:solidFill>
+                        <a:schemeClr val="tx1"/>
+                      </a:solidFill>
+                      <a:prstDash val="solid"/>
+                      <a:round/>
+                      <a:headEnd type="none" w="med" len="med"/>
+                      <a:tailEnd type="none" w="med" len="med"/>
+                    </a:lnT>
+                    <a:lnB w="12700" cap="flat" cmpd="sng" algn="ctr">
+                      <a:solidFill>
+                        <a:schemeClr val="tx1"/>
+                      </a:solidFill>
+                      <a:prstDash val="solid"/>
+                      <a:round/>
+                      <a:headEnd type="none" w="med" len="med"/>
+                      <a:tailEnd type="none" w="med" len="med"/>
+                    </a:lnB>
+                    <a:lnTlToBr w="12700" cmpd="sng">
+                      <a:noFill/>
+                      <a:prstDash val="solid"/>
+                    </a:lnTlToBr>
+                    <a:lnBlToTr w="12700" cmpd="sng">
+                      <a:noFill/>
+                      <a:prstDash val="solid"/>
+                    </a:lnBlToTr>
+                    <a:noFill/>
+                  </a:tcPr>
+                </a:tc>
+                <a:tc>
+                  <a:txBody>
+                    <a:bodyPr/>
+                    <a:lstStyle/>
+                    <a:p>
+                      <a:pPr latinLnBrk="1"/>
+                      <a:r>
+                        <a:rPr lang="ko-KR" altLang="en-US" sz="1800" b="0" dirty="0">
+                          <a:solidFill>
+                            <a:schemeClr val="tx1"/>
+                          </a:solidFill>
+                        </a:rPr>
+                        <a:t>퀘스트 목표 달성 시 자동 완료 </a:t>
+                      </a:r>
+                      <a:endParaRPr lang="en-US" altLang="ko-KR" sz="1800" b="0" dirty="0">
+                        <a:solidFill>
+                          <a:schemeClr val="tx1"/>
+                        </a:solidFill>
+                      </a:endParaRPr>
+                    </a:p>
+                  </a:txBody>
+                  <a:tcPr anchor="ctr">
+                    <a:lnL w="12700" cap="flat" cmpd="sng" algn="ctr">
+                      <a:solidFill>
+                        <a:schemeClr val="tx1"/>
+                      </a:solidFill>
+                      <a:prstDash val="solid"/>
+                      <a:round/>
+                      <a:headEnd type="none" w="med" len="med"/>
+                      <a:tailEnd type="none" w="med" len="med"/>
+                    </a:lnL>
+                    <a:lnR w="12700" cap="flat" cmpd="sng" algn="ctr">
+                      <a:noFill/>
+                      <a:prstDash val="solid"/>
+                      <a:round/>
+                      <a:headEnd type="none" w="med" len="med"/>
+                      <a:tailEnd type="none" w="med" len="med"/>
+                    </a:lnR>
+                    <a:lnT w="12700" cap="flat" cmpd="sng" algn="ctr">
+                      <a:solidFill>
+                        <a:schemeClr val="tx1"/>
+                      </a:solidFill>
+                      <a:prstDash val="solid"/>
+                      <a:round/>
+                      <a:headEnd type="none" w="med" len="med"/>
+                      <a:tailEnd type="none" w="med" len="med"/>
+                    </a:lnT>
+                    <a:lnB w="12700" cap="flat" cmpd="sng" algn="ctr">
+                      <a:solidFill>
+                        <a:schemeClr val="tx1"/>
+                      </a:solidFill>
+                      <a:prstDash val="solid"/>
+                      <a:round/>
+                      <a:headEnd type="none" w="med" len="med"/>
+                      <a:tailEnd type="none" w="med" len="med"/>
+                    </a:lnB>
+                    <a:lnTlToBr w="12700" cmpd="sng">
+                      <a:noFill/>
+                      <a:prstDash val="solid"/>
+                    </a:lnTlToBr>
+                    <a:lnBlToTr w="12700" cmpd="sng">
+                      <a:noFill/>
+                      <a:prstDash val="solid"/>
+                    </a:lnBlToTr>
+                    <a:noFill/>
+                  </a:tcPr>
+                </a:tc>
+                <a:extLst>
+                  <a:ext uri="{0D108BD9-81ED-4DB2-BD59-A6C34878D82A}">
+                    <a16:rowId xmlns:a16="http://schemas.microsoft.com/office/drawing/2014/main" val="3988176277"/>
+                  </a:ext>
+                </a:extLst>
+              </a:tr>
+              <a:tr h="370840">
+                <a:tc>
+                  <a:txBody>
+                    <a:bodyPr/>
+                    <a:lstStyle/>
+                    <a:p>
+                      <a:pPr latinLnBrk="1"/>
+                      <a:r>
+                        <a:rPr lang="ko-KR" altLang="en-US" b="0" dirty="0">
+                          <a:solidFill>
+                            <a:schemeClr val="tx1"/>
+                          </a:solidFill>
+                        </a:rPr>
+                        <a:t>수동</a:t>
+                      </a:r>
+                    </a:p>
+                  </a:txBody>
+                  <a:tcPr>
+                    <a:lnL w="12700" cap="flat" cmpd="sng" algn="ctr">
+                      <a:noFill/>
+                      <a:prstDash val="solid"/>
+                      <a:round/>
+                      <a:headEnd type="none" w="med" len="med"/>
+                      <a:tailEnd type="none" w="med" len="med"/>
+                    </a:lnL>
+                    <a:lnR w="12700" cap="flat" cmpd="sng" algn="ctr">
+                      <a:solidFill>
+                        <a:schemeClr val="tx1"/>
+                      </a:solidFill>
+                      <a:prstDash val="solid"/>
+                      <a:round/>
+                      <a:headEnd type="none" w="med" len="med"/>
+                      <a:tailEnd type="none" w="med" len="med"/>
+                    </a:lnR>
+                    <a:lnT w="12700" cap="flat" cmpd="sng" algn="ctr">
+                      <a:solidFill>
+                        <a:schemeClr val="tx1"/>
+                      </a:solidFill>
+                      <a:prstDash val="solid"/>
+                      <a:round/>
+                      <a:headEnd type="none" w="med" len="med"/>
+                      <a:tailEnd type="none" w="med" len="med"/>
+                    </a:lnT>
+                    <a:lnB w="12700" cap="flat" cmpd="sng" algn="ctr">
+                      <a:solidFill>
+                        <a:schemeClr val="tx1"/>
+                      </a:solidFill>
+                      <a:prstDash val="solid"/>
+                      <a:round/>
+                      <a:headEnd type="none" w="med" len="med"/>
+                      <a:tailEnd type="none" w="med" len="med"/>
+                    </a:lnB>
+                    <a:lnTlToBr w="12700" cmpd="sng">
+                      <a:noFill/>
+                      <a:prstDash val="solid"/>
+                    </a:lnTlToBr>
+                    <a:lnBlToTr w="12700" cmpd="sng">
+                      <a:noFill/>
+                      <a:prstDash val="solid"/>
+                    </a:lnBlToTr>
+                    <a:noFill/>
+                  </a:tcPr>
+                </a:tc>
+                <a:tc>
+                  <a:txBody>
+                    <a:bodyPr/>
+                    <a:lstStyle/>
                     <a:p>
                       <a:pPr marL="0" marR="0" lvl="0" indent="0" algn="l" defTabSz="914400" rtl="0" eaLnBrk="1" fontAlgn="auto" latinLnBrk="1" hangingPunct="1">
                         <a:lnSpc>
@@ -10547,376 +12897,65 @@
                         <a:defRPr/>
                       </a:pPr>
                       <a:r>
-                        <a:rPr lang="ko-KR" altLang="en-US" sz="1800" dirty="0">
-                          <a:solidFill>
-                            <a:schemeClr val="tx1"/>
-                          </a:solidFill>
-                          <a:latin typeface="맑은 고딕" charset="0"/>
-                          <a:ea typeface="맑은 고딕" charset="0"/>
-                          <a:cs typeface="Times New Roman" charset="0"/>
-                        </a:rPr>
-                        <a:t>알고리즘</a:t>
-                      </a:r>
-                      <a:r>
-                        <a:rPr lang="en-US" altLang="ko-KR" sz="1800" dirty="0">
-                          <a:solidFill>
-                            <a:schemeClr val="tx1"/>
-                          </a:solidFill>
-                          <a:latin typeface="맑은 고딕" charset="0"/>
-                          <a:ea typeface="맑은 고딕" charset="0"/>
-                          <a:cs typeface="Times New Roman" charset="0"/>
-                        </a:rPr>
-                        <a:t>(</a:t>
-                      </a:r>
-                      <a:r>
-                        <a:rPr lang="ko-KR" altLang="en-US" sz="1800" dirty="0">
-                          <a:solidFill>
-                            <a:schemeClr val="tx1"/>
-                          </a:solidFill>
-                          <a:latin typeface="맑은 고딕" charset="0"/>
-                          <a:ea typeface="맑은 고딕" charset="0"/>
-                          <a:cs typeface="Times New Roman" charset="0"/>
-                        </a:rPr>
-                        <a:t>흐름</a:t>
-                      </a:r>
-                      <a:r>
-                        <a:rPr lang="en-US" altLang="ko-KR" sz="1800" dirty="0">
-                          <a:solidFill>
-                            <a:schemeClr val="tx1"/>
-                          </a:solidFill>
-                          <a:latin typeface="맑은 고딕" charset="0"/>
-                          <a:ea typeface="맑은 고딕" charset="0"/>
-                          <a:cs typeface="Times New Roman" charset="0"/>
-                        </a:rPr>
-                        <a:t>, </a:t>
-                      </a:r>
-                      <a:r>
-                        <a:rPr lang="ko-KR" altLang="en-US" sz="1800" dirty="0">
-                          <a:solidFill>
-                            <a:schemeClr val="tx1"/>
-                          </a:solidFill>
-                          <a:latin typeface="맑은 고딕" charset="0"/>
-                          <a:ea typeface="맑은 고딕" charset="0"/>
-                          <a:cs typeface="Times New Roman" charset="0"/>
-                        </a:rPr>
-                        <a:t>과정</a:t>
-                      </a:r>
-                      <a:r>
-                        <a:rPr lang="en-US" altLang="ko-KR" sz="1800" dirty="0">
-                          <a:solidFill>
-                            <a:schemeClr val="tx1"/>
-                          </a:solidFill>
-                          <a:latin typeface="맑은 고딕" charset="0"/>
-                          <a:ea typeface="맑은 고딕" charset="0"/>
-                          <a:cs typeface="Times New Roman" charset="0"/>
-                        </a:rPr>
-                        <a:t>, </a:t>
-                      </a:r>
-                      <a:r>
-                        <a:rPr lang="ko-KR" altLang="en-US" sz="1800" dirty="0">
-                          <a:solidFill>
-                            <a:schemeClr val="tx1"/>
-                          </a:solidFill>
-                          <a:latin typeface="맑은 고딕" charset="0"/>
-                          <a:ea typeface="맑은 고딕" charset="0"/>
-                          <a:cs typeface="Times New Roman" charset="0"/>
-                        </a:rPr>
-                        <a:t>절차</a:t>
-                      </a:r>
-                      <a:r>
-                        <a:rPr lang="en-US" altLang="ko-KR" sz="1800" dirty="0">
-                          <a:solidFill>
-                            <a:schemeClr val="tx1"/>
-                          </a:solidFill>
-                          <a:latin typeface="맑은 고딕" charset="0"/>
-                          <a:ea typeface="맑은 고딕" charset="0"/>
-                          <a:cs typeface="Times New Roman" charset="0"/>
-                        </a:rPr>
-                        <a:t>), </a:t>
-                      </a:r>
-                      <a:r>
-                        <a:rPr lang="ko-KR" altLang="en-US" sz="1800" dirty="0">
-                          <a:solidFill>
-                            <a:schemeClr val="tx1"/>
-                          </a:solidFill>
-                          <a:latin typeface="맑은 고딕" charset="0"/>
-                          <a:ea typeface="맑은 고딕" charset="0"/>
-                          <a:cs typeface="Times New Roman" charset="0"/>
-                        </a:rPr>
-                        <a:t>우선 순위</a:t>
-                      </a:r>
-                      <a:r>
-                        <a:rPr lang="en-US" altLang="ko-KR" sz="1800" dirty="0">
-                          <a:solidFill>
-                            <a:schemeClr val="tx1"/>
-                          </a:solidFill>
-                          <a:latin typeface="맑은 고딕" charset="0"/>
-                          <a:ea typeface="맑은 고딕" charset="0"/>
-                          <a:cs typeface="Times New Roman" charset="0"/>
-                        </a:rPr>
-                        <a:t>(</a:t>
-                      </a:r>
-                      <a:r>
-                        <a:rPr lang="ko-KR" altLang="en-US" sz="1800" dirty="0">
-                          <a:solidFill>
-                            <a:schemeClr val="tx1"/>
-                          </a:solidFill>
-                          <a:latin typeface="맑은 고딕" charset="0"/>
-                          <a:ea typeface="맑은 고딕" charset="0"/>
-                          <a:cs typeface="Times New Roman" charset="0"/>
-                        </a:rPr>
-                        <a:t>동시 없음</a:t>
-                      </a:r>
-                      <a:r>
-                        <a:rPr lang="en-US" altLang="ko-KR" sz="1800" dirty="0">
-                          <a:solidFill>
-                            <a:schemeClr val="tx1"/>
-                          </a:solidFill>
-                          <a:latin typeface="맑은 고딕" charset="0"/>
-                          <a:ea typeface="맑은 고딕" charset="0"/>
-                          <a:cs typeface="Times New Roman" charset="0"/>
-                        </a:rPr>
-                        <a:t>), </a:t>
-                      </a:r>
-                    </a:p>
-                    <a:p>
-                      <a:pPr marL="0" marR="0" lvl="0" indent="0" algn="l" defTabSz="914400" rtl="0" eaLnBrk="1" fontAlgn="auto" latinLnBrk="1" hangingPunct="1">
-                        <a:lnSpc>
-                          <a:spcPct val="100000"/>
-                        </a:lnSpc>
-                        <a:spcBef>
-                          <a:spcPts val="0"/>
-                        </a:spcBef>
-                        <a:spcAft>
-                          <a:spcPts val="0"/>
-                        </a:spcAft>
-                        <a:buClrTx/>
-                        <a:buSzTx/>
-                        <a:buFontTx/>
-                        <a:buNone/>
-                        <a:tabLst/>
-                        <a:defRPr/>
-                      </a:pPr>
-                      <a:r>
-                        <a:rPr lang="ko-KR" altLang="en-US" sz="1800" dirty="0">
-                          <a:solidFill>
-                            <a:schemeClr val="tx1"/>
-                          </a:solidFill>
-                          <a:latin typeface="맑은 고딕" charset="0"/>
-                          <a:ea typeface="맑은 고딕" charset="0"/>
-                          <a:cs typeface="Times New Roman" charset="0"/>
-                        </a:rPr>
-                        <a:t>조건 불만족</a:t>
-                      </a:r>
-                      <a:r>
-                        <a:rPr lang="en-US" altLang="ko-KR" sz="1800" dirty="0">
-                          <a:solidFill>
-                            <a:schemeClr val="tx1"/>
-                          </a:solidFill>
-                          <a:latin typeface="맑은 고딕" charset="0"/>
-                          <a:ea typeface="맑은 고딕" charset="0"/>
-                          <a:cs typeface="Times New Roman" charset="0"/>
-                        </a:rPr>
-                        <a:t>(</a:t>
-                      </a:r>
-                      <a:r>
-                        <a:rPr lang="ko-KR" altLang="en-US" sz="1800" dirty="0">
-                          <a:solidFill>
-                            <a:schemeClr val="tx1"/>
-                          </a:solidFill>
-                          <a:latin typeface="맑은 고딕" charset="0"/>
-                          <a:ea typeface="맑은 고딕" charset="0"/>
-                          <a:cs typeface="Times New Roman" charset="0"/>
-                        </a:rPr>
-                        <a:t>종료</a:t>
-                      </a:r>
-                      <a:r>
-                        <a:rPr lang="en-US" altLang="ko-KR" sz="1800" dirty="0">
-                          <a:solidFill>
-                            <a:schemeClr val="tx1"/>
-                          </a:solidFill>
-                          <a:latin typeface="맑은 고딕" charset="0"/>
-                          <a:ea typeface="맑은 고딕" charset="0"/>
-                          <a:cs typeface="Times New Roman" charset="0"/>
-                        </a:rPr>
-                        <a:t>), </a:t>
-                      </a:r>
-                      <a:r>
-                        <a:rPr lang="ko-KR" altLang="en-US" sz="1800" dirty="0">
-                          <a:solidFill>
-                            <a:schemeClr val="tx1"/>
-                          </a:solidFill>
-                          <a:latin typeface="맑은 고딕" charset="0"/>
-                          <a:ea typeface="맑은 고딕" charset="0"/>
-                          <a:cs typeface="Times New Roman" charset="0"/>
-                        </a:rPr>
-                        <a:t>시작 지점</a:t>
-                      </a:r>
-                      <a:r>
-                        <a:rPr lang="en-US" altLang="ko-KR" sz="1800" dirty="0">
-                          <a:solidFill>
-                            <a:schemeClr val="tx1"/>
-                          </a:solidFill>
-                          <a:latin typeface="맑은 고딕" charset="0"/>
-                          <a:ea typeface="맑은 고딕" charset="0"/>
-                          <a:cs typeface="Times New Roman" charset="0"/>
-                        </a:rPr>
-                        <a:t>(</a:t>
-                      </a:r>
-                      <a:r>
-                        <a:rPr lang="ko-KR" altLang="en-US" sz="1800" dirty="0">
-                          <a:solidFill>
-                            <a:schemeClr val="tx1"/>
-                          </a:solidFill>
-                          <a:latin typeface="맑은 고딕" charset="0"/>
-                          <a:ea typeface="맑은 고딕" charset="0"/>
-                          <a:cs typeface="Times New Roman" charset="0"/>
-                        </a:rPr>
-                        <a:t>이벤트 발생</a:t>
-                      </a:r>
-                      <a:r>
-                        <a:rPr lang="en-US" altLang="ko-KR" sz="1800" dirty="0">
-                          <a:solidFill>
-                            <a:schemeClr val="tx1"/>
-                          </a:solidFill>
-                          <a:latin typeface="맑은 고딕" charset="0"/>
-                          <a:ea typeface="맑은 고딕" charset="0"/>
-                          <a:cs typeface="Times New Roman" charset="0"/>
-                        </a:rPr>
-                        <a:t>), </a:t>
-                      </a:r>
-                      <a:r>
-                        <a:rPr lang="ko-KR" altLang="en-US" sz="1800" dirty="0">
-                          <a:solidFill>
-                            <a:schemeClr val="tx1"/>
-                          </a:solidFill>
-                          <a:latin typeface="맑은 고딕" charset="0"/>
-                          <a:ea typeface="맑은 고딕" charset="0"/>
-                          <a:cs typeface="Times New Roman" charset="0"/>
-                        </a:rPr>
-                        <a:t>종료 지점</a:t>
-                      </a:r>
-                      <a:r>
-                        <a:rPr lang="en-US" altLang="ko-KR" sz="1800" dirty="0">
-                          <a:solidFill>
-                            <a:schemeClr val="tx1"/>
-                          </a:solidFill>
-                          <a:latin typeface="맑은 고딕" charset="0"/>
-                          <a:ea typeface="맑은 고딕" charset="0"/>
-                          <a:cs typeface="Times New Roman" charset="0"/>
-                        </a:rPr>
-                        <a:t>,</a:t>
-                      </a:r>
-                    </a:p>
-                    <a:p>
-                      <a:pPr marL="0" marR="0" lvl="0" indent="0" algn="l" defTabSz="914400" rtl="0" eaLnBrk="1" fontAlgn="auto" latinLnBrk="1" hangingPunct="1">
-                        <a:lnSpc>
-                          <a:spcPct val="100000"/>
-                        </a:lnSpc>
-                        <a:spcBef>
-                          <a:spcPts val="0"/>
-                        </a:spcBef>
-                        <a:spcAft>
-                          <a:spcPts val="0"/>
-                        </a:spcAft>
-                        <a:buClrTx/>
-                        <a:buSzTx/>
-                        <a:buFontTx/>
-                        <a:buNone/>
-                        <a:tabLst/>
-                        <a:defRPr/>
-                      </a:pPr>
-                      <a:r>
-                        <a:rPr lang="ko-KR" altLang="en-US" sz="1800" dirty="0">
-                          <a:solidFill>
-                            <a:schemeClr val="tx1"/>
-                          </a:solidFill>
-                          <a:latin typeface="맑은 고딕" charset="0"/>
-                          <a:ea typeface="맑은 고딕" charset="0"/>
-                          <a:cs typeface="Times New Roman" charset="0"/>
-                        </a:rPr>
-                        <a:t>정상 처리</a:t>
-                      </a:r>
-                      <a:r>
-                        <a:rPr lang="en-US" altLang="ko-KR" sz="1800" dirty="0">
-                          <a:solidFill>
-                            <a:schemeClr val="tx1"/>
-                          </a:solidFill>
-                          <a:latin typeface="맑은 고딕" charset="0"/>
-                          <a:ea typeface="맑은 고딕" charset="0"/>
-                          <a:cs typeface="Times New Roman" charset="0"/>
-                        </a:rPr>
-                        <a:t>, </a:t>
-                      </a:r>
-                      <a:r>
-                        <a:rPr lang="ko-KR" altLang="en-US" sz="1800" dirty="0">
-                          <a:solidFill>
-                            <a:schemeClr val="tx1"/>
-                          </a:solidFill>
-                          <a:latin typeface="맑은 고딕" charset="0"/>
-                          <a:ea typeface="맑은 고딕" charset="0"/>
-                          <a:cs typeface="Times New Roman" charset="0"/>
-                        </a:rPr>
-                        <a:t>비정상 처리</a:t>
-                      </a:r>
-                      <a:r>
-                        <a:rPr lang="en-US" altLang="ko-KR" sz="1800" dirty="0">
-                          <a:solidFill>
-                            <a:schemeClr val="tx1"/>
-                          </a:solidFill>
-                          <a:latin typeface="맑은 고딕" charset="0"/>
-                          <a:ea typeface="맑은 고딕" charset="0"/>
-                          <a:cs typeface="Times New Roman" charset="0"/>
-                        </a:rPr>
-                        <a:t>(</a:t>
-                      </a:r>
-                      <a:r>
-                        <a:rPr lang="ko-KR" altLang="en-US" sz="1800" dirty="0">
-                          <a:solidFill>
-                            <a:schemeClr val="tx1"/>
-                          </a:solidFill>
-                          <a:latin typeface="맑은 고딕" charset="0"/>
-                          <a:ea typeface="맑은 고딕" charset="0"/>
-                          <a:cs typeface="Times New Roman" charset="0"/>
-                        </a:rPr>
-                        <a:t>예외 사항</a:t>
-                      </a:r>
-                      <a:r>
-                        <a:rPr lang="en-US" altLang="ko-KR" sz="1800" dirty="0">
-                          <a:solidFill>
-                            <a:schemeClr val="tx1"/>
-                          </a:solidFill>
-                          <a:latin typeface="맑은 고딕" charset="0"/>
-                          <a:ea typeface="맑은 고딕" charset="0"/>
-                          <a:cs typeface="Times New Roman" charset="0"/>
-                        </a:rPr>
-                        <a:t>),</a:t>
-                      </a:r>
-                      <a:r>
-                        <a:rPr lang="ko-KR" altLang="en-US" sz="1800" dirty="0">
-                          <a:solidFill>
-                            <a:schemeClr val="tx1"/>
-                          </a:solidFill>
-                          <a:latin typeface="맑은 고딕" charset="0"/>
-                          <a:ea typeface="맑은 고딕" charset="0"/>
-                          <a:cs typeface="Times New Roman" charset="0"/>
-                        </a:rPr>
-                        <a:t> 발생 가능한 최대한 많은 경우의 수</a:t>
+                        <a:rPr lang="ko-KR" altLang="en-US" sz="1800" b="0" dirty="0">
+                          <a:solidFill>
+                            <a:schemeClr val="tx1"/>
+                          </a:solidFill>
+                        </a:rPr>
+                        <a:t>퀘스트 목표 달성 후 </a:t>
+                      </a:r>
+                      <a:r>
+                        <a:rPr lang="en-US" altLang="ko-KR" sz="1800" b="0" dirty="0">
+                          <a:solidFill>
+                            <a:schemeClr val="tx1"/>
+                          </a:solidFill>
+                        </a:rPr>
+                        <a:t>NPC, </a:t>
+                      </a:r>
+                      <a:r>
+                        <a:rPr lang="ko-KR" altLang="en-US" sz="1800" b="0" dirty="0">
+                          <a:solidFill>
+                            <a:schemeClr val="tx1"/>
+                          </a:solidFill>
+                        </a:rPr>
+                        <a:t>오브젝트와 상호작용하여 완료</a:t>
                       </a:r>
                     </a:p>
                   </a:txBody>
-                  <a:tcPr>
-                    <a:lnL w="12700" cmpd="sng">
-                      <a:noFill/>
+                  <a:tcPr anchor="ctr">
+                    <a:lnL w="12700" cap="flat" cmpd="sng" algn="ctr">
+                      <a:solidFill>
+                        <a:schemeClr val="tx1"/>
+                      </a:solidFill>
+                      <a:prstDash val="solid"/>
+                      <a:round/>
+                      <a:headEnd type="none" w="med" len="med"/>
+                      <a:tailEnd type="none" w="med" len="med"/>
                     </a:lnL>
-                    <a:lnR w="12700" cmpd="sng">
-                      <a:noFill/>
+                    <a:lnR w="12700" cap="flat" cmpd="sng" algn="ctr">
+                      <a:noFill/>
+                      <a:prstDash val="solid"/>
+                      <a:round/>
+                      <a:headEnd type="none" w="med" len="med"/>
+                      <a:tailEnd type="none" w="med" len="med"/>
                     </a:lnR>
-                    <a:lnT w="38100" cmpd="sng">
-                      <a:noFill/>
+                    <a:lnT w="12700" cap="flat" cmpd="sng" algn="ctr">
+                      <a:solidFill>
+                        <a:schemeClr val="tx1"/>
+                      </a:solidFill>
+                      <a:prstDash val="solid"/>
+                      <a:round/>
+                      <a:headEnd type="none" w="med" len="med"/>
+                      <a:tailEnd type="none" w="med" len="med"/>
                     </a:lnT>
-                    <a:lnB w="12700" cmpd="sng">
-                      <a:noFill/>
+                    <a:lnB w="12700" cap="flat" cmpd="sng" algn="ctr">
+                      <a:solidFill>
+                        <a:schemeClr val="tx1"/>
+                      </a:solidFill>
+                      <a:prstDash val="solid"/>
+                      <a:round/>
+                      <a:headEnd type="none" w="med" len="med"/>
+                      <a:tailEnd type="none" w="med" len="med"/>
                     </a:lnB>
                     <a:lnTlToBr w="12700" cmpd="sng">
                       <a:noFill/>
@@ -10931,7 +12970,358 @@
                 </a:tc>
                 <a:extLst>
                   <a:ext uri="{0D108BD9-81ED-4DB2-BD59-A6C34878D82A}">
-                    <a16:rowId xmlns:a16="http://schemas.microsoft.com/office/drawing/2014/main" val="1962462232"/>
+                    <a16:rowId xmlns:a16="http://schemas.microsoft.com/office/drawing/2014/main" val="2317482956"/>
+                  </a:ext>
+                </a:extLst>
+              </a:tr>
+              <a:tr h="370840">
+                <a:tc gridSpan="2">
+                  <a:txBody>
+                    <a:bodyPr/>
+                    <a:lstStyle/>
+                    <a:p>
+                      <a:pPr latinLnBrk="1"/>
+                      <a:r>
+                        <a:rPr lang="ko-KR" altLang="en-US" b="0" dirty="0">
+                          <a:solidFill>
+                            <a:schemeClr val="tx1"/>
+                          </a:solidFill>
+                        </a:rPr>
+                        <a:t>퀘스트 보상은 경험치</a:t>
+                      </a:r>
+                      <a:r>
+                        <a:rPr lang="en-US" altLang="ko-KR" b="0" dirty="0">
+                          <a:solidFill>
+                            <a:schemeClr val="tx1"/>
+                          </a:solidFill>
+                        </a:rPr>
+                        <a:t>, </a:t>
+                      </a:r>
+                      <a:r>
+                        <a:rPr lang="ko-KR" altLang="en-US" b="0" dirty="0">
+                          <a:solidFill>
+                            <a:schemeClr val="tx1"/>
+                          </a:solidFill>
+                        </a:rPr>
+                        <a:t>게임 재화</a:t>
+                      </a:r>
+                      <a:r>
+                        <a:rPr lang="en-US" altLang="ko-KR" b="0" dirty="0">
+                          <a:solidFill>
+                            <a:schemeClr val="tx1"/>
+                          </a:solidFill>
+                        </a:rPr>
+                        <a:t>, </a:t>
+                      </a:r>
+                      <a:r>
+                        <a:rPr lang="ko-KR" altLang="en-US" b="0" dirty="0">
+                          <a:solidFill>
+                            <a:schemeClr val="tx1"/>
+                          </a:solidFill>
+                        </a:rPr>
+                        <a:t>아이템 </a:t>
+                      </a:r>
+                      <a:r>
+                        <a:rPr lang="en-US" altLang="ko-KR" b="0" dirty="0">
+                          <a:solidFill>
+                            <a:schemeClr val="tx1"/>
+                          </a:solidFill>
+                        </a:rPr>
+                        <a:t>3</a:t>
+                      </a:r>
+                      <a:r>
+                        <a:rPr lang="ko-KR" altLang="en-US" b="0" dirty="0">
+                          <a:solidFill>
+                            <a:schemeClr val="tx1"/>
+                          </a:solidFill>
+                        </a:rPr>
+                        <a:t>종류가 존재</a:t>
+                      </a:r>
+                      <a:endParaRPr lang="en-US" altLang="ko-KR" b="0" dirty="0">
+                        <a:solidFill>
+                          <a:schemeClr val="tx1"/>
+                        </a:solidFill>
+                      </a:endParaRPr>
+                    </a:p>
+                  </a:txBody>
+                  <a:tcPr>
+                    <a:lnL w="12700" cap="flat" cmpd="sng" algn="ctr">
+                      <a:noFill/>
+                      <a:prstDash val="solid"/>
+                      <a:round/>
+                      <a:headEnd type="none" w="med" len="med"/>
+                      <a:tailEnd type="none" w="med" len="med"/>
+                    </a:lnL>
+                    <a:lnR w="12700" cap="flat" cmpd="sng" algn="ctr">
+                      <a:noFill/>
+                      <a:prstDash val="solid"/>
+                      <a:round/>
+                      <a:headEnd type="none" w="med" len="med"/>
+                      <a:tailEnd type="none" w="med" len="med"/>
+                    </a:lnR>
+                    <a:lnT w="12700" cap="flat" cmpd="sng" algn="ctr">
+                      <a:solidFill>
+                        <a:schemeClr val="tx1"/>
+                      </a:solidFill>
+                      <a:prstDash val="solid"/>
+                      <a:round/>
+                      <a:headEnd type="none" w="med" len="med"/>
+                      <a:tailEnd type="none" w="med" len="med"/>
+                    </a:lnT>
+                    <a:lnB w="12700" cap="flat" cmpd="sng" algn="ctr">
+                      <a:solidFill>
+                        <a:schemeClr val="tx1"/>
+                      </a:solidFill>
+                      <a:prstDash val="solid"/>
+                      <a:round/>
+                      <a:headEnd type="none" w="med" len="med"/>
+                      <a:tailEnd type="none" w="med" len="med"/>
+                    </a:lnB>
+                    <a:lnTlToBr w="12700" cmpd="sng">
+                      <a:noFill/>
+                      <a:prstDash val="solid"/>
+                    </a:lnTlToBr>
+                    <a:lnBlToTr w="12700" cmpd="sng">
+                      <a:noFill/>
+                      <a:prstDash val="solid"/>
+                    </a:lnBlToTr>
+                    <a:noFill/>
+                  </a:tcPr>
+                </a:tc>
+                <a:tc hMerge="1">
+                  <a:txBody>
+                    <a:bodyPr/>
+                    <a:lstStyle/>
+                    <a:p>
+                      <a:pPr latinLnBrk="1"/>
+                      <a:endParaRPr lang="ko-KR" altLang="en-US"/>
+                    </a:p>
+                  </a:txBody>
+                  <a:tcPr/>
+                </a:tc>
+                <a:extLst>
+                  <a:ext uri="{0D108BD9-81ED-4DB2-BD59-A6C34878D82A}">
+                    <a16:rowId xmlns:a16="http://schemas.microsoft.com/office/drawing/2014/main" val="727125318"/>
+                  </a:ext>
+                </a:extLst>
+              </a:tr>
+              <a:tr h="370840">
+                <a:tc gridSpan="2">
+                  <a:txBody>
+                    <a:bodyPr/>
+                    <a:lstStyle/>
+                    <a:p>
+                      <a:pPr latinLnBrk="1"/>
+                      <a:r>
+                        <a:rPr lang="ko-KR" altLang="en-US" b="0" dirty="0">
+                          <a:solidFill>
+                            <a:schemeClr val="tx1"/>
+                          </a:solidFill>
+                        </a:rPr>
+                        <a:t>아이템 보상은 최대 </a:t>
+                      </a:r>
+                      <a:r>
+                        <a:rPr lang="en-US" altLang="ko-KR" b="0" dirty="0">
+                          <a:solidFill>
+                            <a:schemeClr val="tx1"/>
+                          </a:solidFill>
+                        </a:rPr>
+                        <a:t>8</a:t>
+                      </a:r>
+                      <a:r>
+                        <a:rPr lang="ko-KR" altLang="en-US" b="0" dirty="0">
+                          <a:solidFill>
+                            <a:schemeClr val="tx1"/>
+                          </a:solidFill>
+                        </a:rPr>
+                        <a:t>종류</a:t>
+                      </a:r>
+                      <a:r>
+                        <a:rPr lang="en-US" altLang="ko-KR" b="0" dirty="0">
+                          <a:solidFill>
+                            <a:schemeClr val="tx1"/>
+                          </a:solidFill>
+                        </a:rPr>
+                        <a:t>, </a:t>
+                      </a:r>
+                      <a:r>
+                        <a:rPr lang="ko-KR" altLang="en-US" b="0" dirty="0">
+                          <a:solidFill>
+                            <a:schemeClr val="tx1"/>
+                          </a:solidFill>
+                        </a:rPr>
+                        <a:t>한 종류 당 최대 </a:t>
+                      </a:r>
+                      <a:r>
+                        <a:rPr lang="en-US" altLang="ko-KR" b="0" dirty="0">
+                          <a:solidFill>
+                            <a:schemeClr val="tx1"/>
+                          </a:solidFill>
+                        </a:rPr>
+                        <a:t>999</a:t>
+                      </a:r>
+                      <a:r>
+                        <a:rPr lang="ko-KR" altLang="en-US" b="0" dirty="0">
+                          <a:solidFill>
+                            <a:schemeClr val="tx1"/>
+                          </a:solidFill>
+                        </a:rPr>
+                        <a:t>개 까지 지급</a:t>
+                      </a:r>
+                      <a:endParaRPr lang="en-US" altLang="ko-KR" b="0" dirty="0">
+                        <a:solidFill>
+                          <a:schemeClr val="tx1"/>
+                        </a:solidFill>
+                      </a:endParaRPr>
+                    </a:p>
+                  </a:txBody>
+                  <a:tcPr>
+                    <a:lnL w="12700" cap="flat" cmpd="sng" algn="ctr">
+                      <a:noFill/>
+                      <a:prstDash val="solid"/>
+                      <a:round/>
+                      <a:headEnd type="none" w="med" len="med"/>
+                      <a:tailEnd type="none" w="med" len="med"/>
+                    </a:lnL>
+                    <a:lnR w="12700" cap="flat" cmpd="sng" algn="ctr">
+                      <a:noFill/>
+                      <a:prstDash val="solid"/>
+                      <a:round/>
+                      <a:headEnd type="none" w="med" len="med"/>
+                      <a:tailEnd type="none" w="med" len="med"/>
+                    </a:lnR>
+                    <a:lnT w="12700" cap="flat" cmpd="sng" algn="ctr">
+                      <a:solidFill>
+                        <a:schemeClr val="tx1"/>
+                      </a:solidFill>
+                      <a:prstDash val="solid"/>
+                      <a:round/>
+                      <a:headEnd type="none" w="med" len="med"/>
+                      <a:tailEnd type="none" w="med" len="med"/>
+                    </a:lnT>
+                    <a:lnB w="12700" cap="flat" cmpd="sng" algn="ctr">
+                      <a:solidFill>
+                        <a:schemeClr val="tx1"/>
+                      </a:solidFill>
+                      <a:prstDash val="solid"/>
+                      <a:round/>
+                      <a:headEnd type="none" w="med" len="med"/>
+                      <a:tailEnd type="none" w="med" len="med"/>
+                    </a:lnB>
+                    <a:lnTlToBr w="12700" cmpd="sng">
+                      <a:noFill/>
+                      <a:prstDash val="solid"/>
+                    </a:lnTlToBr>
+                    <a:lnBlToTr w="12700" cmpd="sng">
+                      <a:noFill/>
+                      <a:prstDash val="solid"/>
+                    </a:lnBlToTr>
+                    <a:noFill/>
+                  </a:tcPr>
+                </a:tc>
+                <a:tc hMerge="1">
+                  <a:txBody>
+                    <a:bodyPr/>
+                    <a:lstStyle/>
+                    <a:p>
+                      <a:pPr latinLnBrk="1"/>
+                      <a:endParaRPr lang="ko-KR" altLang="en-US"/>
+                    </a:p>
+                  </a:txBody>
+                  <a:tcPr/>
+                </a:tc>
+                <a:extLst>
+                  <a:ext uri="{0D108BD9-81ED-4DB2-BD59-A6C34878D82A}">
+                    <a16:rowId xmlns:a16="http://schemas.microsoft.com/office/drawing/2014/main" val="2075818999"/>
+                  </a:ext>
+                </a:extLst>
+              </a:tr>
+              <a:tr h="370840">
+                <a:tc gridSpan="2">
+                  <a:txBody>
+                    <a:bodyPr/>
+                    <a:lstStyle/>
+                    <a:p>
+                      <a:pPr latinLnBrk="1"/>
+                      <a:r>
+                        <a:rPr lang="en-US" altLang="ko-KR" b="0" dirty="0">
+                          <a:solidFill>
+                            <a:schemeClr val="tx1"/>
+                          </a:solidFill>
+                        </a:rPr>
+                        <a:t>PC</a:t>
+                      </a:r>
+                      <a:r>
+                        <a:rPr lang="ko-KR" altLang="en-US" b="0" dirty="0">
+                          <a:solidFill>
+                            <a:schemeClr val="tx1"/>
+                          </a:solidFill>
+                        </a:rPr>
+                        <a:t>에 인벤토리에 보상을 받을 공간이 없을 경우 완료 보류</a:t>
+                      </a:r>
+                      <a:endParaRPr lang="en-US" altLang="ko-KR" b="0" dirty="0">
+                        <a:solidFill>
+                          <a:schemeClr val="tx1"/>
+                        </a:solidFill>
+                      </a:endParaRPr>
+                    </a:p>
+                  </a:txBody>
+                  <a:tcPr>
+                    <a:lnL w="12700" cap="flat" cmpd="sng" algn="ctr">
+                      <a:noFill/>
+                      <a:prstDash val="solid"/>
+                      <a:round/>
+                      <a:headEnd type="none" w="med" len="med"/>
+                      <a:tailEnd type="none" w="med" len="med"/>
+                    </a:lnL>
+                    <a:lnR w="12700" cap="flat" cmpd="sng" algn="ctr">
+                      <a:noFill/>
+                      <a:prstDash val="solid"/>
+                      <a:round/>
+                      <a:headEnd type="none" w="med" len="med"/>
+                      <a:tailEnd type="none" w="med" len="med"/>
+                    </a:lnR>
+                    <a:lnT w="12700" cap="flat" cmpd="sng" algn="ctr">
+                      <a:solidFill>
+                        <a:schemeClr val="tx1"/>
+                      </a:solidFill>
+                      <a:prstDash val="solid"/>
+                      <a:round/>
+                      <a:headEnd type="none" w="med" len="med"/>
+                      <a:tailEnd type="none" w="med" len="med"/>
+                    </a:lnT>
+                    <a:lnB w="12700" cap="flat" cmpd="sng" algn="ctr">
+                      <a:noFill/>
+                      <a:prstDash val="solid"/>
+                      <a:round/>
+                      <a:headEnd type="none" w="med" len="med"/>
+                      <a:tailEnd type="none" w="med" len="med"/>
+                    </a:lnB>
+                    <a:lnTlToBr w="12700" cmpd="sng">
+                      <a:noFill/>
+                      <a:prstDash val="solid"/>
+                    </a:lnTlToBr>
+                    <a:lnBlToTr w="12700" cmpd="sng">
+                      <a:noFill/>
+                      <a:prstDash val="solid"/>
+                    </a:lnBlToTr>
+                    <a:noFill/>
+                  </a:tcPr>
+                </a:tc>
+                <a:tc hMerge="1">
+                  <a:txBody>
+                    <a:bodyPr/>
+                    <a:lstStyle/>
+                    <a:p>
+                      <a:pPr latinLnBrk="1"/>
+                      <a:endParaRPr lang="ko-KR" altLang="en-US"/>
+                    </a:p>
+                  </a:txBody>
+                  <a:tcPr/>
+                </a:tc>
+                <a:extLst>
+                  <a:ext uri="{0D108BD9-81ED-4DB2-BD59-A6C34878D82A}">
+                    <a16:rowId xmlns:a16="http://schemas.microsoft.com/office/drawing/2014/main" val="2664984748"/>
                   </a:ext>
                 </a:extLst>
               </a:tr>
@@ -10941,10 +13331,10 @@
       </p:graphicFrame>
       <p:sp>
         <p:nvSpPr>
-          <p:cNvPr id="7" name="제목 1">
+          <p:cNvPr id="5" name="Rect 0">
             <a:extLst>
               <a:ext uri="{FF2B5EF4-FFF2-40B4-BE49-F238E27FC236}">
-                <a16:creationId xmlns:a16="http://schemas.microsoft.com/office/drawing/2014/main" id="{77FA9A8E-E94C-4F99-8997-7C96A1AAEAC7}"/>
+                <a16:creationId xmlns:a16="http://schemas.microsoft.com/office/drawing/2014/main" id="{973C568C-0574-430B-948F-BD8DC31E2883}"/>
               </a:ext>
             </a:extLst>
           </p:cNvPr>
@@ -10956,26 +13346,27 @@
         <p:spPr>
           <a:xfrm>
             <a:off x="695325" y="292100"/>
-            <a:ext cx="10801350" cy="861695"/>
+            <a:ext cx="10801985" cy="862330"/>
           </a:xfrm>
           <a:prstGeom prst="rect">
             <a:avLst/>
           </a:prstGeom>
         </p:spPr>
         <p:txBody>
-          <a:bodyPr vert="horz" lIns="91440" tIns="45720" rIns="91440" bIns="45720" rtlCol="0" anchor="ctr">
+          <a:bodyPr vert="horz" wrap="square" lIns="91440" tIns="45720" rIns="91440" bIns="45720" numCol="1" anchor="ctr">
             <a:normAutofit/>
           </a:bodyPr>
           <a:lstStyle>
-            <a:lvl1pPr algn="l" defTabSz="914400" rtl="0" eaLnBrk="1" latinLnBrk="1" hangingPunct="1">
+            <a:lvl1pPr marL="0" indent="0" algn="l" defTabSz="914400" rtl="0" eaLnBrk="1" latinLnBrk="1" hangingPunct="1">
               <a:lnSpc>
                 <a:spcPct val="90000"/>
               </a:lnSpc>
               <a:spcBef>
                 <a:spcPct val="0"/>
               </a:spcBef>
+              <a:buFontTx/>
               <a:buNone/>
-              <a:defRPr sz="4400" kern="1200">
+              <a:defRPr lang="en-GB" altLang="en-US" sz="4400">
                 <a:solidFill>
                   <a:schemeClr val="tx1"/>
                 </a:solidFill>
@@ -10986,18 +13377,25 @@
             </a:lvl1pPr>
           </a:lstStyle>
           <a:p>
+            <a:pPr marL="0" indent="0" latinLnBrk="0">
+              <a:buFontTx/>
+              <a:buNone/>
+            </a:pPr>
             <a:r>
-              <a:rPr lang="en-US" altLang="ko-KR" dirty="0"/>
-              <a:t>-</a:t>
+              <a:rPr lang="ko-KR" altLang="en-US"/>
+              <a:t>완료 세부 </a:t>
             </a:r>
-            <a:endParaRPr lang="ko-KR" altLang="en-US" dirty="0"/>
+            <a:r>
+              <a:rPr lang="ko-KR" altLang="en-US" dirty="0"/>
+              <a:t>규칙</a:t>
+            </a:r>
           </a:p>
         </p:txBody>
       </p:sp>
     </p:spTree>
     <p:extLst>
       <p:ext uri="{BB962C8B-B14F-4D97-AF65-F5344CB8AC3E}">
-        <p14:creationId xmlns:p14="http://schemas.microsoft.com/office/powerpoint/2010/main" val="2786341182"/>
+        <p14:creationId xmlns:p14="http://schemas.microsoft.com/office/powerpoint/2010/main" val="1297590142"/>
       </p:ext>
     </p:extLst>
   </p:cSld>

--- a/기획/방랑엽사전/퀘스트 시스템 기획서.pptx
+++ b/기획/방랑엽사전/퀘스트 시스템 기획서.pptx
@@ -5,7 +5,7 @@
     <p:sldMasterId id="2147483684" r:id="rId1"/>
   </p:sldMasterIdLst>
   <p:notesMasterIdLst>
-    <p:notesMasterId r:id="rId13"/>
+    <p:notesMasterId r:id="rId16"/>
   </p:notesMasterIdLst>
   <p:sldIdLst>
     <p:sldId id="258" r:id="rId2"/>
@@ -16,9 +16,12 @@
     <p:sldId id="273" r:id="rId7"/>
     <p:sldId id="277" r:id="rId8"/>
     <p:sldId id="274" r:id="rId9"/>
-    <p:sldId id="275" r:id="rId10"/>
-    <p:sldId id="269" r:id="rId11"/>
-    <p:sldId id="267" r:id="rId12"/>
+    <p:sldId id="278" r:id="rId10"/>
+    <p:sldId id="280" r:id="rId11"/>
+    <p:sldId id="283" r:id="rId12"/>
+    <p:sldId id="275" r:id="rId13"/>
+    <p:sldId id="279" r:id="rId14"/>
+    <p:sldId id="267" r:id="rId15"/>
   </p:sldIdLst>
   <p:sldSz cx="12192000" cy="6858000"/>
   <p:notesSz cx="6858000" cy="9144000"/>
@@ -161,6 +164,18 @@
 </p:presentation>
 </file>
 
+<file path=ppt/commentAuthors.xml><?xml version="1.0" encoding="utf-8"?>
+<p:cmAuthorLst xmlns:a="http://schemas.openxmlformats.org/drawingml/2006/main" xmlns:r="http://schemas.openxmlformats.org/officeDocument/2006/relationships" xmlns:p="http://schemas.openxmlformats.org/presentationml/2006/main">
+  <p:cmAuthor id="1" name="User" initials="U" lastIdx="1" clrIdx="0">
+    <p:extLst>
+      <p:ext uri="{19B8F6BF-5375-455C-9EA6-DF929625EA0E}">
+        <p15:presenceInfo xmlns:p15="http://schemas.microsoft.com/office/powerpoint/2012/main" userId="User" providerId="None"/>
+      </p:ext>
+    </p:extLst>
+  </p:cmAuthor>
+</p:cmAuthorLst>
+</file>
+
 <file path=ppt/notesMasters/notesMaster1.xml><?xml version="1.0" encoding="utf-8"?>
 <p:notesMaster xmlns:a="http://schemas.openxmlformats.org/drawingml/2006/main" xmlns:r="http://schemas.openxmlformats.org/officeDocument/2006/relationships" xmlns:p="http://schemas.openxmlformats.org/presentationml/2006/main">
   <p:cSld>
@@ -243,7 +258,7 @@
           <a:p>
             <a:fld id="{C8649E71-8129-4905-BAC0-51D65A0C1379}" type="datetimeFigureOut">
               <a:rPr lang="ko-KR" altLang="en-US" smtClean="0"/>
-              <a:t>2024-01-12</a:t>
+              <a:t>2024-01-15</a:t>
             </a:fld>
             <a:endParaRPr lang="ko-KR" altLang="en-US"/>
           </a:p>
@@ -741,7 +756,7 @@
           <a:p>
             <a:fld id="{523D6941-6B33-4834-BC65-A333846D27E6}" type="datetimeFigureOut">
               <a:rPr lang="ko-KR" altLang="en-US" smtClean="0"/>
-              <a:t>2024-01-12</a:t>
+              <a:t>2024-01-15</a:t>
             </a:fld>
             <a:endParaRPr lang="ko-KR" altLang="en-US"/>
           </a:p>
@@ -939,7 +954,7 @@
           <a:p>
             <a:fld id="{523D6941-6B33-4834-BC65-A333846D27E6}" type="datetimeFigureOut">
               <a:rPr lang="ko-KR" altLang="en-US" smtClean="0"/>
-              <a:t>2024-01-12</a:t>
+              <a:t>2024-01-15</a:t>
             </a:fld>
             <a:endParaRPr lang="ko-KR" altLang="en-US"/>
           </a:p>
@@ -1147,7 +1162,7 @@
           <a:p>
             <a:fld id="{523D6941-6B33-4834-BC65-A333846D27E6}" type="datetimeFigureOut">
               <a:rPr lang="ko-KR" altLang="en-US" smtClean="0"/>
-              <a:t>2024-01-12</a:t>
+              <a:t>2024-01-15</a:t>
             </a:fld>
             <a:endParaRPr lang="ko-KR" altLang="en-US"/>
           </a:p>
@@ -1360,7 +1375,7 @@
           <a:p>
             <a:fld id="{523D6941-6B33-4834-BC65-A333846D27E6}" type="datetimeFigureOut">
               <a:rPr lang="ko-KR" altLang="en-US" smtClean="0"/>
-              <a:t>2024-01-12</a:t>
+              <a:t>2024-01-15</a:t>
             </a:fld>
             <a:endParaRPr lang="ko-KR" altLang="en-US"/>
           </a:p>
@@ -1645,7 +1660,7 @@
           <a:p>
             <a:fld id="{523D6941-6B33-4834-BC65-A333846D27E6}" type="datetimeFigureOut">
               <a:rPr lang="ko-KR" altLang="en-US" smtClean="0"/>
-              <a:t>2024-01-12</a:t>
+              <a:t>2024-01-15</a:t>
             </a:fld>
             <a:endParaRPr lang="ko-KR" altLang="en-US"/>
           </a:p>
@@ -1910,7 +1925,7 @@
           <a:p>
             <a:fld id="{523D6941-6B33-4834-BC65-A333846D27E6}" type="datetimeFigureOut">
               <a:rPr lang="ko-KR" altLang="en-US" smtClean="0"/>
-              <a:t>2024-01-12</a:t>
+              <a:t>2024-01-15</a:t>
             </a:fld>
             <a:endParaRPr lang="ko-KR" altLang="en-US"/>
           </a:p>
@@ -2322,7 +2337,7 @@
           <a:p>
             <a:fld id="{523D6941-6B33-4834-BC65-A333846D27E6}" type="datetimeFigureOut">
               <a:rPr lang="ko-KR" altLang="en-US" smtClean="0"/>
-              <a:t>2024-01-12</a:t>
+              <a:t>2024-01-15</a:t>
             </a:fld>
             <a:endParaRPr lang="ko-KR" altLang="en-US"/>
           </a:p>
@@ -2463,7 +2478,7 @@
           <a:p>
             <a:fld id="{523D6941-6B33-4834-BC65-A333846D27E6}" type="datetimeFigureOut">
               <a:rPr lang="ko-KR" altLang="en-US" smtClean="0"/>
-              <a:t>2024-01-12</a:t>
+              <a:t>2024-01-15</a:t>
             </a:fld>
             <a:endParaRPr lang="ko-KR" altLang="en-US"/>
           </a:p>
@@ -2576,7 +2591,7 @@
           <a:p>
             <a:fld id="{523D6941-6B33-4834-BC65-A333846D27E6}" type="datetimeFigureOut">
               <a:rPr lang="ko-KR" altLang="en-US" smtClean="0"/>
-              <a:t>2024-01-12</a:t>
+              <a:t>2024-01-15</a:t>
             </a:fld>
             <a:endParaRPr lang="ko-KR" altLang="en-US"/>
           </a:p>
@@ -2887,7 +2902,7 @@
           <a:p>
             <a:fld id="{523D6941-6B33-4834-BC65-A333846D27E6}" type="datetimeFigureOut">
               <a:rPr lang="ko-KR" altLang="en-US" smtClean="0"/>
-              <a:t>2024-01-12</a:t>
+              <a:t>2024-01-15</a:t>
             </a:fld>
             <a:endParaRPr lang="ko-KR" altLang="en-US"/>
           </a:p>
@@ -3175,7 +3190,7 @@
           <a:p>
             <a:fld id="{523D6941-6B33-4834-BC65-A333846D27E6}" type="datetimeFigureOut">
               <a:rPr lang="ko-KR" altLang="en-US" smtClean="0"/>
-              <a:t>2024-01-12</a:t>
+              <a:t>2024-01-15</a:t>
             </a:fld>
             <a:endParaRPr lang="ko-KR" altLang="en-US"/>
           </a:p>
@@ -3416,7 +3431,7 @@
           <a:p>
             <a:fld id="{523D6941-6B33-4834-BC65-A333846D27E6}" type="datetimeFigureOut">
               <a:rPr lang="ko-KR" altLang="en-US" smtClean="0"/>
-              <a:t>2024-01-12</a:t>
+              <a:t>2024-01-15</a:t>
             </a:fld>
             <a:endParaRPr lang="ko-KR" altLang="en-US"/>
           </a:p>
@@ -3935,46 +3950,420 @@
           <a:chExt cx="0" cy="0"/>
         </a:xfrm>
       </p:grpSpPr>
-      <p:pic>
-        <p:nvPicPr>
-          <p:cNvPr id="4" name="그림 3">
+      <p:graphicFrame>
+        <p:nvGraphicFramePr>
+          <p:cNvPr id="3" name="표 2">
             <a:extLst>
               <a:ext uri="{FF2B5EF4-FFF2-40B4-BE49-F238E27FC236}">
-                <a16:creationId xmlns:a16="http://schemas.microsoft.com/office/drawing/2014/main" id="{E1FB60E2-E889-4AEE-937F-8A1F1195287A}"/>
+                <a16:creationId xmlns:a16="http://schemas.microsoft.com/office/drawing/2014/main" id="{7858959D-94A3-438E-B5B6-A05808F4536A}"/>
               </a:ext>
             </a:extLst>
           </p:cNvPr>
-          <p:cNvPicPr>
-            <a:picLocks noChangeAspect="1"/>
-          </p:cNvPicPr>
-          <p:nvPr/>
-        </p:nvPicPr>
-        <p:blipFill>
-          <a:blip r:embed="rId2">
+          <p:cNvGraphicFramePr>
+            <a:graphicFrameLocks noGrp="1"/>
+          </p:cNvGraphicFramePr>
+          <p:nvPr>
+            <p:extLst>
+              <p:ext uri="{D42A27DB-BD31-4B8C-83A1-F6EECF244321}">
+                <p14:modId xmlns:p14="http://schemas.microsoft.com/office/powerpoint/2010/main" val="1887483508"/>
+              </p:ext>
+            </p:extLst>
+          </p:nvPr>
+        </p:nvGraphicFramePr>
+        <p:xfrm>
+          <a:off x="2676366" y="2552700"/>
+          <a:ext cx="6839268" cy="1752600"/>
+        </p:xfrm>
+        <a:graphic>
+          <a:graphicData uri="http://schemas.openxmlformats.org/drawingml/2006/table">
+            <a:tbl>
+              <a:tblPr firstRow="1" bandRow="1">
+                <a:tableStyleId>{5C22544A-7EE6-4342-B048-85BDC9FD1C3A}</a:tableStyleId>
+              </a:tblPr>
+              <a:tblGrid>
+                <a:gridCol w="6839268">
+                  <a:extLst>
+                    <a:ext uri="{9D8B030D-6E8A-4147-A177-3AD203B41FA5}">
+                      <a16:colId xmlns:a16="http://schemas.microsoft.com/office/drawing/2014/main" val="2985730691"/>
+                    </a:ext>
+                  </a:extLst>
+                </a:gridCol>
+              </a:tblGrid>
+              <a:tr h="370840">
+                <a:tc>
+                  <a:txBody>
+                    <a:bodyPr/>
+                    <a:lstStyle/>
+                    <a:p>
+                      <a:pPr latinLnBrk="1"/>
+                      <a:r>
+                        <a:rPr lang="ko-KR" altLang="en-US" b="0" dirty="0">
+                          <a:solidFill>
+                            <a:schemeClr val="tx1"/>
+                          </a:solidFill>
+                        </a:rPr>
+                        <a:t>포기</a:t>
+                      </a:r>
+                    </a:p>
+                  </a:txBody>
+                  <a:tcPr>
+                    <a:lnL w="12700" cap="flat" cmpd="sng" algn="ctr">
+                      <a:noFill/>
+                      <a:prstDash val="solid"/>
+                      <a:round/>
+                      <a:headEnd type="none" w="med" len="med"/>
+                      <a:tailEnd type="none" w="med" len="med"/>
+                    </a:lnL>
+                    <a:lnR w="12700" cap="flat" cmpd="sng" algn="ctr">
+                      <a:noFill/>
+                      <a:prstDash val="solid"/>
+                      <a:round/>
+                      <a:headEnd type="none" w="med" len="med"/>
+                      <a:tailEnd type="none" w="med" len="med"/>
+                    </a:lnR>
+                    <a:lnT w="12700" cap="flat" cmpd="sng" algn="ctr">
+                      <a:noFill/>
+                      <a:prstDash val="solid"/>
+                      <a:round/>
+                      <a:headEnd type="none" w="med" len="med"/>
+                      <a:tailEnd type="none" w="med" len="med"/>
+                    </a:lnT>
+                    <a:lnB w="12700" cap="flat" cmpd="sng" algn="ctr">
+                      <a:solidFill>
+                        <a:schemeClr val="tx1"/>
+                      </a:solidFill>
+                      <a:prstDash val="solid"/>
+                      <a:round/>
+                      <a:headEnd type="none" w="med" len="med"/>
+                      <a:tailEnd type="none" w="med" len="med"/>
+                    </a:lnB>
+                    <a:lnTlToBr w="12700" cmpd="sng">
+                      <a:noFill/>
+                      <a:prstDash val="solid"/>
+                    </a:lnTlToBr>
+                    <a:lnBlToTr w="12700" cmpd="sng">
+                      <a:noFill/>
+                      <a:prstDash val="solid"/>
+                    </a:lnBlToTr>
+                    <a:solidFill>
+                      <a:schemeClr val="bg1">
+                        <a:lumMod val="95000"/>
+                      </a:schemeClr>
+                    </a:solidFill>
+                  </a:tcPr>
+                </a:tc>
+                <a:extLst>
+                  <a:ext uri="{0D108BD9-81ED-4DB2-BD59-A6C34878D82A}">
+                    <a16:rowId xmlns:a16="http://schemas.microsoft.com/office/drawing/2014/main" val="4232510737"/>
+                  </a:ext>
+                </a:extLst>
+              </a:tr>
+              <a:tr h="370840">
+                <a:tc>
+                  <a:txBody>
+                    <a:bodyPr/>
+                    <a:lstStyle/>
+                    <a:p>
+                      <a:pPr latinLnBrk="1"/>
+                      <a:r>
+                        <a:rPr lang="ko-KR" altLang="en-US" b="0" dirty="0">
+                          <a:solidFill>
+                            <a:schemeClr val="tx1"/>
+                          </a:solidFill>
+                        </a:rPr>
+                        <a:t>퀘스트 진행 중에 퀘스트 창에서 포기 버튼으로 포기 할 수 있다</a:t>
+                      </a:r>
+                      <a:r>
+                        <a:rPr lang="en-US" altLang="ko-KR" b="0" dirty="0">
+                          <a:solidFill>
+                            <a:schemeClr val="tx1"/>
+                          </a:solidFill>
+                        </a:rPr>
+                        <a:t>.</a:t>
+                      </a:r>
+                    </a:p>
+                  </a:txBody>
+                  <a:tcPr>
+                    <a:lnL w="12700" cap="flat" cmpd="sng" algn="ctr">
+                      <a:noFill/>
+                      <a:prstDash val="solid"/>
+                      <a:round/>
+                      <a:headEnd type="none" w="med" len="med"/>
+                      <a:tailEnd type="none" w="med" len="med"/>
+                    </a:lnL>
+                    <a:lnR w="12700" cap="flat" cmpd="sng" algn="ctr">
+                      <a:noFill/>
+                      <a:prstDash val="solid"/>
+                      <a:round/>
+                      <a:headEnd type="none" w="med" len="med"/>
+                      <a:tailEnd type="none" w="med" len="med"/>
+                    </a:lnR>
+                    <a:lnT w="12700" cap="flat" cmpd="sng" algn="ctr">
+                      <a:solidFill>
+                        <a:schemeClr val="tx1"/>
+                      </a:solidFill>
+                      <a:prstDash val="solid"/>
+                      <a:round/>
+                      <a:headEnd type="none" w="med" len="med"/>
+                      <a:tailEnd type="none" w="med" len="med"/>
+                    </a:lnT>
+                    <a:lnB w="12700" cap="flat" cmpd="sng" algn="ctr">
+                      <a:solidFill>
+                        <a:schemeClr val="tx1"/>
+                      </a:solidFill>
+                      <a:prstDash val="solid"/>
+                      <a:round/>
+                      <a:headEnd type="none" w="med" len="med"/>
+                      <a:tailEnd type="none" w="med" len="med"/>
+                    </a:lnB>
+                    <a:lnTlToBr w="12700" cmpd="sng">
+                      <a:noFill/>
+                      <a:prstDash val="solid"/>
+                    </a:lnTlToBr>
+                    <a:lnBlToTr w="12700" cmpd="sng">
+                      <a:noFill/>
+                      <a:prstDash val="solid"/>
+                    </a:lnBlToTr>
+                    <a:noFill/>
+                  </a:tcPr>
+                </a:tc>
+                <a:extLst>
+                  <a:ext uri="{0D108BD9-81ED-4DB2-BD59-A6C34878D82A}">
+                    <a16:rowId xmlns:a16="http://schemas.microsoft.com/office/drawing/2014/main" val="727125318"/>
+                  </a:ext>
+                </a:extLst>
+              </a:tr>
+              <a:tr h="370840">
+                <a:tc>
+                  <a:txBody>
+                    <a:bodyPr/>
+                    <a:lstStyle/>
+                    <a:p>
+                      <a:pPr latinLnBrk="1"/>
+                      <a:r>
+                        <a:rPr lang="ko-KR" altLang="en-US" b="0" dirty="0">
+                          <a:solidFill>
+                            <a:schemeClr val="tx1"/>
+                          </a:solidFill>
+                        </a:rPr>
+                        <a:t>일부 퀘스트는 포기할 수 없다</a:t>
+                      </a:r>
+                      <a:r>
+                        <a:rPr lang="en-US" altLang="ko-KR" b="0" dirty="0">
+                          <a:solidFill>
+                            <a:schemeClr val="tx1"/>
+                          </a:solidFill>
+                        </a:rPr>
+                        <a:t>.</a:t>
+                      </a:r>
+                    </a:p>
+                  </a:txBody>
+                  <a:tcPr>
+                    <a:lnL w="12700" cap="flat" cmpd="sng" algn="ctr">
+                      <a:noFill/>
+                      <a:prstDash val="solid"/>
+                      <a:round/>
+                      <a:headEnd type="none" w="med" len="med"/>
+                      <a:tailEnd type="none" w="med" len="med"/>
+                    </a:lnL>
+                    <a:lnR w="12700" cap="flat" cmpd="sng" algn="ctr">
+                      <a:noFill/>
+                      <a:prstDash val="solid"/>
+                      <a:round/>
+                      <a:headEnd type="none" w="med" len="med"/>
+                      <a:tailEnd type="none" w="med" len="med"/>
+                    </a:lnR>
+                    <a:lnT w="12700" cap="flat" cmpd="sng" algn="ctr">
+                      <a:solidFill>
+                        <a:schemeClr val="tx1"/>
+                      </a:solidFill>
+                      <a:prstDash val="solid"/>
+                      <a:round/>
+                      <a:headEnd type="none" w="med" len="med"/>
+                      <a:tailEnd type="none" w="med" len="med"/>
+                    </a:lnT>
+                    <a:lnB w="12700" cap="flat" cmpd="sng" algn="ctr">
+                      <a:solidFill>
+                        <a:schemeClr val="tx1"/>
+                      </a:solidFill>
+                      <a:prstDash val="solid"/>
+                      <a:round/>
+                      <a:headEnd type="none" w="med" len="med"/>
+                      <a:tailEnd type="none" w="med" len="med"/>
+                    </a:lnB>
+                    <a:lnTlToBr w="12700" cmpd="sng">
+                      <a:noFill/>
+                      <a:prstDash val="solid"/>
+                    </a:lnTlToBr>
+                    <a:lnBlToTr w="12700" cmpd="sng">
+                      <a:noFill/>
+                      <a:prstDash val="solid"/>
+                    </a:lnBlToTr>
+                    <a:noFill/>
+                  </a:tcPr>
+                </a:tc>
+                <a:extLst>
+                  <a:ext uri="{0D108BD9-81ED-4DB2-BD59-A6C34878D82A}">
+                    <a16:rowId xmlns:a16="http://schemas.microsoft.com/office/drawing/2014/main" val="3457501695"/>
+                  </a:ext>
+                </a:extLst>
+              </a:tr>
+              <a:tr h="370840">
+                <a:tc>
+                  <a:txBody>
+                    <a:bodyPr/>
+                    <a:lstStyle/>
+                    <a:p>
+                      <a:pPr latinLnBrk="1"/>
+                      <a:r>
+                        <a:rPr lang="ko-KR" altLang="en-US" b="0" dirty="0">
+                          <a:solidFill>
+                            <a:schemeClr val="tx1"/>
+                          </a:solidFill>
+                        </a:rPr>
+                        <a:t>돌발 발생 퀘스트 등의 일부 퀘스트는 포기 시 </a:t>
+                      </a:r>
+                      <a:endParaRPr lang="en-US" altLang="ko-KR" b="0" dirty="0">
+                        <a:solidFill>
+                          <a:schemeClr val="tx1"/>
+                        </a:solidFill>
+                      </a:endParaRPr>
+                    </a:p>
+                    <a:p>
+                      <a:pPr latinLnBrk="1"/>
+                      <a:r>
+                        <a:rPr lang="ko-KR" altLang="en-US" b="0" dirty="0">
+                          <a:solidFill>
+                            <a:schemeClr val="tx1"/>
+                          </a:solidFill>
+                        </a:rPr>
+                        <a:t>퀘스트가 다시 발생할 때 까지 퀘스트를 수행할 수 없다</a:t>
+                      </a:r>
+                      <a:r>
+                        <a:rPr lang="en-US" altLang="ko-KR" b="0" dirty="0">
+                          <a:solidFill>
+                            <a:schemeClr val="tx1"/>
+                          </a:solidFill>
+                        </a:rPr>
+                        <a:t>.</a:t>
+                      </a:r>
+                    </a:p>
+                  </a:txBody>
+                  <a:tcPr>
+                    <a:lnL w="12700" cap="flat" cmpd="sng" algn="ctr">
+                      <a:noFill/>
+                      <a:prstDash val="solid"/>
+                      <a:round/>
+                      <a:headEnd type="none" w="med" len="med"/>
+                      <a:tailEnd type="none" w="med" len="med"/>
+                    </a:lnL>
+                    <a:lnR w="12700" cap="flat" cmpd="sng" algn="ctr">
+                      <a:noFill/>
+                      <a:prstDash val="solid"/>
+                      <a:round/>
+                      <a:headEnd type="none" w="med" len="med"/>
+                      <a:tailEnd type="none" w="med" len="med"/>
+                    </a:lnR>
+                    <a:lnT w="12700" cap="flat" cmpd="sng" algn="ctr">
+                      <a:solidFill>
+                        <a:schemeClr val="tx1"/>
+                      </a:solidFill>
+                      <a:prstDash val="solid"/>
+                      <a:round/>
+                      <a:headEnd type="none" w="med" len="med"/>
+                      <a:tailEnd type="none" w="med" len="med"/>
+                    </a:lnT>
+                    <a:lnB w="12700" cap="flat" cmpd="sng" algn="ctr">
+                      <a:noFill/>
+                      <a:prstDash val="solid"/>
+                      <a:round/>
+                      <a:headEnd type="none" w="med" len="med"/>
+                      <a:tailEnd type="none" w="med" len="med"/>
+                    </a:lnB>
+                    <a:lnTlToBr w="12700" cmpd="sng">
+                      <a:noFill/>
+                      <a:prstDash val="solid"/>
+                    </a:lnTlToBr>
+                    <a:lnBlToTr w="12700" cmpd="sng">
+                      <a:noFill/>
+                      <a:prstDash val="solid"/>
+                    </a:lnBlToTr>
+                    <a:noFill/>
+                  </a:tcPr>
+                </a:tc>
+                <a:extLst>
+                  <a:ext uri="{0D108BD9-81ED-4DB2-BD59-A6C34878D82A}">
+                    <a16:rowId xmlns:a16="http://schemas.microsoft.com/office/drawing/2014/main" val="2664984748"/>
+                  </a:ext>
+                </a:extLst>
+              </a:tr>
+            </a:tbl>
+          </a:graphicData>
+        </a:graphic>
+      </p:graphicFrame>
+      <p:sp>
+        <p:nvSpPr>
+          <p:cNvPr id="5" name="Rect 0">
             <a:extLst>
-              <a:ext uri="{28A0092B-C50C-407E-A947-70E740481C1C}">
-                <a14:useLocalDpi xmlns:a14="http://schemas.microsoft.com/office/drawing/2010/main" val="0"/>
+              <a:ext uri="{FF2B5EF4-FFF2-40B4-BE49-F238E27FC236}">
+                <a16:creationId xmlns:a16="http://schemas.microsoft.com/office/drawing/2014/main" id="{973C568C-0574-430B-948F-BD8DC31E2883}"/>
               </a:ext>
             </a:extLst>
-          </a:blip>
-          <a:stretch>
-            <a:fillRect/>
-          </a:stretch>
-        </p:blipFill>
+          </p:cNvPr>
+          <p:cNvSpPr txBox="1">
+            <a:spLocks/>
+          </p:cNvSpPr>
+          <p:nvPr/>
+        </p:nvSpPr>
         <p:spPr>
           <a:xfrm>
-            <a:off x="5530724" y="1154430"/>
-            <a:ext cx="1821654" cy="4545623"/>
+            <a:off x="695325" y="292100"/>
+            <a:ext cx="10801985" cy="862330"/>
           </a:xfrm>
           <a:prstGeom prst="rect">
             <a:avLst/>
           </a:prstGeom>
         </p:spPr>
-      </p:pic>
+        <p:txBody>
+          <a:bodyPr vert="horz" wrap="square" lIns="91440" tIns="45720" rIns="91440" bIns="45720" numCol="1" anchor="ctr">
+            <a:normAutofit/>
+          </a:bodyPr>
+          <a:lstStyle>
+            <a:lvl1pPr marL="0" indent="0" algn="l" defTabSz="914400" rtl="0" eaLnBrk="1" latinLnBrk="1" hangingPunct="1">
+              <a:lnSpc>
+                <a:spcPct val="90000"/>
+              </a:lnSpc>
+              <a:spcBef>
+                <a:spcPct val="0"/>
+              </a:spcBef>
+              <a:buFontTx/>
+              <a:buNone/>
+              <a:defRPr lang="en-GB" altLang="en-US" sz="4400">
+                <a:solidFill>
+                  <a:schemeClr val="tx1"/>
+                </a:solidFill>
+                <a:latin typeface="+mj-lt"/>
+                <a:ea typeface="+mj-ea"/>
+                <a:cs typeface="+mj-cs"/>
+              </a:defRPr>
+            </a:lvl1pPr>
+          </a:lstStyle>
+          <a:p>
+            <a:pPr marL="0" indent="0" latinLnBrk="0">
+              <a:buFontTx/>
+              <a:buNone/>
+            </a:pPr>
+            <a:r>
+              <a:rPr lang="ko-KR" altLang="en-US" dirty="0"/>
+              <a:t>포기 규칙</a:t>
+            </a:r>
+          </a:p>
+        </p:txBody>
+      </p:sp>
     </p:spTree>
     <p:extLst>
       <p:ext uri="{BB962C8B-B14F-4D97-AF65-F5344CB8AC3E}">
-        <p14:creationId xmlns:p14="http://schemas.microsoft.com/office/powerpoint/2010/main" val="1203411937"/>
+        <p14:creationId xmlns:p14="http://schemas.microsoft.com/office/powerpoint/2010/main" val="331954647"/>
       </p:ext>
     </p:extLst>
   </p:cSld>
@@ -3985,6 +4374,1647 @@
 </file>
 
 <file path=ppt/slides/slide11.xml><?xml version="1.0" encoding="utf-8"?>
+<p:sld xmlns:a="http://schemas.openxmlformats.org/drawingml/2006/main" xmlns:r="http://schemas.openxmlformats.org/officeDocument/2006/relationships" xmlns:p="http://schemas.openxmlformats.org/presentationml/2006/main">
+  <p:cSld>
+    <p:spTree>
+      <p:nvGrpSpPr>
+        <p:cNvPr id="1" name=""/>
+        <p:cNvGrpSpPr/>
+        <p:nvPr/>
+      </p:nvGrpSpPr>
+      <p:grpSpPr>
+        <a:xfrm>
+          <a:off x="0" y="0"/>
+          <a:ext cx="0" cy="0"/>
+          <a:chOff x="0" y="0"/>
+          <a:chExt cx="0" cy="0"/>
+        </a:xfrm>
+      </p:grpSpPr>
+      <p:graphicFrame>
+        <p:nvGraphicFramePr>
+          <p:cNvPr id="3" name="표 2">
+            <a:extLst>
+              <a:ext uri="{FF2B5EF4-FFF2-40B4-BE49-F238E27FC236}">
+                <a16:creationId xmlns:a16="http://schemas.microsoft.com/office/drawing/2014/main" id="{7858959D-94A3-438E-B5B6-A05808F4536A}"/>
+              </a:ext>
+            </a:extLst>
+          </p:cNvPr>
+          <p:cNvGraphicFramePr>
+            <a:graphicFrameLocks noGrp="1"/>
+          </p:cNvGraphicFramePr>
+          <p:nvPr>
+            <p:extLst>
+              <p:ext uri="{D42A27DB-BD31-4B8C-83A1-F6EECF244321}">
+                <p14:modId xmlns:p14="http://schemas.microsoft.com/office/powerpoint/2010/main" val="3120554374"/>
+              </p:ext>
+            </p:extLst>
+          </p:nvPr>
+        </p:nvGraphicFramePr>
+        <p:xfrm>
+          <a:off x="2528728" y="2367280"/>
+          <a:ext cx="7134543" cy="2123440"/>
+        </p:xfrm>
+        <a:graphic>
+          <a:graphicData uri="http://schemas.openxmlformats.org/drawingml/2006/table">
+            <a:tbl>
+              <a:tblPr firstRow="1" bandRow="1">
+                <a:tableStyleId>{5C22544A-7EE6-4342-B048-85BDC9FD1C3A}</a:tableStyleId>
+              </a:tblPr>
+              <a:tblGrid>
+                <a:gridCol w="7134543">
+                  <a:extLst>
+                    <a:ext uri="{9D8B030D-6E8A-4147-A177-3AD203B41FA5}">
+                      <a16:colId xmlns:a16="http://schemas.microsoft.com/office/drawing/2014/main" val="2985730691"/>
+                    </a:ext>
+                  </a:extLst>
+                </a:gridCol>
+              </a:tblGrid>
+              <a:tr h="370840">
+                <a:tc>
+                  <a:txBody>
+                    <a:bodyPr/>
+                    <a:lstStyle/>
+                    <a:p>
+                      <a:pPr latinLnBrk="1"/>
+                      <a:r>
+                        <a:rPr lang="ko-KR" altLang="en-US" b="0" dirty="0">
+                          <a:solidFill>
+                            <a:schemeClr val="tx1"/>
+                          </a:solidFill>
+                        </a:rPr>
+                        <a:t>실패</a:t>
+                      </a:r>
+                    </a:p>
+                  </a:txBody>
+                  <a:tcPr>
+                    <a:lnL w="12700" cap="flat" cmpd="sng" algn="ctr">
+                      <a:noFill/>
+                      <a:prstDash val="solid"/>
+                      <a:round/>
+                      <a:headEnd type="none" w="med" len="med"/>
+                      <a:tailEnd type="none" w="med" len="med"/>
+                    </a:lnL>
+                    <a:lnR w="12700" cap="flat" cmpd="sng" algn="ctr">
+                      <a:noFill/>
+                      <a:prstDash val="solid"/>
+                      <a:round/>
+                      <a:headEnd type="none" w="med" len="med"/>
+                      <a:tailEnd type="none" w="med" len="med"/>
+                    </a:lnR>
+                    <a:lnT w="12700" cap="flat" cmpd="sng" algn="ctr">
+                      <a:noFill/>
+                      <a:prstDash val="solid"/>
+                      <a:round/>
+                      <a:headEnd type="none" w="med" len="med"/>
+                      <a:tailEnd type="none" w="med" len="med"/>
+                    </a:lnT>
+                    <a:lnB w="12700" cap="flat" cmpd="sng" algn="ctr">
+                      <a:solidFill>
+                        <a:schemeClr val="tx1"/>
+                      </a:solidFill>
+                      <a:prstDash val="solid"/>
+                      <a:round/>
+                      <a:headEnd type="none" w="med" len="med"/>
+                      <a:tailEnd type="none" w="med" len="med"/>
+                    </a:lnB>
+                    <a:lnTlToBr w="12700" cmpd="sng">
+                      <a:noFill/>
+                      <a:prstDash val="solid"/>
+                    </a:lnTlToBr>
+                    <a:lnBlToTr w="12700" cmpd="sng">
+                      <a:noFill/>
+                      <a:prstDash val="solid"/>
+                    </a:lnBlToTr>
+                    <a:solidFill>
+                      <a:schemeClr val="bg1">
+                        <a:lumMod val="95000"/>
+                      </a:schemeClr>
+                    </a:solidFill>
+                  </a:tcPr>
+                </a:tc>
+                <a:extLst>
+                  <a:ext uri="{0D108BD9-81ED-4DB2-BD59-A6C34878D82A}">
+                    <a16:rowId xmlns:a16="http://schemas.microsoft.com/office/drawing/2014/main" val="4232510737"/>
+                  </a:ext>
+                </a:extLst>
+              </a:tr>
+              <a:tr h="370840">
+                <a:tc>
+                  <a:txBody>
+                    <a:bodyPr/>
+                    <a:lstStyle/>
+                    <a:p>
+                      <a:pPr latinLnBrk="1"/>
+                      <a:r>
+                        <a:rPr lang="ko-KR" altLang="en-US" b="0" dirty="0">
+                          <a:solidFill>
+                            <a:schemeClr val="tx1"/>
+                          </a:solidFill>
+                        </a:rPr>
+                        <a:t>일부 실패 조건이 있는 퀘스트는 조건에 따라 실패를 할 수 있다</a:t>
+                      </a:r>
+                      <a:r>
+                        <a:rPr lang="en-US" altLang="ko-KR" b="0" dirty="0">
+                          <a:solidFill>
+                            <a:schemeClr val="tx1"/>
+                          </a:solidFill>
+                        </a:rPr>
+                        <a:t>.</a:t>
+                      </a:r>
+                    </a:p>
+                  </a:txBody>
+                  <a:tcPr>
+                    <a:lnL w="12700" cap="flat" cmpd="sng" algn="ctr">
+                      <a:noFill/>
+                      <a:prstDash val="solid"/>
+                      <a:round/>
+                      <a:headEnd type="none" w="med" len="med"/>
+                      <a:tailEnd type="none" w="med" len="med"/>
+                    </a:lnL>
+                    <a:lnR w="12700" cap="flat" cmpd="sng" algn="ctr">
+                      <a:noFill/>
+                      <a:prstDash val="solid"/>
+                      <a:round/>
+                      <a:headEnd type="none" w="med" len="med"/>
+                      <a:tailEnd type="none" w="med" len="med"/>
+                    </a:lnR>
+                    <a:lnT w="12700" cap="flat" cmpd="sng" algn="ctr">
+                      <a:solidFill>
+                        <a:schemeClr val="tx1"/>
+                      </a:solidFill>
+                      <a:prstDash val="solid"/>
+                      <a:round/>
+                      <a:headEnd type="none" w="med" len="med"/>
+                      <a:tailEnd type="none" w="med" len="med"/>
+                    </a:lnT>
+                    <a:lnB w="12700" cap="flat" cmpd="sng" algn="ctr">
+                      <a:solidFill>
+                        <a:schemeClr val="tx1"/>
+                      </a:solidFill>
+                      <a:prstDash val="solid"/>
+                      <a:round/>
+                      <a:headEnd type="none" w="med" len="med"/>
+                      <a:tailEnd type="none" w="med" len="med"/>
+                    </a:lnB>
+                    <a:lnTlToBr w="12700" cmpd="sng">
+                      <a:noFill/>
+                      <a:prstDash val="solid"/>
+                    </a:lnTlToBr>
+                    <a:lnBlToTr w="12700" cmpd="sng">
+                      <a:noFill/>
+                      <a:prstDash val="solid"/>
+                    </a:lnBlToTr>
+                    <a:noFill/>
+                  </a:tcPr>
+                </a:tc>
+                <a:extLst>
+                  <a:ext uri="{0D108BD9-81ED-4DB2-BD59-A6C34878D82A}">
+                    <a16:rowId xmlns:a16="http://schemas.microsoft.com/office/drawing/2014/main" val="727125318"/>
+                  </a:ext>
+                </a:extLst>
+              </a:tr>
+              <a:tr h="370840">
+                <a:tc>
+                  <a:txBody>
+                    <a:bodyPr/>
+                    <a:lstStyle/>
+                    <a:p>
+                      <a:pPr latinLnBrk="1"/>
+                      <a:r>
+                        <a:rPr lang="ko-KR" altLang="en-US" b="0" dirty="0">
+                          <a:solidFill>
+                            <a:schemeClr val="tx1"/>
+                          </a:solidFill>
+                        </a:rPr>
+                        <a:t>실패 조건에는 시간 제한</a:t>
+                      </a:r>
+                      <a:r>
+                        <a:rPr lang="en-US" altLang="ko-KR" b="0" dirty="0">
+                          <a:solidFill>
+                            <a:schemeClr val="tx1"/>
+                          </a:solidFill>
+                        </a:rPr>
+                        <a:t>, </a:t>
+                      </a:r>
+                      <a:r>
+                        <a:rPr lang="ko-KR" altLang="en-US" b="0" dirty="0">
+                          <a:solidFill>
+                            <a:schemeClr val="tx1"/>
+                          </a:solidFill>
+                        </a:rPr>
+                        <a:t>생존</a:t>
+                      </a:r>
+                      <a:r>
+                        <a:rPr lang="en-US" altLang="ko-KR" b="0" dirty="0">
+                          <a:solidFill>
+                            <a:schemeClr val="tx1"/>
+                          </a:solidFill>
+                        </a:rPr>
+                        <a:t>, </a:t>
+                      </a:r>
+                      <a:r>
+                        <a:rPr lang="ko-KR" altLang="en-US" b="0" dirty="0">
+                          <a:solidFill>
+                            <a:schemeClr val="tx1"/>
+                          </a:solidFill>
+                        </a:rPr>
+                        <a:t>호위 등이 있다</a:t>
+                      </a:r>
+                      <a:r>
+                        <a:rPr lang="en-US" altLang="ko-KR" b="0" dirty="0">
+                          <a:solidFill>
+                            <a:schemeClr val="tx1"/>
+                          </a:solidFill>
+                        </a:rPr>
+                        <a:t>.</a:t>
+                      </a:r>
+                    </a:p>
+                  </a:txBody>
+                  <a:tcPr>
+                    <a:lnL w="12700" cap="flat" cmpd="sng" algn="ctr">
+                      <a:noFill/>
+                      <a:prstDash val="solid"/>
+                      <a:round/>
+                      <a:headEnd type="none" w="med" len="med"/>
+                      <a:tailEnd type="none" w="med" len="med"/>
+                    </a:lnL>
+                    <a:lnR w="12700" cap="flat" cmpd="sng" algn="ctr">
+                      <a:noFill/>
+                      <a:prstDash val="solid"/>
+                      <a:round/>
+                      <a:headEnd type="none" w="med" len="med"/>
+                      <a:tailEnd type="none" w="med" len="med"/>
+                    </a:lnR>
+                    <a:lnT w="12700" cap="flat" cmpd="sng" algn="ctr">
+                      <a:solidFill>
+                        <a:schemeClr val="tx1"/>
+                      </a:solidFill>
+                      <a:prstDash val="solid"/>
+                      <a:round/>
+                      <a:headEnd type="none" w="med" len="med"/>
+                      <a:tailEnd type="none" w="med" len="med"/>
+                    </a:lnT>
+                    <a:lnB w="12700" cap="flat" cmpd="sng" algn="ctr">
+                      <a:solidFill>
+                        <a:schemeClr val="tx1"/>
+                      </a:solidFill>
+                      <a:prstDash val="solid"/>
+                      <a:round/>
+                      <a:headEnd type="none" w="med" len="med"/>
+                      <a:tailEnd type="none" w="med" len="med"/>
+                    </a:lnB>
+                    <a:lnTlToBr w="12700" cmpd="sng">
+                      <a:noFill/>
+                      <a:prstDash val="solid"/>
+                    </a:lnTlToBr>
+                    <a:lnBlToTr w="12700" cmpd="sng">
+                      <a:noFill/>
+                      <a:prstDash val="solid"/>
+                    </a:lnBlToTr>
+                    <a:noFill/>
+                  </a:tcPr>
+                </a:tc>
+                <a:extLst>
+                  <a:ext uri="{0D108BD9-81ED-4DB2-BD59-A6C34878D82A}">
+                    <a16:rowId xmlns:a16="http://schemas.microsoft.com/office/drawing/2014/main" val="1003847530"/>
+                  </a:ext>
+                </a:extLst>
+              </a:tr>
+              <a:tr h="370840">
+                <a:tc>
+                  <a:txBody>
+                    <a:bodyPr/>
+                    <a:lstStyle/>
+                    <a:p>
+                      <a:pPr latinLnBrk="1"/>
+                      <a:r>
+                        <a:rPr lang="ko-KR" altLang="en-US" b="0" dirty="0">
+                          <a:solidFill>
+                            <a:schemeClr val="tx1"/>
+                          </a:solidFill>
+                        </a:rPr>
+                        <a:t>일부 퀘스트는 실패할 경우 해당 퀘스트에 시작 지점으로 돌아간다</a:t>
+                      </a:r>
+                      <a:r>
+                        <a:rPr lang="en-US" altLang="ko-KR" b="0" dirty="0">
+                          <a:solidFill>
+                            <a:schemeClr val="tx1"/>
+                          </a:solidFill>
+                        </a:rPr>
+                        <a:t>.</a:t>
+                      </a:r>
+                    </a:p>
+                  </a:txBody>
+                  <a:tcPr>
+                    <a:lnL w="12700" cap="flat" cmpd="sng" algn="ctr">
+                      <a:noFill/>
+                      <a:prstDash val="solid"/>
+                      <a:round/>
+                      <a:headEnd type="none" w="med" len="med"/>
+                      <a:tailEnd type="none" w="med" len="med"/>
+                    </a:lnL>
+                    <a:lnR w="12700" cap="flat" cmpd="sng" algn="ctr">
+                      <a:noFill/>
+                      <a:prstDash val="solid"/>
+                      <a:round/>
+                      <a:headEnd type="none" w="med" len="med"/>
+                      <a:tailEnd type="none" w="med" len="med"/>
+                    </a:lnR>
+                    <a:lnT w="12700" cap="flat" cmpd="sng" algn="ctr">
+                      <a:solidFill>
+                        <a:schemeClr val="tx1"/>
+                      </a:solidFill>
+                      <a:prstDash val="solid"/>
+                      <a:round/>
+                      <a:headEnd type="none" w="med" len="med"/>
+                      <a:tailEnd type="none" w="med" len="med"/>
+                    </a:lnT>
+                    <a:lnB w="12700" cap="flat" cmpd="sng" algn="ctr">
+                      <a:solidFill>
+                        <a:schemeClr val="tx1"/>
+                      </a:solidFill>
+                      <a:prstDash val="solid"/>
+                      <a:round/>
+                      <a:headEnd type="none" w="med" len="med"/>
+                      <a:tailEnd type="none" w="med" len="med"/>
+                    </a:lnB>
+                    <a:lnTlToBr w="12700" cmpd="sng">
+                      <a:noFill/>
+                      <a:prstDash val="solid"/>
+                    </a:lnTlToBr>
+                    <a:lnBlToTr w="12700" cmpd="sng">
+                      <a:noFill/>
+                      <a:prstDash val="solid"/>
+                    </a:lnBlToTr>
+                    <a:noFill/>
+                  </a:tcPr>
+                </a:tc>
+                <a:extLst>
+                  <a:ext uri="{0D108BD9-81ED-4DB2-BD59-A6C34878D82A}">
+                    <a16:rowId xmlns:a16="http://schemas.microsoft.com/office/drawing/2014/main" val="2075818999"/>
+                  </a:ext>
+                </a:extLst>
+              </a:tr>
+              <a:tr h="370840">
+                <a:tc>
+                  <a:txBody>
+                    <a:bodyPr/>
+                    <a:lstStyle/>
+                    <a:p>
+                      <a:pPr latinLnBrk="1"/>
+                      <a:r>
+                        <a:rPr lang="ko-KR" altLang="en-US" b="0" dirty="0">
+                          <a:solidFill>
+                            <a:schemeClr val="tx1"/>
+                          </a:solidFill>
+                        </a:rPr>
+                        <a:t>돌발 발생 퀘스트 등의 일부 퀘스트는 실패 시 </a:t>
+                      </a:r>
+                      <a:endParaRPr lang="en-US" altLang="ko-KR" b="0" dirty="0">
+                        <a:solidFill>
+                          <a:schemeClr val="tx1"/>
+                        </a:solidFill>
+                      </a:endParaRPr>
+                    </a:p>
+                    <a:p>
+                      <a:pPr latinLnBrk="1"/>
+                      <a:r>
+                        <a:rPr lang="ko-KR" altLang="en-US" b="0" dirty="0">
+                          <a:solidFill>
+                            <a:schemeClr val="tx1"/>
+                          </a:solidFill>
+                        </a:rPr>
+                        <a:t>퀘스트가 다시 발생할 때 까지 퀘스트를 수행할 수 없다</a:t>
+                      </a:r>
+                      <a:r>
+                        <a:rPr lang="en-US" altLang="ko-KR" b="0" dirty="0">
+                          <a:solidFill>
+                            <a:schemeClr val="tx1"/>
+                          </a:solidFill>
+                        </a:rPr>
+                        <a:t>.</a:t>
+                      </a:r>
+                    </a:p>
+                  </a:txBody>
+                  <a:tcPr>
+                    <a:lnL w="12700" cap="flat" cmpd="sng" algn="ctr">
+                      <a:noFill/>
+                      <a:prstDash val="solid"/>
+                      <a:round/>
+                      <a:headEnd type="none" w="med" len="med"/>
+                      <a:tailEnd type="none" w="med" len="med"/>
+                    </a:lnL>
+                    <a:lnR w="12700" cap="flat" cmpd="sng" algn="ctr">
+                      <a:noFill/>
+                      <a:prstDash val="solid"/>
+                      <a:round/>
+                      <a:headEnd type="none" w="med" len="med"/>
+                      <a:tailEnd type="none" w="med" len="med"/>
+                    </a:lnR>
+                    <a:lnT w="12700" cap="flat" cmpd="sng" algn="ctr">
+                      <a:solidFill>
+                        <a:schemeClr val="tx1"/>
+                      </a:solidFill>
+                      <a:prstDash val="solid"/>
+                      <a:round/>
+                      <a:headEnd type="none" w="med" len="med"/>
+                      <a:tailEnd type="none" w="med" len="med"/>
+                    </a:lnT>
+                    <a:lnB w="12700" cap="flat" cmpd="sng" algn="ctr">
+                      <a:noFill/>
+                      <a:prstDash val="solid"/>
+                      <a:round/>
+                      <a:headEnd type="none" w="med" len="med"/>
+                      <a:tailEnd type="none" w="med" len="med"/>
+                    </a:lnB>
+                    <a:lnTlToBr w="12700" cmpd="sng">
+                      <a:noFill/>
+                      <a:prstDash val="solid"/>
+                    </a:lnTlToBr>
+                    <a:lnBlToTr w="12700" cmpd="sng">
+                      <a:noFill/>
+                      <a:prstDash val="solid"/>
+                    </a:lnBlToTr>
+                    <a:noFill/>
+                  </a:tcPr>
+                </a:tc>
+                <a:extLst>
+                  <a:ext uri="{0D108BD9-81ED-4DB2-BD59-A6C34878D82A}">
+                    <a16:rowId xmlns:a16="http://schemas.microsoft.com/office/drawing/2014/main" val="2664984748"/>
+                  </a:ext>
+                </a:extLst>
+              </a:tr>
+            </a:tbl>
+          </a:graphicData>
+        </a:graphic>
+      </p:graphicFrame>
+      <p:sp>
+        <p:nvSpPr>
+          <p:cNvPr id="5" name="Rect 0">
+            <a:extLst>
+              <a:ext uri="{FF2B5EF4-FFF2-40B4-BE49-F238E27FC236}">
+                <a16:creationId xmlns:a16="http://schemas.microsoft.com/office/drawing/2014/main" id="{973C568C-0574-430B-948F-BD8DC31E2883}"/>
+              </a:ext>
+            </a:extLst>
+          </p:cNvPr>
+          <p:cNvSpPr txBox="1">
+            <a:spLocks/>
+          </p:cNvSpPr>
+          <p:nvPr/>
+        </p:nvSpPr>
+        <p:spPr>
+          <a:xfrm>
+            <a:off x="695325" y="292100"/>
+            <a:ext cx="10801985" cy="862330"/>
+          </a:xfrm>
+          <a:prstGeom prst="rect">
+            <a:avLst/>
+          </a:prstGeom>
+        </p:spPr>
+        <p:txBody>
+          <a:bodyPr vert="horz" wrap="square" lIns="91440" tIns="45720" rIns="91440" bIns="45720" numCol="1" anchor="ctr">
+            <a:normAutofit/>
+          </a:bodyPr>
+          <a:lstStyle>
+            <a:lvl1pPr marL="0" indent="0" algn="l" defTabSz="914400" rtl="0" eaLnBrk="1" latinLnBrk="1" hangingPunct="1">
+              <a:lnSpc>
+                <a:spcPct val="90000"/>
+              </a:lnSpc>
+              <a:spcBef>
+                <a:spcPct val="0"/>
+              </a:spcBef>
+              <a:buFontTx/>
+              <a:buNone/>
+              <a:defRPr lang="en-GB" altLang="en-US" sz="4400">
+                <a:solidFill>
+                  <a:schemeClr val="tx1"/>
+                </a:solidFill>
+                <a:latin typeface="+mj-lt"/>
+                <a:ea typeface="+mj-ea"/>
+                <a:cs typeface="+mj-cs"/>
+              </a:defRPr>
+            </a:lvl1pPr>
+          </a:lstStyle>
+          <a:p>
+            <a:pPr marL="0" indent="0" latinLnBrk="0">
+              <a:buFontTx/>
+              <a:buNone/>
+            </a:pPr>
+            <a:r>
+              <a:rPr lang="ko-KR" altLang="en-US" dirty="0"/>
+              <a:t>실패 규칙</a:t>
+            </a:r>
+          </a:p>
+        </p:txBody>
+      </p:sp>
+    </p:spTree>
+    <p:extLst>
+      <p:ext uri="{BB962C8B-B14F-4D97-AF65-F5344CB8AC3E}">
+        <p14:creationId xmlns:p14="http://schemas.microsoft.com/office/powerpoint/2010/main" val="968220574"/>
+      </p:ext>
+    </p:extLst>
+  </p:cSld>
+  <p:clrMapOvr>
+    <a:masterClrMapping/>
+  </p:clrMapOvr>
+</p:sld>
+</file>
+
+<file path=ppt/slides/slide12.xml><?xml version="1.0" encoding="utf-8"?>
+<p:sld xmlns:a="http://schemas.openxmlformats.org/drawingml/2006/main" xmlns:r="http://schemas.openxmlformats.org/officeDocument/2006/relationships" xmlns:p="http://schemas.openxmlformats.org/presentationml/2006/main">
+  <p:cSld>
+    <p:spTree>
+      <p:nvGrpSpPr>
+        <p:cNvPr id="1" name=""/>
+        <p:cNvGrpSpPr/>
+        <p:nvPr/>
+      </p:nvGrpSpPr>
+      <p:grpSpPr>
+        <a:xfrm>
+          <a:off x="0" y="0"/>
+          <a:ext cx="0" cy="0"/>
+          <a:chOff x="0" y="0"/>
+          <a:chExt cx="0" cy="0"/>
+        </a:xfrm>
+      </p:grpSpPr>
+      <p:graphicFrame>
+        <p:nvGraphicFramePr>
+          <p:cNvPr id="3" name="표 2">
+            <a:extLst>
+              <a:ext uri="{FF2B5EF4-FFF2-40B4-BE49-F238E27FC236}">
+                <a16:creationId xmlns:a16="http://schemas.microsoft.com/office/drawing/2014/main" id="{7858959D-94A3-438E-B5B6-A05808F4536A}"/>
+              </a:ext>
+            </a:extLst>
+          </p:cNvPr>
+          <p:cNvGraphicFramePr>
+            <a:graphicFrameLocks noGrp="1"/>
+          </p:cNvGraphicFramePr>
+          <p:nvPr>
+            <p:extLst>
+              <p:ext uri="{D42A27DB-BD31-4B8C-83A1-F6EECF244321}">
+                <p14:modId xmlns:p14="http://schemas.microsoft.com/office/powerpoint/2010/main" val="1841447290"/>
+              </p:ext>
+            </p:extLst>
+          </p:nvPr>
+        </p:nvGraphicFramePr>
+        <p:xfrm>
+          <a:off x="3624738" y="2738120"/>
+          <a:ext cx="4942523" cy="1381760"/>
+        </p:xfrm>
+        <a:graphic>
+          <a:graphicData uri="http://schemas.openxmlformats.org/drawingml/2006/table">
+            <a:tbl>
+              <a:tblPr firstRow="1" bandRow="1">
+                <a:tableStyleId>{5C22544A-7EE6-4342-B048-85BDC9FD1C3A}</a:tableStyleId>
+              </a:tblPr>
+              <a:tblGrid>
+                <a:gridCol w="721043">
+                  <a:extLst>
+                    <a:ext uri="{9D8B030D-6E8A-4147-A177-3AD203B41FA5}">
+                      <a16:colId xmlns:a16="http://schemas.microsoft.com/office/drawing/2014/main" val="2985730691"/>
+                    </a:ext>
+                  </a:extLst>
+                </a:gridCol>
+                <a:gridCol w="4221480">
+                  <a:extLst>
+                    <a:ext uri="{9D8B030D-6E8A-4147-A177-3AD203B41FA5}">
+                      <a16:colId xmlns:a16="http://schemas.microsoft.com/office/drawing/2014/main" val="4067130978"/>
+                    </a:ext>
+                  </a:extLst>
+                </a:gridCol>
+              </a:tblGrid>
+              <a:tr h="370840">
+                <a:tc gridSpan="2">
+                  <a:txBody>
+                    <a:bodyPr/>
+                    <a:lstStyle/>
+                    <a:p>
+                      <a:pPr latinLnBrk="1"/>
+                      <a:r>
+                        <a:rPr lang="ko-KR" altLang="en-US" b="0" dirty="0">
+                          <a:solidFill>
+                            <a:schemeClr val="tx1"/>
+                          </a:solidFill>
+                        </a:rPr>
+                        <a:t>완료</a:t>
+                      </a:r>
+                    </a:p>
+                  </a:txBody>
+                  <a:tcPr>
+                    <a:lnL w="12700" cap="flat" cmpd="sng" algn="ctr">
+                      <a:noFill/>
+                      <a:prstDash val="solid"/>
+                      <a:round/>
+                      <a:headEnd type="none" w="med" len="med"/>
+                      <a:tailEnd type="none" w="med" len="med"/>
+                    </a:lnL>
+                    <a:lnR w="12700" cap="flat" cmpd="sng" algn="ctr">
+                      <a:noFill/>
+                      <a:prstDash val="solid"/>
+                      <a:round/>
+                      <a:headEnd type="none" w="med" len="med"/>
+                      <a:tailEnd type="none" w="med" len="med"/>
+                    </a:lnR>
+                    <a:lnT w="12700" cap="flat" cmpd="sng" algn="ctr">
+                      <a:noFill/>
+                      <a:prstDash val="solid"/>
+                      <a:round/>
+                      <a:headEnd type="none" w="med" len="med"/>
+                      <a:tailEnd type="none" w="med" len="med"/>
+                    </a:lnT>
+                    <a:lnB w="12700" cap="flat" cmpd="sng" algn="ctr">
+                      <a:solidFill>
+                        <a:schemeClr val="tx1"/>
+                      </a:solidFill>
+                      <a:prstDash val="solid"/>
+                      <a:round/>
+                      <a:headEnd type="none" w="med" len="med"/>
+                      <a:tailEnd type="none" w="med" len="med"/>
+                    </a:lnB>
+                    <a:lnTlToBr w="12700" cmpd="sng">
+                      <a:noFill/>
+                      <a:prstDash val="solid"/>
+                    </a:lnTlToBr>
+                    <a:lnBlToTr w="12700" cmpd="sng">
+                      <a:noFill/>
+                      <a:prstDash val="solid"/>
+                    </a:lnBlToTr>
+                    <a:solidFill>
+                      <a:schemeClr val="bg1">
+                        <a:lumMod val="95000"/>
+                      </a:schemeClr>
+                    </a:solidFill>
+                  </a:tcPr>
+                </a:tc>
+                <a:tc hMerge="1">
+                  <a:txBody>
+                    <a:bodyPr/>
+                    <a:lstStyle/>
+                    <a:p>
+                      <a:pPr latinLnBrk="1"/>
+                      <a:endParaRPr lang="ko-KR" altLang="en-US"/>
+                    </a:p>
+                  </a:txBody>
+                  <a:tcPr/>
+                </a:tc>
+                <a:extLst>
+                  <a:ext uri="{0D108BD9-81ED-4DB2-BD59-A6C34878D82A}">
+                    <a16:rowId xmlns:a16="http://schemas.microsoft.com/office/drawing/2014/main" val="4232510737"/>
+                  </a:ext>
+                </a:extLst>
+              </a:tr>
+              <a:tr h="370840">
+                <a:tc>
+                  <a:txBody>
+                    <a:bodyPr/>
+                    <a:lstStyle/>
+                    <a:p>
+                      <a:pPr latinLnBrk="1"/>
+                      <a:r>
+                        <a:rPr lang="ko-KR" altLang="en-US" b="0" dirty="0">
+                          <a:solidFill>
+                            <a:schemeClr val="tx1"/>
+                          </a:solidFill>
+                        </a:rPr>
+                        <a:t>자동</a:t>
+                      </a:r>
+                    </a:p>
+                  </a:txBody>
+                  <a:tcPr anchor="ctr">
+                    <a:lnL w="12700" cap="flat" cmpd="sng" algn="ctr">
+                      <a:noFill/>
+                      <a:prstDash val="solid"/>
+                      <a:round/>
+                      <a:headEnd type="none" w="med" len="med"/>
+                      <a:tailEnd type="none" w="med" len="med"/>
+                    </a:lnL>
+                    <a:lnR w="12700" cap="flat" cmpd="sng" algn="ctr">
+                      <a:solidFill>
+                        <a:schemeClr val="tx1"/>
+                      </a:solidFill>
+                      <a:prstDash val="solid"/>
+                      <a:round/>
+                      <a:headEnd type="none" w="med" len="med"/>
+                      <a:tailEnd type="none" w="med" len="med"/>
+                    </a:lnR>
+                    <a:lnT w="12700" cap="flat" cmpd="sng" algn="ctr">
+                      <a:solidFill>
+                        <a:schemeClr val="tx1"/>
+                      </a:solidFill>
+                      <a:prstDash val="solid"/>
+                      <a:round/>
+                      <a:headEnd type="none" w="med" len="med"/>
+                      <a:tailEnd type="none" w="med" len="med"/>
+                    </a:lnT>
+                    <a:lnB w="12700" cap="flat" cmpd="sng" algn="ctr">
+                      <a:solidFill>
+                        <a:schemeClr val="tx1"/>
+                      </a:solidFill>
+                      <a:prstDash val="solid"/>
+                      <a:round/>
+                      <a:headEnd type="none" w="med" len="med"/>
+                      <a:tailEnd type="none" w="med" len="med"/>
+                    </a:lnB>
+                    <a:lnTlToBr w="12700" cmpd="sng">
+                      <a:noFill/>
+                      <a:prstDash val="solid"/>
+                    </a:lnTlToBr>
+                    <a:lnBlToTr w="12700" cmpd="sng">
+                      <a:noFill/>
+                      <a:prstDash val="solid"/>
+                    </a:lnBlToTr>
+                    <a:noFill/>
+                  </a:tcPr>
+                </a:tc>
+                <a:tc>
+                  <a:txBody>
+                    <a:bodyPr/>
+                    <a:lstStyle/>
+                    <a:p>
+                      <a:pPr latinLnBrk="1"/>
+                      <a:r>
+                        <a:rPr lang="ko-KR" altLang="en-US" sz="1800" b="0" dirty="0">
+                          <a:solidFill>
+                            <a:schemeClr val="tx1"/>
+                          </a:solidFill>
+                        </a:rPr>
+                        <a:t>퀘스트 목표 달성 시 자동 완료한다</a:t>
+                      </a:r>
+                      <a:r>
+                        <a:rPr lang="en-US" altLang="ko-KR" sz="1800" b="0" dirty="0">
+                          <a:solidFill>
+                            <a:schemeClr val="tx1"/>
+                          </a:solidFill>
+                        </a:rPr>
+                        <a:t>.</a:t>
+                      </a:r>
+                    </a:p>
+                  </a:txBody>
+                  <a:tcPr anchor="ctr">
+                    <a:lnL w="12700" cap="flat" cmpd="sng" algn="ctr">
+                      <a:solidFill>
+                        <a:schemeClr val="tx1"/>
+                      </a:solidFill>
+                      <a:prstDash val="solid"/>
+                      <a:round/>
+                      <a:headEnd type="none" w="med" len="med"/>
+                      <a:tailEnd type="none" w="med" len="med"/>
+                    </a:lnL>
+                    <a:lnR w="12700" cap="flat" cmpd="sng" algn="ctr">
+                      <a:noFill/>
+                      <a:prstDash val="solid"/>
+                      <a:round/>
+                      <a:headEnd type="none" w="med" len="med"/>
+                      <a:tailEnd type="none" w="med" len="med"/>
+                    </a:lnR>
+                    <a:lnT w="12700" cap="flat" cmpd="sng" algn="ctr">
+                      <a:solidFill>
+                        <a:schemeClr val="tx1"/>
+                      </a:solidFill>
+                      <a:prstDash val="solid"/>
+                      <a:round/>
+                      <a:headEnd type="none" w="med" len="med"/>
+                      <a:tailEnd type="none" w="med" len="med"/>
+                    </a:lnT>
+                    <a:lnB w="12700" cap="flat" cmpd="sng" algn="ctr">
+                      <a:solidFill>
+                        <a:schemeClr val="tx1"/>
+                      </a:solidFill>
+                      <a:prstDash val="solid"/>
+                      <a:round/>
+                      <a:headEnd type="none" w="med" len="med"/>
+                      <a:tailEnd type="none" w="med" len="med"/>
+                    </a:lnB>
+                    <a:lnTlToBr w="12700" cmpd="sng">
+                      <a:noFill/>
+                      <a:prstDash val="solid"/>
+                    </a:lnTlToBr>
+                    <a:lnBlToTr w="12700" cmpd="sng">
+                      <a:noFill/>
+                      <a:prstDash val="solid"/>
+                    </a:lnBlToTr>
+                    <a:noFill/>
+                  </a:tcPr>
+                </a:tc>
+                <a:extLst>
+                  <a:ext uri="{0D108BD9-81ED-4DB2-BD59-A6C34878D82A}">
+                    <a16:rowId xmlns:a16="http://schemas.microsoft.com/office/drawing/2014/main" val="3988176277"/>
+                  </a:ext>
+                </a:extLst>
+              </a:tr>
+              <a:tr h="370840">
+                <a:tc>
+                  <a:txBody>
+                    <a:bodyPr/>
+                    <a:lstStyle/>
+                    <a:p>
+                      <a:pPr latinLnBrk="1"/>
+                      <a:r>
+                        <a:rPr lang="ko-KR" altLang="en-US" b="0" dirty="0">
+                          <a:solidFill>
+                            <a:schemeClr val="tx1"/>
+                          </a:solidFill>
+                        </a:rPr>
+                        <a:t>수동</a:t>
+                      </a:r>
+                    </a:p>
+                  </a:txBody>
+                  <a:tcPr anchor="ctr">
+                    <a:lnL w="12700" cap="flat" cmpd="sng" algn="ctr">
+                      <a:noFill/>
+                      <a:prstDash val="solid"/>
+                      <a:round/>
+                      <a:headEnd type="none" w="med" len="med"/>
+                      <a:tailEnd type="none" w="med" len="med"/>
+                    </a:lnL>
+                    <a:lnR w="12700" cap="flat" cmpd="sng" algn="ctr">
+                      <a:solidFill>
+                        <a:schemeClr val="tx1"/>
+                      </a:solidFill>
+                      <a:prstDash val="solid"/>
+                      <a:round/>
+                      <a:headEnd type="none" w="med" len="med"/>
+                      <a:tailEnd type="none" w="med" len="med"/>
+                    </a:lnR>
+                    <a:lnT w="12700" cap="flat" cmpd="sng" algn="ctr">
+                      <a:solidFill>
+                        <a:schemeClr val="tx1"/>
+                      </a:solidFill>
+                      <a:prstDash val="solid"/>
+                      <a:round/>
+                      <a:headEnd type="none" w="med" len="med"/>
+                      <a:tailEnd type="none" w="med" len="med"/>
+                    </a:lnT>
+                    <a:lnB w="12700" cap="flat" cmpd="sng" algn="ctr">
+                      <a:solidFill>
+                        <a:schemeClr val="tx1"/>
+                      </a:solidFill>
+                      <a:prstDash val="solid"/>
+                      <a:round/>
+                      <a:headEnd type="none" w="med" len="med"/>
+                      <a:tailEnd type="none" w="med" len="med"/>
+                    </a:lnB>
+                    <a:lnTlToBr w="12700" cmpd="sng">
+                      <a:noFill/>
+                      <a:prstDash val="solid"/>
+                    </a:lnTlToBr>
+                    <a:lnBlToTr w="12700" cmpd="sng">
+                      <a:noFill/>
+                      <a:prstDash val="solid"/>
+                    </a:lnBlToTr>
+                    <a:noFill/>
+                  </a:tcPr>
+                </a:tc>
+                <a:tc>
+                  <a:txBody>
+                    <a:bodyPr/>
+                    <a:lstStyle/>
+                    <a:p>
+                      <a:pPr marL="0" marR="0" lvl="0" indent="0" algn="l" defTabSz="914400" rtl="0" eaLnBrk="1" fontAlgn="auto" latinLnBrk="1" hangingPunct="1">
+                        <a:lnSpc>
+                          <a:spcPct val="100000"/>
+                        </a:lnSpc>
+                        <a:spcBef>
+                          <a:spcPts val="0"/>
+                        </a:spcBef>
+                        <a:spcAft>
+                          <a:spcPts val="0"/>
+                        </a:spcAft>
+                        <a:buClrTx/>
+                        <a:buSzTx/>
+                        <a:buFontTx/>
+                        <a:buNone/>
+                        <a:tabLst/>
+                        <a:defRPr/>
+                      </a:pPr>
+                      <a:r>
+                        <a:rPr lang="ko-KR" altLang="en-US" sz="1800" b="0" dirty="0">
+                          <a:solidFill>
+                            <a:schemeClr val="tx1"/>
+                          </a:solidFill>
+                        </a:rPr>
+                        <a:t>퀘스트 목표 달성 후 </a:t>
+                      </a:r>
+                      <a:r>
+                        <a:rPr lang="en-US" altLang="ko-KR" sz="1800" b="0" dirty="0">
+                          <a:solidFill>
+                            <a:schemeClr val="tx1"/>
+                          </a:solidFill>
+                        </a:rPr>
+                        <a:t>NPC, </a:t>
+                      </a:r>
+                      <a:r>
+                        <a:rPr lang="ko-KR" altLang="en-US" sz="1800" b="0" dirty="0">
+                          <a:solidFill>
+                            <a:schemeClr val="tx1"/>
+                          </a:solidFill>
+                        </a:rPr>
+                        <a:t>오브젝트와 </a:t>
+                      </a:r>
+                      <a:endParaRPr lang="en-US" altLang="ko-KR" sz="1800" b="0" dirty="0">
+                        <a:solidFill>
+                          <a:schemeClr val="tx1"/>
+                        </a:solidFill>
+                      </a:endParaRPr>
+                    </a:p>
+                    <a:p>
+                      <a:pPr marL="0" marR="0" lvl="0" indent="0" algn="l" defTabSz="914400" rtl="0" eaLnBrk="1" fontAlgn="auto" latinLnBrk="1" hangingPunct="1">
+                        <a:lnSpc>
+                          <a:spcPct val="100000"/>
+                        </a:lnSpc>
+                        <a:spcBef>
+                          <a:spcPts val="0"/>
+                        </a:spcBef>
+                        <a:spcAft>
+                          <a:spcPts val="0"/>
+                        </a:spcAft>
+                        <a:buClrTx/>
+                        <a:buSzTx/>
+                        <a:buFontTx/>
+                        <a:buNone/>
+                        <a:tabLst/>
+                        <a:defRPr/>
+                      </a:pPr>
+                      <a:r>
+                        <a:rPr lang="ko-KR" altLang="en-US" sz="1800" b="0" dirty="0">
+                          <a:solidFill>
+                            <a:schemeClr val="tx1"/>
+                          </a:solidFill>
+                        </a:rPr>
+                        <a:t>상호작용하여 완료한다</a:t>
+                      </a:r>
+                      <a:r>
+                        <a:rPr lang="en-US" altLang="ko-KR" sz="1800" b="0" dirty="0">
+                          <a:solidFill>
+                            <a:schemeClr val="tx1"/>
+                          </a:solidFill>
+                        </a:rPr>
+                        <a:t>.</a:t>
+                      </a:r>
+                      <a:endParaRPr lang="ko-KR" altLang="en-US" sz="1800" b="0" dirty="0">
+                        <a:solidFill>
+                          <a:schemeClr val="tx1"/>
+                        </a:solidFill>
+                      </a:endParaRPr>
+                    </a:p>
+                  </a:txBody>
+                  <a:tcPr anchor="ctr">
+                    <a:lnL w="12700" cap="flat" cmpd="sng" algn="ctr">
+                      <a:solidFill>
+                        <a:schemeClr val="tx1"/>
+                      </a:solidFill>
+                      <a:prstDash val="solid"/>
+                      <a:round/>
+                      <a:headEnd type="none" w="med" len="med"/>
+                      <a:tailEnd type="none" w="med" len="med"/>
+                    </a:lnL>
+                    <a:lnR w="12700" cap="flat" cmpd="sng" algn="ctr">
+                      <a:noFill/>
+                      <a:prstDash val="solid"/>
+                      <a:round/>
+                      <a:headEnd type="none" w="med" len="med"/>
+                      <a:tailEnd type="none" w="med" len="med"/>
+                    </a:lnR>
+                    <a:lnT w="12700" cap="flat" cmpd="sng" algn="ctr">
+                      <a:solidFill>
+                        <a:schemeClr val="tx1"/>
+                      </a:solidFill>
+                      <a:prstDash val="solid"/>
+                      <a:round/>
+                      <a:headEnd type="none" w="med" len="med"/>
+                      <a:tailEnd type="none" w="med" len="med"/>
+                    </a:lnT>
+                    <a:lnB w="12700" cap="flat" cmpd="sng" algn="ctr">
+                      <a:solidFill>
+                        <a:schemeClr val="tx1"/>
+                      </a:solidFill>
+                      <a:prstDash val="solid"/>
+                      <a:round/>
+                      <a:headEnd type="none" w="med" len="med"/>
+                      <a:tailEnd type="none" w="med" len="med"/>
+                    </a:lnB>
+                    <a:lnTlToBr w="12700" cmpd="sng">
+                      <a:noFill/>
+                      <a:prstDash val="solid"/>
+                    </a:lnTlToBr>
+                    <a:lnBlToTr w="12700" cmpd="sng">
+                      <a:noFill/>
+                      <a:prstDash val="solid"/>
+                    </a:lnBlToTr>
+                    <a:noFill/>
+                  </a:tcPr>
+                </a:tc>
+                <a:extLst>
+                  <a:ext uri="{0D108BD9-81ED-4DB2-BD59-A6C34878D82A}">
+                    <a16:rowId xmlns:a16="http://schemas.microsoft.com/office/drawing/2014/main" val="2317482956"/>
+                  </a:ext>
+                </a:extLst>
+              </a:tr>
+            </a:tbl>
+          </a:graphicData>
+        </a:graphic>
+      </p:graphicFrame>
+      <p:sp>
+        <p:nvSpPr>
+          <p:cNvPr id="5" name="Rect 0">
+            <a:extLst>
+              <a:ext uri="{FF2B5EF4-FFF2-40B4-BE49-F238E27FC236}">
+                <a16:creationId xmlns:a16="http://schemas.microsoft.com/office/drawing/2014/main" id="{973C568C-0574-430B-948F-BD8DC31E2883}"/>
+              </a:ext>
+            </a:extLst>
+          </p:cNvPr>
+          <p:cNvSpPr txBox="1">
+            <a:spLocks/>
+          </p:cNvSpPr>
+          <p:nvPr/>
+        </p:nvSpPr>
+        <p:spPr>
+          <a:xfrm>
+            <a:off x="695325" y="292100"/>
+            <a:ext cx="10801985" cy="862330"/>
+          </a:xfrm>
+          <a:prstGeom prst="rect">
+            <a:avLst/>
+          </a:prstGeom>
+        </p:spPr>
+        <p:txBody>
+          <a:bodyPr vert="horz" wrap="square" lIns="91440" tIns="45720" rIns="91440" bIns="45720" numCol="1" anchor="ctr">
+            <a:normAutofit/>
+          </a:bodyPr>
+          <a:lstStyle>
+            <a:lvl1pPr marL="0" indent="0" algn="l" defTabSz="914400" rtl="0" eaLnBrk="1" latinLnBrk="1" hangingPunct="1">
+              <a:lnSpc>
+                <a:spcPct val="90000"/>
+              </a:lnSpc>
+              <a:spcBef>
+                <a:spcPct val="0"/>
+              </a:spcBef>
+              <a:buFontTx/>
+              <a:buNone/>
+              <a:defRPr lang="en-GB" altLang="en-US" sz="4400">
+                <a:solidFill>
+                  <a:schemeClr val="tx1"/>
+                </a:solidFill>
+                <a:latin typeface="+mj-lt"/>
+                <a:ea typeface="+mj-ea"/>
+                <a:cs typeface="+mj-cs"/>
+              </a:defRPr>
+            </a:lvl1pPr>
+          </a:lstStyle>
+          <a:p>
+            <a:pPr marL="0" indent="0" latinLnBrk="0">
+              <a:buFontTx/>
+              <a:buNone/>
+            </a:pPr>
+            <a:r>
+              <a:rPr lang="ko-KR" altLang="en-US" dirty="0"/>
+              <a:t>완료 규칙</a:t>
+            </a:r>
+          </a:p>
+        </p:txBody>
+      </p:sp>
+    </p:spTree>
+    <p:extLst>
+      <p:ext uri="{BB962C8B-B14F-4D97-AF65-F5344CB8AC3E}">
+        <p14:creationId xmlns:p14="http://schemas.microsoft.com/office/powerpoint/2010/main" val="1297590142"/>
+      </p:ext>
+    </p:extLst>
+  </p:cSld>
+  <p:clrMapOvr>
+    <a:masterClrMapping/>
+  </p:clrMapOvr>
+</p:sld>
+</file>
+
+<file path=ppt/slides/slide13.xml><?xml version="1.0" encoding="utf-8"?>
+<p:sld xmlns:a="http://schemas.openxmlformats.org/drawingml/2006/main" xmlns:r="http://schemas.openxmlformats.org/officeDocument/2006/relationships" xmlns:p="http://schemas.openxmlformats.org/presentationml/2006/main">
+  <p:cSld>
+    <p:spTree>
+      <p:nvGrpSpPr>
+        <p:cNvPr id="1" name=""/>
+        <p:cNvGrpSpPr/>
+        <p:nvPr/>
+      </p:nvGrpSpPr>
+      <p:grpSpPr>
+        <a:xfrm>
+          <a:off x="0" y="0"/>
+          <a:ext cx="0" cy="0"/>
+          <a:chOff x="0" y="0"/>
+          <a:chExt cx="0" cy="0"/>
+        </a:xfrm>
+      </p:grpSpPr>
+      <p:graphicFrame>
+        <p:nvGraphicFramePr>
+          <p:cNvPr id="3" name="표 2">
+            <a:extLst>
+              <a:ext uri="{FF2B5EF4-FFF2-40B4-BE49-F238E27FC236}">
+                <a16:creationId xmlns:a16="http://schemas.microsoft.com/office/drawing/2014/main" id="{7858959D-94A3-438E-B5B6-A05808F4536A}"/>
+              </a:ext>
+            </a:extLst>
+          </p:cNvPr>
+          <p:cNvGraphicFramePr>
+            <a:graphicFrameLocks noGrp="1"/>
+          </p:cNvGraphicFramePr>
+          <p:nvPr>
+            <p:extLst>
+              <p:ext uri="{D42A27DB-BD31-4B8C-83A1-F6EECF244321}">
+                <p14:modId xmlns:p14="http://schemas.microsoft.com/office/powerpoint/2010/main" val="63957365"/>
+              </p:ext>
+            </p:extLst>
+          </p:nvPr>
+        </p:nvGraphicFramePr>
+        <p:xfrm>
+          <a:off x="1610994" y="2687320"/>
+          <a:ext cx="8970011" cy="1483360"/>
+        </p:xfrm>
+        <a:graphic>
+          <a:graphicData uri="http://schemas.openxmlformats.org/drawingml/2006/table">
+            <a:tbl>
+              <a:tblPr firstRow="1" bandRow="1">
+                <a:tableStyleId>{5C22544A-7EE6-4342-B048-85BDC9FD1C3A}</a:tableStyleId>
+              </a:tblPr>
+              <a:tblGrid>
+                <a:gridCol w="8970011">
+                  <a:extLst>
+                    <a:ext uri="{9D8B030D-6E8A-4147-A177-3AD203B41FA5}">
+                      <a16:colId xmlns:a16="http://schemas.microsoft.com/office/drawing/2014/main" val="2985730691"/>
+                    </a:ext>
+                  </a:extLst>
+                </a:gridCol>
+              </a:tblGrid>
+              <a:tr h="370840">
+                <a:tc>
+                  <a:txBody>
+                    <a:bodyPr/>
+                    <a:lstStyle/>
+                    <a:p>
+                      <a:pPr latinLnBrk="1"/>
+                      <a:r>
+                        <a:rPr lang="ko-KR" altLang="en-US" b="0" dirty="0">
+                          <a:solidFill>
+                            <a:schemeClr val="tx1"/>
+                          </a:solidFill>
+                        </a:rPr>
+                        <a:t>보상</a:t>
+                      </a:r>
+                    </a:p>
+                  </a:txBody>
+                  <a:tcPr>
+                    <a:lnL w="12700" cap="flat" cmpd="sng" algn="ctr">
+                      <a:noFill/>
+                      <a:prstDash val="solid"/>
+                      <a:round/>
+                      <a:headEnd type="none" w="med" len="med"/>
+                      <a:tailEnd type="none" w="med" len="med"/>
+                    </a:lnL>
+                    <a:lnR w="12700" cap="flat" cmpd="sng" algn="ctr">
+                      <a:noFill/>
+                      <a:prstDash val="solid"/>
+                      <a:round/>
+                      <a:headEnd type="none" w="med" len="med"/>
+                      <a:tailEnd type="none" w="med" len="med"/>
+                    </a:lnR>
+                    <a:lnT w="12700" cap="flat" cmpd="sng" algn="ctr">
+                      <a:noFill/>
+                      <a:prstDash val="solid"/>
+                      <a:round/>
+                      <a:headEnd type="none" w="med" len="med"/>
+                      <a:tailEnd type="none" w="med" len="med"/>
+                    </a:lnT>
+                    <a:lnB w="12700" cap="flat" cmpd="sng" algn="ctr">
+                      <a:solidFill>
+                        <a:schemeClr val="tx1"/>
+                      </a:solidFill>
+                      <a:prstDash val="solid"/>
+                      <a:round/>
+                      <a:headEnd type="none" w="med" len="med"/>
+                      <a:tailEnd type="none" w="med" len="med"/>
+                    </a:lnB>
+                    <a:lnTlToBr w="12700" cmpd="sng">
+                      <a:noFill/>
+                      <a:prstDash val="solid"/>
+                    </a:lnTlToBr>
+                    <a:lnBlToTr w="12700" cmpd="sng">
+                      <a:noFill/>
+                      <a:prstDash val="solid"/>
+                    </a:lnBlToTr>
+                    <a:solidFill>
+                      <a:schemeClr val="bg1">
+                        <a:lumMod val="95000"/>
+                      </a:schemeClr>
+                    </a:solidFill>
+                  </a:tcPr>
+                </a:tc>
+                <a:extLst>
+                  <a:ext uri="{0D108BD9-81ED-4DB2-BD59-A6C34878D82A}">
+                    <a16:rowId xmlns:a16="http://schemas.microsoft.com/office/drawing/2014/main" val="4232510737"/>
+                  </a:ext>
+                </a:extLst>
+              </a:tr>
+              <a:tr h="370840">
+                <a:tc>
+                  <a:txBody>
+                    <a:bodyPr/>
+                    <a:lstStyle/>
+                    <a:p>
+                      <a:pPr latinLnBrk="1"/>
+                      <a:r>
+                        <a:rPr lang="ko-KR" altLang="en-US" b="0" dirty="0">
+                          <a:solidFill>
+                            <a:schemeClr val="tx1"/>
+                          </a:solidFill>
+                        </a:rPr>
+                        <a:t>퀘스트 보상은 경험치</a:t>
+                      </a:r>
+                      <a:r>
+                        <a:rPr lang="en-US" altLang="ko-KR" b="0" dirty="0">
+                          <a:solidFill>
+                            <a:schemeClr val="tx1"/>
+                          </a:solidFill>
+                        </a:rPr>
+                        <a:t>, </a:t>
+                      </a:r>
+                      <a:r>
+                        <a:rPr lang="ko-KR" altLang="en-US" b="0" dirty="0">
+                          <a:solidFill>
+                            <a:schemeClr val="tx1"/>
+                          </a:solidFill>
+                        </a:rPr>
+                        <a:t>게임 재화</a:t>
+                      </a:r>
+                      <a:r>
+                        <a:rPr lang="en-US" altLang="ko-KR" b="0" dirty="0">
+                          <a:solidFill>
+                            <a:schemeClr val="tx1"/>
+                          </a:solidFill>
+                        </a:rPr>
+                        <a:t>, </a:t>
+                      </a:r>
+                      <a:r>
+                        <a:rPr lang="ko-KR" altLang="en-US" b="0" dirty="0">
+                          <a:solidFill>
+                            <a:schemeClr val="tx1"/>
+                          </a:solidFill>
+                        </a:rPr>
+                        <a:t>아이템 </a:t>
+                      </a:r>
+                      <a:r>
+                        <a:rPr lang="en-US" altLang="ko-KR" b="0" dirty="0">
+                          <a:solidFill>
+                            <a:schemeClr val="tx1"/>
+                          </a:solidFill>
+                        </a:rPr>
+                        <a:t>3</a:t>
+                      </a:r>
+                      <a:r>
+                        <a:rPr lang="ko-KR" altLang="en-US" b="0" dirty="0">
+                          <a:solidFill>
+                            <a:schemeClr val="tx1"/>
+                          </a:solidFill>
+                        </a:rPr>
+                        <a:t>종류가 존재한다</a:t>
+                      </a:r>
+                      <a:r>
+                        <a:rPr lang="en-US" altLang="ko-KR" b="0" dirty="0">
+                          <a:solidFill>
+                            <a:schemeClr val="tx1"/>
+                          </a:solidFill>
+                        </a:rPr>
+                        <a:t>.</a:t>
+                      </a:r>
+                    </a:p>
+                  </a:txBody>
+                  <a:tcPr>
+                    <a:lnL w="12700" cap="flat" cmpd="sng" algn="ctr">
+                      <a:noFill/>
+                      <a:prstDash val="solid"/>
+                      <a:round/>
+                      <a:headEnd type="none" w="med" len="med"/>
+                      <a:tailEnd type="none" w="med" len="med"/>
+                    </a:lnL>
+                    <a:lnR w="12700" cap="flat" cmpd="sng" algn="ctr">
+                      <a:noFill/>
+                      <a:prstDash val="solid"/>
+                      <a:round/>
+                      <a:headEnd type="none" w="med" len="med"/>
+                      <a:tailEnd type="none" w="med" len="med"/>
+                    </a:lnR>
+                    <a:lnT w="12700" cap="flat" cmpd="sng" algn="ctr">
+                      <a:solidFill>
+                        <a:schemeClr val="tx1"/>
+                      </a:solidFill>
+                      <a:prstDash val="solid"/>
+                      <a:round/>
+                      <a:headEnd type="none" w="med" len="med"/>
+                      <a:tailEnd type="none" w="med" len="med"/>
+                    </a:lnT>
+                    <a:lnB w="12700" cap="flat" cmpd="sng" algn="ctr">
+                      <a:solidFill>
+                        <a:schemeClr val="tx1"/>
+                      </a:solidFill>
+                      <a:prstDash val="solid"/>
+                      <a:round/>
+                      <a:headEnd type="none" w="med" len="med"/>
+                      <a:tailEnd type="none" w="med" len="med"/>
+                    </a:lnB>
+                    <a:lnTlToBr w="12700" cmpd="sng">
+                      <a:noFill/>
+                      <a:prstDash val="solid"/>
+                    </a:lnTlToBr>
+                    <a:lnBlToTr w="12700" cmpd="sng">
+                      <a:noFill/>
+                      <a:prstDash val="solid"/>
+                    </a:lnBlToTr>
+                    <a:noFill/>
+                  </a:tcPr>
+                </a:tc>
+                <a:extLst>
+                  <a:ext uri="{0D108BD9-81ED-4DB2-BD59-A6C34878D82A}">
+                    <a16:rowId xmlns:a16="http://schemas.microsoft.com/office/drawing/2014/main" val="727125318"/>
+                  </a:ext>
+                </a:extLst>
+              </a:tr>
+              <a:tr h="370840">
+                <a:tc>
+                  <a:txBody>
+                    <a:bodyPr/>
+                    <a:lstStyle/>
+                    <a:p>
+                      <a:pPr latinLnBrk="1"/>
+                      <a:r>
+                        <a:rPr lang="ko-KR" altLang="en-US" b="0" dirty="0">
+                          <a:solidFill>
+                            <a:schemeClr val="tx1"/>
+                          </a:solidFill>
+                        </a:rPr>
+                        <a:t>아이템 보상은 최대 </a:t>
+                      </a:r>
+                      <a:r>
+                        <a:rPr lang="en-US" altLang="ko-KR" b="0" dirty="0">
+                          <a:solidFill>
+                            <a:schemeClr val="tx1"/>
+                          </a:solidFill>
+                        </a:rPr>
+                        <a:t>8</a:t>
+                      </a:r>
+                      <a:r>
+                        <a:rPr lang="ko-KR" altLang="en-US" b="0" dirty="0">
+                          <a:solidFill>
+                            <a:schemeClr val="tx1"/>
+                          </a:solidFill>
+                        </a:rPr>
+                        <a:t>종류</a:t>
+                      </a:r>
+                      <a:r>
+                        <a:rPr lang="en-US" altLang="ko-KR" b="0" dirty="0">
+                          <a:solidFill>
+                            <a:schemeClr val="tx1"/>
+                          </a:solidFill>
+                        </a:rPr>
+                        <a:t>, </a:t>
+                      </a:r>
+                      <a:r>
+                        <a:rPr lang="ko-KR" altLang="en-US" b="0" dirty="0">
+                          <a:solidFill>
+                            <a:schemeClr val="tx1"/>
+                          </a:solidFill>
+                        </a:rPr>
+                        <a:t>한 종류 당 최대 </a:t>
+                      </a:r>
+                      <a:r>
+                        <a:rPr lang="en-US" altLang="ko-KR" b="0" dirty="0">
+                          <a:solidFill>
+                            <a:schemeClr val="tx1"/>
+                          </a:solidFill>
+                        </a:rPr>
+                        <a:t>999</a:t>
+                      </a:r>
+                      <a:r>
+                        <a:rPr lang="ko-KR" altLang="en-US" b="0" dirty="0">
+                          <a:solidFill>
+                            <a:schemeClr val="tx1"/>
+                          </a:solidFill>
+                        </a:rPr>
+                        <a:t>개 까지 지급한다</a:t>
+                      </a:r>
+                      <a:r>
+                        <a:rPr lang="en-US" altLang="ko-KR" b="0" dirty="0">
+                          <a:solidFill>
+                            <a:schemeClr val="tx1"/>
+                          </a:solidFill>
+                        </a:rPr>
+                        <a:t>.</a:t>
+                      </a:r>
+                    </a:p>
+                  </a:txBody>
+                  <a:tcPr>
+                    <a:lnL w="12700" cap="flat" cmpd="sng" algn="ctr">
+                      <a:noFill/>
+                      <a:prstDash val="solid"/>
+                      <a:round/>
+                      <a:headEnd type="none" w="med" len="med"/>
+                      <a:tailEnd type="none" w="med" len="med"/>
+                    </a:lnL>
+                    <a:lnR w="12700" cap="flat" cmpd="sng" algn="ctr">
+                      <a:noFill/>
+                      <a:prstDash val="solid"/>
+                      <a:round/>
+                      <a:headEnd type="none" w="med" len="med"/>
+                      <a:tailEnd type="none" w="med" len="med"/>
+                    </a:lnR>
+                    <a:lnT w="12700" cap="flat" cmpd="sng" algn="ctr">
+                      <a:solidFill>
+                        <a:schemeClr val="tx1"/>
+                      </a:solidFill>
+                      <a:prstDash val="solid"/>
+                      <a:round/>
+                      <a:headEnd type="none" w="med" len="med"/>
+                      <a:tailEnd type="none" w="med" len="med"/>
+                    </a:lnT>
+                    <a:lnB w="12700" cap="flat" cmpd="sng" algn="ctr">
+                      <a:solidFill>
+                        <a:schemeClr val="tx1"/>
+                      </a:solidFill>
+                      <a:prstDash val="solid"/>
+                      <a:round/>
+                      <a:headEnd type="none" w="med" len="med"/>
+                      <a:tailEnd type="none" w="med" len="med"/>
+                    </a:lnB>
+                    <a:lnTlToBr w="12700" cmpd="sng">
+                      <a:noFill/>
+                      <a:prstDash val="solid"/>
+                    </a:lnTlToBr>
+                    <a:lnBlToTr w="12700" cmpd="sng">
+                      <a:noFill/>
+                      <a:prstDash val="solid"/>
+                    </a:lnBlToTr>
+                    <a:noFill/>
+                  </a:tcPr>
+                </a:tc>
+                <a:extLst>
+                  <a:ext uri="{0D108BD9-81ED-4DB2-BD59-A6C34878D82A}">
+                    <a16:rowId xmlns:a16="http://schemas.microsoft.com/office/drawing/2014/main" val="2075818999"/>
+                  </a:ext>
+                </a:extLst>
+              </a:tr>
+              <a:tr h="370840">
+                <a:tc>
+                  <a:txBody>
+                    <a:bodyPr/>
+                    <a:lstStyle/>
+                    <a:p>
+                      <a:pPr latinLnBrk="1"/>
+                      <a:r>
+                        <a:rPr lang="en-US" altLang="ko-KR" b="0" dirty="0">
+                          <a:solidFill>
+                            <a:schemeClr val="tx1"/>
+                          </a:solidFill>
+                        </a:rPr>
+                        <a:t>PC</a:t>
+                      </a:r>
+                      <a:r>
+                        <a:rPr lang="ko-KR" altLang="en-US" b="0" dirty="0">
+                          <a:solidFill>
+                            <a:schemeClr val="tx1"/>
+                          </a:solidFill>
+                        </a:rPr>
+                        <a:t>에 인벤토리에 보상을 받을 공간이 없을 경우 완료 보류한다</a:t>
+                      </a:r>
+                      <a:r>
+                        <a:rPr lang="en-US" altLang="ko-KR" b="0" dirty="0">
+                          <a:solidFill>
+                            <a:schemeClr val="tx1"/>
+                          </a:solidFill>
+                        </a:rPr>
+                        <a:t>.</a:t>
+                      </a:r>
+                    </a:p>
+                  </a:txBody>
+                  <a:tcPr>
+                    <a:lnL w="12700" cap="flat" cmpd="sng" algn="ctr">
+                      <a:noFill/>
+                      <a:prstDash val="solid"/>
+                      <a:round/>
+                      <a:headEnd type="none" w="med" len="med"/>
+                      <a:tailEnd type="none" w="med" len="med"/>
+                    </a:lnL>
+                    <a:lnR w="12700" cap="flat" cmpd="sng" algn="ctr">
+                      <a:noFill/>
+                      <a:prstDash val="solid"/>
+                      <a:round/>
+                      <a:headEnd type="none" w="med" len="med"/>
+                      <a:tailEnd type="none" w="med" len="med"/>
+                    </a:lnR>
+                    <a:lnT w="12700" cap="flat" cmpd="sng" algn="ctr">
+                      <a:solidFill>
+                        <a:schemeClr val="tx1"/>
+                      </a:solidFill>
+                      <a:prstDash val="solid"/>
+                      <a:round/>
+                      <a:headEnd type="none" w="med" len="med"/>
+                      <a:tailEnd type="none" w="med" len="med"/>
+                    </a:lnT>
+                    <a:lnB w="12700" cap="flat" cmpd="sng" algn="ctr">
+                      <a:noFill/>
+                      <a:prstDash val="solid"/>
+                      <a:round/>
+                      <a:headEnd type="none" w="med" len="med"/>
+                      <a:tailEnd type="none" w="med" len="med"/>
+                    </a:lnB>
+                    <a:lnTlToBr w="12700" cmpd="sng">
+                      <a:noFill/>
+                      <a:prstDash val="solid"/>
+                    </a:lnTlToBr>
+                    <a:lnBlToTr w="12700" cmpd="sng">
+                      <a:noFill/>
+                      <a:prstDash val="solid"/>
+                    </a:lnBlToTr>
+                    <a:noFill/>
+                  </a:tcPr>
+                </a:tc>
+                <a:extLst>
+                  <a:ext uri="{0D108BD9-81ED-4DB2-BD59-A6C34878D82A}">
+                    <a16:rowId xmlns:a16="http://schemas.microsoft.com/office/drawing/2014/main" val="2664984748"/>
+                  </a:ext>
+                </a:extLst>
+              </a:tr>
+            </a:tbl>
+          </a:graphicData>
+        </a:graphic>
+      </p:graphicFrame>
+      <p:sp>
+        <p:nvSpPr>
+          <p:cNvPr id="5" name="Rect 0">
+            <a:extLst>
+              <a:ext uri="{FF2B5EF4-FFF2-40B4-BE49-F238E27FC236}">
+                <a16:creationId xmlns:a16="http://schemas.microsoft.com/office/drawing/2014/main" id="{973C568C-0574-430B-948F-BD8DC31E2883}"/>
+              </a:ext>
+            </a:extLst>
+          </p:cNvPr>
+          <p:cNvSpPr txBox="1">
+            <a:spLocks/>
+          </p:cNvSpPr>
+          <p:nvPr/>
+        </p:nvSpPr>
+        <p:spPr>
+          <a:xfrm>
+            <a:off x="695325" y="292100"/>
+            <a:ext cx="10801985" cy="862330"/>
+          </a:xfrm>
+          <a:prstGeom prst="rect">
+            <a:avLst/>
+          </a:prstGeom>
+        </p:spPr>
+        <p:txBody>
+          <a:bodyPr vert="horz" wrap="square" lIns="91440" tIns="45720" rIns="91440" bIns="45720" numCol="1" anchor="ctr">
+            <a:normAutofit/>
+          </a:bodyPr>
+          <a:lstStyle>
+            <a:lvl1pPr marL="0" indent="0" algn="l" defTabSz="914400" rtl="0" eaLnBrk="1" latinLnBrk="1" hangingPunct="1">
+              <a:lnSpc>
+                <a:spcPct val="90000"/>
+              </a:lnSpc>
+              <a:spcBef>
+                <a:spcPct val="0"/>
+              </a:spcBef>
+              <a:buFontTx/>
+              <a:buNone/>
+              <a:defRPr lang="en-GB" altLang="en-US" sz="4400">
+                <a:solidFill>
+                  <a:schemeClr val="tx1"/>
+                </a:solidFill>
+                <a:latin typeface="+mj-lt"/>
+                <a:ea typeface="+mj-ea"/>
+                <a:cs typeface="+mj-cs"/>
+              </a:defRPr>
+            </a:lvl1pPr>
+          </a:lstStyle>
+          <a:p>
+            <a:pPr marL="0" indent="0" latinLnBrk="0">
+              <a:buFontTx/>
+              <a:buNone/>
+            </a:pPr>
+            <a:r>
+              <a:rPr lang="ko-KR" altLang="en-US" dirty="0"/>
+              <a:t>보상 규칙</a:t>
+            </a:r>
+          </a:p>
+        </p:txBody>
+      </p:sp>
+    </p:spTree>
+    <p:extLst>
+      <p:ext uri="{BB962C8B-B14F-4D97-AF65-F5344CB8AC3E}">
+        <p14:creationId xmlns:p14="http://schemas.microsoft.com/office/powerpoint/2010/main" val="1352892172"/>
+      </p:ext>
+    </p:extLst>
+  </p:cSld>
+  <p:clrMapOvr>
+    <a:masterClrMapping/>
+  </p:clrMapOvr>
+</p:sld>
+</file>
+
+<file path=ppt/slides/slide14.xml><?xml version="1.0" encoding="utf-8"?>
 <p:sld xmlns:a="http://schemas.openxmlformats.org/drawingml/2006/main" xmlns:r="http://schemas.openxmlformats.org/officeDocument/2006/relationships" xmlns:p="http://schemas.openxmlformats.org/presentationml/2006/main">
   <p:cSld>
     <p:spTree>
@@ -5315,14 +7345,14 @@
           <p:nvPr>
             <p:extLst>
               <p:ext uri="{D42A27DB-BD31-4B8C-83A1-F6EECF244321}">
-                <p14:modId xmlns:p14="http://schemas.microsoft.com/office/powerpoint/2010/main" val="1898712389"/>
+                <p14:modId xmlns:p14="http://schemas.microsoft.com/office/powerpoint/2010/main" val="2530228624"/>
               </p:ext>
             </p:extLst>
           </p:nvPr>
         </p:nvGraphicFramePr>
         <p:xfrm>
-          <a:off x="1414463" y="2212022"/>
-          <a:ext cx="9351645" cy="2433955"/>
+          <a:off x="1414463" y="2514600"/>
+          <a:ext cx="9351645" cy="1828800"/>
         </p:xfrm>
         <a:graphic>
           <a:graphicData uri="http://schemas.openxmlformats.org/drawingml/2006/table">
@@ -5339,7 +7369,7 @@
                   </a:extLst>
                 </a:gridCol>
               </a:tblGrid>
-              <a:tr h="492125">
+              <a:tr h="0">
                 <a:tc>
                   <a:txBody>
                     <a:bodyPr/>
@@ -5394,9 +7424,11 @@
                       <a:headEnd type="none" w="med" len="med"/>
                       <a:tailEnd type="none" w="med" len="med"/>
                     </a:lnT>
-                    <a:lnB w="0" cap="flat" cmpd="sng" algn="ctr">
-                      <a:noFill/>
-                      <a:prstDash/>
+                    <a:lnB w="12700" cap="flat" cmpd="sng" algn="ctr">
+                      <a:solidFill>
+                        <a:schemeClr val="tx1"/>
+                      </a:solidFill>
+                      <a:prstDash val="solid"/>
                       <a:round/>
                       <a:headEnd type="none" w="med" len="med"/>
                       <a:tailEnd type="none" w="med" len="med"/>
@@ -5415,7 +7447,11 @@
                       <a:headEnd type="none" w="med" len="med"/>
                       <a:tailEnd type="none" w="med" len="med"/>
                     </a:lnBlToTr>
-                    <a:noFill/>
+                    <a:solidFill>
+                      <a:schemeClr val="bg1">
+                        <a:lumMod val="95000"/>
+                      </a:schemeClr>
+                    </a:solidFill>
                   </a:tcPr>
                 </a:tc>
                 <a:extLst>
@@ -5424,7 +7460,7 @@
                   </a:ext>
                 </a:extLst>
               </a:tr>
-              <a:tr h="1941830">
+              <a:tr h="0">
                 <a:tc>
                   <a:txBody>
                     <a:bodyPr/>
@@ -5690,9 +7726,11 @@
                       <a:headEnd type="none" w="med" len="med"/>
                       <a:tailEnd type="none" w="med" len="med"/>
                     </a:lnR>
-                    <a:lnT w="0" cap="flat" cmpd="sng" algn="ctr">
-                      <a:noFill/>
-                      <a:prstDash/>
+                    <a:lnT w="12700" cap="flat" cmpd="sng" algn="ctr">
+                      <a:solidFill>
+                        <a:schemeClr val="tx1"/>
+                      </a:solidFill>
+                      <a:prstDash val="solid"/>
                       <a:round/>
                       <a:headEnd type="none" w="med" len="med"/>
                       <a:tailEnd type="none" w="med" len="med"/>
@@ -8797,14 +10835,14 @@
           <p:nvPr>
             <p:extLst>
               <p:ext uri="{D42A27DB-BD31-4B8C-83A1-F6EECF244321}">
-                <p14:modId xmlns:p14="http://schemas.microsoft.com/office/powerpoint/2010/main" val="4284272116"/>
+                <p14:modId xmlns:p14="http://schemas.microsoft.com/office/powerpoint/2010/main" val="39993589"/>
               </p:ext>
             </p:extLst>
           </p:nvPr>
         </p:nvGraphicFramePr>
         <p:xfrm>
-          <a:off x="1414463" y="2514600"/>
-          <a:ext cx="9361487" cy="1828800"/>
+          <a:off x="2138203" y="2697480"/>
+          <a:ext cx="7915593" cy="1828800"/>
         </p:xfrm>
         <a:graphic>
           <a:graphicData uri="http://schemas.openxmlformats.org/drawingml/2006/table">
@@ -8813,7 +10851,7 @@
                 <a:tableStyleId>{5C22544A-7EE6-4342-B048-85BDC9FD1C3A}</a:tableStyleId>
               </a:tblPr>
               <a:tblGrid>
-                <a:gridCol w="9361487">
+                <a:gridCol w="7915593">
                   <a:extLst>
                     <a:ext uri="{9D8B030D-6E8A-4147-A177-3AD203B41FA5}">
                       <a16:colId xmlns:a16="http://schemas.microsoft.com/office/drawing/2014/main" val="1738685493"/>
@@ -8874,7 +10912,7 @@
                             <a:schemeClr val="tx1"/>
                           </a:solidFill>
                         </a:rPr>
-                        <a:t>스토리 퀘스트는 최대 </a:t>
+                        <a:t>퀘스트는 총 </a:t>
                       </a:r>
                       <a:r>
                         <a:rPr lang="en-US" altLang="ko-KR" sz="1800" b="0" dirty="0">
@@ -8882,7 +10920,7 @@
                             <a:schemeClr val="tx1"/>
                           </a:solidFill>
                         </a:rPr>
-                        <a:t>8</a:t>
+                        <a:t>28</a:t>
                       </a:r>
                       <a:r>
                         <a:rPr lang="ko-KR" altLang="en-US" sz="1800" b="0" dirty="0">
@@ -8890,13 +10928,16 @@
                             <a:schemeClr val="tx1"/>
                           </a:solidFill>
                         </a:rPr>
-                        <a:t>개 까지 동시에 수행 가능</a:t>
-                      </a:r>
-                      <a:endParaRPr lang="en-US" altLang="ko-KR" sz="1800" b="0" dirty="0">
-                        <a:solidFill>
-                          <a:schemeClr val="tx1"/>
-                        </a:solidFill>
-                      </a:endParaRPr>
+                        <a:t>개 까지 동시 수행 가능하다</a:t>
+                      </a:r>
+                      <a:r>
+                        <a:rPr lang="en-US" altLang="ko-KR" sz="1800" b="0" dirty="0">
+                          <a:solidFill>
+                            <a:schemeClr val="tx1"/>
+                          </a:solidFill>
+                        </a:rPr>
+                        <a:t>.</a:t>
+                      </a:r>
                     </a:p>
                   </a:txBody>
                   <a:tcPr>
@@ -8945,7 +10986,7 @@
                 </a:tc>
                 <a:extLst>
                   <a:ext uri="{0D108BD9-81ED-4DB2-BD59-A6C34878D82A}">
-                    <a16:rowId xmlns:a16="http://schemas.microsoft.com/office/drawing/2014/main" val="1107687919"/>
+                    <a16:rowId xmlns:a16="http://schemas.microsoft.com/office/drawing/2014/main" val="3980613080"/>
                   </a:ext>
                 </a:extLst>
               </a:tr>
@@ -8962,7 +11003,7 @@
                             <a:schemeClr val="tx1"/>
                           </a:solidFill>
                         </a:rPr>
-                        <a:t>일반 퀘스트는 최대 </a:t>
+                        <a:t>스토리 퀘스트는 최대 </a:t>
                       </a:r>
                       <a:r>
                         <a:rPr lang="en-US" altLang="ko-KR" sz="1800" b="0" dirty="0">
@@ -8970,7 +11011,7 @@
                             <a:schemeClr val="tx1"/>
                           </a:solidFill>
                         </a:rPr>
-                        <a:t>20</a:t>
+                        <a:t>8</a:t>
                       </a:r>
                       <a:r>
                         <a:rPr lang="ko-KR" altLang="en-US" sz="1800" b="0" dirty="0">
@@ -8978,13 +11019,16 @@
                             <a:schemeClr val="tx1"/>
                           </a:solidFill>
                         </a:rPr>
-                        <a:t>개 까지 동시 수행 가능</a:t>
-                      </a:r>
-                      <a:endParaRPr lang="en-US" altLang="ko-KR" sz="1800" b="0" dirty="0">
-                        <a:solidFill>
-                          <a:schemeClr val="tx1"/>
-                        </a:solidFill>
-                      </a:endParaRPr>
+                        <a:t>개 까지 동시에 수행 가능하다</a:t>
+                      </a:r>
+                      <a:r>
+                        <a:rPr lang="en-US" altLang="ko-KR" sz="1800" b="0" dirty="0">
+                          <a:solidFill>
+                            <a:schemeClr val="tx1"/>
+                          </a:solidFill>
+                        </a:rPr>
+                        <a:t>.</a:t>
+                      </a:r>
                     </a:p>
                   </a:txBody>
                   <a:tcPr>
@@ -9033,111 +11077,7 @@
                 </a:tc>
                 <a:extLst>
                   <a:ext uri="{0D108BD9-81ED-4DB2-BD59-A6C34878D82A}">
-                    <a16:rowId xmlns:a16="http://schemas.microsoft.com/office/drawing/2014/main" val="2172450142"/>
-                  </a:ext>
-                </a:extLst>
-              </a:tr>
-              <a:tr h="0">
-                <a:tc>
-                  <a:txBody>
-                    <a:bodyPr/>
-                    <a:lstStyle/>
-                    <a:p>
-                      <a:pPr marL="0" marR="0" lvl="0" indent="0" algn="l" defTabSz="914400" rtl="0" eaLnBrk="1" fontAlgn="auto" latinLnBrk="1" hangingPunct="1">
-                        <a:lnSpc>
-                          <a:spcPct val="100000"/>
-                        </a:lnSpc>
-                        <a:spcBef>
-                          <a:spcPts val="0"/>
-                        </a:spcBef>
-                        <a:spcAft>
-                          <a:spcPts val="0"/>
-                        </a:spcAft>
-                        <a:buClrTx/>
-                        <a:buSzTx/>
-                        <a:buFontTx/>
-                        <a:buNone/>
-                        <a:tabLst/>
-                        <a:defRPr/>
-                      </a:pPr>
-                      <a:r>
-                        <a:rPr lang="ko-KR" altLang="en-US" sz="1800" b="0" dirty="0">
-                          <a:solidFill>
-                            <a:schemeClr val="tx1"/>
-                          </a:solidFill>
-                        </a:rPr>
-                        <a:t>연계 퀘스트는 </a:t>
-                      </a:r>
-                      <a:r>
-                        <a:rPr lang="en-US" altLang="ko-KR" sz="1800" b="0" dirty="0">
-                          <a:solidFill>
-                            <a:schemeClr val="tx1"/>
-                          </a:solidFill>
-                        </a:rPr>
-                        <a:t>1</a:t>
-                      </a:r>
-                      <a:r>
-                        <a:rPr lang="ko-KR" altLang="en-US" sz="1800" b="0" dirty="0">
-                          <a:solidFill>
-                            <a:schemeClr val="tx1"/>
-                          </a:solidFill>
-                        </a:rPr>
-                        <a:t>개의 퀘스트로 취급</a:t>
-                      </a:r>
-                      <a:endParaRPr lang="en-US" altLang="ko-KR" sz="1800" b="0" dirty="0">
-                        <a:solidFill>
-                          <a:schemeClr val="tx1"/>
-                        </a:solidFill>
-                      </a:endParaRPr>
-                    </a:p>
-                  </a:txBody>
-                  <a:tcPr>
-                    <a:lnL w="12700" cap="flat" cmpd="sng" algn="ctr">
-                      <a:noFill/>
-                      <a:prstDash val="solid"/>
-                      <a:round/>
-                      <a:headEnd type="none" w="med" len="med"/>
-                      <a:tailEnd type="none" w="med" len="med"/>
-                    </a:lnL>
-                    <a:lnR w="12700" cap="flat" cmpd="sng" algn="ctr">
-                      <a:noFill/>
-                      <a:prstDash val="solid"/>
-                      <a:round/>
-                      <a:headEnd type="none" w="med" len="med"/>
-                      <a:tailEnd type="none" w="med" len="med"/>
-                    </a:lnR>
-                    <a:lnT w="12700" cap="flat" cmpd="sng" algn="ctr">
-                      <a:solidFill>
-                        <a:schemeClr val="tx1"/>
-                      </a:solidFill>
-                      <a:prstDash val="solid"/>
-                      <a:round/>
-                      <a:headEnd type="none" w="med" len="med"/>
-                      <a:tailEnd type="none" w="med" len="med"/>
-                    </a:lnT>
-                    <a:lnB w="12700" cap="flat" cmpd="sng" algn="ctr">
-                      <a:solidFill>
-                        <a:schemeClr val="tx1"/>
-                      </a:solidFill>
-                      <a:prstDash val="solid"/>
-                      <a:round/>
-                      <a:headEnd type="none" w="med" len="med"/>
-                      <a:tailEnd type="none" w="med" len="med"/>
-                    </a:lnB>
-                    <a:lnTlToBr w="12700" cmpd="sng">
-                      <a:noFill/>
-                      <a:prstDash val="solid"/>
-                    </a:lnTlToBr>
-                    <a:lnBlToTr w="12700" cmpd="sng">
-                      <a:noFill/>
-                      <a:prstDash val="solid"/>
-                    </a:lnBlToTr>
-                    <a:noFill/>
-                  </a:tcPr>
-                </a:tc>
-                <a:extLst>
-                  <a:ext uri="{0D108BD9-81ED-4DB2-BD59-A6C34878D82A}">
-                    <a16:rowId xmlns:a16="http://schemas.microsoft.com/office/drawing/2014/main" val="3628257813"/>
+                    <a16:rowId xmlns:a16="http://schemas.microsoft.com/office/drawing/2014/main" val="309224142"/>
                   </a:ext>
                 </a:extLst>
               </a:tr>
@@ -9154,7 +11094,98 @@
                             <a:schemeClr val="tx1"/>
                           </a:solidFill>
                         </a:rPr>
-                        <a:t>최대 퀘스트 수행 숫자에 도달 시 퀘스트 추가 수행 불가 및 보류한다</a:t>
+                        <a:t>일반 퀘스트는 최대 </a:t>
+                      </a:r>
+                      <a:r>
+                        <a:rPr lang="en-US" altLang="ko-KR" sz="1800" b="0" dirty="0">
+                          <a:solidFill>
+                            <a:schemeClr val="tx1"/>
+                          </a:solidFill>
+                        </a:rPr>
+                        <a:t>20</a:t>
+                      </a:r>
+                      <a:r>
+                        <a:rPr lang="ko-KR" altLang="en-US" sz="1800" b="0" dirty="0">
+                          <a:solidFill>
+                            <a:schemeClr val="tx1"/>
+                          </a:solidFill>
+                        </a:rPr>
+                        <a:t>개 까지 동시 수행 가능하다</a:t>
+                      </a:r>
+                      <a:r>
+                        <a:rPr lang="en-US" altLang="ko-KR" sz="1800" b="0" dirty="0">
+                          <a:solidFill>
+                            <a:schemeClr val="tx1"/>
+                          </a:solidFill>
+                        </a:rPr>
+                        <a:t>.</a:t>
+                      </a:r>
+                    </a:p>
+                  </a:txBody>
+                  <a:tcPr>
+                    <a:lnL w="12700" cap="flat" cmpd="sng" algn="ctr">
+                      <a:noFill/>
+                      <a:prstDash val="solid"/>
+                      <a:round/>
+                      <a:headEnd type="none" w="med" len="med"/>
+                      <a:tailEnd type="none" w="med" len="med"/>
+                    </a:lnL>
+                    <a:lnR w="12700" cap="flat" cmpd="sng" algn="ctr">
+                      <a:noFill/>
+                      <a:prstDash val="solid"/>
+                      <a:round/>
+                      <a:headEnd type="none" w="med" len="med"/>
+                      <a:tailEnd type="none" w="med" len="med"/>
+                    </a:lnR>
+                    <a:lnT w="12700" cap="flat" cmpd="sng" algn="ctr">
+                      <a:solidFill>
+                        <a:schemeClr val="tx1"/>
+                      </a:solidFill>
+                      <a:prstDash val="solid"/>
+                      <a:round/>
+                      <a:headEnd type="none" w="med" len="med"/>
+                      <a:tailEnd type="none" w="med" len="med"/>
+                    </a:lnT>
+                    <a:lnB w="12700" cap="flat" cmpd="sng" algn="ctr">
+                      <a:solidFill>
+                        <a:schemeClr val="tx1"/>
+                      </a:solidFill>
+                      <a:prstDash val="solid"/>
+                      <a:round/>
+                      <a:headEnd type="none" w="med" len="med"/>
+                      <a:tailEnd type="none" w="med" len="med"/>
+                    </a:lnB>
+                    <a:lnTlToBr w="12700" cmpd="sng">
+                      <a:noFill/>
+                      <a:prstDash val="solid"/>
+                    </a:lnTlToBr>
+                    <a:lnBlToTr w="12700" cmpd="sng">
+                      <a:noFill/>
+                      <a:prstDash val="solid"/>
+                    </a:lnBlToTr>
+                    <a:noFill/>
+                  </a:tcPr>
+                </a:tc>
+                <a:extLst>
+                  <a:ext uri="{0D108BD9-81ED-4DB2-BD59-A6C34878D82A}">
+                    <a16:rowId xmlns:a16="http://schemas.microsoft.com/office/drawing/2014/main" val="3156589016"/>
+                  </a:ext>
+                </a:extLst>
+              </a:tr>
+              <a:tr h="0">
+                <a:tc>
+                  <a:txBody>
+                    <a:bodyPr/>
+                    <a:lstStyle/>
+                    <a:p>
+                      <a:pPr latinLnBrk="1"/>
+                      <a:r>
+                        <a:rPr lang="ko-KR" altLang="en-US" sz="1800" b="0" dirty="0">
+                          <a:solidFill>
+                            <a:schemeClr val="tx1"/>
+                          </a:solidFill>
+                        </a:rPr>
+                        <a:t>최대 퀘스트 수행 숫자에 도달 시 퀘스트 추가 수행 수락 불가 및 보류한다</a:t>
                       </a:r>
                       <a:r>
                         <a:rPr lang="en-US" altLang="ko-KR" sz="1800" b="0" dirty="0">
@@ -9263,14 +11294,14 @@
           <p:nvPr>
             <p:extLst>
               <p:ext uri="{D42A27DB-BD31-4B8C-83A1-F6EECF244321}">
-                <p14:modId xmlns:p14="http://schemas.microsoft.com/office/powerpoint/2010/main" val="1836149390"/>
+                <p14:modId xmlns:p14="http://schemas.microsoft.com/office/powerpoint/2010/main" val="1097054881"/>
               </p:ext>
             </p:extLst>
           </p:nvPr>
         </p:nvGraphicFramePr>
         <p:xfrm>
-          <a:off x="4289742" y="1389380"/>
-          <a:ext cx="7207568" cy="4079240"/>
+          <a:off x="5102542" y="1762953"/>
+          <a:ext cx="6394768" cy="3688080"/>
         </p:xfrm>
         <a:graphic>
           <a:graphicData uri="http://schemas.openxmlformats.org/drawingml/2006/table">
@@ -9293,7 +11324,7 @@
                     </a:ext>
                   </a:extLst>
                 </a:gridCol>
-                <a:gridCol w="5083086">
+                <a:gridCol w="4270286">
                   <a:extLst>
                     <a:ext uri="{9D8B030D-6E8A-4147-A177-3AD203B41FA5}">
                       <a16:colId xmlns:a16="http://schemas.microsoft.com/office/drawing/2014/main" val="3556919162"/>
@@ -9301,7 +11332,7 @@
                   </a:extLst>
                 </a:gridCol>
               </a:tblGrid>
-              <a:tr h="370840">
+              <a:tr h="0">
                 <a:tc gridSpan="3">
                   <a:txBody>
                     <a:bodyPr/>
@@ -9309,7 +11340,7 @@
                     <a:p>
                       <a:pPr latinLnBrk="1"/>
                       <a:r>
-                        <a:rPr lang="ko-KR" altLang="en-US" b="0" dirty="0">
+                        <a:rPr lang="ko-KR" altLang="en-US" sz="1600" b="0" dirty="0">
                           <a:solidFill>
                             <a:schemeClr val="tx1"/>
                           </a:solidFill>
@@ -9392,7 +11423,7 @@
                   </a:ext>
                 </a:extLst>
               </a:tr>
-              <a:tr h="370840">
+              <a:tr h="0">
                 <a:tc gridSpan="3">
                   <a:txBody>
                     <a:bodyPr/>
@@ -9416,7 +11447,7 @@
                         <a:defRPr/>
                       </a:pPr>
                       <a:r>
-                        <a:rPr lang="ko-KR" altLang="en-US" b="0">
+                        <a:rPr lang="ko-KR" altLang="en-US" sz="1600" b="0" dirty="0">
                           <a:solidFill>
                             <a:schemeClr val="tx1"/>
                           </a:solidFill>
@@ -9424,7 +11455,7 @@
                         <a:t>퀘스트 발생 조건은 레벨</a:t>
                       </a:r>
                       <a:r>
-                        <a:rPr lang="en-US" altLang="ko-KR" b="0">
+                        <a:rPr lang="en-US" altLang="ko-KR" sz="1600" b="0" dirty="0">
                           <a:solidFill>
                             <a:schemeClr val="tx1"/>
                           </a:solidFill>
@@ -9432,7 +11463,7 @@
                         <a:t>, </a:t>
                       </a:r>
                       <a:r>
-                        <a:rPr lang="ko-KR" altLang="en-US" b="0">
+                        <a:rPr lang="ko-KR" altLang="en-US" sz="1600" b="0" dirty="0">
                           <a:solidFill>
                             <a:schemeClr val="tx1"/>
                           </a:solidFill>
@@ -9440,7 +11471,7 @@
                         <a:t>시간</a:t>
                       </a:r>
                       <a:r>
-                        <a:rPr lang="en-US" altLang="ko-KR" b="0">
+                        <a:rPr lang="en-US" altLang="ko-KR" sz="1600" b="0" dirty="0">
                           <a:solidFill>
                             <a:schemeClr val="tx1"/>
                           </a:solidFill>
@@ -9448,7 +11479,7 @@
                         <a:t>, </a:t>
                       </a:r>
                       <a:r>
-                        <a:rPr lang="ko-KR" altLang="en-US" b="0">
+                        <a:rPr lang="ko-KR" altLang="en-US" sz="1600" b="0" dirty="0">
                           <a:solidFill>
                             <a:schemeClr val="tx1"/>
                           </a:solidFill>
@@ -9456,14 +11487,14 @@
                         <a:t>상호 작용 등이 있다</a:t>
                       </a:r>
                       <a:r>
-                        <a:rPr lang="en-US" altLang="ko-KR" b="0">
+                        <a:rPr lang="en-US" altLang="ko-KR" sz="1600" b="0" dirty="0">
                           <a:solidFill>
                             <a:schemeClr val="tx1"/>
                           </a:solidFill>
                         </a:rPr>
                         <a:t>.</a:t>
                       </a:r>
-                      <a:endParaRPr lang="ko-KR" altLang="en-US" b="0">
+                      <a:endParaRPr lang="ko-KR" altLang="en-US" sz="1600" b="0" dirty="0">
                         <a:solidFill>
                           <a:schemeClr val="tx1"/>
                         </a:solidFill>
@@ -9542,7 +11573,7 @@
                   </a:ext>
                 </a:extLst>
               </a:tr>
-              <a:tr h="370840">
+              <a:tr h="0">
                 <a:tc gridSpan="3">
                   <a:txBody>
                     <a:bodyPr/>
@@ -9566,7 +11597,7 @@
                         <a:defRPr/>
                       </a:pPr>
                       <a:r>
-                        <a:rPr lang="ko-KR" altLang="en-US" b="0" dirty="0">
+                        <a:rPr lang="ko-KR" altLang="en-US" sz="1600" b="0" dirty="0">
                           <a:solidFill>
                             <a:schemeClr val="tx1"/>
                           </a:solidFill>
@@ -9574,7 +11605,7 @@
                         <a:t>하나의 퀘스트 당 발생 조건은 최대 </a:t>
                       </a:r>
                       <a:r>
-                        <a:rPr lang="en-US" altLang="ko-KR" b="0" dirty="0">
+                        <a:rPr lang="en-US" altLang="ko-KR" sz="1600" b="0" dirty="0">
                           <a:solidFill>
                             <a:schemeClr val="tx1"/>
                           </a:solidFill>
@@ -9582,7 +11613,7 @@
                         <a:t>3</a:t>
                       </a:r>
                       <a:r>
-                        <a:rPr lang="ko-KR" altLang="en-US" b="0" dirty="0">
+                        <a:rPr lang="ko-KR" altLang="en-US" sz="1600" b="0" dirty="0">
                           <a:solidFill>
                             <a:schemeClr val="tx1"/>
                           </a:solidFill>
@@ -9590,14 +11621,14 @@
                         <a:t>개 까지 있다</a:t>
                       </a:r>
                       <a:r>
-                        <a:rPr lang="en-US" altLang="ko-KR" b="0" dirty="0">
+                        <a:rPr lang="en-US" altLang="ko-KR" sz="1600" b="0" dirty="0">
                           <a:solidFill>
                             <a:schemeClr val="tx1"/>
                           </a:solidFill>
                         </a:rPr>
                         <a:t>.</a:t>
                       </a:r>
-                      <a:endParaRPr lang="ko-KR" altLang="en-US" b="0" dirty="0">
+                      <a:endParaRPr lang="ko-KR" altLang="en-US" sz="1600" b="0" dirty="0">
                         <a:solidFill>
                           <a:schemeClr val="tx1"/>
                         </a:solidFill>
@@ -9676,7 +11707,7 @@
                   </a:ext>
                 </a:extLst>
               </a:tr>
-              <a:tr h="370840">
+              <a:tr h="0">
                 <a:tc gridSpan="3">
                   <a:txBody>
                     <a:bodyPr/>
@@ -9684,7 +11715,7 @@
                     <a:p>
                       <a:pPr latinLnBrk="1"/>
                       <a:r>
-                        <a:rPr lang="ko-KR" altLang="en-US" b="0" dirty="0">
+                        <a:rPr lang="ko-KR" altLang="en-US" sz="1600" b="0" dirty="0">
                           <a:solidFill>
                             <a:schemeClr val="tx1"/>
                           </a:solidFill>
@@ -9692,7 +11723,7 @@
                         <a:t>퀘스트 발생시 해당 퀘스트 부여 </a:t>
                       </a:r>
                       <a:r>
-                        <a:rPr lang="en-US" altLang="ko-KR" b="0" dirty="0">
+                        <a:rPr lang="en-US" altLang="ko-KR" sz="1600" b="0" dirty="0">
                           <a:solidFill>
                             <a:schemeClr val="tx1"/>
                           </a:solidFill>
@@ -9700,13 +11731,26 @@
                         <a:t>NPC, </a:t>
                       </a:r>
                       <a:r>
-                        <a:rPr lang="ko-KR" altLang="en-US" b="0" dirty="0">
-                          <a:solidFill>
-                            <a:schemeClr val="tx1"/>
-                          </a:solidFill>
-                        </a:rPr>
-                        <a:t>오브젝트에 퀘스트 팝업 발생</a:t>
-                      </a:r>
+                        <a:rPr lang="ko-KR" altLang="en-US" sz="1600" b="0" dirty="0">
+                          <a:solidFill>
+                            <a:schemeClr val="tx1"/>
+                          </a:solidFill>
+                        </a:rPr>
+                        <a:t>오브젝트에 아이콘 발생한다</a:t>
+                      </a:r>
+                      <a:r>
+                        <a:rPr lang="en-US" altLang="ko-KR" sz="1600" b="0" dirty="0">
+                          <a:solidFill>
+                            <a:schemeClr val="tx1"/>
+                          </a:solidFill>
+                        </a:rPr>
+                        <a:t>.</a:t>
+                      </a:r>
+                      <a:endParaRPr lang="ko-KR" altLang="en-US" sz="1600" b="0" dirty="0">
+                        <a:solidFill>
+                          <a:schemeClr val="tx1"/>
+                        </a:solidFill>
+                      </a:endParaRPr>
                     </a:p>
                   </a:txBody>
                   <a:tcPr>
@@ -9781,7 +11825,7 @@
                   </a:ext>
                 </a:extLst>
               </a:tr>
-              <a:tr h="370840">
+              <a:tr h="0">
                 <a:tc gridSpan="3">
                   <a:txBody>
                     <a:bodyPr/>
@@ -9789,15 +11833,15 @@
                     <a:p>
                       <a:pPr latinLnBrk="1"/>
                       <a:r>
-                        <a:rPr lang="ko-KR" altLang="en-US" b="0" dirty="0">
-                          <a:solidFill>
-                            <a:schemeClr val="tx1"/>
-                          </a:solidFill>
-                        </a:rPr>
-                        <a:t>퀘스트 팝업은 우선도에 따라 </a:t>
-                      </a:r>
-                      <a:r>
-                        <a:rPr lang="en-US" altLang="ko-KR" b="0" dirty="0">
+                        <a:rPr lang="ko-KR" altLang="en-US" sz="1600" b="0" dirty="0">
+                          <a:solidFill>
+                            <a:schemeClr val="tx1"/>
+                          </a:solidFill>
+                        </a:rPr>
+                        <a:t>퀘스트 아이콘은 우선도에 따라 </a:t>
+                      </a:r>
+                      <a:r>
+                        <a:rPr lang="en-US" altLang="ko-KR" sz="1600" b="0" dirty="0">
                           <a:solidFill>
                             <a:schemeClr val="tx1"/>
                           </a:solidFill>
@@ -9805,15 +11849,15 @@
                         <a:t>NPC, </a:t>
                       </a:r>
                       <a:r>
-                        <a:rPr lang="ko-KR" altLang="en-US" b="0" dirty="0">
-                          <a:solidFill>
-                            <a:schemeClr val="tx1"/>
-                          </a:solidFill>
-                        </a:rPr>
-                        <a:t>오브젝트에 최대 </a:t>
-                      </a:r>
-                      <a:r>
-                        <a:rPr lang="en-US" altLang="ko-KR" b="0" dirty="0">
+                        <a:rPr lang="ko-KR" altLang="en-US" sz="1600" b="0" dirty="0">
+                          <a:solidFill>
+                            <a:schemeClr val="tx1"/>
+                          </a:solidFill>
+                        </a:rPr>
+                        <a:t>오브젝트에 </a:t>
+                      </a:r>
+                      <a:r>
+                        <a:rPr lang="en-US" altLang="ko-KR" sz="1600" b="0" dirty="0">
                           <a:solidFill>
                             <a:schemeClr val="tx1"/>
                           </a:solidFill>
@@ -9821,13 +11865,26 @@
                         <a:t>1</a:t>
                       </a:r>
                       <a:r>
-                        <a:rPr lang="ko-KR" altLang="en-US" b="0" dirty="0">
-                          <a:solidFill>
-                            <a:schemeClr val="tx1"/>
-                          </a:solidFill>
-                        </a:rPr>
-                        <a:t>개까지 발생</a:t>
-                      </a:r>
+                        <a:rPr lang="ko-KR" altLang="en-US" sz="1600" b="0" dirty="0">
+                          <a:solidFill>
+                            <a:schemeClr val="tx1"/>
+                          </a:solidFill>
+                        </a:rPr>
+                        <a:t>개만 발생한다</a:t>
+                      </a:r>
+                      <a:r>
+                        <a:rPr lang="en-US" altLang="ko-KR" sz="1600" b="0" dirty="0">
+                          <a:solidFill>
+                            <a:schemeClr val="tx1"/>
+                          </a:solidFill>
+                        </a:rPr>
+                        <a:t>.</a:t>
+                      </a:r>
+                      <a:endParaRPr lang="ko-KR" altLang="en-US" sz="1600" b="0" dirty="0">
+                        <a:solidFill>
+                          <a:schemeClr val="tx1"/>
+                        </a:solidFill>
+                      </a:endParaRPr>
                     </a:p>
                   </a:txBody>
                   <a:tcPr>
@@ -9902,7 +11959,7 @@
                   </a:ext>
                 </a:extLst>
               </a:tr>
-              <a:tr h="370840">
+              <a:tr h="0">
                 <a:tc>
                   <a:txBody>
                     <a:bodyPr/>
@@ -9910,7 +11967,7 @@
                     <a:p>
                       <a:pPr algn="ctr" latinLnBrk="1"/>
                       <a:r>
-                        <a:rPr lang="ko-KR" altLang="en-US" b="0" dirty="0">
+                        <a:rPr lang="ko-KR" altLang="en-US" sz="1600" b="0" dirty="0">
                           <a:solidFill>
                             <a:schemeClr val="tx1"/>
                           </a:solidFill>
@@ -9976,12 +12033,12 @@
                     <a:p>
                       <a:pPr algn="ctr" latinLnBrk="1"/>
                       <a:r>
-                        <a:rPr lang="ko-KR" altLang="en-US" b="0" dirty="0">
-                          <a:solidFill>
-                            <a:schemeClr val="tx1"/>
-                          </a:solidFill>
-                        </a:rPr>
-                        <a:t>팝업</a:t>
+                        <a:rPr lang="ko-KR" altLang="en-US" sz="1600" b="0" dirty="0">
+                          <a:solidFill>
+                            <a:schemeClr val="tx1"/>
+                          </a:solidFill>
+                        </a:rPr>
+                        <a:t>아이콘</a:t>
                       </a:r>
                     </a:p>
                   </a:txBody>
@@ -10044,7 +12101,7 @@
                     <a:p>
                       <a:pPr algn="ctr" latinLnBrk="1"/>
                       <a:r>
-                        <a:rPr lang="ko-KR" altLang="en-US" b="0" dirty="0">
+                        <a:rPr lang="ko-KR" altLang="en-US" sz="1600" b="0" dirty="0">
                           <a:solidFill>
                             <a:schemeClr val="tx1"/>
                           </a:solidFill>
@@ -10109,7 +12166,7 @@
                   </a:ext>
                 </a:extLst>
               </a:tr>
-              <a:tr h="370840">
+              <a:tr h="0">
                 <a:tc>
                   <a:txBody>
                     <a:bodyPr/>
@@ -10117,14 +12174,14 @@
                     <a:p>
                       <a:pPr algn="ctr" latinLnBrk="1"/>
                       <a:r>
-                        <a:rPr lang="en-US" altLang="ko-KR" b="0" dirty="0">
+                        <a:rPr lang="en-US" altLang="ko-KR" sz="1600" b="0" dirty="0">
                           <a:solidFill>
                             <a:schemeClr val="tx1"/>
                           </a:solidFill>
                         </a:rPr>
                         <a:t>0</a:t>
                       </a:r>
-                      <a:endParaRPr lang="ko-KR" altLang="en-US" b="0" dirty="0">
+                      <a:endParaRPr lang="ko-KR" altLang="en-US" sz="1600" b="0" dirty="0">
                         <a:solidFill>
                           <a:schemeClr val="tx1"/>
                         </a:solidFill>
@@ -10184,7 +12241,7 @@
                     <a:p>
                       <a:pPr algn="ctr" latinLnBrk="1"/>
                       <a:r>
-                        <a:rPr lang="en-US" altLang="ko-KR" b="0" dirty="0">
+                        <a:rPr lang="en-US" altLang="ko-KR" sz="1600" b="0" dirty="0">
                           <a:solidFill>
                             <a:schemeClr val="accent4">
                               <a:lumMod val="50000"/>
@@ -10193,7 +12250,7 @@
                         </a:rPr>
                         <a:t>?</a:t>
                       </a:r>
-                      <a:endParaRPr lang="ko-KR" altLang="en-US" b="0" dirty="0">
+                      <a:endParaRPr lang="ko-KR" altLang="en-US" sz="1600" b="0" dirty="0">
                         <a:solidFill>
                           <a:schemeClr val="accent4">
                             <a:lumMod val="50000"/>
@@ -10257,7 +12314,7 @@
                     <a:p>
                       <a:pPr latinLnBrk="1"/>
                       <a:r>
-                        <a:rPr lang="ko-KR" altLang="en-US" b="0" dirty="0">
+                        <a:rPr lang="ko-KR" altLang="en-US" sz="1600" b="0" dirty="0">
                           <a:solidFill>
                             <a:schemeClr val="tx1"/>
                           </a:solidFill>
@@ -10318,7 +12375,7 @@
                   </a:ext>
                 </a:extLst>
               </a:tr>
-              <a:tr h="370840">
+              <a:tr h="0">
                 <a:tc>
                   <a:txBody>
                     <a:bodyPr/>
@@ -10326,14 +12383,14 @@
                     <a:p>
                       <a:pPr algn="ctr" latinLnBrk="1"/>
                       <a:r>
-                        <a:rPr lang="en-US" altLang="ko-KR" b="0" dirty="0">
+                        <a:rPr lang="en-US" altLang="ko-KR" sz="1600" b="0">
                           <a:solidFill>
                             <a:schemeClr val="tx1"/>
                           </a:solidFill>
                         </a:rPr>
                         <a:t>1</a:t>
                       </a:r>
-                      <a:endParaRPr lang="ko-KR" altLang="en-US" b="0" dirty="0">
+                      <a:endParaRPr lang="ko-KR" altLang="en-US" sz="1600" b="0" dirty="0">
                         <a:solidFill>
                           <a:schemeClr val="tx1"/>
                         </a:solidFill>
@@ -10393,7 +12450,7 @@
                     <a:p>
                       <a:pPr algn="ctr" latinLnBrk="1"/>
                       <a:r>
-                        <a:rPr lang="en-US" altLang="ko-KR" b="0" dirty="0">
+                        <a:rPr lang="en-US" altLang="ko-KR" sz="1600" b="0" dirty="0">
                           <a:solidFill>
                             <a:schemeClr val="accent4">
                               <a:lumMod val="75000"/>
@@ -10402,7 +12459,7 @@
                         </a:rPr>
                         <a:t>!</a:t>
                       </a:r>
-                      <a:endParaRPr lang="ko-KR" altLang="en-US" b="0" dirty="0">
+                      <a:endParaRPr lang="ko-KR" altLang="en-US" sz="1600" b="0" dirty="0">
                         <a:solidFill>
                           <a:schemeClr val="accent4">
                             <a:lumMod val="75000"/>
@@ -10466,7 +12523,7 @@
                     <a:p>
                       <a:pPr latinLnBrk="1"/>
                       <a:r>
-                        <a:rPr lang="ko-KR" altLang="en-US" b="0" dirty="0">
+                        <a:rPr lang="ko-KR" altLang="en-US" sz="1600" b="0" dirty="0">
                           <a:solidFill>
                             <a:schemeClr val="tx1"/>
                           </a:solidFill>
@@ -10474,7 +12531,7 @@
                         <a:t>적정 레벨</a:t>
                       </a:r>
                       <a:r>
-                        <a:rPr lang="en-US" altLang="ko-KR" b="0" dirty="0">
+                        <a:rPr lang="en-US" altLang="ko-KR" sz="1600" b="0" dirty="0">
                           <a:solidFill>
                             <a:schemeClr val="tx1"/>
                           </a:solidFill>
@@ -10482,7 +12539,7 @@
                         <a:t>(±5)</a:t>
                       </a:r>
                       <a:r>
-                        <a:rPr lang="ko-KR" altLang="en-US" b="0" dirty="0">
+                        <a:rPr lang="ko-KR" altLang="en-US" sz="1600" b="0" dirty="0">
                           <a:solidFill>
                             <a:schemeClr val="tx1"/>
                           </a:solidFill>
@@ -10543,7 +12600,7 @@
                   </a:ext>
                 </a:extLst>
               </a:tr>
-              <a:tr h="370840">
+              <a:tr h="0">
                 <a:tc>
                   <a:txBody>
                     <a:bodyPr/>
@@ -10551,14 +12608,14 @@
                     <a:p>
                       <a:pPr algn="ctr" latinLnBrk="1"/>
                       <a:r>
-                        <a:rPr lang="en-US" altLang="ko-KR" b="0" dirty="0">
+                        <a:rPr lang="en-US" altLang="ko-KR" sz="1600" b="0">
                           <a:solidFill>
                             <a:schemeClr val="tx1"/>
                           </a:solidFill>
                         </a:rPr>
                         <a:t>2</a:t>
                       </a:r>
-                      <a:endParaRPr lang="ko-KR" altLang="en-US" b="0" dirty="0">
+                      <a:endParaRPr lang="ko-KR" altLang="en-US" sz="1600" b="0" dirty="0">
                         <a:solidFill>
                           <a:schemeClr val="tx1"/>
                         </a:solidFill>
@@ -10618,7 +12675,7 @@
                     <a:p>
                       <a:pPr algn="ctr" latinLnBrk="1"/>
                       <a:r>
-                        <a:rPr lang="en-US" altLang="ko-KR" b="0" dirty="0">
+                        <a:rPr lang="en-US" altLang="ko-KR" sz="1600" b="0" dirty="0">
                           <a:solidFill>
                             <a:schemeClr val="accent4">
                               <a:lumMod val="75000"/>
@@ -10627,7 +12684,7 @@
                         </a:rPr>
                         <a:t>…</a:t>
                       </a:r>
-                      <a:endParaRPr lang="ko-KR" altLang="en-US" b="0" dirty="0">
+                      <a:endParaRPr lang="ko-KR" altLang="en-US" sz="1600" b="0" dirty="0">
                         <a:solidFill>
                           <a:schemeClr val="accent4">
                             <a:lumMod val="75000"/>
@@ -10691,7 +12748,7 @@
                     <a:p>
                       <a:pPr latinLnBrk="1"/>
                       <a:r>
-                        <a:rPr lang="ko-KR" altLang="en-US" b="0" dirty="0">
+                        <a:rPr lang="ko-KR" altLang="en-US" sz="1600" b="0" dirty="0">
                           <a:solidFill>
                             <a:schemeClr val="tx1"/>
                           </a:solidFill>
@@ -10699,7 +12756,7 @@
                         <a:t>적정 레벨</a:t>
                       </a:r>
                       <a:r>
-                        <a:rPr lang="en-US" altLang="ko-KR" b="0" dirty="0">
+                        <a:rPr lang="en-US" altLang="ko-KR" sz="1600" b="0" dirty="0">
                           <a:solidFill>
                             <a:schemeClr val="tx1"/>
                           </a:solidFill>
@@ -10707,7 +12764,7 @@
                         <a:t>(±5)</a:t>
                       </a:r>
                       <a:r>
-                        <a:rPr lang="ko-KR" altLang="en-US" b="0" dirty="0">
+                        <a:rPr lang="ko-KR" altLang="en-US" sz="1600" b="0" dirty="0">
                           <a:solidFill>
                             <a:schemeClr val="tx1"/>
                           </a:solidFill>
@@ -10768,7 +12825,7 @@
                   </a:ext>
                 </a:extLst>
               </a:tr>
-              <a:tr h="370840">
+              <a:tr h="0">
                 <a:tc>
                   <a:txBody>
                     <a:bodyPr/>
@@ -10776,14 +12833,14 @@
                     <a:p>
                       <a:pPr algn="ctr" latinLnBrk="1"/>
                       <a:r>
-                        <a:rPr lang="en-US" altLang="ko-KR" b="0" dirty="0">
+                        <a:rPr lang="en-US" altLang="ko-KR" sz="1600" b="0">
                           <a:solidFill>
                             <a:schemeClr val="tx1"/>
                           </a:solidFill>
                         </a:rPr>
                         <a:t>3</a:t>
                       </a:r>
-                      <a:endParaRPr lang="ko-KR" altLang="en-US" b="0" dirty="0">
+                      <a:endParaRPr lang="ko-KR" altLang="en-US" sz="1600" b="0" dirty="0">
                         <a:solidFill>
                           <a:schemeClr val="tx1"/>
                         </a:solidFill>
@@ -10843,14 +12900,14 @@
                     <a:p>
                       <a:pPr algn="ctr" latinLnBrk="1"/>
                       <a:r>
-                        <a:rPr lang="en-US" altLang="ko-KR" b="0" dirty="0">
+                        <a:rPr lang="en-US" altLang="ko-KR" sz="1600" b="0" dirty="0">
                           <a:solidFill>
                             <a:schemeClr val="tx1"/>
                           </a:solidFill>
                         </a:rPr>
                         <a:t>!</a:t>
                       </a:r>
-                      <a:endParaRPr lang="ko-KR" altLang="en-US" b="0" dirty="0">
+                      <a:endParaRPr lang="ko-KR" altLang="en-US" sz="1600" b="0" dirty="0">
                         <a:solidFill>
                           <a:schemeClr val="tx1"/>
                         </a:solidFill>
@@ -10912,7 +12969,7 @@
                     <a:p>
                       <a:pPr latinLnBrk="1"/>
                       <a:r>
-                        <a:rPr lang="ko-KR" altLang="en-US" b="0" dirty="0">
+                        <a:rPr lang="ko-KR" altLang="en-US" sz="1600" b="0" dirty="0">
                           <a:solidFill>
                             <a:schemeClr val="tx1"/>
                           </a:solidFill>
@@ -10973,7 +13030,7 @@
                   </a:ext>
                 </a:extLst>
               </a:tr>
-              <a:tr h="370840">
+              <a:tr h="0">
                 <a:tc>
                   <a:txBody>
                     <a:bodyPr/>
@@ -10981,14 +13038,14 @@
                     <a:p>
                       <a:pPr algn="ctr" latinLnBrk="1"/>
                       <a:r>
-                        <a:rPr lang="en-US" altLang="ko-KR" b="0" dirty="0">
+                        <a:rPr lang="en-US" altLang="ko-KR" sz="1600" b="0" dirty="0">
                           <a:solidFill>
                             <a:schemeClr val="tx1"/>
                           </a:solidFill>
                         </a:rPr>
                         <a:t>4</a:t>
                       </a:r>
-                      <a:endParaRPr lang="ko-KR" altLang="en-US" b="0" dirty="0">
+                      <a:endParaRPr lang="ko-KR" altLang="en-US" sz="1600" b="0" dirty="0">
                         <a:solidFill>
                           <a:schemeClr val="tx1"/>
                         </a:solidFill>
@@ -11046,14 +13103,14 @@
                     <a:p>
                       <a:pPr algn="ctr" latinLnBrk="1"/>
                       <a:r>
-                        <a:rPr lang="en-US" altLang="ko-KR" b="0" dirty="0">
+                        <a:rPr lang="en-US" altLang="ko-KR" sz="1600" b="0" dirty="0">
                           <a:solidFill>
                             <a:schemeClr val="tx1"/>
                           </a:solidFill>
                         </a:rPr>
                         <a:t>…</a:t>
                       </a:r>
-                      <a:endParaRPr lang="ko-KR" altLang="en-US" b="0" dirty="0">
+                      <a:endParaRPr lang="ko-KR" altLang="en-US" sz="1600" b="0" dirty="0">
                         <a:solidFill>
                           <a:schemeClr val="tx1"/>
                         </a:solidFill>
@@ -11113,7 +13170,7 @@
                     <a:p>
                       <a:pPr latinLnBrk="1"/>
                       <a:r>
-                        <a:rPr lang="ko-KR" altLang="en-US" b="0" dirty="0">
+                        <a:rPr lang="ko-KR" altLang="en-US" sz="1600" b="0" dirty="0">
                           <a:solidFill>
                             <a:schemeClr val="tx1"/>
                           </a:solidFill>
@@ -11237,10 +13294,10 @@
       </p:sp>
       <p:pic>
         <p:nvPicPr>
-          <p:cNvPr id="3" name="그림 2">
+          <p:cNvPr id="6" name="그림 5">
             <a:extLst>
               <a:ext uri="{FF2B5EF4-FFF2-40B4-BE49-F238E27FC236}">
-                <a16:creationId xmlns:a16="http://schemas.microsoft.com/office/drawing/2014/main" id="{E7A3274A-3188-4862-AB60-288A93586422}"/>
+                <a16:creationId xmlns:a16="http://schemas.microsoft.com/office/drawing/2014/main" id="{061F8AF5-CB71-4015-A60D-2826AD95AF61}"/>
               </a:ext>
             </a:extLst>
           </p:cNvPr>
@@ -11263,8 +13320,8 @@
         </p:blipFill>
         <p:spPr>
           <a:xfrm>
-            <a:off x="921369" y="1259937"/>
-            <a:ext cx="2261446" cy="5121179"/>
+            <a:off x="1061743" y="1890344"/>
+            <a:ext cx="3697507" cy="3560689"/>
           </a:xfrm>
           <a:prstGeom prst="rect">
             <a:avLst/>
@@ -11316,14 +13373,14 @@
           <p:nvPr>
             <p:extLst>
               <p:ext uri="{D42A27DB-BD31-4B8C-83A1-F6EECF244321}">
-                <p14:modId xmlns:p14="http://schemas.microsoft.com/office/powerpoint/2010/main" val="2277775759"/>
+                <p14:modId xmlns:p14="http://schemas.microsoft.com/office/powerpoint/2010/main" val="3874705473"/>
               </p:ext>
             </p:extLst>
           </p:nvPr>
         </p:nvGraphicFramePr>
         <p:xfrm>
-          <a:off x="1610994" y="1280258"/>
-          <a:ext cx="8970011" cy="1112520"/>
+          <a:off x="4712651" y="1910275"/>
+          <a:ext cx="6064886" cy="1381760"/>
         </p:xfrm>
         <a:graphic>
           <a:graphicData uri="http://schemas.openxmlformats.org/drawingml/2006/table">
@@ -11339,7 +13396,7 @@
                     </a:ext>
                   </a:extLst>
                 </a:gridCol>
-                <a:gridCol w="8248968">
+                <a:gridCol w="5343843">
                   <a:extLst>
                     <a:ext uri="{9D8B030D-6E8A-4147-A177-3AD203B41FA5}">
                       <a16:colId xmlns:a16="http://schemas.microsoft.com/office/drawing/2014/main" val="4067130978"/>
@@ -11444,7 +13501,7 @@
                       </a:r>
                     </a:p>
                   </a:txBody>
-                  <a:tcPr>
+                  <a:tcPr anchor="ctr">
                     <a:lnL w="12700" cap="flat" cmpd="sng" algn="ctr">
                       <a:noFill/>
                       <a:prstDash val="solid"/>
@@ -11518,13 +13575,16 @@
                             <a:schemeClr val="tx1"/>
                           </a:solidFill>
                         </a:rPr>
-                        <a:t>에게 부여됨</a:t>
-                      </a:r>
-                      <a:endParaRPr lang="en-US" altLang="ko-KR" sz="1800" b="0" dirty="0">
-                        <a:solidFill>
-                          <a:schemeClr val="tx1"/>
-                        </a:solidFill>
-                      </a:endParaRPr>
+                        <a:t>에게 부여 된다</a:t>
+                      </a:r>
+                      <a:r>
+                        <a:rPr lang="en-US" altLang="ko-KR" sz="1800" b="0" dirty="0">
+                          <a:solidFill>
+                            <a:schemeClr val="tx1"/>
+                          </a:solidFill>
+                        </a:rPr>
+                        <a:t>.</a:t>
+                      </a:r>
                     </a:p>
                   </a:txBody>
                   <a:tcPr anchor="ctr">
@@ -11596,7 +13656,7 @@
                       </a:r>
                     </a:p>
                   </a:txBody>
-                  <a:tcPr>
+                  <a:tcPr anchor="ctr">
                     <a:lnL w="12700" cap="flat" cmpd="sng" algn="ctr">
                       <a:noFill/>
                       <a:prstDash val="solid"/>
@@ -11700,13 +13760,48 @@
                             <a:schemeClr val="tx1"/>
                           </a:solidFill>
                         </a:rPr>
-                        <a:t>오브젝트와 상호작용하여 퀘스트를 수락</a:t>
+                        <a:t>오브젝트와 </a:t>
                       </a:r>
                       <a:endParaRPr lang="en-US" altLang="ko-KR" sz="1800" b="0" dirty="0">
                         <a:solidFill>
                           <a:schemeClr val="tx1"/>
                         </a:solidFill>
                       </a:endParaRPr>
+                    </a:p>
+                    <a:p>
+                      <a:pPr marL="0" marR="0" lvl="0" indent="0" algn="l" defTabSz="914400" rtl="0" eaLnBrk="1" fontAlgn="auto" latinLnBrk="1" hangingPunct="1">
+                        <a:lnSpc>
+                          <a:spcPct val="100000"/>
+                        </a:lnSpc>
+                        <a:spcBef>
+                          <a:spcPts val="0"/>
+                        </a:spcBef>
+                        <a:spcAft>
+                          <a:spcPts val="0"/>
+                        </a:spcAft>
+                        <a:buClrTx/>
+                        <a:buSzTx/>
+                        <a:buFontTx/>
+                        <a:buNone/>
+                        <a:tabLst/>
+                        <a:defRPr/>
+                      </a:pPr>
+                      <a:r>
+                        <a:rPr lang="ko-KR" altLang="en-US" sz="1800" b="0" dirty="0">
+                          <a:solidFill>
+                            <a:schemeClr val="tx1"/>
+                          </a:solidFill>
+                        </a:rPr>
+                        <a:t>상호작용하여 퀘스트를 수락한다</a:t>
+                      </a:r>
+                      <a:r>
+                        <a:rPr lang="en-US" altLang="ko-KR" sz="1800" b="0" dirty="0">
+                          <a:solidFill>
+                            <a:schemeClr val="tx1"/>
+                          </a:solidFill>
+                        </a:rPr>
+                        <a:t>.</a:t>
+                      </a:r>
                     </a:p>
                   </a:txBody>
                   <a:tcPr anchor="ctr">
@@ -11763,6 +13858,482 @@
           </a:graphicData>
         </a:graphic>
       </p:graphicFrame>
+      <p:sp>
+        <p:nvSpPr>
+          <p:cNvPr id="6" name="Rect 0">
+            <a:extLst>
+              <a:ext uri="{FF2B5EF4-FFF2-40B4-BE49-F238E27FC236}">
+                <a16:creationId xmlns:a16="http://schemas.microsoft.com/office/drawing/2014/main" id="{40A86AA1-F032-4F2C-89F3-F012AE77D260}"/>
+              </a:ext>
+            </a:extLst>
+          </p:cNvPr>
+          <p:cNvSpPr txBox="1">
+            <a:spLocks/>
+          </p:cNvSpPr>
+          <p:nvPr/>
+        </p:nvSpPr>
+        <p:spPr>
+          <a:xfrm>
+            <a:off x="695325" y="292100"/>
+            <a:ext cx="10801985" cy="862330"/>
+          </a:xfrm>
+          <a:prstGeom prst="rect">
+            <a:avLst/>
+          </a:prstGeom>
+        </p:spPr>
+        <p:txBody>
+          <a:bodyPr vert="horz" wrap="square" lIns="91440" tIns="45720" rIns="91440" bIns="45720" numCol="1" anchor="ctr">
+            <a:normAutofit/>
+          </a:bodyPr>
+          <a:lstStyle>
+            <a:lvl1pPr marL="0" indent="0" algn="l" defTabSz="914400" rtl="0" eaLnBrk="1" latinLnBrk="1" hangingPunct="1">
+              <a:lnSpc>
+                <a:spcPct val="90000"/>
+              </a:lnSpc>
+              <a:spcBef>
+                <a:spcPct val="0"/>
+              </a:spcBef>
+              <a:buFontTx/>
+              <a:buNone/>
+              <a:defRPr lang="en-GB" altLang="en-US" sz="4400">
+                <a:solidFill>
+                  <a:schemeClr val="tx1"/>
+                </a:solidFill>
+                <a:latin typeface="+mj-lt"/>
+                <a:ea typeface="+mj-ea"/>
+                <a:cs typeface="+mj-cs"/>
+              </a:defRPr>
+            </a:lvl1pPr>
+          </a:lstStyle>
+          <a:p>
+            <a:pPr marL="0" indent="0" latinLnBrk="0">
+              <a:buFontTx/>
+              <a:buNone/>
+            </a:pPr>
+            <a:r>
+              <a:rPr lang="ko-KR" altLang="en-US" dirty="0"/>
+              <a:t>수락 규칙</a:t>
+            </a:r>
+          </a:p>
+        </p:txBody>
+      </p:sp>
+      <p:graphicFrame>
+        <p:nvGraphicFramePr>
+          <p:cNvPr id="7" name="표 6">
+            <a:extLst>
+              <a:ext uri="{FF2B5EF4-FFF2-40B4-BE49-F238E27FC236}">
+                <a16:creationId xmlns:a16="http://schemas.microsoft.com/office/drawing/2014/main" id="{0A800BCB-FD45-400F-89F2-F29E74F4D51D}"/>
+              </a:ext>
+            </a:extLst>
+          </p:cNvPr>
+          <p:cNvGraphicFramePr>
+            <a:graphicFrameLocks noGrp="1"/>
+          </p:cNvGraphicFramePr>
+          <p:nvPr>
+            <p:extLst>
+              <p:ext uri="{D42A27DB-BD31-4B8C-83A1-F6EECF244321}">
+                <p14:modId xmlns:p14="http://schemas.microsoft.com/office/powerpoint/2010/main" val="1515020897"/>
+              </p:ext>
+            </p:extLst>
+          </p:nvPr>
+        </p:nvGraphicFramePr>
+        <p:xfrm>
+          <a:off x="4712652" y="3636535"/>
+          <a:ext cx="6064886" cy="1752600"/>
+        </p:xfrm>
+        <a:graphic>
+          <a:graphicData uri="http://schemas.openxmlformats.org/drawingml/2006/table">
+            <a:tbl>
+              <a:tblPr firstRow="1" bandRow="1">
+                <a:tableStyleId>{5C22544A-7EE6-4342-B048-85BDC9FD1C3A}</a:tableStyleId>
+              </a:tblPr>
+              <a:tblGrid>
+                <a:gridCol w="6064886">
+                  <a:extLst>
+                    <a:ext uri="{9D8B030D-6E8A-4147-A177-3AD203B41FA5}">
+                      <a16:colId xmlns:a16="http://schemas.microsoft.com/office/drawing/2014/main" val="2985730691"/>
+                    </a:ext>
+                  </a:extLst>
+                </a:gridCol>
+              </a:tblGrid>
+              <a:tr h="370840">
+                <a:tc>
+                  <a:txBody>
+                    <a:bodyPr/>
+                    <a:lstStyle/>
+                    <a:p>
+                      <a:pPr latinLnBrk="1"/>
+                      <a:r>
+                        <a:rPr lang="ko-KR" altLang="en-US" b="0" dirty="0">
+                          <a:solidFill>
+                            <a:schemeClr val="tx1"/>
+                          </a:solidFill>
+                        </a:rPr>
+                        <a:t>거절</a:t>
+                      </a:r>
+                    </a:p>
+                  </a:txBody>
+                  <a:tcPr>
+                    <a:lnL w="12700" cap="flat" cmpd="sng" algn="ctr">
+                      <a:noFill/>
+                      <a:prstDash val="solid"/>
+                      <a:round/>
+                      <a:headEnd type="none" w="med" len="med"/>
+                      <a:tailEnd type="none" w="med" len="med"/>
+                    </a:lnL>
+                    <a:lnR w="12700" cap="flat" cmpd="sng" algn="ctr">
+                      <a:noFill/>
+                      <a:prstDash val="solid"/>
+                      <a:round/>
+                      <a:headEnd type="none" w="med" len="med"/>
+                      <a:tailEnd type="none" w="med" len="med"/>
+                    </a:lnR>
+                    <a:lnT w="12700" cap="flat" cmpd="sng" algn="ctr">
+                      <a:noFill/>
+                      <a:prstDash val="solid"/>
+                      <a:round/>
+                      <a:headEnd type="none" w="med" len="med"/>
+                      <a:tailEnd type="none" w="med" len="med"/>
+                    </a:lnT>
+                    <a:lnB w="12700" cap="flat" cmpd="sng" algn="ctr">
+                      <a:solidFill>
+                        <a:schemeClr val="tx1"/>
+                      </a:solidFill>
+                      <a:prstDash val="solid"/>
+                      <a:round/>
+                      <a:headEnd type="none" w="med" len="med"/>
+                      <a:tailEnd type="none" w="med" len="med"/>
+                    </a:lnB>
+                    <a:lnTlToBr w="12700" cmpd="sng">
+                      <a:noFill/>
+                      <a:prstDash val="solid"/>
+                    </a:lnTlToBr>
+                    <a:lnBlToTr w="12700" cmpd="sng">
+                      <a:noFill/>
+                      <a:prstDash val="solid"/>
+                    </a:lnBlToTr>
+                    <a:solidFill>
+                      <a:schemeClr val="bg1">
+                        <a:lumMod val="95000"/>
+                      </a:schemeClr>
+                    </a:solidFill>
+                  </a:tcPr>
+                </a:tc>
+                <a:extLst>
+                  <a:ext uri="{0D108BD9-81ED-4DB2-BD59-A6C34878D82A}">
+                    <a16:rowId xmlns:a16="http://schemas.microsoft.com/office/drawing/2014/main" val="4232510737"/>
+                  </a:ext>
+                </a:extLst>
+              </a:tr>
+              <a:tr h="370840">
+                <a:tc>
+                  <a:txBody>
+                    <a:bodyPr/>
+                    <a:lstStyle/>
+                    <a:p>
+                      <a:pPr latinLnBrk="1"/>
+                      <a:r>
+                        <a:rPr lang="ko-KR" altLang="en-US" b="0" dirty="0">
+                          <a:solidFill>
+                            <a:schemeClr val="tx1"/>
+                          </a:solidFill>
+                        </a:rPr>
+                        <a:t>수동 수락 퀘스트에서만 발생한다</a:t>
+                      </a:r>
+                      <a:r>
+                        <a:rPr lang="en-US" altLang="ko-KR" b="0" dirty="0">
+                          <a:solidFill>
+                            <a:schemeClr val="tx1"/>
+                          </a:solidFill>
+                        </a:rPr>
+                        <a:t>.</a:t>
+                      </a:r>
+                    </a:p>
+                  </a:txBody>
+                  <a:tcPr>
+                    <a:lnL w="12700" cap="flat" cmpd="sng" algn="ctr">
+                      <a:noFill/>
+                      <a:prstDash val="solid"/>
+                      <a:round/>
+                      <a:headEnd type="none" w="med" len="med"/>
+                      <a:tailEnd type="none" w="med" len="med"/>
+                    </a:lnL>
+                    <a:lnR w="12700" cap="flat" cmpd="sng" algn="ctr">
+                      <a:noFill/>
+                      <a:prstDash val="solid"/>
+                      <a:round/>
+                      <a:headEnd type="none" w="med" len="med"/>
+                      <a:tailEnd type="none" w="med" len="med"/>
+                    </a:lnR>
+                    <a:lnT w="12700" cap="flat" cmpd="sng" algn="ctr">
+                      <a:solidFill>
+                        <a:schemeClr val="tx1"/>
+                      </a:solidFill>
+                      <a:prstDash val="solid"/>
+                      <a:round/>
+                      <a:headEnd type="none" w="med" len="med"/>
+                      <a:tailEnd type="none" w="med" len="med"/>
+                    </a:lnT>
+                    <a:lnB w="12700" cap="flat" cmpd="sng" algn="ctr">
+                      <a:solidFill>
+                        <a:schemeClr val="tx1"/>
+                      </a:solidFill>
+                      <a:prstDash val="solid"/>
+                      <a:round/>
+                      <a:headEnd type="none" w="med" len="med"/>
+                      <a:tailEnd type="none" w="med" len="med"/>
+                    </a:lnB>
+                    <a:lnTlToBr w="12700" cmpd="sng">
+                      <a:noFill/>
+                      <a:prstDash val="solid"/>
+                    </a:lnTlToBr>
+                    <a:lnBlToTr w="12700" cmpd="sng">
+                      <a:noFill/>
+                      <a:prstDash val="solid"/>
+                    </a:lnBlToTr>
+                    <a:noFill/>
+                  </a:tcPr>
+                </a:tc>
+                <a:extLst>
+                  <a:ext uri="{0D108BD9-81ED-4DB2-BD59-A6C34878D82A}">
+                    <a16:rowId xmlns:a16="http://schemas.microsoft.com/office/drawing/2014/main" val="727125318"/>
+                  </a:ext>
+                </a:extLst>
+              </a:tr>
+              <a:tr h="370840">
+                <a:tc>
+                  <a:txBody>
+                    <a:bodyPr/>
+                    <a:lstStyle/>
+                    <a:p>
+                      <a:pPr latinLnBrk="1"/>
+                      <a:r>
+                        <a:rPr lang="ko-KR" altLang="en-US" b="0" dirty="0">
+                          <a:solidFill>
+                            <a:schemeClr val="tx1"/>
+                          </a:solidFill>
+                        </a:rPr>
+                        <a:t>퀘스트를 수락할 때 거절 버튼으로 거절할 수 있다</a:t>
+                      </a:r>
+                      <a:r>
+                        <a:rPr lang="en-US" altLang="ko-KR" b="0" dirty="0">
+                          <a:solidFill>
+                            <a:schemeClr val="tx1"/>
+                          </a:solidFill>
+                        </a:rPr>
+                        <a:t>.</a:t>
+                      </a:r>
+                    </a:p>
+                  </a:txBody>
+                  <a:tcPr>
+                    <a:lnL w="12700" cap="flat" cmpd="sng" algn="ctr">
+                      <a:noFill/>
+                      <a:prstDash val="solid"/>
+                      <a:round/>
+                      <a:headEnd type="none" w="med" len="med"/>
+                      <a:tailEnd type="none" w="med" len="med"/>
+                    </a:lnL>
+                    <a:lnR w="12700" cap="flat" cmpd="sng" algn="ctr">
+                      <a:noFill/>
+                      <a:prstDash val="solid"/>
+                      <a:round/>
+                      <a:headEnd type="none" w="med" len="med"/>
+                      <a:tailEnd type="none" w="med" len="med"/>
+                    </a:lnR>
+                    <a:lnT w="12700" cap="flat" cmpd="sng" algn="ctr">
+                      <a:solidFill>
+                        <a:schemeClr val="tx1"/>
+                      </a:solidFill>
+                      <a:prstDash val="solid"/>
+                      <a:round/>
+                      <a:headEnd type="none" w="med" len="med"/>
+                      <a:tailEnd type="none" w="med" len="med"/>
+                    </a:lnT>
+                    <a:lnB w="12700" cap="flat" cmpd="sng" algn="ctr">
+                      <a:solidFill>
+                        <a:schemeClr val="tx1"/>
+                      </a:solidFill>
+                      <a:prstDash val="solid"/>
+                      <a:round/>
+                      <a:headEnd type="none" w="med" len="med"/>
+                      <a:tailEnd type="none" w="med" len="med"/>
+                    </a:lnB>
+                    <a:lnTlToBr w="12700" cmpd="sng">
+                      <a:noFill/>
+                      <a:prstDash val="solid"/>
+                    </a:lnTlToBr>
+                    <a:lnBlToTr w="12700" cmpd="sng">
+                      <a:noFill/>
+                      <a:prstDash val="solid"/>
+                    </a:lnBlToTr>
+                    <a:noFill/>
+                  </a:tcPr>
+                </a:tc>
+                <a:extLst>
+                  <a:ext uri="{0D108BD9-81ED-4DB2-BD59-A6C34878D82A}">
+                    <a16:rowId xmlns:a16="http://schemas.microsoft.com/office/drawing/2014/main" val="2075818999"/>
+                  </a:ext>
+                </a:extLst>
+              </a:tr>
+              <a:tr h="370840">
+                <a:tc>
+                  <a:txBody>
+                    <a:bodyPr/>
+                    <a:lstStyle/>
+                    <a:p>
+                      <a:pPr latinLnBrk="1"/>
+                      <a:r>
+                        <a:rPr lang="ko-KR" altLang="en-US" b="0" dirty="0">
+                          <a:solidFill>
+                            <a:schemeClr val="tx1"/>
+                          </a:solidFill>
+                        </a:rPr>
+                        <a:t>돌발 발생 퀘스트 등의 일부 퀘스트는 거절 시 </a:t>
+                      </a:r>
+                      <a:endParaRPr lang="en-US" altLang="ko-KR" b="0" dirty="0">
+                        <a:solidFill>
+                          <a:schemeClr val="tx1"/>
+                        </a:solidFill>
+                      </a:endParaRPr>
+                    </a:p>
+                    <a:p>
+                      <a:pPr latinLnBrk="1"/>
+                      <a:r>
+                        <a:rPr lang="ko-KR" altLang="en-US" b="0" dirty="0">
+                          <a:solidFill>
+                            <a:schemeClr val="tx1"/>
+                          </a:solidFill>
+                        </a:rPr>
+                        <a:t>퀘스트가 다시 발생할 때 까지 퀘스트를 수행할 수 없다</a:t>
+                      </a:r>
+                      <a:r>
+                        <a:rPr lang="en-US" altLang="ko-KR" b="0" dirty="0">
+                          <a:solidFill>
+                            <a:schemeClr val="tx1"/>
+                          </a:solidFill>
+                        </a:rPr>
+                        <a:t>.</a:t>
+                      </a:r>
+                    </a:p>
+                  </a:txBody>
+                  <a:tcPr>
+                    <a:lnL w="12700" cap="flat" cmpd="sng" algn="ctr">
+                      <a:noFill/>
+                      <a:prstDash val="solid"/>
+                      <a:round/>
+                      <a:headEnd type="none" w="med" len="med"/>
+                      <a:tailEnd type="none" w="med" len="med"/>
+                    </a:lnL>
+                    <a:lnR w="12700" cap="flat" cmpd="sng" algn="ctr">
+                      <a:noFill/>
+                      <a:prstDash val="solid"/>
+                      <a:round/>
+                      <a:headEnd type="none" w="med" len="med"/>
+                      <a:tailEnd type="none" w="med" len="med"/>
+                    </a:lnR>
+                    <a:lnT w="12700" cap="flat" cmpd="sng" algn="ctr">
+                      <a:solidFill>
+                        <a:schemeClr val="tx1"/>
+                      </a:solidFill>
+                      <a:prstDash val="solid"/>
+                      <a:round/>
+                      <a:headEnd type="none" w="med" len="med"/>
+                      <a:tailEnd type="none" w="med" len="med"/>
+                    </a:lnT>
+                    <a:lnB w="12700" cap="flat" cmpd="sng" algn="ctr">
+                      <a:noFill/>
+                      <a:prstDash val="solid"/>
+                      <a:round/>
+                      <a:headEnd type="none" w="med" len="med"/>
+                      <a:tailEnd type="none" w="med" len="med"/>
+                    </a:lnB>
+                    <a:lnTlToBr w="12700" cmpd="sng">
+                      <a:noFill/>
+                      <a:prstDash val="solid"/>
+                    </a:lnTlToBr>
+                    <a:lnBlToTr w="12700" cmpd="sng">
+                      <a:noFill/>
+                      <a:prstDash val="solid"/>
+                    </a:lnBlToTr>
+                    <a:noFill/>
+                  </a:tcPr>
+                </a:tc>
+                <a:extLst>
+                  <a:ext uri="{0D108BD9-81ED-4DB2-BD59-A6C34878D82A}">
+                    <a16:rowId xmlns:a16="http://schemas.microsoft.com/office/drawing/2014/main" val="3057109674"/>
+                  </a:ext>
+                </a:extLst>
+              </a:tr>
+            </a:tbl>
+          </a:graphicData>
+        </a:graphic>
+      </p:graphicFrame>
+      <p:pic>
+        <p:nvPicPr>
+          <p:cNvPr id="8" name="그림 7">
+            <a:extLst>
+              <a:ext uri="{FF2B5EF4-FFF2-40B4-BE49-F238E27FC236}">
+                <a16:creationId xmlns:a16="http://schemas.microsoft.com/office/drawing/2014/main" id="{E44F4574-433F-4C09-B2A7-CE812B614145}"/>
+              </a:ext>
+            </a:extLst>
+          </p:cNvPr>
+          <p:cNvPicPr>
+            <a:picLocks noChangeAspect="1"/>
+          </p:cNvPicPr>
+          <p:nvPr/>
+        </p:nvPicPr>
+        <p:blipFill>
+          <a:blip r:embed="rId2">
+            <a:extLst>
+              <a:ext uri="{28A0092B-C50C-407E-A947-70E740481C1C}">
+                <a14:useLocalDpi xmlns:a14="http://schemas.microsoft.com/office/drawing/2010/main" val="0"/>
+              </a:ext>
+            </a:extLst>
+          </a:blip>
+          <a:stretch>
+            <a:fillRect/>
+          </a:stretch>
+        </p:blipFill>
+        <p:spPr>
+          <a:xfrm>
+            <a:off x="785570" y="1447569"/>
+            <a:ext cx="3204038" cy="4357274"/>
+          </a:xfrm>
+          <a:prstGeom prst="rect">
+            <a:avLst/>
+          </a:prstGeom>
+        </p:spPr>
+      </p:pic>
+    </p:spTree>
+    <p:extLst>
+      <p:ext uri="{BB962C8B-B14F-4D97-AF65-F5344CB8AC3E}">
+        <p14:creationId xmlns:p14="http://schemas.microsoft.com/office/powerpoint/2010/main" val="2522529148"/>
+      </p:ext>
+    </p:extLst>
+  </p:cSld>
+  <p:clrMapOvr>
+    <a:masterClrMapping/>
+  </p:clrMapOvr>
+</p:sld>
+</file>
+
+<file path=ppt/slides/slide9.xml><?xml version="1.0" encoding="utf-8"?>
+<p:sld xmlns:a="http://schemas.openxmlformats.org/drawingml/2006/main" xmlns:r="http://schemas.openxmlformats.org/officeDocument/2006/relationships" xmlns:p="http://schemas.openxmlformats.org/presentationml/2006/main">
+  <p:cSld>
+    <p:spTree>
+      <p:nvGrpSpPr>
+        <p:cNvPr id="1" name=""/>
+        <p:cNvGrpSpPr/>
+        <p:nvPr/>
+      </p:nvGrpSpPr>
+      <p:grpSpPr>
+        <a:xfrm>
+          <a:off x="0" y="0"/>
+          <a:ext cx="0" cy="0"/>
+          <a:chOff x="0" y="0"/>
+          <a:chExt cx="0" cy="0"/>
+        </a:xfrm>
+      </p:grpSpPr>
       <p:graphicFrame>
         <p:nvGraphicFramePr>
           <p:cNvPr id="4" name="표 3">
@@ -11778,13 +14349,13 @@
           <p:nvPr>
             <p:extLst>
               <p:ext uri="{D42A27DB-BD31-4B8C-83A1-F6EECF244321}">
-                <p14:modId xmlns:p14="http://schemas.microsoft.com/office/powerpoint/2010/main" val="1994458223"/>
+                <p14:modId xmlns:p14="http://schemas.microsoft.com/office/powerpoint/2010/main" val="773683193"/>
               </p:ext>
             </p:extLst>
           </p:nvPr>
         </p:nvGraphicFramePr>
         <p:xfrm>
-          <a:off x="1610994" y="2875336"/>
+          <a:off x="1610994" y="2148840"/>
           <a:ext cx="8970011" cy="2560320"/>
         </p:xfrm>
         <a:graphic>
@@ -12506,15 +15077,7 @@
             </a:pPr>
             <a:r>
               <a:rPr lang="ko-KR" altLang="en-US" dirty="0"/>
-              <a:t>수락 </a:t>
-            </a:r>
-            <a:r>
-              <a:rPr lang="en-US" altLang="ko-KR" dirty="0"/>
-              <a:t>&amp; </a:t>
-            </a:r>
-            <a:r>
-              <a:rPr lang="ko-KR" altLang="en-US" dirty="0"/>
-              <a:t>진행 세부 규칙</a:t>
+              <a:t>진행 규칙</a:t>
             </a:r>
           </a:p>
         </p:txBody>
@@ -12522,880 +15085,7 @@
     </p:spTree>
     <p:extLst>
       <p:ext uri="{BB962C8B-B14F-4D97-AF65-F5344CB8AC3E}">
-        <p14:creationId xmlns:p14="http://schemas.microsoft.com/office/powerpoint/2010/main" val="2522529148"/>
-      </p:ext>
-    </p:extLst>
-  </p:cSld>
-  <p:clrMapOvr>
-    <a:masterClrMapping/>
-  </p:clrMapOvr>
-</p:sld>
-</file>
-
-<file path=ppt/slides/slide9.xml><?xml version="1.0" encoding="utf-8"?>
-<p:sld xmlns:a="http://schemas.openxmlformats.org/drawingml/2006/main" xmlns:r="http://schemas.openxmlformats.org/officeDocument/2006/relationships" xmlns:p="http://schemas.openxmlformats.org/presentationml/2006/main">
-  <p:cSld>
-    <p:spTree>
-      <p:nvGrpSpPr>
-        <p:cNvPr id="1" name=""/>
-        <p:cNvGrpSpPr/>
-        <p:nvPr/>
-      </p:nvGrpSpPr>
-      <p:grpSpPr>
-        <a:xfrm>
-          <a:off x="0" y="0"/>
-          <a:ext cx="0" cy="0"/>
-          <a:chOff x="0" y="0"/>
-          <a:chExt cx="0" cy="0"/>
-        </a:xfrm>
-      </p:grpSpPr>
-      <p:graphicFrame>
-        <p:nvGraphicFramePr>
-          <p:cNvPr id="3" name="표 2">
-            <a:extLst>
-              <a:ext uri="{FF2B5EF4-FFF2-40B4-BE49-F238E27FC236}">
-                <a16:creationId xmlns:a16="http://schemas.microsoft.com/office/drawing/2014/main" id="{7858959D-94A3-438E-B5B6-A05808F4536A}"/>
-              </a:ext>
-            </a:extLst>
-          </p:cNvPr>
-          <p:cNvGraphicFramePr>
-            <a:graphicFrameLocks noGrp="1"/>
-          </p:cNvGraphicFramePr>
-          <p:nvPr>
-            <p:extLst>
-              <p:ext uri="{D42A27DB-BD31-4B8C-83A1-F6EECF244321}">
-                <p14:modId xmlns:p14="http://schemas.microsoft.com/office/powerpoint/2010/main" val="3048616930"/>
-              </p:ext>
-            </p:extLst>
-          </p:nvPr>
-        </p:nvGraphicFramePr>
-        <p:xfrm>
-          <a:off x="1610994" y="1502200"/>
-          <a:ext cx="8970011" cy="2225040"/>
-        </p:xfrm>
-        <a:graphic>
-          <a:graphicData uri="http://schemas.openxmlformats.org/drawingml/2006/table">
-            <a:tbl>
-              <a:tblPr firstRow="1" bandRow="1">
-                <a:tableStyleId>{5C22544A-7EE6-4342-B048-85BDC9FD1C3A}</a:tableStyleId>
-              </a:tblPr>
-              <a:tblGrid>
-                <a:gridCol w="721043">
-                  <a:extLst>
-                    <a:ext uri="{9D8B030D-6E8A-4147-A177-3AD203B41FA5}">
-                      <a16:colId xmlns:a16="http://schemas.microsoft.com/office/drawing/2014/main" val="2985730691"/>
-                    </a:ext>
-                  </a:extLst>
-                </a:gridCol>
-                <a:gridCol w="8248968">
-                  <a:extLst>
-                    <a:ext uri="{9D8B030D-6E8A-4147-A177-3AD203B41FA5}">
-                      <a16:colId xmlns:a16="http://schemas.microsoft.com/office/drawing/2014/main" val="4067130978"/>
-                    </a:ext>
-                  </a:extLst>
-                </a:gridCol>
-              </a:tblGrid>
-              <a:tr h="370840">
-                <a:tc gridSpan="2">
-                  <a:txBody>
-                    <a:bodyPr/>
-                    <a:lstStyle/>
-                    <a:p>
-                      <a:pPr latinLnBrk="1"/>
-                      <a:r>
-                        <a:rPr lang="ko-KR" altLang="en-US" b="0" dirty="0">
-                          <a:solidFill>
-                            <a:schemeClr val="tx1"/>
-                          </a:solidFill>
-                        </a:rPr>
-                        <a:t>완료</a:t>
-                      </a:r>
-                    </a:p>
-                  </a:txBody>
-                  <a:tcPr>
-                    <a:lnL w="12700" cap="flat" cmpd="sng" algn="ctr">
-                      <a:noFill/>
-                      <a:prstDash val="solid"/>
-                      <a:round/>
-                      <a:headEnd type="none" w="med" len="med"/>
-                      <a:tailEnd type="none" w="med" len="med"/>
-                    </a:lnL>
-                    <a:lnR w="12700" cap="flat" cmpd="sng" algn="ctr">
-                      <a:noFill/>
-                      <a:prstDash val="solid"/>
-                      <a:round/>
-                      <a:headEnd type="none" w="med" len="med"/>
-                      <a:tailEnd type="none" w="med" len="med"/>
-                    </a:lnR>
-                    <a:lnT w="12700" cap="flat" cmpd="sng" algn="ctr">
-                      <a:noFill/>
-                      <a:prstDash val="solid"/>
-                      <a:round/>
-                      <a:headEnd type="none" w="med" len="med"/>
-                      <a:tailEnd type="none" w="med" len="med"/>
-                    </a:lnT>
-                    <a:lnB w="12700" cap="flat" cmpd="sng" algn="ctr">
-                      <a:solidFill>
-                        <a:schemeClr val="tx1"/>
-                      </a:solidFill>
-                      <a:prstDash val="solid"/>
-                      <a:round/>
-                      <a:headEnd type="none" w="med" len="med"/>
-                      <a:tailEnd type="none" w="med" len="med"/>
-                    </a:lnB>
-                    <a:lnTlToBr w="12700" cmpd="sng">
-                      <a:noFill/>
-                      <a:prstDash val="solid"/>
-                    </a:lnTlToBr>
-                    <a:lnBlToTr w="12700" cmpd="sng">
-                      <a:noFill/>
-                      <a:prstDash val="solid"/>
-                    </a:lnBlToTr>
-                    <a:solidFill>
-                      <a:schemeClr val="bg1">
-                        <a:lumMod val="95000"/>
-                      </a:schemeClr>
-                    </a:solidFill>
-                  </a:tcPr>
-                </a:tc>
-                <a:tc hMerge="1">
-                  <a:txBody>
-                    <a:bodyPr/>
-                    <a:lstStyle/>
-                    <a:p>
-                      <a:pPr latinLnBrk="1"/>
-                      <a:endParaRPr lang="ko-KR" altLang="en-US"/>
-                    </a:p>
-                  </a:txBody>
-                  <a:tcPr/>
-                </a:tc>
-                <a:extLst>
-                  <a:ext uri="{0D108BD9-81ED-4DB2-BD59-A6C34878D82A}">
-                    <a16:rowId xmlns:a16="http://schemas.microsoft.com/office/drawing/2014/main" val="4232510737"/>
-                  </a:ext>
-                </a:extLst>
-              </a:tr>
-              <a:tr h="370840">
-                <a:tc>
-                  <a:txBody>
-                    <a:bodyPr/>
-                    <a:lstStyle/>
-                    <a:p>
-                      <a:pPr latinLnBrk="1"/>
-                      <a:r>
-                        <a:rPr lang="ko-KR" altLang="en-US" b="0" dirty="0">
-                          <a:solidFill>
-                            <a:schemeClr val="tx1"/>
-                          </a:solidFill>
-                        </a:rPr>
-                        <a:t>자동</a:t>
-                      </a:r>
-                    </a:p>
-                  </a:txBody>
-                  <a:tcPr>
-                    <a:lnL w="12700" cap="flat" cmpd="sng" algn="ctr">
-                      <a:noFill/>
-                      <a:prstDash val="solid"/>
-                      <a:round/>
-                      <a:headEnd type="none" w="med" len="med"/>
-                      <a:tailEnd type="none" w="med" len="med"/>
-                    </a:lnL>
-                    <a:lnR w="12700" cap="flat" cmpd="sng" algn="ctr">
-                      <a:solidFill>
-                        <a:schemeClr val="tx1"/>
-                      </a:solidFill>
-                      <a:prstDash val="solid"/>
-                      <a:round/>
-                      <a:headEnd type="none" w="med" len="med"/>
-                      <a:tailEnd type="none" w="med" len="med"/>
-                    </a:lnR>
-                    <a:lnT w="12700" cap="flat" cmpd="sng" algn="ctr">
-                      <a:solidFill>
-                        <a:schemeClr val="tx1"/>
-                      </a:solidFill>
-                      <a:prstDash val="solid"/>
-                      <a:round/>
-                      <a:headEnd type="none" w="med" len="med"/>
-                      <a:tailEnd type="none" w="med" len="med"/>
-                    </a:lnT>
-                    <a:lnB w="12700" cap="flat" cmpd="sng" algn="ctr">
-                      <a:solidFill>
-                        <a:schemeClr val="tx1"/>
-                      </a:solidFill>
-                      <a:prstDash val="solid"/>
-                      <a:round/>
-                      <a:headEnd type="none" w="med" len="med"/>
-                      <a:tailEnd type="none" w="med" len="med"/>
-                    </a:lnB>
-                    <a:lnTlToBr w="12700" cmpd="sng">
-                      <a:noFill/>
-                      <a:prstDash val="solid"/>
-                    </a:lnTlToBr>
-                    <a:lnBlToTr w="12700" cmpd="sng">
-                      <a:noFill/>
-                      <a:prstDash val="solid"/>
-                    </a:lnBlToTr>
-                    <a:noFill/>
-                  </a:tcPr>
-                </a:tc>
-                <a:tc>
-                  <a:txBody>
-                    <a:bodyPr/>
-                    <a:lstStyle/>
-                    <a:p>
-                      <a:pPr latinLnBrk="1"/>
-                      <a:r>
-                        <a:rPr lang="ko-KR" altLang="en-US" sz="1800" b="0" dirty="0">
-                          <a:solidFill>
-                            <a:schemeClr val="tx1"/>
-                          </a:solidFill>
-                        </a:rPr>
-                        <a:t>퀘스트 목표 달성 시 자동 완료 </a:t>
-                      </a:r>
-                      <a:endParaRPr lang="en-US" altLang="ko-KR" sz="1800" b="0" dirty="0">
-                        <a:solidFill>
-                          <a:schemeClr val="tx1"/>
-                        </a:solidFill>
-                      </a:endParaRPr>
-                    </a:p>
-                  </a:txBody>
-                  <a:tcPr anchor="ctr">
-                    <a:lnL w="12700" cap="flat" cmpd="sng" algn="ctr">
-                      <a:solidFill>
-                        <a:schemeClr val="tx1"/>
-                      </a:solidFill>
-                      <a:prstDash val="solid"/>
-                      <a:round/>
-                      <a:headEnd type="none" w="med" len="med"/>
-                      <a:tailEnd type="none" w="med" len="med"/>
-                    </a:lnL>
-                    <a:lnR w="12700" cap="flat" cmpd="sng" algn="ctr">
-                      <a:noFill/>
-                      <a:prstDash val="solid"/>
-                      <a:round/>
-                      <a:headEnd type="none" w="med" len="med"/>
-                      <a:tailEnd type="none" w="med" len="med"/>
-                    </a:lnR>
-                    <a:lnT w="12700" cap="flat" cmpd="sng" algn="ctr">
-                      <a:solidFill>
-                        <a:schemeClr val="tx1"/>
-                      </a:solidFill>
-                      <a:prstDash val="solid"/>
-                      <a:round/>
-                      <a:headEnd type="none" w="med" len="med"/>
-                      <a:tailEnd type="none" w="med" len="med"/>
-                    </a:lnT>
-                    <a:lnB w="12700" cap="flat" cmpd="sng" algn="ctr">
-                      <a:solidFill>
-                        <a:schemeClr val="tx1"/>
-                      </a:solidFill>
-                      <a:prstDash val="solid"/>
-                      <a:round/>
-                      <a:headEnd type="none" w="med" len="med"/>
-                      <a:tailEnd type="none" w="med" len="med"/>
-                    </a:lnB>
-                    <a:lnTlToBr w="12700" cmpd="sng">
-                      <a:noFill/>
-                      <a:prstDash val="solid"/>
-                    </a:lnTlToBr>
-                    <a:lnBlToTr w="12700" cmpd="sng">
-                      <a:noFill/>
-                      <a:prstDash val="solid"/>
-                    </a:lnBlToTr>
-                    <a:noFill/>
-                  </a:tcPr>
-                </a:tc>
-                <a:extLst>
-                  <a:ext uri="{0D108BD9-81ED-4DB2-BD59-A6C34878D82A}">
-                    <a16:rowId xmlns:a16="http://schemas.microsoft.com/office/drawing/2014/main" val="3988176277"/>
-                  </a:ext>
-                </a:extLst>
-              </a:tr>
-              <a:tr h="370840">
-                <a:tc>
-                  <a:txBody>
-                    <a:bodyPr/>
-                    <a:lstStyle/>
-                    <a:p>
-                      <a:pPr latinLnBrk="1"/>
-                      <a:r>
-                        <a:rPr lang="ko-KR" altLang="en-US" b="0" dirty="0">
-                          <a:solidFill>
-                            <a:schemeClr val="tx1"/>
-                          </a:solidFill>
-                        </a:rPr>
-                        <a:t>수동</a:t>
-                      </a:r>
-                    </a:p>
-                  </a:txBody>
-                  <a:tcPr>
-                    <a:lnL w="12700" cap="flat" cmpd="sng" algn="ctr">
-                      <a:noFill/>
-                      <a:prstDash val="solid"/>
-                      <a:round/>
-                      <a:headEnd type="none" w="med" len="med"/>
-                      <a:tailEnd type="none" w="med" len="med"/>
-                    </a:lnL>
-                    <a:lnR w="12700" cap="flat" cmpd="sng" algn="ctr">
-                      <a:solidFill>
-                        <a:schemeClr val="tx1"/>
-                      </a:solidFill>
-                      <a:prstDash val="solid"/>
-                      <a:round/>
-                      <a:headEnd type="none" w="med" len="med"/>
-                      <a:tailEnd type="none" w="med" len="med"/>
-                    </a:lnR>
-                    <a:lnT w="12700" cap="flat" cmpd="sng" algn="ctr">
-                      <a:solidFill>
-                        <a:schemeClr val="tx1"/>
-                      </a:solidFill>
-                      <a:prstDash val="solid"/>
-                      <a:round/>
-                      <a:headEnd type="none" w="med" len="med"/>
-                      <a:tailEnd type="none" w="med" len="med"/>
-                    </a:lnT>
-                    <a:lnB w="12700" cap="flat" cmpd="sng" algn="ctr">
-                      <a:solidFill>
-                        <a:schemeClr val="tx1"/>
-                      </a:solidFill>
-                      <a:prstDash val="solid"/>
-                      <a:round/>
-                      <a:headEnd type="none" w="med" len="med"/>
-                      <a:tailEnd type="none" w="med" len="med"/>
-                    </a:lnB>
-                    <a:lnTlToBr w="12700" cmpd="sng">
-                      <a:noFill/>
-                      <a:prstDash val="solid"/>
-                    </a:lnTlToBr>
-                    <a:lnBlToTr w="12700" cmpd="sng">
-                      <a:noFill/>
-                      <a:prstDash val="solid"/>
-                    </a:lnBlToTr>
-                    <a:noFill/>
-                  </a:tcPr>
-                </a:tc>
-                <a:tc>
-                  <a:txBody>
-                    <a:bodyPr/>
-                    <a:lstStyle/>
-                    <a:p>
-                      <a:pPr marL="0" marR="0" lvl="0" indent="0" algn="l" defTabSz="914400" rtl="0" eaLnBrk="1" fontAlgn="auto" latinLnBrk="1" hangingPunct="1">
-                        <a:lnSpc>
-                          <a:spcPct val="100000"/>
-                        </a:lnSpc>
-                        <a:spcBef>
-                          <a:spcPts val="0"/>
-                        </a:spcBef>
-                        <a:spcAft>
-                          <a:spcPts val="0"/>
-                        </a:spcAft>
-                        <a:buClrTx/>
-                        <a:buSzTx/>
-                        <a:buFontTx/>
-                        <a:buNone/>
-                        <a:tabLst/>
-                        <a:defRPr/>
-                      </a:pPr>
-                      <a:r>
-                        <a:rPr lang="ko-KR" altLang="en-US" sz="1800" b="0" dirty="0">
-                          <a:solidFill>
-                            <a:schemeClr val="tx1"/>
-                          </a:solidFill>
-                        </a:rPr>
-                        <a:t>퀘스트 목표 달성 후 </a:t>
-                      </a:r>
-                      <a:r>
-                        <a:rPr lang="en-US" altLang="ko-KR" sz="1800" b="0" dirty="0">
-                          <a:solidFill>
-                            <a:schemeClr val="tx1"/>
-                          </a:solidFill>
-                        </a:rPr>
-                        <a:t>NPC, </a:t>
-                      </a:r>
-                      <a:r>
-                        <a:rPr lang="ko-KR" altLang="en-US" sz="1800" b="0" dirty="0">
-                          <a:solidFill>
-                            <a:schemeClr val="tx1"/>
-                          </a:solidFill>
-                        </a:rPr>
-                        <a:t>오브젝트와 상호작용하여 완료</a:t>
-                      </a:r>
-                    </a:p>
-                  </a:txBody>
-                  <a:tcPr anchor="ctr">
-                    <a:lnL w="12700" cap="flat" cmpd="sng" algn="ctr">
-                      <a:solidFill>
-                        <a:schemeClr val="tx1"/>
-                      </a:solidFill>
-                      <a:prstDash val="solid"/>
-                      <a:round/>
-                      <a:headEnd type="none" w="med" len="med"/>
-                      <a:tailEnd type="none" w="med" len="med"/>
-                    </a:lnL>
-                    <a:lnR w="12700" cap="flat" cmpd="sng" algn="ctr">
-                      <a:noFill/>
-                      <a:prstDash val="solid"/>
-                      <a:round/>
-                      <a:headEnd type="none" w="med" len="med"/>
-                      <a:tailEnd type="none" w="med" len="med"/>
-                    </a:lnR>
-                    <a:lnT w="12700" cap="flat" cmpd="sng" algn="ctr">
-                      <a:solidFill>
-                        <a:schemeClr val="tx1"/>
-                      </a:solidFill>
-                      <a:prstDash val="solid"/>
-                      <a:round/>
-                      <a:headEnd type="none" w="med" len="med"/>
-                      <a:tailEnd type="none" w="med" len="med"/>
-                    </a:lnT>
-                    <a:lnB w="12700" cap="flat" cmpd="sng" algn="ctr">
-                      <a:solidFill>
-                        <a:schemeClr val="tx1"/>
-                      </a:solidFill>
-                      <a:prstDash val="solid"/>
-                      <a:round/>
-                      <a:headEnd type="none" w="med" len="med"/>
-                      <a:tailEnd type="none" w="med" len="med"/>
-                    </a:lnB>
-                    <a:lnTlToBr w="12700" cmpd="sng">
-                      <a:noFill/>
-                      <a:prstDash val="solid"/>
-                    </a:lnTlToBr>
-                    <a:lnBlToTr w="12700" cmpd="sng">
-                      <a:noFill/>
-                      <a:prstDash val="solid"/>
-                    </a:lnBlToTr>
-                    <a:noFill/>
-                  </a:tcPr>
-                </a:tc>
-                <a:extLst>
-                  <a:ext uri="{0D108BD9-81ED-4DB2-BD59-A6C34878D82A}">
-                    <a16:rowId xmlns:a16="http://schemas.microsoft.com/office/drawing/2014/main" val="2317482956"/>
-                  </a:ext>
-                </a:extLst>
-              </a:tr>
-              <a:tr h="370840">
-                <a:tc gridSpan="2">
-                  <a:txBody>
-                    <a:bodyPr/>
-                    <a:lstStyle/>
-                    <a:p>
-                      <a:pPr latinLnBrk="1"/>
-                      <a:r>
-                        <a:rPr lang="ko-KR" altLang="en-US" b="0" dirty="0">
-                          <a:solidFill>
-                            <a:schemeClr val="tx1"/>
-                          </a:solidFill>
-                        </a:rPr>
-                        <a:t>퀘스트 보상은 경험치</a:t>
-                      </a:r>
-                      <a:r>
-                        <a:rPr lang="en-US" altLang="ko-KR" b="0" dirty="0">
-                          <a:solidFill>
-                            <a:schemeClr val="tx1"/>
-                          </a:solidFill>
-                        </a:rPr>
-                        <a:t>, </a:t>
-                      </a:r>
-                      <a:r>
-                        <a:rPr lang="ko-KR" altLang="en-US" b="0" dirty="0">
-                          <a:solidFill>
-                            <a:schemeClr val="tx1"/>
-                          </a:solidFill>
-                        </a:rPr>
-                        <a:t>게임 재화</a:t>
-                      </a:r>
-                      <a:r>
-                        <a:rPr lang="en-US" altLang="ko-KR" b="0" dirty="0">
-                          <a:solidFill>
-                            <a:schemeClr val="tx1"/>
-                          </a:solidFill>
-                        </a:rPr>
-                        <a:t>, </a:t>
-                      </a:r>
-                      <a:r>
-                        <a:rPr lang="ko-KR" altLang="en-US" b="0" dirty="0">
-                          <a:solidFill>
-                            <a:schemeClr val="tx1"/>
-                          </a:solidFill>
-                        </a:rPr>
-                        <a:t>아이템 </a:t>
-                      </a:r>
-                      <a:r>
-                        <a:rPr lang="en-US" altLang="ko-KR" b="0" dirty="0">
-                          <a:solidFill>
-                            <a:schemeClr val="tx1"/>
-                          </a:solidFill>
-                        </a:rPr>
-                        <a:t>3</a:t>
-                      </a:r>
-                      <a:r>
-                        <a:rPr lang="ko-KR" altLang="en-US" b="0" dirty="0">
-                          <a:solidFill>
-                            <a:schemeClr val="tx1"/>
-                          </a:solidFill>
-                        </a:rPr>
-                        <a:t>종류가 존재</a:t>
-                      </a:r>
-                      <a:endParaRPr lang="en-US" altLang="ko-KR" b="0" dirty="0">
-                        <a:solidFill>
-                          <a:schemeClr val="tx1"/>
-                        </a:solidFill>
-                      </a:endParaRPr>
-                    </a:p>
-                  </a:txBody>
-                  <a:tcPr>
-                    <a:lnL w="12700" cap="flat" cmpd="sng" algn="ctr">
-                      <a:noFill/>
-                      <a:prstDash val="solid"/>
-                      <a:round/>
-                      <a:headEnd type="none" w="med" len="med"/>
-                      <a:tailEnd type="none" w="med" len="med"/>
-                    </a:lnL>
-                    <a:lnR w="12700" cap="flat" cmpd="sng" algn="ctr">
-                      <a:noFill/>
-                      <a:prstDash val="solid"/>
-                      <a:round/>
-                      <a:headEnd type="none" w="med" len="med"/>
-                      <a:tailEnd type="none" w="med" len="med"/>
-                    </a:lnR>
-                    <a:lnT w="12700" cap="flat" cmpd="sng" algn="ctr">
-                      <a:solidFill>
-                        <a:schemeClr val="tx1"/>
-                      </a:solidFill>
-                      <a:prstDash val="solid"/>
-                      <a:round/>
-                      <a:headEnd type="none" w="med" len="med"/>
-                      <a:tailEnd type="none" w="med" len="med"/>
-                    </a:lnT>
-                    <a:lnB w="12700" cap="flat" cmpd="sng" algn="ctr">
-                      <a:solidFill>
-                        <a:schemeClr val="tx1"/>
-                      </a:solidFill>
-                      <a:prstDash val="solid"/>
-                      <a:round/>
-                      <a:headEnd type="none" w="med" len="med"/>
-                      <a:tailEnd type="none" w="med" len="med"/>
-                    </a:lnB>
-                    <a:lnTlToBr w="12700" cmpd="sng">
-                      <a:noFill/>
-                      <a:prstDash val="solid"/>
-                    </a:lnTlToBr>
-                    <a:lnBlToTr w="12700" cmpd="sng">
-                      <a:noFill/>
-                      <a:prstDash val="solid"/>
-                    </a:lnBlToTr>
-                    <a:noFill/>
-                  </a:tcPr>
-                </a:tc>
-                <a:tc hMerge="1">
-                  <a:txBody>
-                    <a:bodyPr/>
-                    <a:lstStyle/>
-                    <a:p>
-                      <a:pPr latinLnBrk="1"/>
-                      <a:endParaRPr lang="ko-KR" altLang="en-US"/>
-                    </a:p>
-                  </a:txBody>
-                  <a:tcPr/>
-                </a:tc>
-                <a:extLst>
-                  <a:ext uri="{0D108BD9-81ED-4DB2-BD59-A6C34878D82A}">
-                    <a16:rowId xmlns:a16="http://schemas.microsoft.com/office/drawing/2014/main" val="727125318"/>
-                  </a:ext>
-                </a:extLst>
-              </a:tr>
-              <a:tr h="370840">
-                <a:tc gridSpan="2">
-                  <a:txBody>
-                    <a:bodyPr/>
-                    <a:lstStyle/>
-                    <a:p>
-                      <a:pPr latinLnBrk="1"/>
-                      <a:r>
-                        <a:rPr lang="ko-KR" altLang="en-US" b="0" dirty="0">
-                          <a:solidFill>
-                            <a:schemeClr val="tx1"/>
-                          </a:solidFill>
-                        </a:rPr>
-                        <a:t>아이템 보상은 최대 </a:t>
-                      </a:r>
-                      <a:r>
-                        <a:rPr lang="en-US" altLang="ko-KR" b="0" dirty="0">
-                          <a:solidFill>
-                            <a:schemeClr val="tx1"/>
-                          </a:solidFill>
-                        </a:rPr>
-                        <a:t>8</a:t>
-                      </a:r>
-                      <a:r>
-                        <a:rPr lang="ko-KR" altLang="en-US" b="0" dirty="0">
-                          <a:solidFill>
-                            <a:schemeClr val="tx1"/>
-                          </a:solidFill>
-                        </a:rPr>
-                        <a:t>종류</a:t>
-                      </a:r>
-                      <a:r>
-                        <a:rPr lang="en-US" altLang="ko-KR" b="0" dirty="0">
-                          <a:solidFill>
-                            <a:schemeClr val="tx1"/>
-                          </a:solidFill>
-                        </a:rPr>
-                        <a:t>, </a:t>
-                      </a:r>
-                      <a:r>
-                        <a:rPr lang="ko-KR" altLang="en-US" b="0" dirty="0">
-                          <a:solidFill>
-                            <a:schemeClr val="tx1"/>
-                          </a:solidFill>
-                        </a:rPr>
-                        <a:t>한 종류 당 최대 </a:t>
-                      </a:r>
-                      <a:r>
-                        <a:rPr lang="en-US" altLang="ko-KR" b="0" dirty="0">
-                          <a:solidFill>
-                            <a:schemeClr val="tx1"/>
-                          </a:solidFill>
-                        </a:rPr>
-                        <a:t>999</a:t>
-                      </a:r>
-                      <a:r>
-                        <a:rPr lang="ko-KR" altLang="en-US" b="0" dirty="0">
-                          <a:solidFill>
-                            <a:schemeClr val="tx1"/>
-                          </a:solidFill>
-                        </a:rPr>
-                        <a:t>개 까지 지급</a:t>
-                      </a:r>
-                      <a:endParaRPr lang="en-US" altLang="ko-KR" b="0" dirty="0">
-                        <a:solidFill>
-                          <a:schemeClr val="tx1"/>
-                        </a:solidFill>
-                      </a:endParaRPr>
-                    </a:p>
-                  </a:txBody>
-                  <a:tcPr>
-                    <a:lnL w="12700" cap="flat" cmpd="sng" algn="ctr">
-                      <a:noFill/>
-                      <a:prstDash val="solid"/>
-                      <a:round/>
-                      <a:headEnd type="none" w="med" len="med"/>
-                      <a:tailEnd type="none" w="med" len="med"/>
-                    </a:lnL>
-                    <a:lnR w="12700" cap="flat" cmpd="sng" algn="ctr">
-                      <a:noFill/>
-                      <a:prstDash val="solid"/>
-                      <a:round/>
-                      <a:headEnd type="none" w="med" len="med"/>
-                      <a:tailEnd type="none" w="med" len="med"/>
-                    </a:lnR>
-                    <a:lnT w="12700" cap="flat" cmpd="sng" algn="ctr">
-                      <a:solidFill>
-                        <a:schemeClr val="tx1"/>
-                      </a:solidFill>
-                      <a:prstDash val="solid"/>
-                      <a:round/>
-                      <a:headEnd type="none" w="med" len="med"/>
-                      <a:tailEnd type="none" w="med" len="med"/>
-                    </a:lnT>
-                    <a:lnB w="12700" cap="flat" cmpd="sng" algn="ctr">
-                      <a:solidFill>
-                        <a:schemeClr val="tx1"/>
-                      </a:solidFill>
-                      <a:prstDash val="solid"/>
-                      <a:round/>
-                      <a:headEnd type="none" w="med" len="med"/>
-                      <a:tailEnd type="none" w="med" len="med"/>
-                    </a:lnB>
-                    <a:lnTlToBr w="12700" cmpd="sng">
-                      <a:noFill/>
-                      <a:prstDash val="solid"/>
-                    </a:lnTlToBr>
-                    <a:lnBlToTr w="12700" cmpd="sng">
-                      <a:noFill/>
-                      <a:prstDash val="solid"/>
-                    </a:lnBlToTr>
-                    <a:noFill/>
-                  </a:tcPr>
-                </a:tc>
-                <a:tc hMerge="1">
-                  <a:txBody>
-                    <a:bodyPr/>
-                    <a:lstStyle/>
-                    <a:p>
-                      <a:pPr latinLnBrk="1"/>
-                      <a:endParaRPr lang="ko-KR" altLang="en-US"/>
-                    </a:p>
-                  </a:txBody>
-                  <a:tcPr/>
-                </a:tc>
-                <a:extLst>
-                  <a:ext uri="{0D108BD9-81ED-4DB2-BD59-A6C34878D82A}">
-                    <a16:rowId xmlns:a16="http://schemas.microsoft.com/office/drawing/2014/main" val="2075818999"/>
-                  </a:ext>
-                </a:extLst>
-              </a:tr>
-              <a:tr h="370840">
-                <a:tc gridSpan="2">
-                  <a:txBody>
-                    <a:bodyPr/>
-                    <a:lstStyle/>
-                    <a:p>
-                      <a:pPr latinLnBrk="1"/>
-                      <a:r>
-                        <a:rPr lang="en-US" altLang="ko-KR" b="0" dirty="0">
-                          <a:solidFill>
-                            <a:schemeClr val="tx1"/>
-                          </a:solidFill>
-                        </a:rPr>
-                        <a:t>PC</a:t>
-                      </a:r>
-                      <a:r>
-                        <a:rPr lang="ko-KR" altLang="en-US" b="0" dirty="0">
-                          <a:solidFill>
-                            <a:schemeClr val="tx1"/>
-                          </a:solidFill>
-                        </a:rPr>
-                        <a:t>에 인벤토리에 보상을 받을 공간이 없을 경우 완료 보류</a:t>
-                      </a:r>
-                      <a:endParaRPr lang="en-US" altLang="ko-KR" b="0" dirty="0">
-                        <a:solidFill>
-                          <a:schemeClr val="tx1"/>
-                        </a:solidFill>
-                      </a:endParaRPr>
-                    </a:p>
-                  </a:txBody>
-                  <a:tcPr>
-                    <a:lnL w="12700" cap="flat" cmpd="sng" algn="ctr">
-                      <a:noFill/>
-                      <a:prstDash val="solid"/>
-                      <a:round/>
-                      <a:headEnd type="none" w="med" len="med"/>
-                      <a:tailEnd type="none" w="med" len="med"/>
-                    </a:lnL>
-                    <a:lnR w="12700" cap="flat" cmpd="sng" algn="ctr">
-                      <a:noFill/>
-                      <a:prstDash val="solid"/>
-                      <a:round/>
-                      <a:headEnd type="none" w="med" len="med"/>
-                      <a:tailEnd type="none" w="med" len="med"/>
-                    </a:lnR>
-                    <a:lnT w="12700" cap="flat" cmpd="sng" algn="ctr">
-                      <a:solidFill>
-                        <a:schemeClr val="tx1"/>
-                      </a:solidFill>
-                      <a:prstDash val="solid"/>
-                      <a:round/>
-                      <a:headEnd type="none" w="med" len="med"/>
-                      <a:tailEnd type="none" w="med" len="med"/>
-                    </a:lnT>
-                    <a:lnB w="12700" cap="flat" cmpd="sng" algn="ctr">
-                      <a:noFill/>
-                      <a:prstDash val="solid"/>
-                      <a:round/>
-                      <a:headEnd type="none" w="med" len="med"/>
-                      <a:tailEnd type="none" w="med" len="med"/>
-                    </a:lnB>
-                    <a:lnTlToBr w="12700" cmpd="sng">
-                      <a:noFill/>
-                      <a:prstDash val="solid"/>
-                    </a:lnTlToBr>
-                    <a:lnBlToTr w="12700" cmpd="sng">
-                      <a:noFill/>
-                      <a:prstDash val="solid"/>
-                    </a:lnBlToTr>
-                    <a:noFill/>
-                  </a:tcPr>
-                </a:tc>
-                <a:tc hMerge="1">
-                  <a:txBody>
-                    <a:bodyPr/>
-                    <a:lstStyle/>
-                    <a:p>
-                      <a:pPr latinLnBrk="1"/>
-                      <a:endParaRPr lang="ko-KR" altLang="en-US"/>
-                    </a:p>
-                  </a:txBody>
-                  <a:tcPr/>
-                </a:tc>
-                <a:extLst>
-                  <a:ext uri="{0D108BD9-81ED-4DB2-BD59-A6C34878D82A}">
-                    <a16:rowId xmlns:a16="http://schemas.microsoft.com/office/drawing/2014/main" val="2664984748"/>
-                  </a:ext>
-                </a:extLst>
-              </a:tr>
-            </a:tbl>
-          </a:graphicData>
-        </a:graphic>
-      </p:graphicFrame>
-      <p:sp>
-        <p:nvSpPr>
-          <p:cNvPr id="5" name="Rect 0">
-            <a:extLst>
-              <a:ext uri="{FF2B5EF4-FFF2-40B4-BE49-F238E27FC236}">
-                <a16:creationId xmlns:a16="http://schemas.microsoft.com/office/drawing/2014/main" id="{973C568C-0574-430B-948F-BD8DC31E2883}"/>
-              </a:ext>
-            </a:extLst>
-          </p:cNvPr>
-          <p:cNvSpPr txBox="1">
-            <a:spLocks/>
-          </p:cNvSpPr>
-          <p:nvPr/>
-        </p:nvSpPr>
-        <p:spPr>
-          <a:xfrm>
-            <a:off x="695325" y="292100"/>
-            <a:ext cx="10801985" cy="862330"/>
-          </a:xfrm>
-          <a:prstGeom prst="rect">
-            <a:avLst/>
-          </a:prstGeom>
-        </p:spPr>
-        <p:txBody>
-          <a:bodyPr vert="horz" wrap="square" lIns="91440" tIns="45720" rIns="91440" bIns="45720" numCol="1" anchor="ctr">
-            <a:normAutofit/>
-          </a:bodyPr>
-          <a:lstStyle>
-            <a:lvl1pPr marL="0" indent="0" algn="l" defTabSz="914400" rtl="0" eaLnBrk="1" latinLnBrk="1" hangingPunct="1">
-              <a:lnSpc>
-                <a:spcPct val="90000"/>
-              </a:lnSpc>
-              <a:spcBef>
-                <a:spcPct val="0"/>
-              </a:spcBef>
-              <a:buFontTx/>
-              <a:buNone/>
-              <a:defRPr lang="en-GB" altLang="en-US" sz="4400">
-                <a:solidFill>
-                  <a:schemeClr val="tx1"/>
-                </a:solidFill>
-                <a:latin typeface="+mj-lt"/>
-                <a:ea typeface="+mj-ea"/>
-                <a:cs typeface="+mj-cs"/>
-              </a:defRPr>
-            </a:lvl1pPr>
-          </a:lstStyle>
-          <a:p>
-            <a:pPr marL="0" indent="0" latinLnBrk="0">
-              <a:buFontTx/>
-              <a:buNone/>
-            </a:pPr>
-            <a:r>
-              <a:rPr lang="ko-KR" altLang="en-US"/>
-              <a:t>완료 세부 </a:t>
-            </a:r>
-            <a:r>
-              <a:rPr lang="ko-KR" altLang="en-US" dirty="0"/>
-              <a:t>규칙</a:t>
-            </a:r>
-          </a:p>
-        </p:txBody>
-      </p:sp>
-    </p:spTree>
-    <p:extLst>
-      <p:ext uri="{BB962C8B-B14F-4D97-AF65-F5344CB8AC3E}">
-        <p14:creationId xmlns:p14="http://schemas.microsoft.com/office/powerpoint/2010/main" val="1297590142"/>
+        <p14:creationId xmlns:p14="http://schemas.microsoft.com/office/powerpoint/2010/main" val="1793309037"/>
       </p:ext>
     </p:extLst>
   </p:cSld>

--- a/기획/방랑엽사전/퀘스트 시스템 기획서.pptx
+++ b/기획/방랑엽사전/퀘스트 시스템 기획서.pptx
@@ -5,7 +5,7 @@
     <p:sldMasterId id="2147483684" r:id="rId1"/>
   </p:sldMasterIdLst>
   <p:notesMasterIdLst>
-    <p:notesMasterId r:id="rId16"/>
+    <p:notesMasterId r:id="rId13"/>
   </p:notesMasterIdLst>
   <p:sldIdLst>
     <p:sldId id="258" r:id="rId2"/>
@@ -17,11 +17,8 @@
     <p:sldId id="277" r:id="rId8"/>
     <p:sldId id="274" r:id="rId9"/>
     <p:sldId id="278" r:id="rId10"/>
-    <p:sldId id="280" r:id="rId11"/>
-    <p:sldId id="283" r:id="rId12"/>
-    <p:sldId id="275" r:id="rId13"/>
-    <p:sldId id="279" r:id="rId14"/>
-    <p:sldId id="267" r:id="rId15"/>
+    <p:sldId id="275" r:id="rId11"/>
+    <p:sldId id="267" r:id="rId12"/>
   </p:sldIdLst>
   <p:sldSz cx="12192000" cy="6858000"/>
   <p:notesSz cx="6858000" cy="9144000"/>
@@ -258,7 +255,7 @@
           <a:p>
             <a:fld id="{C8649E71-8129-4905-BAC0-51D65A0C1379}" type="datetimeFigureOut">
               <a:rPr lang="ko-KR" altLang="en-US" smtClean="0"/>
-              <a:t>2024-01-15</a:t>
+              <a:t>2024-01-16</a:t>
             </a:fld>
             <a:endParaRPr lang="ko-KR" altLang="en-US"/>
           </a:p>
@@ -756,7 +753,7 @@
           <a:p>
             <a:fld id="{523D6941-6B33-4834-BC65-A333846D27E6}" type="datetimeFigureOut">
               <a:rPr lang="ko-KR" altLang="en-US" smtClean="0"/>
-              <a:t>2024-01-15</a:t>
+              <a:t>2024-01-16</a:t>
             </a:fld>
             <a:endParaRPr lang="ko-KR" altLang="en-US"/>
           </a:p>
@@ -954,7 +951,7 @@
           <a:p>
             <a:fld id="{523D6941-6B33-4834-BC65-A333846D27E6}" type="datetimeFigureOut">
               <a:rPr lang="ko-KR" altLang="en-US" smtClean="0"/>
-              <a:t>2024-01-15</a:t>
+              <a:t>2024-01-16</a:t>
             </a:fld>
             <a:endParaRPr lang="ko-KR" altLang="en-US"/>
           </a:p>
@@ -1162,7 +1159,7 @@
           <a:p>
             <a:fld id="{523D6941-6B33-4834-BC65-A333846D27E6}" type="datetimeFigureOut">
               <a:rPr lang="ko-KR" altLang="en-US" smtClean="0"/>
-              <a:t>2024-01-15</a:t>
+              <a:t>2024-01-16</a:t>
             </a:fld>
             <a:endParaRPr lang="ko-KR" altLang="en-US"/>
           </a:p>
@@ -1375,7 +1372,7 @@
           <a:p>
             <a:fld id="{523D6941-6B33-4834-BC65-A333846D27E6}" type="datetimeFigureOut">
               <a:rPr lang="ko-KR" altLang="en-US" smtClean="0"/>
-              <a:t>2024-01-15</a:t>
+              <a:t>2024-01-16</a:t>
             </a:fld>
             <a:endParaRPr lang="ko-KR" altLang="en-US"/>
           </a:p>
@@ -1660,7 +1657,7 @@
           <a:p>
             <a:fld id="{523D6941-6B33-4834-BC65-A333846D27E6}" type="datetimeFigureOut">
               <a:rPr lang="ko-KR" altLang="en-US" smtClean="0"/>
-              <a:t>2024-01-15</a:t>
+              <a:t>2024-01-16</a:t>
             </a:fld>
             <a:endParaRPr lang="ko-KR" altLang="en-US"/>
           </a:p>
@@ -1925,7 +1922,7 @@
           <a:p>
             <a:fld id="{523D6941-6B33-4834-BC65-A333846D27E6}" type="datetimeFigureOut">
               <a:rPr lang="ko-KR" altLang="en-US" smtClean="0"/>
-              <a:t>2024-01-15</a:t>
+              <a:t>2024-01-16</a:t>
             </a:fld>
             <a:endParaRPr lang="ko-KR" altLang="en-US"/>
           </a:p>
@@ -2337,7 +2334,7 @@
           <a:p>
             <a:fld id="{523D6941-6B33-4834-BC65-A333846D27E6}" type="datetimeFigureOut">
               <a:rPr lang="ko-KR" altLang="en-US" smtClean="0"/>
-              <a:t>2024-01-15</a:t>
+              <a:t>2024-01-16</a:t>
             </a:fld>
             <a:endParaRPr lang="ko-KR" altLang="en-US"/>
           </a:p>
@@ -2478,7 +2475,7 @@
           <a:p>
             <a:fld id="{523D6941-6B33-4834-BC65-A333846D27E6}" type="datetimeFigureOut">
               <a:rPr lang="ko-KR" altLang="en-US" smtClean="0"/>
-              <a:t>2024-01-15</a:t>
+              <a:t>2024-01-16</a:t>
             </a:fld>
             <a:endParaRPr lang="ko-KR" altLang="en-US"/>
           </a:p>
@@ -2591,7 +2588,7 @@
           <a:p>
             <a:fld id="{523D6941-6B33-4834-BC65-A333846D27E6}" type="datetimeFigureOut">
               <a:rPr lang="ko-KR" altLang="en-US" smtClean="0"/>
-              <a:t>2024-01-15</a:t>
+              <a:t>2024-01-16</a:t>
             </a:fld>
             <a:endParaRPr lang="ko-KR" altLang="en-US"/>
           </a:p>
@@ -2902,7 +2899,7 @@
           <a:p>
             <a:fld id="{523D6941-6B33-4834-BC65-A333846D27E6}" type="datetimeFigureOut">
               <a:rPr lang="ko-KR" altLang="en-US" smtClean="0"/>
-              <a:t>2024-01-15</a:t>
+              <a:t>2024-01-16</a:t>
             </a:fld>
             <a:endParaRPr lang="ko-KR" altLang="en-US"/>
           </a:p>
@@ -3190,7 +3187,7 @@
           <a:p>
             <a:fld id="{523D6941-6B33-4834-BC65-A333846D27E6}" type="datetimeFigureOut">
               <a:rPr lang="ko-KR" altLang="en-US" smtClean="0"/>
-              <a:t>2024-01-15</a:t>
+              <a:t>2024-01-16</a:t>
             </a:fld>
             <a:endParaRPr lang="ko-KR" altLang="en-US"/>
           </a:p>
@@ -3431,7 +3428,7 @@
           <a:p>
             <a:fld id="{523D6941-6B33-4834-BC65-A333846D27E6}" type="datetimeFigureOut">
               <a:rPr lang="ko-KR" altLang="en-US" smtClean="0"/>
-              <a:t>2024-01-15</a:t>
+              <a:t>2024-01-16</a:t>
             </a:fld>
             <a:endParaRPr lang="ko-KR" altLang="en-US"/>
           </a:p>
@@ -3965,14 +3962,14 @@
           <p:nvPr>
             <p:extLst>
               <p:ext uri="{D42A27DB-BD31-4B8C-83A1-F6EECF244321}">
-                <p14:modId xmlns:p14="http://schemas.microsoft.com/office/powerpoint/2010/main" val="1887483508"/>
+                <p14:modId xmlns:p14="http://schemas.microsoft.com/office/powerpoint/2010/main" val="1586768306"/>
               </p:ext>
             </p:extLst>
           </p:nvPr>
         </p:nvGraphicFramePr>
         <p:xfrm>
-          <a:off x="2676366" y="2552700"/>
-          <a:ext cx="6839268" cy="1752600"/>
+          <a:off x="6096000" y="2179320"/>
+          <a:ext cx="4429761" cy="1249680"/>
         </p:xfrm>
         <a:graphic>
           <a:graphicData uri="http://schemas.openxmlformats.org/drawingml/2006/table">
@@ -3981,1001 +3978,14 @@
                 <a:tableStyleId>{5C22544A-7EE6-4342-B048-85BDC9FD1C3A}</a:tableStyleId>
               </a:tblPr>
               <a:tblGrid>
-                <a:gridCol w="6839268">
+                <a:gridCol w="660718">
                   <a:extLst>
                     <a:ext uri="{9D8B030D-6E8A-4147-A177-3AD203B41FA5}">
                       <a16:colId xmlns:a16="http://schemas.microsoft.com/office/drawing/2014/main" val="2985730691"/>
                     </a:ext>
                   </a:extLst>
                 </a:gridCol>
-              </a:tblGrid>
-              <a:tr h="370840">
-                <a:tc>
-                  <a:txBody>
-                    <a:bodyPr/>
-                    <a:lstStyle/>
-                    <a:p>
-                      <a:pPr latinLnBrk="1"/>
-                      <a:r>
-                        <a:rPr lang="ko-KR" altLang="en-US" b="0" dirty="0">
-                          <a:solidFill>
-                            <a:schemeClr val="tx1"/>
-                          </a:solidFill>
-                        </a:rPr>
-                        <a:t>포기</a:t>
-                      </a:r>
-                    </a:p>
-                  </a:txBody>
-                  <a:tcPr>
-                    <a:lnL w="12700" cap="flat" cmpd="sng" algn="ctr">
-                      <a:noFill/>
-                      <a:prstDash val="solid"/>
-                      <a:round/>
-                      <a:headEnd type="none" w="med" len="med"/>
-                      <a:tailEnd type="none" w="med" len="med"/>
-                    </a:lnL>
-                    <a:lnR w="12700" cap="flat" cmpd="sng" algn="ctr">
-                      <a:noFill/>
-                      <a:prstDash val="solid"/>
-                      <a:round/>
-                      <a:headEnd type="none" w="med" len="med"/>
-                      <a:tailEnd type="none" w="med" len="med"/>
-                    </a:lnR>
-                    <a:lnT w="12700" cap="flat" cmpd="sng" algn="ctr">
-                      <a:noFill/>
-                      <a:prstDash val="solid"/>
-                      <a:round/>
-                      <a:headEnd type="none" w="med" len="med"/>
-                      <a:tailEnd type="none" w="med" len="med"/>
-                    </a:lnT>
-                    <a:lnB w="12700" cap="flat" cmpd="sng" algn="ctr">
-                      <a:solidFill>
-                        <a:schemeClr val="tx1"/>
-                      </a:solidFill>
-                      <a:prstDash val="solid"/>
-                      <a:round/>
-                      <a:headEnd type="none" w="med" len="med"/>
-                      <a:tailEnd type="none" w="med" len="med"/>
-                    </a:lnB>
-                    <a:lnTlToBr w="12700" cmpd="sng">
-                      <a:noFill/>
-                      <a:prstDash val="solid"/>
-                    </a:lnTlToBr>
-                    <a:lnBlToTr w="12700" cmpd="sng">
-                      <a:noFill/>
-                      <a:prstDash val="solid"/>
-                    </a:lnBlToTr>
-                    <a:solidFill>
-                      <a:schemeClr val="bg1">
-                        <a:lumMod val="95000"/>
-                      </a:schemeClr>
-                    </a:solidFill>
-                  </a:tcPr>
-                </a:tc>
-                <a:extLst>
-                  <a:ext uri="{0D108BD9-81ED-4DB2-BD59-A6C34878D82A}">
-                    <a16:rowId xmlns:a16="http://schemas.microsoft.com/office/drawing/2014/main" val="4232510737"/>
-                  </a:ext>
-                </a:extLst>
-              </a:tr>
-              <a:tr h="370840">
-                <a:tc>
-                  <a:txBody>
-                    <a:bodyPr/>
-                    <a:lstStyle/>
-                    <a:p>
-                      <a:pPr latinLnBrk="1"/>
-                      <a:r>
-                        <a:rPr lang="ko-KR" altLang="en-US" b="0" dirty="0">
-                          <a:solidFill>
-                            <a:schemeClr val="tx1"/>
-                          </a:solidFill>
-                        </a:rPr>
-                        <a:t>퀘스트 진행 중에 퀘스트 창에서 포기 버튼으로 포기 할 수 있다</a:t>
-                      </a:r>
-                      <a:r>
-                        <a:rPr lang="en-US" altLang="ko-KR" b="0" dirty="0">
-                          <a:solidFill>
-                            <a:schemeClr val="tx1"/>
-                          </a:solidFill>
-                        </a:rPr>
-                        <a:t>.</a:t>
-                      </a:r>
-                    </a:p>
-                  </a:txBody>
-                  <a:tcPr>
-                    <a:lnL w="12700" cap="flat" cmpd="sng" algn="ctr">
-                      <a:noFill/>
-                      <a:prstDash val="solid"/>
-                      <a:round/>
-                      <a:headEnd type="none" w="med" len="med"/>
-                      <a:tailEnd type="none" w="med" len="med"/>
-                    </a:lnL>
-                    <a:lnR w="12700" cap="flat" cmpd="sng" algn="ctr">
-                      <a:noFill/>
-                      <a:prstDash val="solid"/>
-                      <a:round/>
-                      <a:headEnd type="none" w="med" len="med"/>
-                      <a:tailEnd type="none" w="med" len="med"/>
-                    </a:lnR>
-                    <a:lnT w="12700" cap="flat" cmpd="sng" algn="ctr">
-                      <a:solidFill>
-                        <a:schemeClr val="tx1"/>
-                      </a:solidFill>
-                      <a:prstDash val="solid"/>
-                      <a:round/>
-                      <a:headEnd type="none" w="med" len="med"/>
-                      <a:tailEnd type="none" w="med" len="med"/>
-                    </a:lnT>
-                    <a:lnB w="12700" cap="flat" cmpd="sng" algn="ctr">
-                      <a:solidFill>
-                        <a:schemeClr val="tx1"/>
-                      </a:solidFill>
-                      <a:prstDash val="solid"/>
-                      <a:round/>
-                      <a:headEnd type="none" w="med" len="med"/>
-                      <a:tailEnd type="none" w="med" len="med"/>
-                    </a:lnB>
-                    <a:lnTlToBr w="12700" cmpd="sng">
-                      <a:noFill/>
-                      <a:prstDash val="solid"/>
-                    </a:lnTlToBr>
-                    <a:lnBlToTr w="12700" cmpd="sng">
-                      <a:noFill/>
-                      <a:prstDash val="solid"/>
-                    </a:lnBlToTr>
-                    <a:noFill/>
-                  </a:tcPr>
-                </a:tc>
-                <a:extLst>
-                  <a:ext uri="{0D108BD9-81ED-4DB2-BD59-A6C34878D82A}">
-                    <a16:rowId xmlns:a16="http://schemas.microsoft.com/office/drawing/2014/main" val="727125318"/>
-                  </a:ext>
-                </a:extLst>
-              </a:tr>
-              <a:tr h="370840">
-                <a:tc>
-                  <a:txBody>
-                    <a:bodyPr/>
-                    <a:lstStyle/>
-                    <a:p>
-                      <a:pPr latinLnBrk="1"/>
-                      <a:r>
-                        <a:rPr lang="ko-KR" altLang="en-US" b="0" dirty="0">
-                          <a:solidFill>
-                            <a:schemeClr val="tx1"/>
-                          </a:solidFill>
-                        </a:rPr>
-                        <a:t>일부 퀘스트는 포기할 수 없다</a:t>
-                      </a:r>
-                      <a:r>
-                        <a:rPr lang="en-US" altLang="ko-KR" b="0" dirty="0">
-                          <a:solidFill>
-                            <a:schemeClr val="tx1"/>
-                          </a:solidFill>
-                        </a:rPr>
-                        <a:t>.</a:t>
-                      </a:r>
-                    </a:p>
-                  </a:txBody>
-                  <a:tcPr>
-                    <a:lnL w="12700" cap="flat" cmpd="sng" algn="ctr">
-                      <a:noFill/>
-                      <a:prstDash val="solid"/>
-                      <a:round/>
-                      <a:headEnd type="none" w="med" len="med"/>
-                      <a:tailEnd type="none" w="med" len="med"/>
-                    </a:lnL>
-                    <a:lnR w="12700" cap="flat" cmpd="sng" algn="ctr">
-                      <a:noFill/>
-                      <a:prstDash val="solid"/>
-                      <a:round/>
-                      <a:headEnd type="none" w="med" len="med"/>
-                      <a:tailEnd type="none" w="med" len="med"/>
-                    </a:lnR>
-                    <a:lnT w="12700" cap="flat" cmpd="sng" algn="ctr">
-                      <a:solidFill>
-                        <a:schemeClr val="tx1"/>
-                      </a:solidFill>
-                      <a:prstDash val="solid"/>
-                      <a:round/>
-                      <a:headEnd type="none" w="med" len="med"/>
-                      <a:tailEnd type="none" w="med" len="med"/>
-                    </a:lnT>
-                    <a:lnB w="12700" cap="flat" cmpd="sng" algn="ctr">
-                      <a:solidFill>
-                        <a:schemeClr val="tx1"/>
-                      </a:solidFill>
-                      <a:prstDash val="solid"/>
-                      <a:round/>
-                      <a:headEnd type="none" w="med" len="med"/>
-                      <a:tailEnd type="none" w="med" len="med"/>
-                    </a:lnB>
-                    <a:lnTlToBr w="12700" cmpd="sng">
-                      <a:noFill/>
-                      <a:prstDash val="solid"/>
-                    </a:lnTlToBr>
-                    <a:lnBlToTr w="12700" cmpd="sng">
-                      <a:noFill/>
-                      <a:prstDash val="solid"/>
-                    </a:lnBlToTr>
-                    <a:noFill/>
-                  </a:tcPr>
-                </a:tc>
-                <a:extLst>
-                  <a:ext uri="{0D108BD9-81ED-4DB2-BD59-A6C34878D82A}">
-                    <a16:rowId xmlns:a16="http://schemas.microsoft.com/office/drawing/2014/main" val="3457501695"/>
-                  </a:ext>
-                </a:extLst>
-              </a:tr>
-              <a:tr h="370840">
-                <a:tc>
-                  <a:txBody>
-                    <a:bodyPr/>
-                    <a:lstStyle/>
-                    <a:p>
-                      <a:pPr latinLnBrk="1"/>
-                      <a:r>
-                        <a:rPr lang="ko-KR" altLang="en-US" b="0" dirty="0">
-                          <a:solidFill>
-                            <a:schemeClr val="tx1"/>
-                          </a:solidFill>
-                        </a:rPr>
-                        <a:t>돌발 발생 퀘스트 등의 일부 퀘스트는 포기 시 </a:t>
-                      </a:r>
-                      <a:endParaRPr lang="en-US" altLang="ko-KR" b="0" dirty="0">
-                        <a:solidFill>
-                          <a:schemeClr val="tx1"/>
-                        </a:solidFill>
-                      </a:endParaRPr>
-                    </a:p>
-                    <a:p>
-                      <a:pPr latinLnBrk="1"/>
-                      <a:r>
-                        <a:rPr lang="ko-KR" altLang="en-US" b="0" dirty="0">
-                          <a:solidFill>
-                            <a:schemeClr val="tx1"/>
-                          </a:solidFill>
-                        </a:rPr>
-                        <a:t>퀘스트가 다시 발생할 때 까지 퀘스트를 수행할 수 없다</a:t>
-                      </a:r>
-                      <a:r>
-                        <a:rPr lang="en-US" altLang="ko-KR" b="0" dirty="0">
-                          <a:solidFill>
-                            <a:schemeClr val="tx1"/>
-                          </a:solidFill>
-                        </a:rPr>
-                        <a:t>.</a:t>
-                      </a:r>
-                    </a:p>
-                  </a:txBody>
-                  <a:tcPr>
-                    <a:lnL w="12700" cap="flat" cmpd="sng" algn="ctr">
-                      <a:noFill/>
-                      <a:prstDash val="solid"/>
-                      <a:round/>
-                      <a:headEnd type="none" w="med" len="med"/>
-                      <a:tailEnd type="none" w="med" len="med"/>
-                    </a:lnL>
-                    <a:lnR w="12700" cap="flat" cmpd="sng" algn="ctr">
-                      <a:noFill/>
-                      <a:prstDash val="solid"/>
-                      <a:round/>
-                      <a:headEnd type="none" w="med" len="med"/>
-                      <a:tailEnd type="none" w="med" len="med"/>
-                    </a:lnR>
-                    <a:lnT w="12700" cap="flat" cmpd="sng" algn="ctr">
-                      <a:solidFill>
-                        <a:schemeClr val="tx1"/>
-                      </a:solidFill>
-                      <a:prstDash val="solid"/>
-                      <a:round/>
-                      <a:headEnd type="none" w="med" len="med"/>
-                      <a:tailEnd type="none" w="med" len="med"/>
-                    </a:lnT>
-                    <a:lnB w="12700" cap="flat" cmpd="sng" algn="ctr">
-                      <a:noFill/>
-                      <a:prstDash val="solid"/>
-                      <a:round/>
-                      <a:headEnd type="none" w="med" len="med"/>
-                      <a:tailEnd type="none" w="med" len="med"/>
-                    </a:lnB>
-                    <a:lnTlToBr w="12700" cmpd="sng">
-                      <a:noFill/>
-                      <a:prstDash val="solid"/>
-                    </a:lnTlToBr>
-                    <a:lnBlToTr w="12700" cmpd="sng">
-                      <a:noFill/>
-                      <a:prstDash val="solid"/>
-                    </a:lnBlToTr>
-                    <a:noFill/>
-                  </a:tcPr>
-                </a:tc>
-                <a:extLst>
-                  <a:ext uri="{0D108BD9-81ED-4DB2-BD59-A6C34878D82A}">
-                    <a16:rowId xmlns:a16="http://schemas.microsoft.com/office/drawing/2014/main" val="2664984748"/>
-                  </a:ext>
-                </a:extLst>
-              </a:tr>
-            </a:tbl>
-          </a:graphicData>
-        </a:graphic>
-      </p:graphicFrame>
-      <p:sp>
-        <p:nvSpPr>
-          <p:cNvPr id="5" name="Rect 0">
-            <a:extLst>
-              <a:ext uri="{FF2B5EF4-FFF2-40B4-BE49-F238E27FC236}">
-                <a16:creationId xmlns:a16="http://schemas.microsoft.com/office/drawing/2014/main" id="{973C568C-0574-430B-948F-BD8DC31E2883}"/>
-              </a:ext>
-            </a:extLst>
-          </p:cNvPr>
-          <p:cNvSpPr txBox="1">
-            <a:spLocks/>
-          </p:cNvSpPr>
-          <p:nvPr/>
-        </p:nvSpPr>
-        <p:spPr>
-          <a:xfrm>
-            <a:off x="695325" y="292100"/>
-            <a:ext cx="10801985" cy="862330"/>
-          </a:xfrm>
-          <a:prstGeom prst="rect">
-            <a:avLst/>
-          </a:prstGeom>
-        </p:spPr>
-        <p:txBody>
-          <a:bodyPr vert="horz" wrap="square" lIns="91440" tIns="45720" rIns="91440" bIns="45720" numCol="1" anchor="ctr">
-            <a:normAutofit/>
-          </a:bodyPr>
-          <a:lstStyle>
-            <a:lvl1pPr marL="0" indent="0" algn="l" defTabSz="914400" rtl="0" eaLnBrk="1" latinLnBrk="1" hangingPunct="1">
-              <a:lnSpc>
-                <a:spcPct val="90000"/>
-              </a:lnSpc>
-              <a:spcBef>
-                <a:spcPct val="0"/>
-              </a:spcBef>
-              <a:buFontTx/>
-              <a:buNone/>
-              <a:defRPr lang="en-GB" altLang="en-US" sz="4400">
-                <a:solidFill>
-                  <a:schemeClr val="tx1"/>
-                </a:solidFill>
-                <a:latin typeface="+mj-lt"/>
-                <a:ea typeface="+mj-ea"/>
-                <a:cs typeface="+mj-cs"/>
-              </a:defRPr>
-            </a:lvl1pPr>
-          </a:lstStyle>
-          <a:p>
-            <a:pPr marL="0" indent="0" latinLnBrk="0">
-              <a:buFontTx/>
-              <a:buNone/>
-            </a:pPr>
-            <a:r>
-              <a:rPr lang="ko-KR" altLang="en-US" dirty="0"/>
-              <a:t>포기 규칙</a:t>
-            </a:r>
-          </a:p>
-        </p:txBody>
-      </p:sp>
-    </p:spTree>
-    <p:extLst>
-      <p:ext uri="{BB962C8B-B14F-4D97-AF65-F5344CB8AC3E}">
-        <p14:creationId xmlns:p14="http://schemas.microsoft.com/office/powerpoint/2010/main" val="331954647"/>
-      </p:ext>
-    </p:extLst>
-  </p:cSld>
-  <p:clrMapOvr>
-    <a:masterClrMapping/>
-  </p:clrMapOvr>
-</p:sld>
-</file>
-
-<file path=ppt/slides/slide11.xml><?xml version="1.0" encoding="utf-8"?>
-<p:sld xmlns:a="http://schemas.openxmlformats.org/drawingml/2006/main" xmlns:r="http://schemas.openxmlformats.org/officeDocument/2006/relationships" xmlns:p="http://schemas.openxmlformats.org/presentationml/2006/main">
-  <p:cSld>
-    <p:spTree>
-      <p:nvGrpSpPr>
-        <p:cNvPr id="1" name=""/>
-        <p:cNvGrpSpPr/>
-        <p:nvPr/>
-      </p:nvGrpSpPr>
-      <p:grpSpPr>
-        <a:xfrm>
-          <a:off x="0" y="0"/>
-          <a:ext cx="0" cy="0"/>
-          <a:chOff x="0" y="0"/>
-          <a:chExt cx="0" cy="0"/>
-        </a:xfrm>
-      </p:grpSpPr>
-      <p:graphicFrame>
-        <p:nvGraphicFramePr>
-          <p:cNvPr id="3" name="표 2">
-            <a:extLst>
-              <a:ext uri="{FF2B5EF4-FFF2-40B4-BE49-F238E27FC236}">
-                <a16:creationId xmlns:a16="http://schemas.microsoft.com/office/drawing/2014/main" id="{7858959D-94A3-438E-B5B6-A05808F4536A}"/>
-              </a:ext>
-            </a:extLst>
-          </p:cNvPr>
-          <p:cNvGraphicFramePr>
-            <a:graphicFrameLocks noGrp="1"/>
-          </p:cNvGraphicFramePr>
-          <p:nvPr>
-            <p:extLst>
-              <p:ext uri="{D42A27DB-BD31-4B8C-83A1-F6EECF244321}">
-                <p14:modId xmlns:p14="http://schemas.microsoft.com/office/powerpoint/2010/main" val="3120554374"/>
-              </p:ext>
-            </p:extLst>
-          </p:nvPr>
-        </p:nvGraphicFramePr>
-        <p:xfrm>
-          <a:off x="2528728" y="2367280"/>
-          <a:ext cx="7134543" cy="2123440"/>
-        </p:xfrm>
-        <a:graphic>
-          <a:graphicData uri="http://schemas.openxmlformats.org/drawingml/2006/table">
-            <a:tbl>
-              <a:tblPr firstRow="1" bandRow="1">
-                <a:tableStyleId>{5C22544A-7EE6-4342-B048-85BDC9FD1C3A}</a:tableStyleId>
-              </a:tblPr>
-              <a:tblGrid>
-                <a:gridCol w="7134543">
-                  <a:extLst>
-                    <a:ext uri="{9D8B030D-6E8A-4147-A177-3AD203B41FA5}">
-                      <a16:colId xmlns:a16="http://schemas.microsoft.com/office/drawing/2014/main" val="2985730691"/>
-                    </a:ext>
-                  </a:extLst>
-                </a:gridCol>
-              </a:tblGrid>
-              <a:tr h="370840">
-                <a:tc>
-                  <a:txBody>
-                    <a:bodyPr/>
-                    <a:lstStyle/>
-                    <a:p>
-                      <a:pPr latinLnBrk="1"/>
-                      <a:r>
-                        <a:rPr lang="ko-KR" altLang="en-US" b="0" dirty="0">
-                          <a:solidFill>
-                            <a:schemeClr val="tx1"/>
-                          </a:solidFill>
-                        </a:rPr>
-                        <a:t>실패</a:t>
-                      </a:r>
-                    </a:p>
-                  </a:txBody>
-                  <a:tcPr>
-                    <a:lnL w="12700" cap="flat" cmpd="sng" algn="ctr">
-                      <a:noFill/>
-                      <a:prstDash val="solid"/>
-                      <a:round/>
-                      <a:headEnd type="none" w="med" len="med"/>
-                      <a:tailEnd type="none" w="med" len="med"/>
-                    </a:lnL>
-                    <a:lnR w="12700" cap="flat" cmpd="sng" algn="ctr">
-                      <a:noFill/>
-                      <a:prstDash val="solid"/>
-                      <a:round/>
-                      <a:headEnd type="none" w="med" len="med"/>
-                      <a:tailEnd type="none" w="med" len="med"/>
-                    </a:lnR>
-                    <a:lnT w="12700" cap="flat" cmpd="sng" algn="ctr">
-                      <a:noFill/>
-                      <a:prstDash val="solid"/>
-                      <a:round/>
-                      <a:headEnd type="none" w="med" len="med"/>
-                      <a:tailEnd type="none" w="med" len="med"/>
-                    </a:lnT>
-                    <a:lnB w="12700" cap="flat" cmpd="sng" algn="ctr">
-                      <a:solidFill>
-                        <a:schemeClr val="tx1"/>
-                      </a:solidFill>
-                      <a:prstDash val="solid"/>
-                      <a:round/>
-                      <a:headEnd type="none" w="med" len="med"/>
-                      <a:tailEnd type="none" w="med" len="med"/>
-                    </a:lnB>
-                    <a:lnTlToBr w="12700" cmpd="sng">
-                      <a:noFill/>
-                      <a:prstDash val="solid"/>
-                    </a:lnTlToBr>
-                    <a:lnBlToTr w="12700" cmpd="sng">
-                      <a:noFill/>
-                      <a:prstDash val="solid"/>
-                    </a:lnBlToTr>
-                    <a:solidFill>
-                      <a:schemeClr val="bg1">
-                        <a:lumMod val="95000"/>
-                      </a:schemeClr>
-                    </a:solidFill>
-                  </a:tcPr>
-                </a:tc>
-                <a:extLst>
-                  <a:ext uri="{0D108BD9-81ED-4DB2-BD59-A6C34878D82A}">
-                    <a16:rowId xmlns:a16="http://schemas.microsoft.com/office/drawing/2014/main" val="4232510737"/>
-                  </a:ext>
-                </a:extLst>
-              </a:tr>
-              <a:tr h="370840">
-                <a:tc>
-                  <a:txBody>
-                    <a:bodyPr/>
-                    <a:lstStyle/>
-                    <a:p>
-                      <a:pPr latinLnBrk="1"/>
-                      <a:r>
-                        <a:rPr lang="ko-KR" altLang="en-US" b="0" dirty="0">
-                          <a:solidFill>
-                            <a:schemeClr val="tx1"/>
-                          </a:solidFill>
-                        </a:rPr>
-                        <a:t>일부 실패 조건이 있는 퀘스트는 조건에 따라 실패를 할 수 있다</a:t>
-                      </a:r>
-                      <a:r>
-                        <a:rPr lang="en-US" altLang="ko-KR" b="0" dirty="0">
-                          <a:solidFill>
-                            <a:schemeClr val="tx1"/>
-                          </a:solidFill>
-                        </a:rPr>
-                        <a:t>.</a:t>
-                      </a:r>
-                    </a:p>
-                  </a:txBody>
-                  <a:tcPr>
-                    <a:lnL w="12700" cap="flat" cmpd="sng" algn="ctr">
-                      <a:noFill/>
-                      <a:prstDash val="solid"/>
-                      <a:round/>
-                      <a:headEnd type="none" w="med" len="med"/>
-                      <a:tailEnd type="none" w="med" len="med"/>
-                    </a:lnL>
-                    <a:lnR w="12700" cap="flat" cmpd="sng" algn="ctr">
-                      <a:noFill/>
-                      <a:prstDash val="solid"/>
-                      <a:round/>
-                      <a:headEnd type="none" w="med" len="med"/>
-                      <a:tailEnd type="none" w="med" len="med"/>
-                    </a:lnR>
-                    <a:lnT w="12700" cap="flat" cmpd="sng" algn="ctr">
-                      <a:solidFill>
-                        <a:schemeClr val="tx1"/>
-                      </a:solidFill>
-                      <a:prstDash val="solid"/>
-                      <a:round/>
-                      <a:headEnd type="none" w="med" len="med"/>
-                      <a:tailEnd type="none" w="med" len="med"/>
-                    </a:lnT>
-                    <a:lnB w="12700" cap="flat" cmpd="sng" algn="ctr">
-                      <a:solidFill>
-                        <a:schemeClr val="tx1"/>
-                      </a:solidFill>
-                      <a:prstDash val="solid"/>
-                      <a:round/>
-                      <a:headEnd type="none" w="med" len="med"/>
-                      <a:tailEnd type="none" w="med" len="med"/>
-                    </a:lnB>
-                    <a:lnTlToBr w="12700" cmpd="sng">
-                      <a:noFill/>
-                      <a:prstDash val="solid"/>
-                    </a:lnTlToBr>
-                    <a:lnBlToTr w="12700" cmpd="sng">
-                      <a:noFill/>
-                      <a:prstDash val="solid"/>
-                    </a:lnBlToTr>
-                    <a:noFill/>
-                  </a:tcPr>
-                </a:tc>
-                <a:extLst>
-                  <a:ext uri="{0D108BD9-81ED-4DB2-BD59-A6C34878D82A}">
-                    <a16:rowId xmlns:a16="http://schemas.microsoft.com/office/drawing/2014/main" val="727125318"/>
-                  </a:ext>
-                </a:extLst>
-              </a:tr>
-              <a:tr h="370840">
-                <a:tc>
-                  <a:txBody>
-                    <a:bodyPr/>
-                    <a:lstStyle/>
-                    <a:p>
-                      <a:pPr latinLnBrk="1"/>
-                      <a:r>
-                        <a:rPr lang="ko-KR" altLang="en-US" b="0" dirty="0">
-                          <a:solidFill>
-                            <a:schemeClr val="tx1"/>
-                          </a:solidFill>
-                        </a:rPr>
-                        <a:t>실패 조건에는 시간 제한</a:t>
-                      </a:r>
-                      <a:r>
-                        <a:rPr lang="en-US" altLang="ko-KR" b="0" dirty="0">
-                          <a:solidFill>
-                            <a:schemeClr val="tx1"/>
-                          </a:solidFill>
-                        </a:rPr>
-                        <a:t>, </a:t>
-                      </a:r>
-                      <a:r>
-                        <a:rPr lang="ko-KR" altLang="en-US" b="0" dirty="0">
-                          <a:solidFill>
-                            <a:schemeClr val="tx1"/>
-                          </a:solidFill>
-                        </a:rPr>
-                        <a:t>생존</a:t>
-                      </a:r>
-                      <a:r>
-                        <a:rPr lang="en-US" altLang="ko-KR" b="0" dirty="0">
-                          <a:solidFill>
-                            <a:schemeClr val="tx1"/>
-                          </a:solidFill>
-                        </a:rPr>
-                        <a:t>, </a:t>
-                      </a:r>
-                      <a:r>
-                        <a:rPr lang="ko-KR" altLang="en-US" b="0" dirty="0">
-                          <a:solidFill>
-                            <a:schemeClr val="tx1"/>
-                          </a:solidFill>
-                        </a:rPr>
-                        <a:t>호위 등이 있다</a:t>
-                      </a:r>
-                      <a:r>
-                        <a:rPr lang="en-US" altLang="ko-KR" b="0" dirty="0">
-                          <a:solidFill>
-                            <a:schemeClr val="tx1"/>
-                          </a:solidFill>
-                        </a:rPr>
-                        <a:t>.</a:t>
-                      </a:r>
-                    </a:p>
-                  </a:txBody>
-                  <a:tcPr>
-                    <a:lnL w="12700" cap="flat" cmpd="sng" algn="ctr">
-                      <a:noFill/>
-                      <a:prstDash val="solid"/>
-                      <a:round/>
-                      <a:headEnd type="none" w="med" len="med"/>
-                      <a:tailEnd type="none" w="med" len="med"/>
-                    </a:lnL>
-                    <a:lnR w="12700" cap="flat" cmpd="sng" algn="ctr">
-                      <a:noFill/>
-                      <a:prstDash val="solid"/>
-                      <a:round/>
-                      <a:headEnd type="none" w="med" len="med"/>
-                      <a:tailEnd type="none" w="med" len="med"/>
-                    </a:lnR>
-                    <a:lnT w="12700" cap="flat" cmpd="sng" algn="ctr">
-                      <a:solidFill>
-                        <a:schemeClr val="tx1"/>
-                      </a:solidFill>
-                      <a:prstDash val="solid"/>
-                      <a:round/>
-                      <a:headEnd type="none" w="med" len="med"/>
-                      <a:tailEnd type="none" w="med" len="med"/>
-                    </a:lnT>
-                    <a:lnB w="12700" cap="flat" cmpd="sng" algn="ctr">
-                      <a:solidFill>
-                        <a:schemeClr val="tx1"/>
-                      </a:solidFill>
-                      <a:prstDash val="solid"/>
-                      <a:round/>
-                      <a:headEnd type="none" w="med" len="med"/>
-                      <a:tailEnd type="none" w="med" len="med"/>
-                    </a:lnB>
-                    <a:lnTlToBr w="12700" cmpd="sng">
-                      <a:noFill/>
-                      <a:prstDash val="solid"/>
-                    </a:lnTlToBr>
-                    <a:lnBlToTr w="12700" cmpd="sng">
-                      <a:noFill/>
-                      <a:prstDash val="solid"/>
-                    </a:lnBlToTr>
-                    <a:noFill/>
-                  </a:tcPr>
-                </a:tc>
-                <a:extLst>
-                  <a:ext uri="{0D108BD9-81ED-4DB2-BD59-A6C34878D82A}">
-                    <a16:rowId xmlns:a16="http://schemas.microsoft.com/office/drawing/2014/main" val="1003847530"/>
-                  </a:ext>
-                </a:extLst>
-              </a:tr>
-              <a:tr h="370840">
-                <a:tc>
-                  <a:txBody>
-                    <a:bodyPr/>
-                    <a:lstStyle/>
-                    <a:p>
-                      <a:pPr latinLnBrk="1"/>
-                      <a:r>
-                        <a:rPr lang="ko-KR" altLang="en-US" b="0" dirty="0">
-                          <a:solidFill>
-                            <a:schemeClr val="tx1"/>
-                          </a:solidFill>
-                        </a:rPr>
-                        <a:t>일부 퀘스트는 실패할 경우 해당 퀘스트에 시작 지점으로 돌아간다</a:t>
-                      </a:r>
-                      <a:r>
-                        <a:rPr lang="en-US" altLang="ko-KR" b="0" dirty="0">
-                          <a:solidFill>
-                            <a:schemeClr val="tx1"/>
-                          </a:solidFill>
-                        </a:rPr>
-                        <a:t>.</a:t>
-                      </a:r>
-                    </a:p>
-                  </a:txBody>
-                  <a:tcPr>
-                    <a:lnL w="12700" cap="flat" cmpd="sng" algn="ctr">
-                      <a:noFill/>
-                      <a:prstDash val="solid"/>
-                      <a:round/>
-                      <a:headEnd type="none" w="med" len="med"/>
-                      <a:tailEnd type="none" w="med" len="med"/>
-                    </a:lnL>
-                    <a:lnR w="12700" cap="flat" cmpd="sng" algn="ctr">
-                      <a:noFill/>
-                      <a:prstDash val="solid"/>
-                      <a:round/>
-                      <a:headEnd type="none" w="med" len="med"/>
-                      <a:tailEnd type="none" w="med" len="med"/>
-                    </a:lnR>
-                    <a:lnT w="12700" cap="flat" cmpd="sng" algn="ctr">
-                      <a:solidFill>
-                        <a:schemeClr val="tx1"/>
-                      </a:solidFill>
-                      <a:prstDash val="solid"/>
-                      <a:round/>
-                      <a:headEnd type="none" w="med" len="med"/>
-                      <a:tailEnd type="none" w="med" len="med"/>
-                    </a:lnT>
-                    <a:lnB w="12700" cap="flat" cmpd="sng" algn="ctr">
-                      <a:solidFill>
-                        <a:schemeClr val="tx1"/>
-                      </a:solidFill>
-                      <a:prstDash val="solid"/>
-                      <a:round/>
-                      <a:headEnd type="none" w="med" len="med"/>
-                      <a:tailEnd type="none" w="med" len="med"/>
-                    </a:lnB>
-                    <a:lnTlToBr w="12700" cmpd="sng">
-                      <a:noFill/>
-                      <a:prstDash val="solid"/>
-                    </a:lnTlToBr>
-                    <a:lnBlToTr w="12700" cmpd="sng">
-                      <a:noFill/>
-                      <a:prstDash val="solid"/>
-                    </a:lnBlToTr>
-                    <a:noFill/>
-                  </a:tcPr>
-                </a:tc>
-                <a:extLst>
-                  <a:ext uri="{0D108BD9-81ED-4DB2-BD59-A6C34878D82A}">
-                    <a16:rowId xmlns:a16="http://schemas.microsoft.com/office/drawing/2014/main" val="2075818999"/>
-                  </a:ext>
-                </a:extLst>
-              </a:tr>
-              <a:tr h="370840">
-                <a:tc>
-                  <a:txBody>
-                    <a:bodyPr/>
-                    <a:lstStyle/>
-                    <a:p>
-                      <a:pPr latinLnBrk="1"/>
-                      <a:r>
-                        <a:rPr lang="ko-KR" altLang="en-US" b="0" dirty="0">
-                          <a:solidFill>
-                            <a:schemeClr val="tx1"/>
-                          </a:solidFill>
-                        </a:rPr>
-                        <a:t>돌발 발생 퀘스트 등의 일부 퀘스트는 실패 시 </a:t>
-                      </a:r>
-                      <a:endParaRPr lang="en-US" altLang="ko-KR" b="0" dirty="0">
-                        <a:solidFill>
-                          <a:schemeClr val="tx1"/>
-                        </a:solidFill>
-                      </a:endParaRPr>
-                    </a:p>
-                    <a:p>
-                      <a:pPr latinLnBrk="1"/>
-                      <a:r>
-                        <a:rPr lang="ko-KR" altLang="en-US" b="0" dirty="0">
-                          <a:solidFill>
-                            <a:schemeClr val="tx1"/>
-                          </a:solidFill>
-                        </a:rPr>
-                        <a:t>퀘스트가 다시 발생할 때 까지 퀘스트를 수행할 수 없다</a:t>
-                      </a:r>
-                      <a:r>
-                        <a:rPr lang="en-US" altLang="ko-KR" b="0" dirty="0">
-                          <a:solidFill>
-                            <a:schemeClr val="tx1"/>
-                          </a:solidFill>
-                        </a:rPr>
-                        <a:t>.</a:t>
-                      </a:r>
-                    </a:p>
-                  </a:txBody>
-                  <a:tcPr>
-                    <a:lnL w="12700" cap="flat" cmpd="sng" algn="ctr">
-                      <a:noFill/>
-                      <a:prstDash val="solid"/>
-                      <a:round/>
-                      <a:headEnd type="none" w="med" len="med"/>
-                      <a:tailEnd type="none" w="med" len="med"/>
-                    </a:lnL>
-                    <a:lnR w="12700" cap="flat" cmpd="sng" algn="ctr">
-                      <a:noFill/>
-                      <a:prstDash val="solid"/>
-                      <a:round/>
-                      <a:headEnd type="none" w="med" len="med"/>
-                      <a:tailEnd type="none" w="med" len="med"/>
-                    </a:lnR>
-                    <a:lnT w="12700" cap="flat" cmpd="sng" algn="ctr">
-                      <a:solidFill>
-                        <a:schemeClr val="tx1"/>
-                      </a:solidFill>
-                      <a:prstDash val="solid"/>
-                      <a:round/>
-                      <a:headEnd type="none" w="med" len="med"/>
-                      <a:tailEnd type="none" w="med" len="med"/>
-                    </a:lnT>
-                    <a:lnB w="12700" cap="flat" cmpd="sng" algn="ctr">
-                      <a:noFill/>
-                      <a:prstDash val="solid"/>
-                      <a:round/>
-                      <a:headEnd type="none" w="med" len="med"/>
-                      <a:tailEnd type="none" w="med" len="med"/>
-                    </a:lnB>
-                    <a:lnTlToBr w="12700" cmpd="sng">
-                      <a:noFill/>
-                      <a:prstDash val="solid"/>
-                    </a:lnTlToBr>
-                    <a:lnBlToTr w="12700" cmpd="sng">
-                      <a:noFill/>
-                      <a:prstDash val="solid"/>
-                    </a:lnBlToTr>
-                    <a:noFill/>
-                  </a:tcPr>
-                </a:tc>
-                <a:extLst>
-                  <a:ext uri="{0D108BD9-81ED-4DB2-BD59-A6C34878D82A}">
-                    <a16:rowId xmlns:a16="http://schemas.microsoft.com/office/drawing/2014/main" val="2664984748"/>
-                  </a:ext>
-                </a:extLst>
-              </a:tr>
-            </a:tbl>
-          </a:graphicData>
-        </a:graphic>
-      </p:graphicFrame>
-      <p:sp>
-        <p:nvSpPr>
-          <p:cNvPr id="5" name="Rect 0">
-            <a:extLst>
-              <a:ext uri="{FF2B5EF4-FFF2-40B4-BE49-F238E27FC236}">
-                <a16:creationId xmlns:a16="http://schemas.microsoft.com/office/drawing/2014/main" id="{973C568C-0574-430B-948F-BD8DC31E2883}"/>
-              </a:ext>
-            </a:extLst>
-          </p:cNvPr>
-          <p:cNvSpPr txBox="1">
-            <a:spLocks/>
-          </p:cNvSpPr>
-          <p:nvPr/>
-        </p:nvSpPr>
-        <p:spPr>
-          <a:xfrm>
-            <a:off x="695325" y="292100"/>
-            <a:ext cx="10801985" cy="862330"/>
-          </a:xfrm>
-          <a:prstGeom prst="rect">
-            <a:avLst/>
-          </a:prstGeom>
-        </p:spPr>
-        <p:txBody>
-          <a:bodyPr vert="horz" wrap="square" lIns="91440" tIns="45720" rIns="91440" bIns="45720" numCol="1" anchor="ctr">
-            <a:normAutofit/>
-          </a:bodyPr>
-          <a:lstStyle>
-            <a:lvl1pPr marL="0" indent="0" algn="l" defTabSz="914400" rtl="0" eaLnBrk="1" latinLnBrk="1" hangingPunct="1">
-              <a:lnSpc>
-                <a:spcPct val="90000"/>
-              </a:lnSpc>
-              <a:spcBef>
-                <a:spcPct val="0"/>
-              </a:spcBef>
-              <a:buFontTx/>
-              <a:buNone/>
-              <a:defRPr lang="en-GB" altLang="en-US" sz="4400">
-                <a:solidFill>
-                  <a:schemeClr val="tx1"/>
-                </a:solidFill>
-                <a:latin typeface="+mj-lt"/>
-                <a:ea typeface="+mj-ea"/>
-                <a:cs typeface="+mj-cs"/>
-              </a:defRPr>
-            </a:lvl1pPr>
-          </a:lstStyle>
-          <a:p>
-            <a:pPr marL="0" indent="0" latinLnBrk="0">
-              <a:buFontTx/>
-              <a:buNone/>
-            </a:pPr>
-            <a:r>
-              <a:rPr lang="ko-KR" altLang="en-US" dirty="0"/>
-              <a:t>실패 규칙</a:t>
-            </a:r>
-          </a:p>
-        </p:txBody>
-      </p:sp>
-    </p:spTree>
-    <p:extLst>
-      <p:ext uri="{BB962C8B-B14F-4D97-AF65-F5344CB8AC3E}">
-        <p14:creationId xmlns:p14="http://schemas.microsoft.com/office/powerpoint/2010/main" val="968220574"/>
-      </p:ext>
-    </p:extLst>
-  </p:cSld>
-  <p:clrMapOvr>
-    <a:masterClrMapping/>
-  </p:clrMapOvr>
-</p:sld>
-</file>
-
-<file path=ppt/slides/slide12.xml><?xml version="1.0" encoding="utf-8"?>
-<p:sld xmlns:a="http://schemas.openxmlformats.org/drawingml/2006/main" xmlns:r="http://schemas.openxmlformats.org/officeDocument/2006/relationships" xmlns:p="http://schemas.openxmlformats.org/presentationml/2006/main">
-  <p:cSld>
-    <p:spTree>
-      <p:nvGrpSpPr>
-        <p:cNvPr id="1" name=""/>
-        <p:cNvGrpSpPr/>
-        <p:nvPr/>
-      </p:nvGrpSpPr>
-      <p:grpSpPr>
-        <a:xfrm>
-          <a:off x="0" y="0"/>
-          <a:ext cx="0" cy="0"/>
-          <a:chOff x="0" y="0"/>
-          <a:chExt cx="0" cy="0"/>
-        </a:xfrm>
-      </p:grpSpPr>
-      <p:graphicFrame>
-        <p:nvGraphicFramePr>
-          <p:cNvPr id="3" name="표 2">
-            <a:extLst>
-              <a:ext uri="{FF2B5EF4-FFF2-40B4-BE49-F238E27FC236}">
-                <a16:creationId xmlns:a16="http://schemas.microsoft.com/office/drawing/2014/main" id="{7858959D-94A3-438E-B5B6-A05808F4536A}"/>
-              </a:ext>
-            </a:extLst>
-          </p:cNvPr>
-          <p:cNvGraphicFramePr>
-            <a:graphicFrameLocks noGrp="1"/>
-          </p:cNvGraphicFramePr>
-          <p:nvPr>
-            <p:extLst>
-              <p:ext uri="{D42A27DB-BD31-4B8C-83A1-F6EECF244321}">
-                <p14:modId xmlns:p14="http://schemas.microsoft.com/office/powerpoint/2010/main" val="1841447290"/>
-              </p:ext>
-            </p:extLst>
-          </p:nvPr>
-        </p:nvGraphicFramePr>
-        <p:xfrm>
-          <a:off x="3624738" y="2738120"/>
-          <a:ext cx="4942523" cy="1381760"/>
-        </p:xfrm>
-        <a:graphic>
-          <a:graphicData uri="http://schemas.openxmlformats.org/drawingml/2006/table">
-            <a:tbl>
-              <a:tblPr firstRow="1" bandRow="1">
-                <a:tableStyleId>{5C22544A-7EE6-4342-B048-85BDC9FD1C3A}</a:tableStyleId>
-              </a:tblPr>
-              <a:tblGrid>
-                <a:gridCol w="721043">
-                  <a:extLst>
-                    <a:ext uri="{9D8B030D-6E8A-4147-A177-3AD203B41FA5}">
-                      <a16:colId xmlns:a16="http://schemas.microsoft.com/office/drawing/2014/main" val="2985730691"/>
-                    </a:ext>
-                  </a:extLst>
-                </a:gridCol>
-                <a:gridCol w="4221480">
+                <a:gridCol w="3769043">
                   <a:extLst>
                     <a:ext uri="{9D8B030D-6E8A-4147-A177-3AD203B41FA5}">
                       <a16:colId xmlns:a16="http://schemas.microsoft.com/office/drawing/2014/main" val="4067130978"/>
@@ -4983,7 +3993,7 @@
                   </a:extLst>
                 </a:gridCol>
               </a:tblGrid>
-              <a:tr h="370840">
+              <a:tr h="0">
                 <a:tc gridSpan="2">
                   <a:txBody>
                     <a:bodyPr/>
@@ -4991,7 +4001,7 @@
                     <a:p>
                       <a:pPr latinLnBrk="1"/>
                       <a:r>
-                        <a:rPr lang="ko-KR" altLang="en-US" b="0" dirty="0">
+                        <a:rPr lang="ko-KR" altLang="en-US" sz="1600" b="0" dirty="0">
                           <a:solidFill>
                             <a:schemeClr val="tx1"/>
                           </a:solidFill>
@@ -5063,7 +4073,7 @@
                   </a:ext>
                 </a:extLst>
               </a:tr>
-              <a:tr h="370840">
+              <a:tr h="0">
                 <a:tc>
                   <a:txBody>
                     <a:bodyPr/>
@@ -5071,7 +4081,7 @@
                     <a:p>
                       <a:pPr latinLnBrk="1"/>
                       <a:r>
-                        <a:rPr lang="ko-KR" altLang="en-US" b="0" dirty="0">
+                        <a:rPr lang="ko-KR" altLang="en-US" sz="1600" b="0" dirty="0">
                           <a:solidFill>
                             <a:schemeClr val="tx1"/>
                           </a:solidFill>
@@ -5133,7 +4143,7 @@
                     <a:p>
                       <a:pPr latinLnBrk="1"/>
                       <a:r>
-                        <a:rPr lang="ko-KR" altLang="en-US" sz="1800" b="0" dirty="0">
+                        <a:rPr lang="ko-KR" altLang="en-US" sz="1600" b="0" dirty="0">
                           <a:solidFill>
                             <a:schemeClr val="tx1"/>
                           </a:solidFill>
@@ -5141,7 +4151,7 @@
                         <a:t>퀘스트 목표 달성 시 자동 완료한다</a:t>
                       </a:r>
                       <a:r>
-                        <a:rPr lang="en-US" altLang="ko-KR" sz="1800" b="0" dirty="0">
+                        <a:rPr lang="en-US" altLang="ko-KR" sz="1600" b="0" dirty="0">
                           <a:solidFill>
                             <a:schemeClr val="tx1"/>
                           </a:solidFill>
@@ -5202,7 +4212,7 @@
                   </a:ext>
                 </a:extLst>
               </a:tr>
-              <a:tr h="370840">
+              <a:tr h="0">
                 <a:tc>
                   <a:txBody>
                     <a:bodyPr/>
@@ -5210,7 +4220,7 @@
                     <a:p>
                       <a:pPr latinLnBrk="1"/>
                       <a:r>
-                        <a:rPr lang="ko-KR" altLang="en-US" b="0" dirty="0">
+                        <a:rPr lang="ko-KR" altLang="en-US" sz="1600" b="0" dirty="0">
                           <a:solidFill>
                             <a:schemeClr val="tx1"/>
                           </a:solidFill>
@@ -5288,7 +4298,7 @@
                         <a:defRPr/>
                       </a:pPr>
                       <a:r>
-                        <a:rPr lang="ko-KR" altLang="en-US" sz="1800" b="0" dirty="0">
+                        <a:rPr lang="ko-KR" altLang="en-US" sz="1600" b="0" dirty="0">
                           <a:solidFill>
                             <a:schemeClr val="tx1"/>
                           </a:solidFill>
@@ -5296,7 +4306,7 @@
                         <a:t>퀘스트 목표 달성 후 </a:t>
                       </a:r>
                       <a:r>
-                        <a:rPr lang="en-US" altLang="ko-KR" sz="1800" b="0" dirty="0">
+                        <a:rPr lang="en-US" altLang="ko-KR" sz="1600" b="0" dirty="0">
                           <a:solidFill>
                             <a:schemeClr val="tx1"/>
                           </a:solidFill>
@@ -5304,14 +4314,14 @@
                         <a:t>NPC, </a:t>
                       </a:r>
                       <a:r>
-                        <a:rPr lang="ko-KR" altLang="en-US" sz="1800" b="0" dirty="0">
+                        <a:rPr lang="ko-KR" altLang="en-US" sz="1600" b="0" dirty="0">
                           <a:solidFill>
                             <a:schemeClr val="tx1"/>
                           </a:solidFill>
                         </a:rPr>
                         <a:t>오브젝트와 </a:t>
                       </a:r>
-                      <a:endParaRPr lang="en-US" altLang="ko-KR" sz="1800" b="0" dirty="0">
+                      <a:endParaRPr lang="en-US" altLang="ko-KR" sz="1600" b="0" dirty="0">
                         <a:solidFill>
                           <a:schemeClr val="tx1"/>
                         </a:solidFill>
@@ -5336,7 +4346,7 @@
                         <a:defRPr/>
                       </a:pPr>
                       <a:r>
-                        <a:rPr lang="ko-KR" altLang="en-US" sz="1800" b="0" dirty="0">
+                        <a:rPr lang="ko-KR" altLang="en-US" sz="1600" b="0" dirty="0">
                           <a:solidFill>
                             <a:schemeClr val="tx1"/>
                           </a:solidFill>
@@ -5344,14 +4354,14 @@
                         <a:t>상호작용하여 완료한다</a:t>
                       </a:r>
                       <a:r>
-                        <a:rPr lang="en-US" altLang="ko-KR" sz="1800" b="0" dirty="0">
+                        <a:rPr lang="en-US" altLang="ko-KR" sz="1600" b="0" dirty="0">
                           <a:solidFill>
                             <a:schemeClr val="tx1"/>
                           </a:solidFill>
                         </a:rPr>
                         <a:t>.</a:t>
                       </a:r>
-                      <a:endParaRPr lang="ko-KR" altLang="en-US" sz="1800" b="0" dirty="0">
+                      <a:endParaRPr lang="ko-KR" altLang="en-US" sz="1600" b="0" dirty="0">
                         <a:solidFill>
                           <a:schemeClr val="tx1"/>
                         </a:solidFill>
@@ -5473,6 +4483,42 @@
           </a:p>
         </p:txBody>
       </p:sp>
+      <p:pic>
+        <p:nvPicPr>
+          <p:cNvPr id="4" name="그림 3">
+            <a:extLst>
+              <a:ext uri="{FF2B5EF4-FFF2-40B4-BE49-F238E27FC236}">
+                <a16:creationId xmlns:a16="http://schemas.microsoft.com/office/drawing/2014/main" id="{6F9C2380-E657-42FE-8A0C-58B91C9F1F8A}"/>
+              </a:ext>
+            </a:extLst>
+          </p:cNvPr>
+          <p:cNvPicPr>
+            <a:picLocks noChangeAspect="1"/>
+          </p:cNvPicPr>
+          <p:nvPr/>
+        </p:nvPicPr>
+        <p:blipFill>
+          <a:blip r:embed="rId2">
+            <a:extLst>
+              <a:ext uri="{28A0092B-C50C-407E-A947-70E740481C1C}">
+                <a14:useLocalDpi xmlns:a14="http://schemas.microsoft.com/office/drawing/2010/main" val="0"/>
+              </a:ext>
+            </a:extLst>
+          </a:blip>
+          <a:stretch>
+            <a:fillRect/>
+          </a:stretch>
+        </p:blipFill>
+        <p:spPr>
+          <a:xfrm>
+            <a:off x="1003055" y="1372282"/>
+            <a:ext cx="4429761" cy="4662599"/>
+          </a:xfrm>
+          <a:prstGeom prst="rect">
+            <a:avLst/>
+          </a:prstGeom>
+        </p:spPr>
+      </p:pic>
     </p:spTree>
     <p:extLst>
       <p:ext uri="{BB962C8B-B14F-4D97-AF65-F5344CB8AC3E}">
@@ -5486,535 +4532,7 @@
 </p:sld>
 </file>
 
-<file path=ppt/slides/slide13.xml><?xml version="1.0" encoding="utf-8"?>
-<p:sld xmlns:a="http://schemas.openxmlformats.org/drawingml/2006/main" xmlns:r="http://schemas.openxmlformats.org/officeDocument/2006/relationships" xmlns:p="http://schemas.openxmlformats.org/presentationml/2006/main">
-  <p:cSld>
-    <p:spTree>
-      <p:nvGrpSpPr>
-        <p:cNvPr id="1" name=""/>
-        <p:cNvGrpSpPr/>
-        <p:nvPr/>
-      </p:nvGrpSpPr>
-      <p:grpSpPr>
-        <a:xfrm>
-          <a:off x="0" y="0"/>
-          <a:ext cx="0" cy="0"/>
-          <a:chOff x="0" y="0"/>
-          <a:chExt cx="0" cy="0"/>
-        </a:xfrm>
-      </p:grpSpPr>
-      <p:graphicFrame>
-        <p:nvGraphicFramePr>
-          <p:cNvPr id="3" name="표 2">
-            <a:extLst>
-              <a:ext uri="{FF2B5EF4-FFF2-40B4-BE49-F238E27FC236}">
-                <a16:creationId xmlns:a16="http://schemas.microsoft.com/office/drawing/2014/main" id="{7858959D-94A3-438E-B5B6-A05808F4536A}"/>
-              </a:ext>
-            </a:extLst>
-          </p:cNvPr>
-          <p:cNvGraphicFramePr>
-            <a:graphicFrameLocks noGrp="1"/>
-          </p:cNvGraphicFramePr>
-          <p:nvPr>
-            <p:extLst>
-              <p:ext uri="{D42A27DB-BD31-4B8C-83A1-F6EECF244321}">
-                <p14:modId xmlns:p14="http://schemas.microsoft.com/office/powerpoint/2010/main" val="63957365"/>
-              </p:ext>
-            </p:extLst>
-          </p:nvPr>
-        </p:nvGraphicFramePr>
-        <p:xfrm>
-          <a:off x="1610994" y="2687320"/>
-          <a:ext cx="8970011" cy="1483360"/>
-        </p:xfrm>
-        <a:graphic>
-          <a:graphicData uri="http://schemas.openxmlformats.org/drawingml/2006/table">
-            <a:tbl>
-              <a:tblPr firstRow="1" bandRow="1">
-                <a:tableStyleId>{5C22544A-7EE6-4342-B048-85BDC9FD1C3A}</a:tableStyleId>
-              </a:tblPr>
-              <a:tblGrid>
-                <a:gridCol w="8970011">
-                  <a:extLst>
-                    <a:ext uri="{9D8B030D-6E8A-4147-A177-3AD203B41FA5}">
-                      <a16:colId xmlns:a16="http://schemas.microsoft.com/office/drawing/2014/main" val="2985730691"/>
-                    </a:ext>
-                  </a:extLst>
-                </a:gridCol>
-              </a:tblGrid>
-              <a:tr h="370840">
-                <a:tc>
-                  <a:txBody>
-                    <a:bodyPr/>
-                    <a:lstStyle/>
-                    <a:p>
-                      <a:pPr latinLnBrk="1"/>
-                      <a:r>
-                        <a:rPr lang="ko-KR" altLang="en-US" b="0" dirty="0">
-                          <a:solidFill>
-                            <a:schemeClr val="tx1"/>
-                          </a:solidFill>
-                        </a:rPr>
-                        <a:t>보상</a:t>
-                      </a:r>
-                    </a:p>
-                  </a:txBody>
-                  <a:tcPr>
-                    <a:lnL w="12700" cap="flat" cmpd="sng" algn="ctr">
-                      <a:noFill/>
-                      <a:prstDash val="solid"/>
-                      <a:round/>
-                      <a:headEnd type="none" w="med" len="med"/>
-                      <a:tailEnd type="none" w="med" len="med"/>
-                    </a:lnL>
-                    <a:lnR w="12700" cap="flat" cmpd="sng" algn="ctr">
-                      <a:noFill/>
-                      <a:prstDash val="solid"/>
-                      <a:round/>
-                      <a:headEnd type="none" w="med" len="med"/>
-                      <a:tailEnd type="none" w="med" len="med"/>
-                    </a:lnR>
-                    <a:lnT w="12700" cap="flat" cmpd="sng" algn="ctr">
-                      <a:noFill/>
-                      <a:prstDash val="solid"/>
-                      <a:round/>
-                      <a:headEnd type="none" w="med" len="med"/>
-                      <a:tailEnd type="none" w="med" len="med"/>
-                    </a:lnT>
-                    <a:lnB w="12700" cap="flat" cmpd="sng" algn="ctr">
-                      <a:solidFill>
-                        <a:schemeClr val="tx1"/>
-                      </a:solidFill>
-                      <a:prstDash val="solid"/>
-                      <a:round/>
-                      <a:headEnd type="none" w="med" len="med"/>
-                      <a:tailEnd type="none" w="med" len="med"/>
-                    </a:lnB>
-                    <a:lnTlToBr w="12700" cmpd="sng">
-                      <a:noFill/>
-                      <a:prstDash val="solid"/>
-                    </a:lnTlToBr>
-                    <a:lnBlToTr w="12700" cmpd="sng">
-                      <a:noFill/>
-                      <a:prstDash val="solid"/>
-                    </a:lnBlToTr>
-                    <a:solidFill>
-                      <a:schemeClr val="bg1">
-                        <a:lumMod val="95000"/>
-                      </a:schemeClr>
-                    </a:solidFill>
-                  </a:tcPr>
-                </a:tc>
-                <a:extLst>
-                  <a:ext uri="{0D108BD9-81ED-4DB2-BD59-A6C34878D82A}">
-                    <a16:rowId xmlns:a16="http://schemas.microsoft.com/office/drawing/2014/main" val="4232510737"/>
-                  </a:ext>
-                </a:extLst>
-              </a:tr>
-              <a:tr h="370840">
-                <a:tc>
-                  <a:txBody>
-                    <a:bodyPr/>
-                    <a:lstStyle/>
-                    <a:p>
-                      <a:pPr latinLnBrk="1"/>
-                      <a:r>
-                        <a:rPr lang="ko-KR" altLang="en-US" b="0" dirty="0">
-                          <a:solidFill>
-                            <a:schemeClr val="tx1"/>
-                          </a:solidFill>
-                        </a:rPr>
-                        <a:t>퀘스트 보상은 경험치</a:t>
-                      </a:r>
-                      <a:r>
-                        <a:rPr lang="en-US" altLang="ko-KR" b="0" dirty="0">
-                          <a:solidFill>
-                            <a:schemeClr val="tx1"/>
-                          </a:solidFill>
-                        </a:rPr>
-                        <a:t>, </a:t>
-                      </a:r>
-                      <a:r>
-                        <a:rPr lang="ko-KR" altLang="en-US" b="0" dirty="0">
-                          <a:solidFill>
-                            <a:schemeClr val="tx1"/>
-                          </a:solidFill>
-                        </a:rPr>
-                        <a:t>게임 재화</a:t>
-                      </a:r>
-                      <a:r>
-                        <a:rPr lang="en-US" altLang="ko-KR" b="0" dirty="0">
-                          <a:solidFill>
-                            <a:schemeClr val="tx1"/>
-                          </a:solidFill>
-                        </a:rPr>
-                        <a:t>, </a:t>
-                      </a:r>
-                      <a:r>
-                        <a:rPr lang="ko-KR" altLang="en-US" b="0" dirty="0">
-                          <a:solidFill>
-                            <a:schemeClr val="tx1"/>
-                          </a:solidFill>
-                        </a:rPr>
-                        <a:t>아이템 </a:t>
-                      </a:r>
-                      <a:r>
-                        <a:rPr lang="en-US" altLang="ko-KR" b="0" dirty="0">
-                          <a:solidFill>
-                            <a:schemeClr val="tx1"/>
-                          </a:solidFill>
-                        </a:rPr>
-                        <a:t>3</a:t>
-                      </a:r>
-                      <a:r>
-                        <a:rPr lang="ko-KR" altLang="en-US" b="0" dirty="0">
-                          <a:solidFill>
-                            <a:schemeClr val="tx1"/>
-                          </a:solidFill>
-                        </a:rPr>
-                        <a:t>종류가 존재한다</a:t>
-                      </a:r>
-                      <a:r>
-                        <a:rPr lang="en-US" altLang="ko-KR" b="0" dirty="0">
-                          <a:solidFill>
-                            <a:schemeClr val="tx1"/>
-                          </a:solidFill>
-                        </a:rPr>
-                        <a:t>.</a:t>
-                      </a:r>
-                    </a:p>
-                  </a:txBody>
-                  <a:tcPr>
-                    <a:lnL w="12700" cap="flat" cmpd="sng" algn="ctr">
-                      <a:noFill/>
-                      <a:prstDash val="solid"/>
-                      <a:round/>
-                      <a:headEnd type="none" w="med" len="med"/>
-                      <a:tailEnd type="none" w="med" len="med"/>
-                    </a:lnL>
-                    <a:lnR w="12700" cap="flat" cmpd="sng" algn="ctr">
-                      <a:noFill/>
-                      <a:prstDash val="solid"/>
-                      <a:round/>
-                      <a:headEnd type="none" w="med" len="med"/>
-                      <a:tailEnd type="none" w="med" len="med"/>
-                    </a:lnR>
-                    <a:lnT w="12700" cap="flat" cmpd="sng" algn="ctr">
-                      <a:solidFill>
-                        <a:schemeClr val="tx1"/>
-                      </a:solidFill>
-                      <a:prstDash val="solid"/>
-                      <a:round/>
-                      <a:headEnd type="none" w="med" len="med"/>
-                      <a:tailEnd type="none" w="med" len="med"/>
-                    </a:lnT>
-                    <a:lnB w="12700" cap="flat" cmpd="sng" algn="ctr">
-                      <a:solidFill>
-                        <a:schemeClr val="tx1"/>
-                      </a:solidFill>
-                      <a:prstDash val="solid"/>
-                      <a:round/>
-                      <a:headEnd type="none" w="med" len="med"/>
-                      <a:tailEnd type="none" w="med" len="med"/>
-                    </a:lnB>
-                    <a:lnTlToBr w="12700" cmpd="sng">
-                      <a:noFill/>
-                      <a:prstDash val="solid"/>
-                    </a:lnTlToBr>
-                    <a:lnBlToTr w="12700" cmpd="sng">
-                      <a:noFill/>
-                      <a:prstDash val="solid"/>
-                    </a:lnBlToTr>
-                    <a:noFill/>
-                  </a:tcPr>
-                </a:tc>
-                <a:extLst>
-                  <a:ext uri="{0D108BD9-81ED-4DB2-BD59-A6C34878D82A}">
-                    <a16:rowId xmlns:a16="http://schemas.microsoft.com/office/drawing/2014/main" val="727125318"/>
-                  </a:ext>
-                </a:extLst>
-              </a:tr>
-              <a:tr h="370840">
-                <a:tc>
-                  <a:txBody>
-                    <a:bodyPr/>
-                    <a:lstStyle/>
-                    <a:p>
-                      <a:pPr latinLnBrk="1"/>
-                      <a:r>
-                        <a:rPr lang="ko-KR" altLang="en-US" b="0" dirty="0">
-                          <a:solidFill>
-                            <a:schemeClr val="tx1"/>
-                          </a:solidFill>
-                        </a:rPr>
-                        <a:t>아이템 보상은 최대 </a:t>
-                      </a:r>
-                      <a:r>
-                        <a:rPr lang="en-US" altLang="ko-KR" b="0" dirty="0">
-                          <a:solidFill>
-                            <a:schemeClr val="tx1"/>
-                          </a:solidFill>
-                        </a:rPr>
-                        <a:t>8</a:t>
-                      </a:r>
-                      <a:r>
-                        <a:rPr lang="ko-KR" altLang="en-US" b="0" dirty="0">
-                          <a:solidFill>
-                            <a:schemeClr val="tx1"/>
-                          </a:solidFill>
-                        </a:rPr>
-                        <a:t>종류</a:t>
-                      </a:r>
-                      <a:r>
-                        <a:rPr lang="en-US" altLang="ko-KR" b="0" dirty="0">
-                          <a:solidFill>
-                            <a:schemeClr val="tx1"/>
-                          </a:solidFill>
-                        </a:rPr>
-                        <a:t>, </a:t>
-                      </a:r>
-                      <a:r>
-                        <a:rPr lang="ko-KR" altLang="en-US" b="0" dirty="0">
-                          <a:solidFill>
-                            <a:schemeClr val="tx1"/>
-                          </a:solidFill>
-                        </a:rPr>
-                        <a:t>한 종류 당 최대 </a:t>
-                      </a:r>
-                      <a:r>
-                        <a:rPr lang="en-US" altLang="ko-KR" b="0" dirty="0">
-                          <a:solidFill>
-                            <a:schemeClr val="tx1"/>
-                          </a:solidFill>
-                        </a:rPr>
-                        <a:t>999</a:t>
-                      </a:r>
-                      <a:r>
-                        <a:rPr lang="ko-KR" altLang="en-US" b="0" dirty="0">
-                          <a:solidFill>
-                            <a:schemeClr val="tx1"/>
-                          </a:solidFill>
-                        </a:rPr>
-                        <a:t>개 까지 지급한다</a:t>
-                      </a:r>
-                      <a:r>
-                        <a:rPr lang="en-US" altLang="ko-KR" b="0" dirty="0">
-                          <a:solidFill>
-                            <a:schemeClr val="tx1"/>
-                          </a:solidFill>
-                        </a:rPr>
-                        <a:t>.</a:t>
-                      </a:r>
-                    </a:p>
-                  </a:txBody>
-                  <a:tcPr>
-                    <a:lnL w="12700" cap="flat" cmpd="sng" algn="ctr">
-                      <a:noFill/>
-                      <a:prstDash val="solid"/>
-                      <a:round/>
-                      <a:headEnd type="none" w="med" len="med"/>
-                      <a:tailEnd type="none" w="med" len="med"/>
-                    </a:lnL>
-                    <a:lnR w="12700" cap="flat" cmpd="sng" algn="ctr">
-                      <a:noFill/>
-                      <a:prstDash val="solid"/>
-                      <a:round/>
-                      <a:headEnd type="none" w="med" len="med"/>
-                      <a:tailEnd type="none" w="med" len="med"/>
-                    </a:lnR>
-                    <a:lnT w="12700" cap="flat" cmpd="sng" algn="ctr">
-                      <a:solidFill>
-                        <a:schemeClr val="tx1"/>
-                      </a:solidFill>
-                      <a:prstDash val="solid"/>
-                      <a:round/>
-                      <a:headEnd type="none" w="med" len="med"/>
-                      <a:tailEnd type="none" w="med" len="med"/>
-                    </a:lnT>
-                    <a:lnB w="12700" cap="flat" cmpd="sng" algn="ctr">
-                      <a:solidFill>
-                        <a:schemeClr val="tx1"/>
-                      </a:solidFill>
-                      <a:prstDash val="solid"/>
-                      <a:round/>
-                      <a:headEnd type="none" w="med" len="med"/>
-                      <a:tailEnd type="none" w="med" len="med"/>
-                    </a:lnB>
-                    <a:lnTlToBr w="12700" cmpd="sng">
-                      <a:noFill/>
-                      <a:prstDash val="solid"/>
-                    </a:lnTlToBr>
-                    <a:lnBlToTr w="12700" cmpd="sng">
-                      <a:noFill/>
-                      <a:prstDash val="solid"/>
-                    </a:lnBlToTr>
-                    <a:noFill/>
-                  </a:tcPr>
-                </a:tc>
-                <a:extLst>
-                  <a:ext uri="{0D108BD9-81ED-4DB2-BD59-A6C34878D82A}">
-                    <a16:rowId xmlns:a16="http://schemas.microsoft.com/office/drawing/2014/main" val="2075818999"/>
-                  </a:ext>
-                </a:extLst>
-              </a:tr>
-              <a:tr h="370840">
-                <a:tc>
-                  <a:txBody>
-                    <a:bodyPr/>
-                    <a:lstStyle/>
-                    <a:p>
-                      <a:pPr latinLnBrk="1"/>
-                      <a:r>
-                        <a:rPr lang="en-US" altLang="ko-KR" b="0" dirty="0">
-                          <a:solidFill>
-                            <a:schemeClr val="tx1"/>
-                          </a:solidFill>
-                        </a:rPr>
-                        <a:t>PC</a:t>
-                      </a:r>
-                      <a:r>
-                        <a:rPr lang="ko-KR" altLang="en-US" b="0" dirty="0">
-                          <a:solidFill>
-                            <a:schemeClr val="tx1"/>
-                          </a:solidFill>
-                        </a:rPr>
-                        <a:t>에 인벤토리에 보상을 받을 공간이 없을 경우 완료 보류한다</a:t>
-                      </a:r>
-                      <a:r>
-                        <a:rPr lang="en-US" altLang="ko-KR" b="0" dirty="0">
-                          <a:solidFill>
-                            <a:schemeClr val="tx1"/>
-                          </a:solidFill>
-                        </a:rPr>
-                        <a:t>.</a:t>
-                      </a:r>
-                    </a:p>
-                  </a:txBody>
-                  <a:tcPr>
-                    <a:lnL w="12700" cap="flat" cmpd="sng" algn="ctr">
-                      <a:noFill/>
-                      <a:prstDash val="solid"/>
-                      <a:round/>
-                      <a:headEnd type="none" w="med" len="med"/>
-                      <a:tailEnd type="none" w="med" len="med"/>
-                    </a:lnL>
-                    <a:lnR w="12700" cap="flat" cmpd="sng" algn="ctr">
-                      <a:noFill/>
-                      <a:prstDash val="solid"/>
-                      <a:round/>
-                      <a:headEnd type="none" w="med" len="med"/>
-                      <a:tailEnd type="none" w="med" len="med"/>
-                    </a:lnR>
-                    <a:lnT w="12700" cap="flat" cmpd="sng" algn="ctr">
-                      <a:solidFill>
-                        <a:schemeClr val="tx1"/>
-                      </a:solidFill>
-                      <a:prstDash val="solid"/>
-                      <a:round/>
-                      <a:headEnd type="none" w="med" len="med"/>
-                      <a:tailEnd type="none" w="med" len="med"/>
-                    </a:lnT>
-                    <a:lnB w="12700" cap="flat" cmpd="sng" algn="ctr">
-                      <a:noFill/>
-                      <a:prstDash val="solid"/>
-                      <a:round/>
-                      <a:headEnd type="none" w="med" len="med"/>
-                      <a:tailEnd type="none" w="med" len="med"/>
-                    </a:lnB>
-                    <a:lnTlToBr w="12700" cmpd="sng">
-                      <a:noFill/>
-                      <a:prstDash val="solid"/>
-                    </a:lnTlToBr>
-                    <a:lnBlToTr w="12700" cmpd="sng">
-                      <a:noFill/>
-                      <a:prstDash val="solid"/>
-                    </a:lnBlToTr>
-                    <a:noFill/>
-                  </a:tcPr>
-                </a:tc>
-                <a:extLst>
-                  <a:ext uri="{0D108BD9-81ED-4DB2-BD59-A6C34878D82A}">
-                    <a16:rowId xmlns:a16="http://schemas.microsoft.com/office/drawing/2014/main" val="2664984748"/>
-                  </a:ext>
-                </a:extLst>
-              </a:tr>
-            </a:tbl>
-          </a:graphicData>
-        </a:graphic>
-      </p:graphicFrame>
-      <p:sp>
-        <p:nvSpPr>
-          <p:cNvPr id="5" name="Rect 0">
-            <a:extLst>
-              <a:ext uri="{FF2B5EF4-FFF2-40B4-BE49-F238E27FC236}">
-                <a16:creationId xmlns:a16="http://schemas.microsoft.com/office/drawing/2014/main" id="{973C568C-0574-430B-948F-BD8DC31E2883}"/>
-              </a:ext>
-            </a:extLst>
-          </p:cNvPr>
-          <p:cNvSpPr txBox="1">
-            <a:spLocks/>
-          </p:cNvSpPr>
-          <p:nvPr/>
-        </p:nvSpPr>
-        <p:spPr>
-          <a:xfrm>
-            <a:off x="695325" y="292100"/>
-            <a:ext cx="10801985" cy="862330"/>
-          </a:xfrm>
-          <a:prstGeom prst="rect">
-            <a:avLst/>
-          </a:prstGeom>
-        </p:spPr>
-        <p:txBody>
-          <a:bodyPr vert="horz" wrap="square" lIns="91440" tIns="45720" rIns="91440" bIns="45720" numCol="1" anchor="ctr">
-            <a:normAutofit/>
-          </a:bodyPr>
-          <a:lstStyle>
-            <a:lvl1pPr marL="0" indent="0" algn="l" defTabSz="914400" rtl="0" eaLnBrk="1" latinLnBrk="1" hangingPunct="1">
-              <a:lnSpc>
-                <a:spcPct val="90000"/>
-              </a:lnSpc>
-              <a:spcBef>
-                <a:spcPct val="0"/>
-              </a:spcBef>
-              <a:buFontTx/>
-              <a:buNone/>
-              <a:defRPr lang="en-GB" altLang="en-US" sz="4400">
-                <a:solidFill>
-                  <a:schemeClr val="tx1"/>
-                </a:solidFill>
-                <a:latin typeface="+mj-lt"/>
-                <a:ea typeface="+mj-ea"/>
-                <a:cs typeface="+mj-cs"/>
-              </a:defRPr>
-            </a:lvl1pPr>
-          </a:lstStyle>
-          <a:p>
-            <a:pPr marL="0" indent="0" latinLnBrk="0">
-              <a:buFontTx/>
-              <a:buNone/>
-            </a:pPr>
-            <a:r>
-              <a:rPr lang="ko-KR" altLang="en-US" dirty="0"/>
-              <a:t>보상 규칙</a:t>
-            </a:r>
-          </a:p>
-        </p:txBody>
-      </p:sp>
-    </p:spTree>
-    <p:extLst>
-      <p:ext uri="{BB962C8B-B14F-4D97-AF65-F5344CB8AC3E}">
-        <p14:creationId xmlns:p14="http://schemas.microsoft.com/office/powerpoint/2010/main" val="1352892172"/>
-      </p:ext>
-    </p:extLst>
-  </p:cSld>
-  <p:clrMapOvr>
-    <a:masterClrMapping/>
-  </p:clrMapOvr>
-</p:sld>
-</file>
-
-<file path=ppt/slides/slide14.xml><?xml version="1.0" encoding="utf-8"?>
+<file path=ppt/slides/slide11.xml><?xml version="1.0" encoding="utf-8"?>
 <p:sld xmlns:a="http://schemas.openxmlformats.org/drawingml/2006/main" xmlns:r="http://schemas.openxmlformats.org/officeDocument/2006/relationships" xmlns:p="http://schemas.openxmlformats.org/presentationml/2006/main">
   <p:cSld>
     <p:spTree>
@@ -10835,14 +9353,14 @@
           <p:nvPr>
             <p:extLst>
               <p:ext uri="{D42A27DB-BD31-4B8C-83A1-F6EECF244321}">
-                <p14:modId xmlns:p14="http://schemas.microsoft.com/office/powerpoint/2010/main" val="39993589"/>
+                <p14:modId xmlns:p14="http://schemas.microsoft.com/office/powerpoint/2010/main" val="391635514"/>
               </p:ext>
             </p:extLst>
           </p:nvPr>
         </p:nvGraphicFramePr>
         <p:xfrm>
-          <a:off x="2138203" y="2697480"/>
-          <a:ext cx="7915593" cy="1828800"/>
+          <a:off x="2064385" y="2331720"/>
+          <a:ext cx="8063230" cy="2560320"/>
         </p:xfrm>
         <a:graphic>
           <a:graphicData uri="http://schemas.openxmlformats.org/drawingml/2006/table">
@@ -10851,7 +9369,7 @@
                 <a:tableStyleId>{5C22544A-7EE6-4342-B048-85BDC9FD1C3A}</a:tableStyleId>
               </a:tblPr>
               <a:tblGrid>
-                <a:gridCol w="7915593">
+                <a:gridCol w="8063230">
                   <a:extLst>
                     <a:ext uri="{9D8B030D-6E8A-4147-A177-3AD203B41FA5}">
                       <a16:colId xmlns:a16="http://schemas.microsoft.com/office/drawing/2014/main" val="1738685493"/>
@@ -10920,7 +9438,7 @@
                             <a:schemeClr val="tx1"/>
                           </a:solidFill>
                         </a:rPr>
-                        <a:t>28</a:t>
+                        <a:t>30</a:t>
                       </a:r>
                       <a:r>
                         <a:rPr lang="ko-KR" altLang="en-US" sz="1800" b="0" dirty="0">
@@ -11169,6 +9687,172 @@
                 <a:extLst>
                   <a:ext uri="{0D108BD9-81ED-4DB2-BD59-A6C34878D82A}">
                     <a16:rowId xmlns:a16="http://schemas.microsoft.com/office/drawing/2014/main" val="3156589016"/>
+                  </a:ext>
+                </a:extLst>
+              </a:tr>
+              <a:tr h="0">
+                <a:tc>
+                  <a:txBody>
+                    <a:bodyPr/>
+                    <a:lstStyle/>
+                    <a:p>
+                      <a:pPr latinLnBrk="1"/>
+                      <a:r>
+                        <a:rPr lang="ko-KR" altLang="en-US" sz="1800" b="0" dirty="0">
+                          <a:solidFill>
+                            <a:schemeClr val="tx1"/>
+                          </a:solidFill>
+                        </a:rPr>
+                        <a:t>돌발 퀘스트는 최대 </a:t>
+                      </a:r>
+                      <a:r>
+                        <a:rPr lang="en-US" altLang="ko-KR" sz="1800" b="0" dirty="0">
+                          <a:solidFill>
+                            <a:schemeClr val="tx1"/>
+                          </a:solidFill>
+                        </a:rPr>
+                        <a:t>2</a:t>
+                      </a:r>
+                      <a:r>
+                        <a:rPr lang="ko-KR" altLang="en-US" sz="1800" b="0" dirty="0">
+                          <a:solidFill>
+                            <a:schemeClr val="tx1"/>
+                          </a:solidFill>
+                        </a:rPr>
+                        <a:t>개 까지 동시 수행 가능하다</a:t>
+                      </a:r>
+                      <a:r>
+                        <a:rPr lang="en-US" altLang="ko-KR" sz="1800" b="0" dirty="0">
+                          <a:solidFill>
+                            <a:schemeClr val="tx1"/>
+                          </a:solidFill>
+                        </a:rPr>
+                        <a:t>.</a:t>
+                      </a:r>
+                    </a:p>
+                  </a:txBody>
+                  <a:tcPr>
+                    <a:lnL w="12700" cap="flat" cmpd="sng" algn="ctr">
+                      <a:noFill/>
+                      <a:prstDash val="solid"/>
+                      <a:round/>
+                      <a:headEnd type="none" w="med" len="med"/>
+                      <a:tailEnd type="none" w="med" len="med"/>
+                    </a:lnL>
+                    <a:lnR w="12700" cap="flat" cmpd="sng" algn="ctr">
+                      <a:noFill/>
+                      <a:prstDash val="solid"/>
+                      <a:round/>
+                      <a:headEnd type="none" w="med" len="med"/>
+                      <a:tailEnd type="none" w="med" len="med"/>
+                    </a:lnR>
+                    <a:lnT w="12700" cap="flat" cmpd="sng" algn="ctr">
+                      <a:solidFill>
+                        <a:schemeClr val="tx1"/>
+                      </a:solidFill>
+                      <a:prstDash val="solid"/>
+                      <a:round/>
+                      <a:headEnd type="none" w="med" len="med"/>
+                      <a:tailEnd type="none" w="med" len="med"/>
+                    </a:lnT>
+                    <a:lnB w="12700" cap="flat" cmpd="sng" algn="ctr">
+                      <a:solidFill>
+                        <a:schemeClr val="tx1"/>
+                      </a:solidFill>
+                      <a:prstDash val="solid"/>
+                      <a:round/>
+                      <a:headEnd type="none" w="med" len="med"/>
+                      <a:tailEnd type="none" w="med" len="med"/>
+                    </a:lnB>
+                    <a:lnTlToBr w="12700" cmpd="sng">
+                      <a:noFill/>
+                      <a:prstDash val="solid"/>
+                    </a:lnTlToBr>
+                    <a:lnBlToTr w="12700" cmpd="sng">
+                      <a:noFill/>
+                      <a:prstDash val="solid"/>
+                    </a:lnBlToTr>
+                    <a:noFill/>
+                  </a:tcPr>
+                </a:tc>
+                <a:extLst>
+                  <a:ext uri="{0D108BD9-81ED-4DB2-BD59-A6C34878D82A}">
+                    <a16:rowId xmlns:a16="http://schemas.microsoft.com/office/drawing/2014/main" val="2189569172"/>
+                  </a:ext>
+                </a:extLst>
+              </a:tr>
+              <a:tr h="0">
+                <a:tc>
+                  <a:txBody>
+                    <a:bodyPr/>
+                    <a:lstStyle/>
+                    <a:p>
+                      <a:pPr latinLnBrk="1"/>
+                      <a:r>
+                        <a:rPr lang="ko-KR" altLang="en-US" sz="1800" b="0" dirty="0">
+                          <a:solidFill>
+                            <a:schemeClr val="tx1"/>
+                          </a:solidFill>
+                        </a:rPr>
+                        <a:t>돌발 퀘스트는 자동 수락되며 실패 및 수행 범위 이탈 시 자동으로 포기된다</a:t>
+                      </a:r>
+                      <a:r>
+                        <a:rPr lang="en-US" altLang="ko-KR" sz="1800" b="0" dirty="0">
+                          <a:solidFill>
+                            <a:schemeClr val="tx1"/>
+                          </a:solidFill>
+                        </a:rPr>
+                        <a:t>.</a:t>
+                      </a:r>
+                    </a:p>
+                  </a:txBody>
+                  <a:tcPr>
+                    <a:lnL w="12700" cap="flat" cmpd="sng" algn="ctr">
+                      <a:noFill/>
+                      <a:prstDash val="solid"/>
+                      <a:round/>
+                      <a:headEnd type="none" w="med" len="med"/>
+                      <a:tailEnd type="none" w="med" len="med"/>
+                    </a:lnL>
+                    <a:lnR w="12700" cap="flat" cmpd="sng" algn="ctr">
+                      <a:noFill/>
+                      <a:prstDash val="solid"/>
+                      <a:round/>
+                      <a:headEnd type="none" w="med" len="med"/>
+                      <a:tailEnd type="none" w="med" len="med"/>
+                    </a:lnR>
+                    <a:lnT w="12700" cap="flat" cmpd="sng" algn="ctr">
+                      <a:solidFill>
+                        <a:schemeClr val="tx1"/>
+                      </a:solidFill>
+                      <a:prstDash val="solid"/>
+                      <a:round/>
+                      <a:headEnd type="none" w="med" len="med"/>
+                      <a:tailEnd type="none" w="med" len="med"/>
+                    </a:lnT>
+                    <a:lnB w="12700" cap="flat" cmpd="sng" algn="ctr">
+                      <a:solidFill>
+                        <a:schemeClr val="tx1"/>
+                      </a:solidFill>
+                      <a:prstDash val="solid"/>
+                      <a:round/>
+                      <a:headEnd type="none" w="med" len="med"/>
+                      <a:tailEnd type="none" w="med" len="med"/>
+                    </a:lnB>
+                    <a:lnTlToBr w="12700" cmpd="sng">
+                      <a:noFill/>
+                      <a:prstDash val="solid"/>
+                    </a:lnTlToBr>
+                    <a:lnBlToTr w="12700" cmpd="sng">
+                      <a:noFill/>
+                      <a:prstDash val="solid"/>
+                    </a:lnBlToTr>
+                    <a:noFill/>
+                  </a:tcPr>
+                </a:tc>
+                <a:extLst>
+                  <a:ext uri="{0D108BD9-81ED-4DB2-BD59-A6C34878D82A}">
+                    <a16:rowId xmlns:a16="http://schemas.microsoft.com/office/drawing/2014/main" val="3992294389"/>
                   </a:ext>
                 </a:extLst>
               </a:tr>
@@ -11294,14 +9978,14 @@
           <p:nvPr>
             <p:extLst>
               <p:ext uri="{D42A27DB-BD31-4B8C-83A1-F6EECF244321}">
-                <p14:modId xmlns:p14="http://schemas.microsoft.com/office/powerpoint/2010/main" val="1097054881"/>
+                <p14:modId xmlns:p14="http://schemas.microsoft.com/office/powerpoint/2010/main" val="545046803"/>
               </p:ext>
             </p:extLst>
           </p:nvPr>
         </p:nvGraphicFramePr>
         <p:xfrm>
           <a:off x="5102542" y="1762953"/>
-          <a:ext cx="6394768" cy="3688080"/>
+          <a:ext cx="6394768" cy="3870960"/>
         </p:xfrm>
         <a:graphic>
           <a:graphicData uri="http://schemas.openxmlformats.org/drawingml/2006/table">
@@ -11332,7 +10016,7 @@
                   </a:extLst>
                 </a:gridCol>
               </a:tblGrid>
-              <a:tr h="0">
+              <a:tr h="202493">
                 <a:tc gridSpan="3">
                   <a:txBody>
                     <a:bodyPr/>
@@ -11340,7 +10024,7 @@
                     <a:p>
                       <a:pPr latinLnBrk="1"/>
                       <a:r>
-                        <a:rPr lang="ko-KR" altLang="en-US" sz="1600" b="0" dirty="0">
+                        <a:rPr lang="ko-KR" altLang="en-US" sz="1400" b="0" dirty="0">
                           <a:solidFill>
                             <a:schemeClr val="tx1"/>
                           </a:solidFill>
@@ -11423,7 +10107,7 @@
                   </a:ext>
                 </a:extLst>
               </a:tr>
-              <a:tr h="0">
+              <a:tr h="202493">
                 <a:tc gridSpan="3">
                   <a:txBody>
                     <a:bodyPr/>
@@ -11447,7 +10131,7 @@
                         <a:defRPr/>
                       </a:pPr>
                       <a:r>
-                        <a:rPr lang="ko-KR" altLang="en-US" sz="1600" b="0" dirty="0">
+                        <a:rPr lang="ko-KR" altLang="en-US" sz="1400" b="0" dirty="0">
                           <a:solidFill>
                             <a:schemeClr val="tx1"/>
                           </a:solidFill>
@@ -11455,7 +10139,7 @@
                         <a:t>퀘스트 발생 조건은 레벨</a:t>
                       </a:r>
                       <a:r>
-                        <a:rPr lang="en-US" altLang="ko-KR" sz="1600" b="0" dirty="0">
+                        <a:rPr lang="en-US" altLang="ko-KR" sz="1400" b="0" dirty="0">
                           <a:solidFill>
                             <a:schemeClr val="tx1"/>
                           </a:solidFill>
@@ -11463,7 +10147,7 @@
                         <a:t>, </a:t>
                       </a:r>
                       <a:r>
-                        <a:rPr lang="ko-KR" altLang="en-US" sz="1600" b="0" dirty="0">
+                        <a:rPr lang="ko-KR" altLang="en-US" sz="1400" b="0" dirty="0">
                           <a:solidFill>
                             <a:schemeClr val="tx1"/>
                           </a:solidFill>
@@ -11471,7 +10155,7 @@
                         <a:t>시간</a:t>
                       </a:r>
                       <a:r>
-                        <a:rPr lang="en-US" altLang="ko-KR" sz="1600" b="0" dirty="0">
+                        <a:rPr lang="en-US" altLang="ko-KR" sz="1400" b="0" dirty="0">
                           <a:solidFill>
                             <a:schemeClr val="tx1"/>
                           </a:solidFill>
@@ -11479,7 +10163,7 @@
                         <a:t>, </a:t>
                       </a:r>
                       <a:r>
-                        <a:rPr lang="ko-KR" altLang="en-US" sz="1600" b="0" dirty="0">
+                        <a:rPr lang="ko-KR" altLang="en-US" sz="1400" b="0" dirty="0">
                           <a:solidFill>
                             <a:schemeClr val="tx1"/>
                           </a:solidFill>
@@ -11487,14 +10171,14 @@
                         <a:t>상호 작용 등이 있다</a:t>
                       </a:r>
                       <a:r>
-                        <a:rPr lang="en-US" altLang="ko-KR" sz="1600" b="0" dirty="0">
+                        <a:rPr lang="en-US" altLang="ko-KR" sz="1400" b="0" dirty="0">
                           <a:solidFill>
                             <a:schemeClr val="tx1"/>
                           </a:solidFill>
                         </a:rPr>
                         <a:t>.</a:t>
                       </a:r>
-                      <a:endParaRPr lang="ko-KR" altLang="en-US" sz="1600" b="0" dirty="0">
+                      <a:endParaRPr lang="ko-KR" altLang="en-US" sz="1400" b="0" dirty="0">
                         <a:solidFill>
                           <a:schemeClr val="tx1"/>
                         </a:solidFill>
@@ -11573,7 +10257,7 @@
                   </a:ext>
                 </a:extLst>
               </a:tr>
-              <a:tr h="0">
+              <a:tr h="202493">
                 <a:tc gridSpan="3">
                   <a:txBody>
                     <a:bodyPr/>
@@ -11597,7 +10281,7 @@
                         <a:defRPr/>
                       </a:pPr>
                       <a:r>
-                        <a:rPr lang="ko-KR" altLang="en-US" sz="1600" b="0" dirty="0">
+                        <a:rPr lang="ko-KR" altLang="en-US" sz="1400" b="0" dirty="0">
                           <a:solidFill>
                             <a:schemeClr val="tx1"/>
                           </a:solidFill>
@@ -11605,7 +10289,7 @@
                         <a:t>하나의 퀘스트 당 발생 조건은 최대 </a:t>
                       </a:r>
                       <a:r>
-                        <a:rPr lang="en-US" altLang="ko-KR" sz="1600" b="0" dirty="0">
+                        <a:rPr lang="en-US" altLang="ko-KR" sz="1400" b="0" dirty="0">
                           <a:solidFill>
                             <a:schemeClr val="tx1"/>
                           </a:solidFill>
@@ -11613,7 +10297,7 @@
                         <a:t>3</a:t>
                       </a:r>
                       <a:r>
-                        <a:rPr lang="ko-KR" altLang="en-US" sz="1600" b="0" dirty="0">
+                        <a:rPr lang="ko-KR" altLang="en-US" sz="1400" b="0" dirty="0">
                           <a:solidFill>
                             <a:schemeClr val="tx1"/>
                           </a:solidFill>
@@ -11621,14 +10305,14 @@
                         <a:t>개 까지 있다</a:t>
                       </a:r>
                       <a:r>
-                        <a:rPr lang="en-US" altLang="ko-KR" sz="1600" b="0" dirty="0">
+                        <a:rPr lang="en-US" altLang="ko-KR" sz="1400" b="0" dirty="0">
                           <a:solidFill>
                             <a:schemeClr val="tx1"/>
                           </a:solidFill>
                         </a:rPr>
                         <a:t>.</a:t>
                       </a:r>
-                      <a:endParaRPr lang="ko-KR" altLang="en-US" sz="1600" b="0" dirty="0">
+                      <a:endParaRPr lang="ko-KR" altLang="en-US" sz="1400" b="0" dirty="0">
                         <a:solidFill>
                           <a:schemeClr val="tx1"/>
                         </a:solidFill>
@@ -11707,7 +10391,7 @@
                   </a:ext>
                 </a:extLst>
               </a:tr>
-              <a:tr h="0">
+              <a:tr h="202493">
                 <a:tc gridSpan="3">
                   <a:txBody>
                     <a:bodyPr/>
@@ -11715,7 +10399,7 @@
                     <a:p>
                       <a:pPr latinLnBrk="1"/>
                       <a:r>
-                        <a:rPr lang="ko-KR" altLang="en-US" sz="1600" b="0" dirty="0">
+                        <a:rPr lang="ko-KR" altLang="en-US" sz="1400" b="0" dirty="0">
                           <a:solidFill>
                             <a:schemeClr val="tx1"/>
                           </a:solidFill>
@@ -11723,7 +10407,7 @@
                         <a:t>퀘스트 발생시 해당 퀘스트 부여 </a:t>
                       </a:r>
                       <a:r>
-                        <a:rPr lang="en-US" altLang="ko-KR" sz="1600" b="0" dirty="0">
+                        <a:rPr lang="en-US" altLang="ko-KR" sz="1400" b="0" dirty="0">
                           <a:solidFill>
                             <a:schemeClr val="tx1"/>
                           </a:solidFill>
@@ -11731,7 +10415,7 @@
                         <a:t>NPC, </a:t>
                       </a:r>
                       <a:r>
-                        <a:rPr lang="ko-KR" altLang="en-US" sz="1600" b="0" dirty="0">
+                        <a:rPr lang="ko-KR" altLang="en-US" sz="1400" b="0" dirty="0">
                           <a:solidFill>
                             <a:schemeClr val="tx1"/>
                           </a:solidFill>
@@ -11739,14 +10423,14 @@
                         <a:t>오브젝트에 아이콘 발생한다</a:t>
                       </a:r>
                       <a:r>
-                        <a:rPr lang="en-US" altLang="ko-KR" sz="1600" b="0" dirty="0">
+                        <a:rPr lang="en-US" altLang="ko-KR" sz="1400" b="0" dirty="0">
                           <a:solidFill>
                             <a:schemeClr val="tx1"/>
                           </a:solidFill>
                         </a:rPr>
                         <a:t>.</a:t>
                       </a:r>
-                      <a:endParaRPr lang="ko-KR" altLang="en-US" sz="1600" b="0" dirty="0">
+                      <a:endParaRPr lang="ko-KR" altLang="en-US" sz="1400" b="0" dirty="0">
                         <a:solidFill>
                           <a:schemeClr val="tx1"/>
                         </a:solidFill>
@@ -11825,7 +10509,7 @@
                   </a:ext>
                 </a:extLst>
               </a:tr>
-              <a:tr h="0">
+              <a:tr h="202493">
                 <a:tc gridSpan="3">
                   <a:txBody>
                     <a:bodyPr/>
@@ -11833,7 +10517,7 @@
                     <a:p>
                       <a:pPr latinLnBrk="1"/>
                       <a:r>
-                        <a:rPr lang="ko-KR" altLang="en-US" sz="1600" b="0" dirty="0">
+                        <a:rPr lang="ko-KR" altLang="en-US" sz="1400" b="0" dirty="0">
                           <a:solidFill>
                             <a:schemeClr val="tx1"/>
                           </a:solidFill>
@@ -11841,7 +10525,7 @@
                         <a:t>퀘스트 아이콘은 우선도에 따라 </a:t>
                       </a:r>
                       <a:r>
-                        <a:rPr lang="en-US" altLang="ko-KR" sz="1600" b="0" dirty="0">
+                        <a:rPr lang="en-US" altLang="ko-KR" sz="1400" b="0" dirty="0">
                           <a:solidFill>
                             <a:schemeClr val="tx1"/>
                           </a:solidFill>
@@ -11849,7 +10533,7 @@
                         <a:t>NPC, </a:t>
                       </a:r>
                       <a:r>
-                        <a:rPr lang="ko-KR" altLang="en-US" sz="1600" b="0" dirty="0">
+                        <a:rPr lang="ko-KR" altLang="en-US" sz="1400" b="0" dirty="0">
                           <a:solidFill>
                             <a:schemeClr val="tx1"/>
                           </a:solidFill>
@@ -11857,7 +10541,7 @@
                         <a:t>오브젝트에 </a:t>
                       </a:r>
                       <a:r>
-                        <a:rPr lang="en-US" altLang="ko-KR" sz="1600" b="0" dirty="0">
+                        <a:rPr lang="en-US" altLang="ko-KR" sz="1400" b="0" dirty="0">
                           <a:solidFill>
                             <a:schemeClr val="tx1"/>
                           </a:solidFill>
@@ -11865,7 +10549,7 @@
                         <a:t>1</a:t>
                       </a:r>
                       <a:r>
-                        <a:rPr lang="ko-KR" altLang="en-US" sz="1600" b="0" dirty="0">
+                        <a:rPr lang="ko-KR" altLang="en-US" sz="1400" b="0" dirty="0">
                           <a:solidFill>
                             <a:schemeClr val="tx1"/>
                           </a:solidFill>
@@ -11873,14 +10557,14 @@
                         <a:t>개만 발생한다</a:t>
                       </a:r>
                       <a:r>
-                        <a:rPr lang="en-US" altLang="ko-KR" sz="1600" b="0" dirty="0">
+                        <a:rPr lang="en-US" altLang="ko-KR" sz="1400" b="0" dirty="0">
                           <a:solidFill>
                             <a:schemeClr val="tx1"/>
                           </a:solidFill>
                         </a:rPr>
                         <a:t>.</a:t>
                       </a:r>
-                      <a:endParaRPr lang="ko-KR" altLang="en-US" sz="1600" b="0" dirty="0">
+                      <a:endParaRPr lang="ko-KR" altLang="en-US" sz="1400" b="0" dirty="0">
                         <a:solidFill>
                           <a:schemeClr val="tx1"/>
                         </a:solidFill>
@@ -11959,7 +10643,157 @@
                   </a:ext>
                 </a:extLst>
               </a:tr>
-              <a:tr h="0">
+              <a:tr h="344237">
+                <a:tc gridSpan="3">
+                  <a:txBody>
+                    <a:bodyPr/>
+                    <a:lstStyle/>
+                    <a:p>
+                      <a:pPr latinLnBrk="1"/>
+                      <a:r>
+                        <a:rPr lang="ko-KR" altLang="en-US" sz="1400" b="0" dirty="0">
+                          <a:solidFill>
+                            <a:schemeClr val="tx1"/>
+                          </a:solidFill>
+                        </a:rPr>
+                        <a:t>현재 진행 중인 퀘스트의 량이 최대 수행 퀘스트 량 이상일 경우 </a:t>
+                      </a:r>
+                      <a:endParaRPr lang="en-US" altLang="ko-KR" sz="1400" b="0" dirty="0">
+                        <a:solidFill>
+                          <a:schemeClr val="tx1"/>
+                        </a:solidFill>
+                      </a:endParaRPr>
+                    </a:p>
+                    <a:p>
+                      <a:pPr marL="0" marR="0" lvl="0" indent="0" algn="l" defTabSz="914400" rtl="0" eaLnBrk="1" fontAlgn="auto" latinLnBrk="1" hangingPunct="1">
+                        <a:lnSpc>
+                          <a:spcPct val="100000"/>
+                        </a:lnSpc>
+                        <a:spcBef>
+                          <a:spcPts val="0"/>
+                        </a:spcBef>
+                        <a:spcAft>
+                          <a:spcPts val="0"/>
+                        </a:spcAft>
+                        <a:buClrTx/>
+                        <a:buSzTx/>
+                        <a:buFontTx/>
+                        <a:buNone/>
+                        <a:tabLst/>
+                        <a:defRPr/>
+                      </a:pPr>
+                      <a:r>
+                        <a:rPr lang="ko-KR" altLang="en-US" sz="1400" b="0" dirty="0">
+                          <a:solidFill>
+                            <a:schemeClr val="tx1"/>
+                          </a:solidFill>
+                        </a:rPr>
+                        <a:t>적정 레벨 수락 가능 퀘스트</a:t>
+                      </a:r>
+                      <a:r>
+                        <a:rPr lang="en-US" altLang="ko-KR" sz="1400" b="0" dirty="0">
+                          <a:solidFill>
+                            <a:schemeClr val="tx1"/>
+                          </a:solidFill>
+                        </a:rPr>
+                        <a:t>, </a:t>
+                      </a:r>
+                      <a:r>
+                        <a:rPr lang="ko-KR" altLang="en-US" sz="1400" b="0" dirty="0">
+                          <a:solidFill>
+                            <a:schemeClr val="tx1"/>
+                          </a:solidFill>
+                        </a:rPr>
+                        <a:t>수락 가능 퀘스트 아이콘이 발생하지 않는다</a:t>
+                      </a:r>
+                      <a:r>
+                        <a:rPr lang="en-US" altLang="ko-KR" sz="1400" b="0" dirty="0">
+                          <a:solidFill>
+                            <a:schemeClr val="tx1"/>
+                          </a:solidFill>
+                        </a:rPr>
+                        <a:t>.</a:t>
+                      </a:r>
+                      <a:endParaRPr lang="ko-KR" altLang="en-US" sz="1400" b="0" dirty="0">
+                        <a:solidFill>
+                          <a:schemeClr val="tx1"/>
+                        </a:solidFill>
+                      </a:endParaRPr>
+                    </a:p>
+                  </a:txBody>
+                  <a:tcPr>
+                    <a:lnL w="12700" cap="flat" cmpd="sng" algn="ctr">
+                      <a:noFill/>
+                      <a:prstDash val="solid"/>
+                      <a:round/>
+                      <a:headEnd type="none" w="med" len="med"/>
+                      <a:tailEnd type="none" w="med" len="med"/>
+                    </a:lnL>
+                    <a:lnR w="12700" cap="flat" cmpd="sng" algn="ctr">
+                      <a:noFill/>
+                      <a:prstDash val="solid"/>
+                      <a:round/>
+                      <a:headEnd type="none" w="med" len="med"/>
+                      <a:tailEnd type="none" w="med" len="med"/>
+                    </a:lnR>
+                    <a:lnT w="12700" cap="flat" cmpd="sng" algn="ctr">
+                      <a:solidFill>
+                        <a:schemeClr val="tx1"/>
+                      </a:solidFill>
+                      <a:prstDash val="solid"/>
+                      <a:round/>
+                      <a:headEnd type="none" w="med" len="med"/>
+                      <a:tailEnd type="none" w="med" len="med"/>
+                    </a:lnT>
+                    <a:lnB w="12700" cap="flat" cmpd="sng" algn="ctr">
+                      <a:solidFill>
+                        <a:schemeClr val="tx1"/>
+                      </a:solidFill>
+                      <a:prstDash val="solid"/>
+                      <a:round/>
+                      <a:headEnd type="none" w="med" len="med"/>
+                      <a:tailEnd type="none" w="med" len="med"/>
+                    </a:lnB>
+                    <a:lnTlToBr w="12700" cmpd="sng">
+                      <a:noFill/>
+                      <a:prstDash val="solid"/>
+                    </a:lnTlToBr>
+                    <a:lnBlToTr w="12700" cmpd="sng">
+                      <a:noFill/>
+                      <a:prstDash val="solid"/>
+                    </a:lnBlToTr>
+                    <a:noFill/>
+                  </a:tcPr>
+                </a:tc>
+                <a:tc hMerge="1">
+                  <a:txBody>
+                    <a:bodyPr/>
+                    <a:lstStyle/>
+                    <a:p>
+                      <a:pPr latinLnBrk="1"/>
+                      <a:endParaRPr lang="ko-KR" altLang="en-US"/>
+                    </a:p>
+                  </a:txBody>
+                  <a:tcPr/>
+                </a:tc>
+                <a:tc hMerge="1">
+                  <a:txBody>
+                    <a:bodyPr/>
+                    <a:lstStyle/>
+                    <a:p>
+                      <a:pPr latinLnBrk="1"/>
+                      <a:endParaRPr lang="ko-KR" altLang="en-US"/>
+                    </a:p>
+                  </a:txBody>
+                  <a:tcPr/>
+                </a:tc>
+                <a:extLst>
+                  <a:ext uri="{0D108BD9-81ED-4DB2-BD59-A6C34878D82A}">
+                    <a16:rowId xmlns:a16="http://schemas.microsoft.com/office/drawing/2014/main" val="627589544"/>
+                  </a:ext>
+                </a:extLst>
+              </a:tr>
+              <a:tr h="202493">
                 <a:tc>
                   <a:txBody>
                     <a:bodyPr/>
@@ -11967,7 +10801,7 @@
                     <a:p>
                       <a:pPr algn="ctr" latinLnBrk="1"/>
                       <a:r>
-                        <a:rPr lang="ko-KR" altLang="en-US" sz="1600" b="0" dirty="0">
+                        <a:rPr lang="ko-KR" altLang="en-US" sz="1400" b="0" dirty="0">
                           <a:solidFill>
                             <a:schemeClr val="tx1"/>
                           </a:solidFill>
@@ -12033,7 +10867,7 @@
                     <a:p>
                       <a:pPr algn="ctr" latinLnBrk="1"/>
                       <a:r>
-                        <a:rPr lang="ko-KR" altLang="en-US" sz="1600" b="0" dirty="0">
+                        <a:rPr lang="ko-KR" altLang="en-US" sz="1400" b="0" dirty="0">
                           <a:solidFill>
                             <a:schemeClr val="tx1"/>
                           </a:solidFill>
@@ -12101,7 +10935,7 @@
                     <a:p>
                       <a:pPr algn="ctr" latinLnBrk="1"/>
                       <a:r>
-                        <a:rPr lang="ko-KR" altLang="en-US" sz="1600" b="0" dirty="0">
+                        <a:rPr lang="ko-KR" altLang="en-US" sz="1400" b="0" dirty="0">
                           <a:solidFill>
                             <a:schemeClr val="tx1"/>
                           </a:solidFill>
@@ -12166,7 +11000,7 @@
                   </a:ext>
                 </a:extLst>
               </a:tr>
-              <a:tr h="0">
+              <a:tr h="202493">
                 <a:tc>
                   <a:txBody>
                     <a:bodyPr/>
@@ -12174,14 +11008,14 @@
                     <a:p>
                       <a:pPr algn="ctr" latinLnBrk="1"/>
                       <a:r>
-                        <a:rPr lang="en-US" altLang="ko-KR" sz="1600" b="0" dirty="0">
+                        <a:rPr lang="en-US" altLang="ko-KR" sz="1400" b="0" dirty="0">
                           <a:solidFill>
                             <a:schemeClr val="tx1"/>
                           </a:solidFill>
                         </a:rPr>
                         <a:t>0</a:t>
                       </a:r>
-                      <a:endParaRPr lang="ko-KR" altLang="en-US" sz="1600" b="0" dirty="0">
+                      <a:endParaRPr lang="ko-KR" altLang="en-US" sz="1400" b="0" dirty="0">
                         <a:solidFill>
                           <a:schemeClr val="tx1"/>
                         </a:solidFill>
@@ -12241,7 +11075,7 @@
                     <a:p>
                       <a:pPr algn="ctr" latinLnBrk="1"/>
                       <a:r>
-                        <a:rPr lang="en-US" altLang="ko-KR" sz="1600" b="0" dirty="0">
+                        <a:rPr lang="en-US" altLang="ko-KR" sz="1400" b="0" dirty="0">
                           <a:solidFill>
                             <a:schemeClr val="accent4">
                               <a:lumMod val="50000"/>
@@ -12250,7 +11084,7 @@
                         </a:rPr>
                         <a:t>?</a:t>
                       </a:r>
-                      <a:endParaRPr lang="ko-KR" altLang="en-US" sz="1600" b="0" dirty="0">
+                      <a:endParaRPr lang="ko-KR" altLang="en-US" sz="1400" b="0" dirty="0">
                         <a:solidFill>
                           <a:schemeClr val="accent4">
                             <a:lumMod val="50000"/>
@@ -12314,7 +11148,7 @@
                     <a:p>
                       <a:pPr latinLnBrk="1"/>
                       <a:r>
-                        <a:rPr lang="ko-KR" altLang="en-US" sz="1600" b="0" dirty="0">
+                        <a:rPr lang="ko-KR" altLang="en-US" sz="1400" b="0" dirty="0">
                           <a:solidFill>
                             <a:schemeClr val="tx1"/>
                           </a:solidFill>
@@ -12375,7 +11209,7 @@
                   </a:ext>
                 </a:extLst>
               </a:tr>
-              <a:tr h="0">
+              <a:tr h="202493">
                 <a:tc>
                   <a:txBody>
                     <a:bodyPr/>
@@ -12383,14 +11217,14 @@
                     <a:p>
                       <a:pPr algn="ctr" latinLnBrk="1"/>
                       <a:r>
-                        <a:rPr lang="en-US" altLang="ko-KR" sz="1600" b="0">
+                        <a:rPr lang="en-US" altLang="ko-KR" sz="1400" b="0">
                           <a:solidFill>
                             <a:schemeClr val="tx1"/>
                           </a:solidFill>
                         </a:rPr>
                         <a:t>1</a:t>
                       </a:r>
-                      <a:endParaRPr lang="ko-KR" altLang="en-US" sz="1600" b="0" dirty="0">
+                      <a:endParaRPr lang="ko-KR" altLang="en-US" sz="1400" b="0" dirty="0">
                         <a:solidFill>
                           <a:schemeClr val="tx1"/>
                         </a:solidFill>
@@ -12450,7 +11284,7 @@
                     <a:p>
                       <a:pPr algn="ctr" latinLnBrk="1"/>
                       <a:r>
-                        <a:rPr lang="en-US" altLang="ko-KR" sz="1600" b="0" dirty="0">
+                        <a:rPr lang="en-US" altLang="ko-KR" sz="1400" b="0" dirty="0">
                           <a:solidFill>
                             <a:schemeClr val="accent4">
                               <a:lumMod val="75000"/>
@@ -12459,7 +11293,7 @@
                         </a:rPr>
                         <a:t>!</a:t>
                       </a:r>
-                      <a:endParaRPr lang="ko-KR" altLang="en-US" sz="1600" b="0" dirty="0">
+                      <a:endParaRPr lang="ko-KR" altLang="en-US" sz="1400" b="0" dirty="0">
                         <a:solidFill>
                           <a:schemeClr val="accent4">
                             <a:lumMod val="75000"/>
@@ -12523,7 +11357,7 @@
                     <a:p>
                       <a:pPr latinLnBrk="1"/>
                       <a:r>
-                        <a:rPr lang="ko-KR" altLang="en-US" sz="1600" b="0" dirty="0">
+                        <a:rPr lang="ko-KR" altLang="en-US" sz="1400" b="0" dirty="0">
                           <a:solidFill>
                             <a:schemeClr val="tx1"/>
                           </a:solidFill>
@@ -12531,7 +11365,7 @@
                         <a:t>적정 레벨</a:t>
                       </a:r>
                       <a:r>
-                        <a:rPr lang="en-US" altLang="ko-KR" sz="1600" b="0" dirty="0">
+                        <a:rPr lang="en-US" altLang="ko-KR" sz="1400" b="0" dirty="0">
                           <a:solidFill>
                             <a:schemeClr val="tx1"/>
                           </a:solidFill>
@@ -12539,7 +11373,7 @@
                         <a:t>(±5)</a:t>
                       </a:r>
                       <a:r>
-                        <a:rPr lang="ko-KR" altLang="en-US" sz="1600" b="0" dirty="0">
+                        <a:rPr lang="ko-KR" altLang="en-US" sz="1400" b="0" dirty="0">
                           <a:solidFill>
                             <a:schemeClr val="tx1"/>
                           </a:solidFill>
@@ -12600,7 +11434,7 @@
                   </a:ext>
                 </a:extLst>
               </a:tr>
-              <a:tr h="0">
+              <a:tr h="202493">
                 <a:tc>
                   <a:txBody>
                     <a:bodyPr/>
@@ -12608,14 +11442,14 @@
                     <a:p>
                       <a:pPr algn="ctr" latinLnBrk="1"/>
                       <a:r>
-                        <a:rPr lang="en-US" altLang="ko-KR" sz="1600" b="0">
+                        <a:rPr lang="en-US" altLang="ko-KR" sz="1400" b="0">
                           <a:solidFill>
                             <a:schemeClr val="tx1"/>
                           </a:solidFill>
                         </a:rPr>
                         <a:t>2</a:t>
                       </a:r>
-                      <a:endParaRPr lang="ko-KR" altLang="en-US" sz="1600" b="0" dirty="0">
+                      <a:endParaRPr lang="ko-KR" altLang="en-US" sz="1400" b="0" dirty="0">
                         <a:solidFill>
                           <a:schemeClr val="tx1"/>
                         </a:solidFill>
@@ -12675,7 +11509,7 @@
                     <a:p>
                       <a:pPr algn="ctr" latinLnBrk="1"/>
                       <a:r>
-                        <a:rPr lang="en-US" altLang="ko-KR" sz="1600" b="0" dirty="0">
+                        <a:rPr lang="en-US" altLang="ko-KR" sz="1400" b="0" dirty="0">
                           <a:solidFill>
                             <a:schemeClr val="accent4">
                               <a:lumMod val="75000"/>
@@ -12684,7 +11518,7 @@
                         </a:rPr>
                         <a:t>…</a:t>
                       </a:r>
-                      <a:endParaRPr lang="ko-KR" altLang="en-US" sz="1600" b="0" dirty="0">
+                      <a:endParaRPr lang="ko-KR" altLang="en-US" sz="1400" b="0" dirty="0">
                         <a:solidFill>
                           <a:schemeClr val="accent4">
                             <a:lumMod val="75000"/>
@@ -12748,7 +11582,7 @@
                     <a:p>
                       <a:pPr latinLnBrk="1"/>
                       <a:r>
-                        <a:rPr lang="ko-KR" altLang="en-US" sz="1600" b="0" dirty="0">
+                        <a:rPr lang="ko-KR" altLang="en-US" sz="1400" b="0" dirty="0">
                           <a:solidFill>
                             <a:schemeClr val="tx1"/>
                           </a:solidFill>
@@ -12756,7 +11590,7 @@
                         <a:t>적정 레벨</a:t>
                       </a:r>
                       <a:r>
-                        <a:rPr lang="en-US" altLang="ko-KR" sz="1600" b="0" dirty="0">
+                        <a:rPr lang="en-US" altLang="ko-KR" sz="1400" b="0" dirty="0">
                           <a:solidFill>
                             <a:schemeClr val="tx1"/>
                           </a:solidFill>
@@ -12764,12 +11598,12 @@
                         <a:t>(±5)</a:t>
                       </a:r>
                       <a:r>
-                        <a:rPr lang="ko-KR" altLang="en-US" sz="1600" b="0" dirty="0">
-                          <a:solidFill>
-                            <a:schemeClr val="tx1"/>
-                          </a:solidFill>
-                        </a:rPr>
-                        <a:t>  진행 퀘스트</a:t>
+                        <a:rPr lang="ko-KR" altLang="en-US" sz="1400" b="0" dirty="0">
+                          <a:solidFill>
+                            <a:schemeClr val="tx1"/>
+                          </a:solidFill>
+                        </a:rPr>
+                        <a:t> 진행 퀘스트</a:t>
                       </a:r>
                     </a:p>
                   </a:txBody>
@@ -12825,7 +11659,7 @@
                   </a:ext>
                 </a:extLst>
               </a:tr>
-              <a:tr h="0">
+              <a:tr h="202493">
                 <a:tc>
                   <a:txBody>
                     <a:bodyPr/>
@@ -12833,14 +11667,14 @@
                     <a:p>
                       <a:pPr algn="ctr" latinLnBrk="1"/>
                       <a:r>
-                        <a:rPr lang="en-US" altLang="ko-KR" sz="1600" b="0">
+                        <a:rPr lang="en-US" altLang="ko-KR" sz="1400" b="0">
                           <a:solidFill>
                             <a:schemeClr val="tx1"/>
                           </a:solidFill>
                         </a:rPr>
                         <a:t>3</a:t>
                       </a:r>
-                      <a:endParaRPr lang="ko-KR" altLang="en-US" sz="1600" b="0" dirty="0">
+                      <a:endParaRPr lang="ko-KR" altLang="en-US" sz="1400" b="0" dirty="0">
                         <a:solidFill>
                           <a:schemeClr val="tx1"/>
                         </a:solidFill>
@@ -12900,14 +11734,14 @@
                     <a:p>
                       <a:pPr algn="ctr" latinLnBrk="1"/>
                       <a:r>
-                        <a:rPr lang="en-US" altLang="ko-KR" sz="1600" b="0" dirty="0">
+                        <a:rPr lang="en-US" altLang="ko-KR" sz="1400" b="0" dirty="0">
                           <a:solidFill>
                             <a:schemeClr val="tx1"/>
                           </a:solidFill>
                         </a:rPr>
                         <a:t>!</a:t>
                       </a:r>
-                      <a:endParaRPr lang="ko-KR" altLang="en-US" sz="1600" b="0" dirty="0">
+                      <a:endParaRPr lang="ko-KR" altLang="en-US" sz="1400" b="0" dirty="0">
                         <a:solidFill>
                           <a:schemeClr val="tx1"/>
                         </a:solidFill>
@@ -12969,7 +11803,7 @@
                     <a:p>
                       <a:pPr latinLnBrk="1"/>
                       <a:r>
-                        <a:rPr lang="ko-KR" altLang="en-US" sz="1600" b="0" dirty="0">
+                        <a:rPr lang="ko-KR" altLang="en-US" sz="1400" b="0" dirty="0">
                           <a:solidFill>
                             <a:schemeClr val="tx1"/>
                           </a:solidFill>
@@ -13030,7 +11864,7 @@
                   </a:ext>
                 </a:extLst>
               </a:tr>
-              <a:tr h="0">
+              <a:tr h="202493">
                 <a:tc>
                   <a:txBody>
                     <a:bodyPr/>
@@ -13038,14 +11872,14 @@
                     <a:p>
                       <a:pPr algn="ctr" latinLnBrk="1"/>
                       <a:r>
-                        <a:rPr lang="en-US" altLang="ko-KR" sz="1600" b="0" dirty="0">
+                        <a:rPr lang="en-US" altLang="ko-KR" sz="1400" b="0" dirty="0">
                           <a:solidFill>
                             <a:schemeClr val="tx1"/>
                           </a:solidFill>
                         </a:rPr>
                         <a:t>4</a:t>
                       </a:r>
-                      <a:endParaRPr lang="ko-KR" altLang="en-US" sz="1600" b="0" dirty="0">
+                      <a:endParaRPr lang="ko-KR" altLang="en-US" sz="1400" b="0" dirty="0">
                         <a:solidFill>
                           <a:schemeClr val="tx1"/>
                         </a:solidFill>
@@ -13103,14 +11937,14 @@
                     <a:p>
                       <a:pPr algn="ctr" latinLnBrk="1"/>
                       <a:r>
-                        <a:rPr lang="en-US" altLang="ko-KR" sz="1600" b="0" dirty="0">
+                        <a:rPr lang="en-US" altLang="ko-KR" sz="1400" b="0" dirty="0">
                           <a:solidFill>
                             <a:schemeClr val="tx1"/>
                           </a:solidFill>
                         </a:rPr>
                         <a:t>…</a:t>
                       </a:r>
-                      <a:endParaRPr lang="ko-KR" altLang="en-US" sz="1600" b="0" dirty="0">
+                      <a:endParaRPr lang="ko-KR" altLang="en-US" sz="1400" b="0" dirty="0">
                         <a:solidFill>
                           <a:schemeClr val="tx1"/>
                         </a:solidFill>
@@ -13170,7 +12004,7 @@
                     <a:p>
                       <a:pPr latinLnBrk="1"/>
                       <a:r>
-                        <a:rPr lang="ko-KR" altLang="en-US" sz="1600" b="0" dirty="0">
+                        <a:rPr lang="ko-KR" altLang="en-US" sz="1400" b="0" dirty="0">
                           <a:solidFill>
                             <a:schemeClr val="tx1"/>
                           </a:solidFill>
@@ -13294,10 +12128,10 @@
       </p:sp>
       <p:pic>
         <p:nvPicPr>
-          <p:cNvPr id="6" name="그림 5">
+          <p:cNvPr id="3" name="그림 2">
             <a:extLst>
               <a:ext uri="{FF2B5EF4-FFF2-40B4-BE49-F238E27FC236}">
-                <a16:creationId xmlns:a16="http://schemas.microsoft.com/office/drawing/2014/main" id="{061F8AF5-CB71-4015-A60D-2826AD95AF61}"/>
+                <a16:creationId xmlns:a16="http://schemas.microsoft.com/office/drawing/2014/main" id="{91E18287-13D9-4765-AD61-06E5318DAD32}"/>
               </a:ext>
             </a:extLst>
           </p:cNvPr>
@@ -13320,8 +12154,8 @@
         </p:blipFill>
         <p:spPr>
           <a:xfrm>
-            <a:off x="1061743" y="1890344"/>
-            <a:ext cx="3697507" cy="3560689"/>
+            <a:off x="782348" y="2309439"/>
+            <a:ext cx="4106175" cy="2586777"/>
           </a:xfrm>
           <a:prstGeom prst="rect">
             <a:avLst/>
@@ -13373,13 +12207,13 @@
           <p:nvPr>
             <p:extLst>
               <p:ext uri="{D42A27DB-BD31-4B8C-83A1-F6EECF244321}">
-                <p14:modId xmlns:p14="http://schemas.microsoft.com/office/powerpoint/2010/main" val="3874705473"/>
+                <p14:modId xmlns:p14="http://schemas.microsoft.com/office/powerpoint/2010/main" val="2483097801"/>
               </p:ext>
             </p:extLst>
           </p:nvPr>
         </p:nvGraphicFramePr>
         <p:xfrm>
-          <a:off x="4712651" y="1910275"/>
+          <a:off x="5345697" y="1910275"/>
           <a:ext cx="6064886" cy="1381760"/>
         </p:xfrm>
         <a:graphic>
@@ -13932,14 +12766,14 @@
           <p:nvPr>
             <p:extLst>
               <p:ext uri="{D42A27DB-BD31-4B8C-83A1-F6EECF244321}">
-                <p14:modId xmlns:p14="http://schemas.microsoft.com/office/powerpoint/2010/main" val="1515020897"/>
+                <p14:modId xmlns:p14="http://schemas.microsoft.com/office/powerpoint/2010/main" val="2252430933"/>
               </p:ext>
             </p:extLst>
           </p:nvPr>
         </p:nvGraphicFramePr>
         <p:xfrm>
-          <a:off x="4712652" y="3636535"/>
-          <a:ext cx="6064886" cy="1752600"/>
+          <a:off x="5345698" y="3636535"/>
+          <a:ext cx="6064886" cy="1112520"/>
         </p:xfrm>
         <a:graphic>
           <a:graphicData uri="http://schemas.openxmlformats.org/drawingml/2006/table">
@@ -14150,9 +12984,7 @@
                       <a:tailEnd type="none" w="med" len="med"/>
                     </a:lnT>
                     <a:lnB w="12700" cap="flat" cmpd="sng" algn="ctr">
-                      <a:solidFill>
-                        <a:schemeClr val="tx1"/>
-                      </a:solidFill>
+                      <a:noFill/>
                       <a:prstDash val="solid"/>
                       <a:round/>
                       <a:headEnd type="none" w="med" len="med"/>
@@ -14175,105 +13007,16 @@
                   </a:ext>
                 </a:extLst>
               </a:tr>
-              <a:tr h="370840">
-                <a:tc>
-                  <a:txBody>
-                    <a:bodyPr/>
-                    <a:lstStyle/>
-                    <a:p>
-                      <a:pPr latinLnBrk="1"/>
-                      <a:r>
-                        <a:rPr lang="ko-KR" altLang="en-US" b="0" dirty="0">
-                          <a:solidFill>
-                            <a:schemeClr val="tx1"/>
-                          </a:solidFill>
-                        </a:rPr>
-                        <a:t>돌발 발생 퀘스트 등의 일부 퀘스트는 거절 시 </a:t>
-                      </a:r>
-                      <a:endParaRPr lang="en-US" altLang="ko-KR" b="0" dirty="0">
-                        <a:solidFill>
-                          <a:schemeClr val="tx1"/>
-                        </a:solidFill>
-                      </a:endParaRPr>
-                    </a:p>
-                    <a:p>
-                      <a:pPr latinLnBrk="1"/>
-                      <a:r>
-                        <a:rPr lang="ko-KR" altLang="en-US" b="0" dirty="0">
-                          <a:solidFill>
-                            <a:schemeClr val="tx1"/>
-                          </a:solidFill>
-                        </a:rPr>
-                        <a:t>퀘스트가 다시 발생할 때 까지 퀘스트를 수행할 수 없다</a:t>
-                      </a:r>
-                      <a:r>
-                        <a:rPr lang="en-US" altLang="ko-KR" b="0" dirty="0">
-                          <a:solidFill>
-                            <a:schemeClr val="tx1"/>
-                          </a:solidFill>
-                        </a:rPr>
-                        <a:t>.</a:t>
-                      </a:r>
-                    </a:p>
-                  </a:txBody>
-                  <a:tcPr>
-                    <a:lnL w="12700" cap="flat" cmpd="sng" algn="ctr">
-                      <a:noFill/>
-                      <a:prstDash val="solid"/>
-                      <a:round/>
-                      <a:headEnd type="none" w="med" len="med"/>
-                      <a:tailEnd type="none" w="med" len="med"/>
-                    </a:lnL>
-                    <a:lnR w="12700" cap="flat" cmpd="sng" algn="ctr">
-                      <a:noFill/>
-                      <a:prstDash val="solid"/>
-                      <a:round/>
-                      <a:headEnd type="none" w="med" len="med"/>
-                      <a:tailEnd type="none" w="med" len="med"/>
-                    </a:lnR>
-                    <a:lnT w="12700" cap="flat" cmpd="sng" algn="ctr">
-                      <a:solidFill>
-                        <a:schemeClr val="tx1"/>
-                      </a:solidFill>
-                      <a:prstDash val="solid"/>
-                      <a:round/>
-                      <a:headEnd type="none" w="med" len="med"/>
-                      <a:tailEnd type="none" w="med" len="med"/>
-                    </a:lnT>
-                    <a:lnB w="12700" cap="flat" cmpd="sng" algn="ctr">
-                      <a:noFill/>
-                      <a:prstDash val="solid"/>
-                      <a:round/>
-                      <a:headEnd type="none" w="med" len="med"/>
-                      <a:tailEnd type="none" w="med" len="med"/>
-                    </a:lnB>
-                    <a:lnTlToBr w="12700" cmpd="sng">
-                      <a:noFill/>
-                      <a:prstDash val="solid"/>
-                    </a:lnTlToBr>
-                    <a:lnBlToTr w="12700" cmpd="sng">
-                      <a:noFill/>
-                      <a:prstDash val="solid"/>
-                    </a:lnBlToTr>
-                    <a:noFill/>
-                  </a:tcPr>
-                </a:tc>
-                <a:extLst>
-                  <a:ext uri="{0D108BD9-81ED-4DB2-BD59-A6C34878D82A}">
-                    <a16:rowId xmlns:a16="http://schemas.microsoft.com/office/drawing/2014/main" val="3057109674"/>
-                  </a:ext>
-                </a:extLst>
-              </a:tr>
             </a:tbl>
           </a:graphicData>
         </a:graphic>
       </p:graphicFrame>
       <p:pic>
         <p:nvPicPr>
-          <p:cNvPr id="8" name="그림 7">
+          <p:cNvPr id="5" name="그림 4">
             <a:extLst>
               <a:ext uri="{FF2B5EF4-FFF2-40B4-BE49-F238E27FC236}">
-                <a16:creationId xmlns:a16="http://schemas.microsoft.com/office/drawing/2014/main" id="{E44F4574-433F-4C09-B2A7-CE812B614145}"/>
+                <a16:creationId xmlns:a16="http://schemas.microsoft.com/office/drawing/2014/main" id="{ADEE826A-6856-48CF-BCE8-EAFE773A1FC3}"/>
               </a:ext>
             </a:extLst>
           </p:cNvPr>
@@ -14296,8 +13039,8 @@
         </p:blipFill>
         <p:spPr>
           <a:xfrm>
-            <a:off x="785570" y="1447569"/>
-            <a:ext cx="3204038" cy="4357274"/>
+            <a:off x="781416" y="1961235"/>
+            <a:ext cx="3738821" cy="3427900"/>
           </a:xfrm>
           <a:prstGeom prst="rect">
             <a:avLst/>
@@ -14349,14 +13092,14 @@
           <p:nvPr>
             <p:extLst>
               <p:ext uri="{D42A27DB-BD31-4B8C-83A1-F6EECF244321}">
-                <p14:modId xmlns:p14="http://schemas.microsoft.com/office/powerpoint/2010/main" val="773683193"/>
+                <p14:modId xmlns:p14="http://schemas.microsoft.com/office/powerpoint/2010/main" val="1842751597"/>
               </p:ext>
             </p:extLst>
           </p:nvPr>
         </p:nvGraphicFramePr>
         <p:xfrm>
-          <a:off x="1610994" y="2148840"/>
-          <a:ext cx="8970011" cy="2560320"/>
+          <a:off x="2653347" y="1154430"/>
+          <a:ext cx="6885305" cy="2133600"/>
         </p:xfrm>
         <a:graphic>
           <a:graphicData uri="http://schemas.openxmlformats.org/drawingml/2006/table">
@@ -14365,7 +13108,7 @@
                 <a:tableStyleId>{5C22544A-7EE6-4342-B048-85BDC9FD1C3A}</a:tableStyleId>
               </a:tblPr>
               <a:tblGrid>
-                <a:gridCol w="8970011">
+                <a:gridCol w="6885305">
                   <a:extLst>
                     <a:ext uri="{9D8B030D-6E8A-4147-A177-3AD203B41FA5}">
                       <a16:colId xmlns:a16="http://schemas.microsoft.com/office/drawing/2014/main" val="2985730691"/>
@@ -14373,7 +13116,7 @@
                   </a:extLst>
                 </a:gridCol>
               </a:tblGrid>
-              <a:tr h="0">
+              <a:tr h="123190">
                 <a:tc>
                   <a:txBody>
                     <a:bodyPr/>
@@ -14381,7 +13124,7 @@
                     <a:p>
                       <a:pPr latinLnBrk="1"/>
                       <a:r>
-                        <a:rPr lang="ko-KR" altLang="en-US" b="0" dirty="0">
+                        <a:rPr lang="ko-KR" altLang="en-US" sz="1400" b="0" dirty="0">
                           <a:solidFill>
                             <a:schemeClr val="tx1"/>
                           </a:solidFill>
@@ -14442,7 +13185,7 @@
                   </a:ext>
                 </a:extLst>
               </a:tr>
-              <a:tr h="0">
+              <a:tr h="123190">
                 <a:tc>
                   <a:txBody>
                     <a:bodyPr/>
@@ -14450,14 +13193,14 @@
                     <a:p>
                       <a:pPr latinLnBrk="1"/>
                       <a:r>
-                        <a:rPr lang="ko-KR" altLang="en-US" sz="1800" b="0" dirty="0">
+                        <a:rPr lang="ko-KR" altLang="en-US" sz="1400" b="0" dirty="0">
                           <a:solidFill>
                             <a:schemeClr val="tx1"/>
                           </a:solidFill>
                         </a:rPr>
                         <a:t>퀘스트의 내용 표기</a:t>
                       </a:r>
-                      <a:endParaRPr lang="en-US" altLang="ko-KR" sz="1800" b="0" dirty="0">
+                      <a:endParaRPr lang="en-US" altLang="ko-KR" sz="1400" b="0" dirty="0">
                         <a:solidFill>
                           <a:schemeClr val="tx1"/>
                         </a:solidFill>
@@ -14514,7 +13257,7 @@
                   </a:ext>
                 </a:extLst>
               </a:tr>
-              <a:tr h="0">
+              <a:tr h="123190">
                 <a:tc>
                   <a:txBody>
                     <a:bodyPr/>
@@ -14522,14 +13265,14 @@
                     <a:p>
                       <a:pPr latinLnBrk="1"/>
                       <a:r>
-                        <a:rPr lang="ko-KR" altLang="en-US" sz="1800" b="0" dirty="0">
+                        <a:rPr lang="ko-KR" altLang="en-US" sz="1400" b="0" dirty="0">
                           <a:solidFill>
                             <a:schemeClr val="tx1"/>
                           </a:solidFill>
                         </a:rPr>
                         <a:t>퀘스트의 진행도 표기</a:t>
                       </a:r>
-                      <a:endParaRPr lang="en-US" altLang="ko-KR" sz="1800" b="0" dirty="0">
+                      <a:endParaRPr lang="en-US" altLang="ko-KR" sz="1400" b="0" dirty="0">
                         <a:solidFill>
                           <a:schemeClr val="tx1"/>
                         </a:solidFill>
@@ -14586,7 +13329,7 @@
                   </a:ext>
                 </a:extLst>
               </a:tr>
-              <a:tr h="0">
+              <a:tr h="123190">
                 <a:tc>
                   <a:txBody>
                     <a:bodyPr/>
@@ -14594,14 +13337,14 @@
                     <a:p>
                       <a:pPr latinLnBrk="1"/>
                       <a:r>
-                        <a:rPr lang="ko-KR" altLang="en-US" sz="1800" b="0" dirty="0">
+                        <a:rPr lang="ko-KR" altLang="en-US" sz="1400" b="0" dirty="0">
                           <a:solidFill>
                             <a:schemeClr val="tx1"/>
                           </a:solidFill>
                         </a:rPr>
                         <a:t>퀘스트의 분류 표기</a:t>
                       </a:r>
-                      <a:endParaRPr lang="en-US" altLang="ko-KR" sz="1800" b="0" dirty="0">
+                      <a:endParaRPr lang="en-US" altLang="ko-KR" sz="1400" b="0" dirty="0">
                         <a:solidFill>
                           <a:schemeClr val="tx1"/>
                         </a:solidFill>
@@ -14658,7 +13401,7 @@
                   </a:ext>
                 </a:extLst>
               </a:tr>
-              <a:tr h="0">
+              <a:tr h="123190">
                 <a:tc>
                   <a:txBody>
                     <a:bodyPr/>
@@ -14666,7 +13409,7 @@
                     <a:p>
                       <a:pPr latinLnBrk="1"/>
                       <a:r>
-                        <a:rPr lang="ko-KR" altLang="en-US" sz="1800" b="0" dirty="0">
+                        <a:rPr lang="ko-KR" altLang="en-US" sz="1400" b="0" dirty="0">
                           <a:solidFill>
                             <a:schemeClr val="tx1"/>
                           </a:solidFill>
@@ -14674,7 +13417,7 @@
                         <a:t>퀘스트의 분류</a:t>
                       </a:r>
                       <a:r>
-                        <a:rPr lang="en-US" altLang="ko-KR" sz="1800" b="0" dirty="0">
+                        <a:rPr lang="en-US" altLang="ko-KR" sz="1400" b="0" dirty="0">
                           <a:solidFill>
                             <a:schemeClr val="tx1"/>
                           </a:solidFill>
@@ -14682,7 +13425,7 @@
                         <a:t>(</a:t>
                       </a:r>
                       <a:r>
-                        <a:rPr lang="ko-KR" altLang="en-US" sz="1800" b="0" dirty="0">
+                        <a:rPr lang="ko-KR" altLang="en-US" sz="1400" b="0" dirty="0">
                           <a:solidFill>
                             <a:schemeClr val="tx1"/>
                           </a:solidFill>
@@ -14690,7 +13433,7 @@
                         <a:t>퀘스트 완료 목표</a:t>
                       </a:r>
                       <a:r>
-                        <a:rPr lang="en-US" altLang="ko-KR" sz="1800" b="0" dirty="0">
+                        <a:rPr lang="en-US" altLang="ko-KR" sz="1400" b="0" dirty="0">
                           <a:solidFill>
                             <a:schemeClr val="tx1"/>
                           </a:solidFill>
@@ -14698,7 +13441,7 @@
                         <a:t>)</a:t>
                       </a:r>
                       <a:r>
-                        <a:rPr lang="ko-KR" altLang="en-US" sz="1800" b="0" dirty="0">
+                        <a:rPr lang="ko-KR" altLang="en-US" sz="1400" b="0" dirty="0">
                           <a:solidFill>
                             <a:schemeClr val="tx1"/>
                           </a:solidFill>
@@ -14706,7 +13449,7 @@
                         <a:t>는 토벌</a:t>
                       </a:r>
                       <a:r>
-                        <a:rPr lang="en-US" altLang="ko-KR" sz="1800" b="0" dirty="0">
+                        <a:rPr lang="en-US" altLang="ko-KR" sz="1400" b="0" dirty="0">
                           <a:solidFill>
                             <a:schemeClr val="tx1"/>
                           </a:solidFill>
@@ -14714,7 +13457,7 @@
                         <a:t>, </a:t>
                       </a:r>
                       <a:r>
-                        <a:rPr lang="ko-KR" altLang="en-US" sz="1800" b="0" dirty="0">
+                        <a:rPr lang="ko-KR" altLang="en-US" sz="1400" b="0" dirty="0">
                           <a:solidFill>
                             <a:schemeClr val="tx1"/>
                           </a:solidFill>
@@ -14722,7 +13465,7 @@
                         <a:t>수집</a:t>
                       </a:r>
                       <a:r>
-                        <a:rPr lang="en-US" altLang="ko-KR" sz="1800" b="0" dirty="0">
+                        <a:rPr lang="en-US" altLang="ko-KR" sz="1400" b="0" dirty="0">
                           <a:solidFill>
                             <a:schemeClr val="tx1"/>
                           </a:solidFill>
@@ -14730,7 +13473,7 @@
                         <a:t>, </a:t>
                       </a:r>
                       <a:r>
-                        <a:rPr lang="ko-KR" altLang="en-US" sz="1800" b="0" dirty="0">
+                        <a:rPr lang="ko-KR" altLang="en-US" sz="1400" b="0" dirty="0">
                           <a:solidFill>
                             <a:schemeClr val="tx1"/>
                           </a:solidFill>
@@ -14738,7 +13481,7 @@
                         <a:t>탐사</a:t>
                       </a:r>
                       <a:r>
-                        <a:rPr lang="en-US" altLang="ko-KR" sz="1800" b="0" dirty="0">
+                        <a:rPr lang="en-US" altLang="ko-KR" sz="1400" b="0" dirty="0">
                           <a:solidFill>
                             <a:schemeClr val="tx1"/>
                           </a:solidFill>
@@ -14746,7 +13489,7 @@
                         <a:t>, </a:t>
                       </a:r>
                       <a:r>
-                        <a:rPr lang="ko-KR" altLang="en-US" sz="1800" b="0" dirty="0">
+                        <a:rPr lang="ko-KR" altLang="en-US" sz="1400" b="0" dirty="0">
                           <a:solidFill>
                             <a:schemeClr val="tx1"/>
                           </a:solidFill>
@@ -14754,7 +13497,7 @@
                         <a:t>호위</a:t>
                       </a:r>
                       <a:r>
-                        <a:rPr lang="en-US" altLang="ko-KR" sz="1800" b="0" dirty="0">
+                        <a:rPr lang="en-US" altLang="ko-KR" sz="1400" b="0" dirty="0">
                           <a:solidFill>
                             <a:schemeClr val="tx1"/>
                           </a:solidFill>
@@ -14762,7 +13505,7 @@
                         <a:t>, </a:t>
                       </a:r>
                       <a:r>
-                        <a:rPr lang="ko-KR" altLang="en-US" sz="1800" b="0" dirty="0">
+                        <a:rPr lang="ko-KR" altLang="en-US" sz="1400" b="0" dirty="0">
                           <a:solidFill>
                             <a:schemeClr val="tx1"/>
                           </a:solidFill>
@@ -14770,7 +13513,7 @@
                         <a:t>배당</a:t>
                       </a:r>
                       <a:r>
-                        <a:rPr lang="en-US" altLang="ko-KR" sz="1800" b="0" dirty="0">
+                        <a:rPr lang="en-US" altLang="ko-KR" sz="1400" b="0" dirty="0">
                           <a:solidFill>
                             <a:schemeClr val="tx1"/>
                           </a:solidFill>
@@ -14778,7 +13521,7 @@
                         <a:t>, </a:t>
                       </a:r>
                       <a:r>
-                        <a:rPr lang="ko-KR" altLang="en-US" sz="1800" b="0" dirty="0">
+                        <a:rPr lang="ko-KR" altLang="en-US" sz="1400" b="0" dirty="0">
                           <a:solidFill>
                             <a:schemeClr val="tx1"/>
                           </a:solidFill>
@@ -14786,7 +13529,7 @@
                         <a:t>대화 </a:t>
                       </a:r>
                       <a:r>
-                        <a:rPr lang="en-US" altLang="ko-KR" sz="1800" b="0" dirty="0">
+                        <a:rPr lang="en-US" altLang="ko-KR" sz="1400" b="0" dirty="0">
                           <a:solidFill>
                             <a:schemeClr val="tx1"/>
                           </a:solidFill>
@@ -14794,7 +13537,7 @@
                         <a:t>, </a:t>
                       </a:r>
                       <a:r>
-                        <a:rPr lang="ko-KR" altLang="en-US" sz="1800" b="0" dirty="0">
+                        <a:rPr lang="ko-KR" altLang="en-US" sz="1400" b="0" dirty="0">
                           <a:solidFill>
                             <a:schemeClr val="tx1"/>
                           </a:solidFill>
@@ -14802,7 +13545,7 @@
                         <a:t>생존이 있다</a:t>
                       </a:r>
                       <a:r>
-                        <a:rPr lang="en-US" altLang="ko-KR" sz="1800" b="0" dirty="0">
+                        <a:rPr lang="en-US" altLang="ko-KR" sz="1400" b="0" dirty="0">
                           <a:solidFill>
                             <a:schemeClr val="tx1"/>
                           </a:solidFill>
@@ -14861,7 +13604,7 @@
                   </a:ext>
                 </a:extLst>
               </a:tr>
-              <a:tr h="0">
+              <a:tr h="123190">
                 <a:tc>
                   <a:txBody>
                     <a:bodyPr/>
@@ -14869,7 +13612,7 @@
                     <a:p>
                       <a:pPr latinLnBrk="1"/>
                       <a:r>
-                        <a:rPr lang="ko-KR" altLang="en-US" sz="1800" b="0" dirty="0">
+                        <a:rPr lang="ko-KR" altLang="en-US" sz="1400" b="0" dirty="0">
                           <a:solidFill>
                             <a:schemeClr val="tx1"/>
                           </a:solidFill>
@@ -14877,7 +13620,7 @@
                         <a:t>퀘스트 완료 목표는 최대 </a:t>
                       </a:r>
                       <a:r>
-                        <a:rPr lang="en-US" altLang="ko-KR" sz="1800" b="0" dirty="0">
+                        <a:rPr lang="en-US" altLang="ko-KR" sz="1400" b="0" dirty="0">
                           <a:solidFill>
                             <a:schemeClr val="tx1"/>
                           </a:solidFill>
@@ -14885,14 +13628,14 @@
                         <a:t>3</a:t>
                       </a:r>
                       <a:r>
-                        <a:rPr lang="ko-KR" altLang="en-US" sz="1800" b="0" dirty="0">
+                        <a:rPr lang="ko-KR" altLang="en-US" sz="1400" b="0" dirty="0">
                           <a:solidFill>
                             <a:schemeClr val="tx1"/>
                           </a:solidFill>
                         </a:rPr>
                         <a:t>종류 까지 있음</a:t>
                       </a:r>
-                      <a:endParaRPr lang="en-US" altLang="ko-KR" sz="1800" b="0" dirty="0">
+                      <a:endParaRPr lang="en-US" altLang="ko-KR" sz="1400" b="0" dirty="0">
                         <a:solidFill>
                           <a:schemeClr val="tx1"/>
                         </a:solidFill>
@@ -14949,7 +13692,7 @@
                   </a:ext>
                 </a:extLst>
               </a:tr>
-              <a:tr h="0">
+              <a:tr h="123190">
                 <a:tc>
                   <a:txBody>
                     <a:bodyPr/>
@@ -14957,14 +13700,14 @@
                     <a:p>
                       <a:pPr latinLnBrk="1"/>
                       <a:r>
-                        <a:rPr lang="ko-KR" altLang="en-US" sz="1800" b="0" dirty="0">
+                        <a:rPr lang="ko-KR" altLang="en-US" sz="1400" b="0" dirty="0">
                           <a:solidFill>
                             <a:schemeClr val="tx1"/>
                           </a:solidFill>
                         </a:rPr>
                         <a:t>일부 퀘스트를 제외한 퀘스트는 진행 도중 포기 가능</a:t>
                       </a:r>
-                      <a:endParaRPr lang="en-US" altLang="ko-KR" sz="1800" b="0" dirty="0">
+                      <a:endParaRPr lang="en-US" altLang="ko-KR" sz="1400" b="0" dirty="0">
                         <a:solidFill>
                           <a:schemeClr val="tx1"/>
                         </a:solidFill>
@@ -15082,6 +13825,633 @@
           </a:p>
         </p:txBody>
       </p:sp>
+      <p:graphicFrame>
+        <p:nvGraphicFramePr>
+          <p:cNvPr id="5" name="표 4">
+            <a:extLst>
+              <a:ext uri="{FF2B5EF4-FFF2-40B4-BE49-F238E27FC236}">
+                <a16:creationId xmlns:a16="http://schemas.microsoft.com/office/drawing/2014/main" id="{03E3B478-6902-43E9-943E-83C72F940862}"/>
+              </a:ext>
+            </a:extLst>
+          </p:cNvPr>
+          <p:cNvGraphicFramePr>
+            <a:graphicFrameLocks noGrp="1"/>
+          </p:cNvGraphicFramePr>
+          <p:nvPr>
+            <p:extLst>
+              <p:ext uri="{D42A27DB-BD31-4B8C-83A1-F6EECF244321}">
+                <p14:modId xmlns:p14="http://schemas.microsoft.com/office/powerpoint/2010/main" val="2570061620"/>
+              </p:ext>
+            </p:extLst>
+          </p:nvPr>
+        </p:nvGraphicFramePr>
+        <p:xfrm>
+          <a:off x="2653347" y="3329305"/>
+          <a:ext cx="6885306" cy="914400"/>
+        </p:xfrm>
+        <a:graphic>
+          <a:graphicData uri="http://schemas.openxmlformats.org/drawingml/2006/table">
+            <a:tbl>
+              <a:tblPr firstRow="1" bandRow="1">
+                <a:tableStyleId>{5C22544A-7EE6-4342-B048-85BDC9FD1C3A}</a:tableStyleId>
+              </a:tblPr>
+              <a:tblGrid>
+                <a:gridCol w="6885306">
+                  <a:extLst>
+                    <a:ext uri="{9D8B030D-6E8A-4147-A177-3AD203B41FA5}">
+                      <a16:colId xmlns:a16="http://schemas.microsoft.com/office/drawing/2014/main" val="2985730691"/>
+                    </a:ext>
+                  </a:extLst>
+                </a:gridCol>
+              </a:tblGrid>
+              <a:tr h="0">
+                <a:tc>
+                  <a:txBody>
+                    <a:bodyPr/>
+                    <a:lstStyle/>
+                    <a:p>
+                      <a:pPr latinLnBrk="1"/>
+                      <a:r>
+                        <a:rPr lang="ko-KR" altLang="en-US" sz="1400" b="0" dirty="0">
+                          <a:solidFill>
+                            <a:schemeClr val="tx1"/>
+                          </a:solidFill>
+                        </a:rPr>
+                        <a:t>포기</a:t>
+                      </a:r>
+                    </a:p>
+                  </a:txBody>
+                  <a:tcPr>
+                    <a:lnL w="12700" cap="flat" cmpd="sng" algn="ctr">
+                      <a:noFill/>
+                      <a:prstDash val="solid"/>
+                      <a:round/>
+                      <a:headEnd type="none" w="med" len="med"/>
+                      <a:tailEnd type="none" w="med" len="med"/>
+                    </a:lnL>
+                    <a:lnR w="12700" cap="flat" cmpd="sng" algn="ctr">
+                      <a:noFill/>
+                      <a:prstDash val="solid"/>
+                      <a:round/>
+                      <a:headEnd type="none" w="med" len="med"/>
+                      <a:tailEnd type="none" w="med" len="med"/>
+                    </a:lnR>
+                    <a:lnT w="12700" cap="flat" cmpd="sng" algn="ctr">
+                      <a:noFill/>
+                      <a:prstDash val="solid"/>
+                      <a:round/>
+                      <a:headEnd type="none" w="med" len="med"/>
+                      <a:tailEnd type="none" w="med" len="med"/>
+                    </a:lnT>
+                    <a:lnB w="12700" cap="flat" cmpd="sng" algn="ctr">
+                      <a:solidFill>
+                        <a:schemeClr val="tx1"/>
+                      </a:solidFill>
+                      <a:prstDash val="solid"/>
+                      <a:round/>
+                      <a:headEnd type="none" w="med" len="med"/>
+                      <a:tailEnd type="none" w="med" len="med"/>
+                    </a:lnB>
+                    <a:lnTlToBr w="12700" cmpd="sng">
+                      <a:noFill/>
+                      <a:prstDash val="solid"/>
+                    </a:lnTlToBr>
+                    <a:lnBlToTr w="12700" cmpd="sng">
+                      <a:noFill/>
+                      <a:prstDash val="solid"/>
+                    </a:lnBlToTr>
+                    <a:solidFill>
+                      <a:schemeClr val="bg1">
+                        <a:lumMod val="95000"/>
+                      </a:schemeClr>
+                    </a:solidFill>
+                  </a:tcPr>
+                </a:tc>
+                <a:extLst>
+                  <a:ext uri="{0D108BD9-81ED-4DB2-BD59-A6C34878D82A}">
+                    <a16:rowId xmlns:a16="http://schemas.microsoft.com/office/drawing/2014/main" val="4232510737"/>
+                  </a:ext>
+                </a:extLst>
+              </a:tr>
+              <a:tr h="0">
+                <a:tc>
+                  <a:txBody>
+                    <a:bodyPr/>
+                    <a:lstStyle/>
+                    <a:p>
+                      <a:pPr latinLnBrk="1"/>
+                      <a:r>
+                        <a:rPr lang="ko-KR" altLang="en-US" sz="1400" b="0" dirty="0">
+                          <a:solidFill>
+                            <a:schemeClr val="tx1"/>
+                          </a:solidFill>
+                        </a:rPr>
+                        <a:t>퀘스트 진행 중에 퀘스트 창에서 포기 버튼으로 포기 할 수 있다</a:t>
+                      </a:r>
+                      <a:r>
+                        <a:rPr lang="en-US" altLang="ko-KR" sz="1400" b="0" dirty="0">
+                          <a:solidFill>
+                            <a:schemeClr val="tx1"/>
+                          </a:solidFill>
+                        </a:rPr>
+                        <a:t>.</a:t>
+                      </a:r>
+                    </a:p>
+                  </a:txBody>
+                  <a:tcPr>
+                    <a:lnL w="12700" cap="flat" cmpd="sng" algn="ctr">
+                      <a:noFill/>
+                      <a:prstDash val="solid"/>
+                      <a:round/>
+                      <a:headEnd type="none" w="med" len="med"/>
+                      <a:tailEnd type="none" w="med" len="med"/>
+                    </a:lnL>
+                    <a:lnR w="12700" cap="flat" cmpd="sng" algn="ctr">
+                      <a:noFill/>
+                      <a:prstDash val="solid"/>
+                      <a:round/>
+                      <a:headEnd type="none" w="med" len="med"/>
+                      <a:tailEnd type="none" w="med" len="med"/>
+                    </a:lnR>
+                    <a:lnT w="12700" cap="flat" cmpd="sng" algn="ctr">
+                      <a:solidFill>
+                        <a:schemeClr val="tx1"/>
+                      </a:solidFill>
+                      <a:prstDash val="solid"/>
+                      <a:round/>
+                      <a:headEnd type="none" w="med" len="med"/>
+                      <a:tailEnd type="none" w="med" len="med"/>
+                    </a:lnT>
+                    <a:lnB w="12700" cap="flat" cmpd="sng" algn="ctr">
+                      <a:solidFill>
+                        <a:schemeClr val="tx1"/>
+                      </a:solidFill>
+                      <a:prstDash val="solid"/>
+                      <a:round/>
+                      <a:headEnd type="none" w="med" len="med"/>
+                      <a:tailEnd type="none" w="med" len="med"/>
+                    </a:lnB>
+                    <a:lnTlToBr w="12700" cmpd="sng">
+                      <a:noFill/>
+                      <a:prstDash val="solid"/>
+                    </a:lnTlToBr>
+                    <a:lnBlToTr w="12700" cmpd="sng">
+                      <a:noFill/>
+                      <a:prstDash val="solid"/>
+                    </a:lnBlToTr>
+                    <a:noFill/>
+                  </a:tcPr>
+                </a:tc>
+                <a:extLst>
+                  <a:ext uri="{0D108BD9-81ED-4DB2-BD59-A6C34878D82A}">
+                    <a16:rowId xmlns:a16="http://schemas.microsoft.com/office/drawing/2014/main" val="727125318"/>
+                  </a:ext>
+                </a:extLst>
+              </a:tr>
+              <a:tr h="0">
+                <a:tc>
+                  <a:txBody>
+                    <a:bodyPr/>
+                    <a:lstStyle/>
+                    <a:p>
+                      <a:pPr latinLnBrk="1"/>
+                      <a:r>
+                        <a:rPr lang="ko-KR" altLang="en-US" sz="1400" b="0" dirty="0">
+                          <a:solidFill>
+                            <a:schemeClr val="tx1"/>
+                          </a:solidFill>
+                        </a:rPr>
+                        <a:t>일부 퀘스트는 포기할 수 없다</a:t>
+                      </a:r>
+                      <a:r>
+                        <a:rPr lang="en-US" altLang="ko-KR" sz="1400" b="0" dirty="0">
+                          <a:solidFill>
+                            <a:schemeClr val="tx1"/>
+                          </a:solidFill>
+                        </a:rPr>
+                        <a:t>.</a:t>
+                      </a:r>
+                    </a:p>
+                  </a:txBody>
+                  <a:tcPr>
+                    <a:lnL w="12700" cap="flat" cmpd="sng" algn="ctr">
+                      <a:noFill/>
+                      <a:prstDash val="solid"/>
+                      <a:round/>
+                      <a:headEnd type="none" w="med" len="med"/>
+                      <a:tailEnd type="none" w="med" len="med"/>
+                    </a:lnL>
+                    <a:lnR w="12700" cap="flat" cmpd="sng" algn="ctr">
+                      <a:noFill/>
+                      <a:prstDash val="solid"/>
+                      <a:round/>
+                      <a:headEnd type="none" w="med" len="med"/>
+                      <a:tailEnd type="none" w="med" len="med"/>
+                    </a:lnR>
+                    <a:lnT w="12700" cap="flat" cmpd="sng" algn="ctr">
+                      <a:solidFill>
+                        <a:schemeClr val="tx1"/>
+                      </a:solidFill>
+                      <a:prstDash val="solid"/>
+                      <a:round/>
+                      <a:headEnd type="none" w="med" len="med"/>
+                      <a:tailEnd type="none" w="med" len="med"/>
+                    </a:lnT>
+                    <a:lnB w="12700" cap="flat" cmpd="sng" algn="ctr">
+                      <a:noFill/>
+                      <a:prstDash val="solid"/>
+                      <a:round/>
+                      <a:headEnd type="none" w="med" len="med"/>
+                      <a:tailEnd type="none" w="med" len="med"/>
+                    </a:lnB>
+                    <a:lnTlToBr w="12700" cmpd="sng">
+                      <a:noFill/>
+                      <a:prstDash val="solid"/>
+                    </a:lnTlToBr>
+                    <a:lnBlToTr w="12700" cmpd="sng">
+                      <a:noFill/>
+                      <a:prstDash val="solid"/>
+                    </a:lnBlToTr>
+                    <a:noFill/>
+                  </a:tcPr>
+                </a:tc>
+                <a:extLst>
+                  <a:ext uri="{0D108BD9-81ED-4DB2-BD59-A6C34878D82A}">
+                    <a16:rowId xmlns:a16="http://schemas.microsoft.com/office/drawing/2014/main" val="3457501695"/>
+                  </a:ext>
+                </a:extLst>
+              </a:tr>
+            </a:tbl>
+          </a:graphicData>
+        </a:graphic>
+      </p:graphicFrame>
+      <p:graphicFrame>
+        <p:nvGraphicFramePr>
+          <p:cNvPr id="2" name="표 1">
+            <a:extLst>
+              <a:ext uri="{FF2B5EF4-FFF2-40B4-BE49-F238E27FC236}">
+                <a16:creationId xmlns:a16="http://schemas.microsoft.com/office/drawing/2014/main" id="{AEB69DA5-E3A3-4C2D-915C-6D86CB87F056}"/>
+              </a:ext>
+            </a:extLst>
+          </p:cNvPr>
+          <p:cNvGraphicFramePr>
+            <a:graphicFrameLocks noGrp="1"/>
+          </p:cNvGraphicFramePr>
+          <p:nvPr>
+            <p:extLst>
+              <p:ext uri="{D42A27DB-BD31-4B8C-83A1-F6EECF244321}">
+                <p14:modId xmlns:p14="http://schemas.microsoft.com/office/powerpoint/2010/main" val="2490656420"/>
+              </p:ext>
+            </p:extLst>
+          </p:nvPr>
+        </p:nvGraphicFramePr>
+        <p:xfrm>
+          <a:off x="2653346" y="4284980"/>
+          <a:ext cx="6885306" cy="1219200"/>
+        </p:xfrm>
+        <a:graphic>
+          <a:graphicData uri="http://schemas.openxmlformats.org/drawingml/2006/table">
+            <a:tbl>
+              <a:tblPr firstRow="1" bandRow="1">
+                <a:tableStyleId>{5C22544A-7EE6-4342-B048-85BDC9FD1C3A}</a:tableStyleId>
+              </a:tblPr>
+              <a:tblGrid>
+                <a:gridCol w="6885306">
+                  <a:extLst>
+                    <a:ext uri="{9D8B030D-6E8A-4147-A177-3AD203B41FA5}">
+                      <a16:colId xmlns:a16="http://schemas.microsoft.com/office/drawing/2014/main" val="3912761617"/>
+                    </a:ext>
+                  </a:extLst>
+                </a:gridCol>
+              </a:tblGrid>
+              <a:tr h="0">
+                <a:tc>
+                  <a:txBody>
+                    <a:bodyPr/>
+                    <a:lstStyle/>
+                    <a:p>
+                      <a:pPr latinLnBrk="1"/>
+                      <a:r>
+                        <a:rPr lang="ko-KR" altLang="en-US" sz="1400" b="0" dirty="0">
+                          <a:solidFill>
+                            <a:schemeClr val="tx1"/>
+                          </a:solidFill>
+                        </a:rPr>
+                        <a:t>실패</a:t>
+                      </a:r>
+                    </a:p>
+                  </a:txBody>
+                  <a:tcPr>
+                    <a:lnL w="12700" cap="flat" cmpd="sng" algn="ctr">
+                      <a:noFill/>
+                      <a:prstDash val="solid"/>
+                      <a:round/>
+                      <a:headEnd type="none" w="med" len="med"/>
+                      <a:tailEnd type="none" w="med" len="med"/>
+                    </a:lnL>
+                    <a:lnR w="12700" cap="flat" cmpd="sng" algn="ctr">
+                      <a:noFill/>
+                      <a:prstDash val="solid"/>
+                      <a:round/>
+                      <a:headEnd type="none" w="med" len="med"/>
+                      <a:tailEnd type="none" w="med" len="med"/>
+                    </a:lnR>
+                    <a:lnT w="12700" cap="flat" cmpd="sng" algn="ctr">
+                      <a:noFill/>
+                      <a:prstDash val="solid"/>
+                      <a:round/>
+                      <a:headEnd type="none" w="med" len="med"/>
+                      <a:tailEnd type="none" w="med" len="med"/>
+                    </a:lnT>
+                    <a:lnB w="12700" cap="flat" cmpd="sng" algn="ctr">
+                      <a:solidFill>
+                        <a:schemeClr val="tx1"/>
+                      </a:solidFill>
+                      <a:prstDash val="solid"/>
+                      <a:round/>
+                      <a:headEnd type="none" w="med" len="med"/>
+                      <a:tailEnd type="none" w="med" len="med"/>
+                    </a:lnB>
+                    <a:lnTlToBr w="12700" cmpd="sng">
+                      <a:noFill/>
+                      <a:prstDash val="solid"/>
+                    </a:lnTlToBr>
+                    <a:lnBlToTr w="12700" cmpd="sng">
+                      <a:noFill/>
+                      <a:prstDash val="solid"/>
+                    </a:lnBlToTr>
+                    <a:solidFill>
+                      <a:schemeClr val="bg1">
+                        <a:lumMod val="95000"/>
+                      </a:schemeClr>
+                    </a:solidFill>
+                  </a:tcPr>
+                </a:tc>
+                <a:extLst>
+                  <a:ext uri="{0D108BD9-81ED-4DB2-BD59-A6C34878D82A}">
+                    <a16:rowId xmlns:a16="http://schemas.microsoft.com/office/drawing/2014/main" val="183756246"/>
+                  </a:ext>
+                </a:extLst>
+              </a:tr>
+              <a:tr h="0">
+                <a:tc>
+                  <a:txBody>
+                    <a:bodyPr/>
+                    <a:lstStyle/>
+                    <a:p>
+                      <a:pPr latinLnBrk="1"/>
+                      <a:r>
+                        <a:rPr lang="ko-KR" altLang="en-US" sz="1400" b="0" dirty="0">
+                          <a:solidFill>
+                            <a:schemeClr val="tx1"/>
+                          </a:solidFill>
+                        </a:rPr>
+                        <a:t>일부 실패 조건이 있는 퀘스트는 조건에 따라 실패를 할 수 있다</a:t>
+                      </a:r>
+                      <a:r>
+                        <a:rPr lang="en-US" altLang="ko-KR" sz="1400" b="0" dirty="0">
+                          <a:solidFill>
+                            <a:schemeClr val="tx1"/>
+                          </a:solidFill>
+                        </a:rPr>
+                        <a:t>.</a:t>
+                      </a:r>
+                    </a:p>
+                  </a:txBody>
+                  <a:tcPr>
+                    <a:lnL w="12700" cap="flat" cmpd="sng" algn="ctr">
+                      <a:noFill/>
+                      <a:prstDash val="solid"/>
+                      <a:round/>
+                      <a:headEnd type="none" w="med" len="med"/>
+                      <a:tailEnd type="none" w="med" len="med"/>
+                    </a:lnL>
+                    <a:lnR w="12700" cap="flat" cmpd="sng" algn="ctr">
+                      <a:noFill/>
+                      <a:prstDash val="solid"/>
+                      <a:round/>
+                      <a:headEnd type="none" w="med" len="med"/>
+                      <a:tailEnd type="none" w="med" len="med"/>
+                    </a:lnR>
+                    <a:lnT w="12700" cap="flat" cmpd="sng" algn="ctr">
+                      <a:solidFill>
+                        <a:schemeClr val="tx1"/>
+                      </a:solidFill>
+                      <a:prstDash val="solid"/>
+                      <a:round/>
+                      <a:headEnd type="none" w="med" len="med"/>
+                      <a:tailEnd type="none" w="med" len="med"/>
+                    </a:lnT>
+                    <a:lnB w="12700" cap="flat" cmpd="sng" algn="ctr">
+                      <a:solidFill>
+                        <a:schemeClr val="tx1"/>
+                      </a:solidFill>
+                      <a:prstDash val="solid"/>
+                      <a:round/>
+                      <a:headEnd type="none" w="med" len="med"/>
+                      <a:tailEnd type="none" w="med" len="med"/>
+                    </a:lnB>
+                    <a:lnTlToBr w="12700" cmpd="sng">
+                      <a:noFill/>
+                      <a:prstDash val="solid"/>
+                    </a:lnTlToBr>
+                    <a:lnBlToTr w="12700" cmpd="sng">
+                      <a:noFill/>
+                      <a:prstDash val="solid"/>
+                    </a:lnBlToTr>
+                    <a:noFill/>
+                  </a:tcPr>
+                </a:tc>
+                <a:extLst>
+                  <a:ext uri="{0D108BD9-81ED-4DB2-BD59-A6C34878D82A}">
+                    <a16:rowId xmlns:a16="http://schemas.microsoft.com/office/drawing/2014/main" val="2835187283"/>
+                  </a:ext>
+                </a:extLst>
+              </a:tr>
+              <a:tr h="0">
+                <a:tc>
+                  <a:txBody>
+                    <a:bodyPr/>
+                    <a:lstStyle/>
+                    <a:p>
+                      <a:pPr latinLnBrk="1"/>
+                      <a:r>
+                        <a:rPr lang="ko-KR" altLang="en-US" sz="1400" b="0" dirty="0">
+                          <a:solidFill>
+                            <a:schemeClr val="tx1"/>
+                          </a:solidFill>
+                        </a:rPr>
+                        <a:t>실패 조건에는 시간 제한</a:t>
+                      </a:r>
+                      <a:r>
+                        <a:rPr lang="en-US" altLang="ko-KR" sz="1400" b="0" dirty="0">
+                          <a:solidFill>
+                            <a:schemeClr val="tx1"/>
+                          </a:solidFill>
+                        </a:rPr>
+                        <a:t>, </a:t>
+                      </a:r>
+                      <a:r>
+                        <a:rPr lang="ko-KR" altLang="en-US" sz="1400" b="0" dirty="0">
+                          <a:solidFill>
+                            <a:schemeClr val="tx1"/>
+                          </a:solidFill>
+                        </a:rPr>
+                        <a:t>생존</a:t>
+                      </a:r>
+                      <a:r>
+                        <a:rPr lang="en-US" altLang="ko-KR" sz="1400" b="0" dirty="0">
+                          <a:solidFill>
+                            <a:schemeClr val="tx1"/>
+                          </a:solidFill>
+                        </a:rPr>
+                        <a:t>, </a:t>
+                      </a:r>
+                      <a:r>
+                        <a:rPr lang="ko-KR" altLang="en-US" sz="1400" b="0" dirty="0">
+                          <a:solidFill>
+                            <a:schemeClr val="tx1"/>
+                          </a:solidFill>
+                        </a:rPr>
+                        <a:t>호위 등이 있다</a:t>
+                      </a:r>
+                      <a:r>
+                        <a:rPr lang="en-US" altLang="ko-KR" sz="1400" b="0" dirty="0">
+                          <a:solidFill>
+                            <a:schemeClr val="tx1"/>
+                          </a:solidFill>
+                        </a:rPr>
+                        <a:t>.</a:t>
+                      </a:r>
+                    </a:p>
+                  </a:txBody>
+                  <a:tcPr>
+                    <a:lnL w="12700" cap="flat" cmpd="sng" algn="ctr">
+                      <a:noFill/>
+                      <a:prstDash val="solid"/>
+                      <a:round/>
+                      <a:headEnd type="none" w="med" len="med"/>
+                      <a:tailEnd type="none" w="med" len="med"/>
+                    </a:lnL>
+                    <a:lnR w="12700" cap="flat" cmpd="sng" algn="ctr">
+                      <a:noFill/>
+                      <a:prstDash val="solid"/>
+                      <a:round/>
+                      <a:headEnd type="none" w="med" len="med"/>
+                      <a:tailEnd type="none" w="med" len="med"/>
+                    </a:lnR>
+                    <a:lnT w="12700" cap="flat" cmpd="sng" algn="ctr">
+                      <a:solidFill>
+                        <a:schemeClr val="tx1"/>
+                      </a:solidFill>
+                      <a:prstDash val="solid"/>
+                      <a:round/>
+                      <a:headEnd type="none" w="med" len="med"/>
+                      <a:tailEnd type="none" w="med" len="med"/>
+                    </a:lnT>
+                    <a:lnB w="12700" cap="flat" cmpd="sng" algn="ctr">
+                      <a:solidFill>
+                        <a:schemeClr val="tx1"/>
+                      </a:solidFill>
+                      <a:prstDash val="solid"/>
+                      <a:round/>
+                      <a:headEnd type="none" w="med" len="med"/>
+                      <a:tailEnd type="none" w="med" len="med"/>
+                    </a:lnB>
+                    <a:lnTlToBr w="12700" cmpd="sng">
+                      <a:noFill/>
+                      <a:prstDash val="solid"/>
+                    </a:lnTlToBr>
+                    <a:lnBlToTr w="12700" cmpd="sng">
+                      <a:noFill/>
+                      <a:prstDash val="solid"/>
+                    </a:lnBlToTr>
+                    <a:noFill/>
+                  </a:tcPr>
+                </a:tc>
+                <a:extLst>
+                  <a:ext uri="{0D108BD9-81ED-4DB2-BD59-A6C34878D82A}">
+                    <a16:rowId xmlns:a16="http://schemas.microsoft.com/office/drawing/2014/main" val="1005131374"/>
+                  </a:ext>
+                </a:extLst>
+              </a:tr>
+              <a:tr h="0">
+                <a:tc>
+                  <a:txBody>
+                    <a:bodyPr/>
+                    <a:lstStyle/>
+                    <a:p>
+                      <a:pPr latinLnBrk="1"/>
+                      <a:r>
+                        <a:rPr lang="ko-KR" altLang="en-US" sz="1400" b="0" dirty="0">
+                          <a:solidFill>
+                            <a:schemeClr val="tx1"/>
+                          </a:solidFill>
+                        </a:rPr>
+                        <a:t>일부 퀘스트는 실패할 경우 해당 퀘스트에 시작 지점으로 돌아간다</a:t>
+                      </a:r>
+                      <a:r>
+                        <a:rPr lang="en-US" altLang="ko-KR" sz="1400" b="0" dirty="0">
+                          <a:solidFill>
+                            <a:schemeClr val="tx1"/>
+                          </a:solidFill>
+                        </a:rPr>
+                        <a:t>.</a:t>
+                      </a:r>
+                    </a:p>
+                  </a:txBody>
+                  <a:tcPr>
+                    <a:lnL w="12700" cap="flat" cmpd="sng" algn="ctr">
+                      <a:noFill/>
+                      <a:prstDash val="solid"/>
+                      <a:round/>
+                      <a:headEnd type="none" w="med" len="med"/>
+                      <a:tailEnd type="none" w="med" len="med"/>
+                    </a:lnL>
+                    <a:lnR w="12700" cap="flat" cmpd="sng" algn="ctr">
+                      <a:noFill/>
+                      <a:prstDash val="solid"/>
+                      <a:round/>
+                      <a:headEnd type="none" w="med" len="med"/>
+                      <a:tailEnd type="none" w="med" len="med"/>
+                    </a:lnR>
+                    <a:lnT w="12700" cap="flat" cmpd="sng" algn="ctr">
+                      <a:solidFill>
+                        <a:schemeClr val="tx1"/>
+                      </a:solidFill>
+                      <a:prstDash val="solid"/>
+                      <a:round/>
+                      <a:headEnd type="none" w="med" len="med"/>
+                      <a:tailEnd type="none" w="med" len="med"/>
+                    </a:lnT>
+                    <a:lnB w="12700" cap="flat" cmpd="sng" algn="ctr">
+                      <a:noFill/>
+                      <a:prstDash val="solid"/>
+                      <a:round/>
+                      <a:headEnd type="none" w="med" len="med"/>
+                      <a:tailEnd type="none" w="med" len="med"/>
+                    </a:lnB>
+                    <a:lnTlToBr w="12700" cmpd="sng">
+                      <a:noFill/>
+                      <a:prstDash val="solid"/>
+                    </a:lnTlToBr>
+                    <a:lnBlToTr w="12700" cmpd="sng">
+                      <a:noFill/>
+                      <a:prstDash val="solid"/>
+                    </a:lnBlToTr>
+                    <a:noFill/>
+                  </a:tcPr>
+                </a:tc>
+                <a:extLst>
+                  <a:ext uri="{0D108BD9-81ED-4DB2-BD59-A6C34878D82A}">
+                    <a16:rowId xmlns:a16="http://schemas.microsoft.com/office/drawing/2014/main" val="2117341348"/>
+                  </a:ext>
+                </a:extLst>
+              </a:tr>
+            </a:tbl>
+          </a:graphicData>
+        </a:graphic>
+      </p:graphicFrame>
     </p:spTree>
     <p:extLst>
       <p:ext uri="{BB962C8B-B14F-4D97-AF65-F5344CB8AC3E}">

--- a/기획/방랑엽사전/퀘스트 시스템 기획서.pptx
+++ b/기획/방랑엽사전/퀘스트 시스템 기획서.pptx
@@ -5,7 +5,7 @@
     <p:sldMasterId id="2147483684" r:id="rId1"/>
   </p:sldMasterIdLst>
   <p:notesMasterIdLst>
-    <p:notesMasterId r:id="rId13"/>
+    <p:notesMasterId r:id="rId14"/>
   </p:notesMasterIdLst>
   <p:sldIdLst>
     <p:sldId id="258" r:id="rId2"/>
@@ -18,7 +18,8 @@
     <p:sldId id="274" r:id="rId9"/>
     <p:sldId id="278" r:id="rId10"/>
     <p:sldId id="275" r:id="rId11"/>
-    <p:sldId id="267" r:id="rId12"/>
+    <p:sldId id="279" r:id="rId12"/>
+    <p:sldId id="267" r:id="rId13"/>
   </p:sldIdLst>
   <p:sldSz cx="12192000" cy="6858000"/>
   <p:notesSz cx="6858000" cy="9144000"/>
@@ -255,7 +256,7 @@
           <a:p>
             <a:fld id="{C8649E71-8129-4905-BAC0-51D65A0C1379}" type="datetimeFigureOut">
               <a:rPr lang="ko-KR" altLang="en-US" smtClean="0"/>
-              <a:t>2024-01-16</a:t>
+              <a:t>2024-01-17</a:t>
             </a:fld>
             <a:endParaRPr lang="ko-KR" altLang="en-US"/>
           </a:p>
@@ -753,7 +754,7 @@
           <a:p>
             <a:fld id="{523D6941-6B33-4834-BC65-A333846D27E6}" type="datetimeFigureOut">
               <a:rPr lang="ko-KR" altLang="en-US" smtClean="0"/>
-              <a:t>2024-01-16</a:t>
+              <a:t>2024-01-17</a:t>
             </a:fld>
             <a:endParaRPr lang="ko-KR" altLang="en-US"/>
           </a:p>
@@ -951,7 +952,7 @@
           <a:p>
             <a:fld id="{523D6941-6B33-4834-BC65-A333846D27E6}" type="datetimeFigureOut">
               <a:rPr lang="ko-KR" altLang="en-US" smtClean="0"/>
-              <a:t>2024-01-16</a:t>
+              <a:t>2024-01-17</a:t>
             </a:fld>
             <a:endParaRPr lang="ko-KR" altLang="en-US"/>
           </a:p>
@@ -1159,7 +1160,7 @@
           <a:p>
             <a:fld id="{523D6941-6B33-4834-BC65-A333846D27E6}" type="datetimeFigureOut">
               <a:rPr lang="ko-KR" altLang="en-US" smtClean="0"/>
-              <a:t>2024-01-16</a:t>
+              <a:t>2024-01-17</a:t>
             </a:fld>
             <a:endParaRPr lang="ko-KR" altLang="en-US"/>
           </a:p>
@@ -1372,7 +1373,7 @@
           <a:p>
             <a:fld id="{523D6941-6B33-4834-BC65-A333846D27E6}" type="datetimeFigureOut">
               <a:rPr lang="ko-KR" altLang="en-US" smtClean="0"/>
-              <a:t>2024-01-16</a:t>
+              <a:t>2024-01-17</a:t>
             </a:fld>
             <a:endParaRPr lang="ko-KR" altLang="en-US"/>
           </a:p>
@@ -1657,7 +1658,7 @@
           <a:p>
             <a:fld id="{523D6941-6B33-4834-BC65-A333846D27E6}" type="datetimeFigureOut">
               <a:rPr lang="ko-KR" altLang="en-US" smtClean="0"/>
-              <a:t>2024-01-16</a:t>
+              <a:t>2024-01-17</a:t>
             </a:fld>
             <a:endParaRPr lang="ko-KR" altLang="en-US"/>
           </a:p>
@@ -1922,7 +1923,7 @@
           <a:p>
             <a:fld id="{523D6941-6B33-4834-BC65-A333846D27E6}" type="datetimeFigureOut">
               <a:rPr lang="ko-KR" altLang="en-US" smtClean="0"/>
-              <a:t>2024-01-16</a:t>
+              <a:t>2024-01-17</a:t>
             </a:fld>
             <a:endParaRPr lang="ko-KR" altLang="en-US"/>
           </a:p>
@@ -2334,7 +2335,7 @@
           <a:p>
             <a:fld id="{523D6941-6B33-4834-BC65-A333846D27E6}" type="datetimeFigureOut">
               <a:rPr lang="ko-KR" altLang="en-US" smtClean="0"/>
-              <a:t>2024-01-16</a:t>
+              <a:t>2024-01-17</a:t>
             </a:fld>
             <a:endParaRPr lang="ko-KR" altLang="en-US"/>
           </a:p>
@@ -2475,7 +2476,7 @@
           <a:p>
             <a:fld id="{523D6941-6B33-4834-BC65-A333846D27E6}" type="datetimeFigureOut">
               <a:rPr lang="ko-KR" altLang="en-US" smtClean="0"/>
-              <a:t>2024-01-16</a:t>
+              <a:t>2024-01-17</a:t>
             </a:fld>
             <a:endParaRPr lang="ko-KR" altLang="en-US"/>
           </a:p>
@@ -2588,7 +2589,7 @@
           <a:p>
             <a:fld id="{523D6941-6B33-4834-BC65-A333846D27E6}" type="datetimeFigureOut">
               <a:rPr lang="ko-KR" altLang="en-US" smtClean="0"/>
-              <a:t>2024-01-16</a:t>
+              <a:t>2024-01-17</a:t>
             </a:fld>
             <a:endParaRPr lang="ko-KR" altLang="en-US"/>
           </a:p>
@@ -2899,7 +2900,7 @@
           <a:p>
             <a:fld id="{523D6941-6B33-4834-BC65-A333846D27E6}" type="datetimeFigureOut">
               <a:rPr lang="ko-KR" altLang="en-US" smtClean="0"/>
-              <a:t>2024-01-16</a:t>
+              <a:t>2024-01-17</a:t>
             </a:fld>
             <a:endParaRPr lang="ko-KR" altLang="en-US"/>
           </a:p>
@@ -3187,7 +3188,7 @@
           <a:p>
             <a:fld id="{523D6941-6B33-4834-BC65-A333846D27E6}" type="datetimeFigureOut">
               <a:rPr lang="ko-KR" altLang="en-US" smtClean="0"/>
-              <a:t>2024-01-16</a:t>
+              <a:t>2024-01-17</a:t>
             </a:fld>
             <a:endParaRPr lang="ko-KR" altLang="en-US"/>
           </a:p>
@@ -3428,7 +3429,7 @@
           <a:p>
             <a:fld id="{523D6941-6B33-4834-BC65-A333846D27E6}" type="datetimeFigureOut">
               <a:rPr lang="ko-KR" altLang="en-US" smtClean="0"/>
-              <a:t>2024-01-16</a:t>
+              <a:t>2024-01-17</a:t>
             </a:fld>
             <a:endParaRPr lang="ko-KR" altLang="en-US"/>
           </a:p>
@@ -3962,14 +3963,14 @@
           <p:nvPr>
             <p:extLst>
               <p:ext uri="{D42A27DB-BD31-4B8C-83A1-F6EECF244321}">
-                <p14:modId xmlns:p14="http://schemas.microsoft.com/office/powerpoint/2010/main" val="1586768306"/>
+                <p14:modId xmlns:p14="http://schemas.microsoft.com/office/powerpoint/2010/main" val="2241900515"/>
               </p:ext>
             </p:extLst>
           </p:nvPr>
         </p:nvGraphicFramePr>
         <p:xfrm>
-          <a:off x="6096000" y="2179320"/>
-          <a:ext cx="4429761" cy="1249680"/>
+          <a:off x="3881119" y="2514600"/>
+          <a:ext cx="4429761" cy="1828800"/>
         </p:xfrm>
         <a:graphic>
           <a:graphicData uri="http://schemas.openxmlformats.org/drawingml/2006/table">
@@ -4074,6 +4075,145 @@
                 </a:extLst>
               </a:tr>
               <a:tr h="0">
+                <a:tc gridSpan="2">
+                  <a:txBody>
+                    <a:bodyPr/>
+                    <a:lstStyle/>
+                    <a:p>
+                      <a:pPr latinLnBrk="1"/>
+                      <a:r>
+                        <a:rPr lang="ko-KR" altLang="en-US" sz="1600" b="0" dirty="0">
+                          <a:solidFill>
+                            <a:schemeClr val="tx1"/>
+                          </a:solidFill>
+                        </a:rPr>
+                        <a:t>인벤토리의 빈칸이 퀘스트 완료 보상 아이템의 종류 보다 적을 경우 퀘스트 완료는 보류된다</a:t>
+                      </a:r>
+                      <a:r>
+                        <a:rPr lang="en-US" altLang="ko-KR" sz="1600" b="0" dirty="0">
+                          <a:solidFill>
+                            <a:schemeClr val="tx1"/>
+                          </a:solidFill>
+                        </a:rPr>
+                        <a:t>.</a:t>
+                      </a:r>
+                      <a:endParaRPr lang="ko-KR" altLang="en-US" sz="1600" b="0" dirty="0">
+                        <a:solidFill>
+                          <a:schemeClr val="tx1"/>
+                        </a:solidFill>
+                      </a:endParaRPr>
+                    </a:p>
+                  </a:txBody>
+                  <a:tcPr anchor="ctr">
+                    <a:lnL w="12700" cap="flat" cmpd="sng" algn="ctr">
+                      <a:noFill/>
+                      <a:prstDash val="solid"/>
+                      <a:round/>
+                      <a:headEnd type="none" w="med" len="med"/>
+                      <a:tailEnd type="none" w="med" len="med"/>
+                    </a:lnL>
+                    <a:lnR w="12700" cap="flat" cmpd="sng" algn="ctr">
+                      <a:noFill/>
+                      <a:prstDash val="solid"/>
+                      <a:round/>
+                      <a:headEnd type="none" w="med" len="med"/>
+                      <a:tailEnd type="none" w="med" len="med"/>
+                    </a:lnR>
+                    <a:lnT w="12700" cap="flat" cmpd="sng" algn="ctr">
+                      <a:solidFill>
+                        <a:schemeClr val="tx1"/>
+                      </a:solidFill>
+                      <a:prstDash val="solid"/>
+                      <a:round/>
+                      <a:headEnd type="none" w="med" len="med"/>
+                      <a:tailEnd type="none" w="med" len="med"/>
+                    </a:lnT>
+                    <a:lnB w="12700" cap="flat" cmpd="sng" algn="ctr">
+                      <a:solidFill>
+                        <a:schemeClr val="tx1"/>
+                      </a:solidFill>
+                      <a:prstDash val="solid"/>
+                      <a:round/>
+                      <a:headEnd type="none" w="med" len="med"/>
+                      <a:tailEnd type="none" w="med" len="med"/>
+                    </a:lnB>
+                    <a:lnTlToBr w="12700" cmpd="sng">
+                      <a:noFill/>
+                      <a:prstDash val="solid"/>
+                    </a:lnTlToBr>
+                    <a:lnBlToTr w="12700" cmpd="sng">
+                      <a:noFill/>
+                      <a:prstDash val="solid"/>
+                    </a:lnBlToTr>
+                    <a:noFill/>
+                  </a:tcPr>
+                </a:tc>
+                <a:tc hMerge="1">
+                  <a:txBody>
+                    <a:bodyPr/>
+                    <a:lstStyle/>
+                    <a:p>
+                      <a:pPr latinLnBrk="1"/>
+                      <a:endParaRPr lang="en-US" altLang="ko-KR" sz="1600" b="0" dirty="0">
+                        <a:solidFill>
+                          <a:schemeClr val="tx1"/>
+                        </a:solidFill>
+                      </a:endParaRPr>
+                    </a:p>
+                  </a:txBody>
+                  <a:tcPr anchor="ctr">
+                    <a:lnL w="12700" cap="flat" cmpd="sng" algn="ctr">
+                      <a:solidFill>
+                        <a:schemeClr val="tx1"/>
+                      </a:solidFill>
+                      <a:prstDash val="solid"/>
+                      <a:round/>
+                      <a:headEnd type="none" w="med" len="med"/>
+                      <a:tailEnd type="none" w="med" len="med"/>
+                    </a:lnL>
+                    <a:lnR w="12700" cap="flat" cmpd="sng" algn="ctr">
+                      <a:noFill/>
+                      <a:prstDash val="solid"/>
+                      <a:round/>
+                      <a:headEnd type="none" w="med" len="med"/>
+                      <a:tailEnd type="none" w="med" len="med"/>
+                    </a:lnR>
+                    <a:lnT w="12700" cap="flat" cmpd="sng" algn="ctr">
+                      <a:solidFill>
+                        <a:schemeClr val="tx1"/>
+                      </a:solidFill>
+                      <a:prstDash val="solid"/>
+                      <a:round/>
+                      <a:headEnd type="none" w="med" len="med"/>
+                      <a:tailEnd type="none" w="med" len="med"/>
+                    </a:lnT>
+                    <a:lnB w="12700" cap="flat" cmpd="sng" algn="ctr">
+                      <a:solidFill>
+                        <a:schemeClr val="tx1"/>
+                      </a:solidFill>
+                      <a:prstDash val="solid"/>
+                      <a:round/>
+                      <a:headEnd type="none" w="med" len="med"/>
+                      <a:tailEnd type="none" w="med" len="med"/>
+                    </a:lnB>
+                    <a:lnTlToBr w="12700" cmpd="sng">
+                      <a:noFill/>
+                      <a:prstDash val="solid"/>
+                    </a:lnTlToBr>
+                    <a:lnBlToTr w="12700" cmpd="sng">
+                      <a:noFill/>
+                      <a:prstDash val="solid"/>
+                    </a:lnBlToTr>
+                    <a:noFill/>
+                  </a:tcPr>
+                </a:tc>
+                <a:extLst>
+                  <a:ext uri="{0D108BD9-81ED-4DB2-BD59-A6C34878D82A}">
+                    <a16:rowId xmlns:a16="http://schemas.microsoft.com/office/drawing/2014/main" val="137447129"/>
+                  </a:ext>
+                </a:extLst>
+              </a:tr>
+              <a:tr h="0">
                 <a:tc>
                   <a:txBody>
                     <a:bodyPr/>
@@ -4256,9 +4396,7 @@
                       <a:tailEnd type="none" w="med" len="med"/>
                     </a:lnT>
                     <a:lnB w="12700" cap="flat" cmpd="sng" algn="ctr">
-                      <a:solidFill>
-                        <a:schemeClr val="tx1"/>
-                      </a:solidFill>
+                      <a:noFill/>
                       <a:prstDash val="solid"/>
                       <a:round/>
                       <a:headEnd type="none" w="med" len="med"/>
@@ -4395,9 +4533,7 @@
                       <a:tailEnd type="none" w="med" len="med"/>
                     </a:lnT>
                     <a:lnB w="12700" cap="flat" cmpd="sng" algn="ctr">
-                      <a:solidFill>
-                        <a:schemeClr val="tx1"/>
-                      </a:solidFill>
+                      <a:noFill/>
                       <a:prstDash val="solid"/>
                       <a:round/>
                       <a:headEnd type="none" w="med" len="med"/>
@@ -4485,10 +4621,10 @@
       </p:sp>
       <p:pic>
         <p:nvPicPr>
-          <p:cNvPr id="4" name="그림 3">
+          <p:cNvPr id="6" name="그림 5" descr="텍스트, 스크린샷, 디자인, 창의성이(가) 표시된 사진&#10;&#10;자동 생성된 설명">
             <a:extLst>
               <a:ext uri="{FF2B5EF4-FFF2-40B4-BE49-F238E27FC236}">
-                <a16:creationId xmlns:a16="http://schemas.microsoft.com/office/drawing/2014/main" id="{6F9C2380-E657-42FE-8A0C-58B91C9F1F8A}"/>
+                <a16:creationId xmlns:a16="http://schemas.microsoft.com/office/drawing/2014/main" id="{C49A471A-1E62-AC08-D396-8EE44C225103}"/>
               </a:ext>
             </a:extLst>
           </p:cNvPr>
@@ -4511,8 +4647,8 @@
         </p:blipFill>
         <p:spPr>
           <a:xfrm>
-            <a:off x="1003055" y="1372282"/>
-            <a:ext cx="4429761" cy="4662599"/>
+            <a:off x="1537299" y="1158875"/>
+            <a:ext cx="1950352" cy="5219323"/>
           </a:xfrm>
           <a:prstGeom prst="rect">
             <a:avLst/>
@@ -4533,6 +4669,545 @@
 </file>
 
 <file path=ppt/slides/slide11.xml><?xml version="1.0" encoding="utf-8"?>
+<p:sld xmlns:a="http://schemas.openxmlformats.org/drawingml/2006/main" xmlns:r="http://schemas.openxmlformats.org/officeDocument/2006/relationships" xmlns:p="http://schemas.openxmlformats.org/presentationml/2006/main">
+  <p:cSld>
+    <p:spTree>
+      <p:nvGrpSpPr>
+        <p:cNvPr id="1" name=""/>
+        <p:cNvGrpSpPr/>
+        <p:nvPr/>
+      </p:nvGrpSpPr>
+      <p:grpSpPr>
+        <a:xfrm>
+          <a:off x="0" y="0"/>
+          <a:ext cx="0" cy="0"/>
+          <a:chOff x="0" y="0"/>
+          <a:chExt cx="0" cy="0"/>
+        </a:xfrm>
+      </p:grpSpPr>
+      <p:graphicFrame>
+        <p:nvGraphicFramePr>
+          <p:cNvPr id="3" name="표 2">
+            <a:extLst>
+              <a:ext uri="{FF2B5EF4-FFF2-40B4-BE49-F238E27FC236}">
+                <a16:creationId xmlns:a16="http://schemas.microsoft.com/office/drawing/2014/main" id="{7858959D-94A3-438E-B5B6-A05808F4536A}"/>
+              </a:ext>
+            </a:extLst>
+          </p:cNvPr>
+          <p:cNvGraphicFramePr>
+            <a:graphicFrameLocks noGrp="1"/>
+          </p:cNvGraphicFramePr>
+          <p:nvPr>
+            <p:extLst>
+              <p:ext uri="{D42A27DB-BD31-4B8C-83A1-F6EECF244321}">
+                <p14:modId xmlns:p14="http://schemas.microsoft.com/office/powerpoint/2010/main" val="3437720335"/>
+              </p:ext>
+            </p:extLst>
+          </p:nvPr>
+        </p:nvGraphicFramePr>
+        <p:xfrm>
+          <a:off x="5221032" y="2758440"/>
+          <a:ext cx="4723130" cy="1341120"/>
+        </p:xfrm>
+        <a:graphic>
+          <a:graphicData uri="http://schemas.openxmlformats.org/drawingml/2006/table">
+            <a:tbl>
+              <a:tblPr firstRow="1" bandRow="1">
+                <a:tableStyleId>{5C22544A-7EE6-4342-B048-85BDC9FD1C3A}</a:tableStyleId>
+              </a:tblPr>
+              <a:tblGrid>
+                <a:gridCol w="4723130">
+                  <a:extLst>
+                    <a:ext uri="{9D8B030D-6E8A-4147-A177-3AD203B41FA5}">
+                      <a16:colId xmlns:a16="http://schemas.microsoft.com/office/drawing/2014/main" val="2985730691"/>
+                    </a:ext>
+                  </a:extLst>
+                </a:gridCol>
+              </a:tblGrid>
+              <a:tr h="0">
+                <a:tc>
+                  <a:txBody>
+                    <a:bodyPr/>
+                    <a:lstStyle/>
+                    <a:p>
+                      <a:pPr latinLnBrk="1"/>
+                      <a:r>
+                        <a:rPr lang="ko-KR" altLang="en-US" sz="1600" b="0" dirty="0">
+                          <a:solidFill>
+                            <a:schemeClr val="tx1"/>
+                          </a:solidFill>
+                        </a:rPr>
+                        <a:t>보상</a:t>
+                      </a:r>
+                    </a:p>
+                  </a:txBody>
+                  <a:tcPr>
+                    <a:lnL w="12700" cap="flat" cmpd="sng" algn="ctr">
+                      <a:noFill/>
+                      <a:prstDash val="solid"/>
+                      <a:round/>
+                      <a:headEnd type="none" w="med" len="med"/>
+                      <a:tailEnd type="none" w="med" len="med"/>
+                    </a:lnL>
+                    <a:lnR w="12700" cap="flat" cmpd="sng" algn="ctr">
+                      <a:noFill/>
+                      <a:prstDash val="solid"/>
+                      <a:round/>
+                      <a:headEnd type="none" w="med" len="med"/>
+                      <a:tailEnd type="none" w="med" len="med"/>
+                    </a:lnR>
+                    <a:lnT w="12700" cap="flat" cmpd="sng" algn="ctr">
+                      <a:noFill/>
+                      <a:prstDash val="solid"/>
+                      <a:round/>
+                      <a:headEnd type="none" w="med" len="med"/>
+                      <a:tailEnd type="none" w="med" len="med"/>
+                    </a:lnT>
+                    <a:lnB w="12700" cap="flat" cmpd="sng" algn="ctr">
+                      <a:solidFill>
+                        <a:schemeClr val="tx1"/>
+                      </a:solidFill>
+                      <a:prstDash val="solid"/>
+                      <a:round/>
+                      <a:headEnd type="none" w="med" len="med"/>
+                      <a:tailEnd type="none" w="med" len="med"/>
+                    </a:lnB>
+                    <a:lnTlToBr w="12700" cmpd="sng">
+                      <a:noFill/>
+                      <a:prstDash val="solid"/>
+                    </a:lnTlToBr>
+                    <a:lnBlToTr w="12700" cmpd="sng">
+                      <a:noFill/>
+                      <a:prstDash val="solid"/>
+                    </a:lnBlToTr>
+                    <a:solidFill>
+                      <a:schemeClr val="bg1">
+                        <a:lumMod val="95000"/>
+                      </a:schemeClr>
+                    </a:solidFill>
+                  </a:tcPr>
+                </a:tc>
+                <a:extLst>
+                  <a:ext uri="{0D108BD9-81ED-4DB2-BD59-A6C34878D82A}">
+                    <a16:rowId xmlns:a16="http://schemas.microsoft.com/office/drawing/2014/main" val="4232510737"/>
+                  </a:ext>
+                </a:extLst>
+              </a:tr>
+              <a:tr h="0">
+                <a:tc>
+                  <a:txBody>
+                    <a:bodyPr/>
+                    <a:lstStyle/>
+                    <a:p>
+                      <a:pPr latinLnBrk="1"/>
+                      <a:r>
+                        <a:rPr lang="ko-KR" altLang="en-US" sz="1600" b="0" dirty="0">
+                          <a:solidFill>
+                            <a:schemeClr val="tx1"/>
+                          </a:solidFill>
+                        </a:rPr>
+                        <a:t>보상은 골드</a:t>
+                      </a:r>
+                      <a:r>
+                        <a:rPr lang="en-US" altLang="ko-KR" sz="1600" b="0" dirty="0">
+                          <a:solidFill>
+                            <a:schemeClr val="tx1"/>
+                          </a:solidFill>
+                        </a:rPr>
+                        <a:t>, </a:t>
+                      </a:r>
+                      <a:r>
+                        <a:rPr lang="ko-KR" altLang="en-US" sz="1600" b="0" dirty="0">
+                          <a:solidFill>
+                            <a:schemeClr val="tx1"/>
+                          </a:solidFill>
+                        </a:rPr>
+                        <a:t>경험치</a:t>
+                      </a:r>
+                      <a:r>
+                        <a:rPr lang="en-US" altLang="ko-KR" sz="1600" b="0" dirty="0">
+                          <a:solidFill>
+                            <a:schemeClr val="tx1"/>
+                          </a:solidFill>
+                        </a:rPr>
+                        <a:t>, </a:t>
+                      </a:r>
+                      <a:r>
+                        <a:rPr lang="ko-KR" altLang="en-US" sz="1600" b="0" dirty="0">
+                          <a:solidFill>
+                            <a:schemeClr val="tx1"/>
+                          </a:solidFill>
+                        </a:rPr>
+                        <a:t>아이템으로 구성된다</a:t>
+                      </a:r>
+                      <a:r>
+                        <a:rPr lang="en-US" altLang="ko-KR" sz="1600" b="0" dirty="0">
+                          <a:solidFill>
+                            <a:schemeClr val="tx1"/>
+                          </a:solidFill>
+                        </a:rPr>
+                        <a:t>.</a:t>
+                      </a:r>
+                      <a:endParaRPr lang="ko-KR" altLang="en-US" sz="1600" b="0" dirty="0">
+                        <a:solidFill>
+                          <a:schemeClr val="tx1"/>
+                        </a:solidFill>
+                      </a:endParaRPr>
+                    </a:p>
+                  </a:txBody>
+                  <a:tcPr anchor="ctr">
+                    <a:lnL w="12700" cap="flat" cmpd="sng" algn="ctr">
+                      <a:noFill/>
+                      <a:prstDash val="solid"/>
+                      <a:round/>
+                      <a:headEnd type="none" w="med" len="med"/>
+                      <a:tailEnd type="none" w="med" len="med"/>
+                    </a:lnL>
+                    <a:lnR w="12700" cap="flat" cmpd="sng" algn="ctr">
+                      <a:noFill/>
+                      <a:prstDash val="solid"/>
+                      <a:round/>
+                      <a:headEnd type="none" w="med" len="med"/>
+                      <a:tailEnd type="none" w="med" len="med"/>
+                    </a:lnR>
+                    <a:lnT w="12700" cap="flat" cmpd="sng" algn="ctr">
+                      <a:solidFill>
+                        <a:schemeClr val="tx1"/>
+                      </a:solidFill>
+                      <a:prstDash val="solid"/>
+                      <a:round/>
+                      <a:headEnd type="none" w="med" len="med"/>
+                      <a:tailEnd type="none" w="med" len="med"/>
+                    </a:lnT>
+                    <a:lnB w="12700" cap="flat" cmpd="sng" algn="ctr">
+                      <a:solidFill>
+                        <a:schemeClr val="tx1"/>
+                      </a:solidFill>
+                      <a:prstDash val="solid"/>
+                      <a:round/>
+                      <a:headEnd type="none" w="med" len="med"/>
+                      <a:tailEnd type="none" w="med" len="med"/>
+                    </a:lnB>
+                    <a:lnTlToBr w="12700" cmpd="sng">
+                      <a:noFill/>
+                      <a:prstDash val="solid"/>
+                    </a:lnTlToBr>
+                    <a:lnBlToTr w="12700" cmpd="sng">
+                      <a:noFill/>
+                      <a:prstDash val="solid"/>
+                    </a:lnBlToTr>
+                    <a:noFill/>
+                  </a:tcPr>
+                </a:tc>
+                <a:extLst>
+                  <a:ext uri="{0D108BD9-81ED-4DB2-BD59-A6C34878D82A}">
+                    <a16:rowId xmlns:a16="http://schemas.microsoft.com/office/drawing/2014/main" val="3988176277"/>
+                  </a:ext>
+                </a:extLst>
+              </a:tr>
+              <a:tr h="0">
+                <a:tc>
+                  <a:txBody>
+                    <a:bodyPr/>
+                    <a:lstStyle/>
+                    <a:p>
+                      <a:pPr latinLnBrk="1"/>
+                      <a:r>
+                        <a:rPr lang="ko-KR" altLang="en-US" sz="1600" b="0" dirty="0">
+                          <a:solidFill>
+                            <a:schemeClr val="tx1"/>
+                          </a:solidFill>
+                        </a:rPr>
+                        <a:t>아이템 보상은 최대 </a:t>
+                      </a:r>
+                      <a:r>
+                        <a:rPr lang="en-US" altLang="ko-KR" sz="1600" b="0" dirty="0">
+                          <a:solidFill>
+                            <a:schemeClr val="tx1"/>
+                          </a:solidFill>
+                        </a:rPr>
+                        <a:t>8</a:t>
+                      </a:r>
+                      <a:r>
+                        <a:rPr lang="ko-KR" altLang="en-US" sz="1600" b="0" dirty="0">
+                          <a:solidFill>
+                            <a:schemeClr val="tx1"/>
+                          </a:solidFill>
+                        </a:rPr>
+                        <a:t>종류 까지 지급된다</a:t>
+                      </a:r>
+                      <a:r>
+                        <a:rPr lang="en-US" altLang="ko-KR" sz="1600" b="0" dirty="0">
+                          <a:solidFill>
+                            <a:schemeClr val="tx1"/>
+                          </a:solidFill>
+                        </a:rPr>
+                        <a:t>.</a:t>
+                      </a:r>
+                      <a:endParaRPr lang="ko-KR" altLang="en-US" sz="1600" b="0" dirty="0">
+                        <a:solidFill>
+                          <a:schemeClr val="tx1"/>
+                        </a:solidFill>
+                      </a:endParaRPr>
+                    </a:p>
+                  </a:txBody>
+                  <a:tcPr anchor="ctr">
+                    <a:lnL w="12700" cap="flat" cmpd="sng" algn="ctr">
+                      <a:noFill/>
+                      <a:prstDash val="solid"/>
+                      <a:round/>
+                      <a:headEnd type="none" w="med" len="med"/>
+                      <a:tailEnd type="none" w="med" len="med"/>
+                    </a:lnL>
+                    <a:lnR w="12700" cap="flat" cmpd="sng" algn="ctr">
+                      <a:noFill/>
+                      <a:prstDash val="solid"/>
+                      <a:round/>
+                      <a:headEnd type="none" w="med" len="med"/>
+                      <a:tailEnd type="none" w="med" len="med"/>
+                    </a:lnR>
+                    <a:lnT w="12700" cap="flat" cmpd="sng" algn="ctr">
+                      <a:solidFill>
+                        <a:schemeClr val="tx1"/>
+                      </a:solidFill>
+                      <a:prstDash val="solid"/>
+                      <a:round/>
+                      <a:headEnd type="none" w="med" len="med"/>
+                      <a:tailEnd type="none" w="med" len="med"/>
+                    </a:lnT>
+                    <a:lnB w="12700" cap="flat" cmpd="sng" algn="ctr">
+                      <a:solidFill>
+                        <a:schemeClr val="tx1"/>
+                      </a:solidFill>
+                      <a:prstDash val="solid"/>
+                      <a:round/>
+                      <a:headEnd type="none" w="med" len="med"/>
+                      <a:tailEnd type="none" w="med" len="med"/>
+                    </a:lnB>
+                    <a:lnTlToBr w="12700" cmpd="sng">
+                      <a:noFill/>
+                      <a:prstDash val="solid"/>
+                    </a:lnTlToBr>
+                    <a:lnBlToTr w="12700" cmpd="sng">
+                      <a:noFill/>
+                      <a:prstDash val="solid"/>
+                    </a:lnBlToTr>
+                    <a:noFill/>
+                  </a:tcPr>
+                </a:tc>
+                <a:extLst>
+                  <a:ext uri="{0D108BD9-81ED-4DB2-BD59-A6C34878D82A}">
+                    <a16:rowId xmlns:a16="http://schemas.microsoft.com/office/drawing/2014/main" val="2317482956"/>
+                  </a:ext>
+                </a:extLst>
+              </a:tr>
+              <a:tr h="0">
+                <a:tc>
+                  <a:txBody>
+                    <a:bodyPr/>
+                    <a:lstStyle/>
+                    <a:p>
+                      <a:pPr latinLnBrk="1"/>
+                      <a:r>
+                        <a:rPr lang="ko-KR" altLang="en-US" sz="1600" b="0" dirty="0">
+                          <a:solidFill>
+                            <a:schemeClr val="tx1"/>
+                          </a:solidFill>
+                        </a:rPr>
+                        <a:t>한 종류의 아이템은 최대 </a:t>
+                      </a:r>
+                      <a:r>
+                        <a:rPr lang="en-US" altLang="ko-KR" sz="1600" b="0" dirty="0">
+                          <a:solidFill>
+                            <a:schemeClr val="tx1"/>
+                          </a:solidFill>
+                        </a:rPr>
+                        <a:t>999</a:t>
+                      </a:r>
+                      <a:r>
+                        <a:rPr lang="ko-KR" altLang="en-US" sz="1600" b="0" dirty="0">
+                          <a:solidFill>
+                            <a:schemeClr val="tx1"/>
+                          </a:solidFill>
+                        </a:rPr>
+                        <a:t>개 까지 지급한다</a:t>
+                      </a:r>
+                      <a:r>
+                        <a:rPr lang="en-US" altLang="ko-KR" sz="1600" b="0" dirty="0">
+                          <a:solidFill>
+                            <a:schemeClr val="tx1"/>
+                          </a:solidFill>
+                        </a:rPr>
+                        <a:t>.</a:t>
+                      </a:r>
+                      <a:endParaRPr lang="ko-KR" altLang="en-US" sz="1600" b="0" dirty="0">
+                        <a:solidFill>
+                          <a:schemeClr val="tx1"/>
+                        </a:solidFill>
+                      </a:endParaRPr>
+                    </a:p>
+                  </a:txBody>
+                  <a:tcPr anchor="ctr">
+                    <a:lnL w="12700" cap="flat" cmpd="sng" algn="ctr">
+                      <a:noFill/>
+                      <a:prstDash val="solid"/>
+                      <a:round/>
+                      <a:headEnd type="none" w="med" len="med"/>
+                      <a:tailEnd type="none" w="med" len="med"/>
+                    </a:lnL>
+                    <a:lnR w="12700" cap="flat" cmpd="sng" algn="ctr">
+                      <a:noFill/>
+                      <a:prstDash val="solid"/>
+                      <a:round/>
+                      <a:headEnd type="none" w="med" len="med"/>
+                      <a:tailEnd type="none" w="med" len="med"/>
+                    </a:lnR>
+                    <a:lnT w="12700" cap="flat" cmpd="sng" algn="ctr">
+                      <a:solidFill>
+                        <a:schemeClr val="tx1"/>
+                      </a:solidFill>
+                      <a:prstDash val="solid"/>
+                      <a:round/>
+                      <a:headEnd type="none" w="med" len="med"/>
+                      <a:tailEnd type="none" w="med" len="med"/>
+                    </a:lnT>
+                    <a:lnB w="12700" cap="flat" cmpd="sng" algn="ctr">
+                      <a:noFill/>
+                      <a:prstDash val="solid"/>
+                      <a:round/>
+                      <a:headEnd type="none" w="med" len="med"/>
+                      <a:tailEnd type="none" w="med" len="med"/>
+                    </a:lnB>
+                    <a:lnTlToBr w="12700" cmpd="sng">
+                      <a:noFill/>
+                      <a:prstDash val="solid"/>
+                    </a:lnTlToBr>
+                    <a:lnBlToTr w="12700" cmpd="sng">
+                      <a:noFill/>
+                      <a:prstDash val="solid"/>
+                    </a:lnBlToTr>
+                    <a:noFill/>
+                  </a:tcPr>
+                </a:tc>
+                <a:extLst>
+                  <a:ext uri="{0D108BD9-81ED-4DB2-BD59-A6C34878D82A}">
+                    <a16:rowId xmlns:a16="http://schemas.microsoft.com/office/drawing/2014/main" val="1538551805"/>
+                  </a:ext>
+                </a:extLst>
+              </a:tr>
+            </a:tbl>
+          </a:graphicData>
+        </a:graphic>
+      </p:graphicFrame>
+      <p:sp>
+        <p:nvSpPr>
+          <p:cNvPr id="5" name="Rect 0">
+            <a:extLst>
+              <a:ext uri="{FF2B5EF4-FFF2-40B4-BE49-F238E27FC236}">
+                <a16:creationId xmlns:a16="http://schemas.microsoft.com/office/drawing/2014/main" id="{973C568C-0574-430B-948F-BD8DC31E2883}"/>
+              </a:ext>
+            </a:extLst>
+          </p:cNvPr>
+          <p:cNvSpPr txBox="1">
+            <a:spLocks/>
+          </p:cNvSpPr>
+          <p:nvPr/>
+        </p:nvSpPr>
+        <p:spPr>
+          <a:xfrm>
+            <a:off x="695325" y="292100"/>
+            <a:ext cx="10801985" cy="862330"/>
+          </a:xfrm>
+          <a:prstGeom prst="rect">
+            <a:avLst/>
+          </a:prstGeom>
+        </p:spPr>
+        <p:txBody>
+          <a:bodyPr vert="horz" wrap="square" lIns="91440" tIns="45720" rIns="91440" bIns="45720" numCol="1" anchor="ctr">
+            <a:normAutofit/>
+          </a:bodyPr>
+          <a:lstStyle>
+            <a:lvl1pPr marL="0" indent="0" algn="l" defTabSz="914400" rtl="0" eaLnBrk="1" latinLnBrk="1" hangingPunct="1">
+              <a:lnSpc>
+                <a:spcPct val="90000"/>
+              </a:lnSpc>
+              <a:spcBef>
+                <a:spcPct val="0"/>
+              </a:spcBef>
+              <a:buFontTx/>
+              <a:buNone/>
+              <a:defRPr lang="en-GB" altLang="en-US" sz="4400">
+                <a:solidFill>
+                  <a:schemeClr val="tx1"/>
+                </a:solidFill>
+                <a:latin typeface="+mj-lt"/>
+                <a:ea typeface="+mj-ea"/>
+                <a:cs typeface="+mj-cs"/>
+              </a:defRPr>
+            </a:lvl1pPr>
+          </a:lstStyle>
+          <a:p>
+            <a:pPr marL="0" indent="0" latinLnBrk="0">
+              <a:buFontTx/>
+              <a:buNone/>
+            </a:pPr>
+            <a:r>
+              <a:rPr lang="ko-KR" altLang="en-US" dirty="0"/>
+              <a:t>보상 규칙</a:t>
+            </a:r>
+          </a:p>
+        </p:txBody>
+      </p:sp>
+      <p:pic>
+        <p:nvPicPr>
+          <p:cNvPr id="4" name="그림 3" descr="텍스트, 스크린샷, 폰트, 화이트이(가) 표시된 사진&#10;&#10;자동 생성된 설명">
+            <a:extLst>
+              <a:ext uri="{FF2B5EF4-FFF2-40B4-BE49-F238E27FC236}">
+                <a16:creationId xmlns:a16="http://schemas.microsoft.com/office/drawing/2014/main" id="{C5C7179C-6599-D688-AE3D-4B7CB61C0596}"/>
+              </a:ext>
+            </a:extLst>
+          </p:cNvPr>
+          <p:cNvPicPr>
+            <a:picLocks noChangeAspect="1"/>
+          </p:cNvPicPr>
+          <p:nvPr/>
+        </p:nvPicPr>
+        <p:blipFill>
+          <a:blip r:embed="rId2">
+            <a:extLst>
+              <a:ext uri="{28A0092B-C50C-407E-A947-70E740481C1C}">
+                <a14:useLocalDpi xmlns:a14="http://schemas.microsoft.com/office/drawing/2010/main" val="0"/>
+              </a:ext>
+            </a:extLst>
+          </a:blip>
+          <a:stretch>
+            <a:fillRect/>
+          </a:stretch>
+        </p:blipFill>
+        <p:spPr>
+          <a:xfrm>
+            <a:off x="2181225" y="1582235"/>
+            <a:ext cx="1533525" cy="4200525"/>
+          </a:xfrm>
+          <a:prstGeom prst="rect">
+            <a:avLst/>
+          </a:prstGeom>
+        </p:spPr>
+      </p:pic>
+    </p:spTree>
+    <p:extLst>
+      <p:ext uri="{BB962C8B-B14F-4D97-AF65-F5344CB8AC3E}">
+        <p14:creationId xmlns:p14="http://schemas.microsoft.com/office/powerpoint/2010/main" val="576337824"/>
+      </p:ext>
+    </p:extLst>
+  </p:cSld>
+  <p:clrMapOvr>
+    <a:masterClrMapping/>
+  </p:clrMapOvr>
+</p:sld>
+</file>
+
+<file path=ppt/slides/slide12.xml><?xml version="1.0" encoding="utf-8"?>
 <p:sld xmlns:a="http://schemas.openxmlformats.org/drawingml/2006/main" xmlns:r="http://schemas.openxmlformats.org/officeDocument/2006/relationships" xmlns:p="http://schemas.openxmlformats.org/presentationml/2006/main">
   <p:cSld>
     <p:spTree>
@@ -9353,14 +10028,14 @@
           <p:nvPr>
             <p:extLst>
               <p:ext uri="{D42A27DB-BD31-4B8C-83A1-F6EECF244321}">
-                <p14:modId xmlns:p14="http://schemas.microsoft.com/office/powerpoint/2010/main" val="391635514"/>
+                <p14:modId xmlns:p14="http://schemas.microsoft.com/office/powerpoint/2010/main" val="4057207603"/>
               </p:ext>
             </p:extLst>
           </p:nvPr>
         </p:nvGraphicFramePr>
         <p:xfrm>
-          <a:off x="2064385" y="2331720"/>
-          <a:ext cx="8063230" cy="2560320"/>
+          <a:off x="2064385" y="2514600"/>
+          <a:ext cx="8063230" cy="1828800"/>
         </p:xfrm>
         <a:graphic>
           <a:graphicData uri="http://schemas.openxmlformats.org/drawingml/2006/table">
@@ -9687,172 +10362,6 @@
                 <a:extLst>
                   <a:ext uri="{0D108BD9-81ED-4DB2-BD59-A6C34878D82A}">
                     <a16:rowId xmlns:a16="http://schemas.microsoft.com/office/drawing/2014/main" val="3156589016"/>
-                  </a:ext>
-                </a:extLst>
-              </a:tr>
-              <a:tr h="0">
-                <a:tc>
-                  <a:txBody>
-                    <a:bodyPr/>
-                    <a:lstStyle/>
-                    <a:p>
-                      <a:pPr latinLnBrk="1"/>
-                      <a:r>
-                        <a:rPr lang="ko-KR" altLang="en-US" sz="1800" b="0" dirty="0">
-                          <a:solidFill>
-                            <a:schemeClr val="tx1"/>
-                          </a:solidFill>
-                        </a:rPr>
-                        <a:t>돌발 퀘스트는 최대 </a:t>
-                      </a:r>
-                      <a:r>
-                        <a:rPr lang="en-US" altLang="ko-KR" sz="1800" b="0" dirty="0">
-                          <a:solidFill>
-                            <a:schemeClr val="tx1"/>
-                          </a:solidFill>
-                        </a:rPr>
-                        <a:t>2</a:t>
-                      </a:r>
-                      <a:r>
-                        <a:rPr lang="ko-KR" altLang="en-US" sz="1800" b="0" dirty="0">
-                          <a:solidFill>
-                            <a:schemeClr val="tx1"/>
-                          </a:solidFill>
-                        </a:rPr>
-                        <a:t>개 까지 동시 수행 가능하다</a:t>
-                      </a:r>
-                      <a:r>
-                        <a:rPr lang="en-US" altLang="ko-KR" sz="1800" b="0" dirty="0">
-                          <a:solidFill>
-                            <a:schemeClr val="tx1"/>
-                          </a:solidFill>
-                        </a:rPr>
-                        <a:t>.</a:t>
-                      </a:r>
-                    </a:p>
-                  </a:txBody>
-                  <a:tcPr>
-                    <a:lnL w="12700" cap="flat" cmpd="sng" algn="ctr">
-                      <a:noFill/>
-                      <a:prstDash val="solid"/>
-                      <a:round/>
-                      <a:headEnd type="none" w="med" len="med"/>
-                      <a:tailEnd type="none" w="med" len="med"/>
-                    </a:lnL>
-                    <a:lnR w="12700" cap="flat" cmpd="sng" algn="ctr">
-                      <a:noFill/>
-                      <a:prstDash val="solid"/>
-                      <a:round/>
-                      <a:headEnd type="none" w="med" len="med"/>
-                      <a:tailEnd type="none" w="med" len="med"/>
-                    </a:lnR>
-                    <a:lnT w="12700" cap="flat" cmpd="sng" algn="ctr">
-                      <a:solidFill>
-                        <a:schemeClr val="tx1"/>
-                      </a:solidFill>
-                      <a:prstDash val="solid"/>
-                      <a:round/>
-                      <a:headEnd type="none" w="med" len="med"/>
-                      <a:tailEnd type="none" w="med" len="med"/>
-                    </a:lnT>
-                    <a:lnB w="12700" cap="flat" cmpd="sng" algn="ctr">
-                      <a:solidFill>
-                        <a:schemeClr val="tx1"/>
-                      </a:solidFill>
-                      <a:prstDash val="solid"/>
-                      <a:round/>
-                      <a:headEnd type="none" w="med" len="med"/>
-                      <a:tailEnd type="none" w="med" len="med"/>
-                    </a:lnB>
-                    <a:lnTlToBr w="12700" cmpd="sng">
-                      <a:noFill/>
-                      <a:prstDash val="solid"/>
-                    </a:lnTlToBr>
-                    <a:lnBlToTr w="12700" cmpd="sng">
-                      <a:noFill/>
-                      <a:prstDash val="solid"/>
-                    </a:lnBlToTr>
-                    <a:noFill/>
-                  </a:tcPr>
-                </a:tc>
-                <a:extLst>
-                  <a:ext uri="{0D108BD9-81ED-4DB2-BD59-A6C34878D82A}">
-                    <a16:rowId xmlns:a16="http://schemas.microsoft.com/office/drawing/2014/main" val="2189569172"/>
-                  </a:ext>
-                </a:extLst>
-              </a:tr>
-              <a:tr h="0">
-                <a:tc>
-                  <a:txBody>
-                    <a:bodyPr/>
-                    <a:lstStyle/>
-                    <a:p>
-                      <a:pPr latinLnBrk="1"/>
-                      <a:r>
-                        <a:rPr lang="ko-KR" altLang="en-US" sz="1800" b="0" dirty="0">
-                          <a:solidFill>
-                            <a:schemeClr val="tx1"/>
-                          </a:solidFill>
-                        </a:rPr>
-                        <a:t>돌발 퀘스트는 자동 수락되며 실패 및 수행 범위 이탈 시 자동으로 포기된다</a:t>
-                      </a:r>
-                      <a:r>
-                        <a:rPr lang="en-US" altLang="ko-KR" sz="1800" b="0" dirty="0">
-                          <a:solidFill>
-                            <a:schemeClr val="tx1"/>
-                          </a:solidFill>
-                        </a:rPr>
-                        <a:t>.</a:t>
-                      </a:r>
-                    </a:p>
-                  </a:txBody>
-                  <a:tcPr>
-                    <a:lnL w="12700" cap="flat" cmpd="sng" algn="ctr">
-                      <a:noFill/>
-                      <a:prstDash val="solid"/>
-                      <a:round/>
-                      <a:headEnd type="none" w="med" len="med"/>
-                      <a:tailEnd type="none" w="med" len="med"/>
-                    </a:lnL>
-                    <a:lnR w="12700" cap="flat" cmpd="sng" algn="ctr">
-                      <a:noFill/>
-                      <a:prstDash val="solid"/>
-                      <a:round/>
-                      <a:headEnd type="none" w="med" len="med"/>
-                      <a:tailEnd type="none" w="med" len="med"/>
-                    </a:lnR>
-                    <a:lnT w="12700" cap="flat" cmpd="sng" algn="ctr">
-                      <a:solidFill>
-                        <a:schemeClr val="tx1"/>
-                      </a:solidFill>
-                      <a:prstDash val="solid"/>
-                      <a:round/>
-                      <a:headEnd type="none" w="med" len="med"/>
-                      <a:tailEnd type="none" w="med" len="med"/>
-                    </a:lnT>
-                    <a:lnB w="12700" cap="flat" cmpd="sng" algn="ctr">
-                      <a:solidFill>
-                        <a:schemeClr val="tx1"/>
-                      </a:solidFill>
-                      <a:prstDash val="solid"/>
-                      <a:round/>
-                      <a:headEnd type="none" w="med" len="med"/>
-                      <a:tailEnd type="none" w="med" len="med"/>
-                    </a:lnB>
-                    <a:lnTlToBr w="12700" cmpd="sng">
-                      <a:noFill/>
-                      <a:prstDash val="solid"/>
-                    </a:lnTlToBr>
-                    <a:lnBlToTr w="12700" cmpd="sng">
-                      <a:noFill/>
-                      <a:prstDash val="solid"/>
-                    </a:lnBlToTr>
-                    <a:noFill/>
-                  </a:tcPr>
-                </a:tc>
-                <a:extLst>
-                  <a:ext uri="{0D108BD9-81ED-4DB2-BD59-A6C34878D82A}">
-                    <a16:rowId xmlns:a16="http://schemas.microsoft.com/office/drawing/2014/main" val="3992294389"/>
                   </a:ext>
                 </a:extLst>
               </a:tr>

--- a/기획/방랑엽사전/퀘스트 시스템 기획서.pptx
+++ b/기획/방랑엽사전/퀘스트 시스템 기획서.pptx
@@ -5,7 +5,7 @@
     <p:sldMasterId id="2147483684" r:id="rId1"/>
   </p:sldMasterIdLst>
   <p:notesMasterIdLst>
-    <p:notesMasterId r:id="rId14"/>
+    <p:notesMasterId r:id="rId15"/>
   </p:notesMasterIdLst>
   <p:sldIdLst>
     <p:sldId id="258" r:id="rId2"/>
@@ -17,9 +17,10 @@
     <p:sldId id="277" r:id="rId8"/>
     <p:sldId id="274" r:id="rId9"/>
     <p:sldId id="278" r:id="rId10"/>
-    <p:sldId id="275" r:id="rId11"/>
-    <p:sldId id="279" r:id="rId12"/>
-    <p:sldId id="267" r:id="rId13"/>
+    <p:sldId id="280" r:id="rId11"/>
+    <p:sldId id="275" r:id="rId12"/>
+    <p:sldId id="279" r:id="rId13"/>
+    <p:sldId id="267" r:id="rId14"/>
   </p:sldIdLst>
   <p:sldSz cx="12192000" cy="6858000"/>
   <p:notesSz cx="6858000" cy="9144000"/>
@@ -3948,6 +3949,462 @@
           <a:chExt cx="0" cy="0"/>
         </a:xfrm>
       </p:grpSpPr>
+      <p:sp>
+        <p:nvSpPr>
+          <p:cNvPr id="6" name="Rect 0">
+            <a:extLst>
+              <a:ext uri="{FF2B5EF4-FFF2-40B4-BE49-F238E27FC236}">
+                <a16:creationId xmlns:a16="http://schemas.microsoft.com/office/drawing/2014/main" id="{40A86AA1-F032-4F2C-89F3-F012AE77D260}"/>
+              </a:ext>
+            </a:extLst>
+          </p:cNvPr>
+          <p:cNvSpPr txBox="1">
+            <a:spLocks/>
+          </p:cNvSpPr>
+          <p:nvPr/>
+        </p:nvSpPr>
+        <p:spPr>
+          <a:xfrm>
+            <a:off x="695325" y="292100"/>
+            <a:ext cx="10801985" cy="862330"/>
+          </a:xfrm>
+          <a:prstGeom prst="rect">
+            <a:avLst/>
+          </a:prstGeom>
+        </p:spPr>
+        <p:txBody>
+          <a:bodyPr vert="horz" wrap="square" lIns="91440" tIns="45720" rIns="91440" bIns="45720" numCol="1" anchor="ctr">
+            <a:normAutofit/>
+          </a:bodyPr>
+          <a:lstStyle>
+            <a:lvl1pPr marL="0" indent="0" algn="l" defTabSz="914400" rtl="0" eaLnBrk="1" latinLnBrk="1" hangingPunct="1">
+              <a:lnSpc>
+                <a:spcPct val="90000"/>
+              </a:lnSpc>
+              <a:spcBef>
+                <a:spcPct val="0"/>
+              </a:spcBef>
+              <a:buFontTx/>
+              <a:buNone/>
+              <a:defRPr lang="en-GB" altLang="en-US" sz="4400">
+                <a:solidFill>
+                  <a:schemeClr val="tx1"/>
+                </a:solidFill>
+                <a:latin typeface="+mj-lt"/>
+                <a:ea typeface="+mj-ea"/>
+                <a:cs typeface="+mj-cs"/>
+              </a:defRPr>
+            </a:lvl1pPr>
+          </a:lstStyle>
+          <a:p>
+            <a:pPr marL="0" indent="0" latinLnBrk="0">
+              <a:buFontTx/>
+              <a:buNone/>
+            </a:pPr>
+            <a:r>
+              <a:rPr lang="ko-KR" altLang="en-US" dirty="0"/>
+              <a:t>실패 규칙</a:t>
+            </a:r>
+          </a:p>
+        </p:txBody>
+      </p:sp>
+      <p:graphicFrame>
+        <p:nvGraphicFramePr>
+          <p:cNvPr id="2" name="표 1">
+            <a:extLst>
+              <a:ext uri="{FF2B5EF4-FFF2-40B4-BE49-F238E27FC236}">
+                <a16:creationId xmlns:a16="http://schemas.microsoft.com/office/drawing/2014/main" id="{AEB69DA5-E3A3-4C2D-915C-6D86CB87F056}"/>
+              </a:ext>
+            </a:extLst>
+          </p:cNvPr>
+          <p:cNvGraphicFramePr>
+            <a:graphicFrameLocks noGrp="1"/>
+          </p:cNvGraphicFramePr>
+          <p:nvPr>
+            <p:extLst>
+              <p:ext uri="{D42A27DB-BD31-4B8C-83A1-F6EECF244321}">
+                <p14:modId xmlns:p14="http://schemas.microsoft.com/office/powerpoint/2010/main" val="3346969968"/>
+              </p:ext>
+            </p:extLst>
+          </p:nvPr>
+        </p:nvGraphicFramePr>
+        <p:xfrm>
+          <a:off x="5195570" y="1673664"/>
+          <a:ext cx="5580380" cy="1219200"/>
+        </p:xfrm>
+        <a:graphic>
+          <a:graphicData uri="http://schemas.openxmlformats.org/drawingml/2006/table">
+            <a:tbl>
+              <a:tblPr firstRow="1" bandRow="1">
+                <a:tableStyleId>{5C22544A-7EE6-4342-B048-85BDC9FD1C3A}</a:tableStyleId>
+              </a:tblPr>
+              <a:tblGrid>
+                <a:gridCol w="5580380">
+                  <a:extLst>
+                    <a:ext uri="{9D8B030D-6E8A-4147-A177-3AD203B41FA5}">
+                      <a16:colId xmlns:a16="http://schemas.microsoft.com/office/drawing/2014/main" val="3912761617"/>
+                    </a:ext>
+                  </a:extLst>
+                </a:gridCol>
+              </a:tblGrid>
+              <a:tr h="0">
+                <a:tc>
+                  <a:txBody>
+                    <a:bodyPr/>
+                    <a:lstStyle/>
+                    <a:p>
+                      <a:pPr latinLnBrk="1"/>
+                      <a:r>
+                        <a:rPr lang="ko-KR" altLang="en-US" sz="1400" b="0" dirty="0">
+                          <a:solidFill>
+                            <a:schemeClr val="tx1"/>
+                          </a:solidFill>
+                        </a:rPr>
+                        <a:t>실패</a:t>
+                      </a:r>
+                    </a:p>
+                  </a:txBody>
+                  <a:tcPr>
+                    <a:lnL w="12700" cap="flat" cmpd="sng" algn="ctr">
+                      <a:noFill/>
+                      <a:prstDash val="solid"/>
+                      <a:round/>
+                      <a:headEnd type="none" w="med" len="med"/>
+                      <a:tailEnd type="none" w="med" len="med"/>
+                    </a:lnL>
+                    <a:lnR w="12700" cap="flat" cmpd="sng" algn="ctr">
+                      <a:noFill/>
+                      <a:prstDash val="solid"/>
+                      <a:round/>
+                      <a:headEnd type="none" w="med" len="med"/>
+                      <a:tailEnd type="none" w="med" len="med"/>
+                    </a:lnR>
+                    <a:lnT w="12700" cap="flat" cmpd="sng" algn="ctr">
+                      <a:noFill/>
+                      <a:prstDash val="solid"/>
+                      <a:round/>
+                      <a:headEnd type="none" w="med" len="med"/>
+                      <a:tailEnd type="none" w="med" len="med"/>
+                    </a:lnT>
+                    <a:lnB w="12700" cap="flat" cmpd="sng" algn="ctr">
+                      <a:solidFill>
+                        <a:schemeClr val="tx1"/>
+                      </a:solidFill>
+                      <a:prstDash val="solid"/>
+                      <a:round/>
+                      <a:headEnd type="none" w="med" len="med"/>
+                      <a:tailEnd type="none" w="med" len="med"/>
+                    </a:lnB>
+                    <a:lnTlToBr w="12700" cmpd="sng">
+                      <a:noFill/>
+                      <a:prstDash val="solid"/>
+                    </a:lnTlToBr>
+                    <a:lnBlToTr w="12700" cmpd="sng">
+                      <a:noFill/>
+                      <a:prstDash val="solid"/>
+                    </a:lnBlToTr>
+                    <a:solidFill>
+                      <a:schemeClr val="bg1">
+                        <a:lumMod val="95000"/>
+                      </a:schemeClr>
+                    </a:solidFill>
+                  </a:tcPr>
+                </a:tc>
+                <a:extLst>
+                  <a:ext uri="{0D108BD9-81ED-4DB2-BD59-A6C34878D82A}">
+                    <a16:rowId xmlns:a16="http://schemas.microsoft.com/office/drawing/2014/main" val="183756246"/>
+                  </a:ext>
+                </a:extLst>
+              </a:tr>
+              <a:tr h="0">
+                <a:tc>
+                  <a:txBody>
+                    <a:bodyPr/>
+                    <a:lstStyle/>
+                    <a:p>
+                      <a:pPr latinLnBrk="1"/>
+                      <a:r>
+                        <a:rPr lang="ko-KR" altLang="en-US" sz="1400" b="0" dirty="0">
+                          <a:solidFill>
+                            <a:schemeClr val="tx1"/>
+                          </a:solidFill>
+                        </a:rPr>
+                        <a:t>일부 실패 조건이 있는 퀘스트는 조건에 따라 실패를 할 수 있다</a:t>
+                      </a:r>
+                      <a:r>
+                        <a:rPr lang="en-US" altLang="ko-KR" sz="1400" b="0" dirty="0">
+                          <a:solidFill>
+                            <a:schemeClr val="tx1"/>
+                          </a:solidFill>
+                        </a:rPr>
+                        <a:t>.</a:t>
+                      </a:r>
+                    </a:p>
+                  </a:txBody>
+                  <a:tcPr>
+                    <a:lnL w="12700" cap="flat" cmpd="sng" algn="ctr">
+                      <a:noFill/>
+                      <a:prstDash val="solid"/>
+                      <a:round/>
+                      <a:headEnd type="none" w="med" len="med"/>
+                      <a:tailEnd type="none" w="med" len="med"/>
+                    </a:lnL>
+                    <a:lnR w="12700" cap="flat" cmpd="sng" algn="ctr">
+                      <a:noFill/>
+                      <a:prstDash val="solid"/>
+                      <a:round/>
+                      <a:headEnd type="none" w="med" len="med"/>
+                      <a:tailEnd type="none" w="med" len="med"/>
+                    </a:lnR>
+                    <a:lnT w="12700" cap="flat" cmpd="sng" algn="ctr">
+                      <a:solidFill>
+                        <a:schemeClr val="tx1"/>
+                      </a:solidFill>
+                      <a:prstDash val="solid"/>
+                      <a:round/>
+                      <a:headEnd type="none" w="med" len="med"/>
+                      <a:tailEnd type="none" w="med" len="med"/>
+                    </a:lnT>
+                    <a:lnB w="12700" cap="flat" cmpd="sng" algn="ctr">
+                      <a:solidFill>
+                        <a:schemeClr val="tx1"/>
+                      </a:solidFill>
+                      <a:prstDash val="solid"/>
+                      <a:round/>
+                      <a:headEnd type="none" w="med" len="med"/>
+                      <a:tailEnd type="none" w="med" len="med"/>
+                    </a:lnB>
+                    <a:lnTlToBr w="12700" cmpd="sng">
+                      <a:noFill/>
+                      <a:prstDash val="solid"/>
+                    </a:lnTlToBr>
+                    <a:lnBlToTr w="12700" cmpd="sng">
+                      <a:noFill/>
+                      <a:prstDash val="solid"/>
+                    </a:lnBlToTr>
+                    <a:noFill/>
+                  </a:tcPr>
+                </a:tc>
+                <a:extLst>
+                  <a:ext uri="{0D108BD9-81ED-4DB2-BD59-A6C34878D82A}">
+                    <a16:rowId xmlns:a16="http://schemas.microsoft.com/office/drawing/2014/main" val="2835187283"/>
+                  </a:ext>
+                </a:extLst>
+              </a:tr>
+              <a:tr h="0">
+                <a:tc>
+                  <a:txBody>
+                    <a:bodyPr/>
+                    <a:lstStyle/>
+                    <a:p>
+                      <a:pPr latinLnBrk="1"/>
+                      <a:r>
+                        <a:rPr lang="ko-KR" altLang="en-US" sz="1400" b="0" dirty="0">
+                          <a:solidFill>
+                            <a:schemeClr val="tx1"/>
+                          </a:solidFill>
+                        </a:rPr>
+                        <a:t>실패 조건에는 시간 제한</a:t>
+                      </a:r>
+                      <a:r>
+                        <a:rPr lang="en-US" altLang="ko-KR" sz="1400" b="0" dirty="0">
+                          <a:solidFill>
+                            <a:schemeClr val="tx1"/>
+                          </a:solidFill>
+                        </a:rPr>
+                        <a:t>, </a:t>
+                      </a:r>
+                      <a:r>
+                        <a:rPr lang="ko-KR" altLang="en-US" sz="1400" b="0" dirty="0">
+                          <a:solidFill>
+                            <a:schemeClr val="tx1"/>
+                          </a:solidFill>
+                        </a:rPr>
+                        <a:t>생존</a:t>
+                      </a:r>
+                      <a:r>
+                        <a:rPr lang="en-US" altLang="ko-KR" sz="1400" b="0" dirty="0">
+                          <a:solidFill>
+                            <a:schemeClr val="tx1"/>
+                          </a:solidFill>
+                        </a:rPr>
+                        <a:t>, </a:t>
+                      </a:r>
+                      <a:r>
+                        <a:rPr lang="ko-KR" altLang="en-US" sz="1400" b="0" dirty="0">
+                          <a:solidFill>
+                            <a:schemeClr val="tx1"/>
+                          </a:solidFill>
+                        </a:rPr>
+                        <a:t>호위가 있다</a:t>
+                      </a:r>
+                      <a:r>
+                        <a:rPr lang="en-US" altLang="ko-KR" sz="1400" b="0" dirty="0">
+                          <a:solidFill>
+                            <a:schemeClr val="tx1"/>
+                          </a:solidFill>
+                        </a:rPr>
+                        <a:t>.</a:t>
+                      </a:r>
+                    </a:p>
+                  </a:txBody>
+                  <a:tcPr>
+                    <a:lnL w="12700" cap="flat" cmpd="sng" algn="ctr">
+                      <a:noFill/>
+                      <a:prstDash val="solid"/>
+                      <a:round/>
+                      <a:headEnd type="none" w="med" len="med"/>
+                      <a:tailEnd type="none" w="med" len="med"/>
+                    </a:lnL>
+                    <a:lnR w="12700" cap="flat" cmpd="sng" algn="ctr">
+                      <a:noFill/>
+                      <a:prstDash val="solid"/>
+                      <a:round/>
+                      <a:headEnd type="none" w="med" len="med"/>
+                      <a:tailEnd type="none" w="med" len="med"/>
+                    </a:lnR>
+                    <a:lnT w="12700" cap="flat" cmpd="sng" algn="ctr">
+                      <a:solidFill>
+                        <a:schemeClr val="tx1"/>
+                      </a:solidFill>
+                      <a:prstDash val="solid"/>
+                      <a:round/>
+                      <a:headEnd type="none" w="med" len="med"/>
+                      <a:tailEnd type="none" w="med" len="med"/>
+                    </a:lnT>
+                    <a:lnB w="12700" cap="flat" cmpd="sng" algn="ctr">
+                      <a:solidFill>
+                        <a:schemeClr val="tx1"/>
+                      </a:solidFill>
+                      <a:prstDash val="solid"/>
+                      <a:round/>
+                      <a:headEnd type="none" w="med" len="med"/>
+                      <a:tailEnd type="none" w="med" len="med"/>
+                    </a:lnB>
+                    <a:lnTlToBr w="12700" cmpd="sng">
+                      <a:noFill/>
+                      <a:prstDash val="solid"/>
+                    </a:lnTlToBr>
+                    <a:lnBlToTr w="12700" cmpd="sng">
+                      <a:noFill/>
+                      <a:prstDash val="solid"/>
+                    </a:lnBlToTr>
+                    <a:noFill/>
+                  </a:tcPr>
+                </a:tc>
+                <a:extLst>
+                  <a:ext uri="{0D108BD9-81ED-4DB2-BD59-A6C34878D82A}">
+                    <a16:rowId xmlns:a16="http://schemas.microsoft.com/office/drawing/2014/main" val="1005131374"/>
+                  </a:ext>
+                </a:extLst>
+              </a:tr>
+              <a:tr h="0">
+                <a:tc>
+                  <a:txBody>
+                    <a:bodyPr/>
+                    <a:lstStyle/>
+                    <a:p>
+                      <a:pPr latinLnBrk="1"/>
+                      <a:r>
+                        <a:rPr lang="ko-KR" altLang="en-US" sz="1400" b="0" dirty="0">
+                          <a:solidFill>
+                            <a:schemeClr val="tx1"/>
+                          </a:solidFill>
+                        </a:rPr>
+                        <a:t>일부 퀘스트는 실패할 경우 해당 퀘스트에 시작 지점으로 돌아간다</a:t>
+                      </a:r>
+                      <a:r>
+                        <a:rPr lang="en-US" altLang="ko-KR" sz="1400" b="0" dirty="0">
+                          <a:solidFill>
+                            <a:schemeClr val="tx1"/>
+                          </a:solidFill>
+                        </a:rPr>
+                        <a:t>.</a:t>
+                      </a:r>
+                    </a:p>
+                  </a:txBody>
+                  <a:tcPr>
+                    <a:lnL w="12700" cap="flat" cmpd="sng" algn="ctr">
+                      <a:noFill/>
+                      <a:prstDash val="solid"/>
+                      <a:round/>
+                      <a:headEnd type="none" w="med" len="med"/>
+                      <a:tailEnd type="none" w="med" len="med"/>
+                    </a:lnL>
+                    <a:lnR w="12700" cap="flat" cmpd="sng" algn="ctr">
+                      <a:noFill/>
+                      <a:prstDash val="solid"/>
+                      <a:round/>
+                      <a:headEnd type="none" w="med" len="med"/>
+                      <a:tailEnd type="none" w="med" len="med"/>
+                    </a:lnR>
+                    <a:lnT w="12700" cap="flat" cmpd="sng" algn="ctr">
+                      <a:solidFill>
+                        <a:schemeClr val="tx1"/>
+                      </a:solidFill>
+                      <a:prstDash val="solid"/>
+                      <a:round/>
+                      <a:headEnd type="none" w="med" len="med"/>
+                      <a:tailEnd type="none" w="med" len="med"/>
+                    </a:lnT>
+                    <a:lnB w="12700" cap="flat" cmpd="sng" algn="ctr">
+                      <a:noFill/>
+                      <a:prstDash val="solid"/>
+                      <a:round/>
+                      <a:headEnd type="none" w="med" len="med"/>
+                      <a:tailEnd type="none" w="med" len="med"/>
+                    </a:lnB>
+                    <a:lnTlToBr w="12700" cmpd="sng">
+                      <a:noFill/>
+                      <a:prstDash val="solid"/>
+                    </a:lnTlToBr>
+                    <a:lnBlToTr w="12700" cmpd="sng">
+                      <a:noFill/>
+                      <a:prstDash val="solid"/>
+                    </a:lnBlToTr>
+                    <a:noFill/>
+                  </a:tcPr>
+                </a:tc>
+                <a:extLst>
+                  <a:ext uri="{0D108BD9-81ED-4DB2-BD59-A6C34878D82A}">
+                    <a16:rowId xmlns:a16="http://schemas.microsoft.com/office/drawing/2014/main" val="2117341348"/>
+                  </a:ext>
+                </a:extLst>
+              </a:tr>
+            </a:tbl>
+          </a:graphicData>
+        </a:graphic>
+      </p:graphicFrame>
+    </p:spTree>
+    <p:extLst>
+      <p:ext uri="{BB962C8B-B14F-4D97-AF65-F5344CB8AC3E}">
+        <p14:creationId xmlns:p14="http://schemas.microsoft.com/office/powerpoint/2010/main" val="2192285178"/>
+      </p:ext>
+    </p:extLst>
+  </p:cSld>
+  <p:clrMapOvr>
+    <a:masterClrMapping/>
+  </p:clrMapOvr>
+</p:sld>
+</file>
+
+<file path=ppt/slides/slide11.xml><?xml version="1.0" encoding="utf-8"?>
+<p:sld xmlns:a="http://schemas.openxmlformats.org/drawingml/2006/main" xmlns:r="http://schemas.openxmlformats.org/officeDocument/2006/relationships" xmlns:p="http://schemas.openxmlformats.org/presentationml/2006/main">
+  <p:cSld>
+    <p:spTree>
+      <p:nvGrpSpPr>
+        <p:cNvPr id="1" name=""/>
+        <p:cNvGrpSpPr/>
+        <p:nvPr/>
+      </p:nvGrpSpPr>
+      <p:grpSpPr>
+        <a:xfrm>
+          <a:off x="0" y="0"/>
+          <a:ext cx="0" cy="0"/>
+          <a:chOff x="0" y="0"/>
+          <a:chExt cx="0" cy="0"/>
+        </a:xfrm>
+      </p:grpSpPr>
       <p:graphicFrame>
         <p:nvGraphicFramePr>
           <p:cNvPr id="3" name="표 2">
@@ -3963,14 +4420,14 @@
           <p:nvPr>
             <p:extLst>
               <p:ext uri="{D42A27DB-BD31-4B8C-83A1-F6EECF244321}">
-                <p14:modId xmlns:p14="http://schemas.microsoft.com/office/powerpoint/2010/main" val="2241900515"/>
+                <p14:modId xmlns:p14="http://schemas.microsoft.com/office/powerpoint/2010/main" val="1655375462"/>
               </p:ext>
             </p:extLst>
           </p:nvPr>
         </p:nvGraphicFramePr>
         <p:xfrm>
-          <a:off x="3881119" y="2514600"/>
-          <a:ext cx="4429761" cy="1828800"/>
+          <a:off x="4714239" y="1726224"/>
+          <a:ext cx="6061711" cy="1676400"/>
         </p:xfrm>
         <a:graphic>
           <a:graphicData uri="http://schemas.openxmlformats.org/drawingml/2006/table">
@@ -3986,7 +4443,7 @@
                     </a:ext>
                   </a:extLst>
                 </a:gridCol>
-                <a:gridCol w="3769043">
+                <a:gridCol w="5400993">
                   <a:extLst>
                     <a:ext uri="{9D8B030D-6E8A-4147-A177-3AD203B41FA5}">
                       <a16:colId xmlns:a16="http://schemas.microsoft.com/office/drawing/2014/main" val="4067130978"/>
@@ -4080,14 +4537,30 @@
                     <a:bodyPr/>
                     <a:lstStyle/>
                     <a:p>
-                      <a:pPr latinLnBrk="1"/>
+                      <a:pPr algn="l" latinLnBrk="1"/>
                       <a:r>
                         <a:rPr lang="ko-KR" altLang="en-US" sz="1600" b="0" dirty="0">
                           <a:solidFill>
                             <a:schemeClr val="tx1"/>
                           </a:solidFill>
                         </a:rPr>
-                        <a:t>인벤토리의 빈칸이 퀘스트 완료 보상 아이템의 종류 보다 적을 경우 퀘스트 완료는 보류된다</a:t>
+                        <a:t>퀘스트 완료 조건은 퀘스트 당 최대 </a:t>
+                      </a:r>
+                      <a:r>
+                        <a:rPr lang="en-US" altLang="ko-KR" sz="1600" b="0" dirty="0">
+                          <a:solidFill>
+                            <a:schemeClr val="tx1"/>
+                          </a:solidFill>
+                        </a:rPr>
+                        <a:t>3</a:t>
+                      </a:r>
+                      <a:r>
+                        <a:rPr lang="ko-KR" altLang="en-US" sz="1600" b="0" dirty="0">
+                          <a:solidFill>
+                            <a:schemeClr val="tx1"/>
+                          </a:solidFill>
+                        </a:rPr>
+                        <a:t>개까지 있다</a:t>
                       </a:r>
                       <a:r>
                         <a:rPr lang="en-US" altLang="ko-KR" sz="1600" b="0" dirty="0">
@@ -4209,7 +4682,130 @@
                 </a:tc>
                 <a:extLst>
                   <a:ext uri="{0D108BD9-81ED-4DB2-BD59-A6C34878D82A}">
-                    <a16:rowId xmlns:a16="http://schemas.microsoft.com/office/drawing/2014/main" val="137447129"/>
+                    <a16:rowId xmlns:a16="http://schemas.microsoft.com/office/drawing/2014/main" val="1569411542"/>
+                  </a:ext>
+                </a:extLst>
+              </a:tr>
+              <a:tr h="0">
+                <a:tc gridSpan="2">
+                  <a:txBody>
+                    <a:bodyPr/>
+                    <a:lstStyle/>
+                    <a:p>
+                      <a:pPr algn="l" latinLnBrk="1"/>
+                      <a:r>
+                        <a:rPr lang="ko-KR" altLang="en-US" sz="1600" b="0" dirty="0">
+                          <a:solidFill>
+                            <a:schemeClr val="tx1"/>
+                          </a:solidFill>
+                        </a:rPr>
+                        <a:t>퀘스트 완료 조건은 토벌</a:t>
+                      </a:r>
+                      <a:r>
+                        <a:rPr lang="en-US" altLang="ko-KR" sz="1600" b="0" dirty="0">
+                          <a:solidFill>
+                            <a:schemeClr val="tx1"/>
+                          </a:solidFill>
+                        </a:rPr>
+                        <a:t>, </a:t>
+                      </a:r>
+                      <a:r>
+                        <a:rPr lang="ko-KR" altLang="en-US" sz="1600" b="0" dirty="0">
+                          <a:solidFill>
+                            <a:schemeClr val="tx1"/>
+                          </a:solidFill>
+                        </a:rPr>
+                        <a:t>수집</a:t>
+                      </a:r>
+                      <a:r>
+                        <a:rPr lang="en-US" altLang="ko-KR" sz="1600" b="0" dirty="0">
+                          <a:solidFill>
+                            <a:schemeClr val="tx1"/>
+                          </a:solidFill>
+                        </a:rPr>
+                        <a:t>, </a:t>
+                      </a:r>
+                      <a:r>
+                        <a:rPr lang="ko-KR" altLang="en-US" sz="1600" b="0" dirty="0">
+                          <a:solidFill>
+                            <a:schemeClr val="tx1"/>
+                          </a:solidFill>
+                        </a:rPr>
+                        <a:t>탐사 등이 있다</a:t>
+                      </a:r>
+                      <a:r>
+                        <a:rPr lang="en-US" altLang="ko-KR" sz="1600" b="0" dirty="0">
+                          <a:solidFill>
+                            <a:schemeClr val="tx1"/>
+                          </a:solidFill>
+                        </a:rPr>
+                        <a:t>.</a:t>
+                      </a:r>
+                      <a:endParaRPr lang="ko-KR" altLang="en-US" sz="1600" b="0" dirty="0">
+                        <a:solidFill>
+                          <a:schemeClr val="tx1"/>
+                        </a:solidFill>
+                      </a:endParaRPr>
+                    </a:p>
+                  </a:txBody>
+                  <a:tcPr anchor="ctr">
+                    <a:lnL w="12700" cap="flat" cmpd="sng" algn="ctr">
+                      <a:noFill/>
+                      <a:prstDash val="solid"/>
+                      <a:round/>
+                      <a:headEnd type="none" w="med" len="med"/>
+                      <a:tailEnd type="none" w="med" len="med"/>
+                    </a:lnL>
+                    <a:lnR w="12700" cap="flat" cmpd="sng" algn="ctr">
+                      <a:noFill/>
+                      <a:prstDash val="solid"/>
+                      <a:round/>
+                      <a:headEnd type="none" w="med" len="med"/>
+                      <a:tailEnd type="none" w="med" len="med"/>
+                    </a:lnR>
+                    <a:lnT w="12700" cap="flat" cmpd="sng" algn="ctr">
+                      <a:solidFill>
+                        <a:schemeClr val="tx1"/>
+                      </a:solidFill>
+                      <a:prstDash val="solid"/>
+                      <a:round/>
+                      <a:headEnd type="none" w="med" len="med"/>
+                      <a:tailEnd type="none" w="med" len="med"/>
+                    </a:lnT>
+                    <a:lnB w="12700" cap="flat" cmpd="sng" algn="ctr">
+                      <a:solidFill>
+                        <a:schemeClr val="tx1"/>
+                      </a:solidFill>
+                      <a:prstDash val="solid"/>
+                      <a:round/>
+                      <a:headEnd type="none" w="med" len="med"/>
+                      <a:tailEnd type="none" w="med" len="med"/>
+                    </a:lnB>
+                    <a:lnTlToBr w="12700" cmpd="sng">
+                      <a:noFill/>
+                      <a:prstDash val="solid"/>
+                    </a:lnTlToBr>
+                    <a:lnBlToTr w="12700" cmpd="sng">
+                      <a:noFill/>
+                      <a:prstDash val="solid"/>
+                    </a:lnBlToTr>
+                    <a:noFill/>
+                  </a:tcPr>
+                </a:tc>
+                <a:tc hMerge="1">
+                  <a:txBody>
+                    <a:bodyPr/>
+                    <a:lstStyle/>
+                    <a:p>
+                      <a:pPr latinLnBrk="1"/>
+                      <a:endParaRPr lang="ko-KR" altLang="en-US"/>
+                    </a:p>
+                  </a:txBody>
+                  <a:tcPr/>
+                </a:tc>
+                <a:extLst>
+                  <a:ext uri="{0D108BD9-81ED-4DB2-BD59-A6C34878D82A}">
+                    <a16:rowId xmlns:a16="http://schemas.microsoft.com/office/drawing/2014/main" val="1100194879"/>
                   </a:ext>
                 </a:extLst>
               </a:tr>
@@ -4219,14 +4815,14 @@
                     <a:bodyPr/>
                     <a:lstStyle/>
                     <a:p>
-                      <a:pPr latinLnBrk="1"/>
+                      <a:pPr algn="ctr" latinLnBrk="1"/>
                       <a:r>
                         <a:rPr lang="ko-KR" altLang="en-US" sz="1600" b="0" dirty="0">
                           <a:solidFill>
                             <a:schemeClr val="tx1"/>
                           </a:solidFill>
                         </a:rPr>
-                        <a:t>자동</a:t>
+                        <a:t>본인</a:t>
                       </a:r>
                     </a:p>
                   </a:txBody>
@@ -4288,7 +4884,7 @@
                             <a:schemeClr val="tx1"/>
                           </a:solidFill>
                         </a:rPr>
-                        <a:t>퀘스트 목표 달성 시 자동 완료한다</a:t>
+                        <a:t>퀘스트 완료 버튼이 나타나고 버튼을 사용하여 완료한다</a:t>
                       </a:r>
                       <a:r>
                         <a:rPr lang="en-US" altLang="ko-KR" sz="1600" b="0" dirty="0">
@@ -4358,14 +4954,14 @@
                     <a:bodyPr/>
                     <a:lstStyle/>
                     <a:p>
-                      <a:pPr latinLnBrk="1"/>
+                      <a:pPr algn="ctr" latinLnBrk="1"/>
                       <a:r>
                         <a:rPr lang="ko-KR" altLang="en-US" sz="1600" b="0" dirty="0">
                           <a:solidFill>
                             <a:schemeClr val="tx1"/>
                           </a:solidFill>
                         </a:rPr>
-                        <a:t>수동</a:t>
+                        <a:t>타인</a:t>
                       </a:r>
                     </a:p>
                   </a:txBody>
@@ -4436,60 +5032,20 @@
                         <a:defRPr/>
                       </a:pPr>
                       <a:r>
+                        <a:rPr lang="en-US" altLang="ko-KR" sz="1600" b="0" dirty="0">
+                          <a:solidFill>
+                            <a:schemeClr val="tx1"/>
+                          </a:solidFill>
+                        </a:rPr>
+                        <a:t>NPC, </a:t>
+                      </a:r>
+                      <a:r>
                         <a:rPr lang="ko-KR" altLang="en-US" sz="1600" b="0" dirty="0">
                           <a:solidFill>
                             <a:schemeClr val="tx1"/>
                           </a:solidFill>
                         </a:rPr>
-                        <a:t>퀘스트 목표 달성 후 </a:t>
-                      </a:r>
-                      <a:r>
-                        <a:rPr lang="en-US" altLang="ko-KR" sz="1600" b="0" dirty="0">
-                          <a:solidFill>
-                            <a:schemeClr val="tx1"/>
-                          </a:solidFill>
-                        </a:rPr>
-                        <a:t>NPC, </a:t>
-                      </a:r>
-                      <a:r>
-                        <a:rPr lang="ko-KR" altLang="en-US" sz="1600" b="0" dirty="0">
-                          <a:solidFill>
-                            <a:schemeClr val="tx1"/>
-                          </a:solidFill>
-                        </a:rPr>
-                        <a:t>오브젝트와 </a:t>
-                      </a:r>
-                      <a:endParaRPr lang="en-US" altLang="ko-KR" sz="1600" b="0" dirty="0">
-                        <a:solidFill>
-                          <a:schemeClr val="tx1"/>
-                        </a:solidFill>
-                      </a:endParaRPr>
-                    </a:p>
-                    <a:p>
-                      <a:pPr marL="0" marR="0" lvl="0" indent="0" algn="l" defTabSz="914400" rtl="0" eaLnBrk="1" fontAlgn="auto" latinLnBrk="1" hangingPunct="1">
-                        <a:lnSpc>
-                          <a:spcPct val="100000"/>
-                        </a:lnSpc>
-                        <a:spcBef>
-                          <a:spcPts val="0"/>
-                        </a:spcBef>
-                        <a:spcAft>
-                          <a:spcPts val="0"/>
-                        </a:spcAft>
-                        <a:buClrTx/>
-                        <a:buSzTx/>
-                        <a:buFontTx/>
-                        <a:buNone/>
-                        <a:tabLst/>
-                        <a:defRPr/>
-                      </a:pPr>
-                      <a:r>
-                        <a:rPr lang="ko-KR" altLang="en-US" sz="1600" b="0" dirty="0">
-                          <a:solidFill>
-                            <a:schemeClr val="tx1"/>
-                          </a:solidFill>
-                        </a:rPr>
-                        <a:t>상호작용하여 완료한다</a:t>
+                        <a:t>오브젝트와 상호작용하여 완료한다</a:t>
                       </a:r>
                       <a:r>
                         <a:rPr lang="en-US" altLang="ko-KR" sz="1600" b="0" dirty="0">
@@ -4621,10 +5177,10 @@
       </p:sp>
       <p:pic>
         <p:nvPicPr>
-          <p:cNvPr id="6" name="그림 5" descr="텍스트, 스크린샷, 디자인, 창의성이(가) 표시된 사진&#10;&#10;자동 생성된 설명">
+          <p:cNvPr id="11" name="그림 10">
             <a:extLst>
               <a:ext uri="{FF2B5EF4-FFF2-40B4-BE49-F238E27FC236}">
-                <a16:creationId xmlns:a16="http://schemas.microsoft.com/office/drawing/2014/main" id="{C49A471A-1E62-AC08-D396-8EE44C225103}"/>
+                <a16:creationId xmlns:a16="http://schemas.microsoft.com/office/drawing/2014/main" id="{6D7058F0-C10F-4C01-B649-3A3A31BB8E29}"/>
               </a:ext>
             </a:extLst>
           </p:cNvPr>
@@ -4647,8 +5203,8 @@
         </p:blipFill>
         <p:spPr>
           <a:xfrm>
-            <a:off x="1537299" y="1158875"/>
-            <a:ext cx="1950352" cy="5219323"/>
+            <a:off x="1416050" y="1158875"/>
+            <a:ext cx="2690979" cy="5131776"/>
           </a:xfrm>
           <a:prstGeom prst="rect">
             <a:avLst/>
@@ -4668,7 +5224,7 @@
 </p:sld>
 </file>
 
-<file path=ppt/slides/slide11.xml><?xml version="1.0" encoding="utf-8"?>
+<file path=ppt/slides/slide12.xml><?xml version="1.0" encoding="utf-8"?>
 <p:sld xmlns:a="http://schemas.openxmlformats.org/drawingml/2006/main" xmlns:r="http://schemas.openxmlformats.org/officeDocument/2006/relationships" xmlns:p="http://schemas.openxmlformats.org/presentationml/2006/main">
   <p:cSld>
     <p:spTree>
@@ -4700,14 +5256,14 @@
           <p:nvPr>
             <p:extLst>
               <p:ext uri="{D42A27DB-BD31-4B8C-83A1-F6EECF244321}">
-                <p14:modId xmlns:p14="http://schemas.microsoft.com/office/powerpoint/2010/main" val="3437720335"/>
+                <p14:modId xmlns:p14="http://schemas.microsoft.com/office/powerpoint/2010/main" val="2886134160"/>
               </p:ext>
             </p:extLst>
           </p:nvPr>
         </p:nvGraphicFramePr>
         <p:xfrm>
-          <a:off x="5221032" y="2758440"/>
-          <a:ext cx="4723130" cy="1341120"/>
+          <a:off x="3992880" y="1138604"/>
+          <a:ext cx="7504430" cy="2164080"/>
         </p:xfrm>
         <a:graphic>
           <a:graphicData uri="http://schemas.openxmlformats.org/drawingml/2006/table">
@@ -4716,7 +5272,7 @@
                 <a:tableStyleId>{5C22544A-7EE6-4342-B048-85BDC9FD1C3A}</a:tableStyleId>
               </a:tblPr>
               <a:tblGrid>
-                <a:gridCol w="4723130">
+                <a:gridCol w="7504430">
                   <a:extLst>
                     <a:ext uri="{9D8B030D-6E8A-4147-A177-3AD203B41FA5}">
                       <a16:colId xmlns:a16="http://schemas.microsoft.com/office/drawing/2014/main" val="2985730691"/>
@@ -4801,7 +5357,87 @@
                     <a:p>
                       <a:pPr latinLnBrk="1"/>
                       <a:r>
-                        <a:rPr lang="ko-KR" altLang="en-US" sz="1600" b="0" dirty="0">
+                        <a:rPr lang="ko-KR" altLang="en-US" sz="1400" b="0" dirty="0">
+                          <a:solidFill>
+                            <a:schemeClr val="tx1"/>
+                          </a:solidFill>
+                        </a:rPr>
+                        <a:t>인벤토리의 빈칸이 퀘스트 완료 보상 아이템의 숫자보다 적을 경우 퀘스트 완료는 보류된다</a:t>
+                      </a:r>
+                      <a:r>
+                        <a:rPr lang="en-US" altLang="ko-KR" sz="1400" b="0" dirty="0">
+                          <a:solidFill>
+                            <a:schemeClr val="tx1"/>
+                          </a:solidFill>
+                        </a:rPr>
+                        <a:t>.</a:t>
+                      </a:r>
+                      <a:endParaRPr lang="ko-KR" altLang="en-US" sz="1400" b="0" dirty="0">
+                        <a:solidFill>
+                          <a:schemeClr val="tx1"/>
+                        </a:solidFill>
+                      </a:endParaRPr>
+                    </a:p>
+                  </a:txBody>
+                  <a:tcPr anchor="ctr">
+                    <a:lnL w="12700" cap="flat" cmpd="sng" algn="ctr">
+                      <a:noFill/>
+                      <a:prstDash val="solid"/>
+                      <a:round/>
+                      <a:headEnd type="none" w="med" len="med"/>
+                      <a:tailEnd type="none" w="med" len="med"/>
+                    </a:lnL>
+                    <a:lnR w="12700" cap="flat" cmpd="sng" algn="ctr">
+                      <a:noFill/>
+                      <a:prstDash val="solid"/>
+                      <a:round/>
+                      <a:headEnd type="none" w="med" len="med"/>
+                      <a:tailEnd type="none" w="med" len="med"/>
+                    </a:lnR>
+                    <a:lnT w="12700" cap="flat" cmpd="sng" algn="ctr">
+                      <a:solidFill>
+                        <a:schemeClr val="tx1"/>
+                      </a:solidFill>
+                      <a:prstDash val="solid"/>
+                      <a:round/>
+                      <a:headEnd type="none" w="med" len="med"/>
+                      <a:tailEnd type="none" w="med" len="med"/>
+                    </a:lnT>
+                    <a:lnB w="12700" cap="flat" cmpd="sng" algn="ctr">
+                      <a:solidFill>
+                        <a:schemeClr val="tx1"/>
+                      </a:solidFill>
+                      <a:prstDash val="solid"/>
+                      <a:round/>
+                      <a:headEnd type="none" w="med" len="med"/>
+                      <a:tailEnd type="none" w="med" len="med"/>
+                    </a:lnB>
+                    <a:lnTlToBr w="12700" cmpd="sng">
+                      <a:noFill/>
+                      <a:prstDash val="solid"/>
+                    </a:lnTlToBr>
+                    <a:lnBlToTr w="12700" cmpd="sng">
+                      <a:noFill/>
+                      <a:prstDash val="solid"/>
+                    </a:lnBlToTr>
+                    <a:noFill/>
+                  </a:tcPr>
+                </a:tc>
+                <a:extLst>
+                  <a:ext uri="{0D108BD9-81ED-4DB2-BD59-A6C34878D82A}">
+                    <a16:rowId xmlns:a16="http://schemas.microsoft.com/office/drawing/2014/main" val="160388870"/>
+                  </a:ext>
+                </a:extLst>
+              </a:tr>
+              <a:tr h="0">
+                <a:tc>
+                  <a:txBody>
+                    <a:bodyPr/>
+                    <a:lstStyle/>
+                    <a:p>
+                      <a:pPr latinLnBrk="1"/>
+                      <a:r>
+                        <a:rPr lang="ko-KR" altLang="en-US" sz="1400" b="0" dirty="0">
                           <a:solidFill>
                             <a:schemeClr val="tx1"/>
                           </a:solidFill>
@@ -4809,7 +5445,7 @@
                         <a:t>보상은 골드</a:t>
                       </a:r>
                       <a:r>
-                        <a:rPr lang="en-US" altLang="ko-KR" sz="1600" b="0" dirty="0">
+                        <a:rPr lang="en-US" altLang="ko-KR" sz="1400" b="0" dirty="0">
                           <a:solidFill>
                             <a:schemeClr val="tx1"/>
                           </a:solidFill>
@@ -4817,7 +5453,7 @@
                         <a:t>, </a:t>
                       </a:r>
                       <a:r>
-                        <a:rPr lang="ko-KR" altLang="en-US" sz="1600" b="0" dirty="0">
+                        <a:rPr lang="ko-KR" altLang="en-US" sz="1400" b="0" dirty="0">
                           <a:solidFill>
                             <a:schemeClr val="tx1"/>
                           </a:solidFill>
@@ -4825,7 +5461,7 @@
                         <a:t>경험치</a:t>
                       </a:r>
                       <a:r>
-                        <a:rPr lang="en-US" altLang="ko-KR" sz="1600" b="0" dirty="0">
+                        <a:rPr lang="en-US" altLang="ko-KR" sz="1400" b="0" dirty="0">
                           <a:solidFill>
                             <a:schemeClr val="tx1"/>
                           </a:solidFill>
@@ -4833,7 +5469,7 @@
                         <a:t>, </a:t>
                       </a:r>
                       <a:r>
-                        <a:rPr lang="ko-KR" altLang="en-US" sz="1600" b="0" dirty="0">
+                        <a:rPr lang="ko-KR" altLang="en-US" sz="1400" b="0" dirty="0">
                           <a:solidFill>
                             <a:schemeClr val="tx1"/>
                           </a:solidFill>
@@ -4841,14 +5477,14 @@
                         <a:t>아이템으로 구성된다</a:t>
                       </a:r>
                       <a:r>
-                        <a:rPr lang="en-US" altLang="ko-KR" sz="1600" b="0" dirty="0">
+                        <a:rPr lang="en-US" altLang="ko-KR" sz="1400" b="0" dirty="0">
                           <a:solidFill>
                             <a:schemeClr val="tx1"/>
                           </a:solidFill>
                         </a:rPr>
                         <a:t>.</a:t>
                       </a:r>
-                      <a:endParaRPr lang="ko-KR" altLang="en-US" sz="1600" b="0" dirty="0">
+                      <a:endParaRPr lang="ko-KR" altLang="en-US" sz="1400" b="0" dirty="0">
                         <a:solidFill>
                           <a:schemeClr val="tx1"/>
                         </a:solidFill>
@@ -4913,7 +5549,7 @@
                     <a:p>
                       <a:pPr latinLnBrk="1"/>
                       <a:r>
-                        <a:rPr lang="ko-KR" altLang="en-US" sz="1600" b="0" dirty="0">
+                        <a:rPr lang="ko-KR" altLang="en-US" sz="1400" b="0" dirty="0">
                           <a:solidFill>
                             <a:schemeClr val="tx1"/>
                           </a:solidFill>
@@ -4921,7 +5557,7 @@
                         <a:t>아이템 보상은 최대 </a:t>
                       </a:r>
                       <a:r>
-                        <a:rPr lang="en-US" altLang="ko-KR" sz="1600" b="0" dirty="0">
+                        <a:rPr lang="en-US" altLang="ko-KR" sz="1400" b="0" dirty="0">
                           <a:solidFill>
                             <a:schemeClr val="tx1"/>
                           </a:solidFill>
@@ -4929,22 +5565,22 @@
                         <a:t>8</a:t>
                       </a:r>
                       <a:r>
-                        <a:rPr lang="ko-KR" altLang="en-US" sz="1600" b="0" dirty="0">
-                          <a:solidFill>
-                            <a:schemeClr val="tx1"/>
-                          </a:solidFill>
-                        </a:rPr>
-                        <a:t>종류 까지 지급된다</a:t>
-                      </a:r>
-                      <a:r>
-                        <a:rPr lang="en-US" altLang="ko-KR" sz="1600" b="0" dirty="0">
+                        <a:rPr lang="ko-KR" altLang="en-US" sz="1400" b="0" dirty="0">
+                          <a:solidFill>
+                            <a:schemeClr val="tx1"/>
+                          </a:solidFill>
+                        </a:rPr>
+                        <a:t>개 까지 지급된다</a:t>
+                      </a:r>
+                      <a:r>
+                        <a:rPr lang="en-US" altLang="ko-KR" sz="1400" b="0" dirty="0">
                           <a:solidFill>
                             <a:schemeClr val="tx1"/>
                           </a:solidFill>
                         </a:rPr>
                         <a:t>.</a:t>
                       </a:r>
-                      <a:endParaRPr lang="ko-KR" altLang="en-US" sz="1600" b="0" dirty="0">
+                      <a:endParaRPr lang="ko-KR" altLang="en-US" sz="1400" b="0" dirty="0">
                         <a:solidFill>
                           <a:schemeClr val="tx1"/>
                         </a:solidFill>
@@ -5009,7 +5645,7 @@
                     <a:p>
                       <a:pPr latinLnBrk="1"/>
                       <a:r>
-                        <a:rPr lang="ko-KR" altLang="en-US" sz="1600" b="0" dirty="0">
+                        <a:rPr lang="ko-KR" altLang="en-US" sz="1400" b="0" dirty="0">
                           <a:solidFill>
                             <a:schemeClr val="tx1"/>
                           </a:solidFill>
@@ -5017,7 +5653,7 @@
                         <a:t>한 종류의 아이템은 최대 </a:t>
                       </a:r>
                       <a:r>
-                        <a:rPr lang="en-US" altLang="ko-KR" sz="1600" b="0" dirty="0">
+                        <a:rPr lang="en-US" altLang="ko-KR" sz="1400" b="0" dirty="0">
                           <a:solidFill>
                             <a:schemeClr val="tx1"/>
                           </a:solidFill>
@@ -5025,7 +5661,7 @@
                         <a:t>999</a:t>
                       </a:r>
                       <a:r>
-                        <a:rPr lang="ko-KR" altLang="en-US" sz="1600" b="0" dirty="0">
+                        <a:rPr lang="ko-KR" altLang="en-US" sz="1400" b="0" dirty="0">
                           <a:solidFill>
                             <a:schemeClr val="tx1"/>
                           </a:solidFill>
@@ -5033,14 +5669,14 @@
                         <a:t>개 까지 지급한다</a:t>
                       </a:r>
                       <a:r>
-                        <a:rPr lang="en-US" altLang="ko-KR" sz="1600" b="0" dirty="0">
+                        <a:rPr lang="en-US" altLang="ko-KR" sz="1400" b="0" dirty="0">
                           <a:solidFill>
                             <a:schemeClr val="tx1"/>
                           </a:solidFill>
                         </a:rPr>
                         <a:t>.</a:t>
                       </a:r>
-                      <a:endParaRPr lang="ko-KR" altLang="en-US" sz="1600" b="0" dirty="0">
+                      <a:endParaRPr lang="ko-KR" altLang="en-US" sz="1400" b="0" dirty="0">
                         <a:solidFill>
                           <a:schemeClr val="tx1"/>
                         </a:solidFill>
@@ -5072,7 +5708,9 @@
                       <a:tailEnd type="none" w="med" len="med"/>
                     </a:lnT>
                     <a:lnB w="12700" cap="flat" cmpd="sng" algn="ctr">
-                      <a:noFill/>
+                      <a:solidFill>
+                        <a:schemeClr val="tx1"/>
+                      </a:solidFill>
                       <a:prstDash val="solid"/>
                       <a:round/>
                       <a:headEnd type="none" w="med" len="med"/>
@@ -5092,6 +5730,198 @@
                 <a:extLst>
                   <a:ext uri="{0D108BD9-81ED-4DB2-BD59-A6C34878D82A}">
                     <a16:rowId xmlns:a16="http://schemas.microsoft.com/office/drawing/2014/main" val="1538551805"/>
+                  </a:ext>
+                </a:extLst>
+              </a:tr>
+              <a:tr h="0">
+                <a:tc>
+                  <a:txBody>
+                    <a:bodyPr/>
+                    <a:lstStyle/>
+                    <a:p>
+                      <a:pPr latinLnBrk="1"/>
+                      <a:r>
+                        <a:rPr lang="ko-KR" altLang="en-US" sz="1400" b="0" dirty="0">
+                          <a:solidFill>
+                            <a:schemeClr val="tx1"/>
+                          </a:solidFill>
+                        </a:rPr>
+                        <a:t>장비 아이템은 각각을 </a:t>
+                      </a:r>
+                      <a:r>
+                        <a:rPr lang="en-US" altLang="ko-KR" sz="1400" b="0" dirty="0">
+                          <a:solidFill>
+                            <a:schemeClr val="tx1"/>
+                          </a:solidFill>
+                        </a:rPr>
+                        <a:t>1</a:t>
+                      </a:r>
+                      <a:r>
+                        <a:rPr lang="ko-KR" altLang="en-US" sz="1400" b="0" dirty="0">
+                          <a:solidFill>
+                            <a:schemeClr val="tx1"/>
+                          </a:solidFill>
+                        </a:rPr>
+                        <a:t>개에 아이템으로 취급한다</a:t>
+                      </a:r>
+                      <a:r>
+                        <a:rPr lang="en-US" altLang="ko-KR" sz="1400" b="0" dirty="0">
+                          <a:solidFill>
+                            <a:schemeClr val="tx1"/>
+                          </a:solidFill>
+                        </a:rPr>
+                        <a:t>.</a:t>
+                      </a:r>
+                      <a:endParaRPr lang="ko-KR" altLang="en-US" sz="1400" b="0" dirty="0">
+                        <a:solidFill>
+                          <a:schemeClr val="tx1"/>
+                        </a:solidFill>
+                      </a:endParaRPr>
+                    </a:p>
+                  </a:txBody>
+                  <a:tcPr anchor="ctr">
+                    <a:lnL w="12700" cap="flat" cmpd="sng" algn="ctr">
+                      <a:noFill/>
+                      <a:prstDash val="solid"/>
+                      <a:round/>
+                      <a:headEnd type="none" w="med" len="med"/>
+                      <a:tailEnd type="none" w="med" len="med"/>
+                    </a:lnL>
+                    <a:lnR w="12700" cap="flat" cmpd="sng" algn="ctr">
+                      <a:noFill/>
+                      <a:prstDash val="solid"/>
+                      <a:round/>
+                      <a:headEnd type="none" w="med" len="med"/>
+                      <a:tailEnd type="none" w="med" len="med"/>
+                    </a:lnR>
+                    <a:lnT w="12700" cap="flat" cmpd="sng" algn="ctr">
+                      <a:solidFill>
+                        <a:schemeClr val="tx1"/>
+                      </a:solidFill>
+                      <a:prstDash val="solid"/>
+                      <a:round/>
+                      <a:headEnd type="none" w="med" len="med"/>
+                      <a:tailEnd type="none" w="med" len="med"/>
+                    </a:lnT>
+                    <a:lnB w="12700" cap="flat" cmpd="sng" algn="ctr">
+                      <a:solidFill>
+                        <a:schemeClr val="tx1"/>
+                      </a:solidFill>
+                      <a:prstDash val="solid"/>
+                      <a:round/>
+                      <a:headEnd type="none" w="med" len="med"/>
+                      <a:tailEnd type="none" w="med" len="med"/>
+                    </a:lnB>
+                    <a:lnTlToBr w="12700" cmpd="sng">
+                      <a:noFill/>
+                      <a:prstDash val="solid"/>
+                    </a:lnTlToBr>
+                    <a:lnBlToTr w="12700" cmpd="sng">
+                      <a:noFill/>
+                      <a:prstDash val="solid"/>
+                    </a:lnBlToTr>
+                    <a:noFill/>
+                  </a:tcPr>
+                </a:tc>
+                <a:extLst>
+                  <a:ext uri="{0D108BD9-81ED-4DB2-BD59-A6C34878D82A}">
+                    <a16:rowId xmlns:a16="http://schemas.microsoft.com/office/drawing/2014/main" val="1372745860"/>
+                  </a:ext>
+                </a:extLst>
+              </a:tr>
+              <a:tr h="0">
+                <a:tc>
+                  <a:txBody>
+                    <a:bodyPr/>
+                    <a:lstStyle/>
+                    <a:p>
+                      <a:pPr latinLnBrk="1"/>
+                      <a:r>
+                        <a:rPr lang="ko-KR" altLang="en-US" sz="1400" b="0" dirty="0">
+                          <a:solidFill>
+                            <a:schemeClr val="tx1"/>
+                          </a:solidFill>
+                        </a:rPr>
+                        <a:t>장비 아이템을 제외한 아이템들은 각은 종류 끼리 겹쳐 </a:t>
+                      </a:r>
+                      <a:r>
+                        <a:rPr lang="en-US" altLang="ko-KR" sz="1400" b="0" dirty="0">
+                          <a:solidFill>
+                            <a:schemeClr val="tx1"/>
+                          </a:solidFill>
+                        </a:rPr>
+                        <a:t>1</a:t>
+                      </a:r>
+                      <a:r>
+                        <a:rPr lang="ko-KR" altLang="en-US" sz="1400" b="0" dirty="0">
+                          <a:solidFill>
+                            <a:schemeClr val="tx1"/>
+                          </a:solidFill>
+                        </a:rPr>
+                        <a:t>개로 취급한다</a:t>
+                      </a:r>
+                      <a:r>
+                        <a:rPr lang="en-US" altLang="ko-KR" sz="1400" b="0" dirty="0">
+                          <a:solidFill>
+                            <a:schemeClr val="tx1"/>
+                          </a:solidFill>
+                        </a:rPr>
+                        <a:t>.</a:t>
+                      </a:r>
+                      <a:endParaRPr lang="ko-KR" altLang="en-US" sz="1400" b="0" dirty="0">
+                        <a:solidFill>
+                          <a:schemeClr val="tx1"/>
+                        </a:solidFill>
+                      </a:endParaRPr>
+                    </a:p>
+                  </a:txBody>
+                  <a:tcPr anchor="ctr">
+                    <a:lnL w="12700" cap="flat" cmpd="sng" algn="ctr">
+                      <a:noFill/>
+                      <a:prstDash val="solid"/>
+                      <a:round/>
+                      <a:headEnd type="none" w="med" len="med"/>
+                      <a:tailEnd type="none" w="med" len="med"/>
+                    </a:lnL>
+                    <a:lnR w="12700" cap="flat" cmpd="sng" algn="ctr">
+                      <a:noFill/>
+                      <a:prstDash val="solid"/>
+                      <a:round/>
+                      <a:headEnd type="none" w="med" len="med"/>
+                      <a:tailEnd type="none" w="med" len="med"/>
+                    </a:lnR>
+                    <a:lnT w="12700" cap="flat" cmpd="sng" algn="ctr">
+                      <a:solidFill>
+                        <a:schemeClr val="tx1"/>
+                      </a:solidFill>
+                      <a:prstDash val="solid"/>
+                      <a:round/>
+                      <a:headEnd type="none" w="med" len="med"/>
+                      <a:tailEnd type="none" w="med" len="med"/>
+                    </a:lnT>
+                    <a:lnB w="12700" cap="flat" cmpd="sng" algn="ctr">
+                      <a:solidFill>
+                        <a:schemeClr val="tx1"/>
+                      </a:solidFill>
+                      <a:prstDash val="solid"/>
+                      <a:round/>
+                      <a:headEnd type="none" w="med" len="med"/>
+                      <a:tailEnd type="none" w="med" len="med"/>
+                    </a:lnB>
+                    <a:lnTlToBr w="12700" cmpd="sng">
+                      <a:noFill/>
+                      <a:prstDash val="solid"/>
+                    </a:lnTlToBr>
+                    <a:lnBlToTr w="12700" cmpd="sng">
+                      <a:noFill/>
+                      <a:prstDash val="solid"/>
+                    </a:lnBlToTr>
+                    <a:noFill/>
+                  </a:tcPr>
+                </a:tc>
+                <a:extLst>
+                  <a:ext uri="{0D108BD9-81ED-4DB2-BD59-A6C34878D82A}">
+                    <a16:rowId xmlns:a16="http://schemas.microsoft.com/office/drawing/2014/main" val="232315806"/>
                   </a:ext>
                 </a:extLst>
               </a:tr>
@@ -5160,10 +5990,10 @@
       </p:sp>
       <p:pic>
         <p:nvPicPr>
-          <p:cNvPr id="4" name="그림 3" descr="텍스트, 스크린샷, 폰트, 화이트이(가) 표시된 사진&#10;&#10;자동 생성된 설명">
+          <p:cNvPr id="7" name="그림 6">
             <a:extLst>
               <a:ext uri="{FF2B5EF4-FFF2-40B4-BE49-F238E27FC236}">
-                <a16:creationId xmlns:a16="http://schemas.microsoft.com/office/drawing/2014/main" id="{C5C7179C-6599-D688-AE3D-4B7CB61C0596}"/>
+                <a16:creationId xmlns:a16="http://schemas.microsoft.com/office/drawing/2014/main" id="{A7345079-B69D-48C0-BAC3-314F5A54B904}"/>
               </a:ext>
             </a:extLst>
           </p:cNvPr>
@@ -5186,8 +6016,8 @@
         </p:blipFill>
         <p:spPr>
           <a:xfrm>
-            <a:off x="2181225" y="1582235"/>
-            <a:ext cx="1533525" cy="4200525"/>
+            <a:off x="765664" y="2000934"/>
+            <a:ext cx="3568944" cy="4162531"/>
           </a:xfrm>
           <a:prstGeom prst="rect">
             <a:avLst/>
@@ -5207,7 +6037,7 @@
 </p:sld>
 </file>
 
-<file path=ppt/slides/slide12.xml><?xml version="1.0" encoding="utf-8"?>
+<file path=ppt/slides/slide13.xml><?xml version="1.0" encoding="utf-8"?>
 <p:sld xmlns:a="http://schemas.openxmlformats.org/drawingml/2006/main" xmlns:r="http://schemas.openxmlformats.org/officeDocument/2006/relationships" xmlns:p="http://schemas.openxmlformats.org/presentationml/2006/main">
   <p:cSld>
     <p:spTree>
@@ -10487,14 +11317,14 @@
           <p:nvPr>
             <p:extLst>
               <p:ext uri="{D42A27DB-BD31-4B8C-83A1-F6EECF244321}">
-                <p14:modId xmlns:p14="http://schemas.microsoft.com/office/powerpoint/2010/main" val="545046803"/>
+                <p14:modId xmlns:p14="http://schemas.microsoft.com/office/powerpoint/2010/main" val="1710249326"/>
               </p:ext>
             </p:extLst>
           </p:nvPr>
         </p:nvGraphicFramePr>
         <p:xfrm>
-          <a:off x="5102542" y="1762953"/>
-          <a:ext cx="6394768" cy="3870960"/>
+          <a:off x="4676457" y="1595899"/>
+          <a:ext cx="6099493" cy="3870960"/>
         </p:xfrm>
         <a:graphic>
           <a:graphicData uri="http://schemas.openxmlformats.org/drawingml/2006/table">
@@ -10517,7 +11347,7 @@
                     </a:ext>
                   </a:extLst>
                 </a:gridCol>
-                <a:gridCol w="4270286">
+                <a:gridCol w="3975011">
                   <a:extLst>
                     <a:ext uri="{9D8B030D-6E8A-4147-A177-3AD203B41FA5}">
                       <a16:colId xmlns:a16="http://schemas.microsoft.com/office/drawing/2014/main" val="3556919162"/>
@@ -12663,8 +13493,8 @@
         </p:blipFill>
         <p:spPr>
           <a:xfrm>
-            <a:off x="782348" y="2309439"/>
-            <a:ext cx="4106175" cy="2586777"/>
+            <a:off x="782349" y="2488223"/>
+            <a:ext cx="3822378" cy="2407993"/>
           </a:xfrm>
           <a:prstGeom prst="rect">
             <a:avLst/>
@@ -12716,14 +13546,14 @@
           <p:nvPr>
             <p:extLst>
               <p:ext uri="{D42A27DB-BD31-4B8C-83A1-F6EECF244321}">
-                <p14:modId xmlns:p14="http://schemas.microsoft.com/office/powerpoint/2010/main" val="2483097801"/>
+                <p14:modId xmlns:p14="http://schemas.microsoft.com/office/powerpoint/2010/main" val="3571771800"/>
               </p:ext>
             </p:extLst>
           </p:nvPr>
         </p:nvGraphicFramePr>
         <p:xfrm>
-          <a:off x="5345697" y="1910275"/>
-          <a:ext cx="6064886" cy="1381760"/>
+          <a:off x="4792027" y="1886242"/>
+          <a:ext cx="5983923" cy="1381760"/>
         </p:xfrm>
         <a:graphic>
           <a:graphicData uri="http://schemas.openxmlformats.org/drawingml/2006/table">
@@ -12739,7 +13569,7 @@
                     </a:ext>
                   </a:extLst>
                 </a:gridCol>
-                <a:gridCol w="5343843">
+                <a:gridCol w="5262880">
                   <a:extLst>
                     <a:ext uri="{9D8B030D-6E8A-4147-A177-3AD203B41FA5}">
                       <a16:colId xmlns:a16="http://schemas.microsoft.com/office/drawing/2014/main" val="4067130978"/>
@@ -13103,7 +13933,7 @@
                             <a:schemeClr val="tx1"/>
                           </a:solidFill>
                         </a:rPr>
-                        <a:t>오브젝트와 </a:t>
+                        <a:t>오브젝트와</a:t>
                       </a:r>
                       <a:endParaRPr lang="en-US" altLang="ko-KR" sz="1800" b="0" dirty="0">
                         <a:solidFill>
@@ -13275,14 +14105,14 @@
           <p:nvPr>
             <p:extLst>
               <p:ext uri="{D42A27DB-BD31-4B8C-83A1-F6EECF244321}">
-                <p14:modId xmlns:p14="http://schemas.microsoft.com/office/powerpoint/2010/main" val="2252430933"/>
+                <p14:modId xmlns:p14="http://schemas.microsoft.com/office/powerpoint/2010/main" val="3024621278"/>
               </p:ext>
             </p:extLst>
           </p:nvPr>
         </p:nvGraphicFramePr>
         <p:xfrm>
-          <a:off x="5345698" y="3636535"/>
-          <a:ext cx="6064886" cy="1112520"/>
+          <a:off x="4792028" y="3612502"/>
+          <a:ext cx="5983922" cy="1112520"/>
         </p:xfrm>
         <a:graphic>
           <a:graphicData uri="http://schemas.openxmlformats.org/drawingml/2006/table">
@@ -13291,7 +14121,7 @@
                 <a:tableStyleId>{5C22544A-7EE6-4342-B048-85BDC9FD1C3A}</a:tableStyleId>
               </a:tblPr>
               <a:tblGrid>
-                <a:gridCol w="6064886">
+                <a:gridCol w="5983922">
                   <a:extLst>
                     <a:ext uri="{9D8B030D-6E8A-4147-A177-3AD203B41FA5}">
                       <a16:colId xmlns:a16="http://schemas.microsoft.com/office/drawing/2014/main" val="2985730691"/>
@@ -14587,373 +15417,6 @@
                 <a:extLst>
                   <a:ext uri="{0D108BD9-81ED-4DB2-BD59-A6C34878D82A}">
                     <a16:rowId xmlns:a16="http://schemas.microsoft.com/office/drawing/2014/main" val="3457501695"/>
-                  </a:ext>
-                </a:extLst>
-              </a:tr>
-            </a:tbl>
-          </a:graphicData>
-        </a:graphic>
-      </p:graphicFrame>
-      <p:graphicFrame>
-        <p:nvGraphicFramePr>
-          <p:cNvPr id="2" name="표 1">
-            <a:extLst>
-              <a:ext uri="{FF2B5EF4-FFF2-40B4-BE49-F238E27FC236}">
-                <a16:creationId xmlns:a16="http://schemas.microsoft.com/office/drawing/2014/main" id="{AEB69DA5-E3A3-4C2D-915C-6D86CB87F056}"/>
-              </a:ext>
-            </a:extLst>
-          </p:cNvPr>
-          <p:cNvGraphicFramePr>
-            <a:graphicFrameLocks noGrp="1"/>
-          </p:cNvGraphicFramePr>
-          <p:nvPr>
-            <p:extLst>
-              <p:ext uri="{D42A27DB-BD31-4B8C-83A1-F6EECF244321}">
-                <p14:modId xmlns:p14="http://schemas.microsoft.com/office/powerpoint/2010/main" val="2490656420"/>
-              </p:ext>
-            </p:extLst>
-          </p:nvPr>
-        </p:nvGraphicFramePr>
-        <p:xfrm>
-          <a:off x="2653346" y="4284980"/>
-          <a:ext cx="6885306" cy="1219200"/>
-        </p:xfrm>
-        <a:graphic>
-          <a:graphicData uri="http://schemas.openxmlformats.org/drawingml/2006/table">
-            <a:tbl>
-              <a:tblPr firstRow="1" bandRow="1">
-                <a:tableStyleId>{5C22544A-7EE6-4342-B048-85BDC9FD1C3A}</a:tableStyleId>
-              </a:tblPr>
-              <a:tblGrid>
-                <a:gridCol w="6885306">
-                  <a:extLst>
-                    <a:ext uri="{9D8B030D-6E8A-4147-A177-3AD203B41FA5}">
-                      <a16:colId xmlns:a16="http://schemas.microsoft.com/office/drawing/2014/main" val="3912761617"/>
-                    </a:ext>
-                  </a:extLst>
-                </a:gridCol>
-              </a:tblGrid>
-              <a:tr h="0">
-                <a:tc>
-                  <a:txBody>
-                    <a:bodyPr/>
-                    <a:lstStyle/>
-                    <a:p>
-                      <a:pPr latinLnBrk="1"/>
-                      <a:r>
-                        <a:rPr lang="ko-KR" altLang="en-US" sz="1400" b="0" dirty="0">
-                          <a:solidFill>
-                            <a:schemeClr val="tx1"/>
-                          </a:solidFill>
-                        </a:rPr>
-                        <a:t>실패</a:t>
-                      </a:r>
-                    </a:p>
-                  </a:txBody>
-                  <a:tcPr>
-                    <a:lnL w="12700" cap="flat" cmpd="sng" algn="ctr">
-                      <a:noFill/>
-                      <a:prstDash val="solid"/>
-                      <a:round/>
-                      <a:headEnd type="none" w="med" len="med"/>
-                      <a:tailEnd type="none" w="med" len="med"/>
-                    </a:lnL>
-                    <a:lnR w="12700" cap="flat" cmpd="sng" algn="ctr">
-                      <a:noFill/>
-                      <a:prstDash val="solid"/>
-                      <a:round/>
-                      <a:headEnd type="none" w="med" len="med"/>
-                      <a:tailEnd type="none" w="med" len="med"/>
-                    </a:lnR>
-                    <a:lnT w="12700" cap="flat" cmpd="sng" algn="ctr">
-                      <a:noFill/>
-                      <a:prstDash val="solid"/>
-                      <a:round/>
-                      <a:headEnd type="none" w="med" len="med"/>
-                      <a:tailEnd type="none" w="med" len="med"/>
-                    </a:lnT>
-                    <a:lnB w="12700" cap="flat" cmpd="sng" algn="ctr">
-                      <a:solidFill>
-                        <a:schemeClr val="tx1"/>
-                      </a:solidFill>
-                      <a:prstDash val="solid"/>
-                      <a:round/>
-                      <a:headEnd type="none" w="med" len="med"/>
-                      <a:tailEnd type="none" w="med" len="med"/>
-                    </a:lnB>
-                    <a:lnTlToBr w="12700" cmpd="sng">
-                      <a:noFill/>
-                      <a:prstDash val="solid"/>
-                    </a:lnTlToBr>
-                    <a:lnBlToTr w="12700" cmpd="sng">
-                      <a:noFill/>
-                      <a:prstDash val="solid"/>
-                    </a:lnBlToTr>
-                    <a:solidFill>
-                      <a:schemeClr val="bg1">
-                        <a:lumMod val="95000"/>
-                      </a:schemeClr>
-                    </a:solidFill>
-                  </a:tcPr>
-                </a:tc>
-                <a:extLst>
-                  <a:ext uri="{0D108BD9-81ED-4DB2-BD59-A6C34878D82A}">
-                    <a16:rowId xmlns:a16="http://schemas.microsoft.com/office/drawing/2014/main" val="183756246"/>
-                  </a:ext>
-                </a:extLst>
-              </a:tr>
-              <a:tr h="0">
-                <a:tc>
-                  <a:txBody>
-                    <a:bodyPr/>
-                    <a:lstStyle/>
-                    <a:p>
-                      <a:pPr latinLnBrk="1"/>
-                      <a:r>
-                        <a:rPr lang="ko-KR" altLang="en-US" sz="1400" b="0" dirty="0">
-                          <a:solidFill>
-                            <a:schemeClr val="tx1"/>
-                          </a:solidFill>
-                        </a:rPr>
-                        <a:t>일부 실패 조건이 있는 퀘스트는 조건에 따라 실패를 할 수 있다</a:t>
-                      </a:r>
-                      <a:r>
-                        <a:rPr lang="en-US" altLang="ko-KR" sz="1400" b="0" dirty="0">
-                          <a:solidFill>
-                            <a:schemeClr val="tx1"/>
-                          </a:solidFill>
-                        </a:rPr>
-                        <a:t>.</a:t>
-                      </a:r>
-                    </a:p>
-                  </a:txBody>
-                  <a:tcPr>
-                    <a:lnL w="12700" cap="flat" cmpd="sng" algn="ctr">
-                      <a:noFill/>
-                      <a:prstDash val="solid"/>
-                      <a:round/>
-                      <a:headEnd type="none" w="med" len="med"/>
-                      <a:tailEnd type="none" w="med" len="med"/>
-                    </a:lnL>
-                    <a:lnR w="12700" cap="flat" cmpd="sng" algn="ctr">
-                      <a:noFill/>
-                      <a:prstDash val="solid"/>
-                      <a:round/>
-                      <a:headEnd type="none" w="med" len="med"/>
-                      <a:tailEnd type="none" w="med" len="med"/>
-                    </a:lnR>
-                    <a:lnT w="12700" cap="flat" cmpd="sng" algn="ctr">
-                      <a:solidFill>
-                        <a:schemeClr val="tx1"/>
-                      </a:solidFill>
-                      <a:prstDash val="solid"/>
-                      <a:round/>
-                      <a:headEnd type="none" w="med" len="med"/>
-                      <a:tailEnd type="none" w="med" len="med"/>
-                    </a:lnT>
-                    <a:lnB w="12700" cap="flat" cmpd="sng" algn="ctr">
-                      <a:solidFill>
-                        <a:schemeClr val="tx1"/>
-                      </a:solidFill>
-                      <a:prstDash val="solid"/>
-                      <a:round/>
-                      <a:headEnd type="none" w="med" len="med"/>
-                      <a:tailEnd type="none" w="med" len="med"/>
-                    </a:lnB>
-                    <a:lnTlToBr w="12700" cmpd="sng">
-                      <a:noFill/>
-                      <a:prstDash val="solid"/>
-                    </a:lnTlToBr>
-                    <a:lnBlToTr w="12700" cmpd="sng">
-                      <a:noFill/>
-                      <a:prstDash val="solid"/>
-                    </a:lnBlToTr>
-                    <a:noFill/>
-                  </a:tcPr>
-                </a:tc>
-                <a:extLst>
-                  <a:ext uri="{0D108BD9-81ED-4DB2-BD59-A6C34878D82A}">
-                    <a16:rowId xmlns:a16="http://schemas.microsoft.com/office/drawing/2014/main" val="2835187283"/>
-                  </a:ext>
-                </a:extLst>
-              </a:tr>
-              <a:tr h="0">
-                <a:tc>
-                  <a:txBody>
-                    <a:bodyPr/>
-                    <a:lstStyle/>
-                    <a:p>
-                      <a:pPr latinLnBrk="1"/>
-                      <a:r>
-                        <a:rPr lang="ko-KR" altLang="en-US" sz="1400" b="0" dirty="0">
-                          <a:solidFill>
-                            <a:schemeClr val="tx1"/>
-                          </a:solidFill>
-                        </a:rPr>
-                        <a:t>실패 조건에는 시간 제한</a:t>
-                      </a:r>
-                      <a:r>
-                        <a:rPr lang="en-US" altLang="ko-KR" sz="1400" b="0" dirty="0">
-                          <a:solidFill>
-                            <a:schemeClr val="tx1"/>
-                          </a:solidFill>
-                        </a:rPr>
-                        <a:t>, </a:t>
-                      </a:r>
-                      <a:r>
-                        <a:rPr lang="ko-KR" altLang="en-US" sz="1400" b="0" dirty="0">
-                          <a:solidFill>
-                            <a:schemeClr val="tx1"/>
-                          </a:solidFill>
-                        </a:rPr>
-                        <a:t>생존</a:t>
-                      </a:r>
-                      <a:r>
-                        <a:rPr lang="en-US" altLang="ko-KR" sz="1400" b="0" dirty="0">
-                          <a:solidFill>
-                            <a:schemeClr val="tx1"/>
-                          </a:solidFill>
-                        </a:rPr>
-                        <a:t>, </a:t>
-                      </a:r>
-                      <a:r>
-                        <a:rPr lang="ko-KR" altLang="en-US" sz="1400" b="0" dirty="0">
-                          <a:solidFill>
-                            <a:schemeClr val="tx1"/>
-                          </a:solidFill>
-                        </a:rPr>
-                        <a:t>호위 등이 있다</a:t>
-                      </a:r>
-                      <a:r>
-                        <a:rPr lang="en-US" altLang="ko-KR" sz="1400" b="0" dirty="0">
-                          <a:solidFill>
-                            <a:schemeClr val="tx1"/>
-                          </a:solidFill>
-                        </a:rPr>
-                        <a:t>.</a:t>
-                      </a:r>
-                    </a:p>
-                  </a:txBody>
-                  <a:tcPr>
-                    <a:lnL w="12700" cap="flat" cmpd="sng" algn="ctr">
-                      <a:noFill/>
-                      <a:prstDash val="solid"/>
-                      <a:round/>
-                      <a:headEnd type="none" w="med" len="med"/>
-                      <a:tailEnd type="none" w="med" len="med"/>
-                    </a:lnL>
-                    <a:lnR w="12700" cap="flat" cmpd="sng" algn="ctr">
-                      <a:noFill/>
-                      <a:prstDash val="solid"/>
-                      <a:round/>
-                      <a:headEnd type="none" w="med" len="med"/>
-                      <a:tailEnd type="none" w="med" len="med"/>
-                    </a:lnR>
-                    <a:lnT w="12700" cap="flat" cmpd="sng" algn="ctr">
-                      <a:solidFill>
-                        <a:schemeClr val="tx1"/>
-                      </a:solidFill>
-                      <a:prstDash val="solid"/>
-                      <a:round/>
-                      <a:headEnd type="none" w="med" len="med"/>
-                      <a:tailEnd type="none" w="med" len="med"/>
-                    </a:lnT>
-                    <a:lnB w="12700" cap="flat" cmpd="sng" algn="ctr">
-                      <a:solidFill>
-                        <a:schemeClr val="tx1"/>
-                      </a:solidFill>
-                      <a:prstDash val="solid"/>
-                      <a:round/>
-                      <a:headEnd type="none" w="med" len="med"/>
-                      <a:tailEnd type="none" w="med" len="med"/>
-                    </a:lnB>
-                    <a:lnTlToBr w="12700" cmpd="sng">
-                      <a:noFill/>
-                      <a:prstDash val="solid"/>
-                    </a:lnTlToBr>
-                    <a:lnBlToTr w="12700" cmpd="sng">
-                      <a:noFill/>
-                      <a:prstDash val="solid"/>
-                    </a:lnBlToTr>
-                    <a:noFill/>
-                  </a:tcPr>
-                </a:tc>
-                <a:extLst>
-                  <a:ext uri="{0D108BD9-81ED-4DB2-BD59-A6C34878D82A}">
-                    <a16:rowId xmlns:a16="http://schemas.microsoft.com/office/drawing/2014/main" val="1005131374"/>
-                  </a:ext>
-                </a:extLst>
-              </a:tr>
-              <a:tr h="0">
-                <a:tc>
-                  <a:txBody>
-                    <a:bodyPr/>
-                    <a:lstStyle/>
-                    <a:p>
-                      <a:pPr latinLnBrk="1"/>
-                      <a:r>
-                        <a:rPr lang="ko-KR" altLang="en-US" sz="1400" b="0" dirty="0">
-                          <a:solidFill>
-                            <a:schemeClr val="tx1"/>
-                          </a:solidFill>
-                        </a:rPr>
-                        <a:t>일부 퀘스트는 실패할 경우 해당 퀘스트에 시작 지점으로 돌아간다</a:t>
-                      </a:r>
-                      <a:r>
-                        <a:rPr lang="en-US" altLang="ko-KR" sz="1400" b="0" dirty="0">
-                          <a:solidFill>
-                            <a:schemeClr val="tx1"/>
-                          </a:solidFill>
-                        </a:rPr>
-                        <a:t>.</a:t>
-                      </a:r>
-                    </a:p>
-                  </a:txBody>
-                  <a:tcPr>
-                    <a:lnL w="12700" cap="flat" cmpd="sng" algn="ctr">
-                      <a:noFill/>
-                      <a:prstDash val="solid"/>
-                      <a:round/>
-                      <a:headEnd type="none" w="med" len="med"/>
-                      <a:tailEnd type="none" w="med" len="med"/>
-                    </a:lnL>
-                    <a:lnR w="12700" cap="flat" cmpd="sng" algn="ctr">
-                      <a:noFill/>
-                      <a:prstDash val="solid"/>
-                      <a:round/>
-                      <a:headEnd type="none" w="med" len="med"/>
-                      <a:tailEnd type="none" w="med" len="med"/>
-                    </a:lnR>
-                    <a:lnT w="12700" cap="flat" cmpd="sng" algn="ctr">
-                      <a:solidFill>
-                        <a:schemeClr val="tx1"/>
-                      </a:solidFill>
-                      <a:prstDash val="solid"/>
-                      <a:round/>
-                      <a:headEnd type="none" w="med" len="med"/>
-                      <a:tailEnd type="none" w="med" len="med"/>
-                    </a:lnT>
-                    <a:lnB w="12700" cap="flat" cmpd="sng" algn="ctr">
-                      <a:noFill/>
-                      <a:prstDash val="solid"/>
-                      <a:round/>
-                      <a:headEnd type="none" w="med" len="med"/>
-                      <a:tailEnd type="none" w="med" len="med"/>
-                    </a:lnB>
-                    <a:lnTlToBr w="12700" cmpd="sng">
-                      <a:noFill/>
-                      <a:prstDash val="solid"/>
-                    </a:lnTlToBr>
-                    <a:lnBlToTr w="12700" cmpd="sng">
-                      <a:noFill/>
-                      <a:prstDash val="solid"/>
-                    </a:lnBlToTr>
-                    <a:noFill/>
-                  </a:tcPr>
-                </a:tc>
-                <a:extLst>
-                  <a:ext uri="{0D108BD9-81ED-4DB2-BD59-A6C34878D82A}">
-                    <a16:rowId xmlns:a16="http://schemas.microsoft.com/office/drawing/2014/main" val="2117341348"/>
                   </a:ext>
                 </a:extLst>
               </a:tr>

--- a/기획/방랑엽사전/퀘스트 시스템 기획서.pptx
+++ b/기획/방랑엽사전/퀘스트 시스템 기획서.pptx
@@ -257,7 +257,7 @@
           <a:p>
             <a:fld id="{C8649E71-8129-4905-BAC0-51D65A0C1379}" type="datetimeFigureOut">
               <a:rPr lang="ko-KR" altLang="en-US" smtClean="0"/>
-              <a:t>2024-01-17</a:t>
+              <a:t>2024-01-18</a:t>
             </a:fld>
             <a:endParaRPr lang="ko-KR" altLang="en-US"/>
           </a:p>
@@ -755,7 +755,7 @@
           <a:p>
             <a:fld id="{523D6941-6B33-4834-BC65-A333846D27E6}" type="datetimeFigureOut">
               <a:rPr lang="ko-KR" altLang="en-US" smtClean="0"/>
-              <a:t>2024-01-17</a:t>
+              <a:t>2024-01-18</a:t>
             </a:fld>
             <a:endParaRPr lang="ko-KR" altLang="en-US"/>
           </a:p>
@@ -953,7 +953,7 @@
           <a:p>
             <a:fld id="{523D6941-6B33-4834-BC65-A333846D27E6}" type="datetimeFigureOut">
               <a:rPr lang="ko-KR" altLang="en-US" smtClean="0"/>
-              <a:t>2024-01-17</a:t>
+              <a:t>2024-01-18</a:t>
             </a:fld>
             <a:endParaRPr lang="ko-KR" altLang="en-US"/>
           </a:p>
@@ -1161,7 +1161,7 @@
           <a:p>
             <a:fld id="{523D6941-6B33-4834-BC65-A333846D27E6}" type="datetimeFigureOut">
               <a:rPr lang="ko-KR" altLang="en-US" smtClean="0"/>
-              <a:t>2024-01-17</a:t>
+              <a:t>2024-01-18</a:t>
             </a:fld>
             <a:endParaRPr lang="ko-KR" altLang="en-US"/>
           </a:p>
@@ -1374,7 +1374,7 @@
           <a:p>
             <a:fld id="{523D6941-6B33-4834-BC65-A333846D27E6}" type="datetimeFigureOut">
               <a:rPr lang="ko-KR" altLang="en-US" smtClean="0"/>
-              <a:t>2024-01-17</a:t>
+              <a:t>2024-01-18</a:t>
             </a:fld>
             <a:endParaRPr lang="ko-KR" altLang="en-US"/>
           </a:p>
@@ -1659,7 +1659,7 @@
           <a:p>
             <a:fld id="{523D6941-6B33-4834-BC65-A333846D27E6}" type="datetimeFigureOut">
               <a:rPr lang="ko-KR" altLang="en-US" smtClean="0"/>
-              <a:t>2024-01-17</a:t>
+              <a:t>2024-01-18</a:t>
             </a:fld>
             <a:endParaRPr lang="ko-KR" altLang="en-US"/>
           </a:p>
@@ -1924,7 +1924,7 @@
           <a:p>
             <a:fld id="{523D6941-6B33-4834-BC65-A333846D27E6}" type="datetimeFigureOut">
               <a:rPr lang="ko-KR" altLang="en-US" smtClean="0"/>
-              <a:t>2024-01-17</a:t>
+              <a:t>2024-01-18</a:t>
             </a:fld>
             <a:endParaRPr lang="ko-KR" altLang="en-US"/>
           </a:p>
@@ -2336,7 +2336,7 @@
           <a:p>
             <a:fld id="{523D6941-6B33-4834-BC65-A333846D27E6}" type="datetimeFigureOut">
               <a:rPr lang="ko-KR" altLang="en-US" smtClean="0"/>
-              <a:t>2024-01-17</a:t>
+              <a:t>2024-01-18</a:t>
             </a:fld>
             <a:endParaRPr lang="ko-KR" altLang="en-US"/>
           </a:p>
@@ -2477,7 +2477,7 @@
           <a:p>
             <a:fld id="{523D6941-6B33-4834-BC65-A333846D27E6}" type="datetimeFigureOut">
               <a:rPr lang="ko-KR" altLang="en-US" smtClean="0"/>
-              <a:t>2024-01-17</a:t>
+              <a:t>2024-01-18</a:t>
             </a:fld>
             <a:endParaRPr lang="ko-KR" altLang="en-US"/>
           </a:p>
@@ -2590,7 +2590,7 @@
           <a:p>
             <a:fld id="{523D6941-6B33-4834-BC65-A333846D27E6}" type="datetimeFigureOut">
               <a:rPr lang="ko-KR" altLang="en-US" smtClean="0"/>
-              <a:t>2024-01-17</a:t>
+              <a:t>2024-01-18</a:t>
             </a:fld>
             <a:endParaRPr lang="ko-KR" altLang="en-US"/>
           </a:p>
@@ -2901,7 +2901,7 @@
           <a:p>
             <a:fld id="{523D6941-6B33-4834-BC65-A333846D27E6}" type="datetimeFigureOut">
               <a:rPr lang="ko-KR" altLang="en-US" smtClean="0"/>
-              <a:t>2024-01-17</a:t>
+              <a:t>2024-01-18</a:t>
             </a:fld>
             <a:endParaRPr lang="ko-KR" altLang="en-US"/>
           </a:p>
@@ -3189,7 +3189,7 @@
           <a:p>
             <a:fld id="{523D6941-6B33-4834-BC65-A333846D27E6}" type="datetimeFigureOut">
               <a:rPr lang="ko-KR" altLang="en-US" smtClean="0"/>
-              <a:t>2024-01-17</a:t>
+              <a:t>2024-01-18</a:t>
             </a:fld>
             <a:endParaRPr lang="ko-KR" altLang="en-US"/>
           </a:p>
@@ -3430,7 +3430,7 @@
           <a:p>
             <a:fld id="{523D6941-6B33-4834-BC65-A333846D27E6}" type="datetimeFigureOut">
               <a:rPr lang="ko-KR" altLang="en-US" smtClean="0"/>
-              <a:t>2024-01-17</a:t>
+              <a:t>2024-01-18</a:t>
             </a:fld>
             <a:endParaRPr lang="ko-KR" altLang="en-US"/>
           </a:p>
@@ -4023,14 +4023,14 @@
           <p:nvPr>
             <p:extLst>
               <p:ext uri="{D42A27DB-BD31-4B8C-83A1-F6EECF244321}">
-                <p14:modId xmlns:p14="http://schemas.microsoft.com/office/powerpoint/2010/main" val="3346969968"/>
+                <p14:modId xmlns:p14="http://schemas.microsoft.com/office/powerpoint/2010/main" val="1619857370"/>
               </p:ext>
             </p:extLst>
           </p:nvPr>
         </p:nvGraphicFramePr>
         <p:xfrm>
-          <a:off x="5195570" y="1673664"/>
-          <a:ext cx="5580380" cy="1219200"/>
+          <a:off x="3881120" y="1600200"/>
+          <a:ext cx="6894830" cy="1828800"/>
         </p:xfrm>
         <a:graphic>
           <a:graphicData uri="http://schemas.openxmlformats.org/drawingml/2006/table">
@@ -4039,7 +4039,7 @@
                 <a:tableStyleId>{5C22544A-7EE6-4342-B048-85BDC9FD1C3A}</a:tableStyleId>
               </a:tblPr>
               <a:tblGrid>
-                <a:gridCol w="5580380">
+                <a:gridCol w="6894830">
                   <a:extLst>
                     <a:ext uri="{9D8B030D-6E8A-4147-A177-3AD203B41FA5}">
                       <a16:colId xmlns:a16="http://schemas.microsoft.com/office/drawing/2014/main" val="3912761617"/>
@@ -4204,7 +4204,7 @@
                             <a:schemeClr val="tx1"/>
                           </a:solidFill>
                         </a:rPr>
-                        <a:t>실패 조건에는 시간 제한</a:t>
+                        <a:t>실패 조건에는 시간</a:t>
                       </a:r>
                       <a:r>
                         <a:rPr lang="en-US" altLang="ko-KR" sz="1400" b="0" dirty="0">
@@ -4311,7 +4311,7 @@
                             <a:schemeClr val="tx1"/>
                           </a:solidFill>
                         </a:rPr>
-                        <a:t>일부 퀘스트는 실패할 경우 해당 퀘스트에 시작 지점으로 돌아간다</a:t>
+                        <a:t>시간은 제한 시간 네에 임무를 해결하는 것과 일정 시간 이상을 버티는 것 있다</a:t>
                       </a:r>
                       <a:r>
                         <a:rPr lang="en-US" altLang="ko-KR" sz="1400" b="0" dirty="0">
@@ -4348,7 +4348,84 @@
                       <a:tailEnd type="none" w="med" len="med"/>
                     </a:lnT>
                     <a:lnB w="12700" cap="flat" cmpd="sng" algn="ctr">
-                      <a:noFill/>
+                      <a:solidFill>
+                        <a:schemeClr val="tx1"/>
+                      </a:solidFill>
+                      <a:prstDash val="solid"/>
+                      <a:round/>
+                      <a:headEnd type="none" w="med" len="med"/>
+                      <a:tailEnd type="none" w="med" len="med"/>
+                    </a:lnB>
+                    <a:lnTlToBr w="12700" cmpd="sng">
+                      <a:noFill/>
+                      <a:prstDash val="solid"/>
+                    </a:lnTlToBr>
+                    <a:lnBlToTr w="12700" cmpd="sng">
+                      <a:noFill/>
+                      <a:prstDash val="solid"/>
+                    </a:lnBlToTr>
+                    <a:noFill/>
+                  </a:tcPr>
+                </a:tc>
+                <a:extLst>
+                  <a:ext uri="{0D108BD9-81ED-4DB2-BD59-A6C34878D82A}">
+                    <a16:rowId xmlns:a16="http://schemas.microsoft.com/office/drawing/2014/main" val="2832377513"/>
+                  </a:ext>
+                </a:extLst>
+              </a:tr>
+              <a:tr h="0">
+                <a:tc>
+                  <a:txBody>
+                    <a:bodyPr/>
+                    <a:lstStyle/>
+                    <a:p>
+                      <a:pPr latinLnBrk="1"/>
+                      <a:r>
+                        <a:rPr lang="ko-KR" altLang="en-US" sz="1400" b="0" dirty="0">
+                          <a:solidFill>
+                            <a:schemeClr val="tx1"/>
+                          </a:solidFill>
+                        </a:rPr>
+                        <a:t>일부 퀘스트는 실패할 경우 해당 퀘스트에 시작 지점으로 돌아간다</a:t>
+                      </a:r>
+                      <a:r>
+                        <a:rPr lang="en-US" altLang="ko-KR" sz="1400" b="0" dirty="0">
+                          <a:solidFill>
+                            <a:schemeClr val="tx1"/>
+                          </a:solidFill>
+                        </a:rPr>
+                        <a:t>.</a:t>
+                      </a:r>
+                    </a:p>
+                  </a:txBody>
+                  <a:tcPr>
+                    <a:lnL w="12700" cap="flat" cmpd="sng" algn="ctr">
+                      <a:noFill/>
+                      <a:prstDash val="solid"/>
+                      <a:round/>
+                      <a:headEnd type="none" w="med" len="med"/>
+                      <a:tailEnd type="none" w="med" len="med"/>
+                    </a:lnL>
+                    <a:lnR w="12700" cap="flat" cmpd="sng" algn="ctr">
+                      <a:noFill/>
+                      <a:prstDash val="solid"/>
+                      <a:round/>
+                      <a:headEnd type="none" w="med" len="med"/>
+                      <a:tailEnd type="none" w="med" len="med"/>
+                    </a:lnR>
+                    <a:lnT w="12700" cap="flat" cmpd="sng" algn="ctr">
+                      <a:solidFill>
+                        <a:schemeClr val="tx1"/>
+                      </a:solidFill>
+                      <a:prstDash val="solid"/>
+                      <a:round/>
+                      <a:headEnd type="none" w="med" len="med"/>
+                      <a:tailEnd type="none" w="med" len="med"/>
+                    </a:lnT>
+                    <a:lnB w="12700" cap="flat" cmpd="sng" algn="ctr">
+                      <a:solidFill>
+                        <a:schemeClr val="tx1"/>
+                      </a:solidFill>
                       <a:prstDash val="solid"/>
                       <a:round/>
                       <a:headEnd type="none" w="med" len="med"/>
@@ -4368,6 +4445,798 @@
                 <a:extLst>
                   <a:ext uri="{0D108BD9-81ED-4DB2-BD59-A6C34878D82A}">
                     <a16:rowId xmlns:a16="http://schemas.microsoft.com/office/drawing/2014/main" val="2117341348"/>
+                  </a:ext>
+                </a:extLst>
+              </a:tr>
+              <a:tr h="0">
+                <a:tc>
+                  <a:txBody>
+                    <a:bodyPr/>
+                    <a:lstStyle/>
+                    <a:p>
+                      <a:pPr latinLnBrk="1"/>
+                      <a:r>
+                        <a:rPr lang="ko-KR" altLang="en-US" sz="1400" b="0" dirty="0">
+                          <a:solidFill>
+                            <a:schemeClr val="tx1"/>
+                          </a:solidFill>
+                        </a:rPr>
+                        <a:t>돌발 퀘스트나 일부 퀘스트는 실패 시 퀘스트가 포기</a:t>
+                      </a:r>
+                      <a:r>
+                        <a:rPr lang="en-US" altLang="ko-KR" sz="1400" b="0" dirty="0">
+                          <a:solidFill>
+                            <a:schemeClr val="tx1"/>
+                          </a:solidFill>
+                        </a:rPr>
+                        <a:t> </a:t>
+                      </a:r>
+                      <a:r>
+                        <a:rPr lang="ko-KR" altLang="en-US" sz="1400" b="0" dirty="0">
+                          <a:solidFill>
+                            <a:schemeClr val="tx1"/>
+                          </a:solidFill>
+                        </a:rPr>
+                        <a:t>및 소멸한다</a:t>
+                      </a:r>
+                      <a:r>
+                        <a:rPr lang="en-US" altLang="ko-KR" sz="1400" b="0" dirty="0">
+                          <a:solidFill>
+                            <a:schemeClr val="tx1"/>
+                          </a:solidFill>
+                        </a:rPr>
+                        <a:t>.</a:t>
+                      </a:r>
+                    </a:p>
+                  </a:txBody>
+                  <a:tcPr>
+                    <a:lnL w="12700" cap="flat" cmpd="sng" algn="ctr">
+                      <a:noFill/>
+                      <a:prstDash val="solid"/>
+                      <a:round/>
+                      <a:headEnd type="none" w="med" len="med"/>
+                      <a:tailEnd type="none" w="med" len="med"/>
+                    </a:lnL>
+                    <a:lnR w="12700" cap="flat" cmpd="sng" algn="ctr">
+                      <a:noFill/>
+                      <a:prstDash val="solid"/>
+                      <a:round/>
+                      <a:headEnd type="none" w="med" len="med"/>
+                      <a:tailEnd type="none" w="med" len="med"/>
+                    </a:lnR>
+                    <a:lnT w="12700" cap="flat" cmpd="sng" algn="ctr">
+                      <a:solidFill>
+                        <a:schemeClr val="tx1"/>
+                      </a:solidFill>
+                      <a:prstDash val="solid"/>
+                      <a:round/>
+                      <a:headEnd type="none" w="med" len="med"/>
+                      <a:tailEnd type="none" w="med" len="med"/>
+                    </a:lnT>
+                    <a:lnB w="12700" cap="flat" cmpd="sng" algn="ctr">
+                      <a:noFill/>
+                      <a:prstDash val="solid"/>
+                      <a:round/>
+                      <a:headEnd type="none" w="med" len="med"/>
+                      <a:tailEnd type="none" w="med" len="med"/>
+                    </a:lnB>
+                    <a:lnTlToBr w="12700" cmpd="sng">
+                      <a:noFill/>
+                      <a:prstDash val="solid"/>
+                    </a:lnTlToBr>
+                    <a:lnBlToTr w="12700" cmpd="sng">
+                      <a:noFill/>
+                      <a:prstDash val="solid"/>
+                    </a:lnBlToTr>
+                    <a:noFill/>
+                  </a:tcPr>
+                </a:tc>
+                <a:extLst>
+                  <a:ext uri="{0D108BD9-81ED-4DB2-BD59-A6C34878D82A}">
+                    <a16:rowId xmlns:a16="http://schemas.microsoft.com/office/drawing/2014/main" val="725793831"/>
+                  </a:ext>
+                </a:extLst>
+              </a:tr>
+            </a:tbl>
+          </a:graphicData>
+        </a:graphic>
+      </p:graphicFrame>
+      <p:pic>
+        <p:nvPicPr>
+          <p:cNvPr id="4" name="그림 3">
+            <a:extLst>
+              <a:ext uri="{FF2B5EF4-FFF2-40B4-BE49-F238E27FC236}">
+                <a16:creationId xmlns:a16="http://schemas.microsoft.com/office/drawing/2014/main" id="{A45AC76C-672F-4655-871C-F73B72C945CA}"/>
+              </a:ext>
+            </a:extLst>
+          </p:cNvPr>
+          <p:cNvPicPr>
+            <a:picLocks noChangeAspect="1"/>
+          </p:cNvPicPr>
+          <p:nvPr/>
+        </p:nvPicPr>
+        <p:blipFill>
+          <a:blip r:embed="rId2">
+            <a:extLst>
+              <a:ext uri="{28A0092B-C50C-407E-A947-70E740481C1C}">
+                <a14:useLocalDpi xmlns:a14="http://schemas.microsoft.com/office/drawing/2010/main" val="0"/>
+              </a:ext>
+            </a:extLst>
+          </a:blip>
+          <a:stretch>
+            <a:fillRect/>
+          </a:stretch>
+        </p:blipFill>
+        <p:spPr>
+          <a:xfrm>
+            <a:off x="693739" y="1158875"/>
+            <a:ext cx="2419982" cy="4831351"/>
+          </a:xfrm>
+          <a:prstGeom prst="rect">
+            <a:avLst/>
+          </a:prstGeom>
+        </p:spPr>
+      </p:pic>
+      <p:graphicFrame>
+        <p:nvGraphicFramePr>
+          <p:cNvPr id="7" name="표 7">
+            <a:extLst>
+              <a:ext uri="{FF2B5EF4-FFF2-40B4-BE49-F238E27FC236}">
+                <a16:creationId xmlns:a16="http://schemas.microsoft.com/office/drawing/2014/main" id="{5FFB0A5B-54FA-4B32-BDA9-5ED7168206C9}"/>
+              </a:ext>
+            </a:extLst>
+          </p:cNvPr>
+          <p:cNvGraphicFramePr>
+            <a:graphicFrameLocks noGrp="1"/>
+          </p:cNvGraphicFramePr>
+          <p:nvPr>
+            <p:extLst>
+              <p:ext uri="{D42A27DB-BD31-4B8C-83A1-F6EECF244321}">
+                <p14:modId xmlns:p14="http://schemas.microsoft.com/office/powerpoint/2010/main" val="3952396180"/>
+              </p:ext>
+            </p:extLst>
+          </p:nvPr>
+        </p:nvGraphicFramePr>
+        <p:xfrm>
+          <a:off x="3881120" y="3574550"/>
+          <a:ext cx="6894830" cy="1524000"/>
+        </p:xfrm>
+        <a:graphic>
+          <a:graphicData uri="http://schemas.openxmlformats.org/drawingml/2006/table">
+            <a:tbl>
+              <a:tblPr firstRow="1" bandRow="1">
+                <a:tableStyleId>{5C22544A-7EE6-4342-B048-85BDC9FD1C3A}</a:tableStyleId>
+              </a:tblPr>
+              <a:tblGrid>
+                <a:gridCol w="1551638">
+                  <a:extLst>
+                    <a:ext uri="{9D8B030D-6E8A-4147-A177-3AD203B41FA5}">
+                      <a16:colId xmlns:a16="http://schemas.microsoft.com/office/drawing/2014/main" val="2273891367"/>
+                    </a:ext>
+                  </a:extLst>
+                </a:gridCol>
+                <a:gridCol w="5343192">
+                  <a:extLst>
+                    <a:ext uri="{9D8B030D-6E8A-4147-A177-3AD203B41FA5}">
+                      <a16:colId xmlns:a16="http://schemas.microsoft.com/office/drawing/2014/main" val="3590370774"/>
+                    </a:ext>
+                  </a:extLst>
+                </a:gridCol>
+              </a:tblGrid>
+              <a:tr h="0">
+                <a:tc gridSpan="2">
+                  <a:txBody>
+                    <a:bodyPr/>
+                    <a:lstStyle/>
+                    <a:p>
+                      <a:pPr latinLnBrk="1"/>
+                      <a:r>
+                        <a:rPr lang="ko-KR" altLang="en-US" sz="1400" b="0" dirty="0">
+                          <a:solidFill>
+                            <a:schemeClr val="tx1"/>
+                          </a:solidFill>
+                        </a:rPr>
+                        <a:t>실패 조건</a:t>
+                      </a:r>
+                    </a:p>
+                  </a:txBody>
+                  <a:tcPr>
+                    <a:lnL w="12700" cmpd="sng">
+                      <a:noFill/>
+                    </a:lnL>
+                    <a:lnR w="12700" cmpd="sng">
+                      <a:noFill/>
+                    </a:lnR>
+                    <a:lnT w="12700" cmpd="sng">
+                      <a:noFill/>
+                    </a:lnT>
+                    <a:lnB w="12700" cap="flat" cmpd="sng" algn="ctr">
+                      <a:solidFill>
+                        <a:schemeClr val="tx1"/>
+                      </a:solidFill>
+                      <a:prstDash val="solid"/>
+                      <a:round/>
+                      <a:headEnd type="none" w="med" len="med"/>
+                      <a:tailEnd type="none" w="med" len="med"/>
+                    </a:lnB>
+                    <a:lnTlToBr w="12700" cmpd="sng">
+                      <a:noFill/>
+                      <a:prstDash val="solid"/>
+                    </a:lnTlToBr>
+                    <a:lnBlToTr w="12700" cmpd="sng">
+                      <a:noFill/>
+                      <a:prstDash val="solid"/>
+                    </a:lnBlToTr>
+                    <a:solidFill>
+                      <a:schemeClr val="bg1">
+                        <a:lumMod val="95000"/>
+                      </a:schemeClr>
+                    </a:solidFill>
+                  </a:tcPr>
+                </a:tc>
+                <a:tc hMerge="1">
+                  <a:txBody>
+                    <a:bodyPr/>
+                    <a:lstStyle/>
+                    <a:p>
+                      <a:pPr latinLnBrk="1"/>
+                      <a:endParaRPr lang="ko-KR" altLang="en-US" dirty="0"/>
+                    </a:p>
+                  </a:txBody>
+                  <a:tcPr/>
+                </a:tc>
+                <a:extLst>
+                  <a:ext uri="{0D108BD9-81ED-4DB2-BD59-A6C34878D82A}">
+                    <a16:rowId xmlns:a16="http://schemas.microsoft.com/office/drawing/2014/main" val="1678697838"/>
+                  </a:ext>
+                </a:extLst>
+              </a:tr>
+              <a:tr h="0">
+                <a:tc>
+                  <a:txBody>
+                    <a:bodyPr/>
+                    <a:lstStyle/>
+                    <a:p>
+                      <a:pPr algn="ctr" latinLnBrk="1"/>
+                      <a:r>
+                        <a:rPr lang="ko-KR" altLang="en-US" sz="1400" b="0" dirty="0">
+                          <a:solidFill>
+                            <a:schemeClr val="tx1"/>
+                          </a:solidFill>
+                        </a:rPr>
+                        <a:t>시간 제한</a:t>
+                      </a:r>
+                    </a:p>
+                  </a:txBody>
+                  <a:tcPr>
+                    <a:lnL w="12700" cmpd="sng">
+                      <a:noFill/>
+                    </a:lnL>
+                    <a:lnR w="12700" cap="flat" cmpd="sng" algn="ctr">
+                      <a:solidFill>
+                        <a:schemeClr val="tx1"/>
+                      </a:solidFill>
+                      <a:prstDash val="solid"/>
+                      <a:round/>
+                      <a:headEnd type="none" w="med" len="med"/>
+                      <a:tailEnd type="none" w="med" len="med"/>
+                    </a:lnR>
+                    <a:lnT w="12700" cap="flat" cmpd="sng" algn="ctr">
+                      <a:solidFill>
+                        <a:schemeClr val="tx1"/>
+                      </a:solidFill>
+                      <a:prstDash val="solid"/>
+                      <a:round/>
+                      <a:headEnd type="none" w="med" len="med"/>
+                      <a:tailEnd type="none" w="med" len="med"/>
+                    </a:lnT>
+                    <a:lnB w="12700" cap="flat" cmpd="sng" algn="ctr">
+                      <a:solidFill>
+                        <a:schemeClr val="tx1"/>
+                      </a:solidFill>
+                      <a:prstDash val="solid"/>
+                      <a:round/>
+                      <a:headEnd type="none" w="med" len="med"/>
+                      <a:tailEnd type="none" w="med" len="med"/>
+                    </a:lnB>
+                    <a:lnTlToBr w="12700" cmpd="sng">
+                      <a:noFill/>
+                      <a:prstDash val="solid"/>
+                    </a:lnTlToBr>
+                    <a:lnBlToTr w="12700" cmpd="sng">
+                      <a:noFill/>
+                      <a:prstDash val="solid"/>
+                    </a:lnBlToTr>
+                    <a:noFill/>
+                  </a:tcPr>
+                </a:tc>
+                <a:tc>
+                  <a:txBody>
+                    <a:bodyPr/>
+                    <a:lstStyle/>
+                    <a:p>
+                      <a:pPr latinLnBrk="1"/>
+                      <a:r>
+                        <a:rPr lang="ko-KR" altLang="en-US" sz="1400" b="0" dirty="0">
+                          <a:solidFill>
+                            <a:schemeClr val="tx1"/>
+                          </a:solidFill>
+                        </a:rPr>
+                        <a:t>제한 시간 안에 목표를 완수 못할 것</a:t>
+                      </a:r>
+                    </a:p>
+                  </a:txBody>
+                  <a:tcPr>
+                    <a:lnL w="12700" cap="flat" cmpd="sng" algn="ctr">
+                      <a:solidFill>
+                        <a:schemeClr val="tx1"/>
+                      </a:solidFill>
+                      <a:prstDash val="solid"/>
+                      <a:round/>
+                      <a:headEnd type="none" w="med" len="med"/>
+                      <a:tailEnd type="none" w="med" len="med"/>
+                    </a:lnL>
+                    <a:lnR w="12700" cmpd="sng">
+                      <a:noFill/>
+                    </a:lnR>
+                    <a:lnT w="12700" cap="flat" cmpd="sng" algn="ctr">
+                      <a:solidFill>
+                        <a:schemeClr val="tx1"/>
+                      </a:solidFill>
+                      <a:prstDash val="solid"/>
+                      <a:round/>
+                      <a:headEnd type="none" w="med" len="med"/>
+                      <a:tailEnd type="none" w="med" len="med"/>
+                    </a:lnT>
+                    <a:lnB w="12700" cap="flat" cmpd="sng" algn="ctr">
+                      <a:solidFill>
+                        <a:schemeClr val="tx1"/>
+                      </a:solidFill>
+                      <a:prstDash val="solid"/>
+                      <a:round/>
+                      <a:headEnd type="none" w="med" len="med"/>
+                      <a:tailEnd type="none" w="med" len="med"/>
+                    </a:lnB>
+                    <a:lnTlToBr w="12700" cmpd="sng">
+                      <a:noFill/>
+                      <a:prstDash val="solid"/>
+                    </a:lnTlToBr>
+                    <a:lnBlToTr w="12700" cmpd="sng">
+                      <a:noFill/>
+                      <a:prstDash val="solid"/>
+                    </a:lnBlToTr>
+                    <a:noFill/>
+                  </a:tcPr>
+                </a:tc>
+                <a:extLst>
+                  <a:ext uri="{0D108BD9-81ED-4DB2-BD59-A6C34878D82A}">
+                    <a16:rowId xmlns:a16="http://schemas.microsoft.com/office/drawing/2014/main" val="967541669"/>
+                  </a:ext>
+                </a:extLst>
+              </a:tr>
+              <a:tr h="0">
+                <a:tc>
+                  <a:txBody>
+                    <a:bodyPr/>
+                    <a:lstStyle/>
+                    <a:p>
+                      <a:pPr marL="0" marR="0" lvl="0" indent="0" algn="ctr" defTabSz="914400" rtl="0" eaLnBrk="1" fontAlgn="auto" latinLnBrk="1" hangingPunct="1">
+                        <a:lnSpc>
+                          <a:spcPct val="100000"/>
+                        </a:lnSpc>
+                        <a:spcBef>
+                          <a:spcPts val="0"/>
+                        </a:spcBef>
+                        <a:spcAft>
+                          <a:spcPts val="0"/>
+                        </a:spcAft>
+                        <a:buClrTx/>
+                        <a:buSzTx/>
+                        <a:buFontTx/>
+                        <a:buNone/>
+                        <a:tabLst/>
+                        <a:defRPr/>
+                      </a:pPr>
+                      <a:r>
+                        <a:rPr lang="ko-KR" altLang="en-US" sz="1400" b="0" dirty="0">
+                          <a:solidFill>
+                            <a:schemeClr val="tx1"/>
+                          </a:solidFill>
+                        </a:rPr>
+                        <a:t>시간 제한</a:t>
+                      </a:r>
+                      <a:r>
+                        <a:rPr lang="en-US" altLang="ko-KR" sz="1400" b="0" dirty="0">
+                          <a:solidFill>
+                            <a:schemeClr val="tx1"/>
+                          </a:solidFill>
+                        </a:rPr>
+                        <a:t>(</a:t>
+                      </a:r>
+                      <a:r>
+                        <a:rPr lang="ko-KR" altLang="en-US" sz="1400" b="0" dirty="0">
+                          <a:solidFill>
+                            <a:schemeClr val="tx1"/>
+                          </a:solidFill>
+                        </a:rPr>
+                        <a:t>버티기</a:t>
+                      </a:r>
+                      <a:r>
+                        <a:rPr lang="en-US" altLang="ko-KR" sz="1400" b="0" dirty="0">
+                          <a:solidFill>
+                            <a:schemeClr val="tx1"/>
+                          </a:solidFill>
+                        </a:rPr>
+                        <a:t>)</a:t>
+                      </a:r>
+                      <a:endParaRPr lang="ko-KR" altLang="en-US" sz="1400" b="0" dirty="0">
+                        <a:solidFill>
+                          <a:schemeClr val="tx1"/>
+                        </a:solidFill>
+                      </a:endParaRPr>
+                    </a:p>
+                  </a:txBody>
+                  <a:tcPr>
+                    <a:lnL w="12700" cmpd="sng">
+                      <a:noFill/>
+                    </a:lnL>
+                    <a:lnR w="12700" cap="flat" cmpd="sng" algn="ctr">
+                      <a:solidFill>
+                        <a:schemeClr val="tx1"/>
+                      </a:solidFill>
+                      <a:prstDash val="solid"/>
+                      <a:round/>
+                      <a:headEnd type="none" w="med" len="med"/>
+                      <a:tailEnd type="none" w="med" len="med"/>
+                    </a:lnR>
+                    <a:lnT w="12700" cap="flat" cmpd="sng" algn="ctr">
+                      <a:solidFill>
+                        <a:schemeClr val="tx1"/>
+                      </a:solidFill>
+                      <a:prstDash val="solid"/>
+                      <a:round/>
+                      <a:headEnd type="none" w="med" len="med"/>
+                      <a:tailEnd type="none" w="med" len="med"/>
+                    </a:lnT>
+                    <a:lnB w="12700" cap="flat" cmpd="sng" algn="ctr">
+                      <a:solidFill>
+                        <a:schemeClr val="tx1"/>
+                      </a:solidFill>
+                      <a:prstDash val="solid"/>
+                      <a:round/>
+                      <a:headEnd type="none" w="med" len="med"/>
+                      <a:tailEnd type="none" w="med" len="med"/>
+                    </a:lnB>
+                    <a:lnTlToBr w="12700" cmpd="sng">
+                      <a:noFill/>
+                      <a:prstDash val="solid"/>
+                    </a:lnTlToBr>
+                    <a:lnBlToTr w="12700" cmpd="sng">
+                      <a:noFill/>
+                      <a:prstDash val="solid"/>
+                    </a:lnBlToTr>
+                    <a:noFill/>
+                  </a:tcPr>
+                </a:tc>
+                <a:tc>
+                  <a:txBody>
+                    <a:bodyPr/>
+                    <a:lstStyle/>
+                    <a:p>
+                      <a:pPr latinLnBrk="1"/>
+                      <a:r>
+                        <a:rPr lang="ko-KR" altLang="en-US" sz="1400" b="0" dirty="0">
+                          <a:solidFill>
+                            <a:schemeClr val="tx1"/>
+                          </a:solidFill>
+                        </a:rPr>
+                        <a:t>제한 시간 이상으로 버티지 못할 것</a:t>
+                      </a:r>
+                    </a:p>
+                  </a:txBody>
+                  <a:tcPr>
+                    <a:lnL w="12700" cap="flat" cmpd="sng" algn="ctr">
+                      <a:solidFill>
+                        <a:schemeClr val="tx1"/>
+                      </a:solidFill>
+                      <a:prstDash val="solid"/>
+                      <a:round/>
+                      <a:headEnd type="none" w="med" len="med"/>
+                      <a:tailEnd type="none" w="med" len="med"/>
+                    </a:lnL>
+                    <a:lnR w="12700" cmpd="sng">
+                      <a:noFill/>
+                    </a:lnR>
+                    <a:lnT w="12700" cap="flat" cmpd="sng" algn="ctr">
+                      <a:solidFill>
+                        <a:schemeClr val="tx1"/>
+                      </a:solidFill>
+                      <a:prstDash val="solid"/>
+                      <a:round/>
+                      <a:headEnd type="none" w="med" len="med"/>
+                      <a:tailEnd type="none" w="med" len="med"/>
+                    </a:lnT>
+                    <a:lnB w="12700" cap="flat" cmpd="sng" algn="ctr">
+                      <a:solidFill>
+                        <a:schemeClr val="tx1"/>
+                      </a:solidFill>
+                      <a:prstDash val="solid"/>
+                      <a:round/>
+                      <a:headEnd type="none" w="med" len="med"/>
+                      <a:tailEnd type="none" w="med" len="med"/>
+                    </a:lnB>
+                    <a:lnTlToBr w="12700" cmpd="sng">
+                      <a:noFill/>
+                      <a:prstDash val="solid"/>
+                    </a:lnTlToBr>
+                    <a:lnBlToTr w="12700" cmpd="sng">
+                      <a:noFill/>
+                      <a:prstDash val="solid"/>
+                    </a:lnBlToTr>
+                    <a:noFill/>
+                  </a:tcPr>
+                </a:tc>
+                <a:extLst>
+                  <a:ext uri="{0D108BD9-81ED-4DB2-BD59-A6C34878D82A}">
+                    <a16:rowId xmlns:a16="http://schemas.microsoft.com/office/drawing/2014/main" val="2757021662"/>
+                  </a:ext>
+                </a:extLst>
+              </a:tr>
+              <a:tr h="0">
+                <a:tc>
+                  <a:txBody>
+                    <a:bodyPr/>
+                    <a:lstStyle/>
+                    <a:p>
+                      <a:pPr algn="ctr" latinLnBrk="1"/>
+                      <a:r>
+                        <a:rPr lang="ko-KR" altLang="en-US" sz="1400" b="0" dirty="0">
+                          <a:solidFill>
+                            <a:schemeClr val="tx1"/>
+                          </a:solidFill>
+                        </a:rPr>
+                        <a:t>생존</a:t>
+                      </a:r>
+                    </a:p>
+                  </a:txBody>
+                  <a:tcPr>
+                    <a:lnL w="12700" cmpd="sng">
+                      <a:noFill/>
+                    </a:lnL>
+                    <a:lnR w="12700" cap="flat" cmpd="sng" algn="ctr">
+                      <a:solidFill>
+                        <a:schemeClr val="tx1"/>
+                      </a:solidFill>
+                      <a:prstDash val="solid"/>
+                      <a:round/>
+                      <a:headEnd type="none" w="med" len="med"/>
+                      <a:tailEnd type="none" w="med" len="med"/>
+                    </a:lnR>
+                    <a:lnT w="12700" cap="flat" cmpd="sng" algn="ctr">
+                      <a:solidFill>
+                        <a:schemeClr val="tx1"/>
+                      </a:solidFill>
+                      <a:prstDash val="solid"/>
+                      <a:round/>
+                      <a:headEnd type="none" w="med" len="med"/>
+                      <a:tailEnd type="none" w="med" len="med"/>
+                    </a:lnT>
+                    <a:lnB w="12700" cap="flat" cmpd="sng" algn="ctr">
+                      <a:solidFill>
+                        <a:schemeClr val="tx1"/>
+                      </a:solidFill>
+                      <a:prstDash val="solid"/>
+                      <a:round/>
+                      <a:headEnd type="none" w="med" len="med"/>
+                      <a:tailEnd type="none" w="med" len="med"/>
+                    </a:lnB>
+                    <a:lnTlToBr w="12700" cmpd="sng">
+                      <a:noFill/>
+                      <a:prstDash val="solid"/>
+                    </a:lnTlToBr>
+                    <a:lnBlToTr w="12700" cmpd="sng">
+                      <a:noFill/>
+                      <a:prstDash val="solid"/>
+                    </a:lnBlToTr>
+                    <a:noFill/>
+                  </a:tcPr>
+                </a:tc>
+                <a:tc>
+                  <a:txBody>
+                    <a:bodyPr/>
+                    <a:lstStyle/>
+                    <a:p>
+                      <a:pPr latinLnBrk="1"/>
+                      <a:r>
+                        <a:rPr lang="en-US" altLang="ko-KR" sz="1400" b="0" dirty="0">
+                          <a:solidFill>
+                            <a:schemeClr val="tx1"/>
+                          </a:solidFill>
+                        </a:rPr>
+                        <a:t>PC</a:t>
+                      </a:r>
+                      <a:r>
+                        <a:rPr lang="ko-KR" altLang="en-US" sz="1400" b="0" dirty="0">
+                          <a:solidFill>
+                            <a:schemeClr val="tx1"/>
+                          </a:solidFill>
+                        </a:rPr>
+                        <a:t>의 체력이 </a:t>
+                      </a:r>
+                      <a:r>
+                        <a:rPr lang="en-US" altLang="ko-KR" sz="1400" b="0" dirty="0">
+                          <a:solidFill>
+                            <a:schemeClr val="tx1"/>
+                          </a:solidFill>
+                        </a:rPr>
+                        <a:t>0</a:t>
+                      </a:r>
+                      <a:r>
+                        <a:rPr lang="ko-KR" altLang="en-US" sz="1400" b="0" dirty="0">
+                          <a:solidFill>
+                            <a:schemeClr val="tx1"/>
+                          </a:solidFill>
+                        </a:rPr>
+                        <a:t>이하로 내려갈 것</a:t>
+                      </a:r>
+                    </a:p>
+                  </a:txBody>
+                  <a:tcPr>
+                    <a:lnL w="12700" cap="flat" cmpd="sng" algn="ctr">
+                      <a:solidFill>
+                        <a:schemeClr val="tx1"/>
+                      </a:solidFill>
+                      <a:prstDash val="solid"/>
+                      <a:round/>
+                      <a:headEnd type="none" w="med" len="med"/>
+                      <a:tailEnd type="none" w="med" len="med"/>
+                    </a:lnL>
+                    <a:lnR w="12700" cmpd="sng">
+                      <a:noFill/>
+                    </a:lnR>
+                    <a:lnT w="12700" cap="flat" cmpd="sng" algn="ctr">
+                      <a:solidFill>
+                        <a:schemeClr val="tx1"/>
+                      </a:solidFill>
+                      <a:prstDash val="solid"/>
+                      <a:round/>
+                      <a:headEnd type="none" w="med" len="med"/>
+                      <a:tailEnd type="none" w="med" len="med"/>
+                    </a:lnT>
+                    <a:lnB w="12700" cap="flat" cmpd="sng" algn="ctr">
+                      <a:solidFill>
+                        <a:schemeClr val="tx1"/>
+                      </a:solidFill>
+                      <a:prstDash val="solid"/>
+                      <a:round/>
+                      <a:headEnd type="none" w="med" len="med"/>
+                      <a:tailEnd type="none" w="med" len="med"/>
+                    </a:lnB>
+                    <a:lnTlToBr w="12700" cmpd="sng">
+                      <a:noFill/>
+                      <a:prstDash val="solid"/>
+                    </a:lnTlToBr>
+                    <a:lnBlToTr w="12700" cmpd="sng">
+                      <a:noFill/>
+                      <a:prstDash val="solid"/>
+                    </a:lnBlToTr>
+                    <a:noFill/>
+                  </a:tcPr>
+                </a:tc>
+                <a:extLst>
+                  <a:ext uri="{0D108BD9-81ED-4DB2-BD59-A6C34878D82A}">
+                    <a16:rowId xmlns:a16="http://schemas.microsoft.com/office/drawing/2014/main" val="2817941050"/>
+                  </a:ext>
+                </a:extLst>
+              </a:tr>
+              <a:tr h="0">
+                <a:tc>
+                  <a:txBody>
+                    <a:bodyPr/>
+                    <a:lstStyle/>
+                    <a:p>
+                      <a:pPr algn="ctr" latinLnBrk="1"/>
+                      <a:r>
+                        <a:rPr lang="ko-KR" altLang="en-US" sz="1400" b="0" dirty="0">
+                          <a:solidFill>
+                            <a:schemeClr val="tx1"/>
+                          </a:solidFill>
+                        </a:rPr>
+                        <a:t>호위</a:t>
+                      </a:r>
+                    </a:p>
+                  </a:txBody>
+                  <a:tcPr>
+                    <a:lnL w="12700" cmpd="sng">
+                      <a:noFill/>
+                    </a:lnL>
+                    <a:lnR w="12700" cap="flat" cmpd="sng" algn="ctr">
+                      <a:solidFill>
+                        <a:schemeClr val="tx1"/>
+                      </a:solidFill>
+                      <a:prstDash val="solid"/>
+                      <a:round/>
+                      <a:headEnd type="none" w="med" len="med"/>
+                      <a:tailEnd type="none" w="med" len="med"/>
+                    </a:lnR>
+                    <a:lnT w="12700" cap="flat" cmpd="sng" algn="ctr">
+                      <a:solidFill>
+                        <a:schemeClr val="tx1"/>
+                      </a:solidFill>
+                      <a:prstDash val="solid"/>
+                      <a:round/>
+                      <a:headEnd type="none" w="med" len="med"/>
+                      <a:tailEnd type="none" w="med" len="med"/>
+                    </a:lnT>
+                    <a:lnB w="12700" cmpd="sng">
+                      <a:noFill/>
+                    </a:lnB>
+                    <a:lnTlToBr w="12700" cmpd="sng">
+                      <a:noFill/>
+                      <a:prstDash val="solid"/>
+                    </a:lnTlToBr>
+                    <a:lnBlToTr w="12700" cmpd="sng">
+                      <a:noFill/>
+                      <a:prstDash val="solid"/>
+                    </a:lnBlToTr>
+                    <a:noFill/>
+                  </a:tcPr>
+                </a:tc>
+                <a:tc>
+                  <a:txBody>
+                    <a:bodyPr/>
+                    <a:lstStyle/>
+                    <a:p>
+                      <a:pPr latinLnBrk="1"/>
+                      <a:r>
+                        <a:rPr lang="ko-KR" altLang="en-US" sz="1400" b="0" dirty="0">
+                          <a:solidFill>
+                            <a:schemeClr val="tx1"/>
+                          </a:solidFill>
+                        </a:rPr>
+                        <a:t>호위 대상의 체력이 일정량 이하로 내려갈 것</a:t>
+                      </a:r>
+                    </a:p>
+                  </a:txBody>
+                  <a:tcPr>
+                    <a:lnL w="12700" cap="flat" cmpd="sng" algn="ctr">
+                      <a:solidFill>
+                        <a:schemeClr val="tx1"/>
+                      </a:solidFill>
+                      <a:prstDash val="solid"/>
+                      <a:round/>
+                      <a:headEnd type="none" w="med" len="med"/>
+                      <a:tailEnd type="none" w="med" len="med"/>
+                    </a:lnL>
+                    <a:lnR w="12700" cmpd="sng">
+                      <a:noFill/>
+                    </a:lnR>
+                    <a:lnT w="12700" cap="flat" cmpd="sng" algn="ctr">
+                      <a:solidFill>
+                        <a:schemeClr val="tx1"/>
+                      </a:solidFill>
+                      <a:prstDash val="solid"/>
+                      <a:round/>
+                      <a:headEnd type="none" w="med" len="med"/>
+                      <a:tailEnd type="none" w="med" len="med"/>
+                    </a:lnT>
+                    <a:lnB w="12700" cmpd="sng">
+                      <a:noFill/>
+                    </a:lnB>
+                    <a:lnTlToBr w="12700" cmpd="sng">
+                      <a:noFill/>
+                      <a:prstDash val="solid"/>
+                    </a:lnTlToBr>
+                    <a:lnBlToTr w="12700" cmpd="sng">
+                      <a:noFill/>
+                      <a:prstDash val="solid"/>
+                    </a:lnBlToTr>
+                    <a:noFill/>
+                  </a:tcPr>
+                </a:tc>
+                <a:extLst>
+                  <a:ext uri="{0D108BD9-81ED-4DB2-BD59-A6C34878D82A}">
+                    <a16:rowId xmlns:a16="http://schemas.microsoft.com/office/drawing/2014/main" val="602936301"/>
                   </a:ext>
                 </a:extLst>
               </a:tr>
@@ -4420,13 +5289,13 @@
           <p:nvPr>
             <p:extLst>
               <p:ext uri="{D42A27DB-BD31-4B8C-83A1-F6EECF244321}">
-                <p14:modId xmlns:p14="http://schemas.microsoft.com/office/powerpoint/2010/main" val="1655375462"/>
+                <p14:modId xmlns:p14="http://schemas.microsoft.com/office/powerpoint/2010/main" val="2255196085"/>
               </p:ext>
             </p:extLst>
           </p:nvPr>
         </p:nvGraphicFramePr>
         <p:xfrm>
-          <a:off x="4714239" y="1726224"/>
+          <a:off x="4715826" y="2590800"/>
           <a:ext cx="6061711" cy="1676400"/>
         </p:xfrm>
         <a:graphic>
@@ -5177,10 +6046,10 @@
       </p:sp>
       <p:pic>
         <p:nvPicPr>
-          <p:cNvPr id="11" name="그림 10">
+          <p:cNvPr id="6" name="그림 5">
             <a:extLst>
               <a:ext uri="{FF2B5EF4-FFF2-40B4-BE49-F238E27FC236}">
-                <a16:creationId xmlns:a16="http://schemas.microsoft.com/office/drawing/2014/main" id="{6D7058F0-C10F-4C01-B649-3A3A31BB8E29}"/>
+                <a16:creationId xmlns:a16="http://schemas.microsoft.com/office/drawing/2014/main" id="{F4559C6B-9094-4581-8A85-3722997B6116}"/>
               </a:ext>
             </a:extLst>
           </p:cNvPr>
@@ -5203,8 +6072,8 @@
         </p:blipFill>
         <p:spPr>
           <a:xfrm>
-            <a:off x="1416050" y="1158875"/>
-            <a:ext cx="2690979" cy="5131776"/>
+            <a:off x="1417170" y="1230069"/>
+            <a:ext cx="3298656" cy="5335831"/>
           </a:xfrm>
           <a:prstGeom prst="rect">
             <a:avLst/>
@@ -5256,14 +6125,14 @@
           <p:nvPr>
             <p:extLst>
               <p:ext uri="{D42A27DB-BD31-4B8C-83A1-F6EECF244321}">
-                <p14:modId xmlns:p14="http://schemas.microsoft.com/office/powerpoint/2010/main" val="2886134160"/>
+                <p14:modId xmlns:p14="http://schemas.microsoft.com/office/powerpoint/2010/main" val="2656038304"/>
               </p:ext>
             </p:extLst>
           </p:nvPr>
         </p:nvGraphicFramePr>
         <p:xfrm>
-          <a:off x="3992880" y="1138604"/>
-          <a:ext cx="7504430" cy="2164080"/>
+          <a:off x="4994592" y="2454226"/>
+          <a:ext cx="6502718" cy="1950720"/>
         </p:xfrm>
         <a:graphic>
           <a:graphicData uri="http://schemas.openxmlformats.org/drawingml/2006/table">
@@ -5272,7 +6141,7 @@
                 <a:tableStyleId>{5C22544A-7EE6-4342-B048-85BDC9FD1C3A}</a:tableStyleId>
               </a:tblPr>
               <a:tblGrid>
-                <a:gridCol w="7504430">
+                <a:gridCol w="6502718">
                   <a:extLst>
                     <a:ext uri="{9D8B030D-6E8A-4147-A177-3AD203B41FA5}">
                       <a16:colId xmlns:a16="http://schemas.microsoft.com/office/drawing/2014/main" val="2985730691"/>
@@ -5288,7 +6157,7 @@
                     <a:p>
                       <a:pPr latinLnBrk="1"/>
                       <a:r>
-                        <a:rPr lang="ko-KR" altLang="en-US" sz="1600" b="0" dirty="0">
+                        <a:rPr lang="ko-KR" altLang="en-US" sz="1400" b="0" dirty="0">
                           <a:solidFill>
                             <a:schemeClr val="tx1"/>
                           </a:solidFill>
@@ -5357,7 +6226,7 @@
                     <a:p>
                       <a:pPr latinLnBrk="1"/>
                       <a:r>
-                        <a:rPr lang="ko-KR" altLang="en-US" sz="1400" b="0" dirty="0">
+                        <a:rPr lang="ko-KR" altLang="en-US" sz="1200" b="0" dirty="0">
                           <a:solidFill>
                             <a:schemeClr val="tx1"/>
                           </a:solidFill>
@@ -5365,14 +6234,14 @@
                         <a:t>인벤토리의 빈칸이 퀘스트 완료 보상 아이템의 숫자보다 적을 경우 퀘스트 완료는 보류된다</a:t>
                       </a:r>
                       <a:r>
-                        <a:rPr lang="en-US" altLang="ko-KR" sz="1400" b="0" dirty="0">
+                        <a:rPr lang="en-US" altLang="ko-KR" sz="1200" b="0" dirty="0">
                           <a:solidFill>
                             <a:schemeClr val="tx1"/>
                           </a:solidFill>
                         </a:rPr>
                         <a:t>.</a:t>
                       </a:r>
-                      <a:endParaRPr lang="ko-KR" altLang="en-US" sz="1400" b="0" dirty="0">
+                      <a:endParaRPr lang="ko-KR" altLang="en-US" sz="1200" b="0" dirty="0">
                         <a:solidFill>
                           <a:schemeClr val="tx1"/>
                         </a:solidFill>
@@ -5437,7 +6306,7 @@
                     <a:p>
                       <a:pPr latinLnBrk="1"/>
                       <a:r>
-                        <a:rPr lang="ko-KR" altLang="en-US" sz="1400" b="0" dirty="0">
+                        <a:rPr lang="ko-KR" altLang="en-US" sz="1200" b="0" dirty="0">
                           <a:solidFill>
                             <a:schemeClr val="tx1"/>
                           </a:solidFill>
@@ -5445,7 +6314,7 @@
                         <a:t>보상은 골드</a:t>
                       </a:r>
                       <a:r>
-                        <a:rPr lang="en-US" altLang="ko-KR" sz="1400" b="0" dirty="0">
+                        <a:rPr lang="en-US" altLang="ko-KR" sz="1200" b="0" dirty="0">
                           <a:solidFill>
                             <a:schemeClr val="tx1"/>
                           </a:solidFill>
@@ -5453,7 +6322,7 @@
                         <a:t>, </a:t>
                       </a:r>
                       <a:r>
-                        <a:rPr lang="ko-KR" altLang="en-US" sz="1400" b="0" dirty="0">
+                        <a:rPr lang="ko-KR" altLang="en-US" sz="1200" b="0" dirty="0">
                           <a:solidFill>
                             <a:schemeClr val="tx1"/>
                           </a:solidFill>
@@ -5461,7 +6330,7 @@
                         <a:t>경험치</a:t>
                       </a:r>
                       <a:r>
-                        <a:rPr lang="en-US" altLang="ko-KR" sz="1400" b="0" dirty="0">
+                        <a:rPr lang="en-US" altLang="ko-KR" sz="1200" b="0" dirty="0">
                           <a:solidFill>
                             <a:schemeClr val="tx1"/>
                           </a:solidFill>
@@ -5469,7 +6338,7 @@
                         <a:t>, </a:t>
                       </a:r>
                       <a:r>
-                        <a:rPr lang="ko-KR" altLang="en-US" sz="1400" b="0" dirty="0">
+                        <a:rPr lang="ko-KR" altLang="en-US" sz="1200" b="0" dirty="0">
                           <a:solidFill>
                             <a:schemeClr val="tx1"/>
                           </a:solidFill>
@@ -5477,14 +6346,14 @@
                         <a:t>아이템으로 구성된다</a:t>
                       </a:r>
                       <a:r>
-                        <a:rPr lang="en-US" altLang="ko-KR" sz="1400" b="0" dirty="0">
+                        <a:rPr lang="en-US" altLang="ko-KR" sz="1200" b="0" dirty="0">
                           <a:solidFill>
                             <a:schemeClr val="tx1"/>
                           </a:solidFill>
                         </a:rPr>
                         <a:t>.</a:t>
                       </a:r>
-                      <a:endParaRPr lang="ko-KR" altLang="en-US" sz="1400" b="0" dirty="0">
+                      <a:endParaRPr lang="ko-KR" altLang="en-US" sz="1200" b="0" dirty="0">
                         <a:solidFill>
                           <a:schemeClr val="tx1"/>
                         </a:solidFill>
@@ -5549,7 +6418,7 @@
                     <a:p>
                       <a:pPr latinLnBrk="1"/>
                       <a:r>
-                        <a:rPr lang="ko-KR" altLang="en-US" sz="1400" b="0" dirty="0">
+                        <a:rPr lang="ko-KR" altLang="en-US" sz="1200" b="0" dirty="0">
                           <a:solidFill>
                             <a:schemeClr val="tx1"/>
                           </a:solidFill>
@@ -5557,7 +6426,7 @@
                         <a:t>아이템 보상은 최대 </a:t>
                       </a:r>
                       <a:r>
-                        <a:rPr lang="en-US" altLang="ko-KR" sz="1400" b="0" dirty="0">
+                        <a:rPr lang="en-US" altLang="ko-KR" sz="1200" b="0" dirty="0">
                           <a:solidFill>
                             <a:schemeClr val="tx1"/>
                           </a:solidFill>
@@ -5565,7 +6434,7 @@
                         <a:t>8</a:t>
                       </a:r>
                       <a:r>
-                        <a:rPr lang="ko-KR" altLang="en-US" sz="1400" b="0" dirty="0">
+                        <a:rPr lang="ko-KR" altLang="en-US" sz="1200" b="0" dirty="0">
                           <a:solidFill>
                             <a:schemeClr val="tx1"/>
                           </a:solidFill>
@@ -5573,14 +6442,14 @@
                         <a:t>개 까지 지급된다</a:t>
                       </a:r>
                       <a:r>
-                        <a:rPr lang="en-US" altLang="ko-KR" sz="1400" b="0" dirty="0">
+                        <a:rPr lang="en-US" altLang="ko-KR" sz="1200" b="0" dirty="0">
                           <a:solidFill>
                             <a:schemeClr val="tx1"/>
                           </a:solidFill>
                         </a:rPr>
                         <a:t>.</a:t>
                       </a:r>
-                      <a:endParaRPr lang="ko-KR" altLang="en-US" sz="1400" b="0" dirty="0">
+                      <a:endParaRPr lang="ko-KR" altLang="en-US" sz="1200" b="0" dirty="0">
                         <a:solidFill>
                           <a:schemeClr val="tx1"/>
                         </a:solidFill>
@@ -5645,7 +6514,7 @@
                     <a:p>
                       <a:pPr latinLnBrk="1"/>
                       <a:r>
-                        <a:rPr lang="ko-KR" altLang="en-US" sz="1400" b="0" dirty="0">
+                        <a:rPr lang="ko-KR" altLang="en-US" sz="1200" b="0" dirty="0">
                           <a:solidFill>
                             <a:schemeClr val="tx1"/>
                           </a:solidFill>
@@ -5653,7 +6522,7 @@
                         <a:t>한 종류의 아이템은 최대 </a:t>
                       </a:r>
                       <a:r>
-                        <a:rPr lang="en-US" altLang="ko-KR" sz="1400" b="0" dirty="0">
+                        <a:rPr lang="en-US" altLang="ko-KR" sz="1200" b="0" dirty="0">
                           <a:solidFill>
                             <a:schemeClr val="tx1"/>
                           </a:solidFill>
@@ -5661,7 +6530,7 @@
                         <a:t>999</a:t>
                       </a:r>
                       <a:r>
-                        <a:rPr lang="ko-KR" altLang="en-US" sz="1400" b="0" dirty="0">
+                        <a:rPr lang="ko-KR" altLang="en-US" sz="1200" b="0" dirty="0">
                           <a:solidFill>
                             <a:schemeClr val="tx1"/>
                           </a:solidFill>
@@ -5669,14 +6538,14 @@
                         <a:t>개 까지 지급한다</a:t>
                       </a:r>
                       <a:r>
-                        <a:rPr lang="en-US" altLang="ko-KR" sz="1400" b="0" dirty="0">
+                        <a:rPr lang="en-US" altLang="ko-KR" sz="1200" b="0" dirty="0">
                           <a:solidFill>
                             <a:schemeClr val="tx1"/>
                           </a:solidFill>
                         </a:rPr>
                         <a:t>.</a:t>
                       </a:r>
-                      <a:endParaRPr lang="ko-KR" altLang="en-US" sz="1400" b="0" dirty="0">
+                      <a:endParaRPr lang="ko-KR" altLang="en-US" sz="1200" b="0" dirty="0">
                         <a:solidFill>
                           <a:schemeClr val="tx1"/>
                         </a:solidFill>
@@ -5741,7 +6610,7 @@
                     <a:p>
                       <a:pPr latinLnBrk="1"/>
                       <a:r>
-                        <a:rPr lang="ko-KR" altLang="en-US" sz="1400" b="0" dirty="0">
+                        <a:rPr lang="ko-KR" altLang="en-US" sz="1200" b="0" dirty="0">
                           <a:solidFill>
                             <a:schemeClr val="tx1"/>
                           </a:solidFill>
@@ -5749,7 +6618,7 @@
                         <a:t>장비 아이템은 각각을 </a:t>
                       </a:r>
                       <a:r>
-                        <a:rPr lang="en-US" altLang="ko-KR" sz="1400" b="0" dirty="0">
+                        <a:rPr lang="en-US" altLang="ko-KR" sz="1200" b="0" dirty="0">
                           <a:solidFill>
                             <a:schemeClr val="tx1"/>
                           </a:solidFill>
@@ -5757,7 +6626,7 @@
                         <a:t>1</a:t>
                       </a:r>
                       <a:r>
-                        <a:rPr lang="ko-KR" altLang="en-US" sz="1400" b="0" dirty="0">
+                        <a:rPr lang="ko-KR" altLang="en-US" sz="1200" b="0" dirty="0">
                           <a:solidFill>
                             <a:schemeClr val="tx1"/>
                           </a:solidFill>
@@ -5765,14 +6634,14 @@
                         <a:t>개에 아이템으로 취급한다</a:t>
                       </a:r>
                       <a:r>
-                        <a:rPr lang="en-US" altLang="ko-KR" sz="1400" b="0" dirty="0">
+                        <a:rPr lang="en-US" altLang="ko-KR" sz="1200" b="0" dirty="0">
                           <a:solidFill>
                             <a:schemeClr val="tx1"/>
                           </a:solidFill>
                         </a:rPr>
                         <a:t>.</a:t>
                       </a:r>
-                      <a:endParaRPr lang="ko-KR" altLang="en-US" sz="1400" b="0" dirty="0">
+                      <a:endParaRPr lang="ko-KR" altLang="en-US" sz="1200" b="0" dirty="0">
                         <a:solidFill>
                           <a:schemeClr val="tx1"/>
                         </a:solidFill>
@@ -5837,7 +6706,7 @@
                     <a:p>
                       <a:pPr latinLnBrk="1"/>
                       <a:r>
-                        <a:rPr lang="ko-KR" altLang="en-US" sz="1400" b="0" dirty="0">
+                        <a:rPr lang="ko-KR" altLang="en-US" sz="1200" b="0" dirty="0">
                           <a:solidFill>
                             <a:schemeClr val="tx1"/>
                           </a:solidFill>
@@ -5845,7 +6714,7 @@
                         <a:t>장비 아이템을 제외한 아이템들은 각은 종류 끼리 겹쳐 </a:t>
                       </a:r>
                       <a:r>
-                        <a:rPr lang="en-US" altLang="ko-KR" sz="1400" b="0" dirty="0">
+                        <a:rPr lang="en-US" altLang="ko-KR" sz="1200" b="0" dirty="0">
                           <a:solidFill>
                             <a:schemeClr val="tx1"/>
                           </a:solidFill>
@@ -5853,7 +6722,7 @@
                         <a:t>1</a:t>
                       </a:r>
                       <a:r>
-                        <a:rPr lang="ko-KR" altLang="en-US" sz="1400" b="0" dirty="0">
+                        <a:rPr lang="ko-KR" altLang="en-US" sz="1200" b="0" dirty="0">
                           <a:solidFill>
                             <a:schemeClr val="tx1"/>
                           </a:solidFill>
@@ -5861,14 +6730,14 @@
                         <a:t>개로 취급한다</a:t>
                       </a:r>
                       <a:r>
-                        <a:rPr lang="en-US" altLang="ko-KR" sz="1400" b="0" dirty="0">
+                        <a:rPr lang="en-US" altLang="ko-KR" sz="1200" b="0" dirty="0">
                           <a:solidFill>
                             <a:schemeClr val="tx1"/>
                           </a:solidFill>
                         </a:rPr>
                         <a:t>.</a:t>
                       </a:r>
-                      <a:endParaRPr lang="ko-KR" altLang="en-US" sz="1400" b="0" dirty="0">
+                      <a:endParaRPr lang="ko-KR" altLang="en-US" sz="1200" b="0" dirty="0">
                         <a:solidFill>
                           <a:schemeClr val="tx1"/>
                         </a:solidFill>
@@ -5900,9 +6769,7 @@
                       <a:tailEnd type="none" w="med" len="med"/>
                     </a:lnT>
                     <a:lnB w="12700" cap="flat" cmpd="sng" algn="ctr">
-                      <a:solidFill>
-                        <a:schemeClr val="tx1"/>
-                      </a:solidFill>
+                      <a:noFill/>
                       <a:prstDash val="solid"/>
                       <a:round/>
                       <a:headEnd type="none" w="med" len="med"/>
@@ -5990,10 +6857,10 @@
       </p:sp>
       <p:pic>
         <p:nvPicPr>
-          <p:cNvPr id="7" name="그림 6">
+          <p:cNvPr id="6" name="그림 5">
             <a:extLst>
               <a:ext uri="{FF2B5EF4-FFF2-40B4-BE49-F238E27FC236}">
-                <a16:creationId xmlns:a16="http://schemas.microsoft.com/office/drawing/2014/main" id="{A7345079-B69D-48C0-BAC3-314F5A54B904}"/>
+                <a16:creationId xmlns:a16="http://schemas.microsoft.com/office/drawing/2014/main" id="{F2C40E79-BB77-4D03-BF5C-1A038DE7CAC7}"/>
               </a:ext>
             </a:extLst>
           </p:cNvPr>
@@ -6016,8 +6883,8 @@
         </p:blipFill>
         <p:spPr>
           <a:xfrm>
-            <a:off x="765664" y="2000934"/>
-            <a:ext cx="3568944" cy="4162531"/>
+            <a:off x="693738" y="1441939"/>
+            <a:ext cx="4184974" cy="4404946"/>
           </a:xfrm>
           <a:prstGeom prst="rect">
             <a:avLst/>
@@ -14431,13 +15298,13 @@
           <p:nvPr>
             <p:extLst>
               <p:ext uri="{D42A27DB-BD31-4B8C-83A1-F6EECF244321}">
-                <p14:modId xmlns:p14="http://schemas.microsoft.com/office/powerpoint/2010/main" val="1842751597"/>
+                <p14:modId xmlns:p14="http://schemas.microsoft.com/office/powerpoint/2010/main" val="966436970"/>
               </p:ext>
             </p:extLst>
           </p:nvPr>
         </p:nvGraphicFramePr>
         <p:xfrm>
-          <a:off x="2653347" y="1154430"/>
+          <a:off x="2653348" y="1884191"/>
           <a:ext cx="6885305" cy="2133600"/>
         </p:xfrm>
         <a:graphic>
@@ -14537,13 +15404,16 @@
                             <a:schemeClr val="tx1"/>
                           </a:solidFill>
                         </a:rPr>
-                        <a:t>퀘스트의 내용 표기</a:t>
-                      </a:r>
-                      <a:endParaRPr lang="en-US" altLang="ko-KR" sz="1400" b="0" dirty="0">
-                        <a:solidFill>
-                          <a:schemeClr val="tx1"/>
-                        </a:solidFill>
-                      </a:endParaRPr>
+                        <a:t>퀘스트의 내용 표기한다</a:t>
+                      </a:r>
+                      <a:r>
+                        <a:rPr lang="en-US" altLang="ko-KR" sz="1400" b="0" dirty="0">
+                          <a:solidFill>
+                            <a:schemeClr val="tx1"/>
+                          </a:solidFill>
+                        </a:rPr>
+                        <a:t>.</a:t>
+                      </a:r>
                     </a:p>
                   </a:txBody>
                   <a:tcPr>
@@ -14609,13 +15479,16 @@
                             <a:schemeClr val="tx1"/>
                           </a:solidFill>
                         </a:rPr>
-                        <a:t>퀘스트의 진행도 표기</a:t>
-                      </a:r>
-                      <a:endParaRPr lang="en-US" altLang="ko-KR" sz="1400" b="0" dirty="0">
-                        <a:solidFill>
-                          <a:schemeClr val="tx1"/>
-                        </a:solidFill>
-                      </a:endParaRPr>
+                        <a:t>퀘스트의 진행도 표기한다</a:t>
+                      </a:r>
+                      <a:r>
+                        <a:rPr lang="en-US" altLang="ko-KR" sz="1400" b="0" dirty="0">
+                          <a:solidFill>
+                            <a:schemeClr val="tx1"/>
+                          </a:solidFill>
+                        </a:rPr>
+                        <a:t>.</a:t>
+                      </a:r>
                     </a:p>
                   </a:txBody>
                   <a:tcPr>
@@ -14681,13 +15554,16 @@
                             <a:schemeClr val="tx1"/>
                           </a:solidFill>
                         </a:rPr>
-                        <a:t>퀘스트의 분류 표기</a:t>
-                      </a:r>
-                      <a:endParaRPr lang="en-US" altLang="ko-KR" sz="1400" b="0" dirty="0">
-                        <a:solidFill>
-                          <a:schemeClr val="tx1"/>
-                        </a:solidFill>
-                      </a:endParaRPr>
+                        <a:t>퀘스트의 분류 표기한다</a:t>
+                      </a:r>
+                      <a:r>
+                        <a:rPr lang="en-US" altLang="ko-KR" sz="1400" b="0" dirty="0">
+                          <a:solidFill>
+                            <a:schemeClr val="tx1"/>
+                          </a:solidFill>
+                        </a:rPr>
+                        <a:t>.</a:t>
+                      </a:r>
                     </a:p>
                   </a:txBody>
                   <a:tcPr>
@@ -14972,13 +15848,16 @@
                             <a:schemeClr val="tx1"/>
                           </a:solidFill>
                         </a:rPr>
-                        <a:t>종류 까지 있음</a:t>
-                      </a:r>
-                      <a:endParaRPr lang="en-US" altLang="ko-KR" sz="1400" b="0" dirty="0">
-                        <a:solidFill>
-                          <a:schemeClr val="tx1"/>
-                        </a:solidFill>
-                      </a:endParaRPr>
+                        <a:t>종류 까지 있다</a:t>
+                      </a:r>
+                      <a:r>
+                        <a:rPr lang="en-US" altLang="ko-KR" sz="1400" b="0" dirty="0">
+                          <a:solidFill>
+                            <a:schemeClr val="tx1"/>
+                          </a:solidFill>
+                        </a:rPr>
+                        <a:t>.</a:t>
+                      </a:r>
                     </a:p>
                   </a:txBody>
                   <a:tcPr>
@@ -15044,13 +15923,16 @@
                             <a:schemeClr val="tx1"/>
                           </a:solidFill>
                         </a:rPr>
-                        <a:t>일부 퀘스트를 제외한 퀘스트는 진행 도중 포기 가능</a:t>
-                      </a:r>
-                      <a:endParaRPr lang="en-US" altLang="ko-KR" sz="1400" b="0" dirty="0">
-                        <a:solidFill>
-                          <a:schemeClr val="tx1"/>
-                        </a:solidFill>
-                      </a:endParaRPr>
+                        <a:t>일부 퀘스트를 제외한 퀘스트는 진행 도중 포기 가능하다</a:t>
+                      </a:r>
+                      <a:r>
+                        <a:rPr lang="en-US" altLang="ko-KR" sz="1400" b="0" dirty="0">
+                          <a:solidFill>
+                            <a:schemeClr val="tx1"/>
+                          </a:solidFill>
+                        </a:rPr>
+                        <a:t>.</a:t>
+                      </a:r>
                     </a:p>
                   </a:txBody>
                   <a:tcPr>
@@ -15179,13 +16061,13 @@
           <p:nvPr>
             <p:extLst>
               <p:ext uri="{D42A27DB-BD31-4B8C-83A1-F6EECF244321}">
-                <p14:modId xmlns:p14="http://schemas.microsoft.com/office/powerpoint/2010/main" val="2570061620"/>
+                <p14:modId xmlns:p14="http://schemas.microsoft.com/office/powerpoint/2010/main" val="2527480981"/>
               </p:ext>
             </p:extLst>
           </p:nvPr>
         </p:nvGraphicFramePr>
         <p:xfrm>
-          <a:off x="2653347" y="3329305"/>
+          <a:off x="2653348" y="4059066"/>
           <a:ext cx="6885306" cy="914400"/>
         </p:xfrm>
         <a:graphic>

--- a/기획/방랑엽사전/퀘스트 시스템 기획서.pptx
+++ b/기획/방랑엽사전/퀘스트 시스템 기획서.pptx
@@ -257,7 +257,7 @@
           <a:p>
             <a:fld id="{C8649E71-8129-4905-BAC0-51D65A0C1379}" type="datetimeFigureOut">
               <a:rPr lang="ko-KR" altLang="en-US" smtClean="0"/>
-              <a:t>2024-01-18</a:t>
+              <a:t>2024-01-19</a:t>
             </a:fld>
             <a:endParaRPr lang="ko-KR" altLang="en-US"/>
           </a:p>
@@ -755,7 +755,7 @@
           <a:p>
             <a:fld id="{523D6941-6B33-4834-BC65-A333846D27E6}" type="datetimeFigureOut">
               <a:rPr lang="ko-KR" altLang="en-US" smtClean="0"/>
-              <a:t>2024-01-18</a:t>
+              <a:t>2024-01-19</a:t>
             </a:fld>
             <a:endParaRPr lang="ko-KR" altLang="en-US"/>
           </a:p>
@@ -953,7 +953,7 @@
           <a:p>
             <a:fld id="{523D6941-6B33-4834-BC65-A333846D27E6}" type="datetimeFigureOut">
               <a:rPr lang="ko-KR" altLang="en-US" smtClean="0"/>
-              <a:t>2024-01-18</a:t>
+              <a:t>2024-01-19</a:t>
             </a:fld>
             <a:endParaRPr lang="ko-KR" altLang="en-US"/>
           </a:p>
@@ -1161,7 +1161,7 @@
           <a:p>
             <a:fld id="{523D6941-6B33-4834-BC65-A333846D27E6}" type="datetimeFigureOut">
               <a:rPr lang="ko-KR" altLang="en-US" smtClean="0"/>
-              <a:t>2024-01-18</a:t>
+              <a:t>2024-01-19</a:t>
             </a:fld>
             <a:endParaRPr lang="ko-KR" altLang="en-US"/>
           </a:p>
@@ -1374,7 +1374,7 @@
           <a:p>
             <a:fld id="{523D6941-6B33-4834-BC65-A333846D27E6}" type="datetimeFigureOut">
               <a:rPr lang="ko-KR" altLang="en-US" smtClean="0"/>
-              <a:t>2024-01-18</a:t>
+              <a:t>2024-01-19</a:t>
             </a:fld>
             <a:endParaRPr lang="ko-KR" altLang="en-US"/>
           </a:p>
@@ -1659,7 +1659,7 @@
           <a:p>
             <a:fld id="{523D6941-6B33-4834-BC65-A333846D27E6}" type="datetimeFigureOut">
               <a:rPr lang="ko-KR" altLang="en-US" smtClean="0"/>
-              <a:t>2024-01-18</a:t>
+              <a:t>2024-01-19</a:t>
             </a:fld>
             <a:endParaRPr lang="ko-KR" altLang="en-US"/>
           </a:p>
@@ -1924,7 +1924,7 @@
           <a:p>
             <a:fld id="{523D6941-6B33-4834-BC65-A333846D27E6}" type="datetimeFigureOut">
               <a:rPr lang="ko-KR" altLang="en-US" smtClean="0"/>
-              <a:t>2024-01-18</a:t>
+              <a:t>2024-01-19</a:t>
             </a:fld>
             <a:endParaRPr lang="ko-KR" altLang="en-US"/>
           </a:p>
@@ -2336,7 +2336,7 @@
           <a:p>
             <a:fld id="{523D6941-6B33-4834-BC65-A333846D27E6}" type="datetimeFigureOut">
               <a:rPr lang="ko-KR" altLang="en-US" smtClean="0"/>
-              <a:t>2024-01-18</a:t>
+              <a:t>2024-01-19</a:t>
             </a:fld>
             <a:endParaRPr lang="ko-KR" altLang="en-US"/>
           </a:p>
@@ -2477,7 +2477,7 @@
           <a:p>
             <a:fld id="{523D6941-6B33-4834-BC65-A333846D27E6}" type="datetimeFigureOut">
               <a:rPr lang="ko-KR" altLang="en-US" smtClean="0"/>
-              <a:t>2024-01-18</a:t>
+              <a:t>2024-01-19</a:t>
             </a:fld>
             <a:endParaRPr lang="ko-KR" altLang="en-US"/>
           </a:p>
@@ -2590,7 +2590,7 @@
           <a:p>
             <a:fld id="{523D6941-6B33-4834-BC65-A333846D27E6}" type="datetimeFigureOut">
               <a:rPr lang="ko-KR" altLang="en-US" smtClean="0"/>
-              <a:t>2024-01-18</a:t>
+              <a:t>2024-01-19</a:t>
             </a:fld>
             <a:endParaRPr lang="ko-KR" altLang="en-US"/>
           </a:p>
@@ -2901,7 +2901,7 @@
           <a:p>
             <a:fld id="{523D6941-6B33-4834-BC65-A333846D27E6}" type="datetimeFigureOut">
               <a:rPr lang="ko-KR" altLang="en-US" smtClean="0"/>
-              <a:t>2024-01-18</a:t>
+              <a:t>2024-01-19</a:t>
             </a:fld>
             <a:endParaRPr lang="ko-KR" altLang="en-US"/>
           </a:p>
@@ -3189,7 +3189,7 @@
           <a:p>
             <a:fld id="{523D6941-6B33-4834-BC65-A333846D27E6}" type="datetimeFigureOut">
               <a:rPr lang="ko-KR" altLang="en-US" smtClean="0"/>
-              <a:t>2024-01-18</a:t>
+              <a:t>2024-01-19</a:t>
             </a:fld>
             <a:endParaRPr lang="ko-KR" altLang="en-US"/>
           </a:p>
@@ -3430,7 +3430,7 @@
           <a:p>
             <a:fld id="{523D6941-6B33-4834-BC65-A333846D27E6}" type="datetimeFigureOut">
               <a:rPr lang="ko-KR" altLang="en-US" smtClean="0"/>
-              <a:t>2024-01-18</a:t>
+              <a:t>2024-01-19</a:t>
             </a:fld>
             <a:endParaRPr lang="ko-KR" altLang="en-US"/>
           </a:p>
@@ -6046,10 +6046,10 @@
       </p:sp>
       <p:pic>
         <p:nvPicPr>
-          <p:cNvPr id="6" name="그림 5">
+          <p:cNvPr id="4" name="그림 3">
             <a:extLst>
               <a:ext uri="{FF2B5EF4-FFF2-40B4-BE49-F238E27FC236}">
-                <a16:creationId xmlns:a16="http://schemas.microsoft.com/office/drawing/2014/main" id="{F4559C6B-9094-4581-8A85-3722997B6116}"/>
+                <a16:creationId xmlns:a16="http://schemas.microsoft.com/office/drawing/2014/main" id="{29A52FB2-8BAF-443D-86F5-3F3FA4289659}"/>
               </a:ext>
             </a:extLst>
           </p:cNvPr>
@@ -6072,8 +6072,8 @@
         </p:blipFill>
         <p:spPr>
           <a:xfrm>
-            <a:off x="1417170" y="1230069"/>
-            <a:ext cx="3298656" cy="5335831"/>
+            <a:off x="1414463" y="1310053"/>
+            <a:ext cx="2836656" cy="5152293"/>
           </a:xfrm>
           <a:prstGeom prst="rect">
             <a:avLst/>
@@ -6857,10 +6857,10 @@
       </p:sp>
       <p:pic>
         <p:nvPicPr>
-          <p:cNvPr id="6" name="그림 5">
+          <p:cNvPr id="4" name="그림 3">
             <a:extLst>
               <a:ext uri="{FF2B5EF4-FFF2-40B4-BE49-F238E27FC236}">
-                <a16:creationId xmlns:a16="http://schemas.microsoft.com/office/drawing/2014/main" id="{F2C40E79-BB77-4D03-BF5C-1A038DE7CAC7}"/>
+                <a16:creationId xmlns:a16="http://schemas.microsoft.com/office/drawing/2014/main" id="{E7DA38FC-1EAF-46DC-85DD-51CDA2054EB8}"/>
               </a:ext>
             </a:extLst>
           </p:cNvPr>
@@ -6883,8 +6883,8 @@
         </p:blipFill>
         <p:spPr>
           <a:xfrm>
-            <a:off x="693738" y="1441939"/>
-            <a:ext cx="4184974" cy="4404946"/>
+            <a:off x="695325" y="1415697"/>
+            <a:ext cx="4193198" cy="4413603"/>
           </a:xfrm>
           <a:prstGeom prst="rect">
             <a:avLst/>

--- a/기획/방랑엽사전/퀘스트 시스템 기획서.pptx
+++ b/기획/방랑엽사전/퀘스트 시스템 기획서.pptx
@@ -5,7 +5,7 @@
     <p:sldMasterId id="2147483684" r:id="rId1"/>
   </p:sldMasterIdLst>
   <p:notesMasterIdLst>
-    <p:notesMasterId r:id="rId15"/>
+    <p:notesMasterId r:id="rId16"/>
   </p:notesMasterIdLst>
   <p:sldIdLst>
     <p:sldId id="258" r:id="rId2"/>
@@ -20,7 +20,8 @@
     <p:sldId id="280" r:id="rId11"/>
     <p:sldId id="275" r:id="rId12"/>
     <p:sldId id="279" r:id="rId13"/>
-    <p:sldId id="267" r:id="rId14"/>
+    <p:sldId id="281" r:id="rId14"/>
+    <p:sldId id="267" r:id="rId15"/>
   </p:sldIdLst>
   <p:sldSz cx="12192000" cy="6858000"/>
   <p:notesSz cx="6858000" cy="9144000"/>
@@ -257,7 +258,7 @@
           <a:p>
             <a:fld id="{C8649E71-8129-4905-BAC0-51D65A0C1379}" type="datetimeFigureOut">
               <a:rPr lang="ko-KR" altLang="en-US" smtClean="0"/>
-              <a:t>2024-01-19</a:t>
+              <a:t>2024-01-22</a:t>
             </a:fld>
             <a:endParaRPr lang="ko-KR" altLang="en-US"/>
           </a:p>
@@ -755,7 +756,7 @@
           <a:p>
             <a:fld id="{523D6941-6B33-4834-BC65-A333846D27E6}" type="datetimeFigureOut">
               <a:rPr lang="ko-KR" altLang="en-US" smtClean="0"/>
-              <a:t>2024-01-19</a:t>
+              <a:t>2024-01-22</a:t>
             </a:fld>
             <a:endParaRPr lang="ko-KR" altLang="en-US"/>
           </a:p>
@@ -953,7 +954,7 @@
           <a:p>
             <a:fld id="{523D6941-6B33-4834-BC65-A333846D27E6}" type="datetimeFigureOut">
               <a:rPr lang="ko-KR" altLang="en-US" smtClean="0"/>
-              <a:t>2024-01-19</a:t>
+              <a:t>2024-01-22</a:t>
             </a:fld>
             <a:endParaRPr lang="ko-KR" altLang="en-US"/>
           </a:p>
@@ -1161,7 +1162,7 @@
           <a:p>
             <a:fld id="{523D6941-6B33-4834-BC65-A333846D27E6}" type="datetimeFigureOut">
               <a:rPr lang="ko-KR" altLang="en-US" smtClean="0"/>
-              <a:t>2024-01-19</a:t>
+              <a:t>2024-01-22</a:t>
             </a:fld>
             <a:endParaRPr lang="ko-KR" altLang="en-US"/>
           </a:p>
@@ -1374,7 +1375,7 @@
           <a:p>
             <a:fld id="{523D6941-6B33-4834-BC65-A333846D27E6}" type="datetimeFigureOut">
               <a:rPr lang="ko-KR" altLang="en-US" smtClean="0"/>
-              <a:t>2024-01-19</a:t>
+              <a:t>2024-01-22</a:t>
             </a:fld>
             <a:endParaRPr lang="ko-KR" altLang="en-US"/>
           </a:p>
@@ -1659,7 +1660,7 @@
           <a:p>
             <a:fld id="{523D6941-6B33-4834-BC65-A333846D27E6}" type="datetimeFigureOut">
               <a:rPr lang="ko-KR" altLang="en-US" smtClean="0"/>
-              <a:t>2024-01-19</a:t>
+              <a:t>2024-01-22</a:t>
             </a:fld>
             <a:endParaRPr lang="ko-KR" altLang="en-US"/>
           </a:p>
@@ -1924,7 +1925,7 @@
           <a:p>
             <a:fld id="{523D6941-6B33-4834-BC65-A333846D27E6}" type="datetimeFigureOut">
               <a:rPr lang="ko-KR" altLang="en-US" smtClean="0"/>
-              <a:t>2024-01-19</a:t>
+              <a:t>2024-01-22</a:t>
             </a:fld>
             <a:endParaRPr lang="ko-KR" altLang="en-US"/>
           </a:p>
@@ -2336,7 +2337,7 @@
           <a:p>
             <a:fld id="{523D6941-6B33-4834-BC65-A333846D27E6}" type="datetimeFigureOut">
               <a:rPr lang="ko-KR" altLang="en-US" smtClean="0"/>
-              <a:t>2024-01-19</a:t>
+              <a:t>2024-01-22</a:t>
             </a:fld>
             <a:endParaRPr lang="ko-KR" altLang="en-US"/>
           </a:p>
@@ -2477,7 +2478,7 @@
           <a:p>
             <a:fld id="{523D6941-6B33-4834-BC65-A333846D27E6}" type="datetimeFigureOut">
               <a:rPr lang="ko-KR" altLang="en-US" smtClean="0"/>
-              <a:t>2024-01-19</a:t>
+              <a:t>2024-01-22</a:t>
             </a:fld>
             <a:endParaRPr lang="ko-KR" altLang="en-US"/>
           </a:p>
@@ -2590,7 +2591,7 @@
           <a:p>
             <a:fld id="{523D6941-6B33-4834-BC65-A333846D27E6}" type="datetimeFigureOut">
               <a:rPr lang="ko-KR" altLang="en-US" smtClean="0"/>
-              <a:t>2024-01-19</a:t>
+              <a:t>2024-01-22</a:t>
             </a:fld>
             <a:endParaRPr lang="ko-KR" altLang="en-US"/>
           </a:p>
@@ -2901,7 +2902,7 @@
           <a:p>
             <a:fld id="{523D6941-6B33-4834-BC65-A333846D27E6}" type="datetimeFigureOut">
               <a:rPr lang="ko-KR" altLang="en-US" smtClean="0"/>
-              <a:t>2024-01-19</a:t>
+              <a:t>2024-01-22</a:t>
             </a:fld>
             <a:endParaRPr lang="ko-KR" altLang="en-US"/>
           </a:p>
@@ -3189,7 +3190,7 @@
           <a:p>
             <a:fld id="{523D6941-6B33-4834-BC65-A333846D27E6}" type="datetimeFigureOut">
               <a:rPr lang="ko-KR" altLang="en-US" smtClean="0"/>
-              <a:t>2024-01-19</a:t>
+              <a:t>2024-01-22</a:t>
             </a:fld>
             <a:endParaRPr lang="ko-KR" altLang="en-US"/>
           </a:p>
@@ -3430,7 +3431,7 @@
           <a:p>
             <a:fld id="{523D6941-6B33-4834-BC65-A333846D27E6}" type="datetimeFigureOut">
               <a:rPr lang="ko-KR" altLang="en-US" smtClean="0"/>
-              <a:t>2024-01-19</a:t>
+              <a:t>2024-01-22</a:t>
             </a:fld>
             <a:endParaRPr lang="ko-KR" altLang="en-US"/>
           </a:p>
@@ -6905,6 +6906,96 @@
 </file>
 
 <file path=ppt/slides/slide13.xml><?xml version="1.0" encoding="utf-8"?>
+<p:sld xmlns:a="http://schemas.openxmlformats.org/drawingml/2006/main" xmlns:r="http://schemas.openxmlformats.org/officeDocument/2006/relationships" xmlns:p="http://schemas.openxmlformats.org/presentationml/2006/main">
+  <p:cSld>
+    <p:spTree>
+      <p:nvGrpSpPr>
+        <p:cNvPr id="1" name=""/>
+        <p:cNvGrpSpPr/>
+        <p:nvPr/>
+      </p:nvGrpSpPr>
+      <p:grpSpPr>
+        <a:xfrm>
+          <a:off x="0" y="0"/>
+          <a:ext cx="0" cy="0"/>
+          <a:chOff x="0" y="0"/>
+          <a:chExt cx="0" cy="0"/>
+        </a:xfrm>
+      </p:grpSpPr>
+      <p:sp>
+        <p:nvSpPr>
+          <p:cNvPr id="5" name="Rect 0">
+            <a:extLst>
+              <a:ext uri="{FF2B5EF4-FFF2-40B4-BE49-F238E27FC236}">
+                <a16:creationId xmlns:a16="http://schemas.microsoft.com/office/drawing/2014/main" id="{973C568C-0574-430B-948F-BD8DC31E2883}"/>
+              </a:ext>
+            </a:extLst>
+          </p:cNvPr>
+          <p:cNvSpPr txBox="1">
+            <a:spLocks/>
+          </p:cNvSpPr>
+          <p:nvPr/>
+        </p:nvSpPr>
+        <p:spPr>
+          <a:xfrm>
+            <a:off x="695325" y="292100"/>
+            <a:ext cx="10801985" cy="862330"/>
+          </a:xfrm>
+          <a:prstGeom prst="rect">
+            <a:avLst/>
+          </a:prstGeom>
+        </p:spPr>
+        <p:txBody>
+          <a:bodyPr vert="horz" wrap="square" lIns="91440" tIns="45720" rIns="91440" bIns="45720" numCol="1" anchor="ctr">
+            <a:normAutofit/>
+          </a:bodyPr>
+          <a:lstStyle>
+            <a:lvl1pPr marL="0" indent="0" algn="l" defTabSz="914400" rtl="0" eaLnBrk="1" latinLnBrk="1" hangingPunct="1">
+              <a:lnSpc>
+                <a:spcPct val="90000"/>
+              </a:lnSpc>
+              <a:spcBef>
+                <a:spcPct val="0"/>
+              </a:spcBef>
+              <a:buFontTx/>
+              <a:buNone/>
+              <a:defRPr lang="en-GB" altLang="en-US" sz="4400">
+                <a:solidFill>
+                  <a:schemeClr val="tx1"/>
+                </a:solidFill>
+                <a:latin typeface="+mj-lt"/>
+                <a:ea typeface="+mj-ea"/>
+                <a:cs typeface="+mj-cs"/>
+              </a:defRPr>
+            </a:lvl1pPr>
+          </a:lstStyle>
+          <a:p>
+            <a:pPr marL="0" indent="0" latinLnBrk="0">
+              <a:buFontTx/>
+              <a:buNone/>
+            </a:pPr>
+            <a:r>
+              <a:rPr lang="en-US" altLang="ko-KR" dirty="0"/>
+              <a:t>UI</a:t>
+            </a:r>
+            <a:endParaRPr lang="ko-KR" altLang="en-US" dirty="0"/>
+          </a:p>
+        </p:txBody>
+      </p:sp>
+    </p:spTree>
+    <p:extLst>
+      <p:ext uri="{BB962C8B-B14F-4D97-AF65-F5344CB8AC3E}">
+        <p14:creationId xmlns:p14="http://schemas.microsoft.com/office/powerpoint/2010/main" val="3043279679"/>
+      </p:ext>
+    </p:extLst>
+  </p:cSld>
+  <p:clrMapOvr>
+    <a:masterClrMapping/>
+  </p:clrMapOvr>
+</p:sld>
+</file>
+
+<file path=ppt/slides/slide14.xml><?xml version="1.0" encoding="utf-8"?>
 <p:sld xmlns:a="http://schemas.openxmlformats.org/drawingml/2006/main" xmlns:r="http://schemas.openxmlformats.org/officeDocument/2006/relationships" xmlns:p="http://schemas.openxmlformats.org/presentationml/2006/main">
   <p:cSld>
     <p:spTree>

--- a/기획/방랑엽사전/퀘스트 시스템 기획서.pptx
+++ b/기획/방랑엽사전/퀘스트 시스템 기획서.pptx
@@ -1,27 +1,28 @@
 
 <file path=ppt/presentation.xml><?xml version="1.0" encoding="utf-8"?>
-<p:presentation xmlns:a="http://schemas.openxmlformats.org/drawingml/2006/main" xmlns:r="http://schemas.openxmlformats.org/officeDocument/2006/relationships" xmlns:p="http://schemas.openxmlformats.org/presentationml/2006/main" saveSubsetFonts="1">
+<p:presentation xmlns:a="http://schemas.openxmlformats.org/drawingml/2006/main" xmlns:r="http://schemas.openxmlformats.org/officeDocument/2006/relationships" xmlns:p="http://schemas.openxmlformats.org/presentationml/2006/main" xmlns:p14="http://schemas.microsoft.com/office/powerpoint/2010/main" saveSubsetFonts="1">
   <p:sldMasterIdLst>
-    <p:sldMasterId id="2147483684" r:id="rId1"/>
+    <p:sldMasterId id="2147483703" r:id="rId13"/>
   </p:sldMasterIdLst>
   <p:notesMasterIdLst>
-    <p:notesMasterId r:id="rId16"/>
+    <p:notesMasterId r:id="rId15"/>
   </p:notesMasterIdLst>
   <p:sldIdLst>
-    <p:sldId id="258" r:id="rId2"/>
-    <p:sldId id="266" r:id="rId3"/>
-    <p:sldId id="265" r:id="rId4"/>
-    <p:sldId id="268" r:id="rId5"/>
-    <p:sldId id="271" r:id="rId6"/>
-    <p:sldId id="273" r:id="rId7"/>
-    <p:sldId id="277" r:id="rId8"/>
-    <p:sldId id="274" r:id="rId9"/>
-    <p:sldId id="278" r:id="rId10"/>
-    <p:sldId id="280" r:id="rId11"/>
-    <p:sldId id="275" r:id="rId12"/>
-    <p:sldId id="279" r:id="rId13"/>
-    <p:sldId id="281" r:id="rId14"/>
-    <p:sldId id="267" r:id="rId15"/>
+    <p:sldId id="258" r:id="rId17"/>
+    <p:sldId id="266" r:id="rId18"/>
+    <p:sldId id="265" r:id="rId19"/>
+    <p:sldId id="268" r:id="rId20"/>
+    <p:sldId id="271" r:id="rId21"/>
+    <p:sldId id="273" r:id="rId22"/>
+    <p:sldId id="277" r:id="rId23"/>
+    <p:sldId id="274" r:id="rId24"/>
+    <p:sldId id="278" r:id="rId25"/>
+    <p:sldId id="280" r:id="rId26"/>
+    <p:sldId id="275" r:id="rId27"/>
+    <p:sldId id="279" r:id="rId28"/>
+    <p:sldId id="281" r:id="rId29"/>
+    <p:sldId id="282" r:id="rId30"/>
+    <p:sldId id="267" r:id="rId31"/>
   </p:sldIdLst>
   <p:sldSz cx="12192000" cy="6858000"/>
   <p:notesSz cx="6858000" cy="9144000"/>
@@ -123,37 +124,37 @@
   <p:extLst>
     <p:ext uri="{EFAFB233-063F-42B5-8137-9DF3F51BA10A}">
       <p15:sldGuideLst xmlns:p15="http://schemas.microsoft.com/office/powerpoint/2012/main">
-        <p15:guide id="1" orient="horz" pos="2160" userDrawn="1">
+        <p15:guide id="1" orient="horz" pos="2159" userDrawn="1">
           <p15:clr>
             <a:srgbClr val="A4A3A4"/>
           </p15:clr>
         </p15:guide>
-        <p15:guide id="2" pos="3840" userDrawn="1">
+        <p15:guide id="2" pos="3837" userDrawn="1">
           <p15:clr>
             <a:srgbClr val="A4A3A4"/>
           </p15:clr>
         </p15:guide>
-        <p15:guide id="3" orient="horz" pos="730" userDrawn="1">
+        <p15:guide id="3" orient="horz" pos="729" userDrawn="1">
           <p15:clr>
             <a:srgbClr val="A4A3A4"/>
           </p15:clr>
         </p15:guide>
-        <p15:guide id="4" pos="437" userDrawn="1">
+        <p15:guide id="4" pos="436" userDrawn="1">
           <p15:clr>
             <a:srgbClr val="A4A3A4"/>
           </p15:clr>
         </p15:guide>
-        <p15:guide id="5" pos="7241" userDrawn="1">
+        <p15:guide id="5" pos="7240" userDrawn="1">
           <p15:clr>
             <a:srgbClr val="A4A3A4"/>
           </p15:clr>
         </p15:guide>
-        <p15:guide id="6" pos="891" userDrawn="1">
+        <p15:guide id="6" pos="889" userDrawn="1">
           <p15:clr>
             <a:srgbClr val="A4A3A4"/>
           </p15:clr>
         </p15:guide>
-        <p15:guide id="7" pos="6788" userDrawn="1">
+        <p15:guide id="7" pos="6764" userDrawn="1">
           <p15:clr>
             <a:srgbClr val="A4A3A4"/>
           </p15:clr>
@@ -162,18 +163,6 @@
     </p:ext>
   </p:extLst>
 </p:presentation>
-</file>
-
-<file path=ppt/commentAuthors.xml><?xml version="1.0" encoding="utf-8"?>
-<p:cmAuthorLst xmlns:a="http://schemas.openxmlformats.org/drawingml/2006/main" xmlns:r="http://schemas.openxmlformats.org/officeDocument/2006/relationships" xmlns:p="http://schemas.openxmlformats.org/presentationml/2006/main">
-  <p:cmAuthor id="1" name="User" initials="U" lastIdx="1" clrIdx="0">
-    <p:extLst>
-      <p:ext uri="{19B8F6BF-5375-455C-9EA6-DF929625EA0E}">
-        <p15:presenceInfo xmlns:p15="http://schemas.microsoft.com/office/powerpoint/2012/main" userId="User" providerId="None"/>
-      </p:ext>
-    </p:extLst>
-  </p:cmAuthor>
-</p:cmAuthorLst>
 </file>
 
 <file path=ppt/notesMasters/notesMaster1.xml><?xml version="1.0" encoding="utf-8"?>
@@ -3832,7 +3821,7 @@
 </file>
 
 <file path=ppt/slides/slide1.xml><?xml version="1.0" encoding="utf-8"?>
-<p:sld xmlns:a="http://schemas.openxmlformats.org/drawingml/2006/main" xmlns:r="http://schemas.openxmlformats.org/officeDocument/2006/relationships" xmlns:p="http://schemas.openxmlformats.org/presentationml/2006/main">
+<p:sld xmlns:a="http://schemas.openxmlformats.org/drawingml/2006/main" xmlns:r="http://schemas.openxmlformats.org/officeDocument/2006/relationships" xmlns:p="http://schemas.openxmlformats.org/presentationml/2006/main" xmlns:p14="http://schemas.microsoft.com/office/powerpoint/2010/main">
   <p:cSld>
     <p:spTree>
       <p:nvGrpSpPr>
@@ -3930,11 +3919,26 @@
   <p:clrMapOvr>
     <a:masterClrMapping/>
   </p:clrMapOvr>
+  <mc:AlternateContent xmlns:mc="http://schemas.openxmlformats.org/markup-compatibility/2006">
+    <mc:Choice xmlns:p14="http://schemas.microsoft.com/office/powerpoint/2010/main" Requires="p14">
+      <p:transition spd="slow" p14:dur="2000"/>
+    </mc:Choice>
+    <mc:Fallback>
+      <p:transition spd="slow"/>
+    </mc:Fallback>
+  </mc:AlternateContent>
+  <p:timing>
+    <p:tnLst>
+      <p:par>
+        <p:cTn id="1" dur="indefinite" restart="never" nodeType="tmRoot"/>
+      </p:par>
+    </p:tnLst>
+  </p:timing>
 </p:sld>
 </file>
 
 <file path=ppt/slides/slide10.xml><?xml version="1.0" encoding="utf-8"?>
-<p:sld xmlns:a="http://schemas.openxmlformats.org/drawingml/2006/main" xmlns:r="http://schemas.openxmlformats.org/officeDocument/2006/relationships" xmlns:p="http://schemas.openxmlformats.org/presentationml/2006/main">
+<p:sld xmlns:a="http://schemas.openxmlformats.org/drawingml/2006/main" xmlns:r="http://schemas.openxmlformats.org/officeDocument/2006/relationships" xmlns:p="http://schemas.openxmlformats.org/presentationml/2006/main" xmlns:p14="http://schemas.microsoft.com/office/powerpoint/2010/main">
   <p:cSld>
     <p:spTree>
       <p:nvGrpSpPr>
@@ -4570,8 +4574,8 @@
         </p:blipFill>
         <p:spPr>
           <a:xfrm>
-            <a:off x="693739" y="1158875"/>
-            <a:ext cx="2419982" cy="4831351"/>
+            <a:off x="694055" y="1158875"/>
+            <a:ext cx="2419985" cy="4831080"/>
           </a:xfrm>
           <a:prstGeom prst="rect">
             <a:avLst/>
@@ -5255,11 +5259,26 @@
   <p:clrMapOvr>
     <a:masterClrMapping/>
   </p:clrMapOvr>
+  <mc:AlternateContent xmlns:mc="http://schemas.openxmlformats.org/markup-compatibility/2006">
+    <mc:Choice xmlns:p14="http://schemas.microsoft.com/office/powerpoint/2010/main" Requires="p14">
+      <p:transition spd="slow" p14:dur="2000"/>
+    </mc:Choice>
+    <mc:Fallback>
+      <p:transition spd="slow"/>
+    </mc:Fallback>
+  </mc:AlternateContent>
+  <p:timing>
+    <p:tnLst>
+      <p:par>
+        <p:cTn id="1" dur="indefinite" restart="never" nodeType="tmRoot"/>
+      </p:par>
+    </p:tnLst>
+  </p:timing>
 </p:sld>
 </file>
 
 <file path=ppt/slides/slide11.xml><?xml version="1.0" encoding="utf-8"?>
-<p:sld xmlns:a="http://schemas.openxmlformats.org/drawingml/2006/main" xmlns:r="http://schemas.openxmlformats.org/officeDocument/2006/relationships" xmlns:p="http://schemas.openxmlformats.org/presentationml/2006/main">
+<p:sld xmlns:a="http://schemas.openxmlformats.org/drawingml/2006/main" xmlns:r="http://schemas.openxmlformats.org/officeDocument/2006/relationships" xmlns:p="http://schemas.openxmlformats.org/presentationml/2006/main" xmlns:p14="http://schemas.microsoft.com/office/powerpoint/2010/main">
   <p:cSld>
     <p:spTree>
       <p:nvGrpSpPr>
@@ -6073,8 +6092,8 @@
         </p:blipFill>
         <p:spPr>
           <a:xfrm>
-            <a:off x="1414463" y="1310053"/>
-            <a:ext cx="2836656" cy="5152293"/>
+            <a:off x="1414780" y="1310005"/>
+            <a:ext cx="2836545" cy="5152390"/>
           </a:xfrm>
           <a:prstGeom prst="rect">
             <a:avLst/>
@@ -6091,11 +6110,26 @@
   <p:clrMapOvr>
     <a:masterClrMapping/>
   </p:clrMapOvr>
+  <mc:AlternateContent xmlns:mc="http://schemas.openxmlformats.org/markup-compatibility/2006">
+    <mc:Choice xmlns:p14="http://schemas.microsoft.com/office/powerpoint/2010/main" Requires="p14">
+      <p:transition spd="slow" p14:dur="2000"/>
+    </mc:Choice>
+    <mc:Fallback>
+      <p:transition spd="slow"/>
+    </mc:Fallback>
+  </mc:AlternateContent>
+  <p:timing>
+    <p:tnLst>
+      <p:par>
+        <p:cTn id="1" dur="indefinite" restart="never" nodeType="tmRoot"/>
+      </p:par>
+    </p:tnLst>
+  </p:timing>
 </p:sld>
 </file>
 
 <file path=ppt/slides/slide12.xml><?xml version="1.0" encoding="utf-8"?>
-<p:sld xmlns:a="http://schemas.openxmlformats.org/drawingml/2006/main" xmlns:r="http://schemas.openxmlformats.org/officeDocument/2006/relationships" xmlns:p="http://schemas.openxmlformats.org/presentationml/2006/main">
+<p:sld xmlns:a="http://schemas.openxmlformats.org/drawingml/2006/main" xmlns:r="http://schemas.openxmlformats.org/officeDocument/2006/relationships" xmlns:p="http://schemas.openxmlformats.org/presentationml/2006/main" xmlns:p14="http://schemas.microsoft.com/office/powerpoint/2010/main">
   <p:cSld>
     <p:spTree>
       <p:nvGrpSpPr>
@@ -6884,8 +6918,8 @@
         </p:blipFill>
         <p:spPr>
           <a:xfrm>
-            <a:off x="695325" y="1415697"/>
-            <a:ext cx="4193198" cy="4413603"/>
+            <a:off x="695325" y="1415415"/>
+            <a:ext cx="4192905" cy="4413885"/>
           </a:xfrm>
           <a:prstGeom prst="rect">
             <a:avLst/>
@@ -6902,11 +6936,26 @@
   <p:clrMapOvr>
     <a:masterClrMapping/>
   </p:clrMapOvr>
+  <mc:AlternateContent xmlns:mc="http://schemas.openxmlformats.org/markup-compatibility/2006">
+    <mc:Choice xmlns:p14="http://schemas.microsoft.com/office/powerpoint/2010/main" Requires="p14">
+      <p:transition spd="slow" p14:dur="2000"/>
+    </mc:Choice>
+    <mc:Fallback>
+      <p:transition spd="slow"/>
+    </mc:Fallback>
+  </mc:AlternateContent>
+  <p:timing>
+    <p:tnLst>
+      <p:par>
+        <p:cTn id="1" dur="indefinite" restart="never" nodeType="tmRoot"/>
+      </p:par>
+    </p:tnLst>
+  </p:timing>
 </p:sld>
 </file>
 
 <file path=ppt/slides/slide13.xml><?xml version="1.0" encoding="utf-8"?>
-<p:sld xmlns:a="http://schemas.openxmlformats.org/drawingml/2006/main" xmlns:r="http://schemas.openxmlformats.org/officeDocument/2006/relationships" xmlns:p="http://schemas.openxmlformats.org/presentationml/2006/main">
+<p:sld xmlns:a="http://schemas.openxmlformats.org/drawingml/2006/main" xmlns:r="http://schemas.openxmlformats.org/officeDocument/2006/relationships" xmlns:p="http://schemas.openxmlformats.org/presentationml/2006/main" xmlns:p14="http://schemas.microsoft.com/office/powerpoint/2010/main">
   <p:cSld>
     <p:spTree>
       <p:nvGrpSpPr>
@@ -6982,6 +7031,1638 @@
           </a:p>
         </p:txBody>
       </p:sp>
+      <p:pic>
+        <p:nvPicPr>
+          <p:cNvPr id="6" name="그림 1" descr="C:/Users/yhgki/AppData/Roaming/PolarisOffice/ETemp/53616_9480792/fImage6073529641.png"/>
+          <p:cNvPicPr>
+            <a:picLocks noChangeAspect="1"/>
+          </p:cNvPicPr>
+          <p:nvPr/>
+        </p:nvPicPr>
+        <p:blipFill rotWithShape="1">
+          <a:blip r:embed="rId1" cstate="print">
+            <a:extLst>
+              <a:ext uri="{28A0092B-C50C-407E-A947-70E740481C1C}">
+                <a14:useLocalDpi xmlns:a14="http://schemas.microsoft.com/office/drawing/2010/main" val="0"/>
+              </a:ext>
+            </a:extLst>
+          </a:blip>
+          <a:stretch>
+            <a:fillRect/>
+          </a:stretch>
+        </p:blipFill>
+        <p:spPr>
+          <a:xfrm rot="0">
+            <a:off x="690880" y="1158875"/>
+            <a:ext cx="4551045" cy="3183255"/>
+          </a:xfrm>
+          <a:prstGeom prst="rect"/>
+          <a:noFill/>
+        </p:spPr>
+      </p:pic>
+      <p:sp>
+        <p:nvSpPr>
+          <p:cNvPr id="7" name="도형 2"/>
+          <p:cNvSpPr>
+            <a:spLocks/>
+          </p:cNvSpPr>
+          <p:nvPr/>
+        </p:nvSpPr>
+        <p:spPr>
+          <a:xfrm rot="0">
+            <a:off x="4192905" y="4211320"/>
+            <a:ext cx="1044575" cy="111760"/>
+          </a:xfrm>
+          <a:prstGeom prst="rect"/>
+          <a:noFill/>
+          <a:ln w="15875" cap="flat" cmpd="sng">
+            <a:solidFill>
+              <a:srgbClr val="C00000">
+                <a:alpha val="100000"/>
+              </a:srgbClr>
+            </a:solidFill>
+            <a:prstDash val="solid"/>
+            <a:miter lim="800000"/>
+          </a:ln>
+        </p:spPr>
+        <p:style>
+          <a:lnRef idx="2">
+            <a:schemeClr val="accent1">
+              <a:shade val="50000"/>
+            </a:schemeClr>
+          </a:lnRef>
+          <a:fillRef idx="1">
+            <a:schemeClr val="accent1"/>
+          </a:fillRef>
+          <a:effectRef idx="0">
+            <a:schemeClr val="accent1"/>
+          </a:effectRef>
+          <a:fontRef idx="minor">
+            <a:schemeClr val="lt1"/>
+          </a:fontRef>
+        </p:style>
+        <p:txBody>
+          <a:bodyPr wrap="square" lIns="91440" tIns="45720" rIns="91440" bIns="45720" vert="horz" anchor="ctr">
+            <a:noAutofit/>
+          </a:bodyPr>
+          <a:lstStyle/>
+          <a:p>
+            <a:pPr marL="0" indent="0" algn="ctr" hangingPunct="1"/>
+            <a:endParaRPr lang="ko-KR" altLang="en-US" sz="1800">
+              <a:latin typeface="맑은 고딕" charset="0"/>
+              <a:ea typeface="맑은 고딕" charset="0"/>
+            </a:endParaRPr>
+          </a:p>
+        </p:txBody>
+      </p:sp>
+      <p:sp>
+        <p:nvSpPr>
+          <p:cNvPr id="8" name="도형 7"/>
+          <p:cNvSpPr>
+            <a:spLocks/>
+          </p:cNvSpPr>
+          <p:nvPr/>
+        </p:nvSpPr>
+        <p:spPr>
+          <a:xfrm rot="0">
+            <a:off x="5682615" y="1094740"/>
+            <a:ext cx="3629660" cy="776605"/>
+          </a:xfrm>
+          <a:prstGeom prst="rect"/>
+          <a:solidFill>
+            <a:schemeClr val="bg1">
+              <a:lumMod val="95000"/>
+              <a:lumOff val="0"/>
+            </a:schemeClr>
+          </a:solidFill>
+          <a:ln w="12700" cap="flat" cmpd="sng">
+            <a:solidFill>
+              <a:schemeClr val="tx1">
+                <a:alpha val="100000"/>
+              </a:schemeClr>
+            </a:solidFill>
+            <a:prstDash val="solid"/>
+          </a:ln>
+        </p:spPr>
+        <p:style>
+          <a:lnRef idx="2">
+            <a:schemeClr val="accent1">
+              <a:shade val="50000"/>
+            </a:schemeClr>
+          </a:lnRef>
+          <a:fillRef idx="1">
+            <a:schemeClr val="accent1"/>
+          </a:fillRef>
+          <a:effectRef idx="0">
+            <a:schemeClr val="accent1"/>
+          </a:effectRef>
+          <a:fontRef idx="minor">
+            <a:schemeClr val="lt1"/>
+          </a:fontRef>
+        </p:style>
+        <p:txBody>
+          <a:bodyPr wrap="square" lIns="91440" tIns="45720" rIns="91440" bIns="45720" vert="horz" anchor="ctr">
+            <a:noAutofit/>
+          </a:bodyPr>
+          <a:lstStyle/>
+          <a:p>
+            <a:pPr marL="0" indent="0" algn="ctr" hangingPunct="1"/>
+            <a:endParaRPr lang="ko-KR" altLang="en-US" sz="1800">
+              <a:latin typeface="맑은 고딕" charset="0"/>
+              <a:ea typeface="맑은 고딕" charset="0"/>
+            </a:endParaRPr>
+          </a:p>
+        </p:txBody>
+      </p:sp>
+      <p:sp>
+        <p:nvSpPr>
+          <p:cNvPr id="10" name="도형 13"/>
+          <p:cNvSpPr>
+            <a:spLocks/>
+          </p:cNvSpPr>
+          <p:nvPr/>
+        </p:nvSpPr>
+        <p:spPr>
+          <a:xfrm rot="0">
+            <a:off x="6393815" y="1242060"/>
+            <a:ext cx="461645" cy="481330"/>
+          </a:xfrm>
+          <a:prstGeom prst="rect"/>
+          <a:solidFill>
+            <a:schemeClr val="tx1">
+              <a:lumMod val="50000"/>
+              <a:lumOff val="50000"/>
+            </a:schemeClr>
+          </a:solidFill>
+          <a:ln w="12700" cap="flat" cmpd="sng">
+            <a:solidFill>
+              <a:schemeClr val="tx1">
+                <a:alpha val="100000"/>
+              </a:schemeClr>
+            </a:solidFill>
+            <a:prstDash val="solid"/>
+          </a:ln>
+        </p:spPr>
+        <p:style>
+          <a:lnRef idx="2">
+            <a:schemeClr val="accent1">
+              <a:shade val="50000"/>
+            </a:schemeClr>
+          </a:lnRef>
+          <a:fillRef idx="1">
+            <a:schemeClr val="accent1"/>
+          </a:fillRef>
+          <a:effectRef idx="0">
+            <a:schemeClr val="accent1"/>
+          </a:effectRef>
+          <a:fontRef idx="minor">
+            <a:schemeClr val="lt1"/>
+          </a:fontRef>
+        </p:style>
+        <p:txBody>
+          <a:bodyPr wrap="square" lIns="91440" tIns="45720" rIns="91440" bIns="45720" vert="horz" anchor="ctr">
+            <a:noAutofit/>
+          </a:bodyPr>
+          <a:lstStyle/>
+          <a:p>
+            <a:pPr marL="0" indent="0" algn="ctr" hangingPunct="1"/>
+            <a:r>
+              <a:rPr sz="1800">
+                <a:latin typeface="맑은 고딕" charset="0"/>
+                <a:ea typeface="맑은 고딕" charset="0"/>
+              </a:rPr>
+              <a:t>I</a:t>
+            </a:r>
+            <a:endParaRPr lang="ko-KR" altLang="en-US" sz="1800">
+              <a:latin typeface="맑은 고딕" charset="0"/>
+              <a:ea typeface="맑은 고딕" charset="0"/>
+            </a:endParaRPr>
+          </a:p>
+        </p:txBody>
+      </p:sp>
+      <p:sp>
+        <p:nvSpPr>
+          <p:cNvPr id="11" name="도형 14"/>
+          <p:cNvSpPr>
+            <a:spLocks/>
+          </p:cNvSpPr>
+          <p:nvPr/>
+        </p:nvSpPr>
+        <p:spPr>
+          <a:xfrm rot="0">
+            <a:off x="6966585" y="1242060"/>
+            <a:ext cx="461645" cy="481330"/>
+          </a:xfrm>
+          <a:prstGeom prst="rect"/>
+          <a:solidFill>
+            <a:schemeClr val="tx1">
+              <a:lumMod val="50000"/>
+              <a:lumOff val="50000"/>
+            </a:schemeClr>
+          </a:solidFill>
+          <a:ln w="12700" cap="flat" cmpd="sng">
+            <a:solidFill>
+              <a:schemeClr val="tx1">
+                <a:alpha val="100000"/>
+              </a:schemeClr>
+            </a:solidFill>
+            <a:prstDash val="solid"/>
+          </a:ln>
+        </p:spPr>
+        <p:style>
+          <a:lnRef idx="2">
+            <a:schemeClr val="accent1">
+              <a:shade val="50000"/>
+            </a:schemeClr>
+          </a:lnRef>
+          <a:fillRef idx="1">
+            <a:schemeClr val="accent1"/>
+          </a:fillRef>
+          <a:effectRef idx="0">
+            <a:schemeClr val="accent1"/>
+          </a:effectRef>
+          <a:fontRef idx="minor">
+            <a:schemeClr val="lt1"/>
+          </a:fontRef>
+        </p:style>
+        <p:txBody>
+          <a:bodyPr wrap="square" lIns="91440" tIns="45720" rIns="91440" bIns="45720" vert="horz" anchor="ctr">
+            <a:noAutofit/>
+          </a:bodyPr>
+          <a:lstStyle/>
+          <a:p>
+            <a:pPr marL="0" indent="0" algn="ctr" hangingPunct="1"/>
+            <a:r>
+              <a:rPr sz="1800">
+                <a:latin typeface="맑은 고딕" charset="0"/>
+                <a:ea typeface="맑은 고딕" charset="0"/>
+              </a:rPr>
+              <a:t>U</a:t>
+            </a:r>
+            <a:endParaRPr lang="ko-KR" altLang="en-US" sz="1800">
+              <a:latin typeface="맑은 고딕" charset="0"/>
+              <a:ea typeface="맑은 고딕" charset="0"/>
+            </a:endParaRPr>
+          </a:p>
+        </p:txBody>
+      </p:sp>
+      <p:sp>
+        <p:nvSpPr>
+          <p:cNvPr id="12" name="도형 15"/>
+          <p:cNvSpPr>
+            <a:spLocks/>
+          </p:cNvSpPr>
+          <p:nvPr/>
+        </p:nvSpPr>
+        <p:spPr>
+          <a:xfrm rot="0">
+            <a:off x="7539355" y="1242060"/>
+            <a:ext cx="461645" cy="481330"/>
+          </a:xfrm>
+          <a:prstGeom prst="rect"/>
+          <a:solidFill>
+            <a:schemeClr val="tx1">
+              <a:lumMod val="50000"/>
+              <a:lumOff val="50000"/>
+            </a:schemeClr>
+          </a:solidFill>
+          <a:ln w="12700" cap="flat" cmpd="sng">
+            <a:solidFill>
+              <a:schemeClr val="tx1">
+                <a:alpha val="100000"/>
+              </a:schemeClr>
+            </a:solidFill>
+            <a:prstDash val="solid"/>
+          </a:ln>
+        </p:spPr>
+        <p:style>
+          <a:lnRef idx="2">
+            <a:schemeClr val="accent1">
+              <a:shade val="50000"/>
+            </a:schemeClr>
+          </a:lnRef>
+          <a:fillRef idx="1">
+            <a:schemeClr val="accent1"/>
+          </a:fillRef>
+          <a:effectRef idx="0">
+            <a:schemeClr val="accent1"/>
+          </a:effectRef>
+          <a:fontRef idx="minor">
+            <a:schemeClr val="lt1"/>
+          </a:fontRef>
+        </p:style>
+        <p:txBody>
+          <a:bodyPr wrap="square" lIns="91440" tIns="45720" rIns="91440" bIns="45720" vert="horz" anchor="ctr">
+            <a:noAutofit/>
+          </a:bodyPr>
+          <a:lstStyle/>
+          <a:p>
+            <a:pPr marL="0" indent="0" algn="ctr" hangingPunct="1"/>
+            <a:r>
+              <a:rPr sz="1800">
+                <a:latin typeface="맑은 고딕" charset="0"/>
+                <a:ea typeface="맑은 고딕" charset="0"/>
+              </a:rPr>
+              <a:t>S</a:t>
+            </a:r>
+            <a:endParaRPr lang="ko-KR" altLang="en-US" sz="1800">
+              <a:latin typeface="맑은 고딕" charset="0"/>
+              <a:ea typeface="맑은 고딕" charset="0"/>
+            </a:endParaRPr>
+          </a:p>
+        </p:txBody>
+      </p:sp>
+      <p:sp>
+        <p:nvSpPr>
+          <p:cNvPr id="13" name="도형 16"/>
+          <p:cNvSpPr>
+            <a:spLocks/>
+          </p:cNvSpPr>
+          <p:nvPr/>
+        </p:nvSpPr>
+        <p:spPr>
+          <a:xfrm rot="0">
+            <a:off x="8112125" y="1242060"/>
+            <a:ext cx="461645" cy="481330"/>
+          </a:xfrm>
+          <a:prstGeom prst="rect"/>
+          <a:solidFill>
+            <a:schemeClr val="tx1">
+              <a:lumMod val="50000"/>
+              <a:lumOff val="50000"/>
+            </a:schemeClr>
+          </a:solidFill>
+          <a:ln w="12700" cap="flat" cmpd="sng">
+            <a:solidFill>
+              <a:schemeClr val="tx1">
+                <a:alpha val="100000"/>
+              </a:schemeClr>
+            </a:solidFill>
+            <a:prstDash val="solid"/>
+          </a:ln>
+        </p:spPr>
+        <p:style>
+          <a:lnRef idx="2">
+            <a:schemeClr val="accent1">
+              <a:shade val="50000"/>
+            </a:schemeClr>
+          </a:lnRef>
+          <a:fillRef idx="1">
+            <a:schemeClr val="accent1"/>
+          </a:fillRef>
+          <a:effectRef idx="0">
+            <a:schemeClr val="accent1"/>
+          </a:effectRef>
+          <a:fontRef idx="minor">
+            <a:schemeClr val="lt1"/>
+          </a:fontRef>
+        </p:style>
+        <p:txBody>
+          <a:bodyPr wrap="square" lIns="91440" tIns="45720" rIns="91440" bIns="45720" vert="horz" anchor="ctr">
+            <a:noAutofit/>
+          </a:bodyPr>
+          <a:lstStyle/>
+          <a:p>
+            <a:pPr marL="0" indent="0" algn="ctr" hangingPunct="1"/>
+            <a:r>
+              <a:rPr sz="1800">
+                <a:latin typeface="맑은 고딕" charset="0"/>
+                <a:ea typeface="맑은 고딕" charset="0"/>
+              </a:rPr>
+              <a:t>M</a:t>
+            </a:r>
+            <a:endParaRPr lang="ko-KR" altLang="en-US" sz="1800">
+              <a:latin typeface="맑은 고딕" charset="0"/>
+              <a:ea typeface="맑은 고딕" charset="0"/>
+            </a:endParaRPr>
+          </a:p>
+        </p:txBody>
+      </p:sp>
+      <p:sp>
+        <p:nvSpPr>
+          <p:cNvPr id="15" name="도형 18"/>
+          <p:cNvSpPr>
+            <a:spLocks/>
+          </p:cNvSpPr>
+          <p:nvPr/>
+        </p:nvSpPr>
+        <p:spPr>
+          <a:xfrm rot="0">
+            <a:off x="8675370" y="1242060"/>
+            <a:ext cx="461645" cy="481330"/>
+          </a:xfrm>
+          <a:prstGeom prst="rect"/>
+          <a:solidFill>
+            <a:schemeClr val="tx1">
+              <a:lumMod val="50000"/>
+              <a:lumOff val="50000"/>
+            </a:schemeClr>
+          </a:solidFill>
+          <a:ln w="12700" cap="flat" cmpd="sng">
+            <a:solidFill>
+              <a:schemeClr val="tx1">
+                <a:alpha val="100000"/>
+              </a:schemeClr>
+            </a:solidFill>
+            <a:prstDash val="solid"/>
+          </a:ln>
+        </p:spPr>
+        <p:style>
+          <a:lnRef idx="2">
+            <a:schemeClr val="accent1">
+              <a:shade val="50000"/>
+            </a:schemeClr>
+          </a:lnRef>
+          <a:fillRef idx="1">
+            <a:schemeClr val="accent1"/>
+          </a:fillRef>
+          <a:effectRef idx="0">
+            <a:schemeClr val="accent1"/>
+          </a:effectRef>
+          <a:fontRef idx="minor">
+            <a:schemeClr val="lt1"/>
+          </a:fontRef>
+        </p:style>
+        <p:txBody>
+          <a:bodyPr wrap="square" lIns="91440" tIns="45720" rIns="91440" bIns="45720" vert="horz" anchor="ctr">
+            <a:noAutofit/>
+          </a:bodyPr>
+          <a:lstStyle/>
+          <a:p>
+            <a:pPr marL="0" indent="0" algn="ctr" hangingPunct="1"/>
+            <a:r>
+              <a:rPr sz="1800">
+                <a:latin typeface="맑은 고딕" charset="0"/>
+                <a:ea typeface="맑은 고딕" charset="0"/>
+              </a:rPr>
+              <a:t>+</a:t>
+            </a:r>
+            <a:endParaRPr lang="ko-KR" altLang="en-US" sz="1800">
+              <a:latin typeface="맑은 고딕" charset="0"/>
+              <a:ea typeface="맑은 고딕" charset="0"/>
+            </a:endParaRPr>
+          </a:p>
+        </p:txBody>
+      </p:sp>
+      <p:sp>
+        <p:nvSpPr>
+          <p:cNvPr id="17" name="도형 20"/>
+          <p:cNvSpPr>
+            <a:spLocks/>
+          </p:cNvSpPr>
+          <p:nvPr/>
+        </p:nvSpPr>
+        <p:spPr>
+          <a:xfrm rot="0">
+            <a:off x="5762625" y="1183005"/>
+            <a:ext cx="551180" cy="618490"/>
+          </a:xfrm>
+          <a:prstGeom prst="rect"/>
+          <a:noFill/>
+          <a:ln w="15875" cap="flat" cmpd="sng">
+            <a:solidFill>
+              <a:srgbClr val="C00000">
+                <a:alpha val="100000"/>
+              </a:srgbClr>
+            </a:solidFill>
+            <a:prstDash val="solid"/>
+            <a:miter lim="800000"/>
+          </a:ln>
+        </p:spPr>
+        <p:style>
+          <a:lnRef idx="2">
+            <a:schemeClr val="accent1">
+              <a:shade val="50000"/>
+            </a:schemeClr>
+          </a:lnRef>
+          <a:fillRef idx="1">
+            <a:schemeClr val="accent1"/>
+          </a:fillRef>
+          <a:effectRef idx="0">
+            <a:schemeClr val="accent1"/>
+          </a:effectRef>
+          <a:fontRef idx="minor">
+            <a:schemeClr val="lt1"/>
+          </a:fontRef>
+        </p:style>
+        <p:txBody>
+          <a:bodyPr wrap="square" lIns="91440" tIns="45720" rIns="91440" bIns="45720" vert="horz" anchor="ctr">
+            <a:noAutofit/>
+          </a:bodyPr>
+          <a:lstStyle/>
+          <a:p>
+            <a:pPr marL="0" indent="0" algn="ctr" hangingPunct="1"/>
+            <a:endParaRPr lang="ko-KR" altLang="en-US" sz="1800">
+              <a:latin typeface="맑은 고딕" charset="0"/>
+              <a:ea typeface="맑은 고딕" charset="0"/>
+            </a:endParaRPr>
+          </a:p>
+        </p:txBody>
+      </p:sp>
+      <p:grpSp>
+        <p:nvGrpSpPr>
+          <p:cNvPr id="20" name="그룹 26"/>
+          <p:cNvGrpSpPr/>
+          <p:nvPr/>
+        </p:nvGrpSpPr>
+        <p:grpSpPr>
+          <a:xfrm rot="0">
+            <a:off x="5822315" y="1242060"/>
+            <a:ext cx="461645" cy="481330"/>
+            <a:chOff x="5822315" y="1242060"/>
+            <a:chExt cx="461645" cy="481330"/>
+          </a:xfrm>
+        </p:grpSpPr>
+        <p:sp>
+          <p:nvSpPr>
+            <p:cNvPr id="19" name="도형 25"/>
+            <p:cNvSpPr>
+              <a:spLocks/>
+            </p:cNvSpPr>
+            <p:nvPr/>
+          </p:nvSpPr>
+          <p:spPr>
+            <a:xfrm rot="0">
+              <a:off x="5822315" y="1242060"/>
+              <a:ext cx="461645" cy="481330"/>
+            </a:xfrm>
+            <a:prstGeom prst="rect"/>
+            <a:solidFill>
+              <a:schemeClr val="tx1">
+                <a:lumMod val="50000"/>
+                <a:lumOff val="50000"/>
+              </a:schemeClr>
+            </a:solidFill>
+            <a:ln w="12700" cap="flat" cmpd="sng">
+              <a:solidFill>
+                <a:schemeClr val="tx1">
+                  <a:alpha val="100000"/>
+                </a:schemeClr>
+              </a:solidFill>
+              <a:prstDash val="solid"/>
+            </a:ln>
+          </p:spPr>
+          <p:style>
+            <a:lnRef idx="2">
+              <a:schemeClr val="accent1">
+                <a:shade val="50000"/>
+              </a:schemeClr>
+            </a:lnRef>
+            <a:fillRef idx="1">
+              <a:schemeClr val="accent1"/>
+            </a:fillRef>
+            <a:effectRef idx="0">
+              <a:schemeClr val="accent1"/>
+            </a:effectRef>
+            <a:fontRef idx="minor">
+              <a:schemeClr val="lt1"/>
+            </a:fontRef>
+          </p:style>
+          <p:txBody>
+            <a:bodyPr wrap="square" lIns="91440" tIns="45720" rIns="91440" bIns="45720" vert="horz" anchor="ctr">
+              <a:noAutofit/>
+            </a:bodyPr>
+            <a:lstStyle/>
+            <a:p>
+              <a:pPr marL="0" indent="0" algn="ctr" hangingPunct="1"/>
+              <a:endParaRPr lang="ko-KR" altLang="en-US" sz="1800">
+                <a:latin typeface="맑은 고딕" charset="0"/>
+                <a:ea typeface="맑은 고딕" charset="0"/>
+              </a:endParaRPr>
+            </a:p>
+          </p:txBody>
+        </p:sp>
+        <p:sp>
+          <p:nvSpPr>
+            <p:cNvPr id="18" name="도형 22"/>
+            <p:cNvSpPr>
+              <a:spLocks/>
+            </p:cNvSpPr>
+            <p:nvPr/>
+          </p:nvSpPr>
+          <p:spPr>
+            <a:xfrm rot="0">
+              <a:off x="5899785" y="1333500"/>
+              <a:ext cx="292100" cy="264795"/>
+            </a:xfrm>
+            <a:prstGeom prst="verticalScroll">
+              <a:avLst>
+                <a:gd name="adj" fmla="val 22824"/>
+              </a:avLst>
+            </a:prstGeom>
+            <a:solidFill>
+              <a:schemeClr val="tx2">
+                <a:lumMod val="40000"/>
+                <a:lumOff val="60000"/>
+              </a:schemeClr>
+            </a:solidFill>
+            <a:ln w="12700" cap="flat" cmpd="sng">
+              <a:solidFill>
+                <a:schemeClr val="tx1">
+                  <a:alpha val="100000"/>
+                </a:schemeClr>
+              </a:solidFill>
+              <a:prstDash val="solid"/>
+            </a:ln>
+          </p:spPr>
+          <p:style>
+            <a:lnRef idx="2">
+              <a:schemeClr val="accent1">
+                <a:shade val="50000"/>
+              </a:schemeClr>
+            </a:lnRef>
+            <a:fillRef idx="1">
+              <a:schemeClr val="accent1"/>
+            </a:fillRef>
+            <a:effectRef idx="0">
+              <a:schemeClr val="accent1"/>
+            </a:effectRef>
+            <a:fontRef idx="minor">
+              <a:schemeClr val="lt1"/>
+            </a:fontRef>
+          </p:style>
+          <p:txBody>
+            <a:bodyPr wrap="square" lIns="91440" tIns="45720" rIns="91440" bIns="45720" vert="horz" anchor="ctr">
+              <a:noAutofit/>
+            </a:bodyPr>
+            <a:lstStyle/>
+            <a:p>
+              <a:pPr marL="0" indent="0" algn="ctr" hangingPunct="1"/>
+              <a:endParaRPr lang="ko-KR" altLang="en-US" sz="1800">
+                <a:latin typeface="맑은 고딕" charset="0"/>
+                <a:ea typeface="맑은 고딕" charset="0"/>
+              </a:endParaRPr>
+            </a:p>
+          </p:txBody>
+        </p:sp>
+      </p:grpSp>
+      <p:sp>
+        <p:nvSpPr>
+          <p:cNvPr id="21" name="도형 27"/>
+          <p:cNvSpPr>
+            <a:spLocks/>
+          </p:cNvSpPr>
+          <p:nvPr/>
+        </p:nvSpPr>
+        <p:spPr>
+          <a:xfrm rot="0">
+            <a:off x="5836285" y="2086610"/>
+            <a:ext cx="3455035" cy="3689350"/>
+          </a:xfrm>
+          <a:prstGeom prst="rect"/>
+          <a:solidFill>
+            <a:schemeClr val="bg1">
+              <a:lumMod val="95000"/>
+              <a:lumOff val="0"/>
+            </a:schemeClr>
+          </a:solidFill>
+          <a:ln w="12700" cap="flat" cmpd="sng">
+            <a:solidFill>
+              <a:schemeClr val="tx1">
+                <a:alpha val="100000"/>
+              </a:schemeClr>
+            </a:solidFill>
+            <a:prstDash val="solid"/>
+          </a:ln>
+        </p:spPr>
+        <p:style>
+          <a:lnRef idx="2">
+            <a:schemeClr val="accent1">
+              <a:shade val="50000"/>
+            </a:schemeClr>
+          </a:lnRef>
+          <a:fillRef idx="1">
+            <a:schemeClr val="accent1"/>
+          </a:fillRef>
+          <a:effectRef idx="0">
+            <a:schemeClr val="accent1"/>
+          </a:effectRef>
+          <a:fontRef idx="minor">
+            <a:schemeClr val="lt1"/>
+          </a:fontRef>
+        </p:style>
+        <p:txBody>
+          <a:bodyPr wrap="square" lIns="91440" tIns="45720" rIns="91440" bIns="45720" vert="horz" anchor="ctr">
+            <a:noAutofit/>
+          </a:bodyPr>
+          <a:lstStyle/>
+          <a:p>
+            <a:pPr marL="0" indent="0" algn="ctr" hangingPunct="1"/>
+            <a:endParaRPr lang="ko-KR" altLang="en-US" sz="1800">
+              <a:latin typeface="맑은 고딕" charset="0"/>
+              <a:ea typeface="맑은 고딕" charset="0"/>
+            </a:endParaRPr>
+          </a:p>
+        </p:txBody>
+      </p:sp>
+      <p:sp>
+        <p:nvSpPr>
+          <p:cNvPr id="23" name="도형 34"/>
+          <p:cNvSpPr>
+            <a:spLocks/>
+          </p:cNvSpPr>
+          <p:nvPr/>
+        </p:nvSpPr>
+        <p:spPr>
+          <a:xfrm rot="0">
+            <a:off x="5749925" y="1999615"/>
+            <a:ext cx="1463675" cy="312420"/>
+          </a:xfrm>
+          <a:prstGeom prst="snip1Rect"/>
+          <a:solidFill>
+            <a:schemeClr val="bg1">
+              <a:lumMod val="65000"/>
+              <a:lumOff val="0"/>
+            </a:schemeClr>
+          </a:solidFill>
+          <a:ln w="12700" cap="flat" cmpd="sng">
+            <a:solidFill>
+              <a:schemeClr val="tx1">
+                <a:alpha val="100000"/>
+              </a:schemeClr>
+            </a:solidFill>
+            <a:prstDash val="solid"/>
+          </a:ln>
+        </p:spPr>
+        <p:style>
+          <a:lnRef idx="2">
+            <a:schemeClr val="accent1">
+              <a:shade val="50000"/>
+            </a:schemeClr>
+          </a:lnRef>
+          <a:fillRef idx="1">
+            <a:schemeClr val="accent1"/>
+          </a:fillRef>
+          <a:effectRef idx="0">
+            <a:schemeClr val="accent1"/>
+          </a:effectRef>
+          <a:fontRef idx="minor">
+            <a:schemeClr val="lt1"/>
+          </a:fontRef>
+        </p:style>
+        <p:txBody>
+          <a:bodyPr wrap="square" lIns="91440" tIns="45720" rIns="91440" bIns="45720" vert="horz" anchor="ctr">
+            <a:noAutofit/>
+          </a:bodyPr>
+          <a:lstStyle/>
+          <a:p>
+            <a:pPr marL="0" indent="0" algn="ctr" hangingPunct="1"/>
+            <a:r>
+              <a:rPr lang="ko-KR" sz="1800">
+                <a:latin typeface="맑은 고딕" charset="0"/>
+                <a:ea typeface="맑은 고딕" charset="0"/>
+              </a:rPr>
+              <a:t>퀘스트-목록</a:t>
+            </a:r>
+            <a:endParaRPr lang="ko-KR" altLang="en-US" sz="1800">
+              <a:latin typeface="맑은 고딕" charset="0"/>
+              <a:ea typeface="맑은 고딕" charset="0"/>
+            </a:endParaRPr>
+          </a:p>
+        </p:txBody>
+      </p:sp>
+      <p:sp>
+        <p:nvSpPr>
+          <p:cNvPr id="22" name="도형 31"/>
+          <p:cNvSpPr>
+            <a:spLocks/>
+          </p:cNvSpPr>
+          <p:nvPr/>
+        </p:nvSpPr>
+        <p:spPr>
+          <a:xfrm rot="0">
+            <a:off x="8979535" y="2155825"/>
+            <a:ext cx="251460" cy="234315"/>
+          </a:xfrm>
+          <a:prstGeom prst="rect"/>
+          <a:solidFill>
+            <a:schemeClr val="bg1">
+              <a:lumMod val="65000"/>
+              <a:lumOff val="0"/>
+            </a:schemeClr>
+          </a:solidFill>
+          <a:ln w="12700" cap="flat" cmpd="sng">
+            <a:solidFill>
+              <a:schemeClr val="tx1">
+                <a:alpha val="100000"/>
+              </a:schemeClr>
+            </a:solidFill>
+            <a:prstDash val="solid"/>
+          </a:ln>
+        </p:spPr>
+        <p:style>
+          <a:lnRef idx="2">
+            <a:schemeClr val="accent1">
+              <a:shade val="50000"/>
+            </a:schemeClr>
+          </a:lnRef>
+          <a:fillRef idx="1">
+            <a:schemeClr val="accent1"/>
+          </a:fillRef>
+          <a:effectRef idx="0">
+            <a:schemeClr val="accent1"/>
+          </a:effectRef>
+          <a:fontRef idx="minor">
+            <a:schemeClr val="lt1"/>
+          </a:fontRef>
+        </p:style>
+        <p:txBody>
+          <a:bodyPr wrap="square" lIns="91440" tIns="45720" rIns="91440" bIns="45720" vert="horz" anchor="ctr">
+            <a:noAutofit/>
+          </a:bodyPr>
+          <a:lstStyle/>
+          <a:p>
+            <a:pPr marL="0" indent="0" algn="ctr" hangingPunct="1"/>
+            <a:r>
+              <a:rPr sz="1800">
+                <a:solidFill>
+                  <a:schemeClr val="tx1"/>
+                </a:solidFill>
+                <a:latin typeface="맑은 고딕" charset="0"/>
+                <a:ea typeface="맑은 고딕" charset="0"/>
+              </a:rPr>
+              <a:t>X</a:t>
+            </a:r>
+            <a:endParaRPr lang="ko-KR" altLang="en-US" sz="1800">
+              <a:solidFill>
+                <a:schemeClr val="tx1"/>
+              </a:solidFill>
+              <a:latin typeface="맑은 고딕" charset="0"/>
+              <a:ea typeface="맑은 고딕" charset="0"/>
+            </a:endParaRPr>
+          </a:p>
+        </p:txBody>
+      </p:sp>
+      <p:sp>
+        <p:nvSpPr>
+          <p:cNvPr id="24" name="도형 39"/>
+          <p:cNvSpPr>
+            <a:spLocks/>
+          </p:cNvSpPr>
+          <p:nvPr/>
+        </p:nvSpPr>
+        <p:spPr>
+          <a:xfrm rot="0">
+            <a:off x="6035675" y="2545715"/>
+            <a:ext cx="2658745" cy="320675"/>
+          </a:xfrm>
+          <a:prstGeom prst="snip2DiagRect"/>
+          <a:solidFill>
+            <a:schemeClr val="bg1">
+              <a:lumMod val="75000"/>
+              <a:lumOff val="0"/>
+            </a:schemeClr>
+          </a:solidFill>
+          <a:ln w="12700" cap="flat" cmpd="sng">
+            <a:solidFill>
+              <a:schemeClr val="tx1">
+                <a:alpha val="100000"/>
+              </a:schemeClr>
+            </a:solidFill>
+            <a:prstDash val="solid"/>
+          </a:ln>
+        </p:spPr>
+        <p:style>
+          <a:lnRef idx="2">
+            <a:schemeClr val="accent1">
+              <a:shade val="50000"/>
+            </a:schemeClr>
+          </a:lnRef>
+          <a:fillRef idx="1">
+            <a:schemeClr val="accent1"/>
+          </a:fillRef>
+          <a:effectRef idx="0">
+            <a:schemeClr val="accent1"/>
+          </a:effectRef>
+          <a:fontRef idx="minor">
+            <a:schemeClr val="lt1"/>
+          </a:fontRef>
+        </p:style>
+        <p:txBody>
+          <a:bodyPr wrap="square" lIns="91440" tIns="45720" rIns="91440" bIns="45720" vert="horz" anchor="ctr">
+            <a:noAutofit/>
+          </a:bodyPr>
+          <a:lstStyle/>
+          <a:p>
+            <a:pPr marL="0" indent="0" algn="ctr" hangingPunct="1"/>
+            <a:r>
+              <a:rPr sz="1800">
+                <a:latin typeface="맑은 고딕" charset="0"/>
+                <a:ea typeface="맑은 고딕" charset="0"/>
+              </a:rPr>
+              <a:t>퀘스</a:t>
+            </a:r>
+            <a:r>
+              <a:rPr lang="ko-KR" sz="1800">
+                <a:latin typeface="맑은 고딕" charset="0"/>
+                <a:ea typeface="맑은 고딕" charset="0"/>
+              </a:rPr>
+              <a:t>트 대분류1</a:t>
+            </a:r>
+            <a:endParaRPr lang="ko-KR" altLang="en-US" sz="1800">
+              <a:latin typeface="맑은 고딕" charset="0"/>
+              <a:ea typeface="맑은 고딕" charset="0"/>
+            </a:endParaRPr>
+          </a:p>
+        </p:txBody>
+      </p:sp>
+      <p:sp>
+        <p:nvSpPr>
+          <p:cNvPr id="27" name="도형 45"/>
+          <p:cNvSpPr>
+            <a:spLocks/>
+          </p:cNvSpPr>
+          <p:nvPr/>
+        </p:nvSpPr>
+        <p:spPr>
+          <a:xfrm rot="0">
+            <a:off x="6355715" y="2900680"/>
+            <a:ext cx="2486025" cy="260350"/>
+          </a:xfrm>
+          <a:prstGeom prst="snip2DiagRect">
+            <a:avLst>
+              <a:gd name="adj1" fmla="val 50000"/>
+              <a:gd name="adj2" fmla="val 16667"/>
+            </a:avLst>
+          </a:prstGeom>
+          <a:solidFill>
+            <a:schemeClr val="bg1">
+              <a:lumMod val="85000"/>
+              <a:lumOff val="0"/>
+            </a:schemeClr>
+          </a:solidFill>
+          <a:ln w="12700" cap="flat" cmpd="sng">
+            <a:solidFill>
+              <a:schemeClr val="tx1">
+                <a:alpha val="100000"/>
+              </a:schemeClr>
+            </a:solidFill>
+            <a:prstDash val="solid"/>
+          </a:ln>
+        </p:spPr>
+        <p:style>
+          <a:lnRef idx="2">
+            <a:schemeClr val="accent1">
+              <a:shade val="50000"/>
+            </a:schemeClr>
+          </a:lnRef>
+          <a:fillRef idx="1">
+            <a:schemeClr val="accent1"/>
+          </a:fillRef>
+          <a:effectRef idx="0">
+            <a:schemeClr val="accent1"/>
+          </a:effectRef>
+          <a:fontRef idx="minor">
+            <a:schemeClr val="lt1"/>
+          </a:fontRef>
+        </p:style>
+        <p:txBody>
+          <a:bodyPr wrap="square" lIns="91440" tIns="45720" rIns="91440" bIns="45720" vert="horz" anchor="ctr">
+            <a:noAutofit/>
+          </a:bodyPr>
+          <a:lstStyle/>
+          <a:p>
+            <a:pPr marL="0" indent="0" algn="ctr" hangingPunct="1"/>
+            <a:r>
+              <a:rPr lang="ko-KR" sz="1600">
+                <a:solidFill>
+                  <a:schemeClr val="tx1"/>
+                </a:solidFill>
+                <a:latin typeface="맑은 고딕" charset="0"/>
+                <a:ea typeface="맑은 고딕" charset="0"/>
+              </a:rPr>
+              <a:t>퀘스트 1</a:t>
+            </a:r>
+            <a:endParaRPr lang="ko-KR" altLang="en-US" sz="1600">
+              <a:solidFill>
+                <a:schemeClr val="tx1"/>
+              </a:solidFill>
+              <a:latin typeface="맑은 고딕" charset="0"/>
+              <a:ea typeface="맑은 고딕" charset="0"/>
+            </a:endParaRPr>
+          </a:p>
+        </p:txBody>
+      </p:sp>
+      <p:sp>
+        <p:nvSpPr>
+          <p:cNvPr id="28" name="도형 49"/>
+          <p:cNvSpPr>
+            <a:spLocks/>
+          </p:cNvSpPr>
+          <p:nvPr/>
+        </p:nvSpPr>
+        <p:spPr>
+          <a:xfrm rot="0">
+            <a:off x="6355715" y="3195320"/>
+            <a:ext cx="2486025" cy="260350"/>
+          </a:xfrm>
+          <a:prstGeom prst="snip2DiagRect">
+            <a:avLst>
+              <a:gd name="adj1" fmla="val 50000"/>
+              <a:gd name="adj2" fmla="val 16667"/>
+            </a:avLst>
+          </a:prstGeom>
+          <a:solidFill>
+            <a:schemeClr val="bg1">
+              <a:lumMod val="85000"/>
+              <a:lumOff val="0"/>
+            </a:schemeClr>
+          </a:solidFill>
+          <a:ln w="12700" cap="flat" cmpd="sng">
+            <a:solidFill>
+              <a:schemeClr val="tx1">
+                <a:alpha val="100000"/>
+              </a:schemeClr>
+            </a:solidFill>
+            <a:prstDash val="solid"/>
+          </a:ln>
+        </p:spPr>
+        <p:style>
+          <a:lnRef idx="2">
+            <a:schemeClr val="accent1">
+              <a:shade val="50000"/>
+            </a:schemeClr>
+          </a:lnRef>
+          <a:fillRef idx="1">
+            <a:schemeClr val="accent1"/>
+          </a:fillRef>
+          <a:effectRef idx="0">
+            <a:schemeClr val="accent1"/>
+          </a:effectRef>
+          <a:fontRef idx="minor">
+            <a:schemeClr val="lt1"/>
+          </a:fontRef>
+        </p:style>
+        <p:txBody>
+          <a:bodyPr wrap="square" lIns="91440" tIns="45720" rIns="91440" bIns="45720" vert="horz" anchor="ctr">
+            <a:noAutofit/>
+          </a:bodyPr>
+          <a:lstStyle/>
+          <a:p>
+            <a:pPr marL="0" indent="0" algn="ctr" hangingPunct="1"/>
+            <a:r>
+              <a:rPr lang="ko-KR" sz="1600">
+                <a:solidFill>
+                  <a:schemeClr val="tx1"/>
+                </a:solidFill>
+                <a:latin typeface="맑은 고딕" charset="0"/>
+                <a:ea typeface="맑은 고딕" charset="0"/>
+              </a:rPr>
+              <a:t>퀘스트 2</a:t>
+            </a:r>
+            <a:endParaRPr lang="ko-KR" altLang="en-US" sz="1600">
+              <a:solidFill>
+                <a:schemeClr val="tx1"/>
+              </a:solidFill>
+              <a:latin typeface="맑은 고딕" charset="0"/>
+              <a:ea typeface="맑은 고딕" charset="0"/>
+            </a:endParaRPr>
+          </a:p>
+        </p:txBody>
+      </p:sp>
+      <p:sp>
+        <p:nvSpPr>
+          <p:cNvPr id="29" name="도형 50"/>
+          <p:cNvSpPr>
+            <a:spLocks/>
+          </p:cNvSpPr>
+          <p:nvPr/>
+        </p:nvSpPr>
+        <p:spPr>
+          <a:xfrm rot="0">
+            <a:off x="6355715" y="3481070"/>
+            <a:ext cx="2486025" cy="260350"/>
+          </a:xfrm>
+          <a:prstGeom prst="snip2DiagRect">
+            <a:avLst>
+              <a:gd name="adj1" fmla="val 50000"/>
+              <a:gd name="adj2" fmla="val 16667"/>
+            </a:avLst>
+          </a:prstGeom>
+          <a:solidFill>
+            <a:schemeClr val="bg1">
+              <a:lumMod val="85000"/>
+              <a:lumOff val="0"/>
+            </a:schemeClr>
+          </a:solidFill>
+          <a:ln w="12700" cap="flat" cmpd="sng">
+            <a:solidFill>
+              <a:schemeClr val="tx1">
+                <a:alpha val="100000"/>
+              </a:schemeClr>
+            </a:solidFill>
+            <a:prstDash val="solid"/>
+          </a:ln>
+        </p:spPr>
+        <p:style>
+          <a:lnRef idx="2">
+            <a:schemeClr val="accent1">
+              <a:shade val="50000"/>
+            </a:schemeClr>
+          </a:lnRef>
+          <a:fillRef idx="1">
+            <a:schemeClr val="accent1"/>
+          </a:fillRef>
+          <a:effectRef idx="0">
+            <a:schemeClr val="accent1"/>
+          </a:effectRef>
+          <a:fontRef idx="minor">
+            <a:schemeClr val="lt1"/>
+          </a:fontRef>
+        </p:style>
+        <p:txBody>
+          <a:bodyPr wrap="square" lIns="91440" tIns="45720" rIns="91440" bIns="45720" vert="horz" anchor="ctr">
+            <a:noAutofit/>
+          </a:bodyPr>
+          <a:lstStyle/>
+          <a:p>
+            <a:pPr marL="0" indent="0" algn="ctr" hangingPunct="1"/>
+            <a:r>
+              <a:rPr lang="ko-KR" sz="1600">
+                <a:solidFill>
+                  <a:schemeClr val="tx1"/>
+                </a:solidFill>
+                <a:latin typeface="맑은 고딕" charset="0"/>
+                <a:ea typeface="맑은 고딕" charset="0"/>
+              </a:rPr>
+              <a:t>퀘스트 3</a:t>
+            </a:r>
+            <a:endParaRPr lang="ko-KR" altLang="en-US" sz="1600">
+              <a:solidFill>
+                <a:schemeClr val="tx1"/>
+              </a:solidFill>
+              <a:latin typeface="맑은 고딕" charset="0"/>
+              <a:ea typeface="맑은 고딕" charset="0"/>
+            </a:endParaRPr>
+          </a:p>
+        </p:txBody>
+      </p:sp>
+      <p:sp>
+        <p:nvSpPr>
+          <p:cNvPr id="30" name="도형 56"/>
+          <p:cNvSpPr>
+            <a:spLocks/>
+          </p:cNvSpPr>
+          <p:nvPr/>
+        </p:nvSpPr>
+        <p:spPr>
+          <a:xfrm rot="0">
+            <a:off x="8269605" y="2649220"/>
+            <a:ext cx="364490" cy="173990"/>
+          </a:xfrm>
+          <a:prstGeom prst="snip2DiagRect">
+            <a:avLst>
+              <a:gd name="adj1" fmla="val 0"/>
+              <a:gd name="adj2" fmla="val 16667"/>
+            </a:avLst>
+          </a:prstGeom>
+          <a:solidFill>
+            <a:schemeClr val="bg1">
+              <a:lumMod val="75000"/>
+              <a:lumOff val="0"/>
+            </a:schemeClr>
+          </a:solidFill>
+          <a:ln w="0">
+            <a:noFill/>
+            <a:prstDash/>
+          </a:ln>
+        </p:spPr>
+        <p:style>
+          <a:lnRef idx="2">
+            <a:schemeClr val="accent1">
+              <a:shade val="50000"/>
+            </a:schemeClr>
+          </a:lnRef>
+          <a:fillRef idx="1">
+            <a:schemeClr val="accent1"/>
+          </a:fillRef>
+          <a:effectRef idx="0">
+            <a:schemeClr val="accent1"/>
+          </a:effectRef>
+          <a:fontRef idx="minor">
+            <a:schemeClr val="lt1"/>
+          </a:fontRef>
+        </p:style>
+        <p:txBody>
+          <a:bodyPr wrap="square" lIns="91440" tIns="45720" rIns="91440" bIns="45720" vert="horz" anchor="ctr">
+            <a:noAutofit/>
+          </a:bodyPr>
+          <a:lstStyle/>
+          <a:p>
+            <a:pPr marL="0" indent="0" algn="ctr" hangingPunct="1"/>
+            <a:r>
+              <a:rPr lang="ko-KR" sz="1800">
+                <a:solidFill>
+                  <a:schemeClr val="tx1"/>
+                </a:solidFill>
+                <a:latin typeface="맑은 고딕" charset="0"/>
+                <a:ea typeface="맑은 고딕" charset="0"/>
+              </a:rPr>
+              <a:t>-</a:t>
+            </a:r>
+            <a:endParaRPr lang="ko-KR" altLang="en-US" sz="1800">
+              <a:solidFill>
+                <a:schemeClr val="tx1"/>
+              </a:solidFill>
+              <a:latin typeface="맑은 고딕" charset="0"/>
+              <a:ea typeface="맑은 고딕" charset="0"/>
+            </a:endParaRPr>
+          </a:p>
+        </p:txBody>
+      </p:sp>
+      <p:sp>
+        <p:nvSpPr>
+          <p:cNvPr id="32" name="도형 59"/>
+          <p:cNvSpPr>
+            <a:spLocks/>
+          </p:cNvSpPr>
+          <p:nvPr/>
+        </p:nvSpPr>
+        <p:spPr>
+          <a:xfrm rot="0">
+            <a:off x="6026785" y="3792855"/>
+            <a:ext cx="2658745" cy="320675"/>
+          </a:xfrm>
+          <a:prstGeom prst="snip2DiagRect"/>
+          <a:solidFill>
+            <a:schemeClr val="bg1">
+              <a:lumMod val="75000"/>
+              <a:lumOff val="0"/>
+            </a:schemeClr>
+          </a:solidFill>
+          <a:ln w="12700" cap="flat" cmpd="sng">
+            <a:solidFill>
+              <a:schemeClr val="tx1">
+                <a:alpha val="100000"/>
+              </a:schemeClr>
+            </a:solidFill>
+            <a:prstDash val="solid"/>
+          </a:ln>
+        </p:spPr>
+        <p:style>
+          <a:lnRef idx="2">
+            <a:schemeClr val="accent1">
+              <a:shade val="50000"/>
+            </a:schemeClr>
+          </a:lnRef>
+          <a:fillRef idx="1">
+            <a:schemeClr val="accent1"/>
+          </a:fillRef>
+          <a:effectRef idx="0">
+            <a:schemeClr val="accent1"/>
+          </a:effectRef>
+          <a:fontRef idx="minor">
+            <a:schemeClr val="lt1"/>
+          </a:fontRef>
+        </p:style>
+        <p:txBody>
+          <a:bodyPr wrap="square" lIns="91440" tIns="45720" rIns="91440" bIns="45720" vert="horz" anchor="ctr">
+            <a:noAutofit/>
+          </a:bodyPr>
+          <a:lstStyle/>
+          <a:p>
+            <a:pPr marL="0" indent="0" algn="ctr" hangingPunct="1"/>
+            <a:r>
+              <a:rPr sz="1800">
+                <a:latin typeface="맑은 고딕" charset="0"/>
+                <a:ea typeface="맑은 고딕" charset="0"/>
+              </a:rPr>
+              <a:t>퀘스</a:t>
+            </a:r>
+            <a:r>
+              <a:rPr lang="ko-KR" sz="1800">
+                <a:latin typeface="맑은 고딕" charset="0"/>
+                <a:ea typeface="맑은 고딕" charset="0"/>
+              </a:rPr>
+              <a:t>트 대분류2</a:t>
+            </a:r>
+            <a:endParaRPr lang="ko-KR" altLang="en-US" sz="1800">
+              <a:latin typeface="맑은 고딕" charset="0"/>
+              <a:ea typeface="맑은 고딕" charset="0"/>
+            </a:endParaRPr>
+          </a:p>
+        </p:txBody>
+      </p:sp>
+      <p:sp>
+        <p:nvSpPr>
+          <p:cNvPr id="31" name="도형 58"/>
+          <p:cNvSpPr>
+            <a:spLocks/>
+          </p:cNvSpPr>
+          <p:nvPr/>
+        </p:nvSpPr>
+        <p:spPr>
+          <a:xfrm rot="0">
+            <a:off x="8268970" y="3887470"/>
+            <a:ext cx="364490" cy="173990"/>
+          </a:xfrm>
+          <a:prstGeom prst="snip2DiagRect">
+            <a:avLst>
+              <a:gd name="adj1" fmla="val 0"/>
+              <a:gd name="adj2" fmla="val 16667"/>
+            </a:avLst>
+          </a:prstGeom>
+          <a:solidFill>
+            <a:schemeClr val="bg1">
+              <a:lumMod val="75000"/>
+              <a:lumOff val="0"/>
+            </a:schemeClr>
+          </a:solidFill>
+          <a:ln w="0">
+            <a:noFill/>
+            <a:prstDash/>
+          </a:ln>
+        </p:spPr>
+        <p:style>
+          <a:lnRef idx="2">
+            <a:schemeClr val="accent1">
+              <a:shade val="50000"/>
+            </a:schemeClr>
+          </a:lnRef>
+          <a:fillRef idx="1">
+            <a:schemeClr val="accent1"/>
+          </a:fillRef>
+          <a:effectRef idx="0">
+            <a:schemeClr val="accent1"/>
+          </a:effectRef>
+          <a:fontRef idx="minor">
+            <a:schemeClr val="lt1"/>
+          </a:fontRef>
+        </p:style>
+        <p:txBody>
+          <a:bodyPr wrap="square" lIns="91440" tIns="45720" rIns="91440" bIns="45720" vert="horz" anchor="ctr">
+            <a:noAutofit/>
+          </a:bodyPr>
+          <a:lstStyle/>
+          <a:p>
+            <a:pPr marL="0" indent="0" algn="ctr" hangingPunct="1"/>
+            <a:r>
+              <a:rPr lang="ko-KR" sz="1800">
+                <a:solidFill>
+                  <a:schemeClr val="tx1"/>
+                </a:solidFill>
+                <a:latin typeface="맑은 고딕" charset="0"/>
+                <a:ea typeface="맑은 고딕" charset="0"/>
+              </a:rPr>
+              <a:t>+</a:t>
+            </a:r>
+            <a:endParaRPr lang="ko-KR" altLang="en-US" sz="1800">
+              <a:solidFill>
+                <a:schemeClr val="tx1"/>
+              </a:solidFill>
+              <a:latin typeface="맑은 고딕" charset="0"/>
+              <a:ea typeface="맑은 고딕" charset="0"/>
+            </a:endParaRPr>
+          </a:p>
+        </p:txBody>
+      </p:sp>
+      <p:sp>
+        <p:nvSpPr>
+          <p:cNvPr id="33" name="도형 60"/>
+          <p:cNvSpPr>
+            <a:spLocks/>
+          </p:cNvSpPr>
+          <p:nvPr/>
+        </p:nvSpPr>
+        <p:spPr>
+          <a:xfrm rot="0">
+            <a:off x="9083040" y="2475865"/>
+            <a:ext cx="46990" cy="3152775"/>
+          </a:xfrm>
+          <a:prstGeom prst="rect"/>
+          <a:solidFill>
+            <a:schemeClr val="bg1">
+              <a:lumMod val="65000"/>
+              <a:lumOff val="0"/>
+            </a:schemeClr>
+          </a:solidFill>
+          <a:ln w="0">
+            <a:noFill/>
+            <a:prstDash/>
+          </a:ln>
+        </p:spPr>
+        <p:style>
+          <a:lnRef idx="2">
+            <a:schemeClr val="accent1">
+              <a:shade val="50000"/>
+            </a:schemeClr>
+          </a:lnRef>
+          <a:fillRef idx="1">
+            <a:schemeClr val="accent1"/>
+          </a:fillRef>
+          <a:effectRef idx="0">
+            <a:schemeClr val="accent1"/>
+          </a:effectRef>
+          <a:fontRef idx="minor">
+            <a:schemeClr val="lt1"/>
+          </a:fontRef>
+        </p:style>
+        <p:txBody>
+          <a:bodyPr wrap="square" lIns="91440" tIns="45720" rIns="91440" bIns="45720" vert="horz" anchor="ctr">
+            <a:noAutofit/>
+          </a:bodyPr>
+          <a:lstStyle/>
+          <a:p>
+            <a:pPr marL="0" indent="0" algn="ctr" hangingPunct="1"/>
+            <a:endParaRPr lang="ko-KR" altLang="en-US" sz="1800">
+              <a:latin typeface="맑은 고딕" charset="0"/>
+              <a:ea typeface="맑은 고딕" charset="0"/>
+            </a:endParaRPr>
+          </a:p>
+        </p:txBody>
+      </p:sp>
+      <p:sp>
+        <p:nvSpPr>
+          <p:cNvPr id="34" name="도형 63"/>
+          <p:cNvSpPr>
+            <a:spLocks/>
+          </p:cNvSpPr>
+          <p:nvPr/>
+        </p:nvSpPr>
+        <p:spPr>
+          <a:xfrm rot="0">
+            <a:off x="9065260" y="2874645"/>
+            <a:ext cx="70485" cy="718820"/>
+          </a:xfrm>
+          <a:prstGeom prst="rect"/>
+          <a:solidFill>
+            <a:schemeClr val="tx1">
+              <a:lumMod val="65000"/>
+              <a:lumOff val="35000"/>
+            </a:schemeClr>
+          </a:solidFill>
+          <a:ln w="0">
+            <a:noFill/>
+            <a:prstDash/>
+          </a:ln>
+        </p:spPr>
+        <p:style>
+          <a:lnRef idx="2">
+            <a:schemeClr val="accent1">
+              <a:shade val="50000"/>
+            </a:schemeClr>
+          </a:lnRef>
+          <a:fillRef idx="1">
+            <a:schemeClr val="accent1"/>
+          </a:fillRef>
+          <a:effectRef idx="0">
+            <a:schemeClr val="accent1"/>
+          </a:effectRef>
+          <a:fontRef idx="minor">
+            <a:schemeClr val="lt1"/>
+          </a:fontRef>
+        </p:style>
+        <p:txBody>
+          <a:bodyPr wrap="square" lIns="91440" tIns="45720" rIns="91440" bIns="45720" vert="horz" anchor="ctr">
+            <a:noAutofit/>
+          </a:bodyPr>
+          <a:lstStyle/>
+          <a:p>
+            <a:pPr marL="0" indent="0" algn="ctr" hangingPunct="1"/>
+            <a:endParaRPr lang="ko-KR" altLang="en-US" sz="1800">
+              <a:latin typeface="맑은 고딕" charset="0"/>
+              <a:ea typeface="맑은 고딕" charset="0"/>
+            </a:endParaRPr>
+          </a:p>
+        </p:txBody>
+      </p:sp>
+      <p:grpSp>
+        <p:nvGrpSpPr>
+          <p:cNvPr id="35" name="그룹 69"/>
+          <p:cNvGrpSpPr/>
+          <p:nvPr/>
+        </p:nvGrpSpPr>
+        <p:grpSpPr>
+          <a:xfrm rot="0">
+            <a:off x="5579745" y="2051050"/>
+            <a:ext cx="204470" cy="216535"/>
+            <a:chOff x="5579745" y="2051050"/>
+            <a:chExt cx="204470" cy="216535"/>
+          </a:xfrm>
+        </p:grpSpPr>
+        <p:sp>
+          <p:nvSpPr>
+            <p:cNvPr id="36" name="도형 67"/>
+            <p:cNvSpPr>
+              <a:spLocks/>
+            </p:cNvSpPr>
+            <p:nvPr/>
+          </p:nvSpPr>
+          <p:spPr>
+            <a:xfrm rot="0">
+              <a:off x="5579745" y="2051050"/>
+              <a:ext cx="204470" cy="216535"/>
+            </a:xfrm>
+            <a:prstGeom prst="rect"/>
+            <a:solidFill>
+              <a:schemeClr val="tx1">
+                <a:lumMod val="50000"/>
+                <a:lumOff val="50000"/>
+              </a:schemeClr>
+            </a:solidFill>
+            <a:ln w="12700" cap="flat" cmpd="sng">
+              <a:solidFill>
+                <a:schemeClr val="tx1">
+                  <a:alpha val="100000"/>
+                </a:schemeClr>
+              </a:solidFill>
+              <a:prstDash val="solid"/>
+            </a:ln>
+          </p:spPr>
+          <p:style>
+            <a:lnRef idx="2">
+              <a:schemeClr val="accent1">
+                <a:shade val="50000"/>
+              </a:schemeClr>
+            </a:lnRef>
+            <a:fillRef idx="1">
+              <a:schemeClr val="accent1"/>
+            </a:fillRef>
+            <a:effectRef idx="0">
+              <a:schemeClr val="accent1"/>
+            </a:effectRef>
+            <a:fontRef idx="minor">
+              <a:schemeClr val="lt1"/>
+            </a:fontRef>
+          </p:style>
+          <p:txBody>
+            <a:bodyPr wrap="square" lIns="91440" tIns="45720" rIns="91440" bIns="45720" vert="horz" anchor="ctr">
+              <a:noAutofit/>
+            </a:bodyPr>
+            <a:lstStyle/>
+            <a:p>
+              <a:pPr marL="0" indent="0" algn="ctr" hangingPunct="1"/>
+              <a:endParaRPr lang="ko-KR" altLang="en-US" sz="1800">
+                <a:latin typeface="맑은 고딕" charset="0"/>
+                <a:ea typeface="맑은 고딕" charset="0"/>
+              </a:endParaRPr>
+            </a:p>
+          </p:txBody>
+        </p:sp>
+        <p:sp>
+          <p:nvSpPr>
+            <p:cNvPr id="37" name="도형 68"/>
+            <p:cNvSpPr>
+              <a:spLocks/>
+            </p:cNvSpPr>
+            <p:nvPr/>
+          </p:nvSpPr>
+          <p:spPr>
+            <a:xfrm rot="0">
+              <a:off x="5614035" y="2092325"/>
+              <a:ext cx="129540" cy="119380"/>
+            </a:xfrm>
+            <a:prstGeom prst="verticalScroll">
+              <a:avLst>
+                <a:gd name="adj" fmla="val 22824"/>
+              </a:avLst>
+            </a:prstGeom>
+            <a:solidFill>
+              <a:schemeClr val="tx2">
+                <a:lumMod val="40000"/>
+                <a:lumOff val="60000"/>
+              </a:schemeClr>
+            </a:solidFill>
+            <a:ln w="12700" cap="flat" cmpd="sng">
+              <a:solidFill>
+                <a:schemeClr val="tx1">
+                  <a:alpha val="100000"/>
+                </a:schemeClr>
+              </a:solidFill>
+              <a:prstDash val="solid"/>
+            </a:ln>
+          </p:spPr>
+          <p:style>
+            <a:lnRef idx="2">
+              <a:schemeClr val="accent1">
+                <a:shade val="50000"/>
+              </a:schemeClr>
+            </a:lnRef>
+            <a:fillRef idx="1">
+              <a:schemeClr val="accent1"/>
+            </a:fillRef>
+            <a:effectRef idx="0">
+              <a:schemeClr val="accent1"/>
+            </a:effectRef>
+            <a:fontRef idx="minor">
+              <a:schemeClr val="lt1"/>
+            </a:fontRef>
+          </p:style>
+          <p:txBody>
+            <a:bodyPr wrap="square" lIns="91440" tIns="45720" rIns="91440" bIns="45720" vert="horz" anchor="ctr">
+              <a:noAutofit/>
+            </a:bodyPr>
+            <a:lstStyle/>
+            <a:p>
+              <a:pPr marL="0" indent="0" algn="ctr" hangingPunct="1"/>
+              <a:endParaRPr lang="ko-KR" altLang="en-US" sz="1800">
+                <a:latin typeface="맑은 고딕" charset="0"/>
+                <a:ea typeface="맑은 고딕" charset="0"/>
+              </a:endParaRPr>
+            </a:p>
+          </p:txBody>
+        </p:sp>
+      </p:grpSp>
     </p:spTree>
     <p:extLst>
       <p:ext uri="{BB962C8B-B14F-4D97-AF65-F5344CB8AC3E}">
@@ -6992,11 +8673,1989 @@
   <p:clrMapOvr>
     <a:masterClrMapping/>
   </p:clrMapOvr>
+  <mc:AlternateContent xmlns:mc="http://schemas.openxmlformats.org/markup-compatibility/2006">
+    <mc:Choice xmlns:p14="http://schemas.microsoft.com/office/powerpoint/2010/main" Requires="p14">
+      <p:transition spd="slow" p14:dur="2000"/>
+    </mc:Choice>
+    <mc:Fallback>
+      <p:transition spd="slow"/>
+    </mc:Fallback>
+  </mc:AlternateContent>
+  <p:timing>
+    <p:tnLst>
+      <p:par>
+        <p:cTn id="1" dur="indefinite" restart="never" nodeType="tmRoot"/>
+      </p:par>
+    </p:tnLst>
+  </p:timing>
 </p:sld>
 </file>
 
 <file path=ppt/slides/slide14.xml><?xml version="1.0" encoding="utf-8"?>
 <p:sld xmlns:a="http://schemas.openxmlformats.org/drawingml/2006/main" xmlns:r="http://schemas.openxmlformats.org/officeDocument/2006/relationships" xmlns:p="http://schemas.openxmlformats.org/presentationml/2006/main">
+  <p:cSld>
+    <p:spTree>
+      <p:nvGrpSpPr>
+        <p:cNvPr id="1" name=""/>
+        <p:cNvGrpSpPr/>
+        <p:nvPr/>
+      </p:nvGrpSpPr>
+      <p:grpSpPr>
+        <a:xfrm>
+          <a:off x="0" y="0"/>
+          <a:ext cx="0" cy="0"/>
+          <a:chOff x="0" y="0"/>
+          <a:chExt cx="0" cy="0"/>
+        </a:xfrm>
+      </p:grpSpPr>
+      <p:sp>
+        <p:nvSpPr>
+          <p:cNvPr id="5" name="Rect 0"/>
+          <p:cNvSpPr txBox="1">
+            <a:spLocks/>
+          </p:cNvSpPr>
+          <p:nvPr/>
+        </p:nvSpPr>
+        <p:spPr>
+          <a:xfrm rot="0">
+            <a:off x="695325" y="292100"/>
+            <a:ext cx="10802620" cy="862965"/>
+          </a:xfrm>
+          <a:prstGeom prst="rect"/>
+        </p:spPr>
+        <p:txBody>
+          <a:bodyPr wrap="square" lIns="91440" tIns="45720" rIns="91440" bIns="45720" numCol="1" vert="horz" anchor="ctr">
+            <a:normAutofit fontScale="100000" lnSpcReduction="0"/>
+          </a:bodyPr>
+          <a:lstStyle>
+            <a:lvl1pPr marL="0" indent="0" rtl="0" algn="l" defTabSz="914400" eaLnBrk="1" latinLnBrk="1" hangingPunct="1">
+              <a:lnSpc>
+                <a:spcPct val="90000"/>
+              </a:lnSpc>
+              <a:spcBef>
+                <a:spcPct val="0"/>
+              </a:spcBef>
+              <a:buFontTx/>
+              <a:buNone/>
+              <a:defRPr lang="en-GB" altLang="en-US" sz="4400">
+                <a:solidFill>
+                  <a:schemeClr val="tx1"/>
+                </a:solidFill>
+                <a:latin typeface="+mj-lt"/>
+                <a:ea typeface="+mj-ea"/>
+                <a:cs typeface="+mj-cs"/>
+              </a:defRPr>
+            </a:lvl1pPr>
+          </a:lstStyle>
+          <a:p>
+            <a:pPr marL="0" indent="0" latinLnBrk="0">
+              <a:buFontTx/>
+              <a:buNone/>
+            </a:pPr>
+            <a:r>
+              <a:rPr lang="en-US" altLang="ko-KR"/>
+              <a:t>UI</a:t>
+            </a:r>
+            <a:endParaRPr lang="ko-KR" altLang="en-US"/>
+          </a:p>
+        </p:txBody>
+      </p:sp>
+      <p:sp>
+        <p:nvSpPr>
+          <p:cNvPr id="21" name="Rect 0"/>
+          <p:cNvSpPr>
+            <a:spLocks/>
+          </p:cNvSpPr>
+          <p:nvPr/>
+        </p:nvSpPr>
+        <p:spPr>
+          <a:xfrm rot="0">
+            <a:off x="1064260" y="1553210"/>
+            <a:ext cx="3455035" cy="3689350"/>
+          </a:xfrm>
+          <a:prstGeom prst="rect"/>
+          <a:solidFill>
+            <a:schemeClr val="bg1">
+              <a:lumMod val="95000"/>
+              <a:lumOff val="0"/>
+            </a:schemeClr>
+          </a:solidFill>
+          <a:ln w="12700" cap="flat" cmpd="sng">
+            <a:solidFill>
+              <a:schemeClr val="tx1">
+                <a:alpha val="100000"/>
+              </a:schemeClr>
+            </a:solidFill>
+            <a:prstDash val="solid"/>
+          </a:ln>
+        </p:spPr>
+        <p:style>
+          <a:lnRef idx="2">
+            <a:schemeClr val="accent1">
+              <a:shade val="50000"/>
+            </a:schemeClr>
+          </a:lnRef>
+          <a:fillRef idx="1">
+            <a:schemeClr val="accent1"/>
+          </a:fillRef>
+          <a:effectRef idx="0">
+            <a:schemeClr val="accent1"/>
+          </a:effectRef>
+          <a:fontRef idx="minor">
+            <a:schemeClr val="lt1"/>
+          </a:fontRef>
+        </p:style>
+        <p:txBody>
+          <a:bodyPr wrap="square" lIns="91440" tIns="45720" rIns="91440" bIns="45720" vert="horz" anchor="ctr">
+            <a:noAutofit/>
+          </a:bodyPr>
+          <a:lstStyle/>
+          <a:p>
+            <a:pPr marL="0" indent="0" algn="ctr" hangingPunct="1"/>
+            <a:endParaRPr lang="ko-KR" altLang="en-US" sz="1800">
+              <a:latin typeface="맑은 고딕" charset="0"/>
+              <a:ea typeface="맑은 고딕" charset="0"/>
+            </a:endParaRPr>
+          </a:p>
+        </p:txBody>
+      </p:sp>
+      <p:sp>
+        <p:nvSpPr>
+          <p:cNvPr id="23" name="Rect 0"/>
+          <p:cNvSpPr>
+            <a:spLocks/>
+          </p:cNvSpPr>
+          <p:nvPr/>
+        </p:nvSpPr>
+        <p:spPr>
+          <a:xfrm rot="0">
+            <a:off x="977900" y="1466215"/>
+            <a:ext cx="1463675" cy="312420"/>
+          </a:xfrm>
+          <a:prstGeom prst="snip1Rect"/>
+          <a:solidFill>
+            <a:schemeClr val="bg1">
+              <a:lumMod val="65000"/>
+              <a:lumOff val="0"/>
+            </a:schemeClr>
+          </a:solidFill>
+          <a:ln w="12700" cap="flat" cmpd="sng">
+            <a:solidFill>
+              <a:schemeClr val="tx1">
+                <a:alpha val="100000"/>
+              </a:schemeClr>
+            </a:solidFill>
+            <a:prstDash val="solid"/>
+          </a:ln>
+        </p:spPr>
+        <p:style>
+          <a:lnRef idx="2">
+            <a:schemeClr val="accent1">
+              <a:shade val="50000"/>
+            </a:schemeClr>
+          </a:lnRef>
+          <a:fillRef idx="1">
+            <a:schemeClr val="accent1"/>
+          </a:fillRef>
+          <a:effectRef idx="0">
+            <a:schemeClr val="accent1"/>
+          </a:effectRef>
+          <a:fontRef idx="minor">
+            <a:schemeClr val="lt1"/>
+          </a:fontRef>
+        </p:style>
+        <p:txBody>
+          <a:bodyPr wrap="square" lIns="91440" tIns="45720" rIns="91440" bIns="45720" vert="horz" anchor="ctr">
+            <a:noAutofit/>
+          </a:bodyPr>
+          <a:lstStyle/>
+          <a:p>
+            <a:pPr marL="0" indent="0" algn="ctr" hangingPunct="1"/>
+            <a:r>
+              <a:rPr lang="ko-KR" sz="1800">
+                <a:latin typeface="맑은 고딕" charset="0"/>
+                <a:ea typeface="맑은 고딕" charset="0"/>
+              </a:rPr>
+              <a:t>퀘스트-목록</a:t>
+            </a:r>
+            <a:endParaRPr lang="ko-KR" altLang="en-US" sz="1800">
+              <a:latin typeface="맑은 고딕" charset="0"/>
+              <a:ea typeface="맑은 고딕" charset="0"/>
+            </a:endParaRPr>
+          </a:p>
+        </p:txBody>
+      </p:sp>
+      <p:sp>
+        <p:nvSpPr>
+          <p:cNvPr id="22" name="Rect 0"/>
+          <p:cNvSpPr>
+            <a:spLocks/>
+          </p:cNvSpPr>
+          <p:nvPr/>
+        </p:nvSpPr>
+        <p:spPr>
+          <a:xfrm rot="0">
+            <a:off x="4207510" y="1622425"/>
+            <a:ext cx="251460" cy="234315"/>
+          </a:xfrm>
+          <a:prstGeom prst="rect"/>
+          <a:solidFill>
+            <a:schemeClr val="bg1">
+              <a:lumMod val="65000"/>
+              <a:lumOff val="0"/>
+            </a:schemeClr>
+          </a:solidFill>
+          <a:ln w="12700" cap="flat" cmpd="sng">
+            <a:solidFill>
+              <a:schemeClr val="tx1">
+                <a:alpha val="100000"/>
+              </a:schemeClr>
+            </a:solidFill>
+            <a:prstDash val="solid"/>
+          </a:ln>
+        </p:spPr>
+        <p:style>
+          <a:lnRef idx="2">
+            <a:schemeClr val="accent1">
+              <a:shade val="50000"/>
+            </a:schemeClr>
+          </a:lnRef>
+          <a:fillRef idx="1">
+            <a:schemeClr val="accent1"/>
+          </a:fillRef>
+          <a:effectRef idx="0">
+            <a:schemeClr val="accent1"/>
+          </a:effectRef>
+          <a:fontRef idx="minor">
+            <a:schemeClr val="lt1"/>
+          </a:fontRef>
+        </p:style>
+        <p:txBody>
+          <a:bodyPr wrap="square" lIns="91440" tIns="45720" rIns="91440" bIns="45720" vert="horz" anchor="ctr">
+            <a:noAutofit/>
+          </a:bodyPr>
+          <a:lstStyle/>
+          <a:p>
+            <a:pPr marL="0" indent="0" algn="ctr" hangingPunct="1"/>
+            <a:r>
+              <a:rPr sz="1800">
+                <a:solidFill>
+                  <a:schemeClr val="tx1"/>
+                </a:solidFill>
+                <a:latin typeface="맑은 고딕" charset="0"/>
+                <a:ea typeface="맑은 고딕" charset="0"/>
+              </a:rPr>
+              <a:t>X</a:t>
+            </a:r>
+            <a:endParaRPr lang="ko-KR" altLang="en-US" sz="1800">
+              <a:solidFill>
+                <a:schemeClr val="tx1"/>
+              </a:solidFill>
+              <a:latin typeface="맑은 고딕" charset="0"/>
+              <a:ea typeface="맑은 고딕" charset="0"/>
+            </a:endParaRPr>
+          </a:p>
+        </p:txBody>
+      </p:sp>
+      <p:sp>
+        <p:nvSpPr>
+          <p:cNvPr id="24" name="Rect 0"/>
+          <p:cNvSpPr>
+            <a:spLocks/>
+          </p:cNvSpPr>
+          <p:nvPr/>
+        </p:nvSpPr>
+        <p:spPr>
+          <a:xfrm rot="0">
+            <a:off x="1263650" y="2012315"/>
+            <a:ext cx="2658745" cy="320675"/>
+          </a:xfrm>
+          <a:prstGeom prst="snip2DiagRect"/>
+          <a:solidFill>
+            <a:schemeClr val="bg1">
+              <a:lumMod val="75000"/>
+              <a:lumOff val="0"/>
+            </a:schemeClr>
+          </a:solidFill>
+          <a:ln w="12700" cap="flat" cmpd="sng">
+            <a:solidFill>
+              <a:schemeClr val="tx1">
+                <a:alpha val="100000"/>
+              </a:schemeClr>
+            </a:solidFill>
+            <a:prstDash val="solid"/>
+          </a:ln>
+        </p:spPr>
+        <p:style>
+          <a:lnRef idx="2">
+            <a:schemeClr val="accent1">
+              <a:shade val="50000"/>
+            </a:schemeClr>
+          </a:lnRef>
+          <a:fillRef idx="1">
+            <a:schemeClr val="accent1"/>
+          </a:fillRef>
+          <a:effectRef idx="0">
+            <a:schemeClr val="accent1"/>
+          </a:effectRef>
+          <a:fontRef idx="minor">
+            <a:schemeClr val="lt1"/>
+          </a:fontRef>
+        </p:style>
+        <p:txBody>
+          <a:bodyPr wrap="square" lIns="91440" tIns="45720" rIns="91440" bIns="45720" vert="horz" anchor="ctr">
+            <a:noAutofit/>
+          </a:bodyPr>
+          <a:lstStyle/>
+          <a:p>
+            <a:pPr marL="0" indent="0" algn="ctr" hangingPunct="1"/>
+            <a:r>
+              <a:rPr sz="1800">
+                <a:latin typeface="맑은 고딕" charset="0"/>
+                <a:ea typeface="맑은 고딕" charset="0"/>
+              </a:rPr>
+              <a:t>퀘스</a:t>
+            </a:r>
+            <a:r>
+              <a:rPr lang="ko-KR" sz="1800">
+                <a:latin typeface="맑은 고딕" charset="0"/>
+                <a:ea typeface="맑은 고딕" charset="0"/>
+              </a:rPr>
+              <a:t>트 대분류1</a:t>
+            </a:r>
+            <a:endParaRPr lang="ko-KR" altLang="en-US" sz="1800">
+              <a:latin typeface="맑은 고딕" charset="0"/>
+              <a:ea typeface="맑은 고딕" charset="0"/>
+            </a:endParaRPr>
+          </a:p>
+        </p:txBody>
+      </p:sp>
+      <p:sp>
+        <p:nvSpPr>
+          <p:cNvPr id="27" name="Rect 0"/>
+          <p:cNvSpPr>
+            <a:spLocks/>
+          </p:cNvSpPr>
+          <p:nvPr/>
+        </p:nvSpPr>
+        <p:spPr>
+          <a:xfrm rot="0">
+            <a:off x="1583690" y="2367280"/>
+            <a:ext cx="2486025" cy="260350"/>
+          </a:xfrm>
+          <a:prstGeom prst="snip2DiagRect">
+            <a:avLst>
+              <a:gd name="adj1" fmla="val 50000"/>
+              <a:gd name="adj2" fmla="val 16667"/>
+            </a:avLst>
+          </a:prstGeom>
+          <a:solidFill>
+            <a:schemeClr val="bg1">
+              <a:lumMod val="85000"/>
+              <a:lumOff val="0"/>
+            </a:schemeClr>
+          </a:solidFill>
+          <a:ln w="12700" cap="flat" cmpd="sng">
+            <a:solidFill>
+              <a:schemeClr val="tx1">
+                <a:alpha val="100000"/>
+              </a:schemeClr>
+            </a:solidFill>
+            <a:prstDash val="solid"/>
+          </a:ln>
+        </p:spPr>
+        <p:style>
+          <a:lnRef idx="2">
+            <a:schemeClr val="accent1">
+              <a:shade val="50000"/>
+            </a:schemeClr>
+          </a:lnRef>
+          <a:fillRef idx="1">
+            <a:schemeClr val="accent1"/>
+          </a:fillRef>
+          <a:effectRef idx="0">
+            <a:schemeClr val="accent1"/>
+          </a:effectRef>
+          <a:fontRef idx="minor">
+            <a:schemeClr val="lt1"/>
+          </a:fontRef>
+        </p:style>
+        <p:txBody>
+          <a:bodyPr wrap="square" lIns="91440" tIns="45720" rIns="91440" bIns="45720" vert="horz" anchor="ctr">
+            <a:noAutofit/>
+          </a:bodyPr>
+          <a:lstStyle/>
+          <a:p>
+            <a:pPr marL="0" indent="0" algn="ctr" hangingPunct="1"/>
+            <a:r>
+              <a:rPr lang="ko-KR" sz="1600">
+                <a:solidFill>
+                  <a:schemeClr val="tx1"/>
+                </a:solidFill>
+                <a:latin typeface="맑은 고딕" charset="0"/>
+                <a:ea typeface="맑은 고딕" charset="0"/>
+              </a:rPr>
+              <a:t>퀘스트 1</a:t>
+            </a:r>
+            <a:endParaRPr lang="ko-KR" altLang="en-US" sz="1600">
+              <a:solidFill>
+                <a:schemeClr val="tx1"/>
+              </a:solidFill>
+              <a:latin typeface="맑은 고딕" charset="0"/>
+              <a:ea typeface="맑은 고딕" charset="0"/>
+            </a:endParaRPr>
+          </a:p>
+        </p:txBody>
+      </p:sp>
+      <p:sp>
+        <p:nvSpPr>
+          <p:cNvPr id="28" name="Rect 0"/>
+          <p:cNvSpPr>
+            <a:spLocks/>
+          </p:cNvSpPr>
+          <p:nvPr/>
+        </p:nvSpPr>
+        <p:spPr>
+          <a:xfrm rot="0">
+            <a:off x="1583690" y="2661920"/>
+            <a:ext cx="2486025" cy="260350"/>
+          </a:xfrm>
+          <a:prstGeom prst="snip2DiagRect">
+            <a:avLst>
+              <a:gd name="adj1" fmla="val 50000"/>
+              <a:gd name="adj2" fmla="val 16667"/>
+            </a:avLst>
+          </a:prstGeom>
+          <a:solidFill>
+            <a:schemeClr val="bg1">
+              <a:lumMod val="85000"/>
+              <a:lumOff val="0"/>
+            </a:schemeClr>
+          </a:solidFill>
+          <a:ln w="12700" cap="flat" cmpd="sng">
+            <a:solidFill>
+              <a:schemeClr val="tx1">
+                <a:alpha val="100000"/>
+              </a:schemeClr>
+            </a:solidFill>
+            <a:prstDash val="solid"/>
+          </a:ln>
+        </p:spPr>
+        <p:style>
+          <a:lnRef idx="2">
+            <a:schemeClr val="accent1">
+              <a:shade val="50000"/>
+            </a:schemeClr>
+          </a:lnRef>
+          <a:fillRef idx="1">
+            <a:schemeClr val="accent1"/>
+          </a:fillRef>
+          <a:effectRef idx="0">
+            <a:schemeClr val="accent1"/>
+          </a:effectRef>
+          <a:fontRef idx="minor">
+            <a:schemeClr val="lt1"/>
+          </a:fontRef>
+        </p:style>
+        <p:txBody>
+          <a:bodyPr wrap="square" lIns="91440" tIns="45720" rIns="91440" bIns="45720" vert="horz" anchor="ctr">
+            <a:noAutofit/>
+          </a:bodyPr>
+          <a:lstStyle/>
+          <a:p>
+            <a:pPr marL="0" indent="0" algn="ctr" hangingPunct="1"/>
+            <a:r>
+              <a:rPr lang="ko-KR" sz="1600">
+                <a:solidFill>
+                  <a:schemeClr val="tx1"/>
+                </a:solidFill>
+                <a:latin typeface="맑은 고딕" charset="0"/>
+                <a:ea typeface="맑은 고딕" charset="0"/>
+              </a:rPr>
+              <a:t>퀘스트 2</a:t>
+            </a:r>
+            <a:endParaRPr lang="ko-KR" altLang="en-US" sz="1600">
+              <a:solidFill>
+                <a:schemeClr val="tx1"/>
+              </a:solidFill>
+              <a:latin typeface="맑은 고딕" charset="0"/>
+              <a:ea typeface="맑은 고딕" charset="0"/>
+            </a:endParaRPr>
+          </a:p>
+        </p:txBody>
+      </p:sp>
+      <p:sp>
+        <p:nvSpPr>
+          <p:cNvPr id="29" name="Rect 0"/>
+          <p:cNvSpPr>
+            <a:spLocks/>
+          </p:cNvSpPr>
+          <p:nvPr/>
+        </p:nvSpPr>
+        <p:spPr>
+          <a:xfrm rot="0">
+            <a:off x="1583690" y="2947670"/>
+            <a:ext cx="2486025" cy="260350"/>
+          </a:xfrm>
+          <a:prstGeom prst="snip2DiagRect">
+            <a:avLst>
+              <a:gd name="adj1" fmla="val 50000"/>
+              <a:gd name="adj2" fmla="val 16667"/>
+            </a:avLst>
+          </a:prstGeom>
+          <a:solidFill>
+            <a:schemeClr val="bg1">
+              <a:lumMod val="85000"/>
+              <a:lumOff val="0"/>
+            </a:schemeClr>
+          </a:solidFill>
+          <a:ln w="12700" cap="flat" cmpd="sng">
+            <a:solidFill>
+              <a:schemeClr val="tx1">
+                <a:alpha val="100000"/>
+              </a:schemeClr>
+            </a:solidFill>
+            <a:prstDash val="solid"/>
+          </a:ln>
+        </p:spPr>
+        <p:style>
+          <a:lnRef idx="2">
+            <a:schemeClr val="accent1">
+              <a:shade val="50000"/>
+            </a:schemeClr>
+          </a:lnRef>
+          <a:fillRef idx="1">
+            <a:schemeClr val="accent1"/>
+          </a:fillRef>
+          <a:effectRef idx="0">
+            <a:schemeClr val="accent1"/>
+          </a:effectRef>
+          <a:fontRef idx="minor">
+            <a:schemeClr val="lt1"/>
+          </a:fontRef>
+        </p:style>
+        <p:txBody>
+          <a:bodyPr wrap="square" lIns="91440" tIns="45720" rIns="91440" bIns="45720" vert="horz" anchor="ctr">
+            <a:noAutofit/>
+          </a:bodyPr>
+          <a:lstStyle/>
+          <a:p>
+            <a:pPr marL="0" indent="0" algn="ctr" hangingPunct="1"/>
+            <a:r>
+              <a:rPr lang="ko-KR" sz="1600">
+                <a:solidFill>
+                  <a:schemeClr val="tx1"/>
+                </a:solidFill>
+                <a:latin typeface="맑은 고딕" charset="0"/>
+                <a:ea typeface="맑은 고딕" charset="0"/>
+              </a:rPr>
+              <a:t>퀘스트 3</a:t>
+            </a:r>
+            <a:endParaRPr lang="ko-KR" altLang="en-US" sz="1600">
+              <a:solidFill>
+                <a:schemeClr val="tx1"/>
+              </a:solidFill>
+              <a:latin typeface="맑은 고딕" charset="0"/>
+              <a:ea typeface="맑은 고딕" charset="0"/>
+            </a:endParaRPr>
+          </a:p>
+        </p:txBody>
+      </p:sp>
+      <p:sp>
+        <p:nvSpPr>
+          <p:cNvPr id="30" name="Rect 0"/>
+          <p:cNvSpPr>
+            <a:spLocks/>
+          </p:cNvSpPr>
+          <p:nvPr/>
+        </p:nvSpPr>
+        <p:spPr>
+          <a:xfrm rot="0">
+            <a:off x="3497580" y="2115820"/>
+            <a:ext cx="364490" cy="173990"/>
+          </a:xfrm>
+          <a:prstGeom prst="snip2DiagRect">
+            <a:avLst>
+              <a:gd name="adj1" fmla="val 0"/>
+              <a:gd name="adj2" fmla="val 16667"/>
+            </a:avLst>
+          </a:prstGeom>
+          <a:solidFill>
+            <a:schemeClr val="bg1">
+              <a:lumMod val="75000"/>
+              <a:lumOff val="0"/>
+            </a:schemeClr>
+          </a:solidFill>
+          <a:ln w="0">
+            <a:noFill/>
+            <a:prstDash/>
+          </a:ln>
+        </p:spPr>
+        <p:style>
+          <a:lnRef idx="2">
+            <a:schemeClr val="accent1">
+              <a:shade val="50000"/>
+            </a:schemeClr>
+          </a:lnRef>
+          <a:fillRef idx="1">
+            <a:schemeClr val="accent1"/>
+          </a:fillRef>
+          <a:effectRef idx="0">
+            <a:schemeClr val="accent1"/>
+          </a:effectRef>
+          <a:fontRef idx="minor">
+            <a:schemeClr val="lt1"/>
+          </a:fontRef>
+        </p:style>
+        <p:txBody>
+          <a:bodyPr wrap="square" lIns="91440" tIns="45720" rIns="91440" bIns="45720" vert="horz" anchor="ctr">
+            <a:noAutofit/>
+          </a:bodyPr>
+          <a:lstStyle/>
+          <a:p>
+            <a:pPr marL="0" indent="0" algn="ctr" hangingPunct="1"/>
+            <a:r>
+              <a:rPr lang="ko-KR" sz="1800">
+                <a:solidFill>
+                  <a:schemeClr val="tx1"/>
+                </a:solidFill>
+                <a:latin typeface="맑은 고딕" charset="0"/>
+                <a:ea typeface="맑은 고딕" charset="0"/>
+              </a:rPr>
+              <a:t>-</a:t>
+            </a:r>
+            <a:endParaRPr lang="ko-KR" altLang="en-US" sz="1800">
+              <a:solidFill>
+                <a:schemeClr val="tx1"/>
+              </a:solidFill>
+              <a:latin typeface="맑은 고딕" charset="0"/>
+              <a:ea typeface="맑은 고딕" charset="0"/>
+            </a:endParaRPr>
+          </a:p>
+        </p:txBody>
+      </p:sp>
+      <p:sp>
+        <p:nvSpPr>
+          <p:cNvPr id="32" name="Rect 0"/>
+          <p:cNvSpPr>
+            <a:spLocks/>
+          </p:cNvSpPr>
+          <p:nvPr/>
+        </p:nvSpPr>
+        <p:spPr>
+          <a:xfrm rot="0">
+            <a:off x="1254760" y="3259455"/>
+            <a:ext cx="2658745" cy="320675"/>
+          </a:xfrm>
+          <a:prstGeom prst="snip2DiagRect"/>
+          <a:solidFill>
+            <a:schemeClr val="bg1">
+              <a:lumMod val="75000"/>
+              <a:lumOff val="0"/>
+            </a:schemeClr>
+          </a:solidFill>
+          <a:ln w="12700" cap="flat" cmpd="sng">
+            <a:solidFill>
+              <a:schemeClr val="tx1">
+                <a:alpha val="100000"/>
+              </a:schemeClr>
+            </a:solidFill>
+            <a:prstDash val="solid"/>
+          </a:ln>
+        </p:spPr>
+        <p:style>
+          <a:lnRef idx="2">
+            <a:schemeClr val="accent1">
+              <a:shade val="50000"/>
+            </a:schemeClr>
+          </a:lnRef>
+          <a:fillRef idx="1">
+            <a:schemeClr val="accent1"/>
+          </a:fillRef>
+          <a:effectRef idx="0">
+            <a:schemeClr val="accent1"/>
+          </a:effectRef>
+          <a:fontRef idx="minor">
+            <a:schemeClr val="lt1"/>
+          </a:fontRef>
+        </p:style>
+        <p:txBody>
+          <a:bodyPr wrap="square" lIns="91440" tIns="45720" rIns="91440" bIns="45720" vert="horz" anchor="ctr">
+            <a:noAutofit/>
+          </a:bodyPr>
+          <a:lstStyle/>
+          <a:p>
+            <a:pPr marL="0" indent="0" algn="ctr" hangingPunct="1"/>
+            <a:r>
+              <a:rPr sz="1800">
+                <a:latin typeface="맑은 고딕" charset="0"/>
+                <a:ea typeface="맑은 고딕" charset="0"/>
+              </a:rPr>
+              <a:t>퀘스</a:t>
+            </a:r>
+            <a:r>
+              <a:rPr lang="ko-KR" sz="1800">
+                <a:latin typeface="맑은 고딕" charset="0"/>
+                <a:ea typeface="맑은 고딕" charset="0"/>
+              </a:rPr>
+              <a:t>트 대분류2</a:t>
+            </a:r>
+            <a:endParaRPr lang="ko-KR" altLang="en-US" sz="1800">
+              <a:latin typeface="맑은 고딕" charset="0"/>
+              <a:ea typeface="맑은 고딕" charset="0"/>
+            </a:endParaRPr>
+          </a:p>
+        </p:txBody>
+      </p:sp>
+      <p:sp>
+        <p:nvSpPr>
+          <p:cNvPr id="31" name="Rect 0"/>
+          <p:cNvSpPr>
+            <a:spLocks/>
+          </p:cNvSpPr>
+          <p:nvPr/>
+        </p:nvSpPr>
+        <p:spPr>
+          <a:xfrm rot="0">
+            <a:off x="3496945" y="3354070"/>
+            <a:ext cx="364490" cy="173990"/>
+          </a:xfrm>
+          <a:prstGeom prst="snip2DiagRect">
+            <a:avLst>
+              <a:gd name="adj1" fmla="val 0"/>
+              <a:gd name="adj2" fmla="val 16667"/>
+            </a:avLst>
+          </a:prstGeom>
+          <a:solidFill>
+            <a:schemeClr val="bg1">
+              <a:lumMod val="75000"/>
+              <a:lumOff val="0"/>
+            </a:schemeClr>
+          </a:solidFill>
+          <a:ln w="0">
+            <a:noFill/>
+            <a:prstDash/>
+          </a:ln>
+        </p:spPr>
+        <p:style>
+          <a:lnRef idx="2">
+            <a:schemeClr val="accent1">
+              <a:shade val="50000"/>
+            </a:schemeClr>
+          </a:lnRef>
+          <a:fillRef idx="1">
+            <a:schemeClr val="accent1"/>
+          </a:fillRef>
+          <a:effectRef idx="0">
+            <a:schemeClr val="accent1"/>
+          </a:effectRef>
+          <a:fontRef idx="minor">
+            <a:schemeClr val="lt1"/>
+          </a:fontRef>
+        </p:style>
+        <p:txBody>
+          <a:bodyPr wrap="square" lIns="91440" tIns="45720" rIns="91440" bIns="45720" vert="horz" anchor="ctr">
+            <a:noAutofit/>
+          </a:bodyPr>
+          <a:lstStyle/>
+          <a:p>
+            <a:pPr marL="0" indent="0" algn="ctr" hangingPunct="1"/>
+            <a:r>
+              <a:rPr lang="ko-KR" sz="1800">
+                <a:solidFill>
+                  <a:schemeClr val="tx1"/>
+                </a:solidFill>
+                <a:latin typeface="맑은 고딕" charset="0"/>
+                <a:ea typeface="맑은 고딕" charset="0"/>
+              </a:rPr>
+              <a:t>+</a:t>
+            </a:r>
+            <a:endParaRPr lang="ko-KR" altLang="en-US" sz="1800">
+              <a:solidFill>
+                <a:schemeClr val="tx1"/>
+              </a:solidFill>
+              <a:latin typeface="맑은 고딕" charset="0"/>
+              <a:ea typeface="맑은 고딕" charset="0"/>
+            </a:endParaRPr>
+          </a:p>
+        </p:txBody>
+      </p:sp>
+      <p:sp>
+        <p:nvSpPr>
+          <p:cNvPr id="33" name="Rect 0"/>
+          <p:cNvSpPr>
+            <a:spLocks/>
+          </p:cNvSpPr>
+          <p:nvPr/>
+        </p:nvSpPr>
+        <p:spPr>
+          <a:xfrm rot="0">
+            <a:off x="4311015" y="1942465"/>
+            <a:ext cx="46990" cy="3152775"/>
+          </a:xfrm>
+          <a:prstGeom prst="rect"/>
+          <a:solidFill>
+            <a:schemeClr val="bg1">
+              <a:lumMod val="65000"/>
+              <a:lumOff val="0"/>
+            </a:schemeClr>
+          </a:solidFill>
+          <a:ln w="0">
+            <a:noFill/>
+            <a:prstDash/>
+          </a:ln>
+        </p:spPr>
+        <p:style>
+          <a:lnRef idx="2">
+            <a:schemeClr val="accent1">
+              <a:shade val="50000"/>
+            </a:schemeClr>
+          </a:lnRef>
+          <a:fillRef idx="1">
+            <a:schemeClr val="accent1"/>
+          </a:fillRef>
+          <a:effectRef idx="0">
+            <a:schemeClr val="accent1"/>
+          </a:effectRef>
+          <a:fontRef idx="minor">
+            <a:schemeClr val="lt1"/>
+          </a:fontRef>
+        </p:style>
+        <p:txBody>
+          <a:bodyPr wrap="square" lIns="91440" tIns="45720" rIns="91440" bIns="45720" vert="horz" anchor="ctr">
+            <a:noAutofit/>
+          </a:bodyPr>
+          <a:lstStyle/>
+          <a:p>
+            <a:pPr marL="0" indent="0" algn="ctr" hangingPunct="1"/>
+            <a:endParaRPr lang="ko-KR" altLang="en-US" sz="1800">
+              <a:latin typeface="맑은 고딕" charset="0"/>
+              <a:ea typeface="맑은 고딕" charset="0"/>
+            </a:endParaRPr>
+          </a:p>
+        </p:txBody>
+      </p:sp>
+      <p:sp>
+        <p:nvSpPr>
+          <p:cNvPr id="34" name="Rect 0"/>
+          <p:cNvSpPr>
+            <a:spLocks/>
+          </p:cNvSpPr>
+          <p:nvPr/>
+        </p:nvSpPr>
+        <p:spPr>
+          <a:xfrm rot="0">
+            <a:off x="4293235" y="2341245"/>
+            <a:ext cx="70485" cy="718820"/>
+          </a:xfrm>
+          <a:prstGeom prst="rect"/>
+          <a:solidFill>
+            <a:schemeClr val="tx1">
+              <a:lumMod val="65000"/>
+              <a:lumOff val="35000"/>
+            </a:schemeClr>
+          </a:solidFill>
+          <a:ln w="0">
+            <a:noFill/>
+            <a:prstDash/>
+          </a:ln>
+        </p:spPr>
+        <p:style>
+          <a:lnRef idx="2">
+            <a:schemeClr val="accent1">
+              <a:shade val="50000"/>
+            </a:schemeClr>
+          </a:lnRef>
+          <a:fillRef idx="1">
+            <a:schemeClr val="accent1"/>
+          </a:fillRef>
+          <a:effectRef idx="0">
+            <a:schemeClr val="accent1"/>
+          </a:effectRef>
+          <a:fontRef idx="minor">
+            <a:schemeClr val="lt1"/>
+          </a:fontRef>
+        </p:style>
+        <p:txBody>
+          <a:bodyPr wrap="square" lIns="91440" tIns="45720" rIns="91440" bIns="45720" vert="horz" anchor="ctr">
+            <a:noAutofit/>
+          </a:bodyPr>
+          <a:lstStyle/>
+          <a:p>
+            <a:pPr marL="0" indent="0" algn="ctr" hangingPunct="1"/>
+            <a:endParaRPr lang="ko-KR" altLang="en-US" sz="1800">
+              <a:latin typeface="맑은 고딕" charset="0"/>
+              <a:ea typeface="맑은 고딕" charset="0"/>
+            </a:endParaRPr>
+          </a:p>
+        </p:txBody>
+      </p:sp>
+      <p:grpSp>
+        <p:nvGrpSpPr>
+          <p:cNvPr id="35" name="Group 5"/>
+          <p:cNvGrpSpPr/>
+          <p:nvPr/>
+        </p:nvGrpSpPr>
+        <p:grpSpPr>
+          <a:xfrm rot="0">
+            <a:off x="807720" y="1517650"/>
+            <a:ext cx="204470" cy="216535"/>
+            <a:chOff x="807720" y="1517650"/>
+            <a:chExt cx="204470" cy="216535"/>
+          </a:xfrm>
+        </p:grpSpPr>
+        <p:sp>
+          <p:nvSpPr>
+            <p:cNvPr id="36" name="Rect 0"/>
+            <p:cNvSpPr>
+              <a:spLocks/>
+            </p:cNvSpPr>
+            <p:nvPr/>
+          </p:nvSpPr>
+          <p:spPr>
+            <a:xfrm rot="0">
+              <a:off x="807720" y="1517650"/>
+              <a:ext cx="204470" cy="216535"/>
+            </a:xfrm>
+            <a:prstGeom prst="rect"/>
+            <a:solidFill>
+              <a:schemeClr val="tx1">
+                <a:lumMod val="50000"/>
+                <a:lumOff val="50000"/>
+              </a:schemeClr>
+            </a:solidFill>
+            <a:ln w="12700" cap="flat" cmpd="sng">
+              <a:solidFill>
+                <a:schemeClr val="tx1">
+                  <a:alpha val="100000"/>
+                </a:schemeClr>
+              </a:solidFill>
+              <a:prstDash val="solid"/>
+            </a:ln>
+          </p:spPr>
+          <p:style>
+            <a:lnRef idx="2">
+              <a:schemeClr val="accent1">
+                <a:shade val="50000"/>
+              </a:schemeClr>
+            </a:lnRef>
+            <a:fillRef idx="1">
+              <a:schemeClr val="accent1"/>
+            </a:fillRef>
+            <a:effectRef idx="0">
+              <a:schemeClr val="accent1"/>
+            </a:effectRef>
+            <a:fontRef idx="minor">
+              <a:schemeClr val="lt1"/>
+            </a:fontRef>
+          </p:style>
+          <p:txBody>
+            <a:bodyPr wrap="square" lIns="91440" tIns="45720" rIns="91440" bIns="45720" vert="horz" anchor="ctr">
+              <a:noAutofit/>
+            </a:bodyPr>
+            <a:lstStyle/>
+            <a:p>
+              <a:pPr marL="0" indent="0" algn="ctr" hangingPunct="1"/>
+              <a:endParaRPr lang="ko-KR" altLang="en-US" sz="1800">
+                <a:latin typeface="맑은 고딕" charset="0"/>
+                <a:ea typeface="맑은 고딕" charset="0"/>
+              </a:endParaRPr>
+            </a:p>
+          </p:txBody>
+        </p:sp>
+        <p:sp>
+          <p:nvSpPr>
+            <p:cNvPr id="37" name="Rect 0"/>
+            <p:cNvSpPr>
+              <a:spLocks/>
+            </p:cNvSpPr>
+            <p:nvPr/>
+          </p:nvSpPr>
+          <p:spPr>
+            <a:xfrm rot="0">
+              <a:off x="842010" y="1558925"/>
+              <a:ext cx="129540" cy="119380"/>
+            </a:xfrm>
+            <a:prstGeom prst="verticalScroll">
+              <a:avLst>
+                <a:gd name="adj" fmla="val 22824"/>
+              </a:avLst>
+            </a:prstGeom>
+            <a:solidFill>
+              <a:schemeClr val="tx2">
+                <a:lumMod val="40000"/>
+                <a:lumOff val="60000"/>
+              </a:schemeClr>
+            </a:solidFill>
+            <a:ln w="12700" cap="flat" cmpd="sng">
+              <a:solidFill>
+                <a:schemeClr val="tx1">
+                  <a:alpha val="100000"/>
+                </a:schemeClr>
+              </a:solidFill>
+              <a:prstDash val="solid"/>
+            </a:ln>
+          </p:spPr>
+          <p:style>
+            <a:lnRef idx="2">
+              <a:schemeClr val="accent1">
+                <a:shade val="50000"/>
+              </a:schemeClr>
+            </a:lnRef>
+            <a:fillRef idx="1">
+              <a:schemeClr val="accent1"/>
+            </a:fillRef>
+            <a:effectRef idx="0">
+              <a:schemeClr val="accent1"/>
+            </a:effectRef>
+            <a:fontRef idx="minor">
+              <a:schemeClr val="lt1"/>
+            </a:fontRef>
+          </p:style>
+          <p:txBody>
+            <a:bodyPr wrap="square" lIns="91440" tIns="45720" rIns="91440" bIns="45720" vert="horz" anchor="ctr">
+              <a:noAutofit/>
+            </a:bodyPr>
+            <a:lstStyle/>
+            <a:p>
+              <a:pPr marL="0" indent="0" algn="ctr" hangingPunct="1"/>
+              <a:endParaRPr lang="ko-KR" altLang="en-US" sz="1800">
+                <a:latin typeface="맑은 고딕" charset="0"/>
+                <a:ea typeface="맑은 고딕" charset="0"/>
+              </a:endParaRPr>
+            </a:p>
+          </p:txBody>
+        </p:sp>
+      </p:grpSp>
+      <p:sp>
+        <p:nvSpPr>
+          <p:cNvPr id="38" name="도형 70"/>
+          <p:cNvSpPr>
+            <a:spLocks/>
+          </p:cNvSpPr>
+          <p:nvPr/>
+        </p:nvSpPr>
+        <p:spPr>
+          <a:xfrm rot="0">
+            <a:off x="6712585" y="1553210"/>
+            <a:ext cx="3455035" cy="3790950"/>
+          </a:xfrm>
+          <a:prstGeom prst="rect"/>
+          <a:solidFill>
+            <a:schemeClr val="bg1">
+              <a:lumMod val="95000"/>
+              <a:lumOff val="0"/>
+            </a:schemeClr>
+          </a:solidFill>
+          <a:ln w="12700" cap="flat" cmpd="sng">
+            <a:solidFill>
+              <a:schemeClr val="tx1">
+                <a:alpha val="100000"/>
+              </a:schemeClr>
+            </a:solidFill>
+            <a:prstDash val="solid"/>
+          </a:ln>
+        </p:spPr>
+        <p:style>
+          <a:lnRef idx="2">
+            <a:schemeClr val="accent1">
+              <a:shade val="50000"/>
+            </a:schemeClr>
+          </a:lnRef>
+          <a:fillRef idx="1">
+            <a:schemeClr val="accent1"/>
+          </a:fillRef>
+          <a:effectRef idx="0">
+            <a:schemeClr val="accent1"/>
+          </a:effectRef>
+          <a:fontRef idx="minor">
+            <a:schemeClr val="lt1"/>
+          </a:fontRef>
+        </p:style>
+        <p:txBody>
+          <a:bodyPr wrap="square" lIns="91440" tIns="45720" rIns="91440" bIns="45720" vert="horz" anchor="ctr">
+            <a:noAutofit/>
+          </a:bodyPr>
+          <a:lstStyle/>
+          <a:p>
+            <a:pPr marL="0" indent="0" algn="ctr" hangingPunct="1"/>
+            <a:endParaRPr lang="ko-KR" altLang="en-US" sz="1800">
+              <a:latin typeface="맑은 고딕" charset="0"/>
+              <a:ea typeface="맑은 고딕" charset="0"/>
+            </a:endParaRPr>
+          </a:p>
+        </p:txBody>
+      </p:sp>
+      <p:sp>
+        <p:nvSpPr>
+          <p:cNvPr id="39" name="도형 71"/>
+          <p:cNvSpPr>
+            <a:spLocks/>
+          </p:cNvSpPr>
+          <p:nvPr/>
+        </p:nvSpPr>
+        <p:spPr>
+          <a:xfrm rot="0">
+            <a:off x="9855835" y="1622425"/>
+            <a:ext cx="251460" cy="234315"/>
+          </a:xfrm>
+          <a:prstGeom prst="rect"/>
+          <a:solidFill>
+            <a:schemeClr val="bg1">
+              <a:lumMod val="65000"/>
+              <a:lumOff val="0"/>
+            </a:schemeClr>
+          </a:solidFill>
+          <a:ln w="12700" cap="flat" cmpd="sng">
+            <a:solidFill>
+              <a:schemeClr val="tx1">
+                <a:alpha val="100000"/>
+              </a:schemeClr>
+            </a:solidFill>
+            <a:prstDash val="solid"/>
+          </a:ln>
+        </p:spPr>
+        <p:style>
+          <a:lnRef idx="2">
+            <a:schemeClr val="accent1">
+              <a:shade val="50000"/>
+            </a:schemeClr>
+          </a:lnRef>
+          <a:fillRef idx="1">
+            <a:schemeClr val="accent1"/>
+          </a:fillRef>
+          <a:effectRef idx="0">
+            <a:schemeClr val="accent1"/>
+          </a:effectRef>
+          <a:fontRef idx="minor">
+            <a:schemeClr val="lt1"/>
+          </a:fontRef>
+        </p:style>
+        <p:txBody>
+          <a:bodyPr wrap="square" lIns="91440" tIns="45720" rIns="91440" bIns="45720" vert="horz" anchor="ctr">
+            <a:noAutofit/>
+          </a:bodyPr>
+          <a:lstStyle/>
+          <a:p>
+            <a:pPr marL="0" indent="0" algn="ctr" hangingPunct="1"/>
+            <a:r>
+              <a:rPr sz="1800">
+                <a:solidFill>
+                  <a:schemeClr val="tx1"/>
+                </a:solidFill>
+                <a:latin typeface="맑은 고딕" charset="0"/>
+                <a:ea typeface="맑은 고딕" charset="0"/>
+              </a:rPr>
+              <a:t>X</a:t>
+            </a:r>
+            <a:endParaRPr lang="ko-KR" altLang="en-US" sz="1800">
+              <a:solidFill>
+                <a:schemeClr val="tx1"/>
+              </a:solidFill>
+              <a:latin typeface="맑은 고딕" charset="0"/>
+              <a:ea typeface="맑은 고딕" charset="0"/>
+            </a:endParaRPr>
+          </a:p>
+        </p:txBody>
+      </p:sp>
+      <p:sp>
+        <p:nvSpPr>
+          <p:cNvPr id="40" name="도형 72"/>
+          <p:cNvSpPr>
+            <a:spLocks/>
+          </p:cNvSpPr>
+          <p:nvPr/>
+        </p:nvSpPr>
+        <p:spPr>
+          <a:xfrm rot="0">
+            <a:off x="9959340" y="1903095"/>
+            <a:ext cx="46990" cy="1955165"/>
+          </a:xfrm>
+          <a:prstGeom prst="rect"/>
+          <a:solidFill>
+            <a:schemeClr val="bg1">
+              <a:lumMod val="65000"/>
+              <a:lumOff val="0"/>
+            </a:schemeClr>
+          </a:solidFill>
+          <a:ln w="0">
+            <a:noFill/>
+            <a:prstDash/>
+          </a:ln>
+        </p:spPr>
+        <p:style>
+          <a:lnRef idx="2">
+            <a:schemeClr val="accent1">
+              <a:shade val="50000"/>
+            </a:schemeClr>
+          </a:lnRef>
+          <a:fillRef idx="1">
+            <a:schemeClr val="accent1"/>
+          </a:fillRef>
+          <a:effectRef idx="0">
+            <a:schemeClr val="accent1"/>
+          </a:effectRef>
+          <a:fontRef idx="minor">
+            <a:schemeClr val="lt1"/>
+          </a:fontRef>
+        </p:style>
+        <p:txBody>
+          <a:bodyPr wrap="square" lIns="91440" tIns="45720" rIns="91440" bIns="45720" vert="horz" anchor="ctr">
+            <a:noAutofit/>
+          </a:bodyPr>
+          <a:lstStyle/>
+          <a:p>
+            <a:pPr marL="0" indent="0" algn="ctr" hangingPunct="1"/>
+            <a:endParaRPr lang="ko-KR" altLang="en-US" sz="1800">
+              <a:latin typeface="맑은 고딕" charset="0"/>
+              <a:ea typeface="맑은 고딕" charset="0"/>
+            </a:endParaRPr>
+          </a:p>
+        </p:txBody>
+      </p:sp>
+      <p:sp>
+        <p:nvSpPr>
+          <p:cNvPr id="41" name="도형 73"/>
+          <p:cNvSpPr>
+            <a:spLocks/>
+          </p:cNvSpPr>
+          <p:nvPr/>
+        </p:nvSpPr>
+        <p:spPr>
+          <a:xfrm rot="0">
+            <a:off x="9941560" y="1979295"/>
+            <a:ext cx="70485" cy="718820"/>
+          </a:xfrm>
+          <a:prstGeom prst="rect"/>
+          <a:solidFill>
+            <a:schemeClr val="tx1">
+              <a:lumMod val="65000"/>
+              <a:lumOff val="35000"/>
+            </a:schemeClr>
+          </a:solidFill>
+          <a:ln w="0">
+            <a:noFill/>
+            <a:prstDash/>
+          </a:ln>
+        </p:spPr>
+        <p:style>
+          <a:lnRef idx="2">
+            <a:schemeClr val="accent1">
+              <a:shade val="50000"/>
+            </a:schemeClr>
+          </a:lnRef>
+          <a:fillRef idx="1">
+            <a:schemeClr val="accent1"/>
+          </a:fillRef>
+          <a:effectRef idx="0">
+            <a:schemeClr val="accent1"/>
+          </a:effectRef>
+          <a:fontRef idx="minor">
+            <a:schemeClr val="lt1"/>
+          </a:fontRef>
+        </p:style>
+        <p:txBody>
+          <a:bodyPr wrap="square" lIns="91440" tIns="45720" rIns="91440" bIns="45720" vert="horz" anchor="ctr">
+            <a:noAutofit/>
+          </a:bodyPr>
+          <a:lstStyle/>
+          <a:p>
+            <a:pPr marL="0" indent="0" algn="ctr" hangingPunct="1"/>
+            <a:endParaRPr lang="ko-KR" altLang="en-US" sz="1800">
+              <a:latin typeface="맑은 고딕" charset="0"/>
+              <a:ea typeface="맑은 고딕" charset="0"/>
+            </a:endParaRPr>
+          </a:p>
+        </p:txBody>
+      </p:sp>
+      <p:sp>
+        <p:nvSpPr>
+          <p:cNvPr id="42" name="도형 74"/>
+          <p:cNvSpPr>
+            <a:spLocks/>
+          </p:cNvSpPr>
+          <p:nvPr/>
+        </p:nvSpPr>
+        <p:spPr>
+          <a:xfrm rot="0">
+            <a:off x="6626225" y="1459865"/>
+            <a:ext cx="2658745" cy="320675"/>
+          </a:xfrm>
+          <a:prstGeom prst="snip2DiagRect"/>
+          <a:solidFill>
+            <a:schemeClr val="bg1">
+              <a:lumMod val="75000"/>
+              <a:lumOff val="0"/>
+            </a:schemeClr>
+          </a:solidFill>
+          <a:ln w="12700" cap="flat" cmpd="sng">
+            <a:solidFill>
+              <a:schemeClr val="tx1">
+                <a:alpha val="100000"/>
+              </a:schemeClr>
+            </a:solidFill>
+            <a:prstDash val="solid"/>
+          </a:ln>
+        </p:spPr>
+        <p:style>
+          <a:lnRef idx="2">
+            <a:schemeClr val="accent1">
+              <a:shade val="50000"/>
+            </a:schemeClr>
+          </a:lnRef>
+          <a:fillRef idx="1">
+            <a:schemeClr val="accent1"/>
+          </a:fillRef>
+          <a:effectRef idx="0">
+            <a:schemeClr val="accent1"/>
+          </a:effectRef>
+          <a:fontRef idx="minor">
+            <a:schemeClr val="lt1"/>
+          </a:fontRef>
+        </p:style>
+        <p:txBody>
+          <a:bodyPr wrap="square" lIns="91440" tIns="45720" rIns="91440" bIns="45720" vert="horz" anchor="ctr">
+            <a:noAutofit/>
+          </a:bodyPr>
+          <a:lstStyle/>
+          <a:p>
+            <a:pPr marL="0" indent="0" algn="ctr" hangingPunct="1"/>
+            <a:r>
+              <a:rPr lang="ko-KR" sz="1800">
+                <a:latin typeface="맑은 고딕" charset="0"/>
+                <a:ea typeface="맑은 고딕" charset="0"/>
+              </a:rPr>
+              <a:t>퀘스트 명</a:t>
+            </a:r>
+            <a:endParaRPr lang="ko-KR" altLang="en-US" sz="1800">
+              <a:latin typeface="맑은 고딕" charset="0"/>
+              <a:ea typeface="맑은 고딕" charset="0"/>
+            </a:endParaRPr>
+          </a:p>
+        </p:txBody>
+      </p:sp>
+      <p:sp>
+        <p:nvSpPr>
+          <p:cNvPr id="43" name="도형 75"/>
+          <p:cNvSpPr>
+            <a:spLocks/>
+          </p:cNvSpPr>
+          <p:nvPr/>
+        </p:nvSpPr>
+        <p:spPr>
+          <a:xfrm rot="0">
+            <a:off x="6800850" y="1857375"/>
+            <a:ext cx="3105785" cy="2143760"/>
+          </a:xfrm>
+          <a:prstGeom prst="snip1Rect">
+            <a:avLst>
+              <a:gd name="adj" fmla="val 13328"/>
+            </a:avLst>
+          </a:prstGeom>
+          <a:solidFill>
+            <a:schemeClr val="bg1"/>
+          </a:solidFill>
+          <a:ln w="12700" cap="flat" cmpd="sng">
+            <a:solidFill>
+              <a:schemeClr val="tx1">
+                <a:alpha val="100000"/>
+              </a:schemeClr>
+            </a:solidFill>
+            <a:prstDash val="solid"/>
+          </a:ln>
+        </p:spPr>
+        <p:style>
+          <a:lnRef idx="2">
+            <a:schemeClr val="accent1">
+              <a:shade val="50000"/>
+            </a:schemeClr>
+          </a:lnRef>
+          <a:fillRef idx="1">
+            <a:schemeClr val="accent1"/>
+          </a:fillRef>
+          <a:effectRef idx="0">
+            <a:schemeClr val="accent1"/>
+          </a:effectRef>
+          <a:fontRef idx="minor">
+            <a:schemeClr val="lt1"/>
+          </a:fontRef>
+        </p:style>
+        <p:txBody>
+          <a:bodyPr wrap="square" lIns="91440" tIns="45720" rIns="91440" bIns="45720" vert="horz" anchor="ctr">
+            <a:noAutofit/>
+          </a:bodyPr>
+          <a:lstStyle/>
+          <a:p>
+            <a:pPr marL="0" indent="0" algn="ctr" hangingPunct="1"/>
+            <a:r>
+              <a:rPr lang="ko-KR" sz="1800">
+                <a:solidFill>
+                  <a:schemeClr val="tx1"/>
+                </a:solidFill>
+                <a:latin typeface="맑은 고딕" charset="0"/>
+                <a:ea typeface="맑은 고딕" charset="0"/>
+              </a:rPr>
+              <a:t>퀘스트 스토리</a:t>
+            </a:r>
+            <a:endParaRPr lang="ko-KR" altLang="en-US" sz="1800">
+              <a:solidFill>
+                <a:schemeClr val="tx1"/>
+              </a:solidFill>
+              <a:latin typeface="맑은 고딕" charset="0"/>
+              <a:ea typeface="맑은 고딕" charset="0"/>
+            </a:endParaRPr>
+          </a:p>
+        </p:txBody>
+      </p:sp>
+      <p:sp>
+        <p:nvSpPr>
+          <p:cNvPr id="44" name="도형 79"/>
+          <p:cNvSpPr>
+            <a:spLocks/>
+          </p:cNvSpPr>
+          <p:nvPr/>
+        </p:nvSpPr>
+        <p:spPr>
+          <a:xfrm rot="0">
+            <a:off x="6905625" y="4076700"/>
+            <a:ext cx="2467610" cy="276860"/>
+          </a:xfrm>
+          <a:prstGeom prst="snip1Rect">
+            <a:avLst>
+              <a:gd name="adj" fmla="val 13328"/>
+            </a:avLst>
+          </a:prstGeom>
+          <a:solidFill>
+            <a:schemeClr val="bg1">
+              <a:lumMod val="85000"/>
+              <a:lumOff val="0"/>
+            </a:schemeClr>
+          </a:solidFill>
+          <a:ln w="12700" cap="flat" cmpd="sng">
+            <a:solidFill>
+              <a:schemeClr val="tx1">
+                <a:alpha val="100000"/>
+              </a:schemeClr>
+            </a:solidFill>
+            <a:prstDash val="solid"/>
+          </a:ln>
+        </p:spPr>
+        <p:style>
+          <a:lnRef idx="2">
+            <a:schemeClr val="accent1">
+              <a:shade val="50000"/>
+            </a:schemeClr>
+          </a:lnRef>
+          <a:fillRef idx="1">
+            <a:schemeClr val="accent1"/>
+          </a:fillRef>
+          <a:effectRef idx="0">
+            <a:schemeClr val="accent1"/>
+          </a:effectRef>
+          <a:fontRef idx="minor">
+            <a:schemeClr val="lt1"/>
+          </a:fontRef>
+        </p:style>
+        <p:txBody>
+          <a:bodyPr wrap="square" lIns="91440" tIns="45720" rIns="91440" bIns="45720" vert="horz" anchor="ctr">
+            <a:noAutofit/>
+          </a:bodyPr>
+          <a:lstStyle/>
+          <a:p>
+            <a:pPr marL="0" indent="0" algn="ctr" hangingPunct="1"/>
+            <a:r>
+              <a:rPr lang="ko-KR" sz="1600">
+                <a:solidFill>
+                  <a:schemeClr val="tx1"/>
+                </a:solidFill>
+                <a:latin typeface="맑은 고딕" charset="0"/>
+                <a:ea typeface="맑은 고딕" charset="0"/>
+              </a:rPr>
+              <a:t>퀘스트 완료 조건1</a:t>
+            </a:r>
+            <a:endParaRPr lang="ko-KR" altLang="en-US" sz="1600">
+              <a:solidFill>
+                <a:schemeClr val="tx1"/>
+              </a:solidFill>
+              <a:latin typeface="맑은 고딕" charset="0"/>
+              <a:ea typeface="맑은 고딕" charset="0"/>
+            </a:endParaRPr>
+          </a:p>
+        </p:txBody>
+      </p:sp>
+      <p:sp>
+        <p:nvSpPr>
+          <p:cNvPr id="45" name="도형 82"/>
+          <p:cNvSpPr>
+            <a:spLocks/>
+          </p:cNvSpPr>
+          <p:nvPr/>
+        </p:nvSpPr>
+        <p:spPr>
+          <a:xfrm rot="0">
+            <a:off x="6905625" y="4400550"/>
+            <a:ext cx="2467610" cy="276860"/>
+          </a:xfrm>
+          <a:prstGeom prst="snip1Rect">
+            <a:avLst>
+              <a:gd name="adj" fmla="val 13328"/>
+            </a:avLst>
+          </a:prstGeom>
+          <a:solidFill>
+            <a:schemeClr val="bg1">
+              <a:lumMod val="85000"/>
+              <a:lumOff val="0"/>
+            </a:schemeClr>
+          </a:solidFill>
+          <a:ln w="12700" cap="flat" cmpd="sng">
+            <a:solidFill>
+              <a:schemeClr val="tx1">
+                <a:alpha val="100000"/>
+              </a:schemeClr>
+            </a:solidFill>
+            <a:prstDash val="solid"/>
+          </a:ln>
+        </p:spPr>
+        <p:style>
+          <a:lnRef idx="2">
+            <a:schemeClr val="accent1">
+              <a:shade val="50000"/>
+            </a:schemeClr>
+          </a:lnRef>
+          <a:fillRef idx="1">
+            <a:schemeClr val="accent1"/>
+          </a:fillRef>
+          <a:effectRef idx="0">
+            <a:schemeClr val="accent1"/>
+          </a:effectRef>
+          <a:fontRef idx="minor">
+            <a:schemeClr val="lt1"/>
+          </a:fontRef>
+        </p:style>
+        <p:txBody>
+          <a:bodyPr wrap="square" lIns="91440" tIns="45720" rIns="91440" bIns="45720" vert="horz" anchor="ctr">
+            <a:noAutofit/>
+          </a:bodyPr>
+          <a:lstStyle/>
+          <a:p>
+            <a:pPr marL="0" indent="0" algn="ctr" hangingPunct="1"/>
+            <a:r>
+              <a:rPr lang="ko-KR" sz="1600">
+                <a:solidFill>
+                  <a:schemeClr val="tx1"/>
+                </a:solidFill>
+                <a:latin typeface="맑은 고딕" charset="0"/>
+                <a:ea typeface="맑은 고딕" charset="0"/>
+              </a:rPr>
+              <a:t>퀘스트 완료 조건2</a:t>
+            </a:r>
+            <a:endParaRPr lang="ko-KR" altLang="en-US" sz="1600">
+              <a:solidFill>
+                <a:schemeClr val="tx1"/>
+              </a:solidFill>
+              <a:latin typeface="맑은 고딕" charset="0"/>
+              <a:ea typeface="맑은 고딕" charset="0"/>
+            </a:endParaRPr>
+          </a:p>
+        </p:txBody>
+      </p:sp>
+      <p:sp>
+        <p:nvSpPr>
+          <p:cNvPr id="46" name="도형 83"/>
+          <p:cNvSpPr>
+            <a:spLocks/>
+          </p:cNvSpPr>
+          <p:nvPr/>
+        </p:nvSpPr>
+        <p:spPr>
+          <a:xfrm rot="0">
+            <a:off x="6905625" y="4714875"/>
+            <a:ext cx="2467610" cy="276860"/>
+          </a:xfrm>
+          <a:prstGeom prst="snip1Rect">
+            <a:avLst>
+              <a:gd name="adj" fmla="val 13328"/>
+            </a:avLst>
+          </a:prstGeom>
+          <a:solidFill>
+            <a:schemeClr val="bg1">
+              <a:lumMod val="85000"/>
+              <a:lumOff val="0"/>
+            </a:schemeClr>
+          </a:solidFill>
+          <a:ln w="12700" cap="flat" cmpd="sng">
+            <a:solidFill>
+              <a:schemeClr val="tx1">
+                <a:alpha val="100000"/>
+              </a:schemeClr>
+            </a:solidFill>
+            <a:prstDash val="solid"/>
+          </a:ln>
+        </p:spPr>
+        <p:style>
+          <a:lnRef idx="2">
+            <a:schemeClr val="accent1">
+              <a:shade val="50000"/>
+            </a:schemeClr>
+          </a:lnRef>
+          <a:fillRef idx="1">
+            <a:schemeClr val="accent1"/>
+          </a:fillRef>
+          <a:effectRef idx="0">
+            <a:schemeClr val="accent1"/>
+          </a:effectRef>
+          <a:fontRef idx="minor">
+            <a:schemeClr val="lt1"/>
+          </a:fontRef>
+        </p:style>
+        <p:txBody>
+          <a:bodyPr wrap="square" lIns="91440" tIns="45720" rIns="91440" bIns="45720" vert="horz" anchor="ctr">
+            <a:noAutofit/>
+          </a:bodyPr>
+          <a:lstStyle/>
+          <a:p>
+            <a:pPr marL="0" indent="0" algn="ctr" hangingPunct="1"/>
+            <a:r>
+              <a:rPr lang="ko-KR" sz="1600">
+                <a:solidFill>
+                  <a:schemeClr val="tx1"/>
+                </a:solidFill>
+                <a:latin typeface="맑은 고딕" charset="0"/>
+                <a:ea typeface="맑은 고딕" charset="0"/>
+              </a:rPr>
+              <a:t>퀘스트 완료 조건3</a:t>
+            </a:r>
+            <a:endParaRPr lang="ko-KR" altLang="en-US" sz="1600">
+              <a:solidFill>
+                <a:schemeClr val="tx1"/>
+              </a:solidFill>
+              <a:latin typeface="맑은 고딕" charset="0"/>
+              <a:ea typeface="맑은 고딕" charset="0"/>
+            </a:endParaRPr>
+          </a:p>
+        </p:txBody>
+      </p:sp>
+      <p:sp>
+        <p:nvSpPr>
+          <p:cNvPr id="47" name="도형 84"/>
+          <p:cNvSpPr>
+            <a:spLocks/>
+          </p:cNvSpPr>
+          <p:nvPr/>
+        </p:nvSpPr>
+        <p:spPr>
+          <a:xfrm rot="0">
+            <a:off x="9448800" y="4095750"/>
+            <a:ext cx="562610" cy="229235"/>
+          </a:xfrm>
+          <a:prstGeom prst="rect"/>
+          <a:solidFill>
+            <a:schemeClr val="bg1">
+              <a:lumMod val="95000"/>
+              <a:lumOff val="0"/>
+            </a:schemeClr>
+          </a:solidFill>
+          <a:ln w="0">
+            <a:noFill/>
+            <a:prstDash/>
+          </a:ln>
+        </p:spPr>
+        <p:style>
+          <a:lnRef idx="2">
+            <a:schemeClr val="accent1">
+              <a:shade val="50000"/>
+            </a:schemeClr>
+          </a:lnRef>
+          <a:fillRef idx="1">
+            <a:schemeClr val="accent1"/>
+          </a:fillRef>
+          <a:effectRef idx="0">
+            <a:schemeClr val="accent1"/>
+          </a:effectRef>
+          <a:fontRef idx="minor">
+            <a:schemeClr val="lt1"/>
+          </a:fontRef>
+        </p:style>
+        <p:txBody>
+          <a:bodyPr wrap="square" lIns="91440" tIns="45720" rIns="91440" bIns="45720" vert="horz" anchor="ctr">
+            <a:noAutofit/>
+          </a:bodyPr>
+          <a:lstStyle/>
+          <a:p>
+            <a:pPr marL="0" indent="0" algn="ctr" hangingPunct="1"/>
+            <a:r>
+              <a:rPr sz="1600">
+                <a:latin typeface="맑은 고딕" charset="0"/>
+                <a:ea typeface="맑은 고딕" charset="0"/>
+              </a:rPr>
+              <a:t>1/</a:t>
+            </a:r>
+            <a:r>
+              <a:rPr lang="ko-KR" sz="1600">
+                <a:latin typeface="맑은 고딕" charset="0"/>
+                <a:ea typeface="맑은 고딕" charset="0"/>
+              </a:rPr>
+              <a:t>n</a:t>
+            </a:r>
+            <a:endParaRPr lang="ko-KR" altLang="en-US" sz="1600">
+              <a:solidFill>
+                <a:schemeClr val="tx1"/>
+              </a:solidFill>
+              <a:latin typeface="맑은 고딕" charset="0"/>
+              <a:ea typeface="맑은 고딕" charset="0"/>
+            </a:endParaRPr>
+          </a:p>
+        </p:txBody>
+      </p:sp>
+      <p:sp>
+        <p:nvSpPr>
+          <p:cNvPr id="48" name="도형 87"/>
+          <p:cNvSpPr>
+            <a:spLocks/>
+          </p:cNvSpPr>
+          <p:nvPr/>
+        </p:nvSpPr>
+        <p:spPr>
+          <a:xfrm rot="0">
+            <a:off x="9448800" y="4429125"/>
+            <a:ext cx="562610" cy="229235"/>
+          </a:xfrm>
+          <a:prstGeom prst="rect"/>
+          <a:solidFill>
+            <a:schemeClr val="bg1">
+              <a:lumMod val="95000"/>
+              <a:lumOff val="0"/>
+            </a:schemeClr>
+          </a:solidFill>
+          <a:ln w="0">
+            <a:noFill/>
+            <a:prstDash/>
+          </a:ln>
+        </p:spPr>
+        <p:style>
+          <a:lnRef idx="2">
+            <a:schemeClr val="accent1">
+              <a:shade val="50000"/>
+            </a:schemeClr>
+          </a:lnRef>
+          <a:fillRef idx="1">
+            <a:schemeClr val="accent1"/>
+          </a:fillRef>
+          <a:effectRef idx="0">
+            <a:schemeClr val="accent1"/>
+          </a:effectRef>
+          <a:fontRef idx="minor">
+            <a:schemeClr val="lt1"/>
+          </a:fontRef>
+        </p:style>
+        <p:txBody>
+          <a:bodyPr wrap="square" lIns="91440" tIns="45720" rIns="91440" bIns="45720" vert="horz" anchor="ctr">
+            <a:noAutofit/>
+          </a:bodyPr>
+          <a:lstStyle/>
+          <a:p>
+            <a:pPr marL="0" indent="0" algn="ctr" hangingPunct="1"/>
+            <a:r>
+              <a:rPr lang="ko-KR" sz="1600">
+                <a:latin typeface="맑은 고딕" charset="0"/>
+                <a:ea typeface="맑은 고딕" charset="0"/>
+              </a:rPr>
+              <a:t>0</a:t>
+            </a:r>
+            <a:r>
+              <a:rPr sz="1600">
+                <a:latin typeface="맑은 고딕" charset="0"/>
+                <a:ea typeface="맑은 고딕" charset="0"/>
+              </a:rPr>
+              <a:t>/</a:t>
+            </a:r>
+            <a:r>
+              <a:rPr lang="ko-KR" sz="1600">
+                <a:latin typeface="맑은 고딕" charset="0"/>
+                <a:ea typeface="맑은 고딕" charset="0"/>
+              </a:rPr>
+              <a:t>n</a:t>
+            </a:r>
+            <a:endParaRPr lang="ko-KR" altLang="en-US" sz="1600">
+              <a:solidFill>
+                <a:schemeClr val="tx1"/>
+              </a:solidFill>
+              <a:latin typeface="맑은 고딕" charset="0"/>
+              <a:ea typeface="맑은 고딕" charset="0"/>
+            </a:endParaRPr>
+          </a:p>
+        </p:txBody>
+      </p:sp>
+      <p:sp>
+        <p:nvSpPr>
+          <p:cNvPr id="49" name="도형 88"/>
+          <p:cNvSpPr>
+            <a:spLocks/>
+          </p:cNvSpPr>
+          <p:nvPr/>
+        </p:nvSpPr>
+        <p:spPr>
+          <a:xfrm rot="0">
+            <a:off x="9448800" y="4743450"/>
+            <a:ext cx="562610" cy="229235"/>
+          </a:xfrm>
+          <a:prstGeom prst="rect"/>
+          <a:solidFill>
+            <a:schemeClr val="bg1">
+              <a:lumMod val="95000"/>
+              <a:lumOff val="0"/>
+            </a:schemeClr>
+          </a:solidFill>
+          <a:ln w="0">
+            <a:noFill/>
+            <a:prstDash/>
+          </a:ln>
+        </p:spPr>
+        <p:style>
+          <a:lnRef idx="2">
+            <a:schemeClr val="accent1">
+              <a:shade val="50000"/>
+            </a:schemeClr>
+          </a:lnRef>
+          <a:fillRef idx="1">
+            <a:schemeClr val="accent1"/>
+          </a:fillRef>
+          <a:effectRef idx="0">
+            <a:schemeClr val="accent1"/>
+          </a:effectRef>
+          <a:fontRef idx="minor">
+            <a:schemeClr val="lt1"/>
+          </a:fontRef>
+        </p:style>
+        <p:txBody>
+          <a:bodyPr wrap="square" lIns="91440" tIns="45720" rIns="91440" bIns="45720" vert="horz" anchor="ctr">
+            <a:noAutofit/>
+          </a:bodyPr>
+          <a:lstStyle/>
+          <a:p>
+            <a:pPr marL="0" indent="0" algn="ctr" hangingPunct="1"/>
+            <a:r>
+              <a:rPr lang="ko-KR" sz="1600">
+                <a:latin typeface="맑은 고딕" charset="0"/>
+                <a:ea typeface="맑은 고딕" charset="0"/>
+              </a:rPr>
+              <a:t>0</a:t>
+            </a:r>
+            <a:r>
+              <a:rPr sz="1600">
+                <a:latin typeface="맑은 고딕" charset="0"/>
+                <a:ea typeface="맑은 고딕" charset="0"/>
+              </a:rPr>
+              <a:t>/</a:t>
+            </a:r>
+            <a:r>
+              <a:rPr lang="ko-KR" sz="1600">
+                <a:latin typeface="맑은 고딕" charset="0"/>
+                <a:ea typeface="맑은 고딕" charset="0"/>
+              </a:rPr>
+              <a:t>n</a:t>
+            </a:r>
+            <a:endParaRPr lang="ko-KR" altLang="en-US" sz="1600">
+              <a:solidFill>
+                <a:schemeClr val="tx1"/>
+              </a:solidFill>
+              <a:latin typeface="맑은 고딕" charset="0"/>
+              <a:ea typeface="맑은 고딕" charset="0"/>
+            </a:endParaRPr>
+          </a:p>
+        </p:txBody>
+      </p:sp>
+      <p:sp>
+        <p:nvSpPr>
+          <p:cNvPr id="50" name="도형 89"/>
+          <p:cNvSpPr>
+            <a:spLocks/>
+          </p:cNvSpPr>
+          <p:nvPr/>
+        </p:nvSpPr>
+        <p:spPr>
+          <a:xfrm rot="0">
+            <a:off x="9077325" y="5095875"/>
+            <a:ext cx="1019810" cy="210185"/>
+          </a:xfrm>
+          <a:prstGeom prst="rect"/>
+          <a:solidFill>
+            <a:schemeClr val="bg2">
+              <a:lumMod val="50000"/>
+              <a:lumOff val="0"/>
+            </a:schemeClr>
+          </a:solidFill>
+          <a:ln w="12700" cap="flat" cmpd="sng">
+            <a:solidFill>
+              <a:schemeClr val="tx1">
+                <a:alpha val="100000"/>
+              </a:schemeClr>
+            </a:solidFill>
+            <a:prstDash val="solid"/>
+          </a:ln>
+        </p:spPr>
+        <p:style>
+          <a:lnRef idx="2">
+            <a:schemeClr val="accent1">
+              <a:shade val="50000"/>
+            </a:schemeClr>
+          </a:lnRef>
+          <a:fillRef idx="1">
+            <a:schemeClr val="accent1"/>
+          </a:fillRef>
+          <a:effectRef idx="0">
+            <a:schemeClr val="accent1"/>
+          </a:effectRef>
+          <a:fontRef idx="minor">
+            <a:schemeClr val="lt1"/>
+          </a:fontRef>
+        </p:style>
+        <p:txBody>
+          <a:bodyPr wrap="square" lIns="91440" tIns="45720" rIns="91440" bIns="45720" vert="horz" anchor="ctr">
+            <a:noAutofit/>
+          </a:bodyPr>
+          <a:lstStyle/>
+          <a:p>
+            <a:pPr marL="0" indent="0" algn="ctr" hangingPunct="1"/>
+            <a:r>
+              <a:rPr lang="ko-KR" sz="1200">
+                <a:latin typeface="맑은 고딕" charset="0"/>
+                <a:ea typeface="맑은 고딕" charset="0"/>
+              </a:rPr>
+              <a:t>퀘스트 포기</a:t>
+            </a:r>
+            <a:endParaRPr lang="ko-KR" altLang="en-US" sz="1200">
+              <a:latin typeface="맑은 고딕" charset="0"/>
+              <a:ea typeface="맑은 고딕" charset="0"/>
+            </a:endParaRPr>
+          </a:p>
+        </p:txBody>
+      </p:sp>
+    </p:spTree>
+  </p:cSld>
+  <p:clrMapOvr>
+    <a:masterClrMapping/>
+  </p:clrMapOvr>
+  <mc:AlternateContent xmlns:mc="http://schemas.openxmlformats.org/markup-compatibility/2006">
+    <mc:Choice xmlns:p14="http://schemas.microsoft.com/office/powerpoint/2010/main" Requires="p14">
+      <p:transition spd="slow" p14:dur="2000"/>
+    </mc:Choice>
+    <mc:Fallback>
+      <p:transition spd="slow"/>
+    </mc:Fallback>
+  </mc:AlternateContent>
+  <p:timing>
+    <p:tnLst>
+      <p:par>
+        <p:cTn id="1" dur="indefinite" restart="never" nodeType="tmRoot"/>
+      </p:par>
+    </p:tnLst>
+  </p:timing>
+</p:sld>
+</file>
+
+<file path=ppt/slides/slide15.xml><?xml version="1.0" encoding="utf-8"?>
+<p:sld xmlns:a="http://schemas.openxmlformats.org/drawingml/2006/main" xmlns:r="http://schemas.openxmlformats.org/officeDocument/2006/relationships" xmlns:p="http://schemas.openxmlformats.org/presentationml/2006/main" xmlns:p14="http://schemas.microsoft.com/office/powerpoint/2010/main">
   <p:cSld>
     <p:spTree>
       <p:nvGrpSpPr>
@@ -7623,11 +11282,26 @@
   <p:clrMapOvr>
     <a:masterClrMapping/>
   </p:clrMapOvr>
+  <mc:AlternateContent xmlns:mc="http://schemas.openxmlformats.org/markup-compatibility/2006">
+    <mc:Choice xmlns:p14="http://schemas.microsoft.com/office/powerpoint/2010/main" Requires="p14">
+      <p:transition spd="slow" p14:dur="2000"/>
+    </mc:Choice>
+    <mc:Fallback>
+      <p:transition spd="slow"/>
+    </mc:Fallback>
+  </mc:AlternateContent>
+  <p:timing>
+    <p:tnLst>
+      <p:par>
+        <p:cTn id="1" dur="indefinite" restart="never" nodeType="tmRoot"/>
+      </p:par>
+    </p:tnLst>
+  </p:timing>
 </p:sld>
 </file>
 
 <file path=ppt/slides/slide2.xml><?xml version="1.0" encoding="utf-8"?>
-<p:sld xmlns:a="http://schemas.openxmlformats.org/drawingml/2006/main" xmlns:r="http://schemas.openxmlformats.org/officeDocument/2006/relationships" xmlns:p="http://schemas.openxmlformats.org/presentationml/2006/main">
+<p:sld xmlns:a="http://schemas.openxmlformats.org/drawingml/2006/main" xmlns:r="http://schemas.openxmlformats.org/officeDocument/2006/relationships" xmlns:p="http://schemas.openxmlformats.org/presentationml/2006/main" xmlns:p14="http://schemas.microsoft.com/office/powerpoint/2010/main">
   <p:cSld>
     <p:spTree>
       <p:nvGrpSpPr>
@@ -8297,11 +11971,26 @@
   <p:clrMapOvr>
     <a:masterClrMapping/>
   </p:clrMapOvr>
+  <mc:AlternateContent xmlns:mc="http://schemas.openxmlformats.org/markup-compatibility/2006">
+    <mc:Choice xmlns:p14="http://schemas.microsoft.com/office/powerpoint/2010/main" Requires="p14">
+      <p:transition spd="slow" p14:dur="2000"/>
+    </mc:Choice>
+    <mc:Fallback>
+      <p:transition spd="slow"/>
+    </mc:Fallback>
+  </mc:AlternateContent>
+  <p:timing>
+    <p:tnLst>
+      <p:par>
+        <p:cTn id="1" dur="indefinite" restart="never" nodeType="tmRoot"/>
+      </p:par>
+    </p:tnLst>
+  </p:timing>
 </p:sld>
 </file>
 
 <file path=ppt/slides/slide3.xml><?xml version="1.0" encoding="utf-8"?>
-<p:sld xmlns:a="http://schemas.openxmlformats.org/drawingml/2006/main" xmlns:r="http://schemas.openxmlformats.org/officeDocument/2006/relationships" xmlns:p="http://schemas.openxmlformats.org/presentationml/2006/main">
+<p:sld xmlns:a="http://schemas.openxmlformats.org/drawingml/2006/main" xmlns:r="http://schemas.openxmlformats.org/officeDocument/2006/relationships" xmlns:p="http://schemas.openxmlformats.org/presentationml/2006/main" xmlns:p14="http://schemas.microsoft.com/office/powerpoint/2010/main">
   <p:cSld>
     <p:spTree>
       <p:nvGrpSpPr>
@@ -8814,11 +12503,26 @@
   <p:clrMapOvr>
     <a:masterClrMapping/>
   </p:clrMapOvr>
+  <mc:AlternateContent xmlns:mc="http://schemas.openxmlformats.org/markup-compatibility/2006">
+    <mc:Choice xmlns:p14="http://schemas.microsoft.com/office/powerpoint/2010/main" Requires="p14">
+      <p:transition spd="slow" p14:dur="2000"/>
+    </mc:Choice>
+    <mc:Fallback>
+      <p:transition spd="slow"/>
+    </mc:Fallback>
+  </mc:AlternateContent>
+  <p:timing>
+    <p:tnLst>
+      <p:par>
+        <p:cTn id="1" dur="indefinite" restart="never" nodeType="tmRoot"/>
+      </p:par>
+    </p:tnLst>
+  </p:timing>
 </p:sld>
 </file>
 
 <file path=ppt/slides/slide4.xml><?xml version="1.0" encoding="utf-8"?>
-<p:sld xmlns:a="http://schemas.openxmlformats.org/drawingml/2006/main" xmlns:r="http://schemas.openxmlformats.org/officeDocument/2006/relationships" xmlns:p="http://schemas.openxmlformats.org/presentationml/2006/main">
+<p:sld xmlns:a="http://schemas.openxmlformats.org/drawingml/2006/main" xmlns:r="http://schemas.openxmlformats.org/officeDocument/2006/relationships" xmlns:p="http://schemas.openxmlformats.org/presentationml/2006/main" xmlns:p14="http://schemas.microsoft.com/office/powerpoint/2010/main">
   <p:cSld>
     <p:spTree>
       <p:nvGrpSpPr>
@@ -10784,11 +14488,26 @@
   <p:clrMapOvr>
     <a:masterClrMapping/>
   </p:clrMapOvr>
+  <mc:AlternateContent xmlns:mc="http://schemas.openxmlformats.org/markup-compatibility/2006">
+    <mc:Choice xmlns:p14="http://schemas.microsoft.com/office/powerpoint/2010/main" Requires="p14">
+      <p:transition spd="slow" p14:dur="2000"/>
+    </mc:Choice>
+    <mc:Fallback>
+      <p:transition spd="slow"/>
+    </mc:Fallback>
+  </mc:AlternateContent>
+  <p:timing>
+    <p:tnLst>
+      <p:par>
+        <p:cTn id="1" dur="indefinite" restart="never" nodeType="tmRoot"/>
+      </p:par>
+    </p:tnLst>
+  </p:timing>
 </p:sld>
 </file>
 
 <file path=ppt/slides/slide5.xml><?xml version="1.0" encoding="utf-8"?>
-<p:sld xmlns:a="http://schemas.openxmlformats.org/drawingml/2006/main" xmlns:r="http://schemas.openxmlformats.org/officeDocument/2006/relationships" xmlns:p="http://schemas.openxmlformats.org/presentationml/2006/main">
+<p:sld xmlns:a="http://schemas.openxmlformats.org/drawingml/2006/main" xmlns:r="http://schemas.openxmlformats.org/officeDocument/2006/relationships" xmlns:p="http://schemas.openxmlformats.org/presentationml/2006/main" xmlns:p14="http://schemas.microsoft.com/office/powerpoint/2010/main">
   <p:cSld>
     <p:spTree>
       <p:nvGrpSpPr>
@@ -10871,10 +14590,10 @@
         </p:nvGrpSpPr>
         <p:grpSpPr>
           <a:xfrm>
-            <a:off x="1439367" y="2680806"/>
-            <a:ext cx="9336583" cy="1496388"/>
-            <a:chOff x="695325" y="2680806"/>
-            <a:chExt cx="9336583" cy="1496388"/>
+            <a:off x="1439545" y="2680970"/>
+            <a:ext cx="9336405" cy="1496695"/>
+            <a:chOff x="1439545" y="2680970"/>
+            <a:chExt cx="9336405" cy="1496695"/>
           </a:xfrm>
         </p:grpSpPr>
         <p:grpSp>
@@ -10891,10 +14610,10 @@
           </p:nvGrpSpPr>
           <p:grpSpPr>
             <a:xfrm>
-              <a:off x="695325" y="2680806"/>
-              <a:ext cx="1618297" cy="1496388"/>
-              <a:chOff x="1579005" y="1958057"/>
-              <a:chExt cx="2160001" cy="1997285"/>
+              <a:off x="1439545" y="2680970"/>
+              <a:ext cx="1617980" cy="1496695"/>
+              <a:chOff x="1439545" y="2680970"/>
+              <a:chExt cx="1617980" cy="1496695"/>
             </a:xfrm>
           </p:grpSpPr>
           <p:sp>
@@ -10911,8 +14630,8 @@
             </p:nvSpPr>
             <p:spPr>
               <a:xfrm>
-                <a:off x="1579006" y="1958057"/>
-                <a:ext cx="2160000" cy="900000"/>
+                <a:off x="1439545" y="2680970"/>
+                <a:ext cx="1617980" cy="674370"/>
               </a:xfrm>
               <a:prstGeom prst="round2DiagRect">
                 <a:avLst>
@@ -10975,8 +14694,8 @@
             </p:nvSpPr>
             <p:spPr>
               <a:xfrm>
-                <a:off x="1579005" y="2862502"/>
-                <a:ext cx="2160000" cy="1092840"/>
+                <a:off x="1439545" y="3358515"/>
+                <a:ext cx="1617980" cy="818515"/>
               </a:xfrm>
               <a:prstGeom prst="rect">
                 <a:avLst/>
@@ -11073,10 +14792,10 @@
           </p:nvGrpSpPr>
           <p:grpSpPr>
             <a:xfrm>
-              <a:off x="3268089" y="2680806"/>
-              <a:ext cx="1618297" cy="1496388"/>
-              <a:chOff x="1579005" y="1958057"/>
-              <a:chExt cx="2160001" cy="1997285"/>
+              <a:off x="4011930" y="2680970"/>
+              <a:ext cx="1617980" cy="1496695"/>
+              <a:chOff x="4011930" y="2680970"/>
+              <a:chExt cx="1617980" cy="1496695"/>
             </a:xfrm>
           </p:grpSpPr>
           <p:sp>
@@ -11093,8 +14812,8 @@
             </p:nvSpPr>
             <p:spPr>
               <a:xfrm>
-                <a:off x="1579006" y="1958057"/>
-                <a:ext cx="2160000" cy="900000"/>
+                <a:off x="4011930" y="2680970"/>
+                <a:ext cx="1617980" cy="674370"/>
               </a:xfrm>
               <a:prstGeom prst="round2DiagRect">
                 <a:avLst>
@@ -11157,8 +14876,8 @@
             </p:nvSpPr>
             <p:spPr>
               <a:xfrm>
-                <a:off x="1579005" y="2862502"/>
-                <a:ext cx="2160000" cy="1092840"/>
+                <a:off x="4011930" y="3358515"/>
+                <a:ext cx="1617980" cy="818515"/>
               </a:xfrm>
               <a:prstGeom prst="rect">
                 <a:avLst/>
@@ -11231,10 +14950,10 @@
           </p:nvGrpSpPr>
           <p:grpSpPr>
             <a:xfrm>
-              <a:off x="5840851" y="2680806"/>
-              <a:ext cx="1618297" cy="1496388"/>
-              <a:chOff x="1579005" y="1958057"/>
-              <a:chExt cx="2160001" cy="1997285"/>
+              <a:off x="6584950" y="2680970"/>
+              <a:ext cx="1617980" cy="1496695"/>
+              <a:chOff x="6584950" y="2680970"/>
+              <a:chExt cx="1617980" cy="1496695"/>
             </a:xfrm>
           </p:grpSpPr>
           <p:sp>
@@ -11251,8 +14970,8 @@
             </p:nvSpPr>
             <p:spPr>
               <a:xfrm>
-                <a:off x="1579006" y="1958057"/>
-                <a:ext cx="2160000" cy="900000"/>
+                <a:off x="6584950" y="2680970"/>
+                <a:ext cx="1617980" cy="674370"/>
               </a:xfrm>
               <a:prstGeom prst="round2DiagRect">
                 <a:avLst>
@@ -11315,8 +15034,8 @@
             </p:nvSpPr>
             <p:spPr>
               <a:xfrm>
-                <a:off x="1579005" y="2862502"/>
-                <a:ext cx="2160000" cy="1092840"/>
+                <a:off x="6584950" y="3358515"/>
+                <a:ext cx="1617980" cy="818515"/>
               </a:xfrm>
               <a:prstGeom prst="rect">
                 <a:avLst/>
@@ -11405,10 +15124,10 @@
           </p:nvGrpSpPr>
           <p:grpSpPr>
             <a:xfrm>
-              <a:off x="8413611" y="2680806"/>
-              <a:ext cx="1618297" cy="1496388"/>
-              <a:chOff x="1579005" y="1958057"/>
-              <a:chExt cx="2160001" cy="1997285"/>
+              <a:off x="9157970" y="2680970"/>
+              <a:ext cx="1617980" cy="1496695"/>
+              <a:chOff x="9157970" y="2680970"/>
+              <a:chExt cx="1617980" cy="1496695"/>
             </a:xfrm>
           </p:grpSpPr>
           <p:sp>
@@ -11425,8 +15144,8 @@
             </p:nvSpPr>
             <p:spPr>
               <a:xfrm>
-                <a:off x="1579006" y="1958057"/>
-                <a:ext cx="2160000" cy="900000"/>
+                <a:off x="9157970" y="2680970"/>
+                <a:ext cx="1617980" cy="674370"/>
               </a:xfrm>
               <a:prstGeom prst="round2DiagRect">
                 <a:avLst>
@@ -11489,8 +15208,8 @@
             </p:nvSpPr>
             <p:spPr>
               <a:xfrm>
-                <a:off x="1579005" y="2862502"/>
-                <a:ext cx="2160000" cy="1092840"/>
+                <a:off x="9157970" y="3358515"/>
+                <a:ext cx="1617980" cy="818515"/>
               </a:xfrm>
               <a:prstGeom prst="rect">
                 <a:avLst/>
@@ -11563,8 +15282,8 @@
           </p:nvSpPr>
           <p:spPr>
             <a:xfrm rot="16200000">
-              <a:off x="2446979" y="3012585"/>
-              <a:ext cx="687753" cy="685021"/>
+              <a:off x="3190875" y="3012440"/>
+              <a:ext cx="687705" cy="685165"/>
             </a:xfrm>
             <a:prstGeom prst="flowChartMerge">
               <a:avLst/>
@@ -11617,8 +15336,8 @@
           </p:nvSpPr>
           <p:spPr>
             <a:xfrm rot="16200000">
-              <a:off x="5019742" y="3012584"/>
-              <a:ext cx="687753" cy="685021"/>
+              <a:off x="5763895" y="3012440"/>
+              <a:ext cx="687705" cy="685165"/>
             </a:xfrm>
             <a:prstGeom prst="flowChartMerge">
               <a:avLst/>
@@ -11671,8 +15390,8 @@
           </p:nvSpPr>
           <p:spPr>
             <a:xfrm rot="16200000">
-              <a:off x="7592503" y="3012584"/>
-              <a:ext cx="687753" cy="685021"/>
+              <a:off x="8336280" y="3012440"/>
+              <a:ext cx="687705" cy="685165"/>
             </a:xfrm>
             <a:prstGeom prst="flowChartMerge">
               <a:avLst/>
@@ -11722,11 +15441,26 @@
   <p:clrMapOvr>
     <a:masterClrMapping/>
   </p:clrMapOvr>
+  <mc:AlternateContent xmlns:mc="http://schemas.openxmlformats.org/markup-compatibility/2006">
+    <mc:Choice xmlns:p14="http://schemas.microsoft.com/office/powerpoint/2010/main" Requires="p14">
+      <p:transition spd="slow" p14:dur="2000"/>
+    </mc:Choice>
+    <mc:Fallback>
+      <p:transition spd="slow"/>
+    </mc:Fallback>
+  </mc:AlternateContent>
+  <p:timing>
+    <p:tnLst>
+      <p:par>
+        <p:cTn id="1" dur="indefinite" restart="never" nodeType="tmRoot"/>
+      </p:par>
+    </p:tnLst>
+  </p:timing>
 </p:sld>
 </file>
 
 <file path=ppt/slides/slide6.xml><?xml version="1.0" encoding="utf-8"?>
-<p:sld xmlns:a="http://schemas.openxmlformats.org/drawingml/2006/main" xmlns:r="http://schemas.openxmlformats.org/officeDocument/2006/relationships" xmlns:p="http://schemas.openxmlformats.org/presentationml/2006/main">
+<p:sld xmlns:a="http://schemas.openxmlformats.org/drawingml/2006/main" xmlns:r="http://schemas.openxmlformats.org/officeDocument/2006/relationships" xmlns:p="http://schemas.openxmlformats.org/presentationml/2006/main" xmlns:p14="http://schemas.microsoft.com/office/powerpoint/2010/main">
   <p:cSld>
     <p:spTree>
       <p:nvGrpSpPr>
@@ -12240,11 +15974,26 @@
   <p:clrMapOvr>
     <a:masterClrMapping/>
   </p:clrMapOvr>
+  <mc:AlternateContent xmlns:mc="http://schemas.openxmlformats.org/markup-compatibility/2006">
+    <mc:Choice xmlns:p14="http://schemas.microsoft.com/office/powerpoint/2010/main" Requires="p14">
+      <p:transition spd="slow" p14:dur="2000"/>
+    </mc:Choice>
+    <mc:Fallback>
+      <p:transition spd="slow"/>
+    </mc:Fallback>
+  </mc:AlternateContent>
+  <p:timing>
+    <p:tnLst>
+      <p:par>
+        <p:cTn id="1" dur="indefinite" restart="never" nodeType="tmRoot"/>
+      </p:par>
+    </p:tnLst>
+  </p:timing>
 </p:sld>
 </file>
 
 <file path=ppt/slides/slide7.xml><?xml version="1.0" encoding="utf-8"?>
-<p:sld xmlns:a="http://schemas.openxmlformats.org/drawingml/2006/main" xmlns:r="http://schemas.openxmlformats.org/officeDocument/2006/relationships" xmlns:p="http://schemas.openxmlformats.org/presentationml/2006/main">
+<p:sld xmlns:a="http://schemas.openxmlformats.org/drawingml/2006/main" xmlns:r="http://schemas.openxmlformats.org/officeDocument/2006/relationships" xmlns:p="http://schemas.openxmlformats.org/presentationml/2006/main" xmlns:p14="http://schemas.microsoft.com/office/powerpoint/2010/main">
   <p:cSld>
     <p:spTree>
       <p:nvGrpSpPr>
@@ -14451,8 +18200,8 @@
         </p:blipFill>
         <p:spPr>
           <a:xfrm>
-            <a:off x="782349" y="2488223"/>
-            <a:ext cx="3822378" cy="2407993"/>
+            <a:off x="782320" y="2487930"/>
+            <a:ext cx="3822065" cy="2407920"/>
           </a:xfrm>
           <a:prstGeom prst="rect">
             <a:avLst/>
@@ -14469,11 +18218,26 @@
   <p:clrMapOvr>
     <a:masterClrMapping/>
   </p:clrMapOvr>
+  <mc:AlternateContent xmlns:mc="http://schemas.openxmlformats.org/markup-compatibility/2006">
+    <mc:Choice xmlns:p14="http://schemas.microsoft.com/office/powerpoint/2010/main" Requires="p14">
+      <p:transition spd="slow" p14:dur="2000"/>
+    </mc:Choice>
+    <mc:Fallback>
+      <p:transition spd="slow"/>
+    </mc:Fallback>
+  </mc:AlternateContent>
+  <p:timing>
+    <p:tnLst>
+      <p:par>
+        <p:cTn id="1" dur="indefinite" restart="never" nodeType="tmRoot"/>
+      </p:par>
+    </p:tnLst>
+  </p:timing>
 </p:sld>
 </file>
 
 <file path=ppt/slides/slide8.xml><?xml version="1.0" encoding="utf-8"?>
-<p:sld xmlns:a="http://schemas.openxmlformats.org/drawingml/2006/main" xmlns:r="http://schemas.openxmlformats.org/officeDocument/2006/relationships" xmlns:p="http://schemas.openxmlformats.org/presentationml/2006/main">
+<p:sld xmlns:a="http://schemas.openxmlformats.org/drawingml/2006/main" xmlns:r="http://schemas.openxmlformats.org/officeDocument/2006/relationships" xmlns:p="http://schemas.openxmlformats.org/presentationml/2006/main" xmlns:p14="http://schemas.microsoft.com/office/powerpoint/2010/main">
   <p:cSld>
     <p:spTree>
       <p:nvGrpSpPr>
@@ -15336,8 +19100,8 @@
         </p:blipFill>
         <p:spPr>
           <a:xfrm>
-            <a:off x="781416" y="1961235"/>
-            <a:ext cx="3738821" cy="3427900"/>
+            <a:off x="781685" y="1961515"/>
+            <a:ext cx="3738880" cy="3427730"/>
           </a:xfrm>
           <a:prstGeom prst="rect">
             <a:avLst/>
@@ -15354,11 +19118,26 @@
   <p:clrMapOvr>
     <a:masterClrMapping/>
   </p:clrMapOvr>
+  <mc:AlternateContent xmlns:mc="http://schemas.openxmlformats.org/markup-compatibility/2006">
+    <mc:Choice xmlns:p14="http://schemas.microsoft.com/office/powerpoint/2010/main" Requires="p14">
+      <p:transition spd="slow" p14:dur="2000"/>
+    </mc:Choice>
+    <mc:Fallback>
+      <p:transition spd="slow"/>
+    </mc:Fallback>
+  </mc:AlternateContent>
+  <p:timing>
+    <p:tnLst>
+      <p:par>
+        <p:cTn id="1" dur="indefinite" restart="never" nodeType="tmRoot"/>
+      </p:par>
+    </p:tnLst>
+  </p:timing>
 </p:sld>
 </file>
 
 <file path=ppt/slides/slide9.xml><?xml version="1.0" encoding="utf-8"?>
-<p:sld xmlns:a="http://schemas.openxmlformats.org/drawingml/2006/main" xmlns:r="http://schemas.openxmlformats.org/officeDocument/2006/relationships" xmlns:p="http://schemas.openxmlformats.org/presentationml/2006/main">
+<p:sld xmlns:a="http://schemas.openxmlformats.org/drawingml/2006/main" xmlns:r="http://schemas.openxmlformats.org/officeDocument/2006/relationships" xmlns:p="http://schemas.openxmlformats.org/presentationml/2006/main" xmlns:p14="http://schemas.microsoft.com/office/powerpoint/2010/main">
   <p:cSld>
     <p:spTree>
       <p:nvGrpSpPr>
@@ -16407,6 +20186,21 @@
   <p:clrMapOvr>
     <a:masterClrMapping/>
   </p:clrMapOvr>
+  <mc:AlternateContent xmlns:mc="http://schemas.openxmlformats.org/markup-compatibility/2006">
+    <mc:Choice xmlns:p14="http://schemas.microsoft.com/office/powerpoint/2010/main" Requires="p14">
+      <p:transition spd="slow" p14:dur="2000"/>
+    </mc:Choice>
+    <mc:Fallback>
+      <p:transition spd="slow"/>
+    </mc:Fallback>
+  </mc:AlternateContent>
+  <p:timing>
+    <p:tnLst>
+      <p:par>
+        <p:cTn id="1" dur="indefinite" restart="never" nodeType="tmRoot"/>
+      </p:par>
+    </p:tnLst>
+  </p:timing>
 </p:sld>
 </file>
 

--- a/기획/방랑엽사전/퀘스트 시스템 기획서.pptx
+++ b/기획/방랑엽사전/퀘스트 시스템 기획서.pptx
@@ -24,10 +24,10 @@
     <p:sldId id="286" r:id="rId15"/>
     <p:sldId id="289" r:id="rId16"/>
     <p:sldId id="285" r:id="rId17"/>
-    <p:sldId id="288" r:id="rId18"/>
-    <p:sldId id="287" r:id="rId19"/>
-    <p:sldId id="283" r:id="rId20"/>
-    <p:sldId id="282" r:id="rId21"/>
+    <p:sldId id="283" r:id="rId18"/>
+    <p:sldId id="282" r:id="rId19"/>
+    <p:sldId id="288" r:id="rId20"/>
+    <p:sldId id="287" r:id="rId21"/>
   </p:sldIdLst>
   <p:sldSz cx="12192000" cy="6858000"/>
   <p:notesSz cx="6858000" cy="9144000"/>
@@ -264,7 +264,7 @@
           <a:p>
             <a:fld id="{C8649E71-8129-4905-BAC0-51D65A0C1379}" type="datetimeFigureOut">
               <a:rPr lang="ko-KR" altLang="en-US" smtClean="0"/>
-              <a:t>2024-01-25</a:t>
+              <a:t>2024-01-26</a:t>
             </a:fld>
             <a:endParaRPr lang="ko-KR" altLang="en-US"/>
           </a:p>
@@ -762,7 +762,7 @@
           <a:p>
             <a:fld id="{523D6941-6B33-4834-BC65-A333846D27E6}" type="datetimeFigureOut">
               <a:rPr lang="ko-KR" altLang="en-US" smtClean="0"/>
-              <a:t>2024-01-25</a:t>
+              <a:t>2024-01-26</a:t>
             </a:fld>
             <a:endParaRPr lang="ko-KR" altLang="en-US"/>
           </a:p>
@@ -960,7 +960,7 @@
           <a:p>
             <a:fld id="{523D6941-6B33-4834-BC65-A333846D27E6}" type="datetimeFigureOut">
               <a:rPr lang="ko-KR" altLang="en-US" smtClean="0"/>
-              <a:t>2024-01-25</a:t>
+              <a:t>2024-01-26</a:t>
             </a:fld>
             <a:endParaRPr lang="ko-KR" altLang="en-US"/>
           </a:p>
@@ -1168,7 +1168,7 @@
           <a:p>
             <a:fld id="{523D6941-6B33-4834-BC65-A333846D27E6}" type="datetimeFigureOut">
               <a:rPr lang="ko-KR" altLang="en-US" smtClean="0"/>
-              <a:t>2024-01-25</a:t>
+              <a:t>2024-01-26</a:t>
             </a:fld>
             <a:endParaRPr lang="ko-KR" altLang="en-US"/>
           </a:p>
@@ -1381,7 +1381,7 @@
           <a:p>
             <a:fld id="{523D6941-6B33-4834-BC65-A333846D27E6}" type="datetimeFigureOut">
               <a:rPr lang="ko-KR" altLang="en-US" smtClean="0"/>
-              <a:t>2024-01-25</a:t>
+              <a:t>2024-01-26</a:t>
             </a:fld>
             <a:endParaRPr lang="ko-KR" altLang="en-US"/>
           </a:p>
@@ -1666,7 +1666,7 @@
           <a:p>
             <a:fld id="{523D6941-6B33-4834-BC65-A333846D27E6}" type="datetimeFigureOut">
               <a:rPr lang="ko-KR" altLang="en-US" smtClean="0"/>
-              <a:t>2024-01-25</a:t>
+              <a:t>2024-01-26</a:t>
             </a:fld>
             <a:endParaRPr lang="ko-KR" altLang="en-US"/>
           </a:p>
@@ -1931,7 +1931,7 @@
           <a:p>
             <a:fld id="{523D6941-6B33-4834-BC65-A333846D27E6}" type="datetimeFigureOut">
               <a:rPr lang="ko-KR" altLang="en-US" smtClean="0"/>
-              <a:t>2024-01-25</a:t>
+              <a:t>2024-01-26</a:t>
             </a:fld>
             <a:endParaRPr lang="ko-KR" altLang="en-US"/>
           </a:p>
@@ -2343,7 +2343,7 @@
           <a:p>
             <a:fld id="{523D6941-6B33-4834-BC65-A333846D27E6}" type="datetimeFigureOut">
               <a:rPr lang="ko-KR" altLang="en-US" smtClean="0"/>
-              <a:t>2024-01-25</a:t>
+              <a:t>2024-01-26</a:t>
             </a:fld>
             <a:endParaRPr lang="ko-KR" altLang="en-US"/>
           </a:p>
@@ -2484,7 +2484,7 @@
           <a:p>
             <a:fld id="{523D6941-6B33-4834-BC65-A333846D27E6}" type="datetimeFigureOut">
               <a:rPr lang="ko-KR" altLang="en-US" smtClean="0"/>
-              <a:t>2024-01-25</a:t>
+              <a:t>2024-01-26</a:t>
             </a:fld>
             <a:endParaRPr lang="ko-KR" altLang="en-US"/>
           </a:p>
@@ -2597,7 +2597,7 @@
           <a:p>
             <a:fld id="{523D6941-6B33-4834-BC65-A333846D27E6}" type="datetimeFigureOut">
               <a:rPr lang="ko-KR" altLang="en-US" smtClean="0"/>
-              <a:t>2024-01-25</a:t>
+              <a:t>2024-01-26</a:t>
             </a:fld>
             <a:endParaRPr lang="ko-KR" altLang="en-US"/>
           </a:p>
@@ -2908,7 +2908,7 @@
           <a:p>
             <a:fld id="{523D6941-6B33-4834-BC65-A333846D27E6}" type="datetimeFigureOut">
               <a:rPr lang="ko-KR" altLang="en-US" smtClean="0"/>
-              <a:t>2024-01-25</a:t>
+              <a:t>2024-01-26</a:t>
             </a:fld>
             <a:endParaRPr lang="ko-KR" altLang="en-US"/>
           </a:p>
@@ -3196,7 +3196,7 @@
           <a:p>
             <a:fld id="{523D6941-6B33-4834-BC65-A333846D27E6}" type="datetimeFigureOut">
               <a:rPr lang="ko-KR" altLang="en-US" smtClean="0"/>
-              <a:t>2024-01-25</a:t>
+              <a:t>2024-01-26</a:t>
             </a:fld>
             <a:endParaRPr lang="ko-KR" altLang="en-US"/>
           </a:p>
@@ -3437,7 +3437,7 @@
           <a:p>
             <a:fld id="{523D6941-6B33-4834-BC65-A333846D27E6}" type="datetimeFigureOut">
               <a:rPr lang="ko-KR" altLang="en-US" smtClean="0"/>
-              <a:t>2024-01-25</a:t>
+              <a:t>2024-01-26</a:t>
             </a:fld>
             <a:endParaRPr lang="ko-KR" altLang="en-US"/>
           </a:p>
@@ -15147,3643 +15147,6 @@
           <a:chExt cx="0" cy="0"/>
         </a:xfrm>
       </p:grpSpPr>
-      <p:graphicFrame>
-        <p:nvGraphicFramePr>
-          <p:cNvPr id="41" name="표 10">
-            <a:extLst>
-              <a:ext uri="{FF2B5EF4-FFF2-40B4-BE49-F238E27FC236}">
-                <a16:creationId xmlns:a16="http://schemas.microsoft.com/office/drawing/2014/main" id="{F31AD762-52DA-43F2-A225-BE1C55A1A36F}"/>
-              </a:ext>
-            </a:extLst>
-          </p:cNvPr>
-          <p:cNvGraphicFramePr>
-            <a:graphicFrameLocks noGrp="1"/>
-          </p:cNvGraphicFramePr>
-          <p:nvPr>
-            <p:extLst>
-              <p:ext uri="{D42A27DB-BD31-4B8C-83A1-F6EECF244321}">
-                <p14:modId xmlns:p14="http://schemas.microsoft.com/office/powerpoint/2010/main" val="3516269243"/>
-              </p:ext>
-            </p:extLst>
-          </p:nvPr>
-        </p:nvGraphicFramePr>
-        <p:xfrm>
-          <a:off x="2873971" y="4021716"/>
-          <a:ext cx="6430329" cy="1645920"/>
-        </p:xfrm>
-        <a:graphic>
-          <a:graphicData uri="http://schemas.openxmlformats.org/drawingml/2006/table">
-            <a:tbl>
-              <a:tblPr firstRow="1" bandRow="1">
-                <a:tableStyleId>{5C22544A-7EE6-4342-B048-85BDC9FD1C3A}</a:tableStyleId>
-              </a:tblPr>
-              <a:tblGrid>
-                <a:gridCol w="343218">
-                  <a:extLst>
-                    <a:ext uri="{9D8B030D-6E8A-4147-A177-3AD203B41FA5}">
-                      <a16:colId xmlns:a16="http://schemas.microsoft.com/office/drawing/2014/main" val="3617794751"/>
-                    </a:ext>
-                  </a:extLst>
-                </a:gridCol>
-                <a:gridCol w="1435418">
-                  <a:extLst>
-                    <a:ext uri="{9D8B030D-6E8A-4147-A177-3AD203B41FA5}">
-                      <a16:colId xmlns:a16="http://schemas.microsoft.com/office/drawing/2014/main" val="1712823105"/>
-                    </a:ext>
-                  </a:extLst>
-                </a:gridCol>
-                <a:gridCol w="4651693">
-                  <a:extLst>
-                    <a:ext uri="{9D8B030D-6E8A-4147-A177-3AD203B41FA5}">
-                      <a16:colId xmlns:a16="http://schemas.microsoft.com/office/drawing/2014/main" val="3121719190"/>
-                    </a:ext>
-                  </a:extLst>
-                </a:gridCol>
-              </a:tblGrid>
-              <a:tr h="0">
-                <a:tc>
-                  <a:txBody>
-                    <a:bodyPr/>
-                    <a:lstStyle/>
-                    <a:p>
-                      <a:pPr latinLnBrk="1"/>
-                      <a:r>
-                        <a:rPr lang="en-US" altLang="ko-KR" sz="1400" b="0" dirty="0">
-                          <a:solidFill>
-                            <a:schemeClr val="tx1"/>
-                          </a:solidFill>
-                        </a:rPr>
-                        <a:t>1</a:t>
-                      </a:r>
-                      <a:endParaRPr lang="ko-KR" altLang="en-US" sz="1400" b="0" dirty="0">
-                        <a:solidFill>
-                          <a:schemeClr val="tx1"/>
-                        </a:solidFill>
-                      </a:endParaRPr>
-                    </a:p>
-                  </a:txBody>
-                  <a:tcPr anchor="ctr">
-                    <a:lnL w="12700" cmpd="sng">
-                      <a:noFill/>
-                    </a:lnL>
-                    <a:lnR w="12700" cap="flat" cmpd="sng" algn="ctr">
-                      <a:solidFill>
-                        <a:schemeClr val="tx1"/>
-                      </a:solidFill>
-                      <a:prstDash val="solid"/>
-                      <a:round/>
-                      <a:headEnd type="none" w="med" len="med"/>
-                      <a:tailEnd type="none" w="med" len="med"/>
-                    </a:lnR>
-                    <a:lnT w="12700" cap="flat" cmpd="sng" algn="ctr">
-                      <a:noFill/>
-                      <a:prstDash val="solid"/>
-                      <a:round/>
-                      <a:headEnd type="none" w="med" len="med"/>
-                      <a:tailEnd type="none" w="med" len="med"/>
-                    </a:lnT>
-                    <a:lnB w="12700" cap="flat" cmpd="sng" algn="ctr">
-                      <a:solidFill>
-                        <a:schemeClr val="tx1"/>
-                      </a:solidFill>
-                      <a:prstDash val="solid"/>
-                      <a:round/>
-                      <a:headEnd type="none" w="med" len="med"/>
-                      <a:tailEnd type="none" w="med" len="med"/>
-                    </a:lnB>
-                    <a:lnTlToBr w="12700" cmpd="sng">
-                      <a:noFill/>
-                      <a:prstDash val="solid"/>
-                    </a:lnTlToBr>
-                    <a:lnBlToTr w="12700" cmpd="sng">
-                      <a:noFill/>
-                      <a:prstDash val="solid"/>
-                    </a:lnBlToTr>
-                    <a:noFill/>
-                  </a:tcPr>
-                </a:tc>
-                <a:tc>
-                  <a:txBody>
-                    <a:bodyPr/>
-                    <a:lstStyle/>
-                    <a:p>
-                      <a:pPr latinLnBrk="1"/>
-                      <a:r>
-                        <a:rPr lang="ko-KR" altLang="en-US" sz="1400" b="0" dirty="0">
-                          <a:solidFill>
-                            <a:schemeClr val="tx1"/>
-                          </a:solidFill>
-                        </a:rPr>
-                        <a:t>퀘스트 실패 창</a:t>
-                      </a:r>
-                    </a:p>
-                  </a:txBody>
-                  <a:tcPr anchor="ctr">
-                    <a:lnL w="12700" cap="flat" cmpd="sng" algn="ctr">
-                      <a:solidFill>
-                        <a:schemeClr val="tx1"/>
-                      </a:solidFill>
-                      <a:prstDash val="solid"/>
-                      <a:round/>
-                      <a:headEnd type="none" w="med" len="med"/>
-                      <a:tailEnd type="none" w="med" len="med"/>
-                    </a:lnL>
-                    <a:lnR w="12700" cap="flat" cmpd="sng" algn="ctr">
-                      <a:solidFill>
-                        <a:schemeClr val="tx1"/>
-                      </a:solidFill>
-                      <a:prstDash val="solid"/>
-                      <a:round/>
-                      <a:headEnd type="none" w="med" len="med"/>
-                      <a:tailEnd type="none" w="med" len="med"/>
-                    </a:lnR>
-                    <a:lnT w="12700" cap="flat" cmpd="sng" algn="ctr">
-                      <a:noFill/>
-                      <a:prstDash val="solid"/>
-                      <a:round/>
-                      <a:headEnd type="none" w="med" len="med"/>
-                      <a:tailEnd type="none" w="med" len="med"/>
-                    </a:lnT>
-                    <a:lnB w="12700" cap="flat" cmpd="sng" algn="ctr">
-                      <a:solidFill>
-                        <a:schemeClr val="tx1"/>
-                      </a:solidFill>
-                      <a:prstDash val="solid"/>
-                      <a:round/>
-                      <a:headEnd type="none" w="med" len="med"/>
-                      <a:tailEnd type="none" w="med" len="med"/>
-                    </a:lnB>
-                    <a:lnTlToBr w="12700" cmpd="sng">
-                      <a:noFill/>
-                      <a:prstDash val="solid"/>
-                    </a:lnTlToBr>
-                    <a:lnBlToTr w="12700" cmpd="sng">
-                      <a:noFill/>
-                      <a:prstDash val="solid"/>
-                    </a:lnBlToTr>
-                    <a:noFill/>
-                  </a:tcPr>
-                </a:tc>
-                <a:tc>
-                  <a:txBody>
-                    <a:bodyPr/>
-                    <a:lstStyle/>
-                    <a:p>
-                      <a:pPr latinLnBrk="1"/>
-                      <a:r>
-                        <a:rPr lang="ko-KR" altLang="en-US" sz="1400" b="0" dirty="0">
-                          <a:solidFill>
-                            <a:schemeClr val="tx1"/>
-                          </a:solidFill>
-                        </a:rPr>
-                        <a:t>퀘스트 실패 시 팝업 되는 창</a:t>
-                      </a:r>
-                    </a:p>
-                  </a:txBody>
-                  <a:tcPr>
-                    <a:lnL w="12700" cap="flat" cmpd="sng" algn="ctr">
-                      <a:solidFill>
-                        <a:schemeClr val="tx1"/>
-                      </a:solidFill>
-                      <a:prstDash val="solid"/>
-                      <a:round/>
-                      <a:headEnd type="none" w="med" len="med"/>
-                      <a:tailEnd type="none" w="med" len="med"/>
-                    </a:lnL>
-                    <a:lnR w="12700" cmpd="sng">
-                      <a:noFill/>
-                    </a:lnR>
-                    <a:lnT w="12700" cap="flat" cmpd="sng" algn="ctr">
-                      <a:noFill/>
-                      <a:prstDash val="solid"/>
-                      <a:round/>
-                      <a:headEnd type="none" w="med" len="med"/>
-                      <a:tailEnd type="none" w="med" len="med"/>
-                    </a:lnT>
-                    <a:lnB w="12700" cap="flat" cmpd="sng" algn="ctr">
-                      <a:solidFill>
-                        <a:schemeClr val="tx1"/>
-                      </a:solidFill>
-                      <a:prstDash val="solid"/>
-                      <a:round/>
-                      <a:headEnd type="none" w="med" len="med"/>
-                      <a:tailEnd type="none" w="med" len="med"/>
-                    </a:lnB>
-                    <a:lnTlToBr w="12700" cmpd="sng">
-                      <a:noFill/>
-                      <a:prstDash val="solid"/>
-                    </a:lnTlToBr>
-                    <a:lnBlToTr w="12700" cmpd="sng">
-                      <a:noFill/>
-                      <a:prstDash val="solid"/>
-                    </a:lnBlToTr>
-                    <a:noFill/>
-                  </a:tcPr>
-                </a:tc>
-                <a:extLst>
-                  <a:ext uri="{0D108BD9-81ED-4DB2-BD59-A6C34878D82A}">
-                    <a16:rowId xmlns:a16="http://schemas.microsoft.com/office/drawing/2014/main" val="1079573317"/>
-                  </a:ext>
-                </a:extLst>
-              </a:tr>
-              <a:tr h="0">
-                <a:tc>
-                  <a:txBody>
-                    <a:bodyPr/>
-                    <a:lstStyle/>
-                    <a:p>
-                      <a:pPr latinLnBrk="1"/>
-                      <a:r>
-                        <a:rPr lang="en-US" altLang="ko-KR" sz="1400" b="0" dirty="0">
-                          <a:solidFill>
-                            <a:schemeClr val="tx1"/>
-                          </a:solidFill>
-                        </a:rPr>
-                        <a:t>2</a:t>
-                      </a:r>
-                      <a:endParaRPr lang="ko-KR" altLang="en-US" sz="1400" b="0" dirty="0">
-                        <a:solidFill>
-                          <a:schemeClr val="tx1"/>
-                        </a:solidFill>
-                      </a:endParaRPr>
-                    </a:p>
-                  </a:txBody>
-                  <a:tcPr anchor="ctr">
-                    <a:lnL w="12700" cmpd="sng">
-                      <a:noFill/>
-                    </a:lnL>
-                    <a:lnR w="12700" cap="flat" cmpd="sng" algn="ctr">
-                      <a:solidFill>
-                        <a:schemeClr val="tx1"/>
-                      </a:solidFill>
-                      <a:prstDash val="solid"/>
-                      <a:round/>
-                      <a:headEnd type="none" w="med" len="med"/>
-                      <a:tailEnd type="none" w="med" len="med"/>
-                    </a:lnR>
-                    <a:lnT w="12700" cap="flat" cmpd="sng" algn="ctr">
-                      <a:solidFill>
-                        <a:schemeClr val="tx1"/>
-                      </a:solidFill>
-                      <a:prstDash val="solid"/>
-                      <a:round/>
-                      <a:headEnd type="none" w="med" len="med"/>
-                      <a:tailEnd type="none" w="med" len="med"/>
-                    </a:lnT>
-                    <a:lnB w="12700" cap="flat" cmpd="sng" algn="ctr">
-                      <a:solidFill>
-                        <a:schemeClr val="tx1"/>
-                      </a:solidFill>
-                      <a:prstDash val="solid"/>
-                      <a:round/>
-                      <a:headEnd type="none" w="med" len="med"/>
-                      <a:tailEnd type="none" w="med" len="med"/>
-                    </a:lnB>
-                    <a:lnTlToBr w="12700" cmpd="sng">
-                      <a:noFill/>
-                      <a:prstDash val="solid"/>
-                    </a:lnTlToBr>
-                    <a:lnBlToTr w="12700" cmpd="sng">
-                      <a:noFill/>
-                      <a:prstDash val="solid"/>
-                    </a:lnBlToTr>
-                    <a:noFill/>
-                  </a:tcPr>
-                </a:tc>
-                <a:tc>
-                  <a:txBody>
-                    <a:bodyPr/>
-                    <a:lstStyle/>
-                    <a:p>
-                      <a:pPr latinLnBrk="1"/>
-                      <a:r>
-                        <a:rPr lang="ko-KR" altLang="en-US" sz="1400" b="0" dirty="0">
-                          <a:solidFill>
-                            <a:schemeClr val="tx1"/>
-                          </a:solidFill>
-                        </a:rPr>
-                        <a:t>퀘스트 명</a:t>
-                      </a:r>
-                    </a:p>
-                  </a:txBody>
-                  <a:tcPr anchor="ctr">
-                    <a:lnL w="12700" cap="flat" cmpd="sng" algn="ctr">
-                      <a:solidFill>
-                        <a:schemeClr val="tx1"/>
-                      </a:solidFill>
-                      <a:prstDash val="solid"/>
-                      <a:round/>
-                      <a:headEnd type="none" w="med" len="med"/>
-                      <a:tailEnd type="none" w="med" len="med"/>
-                    </a:lnL>
-                    <a:lnR w="12700" cap="flat" cmpd="sng" algn="ctr">
-                      <a:solidFill>
-                        <a:schemeClr val="tx1"/>
-                      </a:solidFill>
-                      <a:prstDash val="solid"/>
-                      <a:round/>
-                      <a:headEnd type="none" w="med" len="med"/>
-                      <a:tailEnd type="none" w="med" len="med"/>
-                    </a:lnR>
-                    <a:lnT w="12700" cap="flat" cmpd="sng" algn="ctr">
-                      <a:solidFill>
-                        <a:schemeClr val="tx1"/>
-                      </a:solidFill>
-                      <a:prstDash val="solid"/>
-                      <a:round/>
-                      <a:headEnd type="none" w="med" len="med"/>
-                      <a:tailEnd type="none" w="med" len="med"/>
-                    </a:lnT>
-                    <a:lnB w="12700" cap="flat" cmpd="sng" algn="ctr">
-                      <a:solidFill>
-                        <a:schemeClr val="tx1"/>
-                      </a:solidFill>
-                      <a:prstDash val="solid"/>
-                      <a:round/>
-                      <a:headEnd type="none" w="med" len="med"/>
-                      <a:tailEnd type="none" w="med" len="med"/>
-                    </a:lnB>
-                    <a:lnTlToBr w="12700" cmpd="sng">
-                      <a:noFill/>
-                      <a:prstDash val="solid"/>
-                    </a:lnTlToBr>
-                    <a:lnBlToTr w="12700" cmpd="sng">
-                      <a:noFill/>
-                      <a:prstDash val="solid"/>
-                    </a:lnBlToTr>
-                    <a:noFill/>
-                  </a:tcPr>
-                </a:tc>
-                <a:tc>
-                  <a:txBody>
-                    <a:bodyPr/>
-                    <a:lstStyle/>
-                    <a:p>
-                      <a:pPr latinLnBrk="1"/>
-                      <a:r>
-                        <a:rPr lang="ko-KR" altLang="en-US" sz="1400" b="0" dirty="0">
-                          <a:solidFill>
-                            <a:schemeClr val="tx1"/>
-                          </a:solidFill>
-                        </a:rPr>
-                        <a:t>실패한 퀘스트 이름</a:t>
-                      </a:r>
-                    </a:p>
-                  </a:txBody>
-                  <a:tcPr>
-                    <a:lnL w="12700" cap="flat" cmpd="sng" algn="ctr">
-                      <a:solidFill>
-                        <a:schemeClr val="tx1"/>
-                      </a:solidFill>
-                      <a:prstDash val="solid"/>
-                      <a:round/>
-                      <a:headEnd type="none" w="med" len="med"/>
-                      <a:tailEnd type="none" w="med" len="med"/>
-                    </a:lnL>
-                    <a:lnR w="12700" cmpd="sng">
-                      <a:noFill/>
-                    </a:lnR>
-                    <a:lnT w="12700" cap="flat" cmpd="sng" algn="ctr">
-                      <a:solidFill>
-                        <a:schemeClr val="tx1"/>
-                      </a:solidFill>
-                      <a:prstDash val="solid"/>
-                      <a:round/>
-                      <a:headEnd type="none" w="med" len="med"/>
-                      <a:tailEnd type="none" w="med" len="med"/>
-                    </a:lnT>
-                    <a:lnB w="12700" cap="flat" cmpd="sng" algn="ctr">
-                      <a:solidFill>
-                        <a:schemeClr val="tx1"/>
-                      </a:solidFill>
-                      <a:prstDash val="solid"/>
-                      <a:round/>
-                      <a:headEnd type="none" w="med" len="med"/>
-                      <a:tailEnd type="none" w="med" len="med"/>
-                    </a:lnB>
-                    <a:lnTlToBr w="12700" cmpd="sng">
-                      <a:noFill/>
-                      <a:prstDash val="solid"/>
-                    </a:lnTlToBr>
-                    <a:lnBlToTr w="12700" cmpd="sng">
-                      <a:noFill/>
-                      <a:prstDash val="solid"/>
-                    </a:lnBlToTr>
-                    <a:noFill/>
-                  </a:tcPr>
-                </a:tc>
-                <a:extLst>
-                  <a:ext uri="{0D108BD9-81ED-4DB2-BD59-A6C34878D82A}">
-                    <a16:rowId xmlns:a16="http://schemas.microsoft.com/office/drawing/2014/main" val="3394450114"/>
-                  </a:ext>
-                </a:extLst>
-              </a:tr>
-              <a:tr h="0">
-                <a:tc>
-                  <a:txBody>
-                    <a:bodyPr/>
-                    <a:lstStyle/>
-                    <a:p>
-                      <a:pPr latinLnBrk="1"/>
-                      <a:r>
-                        <a:rPr lang="en-US" altLang="ko-KR" sz="1400" b="0" dirty="0">
-                          <a:solidFill>
-                            <a:schemeClr val="tx1"/>
-                          </a:solidFill>
-                        </a:rPr>
-                        <a:t>3</a:t>
-                      </a:r>
-                      <a:endParaRPr lang="ko-KR" altLang="en-US" sz="1400" b="0" dirty="0">
-                        <a:solidFill>
-                          <a:schemeClr val="tx1"/>
-                        </a:solidFill>
-                      </a:endParaRPr>
-                    </a:p>
-                  </a:txBody>
-                  <a:tcPr anchor="ctr">
-                    <a:lnL w="12700" cmpd="sng">
-                      <a:noFill/>
-                    </a:lnL>
-                    <a:lnR w="12700" cap="flat" cmpd="sng" algn="ctr">
-                      <a:solidFill>
-                        <a:schemeClr val="tx1"/>
-                      </a:solidFill>
-                      <a:prstDash val="solid"/>
-                      <a:round/>
-                      <a:headEnd type="none" w="med" len="med"/>
-                      <a:tailEnd type="none" w="med" len="med"/>
-                    </a:lnR>
-                    <a:lnT w="12700" cap="flat" cmpd="sng" algn="ctr">
-                      <a:solidFill>
-                        <a:schemeClr val="tx1"/>
-                      </a:solidFill>
-                      <a:prstDash val="solid"/>
-                      <a:round/>
-                      <a:headEnd type="none" w="med" len="med"/>
-                      <a:tailEnd type="none" w="med" len="med"/>
-                    </a:lnT>
-                    <a:lnB w="12700" cap="flat" cmpd="sng" algn="ctr">
-                      <a:solidFill>
-                        <a:schemeClr val="tx1"/>
-                      </a:solidFill>
-                      <a:prstDash val="solid"/>
-                      <a:round/>
-                      <a:headEnd type="none" w="med" len="med"/>
-                      <a:tailEnd type="none" w="med" len="med"/>
-                    </a:lnB>
-                    <a:lnTlToBr w="12700" cmpd="sng">
-                      <a:noFill/>
-                      <a:prstDash val="solid"/>
-                    </a:lnTlToBr>
-                    <a:lnBlToTr w="12700" cmpd="sng">
-                      <a:noFill/>
-                      <a:prstDash val="solid"/>
-                    </a:lnBlToTr>
-                    <a:noFill/>
-                  </a:tcPr>
-                </a:tc>
-                <a:tc>
-                  <a:txBody>
-                    <a:bodyPr/>
-                    <a:lstStyle/>
-                    <a:p>
-                      <a:pPr latinLnBrk="1"/>
-                      <a:r>
-                        <a:rPr lang="ko-KR" altLang="en-US" sz="1400" b="0" dirty="0">
-                          <a:solidFill>
-                            <a:schemeClr val="tx1"/>
-                          </a:solidFill>
-                        </a:rPr>
-                        <a:t>재도전</a:t>
-                      </a:r>
-                    </a:p>
-                  </a:txBody>
-                  <a:tcPr anchor="ctr">
-                    <a:lnL w="12700" cap="flat" cmpd="sng" algn="ctr">
-                      <a:solidFill>
-                        <a:schemeClr val="tx1"/>
-                      </a:solidFill>
-                      <a:prstDash val="solid"/>
-                      <a:round/>
-                      <a:headEnd type="none" w="med" len="med"/>
-                      <a:tailEnd type="none" w="med" len="med"/>
-                    </a:lnL>
-                    <a:lnR w="12700" cap="flat" cmpd="sng" algn="ctr">
-                      <a:solidFill>
-                        <a:schemeClr val="tx1"/>
-                      </a:solidFill>
-                      <a:prstDash val="solid"/>
-                      <a:round/>
-                      <a:headEnd type="none" w="med" len="med"/>
-                      <a:tailEnd type="none" w="med" len="med"/>
-                    </a:lnR>
-                    <a:lnT w="12700" cap="flat" cmpd="sng" algn="ctr">
-                      <a:solidFill>
-                        <a:schemeClr val="tx1"/>
-                      </a:solidFill>
-                      <a:prstDash val="solid"/>
-                      <a:round/>
-                      <a:headEnd type="none" w="med" len="med"/>
-                      <a:tailEnd type="none" w="med" len="med"/>
-                    </a:lnT>
-                    <a:lnB w="12700" cap="flat" cmpd="sng" algn="ctr">
-                      <a:solidFill>
-                        <a:schemeClr val="tx1"/>
-                      </a:solidFill>
-                      <a:prstDash val="solid"/>
-                      <a:round/>
-                      <a:headEnd type="none" w="med" len="med"/>
-                      <a:tailEnd type="none" w="med" len="med"/>
-                    </a:lnB>
-                    <a:lnTlToBr w="12700" cmpd="sng">
-                      <a:noFill/>
-                      <a:prstDash val="solid"/>
-                    </a:lnTlToBr>
-                    <a:lnBlToTr w="12700" cmpd="sng">
-                      <a:noFill/>
-                      <a:prstDash val="solid"/>
-                    </a:lnBlToTr>
-                    <a:noFill/>
-                  </a:tcPr>
-                </a:tc>
-                <a:tc>
-                  <a:txBody>
-                    <a:bodyPr/>
-                    <a:lstStyle/>
-                    <a:p>
-                      <a:pPr latinLnBrk="1"/>
-                      <a:r>
-                        <a:rPr lang="ko-KR" altLang="en-US" sz="1400" b="0" dirty="0">
-                          <a:solidFill>
-                            <a:schemeClr val="tx1"/>
-                          </a:solidFill>
-                        </a:rPr>
-                        <a:t>재도전 가능한 퀘스트일 경우 다시 도전할 수 있는 버튼</a:t>
-                      </a:r>
-                      <a:r>
-                        <a:rPr lang="en-US" altLang="ko-KR" sz="1400" b="0" dirty="0">
-                          <a:solidFill>
-                            <a:schemeClr val="tx1"/>
-                          </a:solidFill>
-                        </a:rPr>
-                        <a:t>.</a:t>
-                      </a:r>
-                    </a:p>
-                    <a:p>
-                      <a:pPr latinLnBrk="1"/>
-                      <a:r>
-                        <a:rPr lang="ko-KR" altLang="en-US" sz="1400" b="0" dirty="0">
-                          <a:solidFill>
-                            <a:schemeClr val="tx1"/>
-                          </a:solidFill>
-                        </a:rPr>
-                        <a:t>재도전 불가일 경우 비활성화</a:t>
-                      </a:r>
-                      <a:r>
-                        <a:rPr lang="en-US" altLang="ko-KR" sz="1400" b="0" dirty="0">
-                          <a:solidFill>
-                            <a:schemeClr val="tx1"/>
-                          </a:solidFill>
-                        </a:rPr>
-                        <a:t>.</a:t>
-                      </a:r>
-                      <a:endParaRPr lang="ko-KR" altLang="en-US" sz="1400" b="0" dirty="0">
-                        <a:solidFill>
-                          <a:schemeClr val="tx1"/>
-                        </a:solidFill>
-                      </a:endParaRPr>
-                    </a:p>
-                  </a:txBody>
-                  <a:tcPr>
-                    <a:lnL w="12700" cap="flat" cmpd="sng" algn="ctr">
-                      <a:solidFill>
-                        <a:schemeClr val="tx1"/>
-                      </a:solidFill>
-                      <a:prstDash val="solid"/>
-                      <a:round/>
-                      <a:headEnd type="none" w="med" len="med"/>
-                      <a:tailEnd type="none" w="med" len="med"/>
-                    </a:lnL>
-                    <a:lnR w="12700" cmpd="sng">
-                      <a:noFill/>
-                    </a:lnR>
-                    <a:lnT w="12700" cap="flat" cmpd="sng" algn="ctr">
-                      <a:solidFill>
-                        <a:schemeClr val="tx1"/>
-                      </a:solidFill>
-                      <a:prstDash val="solid"/>
-                      <a:round/>
-                      <a:headEnd type="none" w="med" len="med"/>
-                      <a:tailEnd type="none" w="med" len="med"/>
-                    </a:lnT>
-                    <a:lnB w="12700" cap="flat" cmpd="sng" algn="ctr">
-                      <a:solidFill>
-                        <a:schemeClr val="tx1"/>
-                      </a:solidFill>
-                      <a:prstDash val="solid"/>
-                      <a:round/>
-                      <a:headEnd type="none" w="med" len="med"/>
-                      <a:tailEnd type="none" w="med" len="med"/>
-                    </a:lnB>
-                    <a:lnTlToBr w="12700" cmpd="sng">
-                      <a:noFill/>
-                      <a:prstDash val="solid"/>
-                    </a:lnTlToBr>
-                    <a:lnBlToTr w="12700" cmpd="sng">
-                      <a:noFill/>
-                      <a:prstDash val="solid"/>
-                    </a:lnBlToTr>
-                    <a:noFill/>
-                  </a:tcPr>
-                </a:tc>
-                <a:extLst>
-                  <a:ext uri="{0D108BD9-81ED-4DB2-BD59-A6C34878D82A}">
-                    <a16:rowId xmlns:a16="http://schemas.microsoft.com/office/drawing/2014/main" val="3240427129"/>
-                  </a:ext>
-                </a:extLst>
-              </a:tr>
-              <a:tr h="0">
-                <a:tc>
-                  <a:txBody>
-                    <a:bodyPr/>
-                    <a:lstStyle/>
-                    <a:p>
-                      <a:pPr latinLnBrk="1"/>
-                      <a:r>
-                        <a:rPr lang="en-US" altLang="ko-KR" sz="1400" b="0" dirty="0">
-                          <a:solidFill>
-                            <a:schemeClr val="tx1"/>
-                          </a:solidFill>
-                        </a:rPr>
-                        <a:t>4</a:t>
-                      </a:r>
-                      <a:endParaRPr lang="ko-KR" altLang="en-US" sz="1400" b="0" dirty="0">
-                        <a:solidFill>
-                          <a:schemeClr val="tx1"/>
-                        </a:solidFill>
-                      </a:endParaRPr>
-                    </a:p>
-                  </a:txBody>
-                  <a:tcPr anchor="ctr">
-                    <a:lnL w="12700" cmpd="sng">
-                      <a:noFill/>
-                    </a:lnL>
-                    <a:lnR w="12700" cap="flat" cmpd="sng" algn="ctr">
-                      <a:solidFill>
-                        <a:schemeClr val="tx1"/>
-                      </a:solidFill>
-                      <a:prstDash val="solid"/>
-                      <a:round/>
-                      <a:headEnd type="none" w="med" len="med"/>
-                      <a:tailEnd type="none" w="med" len="med"/>
-                    </a:lnR>
-                    <a:lnT w="12700" cap="flat" cmpd="sng" algn="ctr">
-                      <a:solidFill>
-                        <a:schemeClr val="tx1"/>
-                      </a:solidFill>
-                      <a:prstDash val="solid"/>
-                      <a:round/>
-                      <a:headEnd type="none" w="med" len="med"/>
-                      <a:tailEnd type="none" w="med" len="med"/>
-                    </a:lnT>
-                    <a:lnB w="12700" cap="flat" cmpd="sng" algn="ctr">
-                      <a:noFill/>
-                      <a:prstDash val="solid"/>
-                      <a:round/>
-                      <a:headEnd type="none" w="med" len="med"/>
-                      <a:tailEnd type="none" w="med" len="med"/>
-                    </a:lnB>
-                    <a:lnTlToBr w="12700" cmpd="sng">
-                      <a:noFill/>
-                      <a:prstDash val="solid"/>
-                    </a:lnTlToBr>
-                    <a:lnBlToTr w="12700" cmpd="sng">
-                      <a:noFill/>
-                      <a:prstDash val="solid"/>
-                    </a:lnBlToTr>
-                    <a:noFill/>
-                  </a:tcPr>
-                </a:tc>
-                <a:tc>
-                  <a:txBody>
-                    <a:bodyPr/>
-                    <a:lstStyle/>
-                    <a:p>
-                      <a:pPr latinLnBrk="1"/>
-                      <a:r>
-                        <a:rPr lang="ko-KR" altLang="en-US" sz="1400" b="0" dirty="0">
-                          <a:solidFill>
-                            <a:schemeClr val="tx1"/>
-                          </a:solidFill>
-                        </a:rPr>
-                        <a:t>포기</a:t>
-                      </a:r>
-                    </a:p>
-                  </a:txBody>
-                  <a:tcPr anchor="ctr">
-                    <a:lnL w="12700" cap="flat" cmpd="sng" algn="ctr">
-                      <a:solidFill>
-                        <a:schemeClr val="tx1"/>
-                      </a:solidFill>
-                      <a:prstDash val="solid"/>
-                      <a:round/>
-                      <a:headEnd type="none" w="med" len="med"/>
-                      <a:tailEnd type="none" w="med" len="med"/>
-                    </a:lnL>
-                    <a:lnR w="12700" cap="flat" cmpd="sng" algn="ctr">
-                      <a:solidFill>
-                        <a:schemeClr val="tx1"/>
-                      </a:solidFill>
-                      <a:prstDash val="solid"/>
-                      <a:round/>
-                      <a:headEnd type="none" w="med" len="med"/>
-                      <a:tailEnd type="none" w="med" len="med"/>
-                    </a:lnR>
-                    <a:lnT w="12700" cap="flat" cmpd="sng" algn="ctr">
-                      <a:solidFill>
-                        <a:schemeClr val="tx1"/>
-                      </a:solidFill>
-                      <a:prstDash val="solid"/>
-                      <a:round/>
-                      <a:headEnd type="none" w="med" len="med"/>
-                      <a:tailEnd type="none" w="med" len="med"/>
-                    </a:lnT>
-                    <a:lnB w="12700" cap="flat" cmpd="sng" algn="ctr">
-                      <a:noFill/>
-                      <a:prstDash val="solid"/>
-                      <a:round/>
-                      <a:headEnd type="none" w="med" len="med"/>
-                      <a:tailEnd type="none" w="med" len="med"/>
-                    </a:lnB>
-                    <a:lnTlToBr w="12700" cmpd="sng">
-                      <a:noFill/>
-                      <a:prstDash val="solid"/>
-                    </a:lnTlToBr>
-                    <a:lnBlToTr w="12700" cmpd="sng">
-                      <a:noFill/>
-                      <a:prstDash val="solid"/>
-                    </a:lnBlToTr>
-                    <a:noFill/>
-                  </a:tcPr>
-                </a:tc>
-                <a:tc>
-                  <a:txBody>
-                    <a:bodyPr/>
-                    <a:lstStyle/>
-                    <a:p>
-                      <a:pPr latinLnBrk="1"/>
-                      <a:r>
-                        <a:rPr lang="ko-KR" altLang="en-US" sz="1400" b="0" dirty="0">
-                          <a:solidFill>
-                            <a:schemeClr val="tx1"/>
-                          </a:solidFill>
-                        </a:rPr>
-                        <a:t>퀘스트 포기 버튼</a:t>
-                      </a:r>
-                      <a:endParaRPr lang="en-US" altLang="ko-KR" sz="1400" b="0" dirty="0">
-                        <a:solidFill>
-                          <a:schemeClr val="tx1"/>
-                        </a:solidFill>
-                      </a:endParaRPr>
-                    </a:p>
-                    <a:p>
-                      <a:pPr latinLnBrk="1"/>
-                      <a:r>
-                        <a:rPr lang="ko-KR" altLang="en-US" sz="1400" b="0" dirty="0">
-                          <a:solidFill>
-                            <a:schemeClr val="tx1"/>
-                          </a:solidFill>
-                        </a:rPr>
-                        <a:t>좌클릭으로 퀘스트 포기 창 </a:t>
-                      </a:r>
-                      <a:r>
-                        <a:rPr lang="ko-KR" altLang="en-US" sz="1400" b="0" dirty="0" err="1">
-                          <a:solidFill>
-                            <a:schemeClr val="tx1"/>
-                          </a:solidFill>
-                        </a:rPr>
-                        <a:t>팝업할</a:t>
-                      </a:r>
-                      <a:r>
-                        <a:rPr lang="ko-KR" altLang="en-US" sz="1400" b="0" dirty="0">
-                          <a:solidFill>
-                            <a:schemeClr val="tx1"/>
-                          </a:solidFill>
-                        </a:rPr>
-                        <a:t> 수 있다</a:t>
-                      </a:r>
-                      <a:r>
-                        <a:rPr lang="en-US" altLang="ko-KR" sz="1400" b="0" dirty="0">
-                          <a:solidFill>
-                            <a:schemeClr val="tx1"/>
-                          </a:solidFill>
-                        </a:rPr>
-                        <a:t>.</a:t>
-                      </a:r>
-                      <a:endParaRPr lang="ko-KR" altLang="en-US" sz="1400" b="0" dirty="0">
-                        <a:solidFill>
-                          <a:schemeClr val="tx1"/>
-                        </a:solidFill>
-                      </a:endParaRPr>
-                    </a:p>
-                  </a:txBody>
-                  <a:tcPr>
-                    <a:lnL w="12700" cap="flat" cmpd="sng" algn="ctr">
-                      <a:solidFill>
-                        <a:schemeClr val="tx1"/>
-                      </a:solidFill>
-                      <a:prstDash val="solid"/>
-                      <a:round/>
-                      <a:headEnd type="none" w="med" len="med"/>
-                      <a:tailEnd type="none" w="med" len="med"/>
-                    </a:lnL>
-                    <a:lnR w="12700" cmpd="sng">
-                      <a:noFill/>
-                    </a:lnR>
-                    <a:lnT w="12700" cap="flat" cmpd="sng" algn="ctr">
-                      <a:solidFill>
-                        <a:schemeClr val="tx1"/>
-                      </a:solidFill>
-                      <a:prstDash val="solid"/>
-                      <a:round/>
-                      <a:headEnd type="none" w="med" len="med"/>
-                      <a:tailEnd type="none" w="med" len="med"/>
-                    </a:lnT>
-                    <a:lnB w="12700" cap="flat" cmpd="sng" algn="ctr">
-                      <a:noFill/>
-                      <a:prstDash val="solid"/>
-                      <a:round/>
-                      <a:headEnd type="none" w="med" len="med"/>
-                      <a:tailEnd type="none" w="med" len="med"/>
-                    </a:lnB>
-                    <a:lnTlToBr w="12700" cmpd="sng">
-                      <a:noFill/>
-                      <a:prstDash val="solid"/>
-                    </a:lnTlToBr>
-                    <a:lnBlToTr w="12700" cmpd="sng">
-                      <a:noFill/>
-                      <a:prstDash val="solid"/>
-                    </a:lnBlToTr>
-                    <a:noFill/>
-                  </a:tcPr>
-                </a:tc>
-                <a:extLst>
-                  <a:ext uri="{0D108BD9-81ED-4DB2-BD59-A6C34878D82A}">
-                    <a16:rowId xmlns:a16="http://schemas.microsoft.com/office/drawing/2014/main" val="4288379325"/>
-                  </a:ext>
-                </a:extLst>
-              </a:tr>
-            </a:tbl>
-          </a:graphicData>
-        </a:graphic>
-      </p:graphicFrame>
-      <p:sp>
-        <p:nvSpPr>
-          <p:cNvPr id="9" name="Rect 0">
-            <a:extLst>
-              <a:ext uri="{FF2B5EF4-FFF2-40B4-BE49-F238E27FC236}">
-                <a16:creationId xmlns:a16="http://schemas.microsoft.com/office/drawing/2014/main" id="{6225C976-5FEA-4817-8E8B-DBC9A37CDF09}"/>
-              </a:ext>
-            </a:extLst>
-          </p:cNvPr>
-          <p:cNvSpPr txBox="1">
-            <a:spLocks/>
-          </p:cNvSpPr>
-          <p:nvPr/>
-        </p:nvSpPr>
-        <p:spPr>
-          <a:xfrm>
-            <a:off x="695325" y="292100"/>
-            <a:ext cx="10802620" cy="862965"/>
-          </a:xfrm>
-          <a:prstGeom prst="rect">
-            <a:avLst/>
-          </a:prstGeom>
-        </p:spPr>
-        <p:txBody>
-          <a:bodyPr vert="horz" wrap="square" lIns="91440" tIns="45720" rIns="91440" bIns="45720" numCol="1" anchor="ctr">
-            <a:normAutofit/>
-          </a:bodyPr>
-          <a:lstStyle>
-            <a:lvl1pPr marL="0" indent="0" algn="l" defTabSz="914400" rtl="0" eaLnBrk="1" latinLnBrk="1" hangingPunct="1">
-              <a:lnSpc>
-                <a:spcPct val="90000"/>
-              </a:lnSpc>
-              <a:spcBef>
-                <a:spcPct val="0"/>
-              </a:spcBef>
-              <a:buFontTx/>
-              <a:buNone/>
-              <a:defRPr lang="en-GB" altLang="en-US" sz="4400">
-                <a:solidFill>
-                  <a:schemeClr val="tx1"/>
-                </a:solidFill>
-                <a:latin typeface="+mj-lt"/>
-                <a:ea typeface="+mj-ea"/>
-                <a:cs typeface="+mj-cs"/>
-              </a:defRPr>
-            </a:lvl1pPr>
-          </a:lstStyle>
-          <a:p>
-            <a:pPr marL="0" indent="0" latinLnBrk="0">
-              <a:buFontTx/>
-              <a:buNone/>
-            </a:pPr>
-            <a:r>
-              <a:rPr lang="en-US" altLang="ko-KR" dirty="0"/>
-              <a:t>UI-</a:t>
-            </a:r>
-            <a:r>
-              <a:rPr lang="ko-KR" altLang="en-US" dirty="0"/>
-              <a:t>퀘스트 실패</a:t>
-            </a:r>
-          </a:p>
-        </p:txBody>
-      </p:sp>
-      <p:grpSp>
-        <p:nvGrpSpPr>
-          <p:cNvPr id="3" name="그룹 2">
-            <a:extLst>
-              <a:ext uri="{FF2B5EF4-FFF2-40B4-BE49-F238E27FC236}">
-                <a16:creationId xmlns:a16="http://schemas.microsoft.com/office/drawing/2014/main" id="{68581D8B-B93C-4219-9840-8CB7B91C9E54}"/>
-              </a:ext>
-            </a:extLst>
-          </p:cNvPr>
-          <p:cNvGrpSpPr/>
-          <p:nvPr/>
-        </p:nvGrpSpPr>
-        <p:grpSpPr>
-          <a:xfrm>
-            <a:off x="3992038" y="1750633"/>
-            <a:ext cx="4207923" cy="1810251"/>
-            <a:chOff x="2120242" y="1922233"/>
-            <a:chExt cx="3322169" cy="1181452"/>
-          </a:xfrm>
-        </p:grpSpPr>
-        <p:sp>
-          <p:nvSpPr>
-            <p:cNvPr id="17" name="사각형: 둥근 모서리 16">
-              <a:extLst>
-                <a:ext uri="{FF2B5EF4-FFF2-40B4-BE49-F238E27FC236}">
-                  <a16:creationId xmlns:a16="http://schemas.microsoft.com/office/drawing/2014/main" id="{4324AC63-501D-4A4B-AEA8-FA4FB39A5AF8}"/>
-                </a:ext>
-              </a:extLst>
-            </p:cNvPr>
-            <p:cNvSpPr/>
-            <p:nvPr/>
-          </p:nvSpPr>
-          <p:spPr>
-            <a:xfrm>
-              <a:off x="2120242" y="1922233"/>
-              <a:ext cx="3322169" cy="1181452"/>
-            </a:xfrm>
-            <a:prstGeom prst="roundRect">
-              <a:avLst>
-                <a:gd name="adj" fmla="val 6635"/>
-              </a:avLst>
-            </a:prstGeom>
-            <a:solidFill>
-              <a:schemeClr val="bg2">
-                <a:lumMod val="90000"/>
-              </a:schemeClr>
-            </a:solidFill>
-            <a:ln>
-              <a:noFill/>
-            </a:ln>
-          </p:spPr>
-          <p:style>
-            <a:lnRef idx="2">
-              <a:schemeClr val="accent1">
-                <a:shade val="50000"/>
-              </a:schemeClr>
-            </a:lnRef>
-            <a:fillRef idx="1">
-              <a:schemeClr val="accent1"/>
-            </a:fillRef>
-            <a:effectRef idx="0">
-              <a:schemeClr val="accent1"/>
-            </a:effectRef>
-            <a:fontRef idx="minor">
-              <a:schemeClr val="lt1"/>
-            </a:fontRef>
-          </p:style>
-          <p:txBody>
-            <a:bodyPr rtlCol="0" anchor="t"/>
-            <a:lstStyle/>
-            <a:p>
-              <a:pPr algn="ctr"/>
-              <a:r>
-                <a:rPr lang="en-US" altLang="ko-KR" sz="1200" dirty="0">
-                  <a:solidFill>
-                    <a:schemeClr val="tx1"/>
-                  </a:solidFill>
-                </a:rPr>
-                <a:t>‘</a:t>
-              </a:r>
-              <a:r>
-                <a:rPr lang="ko-KR" altLang="en-US" sz="1200" dirty="0">
-                  <a:solidFill>
-                    <a:schemeClr val="tx1"/>
-                  </a:solidFill>
-                </a:rPr>
-                <a:t>퀘스트 명</a:t>
-              </a:r>
-              <a:r>
-                <a:rPr lang="en-US" altLang="ko-KR" sz="1200" dirty="0">
-                  <a:solidFill>
-                    <a:schemeClr val="tx1"/>
-                  </a:solidFill>
-                </a:rPr>
-                <a:t>’</a:t>
-              </a:r>
-            </a:p>
-            <a:p>
-              <a:pPr algn="ctr"/>
-              <a:endParaRPr lang="en-US" altLang="ko-KR" sz="1200" dirty="0">
-                <a:solidFill>
-                  <a:schemeClr val="tx1"/>
-                </a:solidFill>
-              </a:endParaRPr>
-            </a:p>
-            <a:p>
-              <a:pPr algn="ctr"/>
-              <a:r>
-                <a:rPr lang="ko-KR" altLang="en-US" sz="3200" dirty="0">
-                  <a:solidFill>
-                    <a:schemeClr val="tx1"/>
-                  </a:solidFill>
-                </a:rPr>
-                <a:t>실패</a:t>
-              </a:r>
-              <a:endParaRPr lang="en-US" altLang="ko-KR" sz="3200" dirty="0">
-                <a:solidFill>
-                  <a:schemeClr val="tx1"/>
-                </a:solidFill>
-              </a:endParaRPr>
-            </a:p>
-          </p:txBody>
-        </p:sp>
-        <p:sp>
-          <p:nvSpPr>
-            <p:cNvPr id="19" name="사각형: 둥근 모서리 18">
-              <a:extLst>
-                <a:ext uri="{FF2B5EF4-FFF2-40B4-BE49-F238E27FC236}">
-                  <a16:creationId xmlns:a16="http://schemas.microsoft.com/office/drawing/2014/main" id="{498EB8A6-FF7B-4E61-B031-4B74CB59FCC2}"/>
-                </a:ext>
-              </a:extLst>
-            </p:cNvPr>
-            <p:cNvSpPr/>
-            <p:nvPr/>
-          </p:nvSpPr>
-          <p:spPr>
-            <a:xfrm>
-              <a:off x="2435836" y="2684260"/>
-              <a:ext cx="1189728" cy="315287"/>
-            </a:xfrm>
-            <a:prstGeom prst="roundRect">
-              <a:avLst/>
-            </a:prstGeom>
-            <a:solidFill>
-              <a:srgbClr val="2F5597"/>
-            </a:solidFill>
-            <a:ln>
-              <a:noFill/>
-            </a:ln>
-          </p:spPr>
-          <p:style>
-            <a:lnRef idx="2">
-              <a:schemeClr val="accent1">
-                <a:shade val="50000"/>
-              </a:schemeClr>
-            </a:lnRef>
-            <a:fillRef idx="1">
-              <a:schemeClr val="accent1"/>
-            </a:fillRef>
-            <a:effectRef idx="0">
-              <a:schemeClr val="accent1"/>
-            </a:effectRef>
-            <a:fontRef idx="minor">
-              <a:schemeClr val="lt1"/>
-            </a:fontRef>
-          </p:style>
-          <p:txBody>
-            <a:bodyPr rtlCol="0" anchor="ctr"/>
-            <a:lstStyle/>
-            <a:p>
-              <a:pPr algn="ctr"/>
-              <a:r>
-                <a:rPr lang="ko-KR" altLang="en-US" sz="1400" dirty="0"/>
-                <a:t>재도전</a:t>
-              </a:r>
-              <a:endParaRPr lang="ko-KR" altLang="en-US" dirty="0"/>
-            </a:p>
-          </p:txBody>
-        </p:sp>
-        <p:sp>
-          <p:nvSpPr>
-            <p:cNvPr id="20" name="사각형: 둥근 모서리 19">
-              <a:extLst>
-                <a:ext uri="{FF2B5EF4-FFF2-40B4-BE49-F238E27FC236}">
-                  <a16:creationId xmlns:a16="http://schemas.microsoft.com/office/drawing/2014/main" id="{F140A036-AFB0-461D-A107-12FC15784638}"/>
-                </a:ext>
-              </a:extLst>
-            </p:cNvPr>
-            <p:cNvSpPr/>
-            <p:nvPr/>
-          </p:nvSpPr>
-          <p:spPr>
-            <a:xfrm>
-              <a:off x="3937087" y="2684258"/>
-              <a:ext cx="1189728" cy="315287"/>
-            </a:xfrm>
-            <a:prstGeom prst="roundRect">
-              <a:avLst/>
-            </a:prstGeom>
-            <a:solidFill>
-              <a:srgbClr val="990000"/>
-            </a:solidFill>
-            <a:ln>
-              <a:noFill/>
-            </a:ln>
-          </p:spPr>
-          <p:style>
-            <a:lnRef idx="2">
-              <a:schemeClr val="accent1">
-                <a:shade val="50000"/>
-              </a:schemeClr>
-            </a:lnRef>
-            <a:fillRef idx="1">
-              <a:schemeClr val="accent1"/>
-            </a:fillRef>
-            <a:effectRef idx="0">
-              <a:schemeClr val="accent1"/>
-            </a:effectRef>
-            <a:fontRef idx="minor">
-              <a:schemeClr val="lt1"/>
-            </a:fontRef>
-          </p:style>
-          <p:txBody>
-            <a:bodyPr rtlCol="0" anchor="ctr"/>
-            <a:lstStyle/>
-            <a:p>
-              <a:pPr algn="ctr"/>
-              <a:r>
-                <a:rPr lang="ko-KR" altLang="en-US" sz="1400" dirty="0"/>
-                <a:t>포기</a:t>
-              </a:r>
-              <a:endParaRPr lang="ko-KR" altLang="en-US" dirty="0"/>
-            </a:p>
-          </p:txBody>
-        </p:sp>
-      </p:grpSp>
-      <p:sp>
-        <p:nvSpPr>
-          <p:cNvPr id="22" name="도형 20">
-            <a:extLst>
-              <a:ext uri="{FF2B5EF4-FFF2-40B4-BE49-F238E27FC236}">
-                <a16:creationId xmlns:a16="http://schemas.microsoft.com/office/drawing/2014/main" id="{D62C29E5-2DD2-4E75-9BD8-A5E4B676C29E}"/>
-              </a:ext>
-            </a:extLst>
-          </p:cNvPr>
-          <p:cNvSpPr>
-            <a:spLocks/>
-          </p:cNvSpPr>
-          <p:nvPr/>
-        </p:nvSpPr>
-        <p:spPr>
-          <a:xfrm>
-            <a:off x="3895916" y="1695082"/>
-            <a:ext cx="4400167" cy="1944933"/>
-          </a:xfrm>
-          <a:prstGeom prst="rect">
-            <a:avLst/>
-          </a:prstGeom>
-          <a:noFill/>
-          <a:ln w="15875" cap="flat" cmpd="sng">
-            <a:solidFill>
-              <a:srgbClr val="C00000">
-                <a:alpha val="100000"/>
-              </a:srgbClr>
-            </a:solidFill>
-            <a:prstDash val="solid"/>
-            <a:miter lim="800000"/>
-          </a:ln>
-        </p:spPr>
-        <p:style>
-          <a:lnRef idx="2">
-            <a:schemeClr val="accent1">
-              <a:shade val="50000"/>
-            </a:schemeClr>
-          </a:lnRef>
-          <a:fillRef idx="1">
-            <a:schemeClr val="accent1"/>
-          </a:fillRef>
-          <a:effectRef idx="0">
-            <a:schemeClr val="accent1"/>
-          </a:effectRef>
-          <a:fontRef idx="minor">
-            <a:schemeClr val="lt1"/>
-          </a:fontRef>
-        </p:style>
-        <p:txBody>
-          <a:bodyPr vert="horz" wrap="square" lIns="91440" tIns="45720" rIns="91440" bIns="45720" anchor="ctr">
-            <a:noAutofit/>
-          </a:bodyPr>
-          <a:lstStyle/>
-          <a:p>
-            <a:pPr marL="0" indent="0" algn="ctr" hangingPunct="1"/>
-            <a:endParaRPr lang="ko-KR" altLang="en-US" sz="1800">
-              <a:latin typeface="맑은 고딕" charset="0"/>
-              <a:ea typeface="맑은 고딕" charset="0"/>
-            </a:endParaRPr>
-          </a:p>
-        </p:txBody>
-      </p:sp>
-      <p:sp>
-        <p:nvSpPr>
-          <p:cNvPr id="23" name="도형 20">
-            <a:extLst>
-              <a:ext uri="{FF2B5EF4-FFF2-40B4-BE49-F238E27FC236}">
-                <a16:creationId xmlns:a16="http://schemas.microsoft.com/office/drawing/2014/main" id="{75BB083D-C88C-41D0-8DF7-A39FECE59848}"/>
-              </a:ext>
-            </a:extLst>
-          </p:cNvPr>
-          <p:cNvSpPr>
-            <a:spLocks/>
-          </p:cNvSpPr>
-          <p:nvPr/>
-        </p:nvSpPr>
-        <p:spPr>
-          <a:xfrm>
-            <a:off x="5663171" y="1818563"/>
-            <a:ext cx="851930" cy="194875"/>
-          </a:xfrm>
-          <a:prstGeom prst="rect">
-            <a:avLst/>
-          </a:prstGeom>
-          <a:noFill/>
-          <a:ln w="15875" cap="flat" cmpd="sng">
-            <a:solidFill>
-              <a:srgbClr val="C00000">
-                <a:alpha val="100000"/>
-              </a:srgbClr>
-            </a:solidFill>
-            <a:prstDash val="solid"/>
-            <a:miter lim="800000"/>
-          </a:ln>
-        </p:spPr>
-        <p:style>
-          <a:lnRef idx="2">
-            <a:schemeClr val="accent1">
-              <a:shade val="50000"/>
-            </a:schemeClr>
-          </a:lnRef>
-          <a:fillRef idx="1">
-            <a:schemeClr val="accent1"/>
-          </a:fillRef>
-          <a:effectRef idx="0">
-            <a:schemeClr val="accent1"/>
-          </a:effectRef>
-          <a:fontRef idx="minor">
-            <a:schemeClr val="lt1"/>
-          </a:fontRef>
-        </p:style>
-        <p:txBody>
-          <a:bodyPr vert="horz" wrap="square" lIns="91440" tIns="45720" rIns="91440" bIns="45720" anchor="ctr">
-            <a:noAutofit/>
-          </a:bodyPr>
-          <a:lstStyle/>
-          <a:p>
-            <a:pPr marL="0" indent="0" algn="ctr" hangingPunct="1"/>
-            <a:endParaRPr lang="ko-KR" altLang="en-US" sz="1800">
-              <a:latin typeface="맑은 고딕" charset="0"/>
-              <a:ea typeface="맑은 고딕" charset="0"/>
-            </a:endParaRPr>
-          </a:p>
-        </p:txBody>
-      </p:sp>
-      <p:sp>
-        <p:nvSpPr>
-          <p:cNvPr id="25" name="도형 20">
-            <a:extLst>
-              <a:ext uri="{FF2B5EF4-FFF2-40B4-BE49-F238E27FC236}">
-                <a16:creationId xmlns:a16="http://schemas.microsoft.com/office/drawing/2014/main" id="{9B5609DD-F6E5-4F6B-8D8E-35688DA85E13}"/>
-              </a:ext>
-            </a:extLst>
-          </p:cNvPr>
-          <p:cNvSpPr>
-            <a:spLocks/>
-          </p:cNvSpPr>
-          <p:nvPr/>
-        </p:nvSpPr>
-        <p:spPr>
-          <a:xfrm>
-            <a:off x="4313239" y="2839099"/>
-            <a:ext cx="1683116" cy="632586"/>
-          </a:xfrm>
-          <a:prstGeom prst="rect">
-            <a:avLst/>
-          </a:prstGeom>
-          <a:noFill/>
-          <a:ln w="15875" cap="flat" cmpd="sng">
-            <a:solidFill>
-              <a:srgbClr val="C00000">
-                <a:alpha val="100000"/>
-              </a:srgbClr>
-            </a:solidFill>
-            <a:prstDash val="solid"/>
-            <a:miter lim="800000"/>
-          </a:ln>
-        </p:spPr>
-        <p:style>
-          <a:lnRef idx="2">
-            <a:schemeClr val="accent1">
-              <a:shade val="50000"/>
-            </a:schemeClr>
-          </a:lnRef>
-          <a:fillRef idx="1">
-            <a:schemeClr val="accent1"/>
-          </a:fillRef>
-          <a:effectRef idx="0">
-            <a:schemeClr val="accent1"/>
-          </a:effectRef>
-          <a:fontRef idx="minor">
-            <a:schemeClr val="lt1"/>
-          </a:fontRef>
-        </p:style>
-        <p:txBody>
-          <a:bodyPr vert="horz" wrap="square" lIns="91440" tIns="45720" rIns="91440" bIns="45720" anchor="ctr">
-            <a:noAutofit/>
-          </a:bodyPr>
-          <a:lstStyle/>
-          <a:p>
-            <a:pPr marL="0" indent="0" algn="ctr" hangingPunct="1"/>
-            <a:endParaRPr lang="ko-KR" altLang="en-US" sz="1800">
-              <a:latin typeface="맑은 고딕" charset="0"/>
-              <a:ea typeface="맑은 고딕" charset="0"/>
-            </a:endParaRPr>
-          </a:p>
-        </p:txBody>
-      </p:sp>
-      <p:sp>
-        <p:nvSpPr>
-          <p:cNvPr id="26" name="타원 25">
-            <a:extLst>
-              <a:ext uri="{FF2B5EF4-FFF2-40B4-BE49-F238E27FC236}">
-                <a16:creationId xmlns:a16="http://schemas.microsoft.com/office/drawing/2014/main" id="{E4D9FE71-AB33-4B96-BF3F-3CE77A94040D}"/>
-              </a:ext>
-            </a:extLst>
-          </p:cNvPr>
-          <p:cNvSpPr>
-            <a:spLocks noChangeAspect="1"/>
-          </p:cNvSpPr>
-          <p:nvPr/>
-        </p:nvSpPr>
-        <p:spPr>
-          <a:xfrm>
-            <a:off x="3736378" y="1550535"/>
-            <a:ext cx="241933" cy="241933"/>
-          </a:xfrm>
-          <a:prstGeom prst="ellipse">
-            <a:avLst/>
-          </a:prstGeom>
-        </p:spPr>
-        <p:style>
-          <a:lnRef idx="2">
-            <a:schemeClr val="accent1">
-              <a:shade val="50000"/>
-            </a:schemeClr>
-          </a:lnRef>
-          <a:fillRef idx="1">
-            <a:schemeClr val="accent1"/>
-          </a:fillRef>
-          <a:effectRef idx="0">
-            <a:schemeClr val="accent1"/>
-          </a:effectRef>
-          <a:fontRef idx="minor">
-            <a:schemeClr val="lt1"/>
-          </a:fontRef>
-        </p:style>
-        <p:txBody>
-          <a:bodyPr rtlCol="0" anchor="ctr"/>
-          <a:lstStyle/>
-          <a:p>
-            <a:pPr algn="ctr"/>
-            <a:r>
-              <a:rPr lang="en-US" altLang="ko-KR" dirty="0"/>
-              <a:t>1</a:t>
-            </a:r>
-            <a:endParaRPr lang="ko-KR" altLang="en-US" dirty="0"/>
-          </a:p>
-        </p:txBody>
-      </p:sp>
-      <p:sp>
-        <p:nvSpPr>
-          <p:cNvPr id="27" name="타원 26">
-            <a:extLst>
-              <a:ext uri="{FF2B5EF4-FFF2-40B4-BE49-F238E27FC236}">
-                <a16:creationId xmlns:a16="http://schemas.microsoft.com/office/drawing/2014/main" id="{45816E43-E844-4DC3-88C6-44CA0B49456D}"/>
-              </a:ext>
-            </a:extLst>
-          </p:cNvPr>
-          <p:cNvSpPr>
-            <a:spLocks noChangeAspect="1"/>
-          </p:cNvSpPr>
-          <p:nvPr/>
-        </p:nvSpPr>
-        <p:spPr>
-          <a:xfrm>
-            <a:off x="5419595" y="1795033"/>
-            <a:ext cx="241933" cy="241933"/>
-          </a:xfrm>
-          <a:prstGeom prst="ellipse">
-            <a:avLst/>
-          </a:prstGeom>
-        </p:spPr>
-        <p:style>
-          <a:lnRef idx="2">
-            <a:schemeClr val="accent1">
-              <a:shade val="50000"/>
-            </a:schemeClr>
-          </a:lnRef>
-          <a:fillRef idx="1">
-            <a:schemeClr val="accent1"/>
-          </a:fillRef>
-          <a:effectRef idx="0">
-            <a:schemeClr val="accent1"/>
-          </a:effectRef>
-          <a:fontRef idx="minor">
-            <a:schemeClr val="lt1"/>
-          </a:fontRef>
-        </p:style>
-        <p:txBody>
-          <a:bodyPr rtlCol="0" anchor="ctr"/>
-          <a:lstStyle/>
-          <a:p>
-            <a:pPr algn="ctr"/>
-            <a:r>
-              <a:rPr lang="en-US" altLang="ko-KR" dirty="0"/>
-              <a:t>2</a:t>
-            </a:r>
-            <a:endParaRPr lang="ko-KR" altLang="en-US" dirty="0"/>
-          </a:p>
-        </p:txBody>
-      </p:sp>
-      <p:sp>
-        <p:nvSpPr>
-          <p:cNvPr id="28" name="타원 27">
-            <a:extLst>
-              <a:ext uri="{FF2B5EF4-FFF2-40B4-BE49-F238E27FC236}">
-                <a16:creationId xmlns:a16="http://schemas.microsoft.com/office/drawing/2014/main" id="{256D929C-957C-49E5-B87F-0D0E623F0A14}"/>
-              </a:ext>
-            </a:extLst>
-          </p:cNvPr>
-          <p:cNvSpPr>
-            <a:spLocks noChangeAspect="1"/>
-          </p:cNvSpPr>
-          <p:nvPr/>
-        </p:nvSpPr>
-        <p:spPr>
-          <a:xfrm>
-            <a:off x="4046199" y="3034425"/>
-            <a:ext cx="241933" cy="241933"/>
-          </a:xfrm>
-          <a:prstGeom prst="ellipse">
-            <a:avLst/>
-          </a:prstGeom>
-        </p:spPr>
-        <p:style>
-          <a:lnRef idx="2">
-            <a:schemeClr val="accent1">
-              <a:shade val="50000"/>
-            </a:schemeClr>
-          </a:lnRef>
-          <a:fillRef idx="1">
-            <a:schemeClr val="accent1"/>
-          </a:fillRef>
-          <a:effectRef idx="0">
-            <a:schemeClr val="accent1"/>
-          </a:effectRef>
-          <a:fontRef idx="minor">
-            <a:schemeClr val="lt1"/>
-          </a:fontRef>
-        </p:style>
-        <p:txBody>
-          <a:bodyPr rtlCol="0" anchor="ctr"/>
-          <a:lstStyle/>
-          <a:p>
-            <a:pPr algn="ctr"/>
-            <a:r>
-              <a:rPr lang="en-US" altLang="ko-KR" dirty="0"/>
-              <a:t>3</a:t>
-            </a:r>
-            <a:endParaRPr lang="ko-KR" altLang="en-US" dirty="0"/>
-          </a:p>
-        </p:txBody>
-      </p:sp>
-      <p:sp>
-        <p:nvSpPr>
-          <p:cNvPr id="32" name="도형 20">
-            <a:extLst>
-              <a:ext uri="{FF2B5EF4-FFF2-40B4-BE49-F238E27FC236}">
-                <a16:creationId xmlns:a16="http://schemas.microsoft.com/office/drawing/2014/main" id="{47F0C652-1B36-48F3-9929-1D13134D3B42}"/>
-              </a:ext>
-            </a:extLst>
-          </p:cNvPr>
-          <p:cNvSpPr>
-            <a:spLocks/>
-          </p:cNvSpPr>
-          <p:nvPr/>
-        </p:nvSpPr>
-        <p:spPr>
-          <a:xfrm>
-            <a:off x="6195647" y="2839099"/>
-            <a:ext cx="1683116" cy="632586"/>
-          </a:xfrm>
-          <a:prstGeom prst="rect">
-            <a:avLst/>
-          </a:prstGeom>
-          <a:noFill/>
-          <a:ln w="15875" cap="flat" cmpd="sng">
-            <a:solidFill>
-              <a:srgbClr val="C00000">
-                <a:alpha val="100000"/>
-              </a:srgbClr>
-            </a:solidFill>
-            <a:prstDash val="solid"/>
-            <a:miter lim="800000"/>
-          </a:ln>
-        </p:spPr>
-        <p:style>
-          <a:lnRef idx="2">
-            <a:schemeClr val="accent1">
-              <a:shade val="50000"/>
-            </a:schemeClr>
-          </a:lnRef>
-          <a:fillRef idx="1">
-            <a:schemeClr val="accent1"/>
-          </a:fillRef>
-          <a:effectRef idx="0">
-            <a:schemeClr val="accent1"/>
-          </a:effectRef>
-          <a:fontRef idx="minor">
-            <a:schemeClr val="lt1"/>
-          </a:fontRef>
-        </p:style>
-        <p:txBody>
-          <a:bodyPr vert="horz" wrap="square" lIns="91440" tIns="45720" rIns="91440" bIns="45720" anchor="ctr">
-            <a:noAutofit/>
-          </a:bodyPr>
-          <a:lstStyle/>
-          <a:p>
-            <a:pPr marL="0" indent="0" algn="ctr" hangingPunct="1"/>
-            <a:endParaRPr lang="ko-KR" altLang="en-US" sz="1800">
-              <a:latin typeface="맑은 고딕" charset="0"/>
-              <a:ea typeface="맑은 고딕" charset="0"/>
-            </a:endParaRPr>
-          </a:p>
-        </p:txBody>
-      </p:sp>
-      <p:sp>
-        <p:nvSpPr>
-          <p:cNvPr id="33" name="타원 32">
-            <a:extLst>
-              <a:ext uri="{FF2B5EF4-FFF2-40B4-BE49-F238E27FC236}">
-                <a16:creationId xmlns:a16="http://schemas.microsoft.com/office/drawing/2014/main" id="{1EAD7FE5-88EB-4A01-80A8-B98D55C49DA8}"/>
-              </a:ext>
-            </a:extLst>
-          </p:cNvPr>
-          <p:cNvSpPr>
-            <a:spLocks noChangeAspect="1"/>
-          </p:cNvSpPr>
-          <p:nvPr/>
-        </p:nvSpPr>
-        <p:spPr>
-          <a:xfrm>
-            <a:off x="5972091" y="3034425"/>
-            <a:ext cx="241933" cy="241933"/>
-          </a:xfrm>
-          <a:prstGeom prst="ellipse">
-            <a:avLst/>
-          </a:prstGeom>
-        </p:spPr>
-        <p:style>
-          <a:lnRef idx="2">
-            <a:schemeClr val="accent1">
-              <a:shade val="50000"/>
-            </a:schemeClr>
-          </a:lnRef>
-          <a:fillRef idx="1">
-            <a:schemeClr val="accent1"/>
-          </a:fillRef>
-          <a:effectRef idx="0">
-            <a:schemeClr val="accent1"/>
-          </a:effectRef>
-          <a:fontRef idx="minor">
-            <a:schemeClr val="lt1"/>
-          </a:fontRef>
-        </p:style>
-        <p:txBody>
-          <a:bodyPr rtlCol="0" anchor="ctr"/>
-          <a:lstStyle/>
-          <a:p>
-            <a:pPr algn="ctr"/>
-            <a:r>
-              <a:rPr lang="en-US" altLang="ko-KR" dirty="0"/>
-              <a:t>4</a:t>
-            </a:r>
-            <a:endParaRPr lang="ko-KR" altLang="en-US" dirty="0"/>
-          </a:p>
-        </p:txBody>
-      </p:sp>
-    </p:spTree>
-    <p:extLst>
-      <p:ext uri="{BB962C8B-B14F-4D97-AF65-F5344CB8AC3E}">
-        <p14:creationId xmlns:p14="http://schemas.microsoft.com/office/powerpoint/2010/main" val="4274988021"/>
-      </p:ext>
-    </p:extLst>
-  </p:cSld>
-  <p:clrMapOvr>
-    <a:masterClrMapping/>
-  </p:clrMapOvr>
-</p:sld>
-</file>
-
-<file path=ppt/slides/slide18.xml><?xml version="1.0" encoding="utf-8"?>
-<p:sld xmlns:a="http://schemas.openxmlformats.org/drawingml/2006/main" xmlns:r="http://schemas.openxmlformats.org/officeDocument/2006/relationships" xmlns:p="http://schemas.openxmlformats.org/presentationml/2006/main">
-  <p:cSld>
-    <p:spTree>
-      <p:nvGrpSpPr>
-        <p:cNvPr id="1" name=""/>
-        <p:cNvGrpSpPr/>
-        <p:nvPr/>
-      </p:nvGrpSpPr>
-      <p:grpSpPr>
-        <a:xfrm>
-          <a:off x="0" y="0"/>
-          <a:ext cx="0" cy="0"/>
-          <a:chOff x="0" y="0"/>
-          <a:chExt cx="0" cy="0"/>
-        </a:xfrm>
-      </p:grpSpPr>
-      <p:graphicFrame>
-        <p:nvGraphicFramePr>
-          <p:cNvPr id="41" name="표 10">
-            <a:extLst>
-              <a:ext uri="{FF2B5EF4-FFF2-40B4-BE49-F238E27FC236}">
-                <a16:creationId xmlns:a16="http://schemas.microsoft.com/office/drawing/2014/main" id="{F31AD762-52DA-43F2-A225-BE1C55A1A36F}"/>
-              </a:ext>
-            </a:extLst>
-          </p:cNvPr>
-          <p:cNvGraphicFramePr>
-            <a:graphicFrameLocks noGrp="1"/>
-          </p:cNvGraphicFramePr>
-          <p:nvPr>
-            <p:extLst>
-              <p:ext uri="{D42A27DB-BD31-4B8C-83A1-F6EECF244321}">
-                <p14:modId xmlns:p14="http://schemas.microsoft.com/office/powerpoint/2010/main" val="3089625779"/>
-              </p:ext>
-            </p:extLst>
-          </p:nvPr>
-        </p:nvGraphicFramePr>
-        <p:xfrm>
-          <a:off x="2907823" y="3858677"/>
-          <a:ext cx="6376354" cy="1219200"/>
-        </p:xfrm>
-        <a:graphic>
-          <a:graphicData uri="http://schemas.openxmlformats.org/drawingml/2006/table">
-            <a:tbl>
-              <a:tblPr firstRow="1" bandRow="1">
-                <a:tableStyleId>{5C22544A-7EE6-4342-B048-85BDC9FD1C3A}</a:tableStyleId>
-              </a:tblPr>
-              <a:tblGrid>
-                <a:gridCol w="343218">
-                  <a:extLst>
-                    <a:ext uri="{9D8B030D-6E8A-4147-A177-3AD203B41FA5}">
-                      <a16:colId xmlns:a16="http://schemas.microsoft.com/office/drawing/2014/main" val="3617794751"/>
-                    </a:ext>
-                  </a:extLst>
-                </a:gridCol>
-                <a:gridCol w="1435418">
-                  <a:extLst>
-                    <a:ext uri="{9D8B030D-6E8A-4147-A177-3AD203B41FA5}">
-                      <a16:colId xmlns:a16="http://schemas.microsoft.com/office/drawing/2014/main" val="1712823105"/>
-                    </a:ext>
-                  </a:extLst>
-                </a:gridCol>
-                <a:gridCol w="4597718">
-                  <a:extLst>
-                    <a:ext uri="{9D8B030D-6E8A-4147-A177-3AD203B41FA5}">
-                      <a16:colId xmlns:a16="http://schemas.microsoft.com/office/drawing/2014/main" val="3121719190"/>
-                    </a:ext>
-                  </a:extLst>
-                </a:gridCol>
-              </a:tblGrid>
-              <a:tr h="0">
-                <a:tc>
-                  <a:txBody>
-                    <a:bodyPr/>
-                    <a:lstStyle/>
-                    <a:p>
-                      <a:pPr latinLnBrk="1"/>
-                      <a:r>
-                        <a:rPr lang="en-US" altLang="ko-KR" sz="1400" b="0" dirty="0">
-                          <a:solidFill>
-                            <a:schemeClr val="tx1"/>
-                          </a:solidFill>
-                        </a:rPr>
-                        <a:t>1</a:t>
-                      </a:r>
-                      <a:endParaRPr lang="ko-KR" altLang="en-US" sz="1400" b="0" dirty="0">
-                        <a:solidFill>
-                          <a:schemeClr val="tx1"/>
-                        </a:solidFill>
-                      </a:endParaRPr>
-                    </a:p>
-                  </a:txBody>
-                  <a:tcPr>
-                    <a:lnL w="12700" cmpd="sng">
-                      <a:noFill/>
-                    </a:lnL>
-                    <a:lnR w="12700" cap="flat" cmpd="sng" algn="ctr">
-                      <a:solidFill>
-                        <a:schemeClr val="tx1"/>
-                      </a:solidFill>
-                      <a:prstDash val="solid"/>
-                      <a:round/>
-                      <a:headEnd type="none" w="med" len="med"/>
-                      <a:tailEnd type="none" w="med" len="med"/>
-                    </a:lnR>
-                    <a:lnT w="12700" cap="flat" cmpd="sng" algn="ctr">
-                      <a:noFill/>
-                      <a:prstDash val="solid"/>
-                      <a:round/>
-                      <a:headEnd type="none" w="med" len="med"/>
-                      <a:tailEnd type="none" w="med" len="med"/>
-                    </a:lnT>
-                    <a:lnB w="12700" cap="flat" cmpd="sng" algn="ctr">
-                      <a:solidFill>
-                        <a:schemeClr val="tx1"/>
-                      </a:solidFill>
-                      <a:prstDash val="solid"/>
-                      <a:round/>
-                      <a:headEnd type="none" w="med" len="med"/>
-                      <a:tailEnd type="none" w="med" len="med"/>
-                    </a:lnB>
-                    <a:lnTlToBr w="12700" cmpd="sng">
-                      <a:noFill/>
-                      <a:prstDash val="solid"/>
-                    </a:lnTlToBr>
-                    <a:lnBlToTr w="12700" cmpd="sng">
-                      <a:noFill/>
-                      <a:prstDash val="solid"/>
-                    </a:lnBlToTr>
-                    <a:noFill/>
-                  </a:tcPr>
-                </a:tc>
-                <a:tc>
-                  <a:txBody>
-                    <a:bodyPr/>
-                    <a:lstStyle/>
-                    <a:p>
-                      <a:pPr latinLnBrk="1"/>
-                      <a:r>
-                        <a:rPr lang="ko-KR" altLang="en-US" sz="1400" b="0" dirty="0">
-                          <a:solidFill>
-                            <a:schemeClr val="tx1"/>
-                          </a:solidFill>
-                        </a:rPr>
-                        <a:t>퀘스트 포기 창</a:t>
-                      </a:r>
-                    </a:p>
-                  </a:txBody>
-                  <a:tcPr>
-                    <a:lnL w="12700" cap="flat" cmpd="sng" algn="ctr">
-                      <a:solidFill>
-                        <a:schemeClr val="tx1"/>
-                      </a:solidFill>
-                      <a:prstDash val="solid"/>
-                      <a:round/>
-                      <a:headEnd type="none" w="med" len="med"/>
-                      <a:tailEnd type="none" w="med" len="med"/>
-                    </a:lnL>
-                    <a:lnR w="12700" cap="flat" cmpd="sng" algn="ctr">
-                      <a:solidFill>
-                        <a:schemeClr val="tx1"/>
-                      </a:solidFill>
-                      <a:prstDash val="solid"/>
-                      <a:round/>
-                      <a:headEnd type="none" w="med" len="med"/>
-                      <a:tailEnd type="none" w="med" len="med"/>
-                    </a:lnR>
-                    <a:lnT w="12700" cap="flat" cmpd="sng" algn="ctr">
-                      <a:noFill/>
-                      <a:prstDash val="solid"/>
-                      <a:round/>
-                      <a:headEnd type="none" w="med" len="med"/>
-                      <a:tailEnd type="none" w="med" len="med"/>
-                    </a:lnT>
-                    <a:lnB w="12700" cap="flat" cmpd="sng" algn="ctr">
-                      <a:solidFill>
-                        <a:schemeClr val="tx1"/>
-                      </a:solidFill>
-                      <a:prstDash val="solid"/>
-                      <a:round/>
-                      <a:headEnd type="none" w="med" len="med"/>
-                      <a:tailEnd type="none" w="med" len="med"/>
-                    </a:lnB>
-                    <a:lnTlToBr w="12700" cmpd="sng">
-                      <a:noFill/>
-                      <a:prstDash val="solid"/>
-                    </a:lnTlToBr>
-                    <a:lnBlToTr w="12700" cmpd="sng">
-                      <a:noFill/>
-                      <a:prstDash val="solid"/>
-                    </a:lnBlToTr>
-                    <a:noFill/>
-                  </a:tcPr>
-                </a:tc>
-                <a:tc>
-                  <a:txBody>
-                    <a:bodyPr/>
-                    <a:lstStyle/>
-                    <a:p>
-                      <a:pPr latinLnBrk="1"/>
-                      <a:r>
-                        <a:rPr lang="ko-KR" altLang="en-US" sz="1400" b="0" dirty="0">
-                          <a:solidFill>
-                            <a:schemeClr val="tx1"/>
-                          </a:solidFill>
-                        </a:rPr>
-                        <a:t>퀘스트 포기 시 팝업 되는 창</a:t>
-                      </a:r>
-                    </a:p>
-                  </a:txBody>
-                  <a:tcPr>
-                    <a:lnL w="12700" cap="flat" cmpd="sng" algn="ctr">
-                      <a:solidFill>
-                        <a:schemeClr val="tx1"/>
-                      </a:solidFill>
-                      <a:prstDash val="solid"/>
-                      <a:round/>
-                      <a:headEnd type="none" w="med" len="med"/>
-                      <a:tailEnd type="none" w="med" len="med"/>
-                    </a:lnL>
-                    <a:lnR w="12700" cmpd="sng">
-                      <a:noFill/>
-                    </a:lnR>
-                    <a:lnT w="12700" cap="flat" cmpd="sng" algn="ctr">
-                      <a:noFill/>
-                      <a:prstDash val="solid"/>
-                      <a:round/>
-                      <a:headEnd type="none" w="med" len="med"/>
-                      <a:tailEnd type="none" w="med" len="med"/>
-                    </a:lnT>
-                    <a:lnB w="12700" cap="flat" cmpd="sng" algn="ctr">
-                      <a:solidFill>
-                        <a:schemeClr val="tx1"/>
-                      </a:solidFill>
-                      <a:prstDash val="solid"/>
-                      <a:round/>
-                      <a:headEnd type="none" w="med" len="med"/>
-                      <a:tailEnd type="none" w="med" len="med"/>
-                    </a:lnB>
-                    <a:lnTlToBr w="12700" cmpd="sng">
-                      <a:noFill/>
-                      <a:prstDash val="solid"/>
-                    </a:lnTlToBr>
-                    <a:lnBlToTr w="12700" cmpd="sng">
-                      <a:noFill/>
-                      <a:prstDash val="solid"/>
-                    </a:lnBlToTr>
-                    <a:noFill/>
-                  </a:tcPr>
-                </a:tc>
-                <a:extLst>
-                  <a:ext uri="{0D108BD9-81ED-4DB2-BD59-A6C34878D82A}">
-                    <a16:rowId xmlns:a16="http://schemas.microsoft.com/office/drawing/2014/main" val="1079573317"/>
-                  </a:ext>
-                </a:extLst>
-              </a:tr>
-              <a:tr h="0">
-                <a:tc>
-                  <a:txBody>
-                    <a:bodyPr/>
-                    <a:lstStyle/>
-                    <a:p>
-                      <a:pPr latinLnBrk="1"/>
-                      <a:r>
-                        <a:rPr lang="en-US" altLang="ko-KR" sz="1400" b="0" dirty="0">
-                          <a:solidFill>
-                            <a:schemeClr val="tx1"/>
-                          </a:solidFill>
-                        </a:rPr>
-                        <a:t>2</a:t>
-                      </a:r>
-                      <a:endParaRPr lang="ko-KR" altLang="en-US" sz="1400" b="0" dirty="0">
-                        <a:solidFill>
-                          <a:schemeClr val="tx1"/>
-                        </a:solidFill>
-                      </a:endParaRPr>
-                    </a:p>
-                  </a:txBody>
-                  <a:tcPr>
-                    <a:lnL w="12700" cmpd="sng">
-                      <a:noFill/>
-                    </a:lnL>
-                    <a:lnR w="12700" cap="flat" cmpd="sng" algn="ctr">
-                      <a:solidFill>
-                        <a:schemeClr val="tx1"/>
-                      </a:solidFill>
-                      <a:prstDash val="solid"/>
-                      <a:round/>
-                      <a:headEnd type="none" w="med" len="med"/>
-                      <a:tailEnd type="none" w="med" len="med"/>
-                    </a:lnR>
-                    <a:lnT w="12700" cap="flat" cmpd="sng" algn="ctr">
-                      <a:solidFill>
-                        <a:schemeClr val="tx1"/>
-                      </a:solidFill>
-                      <a:prstDash val="solid"/>
-                      <a:round/>
-                      <a:headEnd type="none" w="med" len="med"/>
-                      <a:tailEnd type="none" w="med" len="med"/>
-                    </a:lnT>
-                    <a:lnB w="12700" cap="flat" cmpd="sng" algn="ctr">
-                      <a:solidFill>
-                        <a:schemeClr val="tx1"/>
-                      </a:solidFill>
-                      <a:prstDash val="solid"/>
-                      <a:round/>
-                      <a:headEnd type="none" w="med" len="med"/>
-                      <a:tailEnd type="none" w="med" len="med"/>
-                    </a:lnB>
-                    <a:lnTlToBr w="12700" cmpd="sng">
-                      <a:noFill/>
-                      <a:prstDash val="solid"/>
-                    </a:lnTlToBr>
-                    <a:lnBlToTr w="12700" cmpd="sng">
-                      <a:noFill/>
-                      <a:prstDash val="solid"/>
-                    </a:lnBlToTr>
-                    <a:noFill/>
-                  </a:tcPr>
-                </a:tc>
-                <a:tc>
-                  <a:txBody>
-                    <a:bodyPr/>
-                    <a:lstStyle/>
-                    <a:p>
-                      <a:pPr latinLnBrk="1"/>
-                      <a:r>
-                        <a:rPr lang="ko-KR" altLang="en-US" sz="1400" b="0" dirty="0">
-                          <a:solidFill>
-                            <a:schemeClr val="tx1"/>
-                          </a:solidFill>
-                        </a:rPr>
-                        <a:t>퀘스트 명</a:t>
-                      </a:r>
-                    </a:p>
-                  </a:txBody>
-                  <a:tcPr>
-                    <a:lnL w="12700" cap="flat" cmpd="sng" algn="ctr">
-                      <a:solidFill>
-                        <a:schemeClr val="tx1"/>
-                      </a:solidFill>
-                      <a:prstDash val="solid"/>
-                      <a:round/>
-                      <a:headEnd type="none" w="med" len="med"/>
-                      <a:tailEnd type="none" w="med" len="med"/>
-                    </a:lnL>
-                    <a:lnR w="12700" cap="flat" cmpd="sng" algn="ctr">
-                      <a:solidFill>
-                        <a:schemeClr val="tx1"/>
-                      </a:solidFill>
-                      <a:prstDash val="solid"/>
-                      <a:round/>
-                      <a:headEnd type="none" w="med" len="med"/>
-                      <a:tailEnd type="none" w="med" len="med"/>
-                    </a:lnR>
-                    <a:lnT w="12700" cap="flat" cmpd="sng" algn="ctr">
-                      <a:solidFill>
-                        <a:schemeClr val="tx1"/>
-                      </a:solidFill>
-                      <a:prstDash val="solid"/>
-                      <a:round/>
-                      <a:headEnd type="none" w="med" len="med"/>
-                      <a:tailEnd type="none" w="med" len="med"/>
-                    </a:lnT>
-                    <a:lnB w="12700" cap="flat" cmpd="sng" algn="ctr">
-                      <a:solidFill>
-                        <a:schemeClr val="tx1"/>
-                      </a:solidFill>
-                      <a:prstDash val="solid"/>
-                      <a:round/>
-                      <a:headEnd type="none" w="med" len="med"/>
-                      <a:tailEnd type="none" w="med" len="med"/>
-                    </a:lnB>
-                    <a:lnTlToBr w="12700" cmpd="sng">
-                      <a:noFill/>
-                      <a:prstDash val="solid"/>
-                    </a:lnTlToBr>
-                    <a:lnBlToTr w="12700" cmpd="sng">
-                      <a:noFill/>
-                      <a:prstDash val="solid"/>
-                    </a:lnBlToTr>
-                    <a:noFill/>
-                  </a:tcPr>
-                </a:tc>
-                <a:tc>
-                  <a:txBody>
-                    <a:bodyPr/>
-                    <a:lstStyle/>
-                    <a:p>
-                      <a:pPr latinLnBrk="1"/>
-                      <a:r>
-                        <a:rPr lang="ko-KR" altLang="en-US" sz="1400" b="0" dirty="0">
-                          <a:solidFill>
-                            <a:schemeClr val="tx1"/>
-                          </a:solidFill>
-                        </a:rPr>
-                        <a:t>포기 하는 퀘스트 이름</a:t>
-                      </a:r>
-                    </a:p>
-                  </a:txBody>
-                  <a:tcPr>
-                    <a:lnL w="12700" cap="flat" cmpd="sng" algn="ctr">
-                      <a:solidFill>
-                        <a:schemeClr val="tx1"/>
-                      </a:solidFill>
-                      <a:prstDash val="solid"/>
-                      <a:round/>
-                      <a:headEnd type="none" w="med" len="med"/>
-                      <a:tailEnd type="none" w="med" len="med"/>
-                    </a:lnL>
-                    <a:lnR w="12700" cmpd="sng">
-                      <a:noFill/>
-                    </a:lnR>
-                    <a:lnT w="12700" cap="flat" cmpd="sng" algn="ctr">
-                      <a:solidFill>
-                        <a:schemeClr val="tx1"/>
-                      </a:solidFill>
-                      <a:prstDash val="solid"/>
-                      <a:round/>
-                      <a:headEnd type="none" w="med" len="med"/>
-                      <a:tailEnd type="none" w="med" len="med"/>
-                    </a:lnT>
-                    <a:lnB w="12700" cap="flat" cmpd="sng" algn="ctr">
-                      <a:solidFill>
-                        <a:schemeClr val="tx1"/>
-                      </a:solidFill>
-                      <a:prstDash val="solid"/>
-                      <a:round/>
-                      <a:headEnd type="none" w="med" len="med"/>
-                      <a:tailEnd type="none" w="med" len="med"/>
-                    </a:lnB>
-                    <a:lnTlToBr w="12700" cmpd="sng">
-                      <a:noFill/>
-                      <a:prstDash val="solid"/>
-                    </a:lnTlToBr>
-                    <a:lnBlToTr w="12700" cmpd="sng">
-                      <a:noFill/>
-                      <a:prstDash val="solid"/>
-                    </a:lnBlToTr>
-                    <a:noFill/>
-                  </a:tcPr>
-                </a:tc>
-                <a:extLst>
-                  <a:ext uri="{0D108BD9-81ED-4DB2-BD59-A6C34878D82A}">
-                    <a16:rowId xmlns:a16="http://schemas.microsoft.com/office/drawing/2014/main" val="3394450114"/>
-                  </a:ext>
-                </a:extLst>
-              </a:tr>
-              <a:tr h="0">
-                <a:tc>
-                  <a:txBody>
-                    <a:bodyPr/>
-                    <a:lstStyle/>
-                    <a:p>
-                      <a:pPr latinLnBrk="1"/>
-                      <a:r>
-                        <a:rPr lang="en-US" altLang="ko-KR" sz="1400" b="0" dirty="0">
-                          <a:solidFill>
-                            <a:schemeClr val="tx1"/>
-                          </a:solidFill>
-                        </a:rPr>
-                        <a:t>3</a:t>
-                      </a:r>
-                      <a:endParaRPr lang="ko-KR" altLang="en-US" sz="1400" b="0" dirty="0">
-                        <a:solidFill>
-                          <a:schemeClr val="tx1"/>
-                        </a:solidFill>
-                      </a:endParaRPr>
-                    </a:p>
-                  </a:txBody>
-                  <a:tcPr>
-                    <a:lnL w="12700" cmpd="sng">
-                      <a:noFill/>
-                    </a:lnL>
-                    <a:lnR w="12700" cap="flat" cmpd="sng" algn="ctr">
-                      <a:solidFill>
-                        <a:schemeClr val="tx1"/>
-                      </a:solidFill>
-                      <a:prstDash val="solid"/>
-                      <a:round/>
-                      <a:headEnd type="none" w="med" len="med"/>
-                      <a:tailEnd type="none" w="med" len="med"/>
-                    </a:lnR>
-                    <a:lnT w="12700" cap="flat" cmpd="sng" algn="ctr">
-                      <a:solidFill>
-                        <a:schemeClr val="tx1"/>
-                      </a:solidFill>
-                      <a:prstDash val="solid"/>
-                      <a:round/>
-                      <a:headEnd type="none" w="med" len="med"/>
-                      <a:tailEnd type="none" w="med" len="med"/>
-                    </a:lnT>
-                    <a:lnB w="12700" cap="flat" cmpd="sng" algn="ctr">
-                      <a:solidFill>
-                        <a:schemeClr val="tx1"/>
-                      </a:solidFill>
-                      <a:prstDash val="solid"/>
-                      <a:round/>
-                      <a:headEnd type="none" w="med" len="med"/>
-                      <a:tailEnd type="none" w="med" len="med"/>
-                    </a:lnB>
-                    <a:lnTlToBr w="12700" cmpd="sng">
-                      <a:noFill/>
-                      <a:prstDash val="solid"/>
-                    </a:lnTlToBr>
-                    <a:lnBlToTr w="12700" cmpd="sng">
-                      <a:noFill/>
-                      <a:prstDash val="solid"/>
-                    </a:lnBlToTr>
-                    <a:noFill/>
-                  </a:tcPr>
-                </a:tc>
-                <a:tc>
-                  <a:txBody>
-                    <a:bodyPr/>
-                    <a:lstStyle/>
-                    <a:p>
-                      <a:pPr latinLnBrk="1"/>
-                      <a:r>
-                        <a:rPr lang="ko-KR" altLang="en-US" sz="1400" b="0" dirty="0">
-                          <a:solidFill>
-                            <a:schemeClr val="tx1"/>
-                          </a:solidFill>
-                        </a:rPr>
-                        <a:t>포기</a:t>
-                      </a:r>
-                      <a:r>
-                        <a:rPr lang="en-US" altLang="ko-KR" sz="1400" b="0" dirty="0">
-                          <a:solidFill>
-                            <a:schemeClr val="tx1"/>
-                          </a:solidFill>
-                        </a:rPr>
-                        <a:t>/</a:t>
-                      </a:r>
-                      <a:r>
-                        <a:rPr lang="ko-KR" altLang="en-US" sz="1400" b="0" dirty="0">
-                          <a:solidFill>
-                            <a:schemeClr val="tx1"/>
-                          </a:solidFill>
-                        </a:rPr>
-                        <a:t>닫기</a:t>
-                      </a:r>
-                    </a:p>
-                  </a:txBody>
-                  <a:tcPr>
-                    <a:lnL w="12700" cap="flat" cmpd="sng" algn="ctr">
-                      <a:solidFill>
-                        <a:schemeClr val="tx1"/>
-                      </a:solidFill>
-                      <a:prstDash val="solid"/>
-                      <a:round/>
-                      <a:headEnd type="none" w="med" len="med"/>
-                      <a:tailEnd type="none" w="med" len="med"/>
-                    </a:lnL>
-                    <a:lnR w="12700" cap="flat" cmpd="sng" algn="ctr">
-                      <a:solidFill>
-                        <a:schemeClr val="tx1"/>
-                      </a:solidFill>
-                      <a:prstDash val="solid"/>
-                      <a:round/>
-                      <a:headEnd type="none" w="med" len="med"/>
-                      <a:tailEnd type="none" w="med" len="med"/>
-                    </a:lnR>
-                    <a:lnT w="12700" cap="flat" cmpd="sng" algn="ctr">
-                      <a:solidFill>
-                        <a:schemeClr val="tx1"/>
-                      </a:solidFill>
-                      <a:prstDash val="solid"/>
-                      <a:round/>
-                      <a:headEnd type="none" w="med" len="med"/>
-                      <a:tailEnd type="none" w="med" len="med"/>
-                    </a:lnT>
-                    <a:lnB w="12700" cap="flat" cmpd="sng" algn="ctr">
-                      <a:solidFill>
-                        <a:schemeClr val="tx1"/>
-                      </a:solidFill>
-                      <a:prstDash val="solid"/>
-                      <a:round/>
-                      <a:headEnd type="none" w="med" len="med"/>
-                      <a:tailEnd type="none" w="med" len="med"/>
-                    </a:lnB>
-                    <a:lnTlToBr w="12700" cmpd="sng">
-                      <a:noFill/>
-                      <a:prstDash val="solid"/>
-                    </a:lnTlToBr>
-                    <a:lnBlToTr w="12700" cmpd="sng">
-                      <a:noFill/>
-                      <a:prstDash val="solid"/>
-                    </a:lnBlToTr>
-                    <a:noFill/>
-                  </a:tcPr>
-                </a:tc>
-                <a:tc>
-                  <a:txBody>
-                    <a:bodyPr/>
-                    <a:lstStyle/>
-                    <a:p>
-                      <a:pPr latinLnBrk="1"/>
-                      <a:r>
-                        <a:rPr lang="ko-KR" altLang="en-US" sz="1400" b="0" dirty="0">
-                          <a:solidFill>
-                            <a:schemeClr val="tx1"/>
-                          </a:solidFill>
-                        </a:rPr>
-                        <a:t>포기</a:t>
-                      </a:r>
-                      <a:r>
-                        <a:rPr lang="en-US" altLang="ko-KR" sz="1400" b="0" dirty="0">
-                          <a:solidFill>
-                            <a:schemeClr val="tx1"/>
-                          </a:solidFill>
-                        </a:rPr>
-                        <a:t>/</a:t>
-                      </a:r>
-                      <a:r>
-                        <a:rPr lang="ko-KR" altLang="en-US" sz="1400" b="0" dirty="0">
-                          <a:solidFill>
-                            <a:schemeClr val="tx1"/>
-                          </a:solidFill>
-                        </a:rPr>
-                        <a:t>취소 버튼 좌클릭으로 선택 가능하다</a:t>
-                      </a:r>
-                      <a:r>
-                        <a:rPr lang="en-US" altLang="ko-KR" sz="1400" b="0" dirty="0">
-                          <a:solidFill>
-                            <a:schemeClr val="tx1"/>
-                          </a:solidFill>
-                        </a:rPr>
-                        <a:t>.</a:t>
-                      </a:r>
-                      <a:endParaRPr lang="ko-KR" altLang="en-US" sz="1400" b="0" dirty="0">
-                        <a:solidFill>
-                          <a:schemeClr val="tx1"/>
-                        </a:solidFill>
-                      </a:endParaRPr>
-                    </a:p>
-                  </a:txBody>
-                  <a:tcPr>
-                    <a:lnL w="12700" cap="flat" cmpd="sng" algn="ctr">
-                      <a:solidFill>
-                        <a:schemeClr val="tx1"/>
-                      </a:solidFill>
-                      <a:prstDash val="solid"/>
-                      <a:round/>
-                      <a:headEnd type="none" w="med" len="med"/>
-                      <a:tailEnd type="none" w="med" len="med"/>
-                    </a:lnL>
-                    <a:lnR w="12700" cmpd="sng">
-                      <a:noFill/>
-                    </a:lnR>
-                    <a:lnT w="12700" cap="flat" cmpd="sng" algn="ctr">
-                      <a:solidFill>
-                        <a:schemeClr val="tx1"/>
-                      </a:solidFill>
-                      <a:prstDash val="solid"/>
-                      <a:round/>
-                      <a:headEnd type="none" w="med" len="med"/>
-                      <a:tailEnd type="none" w="med" len="med"/>
-                    </a:lnT>
-                    <a:lnB w="12700" cap="flat" cmpd="sng" algn="ctr">
-                      <a:solidFill>
-                        <a:schemeClr val="tx1"/>
-                      </a:solidFill>
-                      <a:prstDash val="solid"/>
-                      <a:round/>
-                      <a:headEnd type="none" w="med" len="med"/>
-                      <a:tailEnd type="none" w="med" len="med"/>
-                    </a:lnB>
-                    <a:lnTlToBr w="12700" cmpd="sng">
-                      <a:noFill/>
-                      <a:prstDash val="solid"/>
-                    </a:lnTlToBr>
-                    <a:lnBlToTr w="12700" cmpd="sng">
-                      <a:noFill/>
-                      <a:prstDash val="solid"/>
-                    </a:lnBlToTr>
-                    <a:noFill/>
-                  </a:tcPr>
-                </a:tc>
-                <a:extLst>
-                  <a:ext uri="{0D108BD9-81ED-4DB2-BD59-A6C34878D82A}">
-                    <a16:rowId xmlns:a16="http://schemas.microsoft.com/office/drawing/2014/main" val="3240427129"/>
-                  </a:ext>
-                </a:extLst>
-              </a:tr>
-              <a:tr h="0">
-                <a:tc>
-                  <a:txBody>
-                    <a:bodyPr/>
-                    <a:lstStyle/>
-                    <a:p>
-                      <a:pPr latinLnBrk="1"/>
-                      <a:r>
-                        <a:rPr lang="en-US" altLang="ko-KR" sz="1400" b="0" dirty="0">
-                          <a:solidFill>
-                            <a:schemeClr val="tx1"/>
-                          </a:solidFill>
-                        </a:rPr>
-                        <a:t>4</a:t>
-                      </a:r>
-                      <a:endParaRPr lang="ko-KR" altLang="en-US" sz="1400" b="0" dirty="0">
-                        <a:solidFill>
-                          <a:schemeClr val="tx1"/>
-                        </a:solidFill>
-                      </a:endParaRPr>
-                    </a:p>
-                  </a:txBody>
-                  <a:tcPr>
-                    <a:lnL w="12700" cmpd="sng">
-                      <a:noFill/>
-                    </a:lnL>
-                    <a:lnR w="12700" cap="flat" cmpd="sng" algn="ctr">
-                      <a:solidFill>
-                        <a:schemeClr val="tx1"/>
-                      </a:solidFill>
-                      <a:prstDash val="solid"/>
-                      <a:round/>
-                      <a:headEnd type="none" w="med" len="med"/>
-                      <a:tailEnd type="none" w="med" len="med"/>
-                    </a:lnR>
-                    <a:lnT w="12700" cap="flat" cmpd="sng" algn="ctr">
-                      <a:solidFill>
-                        <a:schemeClr val="tx1"/>
-                      </a:solidFill>
-                      <a:prstDash val="solid"/>
-                      <a:round/>
-                      <a:headEnd type="none" w="med" len="med"/>
-                      <a:tailEnd type="none" w="med" len="med"/>
-                    </a:lnT>
-                    <a:lnB w="12700" cap="flat" cmpd="sng" algn="ctr">
-                      <a:noFill/>
-                      <a:prstDash val="solid"/>
-                      <a:round/>
-                      <a:headEnd type="none" w="med" len="med"/>
-                      <a:tailEnd type="none" w="med" len="med"/>
-                    </a:lnB>
-                    <a:lnTlToBr w="12700" cmpd="sng">
-                      <a:noFill/>
-                      <a:prstDash val="solid"/>
-                    </a:lnTlToBr>
-                    <a:lnBlToTr w="12700" cmpd="sng">
-                      <a:noFill/>
-                      <a:prstDash val="solid"/>
-                    </a:lnBlToTr>
-                    <a:noFill/>
-                  </a:tcPr>
-                </a:tc>
-                <a:tc>
-                  <a:txBody>
-                    <a:bodyPr/>
-                    <a:lstStyle/>
-                    <a:p>
-                      <a:pPr latinLnBrk="1"/>
-                      <a:r>
-                        <a:rPr lang="ko-KR" altLang="en-US" sz="1400" b="0" dirty="0">
-                          <a:solidFill>
-                            <a:schemeClr val="tx1"/>
-                          </a:solidFill>
-                        </a:rPr>
-                        <a:t>재확인 창</a:t>
-                      </a:r>
-                    </a:p>
-                  </a:txBody>
-                  <a:tcPr>
-                    <a:lnL w="12700" cap="flat" cmpd="sng" algn="ctr">
-                      <a:solidFill>
-                        <a:schemeClr val="tx1"/>
-                      </a:solidFill>
-                      <a:prstDash val="solid"/>
-                      <a:round/>
-                      <a:headEnd type="none" w="med" len="med"/>
-                      <a:tailEnd type="none" w="med" len="med"/>
-                    </a:lnL>
-                    <a:lnR w="12700" cap="flat" cmpd="sng" algn="ctr">
-                      <a:solidFill>
-                        <a:schemeClr val="tx1"/>
-                      </a:solidFill>
-                      <a:prstDash val="solid"/>
-                      <a:round/>
-                      <a:headEnd type="none" w="med" len="med"/>
-                      <a:tailEnd type="none" w="med" len="med"/>
-                    </a:lnR>
-                    <a:lnT w="12700" cap="flat" cmpd="sng" algn="ctr">
-                      <a:solidFill>
-                        <a:schemeClr val="tx1"/>
-                      </a:solidFill>
-                      <a:prstDash val="solid"/>
-                      <a:round/>
-                      <a:headEnd type="none" w="med" len="med"/>
-                      <a:tailEnd type="none" w="med" len="med"/>
-                    </a:lnT>
-                    <a:lnB w="12700" cap="flat" cmpd="sng" algn="ctr">
-                      <a:noFill/>
-                      <a:prstDash val="solid"/>
-                      <a:round/>
-                      <a:headEnd type="none" w="med" len="med"/>
-                      <a:tailEnd type="none" w="med" len="med"/>
-                    </a:lnB>
-                    <a:lnTlToBr w="12700" cmpd="sng">
-                      <a:noFill/>
-                      <a:prstDash val="solid"/>
-                    </a:lnTlToBr>
-                    <a:lnBlToTr w="12700" cmpd="sng">
-                      <a:noFill/>
-                      <a:prstDash val="solid"/>
-                    </a:lnBlToTr>
-                    <a:noFill/>
-                  </a:tcPr>
-                </a:tc>
-                <a:tc>
-                  <a:txBody>
-                    <a:bodyPr/>
-                    <a:lstStyle/>
-                    <a:p>
-                      <a:pPr latinLnBrk="1"/>
-                      <a:r>
-                        <a:rPr lang="ko-KR" altLang="en-US" sz="1400" b="0" dirty="0">
-                          <a:solidFill>
-                            <a:schemeClr val="tx1"/>
-                          </a:solidFill>
-                        </a:rPr>
-                        <a:t>포기 시 소멸 하는 퀘스트 포기 시 팝업 되는 재확인 창</a:t>
-                      </a:r>
-                    </a:p>
-                  </a:txBody>
-                  <a:tcPr>
-                    <a:lnL w="12700" cap="flat" cmpd="sng" algn="ctr">
-                      <a:solidFill>
-                        <a:schemeClr val="tx1"/>
-                      </a:solidFill>
-                      <a:prstDash val="solid"/>
-                      <a:round/>
-                      <a:headEnd type="none" w="med" len="med"/>
-                      <a:tailEnd type="none" w="med" len="med"/>
-                    </a:lnL>
-                    <a:lnR w="12700" cmpd="sng">
-                      <a:noFill/>
-                    </a:lnR>
-                    <a:lnT w="12700" cap="flat" cmpd="sng" algn="ctr">
-                      <a:solidFill>
-                        <a:schemeClr val="tx1"/>
-                      </a:solidFill>
-                      <a:prstDash val="solid"/>
-                      <a:round/>
-                      <a:headEnd type="none" w="med" len="med"/>
-                      <a:tailEnd type="none" w="med" len="med"/>
-                    </a:lnT>
-                    <a:lnB w="12700" cap="flat" cmpd="sng" algn="ctr">
-                      <a:noFill/>
-                      <a:prstDash val="solid"/>
-                      <a:round/>
-                      <a:headEnd type="none" w="med" len="med"/>
-                      <a:tailEnd type="none" w="med" len="med"/>
-                    </a:lnB>
-                    <a:lnTlToBr w="12700" cmpd="sng">
-                      <a:noFill/>
-                      <a:prstDash val="solid"/>
-                    </a:lnTlToBr>
-                    <a:lnBlToTr w="12700" cmpd="sng">
-                      <a:noFill/>
-                      <a:prstDash val="solid"/>
-                    </a:lnBlToTr>
-                    <a:noFill/>
-                  </a:tcPr>
-                </a:tc>
-                <a:extLst>
-                  <a:ext uri="{0D108BD9-81ED-4DB2-BD59-A6C34878D82A}">
-                    <a16:rowId xmlns:a16="http://schemas.microsoft.com/office/drawing/2014/main" val="3023436988"/>
-                  </a:ext>
-                </a:extLst>
-              </a:tr>
-            </a:tbl>
-          </a:graphicData>
-        </a:graphic>
-      </p:graphicFrame>
-      <p:sp>
-        <p:nvSpPr>
-          <p:cNvPr id="9" name="Rect 0">
-            <a:extLst>
-              <a:ext uri="{FF2B5EF4-FFF2-40B4-BE49-F238E27FC236}">
-                <a16:creationId xmlns:a16="http://schemas.microsoft.com/office/drawing/2014/main" id="{6225C976-5FEA-4817-8E8B-DBC9A37CDF09}"/>
-              </a:ext>
-            </a:extLst>
-          </p:cNvPr>
-          <p:cNvSpPr txBox="1">
-            <a:spLocks/>
-          </p:cNvSpPr>
-          <p:nvPr/>
-        </p:nvSpPr>
-        <p:spPr>
-          <a:xfrm>
-            <a:off x="695325" y="292100"/>
-            <a:ext cx="10802620" cy="862965"/>
-          </a:xfrm>
-          <a:prstGeom prst="rect">
-            <a:avLst/>
-          </a:prstGeom>
-        </p:spPr>
-        <p:txBody>
-          <a:bodyPr vert="horz" wrap="square" lIns="91440" tIns="45720" rIns="91440" bIns="45720" numCol="1" anchor="ctr">
-            <a:normAutofit/>
-          </a:bodyPr>
-          <a:lstStyle>
-            <a:lvl1pPr marL="0" indent="0" algn="l" defTabSz="914400" rtl="0" eaLnBrk="1" latinLnBrk="1" hangingPunct="1">
-              <a:lnSpc>
-                <a:spcPct val="90000"/>
-              </a:lnSpc>
-              <a:spcBef>
-                <a:spcPct val="0"/>
-              </a:spcBef>
-              <a:buFontTx/>
-              <a:buNone/>
-              <a:defRPr lang="en-GB" altLang="en-US" sz="4400">
-                <a:solidFill>
-                  <a:schemeClr val="tx1"/>
-                </a:solidFill>
-                <a:latin typeface="+mj-lt"/>
-                <a:ea typeface="+mj-ea"/>
-                <a:cs typeface="+mj-cs"/>
-              </a:defRPr>
-            </a:lvl1pPr>
-          </a:lstStyle>
-          <a:p>
-            <a:pPr marL="0" indent="0" latinLnBrk="0">
-              <a:buFontTx/>
-              <a:buNone/>
-            </a:pPr>
-            <a:r>
-              <a:rPr lang="en-US" altLang="ko-KR" dirty="0"/>
-              <a:t>UI-</a:t>
-            </a:r>
-            <a:r>
-              <a:rPr lang="ko-KR" altLang="en-US" dirty="0"/>
-              <a:t>퀘스트 포기</a:t>
-            </a:r>
-          </a:p>
-        </p:txBody>
-      </p:sp>
-      <p:grpSp>
-        <p:nvGrpSpPr>
-          <p:cNvPr id="4" name="그룹 3">
-            <a:extLst>
-              <a:ext uri="{FF2B5EF4-FFF2-40B4-BE49-F238E27FC236}">
-                <a16:creationId xmlns:a16="http://schemas.microsoft.com/office/drawing/2014/main" id="{BBD1A847-EB44-4CB0-9955-3A58D8179D36}"/>
-              </a:ext>
-            </a:extLst>
-          </p:cNvPr>
-          <p:cNvGrpSpPr/>
-          <p:nvPr/>
-        </p:nvGrpSpPr>
-        <p:grpSpPr>
-          <a:xfrm>
-            <a:off x="2120242" y="1922231"/>
-            <a:ext cx="7951515" cy="1181454"/>
-            <a:chOff x="3117140" y="1851892"/>
-            <a:chExt cx="5116587" cy="760234"/>
-          </a:xfrm>
-        </p:grpSpPr>
-        <p:grpSp>
-          <p:nvGrpSpPr>
-            <p:cNvPr id="3" name="그룹 2">
-              <a:extLst>
-                <a:ext uri="{FF2B5EF4-FFF2-40B4-BE49-F238E27FC236}">
-                  <a16:creationId xmlns:a16="http://schemas.microsoft.com/office/drawing/2014/main" id="{B93C683F-00E1-473E-AFC3-456C9850A000}"/>
-                </a:ext>
-              </a:extLst>
-            </p:cNvPr>
-            <p:cNvGrpSpPr/>
-            <p:nvPr/>
-          </p:nvGrpSpPr>
-          <p:grpSpPr>
-            <a:xfrm>
-              <a:off x="3117140" y="1851893"/>
-              <a:ext cx="2137727" cy="760233"/>
-              <a:chOff x="2955950" y="2193982"/>
-              <a:chExt cx="2137727" cy="760233"/>
-            </a:xfrm>
-          </p:grpSpPr>
-          <p:sp>
-            <p:nvSpPr>
-              <p:cNvPr id="10" name="사각형: 둥근 모서리 9">
-                <a:extLst>
-                  <a:ext uri="{FF2B5EF4-FFF2-40B4-BE49-F238E27FC236}">
-                    <a16:creationId xmlns:a16="http://schemas.microsoft.com/office/drawing/2014/main" id="{BE915C8E-5236-4FC5-B4A6-8694709EFAED}"/>
-                  </a:ext>
-                </a:extLst>
-              </p:cNvPr>
-              <p:cNvSpPr/>
-              <p:nvPr/>
-            </p:nvSpPr>
-            <p:spPr>
-              <a:xfrm>
-                <a:off x="2955950" y="2193982"/>
-                <a:ext cx="2137727" cy="760233"/>
-              </a:xfrm>
-              <a:prstGeom prst="roundRect">
-                <a:avLst>
-                  <a:gd name="adj" fmla="val 6635"/>
-                </a:avLst>
-              </a:prstGeom>
-              <a:solidFill>
-                <a:schemeClr val="bg2">
-                  <a:lumMod val="90000"/>
-                </a:schemeClr>
-              </a:solidFill>
-              <a:ln>
-                <a:noFill/>
-              </a:ln>
-            </p:spPr>
-            <p:style>
-              <a:lnRef idx="2">
-                <a:schemeClr val="accent1">
-                  <a:shade val="50000"/>
-                </a:schemeClr>
-              </a:lnRef>
-              <a:fillRef idx="1">
-                <a:schemeClr val="accent1"/>
-              </a:fillRef>
-              <a:effectRef idx="0">
-                <a:schemeClr val="accent1"/>
-              </a:effectRef>
-              <a:fontRef idx="minor">
-                <a:schemeClr val="lt1"/>
-              </a:fontRef>
-            </p:style>
-            <p:txBody>
-              <a:bodyPr rtlCol="0" anchor="t"/>
-              <a:lstStyle/>
-              <a:p>
-                <a:pPr algn="ctr"/>
-                <a:r>
-                  <a:rPr lang="en-US" altLang="ko-KR" sz="1200" dirty="0">
-                    <a:solidFill>
-                      <a:schemeClr val="tx1"/>
-                    </a:solidFill>
-                  </a:rPr>
-                  <a:t>‘</a:t>
-                </a:r>
-                <a:r>
-                  <a:rPr lang="ko-KR" altLang="en-US" sz="1200" dirty="0">
-                    <a:solidFill>
-                      <a:schemeClr val="tx1"/>
-                    </a:solidFill>
-                  </a:rPr>
-                  <a:t>퀘스트 명</a:t>
-                </a:r>
-                <a:r>
-                  <a:rPr lang="en-US" altLang="ko-KR" sz="1200" dirty="0">
-                    <a:solidFill>
-                      <a:schemeClr val="tx1"/>
-                    </a:solidFill>
-                  </a:rPr>
-                  <a:t>’</a:t>
-                </a:r>
-              </a:p>
-              <a:p>
-                <a:pPr algn="ctr"/>
-                <a:r>
-                  <a:rPr lang="ko-KR" altLang="en-US" sz="1200" dirty="0">
-                    <a:solidFill>
-                      <a:schemeClr val="tx1"/>
-                    </a:solidFill>
-                  </a:rPr>
-                  <a:t>퀘스트를 포기 하겠습니까</a:t>
-                </a:r>
-                <a:r>
-                  <a:rPr lang="en-US" altLang="ko-KR" sz="1200" dirty="0">
-                    <a:solidFill>
-                      <a:schemeClr val="tx1"/>
-                    </a:solidFill>
-                  </a:rPr>
-                  <a:t>?</a:t>
-                </a:r>
-              </a:p>
-            </p:txBody>
-          </p:sp>
-          <p:grpSp>
-            <p:nvGrpSpPr>
-              <p:cNvPr id="2" name="그룹 1">
-                <a:extLst>
-                  <a:ext uri="{FF2B5EF4-FFF2-40B4-BE49-F238E27FC236}">
-                    <a16:creationId xmlns:a16="http://schemas.microsoft.com/office/drawing/2014/main" id="{94AD7BAB-9DCE-476D-A3FB-CCE1A6B264D8}"/>
-                  </a:ext>
-                </a:extLst>
-              </p:cNvPr>
-              <p:cNvGrpSpPr/>
-              <p:nvPr/>
-            </p:nvGrpSpPr>
-            <p:grpSpPr>
-              <a:xfrm>
-                <a:off x="3159026" y="2684325"/>
-                <a:ext cx="1731573" cy="202880"/>
-                <a:chOff x="3058798" y="2684324"/>
-                <a:chExt cx="1731573" cy="202880"/>
-              </a:xfrm>
-            </p:grpSpPr>
-            <p:sp>
-              <p:nvSpPr>
-                <p:cNvPr id="29" name="사각형: 둥근 모서리 28">
-                  <a:extLst>
-                    <a:ext uri="{FF2B5EF4-FFF2-40B4-BE49-F238E27FC236}">
-                      <a16:creationId xmlns:a16="http://schemas.microsoft.com/office/drawing/2014/main" id="{69180025-30F2-4D41-BCB2-9823C7B2C3FD}"/>
-                    </a:ext>
-                  </a:extLst>
-                </p:cNvPr>
-                <p:cNvSpPr/>
-                <p:nvPr/>
-              </p:nvSpPr>
-              <p:spPr>
-                <a:xfrm>
-                  <a:off x="3058798" y="2684325"/>
-                  <a:ext cx="765558" cy="202879"/>
-                </a:xfrm>
-                <a:prstGeom prst="roundRect">
-                  <a:avLst/>
-                </a:prstGeom>
-                <a:solidFill>
-                  <a:srgbClr val="990000"/>
-                </a:solidFill>
-                <a:ln>
-                  <a:noFill/>
-                </a:ln>
-              </p:spPr>
-              <p:style>
-                <a:lnRef idx="2">
-                  <a:schemeClr val="accent1">
-                    <a:shade val="50000"/>
-                  </a:schemeClr>
-                </a:lnRef>
-                <a:fillRef idx="1">
-                  <a:schemeClr val="accent1"/>
-                </a:fillRef>
-                <a:effectRef idx="0">
-                  <a:schemeClr val="accent1"/>
-                </a:effectRef>
-                <a:fontRef idx="minor">
-                  <a:schemeClr val="lt1"/>
-                </a:fontRef>
-              </p:style>
-              <p:txBody>
-                <a:bodyPr rtlCol="0" anchor="ctr"/>
-                <a:lstStyle/>
-                <a:p>
-                  <a:pPr algn="ctr"/>
-                  <a:r>
-                    <a:rPr lang="ko-KR" altLang="en-US" sz="1400" dirty="0"/>
-                    <a:t>포기</a:t>
-                  </a:r>
-                  <a:endParaRPr lang="ko-KR" altLang="en-US" dirty="0"/>
-                </a:p>
-              </p:txBody>
-            </p:sp>
-            <p:sp>
-              <p:nvSpPr>
-                <p:cNvPr id="31" name="사각형: 둥근 모서리 30">
-                  <a:extLst>
-                    <a:ext uri="{FF2B5EF4-FFF2-40B4-BE49-F238E27FC236}">
-                      <a16:creationId xmlns:a16="http://schemas.microsoft.com/office/drawing/2014/main" id="{D450D0EB-8BF0-4C89-92F4-6696E2FFBD77}"/>
-                    </a:ext>
-                  </a:extLst>
-                </p:cNvPr>
-                <p:cNvSpPr/>
-                <p:nvPr/>
-              </p:nvSpPr>
-              <p:spPr>
-                <a:xfrm>
-                  <a:off x="4024813" y="2684324"/>
-                  <a:ext cx="765558" cy="202879"/>
-                </a:xfrm>
-                <a:prstGeom prst="roundRect">
-                  <a:avLst/>
-                </a:prstGeom>
-                <a:solidFill>
-                  <a:schemeClr val="tx1">
-                    <a:lumMod val="50000"/>
-                    <a:lumOff val="50000"/>
-                  </a:schemeClr>
-                </a:solidFill>
-                <a:ln>
-                  <a:noFill/>
-                </a:ln>
-              </p:spPr>
-              <p:style>
-                <a:lnRef idx="2">
-                  <a:schemeClr val="accent1">
-                    <a:shade val="50000"/>
-                  </a:schemeClr>
-                </a:lnRef>
-                <a:fillRef idx="1">
-                  <a:schemeClr val="accent1"/>
-                </a:fillRef>
-                <a:effectRef idx="0">
-                  <a:schemeClr val="accent1"/>
-                </a:effectRef>
-                <a:fontRef idx="minor">
-                  <a:schemeClr val="lt1"/>
-                </a:fontRef>
-              </p:style>
-              <p:txBody>
-                <a:bodyPr rtlCol="0" anchor="ctr"/>
-                <a:lstStyle/>
-                <a:p>
-                  <a:pPr algn="ctr"/>
-                  <a:r>
-                    <a:rPr lang="ko-KR" altLang="en-US" sz="1400" dirty="0"/>
-                    <a:t>취소</a:t>
-                  </a:r>
-                  <a:endParaRPr lang="ko-KR" altLang="en-US" dirty="0"/>
-                </a:p>
-              </p:txBody>
-            </p:sp>
-          </p:grpSp>
-        </p:grpSp>
-        <p:grpSp>
-          <p:nvGrpSpPr>
-            <p:cNvPr id="11" name="그룹 10">
-              <a:extLst>
-                <a:ext uri="{FF2B5EF4-FFF2-40B4-BE49-F238E27FC236}">
-                  <a16:creationId xmlns:a16="http://schemas.microsoft.com/office/drawing/2014/main" id="{5993B98F-4DBA-4E1A-B040-5F268E6D6526}"/>
-                </a:ext>
-              </a:extLst>
-            </p:cNvPr>
-            <p:cNvGrpSpPr/>
-            <p:nvPr/>
-          </p:nvGrpSpPr>
-          <p:grpSpPr>
-            <a:xfrm>
-              <a:off x="6096000" y="1851892"/>
-              <a:ext cx="2137727" cy="760233"/>
-              <a:chOff x="2955950" y="2193982"/>
-              <a:chExt cx="2137727" cy="760233"/>
-            </a:xfrm>
-          </p:grpSpPr>
-          <p:sp>
-            <p:nvSpPr>
-              <p:cNvPr id="12" name="사각형: 둥근 모서리 11">
-                <a:extLst>
-                  <a:ext uri="{FF2B5EF4-FFF2-40B4-BE49-F238E27FC236}">
-                    <a16:creationId xmlns:a16="http://schemas.microsoft.com/office/drawing/2014/main" id="{04551DA5-2A16-469E-BC24-2ADA3470AC53}"/>
-                  </a:ext>
-                </a:extLst>
-              </p:cNvPr>
-              <p:cNvSpPr/>
-              <p:nvPr/>
-            </p:nvSpPr>
-            <p:spPr>
-              <a:xfrm>
-                <a:off x="2955950" y="2193982"/>
-                <a:ext cx="2137727" cy="760233"/>
-              </a:xfrm>
-              <a:prstGeom prst="roundRect">
-                <a:avLst>
-                  <a:gd name="adj" fmla="val 6635"/>
-                </a:avLst>
-              </a:prstGeom>
-              <a:solidFill>
-                <a:schemeClr val="bg2">
-                  <a:lumMod val="90000"/>
-                </a:schemeClr>
-              </a:solidFill>
-              <a:ln>
-                <a:noFill/>
-              </a:ln>
-            </p:spPr>
-            <p:style>
-              <a:lnRef idx="2">
-                <a:schemeClr val="accent1">
-                  <a:shade val="50000"/>
-                </a:schemeClr>
-              </a:lnRef>
-              <a:fillRef idx="1">
-                <a:schemeClr val="accent1"/>
-              </a:fillRef>
-              <a:effectRef idx="0">
-                <a:schemeClr val="accent1"/>
-              </a:effectRef>
-              <a:fontRef idx="minor">
-                <a:schemeClr val="lt1"/>
-              </a:fontRef>
-            </p:style>
-            <p:txBody>
-              <a:bodyPr rtlCol="0" anchor="t"/>
-              <a:lstStyle/>
-              <a:p>
-                <a:pPr algn="ctr"/>
-                <a:r>
-                  <a:rPr lang="en-US" altLang="ko-KR" sz="1200" dirty="0">
-                    <a:solidFill>
-                      <a:schemeClr val="tx1"/>
-                    </a:solidFill>
-                  </a:rPr>
-                  <a:t>‘</a:t>
-                </a:r>
-                <a:r>
-                  <a:rPr lang="ko-KR" altLang="en-US" sz="1200" dirty="0">
-                    <a:solidFill>
-                      <a:schemeClr val="tx1"/>
-                    </a:solidFill>
-                  </a:rPr>
-                  <a:t>퀘스트 명</a:t>
-                </a:r>
-                <a:r>
-                  <a:rPr lang="en-US" altLang="ko-KR" sz="1200" dirty="0">
-                    <a:solidFill>
-                      <a:schemeClr val="tx1"/>
-                    </a:solidFill>
-                  </a:rPr>
-                  <a:t>’</a:t>
-                </a:r>
-              </a:p>
-              <a:p>
-                <a:pPr algn="ctr"/>
-                <a:r>
-                  <a:rPr lang="ko-KR" altLang="en-US" sz="1200" dirty="0">
-                    <a:solidFill>
-                      <a:schemeClr val="tx1"/>
-                    </a:solidFill>
-                  </a:rPr>
-                  <a:t>퀘스트 포기 시 </a:t>
-                </a:r>
-                <a:endParaRPr lang="en-US" altLang="ko-KR" sz="1200" dirty="0">
-                  <a:solidFill>
-                    <a:schemeClr val="tx1"/>
-                  </a:solidFill>
-                </a:endParaRPr>
-              </a:p>
-              <a:p>
-                <a:pPr algn="ctr"/>
-                <a:r>
-                  <a:rPr lang="ko-KR" altLang="en-US" sz="1200" dirty="0">
-                    <a:solidFill>
-                      <a:schemeClr val="tx1"/>
-                    </a:solidFill>
-                  </a:rPr>
-                  <a:t>해당 퀘스트는 소멸 합니다</a:t>
-                </a:r>
-                <a:r>
-                  <a:rPr lang="en-US" altLang="ko-KR" sz="1200" dirty="0">
-                    <a:solidFill>
-                      <a:schemeClr val="tx1"/>
-                    </a:solidFill>
-                  </a:rPr>
-                  <a:t>.</a:t>
-                </a:r>
-              </a:p>
-            </p:txBody>
-          </p:sp>
-          <p:grpSp>
-            <p:nvGrpSpPr>
-              <p:cNvPr id="13" name="그룹 12">
-                <a:extLst>
-                  <a:ext uri="{FF2B5EF4-FFF2-40B4-BE49-F238E27FC236}">
-                    <a16:creationId xmlns:a16="http://schemas.microsoft.com/office/drawing/2014/main" id="{0E7B253B-4A57-49B7-90BD-99997A2529E4}"/>
-                  </a:ext>
-                </a:extLst>
-              </p:cNvPr>
-              <p:cNvGrpSpPr/>
-              <p:nvPr/>
-            </p:nvGrpSpPr>
-            <p:grpSpPr>
-              <a:xfrm>
-                <a:off x="3159026" y="2684325"/>
-                <a:ext cx="1731573" cy="202880"/>
-                <a:chOff x="3058798" y="2684324"/>
-                <a:chExt cx="1731573" cy="202880"/>
-              </a:xfrm>
-            </p:grpSpPr>
-            <p:sp>
-              <p:nvSpPr>
-                <p:cNvPr id="14" name="사각형: 둥근 모서리 13">
-                  <a:extLst>
-                    <a:ext uri="{FF2B5EF4-FFF2-40B4-BE49-F238E27FC236}">
-                      <a16:creationId xmlns:a16="http://schemas.microsoft.com/office/drawing/2014/main" id="{54B53565-6A21-4BB2-ADB0-6D0E047D4CDF}"/>
-                    </a:ext>
-                  </a:extLst>
-                </p:cNvPr>
-                <p:cNvSpPr/>
-                <p:nvPr/>
-              </p:nvSpPr>
-              <p:spPr>
-                <a:xfrm>
-                  <a:off x="3058798" y="2684325"/>
-                  <a:ext cx="765558" cy="202879"/>
-                </a:xfrm>
-                <a:prstGeom prst="roundRect">
-                  <a:avLst/>
-                </a:prstGeom>
-                <a:solidFill>
-                  <a:srgbClr val="990000"/>
-                </a:solidFill>
-                <a:ln>
-                  <a:noFill/>
-                </a:ln>
-              </p:spPr>
-              <p:style>
-                <a:lnRef idx="2">
-                  <a:schemeClr val="accent1">
-                    <a:shade val="50000"/>
-                  </a:schemeClr>
-                </a:lnRef>
-                <a:fillRef idx="1">
-                  <a:schemeClr val="accent1"/>
-                </a:fillRef>
-                <a:effectRef idx="0">
-                  <a:schemeClr val="accent1"/>
-                </a:effectRef>
-                <a:fontRef idx="minor">
-                  <a:schemeClr val="lt1"/>
-                </a:fontRef>
-              </p:style>
-              <p:txBody>
-                <a:bodyPr rtlCol="0" anchor="ctr"/>
-                <a:lstStyle/>
-                <a:p>
-                  <a:pPr algn="ctr"/>
-                  <a:r>
-                    <a:rPr lang="ko-KR" altLang="en-US" sz="1400" dirty="0"/>
-                    <a:t>포기</a:t>
-                  </a:r>
-                  <a:endParaRPr lang="ko-KR" altLang="en-US" dirty="0"/>
-                </a:p>
-              </p:txBody>
-            </p:sp>
-            <p:sp>
-              <p:nvSpPr>
-                <p:cNvPr id="15" name="사각형: 둥근 모서리 14">
-                  <a:extLst>
-                    <a:ext uri="{FF2B5EF4-FFF2-40B4-BE49-F238E27FC236}">
-                      <a16:creationId xmlns:a16="http://schemas.microsoft.com/office/drawing/2014/main" id="{EB233D4E-AEF0-4F71-AC4B-DD33F6A98485}"/>
-                    </a:ext>
-                  </a:extLst>
-                </p:cNvPr>
-                <p:cNvSpPr/>
-                <p:nvPr/>
-              </p:nvSpPr>
-              <p:spPr>
-                <a:xfrm>
-                  <a:off x="4024813" y="2684324"/>
-                  <a:ext cx="765558" cy="202879"/>
-                </a:xfrm>
-                <a:prstGeom prst="roundRect">
-                  <a:avLst/>
-                </a:prstGeom>
-                <a:solidFill>
-                  <a:schemeClr val="tx1">
-                    <a:lumMod val="50000"/>
-                    <a:lumOff val="50000"/>
-                  </a:schemeClr>
-                </a:solidFill>
-                <a:ln>
-                  <a:noFill/>
-                </a:ln>
-              </p:spPr>
-              <p:style>
-                <a:lnRef idx="2">
-                  <a:schemeClr val="accent1">
-                    <a:shade val="50000"/>
-                  </a:schemeClr>
-                </a:lnRef>
-                <a:fillRef idx="1">
-                  <a:schemeClr val="accent1"/>
-                </a:fillRef>
-                <a:effectRef idx="0">
-                  <a:schemeClr val="accent1"/>
-                </a:effectRef>
-                <a:fontRef idx="minor">
-                  <a:schemeClr val="lt1"/>
-                </a:fontRef>
-              </p:style>
-              <p:txBody>
-                <a:bodyPr rtlCol="0" anchor="ctr"/>
-                <a:lstStyle/>
-                <a:p>
-                  <a:pPr algn="ctr"/>
-                  <a:r>
-                    <a:rPr lang="ko-KR" altLang="en-US" sz="1400" dirty="0"/>
-                    <a:t>취소</a:t>
-                  </a:r>
-                  <a:endParaRPr lang="ko-KR" altLang="en-US" dirty="0"/>
-                </a:p>
-              </p:txBody>
-            </p:sp>
-          </p:grpSp>
-        </p:grpSp>
-      </p:grpSp>
-      <p:sp>
-        <p:nvSpPr>
-          <p:cNvPr id="17" name="도형 20">
-            <a:extLst>
-              <a:ext uri="{FF2B5EF4-FFF2-40B4-BE49-F238E27FC236}">
-                <a16:creationId xmlns:a16="http://schemas.microsoft.com/office/drawing/2014/main" id="{0292F04B-7FD8-4867-8FDE-D8C885DA7094}"/>
-              </a:ext>
-            </a:extLst>
-          </p:cNvPr>
-          <p:cNvSpPr>
-            <a:spLocks/>
-          </p:cNvSpPr>
-          <p:nvPr/>
-        </p:nvSpPr>
-        <p:spPr>
-          <a:xfrm>
-            <a:off x="2035803" y="1868954"/>
-            <a:ext cx="3476973" cy="1278693"/>
-          </a:xfrm>
-          <a:prstGeom prst="rect">
-            <a:avLst/>
-          </a:prstGeom>
-          <a:noFill/>
-          <a:ln w="15875" cap="flat" cmpd="sng">
-            <a:solidFill>
-              <a:srgbClr val="C00000">
-                <a:alpha val="100000"/>
-              </a:srgbClr>
-            </a:solidFill>
-            <a:prstDash val="solid"/>
-            <a:miter lim="800000"/>
-          </a:ln>
-        </p:spPr>
-        <p:style>
-          <a:lnRef idx="2">
-            <a:schemeClr val="accent1">
-              <a:shade val="50000"/>
-            </a:schemeClr>
-          </a:lnRef>
-          <a:fillRef idx="1">
-            <a:schemeClr val="accent1"/>
-          </a:fillRef>
-          <a:effectRef idx="0">
-            <a:schemeClr val="accent1"/>
-          </a:effectRef>
-          <a:fontRef idx="minor">
-            <a:schemeClr val="lt1"/>
-          </a:fontRef>
-        </p:style>
-        <p:txBody>
-          <a:bodyPr vert="horz" wrap="square" lIns="91440" tIns="45720" rIns="91440" bIns="45720" anchor="ctr">
-            <a:noAutofit/>
-          </a:bodyPr>
-          <a:lstStyle/>
-          <a:p>
-            <a:pPr marL="0" indent="0" algn="ctr" hangingPunct="1"/>
-            <a:endParaRPr lang="ko-KR" altLang="en-US" sz="1800">
-              <a:latin typeface="맑은 고딕" charset="0"/>
-              <a:ea typeface="맑은 고딕" charset="0"/>
-            </a:endParaRPr>
-          </a:p>
-        </p:txBody>
-      </p:sp>
-      <p:sp>
-        <p:nvSpPr>
-          <p:cNvPr id="18" name="도형 20">
-            <a:extLst>
-              <a:ext uri="{FF2B5EF4-FFF2-40B4-BE49-F238E27FC236}">
-                <a16:creationId xmlns:a16="http://schemas.microsoft.com/office/drawing/2014/main" id="{984B20DA-0A35-488C-9AEB-1B40DF473F2C}"/>
-              </a:ext>
-            </a:extLst>
-          </p:cNvPr>
-          <p:cNvSpPr>
-            <a:spLocks/>
-          </p:cNvSpPr>
-          <p:nvPr/>
-        </p:nvSpPr>
-        <p:spPr>
-          <a:xfrm>
-            <a:off x="3388329" y="1972781"/>
-            <a:ext cx="788018" cy="191384"/>
-          </a:xfrm>
-          <a:prstGeom prst="rect">
-            <a:avLst/>
-          </a:prstGeom>
-          <a:noFill/>
-          <a:ln w="15875" cap="flat" cmpd="sng">
-            <a:solidFill>
-              <a:srgbClr val="C00000">
-                <a:alpha val="100000"/>
-              </a:srgbClr>
-            </a:solidFill>
-            <a:prstDash val="solid"/>
-            <a:miter lim="800000"/>
-          </a:ln>
-        </p:spPr>
-        <p:style>
-          <a:lnRef idx="2">
-            <a:schemeClr val="accent1">
-              <a:shade val="50000"/>
-            </a:schemeClr>
-          </a:lnRef>
-          <a:fillRef idx="1">
-            <a:schemeClr val="accent1"/>
-          </a:fillRef>
-          <a:effectRef idx="0">
-            <a:schemeClr val="accent1"/>
-          </a:effectRef>
-          <a:fontRef idx="minor">
-            <a:schemeClr val="lt1"/>
-          </a:fontRef>
-        </p:style>
-        <p:txBody>
-          <a:bodyPr vert="horz" wrap="square" lIns="91440" tIns="45720" rIns="91440" bIns="45720" anchor="ctr">
-            <a:noAutofit/>
-          </a:bodyPr>
-          <a:lstStyle/>
-          <a:p>
-            <a:pPr marL="0" indent="0" algn="ctr" hangingPunct="1"/>
-            <a:endParaRPr lang="ko-KR" altLang="en-US" sz="1800">
-              <a:latin typeface="맑은 고딕" charset="0"/>
-              <a:ea typeface="맑은 고딕" charset="0"/>
-            </a:endParaRPr>
-          </a:p>
-        </p:txBody>
-      </p:sp>
-      <p:sp>
-        <p:nvSpPr>
-          <p:cNvPr id="19" name="도형 20">
-            <a:extLst>
-              <a:ext uri="{FF2B5EF4-FFF2-40B4-BE49-F238E27FC236}">
-                <a16:creationId xmlns:a16="http://schemas.microsoft.com/office/drawing/2014/main" id="{7A9BCDAA-57AC-413C-87D0-D6527EF1F06B}"/>
-              </a:ext>
-            </a:extLst>
-          </p:cNvPr>
-          <p:cNvSpPr>
-            <a:spLocks/>
-          </p:cNvSpPr>
-          <p:nvPr/>
-        </p:nvSpPr>
-        <p:spPr>
-          <a:xfrm>
-            <a:off x="2339894" y="2630198"/>
-            <a:ext cx="2882864" cy="423401"/>
-          </a:xfrm>
-          <a:prstGeom prst="rect">
-            <a:avLst/>
-          </a:prstGeom>
-          <a:noFill/>
-          <a:ln w="15875" cap="flat" cmpd="sng">
-            <a:solidFill>
-              <a:srgbClr val="C00000">
-                <a:alpha val="100000"/>
-              </a:srgbClr>
-            </a:solidFill>
-            <a:prstDash val="solid"/>
-            <a:miter lim="800000"/>
-          </a:ln>
-        </p:spPr>
-        <p:style>
-          <a:lnRef idx="2">
-            <a:schemeClr val="accent1">
-              <a:shade val="50000"/>
-            </a:schemeClr>
-          </a:lnRef>
-          <a:fillRef idx="1">
-            <a:schemeClr val="accent1"/>
-          </a:fillRef>
-          <a:effectRef idx="0">
-            <a:schemeClr val="accent1"/>
-          </a:effectRef>
-          <a:fontRef idx="minor">
-            <a:schemeClr val="lt1"/>
-          </a:fontRef>
-        </p:style>
-        <p:txBody>
-          <a:bodyPr vert="horz" wrap="square" lIns="91440" tIns="45720" rIns="91440" bIns="45720" anchor="ctr">
-            <a:noAutofit/>
-          </a:bodyPr>
-          <a:lstStyle/>
-          <a:p>
-            <a:pPr marL="0" indent="0" algn="ctr" hangingPunct="1"/>
-            <a:endParaRPr lang="ko-KR" altLang="en-US" sz="1800">
-              <a:latin typeface="맑은 고딕" charset="0"/>
-              <a:ea typeface="맑은 고딕" charset="0"/>
-            </a:endParaRPr>
-          </a:p>
-        </p:txBody>
-      </p:sp>
-      <p:sp>
-        <p:nvSpPr>
-          <p:cNvPr id="20" name="타원 19">
-            <a:extLst>
-              <a:ext uri="{FF2B5EF4-FFF2-40B4-BE49-F238E27FC236}">
-                <a16:creationId xmlns:a16="http://schemas.microsoft.com/office/drawing/2014/main" id="{7AF07690-92E6-4511-A64B-25F2B1B596CE}"/>
-              </a:ext>
-            </a:extLst>
-          </p:cNvPr>
-          <p:cNvSpPr>
-            <a:spLocks noChangeAspect="1"/>
-          </p:cNvSpPr>
-          <p:nvPr/>
-        </p:nvSpPr>
-        <p:spPr>
-          <a:xfrm>
-            <a:off x="1928910" y="1715756"/>
-            <a:ext cx="241933" cy="241933"/>
-          </a:xfrm>
-          <a:prstGeom prst="ellipse">
-            <a:avLst/>
-          </a:prstGeom>
-        </p:spPr>
-        <p:style>
-          <a:lnRef idx="2">
-            <a:schemeClr val="accent1">
-              <a:shade val="50000"/>
-            </a:schemeClr>
-          </a:lnRef>
-          <a:fillRef idx="1">
-            <a:schemeClr val="accent1"/>
-          </a:fillRef>
-          <a:effectRef idx="0">
-            <a:schemeClr val="accent1"/>
-          </a:effectRef>
-          <a:fontRef idx="minor">
-            <a:schemeClr val="lt1"/>
-          </a:fontRef>
-        </p:style>
-        <p:txBody>
-          <a:bodyPr rtlCol="0" anchor="ctr"/>
-          <a:lstStyle/>
-          <a:p>
-            <a:pPr algn="ctr"/>
-            <a:r>
-              <a:rPr lang="en-US" altLang="ko-KR" dirty="0"/>
-              <a:t>1</a:t>
-            </a:r>
-            <a:endParaRPr lang="ko-KR" altLang="en-US" dirty="0"/>
-          </a:p>
-        </p:txBody>
-      </p:sp>
-      <p:sp>
-        <p:nvSpPr>
-          <p:cNvPr id="21" name="타원 20">
-            <a:extLst>
-              <a:ext uri="{FF2B5EF4-FFF2-40B4-BE49-F238E27FC236}">
-                <a16:creationId xmlns:a16="http://schemas.microsoft.com/office/drawing/2014/main" id="{29BE6493-FB50-4289-8B05-2150346F571A}"/>
-              </a:ext>
-            </a:extLst>
-          </p:cNvPr>
-          <p:cNvSpPr>
-            <a:spLocks noChangeAspect="1"/>
-          </p:cNvSpPr>
-          <p:nvPr/>
-        </p:nvSpPr>
-        <p:spPr>
-          <a:xfrm>
-            <a:off x="3092949" y="1925529"/>
-            <a:ext cx="241933" cy="241933"/>
-          </a:xfrm>
-          <a:prstGeom prst="ellipse">
-            <a:avLst/>
-          </a:prstGeom>
-        </p:spPr>
-        <p:style>
-          <a:lnRef idx="2">
-            <a:schemeClr val="accent1">
-              <a:shade val="50000"/>
-            </a:schemeClr>
-          </a:lnRef>
-          <a:fillRef idx="1">
-            <a:schemeClr val="accent1"/>
-          </a:fillRef>
-          <a:effectRef idx="0">
-            <a:schemeClr val="accent1"/>
-          </a:effectRef>
-          <a:fontRef idx="minor">
-            <a:schemeClr val="lt1"/>
-          </a:fontRef>
-        </p:style>
-        <p:txBody>
-          <a:bodyPr rtlCol="0" anchor="ctr"/>
-          <a:lstStyle/>
-          <a:p>
-            <a:pPr algn="ctr"/>
-            <a:r>
-              <a:rPr lang="en-US" altLang="ko-KR" dirty="0"/>
-              <a:t>2</a:t>
-            </a:r>
-            <a:endParaRPr lang="ko-KR" altLang="en-US" dirty="0"/>
-          </a:p>
-        </p:txBody>
-      </p:sp>
-      <p:sp>
-        <p:nvSpPr>
-          <p:cNvPr id="22" name="타원 21">
-            <a:extLst>
-              <a:ext uri="{FF2B5EF4-FFF2-40B4-BE49-F238E27FC236}">
-                <a16:creationId xmlns:a16="http://schemas.microsoft.com/office/drawing/2014/main" id="{52582A28-7E63-403C-9854-F5C480F8A0BD}"/>
-              </a:ext>
-            </a:extLst>
-          </p:cNvPr>
-          <p:cNvSpPr>
-            <a:spLocks noChangeAspect="1"/>
-          </p:cNvSpPr>
-          <p:nvPr/>
-        </p:nvSpPr>
-        <p:spPr>
-          <a:xfrm>
-            <a:off x="2109102" y="2720931"/>
-            <a:ext cx="241933" cy="241933"/>
-          </a:xfrm>
-          <a:prstGeom prst="ellipse">
-            <a:avLst/>
-          </a:prstGeom>
-        </p:spPr>
-        <p:style>
-          <a:lnRef idx="2">
-            <a:schemeClr val="accent1">
-              <a:shade val="50000"/>
-            </a:schemeClr>
-          </a:lnRef>
-          <a:fillRef idx="1">
-            <a:schemeClr val="accent1"/>
-          </a:fillRef>
-          <a:effectRef idx="0">
-            <a:schemeClr val="accent1"/>
-          </a:effectRef>
-          <a:fontRef idx="minor">
-            <a:schemeClr val="lt1"/>
-          </a:fontRef>
-        </p:style>
-        <p:txBody>
-          <a:bodyPr rtlCol="0" anchor="ctr"/>
-          <a:lstStyle/>
-          <a:p>
-            <a:pPr algn="ctr"/>
-            <a:r>
-              <a:rPr lang="en-US" altLang="ko-KR" dirty="0"/>
-              <a:t>3</a:t>
-            </a:r>
-            <a:endParaRPr lang="ko-KR" altLang="en-US" dirty="0"/>
-          </a:p>
-        </p:txBody>
-      </p:sp>
-      <p:sp>
-        <p:nvSpPr>
-          <p:cNvPr id="23" name="도형 20">
-            <a:extLst>
-              <a:ext uri="{FF2B5EF4-FFF2-40B4-BE49-F238E27FC236}">
-                <a16:creationId xmlns:a16="http://schemas.microsoft.com/office/drawing/2014/main" id="{6C157435-0FF0-448C-9B00-471BB7FFCEFA}"/>
-              </a:ext>
-            </a:extLst>
-          </p:cNvPr>
-          <p:cNvSpPr>
-            <a:spLocks/>
-          </p:cNvSpPr>
-          <p:nvPr/>
-        </p:nvSpPr>
-        <p:spPr>
-          <a:xfrm>
-            <a:off x="6679226" y="1868954"/>
-            <a:ext cx="3476973" cy="1278693"/>
-          </a:xfrm>
-          <a:prstGeom prst="rect">
-            <a:avLst/>
-          </a:prstGeom>
-          <a:noFill/>
-          <a:ln w="15875" cap="flat" cmpd="sng">
-            <a:solidFill>
-              <a:srgbClr val="C00000">
-                <a:alpha val="100000"/>
-              </a:srgbClr>
-            </a:solidFill>
-            <a:prstDash val="solid"/>
-            <a:miter lim="800000"/>
-          </a:ln>
-        </p:spPr>
-        <p:style>
-          <a:lnRef idx="2">
-            <a:schemeClr val="accent1">
-              <a:shade val="50000"/>
-            </a:schemeClr>
-          </a:lnRef>
-          <a:fillRef idx="1">
-            <a:schemeClr val="accent1"/>
-          </a:fillRef>
-          <a:effectRef idx="0">
-            <a:schemeClr val="accent1"/>
-          </a:effectRef>
-          <a:fontRef idx="minor">
-            <a:schemeClr val="lt1"/>
-          </a:fontRef>
-        </p:style>
-        <p:txBody>
-          <a:bodyPr vert="horz" wrap="square" lIns="91440" tIns="45720" rIns="91440" bIns="45720" anchor="ctr">
-            <a:noAutofit/>
-          </a:bodyPr>
-          <a:lstStyle/>
-          <a:p>
-            <a:pPr marL="0" indent="0" algn="ctr" hangingPunct="1"/>
-            <a:endParaRPr lang="ko-KR" altLang="en-US" sz="1800">
-              <a:latin typeface="맑은 고딕" charset="0"/>
-              <a:ea typeface="맑은 고딕" charset="0"/>
-            </a:endParaRPr>
-          </a:p>
-        </p:txBody>
-      </p:sp>
-      <p:sp>
-        <p:nvSpPr>
-          <p:cNvPr id="37" name="타원 36">
-            <a:extLst>
-              <a:ext uri="{FF2B5EF4-FFF2-40B4-BE49-F238E27FC236}">
-                <a16:creationId xmlns:a16="http://schemas.microsoft.com/office/drawing/2014/main" id="{69C7F53B-E4A1-49BD-8453-845612BE13F4}"/>
-              </a:ext>
-            </a:extLst>
-          </p:cNvPr>
-          <p:cNvSpPr>
-            <a:spLocks noChangeAspect="1"/>
-          </p:cNvSpPr>
-          <p:nvPr/>
-        </p:nvSpPr>
-        <p:spPr>
-          <a:xfrm>
-            <a:off x="6558259" y="1730848"/>
-            <a:ext cx="241933" cy="241933"/>
-          </a:xfrm>
-          <a:prstGeom prst="ellipse">
-            <a:avLst/>
-          </a:prstGeom>
-        </p:spPr>
-        <p:style>
-          <a:lnRef idx="2">
-            <a:schemeClr val="accent1">
-              <a:shade val="50000"/>
-            </a:schemeClr>
-          </a:lnRef>
-          <a:fillRef idx="1">
-            <a:schemeClr val="accent1"/>
-          </a:fillRef>
-          <a:effectRef idx="0">
-            <a:schemeClr val="accent1"/>
-          </a:effectRef>
-          <a:fontRef idx="minor">
-            <a:schemeClr val="lt1"/>
-          </a:fontRef>
-        </p:style>
-        <p:txBody>
-          <a:bodyPr rtlCol="0" anchor="ctr"/>
-          <a:lstStyle/>
-          <a:p>
-            <a:pPr algn="ctr"/>
-            <a:r>
-              <a:rPr lang="en-US" altLang="ko-KR" dirty="0"/>
-              <a:t>4</a:t>
-            </a:r>
-            <a:endParaRPr lang="ko-KR" altLang="en-US" dirty="0"/>
-          </a:p>
-        </p:txBody>
-      </p:sp>
-    </p:spTree>
-    <p:extLst>
-      <p:ext uri="{BB962C8B-B14F-4D97-AF65-F5344CB8AC3E}">
-        <p14:creationId xmlns:p14="http://schemas.microsoft.com/office/powerpoint/2010/main" val="1827549904"/>
-      </p:ext>
-    </p:extLst>
-  </p:cSld>
-  <p:clrMapOvr>
-    <a:masterClrMapping/>
-  </p:clrMapOvr>
-</p:sld>
-</file>
-
-<file path=ppt/slides/slide19.xml><?xml version="1.0" encoding="utf-8"?>
-<p:sld xmlns:a="http://schemas.openxmlformats.org/drawingml/2006/main" xmlns:r="http://schemas.openxmlformats.org/officeDocument/2006/relationships" xmlns:p="http://schemas.openxmlformats.org/presentationml/2006/main">
-  <p:cSld>
-    <p:spTree>
-      <p:nvGrpSpPr>
-        <p:cNvPr id="1" name=""/>
-        <p:cNvGrpSpPr/>
-        <p:nvPr/>
-      </p:nvGrpSpPr>
-      <p:grpSpPr>
-        <a:xfrm>
-          <a:off x="0" y="0"/>
-          <a:ext cx="0" cy="0"/>
-          <a:chOff x="0" y="0"/>
-          <a:chExt cx="0" cy="0"/>
-        </a:xfrm>
-      </p:grpSpPr>
       <p:sp>
         <p:nvSpPr>
           <p:cNvPr id="5" name="Rect 0">
@@ -18842,13 +15205,8 @@
             </a:r>
             <a:r>
               <a:rPr lang="ko-KR" altLang="en-US" dirty="0"/>
-              <a:t>퀘스트</a:t>
+              <a:t>퀘스트 창</a:t>
             </a:r>
-            <a:r>
-              <a:rPr lang="en-US" altLang="ko-KR" dirty="0"/>
-              <a:t>1</a:t>
-            </a:r>
-            <a:endParaRPr lang="ko-KR" altLang="en-US" dirty="0"/>
           </a:p>
         </p:txBody>
       </p:sp>
@@ -23311,681 +19669,7 @@
 </p:sld>
 </file>
 
-<file path=ppt/slides/slide2.xml><?xml version="1.0" encoding="utf-8"?>
-<p:sld xmlns:a="http://schemas.openxmlformats.org/drawingml/2006/main" xmlns:r="http://schemas.openxmlformats.org/officeDocument/2006/relationships" xmlns:p="http://schemas.openxmlformats.org/presentationml/2006/main">
-  <p:cSld>
-    <p:spTree>
-      <p:nvGrpSpPr>
-        <p:cNvPr id="1" name=""/>
-        <p:cNvGrpSpPr/>
-        <p:nvPr/>
-      </p:nvGrpSpPr>
-      <p:grpSpPr>
-        <a:xfrm>
-          <a:off x="0" y="0"/>
-          <a:ext cx="0" cy="0"/>
-          <a:chOff x="0" y="0"/>
-          <a:chExt cx="0" cy="0"/>
-        </a:xfrm>
-      </p:grpSpPr>
-      <p:graphicFrame>
-        <p:nvGraphicFramePr>
-          <p:cNvPr id="4" name="표 4">
-            <a:extLst>
-              <a:ext uri="{FF2B5EF4-FFF2-40B4-BE49-F238E27FC236}">
-                <a16:creationId xmlns:a16="http://schemas.microsoft.com/office/drawing/2014/main" id="{D9335E25-03C9-45D8-B4F4-5E3DD30E1D6F}"/>
-              </a:ext>
-            </a:extLst>
-          </p:cNvPr>
-          <p:cNvGraphicFramePr>
-            <a:graphicFrameLocks noGrp="1"/>
-          </p:cNvGraphicFramePr>
-          <p:nvPr>
-            <p:extLst>
-              <p:ext uri="{D42A27DB-BD31-4B8C-83A1-F6EECF244321}">
-                <p14:modId xmlns:p14="http://schemas.microsoft.com/office/powerpoint/2010/main" val="3528643464"/>
-              </p:ext>
-            </p:extLst>
-          </p:nvPr>
-        </p:nvGraphicFramePr>
-        <p:xfrm>
-          <a:off x="1416050" y="1690688"/>
-          <a:ext cx="4679950" cy="2966720"/>
-        </p:xfrm>
-        <a:graphic>
-          <a:graphicData uri="http://schemas.openxmlformats.org/drawingml/2006/table">
-            <a:tbl>
-              <a:tblPr firstRow="1" bandRow="1">
-                <a:tableStyleId>{5C22544A-7EE6-4342-B048-85BDC9FD1C3A}</a:tableStyleId>
-              </a:tblPr>
-              <a:tblGrid>
-                <a:gridCol w="4679950">
-                  <a:extLst>
-                    <a:ext uri="{9D8B030D-6E8A-4147-A177-3AD203B41FA5}">
-                      <a16:colId xmlns:a16="http://schemas.microsoft.com/office/drawing/2014/main" val="3606984394"/>
-                    </a:ext>
-                  </a:extLst>
-                </a:gridCol>
-              </a:tblGrid>
-              <a:tr h="370840">
-                <a:tc>
-                  <a:txBody>
-                    <a:bodyPr/>
-                    <a:lstStyle/>
-                    <a:p>
-                      <a:pPr latinLnBrk="1"/>
-                      <a:r>
-                        <a:rPr lang="ko-KR" altLang="en-US" b="0" dirty="0">
-                          <a:solidFill>
-                            <a:schemeClr val="tx1"/>
-                          </a:solidFill>
-                        </a:rPr>
-                        <a:t>개요</a:t>
-                      </a:r>
-                    </a:p>
-                  </a:txBody>
-                  <a:tcPr>
-                    <a:lnL w="12700" cap="flat" cmpd="sng" algn="ctr">
-                      <a:solidFill>
-                        <a:schemeClr val="tx1"/>
-                      </a:solidFill>
-                      <a:prstDash val="solid"/>
-                      <a:round/>
-                      <a:headEnd type="none" w="med" len="med"/>
-                      <a:tailEnd type="none" w="med" len="med"/>
-                    </a:lnL>
-                    <a:lnR w="12700" cap="flat" cmpd="sng" algn="ctr">
-                      <a:solidFill>
-                        <a:schemeClr val="tx1"/>
-                      </a:solidFill>
-                      <a:prstDash val="solid"/>
-                      <a:round/>
-                      <a:headEnd type="none" w="med" len="med"/>
-                      <a:tailEnd type="none" w="med" len="med"/>
-                    </a:lnR>
-                    <a:lnT w="12700" cap="flat" cmpd="sng" algn="ctr">
-                      <a:solidFill>
-                        <a:schemeClr val="tx1"/>
-                      </a:solidFill>
-                      <a:prstDash val="solid"/>
-                      <a:round/>
-                      <a:headEnd type="none" w="med" len="med"/>
-                      <a:tailEnd type="none" w="med" len="med"/>
-                    </a:lnT>
-                    <a:lnB w="12700" cap="flat" cmpd="sng" algn="ctr">
-                      <a:solidFill>
-                        <a:schemeClr val="tx1"/>
-                      </a:solidFill>
-                      <a:prstDash val="solid"/>
-                      <a:round/>
-                      <a:headEnd type="none" w="med" len="med"/>
-                      <a:tailEnd type="none" w="med" len="med"/>
-                    </a:lnB>
-                    <a:lnTlToBr w="12700" cmpd="sng">
-                      <a:noFill/>
-                      <a:prstDash val="solid"/>
-                    </a:lnTlToBr>
-                    <a:lnBlToTr w="12700" cmpd="sng">
-                      <a:noFill/>
-                      <a:prstDash val="solid"/>
-                    </a:lnBlToTr>
-                    <a:noFill/>
-                  </a:tcPr>
-                </a:tc>
-                <a:extLst>
-                  <a:ext uri="{0D108BD9-81ED-4DB2-BD59-A6C34878D82A}">
-                    <a16:rowId xmlns:a16="http://schemas.microsoft.com/office/drawing/2014/main" val="148624073"/>
-                  </a:ext>
-                </a:extLst>
-              </a:tr>
-              <a:tr h="370840">
-                <a:tc>
-                  <a:txBody>
-                    <a:bodyPr/>
-                    <a:lstStyle/>
-                    <a:p>
-                      <a:pPr latinLnBrk="1"/>
-                      <a:endParaRPr lang="ko-KR" altLang="en-US" b="0" dirty="0">
-                        <a:solidFill>
-                          <a:schemeClr val="tx1"/>
-                        </a:solidFill>
-                      </a:endParaRPr>
-                    </a:p>
-                  </a:txBody>
-                  <a:tcPr>
-                    <a:lnL w="12700" cap="flat" cmpd="sng" algn="ctr">
-                      <a:solidFill>
-                        <a:schemeClr val="tx1"/>
-                      </a:solidFill>
-                      <a:prstDash val="solid"/>
-                      <a:round/>
-                      <a:headEnd type="none" w="med" len="med"/>
-                      <a:tailEnd type="none" w="med" len="med"/>
-                    </a:lnL>
-                    <a:lnR w="12700" cap="flat" cmpd="sng" algn="ctr">
-                      <a:solidFill>
-                        <a:schemeClr val="tx1"/>
-                      </a:solidFill>
-                      <a:prstDash val="solid"/>
-                      <a:round/>
-                      <a:headEnd type="none" w="med" len="med"/>
-                      <a:tailEnd type="none" w="med" len="med"/>
-                    </a:lnR>
-                    <a:lnT w="12700" cap="flat" cmpd="sng" algn="ctr">
-                      <a:solidFill>
-                        <a:schemeClr val="tx1"/>
-                      </a:solidFill>
-                      <a:prstDash val="solid"/>
-                      <a:round/>
-                      <a:headEnd type="none" w="med" len="med"/>
-                      <a:tailEnd type="none" w="med" len="med"/>
-                    </a:lnT>
-                    <a:lnB w="12700" cap="flat" cmpd="sng" algn="ctr">
-                      <a:solidFill>
-                        <a:schemeClr val="tx1"/>
-                      </a:solidFill>
-                      <a:prstDash val="solid"/>
-                      <a:round/>
-                      <a:headEnd type="none" w="med" len="med"/>
-                      <a:tailEnd type="none" w="med" len="med"/>
-                    </a:lnB>
-                    <a:lnTlToBr w="12700" cmpd="sng">
-                      <a:noFill/>
-                      <a:prstDash val="solid"/>
-                    </a:lnTlToBr>
-                    <a:lnBlToTr w="12700" cmpd="sng">
-                      <a:noFill/>
-                      <a:prstDash val="solid"/>
-                    </a:lnBlToTr>
-                    <a:noFill/>
-                  </a:tcPr>
-                </a:tc>
-                <a:extLst>
-                  <a:ext uri="{0D108BD9-81ED-4DB2-BD59-A6C34878D82A}">
-                    <a16:rowId xmlns:a16="http://schemas.microsoft.com/office/drawing/2014/main" val="3162711127"/>
-                  </a:ext>
-                </a:extLst>
-              </a:tr>
-              <a:tr h="370840">
-                <a:tc>
-                  <a:txBody>
-                    <a:bodyPr/>
-                    <a:lstStyle/>
-                    <a:p>
-                      <a:pPr latinLnBrk="1"/>
-                      <a:endParaRPr lang="ko-KR" altLang="en-US" b="0" dirty="0">
-                        <a:solidFill>
-                          <a:schemeClr val="tx1"/>
-                        </a:solidFill>
-                      </a:endParaRPr>
-                    </a:p>
-                  </a:txBody>
-                  <a:tcPr>
-                    <a:lnL w="12700" cap="flat" cmpd="sng" algn="ctr">
-                      <a:solidFill>
-                        <a:schemeClr val="tx1"/>
-                      </a:solidFill>
-                      <a:prstDash val="solid"/>
-                      <a:round/>
-                      <a:headEnd type="none" w="med" len="med"/>
-                      <a:tailEnd type="none" w="med" len="med"/>
-                    </a:lnL>
-                    <a:lnR w="12700" cap="flat" cmpd="sng" algn="ctr">
-                      <a:solidFill>
-                        <a:schemeClr val="tx1"/>
-                      </a:solidFill>
-                      <a:prstDash val="solid"/>
-                      <a:round/>
-                      <a:headEnd type="none" w="med" len="med"/>
-                      <a:tailEnd type="none" w="med" len="med"/>
-                    </a:lnR>
-                    <a:lnT w="12700" cap="flat" cmpd="sng" algn="ctr">
-                      <a:solidFill>
-                        <a:schemeClr val="tx1"/>
-                      </a:solidFill>
-                      <a:prstDash val="solid"/>
-                      <a:round/>
-                      <a:headEnd type="none" w="med" len="med"/>
-                      <a:tailEnd type="none" w="med" len="med"/>
-                    </a:lnT>
-                    <a:lnB w="12700" cap="flat" cmpd="sng" algn="ctr">
-                      <a:solidFill>
-                        <a:schemeClr val="tx1"/>
-                      </a:solidFill>
-                      <a:prstDash val="solid"/>
-                      <a:round/>
-                      <a:headEnd type="none" w="med" len="med"/>
-                      <a:tailEnd type="none" w="med" len="med"/>
-                    </a:lnB>
-                    <a:lnTlToBr w="12700" cmpd="sng">
-                      <a:noFill/>
-                      <a:prstDash val="solid"/>
-                    </a:lnTlToBr>
-                    <a:lnBlToTr w="12700" cmpd="sng">
-                      <a:noFill/>
-                      <a:prstDash val="solid"/>
-                    </a:lnBlToTr>
-                    <a:noFill/>
-                  </a:tcPr>
-                </a:tc>
-                <a:extLst>
-                  <a:ext uri="{0D108BD9-81ED-4DB2-BD59-A6C34878D82A}">
-                    <a16:rowId xmlns:a16="http://schemas.microsoft.com/office/drawing/2014/main" val="2525806370"/>
-                  </a:ext>
-                </a:extLst>
-              </a:tr>
-              <a:tr h="370840">
-                <a:tc>
-                  <a:txBody>
-                    <a:bodyPr/>
-                    <a:lstStyle/>
-                    <a:p>
-                      <a:pPr latinLnBrk="1"/>
-                      <a:endParaRPr lang="ko-KR" altLang="en-US" b="0" dirty="0">
-                        <a:solidFill>
-                          <a:schemeClr val="tx1"/>
-                        </a:solidFill>
-                      </a:endParaRPr>
-                    </a:p>
-                  </a:txBody>
-                  <a:tcPr>
-                    <a:lnL w="12700" cap="flat" cmpd="sng" algn="ctr">
-                      <a:solidFill>
-                        <a:schemeClr val="tx1"/>
-                      </a:solidFill>
-                      <a:prstDash val="solid"/>
-                      <a:round/>
-                      <a:headEnd type="none" w="med" len="med"/>
-                      <a:tailEnd type="none" w="med" len="med"/>
-                    </a:lnL>
-                    <a:lnR w="12700" cap="flat" cmpd="sng" algn="ctr">
-                      <a:solidFill>
-                        <a:schemeClr val="tx1"/>
-                      </a:solidFill>
-                      <a:prstDash val="solid"/>
-                      <a:round/>
-                      <a:headEnd type="none" w="med" len="med"/>
-                      <a:tailEnd type="none" w="med" len="med"/>
-                    </a:lnR>
-                    <a:lnT w="12700" cap="flat" cmpd="sng" algn="ctr">
-                      <a:solidFill>
-                        <a:schemeClr val="tx1"/>
-                      </a:solidFill>
-                      <a:prstDash val="solid"/>
-                      <a:round/>
-                      <a:headEnd type="none" w="med" len="med"/>
-                      <a:tailEnd type="none" w="med" len="med"/>
-                    </a:lnT>
-                    <a:lnB w="12700" cap="flat" cmpd="sng" algn="ctr">
-                      <a:solidFill>
-                        <a:schemeClr val="tx1"/>
-                      </a:solidFill>
-                      <a:prstDash val="solid"/>
-                      <a:round/>
-                      <a:headEnd type="none" w="med" len="med"/>
-                      <a:tailEnd type="none" w="med" len="med"/>
-                    </a:lnB>
-                    <a:lnTlToBr w="12700" cmpd="sng">
-                      <a:noFill/>
-                      <a:prstDash val="solid"/>
-                    </a:lnTlToBr>
-                    <a:lnBlToTr w="12700" cmpd="sng">
-                      <a:noFill/>
-                      <a:prstDash val="solid"/>
-                    </a:lnBlToTr>
-                    <a:noFill/>
-                  </a:tcPr>
-                </a:tc>
-                <a:extLst>
-                  <a:ext uri="{0D108BD9-81ED-4DB2-BD59-A6C34878D82A}">
-                    <a16:rowId xmlns:a16="http://schemas.microsoft.com/office/drawing/2014/main" val="2395034878"/>
-                  </a:ext>
-                </a:extLst>
-              </a:tr>
-              <a:tr h="370840">
-                <a:tc>
-                  <a:txBody>
-                    <a:bodyPr/>
-                    <a:lstStyle/>
-                    <a:p>
-                      <a:pPr latinLnBrk="1"/>
-                      <a:endParaRPr lang="ko-KR" altLang="en-US" b="0" dirty="0">
-                        <a:solidFill>
-                          <a:schemeClr val="tx1"/>
-                        </a:solidFill>
-                      </a:endParaRPr>
-                    </a:p>
-                  </a:txBody>
-                  <a:tcPr>
-                    <a:lnL w="12700" cap="flat" cmpd="sng" algn="ctr">
-                      <a:solidFill>
-                        <a:schemeClr val="tx1"/>
-                      </a:solidFill>
-                      <a:prstDash val="solid"/>
-                      <a:round/>
-                      <a:headEnd type="none" w="med" len="med"/>
-                      <a:tailEnd type="none" w="med" len="med"/>
-                    </a:lnL>
-                    <a:lnR w="12700" cap="flat" cmpd="sng" algn="ctr">
-                      <a:solidFill>
-                        <a:schemeClr val="tx1"/>
-                      </a:solidFill>
-                      <a:prstDash val="solid"/>
-                      <a:round/>
-                      <a:headEnd type="none" w="med" len="med"/>
-                      <a:tailEnd type="none" w="med" len="med"/>
-                    </a:lnR>
-                    <a:lnT w="12700" cap="flat" cmpd="sng" algn="ctr">
-                      <a:solidFill>
-                        <a:schemeClr val="tx1"/>
-                      </a:solidFill>
-                      <a:prstDash val="solid"/>
-                      <a:round/>
-                      <a:headEnd type="none" w="med" len="med"/>
-                      <a:tailEnd type="none" w="med" len="med"/>
-                    </a:lnT>
-                    <a:lnB w="12700" cap="flat" cmpd="sng" algn="ctr">
-                      <a:solidFill>
-                        <a:schemeClr val="tx1"/>
-                      </a:solidFill>
-                      <a:prstDash val="solid"/>
-                      <a:round/>
-                      <a:headEnd type="none" w="med" len="med"/>
-                      <a:tailEnd type="none" w="med" len="med"/>
-                    </a:lnB>
-                    <a:lnTlToBr w="12700" cmpd="sng">
-                      <a:noFill/>
-                      <a:prstDash val="solid"/>
-                    </a:lnTlToBr>
-                    <a:lnBlToTr w="12700" cmpd="sng">
-                      <a:noFill/>
-                      <a:prstDash val="solid"/>
-                    </a:lnBlToTr>
-                    <a:noFill/>
-                  </a:tcPr>
-                </a:tc>
-                <a:extLst>
-                  <a:ext uri="{0D108BD9-81ED-4DB2-BD59-A6C34878D82A}">
-                    <a16:rowId xmlns:a16="http://schemas.microsoft.com/office/drawing/2014/main" val="696714952"/>
-                  </a:ext>
-                </a:extLst>
-              </a:tr>
-              <a:tr h="370840">
-                <a:tc>
-                  <a:txBody>
-                    <a:bodyPr/>
-                    <a:lstStyle/>
-                    <a:p>
-                      <a:pPr latinLnBrk="1"/>
-                      <a:endParaRPr lang="ko-KR" altLang="en-US" b="0" dirty="0">
-                        <a:solidFill>
-                          <a:schemeClr val="tx1"/>
-                        </a:solidFill>
-                      </a:endParaRPr>
-                    </a:p>
-                  </a:txBody>
-                  <a:tcPr>
-                    <a:lnL w="12700" cap="flat" cmpd="sng" algn="ctr">
-                      <a:solidFill>
-                        <a:schemeClr val="tx1"/>
-                      </a:solidFill>
-                      <a:prstDash val="solid"/>
-                      <a:round/>
-                      <a:headEnd type="none" w="med" len="med"/>
-                      <a:tailEnd type="none" w="med" len="med"/>
-                    </a:lnL>
-                    <a:lnR w="12700" cap="flat" cmpd="sng" algn="ctr">
-                      <a:solidFill>
-                        <a:schemeClr val="tx1"/>
-                      </a:solidFill>
-                      <a:prstDash val="solid"/>
-                      <a:round/>
-                      <a:headEnd type="none" w="med" len="med"/>
-                      <a:tailEnd type="none" w="med" len="med"/>
-                    </a:lnR>
-                    <a:lnT w="12700" cap="flat" cmpd="sng" algn="ctr">
-                      <a:solidFill>
-                        <a:schemeClr val="tx1"/>
-                      </a:solidFill>
-                      <a:prstDash val="solid"/>
-                      <a:round/>
-                      <a:headEnd type="none" w="med" len="med"/>
-                      <a:tailEnd type="none" w="med" len="med"/>
-                    </a:lnT>
-                    <a:lnB w="12700" cap="flat" cmpd="sng" algn="ctr">
-                      <a:solidFill>
-                        <a:schemeClr val="tx1"/>
-                      </a:solidFill>
-                      <a:prstDash val="solid"/>
-                      <a:round/>
-                      <a:headEnd type="none" w="med" len="med"/>
-                      <a:tailEnd type="none" w="med" len="med"/>
-                    </a:lnB>
-                    <a:lnTlToBr w="12700" cmpd="sng">
-                      <a:noFill/>
-                      <a:prstDash val="solid"/>
-                    </a:lnTlToBr>
-                    <a:lnBlToTr w="12700" cmpd="sng">
-                      <a:noFill/>
-                      <a:prstDash val="solid"/>
-                    </a:lnBlToTr>
-                    <a:noFill/>
-                  </a:tcPr>
-                </a:tc>
-                <a:extLst>
-                  <a:ext uri="{0D108BD9-81ED-4DB2-BD59-A6C34878D82A}">
-                    <a16:rowId xmlns:a16="http://schemas.microsoft.com/office/drawing/2014/main" val="3065422055"/>
-                  </a:ext>
-                </a:extLst>
-              </a:tr>
-              <a:tr h="370840">
-                <a:tc>
-                  <a:txBody>
-                    <a:bodyPr/>
-                    <a:lstStyle/>
-                    <a:p>
-                      <a:pPr latinLnBrk="1"/>
-                      <a:endParaRPr lang="ko-KR" altLang="en-US" b="0" dirty="0">
-                        <a:solidFill>
-                          <a:schemeClr val="tx1"/>
-                        </a:solidFill>
-                      </a:endParaRPr>
-                    </a:p>
-                  </a:txBody>
-                  <a:tcPr>
-                    <a:lnL w="12700" cap="flat" cmpd="sng" algn="ctr">
-                      <a:solidFill>
-                        <a:schemeClr val="tx1"/>
-                      </a:solidFill>
-                      <a:prstDash val="solid"/>
-                      <a:round/>
-                      <a:headEnd type="none" w="med" len="med"/>
-                      <a:tailEnd type="none" w="med" len="med"/>
-                    </a:lnL>
-                    <a:lnR w="12700" cap="flat" cmpd="sng" algn="ctr">
-                      <a:solidFill>
-                        <a:schemeClr val="tx1"/>
-                      </a:solidFill>
-                      <a:prstDash val="solid"/>
-                      <a:round/>
-                      <a:headEnd type="none" w="med" len="med"/>
-                      <a:tailEnd type="none" w="med" len="med"/>
-                    </a:lnR>
-                    <a:lnT w="12700" cap="flat" cmpd="sng" algn="ctr">
-                      <a:solidFill>
-                        <a:schemeClr val="tx1"/>
-                      </a:solidFill>
-                      <a:prstDash val="solid"/>
-                      <a:round/>
-                      <a:headEnd type="none" w="med" len="med"/>
-                      <a:tailEnd type="none" w="med" len="med"/>
-                    </a:lnT>
-                    <a:lnB w="12700" cap="flat" cmpd="sng" algn="ctr">
-                      <a:solidFill>
-                        <a:schemeClr val="tx1"/>
-                      </a:solidFill>
-                      <a:prstDash val="solid"/>
-                      <a:round/>
-                      <a:headEnd type="none" w="med" len="med"/>
-                      <a:tailEnd type="none" w="med" len="med"/>
-                    </a:lnB>
-                    <a:lnTlToBr w="12700" cmpd="sng">
-                      <a:noFill/>
-                      <a:prstDash val="solid"/>
-                    </a:lnTlToBr>
-                    <a:lnBlToTr w="12700" cmpd="sng">
-                      <a:noFill/>
-                      <a:prstDash val="solid"/>
-                    </a:lnBlToTr>
-                    <a:noFill/>
-                  </a:tcPr>
-                </a:tc>
-                <a:extLst>
-                  <a:ext uri="{0D108BD9-81ED-4DB2-BD59-A6C34878D82A}">
-                    <a16:rowId xmlns:a16="http://schemas.microsoft.com/office/drawing/2014/main" val="880177940"/>
-                  </a:ext>
-                </a:extLst>
-              </a:tr>
-              <a:tr h="370840">
-                <a:tc>
-                  <a:txBody>
-                    <a:bodyPr/>
-                    <a:lstStyle/>
-                    <a:p>
-                      <a:pPr latinLnBrk="1"/>
-                      <a:endParaRPr lang="ko-KR" altLang="en-US" b="0" dirty="0">
-                        <a:solidFill>
-                          <a:schemeClr val="tx1"/>
-                        </a:solidFill>
-                      </a:endParaRPr>
-                    </a:p>
-                  </a:txBody>
-                  <a:tcPr>
-                    <a:lnL w="12700" cap="flat" cmpd="sng" algn="ctr">
-                      <a:solidFill>
-                        <a:schemeClr val="tx1"/>
-                      </a:solidFill>
-                      <a:prstDash val="solid"/>
-                      <a:round/>
-                      <a:headEnd type="none" w="med" len="med"/>
-                      <a:tailEnd type="none" w="med" len="med"/>
-                    </a:lnL>
-                    <a:lnR w="12700" cap="flat" cmpd="sng" algn="ctr">
-                      <a:solidFill>
-                        <a:schemeClr val="tx1"/>
-                      </a:solidFill>
-                      <a:prstDash val="solid"/>
-                      <a:round/>
-                      <a:headEnd type="none" w="med" len="med"/>
-                      <a:tailEnd type="none" w="med" len="med"/>
-                    </a:lnR>
-                    <a:lnT w="12700" cap="flat" cmpd="sng" algn="ctr">
-                      <a:solidFill>
-                        <a:schemeClr val="tx1"/>
-                      </a:solidFill>
-                      <a:prstDash val="solid"/>
-                      <a:round/>
-                      <a:headEnd type="none" w="med" len="med"/>
-                      <a:tailEnd type="none" w="med" len="med"/>
-                    </a:lnT>
-                    <a:lnB w="12700" cap="flat" cmpd="sng" algn="ctr">
-                      <a:solidFill>
-                        <a:schemeClr val="tx1"/>
-                      </a:solidFill>
-                      <a:prstDash val="solid"/>
-                      <a:round/>
-                      <a:headEnd type="none" w="med" len="med"/>
-                      <a:tailEnd type="none" w="med" len="med"/>
-                    </a:lnB>
-                    <a:lnTlToBr w="12700" cmpd="sng">
-                      <a:noFill/>
-                      <a:prstDash val="solid"/>
-                    </a:lnTlToBr>
-                    <a:lnBlToTr w="12700" cmpd="sng">
-                      <a:noFill/>
-                      <a:prstDash val="solid"/>
-                    </a:lnBlToTr>
-                    <a:noFill/>
-                  </a:tcPr>
-                </a:tc>
-                <a:extLst>
-                  <a:ext uri="{0D108BD9-81ED-4DB2-BD59-A6C34878D82A}">
-                    <a16:rowId xmlns:a16="http://schemas.microsoft.com/office/drawing/2014/main" val="2729854979"/>
-                  </a:ext>
-                </a:extLst>
-              </a:tr>
-            </a:tbl>
-          </a:graphicData>
-        </a:graphic>
-      </p:graphicFrame>
-      <p:sp>
-        <p:nvSpPr>
-          <p:cNvPr id="7" name="제목 1">
-            <a:extLst>
-              <a:ext uri="{FF2B5EF4-FFF2-40B4-BE49-F238E27FC236}">
-                <a16:creationId xmlns:a16="http://schemas.microsoft.com/office/drawing/2014/main" id="{34030390-7ADB-4EFB-89E5-CFAD30D842F0}"/>
-              </a:ext>
-            </a:extLst>
-          </p:cNvPr>
-          <p:cNvSpPr txBox="1">
-            <a:spLocks/>
-          </p:cNvSpPr>
-          <p:nvPr/>
-        </p:nvSpPr>
-        <p:spPr>
-          <a:xfrm>
-            <a:off x="695325" y="292100"/>
-            <a:ext cx="10801350" cy="861695"/>
-          </a:xfrm>
-          <a:prstGeom prst="rect">
-            <a:avLst/>
-          </a:prstGeom>
-        </p:spPr>
-        <p:txBody>
-          <a:bodyPr vert="horz" lIns="91440" tIns="45720" rIns="91440" bIns="45720" rtlCol="0" anchor="ctr">
-            <a:normAutofit/>
-          </a:bodyPr>
-          <a:lstStyle>
-            <a:lvl1pPr algn="l" defTabSz="914400" rtl="0" eaLnBrk="1" latinLnBrk="1" hangingPunct="1">
-              <a:lnSpc>
-                <a:spcPct val="90000"/>
-              </a:lnSpc>
-              <a:spcBef>
-                <a:spcPct val="0"/>
-              </a:spcBef>
-              <a:buNone/>
-              <a:defRPr sz="4400" kern="1200">
-                <a:solidFill>
-                  <a:schemeClr val="tx1"/>
-                </a:solidFill>
-                <a:latin typeface="+mj-lt"/>
-                <a:ea typeface="+mj-ea"/>
-                <a:cs typeface="+mj-cs"/>
-              </a:defRPr>
-            </a:lvl1pPr>
-          </a:lstStyle>
-          <a:p>
-            <a:r>
-              <a:rPr lang="ko-KR" altLang="en-US" dirty="0"/>
-              <a:t>목차</a:t>
-            </a:r>
-          </a:p>
-        </p:txBody>
-      </p:sp>
-    </p:spTree>
-    <p:extLst>
-      <p:ext uri="{BB962C8B-B14F-4D97-AF65-F5344CB8AC3E}">
-        <p14:creationId xmlns:p14="http://schemas.microsoft.com/office/powerpoint/2010/main" val="156025747"/>
-      </p:ext>
-    </p:extLst>
-  </p:cSld>
-  <p:clrMapOvr>
-    <a:masterClrMapping/>
-  </p:clrMapOvr>
-</p:sld>
-</file>
-
-<file path=ppt/slides/slide20.xml><?xml version="1.0" encoding="utf-8"?>
+<file path=ppt/slides/slide18.xml><?xml version="1.0" encoding="utf-8"?>
 <p:sld xmlns:a="http://schemas.openxmlformats.org/drawingml/2006/main" xmlns:r="http://schemas.openxmlformats.org/officeDocument/2006/relationships" xmlns:p="http://schemas.openxmlformats.org/presentationml/2006/main">
   <p:cSld>
     <p:spTree>
@@ -24058,7 +19742,15 @@
             </a:r>
             <a:r>
               <a:rPr lang="en-US" altLang="ko-KR" dirty="0"/>
-              <a:t>2</a:t>
+              <a:t> </a:t>
+            </a:r>
+            <a:r>
+              <a:rPr lang="ko-KR" altLang="en-US" dirty="0"/>
+              <a:t>세부 </a:t>
+            </a:r>
+            <a:r>
+              <a:rPr lang="ko-KR" altLang="en-US" dirty="0" err="1"/>
+              <a:t>설명창</a:t>
             </a:r>
             <a:endParaRPr lang="ko-KR" altLang="en-US" dirty="0"/>
           </a:p>
@@ -27139,6 +22831,4317 @@
 </p:sld>
 </file>
 
+<file path=ppt/slides/slide19.xml><?xml version="1.0" encoding="utf-8"?>
+<p:sld xmlns:a="http://schemas.openxmlformats.org/drawingml/2006/main" xmlns:r="http://schemas.openxmlformats.org/officeDocument/2006/relationships" xmlns:p="http://schemas.openxmlformats.org/presentationml/2006/main">
+  <p:cSld>
+    <p:spTree>
+      <p:nvGrpSpPr>
+        <p:cNvPr id="1" name=""/>
+        <p:cNvGrpSpPr/>
+        <p:nvPr/>
+      </p:nvGrpSpPr>
+      <p:grpSpPr>
+        <a:xfrm>
+          <a:off x="0" y="0"/>
+          <a:ext cx="0" cy="0"/>
+          <a:chOff x="0" y="0"/>
+          <a:chExt cx="0" cy="0"/>
+        </a:xfrm>
+      </p:grpSpPr>
+      <p:graphicFrame>
+        <p:nvGraphicFramePr>
+          <p:cNvPr id="41" name="표 10">
+            <a:extLst>
+              <a:ext uri="{FF2B5EF4-FFF2-40B4-BE49-F238E27FC236}">
+                <a16:creationId xmlns:a16="http://schemas.microsoft.com/office/drawing/2014/main" id="{F31AD762-52DA-43F2-A225-BE1C55A1A36F}"/>
+              </a:ext>
+            </a:extLst>
+          </p:cNvPr>
+          <p:cNvGraphicFramePr>
+            <a:graphicFrameLocks noGrp="1"/>
+          </p:cNvGraphicFramePr>
+          <p:nvPr>
+            <p:extLst>
+              <p:ext uri="{D42A27DB-BD31-4B8C-83A1-F6EECF244321}">
+                <p14:modId xmlns:p14="http://schemas.microsoft.com/office/powerpoint/2010/main" val="3516269243"/>
+              </p:ext>
+            </p:extLst>
+          </p:nvPr>
+        </p:nvGraphicFramePr>
+        <p:xfrm>
+          <a:off x="2873971" y="4021716"/>
+          <a:ext cx="6430329" cy="1645920"/>
+        </p:xfrm>
+        <a:graphic>
+          <a:graphicData uri="http://schemas.openxmlformats.org/drawingml/2006/table">
+            <a:tbl>
+              <a:tblPr firstRow="1" bandRow="1">
+                <a:tableStyleId>{5C22544A-7EE6-4342-B048-85BDC9FD1C3A}</a:tableStyleId>
+              </a:tblPr>
+              <a:tblGrid>
+                <a:gridCol w="343218">
+                  <a:extLst>
+                    <a:ext uri="{9D8B030D-6E8A-4147-A177-3AD203B41FA5}">
+                      <a16:colId xmlns:a16="http://schemas.microsoft.com/office/drawing/2014/main" val="3617794751"/>
+                    </a:ext>
+                  </a:extLst>
+                </a:gridCol>
+                <a:gridCol w="1435418">
+                  <a:extLst>
+                    <a:ext uri="{9D8B030D-6E8A-4147-A177-3AD203B41FA5}">
+                      <a16:colId xmlns:a16="http://schemas.microsoft.com/office/drawing/2014/main" val="1712823105"/>
+                    </a:ext>
+                  </a:extLst>
+                </a:gridCol>
+                <a:gridCol w="4651693">
+                  <a:extLst>
+                    <a:ext uri="{9D8B030D-6E8A-4147-A177-3AD203B41FA5}">
+                      <a16:colId xmlns:a16="http://schemas.microsoft.com/office/drawing/2014/main" val="3121719190"/>
+                    </a:ext>
+                  </a:extLst>
+                </a:gridCol>
+              </a:tblGrid>
+              <a:tr h="0">
+                <a:tc>
+                  <a:txBody>
+                    <a:bodyPr/>
+                    <a:lstStyle/>
+                    <a:p>
+                      <a:pPr latinLnBrk="1"/>
+                      <a:r>
+                        <a:rPr lang="en-US" altLang="ko-KR" sz="1400" b="0" dirty="0">
+                          <a:solidFill>
+                            <a:schemeClr val="tx1"/>
+                          </a:solidFill>
+                        </a:rPr>
+                        <a:t>1</a:t>
+                      </a:r>
+                      <a:endParaRPr lang="ko-KR" altLang="en-US" sz="1400" b="0" dirty="0">
+                        <a:solidFill>
+                          <a:schemeClr val="tx1"/>
+                        </a:solidFill>
+                      </a:endParaRPr>
+                    </a:p>
+                  </a:txBody>
+                  <a:tcPr anchor="ctr">
+                    <a:lnL w="12700" cmpd="sng">
+                      <a:noFill/>
+                    </a:lnL>
+                    <a:lnR w="12700" cap="flat" cmpd="sng" algn="ctr">
+                      <a:solidFill>
+                        <a:schemeClr val="tx1"/>
+                      </a:solidFill>
+                      <a:prstDash val="solid"/>
+                      <a:round/>
+                      <a:headEnd type="none" w="med" len="med"/>
+                      <a:tailEnd type="none" w="med" len="med"/>
+                    </a:lnR>
+                    <a:lnT w="12700" cap="flat" cmpd="sng" algn="ctr">
+                      <a:noFill/>
+                      <a:prstDash val="solid"/>
+                      <a:round/>
+                      <a:headEnd type="none" w="med" len="med"/>
+                      <a:tailEnd type="none" w="med" len="med"/>
+                    </a:lnT>
+                    <a:lnB w="12700" cap="flat" cmpd="sng" algn="ctr">
+                      <a:solidFill>
+                        <a:schemeClr val="tx1"/>
+                      </a:solidFill>
+                      <a:prstDash val="solid"/>
+                      <a:round/>
+                      <a:headEnd type="none" w="med" len="med"/>
+                      <a:tailEnd type="none" w="med" len="med"/>
+                    </a:lnB>
+                    <a:lnTlToBr w="12700" cmpd="sng">
+                      <a:noFill/>
+                      <a:prstDash val="solid"/>
+                    </a:lnTlToBr>
+                    <a:lnBlToTr w="12700" cmpd="sng">
+                      <a:noFill/>
+                      <a:prstDash val="solid"/>
+                    </a:lnBlToTr>
+                    <a:noFill/>
+                  </a:tcPr>
+                </a:tc>
+                <a:tc>
+                  <a:txBody>
+                    <a:bodyPr/>
+                    <a:lstStyle/>
+                    <a:p>
+                      <a:pPr latinLnBrk="1"/>
+                      <a:r>
+                        <a:rPr lang="ko-KR" altLang="en-US" sz="1400" b="0" dirty="0">
+                          <a:solidFill>
+                            <a:schemeClr val="tx1"/>
+                          </a:solidFill>
+                        </a:rPr>
+                        <a:t>퀘스트 실패 창</a:t>
+                      </a:r>
+                    </a:p>
+                  </a:txBody>
+                  <a:tcPr anchor="ctr">
+                    <a:lnL w="12700" cap="flat" cmpd="sng" algn="ctr">
+                      <a:solidFill>
+                        <a:schemeClr val="tx1"/>
+                      </a:solidFill>
+                      <a:prstDash val="solid"/>
+                      <a:round/>
+                      <a:headEnd type="none" w="med" len="med"/>
+                      <a:tailEnd type="none" w="med" len="med"/>
+                    </a:lnL>
+                    <a:lnR w="12700" cap="flat" cmpd="sng" algn="ctr">
+                      <a:solidFill>
+                        <a:schemeClr val="tx1"/>
+                      </a:solidFill>
+                      <a:prstDash val="solid"/>
+                      <a:round/>
+                      <a:headEnd type="none" w="med" len="med"/>
+                      <a:tailEnd type="none" w="med" len="med"/>
+                    </a:lnR>
+                    <a:lnT w="12700" cap="flat" cmpd="sng" algn="ctr">
+                      <a:noFill/>
+                      <a:prstDash val="solid"/>
+                      <a:round/>
+                      <a:headEnd type="none" w="med" len="med"/>
+                      <a:tailEnd type="none" w="med" len="med"/>
+                    </a:lnT>
+                    <a:lnB w="12700" cap="flat" cmpd="sng" algn="ctr">
+                      <a:solidFill>
+                        <a:schemeClr val="tx1"/>
+                      </a:solidFill>
+                      <a:prstDash val="solid"/>
+                      <a:round/>
+                      <a:headEnd type="none" w="med" len="med"/>
+                      <a:tailEnd type="none" w="med" len="med"/>
+                    </a:lnB>
+                    <a:lnTlToBr w="12700" cmpd="sng">
+                      <a:noFill/>
+                      <a:prstDash val="solid"/>
+                    </a:lnTlToBr>
+                    <a:lnBlToTr w="12700" cmpd="sng">
+                      <a:noFill/>
+                      <a:prstDash val="solid"/>
+                    </a:lnBlToTr>
+                    <a:noFill/>
+                  </a:tcPr>
+                </a:tc>
+                <a:tc>
+                  <a:txBody>
+                    <a:bodyPr/>
+                    <a:lstStyle/>
+                    <a:p>
+                      <a:pPr latinLnBrk="1"/>
+                      <a:r>
+                        <a:rPr lang="ko-KR" altLang="en-US" sz="1400" b="0" dirty="0">
+                          <a:solidFill>
+                            <a:schemeClr val="tx1"/>
+                          </a:solidFill>
+                        </a:rPr>
+                        <a:t>퀘스트 실패 시 팝업 되는 창</a:t>
+                      </a:r>
+                    </a:p>
+                  </a:txBody>
+                  <a:tcPr>
+                    <a:lnL w="12700" cap="flat" cmpd="sng" algn="ctr">
+                      <a:solidFill>
+                        <a:schemeClr val="tx1"/>
+                      </a:solidFill>
+                      <a:prstDash val="solid"/>
+                      <a:round/>
+                      <a:headEnd type="none" w="med" len="med"/>
+                      <a:tailEnd type="none" w="med" len="med"/>
+                    </a:lnL>
+                    <a:lnR w="12700" cmpd="sng">
+                      <a:noFill/>
+                    </a:lnR>
+                    <a:lnT w="12700" cap="flat" cmpd="sng" algn="ctr">
+                      <a:noFill/>
+                      <a:prstDash val="solid"/>
+                      <a:round/>
+                      <a:headEnd type="none" w="med" len="med"/>
+                      <a:tailEnd type="none" w="med" len="med"/>
+                    </a:lnT>
+                    <a:lnB w="12700" cap="flat" cmpd="sng" algn="ctr">
+                      <a:solidFill>
+                        <a:schemeClr val="tx1"/>
+                      </a:solidFill>
+                      <a:prstDash val="solid"/>
+                      <a:round/>
+                      <a:headEnd type="none" w="med" len="med"/>
+                      <a:tailEnd type="none" w="med" len="med"/>
+                    </a:lnB>
+                    <a:lnTlToBr w="12700" cmpd="sng">
+                      <a:noFill/>
+                      <a:prstDash val="solid"/>
+                    </a:lnTlToBr>
+                    <a:lnBlToTr w="12700" cmpd="sng">
+                      <a:noFill/>
+                      <a:prstDash val="solid"/>
+                    </a:lnBlToTr>
+                    <a:noFill/>
+                  </a:tcPr>
+                </a:tc>
+                <a:extLst>
+                  <a:ext uri="{0D108BD9-81ED-4DB2-BD59-A6C34878D82A}">
+                    <a16:rowId xmlns:a16="http://schemas.microsoft.com/office/drawing/2014/main" val="1079573317"/>
+                  </a:ext>
+                </a:extLst>
+              </a:tr>
+              <a:tr h="0">
+                <a:tc>
+                  <a:txBody>
+                    <a:bodyPr/>
+                    <a:lstStyle/>
+                    <a:p>
+                      <a:pPr latinLnBrk="1"/>
+                      <a:r>
+                        <a:rPr lang="en-US" altLang="ko-KR" sz="1400" b="0" dirty="0">
+                          <a:solidFill>
+                            <a:schemeClr val="tx1"/>
+                          </a:solidFill>
+                        </a:rPr>
+                        <a:t>2</a:t>
+                      </a:r>
+                      <a:endParaRPr lang="ko-KR" altLang="en-US" sz="1400" b="0" dirty="0">
+                        <a:solidFill>
+                          <a:schemeClr val="tx1"/>
+                        </a:solidFill>
+                      </a:endParaRPr>
+                    </a:p>
+                  </a:txBody>
+                  <a:tcPr anchor="ctr">
+                    <a:lnL w="12700" cmpd="sng">
+                      <a:noFill/>
+                    </a:lnL>
+                    <a:lnR w="12700" cap="flat" cmpd="sng" algn="ctr">
+                      <a:solidFill>
+                        <a:schemeClr val="tx1"/>
+                      </a:solidFill>
+                      <a:prstDash val="solid"/>
+                      <a:round/>
+                      <a:headEnd type="none" w="med" len="med"/>
+                      <a:tailEnd type="none" w="med" len="med"/>
+                    </a:lnR>
+                    <a:lnT w="12700" cap="flat" cmpd="sng" algn="ctr">
+                      <a:solidFill>
+                        <a:schemeClr val="tx1"/>
+                      </a:solidFill>
+                      <a:prstDash val="solid"/>
+                      <a:round/>
+                      <a:headEnd type="none" w="med" len="med"/>
+                      <a:tailEnd type="none" w="med" len="med"/>
+                    </a:lnT>
+                    <a:lnB w="12700" cap="flat" cmpd="sng" algn="ctr">
+                      <a:solidFill>
+                        <a:schemeClr val="tx1"/>
+                      </a:solidFill>
+                      <a:prstDash val="solid"/>
+                      <a:round/>
+                      <a:headEnd type="none" w="med" len="med"/>
+                      <a:tailEnd type="none" w="med" len="med"/>
+                    </a:lnB>
+                    <a:lnTlToBr w="12700" cmpd="sng">
+                      <a:noFill/>
+                      <a:prstDash val="solid"/>
+                    </a:lnTlToBr>
+                    <a:lnBlToTr w="12700" cmpd="sng">
+                      <a:noFill/>
+                      <a:prstDash val="solid"/>
+                    </a:lnBlToTr>
+                    <a:noFill/>
+                  </a:tcPr>
+                </a:tc>
+                <a:tc>
+                  <a:txBody>
+                    <a:bodyPr/>
+                    <a:lstStyle/>
+                    <a:p>
+                      <a:pPr latinLnBrk="1"/>
+                      <a:r>
+                        <a:rPr lang="ko-KR" altLang="en-US" sz="1400" b="0" dirty="0">
+                          <a:solidFill>
+                            <a:schemeClr val="tx1"/>
+                          </a:solidFill>
+                        </a:rPr>
+                        <a:t>퀘스트 명</a:t>
+                      </a:r>
+                    </a:p>
+                  </a:txBody>
+                  <a:tcPr anchor="ctr">
+                    <a:lnL w="12700" cap="flat" cmpd="sng" algn="ctr">
+                      <a:solidFill>
+                        <a:schemeClr val="tx1"/>
+                      </a:solidFill>
+                      <a:prstDash val="solid"/>
+                      <a:round/>
+                      <a:headEnd type="none" w="med" len="med"/>
+                      <a:tailEnd type="none" w="med" len="med"/>
+                    </a:lnL>
+                    <a:lnR w="12700" cap="flat" cmpd="sng" algn="ctr">
+                      <a:solidFill>
+                        <a:schemeClr val="tx1"/>
+                      </a:solidFill>
+                      <a:prstDash val="solid"/>
+                      <a:round/>
+                      <a:headEnd type="none" w="med" len="med"/>
+                      <a:tailEnd type="none" w="med" len="med"/>
+                    </a:lnR>
+                    <a:lnT w="12700" cap="flat" cmpd="sng" algn="ctr">
+                      <a:solidFill>
+                        <a:schemeClr val="tx1"/>
+                      </a:solidFill>
+                      <a:prstDash val="solid"/>
+                      <a:round/>
+                      <a:headEnd type="none" w="med" len="med"/>
+                      <a:tailEnd type="none" w="med" len="med"/>
+                    </a:lnT>
+                    <a:lnB w="12700" cap="flat" cmpd="sng" algn="ctr">
+                      <a:solidFill>
+                        <a:schemeClr val="tx1"/>
+                      </a:solidFill>
+                      <a:prstDash val="solid"/>
+                      <a:round/>
+                      <a:headEnd type="none" w="med" len="med"/>
+                      <a:tailEnd type="none" w="med" len="med"/>
+                    </a:lnB>
+                    <a:lnTlToBr w="12700" cmpd="sng">
+                      <a:noFill/>
+                      <a:prstDash val="solid"/>
+                    </a:lnTlToBr>
+                    <a:lnBlToTr w="12700" cmpd="sng">
+                      <a:noFill/>
+                      <a:prstDash val="solid"/>
+                    </a:lnBlToTr>
+                    <a:noFill/>
+                  </a:tcPr>
+                </a:tc>
+                <a:tc>
+                  <a:txBody>
+                    <a:bodyPr/>
+                    <a:lstStyle/>
+                    <a:p>
+                      <a:pPr latinLnBrk="1"/>
+                      <a:r>
+                        <a:rPr lang="ko-KR" altLang="en-US" sz="1400" b="0" dirty="0">
+                          <a:solidFill>
+                            <a:schemeClr val="tx1"/>
+                          </a:solidFill>
+                        </a:rPr>
+                        <a:t>실패한 퀘스트 이름</a:t>
+                      </a:r>
+                    </a:p>
+                  </a:txBody>
+                  <a:tcPr>
+                    <a:lnL w="12700" cap="flat" cmpd="sng" algn="ctr">
+                      <a:solidFill>
+                        <a:schemeClr val="tx1"/>
+                      </a:solidFill>
+                      <a:prstDash val="solid"/>
+                      <a:round/>
+                      <a:headEnd type="none" w="med" len="med"/>
+                      <a:tailEnd type="none" w="med" len="med"/>
+                    </a:lnL>
+                    <a:lnR w="12700" cmpd="sng">
+                      <a:noFill/>
+                    </a:lnR>
+                    <a:lnT w="12700" cap="flat" cmpd="sng" algn="ctr">
+                      <a:solidFill>
+                        <a:schemeClr val="tx1"/>
+                      </a:solidFill>
+                      <a:prstDash val="solid"/>
+                      <a:round/>
+                      <a:headEnd type="none" w="med" len="med"/>
+                      <a:tailEnd type="none" w="med" len="med"/>
+                    </a:lnT>
+                    <a:lnB w="12700" cap="flat" cmpd="sng" algn="ctr">
+                      <a:solidFill>
+                        <a:schemeClr val="tx1"/>
+                      </a:solidFill>
+                      <a:prstDash val="solid"/>
+                      <a:round/>
+                      <a:headEnd type="none" w="med" len="med"/>
+                      <a:tailEnd type="none" w="med" len="med"/>
+                    </a:lnB>
+                    <a:lnTlToBr w="12700" cmpd="sng">
+                      <a:noFill/>
+                      <a:prstDash val="solid"/>
+                    </a:lnTlToBr>
+                    <a:lnBlToTr w="12700" cmpd="sng">
+                      <a:noFill/>
+                      <a:prstDash val="solid"/>
+                    </a:lnBlToTr>
+                    <a:noFill/>
+                  </a:tcPr>
+                </a:tc>
+                <a:extLst>
+                  <a:ext uri="{0D108BD9-81ED-4DB2-BD59-A6C34878D82A}">
+                    <a16:rowId xmlns:a16="http://schemas.microsoft.com/office/drawing/2014/main" val="3394450114"/>
+                  </a:ext>
+                </a:extLst>
+              </a:tr>
+              <a:tr h="0">
+                <a:tc>
+                  <a:txBody>
+                    <a:bodyPr/>
+                    <a:lstStyle/>
+                    <a:p>
+                      <a:pPr latinLnBrk="1"/>
+                      <a:r>
+                        <a:rPr lang="en-US" altLang="ko-KR" sz="1400" b="0" dirty="0">
+                          <a:solidFill>
+                            <a:schemeClr val="tx1"/>
+                          </a:solidFill>
+                        </a:rPr>
+                        <a:t>3</a:t>
+                      </a:r>
+                      <a:endParaRPr lang="ko-KR" altLang="en-US" sz="1400" b="0" dirty="0">
+                        <a:solidFill>
+                          <a:schemeClr val="tx1"/>
+                        </a:solidFill>
+                      </a:endParaRPr>
+                    </a:p>
+                  </a:txBody>
+                  <a:tcPr anchor="ctr">
+                    <a:lnL w="12700" cmpd="sng">
+                      <a:noFill/>
+                    </a:lnL>
+                    <a:lnR w="12700" cap="flat" cmpd="sng" algn="ctr">
+                      <a:solidFill>
+                        <a:schemeClr val="tx1"/>
+                      </a:solidFill>
+                      <a:prstDash val="solid"/>
+                      <a:round/>
+                      <a:headEnd type="none" w="med" len="med"/>
+                      <a:tailEnd type="none" w="med" len="med"/>
+                    </a:lnR>
+                    <a:lnT w="12700" cap="flat" cmpd="sng" algn="ctr">
+                      <a:solidFill>
+                        <a:schemeClr val="tx1"/>
+                      </a:solidFill>
+                      <a:prstDash val="solid"/>
+                      <a:round/>
+                      <a:headEnd type="none" w="med" len="med"/>
+                      <a:tailEnd type="none" w="med" len="med"/>
+                    </a:lnT>
+                    <a:lnB w="12700" cap="flat" cmpd="sng" algn="ctr">
+                      <a:solidFill>
+                        <a:schemeClr val="tx1"/>
+                      </a:solidFill>
+                      <a:prstDash val="solid"/>
+                      <a:round/>
+                      <a:headEnd type="none" w="med" len="med"/>
+                      <a:tailEnd type="none" w="med" len="med"/>
+                    </a:lnB>
+                    <a:lnTlToBr w="12700" cmpd="sng">
+                      <a:noFill/>
+                      <a:prstDash val="solid"/>
+                    </a:lnTlToBr>
+                    <a:lnBlToTr w="12700" cmpd="sng">
+                      <a:noFill/>
+                      <a:prstDash val="solid"/>
+                    </a:lnBlToTr>
+                    <a:noFill/>
+                  </a:tcPr>
+                </a:tc>
+                <a:tc>
+                  <a:txBody>
+                    <a:bodyPr/>
+                    <a:lstStyle/>
+                    <a:p>
+                      <a:pPr latinLnBrk="1"/>
+                      <a:r>
+                        <a:rPr lang="ko-KR" altLang="en-US" sz="1400" b="0" dirty="0">
+                          <a:solidFill>
+                            <a:schemeClr val="tx1"/>
+                          </a:solidFill>
+                        </a:rPr>
+                        <a:t>재도전</a:t>
+                      </a:r>
+                    </a:p>
+                  </a:txBody>
+                  <a:tcPr anchor="ctr">
+                    <a:lnL w="12700" cap="flat" cmpd="sng" algn="ctr">
+                      <a:solidFill>
+                        <a:schemeClr val="tx1"/>
+                      </a:solidFill>
+                      <a:prstDash val="solid"/>
+                      <a:round/>
+                      <a:headEnd type="none" w="med" len="med"/>
+                      <a:tailEnd type="none" w="med" len="med"/>
+                    </a:lnL>
+                    <a:lnR w="12700" cap="flat" cmpd="sng" algn="ctr">
+                      <a:solidFill>
+                        <a:schemeClr val="tx1"/>
+                      </a:solidFill>
+                      <a:prstDash val="solid"/>
+                      <a:round/>
+                      <a:headEnd type="none" w="med" len="med"/>
+                      <a:tailEnd type="none" w="med" len="med"/>
+                    </a:lnR>
+                    <a:lnT w="12700" cap="flat" cmpd="sng" algn="ctr">
+                      <a:solidFill>
+                        <a:schemeClr val="tx1"/>
+                      </a:solidFill>
+                      <a:prstDash val="solid"/>
+                      <a:round/>
+                      <a:headEnd type="none" w="med" len="med"/>
+                      <a:tailEnd type="none" w="med" len="med"/>
+                    </a:lnT>
+                    <a:lnB w="12700" cap="flat" cmpd="sng" algn="ctr">
+                      <a:solidFill>
+                        <a:schemeClr val="tx1"/>
+                      </a:solidFill>
+                      <a:prstDash val="solid"/>
+                      <a:round/>
+                      <a:headEnd type="none" w="med" len="med"/>
+                      <a:tailEnd type="none" w="med" len="med"/>
+                    </a:lnB>
+                    <a:lnTlToBr w="12700" cmpd="sng">
+                      <a:noFill/>
+                      <a:prstDash val="solid"/>
+                    </a:lnTlToBr>
+                    <a:lnBlToTr w="12700" cmpd="sng">
+                      <a:noFill/>
+                      <a:prstDash val="solid"/>
+                    </a:lnBlToTr>
+                    <a:noFill/>
+                  </a:tcPr>
+                </a:tc>
+                <a:tc>
+                  <a:txBody>
+                    <a:bodyPr/>
+                    <a:lstStyle/>
+                    <a:p>
+                      <a:pPr latinLnBrk="1"/>
+                      <a:r>
+                        <a:rPr lang="ko-KR" altLang="en-US" sz="1400" b="0" dirty="0">
+                          <a:solidFill>
+                            <a:schemeClr val="tx1"/>
+                          </a:solidFill>
+                        </a:rPr>
+                        <a:t>재도전 가능한 퀘스트일 경우 다시 도전할 수 있는 버튼</a:t>
+                      </a:r>
+                      <a:r>
+                        <a:rPr lang="en-US" altLang="ko-KR" sz="1400" b="0" dirty="0">
+                          <a:solidFill>
+                            <a:schemeClr val="tx1"/>
+                          </a:solidFill>
+                        </a:rPr>
+                        <a:t>.</a:t>
+                      </a:r>
+                    </a:p>
+                    <a:p>
+                      <a:pPr latinLnBrk="1"/>
+                      <a:r>
+                        <a:rPr lang="ko-KR" altLang="en-US" sz="1400" b="0" dirty="0">
+                          <a:solidFill>
+                            <a:schemeClr val="tx1"/>
+                          </a:solidFill>
+                        </a:rPr>
+                        <a:t>재도전 불가일 경우 비활성화</a:t>
+                      </a:r>
+                      <a:r>
+                        <a:rPr lang="en-US" altLang="ko-KR" sz="1400" b="0" dirty="0">
+                          <a:solidFill>
+                            <a:schemeClr val="tx1"/>
+                          </a:solidFill>
+                        </a:rPr>
+                        <a:t>.</a:t>
+                      </a:r>
+                      <a:endParaRPr lang="ko-KR" altLang="en-US" sz="1400" b="0" dirty="0">
+                        <a:solidFill>
+                          <a:schemeClr val="tx1"/>
+                        </a:solidFill>
+                      </a:endParaRPr>
+                    </a:p>
+                  </a:txBody>
+                  <a:tcPr>
+                    <a:lnL w="12700" cap="flat" cmpd="sng" algn="ctr">
+                      <a:solidFill>
+                        <a:schemeClr val="tx1"/>
+                      </a:solidFill>
+                      <a:prstDash val="solid"/>
+                      <a:round/>
+                      <a:headEnd type="none" w="med" len="med"/>
+                      <a:tailEnd type="none" w="med" len="med"/>
+                    </a:lnL>
+                    <a:lnR w="12700" cmpd="sng">
+                      <a:noFill/>
+                    </a:lnR>
+                    <a:lnT w="12700" cap="flat" cmpd="sng" algn="ctr">
+                      <a:solidFill>
+                        <a:schemeClr val="tx1"/>
+                      </a:solidFill>
+                      <a:prstDash val="solid"/>
+                      <a:round/>
+                      <a:headEnd type="none" w="med" len="med"/>
+                      <a:tailEnd type="none" w="med" len="med"/>
+                    </a:lnT>
+                    <a:lnB w="12700" cap="flat" cmpd="sng" algn="ctr">
+                      <a:solidFill>
+                        <a:schemeClr val="tx1"/>
+                      </a:solidFill>
+                      <a:prstDash val="solid"/>
+                      <a:round/>
+                      <a:headEnd type="none" w="med" len="med"/>
+                      <a:tailEnd type="none" w="med" len="med"/>
+                    </a:lnB>
+                    <a:lnTlToBr w="12700" cmpd="sng">
+                      <a:noFill/>
+                      <a:prstDash val="solid"/>
+                    </a:lnTlToBr>
+                    <a:lnBlToTr w="12700" cmpd="sng">
+                      <a:noFill/>
+                      <a:prstDash val="solid"/>
+                    </a:lnBlToTr>
+                    <a:noFill/>
+                  </a:tcPr>
+                </a:tc>
+                <a:extLst>
+                  <a:ext uri="{0D108BD9-81ED-4DB2-BD59-A6C34878D82A}">
+                    <a16:rowId xmlns:a16="http://schemas.microsoft.com/office/drawing/2014/main" val="3240427129"/>
+                  </a:ext>
+                </a:extLst>
+              </a:tr>
+              <a:tr h="0">
+                <a:tc>
+                  <a:txBody>
+                    <a:bodyPr/>
+                    <a:lstStyle/>
+                    <a:p>
+                      <a:pPr latinLnBrk="1"/>
+                      <a:r>
+                        <a:rPr lang="en-US" altLang="ko-KR" sz="1400" b="0" dirty="0">
+                          <a:solidFill>
+                            <a:schemeClr val="tx1"/>
+                          </a:solidFill>
+                        </a:rPr>
+                        <a:t>4</a:t>
+                      </a:r>
+                      <a:endParaRPr lang="ko-KR" altLang="en-US" sz="1400" b="0" dirty="0">
+                        <a:solidFill>
+                          <a:schemeClr val="tx1"/>
+                        </a:solidFill>
+                      </a:endParaRPr>
+                    </a:p>
+                  </a:txBody>
+                  <a:tcPr anchor="ctr">
+                    <a:lnL w="12700" cmpd="sng">
+                      <a:noFill/>
+                    </a:lnL>
+                    <a:lnR w="12700" cap="flat" cmpd="sng" algn="ctr">
+                      <a:solidFill>
+                        <a:schemeClr val="tx1"/>
+                      </a:solidFill>
+                      <a:prstDash val="solid"/>
+                      <a:round/>
+                      <a:headEnd type="none" w="med" len="med"/>
+                      <a:tailEnd type="none" w="med" len="med"/>
+                    </a:lnR>
+                    <a:lnT w="12700" cap="flat" cmpd="sng" algn="ctr">
+                      <a:solidFill>
+                        <a:schemeClr val="tx1"/>
+                      </a:solidFill>
+                      <a:prstDash val="solid"/>
+                      <a:round/>
+                      <a:headEnd type="none" w="med" len="med"/>
+                      <a:tailEnd type="none" w="med" len="med"/>
+                    </a:lnT>
+                    <a:lnB w="12700" cap="flat" cmpd="sng" algn="ctr">
+                      <a:noFill/>
+                      <a:prstDash val="solid"/>
+                      <a:round/>
+                      <a:headEnd type="none" w="med" len="med"/>
+                      <a:tailEnd type="none" w="med" len="med"/>
+                    </a:lnB>
+                    <a:lnTlToBr w="12700" cmpd="sng">
+                      <a:noFill/>
+                      <a:prstDash val="solid"/>
+                    </a:lnTlToBr>
+                    <a:lnBlToTr w="12700" cmpd="sng">
+                      <a:noFill/>
+                      <a:prstDash val="solid"/>
+                    </a:lnBlToTr>
+                    <a:noFill/>
+                  </a:tcPr>
+                </a:tc>
+                <a:tc>
+                  <a:txBody>
+                    <a:bodyPr/>
+                    <a:lstStyle/>
+                    <a:p>
+                      <a:pPr latinLnBrk="1"/>
+                      <a:r>
+                        <a:rPr lang="ko-KR" altLang="en-US" sz="1400" b="0" dirty="0">
+                          <a:solidFill>
+                            <a:schemeClr val="tx1"/>
+                          </a:solidFill>
+                        </a:rPr>
+                        <a:t>포기</a:t>
+                      </a:r>
+                    </a:p>
+                  </a:txBody>
+                  <a:tcPr anchor="ctr">
+                    <a:lnL w="12700" cap="flat" cmpd="sng" algn="ctr">
+                      <a:solidFill>
+                        <a:schemeClr val="tx1"/>
+                      </a:solidFill>
+                      <a:prstDash val="solid"/>
+                      <a:round/>
+                      <a:headEnd type="none" w="med" len="med"/>
+                      <a:tailEnd type="none" w="med" len="med"/>
+                    </a:lnL>
+                    <a:lnR w="12700" cap="flat" cmpd="sng" algn="ctr">
+                      <a:solidFill>
+                        <a:schemeClr val="tx1"/>
+                      </a:solidFill>
+                      <a:prstDash val="solid"/>
+                      <a:round/>
+                      <a:headEnd type="none" w="med" len="med"/>
+                      <a:tailEnd type="none" w="med" len="med"/>
+                    </a:lnR>
+                    <a:lnT w="12700" cap="flat" cmpd="sng" algn="ctr">
+                      <a:solidFill>
+                        <a:schemeClr val="tx1"/>
+                      </a:solidFill>
+                      <a:prstDash val="solid"/>
+                      <a:round/>
+                      <a:headEnd type="none" w="med" len="med"/>
+                      <a:tailEnd type="none" w="med" len="med"/>
+                    </a:lnT>
+                    <a:lnB w="12700" cap="flat" cmpd="sng" algn="ctr">
+                      <a:noFill/>
+                      <a:prstDash val="solid"/>
+                      <a:round/>
+                      <a:headEnd type="none" w="med" len="med"/>
+                      <a:tailEnd type="none" w="med" len="med"/>
+                    </a:lnB>
+                    <a:lnTlToBr w="12700" cmpd="sng">
+                      <a:noFill/>
+                      <a:prstDash val="solid"/>
+                    </a:lnTlToBr>
+                    <a:lnBlToTr w="12700" cmpd="sng">
+                      <a:noFill/>
+                      <a:prstDash val="solid"/>
+                    </a:lnBlToTr>
+                    <a:noFill/>
+                  </a:tcPr>
+                </a:tc>
+                <a:tc>
+                  <a:txBody>
+                    <a:bodyPr/>
+                    <a:lstStyle/>
+                    <a:p>
+                      <a:pPr latinLnBrk="1"/>
+                      <a:r>
+                        <a:rPr lang="ko-KR" altLang="en-US" sz="1400" b="0" dirty="0">
+                          <a:solidFill>
+                            <a:schemeClr val="tx1"/>
+                          </a:solidFill>
+                        </a:rPr>
+                        <a:t>퀘스트 포기 버튼</a:t>
+                      </a:r>
+                      <a:endParaRPr lang="en-US" altLang="ko-KR" sz="1400" b="0" dirty="0">
+                        <a:solidFill>
+                          <a:schemeClr val="tx1"/>
+                        </a:solidFill>
+                      </a:endParaRPr>
+                    </a:p>
+                    <a:p>
+                      <a:pPr latinLnBrk="1"/>
+                      <a:r>
+                        <a:rPr lang="ko-KR" altLang="en-US" sz="1400" b="0" dirty="0">
+                          <a:solidFill>
+                            <a:schemeClr val="tx1"/>
+                          </a:solidFill>
+                        </a:rPr>
+                        <a:t>좌클릭으로 퀘스트 포기 창 </a:t>
+                      </a:r>
+                      <a:r>
+                        <a:rPr lang="ko-KR" altLang="en-US" sz="1400" b="0" dirty="0" err="1">
+                          <a:solidFill>
+                            <a:schemeClr val="tx1"/>
+                          </a:solidFill>
+                        </a:rPr>
+                        <a:t>팝업할</a:t>
+                      </a:r>
+                      <a:r>
+                        <a:rPr lang="ko-KR" altLang="en-US" sz="1400" b="0" dirty="0">
+                          <a:solidFill>
+                            <a:schemeClr val="tx1"/>
+                          </a:solidFill>
+                        </a:rPr>
+                        <a:t> 수 있다</a:t>
+                      </a:r>
+                      <a:r>
+                        <a:rPr lang="en-US" altLang="ko-KR" sz="1400" b="0" dirty="0">
+                          <a:solidFill>
+                            <a:schemeClr val="tx1"/>
+                          </a:solidFill>
+                        </a:rPr>
+                        <a:t>.</a:t>
+                      </a:r>
+                      <a:endParaRPr lang="ko-KR" altLang="en-US" sz="1400" b="0" dirty="0">
+                        <a:solidFill>
+                          <a:schemeClr val="tx1"/>
+                        </a:solidFill>
+                      </a:endParaRPr>
+                    </a:p>
+                  </a:txBody>
+                  <a:tcPr>
+                    <a:lnL w="12700" cap="flat" cmpd="sng" algn="ctr">
+                      <a:solidFill>
+                        <a:schemeClr val="tx1"/>
+                      </a:solidFill>
+                      <a:prstDash val="solid"/>
+                      <a:round/>
+                      <a:headEnd type="none" w="med" len="med"/>
+                      <a:tailEnd type="none" w="med" len="med"/>
+                    </a:lnL>
+                    <a:lnR w="12700" cmpd="sng">
+                      <a:noFill/>
+                    </a:lnR>
+                    <a:lnT w="12700" cap="flat" cmpd="sng" algn="ctr">
+                      <a:solidFill>
+                        <a:schemeClr val="tx1"/>
+                      </a:solidFill>
+                      <a:prstDash val="solid"/>
+                      <a:round/>
+                      <a:headEnd type="none" w="med" len="med"/>
+                      <a:tailEnd type="none" w="med" len="med"/>
+                    </a:lnT>
+                    <a:lnB w="12700" cap="flat" cmpd="sng" algn="ctr">
+                      <a:noFill/>
+                      <a:prstDash val="solid"/>
+                      <a:round/>
+                      <a:headEnd type="none" w="med" len="med"/>
+                      <a:tailEnd type="none" w="med" len="med"/>
+                    </a:lnB>
+                    <a:lnTlToBr w="12700" cmpd="sng">
+                      <a:noFill/>
+                      <a:prstDash val="solid"/>
+                    </a:lnTlToBr>
+                    <a:lnBlToTr w="12700" cmpd="sng">
+                      <a:noFill/>
+                      <a:prstDash val="solid"/>
+                    </a:lnBlToTr>
+                    <a:noFill/>
+                  </a:tcPr>
+                </a:tc>
+                <a:extLst>
+                  <a:ext uri="{0D108BD9-81ED-4DB2-BD59-A6C34878D82A}">
+                    <a16:rowId xmlns:a16="http://schemas.microsoft.com/office/drawing/2014/main" val="4288379325"/>
+                  </a:ext>
+                </a:extLst>
+              </a:tr>
+            </a:tbl>
+          </a:graphicData>
+        </a:graphic>
+      </p:graphicFrame>
+      <p:sp>
+        <p:nvSpPr>
+          <p:cNvPr id="9" name="Rect 0">
+            <a:extLst>
+              <a:ext uri="{FF2B5EF4-FFF2-40B4-BE49-F238E27FC236}">
+                <a16:creationId xmlns:a16="http://schemas.microsoft.com/office/drawing/2014/main" id="{6225C976-5FEA-4817-8E8B-DBC9A37CDF09}"/>
+              </a:ext>
+            </a:extLst>
+          </p:cNvPr>
+          <p:cNvSpPr txBox="1">
+            <a:spLocks/>
+          </p:cNvSpPr>
+          <p:nvPr/>
+        </p:nvSpPr>
+        <p:spPr>
+          <a:xfrm>
+            <a:off x="695325" y="292100"/>
+            <a:ext cx="10802620" cy="862965"/>
+          </a:xfrm>
+          <a:prstGeom prst="rect">
+            <a:avLst/>
+          </a:prstGeom>
+        </p:spPr>
+        <p:txBody>
+          <a:bodyPr vert="horz" wrap="square" lIns="91440" tIns="45720" rIns="91440" bIns="45720" numCol="1" anchor="ctr">
+            <a:normAutofit/>
+          </a:bodyPr>
+          <a:lstStyle>
+            <a:lvl1pPr marL="0" indent="0" algn="l" defTabSz="914400" rtl="0" eaLnBrk="1" latinLnBrk="1" hangingPunct="1">
+              <a:lnSpc>
+                <a:spcPct val="90000"/>
+              </a:lnSpc>
+              <a:spcBef>
+                <a:spcPct val="0"/>
+              </a:spcBef>
+              <a:buFontTx/>
+              <a:buNone/>
+              <a:defRPr lang="en-GB" altLang="en-US" sz="4400">
+                <a:solidFill>
+                  <a:schemeClr val="tx1"/>
+                </a:solidFill>
+                <a:latin typeface="+mj-lt"/>
+                <a:ea typeface="+mj-ea"/>
+                <a:cs typeface="+mj-cs"/>
+              </a:defRPr>
+            </a:lvl1pPr>
+          </a:lstStyle>
+          <a:p>
+            <a:pPr marL="0" indent="0" latinLnBrk="0">
+              <a:buFontTx/>
+              <a:buNone/>
+            </a:pPr>
+            <a:r>
+              <a:rPr lang="en-US" altLang="ko-KR" dirty="0"/>
+              <a:t>UI-</a:t>
+            </a:r>
+            <a:r>
+              <a:rPr lang="ko-KR" altLang="en-US" dirty="0"/>
+              <a:t>퀘스트 실패</a:t>
+            </a:r>
+          </a:p>
+        </p:txBody>
+      </p:sp>
+      <p:grpSp>
+        <p:nvGrpSpPr>
+          <p:cNvPr id="3" name="그룹 2">
+            <a:extLst>
+              <a:ext uri="{FF2B5EF4-FFF2-40B4-BE49-F238E27FC236}">
+                <a16:creationId xmlns:a16="http://schemas.microsoft.com/office/drawing/2014/main" id="{68581D8B-B93C-4219-9840-8CB7B91C9E54}"/>
+              </a:ext>
+            </a:extLst>
+          </p:cNvPr>
+          <p:cNvGrpSpPr/>
+          <p:nvPr/>
+        </p:nvGrpSpPr>
+        <p:grpSpPr>
+          <a:xfrm>
+            <a:off x="3992038" y="1750633"/>
+            <a:ext cx="4207923" cy="1810251"/>
+            <a:chOff x="2120242" y="1922233"/>
+            <a:chExt cx="3322169" cy="1181452"/>
+          </a:xfrm>
+        </p:grpSpPr>
+        <p:sp>
+          <p:nvSpPr>
+            <p:cNvPr id="17" name="사각형: 둥근 모서리 16">
+              <a:extLst>
+                <a:ext uri="{FF2B5EF4-FFF2-40B4-BE49-F238E27FC236}">
+                  <a16:creationId xmlns:a16="http://schemas.microsoft.com/office/drawing/2014/main" id="{4324AC63-501D-4A4B-AEA8-FA4FB39A5AF8}"/>
+                </a:ext>
+              </a:extLst>
+            </p:cNvPr>
+            <p:cNvSpPr/>
+            <p:nvPr/>
+          </p:nvSpPr>
+          <p:spPr>
+            <a:xfrm>
+              <a:off x="2120242" y="1922233"/>
+              <a:ext cx="3322169" cy="1181452"/>
+            </a:xfrm>
+            <a:prstGeom prst="roundRect">
+              <a:avLst>
+                <a:gd name="adj" fmla="val 6635"/>
+              </a:avLst>
+            </a:prstGeom>
+            <a:solidFill>
+              <a:schemeClr val="bg2">
+                <a:lumMod val="90000"/>
+              </a:schemeClr>
+            </a:solidFill>
+            <a:ln>
+              <a:noFill/>
+            </a:ln>
+          </p:spPr>
+          <p:style>
+            <a:lnRef idx="2">
+              <a:schemeClr val="accent1">
+                <a:shade val="50000"/>
+              </a:schemeClr>
+            </a:lnRef>
+            <a:fillRef idx="1">
+              <a:schemeClr val="accent1"/>
+            </a:fillRef>
+            <a:effectRef idx="0">
+              <a:schemeClr val="accent1"/>
+            </a:effectRef>
+            <a:fontRef idx="minor">
+              <a:schemeClr val="lt1"/>
+            </a:fontRef>
+          </p:style>
+          <p:txBody>
+            <a:bodyPr rtlCol="0" anchor="t"/>
+            <a:lstStyle/>
+            <a:p>
+              <a:pPr algn="ctr"/>
+              <a:r>
+                <a:rPr lang="en-US" altLang="ko-KR" sz="1200" dirty="0">
+                  <a:solidFill>
+                    <a:schemeClr val="tx1"/>
+                  </a:solidFill>
+                </a:rPr>
+                <a:t>‘</a:t>
+              </a:r>
+              <a:r>
+                <a:rPr lang="ko-KR" altLang="en-US" sz="1200" dirty="0">
+                  <a:solidFill>
+                    <a:schemeClr val="tx1"/>
+                  </a:solidFill>
+                </a:rPr>
+                <a:t>퀘스트 명</a:t>
+              </a:r>
+              <a:r>
+                <a:rPr lang="en-US" altLang="ko-KR" sz="1200" dirty="0">
+                  <a:solidFill>
+                    <a:schemeClr val="tx1"/>
+                  </a:solidFill>
+                </a:rPr>
+                <a:t>’</a:t>
+              </a:r>
+            </a:p>
+            <a:p>
+              <a:pPr algn="ctr"/>
+              <a:endParaRPr lang="en-US" altLang="ko-KR" sz="1200" dirty="0">
+                <a:solidFill>
+                  <a:schemeClr val="tx1"/>
+                </a:solidFill>
+              </a:endParaRPr>
+            </a:p>
+            <a:p>
+              <a:pPr algn="ctr"/>
+              <a:r>
+                <a:rPr lang="ko-KR" altLang="en-US" sz="3200" dirty="0">
+                  <a:solidFill>
+                    <a:schemeClr val="tx1"/>
+                  </a:solidFill>
+                </a:rPr>
+                <a:t>실패</a:t>
+              </a:r>
+              <a:endParaRPr lang="en-US" altLang="ko-KR" sz="3200" dirty="0">
+                <a:solidFill>
+                  <a:schemeClr val="tx1"/>
+                </a:solidFill>
+              </a:endParaRPr>
+            </a:p>
+          </p:txBody>
+        </p:sp>
+        <p:sp>
+          <p:nvSpPr>
+            <p:cNvPr id="19" name="사각형: 둥근 모서리 18">
+              <a:extLst>
+                <a:ext uri="{FF2B5EF4-FFF2-40B4-BE49-F238E27FC236}">
+                  <a16:creationId xmlns:a16="http://schemas.microsoft.com/office/drawing/2014/main" id="{498EB8A6-FF7B-4E61-B031-4B74CB59FCC2}"/>
+                </a:ext>
+              </a:extLst>
+            </p:cNvPr>
+            <p:cNvSpPr/>
+            <p:nvPr/>
+          </p:nvSpPr>
+          <p:spPr>
+            <a:xfrm>
+              <a:off x="2435836" y="2684260"/>
+              <a:ext cx="1189728" cy="315287"/>
+            </a:xfrm>
+            <a:prstGeom prst="roundRect">
+              <a:avLst/>
+            </a:prstGeom>
+            <a:solidFill>
+              <a:srgbClr val="2F5597"/>
+            </a:solidFill>
+            <a:ln>
+              <a:noFill/>
+            </a:ln>
+          </p:spPr>
+          <p:style>
+            <a:lnRef idx="2">
+              <a:schemeClr val="accent1">
+                <a:shade val="50000"/>
+              </a:schemeClr>
+            </a:lnRef>
+            <a:fillRef idx="1">
+              <a:schemeClr val="accent1"/>
+            </a:fillRef>
+            <a:effectRef idx="0">
+              <a:schemeClr val="accent1"/>
+            </a:effectRef>
+            <a:fontRef idx="minor">
+              <a:schemeClr val="lt1"/>
+            </a:fontRef>
+          </p:style>
+          <p:txBody>
+            <a:bodyPr rtlCol="0" anchor="ctr"/>
+            <a:lstStyle/>
+            <a:p>
+              <a:pPr algn="ctr"/>
+              <a:r>
+                <a:rPr lang="ko-KR" altLang="en-US" sz="1400" dirty="0"/>
+                <a:t>재도전</a:t>
+              </a:r>
+              <a:endParaRPr lang="ko-KR" altLang="en-US" dirty="0"/>
+            </a:p>
+          </p:txBody>
+        </p:sp>
+        <p:sp>
+          <p:nvSpPr>
+            <p:cNvPr id="20" name="사각형: 둥근 모서리 19">
+              <a:extLst>
+                <a:ext uri="{FF2B5EF4-FFF2-40B4-BE49-F238E27FC236}">
+                  <a16:creationId xmlns:a16="http://schemas.microsoft.com/office/drawing/2014/main" id="{F140A036-AFB0-461D-A107-12FC15784638}"/>
+                </a:ext>
+              </a:extLst>
+            </p:cNvPr>
+            <p:cNvSpPr/>
+            <p:nvPr/>
+          </p:nvSpPr>
+          <p:spPr>
+            <a:xfrm>
+              <a:off x="3937087" y="2684258"/>
+              <a:ext cx="1189728" cy="315287"/>
+            </a:xfrm>
+            <a:prstGeom prst="roundRect">
+              <a:avLst/>
+            </a:prstGeom>
+            <a:solidFill>
+              <a:srgbClr val="990000"/>
+            </a:solidFill>
+            <a:ln>
+              <a:noFill/>
+            </a:ln>
+          </p:spPr>
+          <p:style>
+            <a:lnRef idx="2">
+              <a:schemeClr val="accent1">
+                <a:shade val="50000"/>
+              </a:schemeClr>
+            </a:lnRef>
+            <a:fillRef idx="1">
+              <a:schemeClr val="accent1"/>
+            </a:fillRef>
+            <a:effectRef idx="0">
+              <a:schemeClr val="accent1"/>
+            </a:effectRef>
+            <a:fontRef idx="minor">
+              <a:schemeClr val="lt1"/>
+            </a:fontRef>
+          </p:style>
+          <p:txBody>
+            <a:bodyPr rtlCol="0" anchor="ctr"/>
+            <a:lstStyle/>
+            <a:p>
+              <a:pPr algn="ctr"/>
+              <a:r>
+                <a:rPr lang="ko-KR" altLang="en-US" sz="1400" dirty="0"/>
+                <a:t>포기</a:t>
+              </a:r>
+              <a:endParaRPr lang="ko-KR" altLang="en-US" dirty="0"/>
+            </a:p>
+          </p:txBody>
+        </p:sp>
+      </p:grpSp>
+      <p:sp>
+        <p:nvSpPr>
+          <p:cNvPr id="22" name="도형 20">
+            <a:extLst>
+              <a:ext uri="{FF2B5EF4-FFF2-40B4-BE49-F238E27FC236}">
+                <a16:creationId xmlns:a16="http://schemas.microsoft.com/office/drawing/2014/main" id="{D62C29E5-2DD2-4E75-9BD8-A5E4B676C29E}"/>
+              </a:ext>
+            </a:extLst>
+          </p:cNvPr>
+          <p:cNvSpPr>
+            <a:spLocks/>
+          </p:cNvSpPr>
+          <p:nvPr/>
+        </p:nvSpPr>
+        <p:spPr>
+          <a:xfrm>
+            <a:off x="3895916" y="1695082"/>
+            <a:ext cx="4400167" cy="1944933"/>
+          </a:xfrm>
+          <a:prstGeom prst="rect">
+            <a:avLst/>
+          </a:prstGeom>
+          <a:noFill/>
+          <a:ln w="15875" cap="flat" cmpd="sng">
+            <a:solidFill>
+              <a:srgbClr val="C00000">
+                <a:alpha val="100000"/>
+              </a:srgbClr>
+            </a:solidFill>
+            <a:prstDash val="solid"/>
+            <a:miter lim="800000"/>
+          </a:ln>
+        </p:spPr>
+        <p:style>
+          <a:lnRef idx="2">
+            <a:schemeClr val="accent1">
+              <a:shade val="50000"/>
+            </a:schemeClr>
+          </a:lnRef>
+          <a:fillRef idx="1">
+            <a:schemeClr val="accent1"/>
+          </a:fillRef>
+          <a:effectRef idx="0">
+            <a:schemeClr val="accent1"/>
+          </a:effectRef>
+          <a:fontRef idx="minor">
+            <a:schemeClr val="lt1"/>
+          </a:fontRef>
+        </p:style>
+        <p:txBody>
+          <a:bodyPr vert="horz" wrap="square" lIns="91440" tIns="45720" rIns="91440" bIns="45720" anchor="ctr">
+            <a:noAutofit/>
+          </a:bodyPr>
+          <a:lstStyle/>
+          <a:p>
+            <a:pPr marL="0" indent="0" algn="ctr" hangingPunct="1"/>
+            <a:endParaRPr lang="ko-KR" altLang="en-US" sz="1800">
+              <a:latin typeface="맑은 고딕" charset="0"/>
+              <a:ea typeface="맑은 고딕" charset="0"/>
+            </a:endParaRPr>
+          </a:p>
+        </p:txBody>
+      </p:sp>
+      <p:sp>
+        <p:nvSpPr>
+          <p:cNvPr id="23" name="도형 20">
+            <a:extLst>
+              <a:ext uri="{FF2B5EF4-FFF2-40B4-BE49-F238E27FC236}">
+                <a16:creationId xmlns:a16="http://schemas.microsoft.com/office/drawing/2014/main" id="{75BB083D-C88C-41D0-8DF7-A39FECE59848}"/>
+              </a:ext>
+            </a:extLst>
+          </p:cNvPr>
+          <p:cNvSpPr>
+            <a:spLocks/>
+          </p:cNvSpPr>
+          <p:nvPr/>
+        </p:nvSpPr>
+        <p:spPr>
+          <a:xfrm>
+            <a:off x="5663171" y="1818563"/>
+            <a:ext cx="851930" cy="194875"/>
+          </a:xfrm>
+          <a:prstGeom prst="rect">
+            <a:avLst/>
+          </a:prstGeom>
+          <a:noFill/>
+          <a:ln w="15875" cap="flat" cmpd="sng">
+            <a:solidFill>
+              <a:srgbClr val="C00000">
+                <a:alpha val="100000"/>
+              </a:srgbClr>
+            </a:solidFill>
+            <a:prstDash val="solid"/>
+            <a:miter lim="800000"/>
+          </a:ln>
+        </p:spPr>
+        <p:style>
+          <a:lnRef idx="2">
+            <a:schemeClr val="accent1">
+              <a:shade val="50000"/>
+            </a:schemeClr>
+          </a:lnRef>
+          <a:fillRef idx="1">
+            <a:schemeClr val="accent1"/>
+          </a:fillRef>
+          <a:effectRef idx="0">
+            <a:schemeClr val="accent1"/>
+          </a:effectRef>
+          <a:fontRef idx="minor">
+            <a:schemeClr val="lt1"/>
+          </a:fontRef>
+        </p:style>
+        <p:txBody>
+          <a:bodyPr vert="horz" wrap="square" lIns="91440" tIns="45720" rIns="91440" bIns="45720" anchor="ctr">
+            <a:noAutofit/>
+          </a:bodyPr>
+          <a:lstStyle/>
+          <a:p>
+            <a:pPr marL="0" indent="0" algn="ctr" hangingPunct="1"/>
+            <a:endParaRPr lang="ko-KR" altLang="en-US" sz="1800">
+              <a:latin typeface="맑은 고딕" charset="0"/>
+              <a:ea typeface="맑은 고딕" charset="0"/>
+            </a:endParaRPr>
+          </a:p>
+        </p:txBody>
+      </p:sp>
+      <p:sp>
+        <p:nvSpPr>
+          <p:cNvPr id="25" name="도형 20">
+            <a:extLst>
+              <a:ext uri="{FF2B5EF4-FFF2-40B4-BE49-F238E27FC236}">
+                <a16:creationId xmlns:a16="http://schemas.microsoft.com/office/drawing/2014/main" id="{9B5609DD-F6E5-4F6B-8D8E-35688DA85E13}"/>
+              </a:ext>
+            </a:extLst>
+          </p:cNvPr>
+          <p:cNvSpPr>
+            <a:spLocks/>
+          </p:cNvSpPr>
+          <p:nvPr/>
+        </p:nvSpPr>
+        <p:spPr>
+          <a:xfrm>
+            <a:off x="4313239" y="2839099"/>
+            <a:ext cx="1683116" cy="632586"/>
+          </a:xfrm>
+          <a:prstGeom prst="rect">
+            <a:avLst/>
+          </a:prstGeom>
+          <a:noFill/>
+          <a:ln w="15875" cap="flat" cmpd="sng">
+            <a:solidFill>
+              <a:srgbClr val="C00000">
+                <a:alpha val="100000"/>
+              </a:srgbClr>
+            </a:solidFill>
+            <a:prstDash val="solid"/>
+            <a:miter lim="800000"/>
+          </a:ln>
+        </p:spPr>
+        <p:style>
+          <a:lnRef idx="2">
+            <a:schemeClr val="accent1">
+              <a:shade val="50000"/>
+            </a:schemeClr>
+          </a:lnRef>
+          <a:fillRef idx="1">
+            <a:schemeClr val="accent1"/>
+          </a:fillRef>
+          <a:effectRef idx="0">
+            <a:schemeClr val="accent1"/>
+          </a:effectRef>
+          <a:fontRef idx="minor">
+            <a:schemeClr val="lt1"/>
+          </a:fontRef>
+        </p:style>
+        <p:txBody>
+          <a:bodyPr vert="horz" wrap="square" lIns="91440" tIns="45720" rIns="91440" bIns="45720" anchor="ctr">
+            <a:noAutofit/>
+          </a:bodyPr>
+          <a:lstStyle/>
+          <a:p>
+            <a:pPr marL="0" indent="0" algn="ctr" hangingPunct="1"/>
+            <a:endParaRPr lang="ko-KR" altLang="en-US" sz="1800">
+              <a:latin typeface="맑은 고딕" charset="0"/>
+              <a:ea typeface="맑은 고딕" charset="0"/>
+            </a:endParaRPr>
+          </a:p>
+        </p:txBody>
+      </p:sp>
+      <p:sp>
+        <p:nvSpPr>
+          <p:cNvPr id="26" name="타원 25">
+            <a:extLst>
+              <a:ext uri="{FF2B5EF4-FFF2-40B4-BE49-F238E27FC236}">
+                <a16:creationId xmlns:a16="http://schemas.microsoft.com/office/drawing/2014/main" id="{E4D9FE71-AB33-4B96-BF3F-3CE77A94040D}"/>
+              </a:ext>
+            </a:extLst>
+          </p:cNvPr>
+          <p:cNvSpPr>
+            <a:spLocks noChangeAspect="1"/>
+          </p:cNvSpPr>
+          <p:nvPr/>
+        </p:nvSpPr>
+        <p:spPr>
+          <a:xfrm>
+            <a:off x="3736378" y="1550535"/>
+            <a:ext cx="241933" cy="241933"/>
+          </a:xfrm>
+          <a:prstGeom prst="ellipse">
+            <a:avLst/>
+          </a:prstGeom>
+        </p:spPr>
+        <p:style>
+          <a:lnRef idx="2">
+            <a:schemeClr val="accent1">
+              <a:shade val="50000"/>
+            </a:schemeClr>
+          </a:lnRef>
+          <a:fillRef idx="1">
+            <a:schemeClr val="accent1"/>
+          </a:fillRef>
+          <a:effectRef idx="0">
+            <a:schemeClr val="accent1"/>
+          </a:effectRef>
+          <a:fontRef idx="minor">
+            <a:schemeClr val="lt1"/>
+          </a:fontRef>
+        </p:style>
+        <p:txBody>
+          <a:bodyPr rtlCol="0" anchor="ctr"/>
+          <a:lstStyle/>
+          <a:p>
+            <a:pPr algn="ctr"/>
+            <a:r>
+              <a:rPr lang="en-US" altLang="ko-KR" dirty="0"/>
+              <a:t>1</a:t>
+            </a:r>
+            <a:endParaRPr lang="ko-KR" altLang="en-US" dirty="0"/>
+          </a:p>
+        </p:txBody>
+      </p:sp>
+      <p:sp>
+        <p:nvSpPr>
+          <p:cNvPr id="27" name="타원 26">
+            <a:extLst>
+              <a:ext uri="{FF2B5EF4-FFF2-40B4-BE49-F238E27FC236}">
+                <a16:creationId xmlns:a16="http://schemas.microsoft.com/office/drawing/2014/main" id="{45816E43-E844-4DC3-88C6-44CA0B49456D}"/>
+              </a:ext>
+            </a:extLst>
+          </p:cNvPr>
+          <p:cNvSpPr>
+            <a:spLocks noChangeAspect="1"/>
+          </p:cNvSpPr>
+          <p:nvPr/>
+        </p:nvSpPr>
+        <p:spPr>
+          <a:xfrm>
+            <a:off x="5419595" y="1795033"/>
+            <a:ext cx="241933" cy="241933"/>
+          </a:xfrm>
+          <a:prstGeom prst="ellipse">
+            <a:avLst/>
+          </a:prstGeom>
+        </p:spPr>
+        <p:style>
+          <a:lnRef idx="2">
+            <a:schemeClr val="accent1">
+              <a:shade val="50000"/>
+            </a:schemeClr>
+          </a:lnRef>
+          <a:fillRef idx="1">
+            <a:schemeClr val="accent1"/>
+          </a:fillRef>
+          <a:effectRef idx="0">
+            <a:schemeClr val="accent1"/>
+          </a:effectRef>
+          <a:fontRef idx="minor">
+            <a:schemeClr val="lt1"/>
+          </a:fontRef>
+        </p:style>
+        <p:txBody>
+          <a:bodyPr rtlCol="0" anchor="ctr"/>
+          <a:lstStyle/>
+          <a:p>
+            <a:pPr algn="ctr"/>
+            <a:r>
+              <a:rPr lang="en-US" altLang="ko-KR" dirty="0"/>
+              <a:t>2</a:t>
+            </a:r>
+            <a:endParaRPr lang="ko-KR" altLang="en-US" dirty="0"/>
+          </a:p>
+        </p:txBody>
+      </p:sp>
+      <p:sp>
+        <p:nvSpPr>
+          <p:cNvPr id="28" name="타원 27">
+            <a:extLst>
+              <a:ext uri="{FF2B5EF4-FFF2-40B4-BE49-F238E27FC236}">
+                <a16:creationId xmlns:a16="http://schemas.microsoft.com/office/drawing/2014/main" id="{256D929C-957C-49E5-B87F-0D0E623F0A14}"/>
+              </a:ext>
+            </a:extLst>
+          </p:cNvPr>
+          <p:cNvSpPr>
+            <a:spLocks noChangeAspect="1"/>
+          </p:cNvSpPr>
+          <p:nvPr/>
+        </p:nvSpPr>
+        <p:spPr>
+          <a:xfrm>
+            <a:off x="4046199" y="3034425"/>
+            <a:ext cx="241933" cy="241933"/>
+          </a:xfrm>
+          <a:prstGeom prst="ellipse">
+            <a:avLst/>
+          </a:prstGeom>
+        </p:spPr>
+        <p:style>
+          <a:lnRef idx="2">
+            <a:schemeClr val="accent1">
+              <a:shade val="50000"/>
+            </a:schemeClr>
+          </a:lnRef>
+          <a:fillRef idx="1">
+            <a:schemeClr val="accent1"/>
+          </a:fillRef>
+          <a:effectRef idx="0">
+            <a:schemeClr val="accent1"/>
+          </a:effectRef>
+          <a:fontRef idx="minor">
+            <a:schemeClr val="lt1"/>
+          </a:fontRef>
+        </p:style>
+        <p:txBody>
+          <a:bodyPr rtlCol="0" anchor="ctr"/>
+          <a:lstStyle/>
+          <a:p>
+            <a:pPr algn="ctr"/>
+            <a:r>
+              <a:rPr lang="en-US" altLang="ko-KR" dirty="0"/>
+              <a:t>3</a:t>
+            </a:r>
+            <a:endParaRPr lang="ko-KR" altLang="en-US" dirty="0"/>
+          </a:p>
+        </p:txBody>
+      </p:sp>
+      <p:sp>
+        <p:nvSpPr>
+          <p:cNvPr id="32" name="도형 20">
+            <a:extLst>
+              <a:ext uri="{FF2B5EF4-FFF2-40B4-BE49-F238E27FC236}">
+                <a16:creationId xmlns:a16="http://schemas.microsoft.com/office/drawing/2014/main" id="{47F0C652-1B36-48F3-9929-1D13134D3B42}"/>
+              </a:ext>
+            </a:extLst>
+          </p:cNvPr>
+          <p:cNvSpPr>
+            <a:spLocks/>
+          </p:cNvSpPr>
+          <p:nvPr/>
+        </p:nvSpPr>
+        <p:spPr>
+          <a:xfrm>
+            <a:off x="6195647" y="2839099"/>
+            <a:ext cx="1683116" cy="632586"/>
+          </a:xfrm>
+          <a:prstGeom prst="rect">
+            <a:avLst/>
+          </a:prstGeom>
+          <a:noFill/>
+          <a:ln w="15875" cap="flat" cmpd="sng">
+            <a:solidFill>
+              <a:srgbClr val="C00000">
+                <a:alpha val="100000"/>
+              </a:srgbClr>
+            </a:solidFill>
+            <a:prstDash val="solid"/>
+            <a:miter lim="800000"/>
+          </a:ln>
+        </p:spPr>
+        <p:style>
+          <a:lnRef idx="2">
+            <a:schemeClr val="accent1">
+              <a:shade val="50000"/>
+            </a:schemeClr>
+          </a:lnRef>
+          <a:fillRef idx="1">
+            <a:schemeClr val="accent1"/>
+          </a:fillRef>
+          <a:effectRef idx="0">
+            <a:schemeClr val="accent1"/>
+          </a:effectRef>
+          <a:fontRef idx="minor">
+            <a:schemeClr val="lt1"/>
+          </a:fontRef>
+        </p:style>
+        <p:txBody>
+          <a:bodyPr vert="horz" wrap="square" lIns="91440" tIns="45720" rIns="91440" bIns="45720" anchor="ctr">
+            <a:noAutofit/>
+          </a:bodyPr>
+          <a:lstStyle/>
+          <a:p>
+            <a:pPr marL="0" indent="0" algn="ctr" hangingPunct="1"/>
+            <a:endParaRPr lang="ko-KR" altLang="en-US" sz="1800">
+              <a:latin typeface="맑은 고딕" charset="0"/>
+              <a:ea typeface="맑은 고딕" charset="0"/>
+            </a:endParaRPr>
+          </a:p>
+        </p:txBody>
+      </p:sp>
+      <p:sp>
+        <p:nvSpPr>
+          <p:cNvPr id="33" name="타원 32">
+            <a:extLst>
+              <a:ext uri="{FF2B5EF4-FFF2-40B4-BE49-F238E27FC236}">
+                <a16:creationId xmlns:a16="http://schemas.microsoft.com/office/drawing/2014/main" id="{1EAD7FE5-88EB-4A01-80A8-B98D55C49DA8}"/>
+              </a:ext>
+            </a:extLst>
+          </p:cNvPr>
+          <p:cNvSpPr>
+            <a:spLocks noChangeAspect="1"/>
+          </p:cNvSpPr>
+          <p:nvPr/>
+        </p:nvSpPr>
+        <p:spPr>
+          <a:xfrm>
+            <a:off x="5972091" y="3034425"/>
+            <a:ext cx="241933" cy="241933"/>
+          </a:xfrm>
+          <a:prstGeom prst="ellipse">
+            <a:avLst/>
+          </a:prstGeom>
+        </p:spPr>
+        <p:style>
+          <a:lnRef idx="2">
+            <a:schemeClr val="accent1">
+              <a:shade val="50000"/>
+            </a:schemeClr>
+          </a:lnRef>
+          <a:fillRef idx="1">
+            <a:schemeClr val="accent1"/>
+          </a:fillRef>
+          <a:effectRef idx="0">
+            <a:schemeClr val="accent1"/>
+          </a:effectRef>
+          <a:fontRef idx="minor">
+            <a:schemeClr val="lt1"/>
+          </a:fontRef>
+        </p:style>
+        <p:txBody>
+          <a:bodyPr rtlCol="0" anchor="ctr"/>
+          <a:lstStyle/>
+          <a:p>
+            <a:pPr algn="ctr"/>
+            <a:r>
+              <a:rPr lang="en-US" altLang="ko-KR" dirty="0"/>
+              <a:t>4</a:t>
+            </a:r>
+            <a:endParaRPr lang="ko-KR" altLang="en-US" dirty="0"/>
+          </a:p>
+        </p:txBody>
+      </p:sp>
+    </p:spTree>
+    <p:extLst>
+      <p:ext uri="{BB962C8B-B14F-4D97-AF65-F5344CB8AC3E}">
+        <p14:creationId xmlns:p14="http://schemas.microsoft.com/office/powerpoint/2010/main" val="4274988021"/>
+      </p:ext>
+    </p:extLst>
+  </p:cSld>
+  <p:clrMapOvr>
+    <a:masterClrMapping/>
+  </p:clrMapOvr>
+</p:sld>
+</file>
+
+<file path=ppt/slides/slide2.xml><?xml version="1.0" encoding="utf-8"?>
+<p:sld xmlns:a="http://schemas.openxmlformats.org/drawingml/2006/main" xmlns:r="http://schemas.openxmlformats.org/officeDocument/2006/relationships" xmlns:p="http://schemas.openxmlformats.org/presentationml/2006/main">
+  <p:cSld>
+    <p:spTree>
+      <p:nvGrpSpPr>
+        <p:cNvPr id="1" name=""/>
+        <p:cNvGrpSpPr/>
+        <p:nvPr/>
+      </p:nvGrpSpPr>
+      <p:grpSpPr>
+        <a:xfrm>
+          <a:off x="0" y="0"/>
+          <a:ext cx="0" cy="0"/>
+          <a:chOff x="0" y="0"/>
+          <a:chExt cx="0" cy="0"/>
+        </a:xfrm>
+      </p:grpSpPr>
+      <p:graphicFrame>
+        <p:nvGraphicFramePr>
+          <p:cNvPr id="4" name="표 4">
+            <a:extLst>
+              <a:ext uri="{FF2B5EF4-FFF2-40B4-BE49-F238E27FC236}">
+                <a16:creationId xmlns:a16="http://schemas.microsoft.com/office/drawing/2014/main" id="{D9335E25-03C9-45D8-B4F4-5E3DD30E1D6F}"/>
+              </a:ext>
+            </a:extLst>
+          </p:cNvPr>
+          <p:cNvGraphicFramePr>
+            <a:graphicFrameLocks noGrp="1"/>
+          </p:cNvGraphicFramePr>
+          <p:nvPr>
+            <p:extLst>
+              <p:ext uri="{D42A27DB-BD31-4B8C-83A1-F6EECF244321}">
+                <p14:modId xmlns:p14="http://schemas.microsoft.com/office/powerpoint/2010/main" val="3528643464"/>
+              </p:ext>
+            </p:extLst>
+          </p:nvPr>
+        </p:nvGraphicFramePr>
+        <p:xfrm>
+          <a:off x="1416050" y="1690688"/>
+          <a:ext cx="4679950" cy="2966720"/>
+        </p:xfrm>
+        <a:graphic>
+          <a:graphicData uri="http://schemas.openxmlformats.org/drawingml/2006/table">
+            <a:tbl>
+              <a:tblPr firstRow="1" bandRow="1">
+                <a:tableStyleId>{5C22544A-7EE6-4342-B048-85BDC9FD1C3A}</a:tableStyleId>
+              </a:tblPr>
+              <a:tblGrid>
+                <a:gridCol w="4679950">
+                  <a:extLst>
+                    <a:ext uri="{9D8B030D-6E8A-4147-A177-3AD203B41FA5}">
+                      <a16:colId xmlns:a16="http://schemas.microsoft.com/office/drawing/2014/main" val="3606984394"/>
+                    </a:ext>
+                  </a:extLst>
+                </a:gridCol>
+              </a:tblGrid>
+              <a:tr h="370840">
+                <a:tc>
+                  <a:txBody>
+                    <a:bodyPr/>
+                    <a:lstStyle/>
+                    <a:p>
+                      <a:pPr latinLnBrk="1"/>
+                      <a:r>
+                        <a:rPr lang="ko-KR" altLang="en-US" b="0" dirty="0">
+                          <a:solidFill>
+                            <a:schemeClr val="tx1"/>
+                          </a:solidFill>
+                        </a:rPr>
+                        <a:t>개요</a:t>
+                      </a:r>
+                    </a:p>
+                  </a:txBody>
+                  <a:tcPr>
+                    <a:lnL w="12700" cap="flat" cmpd="sng" algn="ctr">
+                      <a:solidFill>
+                        <a:schemeClr val="tx1"/>
+                      </a:solidFill>
+                      <a:prstDash val="solid"/>
+                      <a:round/>
+                      <a:headEnd type="none" w="med" len="med"/>
+                      <a:tailEnd type="none" w="med" len="med"/>
+                    </a:lnL>
+                    <a:lnR w="12700" cap="flat" cmpd="sng" algn="ctr">
+                      <a:solidFill>
+                        <a:schemeClr val="tx1"/>
+                      </a:solidFill>
+                      <a:prstDash val="solid"/>
+                      <a:round/>
+                      <a:headEnd type="none" w="med" len="med"/>
+                      <a:tailEnd type="none" w="med" len="med"/>
+                    </a:lnR>
+                    <a:lnT w="12700" cap="flat" cmpd="sng" algn="ctr">
+                      <a:solidFill>
+                        <a:schemeClr val="tx1"/>
+                      </a:solidFill>
+                      <a:prstDash val="solid"/>
+                      <a:round/>
+                      <a:headEnd type="none" w="med" len="med"/>
+                      <a:tailEnd type="none" w="med" len="med"/>
+                    </a:lnT>
+                    <a:lnB w="12700" cap="flat" cmpd="sng" algn="ctr">
+                      <a:solidFill>
+                        <a:schemeClr val="tx1"/>
+                      </a:solidFill>
+                      <a:prstDash val="solid"/>
+                      <a:round/>
+                      <a:headEnd type="none" w="med" len="med"/>
+                      <a:tailEnd type="none" w="med" len="med"/>
+                    </a:lnB>
+                    <a:lnTlToBr w="12700" cmpd="sng">
+                      <a:noFill/>
+                      <a:prstDash val="solid"/>
+                    </a:lnTlToBr>
+                    <a:lnBlToTr w="12700" cmpd="sng">
+                      <a:noFill/>
+                      <a:prstDash val="solid"/>
+                    </a:lnBlToTr>
+                    <a:noFill/>
+                  </a:tcPr>
+                </a:tc>
+                <a:extLst>
+                  <a:ext uri="{0D108BD9-81ED-4DB2-BD59-A6C34878D82A}">
+                    <a16:rowId xmlns:a16="http://schemas.microsoft.com/office/drawing/2014/main" val="148624073"/>
+                  </a:ext>
+                </a:extLst>
+              </a:tr>
+              <a:tr h="370840">
+                <a:tc>
+                  <a:txBody>
+                    <a:bodyPr/>
+                    <a:lstStyle/>
+                    <a:p>
+                      <a:pPr latinLnBrk="1"/>
+                      <a:endParaRPr lang="ko-KR" altLang="en-US" b="0" dirty="0">
+                        <a:solidFill>
+                          <a:schemeClr val="tx1"/>
+                        </a:solidFill>
+                      </a:endParaRPr>
+                    </a:p>
+                  </a:txBody>
+                  <a:tcPr>
+                    <a:lnL w="12700" cap="flat" cmpd="sng" algn="ctr">
+                      <a:solidFill>
+                        <a:schemeClr val="tx1"/>
+                      </a:solidFill>
+                      <a:prstDash val="solid"/>
+                      <a:round/>
+                      <a:headEnd type="none" w="med" len="med"/>
+                      <a:tailEnd type="none" w="med" len="med"/>
+                    </a:lnL>
+                    <a:lnR w="12700" cap="flat" cmpd="sng" algn="ctr">
+                      <a:solidFill>
+                        <a:schemeClr val="tx1"/>
+                      </a:solidFill>
+                      <a:prstDash val="solid"/>
+                      <a:round/>
+                      <a:headEnd type="none" w="med" len="med"/>
+                      <a:tailEnd type="none" w="med" len="med"/>
+                    </a:lnR>
+                    <a:lnT w="12700" cap="flat" cmpd="sng" algn="ctr">
+                      <a:solidFill>
+                        <a:schemeClr val="tx1"/>
+                      </a:solidFill>
+                      <a:prstDash val="solid"/>
+                      <a:round/>
+                      <a:headEnd type="none" w="med" len="med"/>
+                      <a:tailEnd type="none" w="med" len="med"/>
+                    </a:lnT>
+                    <a:lnB w="12700" cap="flat" cmpd="sng" algn="ctr">
+                      <a:solidFill>
+                        <a:schemeClr val="tx1"/>
+                      </a:solidFill>
+                      <a:prstDash val="solid"/>
+                      <a:round/>
+                      <a:headEnd type="none" w="med" len="med"/>
+                      <a:tailEnd type="none" w="med" len="med"/>
+                    </a:lnB>
+                    <a:lnTlToBr w="12700" cmpd="sng">
+                      <a:noFill/>
+                      <a:prstDash val="solid"/>
+                    </a:lnTlToBr>
+                    <a:lnBlToTr w="12700" cmpd="sng">
+                      <a:noFill/>
+                      <a:prstDash val="solid"/>
+                    </a:lnBlToTr>
+                    <a:noFill/>
+                  </a:tcPr>
+                </a:tc>
+                <a:extLst>
+                  <a:ext uri="{0D108BD9-81ED-4DB2-BD59-A6C34878D82A}">
+                    <a16:rowId xmlns:a16="http://schemas.microsoft.com/office/drawing/2014/main" val="3162711127"/>
+                  </a:ext>
+                </a:extLst>
+              </a:tr>
+              <a:tr h="370840">
+                <a:tc>
+                  <a:txBody>
+                    <a:bodyPr/>
+                    <a:lstStyle/>
+                    <a:p>
+                      <a:pPr latinLnBrk="1"/>
+                      <a:endParaRPr lang="ko-KR" altLang="en-US" b="0" dirty="0">
+                        <a:solidFill>
+                          <a:schemeClr val="tx1"/>
+                        </a:solidFill>
+                      </a:endParaRPr>
+                    </a:p>
+                  </a:txBody>
+                  <a:tcPr>
+                    <a:lnL w="12700" cap="flat" cmpd="sng" algn="ctr">
+                      <a:solidFill>
+                        <a:schemeClr val="tx1"/>
+                      </a:solidFill>
+                      <a:prstDash val="solid"/>
+                      <a:round/>
+                      <a:headEnd type="none" w="med" len="med"/>
+                      <a:tailEnd type="none" w="med" len="med"/>
+                    </a:lnL>
+                    <a:lnR w="12700" cap="flat" cmpd="sng" algn="ctr">
+                      <a:solidFill>
+                        <a:schemeClr val="tx1"/>
+                      </a:solidFill>
+                      <a:prstDash val="solid"/>
+                      <a:round/>
+                      <a:headEnd type="none" w="med" len="med"/>
+                      <a:tailEnd type="none" w="med" len="med"/>
+                    </a:lnR>
+                    <a:lnT w="12700" cap="flat" cmpd="sng" algn="ctr">
+                      <a:solidFill>
+                        <a:schemeClr val="tx1"/>
+                      </a:solidFill>
+                      <a:prstDash val="solid"/>
+                      <a:round/>
+                      <a:headEnd type="none" w="med" len="med"/>
+                      <a:tailEnd type="none" w="med" len="med"/>
+                    </a:lnT>
+                    <a:lnB w="12700" cap="flat" cmpd="sng" algn="ctr">
+                      <a:solidFill>
+                        <a:schemeClr val="tx1"/>
+                      </a:solidFill>
+                      <a:prstDash val="solid"/>
+                      <a:round/>
+                      <a:headEnd type="none" w="med" len="med"/>
+                      <a:tailEnd type="none" w="med" len="med"/>
+                    </a:lnB>
+                    <a:lnTlToBr w="12700" cmpd="sng">
+                      <a:noFill/>
+                      <a:prstDash val="solid"/>
+                    </a:lnTlToBr>
+                    <a:lnBlToTr w="12700" cmpd="sng">
+                      <a:noFill/>
+                      <a:prstDash val="solid"/>
+                    </a:lnBlToTr>
+                    <a:noFill/>
+                  </a:tcPr>
+                </a:tc>
+                <a:extLst>
+                  <a:ext uri="{0D108BD9-81ED-4DB2-BD59-A6C34878D82A}">
+                    <a16:rowId xmlns:a16="http://schemas.microsoft.com/office/drawing/2014/main" val="2525806370"/>
+                  </a:ext>
+                </a:extLst>
+              </a:tr>
+              <a:tr h="370840">
+                <a:tc>
+                  <a:txBody>
+                    <a:bodyPr/>
+                    <a:lstStyle/>
+                    <a:p>
+                      <a:pPr latinLnBrk="1"/>
+                      <a:endParaRPr lang="ko-KR" altLang="en-US" b="0" dirty="0">
+                        <a:solidFill>
+                          <a:schemeClr val="tx1"/>
+                        </a:solidFill>
+                      </a:endParaRPr>
+                    </a:p>
+                  </a:txBody>
+                  <a:tcPr>
+                    <a:lnL w="12700" cap="flat" cmpd="sng" algn="ctr">
+                      <a:solidFill>
+                        <a:schemeClr val="tx1"/>
+                      </a:solidFill>
+                      <a:prstDash val="solid"/>
+                      <a:round/>
+                      <a:headEnd type="none" w="med" len="med"/>
+                      <a:tailEnd type="none" w="med" len="med"/>
+                    </a:lnL>
+                    <a:lnR w="12700" cap="flat" cmpd="sng" algn="ctr">
+                      <a:solidFill>
+                        <a:schemeClr val="tx1"/>
+                      </a:solidFill>
+                      <a:prstDash val="solid"/>
+                      <a:round/>
+                      <a:headEnd type="none" w="med" len="med"/>
+                      <a:tailEnd type="none" w="med" len="med"/>
+                    </a:lnR>
+                    <a:lnT w="12700" cap="flat" cmpd="sng" algn="ctr">
+                      <a:solidFill>
+                        <a:schemeClr val="tx1"/>
+                      </a:solidFill>
+                      <a:prstDash val="solid"/>
+                      <a:round/>
+                      <a:headEnd type="none" w="med" len="med"/>
+                      <a:tailEnd type="none" w="med" len="med"/>
+                    </a:lnT>
+                    <a:lnB w="12700" cap="flat" cmpd="sng" algn="ctr">
+                      <a:solidFill>
+                        <a:schemeClr val="tx1"/>
+                      </a:solidFill>
+                      <a:prstDash val="solid"/>
+                      <a:round/>
+                      <a:headEnd type="none" w="med" len="med"/>
+                      <a:tailEnd type="none" w="med" len="med"/>
+                    </a:lnB>
+                    <a:lnTlToBr w="12700" cmpd="sng">
+                      <a:noFill/>
+                      <a:prstDash val="solid"/>
+                    </a:lnTlToBr>
+                    <a:lnBlToTr w="12700" cmpd="sng">
+                      <a:noFill/>
+                      <a:prstDash val="solid"/>
+                    </a:lnBlToTr>
+                    <a:noFill/>
+                  </a:tcPr>
+                </a:tc>
+                <a:extLst>
+                  <a:ext uri="{0D108BD9-81ED-4DB2-BD59-A6C34878D82A}">
+                    <a16:rowId xmlns:a16="http://schemas.microsoft.com/office/drawing/2014/main" val="2395034878"/>
+                  </a:ext>
+                </a:extLst>
+              </a:tr>
+              <a:tr h="370840">
+                <a:tc>
+                  <a:txBody>
+                    <a:bodyPr/>
+                    <a:lstStyle/>
+                    <a:p>
+                      <a:pPr latinLnBrk="1"/>
+                      <a:endParaRPr lang="ko-KR" altLang="en-US" b="0" dirty="0">
+                        <a:solidFill>
+                          <a:schemeClr val="tx1"/>
+                        </a:solidFill>
+                      </a:endParaRPr>
+                    </a:p>
+                  </a:txBody>
+                  <a:tcPr>
+                    <a:lnL w="12700" cap="flat" cmpd="sng" algn="ctr">
+                      <a:solidFill>
+                        <a:schemeClr val="tx1"/>
+                      </a:solidFill>
+                      <a:prstDash val="solid"/>
+                      <a:round/>
+                      <a:headEnd type="none" w="med" len="med"/>
+                      <a:tailEnd type="none" w="med" len="med"/>
+                    </a:lnL>
+                    <a:lnR w="12700" cap="flat" cmpd="sng" algn="ctr">
+                      <a:solidFill>
+                        <a:schemeClr val="tx1"/>
+                      </a:solidFill>
+                      <a:prstDash val="solid"/>
+                      <a:round/>
+                      <a:headEnd type="none" w="med" len="med"/>
+                      <a:tailEnd type="none" w="med" len="med"/>
+                    </a:lnR>
+                    <a:lnT w="12700" cap="flat" cmpd="sng" algn="ctr">
+                      <a:solidFill>
+                        <a:schemeClr val="tx1"/>
+                      </a:solidFill>
+                      <a:prstDash val="solid"/>
+                      <a:round/>
+                      <a:headEnd type="none" w="med" len="med"/>
+                      <a:tailEnd type="none" w="med" len="med"/>
+                    </a:lnT>
+                    <a:lnB w="12700" cap="flat" cmpd="sng" algn="ctr">
+                      <a:solidFill>
+                        <a:schemeClr val="tx1"/>
+                      </a:solidFill>
+                      <a:prstDash val="solid"/>
+                      <a:round/>
+                      <a:headEnd type="none" w="med" len="med"/>
+                      <a:tailEnd type="none" w="med" len="med"/>
+                    </a:lnB>
+                    <a:lnTlToBr w="12700" cmpd="sng">
+                      <a:noFill/>
+                      <a:prstDash val="solid"/>
+                    </a:lnTlToBr>
+                    <a:lnBlToTr w="12700" cmpd="sng">
+                      <a:noFill/>
+                      <a:prstDash val="solid"/>
+                    </a:lnBlToTr>
+                    <a:noFill/>
+                  </a:tcPr>
+                </a:tc>
+                <a:extLst>
+                  <a:ext uri="{0D108BD9-81ED-4DB2-BD59-A6C34878D82A}">
+                    <a16:rowId xmlns:a16="http://schemas.microsoft.com/office/drawing/2014/main" val="696714952"/>
+                  </a:ext>
+                </a:extLst>
+              </a:tr>
+              <a:tr h="370840">
+                <a:tc>
+                  <a:txBody>
+                    <a:bodyPr/>
+                    <a:lstStyle/>
+                    <a:p>
+                      <a:pPr latinLnBrk="1"/>
+                      <a:endParaRPr lang="ko-KR" altLang="en-US" b="0" dirty="0">
+                        <a:solidFill>
+                          <a:schemeClr val="tx1"/>
+                        </a:solidFill>
+                      </a:endParaRPr>
+                    </a:p>
+                  </a:txBody>
+                  <a:tcPr>
+                    <a:lnL w="12700" cap="flat" cmpd="sng" algn="ctr">
+                      <a:solidFill>
+                        <a:schemeClr val="tx1"/>
+                      </a:solidFill>
+                      <a:prstDash val="solid"/>
+                      <a:round/>
+                      <a:headEnd type="none" w="med" len="med"/>
+                      <a:tailEnd type="none" w="med" len="med"/>
+                    </a:lnL>
+                    <a:lnR w="12700" cap="flat" cmpd="sng" algn="ctr">
+                      <a:solidFill>
+                        <a:schemeClr val="tx1"/>
+                      </a:solidFill>
+                      <a:prstDash val="solid"/>
+                      <a:round/>
+                      <a:headEnd type="none" w="med" len="med"/>
+                      <a:tailEnd type="none" w="med" len="med"/>
+                    </a:lnR>
+                    <a:lnT w="12700" cap="flat" cmpd="sng" algn="ctr">
+                      <a:solidFill>
+                        <a:schemeClr val="tx1"/>
+                      </a:solidFill>
+                      <a:prstDash val="solid"/>
+                      <a:round/>
+                      <a:headEnd type="none" w="med" len="med"/>
+                      <a:tailEnd type="none" w="med" len="med"/>
+                    </a:lnT>
+                    <a:lnB w="12700" cap="flat" cmpd="sng" algn="ctr">
+                      <a:solidFill>
+                        <a:schemeClr val="tx1"/>
+                      </a:solidFill>
+                      <a:prstDash val="solid"/>
+                      <a:round/>
+                      <a:headEnd type="none" w="med" len="med"/>
+                      <a:tailEnd type="none" w="med" len="med"/>
+                    </a:lnB>
+                    <a:lnTlToBr w="12700" cmpd="sng">
+                      <a:noFill/>
+                      <a:prstDash val="solid"/>
+                    </a:lnTlToBr>
+                    <a:lnBlToTr w="12700" cmpd="sng">
+                      <a:noFill/>
+                      <a:prstDash val="solid"/>
+                    </a:lnBlToTr>
+                    <a:noFill/>
+                  </a:tcPr>
+                </a:tc>
+                <a:extLst>
+                  <a:ext uri="{0D108BD9-81ED-4DB2-BD59-A6C34878D82A}">
+                    <a16:rowId xmlns:a16="http://schemas.microsoft.com/office/drawing/2014/main" val="3065422055"/>
+                  </a:ext>
+                </a:extLst>
+              </a:tr>
+              <a:tr h="370840">
+                <a:tc>
+                  <a:txBody>
+                    <a:bodyPr/>
+                    <a:lstStyle/>
+                    <a:p>
+                      <a:pPr latinLnBrk="1"/>
+                      <a:endParaRPr lang="ko-KR" altLang="en-US" b="0" dirty="0">
+                        <a:solidFill>
+                          <a:schemeClr val="tx1"/>
+                        </a:solidFill>
+                      </a:endParaRPr>
+                    </a:p>
+                  </a:txBody>
+                  <a:tcPr>
+                    <a:lnL w="12700" cap="flat" cmpd="sng" algn="ctr">
+                      <a:solidFill>
+                        <a:schemeClr val="tx1"/>
+                      </a:solidFill>
+                      <a:prstDash val="solid"/>
+                      <a:round/>
+                      <a:headEnd type="none" w="med" len="med"/>
+                      <a:tailEnd type="none" w="med" len="med"/>
+                    </a:lnL>
+                    <a:lnR w="12700" cap="flat" cmpd="sng" algn="ctr">
+                      <a:solidFill>
+                        <a:schemeClr val="tx1"/>
+                      </a:solidFill>
+                      <a:prstDash val="solid"/>
+                      <a:round/>
+                      <a:headEnd type="none" w="med" len="med"/>
+                      <a:tailEnd type="none" w="med" len="med"/>
+                    </a:lnR>
+                    <a:lnT w="12700" cap="flat" cmpd="sng" algn="ctr">
+                      <a:solidFill>
+                        <a:schemeClr val="tx1"/>
+                      </a:solidFill>
+                      <a:prstDash val="solid"/>
+                      <a:round/>
+                      <a:headEnd type="none" w="med" len="med"/>
+                      <a:tailEnd type="none" w="med" len="med"/>
+                    </a:lnT>
+                    <a:lnB w="12700" cap="flat" cmpd="sng" algn="ctr">
+                      <a:solidFill>
+                        <a:schemeClr val="tx1"/>
+                      </a:solidFill>
+                      <a:prstDash val="solid"/>
+                      <a:round/>
+                      <a:headEnd type="none" w="med" len="med"/>
+                      <a:tailEnd type="none" w="med" len="med"/>
+                    </a:lnB>
+                    <a:lnTlToBr w="12700" cmpd="sng">
+                      <a:noFill/>
+                      <a:prstDash val="solid"/>
+                    </a:lnTlToBr>
+                    <a:lnBlToTr w="12700" cmpd="sng">
+                      <a:noFill/>
+                      <a:prstDash val="solid"/>
+                    </a:lnBlToTr>
+                    <a:noFill/>
+                  </a:tcPr>
+                </a:tc>
+                <a:extLst>
+                  <a:ext uri="{0D108BD9-81ED-4DB2-BD59-A6C34878D82A}">
+                    <a16:rowId xmlns:a16="http://schemas.microsoft.com/office/drawing/2014/main" val="880177940"/>
+                  </a:ext>
+                </a:extLst>
+              </a:tr>
+              <a:tr h="370840">
+                <a:tc>
+                  <a:txBody>
+                    <a:bodyPr/>
+                    <a:lstStyle/>
+                    <a:p>
+                      <a:pPr latinLnBrk="1"/>
+                      <a:endParaRPr lang="ko-KR" altLang="en-US" b="0" dirty="0">
+                        <a:solidFill>
+                          <a:schemeClr val="tx1"/>
+                        </a:solidFill>
+                      </a:endParaRPr>
+                    </a:p>
+                  </a:txBody>
+                  <a:tcPr>
+                    <a:lnL w="12700" cap="flat" cmpd="sng" algn="ctr">
+                      <a:solidFill>
+                        <a:schemeClr val="tx1"/>
+                      </a:solidFill>
+                      <a:prstDash val="solid"/>
+                      <a:round/>
+                      <a:headEnd type="none" w="med" len="med"/>
+                      <a:tailEnd type="none" w="med" len="med"/>
+                    </a:lnL>
+                    <a:lnR w="12700" cap="flat" cmpd="sng" algn="ctr">
+                      <a:solidFill>
+                        <a:schemeClr val="tx1"/>
+                      </a:solidFill>
+                      <a:prstDash val="solid"/>
+                      <a:round/>
+                      <a:headEnd type="none" w="med" len="med"/>
+                      <a:tailEnd type="none" w="med" len="med"/>
+                    </a:lnR>
+                    <a:lnT w="12700" cap="flat" cmpd="sng" algn="ctr">
+                      <a:solidFill>
+                        <a:schemeClr val="tx1"/>
+                      </a:solidFill>
+                      <a:prstDash val="solid"/>
+                      <a:round/>
+                      <a:headEnd type="none" w="med" len="med"/>
+                      <a:tailEnd type="none" w="med" len="med"/>
+                    </a:lnT>
+                    <a:lnB w="12700" cap="flat" cmpd="sng" algn="ctr">
+                      <a:solidFill>
+                        <a:schemeClr val="tx1"/>
+                      </a:solidFill>
+                      <a:prstDash val="solid"/>
+                      <a:round/>
+                      <a:headEnd type="none" w="med" len="med"/>
+                      <a:tailEnd type="none" w="med" len="med"/>
+                    </a:lnB>
+                    <a:lnTlToBr w="12700" cmpd="sng">
+                      <a:noFill/>
+                      <a:prstDash val="solid"/>
+                    </a:lnTlToBr>
+                    <a:lnBlToTr w="12700" cmpd="sng">
+                      <a:noFill/>
+                      <a:prstDash val="solid"/>
+                    </a:lnBlToTr>
+                    <a:noFill/>
+                  </a:tcPr>
+                </a:tc>
+                <a:extLst>
+                  <a:ext uri="{0D108BD9-81ED-4DB2-BD59-A6C34878D82A}">
+                    <a16:rowId xmlns:a16="http://schemas.microsoft.com/office/drawing/2014/main" val="2729854979"/>
+                  </a:ext>
+                </a:extLst>
+              </a:tr>
+            </a:tbl>
+          </a:graphicData>
+        </a:graphic>
+      </p:graphicFrame>
+      <p:sp>
+        <p:nvSpPr>
+          <p:cNvPr id="7" name="제목 1">
+            <a:extLst>
+              <a:ext uri="{FF2B5EF4-FFF2-40B4-BE49-F238E27FC236}">
+                <a16:creationId xmlns:a16="http://schemas.microsoft.com/office/drawing/2014/main" id="{34030390-7ADB-4EFB-89E5-CFAD30D842F0}"/>
+              </a:ext>
+            </a:extLst>
+          </p:cNvPr>
+          <p:cNvSpPr txBox="1">
+            <a:spLocks/>
+          </p:cNvSpPr>
+          <p:nvPr/>
+        </p:nvSpPr>
+        <p:spPr>
+          <a:xfrm>
+            <a:off x="695325" y="292100"/>
+            <a:ext cx="10801350" cy="861695"/>
+          </a:xfrm>
+          <a:prstGeom prst="rect">
+            <a:avLst/>
+          </a:prstGeom>
+        </p:spPr>
+        <p:txBody>
+          <a:bodyPr vert="horz" lIns="91440" tIns="45720" rIns="91440" bIns="45720" rtlCol="0" anchor="ctr">
+            <a:normAutofit/>
+          </a:bodyPr>
+          <a:lstStyle>
+            <a:lvl1pPr algn="l" defTabSz="914400" rtl="0" eaLnBrk="1" latinLnBrk="1" hangingPunct="1">
+              <a:lnSpc>
+                <a:spcPct val="90000"/>
+              </a:lnSpc>
+              <a:spcBef>
+                <a:spcPct val="0"/>
+              </a:spcBef>
+              <a:buNone/>
+              <a:defRPr sz="4400" kern="1200">
+                <a:solidFill>
+                  <a:schemeClr val="tx1"/>
+                </a:solidFill>
+                <a:latin typeface="+mj-lt"/>
+                <a:ea typeface="+mj-ea"/>
+                <a:cs typeface="+mj-cs"/>
+              </a:defRPr>
+            </a:lvl1pPr>
+          </a:lstStyle>
+          <a:p>
+            <a:r>
+              <a:rPr lang="ko-KR" altLang="en-US" dirty="0"/>
+              <a:t>목차</a:t>
+            </a:r>
+          </a:p>
+        </p:txBody>
+      </p:sp>
+    </p:spTree>
+    <p:extLst>
+      <p:ext uri="{BB962C8B-B14F-4D97-AF65-F5344CB8AC3E}">
+        <p14:creationId xmlns:p14="http://schemas.microsoft.com/office/powerpoint/2010/main" val="156025747"/>
+      </p:ext>
+    </p:extLst>
+  </p:cSld>
+  <p:clrMapOvr>
+    <a:masterClrMapping/>
+  </p:clrMapOvr>
+</p:sld>
+</file>
+
+<file path=ppt/slides/slide20.xml><?xml version="1.0" encoding="utf-8"?>
+<p:sld xmlns:a="http://schemas.openxmlformats.org/drawingml/2006/main" xmlns:r="http://schemas.openxmlformats.org/officeDocument/2006/relationships" xmlns:p="http://schemas.openxmlformats.org/presentationml/2006/main">
+  <p:cSld>
+    <p:spTree>
+      <p:nvGrpSpPr>
+        <p:cNvPr id="1" name=""/>
+        <p:cNvGrpSpPr/>
+        <p:nvPr/>
+      </p:nvGrpSpPr>
+      <p:grpSpPr>
+        <a:xfrm>
+          <a:off x="0" y="0"/>
+          <a:ext cx="0" cy="0"/>
+          <a:chOff x="0" y="0"/>
+          <a:chExt cx="0" cy="0"/>
+        </a:xfrm>
+      </p:grpSpPr>
+      <p:graphicFrame>
+        <p:nvGraphicFramePr>
+          <p:cNvPr id="41" name="표 10">
+            <a:extLst>
+              <a:ext uri="{FF2B5EF4-FFF2-40B4-BE49-F238E27FC236}">
+                <a16:creationId xmlns:a16="http://schemas.microsoft.com/office/drawing/2014/main" id="{F31AD762-52DA-43F2-A225-BE1C55A1A36F}"/>
+              </a:ext>
+            </a:extLst>
+          </p:cNvPr>
+          <p:cNvGraphicFramePr>
+            <a:graphicFrameLocks noGrp="1"/>
+          </p:cNvGraphicFramePr>
+          <p:nvPr>
+            <p:extLst>
+              <p:ext uri="{D42A27DB-BD31-4B8C-83A1-F6EECF244321}">
+                <p14:modId xmlns:p14="http://schemas.microsoft.com/office/powerpoint/2010/main" val="3089625779"/>
+              </p:ext>
+            </p:extLst>
+          </p:nvPr>
+        </p:nvGraphicFramePr>
+        <p:xfrm>
+          <a:off x="2907823" y="3858677"/>
+          <a:ext cx="6376354" cy="1219200"/>
+        </p:xfrm>
+        <a:graphic>
+          <a:graphicData uri="http://schemas.openxmlformats.org/drawingml/2006/table">
+            <a:tbl>
+              <a:tblPr firstRow="1" bandRow="1">
+                <a:tableStyleId>{5C22544A-7EE6-4342-B048-85BDC9FD1C3A}</a:tableStyleId>
+              </a:tblPr>
+              <a:tblGrid>
+                <a:gridCol w="343218">
+                  <a:extLst>
+                    <a:ext uri="{9D8B030D-6E8A-4147-A177-3AD203B41FA5}">
+                      <a16:colId xmlns:a16="http://schemas.microsoft.com/office/drawing/2014/main" val="3617794751"/>
+                    </a:ext>
+                  </a:extLst>
+                </a:gridCol>
+                <a:gridCol w="1435418">
+                  <a:extLst>
+                    <a:ext uri="{9D8B030D-6E8A-4147-A177-3AD203B41FA5}">
+                      <a16:colId xmlns:a16="http://schemas.microsoft.com/office/drawing/2014/main" val="1712823105"/>
+                    </a:ext>
+                  </a:extLst>
+                </a:gridCol>
+                <a:gridCol w="4597718">
+                  <a:extLst>
+                    <a:ext uri="{9D8B030D-6E8A-4147-A177-3AD203B41FA5}">
+                      <a16:colId xmlns:a16="http://schemas.microsoft.com/office/drawing/2014/main" val="3121719190"/>
+                    </a:ext>
+                  </a:extLst>
+                </a:gridCol>
+              </a:tblGrid>
+              <a:tr h="0">
+                <a:tc>
+                  <a:txBody>
+                    <a:bodyPr/>
+                    <a:lstStyle/>
+                    <a:p>
+                      <a:pPr latinLnBrk="1"/>
+                      <a:r>
+                        <a:rPr lang="en-US" altLang="ko-KR" sz="1400" b="0" dirty="0">
+                          <a:solidFill>
+                            <a:schemeClr val="tx1"/>
+                          </a:solidFill>
+                        </a:rPr>
+                        <a:t>1</a:t>
+                      </a:r>
+                      <a:endParaRPr lang="ko-KR" altLang="en-US" sz="1400" b="0" dirty="0">
+                        <a:solidFill>
+                          <a:schemeClr val="tx1"/>
+                        </a:solidFill>
+                      </a:endParaRPr>
+                    </a:p>
+                  </a:txBody>
+                  <a:tcPr>
+                    <a:lnL w="12700" cmpd="sng">
+                      <a:noFill/>
+                    </a:lnL>
+                    <a:lnR w="12700" cap="flat" cmpd="sng" algn="ctr">
+                      <a:solidFill>
+                        <a:schemeClr val="tx1"/>
+                      </a:solidFill>
+                      <a:prstDash val="solid"/>
+                      <a:round/>
+                      <a:headEnd type="none" w="med" len="med"/>
+                      <a:tailEnd type="none" w="med" len="med"/>
+                    </a:lnR>
+                    <a:lnT w="12700" cap="flat" cmpd="sng" algn="ctr">
+                      <a:noFill/>
+                      <a:prstDash val="solid"/>
+                      <a:round/>
+                      <a:headEnd type="none" w="med" len="med"/>
+                      <a:tailEnd type="none" w="med" len="med"/>
+                    </a:lnT>
+                    <a:lnB w="12700" cap="flat" cmpd="sng" algn="ctr">
+                      <a:solidFill>
+                        <a:schemeClr val="tx1"/>
+                      </a:solidFill>
+                      <a:prstDash val="solid"/>
+                      <a:round/>
+                      <a:headEnd type="none" w="med" len="med"/>
+                      <a:tailEnd type="none" w="med" len="med"/>
+                    </a:lnB>
+                    <a:lnTlToBr w="12700" cmpd="sng">
+                      <a:noFill/>
+                      <a:prstDash val="solid"/>
+                    </a:lnTlToBr>
+                    <a:lnBlToTr w="12700" cmpd="sng">
+                      <a:noFill/>
+                      <a:prstDash val="solid"/>
+                    </a:lnBlToTr>
+                    <a:noFill/>
+                  </a:tcPr>
+                </a:tc>
+                <a:tc>
+                  <a:txBody>
+                    <a:bodyPr/>
+                    <a:lstStyle/>
+                    <a:p>
+                      <a:pPr latinLnBrk="1"/>
+                      <a:r>
+                        <a:rPr lang="ko-KR" altLang="en-US" sz="1400" b="0" dirty="0">
+                          <a:solidFill>
+                            <a:schemeClr val="tx1"/>
+                          </a:solidFill>
+                        </a:rPr>
+                        <a:t>퀘스트 포기 창</a:t>
+                      </a:r>
+                    </a:p>
+                  </a:txBody>
+                  <a:tcPr>
+                    <a:lnL w="12700" cap="flat" cmpd="sng" algn="ctr">
+                      <a:solidFill>
+                        <a:schemeClr val="tx1"/>
+                      </a:solidFill>
+                      <a:prstDash val="solid"/>
+                      <a:round/>
+                      <a:headEnd type="none" w="med" len="med"/>
+                      <a:tailEnd type="none" w="med" len="med"/>
+                    </a:lnL>
+                    <a:lnR w="12700" cap="flat" cmpd="sng" algn="ctr">
+                      <a:solidFill>
+                        <a:schemeClr val="tx1"/>
+                      </a:solidFill>
+                      <a:prstDash val="solid"/>
+                      <a:round/>
+                      <a:headEnd type="none" w="med" len="med"/>
+                      <a:tailEnd type="none" w="med" len="med"/>
+                    </a:lnR>
+                    <a:lnT w="12700" cap="flat" cmpd="sng" algn="ctr">
+                      <a:noFill/>
+                      <a:prstDash val="solid"/>
+                      <a:round/>
+                      <a:headEnd type="none" w="med" len="med"/>
+                      <a:tailEnd type="none" w="med" len="med"/>
+                    </a:lnT>
+                    <a:lnB w="12700" cap="flat" cmpd="sng" algn="ctr">
+                      <a:solidFill>
+                        <a:schemeClr val="tx1"/>
+                      </a:solidFill>
+                      <a:prstDash val="solid"/>
+                      <a:round/>
+                      <a:headEnd type="none" w="med" len="med"/>
+                      <a:tailEnd type="none" w="med" len="med"/>
+                    </a:lnB>
+                    <a:lnTlToBr w="12700" cmpd="sng">
+                      <a:noFill/>
+                      <a:prstDash val="solid"/>
+                    </a:lnTlToBr>
+                    <a:lnBlToTr w="12700" cmpd="sng">
+                      <a:noFill/>
+                      <a:prstDash val="solid"/>
+                    </a:lnBlToTr>
+                    <a:noFill/>
+                  </a:tcPr>
+                </a:tc>
+                <a:tc>
+                  <a:txBody>
+                    <a:bodyPr/>
+                    <a:lstStyle/>
+                    <a:p>
+                      <a:pPr latinLnBrk="1"/>
+                      <a:r>
+                        <a:rPr lang="ko-KR" altLang="en-US" sz="1400" b="0" dirty="0">
+                          <a:solidFill>
+                            <a:schemeClr val="tx1"/>
+                          </a:solidFill>
+                        </a:rPr>
+                        <a:t>퀘스트 포기 시 팝업 되는 창</a:t>
+                      </a:r>
+                    </a:p>
+                  </a:txBody>
+                  <a:tcPr>
+                    <a:lnL w="12700" cap="flat" cmpd="sng" algn="ctr">
+                      <a:solidFill>
+                        <a:schemeClr val="tx1"/>
+                      </a:solidFill>
+                      <a:prstDash val="solid"/>
+                      <a:round/>
+                      <a:headEnd type="none" w="med" len="med"/>
+                      <a:tailEnd type="none" w="med" len="med"/>
+                    </a:lnL>
+                    <a:lnR w="12700" cmpd="sng">
+                      <a:noFill/>
+                    </a:lnR>
+                    <a:lnT w="12700" cap="flat" cmpd="sng" algn="ctr">
+                      <a:noFill/>
+                      <a:prstDash val="solid"/>
+                      <a:round/>
+                      <a:headEnd type="none" w="med" len="med"/>
+                      <a:tailEnd type="none" w="med" len="med"/>
+                    </a:lnT>
+                    <a:lnB w="12700" cap="flat" cmpd="sng" algn="ctr">
+                      <a:solidFill>
+                        <a:schemeClr val="tx1"/>
+                      </a:solidFill>
+                      <a:prstDash val="solid"/>
+                      <a:round/>
+                      <a:headEnd type="none" w="med" len="med"/>
+                      <a:tailEnd type="none" w="med" len="med"/>
+                    </a:lnB>
+                    <a:lnTlToBr w="12700" cmpd="sng">
+                      <a:noFill/>
+                      <a:prstDash val="solid"/>
+                    </a:lnTlToBr>
+                    <a:lnBlToTr w="12700" cmpd="sng">
+                      <a:noFill/>
+                      <a:prstDash val="solid"/>
+                    </a:lnBlToTr>
+                    <a:noFill/>
+                  </a:tcPr>
+                </a:tc>
+                <a:extLst>
+                  <a:ext uri="{0D108BD9-81ED-4DB2-BD59-A6C34878D82A}">
+                    <a16:rowId xmlns:a16="http://schemas.microsoft.com/office/drawing/2014/main" val="1079573317"/>
+                  </a:ext>
+                </a:extLst>
+              </a:tr>
+              <a:tr h="0">
+                <a:tc>
+                  <a:txBody>
+                    <a:bodyPr/>
+                    <a:lstStyle/>
+                    <a:p>
+                      <a:pPr latinLnBrk="1"/>
+                      <a:r>
+                        <a:rPr lang="en-US" altLang="ko-KR" sz="1400" b="0" dirty="0">
+                          <a:solidFill>
+                            <a:schemeClr val="tx1"/>
+                          </a:solidFill>
+                        </a:rPr>
+                        <a:t>2</a:t>
+                      </a:r>
+                      <a:endParaRPr lang="ko-KR" altLang="en-US" sz="1400" b="0" dirty="0">
+                        <a:solidFill>
+                          <a:schemeClr val="tx1"/>
+                        </a:solidFill>
+                      </a:endParaRPr>
+                    </a:p>
+                  </a:txBody>
+                  <a:tcPr>
+                    <a:lnL w="12700" cmpd="sng">
+                      <a:noFill/>
+                    </a:lnL>
+                    <a:lnR w="12700" cap="flat" cmpd="sng" algn="ctr">
+                      <a:solidFill>
+                        <a:schemeClr val="tx1"/>
+                      </a:solidFill>
+                      <a:prstDash val="solid"/>
+                      <a:round/>
+                      <a:headEnd type="none" w="med" len="med"/>
+                      <a:tailEnd type="none" w="med" len="med"/>
+                    </a:lnR>
+                    <a:lnT w="12700" cap="flat" cmpd="sng" algn="ctr">
+                      <a:solidFill>
+                        <a:schemeClr val="tx1"/>
+                      </a:solidFill>
+                      <a:prstDash val="solid"/>
+                      <a:round/>
+                      <a:headEnd type="none" w="med" len="med"/>
+                      <a:tailEnd type="none" w="med" len="med"/>
+                    </a:lnT>
+                    <a:lnB w="12700" cap="flat" cmpd="sng" algn="ctr">
+                      <a:solidFill>
+                        <a:schemeClr val="tx1"/>
+                      </a:solidFill>
+                      <a:prstDash val="solid"/>
+                      <a:round/>
+                      <a:headEnd type="none" w="med" len="med"/>
+                      <a:tailEnd type="none" w="med" len="med"/>
+                    </a:lnB>
+                    <a:lnTlToBr w="12700" cmpd="sng">
+                      <a:noFill/>
+                      <a:prstDash val="solid"/>
+                    </a:lnTlToBr>
+                    <a:lnBlToTr w="12700" cmpd="sng">
+                      <a:noFill/>
+                      <a:prstDash val="solid"/>
+                    </a:lnBlToTr>
+                    <a:noFill/>
+                  </a:tcPr>
+                </a:tc>
+                <a:tc>
+                  <a:txBody>
+                    <a:bodyPr/>
+                    <a:lstStyle/>
+                    <a:p>
+                      <a:pPr latinLnBrk="1"/>
+                      <a:r>
+                        <a:rPr lang="ko-KR" altLang="en-US" sz="1400" b="0" dirty="0">
+                          <a:solidFill>
+                            <a:schemeClr val="tx1"/>
+                          </a:solidFill>
+                        </a:rPr>
+                        <a:t>퀘스트 명</a:t>
+                      </a:r>
+                    </a:p>
+                  </a:txBody>
+                  <a:tcPr>
+                    <a:lnL w="12700" cap="flat" cmpd="sng" algn="ctr">
+                      <a:solidFill>
+                        <a:schemeClr val="tx1"/>
+                      </a:solidFill>
+                      <a:prstDash val="solid"/>
+                      <a:round/>
+                      <a:headEnd type="none" w="med" len="med"/>
+                      <a:tailEnd type="none" w="med" len="med"/>
+                    </a:lnL>
+                    <a:lnR w="12700" cap="flat" cmpd="sng" algn="ctr">
+                      <a:solidFill>
+                        <a:schemeClr val="tx1"/>
+                      </a:solidFill>
+                      <a:prstDash val="solid"/>
+                      <a:round/>
+                      <a:headEnd type="none" w="med" len="med"/>
+                      <a:tailEnd type="none" w="med" len="med"/>
+                    </a:lnR>
+                    <a:lnT w="12700" cap="flat" cmpd="sng" algn="ctr">
+                      <a:solidFill>
+                        <a:schemeClr val="tx1"/>
+                      </a:solidFill>
+                      <a:prstDash val="solid"/>
+                      <a:round/>
+                      <a:headEnd type="none" w="med" len="med"/>
+                      <a:tailEnd type="none" w="med" len="med"/>
+                    </a:lnT>
+                    <a:lnB w="12700" cap="flat" cmpd="sng" algn="ctr">
+                      <a:solidFill>
+                        <a:schemeClr val="tx1"/>
+                      </a:solidFill>
+                      <a:prstDash val="solid"/>
+                      <a:round/>
+                      <a:headEnd type="none" w="med" len="med"/>
+                      <a:tailEnd type="none" w="med" len="med"/>
+                    </a:lnB>
+                    <a:lnTlToBr w="12700" cmpd="sng">
+                      <a:noFill/>
+                      <a:prstDash val="solid"/>
+                    </a:lnTlToBr>
+                    <a:lnBlToTr w="12700" cmpd="sng">
+                      <a:noFill/>
+                      <a:prstDash val="solid"/>
+                    </a:lnBlToTr>
+                    <a:noFill/>
+                  </a:tcPr>
+                </a:tc>
+                <a:tc>
+                  <a:txBody>
+                    <a:bodyPr/>
+                    <a:lstStyle/>
+                    <a:p>
+                      <a:pPr latinLnBrk="1"/>
+                      <a:r>
+                        <a:rPr lang="ko-KR" altLang="en-US" sz="1400" b="0" dirty="0">
+                          <a:solidFill>
+                            <a:schemeClr val="tx1"/>
+                          </a:solidFill>
+                        </a:rPr>
+                        <a:t>포기 하는 퀘스트 이름</a:t>
+                      </a:r>
+                    </a:p>
+                  </a:txBody>
+                  <a:tcPr>
+                    <a:lnL w="12700" cap="flat" cmpd="sng" algn="ctr">
+                      <a:solidFill>
+                        <a:schemeClr val="tx1"/>
+                      </a:solidFill>
+                      <a:prstDash val="solid"/>
+                      <a:round/>
+                      <a:headEnd type="none" w="med" len="med"/>
+                      <a:tailEnd type="none" w="med" len="med"/>
+                    </a:lnL>
+                    <a:lnR w="12700" cmpd="sng">
+                      <a:noFill/>
+                    </a:lnR>
+                    <a:lnT w="12700" cap="flat" cmpd="sng" algn="ctr">
+                      <a:solidFill>
+                        <a:schemeClr val="tx1"/>
+                      </a:solidFill>
+                      <a:prstDash val="solid"/>
+                      <a:round/>
+                      <a:headEnd type="none" w="med" len="med"/>
+                      <a:tailEnd type="none" w="med" len="med"/>
+                    </a:lnT>
+                    <a:lnB w="12700" cap="flat" cmpd="sng" algn="ctr">
+                      <a:solidFill>
+                        <a:schemeClr val="tx1"/>
+                      </a:solidFill>
+                      <a:prstDash val="solid"/>
+                      <a:round/>
+                      <a:headEnd type="none" w="med" len="med"/>
+                      <a:tailEnd type="none" w="med" len="med"/>
+                    </a:lnB>
+                    <a:lnTlToBr w="12700" cmpd="sng">
+                      <a:noFill/>
+                      <a:prstDash val="solid"/>
+                    </a:lnTlToBr>
+                    <a:lnBlToTr w="12700" cmpd="sng">
+                      <a:noFill/>
+                      <a:prstDash val="solid"/>
+                    </a:lnBlToTr>
+                    <a:noFill/>
+                  </a:tcPr>
+                </a:tc>
+                <a:extLst>
+                  <a:ext uri="{0D108BD9-81ED-4DB2-BD59-A6C34878D82A}">
+                    <a16:rowId xmlns:a16="http://schemas.microsoft.com/office/drawing/2014/main" val="3394450114"/>
+                  </a:ext>
+                </a:extLst>
+              </a:tr>
+              <a:tr h="0">
+                <a:tc>
+                  <a:txBody>
+                    <a:bodyPr/>
+                    <a:lstStyle/>
+                    <a:p>
+                      <a:pPr latinLnBrk="1"/>
+                      <a:r>
+                        <a:rPr lang="en-US" altLang="ko-KR" sz="1400" b="0" dirty="0">
+                          <a:solidFill>
+                            <a:schemeClr val="tx1"/>
+                          </a:solidFill>
+                        </a:rPr>
+                        <a:t>3</a:t>
+                      </a:r>
+                      <a:endParaRPr lang="ko-KR" altLang="en-US" sz="1400" b="0" dirty="0">
+                        <a:solidFill>
+                          <a:schemeClr val="tx1"/>
+                        </a:solidFill>
+                      </a:endParaRPr>
+                    </a:p>
+                  </a:txBody>
+                  <a:tcPr>
+                    <a:lnL w="12700" cmpd="sng">
+                      <a:noFill/>
+                    </a:lnL>
+                    <a:lnR w="12700" cap="flat" cmpd="sng" algn="ctr">
+                      <a:solidFill>
+                        <a:schemeClr val="tx1"/>
+                      </a:solidFill>
+                      <a:prstDash val="solid"/>
+                      <a:round/>
+                      <a:headEnd type="none" w="med" len="med"/>
+                      <a:tailEnd type="none" w="med" len="med"/>
+                    </a:lnR>
+                    <a:lnT w="12700" cap="flat" cmpd="sng" algn="ctr">
+                      <a:solidFill>
+                        <a:schemeClr val="tx1"/>
+                      </a:solidFill>
+                      <a:prstDash val="solid"/>
+                      <a:round/>
+                      <a:headEnd type="none" w="med" len="med"/>
+                      <a:tailEnd type="none" w="med" len="med"/>
+                    </a:lnT>
+                    <a:lnB w="12700" cap="flat" cmpd="sng" algn="ctr">
+                      <a:solidFill>
+                        <a:schemeClr val="tx1"/>
+                      </a:solidFill>
+                      <a:prstDash val="solid"/>
+                      <a:round/>
+                      <a:headEnd type="none" w="med" len="med"/>
+                      <a:tailEnd type="none" w="med" len="med"/>
+                    </a:lnB>
+                    <a:lnTlToBr w="12700" cmpd="sng">
+                      <a:noFill/>
+                      <a:prstDash val="solid"/>
+                    </a:lnTlToBr>
+                    <a:lnBlToTr w="12700" cmpd="sng">
+                      <a:noFill/>
+                      <a:prstDash val="solid"/>
+                    </a:lnBlToTr>
+                    <a:noFill/>
+                  </a:tcPr>
+                </a:tc>
+                <a:tc>
+                  <a:txBody>
+                    <a:bodyPr/>
+                    <a:lstStyle/>
+                    <a:p>
+                      <a:pPr latinLnBrk="1"/>
+                      <a:r>
+                        <a:rPr lang="ko-KR" altLang="en-US" sz="1400" b="0" dirty="0">
+                          <a:solidFill>
+                            <a:schemeClr val="tx1"/>
+                          </a:solidFill>
+                        </a:rPr>
+                        <a:t>포기</a:t>
+                      </a:r>
+                      <a:r>
+                        <a:rPr lang="en-US" altLang="ko-KR" sz="1400" b="0" dirty="0">
+                          <a:solidFill>
+                            <a:schemeClr val="tx1"/>
+                          </a:solidFill>
+                        </a:rPr>
+                        <a:t>/</a:t>
+                      </a:r>
+                      <a:r>
+                        <a:rPr lang="ko-KR" altLang="en-US" sz="1400" b="0" dirty="0">
+                          <a:solidFill>
+                            <a:schemeClr val="tx1"/>
+                          </a:solidFill>
+                        </a:rPr>
+                        <a:t>닫기</a:t>
+                      </a:r>
+                    </a:p>
+                  </a:txBody>
+                  <a:tcPr>
+                    <a:lnL w="12700" cap="flat" cmpd="sng" algn="ctr">
+                      <a:solidFill>
+                        <a:schemeClr val="tx1"/>
+                      </a:solidFill>
+                      <a:prstDash val="solid"/>
+                      <a:round/>
+                      <a:headEnd type="none" w="med" len="med"/>
+                      <a:tailEnd type="none" w="med" len="med"/>
+                    </a:lnL>
+                    <a:lnR w="12700" cap="flat" cmpd="sng" algn="ctr">
+                      <a:solidFill>
+                        <a:schemeClr val="tx1"/>
+                      </a:solidFill>
+                      <a:prstDash val="solid"/>
+                      <a:round/>
+                      <a:headEnd type="none" w="med" len="med"/>
+                      <a:tailEnd type="none" w="med" len="med"/>
+                    </a:lnR>
+                    <a:lnT w="12700" cap="flat" cmpd="sng" algn="ctr">
+                      <a:solidFill>
+                        <a:schemeClr val="tx1"/>
+                      </a:solidFill>
+                      <a:prstDash val="solid"/>
+                      <a:round/>
+                      <a:headEnd type="none" w="med" len="med"/>
+                      <a:tailEnd type="none" w="med" len="med"/>
+                    </a:lnT>
+                    <a:lnB w="12700" cap="flat" cmpd="sng" algn="ctr">
+                      <a:solidFill>
+                        <a:schemeClr val="tx1"/>
+                      </a:solidFill>
+                      <a:prstDash val="solid"/>
+                      <a:round/>
+                      <a:headEnd type="none" w="med" len="med"/>
+                      <a:tailEnd type="none" w="med" len="med"/>
+                    </a:lnB>
+                    <a:lnTlToBr w="12700" cmpd="sng">
+                      <a:noFill/>
+                      <a:prstDash val="solid"/>
+                    </a:lnTlToBr>
+                    <a:lnBlToTr w="12700" cmpd="sng">
+                      <a:noFill/>
+                      <a:prstDash val="solid"/>
+                    </a:lnBlToTr>
+                    <a:noFill/>
+                  </a:tcPr>
+                </a:tc>
+                <a:tc>
+                  <a:txBody>
+                    <a:bodyPr/>
+                    <a:lstStyle/>
+                    <a:p>
+                      <a:pPr latinLnBrk="1"/>
+                      <a:r>
+                        <a:rPr lang="ko-KR" altLang="en-US" sz="1400" b="0" dirty="0">
+                          <a:solidFill>
+                            <a:schemeClr val="tx1"/>
+                          </a:solidFill>
+                        </a:rPr>
+                        <a:t>포기</a:t>
+                      </a:r>
+                      <a:r>
+                        <a:rPr lang="en-US" altLang="ko-KR" sz="1400" b="0" dirty="0">
+                          <a:solidFill>
+                            <a:schemeClr val="tx1"/>
+                          </a:solidFill>
+                        </a:rPr>
+                        <a:t>/</a:t>
+                      </a:r>
+                      <a:r>
+                        <a:rPr lang="ko-KR" altLang="en-US" sz="1400" b="0" dirty="0">
+                          <a:solidFill>
+                            <a:schemeClr val="tx1"/>
+                          </a:solidFill>
+                        </a:rPr>
+                        <a:t>취소 버튼 좌클릭으로 선택 가능하다</a:t>
+                      </a:r>
+                      <a:r>
+                        <a:rPr lang="en-US" altLang="ko-KR" sz="1400" b="0" dirty="0">
+                          <a:solidFill>
+                            <a:schemeClr val="tx1"/>
+                          </a:solidFill>
+                        </a:rPr>
+                        <a:t>.</a:t>
+                      </a:r>
+                      <a:endParaRPr lang="ko-KR" altLang="en-US" sz="1400" b="0" dirty="0">
+                        <a:solidFill>
+                          <a:schemeClr val="tx1"/>
+                        </a:solidFill>
+                      </a:endParaRPr>
+                    </a:p>
+                  </a:txBody>
+                  <a:tcPr>
+                    <a:lnL w="12700" cap="flat" cmpd="sng" algn="ctr">
+                      <a:solidFill>
+                        <a:schemeClr val="tx1"/>
+                      </a:solidFill>
+                      <a:prstDash val="solid"/>
+                      <a:round/>
+                      <a:headEnd type="none" w="med" len="med"/>
+                      <a:tailEnd type="none" w="med" len="med"/>
+                    </a:lnL>
+                    <a:lnR w="12700" cmpd="sng">
+                      <a:noFill/>
+                    </a:lnR>
+                    <a:lnT w="12700" cap="flat" cmpd="sng" algn="ctr">
+                      <a:solidFill>
+                        <a:schemeClr val="tx1"/>
+                      </a:solidFill>
+                      <a:prstDash val="solid"/>
+                      <a:round/>
+                      <a:headEnd type="none" w="med" len="med"/>
+                      <a:tailEnd type="none" w="med" len="med"/>
+                    </a:lnT>
+                    <a:lnB w="12700" cap="flat" cmpd="sng" algn="ctr">
+                      <a:solidFill>
+                        <a:schemeClr val="tx1"/>
+                      </a:solidFill>
+                      <a:prstDash val="solid"/>
+                      <a:round/>
+                      <a:headEnd type="none" w="med" len="med"/>
+                      <a:tailEnd type="none" w="med" len="med"/>
+                    </a:lnB>
+                    <a:lnTlToBr w="12700" cmpd="sng">
+                      <a:noFill/>
+                      <a:prstDash val="solid"/>
+                    </a:lnTlToBr>
+                    <a:lnBlToTr w="12700" cmpd="sng">
+                      <a:noFill/>
+                      <a:prstDash val="solid"/>
+                    </a:lnBlToTr>
+                    <a:noFill/>
+                  </a:tcPr>
+                </a:tc>
+                <a:extLst>
+                  <a:ext uri="{0D108BD9-81ED-4DB2-BD59-A6C34878D82A}">
+                    <a16:rowId xmlns:a16="http://schemas.microsoft.com/office/drawing/2014/main" val="3240427129"/>
+                  </a:ext>
+                </a:extLst>
+              </a:tr>
+              <a:tr h="0">
+                <a:tc>
+                  <a:txBody>
+                    <a:bodyPr/>
+                    <a:lstStyle/>
+                    <a:p>
+                      <a:pPr latinLnBrk="1"/>
+                      <a:r>
+                        <a:rPr lang="en-US" altLang="ko-KR" sz="1400" b="0" dirty="0">
+                          <a:solidFill>
+                            <a:schemeClr val="tx1"/>
+                          </a:solidFill>
+                        </a:rPr>
+                        <a:t>4</a:t>
+                      </a:r>
+                      <a:endParaRPr lang="ko-KR" altLang="en-US" sz="1400" b="0" dirty="0">
+                        <a:solidFill>
+                          <a:schemeClr val="tx1"/>
+                        </a:solidFill>
+                      </a:endParaRPr>
+                    </a:p>
+                  </a:txBody>
+                  <a:tcPr>
+                    <a:lnL w="12700" cmpd="sng">
+                      <a:noFill/>
+                    </a:lnL>
+                    <a:lnR w="12700" cap="flat" cmpd="sng" algn="ctr">
+                      <a:solidFill>
+                        <a:schemeClr val="tx1"/>
+                      </a:solidFill>
+                      <a:prstDash val="solid"/>
+                      <a:round/>
+                      <a:headEnd type="none" w="med" len="med"/>
+                      <a:tailEnd type="none" w="med" len="med"/>
+                    </a:lnR>
+                    <a:lnT w="12700" cap="flat" cmpd="sng" algn="ctr">
+                      <a:solidFill>
+                        <a:schemeClr val="tx1"/>
+                      </a:solidFill>
+                      <a:prstDash val="solid"/>
+                      <a:round/>
+                      <a:headEnd type="none" w="med" len="med"/>
+                      <a:tailEnd type="none" w="med" len="med"/>
+                    </a:lnT>
+                    <a:lnB w="12700" cap="flat" cmpd="sng" algn="ctr">
+                      <a:noFill/>
+                      <a:prstDash val="solid"/>
+                      <a:round/>
+                      <a:headEnd type="none" w="med" len="med"/>
+                      <a:tailEnd type="none" w="med" len="med"/>
+                    </a:lnB>
+                    <a:lnTlToBr w="12700" cmpd="sng">
+                      <a:noFill/>
+                      <a:prstDash val="solid"/>
+                    </a:lnTlToBr>
+                    <a:lnBlToTr w="12700" cmpd="sng">
+                      <a:noFill/>
+                      <a:prstDash val="solid"/>
+                    </a:lnBlToTr>
+                    <a:noFill/>
+                  </a:tcPr>
+                </a:tc>
+                <a:tc>
+                  <a:txBody>
+                    <a:bodyPr/>
+                    <a:lstStyle/>
+                    <a:p>
+                      <a:pPr latinLnBrk="1"/>
+                      <a:r>
+                        <a:rPr lang="ko-KR" altLang="en-US" sz="1400" b="0" dirty="0">
+                          <a:solidFill>
+                            <a:schemeClr val="tx1"/>
+                          </a:solidFill>
+                        </a:rPr>
+                        <a:t>재확인 창</a:t>
+                      </a:r>
+                    </a:p>
+                  </a:txBody>
+                  <a:tcPr>
+                    <a:lnL w="12700" cap="flat" cmpd="sng" algn="ctr">
+                      <a:solidFill>
+                        <a:schemeClr val="tx1"/>
+                      </a:solidFill>
+                      <a:prstDash val="solid"/>
+                      <a:round/>
+                      <a:headEnd type="none" w="med" len="med"/>
+                      <a:tailEnd type="none" w="med" len="med"/>
+                    </a:lnL>
+                    <a:lnR w="12700" cap="flat" cmpd="sng" algn="ctr">
+                      <a:solidFill>
+                        <a:schemeClr val="tx1"/>
+                      </a:solidFill>
+                      <a:prstDash val="solid"/>
+                      <a:round/>
+                      <a:headEnd type="none" w="med" len="med"/>
+                      <a:tailEnd type="none" w="med" len="med"/>
+                    </a:lnR>
+                    <a:lnT w="12700" cap="flat" cmpd="sng" algn="ctr">
+                      <a:solidFill>
+                        <a:schemeClr val="tx1"/>
+                      </a:solidFill>
+                      <a:prstDash val="solid"/>
+                      <a:round/>
+                      <a:headEnd type="none" w="med" len="med"/>
+                      <a:tailEnd type="none" w="med" len="med"/>
+                    </a:lnT>
+                    <a:lnB w="12700" cap="flat" cmpd="sng" algn="ctr">
+                      <a:noFill/>
+                      <a:prstDash val="solid"/>
+                      <a:round/>
+                      <a:headEnd type="none" w="med" len="med"/>
+                      <a:tailEnd type="none" w="med" len="med"/>
+                    </a:lnB>
+                    <a:lnTlToBr w="12700" cmpd="sng">
+                      <a:noFill/>
+                      <a:prstDash val="solid"/>
+                    </a:lnTlToBr>
+                    <a:lnBlToTr w="12700" cmpd="sng">
+                      <a:noFill/>
+                      <a:prstDash val="solid"/>
+                    </a:lnBlToTr>
+                    <a:noFill/>
+                  </a:tcPr>
+                </a:tc>
+                <a:tc>
+                  <a:txBody>
+                    <a:bodyPr/>
+                    <a:lstStyle/>
+                    <a:p>
+                      <a:pPr latinLnBrk="1"/>
+                      <a:r>
+                        <a:rPr lang="ko-KR" altLang="en-US" sz="1400" b="0" dirty="0">
+                          <a:solidFill>
+                            <a:schemeClr val="tx1"/>
+                          </a:solidFill>
+                        </a:rPr>
+                        <a:t>포기 시 소멸 하는 퀘스트 포기 시 팝업 되는 재확인 창</a:t>
+                      </a:r>
+                    </a:p>
+                  </a:txBody>
+                  <a:tcPr>
+                    <a:lnL w="12700" cap="flat" cmpd="sng" algn="ctr">
+                      <a:solidFill>
+                        <a:schemeClr val="tx1"/>
+                      </a:solidFill>
+                      <a:prstDash val="solid"/>
+                      <a:round/>
+                      <a:headEnd type="none" w="med" len="med"/>
+                      <a:tailEnd type="none" w="med" len="med"/>
+                    </a:lnL>
+                    <a:lnR w="12700" cmpd="sng">
+                      <a:noFill/>
+                    </a:lnR>
+                    <a:lnT w="12700" cap="flat" cmpd="sng" algn="ctr">
+                      <a:solidFill>
+                        <a:schemeClr val="tx1"/>
+                      </a:solidFill>
+                      <a:prstDash val="solid"/>
+                      <a:round/>
+                      <a:headEnd type="none" w="med" len="med"/>
+                      <a:tailEnd type="none" w="med" len="med"/>
+                    </a:lnT>
+                    <a:lnB w="12700" cap="flat" cmpd="sng" algn="ctr">
+                      <a:noFill/>
+                      <a:prstDash val="solid"/>
+                      <a:round/>
+                      <a:headEnd type="none" w="med" len="med"/>
+                      <a:tailEnd type="none" w="med" len="med"/>
+                    </a:lnB>
+                    <a:lnTlToBr w="12700" cmpd="sng">
+                      <a:noFill/>
+                      <a:prstDash val="solid"/>
+                    </a:lnTlToBr>
+                    <a:lnBlToTr w="12700" cmpd="sng">
+                      <a:noFill/>
+                      <a:prstDash val="solid"/>
+                    </a:lnBlToTr>
+                    <a:noFill/>
+                  </a:tcPr>
+                </a:tc>
+                <a:extLst>
+                  <a:ext uri="{0D108BD9-81ED-4DB2-BD59-A6C34878D82A}">
+                    <a16:rowId xmlns:a16="http://schemas.microsoft.com/office/drawing/2014/main" val="3023436988"/>
+                  </a:ext>
+                </a:extLst>
+              </a:tr>
+            </a:tbl>
+          </a:graphicData>
+        </a:graphic>
+      </p:graphicFrame>
+      <p:sp>
+        <p:nvSpPr>
+          <p:cNvPr id="9" name="Rect 0">
+            <a:extLst>
+              <a:ext uri="{FF2B5EF4-FFF2-40B4-BE49-F238E27FC236}">
+                <a16:creationId xmlns:a16="http://schemas.microsoft.com/office/drawing/2014/main" id="{6225C976-5FEA-4817-8E8B-DBC9A37CDF09}"/>
+              </a:ext>
+            </a:extLst>
+          </p:cNvPr>
+          <p:cNvSpPr txBox="1">
+            <a:spLocks/>
+          </p:cNvSpPr>
+          <p:nvPr/>
+        </p:nvSpPr>
+        <p:spPr>
+          <a:xfrm>
+            <a:off x="695325" y="292100"/>
+            <a:ext cx="10802620" cy="862965"/>
+          </a:xfrm>
+          <a:prstGeom prst="rect">
+            <a:avLst/>
+          </a:prstGeom>
+        </p:spPr>
+        <p:txBody>
+          <a:bodyPr vert="horz" wrap="square" lIns="91440" tIns="45720" rIns="91440" bIns="45720" numCol="1" anchor="ctr">
+            <a:normAutofit/>
+          </a:bodyPr>
+          <a:lstStyle>
+            <a:lvl1pPr marL="0" indent="0" algn="l" defTabSz="914400" rtl="0" eaLnBrk="1" latinLnBrk="1" hangingPunct="1">
+              <a:lnSpc>
+                <a:spcPct val="90000"/>
+              </a:lnSpc>
+              <a:spcBef>
+                <a:spcPct val="0"/>
+              </a:spcBef>
+              <a:buFontTx/>
+              <a:buNone/>
+              <a:defRPr lang="en-GB" altLang="en-US" sz="4400">
+                <a:solidFill>
+                  <a:schemeClr val="tx1"/>
+                </a:solidFill>
+                <a:latin typeface="+mj-lt"/>
+                <a:ea typeface="+mj-ea"/>
+                <a:cs typeface="+mj-cs"/>
+              </a:defRPr>
+            </a:lvl1pPr>
+          </a:lstStyle>
+          <a:p>
+            <a:pPr marL="0" indent="0" latinLnBrk="0">
+              <a:buFontTx/>
+              <a:buNone/>
+            </a:pPr>
+            <a:r>
+              <a:rPr lang="en-US" altLang="ko-KR" dirty="0"/>
+              <a:t>UI-</a:t>
+            </a:r>
+            <a:r>
+              <a:rPr lang="ko-KR" altLang="en-US" dirty="0"/>
+              <a:t>퀘스트 포기</a:t>
+            </a:r>
+          </a:p>
+        </p:txBody>
+      </p:sp>
+      <p:grpSp>
+        <p:nvGrpSpPr>
+          <p:cNvPr id="4" name="그룹 3">
+            <a:extLst>
+              <a:ext uri="{FF2B5EF4-FFF2-40B4-BE49-F238E27FC236}">
+                <a16:creationId xmlns:a16="http://schemas.microsoft.com/office/drawing/2014/main" id="{BBD1A847-EB44-4CB0-9955-3A58D8179D36}"/>
+              </a:ext>
+            </a:extLst>
+          </p:cNvPr>
+          <p:cNvGrpSpPr/>
+          <p:nvPr/>
+        </p:nvGrpSpPr>
+        <p:grpSpPr>
+          <a:xfrm>
+            <a:off x="2120242" y="1922231"/>
+            <a:ext cx="7951515" cy="1181454"/>
+            <a:chOff x="3117140" y="1851892"/>
+            <a:chExt cx="5116587" cy="760234"/>
+          </a:xfrm>
+        </p:grpSpPr>
+        <p:grpSp>
+          <p:nvGrpSpPr>
+            <p:cNvPr id="3" name="그룹 2">
+              <a:extLst>
+                <a:ext uri="{FF2B5EF4-FFF2-40B4-BE49-F238E27FC236}">
+                  <a16:creationId xmlns:a16="http://schemas.microsoft.com/office/drawing/2014/main" id="{B93C683F-00E1-473E-AFC3-456C9850A000}"/>
+                </a:ext>
+              </a:extLst>
+            </p:cNvPr>
+            <p:cNvGrpSpPr/>
+            <p:nvPr/>
+          </p:nvGrpSpPr>
+          <p:grpSpPr>
+            <a:xfrm>
+              <a:off x="3117140" y="1851893"/>
+              <a:ext cx="2137727" cy="760233"/>
+              <a:chOff x="2955950" y="2193982"/>
+              <a:chExt cx="2137727" cy="760233"/>
+            </a:xfrm>
+          </p:grpSpPr>
+          <p:sp>
+            <p:nvSpPr>
+              <p:cNvPr id="10" name="사각형: 둥근 모서리 9">
+                <a:extLst>
+                  <a:ext uri="{FF2B5EF4-FFF2-40B4-BE49-F238E27FC236}">
+                    <a16:creationId xmlns:a16="http://schemas.microsoft.com/office/drawing/2014/main" id="{BE915C8E-5236-4FC5-B4A6-8694709EFAED}"/>
+                  </a:ext>
+                </a:extLst>
+              </p:cNvPr>
+              <p:cNvSpPr/>
+              <p:nvPr/>
+            </p:nvSpPr>
+            <p:spPr>
+              <a:xfrm>
+                <a:off x="2955950" y="2193982"/>
+                <a:ext cx="2137727" cy="760233"/>
+              </a:xfrm>
+              <a:prstGeom prst="roundRect">
+                <a:avLst>
+                  <a:gd name="adj" fmla="val 6635"/>
+                </a:avLst>
+              </a:prstGeom>
+              <a:solidFill>
+                <a:schemeClr val="bg2">
+                  <a:lumMod val="90000"/>
+                </a:schemeClr>
+              </a:solidFill>
+              <a:ln>
+                <a:noFill/>
+              </a:ln>
+            </p:spPr>
+            <p:style>
+              <a:lnRef idx="2">
+                <a:schemeClr val="accent1">
+                  <a:shade val="50000"/>
+                </a:schemeClr>
+              </a:lnRef>
+              <a:fillRef idx="1">
+                <a:schemeClr val="accent1"/>
+              </a:fillRef>
+              <a:effectRef idx="0">
+                <a:schemeClr val="accent1"/>
+              </a:effectRef>
+              <a:fontRef idx="minor">
+                <a:schemeClr val="lt1"/>
+              </a:fontRef>
+            </p:style>
+            <p:txBody>
+              <a:bodyPr rtlCol="0" anchor="t"/>
+              <a:lstStyle/>
+              <a:p>
+                <a:pPr algn="ctr"/>
+                <a:r>
+                  <a:rPr lang="en-US" altLang="ko-KR" sz="1200" dirty="0">
+                    <a:solidFill>
+                      <a:schemeClr val="tx1"/>
+                    </a:solidFill>
+                  </a:rPr>
+                  <a:t>‘</a:t>
+                </a:r>
+                <a:r>
+                  <a:rPr lang="ko-KR" altLang="en-US" sz="1200" dirty="0">
+                    <a:solidFill>
+                      <a:schemeClr val="tx1"/>
+                    </a:solidFill>
+                  </a:rPr>
+                  <a:t>퀘스트 명</a:t>
+                </a:r>
+                <a:r>
+                  <a:rPr lang="en-US" altLang="ko-KR" sz="1200" dirty="0">
+                    <a:solidFill>
+                      <a:schemeClr val="tx1"/>
+                    </a:solidFill>
+                  </a:rPr>
+                  <a:t>’</a:t>
+                </a:r>
+              </a:p>
+              <a:p>
+                <a:pPr algn="ctr"/>
+                <a:r>
+                  <a:rPr lang="ko-KR" altLang="en-US" sz="1200" dirty="0">
+                    <a:solidFill>
+                      <a:schemeClr val="tx1"/>
+                    </a:solidFill>
+                  </a:rPr>
+                  <a:t>퀘스트를 포기 하겠습니까</a:t>
+                </a:r>
+                <a:r>
+                  <a:rPr lang="en-US" altLang="ko-KR" sz="1200" dirty="0">
+                    <a:solidFill>
+                      <a:schemeClr val="tx1"/>
+                    </a:solidFill>
+                  </a:rPr>
+                  <a:t>?</a:t>
+                </a:r>
+              </a:p>
+            </p:txBody>
+          </p:sp>
+          <p:grpSp>
+            <p:nvGrpSpPr>
+              <p:cNvPr id="2" name="그룹 1">
+                <a:extLst>
+                  <a:ext uri="{FF2B5EF4-FFF2-40B4-BE49-F238E27FC236}">
+                    <a16:creationId xmlns:a16="http://schemas.microsoft.com/office/drawing/2014/main" id="{94AD7BAB-9DCE-476D-A3FB-CCE1A6B264D8}"/>
+                  </a:ext>
+                </a:extLst>
+              </p:cNvPr>
+              <p:cNvGrpSpPr/>
+              <p:nvPr/>
+            </p:nvGrpSpPr>
+            <p:grpSpPr>
+              <a:xfrm>
+                <a:off x="3159026" y="2684325"/>
+                <a:ext cx="1731573" cy="202880"/>
+                <a:chOff x="3058798" y="2684324"/>
+                <a:chExt cx="1731573" cy="202880"/>
+              </a:xfrm>
+            </p:grpSpPr>
+            <p:sp>
+              <p:nvSpPr>
+                <p:cNvPr id="29" name="사각형: 둥근 모서리 28">
+                  <a:extLst>
+                    <a:ext uri="{FF2B5EF4-FFF2-40B4-BE49-F238E27FC236}">
+                      <a16:creationId xmlns:a16="http://schemas.microsoft.com/office/drawing/2014/main" id="{69180025-30F2-4D41-BCB2-9823C7B2C3FD}"/>
+                    </a:ext>
+                  </a:extLst>
+                </p:cNvPr>
+                <p:cNvSpPr/>
+                <p:nvPr/>
+              </p:nvSpPr>
+              <p:spPr>
+                <a:xfrm>
+                  <a:off x="3058798" y="2684325"/>
+                  <a:ext cx="765558" cy="202879"/>
+                </a:xfrm>
+                <a:prstGeom prst="roundRect">
+                  <a:avLst/>
+                </a:prstGeom>
+                <a:solidFill>
+                  <a:srgbClr val="990000"/>
+                </a:solidFill>
+                <a:ln>
+                  <a:noFill/>
+                </a:ln>
+              </p:spPr>
+              <p:style>
+                <a:lnRef idx="2">
+                  <a:schemeClr val="accent1">
+                    <a:shade val="50000"/>
+                  </a:schemeClr>
+                </a:lnRef>
+                <a:fillRef idx="1">
+                  <a:schemeClr val="accent1"/>
+                </a:fillRef>
+                <a:effectRef idx="0">
+                  <a:schemeClr val="accent1"/>
+                </a:effectRef>
+                <a:fontRef idx="minor">
+                  <a:schemeClr val="lt1"/>
+                </a:fontRef>
+              </p:style>
+              <p:txBody>
+                <a:bodyPr rtlCol="0" anchor="ctr"/>
+                <a:lstStyle/>
+                <a:p>
+                  <a:pPr algn="ctr"/>
+                  <a:r>
+                    <a:rPr lang="ko-KR" altLang="en-US" sz="1400" dirty="0"/>
+                    <a:t>포기</a:t>
+                  </a:r>
+                  <a:endParaRPr lang="ko-KR" altLang="en-US" dirty="0"/>
+                </a:p>
+              </p:txBody>
+            </p:sp>
+            <p:sp>
+              <p:nvSpPr>
+                <p:cNvPr id="31" name="사각형: 둥근 모서리 30">
+                  <a:extLst>
+                    <a:ext uri="{FF2B5EF4-FFF2-40B4-BE49-F238E27FC236}">
+                      <a16:creationId xmlns:a16="http://schemas.microsoft.com/office/drawing/2014/main" id="{D450D0EB-8BF0-4C89-92F4-6696E2FFBD77}"/>
+                    </a:ext>
+                  </a:extLst>
+                </p:cNvPr>
+                <p:cNvSpPr/>
+                <p:nvPr/>
+              </p:nvSpPr>
+              <p:spPr>
+                <a:xfrm>
+                  <a:off x="4024813" y="2684324"/>
+                  <a:ext cx="765558" cy="202879"/>
+                </a:xfrm>
+                <a:prstGeom prst="roundRect">
+                  <a:avLst/>
+                </a:prstGeom>
+                <a:solidFill>
+                  <a:schemeClr val="tx1">
+                    <a:lumMod val="50000"/>
+                    <a:lumOff val="50000"/>
+                  </a:schemeClr>
+                </a:solidFill>
+                <a:ln>
+                  <a:noFill/>
+                </a:ln>
+              </p:spPr>
+              <p:style>
+                <a:lnRef idx="2">
+                  <a:schemeClr val="accent1">
+                    <a:shade val="50000"/>
+                  </a:schemeClr>
+                </a:lnRef>
+                <a:fillRef idx="1">
+                  <a:schemeClr val="accent1"/>
+                </a:fillRef>
+                <a:effectRef idx="0">
+                  <a:schemeClr val="accent1"/>
+                </a:effectRef>
+                <a:fontRef idx="minor">
+                  <a:schemeClr val="lt1"/>
+                </a:fontRef>
+              </p:style>
+              <p:txBody>
+                <a:bodyPr rtlCol="0" anchor="ctr"/>
+                <a:lstStyle/>
+                <a:p>
+                  <a:pPr algn="ctr"/>
+                  <a:r>
+                    <a:rPr lang="ko-KR" altLang="en-US" sz="1400" dirty="0"/>
+                    <a:t>취소</a:t>
+                  </a:r>
+                  <a:endParaRPr lang="ko-KR" altLang="en-US" dirty="0"/>
+                </a:p>
+              </p:txBody>
+            </p:sp>
+          </p:grpSp>
+        </p:grpSp>
+        <p:grpSp>
+          <p:nvGrpSpPr>
+            <p:cNvPr id="11" name="그룹 10">
+              <a:extLst>
+                <a:ext uri="{FF2B5EF4-FFF2-40B4-BE49-F238E27FC236}">
+                  <a16:creationId xmlns:a16="http://schemas.microsoft.com/office/drawing/2014/main" id="{5993B98F-4DBA-4E1A-B040-5F268E6D6526}"/>
+                </a:ext>
+              </a:extLst>
+            </p:cNvPr>
+            <p:cNvGrpSpPr/>
+            <p:nvPr/>
+          </p:nvGrpSpPr>
+          <p:grpSpPr>
+            <a:xfrm>
+              <a:off x="6096000" y="1851892"/>
+              <a:ext cx="2137727" cy="760233"/>
+              <a:chOff x="2955950" y="2193982"/>
+              <a:chExt cx="2137727" cy="760233"/>
+            </a:xfrm>
+          </p:grpSpPr>
+          <p:sp>
+            <p:nvSpPr>
+              <p:cNvPr id="12" name="사각형: 둥근 모서리 11">
+                <a:extLst>
+                  <a:ext uri="{FF2B5EF4-FFF2-40B4-BE49-F238E27FC236}">
+                    <a16:creationId xmlns:a16="http://schemas.microsoft.com/office/drawing/2014/main" id="{04551DA5-2A16-469E-BC24-2ADA3470AC53}"/>
+                  </a:ext>
+                </a:extLst>
+              </p:cNvPr>
+              <p:cNvSpPr/>
+              <p:nvPr/>
+            </p:nvSpPr>
+            <p:spPr>
+              <a:xfrm>
+                <a:off x="2955950" y="2193982"/>
+                <a:ext cx="2137727" cy="760233"/>
+              </a:xfrm>
+              <a:prstGeom prst="roundRect">
+                <a:avLst>
+                  <a:gd name="adj" fmla="val 6635"/>
+                </a:avLst>
+              </a:prstGeom>
+              <a:solidFill>
+                <a:schemeClr val="bg2">
+                  <a:lumMod val="90000"/>
+                </a:schemeClr>
+              </a:solidFill>
+              <a:ln>
+                <a:noFill/>
+              </a:ln>
+            </p:spPr>
+            <p:style>
+              <a:lnRef idx="2">
+                <a:schemeClr val="accent1">
+                  <a:shade val="50000"/>
+                </a:schemeClr>
+              </a:lnRef>
+              <a:fillRef idx="1">
+                <a:schemeClr val="accent1"/>
+              </a:fillRef>
+              <a:effectRef idx="0">
+                <a:schemeClr val="accent1"/>
+              </a:effectRef>
+              <a:fontRef idx="minor">
+                <a:schemeClr val="lt1"/>
+              </a:fontRef>
+            </p:style>
+            <p:txBody>
+              <a:bodyPr rtlCol="0" anchor="t"/>
+              <a:lstStyle/>
+              <a:p>
+                <a:pPr algn="ctr"/>
+                <a:r>
+                  <a:rPr lang="en-US" altLang="ko-KR" sz="1200" dirty="0">
+                    <a:solidFill>
+                      <a:schemeClr val="tx1"/>
+                    </a:solidFill>
+                  </a:rPr>
+                  <a:t>‘</a:t>
+                </a:r>
+                <a:r>
+                  <a:rPr lang="ko-KR" altLang="en-US" sz="1200" dirty="0">
+                    <a:solidFill>
+                      <a:schemeClr val="tx1"/>
+                    </a:solidFill>
+                  </a:rPr>
+                  <a:t>퀘스트 명</a:t>
+                </a:r>
+                <a:r>
+                  <a:rPr lang="en-US" altLang="ko-KR" sz="1200" dirty="0">
+                    <a:solidFill>
+                      <a:schemeClr val="tx1"/>
+                    </a:solidFill>
+                  </a:rPr>
+                  <a:t>’</a:t>
+                </a:r>
+              </a:p>
+              <a:p>
+                <a:pPr algn="ctr"/>
+                <a:r>
+                  <a:rPr lang="ko-KR" altLang="en-US" sz="1200" dirty="0">
+                    <a:solidFill>
+                      <a:schemeClr val="tx1"/>
+                    </a:solidFill>
+                  </a:rPr>
+                  <a:t>퀘스트 포기 시 </a:t>
+                </a:r>
+                <a:endParaRPr lang="en-US" altLang="ko-KR" sz="1200" dirty="0">
+                  <a:solidFill>
+                    <a:schemeClr val="tx1"/>
+                  </a:solidFill>
+                </a:endParaRPr>
+              </a:p>
+              <a:p>
+                <a:pPr algn="ctr"/>
+                <a:r>
+                  <a:rPr lang="ko-KR" altLang="en-US" sz="1200" dirty="0">
+                    <a:solidFill>
+                      <a:schemeClr val="tx1"/>
+                    </a:solidFill>
+                  </a:rPr>
+                  <a:t>해당 퀘스트는 소멸 합니다</a:t>
+                </a:r>
+                <a:r>
+                  <a:rPr lang="en-US" altLang="ko-KR" sz="1200" dirty="0">
+                    <a:solidFill>
+                      <a:schemeClr val="tx1"/>
+                    </a:solidFill>
+                  </a:rPr>
+                  <a:t>.</a:t>
+                </a:r>
+              </a:p>
+            </p:txBody>
+          </p:sp>
+          <p:grpSp>
+            <p:nvGrpSpPr>
+              <p:cNvPr id="13" name="그룹 12">
+                <a:extLst>
+                  <a:ext uri="{FF2B5EF4-FFF2-40B4-BE49-F238E27FC236}">
+                    <a16:creationId xmlns:a16="http://schemas.microsoft.com/office/drawing/2014/main" id="{0E7B253B-4A57-49B7-90BD-99997A2529E4}"/>
+                  </a:ext>
+                </a:extLst>
+              </p:cNvPr>
+              <p:cNvGrpSpPr/>
+              <p:nvPr/>
+            </p:nvGrpSpPr>
+            <p:grpSpPr>
+              <a:xfrm>
+                <a:off x="3159026" y="2684325"/>
+                <a:ext cx="1731573" cy="202880"/>
+                <a:chOff x="3058798" y="2684324"/>
+                <a:chExt cx="1731573" cy="202880"/>
+              </a:xfrm>
+            </p:grpSpPr>
+            <p:sp>
+              <p:nvSpPr>
+                <p:cNvPr id="14" name="사각형: 둥근 모서리 13">
+                  <a:extLst>
+                    <a:ext uri="{FF2B5EF4-FFF2-40B4-BE49-F238E27FC236}">
+                      <a16:creationId xmlns:a16="http://schemas.microsoft.com/office/drawing/2014/main" id="{54B53565-6A21-4BB2-ADB0-6D0E047D4CDF}"/>
+                    </a:ext>
+                  </a:extLst>
+                </p:cNvPr>
+                <p:cNvSpPr/>
+                <p:nvPr/>
+              </p:nvSpPr>
+              <p:spPr>
+                <a:xfrm>
+                  <a:off x="3058798" y="2684325"/>
+                  <a:ext cx="765558" cy="202879"/>
+                </a:xfrm>
+                <a:prstGeom prst="roundRect">
+                  <a:avLst/>
+                </a:prstGeom>
+                <a:solidFill>
+                  <a:srgbClr val="990000"/>
+                </a:solidFill>
+                <a:ln>
+                  <a:noFill/>
+                </a:ln>
+              </p:spPr>
+              <p:style>
+                <a:lnRef idx="2">
+                  <a:schemeClr val="accent1">
+                    <a:shade val="50000"/>
+                  </a:schemeClr>
+                </a:lnRef>
+                <a:fillRef idx="1">
+                  <a:schemeClr val="accent1"/>
+                </a:fillRef>
+                <a:effectRef idx="0">
+                  <a:schemeClr val="accent1"/>
+                </a:effectRef>
+                <a:fontRef idx="minor">
+                  <a:schemeClr val="lt1"/>
+                </a:fontRef>
+              </p:style>
+              <p:txBody>
+                <a:bodyPr rtlCol="0" anchor="ctr"/>
+                <a:lstStyle/>
+                <a:p>
+                  <a:pPr algn="ctr"/>
+                  <a:r>
+                    <a:rPr lang="ko-KR" altLang="en-US" sz="1400" dirty="0"/>
+                    <a:t>포기</a:t>
+                  </a:r>
+                  <a:endParaRPr lang="ko-KR" altLang="en-US" dirty="0"/>
+                </a:p>
+              </p:txBody>
+            </p:sp>
+            <p:sp>
+              <p:nvSpPr>
+                <p:cNvPr id="15" name="사각형: 둥근 모서리 14">
+                  <a:extLst>
+                    <a:ext uri="{FF2B5EF4-FFF2-40B4-BE49-F238E27FC236}">
+                      <a16:creationId xmlns:a16="http://schemas.microsoft.com/office/drawing/2014/main" id="{EB233D4E-AEF0-4F71-AC4B-DD33F6A98485}"/>
+                    </a:ext>
+                  </a:extLst>
+                </p:cNvPr>
+                <p:cNvSpPr/>
+                <p:nvPr/>
+              </p:nvSpPr>
+              <p:spPr>
+                <a:xfrm>
+                  <a:off x="4024813" y="2684324"/>
+                  <a:ext cx="765558" cy="202879"/>
+                </a:xfrm>
+                <a:prstGeom prst="roundRect">
+                  <a:avLst/>
+                </a:prstGeom>
+                <a:solidFill>
+                  <a:schemeClr val="tx1">
+                    <a:lumMod val="50000"/>
+                    <a:lumOff val="50000"/>
+                  </a:schemeClr>
+                </a:solidFill>
+                <a:ln>
+                  <a:noFill/>
+                </a:ln>
+              </p:spPr>
+              <p:style>
+                <a:lnRef idx="2">
+                  <a:schemeClr val="accent1">
+                    <a:shade val="50000"/>
+                  </a:schemeClr>
+                </a:lnRef>
+                <a:fillRef idx="1">
+                  <a:schemeClr val="accent1"/>
+                </a:fillRef>
+                <a:effectRef idx="0">
+                  <a:schemeClr val="accent1"/>
+                </a:effectRef>
+                <a:fontRef idx="minor">
+                  <a:schemeClr val="lt1"/>
+                </a:fontRef>
+              </p:style>
+              <p:txBody>
+                <a:bodyPr rtlCol="0" anchor="ctr"/>
+                <a:lstStyle/>
+                <a:p>
+                  <a:pPr algn="ctr"/>
+                  <a:r>
+                    <a:rPr lang="ko-KR" altLang="en-US" sz="1400" dirty="0"/>
+                    <a:t>취소</a:t>
+                  </a:r>
+                  <a:endParaRPr lang="ko-KR" altLang="en-US" dirty="0"/>
+                </a:p>
+              </p:txBody>
+            </p:sp>
+          </p:grpSp>
+        </p:grpSp>
+      </p:grpSp>
+      <p:sp>
+        <p:nvSpPr>
+          <p:cNvPr id="17" name="도형 20">
+            <a:extLst>
+              <a:ext uri="{FF2B5EF4-FFF2-40B4-BE49-F238E27FC236}">
+                <a16:creationId xmlns:a16="http://schemas.microsoft.com/office/drawing/2014/main" id="{0292F04B-7FD8-4867-8FDE-D8C885DA7094}"/>
+              </a:ext>
+            </a:extLst>
+          </p:cNvPr>
+          <p:cNvSpPr>
+            <a:spLocks/>
+          </p:cNvSpPr>
+          <p:nvPr/>
+        </p:nvSpPr>
+        <p:spPr>
+          <a:xfrm>
+            <a:off x="2035803" y="1868954"/>
+            <a:ext cx="3476973" cy="1278693"/>
+          </a:xfrm>
+          <a:prstGeom prst="rect">
+            <a:avLst/>
+          </a:prstGeom>
+          <a:noFill/>
+          <a:ln w="15875" cap="flat" cmpd="sng">
+            <a:solidFill>
+              <a:srgbClr val="C00000">
+                <a:alpha val="100000"/>
+              </a:srgbClr>
+            </a:solidFill>
+            <a:prstDash val="solid"/>
+            <a:miter lim="800000"/>
+          </a:ln>
+        </p:spPr>
+        <p:style>
+          <a:lnRef idx="2">
+            <a:schemeClr val="accent1">
+              <a:shade val="50000"/>
+            </a:schemeClr>
+          </a:lnRef>
+          <a:fillRef idx="1">
+            <a:schemeClr val="accent1"/>
+          </a:fillRef>
+          <a:effectRef idx="0">
+            <a:schemeClr val="accent1"/>
+          </a:effectRef>
+          <a:fontRef idx="minor">
+            <a:schemeClr val="lt1"/>
+          </a:fontRef>
+        </p:style>
+        <p:txBody>
+          <a:bodyPr vert="horz" wrap="square" lIns="91440" tIns="45720" rIns="91440" bIns="45720" anchor="ctr">
+            <a:noAutofit/>
+          </a:bodyPr>
+          <a:lstStyle/>
+          <a:p>
+            <a:pPr marL="0" indent="0" algn="ctr" hangingPunct="1"/>
+            <a:endParaRPr lang="ko-KR" altLang="en-US" sz="1800">
+              <a:latin typeface="맑은 고딕" charset="0"/>
+              <a:ea typeface="맑은 고딕" charset="0"/>
+            </a:endParaRPr>
+          </a:p>
+        </p:txBody>
+      </p:sp>
+      <p:sp>
+        <p:nvSpPr>
+          <p:cNvPr id="18" name="도형 20">
+            <a:extLst>
+              <a:ext uri="{FF2B5EF4-FFF2-40B4-BE49-F238E27FC236}">
+                <a16:creationId xmlns:a16="http://schemas.microsoft.com/office/drawing/2014/main" id="{984B20DA-0A35-488C-9AEB-1B40DF473F2C}"/>
+              </a:ext>
+            </a:extLst>
+          </p:cNvPr>
+          <p:cNvSpPr>
+            <a:spLocks/>
+          </p:cNvSpPr>
+          <p:nvPr/>
+        </p:nvSpPr>
+        <p:spPr>
+          <a:xfrm>
+            <a:off x="3388329" y="1972781"/>
+            <a:ext cx="788018" cy="191384"/>
+          </a:xfrm>
+          <a:prstGeom prst="rect">
+            <a:avLst/>
+          </a:prstGeom>
+          <a:noFill/>
+          <a:ln w="15875" cap="flat" cmpd="sng">
+            <a:solidFill>
+              <a:srgbClr val="C00000">
+                <a:alpha val="100000"/>
+              </a:srgbClr>
+            </a:solidFill>
+            <a:prstDash val="solid"/>
+            <a:miter lim="800000"/>
+          </a:ln>
+        </p:spPr>
+        <p:style>
+          <a:lnRef idx="2">
+            <a:schemeClr val="accent1">
+              <a:shade val="50000"/>
+            </a:schemeClr>
+          </a:lnRef>
+          <a:fillRef idx="1">
+            <a:schemeClr val="accent1"/>
+          </a:fillRef>
+          <a:effectRef idx="0">
+            <a:schemeClr val="accent1"/>
+          </a:effectRef>
+          <a:fontRef idx="minor">
+            <a:schemeClr val="lt1"/>
+          </a:fontRef>
+        </p:style>
+        <p:txBody>
+          <a:bodyPr vert="horz" wrap="square" lIns="91440" tIns="45720" rIns="91440" bIns="45720" anchor="ctr">
+            <a:noAutofit/>
+          </a:bodyPr>
+          <a:lstStyle/>
+          <a:p>
+            <a:pPr marL="0" indent="0" algn="ctr" hangingPunct="1"/>
+            <a:endParaRPr lang="ko-KR" altLang="en-US" sz="1800">
+              <a:latin typeface="맑은 고딕" charset="0"/>
+              <a:ea typeface="맑은 고딕" charset="0"/>
+            </a:endParaRPr>
+          </a:p>
+        </p:txBody>
+      </p:sp>
+      <p:sp>
+        <p:nvSpPr>
+          <p:cNvPr id="19" name="도형 20">
+            <a:extLst>
+              <a:ext uri="{FF2B5EF4-FFF2-40B4-BE49-F238E27FC236}">
+                <a16:creationId xmlns:a16="http://schemas.microsoft.com/office/drawing/2014/main" id="{7A9BCDAA-57AC-413C-87D0-D6527EF1F06B}"/>
+              </a:ext>
+            </a:extLst>
+          </p:cNvPr>
+          <p:cNvSpPr>
+            <a:spLocks/>
+          </p:cNvSpPr>
+          <p:nvPr/>
+        </p:nvSpPr>
+        <p:spPr>
+          <a:xfrm>
+            <a:off x="2339894" y="2630198"/>
+            <a:ext cx="2882864" cy="423401"/>
+          </a:xfrm>
+          <a:prstGeom prst="rect">
+            <a:avLst/>
+          </a:prstGeom>
+          <a:noFill/>
+          <a:ln w="15875" cap="flat" cmpd="sng">
+            <a:solidFill>
+              <a:srgbClr val="C00000">
+                <a:alpha val="100000"/>
+              </a:srgbClr>
+            </a:solidFill>
+            <a:prstDash val="solid"/>
+            <a:miter lim="800000"/>
+          </a:ln>
+        </p:spPr>
+        <p:style>
+          <a:lnRef idx="2">
+            <a:schemeClr val="accent1">
+              <a:shade val="50000"/>
+            </a:schemeClr>
+          </a:lnRef>
+          <a:fillRef idx="1">
+            <a:schemeClr val="accent1"/>
+          </a:fillRef>
+          <a:effectRef idx="0">
+            <a:schemeClr val="accent1"/>
+          </a:effectRef>
+          <a:fontRef idx="minor">
+            <a:schemeClr val="lt1"/>
+          </a:fontRef>
+        </p:style>
+        <p:txBody>
+          <a:bodyPr vert="horz" wrap="square" lIns="91440" tIns="45720" rIns="91440" bIns="45720" anchor="ctr">
+            <a:noAutofit/>
+          </a:bodyPr>
+          <a:lstStyle/>
+          <a:p>
+            <a:pPr marL="0" indent="0" algn="ctr" hangingPunct="1"/>
+            <a:endParaRPr lang="ko-KR" altLang="en-US" sz="1800">
+              <a:latin typefa